--- a/presentation/DIP-Project.pptx
+++ b/presentation/DIP-Project.pptx
@@ -4,8 +4,21 @@
   <p:sldMasterIdLst>
     <p:sldMasterId id="2147483648" r:id="rId1"/>
   </p:sldMasterIdLst>
+  <p:notesMasterIdLst>
+    <p:notesMasterId r:id="rId13"/>
+  </p:notesMasterIdLst>
   <p:sldIdLst>
     <p:sldId id="256" r:id="rId2"/>
+    <p:sldId id="257" r:id="rId3"/>
+    <p:sldId id="258" r:id="rId4"/>
+    <p:sldId id="259" r:id="rId5"/>
+    <p:sldId id="263" r:id="rId6"/>
+    <p:sldId id="266" r:id="rId7"/>
+    <p:sldId id="260" r:id="rId8"/>
+    <p:sldId id="261" r:id="rId9"/>
+    <p:sldId id="264" r:id="rId10"/>
+    <p:sldId id="265" r:id="rId11"/>
+    <p:sldId id="262" r:id="rId12"/>
   </p:sldIdLst>
   <p:sldSz cx="12192000" cy="6858000"/>
   <p:notesSz cx="6858000" cy="9144000"/>
@@ -104,7 +117,4784 @@
       </a:defRPr>
     </a:lvl9pPr>
   </p:defaultTextStyle>
+  <p:extLst>
+    <p:ext uri="{EFAFB233-063F-42B5-8137-9DF3F51BA10A}">
+      <p15:sldGuideLst xmlns:p15="http://schemas.microsoft.com/office/powerpoint/2012/main"/>
+    </p:ext>
+  </p:extLst>
 </p:presentation>
+</file>
+
+<file path=ppt/diagrams/colors1.xml><?xml version="1.0" encoding="utf-8"?>
+<dgm:colorsDef xmlns:dgm="http://schemas.openxmlformats.org/drawingml/2006/diagram" xmlns:a="http://schemas.openxmlformats.org/drawingml/2006/main" uniqueId="urn:microsoft.com/office/officeart/2005/8/colors/accent1_2">
+  <dgm:title val=""/>
+  <dgm:desc val=""/>
+  <dgm:catLst>
+    <dgm:cat type="accent1" pri="11200"/>
+  </dgm:catLst>
+  <dgm:styleLbl name="node0">
+    <dgm:fillClrLst meth="repeat">
+      <a:schemeClr val="accent1"/>
+    </dgm:fillClrLst>
+    <dgm:linClrLst meth="repeat">
+      <a:schemeClr val="lt1"/>
+    </dgm:linClrLst>
+    <dgm:effectClrLst/>
+    <dgm:txLinClrLst/>
+    <dgm:txFillClrLst/>
+    <dgm:txEffectClrLst/>
+  </dgm:styleLbl>
+  <dgm:styleLbl name="alignNode1">
+    <dgm:fillClrLst meth="repeat">
+      <a:schemeClr val="accent1"/>
+    </dgm:fillClrLst>
+    <dgm:linClrLst meth="repeat">
+      <a:schemeClr val="accent1"/>
+    </dgm:linClrLst>
+    <dgm:effectClrLst/>
+    <dgm:txLinClrLst/>
+    <dgm:txFillClrLst/>
+    <dgm:txEffectClrLst/>
+  </dgm:styleLbl>
+  <dgm:styleLbl name="node1">
+    <dgm:fillClrLst meth="repeat">
+      <a:schemeClr val="accent1"/>
+    </dgm:fillClrLst>
+    <dgm:linClrLst meth="repeat">
+      <a:schemeClr val="lt1"/>
+    </dgm:linClrLst>
+    <dgm:effectClrLst/>
+    <dgm:txLinClrLst/>
+    <dgm:txFillClrLst/>
+    <dgm:txEffectClrLst/>
+  </dgm:styleLbl>
+  <dgm:styleLbl name="lnNode1">
+    <dgm:fillClrLst meth="repeat">
+      <a:schemeClr val="accent1"/>
+    </dgm:fillClrLst>
+    <dgm:linClrLst meth="repeat">
+      <a:schemeClr val="lt1"/>
+    </dgm:linClrLst>
+    <dgm:effectClrLst/>
+    <dgm:txLinClrLst/>
+    <dgm:txFillClrLst/>
+    <dgm:txEffectClrLst/>
+  </dgm:styleLbl>
+  <dgm:styleLbl name="vennNode1">
+    <dgm:fillClrLst meth="repeat">
+      <a:schemeClr val="accent1">
+        <a:alpha val="50000"/>
+      </a:schemeClr>
+    </dgm:fillClrLst>
+    <dgm:linClrLst meth="repeat">
+      <a:schemeClr val="lt1"/>
+    </dgm:linClrLst>
+    <dgm:effectClrLst/>
+    <dgm:txLinClrLst/>
+    <dgm:txFillClrLst/>
+    <dgm:txEffectClrLst/>
+  </dgm:styleLbl>
+  <dgm:styleLbl name="node2">
+    <dgm:fillClrLst meth="repeat">
+      <a:schemeClr val="accent1"/>
+    </dgm:fillClrLst>
+    <dgm:linClrLst meth="repeat">
+      <a:schemeClr val="lt1"/>
+    </dgm:linClrLst>
+    <dgm:effectClrLst/>
+    <dgm:txLinClrLst/>
+    <dgm:txFillClrLst/>
+    <dgm:txEffectClrLst/>
+  </dgm:styleLbl>
+  <dgm:styleLbl name="node3">
+    <dgm:fillClrLst meth="repeat">
+      <a:schemeClr val="accent1"/>
+    </dgm:fillClrLst>
+    <dgm:linClrLst meth="repeat">
+      <a:schemeClr val="lt1"/>
+    </dgm:linClrLst>
+    <dgm:effectClrLst/>
+    <dgm:txLinClrLst/>
+    <dgm:txFillClrLst/>
+    <dgm:txEffectClrLst/>
+  </dgm:styleLbl>
+  <dgm:styleLbl name="node4">
+    <dgm:fillClrLst meth="repeat">
+      <a:schemeClr val="accent1"/>
+    </dgm:fillClrLst>
+    <dgm:linClrLst meth="repeat">
+      <a:schemeClr val="lt1"/>
+    </dgm:linClrLst>
+    <dgm:effectClrLst/>
+    <dgm:txLinClrLst/>
+    <dgm:txFillClrLst/>
+    <dgm:txEffectClrLst/>
+  </dgm:styleLbl>
+  <dgm:styleLbl name="fgImgPlace1">
+    <dgm:fillClrLst meth="repeat">
+      <a:schemeClr val="accent1">
+        <a:tint val="50000"/>
+      </a:schemeClr>
+    </dgm:fillClrLst>
+    <dgm:linClrLst meth="repeat">
+      <a:schemeClr val="lt1"/>
+    </dgm:linClrLst>
+    <dgm:effectClrLst/>
+    <dgm:txLinClrLst/>
+    <dgm:txFillClrLst meth="repeat">
+      <a:schemeClr val="lt1"/>
+    </dgm:txFillClrLst>
+    <dgm:txEffectClrLst/>
+  </dgm:styleLbl>
+  <dgm:styleLbl name="alignImgPlace1">
+    <dgm:fillClrLst meth="repeat">
+      <a:schemeClr val="accent1">
+        <a:tint val="50000"/>
+      </a:schemeClr>
+    </dgm:fillClrLst>
+    <dgm:linClrLst meth="repeat">
+      <a:schemeClr val="lt1"/>
+    </dgm:linClrLst>
+    <dgm:effectClrLst/>
+    <dgm:txLinClrLst/>
+    <dgm:txFillClrLst meth="repeat">
+      <a:schemeClr val="lt1"/>
+    </dgm:txFillClrLst>
+    <dgm:txEffectClrLst/>
+  </dgm:styleLbl>
+  <dgm:styleLbl name="bgImgPlace1">
+    <dgm:fillClrLst meth="repeat">
+      <a:schemeClr val="accent1">
+        <a:tint val="50000"/>
+      </a:schemeClr>
+    </dgm:fillClrLst>
+    <dgm:linClrLst meth="repeat">
+      <a:schemeClr val="lt1"/>
+    </dgm:linClrLst>
+    <dgm:effectClrLst/>
+    <dgm:txLinClrLst/>
+    <dgm:txFillClrLst meth="repeat">
+      <a:schemeClr val="lt1"/>
+    </dgm:txFillClrLst>
+    <dgm:txEffectClrLst/>
+  </dgm:styleLbl>
+  <dgm:styleLbl name="sibTrans2D1">
+    <dgm:fillClrLst meth="repeat">
+      <a:schemeClr val="accent1">
+        <a:tint val="60000"/>
+      </a:schemeClr>
+    </dgm:fillClrLst>
+    <dgm:linClrLst meth="repeat">
+      <a:schemeClr val="accent1">
+        <a:tint val="60000"/>
+      </a:schemeClr>
+    </dgm:linClrLst>
+    <dgm:effectClrLst/>
+    <dgm:txLinClrLst/>
+    <dgm:txFillClrLst/>
+    <dgm:txEffectClrLst/>
+  </dgm:styleLbl>
+  <dgm:styleLbl name="fgSibTrans2D1">
+    <dgm:fillClrLst meth="repeat">
+      <a:schemeClr val="accent1">
+        <a:tint val="60000"/>
+      </a:schemeClr>
+    </dgm:fillClrLst>
+    <dgm:linClrLst meth="repeat">
+      <a:schemeClr val="accent1">
+        <a:tint val="60000"/>
+      </a:schemeClr>
+    </dgm:linClrLst>
+    <dgm:effectClrLst/>
+    <dgm:txLinClrLst/>
+    <dgm:txFillClrLst/>
+    <dgm:txEffectClrLst/>
+  </dgm:styleLbl>
+  <dgm:styleLbl name="bgSibTrans2D1">
+    <dgm:fillClrLst meth="repeat">
+      <a:schemeClr val="accent1">
+        <a:tint val="60000"/>
+      </a:schemeClr>
+    </dgm:fillClrLst>
+    <dgm:linClrLst meth="repeat">
+      <a:schemeClr val="accent1">
+        <a:tint val="60000"/>
+      </a:schemeClr>
+    </dgm:linClrLst>
+    <dgm:effectClrLst/>
+    <dgm:txLinClrLst/>
+    <dgm:txFillClrLst/>
+    <dgm:txEffectClrLst/>
+  </dgm:styleLbl>
+  <dgm:styleLbl name="sibTrans1D1">
+    <dgm:fillClrLst meth="repeat">
+      <a:schemeClr val="accent1"/>
+    </dgm:fillClrLst>
+    <dgm:linClrLst meth="repeat">
+      <a:schemeClr val="accent1"/>
+    </dgm:linClrLst>
+    <dgm:effectClrLst/>
+    <dgm:txLinClrLst/>
+    <dgm:txFillClrLst meth="repeat">
+      <a:schemeClr val="tx1"/>
+    </dgm:txFillClrLst>
+    <dgm:txEffectClrLst/>
+  </dgm:styleLbl>
+  <dgm:styleLbl name="callout">
+    <dgm:fillClrLst meth="repeat">
+      <a:schemeClr val="accent1"/>
+    </dgm:fillClrLst>
+    <dgm:linClrLst meth="repeat">
+      <a:schemeClr val="accent1">
+        <a:tint val="50000"/>
+      </a:schemeClr>
+    </dgm:linClrLst>
+    <dgm:effectClrLst/>
+    <dgm:txLinClrLst/>
+    <dgm:txFillClrLst meth="repeat">
+      <a:schemeClr val="tx1"/>
+    </dgm:txFillClrLst>
+    <dgm:txEffectClrLst/>
+  </dgm:styleLbl>
+  <dgm:styleLbl name="asst0">
+    <dgm:fillClrLst meth="repeat">
+      <a:schemeClr val="accent1"/>
+    </dgm:fillClrLst>
+    <dgm:linClrLst meth="repeat">
+      <a:schemeClr val="lt1"/>
+    </dgm:linClrLst>
+    <dgm:effectClrLst/>
+    <dgm:txLinClrLst/>
+    <dgm:txFillClrLst/>
+    <dgm:txEffectClrLst/>
+  </dgm:styleLbl>
+  <dgm:styleLbl name="asst1">
+    <dgm:fillClrLst meth="repeat">
+      <a:schemeClr val="accent1"/>
+    </dgm:fillClrLst>
+    <dgm:linClrLst meth="repeat">
+      <a:schemeClr val="lt1"/>
+    </dgm:linClrLst>
+    <dgm:effectClrLst/>
+    <dgm:txLinClrLst/>
+    <dgm:txFillClrLst/>
+    <dgm:txEffectClrLst/>
+  </dgm:styleLbl>
+  <dgm:styleLbl name="asst2">
+    <dgm:fillClrLst meth="repeat">
+      <a:schemeClr val="accent1"/>
+    </dgm:fillClrLst>
+    <dgm:linClrLst meth="repeat">
+      <a:schemeClr val="lt1"/>
+    </dgm:linClrLst>
+    <dgm:effectClrLst/>
+    <dgm:txLinClrLst/>
+    <dgm:txFillClrLst/>
+    <dgm:txEffectClrLst/>
+  </dgm:styleLbl>
+  <dgm:styleLbl name="asst3">
+    <dgm:fillClrLst meth="repeat">
+      <a:schemeClr val="accent1"/>
+    </dgm:fillClrLst>
+    <dgm:linClrLst meth="repeat">
+      <a:schemeClr val="lt1"/>
+    </dgm:linClrLst>
+    <dgm:effectClrLst/>
+    <dgm:txLinClrLst/>
+    <dgm:txFillClrLst/>
+    <dgm:txEffectClrLst/>
+  </dgm:styleLbl>
+  <dgm:styleLbl name="asst4">
+    <dgm:fillClrLst meth="repeat">
+      <a:schemeClr val="accent1"/>
+    </dgm:fillClrLst>
+    <dgm:linClrLst meth="repeat">
+      <a:schemeClr val="lt1"/>
+    </dgm:linClrLst>
+    <dgm:effectClrLst/>
+    <dgm:txLinClrLst/>
+    <dgm:txFillClrLst/>
+    <dgm:txEffectClrLst/>
+  </dgm:styleLbl>
+  <dgm:styleLbl name="parChTrans2D1">
+    <dgm:fillClrLst meth="repeat">
+      <a:schemeClr val="accent1">
+        <a:tint val="60000"/>
+      </a:schemeClr>
+    </dgm:fillClrLst>
+    <dgm:linClrLst meth="repeat">
+      <a:schemeClr val="accent1">
+        <a:tint val="60000"/>
+      </a:schemeClr>
+    </dgm:linClrLst>
+    <dgm:effectClrLst/>
+    <dgm:txLinClrLst/>
+    <dgm:txFillClrLst meth="repeat">
+      <a:schemeClr val="lt1"/>
+    </dgm:txFillClrLst>
+    <dgm:txEffectClrLst/>
+  </dgm:styleLbl>
+  <dgm:styleLbl name="parChTrans2D2">
+    <dgm:fillClrLst meth="repeat">
+      <a:schemeClr val="accent1"/>
+    </dgm:fillClrLst>
+    <dgm:linClrLst meth="repeat">
+      <a:schemeClr val="accent1"/>
+    </dgm:linClrLst>
+    <dgm:effectClrLst/>
+    <dgm:txLinClrLst/>
+    <dgm:txFillClrLst meth="repeat">
+      <a:schemeClr val="lt1"/>
+    </dgm:txFillClrLst>
+    <dgm:txEffectClrLst/>
+  </dgm:styleLbl>
+  <dgm:styleLbl name="parChTrans2D3">
+    <dgm:fillClrLst meth="repeat">
+      <a:schemeClr val="accent1"/>
+    </dgm:fillClrLst>
+    <dgm:linClrLst meth="repeat">
+      <a:schemeClr val="accent1"/>
+    </dgm:linClrLst>
+    <dgm:effectClrLst/>
+    <dgm:txLinClrLst/>
+    <dgm:txFillClrLst meth="repeat">
+      <a:schemeClr val="lt1"/>
+    </dgm:txFillClrLst>
+    <dgm:txEffectClrLst/>
+  </dgm:styleLbl>
+  <dgm:styleLbl name="parChTrans2D4">
+    <dgm:fillClrLst meth="repeat">
+      <a:schemeClr val="accent1"/>
+    </dgm:fillClrLst>
+    <dgm:linClrLst meth="repeat">
+      <a:schemeClr val="accent1"/>
+    </dgm:linClrLst>
+    <dgm:effectClrLst/>
+    <dgm:txLinClrLst/>
+    <dgm:txFillClrLst meth="repeat">
+      <a:schemeClr val="lt1"/>
+    </dgm:txFillClrLst>
+    <dgm:txEffectClrLst/>
+  </dgm:styleLbl>
+  <dgm:styleLbl name="parChTrans1D1">
+    <dgm:fillClrLst meth="repeat">
+      <a:schemeClr val="accent1"/>
+    </dgm:fillClrLst>
+    <dgm:linClrLst meth="repeat">
+      <a:schemeClr val="accent1">
+        <a:shade val="60000"/>
+      </a:schemeClr>
+    </dgm:linClrLst>
+    <dgm:effectClrLst/>
+    <dgm:txLinClrLst/>
+    <dgm:txFillClrLst meth="repeat">
+      <a:schemeClr val="tx1"/>
+    </dgm:txFillClrLst>
+    <dgm:txEffectClrLst/>
+  </dgm:styleLbl>
+  <dgm:styleLbl name="parChTrans1D2">
+    <dgm:fillClrLst meth="repeat">
+      <a:schemeClr val="accent1"/>
+    </dgm:fillClrLst>
+    <dgm:linClrLst meth="repeat">
+      <a:schemeClr val="accent1">
+        <a:shade val="60000"/>
+      </a:schemeClr>
+    </dgm:linClrLst>
+    <dgm:effectClrLst/>
+    <dgm:txLinClrLst/>
+    <dgm:txFillClrLst meth="repeat">
+      <a:schemeClr val="tx1"/>
+    </dgm:txFillClrLst>
+    <dgm:txEffectClrLst/>
+  </dgm:styleLbl>
+  <dgm:styleLbl name="parChTrans1D3">
+    <dgm:fillClrLst meth="repeat">
+      <a:schemeClr val="accent1"/>
+    </dgm:fillClrLst>
+    <dgm:linClrLst meth="repeat">
+      <a:schemeClr val="accent1">
+        <a:shade val="80000"/>
+      </a:schemeClr>
+    </dgm:linClrLst>
+    <dgm:effectClrLst/>
+    <dgm:txLinClrLst/>
+    <dgm:txFillClrLst meth="repeat">
+      <a:schemeClr val="tx1"/>
+    </dgm:txFillClrLst>
+    <dgm:txEffectClrLst/>
+  </dgm:styleLbl>
+  <dgm:styleLbl name="parChTrans1D4">
+    <dgm:fillClrLst meth="repeat">
+      <a:schemeClr val="accent1"/>
+    </dgm:fillClrLst>
+    <dgm:linClrLst meth="repeat">
+      <a:schemeClr val="accent1">
+        <a:shade val="80000"/>
+      </a:schemeClr>
+    </dgm:linClrLst>
+    <dgm:effectClrLst/>
+    <dgm:txLinClrLst/>
+    <dgm:txFillClrLst meth="repeat">
+      <a:schemeClr val="tx1"/>
+    </dgm:txFillClrLst>
+    <dgm:txEffectClrLst/>
+  </dgm:styleLbl>
+  <dgm:styleLbl name="fgAcc1">
+    <dgm:fillClrLst meth="repeat">
+      <a:schemeClr val="lt1">
+        <a:alpha val="90000"/>
+      </a:schemeClr>
+    </dgm:fillClrLst>
+    <dgm:linClrLst meth="repeat">
+      <a:schemeClr val="accent1"/>
+    </dgm:linClrLst>
+    <dgm:effectClrLst/>
+    <dgm:txLinClrLst/>
+    <dgm:txFillClrLst meth="repeat">
+      <a:schemeClr val="dk1"/>
+    </dgm:txFillClrLst>
+    <dgm:txEffectClrLst/>
+  </dgm:styleLbl>
+  <dgm:styleLbl name="conFgAcc1">
+    <dgm:fillClrLst meth="repeat">
+      <a:schemeClr val="lt1">
+        <a:alpha val="90000"/>
+      </a:schemeClr>
+    </dgm:fillClrLst>
+    <dgm:linClrLst meth="repeat">
+      <a:schemeClr val="accent1"/>
+    </dgm:linClrLst>
+    <dgm:effectClrLst/>
+    <dgm:txLinClrLst/>
+    <dgm:txFillClrLst meth="repeat">
+      <a:schemeClr val="dk1"/>
+    </dgm:txFillClrLst>
+    <dgm:txEffectClrLst/>
+  </dgm:styleLbl>
+  <dgm:styleLbl name="alignAcc1">
+    <dgm:fillClrLst meth="repeat">
+      <a:schemeClr val="lt1">
+        <a:alpha val="90000"/>
+      </a:schemeClr>
+    </dgm:fillClrLst>
+    <dgm:linClrLst meth="repeat">
+      <a:schemeClr val="accent1"/>
+    </dgm:linClrLst>
+    <dgm:effectClrLst/>
+    <dgm:txLinClrLst/>
+    <dgm:txFillClrLst meth="repeat">
+      <a:schemeClr val="dk1"/>
+    </dgm:txFillClrLst>
+    <dgm:txEffectClrLst/>
+  </dgm:styleLbl>
+  <dgm:styleLbl name="trAlignAcc1">
+    <dgm:fillClrLst meth="repeat">
+      <a:schemeClr val="lt1">
+        <a:alpha val="40000"/>
+      </a:schemeClr>
+    </dgm:fillClrLst>
+    <dgm:linClrLst meth="repeat">
+      <a:schemeClr val="accent1"/>
+    </dgm:linClrLst>
+    <dgm:effectClrLst/>
+    <dgm:txLinClrLst/>
+    <dgm:txFillClrLst meth="repeat">
+      <a:schemeClr val="dk1"/>
+    </dgm:txFillClrLst>
+    <dgm:txEffectClrLst/>
+  </dgm:styleLbl>
+  <dgm:styleLbl name="bgAcc1">
+    <dgm:fillClrLst meth="repeat">
+      <a:schemeClr val="lt1">
+        <a:alpha val="90000"/>
+      </a:schemeClr>
+    </dgm:fillClrLst>
+    <dgm:linClrLst meth="repeat">
+      <a:schemeClr val="accent1"/>
+    </dgm:linClrLst>
+    <dgm:effectClrLst/>
+    <dgm:txLinClrLst/>
+    <dgm:txFillClrLst meth="repeat">
+      <a:schemeClr val="dk1"/>
+    </dgm:txFillClrLst>
+    <dgm:txEffectClrLst/>
+  </dgm:styleLbl>
+  <dgm:styleLbl name="solidFgAcc1">
+    <dgm:fillClrLst meth="repeat">
+      <a:schemeClr val="lt1"/>
+    </dgm:fillClrLst>
+    <dgm:linClrLst meth="repeat">
+      <a:schemeClr val="accent1"/>
+    </dgm:linClrLst>
+    <dgm:effectClrLst/>
+    <dgm:txLinClrLst/>
+    <dgm:txFillClrLst meth="repeat">
+      <a:schemeClr val="dk1"/>
+    </dgm:txFillClrLst>
+    <dgm:txEffectClrLst/>
+  </dgm:styleLbl>
+  <dgm:styleLbl name="solidAlignAcc1">
+    <dgm:fillClrLst meth="repeat">
+      <a:schemeClr val="lt1"/>
+    </dgm:fillClrLst>
+    <dgm:linClrLst meth="repeat">
+      <a:schemeClr val="accent1"/>
+    </dgm:linClrLst>
+    <dgm:effectClrLst/>
+    <dgm:txLinClrLst/>
+    <dgm:txFillClrLst meth="repeat">
+      <a:schemeClr val="dk1"/>
+    </dgm:txFillClrLst>
+    <dgm:txEffectClrLst/>
+  </dgm:styleLbl>
+  <dgm:styleLbl name="solidBgAcc1">
+    <dgm:fillClrLst meth="repeat">
+      <a:schemeClr val="lt1"/>
+    </dgm:fillClrLst>
+    <dgm:linClrLst meth="repeat">
+      <a:schemeClr val="accent1"/>
+    </dgm:linClrLst>
+    <dgm:effectClrLst/>
+    <dgm:txLinClrLst/>
+    <dgm:txFillClrLst meth="repeat">
+      <a:schemeClr val="dk1"/>
+    </dgm:txFillClrLst>
+    <dgm:txEffectClrLst/>
+  </dgm:styleLbl>
+  <dgm:styleLbl name="fgAccFollowNode1">
+    <dgm:fillClrLst meth="repeat">
+      <a:schemeClr val="accent1">
+        <a:alpha val="90000"/>
+        <a:tint val="40000"/>
+      </a:schemeClr>
+    </dgm:fillClrLst>
+    <dgm:linClrLst meth="repeat">
+      <a:schemeClr val="accent1">
+        <a:alpha val="90000"/>
+        <a:tint val="40000"/>
+      </a:schemeClr>
+    </dgm:linClrLst>
+    <dgm:effectClrLst/>
+    <dgm:txLinClrLst/>
+    <dgm:txFillClrLst meth="repeat">
+      <a:schemeClr val="dk1"/>
+    </dgm:txFillClrLst>
+    <dgm:txEffectClrLst/>
+  </dgm:styleLbl>
+  <dgm:styleLbl name="alignAccFollowNode1">
+    <dgm:fillClrLst meth="repeat">
+      <a:schemeClr val="accent1">
+        <a:alpha val="90000"/>
+        <a:tint val="40000"/>
+      </a:schemeClr>
+    </dgm:fillClrLst>
+    <dgm:linClrLst meth="repeat">
+      <a:schemeClr val="accent1">
+        <a:alpha val="90000"/>
+        <a:tint val="40000"/>
+      </a:schemeClr>
+    </dgm:linClrLst>
+    <dgm:effectClrLst/>
+    <dgm:txLinClrLst/>
+    <dgm:txFillClrLst meth="repeat">
+      <a:schemeClr val="dk1"/>
+    </dgm:txFillClrLst>
+    <dgm:txEffectClrLst/>
+  </dgm:styleLbl>
+  <dgm:styleLbl name="bgAccFollowNode1">
+    <dgm:fillClrLst meth="repeat">
+      <a:schemeClr val="accent1">
+        <a:alpha val="90000"/>
+        <a:tint val="40000"/>
+      </a:schemeClr>
+    </dgm:fillClrLst>
+    <dgm:linClrLst meth="repeat">
+      <a:schemeClr val="accent1">
+        <a:alpha val="90000"/>
+        <a:tint val="40000"/>
+      </a:schemeClr>
+    </dgm:linClrLst>
+    <dgm:effectClrLst/>
+    <dgm:txLinClrLst/>
+    <dgm:txFillClrLst meth="repeat">
+      <a:schemeClr val="dk1"/>
+    </dgm:txFillClrLst>
+    <dgm:txEffectClrLst/>
+  </dgm:styleLbl>
+  <dgm:styleLbl name="fgAcc0">
+    <dgm:fillClrLst meth="repeat">
+      <a:schemeClr val="lt1">
+        <a:alpha val="90000"/>
+      </a:schemeClr>
+    </dgm:fillClrLst>
+    <dgm:linClrLst meth="repeat">
+      <a:schemeClr val="accent1"/>
+    </dgm:linClrLst>
+    <dgm:effectClrLst/>
+    <dgm:txLinClrLst/>
+    <dgm:txFillClrLst meth="repeat">
+      <a:schemeClr val="dk1"/>
+    </dgm:txFillClrLst>
+    <dgm:txEffectClrLst/>
+  </dgm:styleLbl>
+  <dgm:styleLbl name="fgAcc2">
+    <dgm:fillClrLst meth="repeat">
+      <a:schemeClr val="lt1">
+        <a:alpha val="90000"/>
+      </a:schemeClr>
+    </dgm:fillClrLst>
+    <dgm:linClrLst meth="repeat">
+      <a:schemeClr val="accent1"/>
+    </dgm:linClrLst>
+    <dgm:effectClrLst/>
+    <dgm:txLinClrLst/>
+    <dgm:txFillClrLst meth="repeat">
+      <a:schemeClr val="dk1"/>
+    </dgm:txFillClrLst>
+    <dgm:txEffectClrLst/>
+  </dgm:styleLbl>
+  <dgm:styleLbl name="fgAcc3">
+    <dgm:fillClrLst meth="repeat">
+      <a:schemeClr val="lt1">
+        <a:alpha val="90000"/>
+      </a:schemeClr>
+    </dgm:fillClrLst>
+    <dgm:linClrLst meth="repeat">
+      <a:schemeClr val="accent1"/>
+    </dgm:linClrLst>
+    <dgm:effectClrLst/>
+    <dgm:txLinClrLst/>
+    <dgm:txFillClrLst meth="repeat">
+      <a:schemeClr val="dk1"/>
+    </dgm:txFillClrLst>
+    <dgm:txEffectClrLst/>
+  </dgm:styleLbl>
+  <dgm:styleLbl name="fgAcc4">
+    <dgm:fillClrLst meth="repeat">
+      <a:schemeClr val="lt1">
+        <a:alpha val="90000"/>
+      </a:schemeClr>
+    </dgm:fillClrLst>
+    <dgm:linClrLst meth="repeat">
+      <a:schemeClr val="accent1"/>
+    </dgm:linClrLst>
+    <dgm:effectClrLst/>
+    <dgm:txLinClrLst/>
+    <dgm:txFillClrLst meth="repeat">
+      <a:schemeClr val="dk1"/>
+    </dgm:txFillClrLst>
+    <dgm:txEffectClrLst/>
+  </dgm:styleLbl>
+  <dgm:styleLbl name="bgShp">
+    <dgm:fillClrLst meth="repeat">
+      <a:schemeClr val="accent1">
+        <a:tint val="40000"/>
+      </a:schemeClr>
+    </dgm:fillClrLst>
+    <dgm:linClrLst meth="repeat">
+      <a:schemeClr val="accent1"/>
+    </dgm:linClrLst>
+    <dgm:effectClrLst/>
+    <dgm:txLinClrLst/>
+    <dgm:txFillClrLst meth="repeat">
+      <a:schemeClr val="dk1"/>
+    </dgm:txFillClrLst>
+    <dgm:txEffectClrLst/>
+  </dgm:styleLbl>
+  <dgm:styleLbl name="dkBgShp">
+    <dgm:fillClrLst meth="repeat">
+      <a:schemeClr val="accent1">
+        <a:shade val="80000"/>
+      </a:schemeClr>
+    </dgm:fillClrLst>
+    <dgm:linClrLst meth="repeat">
+      <a:schemeClr val="accent1"/>
+    </dgm:linClrLst>
+    <dgm:effectClrLst/>
+    <dgm:txLinClrLst/>
+    <dgm:txFillClrLst meth="repeat">
+      <a:schemeClr val="lt1"/>
+    </dgm:txFillClrLst>
+    <dgm:txEffectClrLst/>
+  </dgm:styleLbl>
+  <dgm:styleLbl name="trBgShp">
+    <dgm:fillClrLst meth="repeat">
+      <a:schemeClr val="accent1">
+        <a:tint val="50000"/>
+        <a:alpha val="40000"/>
+      </a:schemeClr>
+    </dgm:fillClrLst>
+    <dgm:linClrLst meth="repeat">
+      <a:schemeClr val="accent1"/>
+    </dgm:linClrLst>
+    <dgm:effectClrLst/>
+    <dgm:txLinClrLst/>
+    <dgm:txFillClrLst meth="repeat">
+      <a:schemeClr val="lt1"/>
+    </dgm:txFillClrLst>
+    <dgm:txEffectClrLst/>
+  </dgm:styleLbl>
+  <dgm:styleLbl name="fgShp">
+    <dgm:fillClrLst meth="repeat">
+      <a:schemeClr val="accent1">
+        <a:tint val="60000"/>
+      </a:schemeClr>
+    </dgm:fillClrLst>
+    <dgm:linClrLst meth="repeat">
+      <a:schemeClr val="lt1"/>
+    </dgm:linClrLst>
+    <dgm:effectClrLst/>
+    <dgm:txLinClrLst/>
+    <dgm:txFillClrLst meth="repeat">
+      <a:schemeClr val="dk1"/>
+    </dgm:txFillClrLst>
+    <dgm:txEffectClrLst/>
+  </dgm:styleLbl>
+  <dgm:styleLbl name="revTx">
+    <dgm:fillClrLst meth="repeat">
+      <a:schemeClr val="lt1">
+        <a:alpha val="0"/>
+      </a:schemeClr>
+    </dgm:fillClrLst>
+    <dgm:linClrLst meth="repeat">
+      <a:schemeClr val="dk1">
+        <a:alpha val="0"/>
+      </a:schemeClr>
+    </dgm:linClrLst>
+    <dgm:effectClrLst/>
+    <dgm:txLinClrLst/>
+    <dgm:txFillClrLst meth="repeat">
+      <a:schemeClr val="tx1"/>
+    </dgm:txFillClrLst>
+    <dgm:txEffectClrLst/>
+  </dgm:styleLbl>
+</dgm:colorsDef>
+</file>
+
+<file path=ppt/diagrams/data1.xml><?xml version="1.0" encoding="utf-8"?>
+<dgm:dataModel xmlns:dgm="http://schemas.openxmlformats.org/drawingml/2006/diagram" xmlns:a="http://schemas.openxmlformats.org/drawingml/2006/main">
+  <dgm:ptLst>
+    <dgm:pt modelId="{99069FC0-9F60-45F4-9E47-46CBCAB3F8F3}" type="doc">
+      <dgm:prSet loTypeId="urn:microsoft.com/office/officeart/2005/8/layout/vProcess5" loCatId="process" qsTypeId="urn:microsoft.com/office/officeart/2005/8/quickstyle/simple1" qsCatId="simple" csTypeId="urn:microsoft.com/office/officeart/2005/8/colors/accent1_2" csCatId="accent1" phldr="1"/>
+      <dgm:spPr/>
+      <dgm:t>
+        <a:bodyPr/>
+        <a:lstStyle/>
+        <a:p>
+          <a:endParaRPr lang="de-AT"/>
+        </a:p>
+      </dgm:t>
+    </dgm:pt>
+    <dgm:pt modelId="{45F056C0-7A97-480F-9804-6BFDB389B56C}">
+      <dgm:prSet phldrT="[Text]" phldr="1"/>
+      <dgm:spPr/>
+      <dgm:t>
+        <a:bodyPr/>
+        <a:lstStyle/>
+        <a:p>
+          <a:endParaRPr lang="de-AT"/>
+        </a:p>
+      </dgm:t>
+    </dgm:pt>
+    <dgm:pt modelId="{0FD1777A-D5A3-4316-85D5-7DCC182FBD53}" type="parTrans" cxnId="{7CDE1C6D-3F75-453C-A368-BEAD768A4167}">
+      <dgm:prSet/>
+      <dgm:spPr/>
+      <dgm:t>
+        <a:bodyPr/>
+        <a:lstStyle/>
+        <a:p>
+          <a:endParaRPr lang="de-AT"/>
+        </a:p>
+      </dgm:t>
+    </dgm:pt>
+    <dgm:pt modelId="{26D8DDE9-EAA0-4673-AB27-B910552C5A4D}" type="sibTrans" cxnId="{7CDE1C6D-3F75-453C-A368-BEAD768A4167}">
+      <dgm:prSet/>
+      <dgm:spPr/>
+      <dgm:t>
+        <a:bodyPr/>
+        <a:lstStyle/>
+        <a:p>
+          <a:endParaRPr lang="de-AT"/>
+        </a:p>
+      </dgm:t>
+    </dgm:pt>
+    <dgm:pt modelId="{E850A748-FCEC-41D0-BB7D-E8FC41DAEF2F}">
+      <dgm:prSet phldrT="[Text]" phldr="1"/>
+      <dgm:spPr/>
+      <dgm:t>
+        <a:bodyPr/>
+        <a:lstStyle/>
+        <a:p>
+          <a:endParaRPr lang="de-AT"/>
+        </a:p>
+      </dgm:t>
+    </dgm:pt>
+    <dgm:pt modelId="{B1A62C03-FBD3-4DDA-A29F-FAC609D368F0}" type="parTrans" cxnId="{CFFF5C23-D98D-4B8F-A443-A4F453D8B8B7}">
+      <dgm:prSet/>
+      <dgm:spPr/>
+      <dgm:t>
+        <a:bodyPr/>
+        <a:lstStyle/>
+        <a:p>
+          <a:endParaRPr lang="de-AT"/>
+        </a:p>
+      </dgm:t>
+    </dgm:pt>
+    <dgm:pt modelId="{36781B70-91E8-49D6-AFD3-4EFE1C860C06}" type="sibTrans" cxnId="{CFFF5C23-D98D-4B8F-A443-A4F453D8B8B7}">
+      <dgm:prSet/>
+      <dgm:spPr/>
+      <dgm:t>
+        <a:bodyPr/>
+        <a:lstStyle/>
+        <a:p>
+          <a:endParaRPr lang="de-AT"/>
+        </a:p>
+      </dgm:t>
+    </dgm:pt>
+    <dgm:pt modelId="{EFB72154-034D-4403-BA06-7D8CDE168212}">
+      <dgm:prSet phldrT="[Text]"/>
+      <dgm:spPr/>
+      <dgm:t>
+        <a:bodyPr/>
+        <a:lstStyle/>
+        <a:p>
+          <a:pPr>
+            <a:buNone/>
+          </a:pPr>
+          <a:r>
+            <a:rPr lang="de-AT" dirty="0"/>
+            <a:t>Auswertung</a:t>
+          </a:r>
+        </a:p>
+      </dgm:t>
+    </dgm:pt>
+    <dgm:pt modelId="{DBA9CFDA-01EC-40C8-9B6E-FF91120323FA}" type="parTrans" cxnId="{FAA3911C-E36F-4E03-AF0C-921DA36ABEC6}">
+      <dgm:prSet/>
+      <dgm:spPr/>
+      <dgm:t>
+        <a:bodyPr/>
+        <a:lstStyle/>
+        <a:p>
+          <a:endParaRPr lang="de-AT"/>
+        </a:p>
+      </dgm:t>
+    </dgm:pt>
+    <dgm:pt modelId="{00533C84-FF7D-4DC3-B93A-D19F95CEE633}" type="sibTrans" cxnId="{FAA3911C-E36F-4E03-AF0C-921DA36ABEC6}">
+      <dgm:prSet/>
+      <dgm:spPr/>
+      <dgm:t>
+        <a:bodyPr/>
+        <a:lstStyle/>
+        <a:p>
+          <a:endParaRPr lang="de-AT"/>
+        </a:p>
+      </dgm:t>
+    </dgm:pt>
+    <dgm:pt modelId="{885E2A3A-F382-46E7-BDBC-91CA62614996}">
+      <dgm:prSet/>
+      <dgm:spPr/>
+      <dgm:t>
+        <a:bodyPr/>
+        <a:lstStyle/>
+        <a:p>
+          <a:pPr>
+            <a:buNone/>
+          </a:pPr>
+          <a:r>
+            <a:rPr lang="de-AT" dirty="0"/>
+            <a:t>Feature-Detektion</a:t>
+          </a:r>
+        </a:p>
+      </dgm:t>
+    </dgm:pt>
+    <dgm:pt modelId="{B7AA294B-187D-45E3-8664-EE5758CBD3EC}" type="parTrans" cxnId="{8C8357D3-86A0-4F1B-84F6-5A76B0832460}">
+      <dgm:prSet/>
+      <dgm:spPr/>
+      <dgm:t>
+        <a:bodyPr/>
+        <a:lstStyle/>
+        <a:p>
+          <a:endParaRPr lang="de-AT"/>
+        </a:p>
+      </dgm:t>
+    </dgm:pt>
+    <dgm:pt modelId="{D0BC6464-DF88-4A99-92A2-FD526D5F19C2}" type="sibTrans" cxnId="{8C8357D3-86A0-4F1B-84F6-5A76B0832460}">
+      <dgm:prSet/>
+      <dgm:spPr/>
+      <dgm:t>
+        <a:bodyPr/>
+        <a:lstStyle/>
+        <a:p>
+          <a:endParaRPr lang="de-AT"/>
+        </a:p>
+      </dgm:t>
+    </dgm:pt>
+    <dgm:pt modelId="{7D8F9F75-4235-4EC9-B960-D82D1853353A}">
+      <dgm:prSet/>
+      <dgm:spPr/>
+      <dgm:t>
+        <a:bodyPr/>
+        <a:lstStyle/>
+        <a:p>
+          <a:endParaRPr lang="de-AT"/>
+        </a:p>
+      </dgm:t>
+    </dgm:pt>
+    <dgm:pt modelId="{382A0AD3-EE0F-48C9-A7E5-8DAC86CBA3D8}" type="parTrans" cxnId="{1619D3FD-923B-42F6-B3C6-A419B8D3C2C2}">
+      <dgm:prSet/>
+      <dgm:spPr/>
+      <dgm:t>
+        <a:bodyPr/>
+        <a:lstStyle/>
+        <a:p>
+          <a:endParaRPr lang="de-AT"/>
+        </a:p>
+      </dgm:t>
+    </dgm:pt>
+    <dgm:pt modelId="{0398790C-0843-4BD3-ACB8-73D35ABABD14}" type="sibTrans" cxnId="{1619D3FD-923B-42F6-B3C6-A419B8D3C2C2}">
+      <dgm:prSet/>
+      <dgm:spPr/>
+      <dgm:t>
+        <a:bodyPr/>
+        <a:lstStyle/>
+        <a:p>
+          <a:endParaRPr lang="de-AT"/>
+        </a:p>
+      </dgm:t>
+    </dgm:pt>
+    <dgm:pt modelId="{36B7B34F-8611-48C7-B00E-180C0B481CFA}">
+      <dgm:prSet/>
+      <dgm:spPr/>
+      <dgm:t>
+        <a:bodyPr/>
+        <a:lstStyle/>
+        <a:p>
+          <a:pPr>
+            <a:buNone/>
+          </a:pPr>
+          <a:r>
+            <a:rPr lang="de-AT" dirty="0"/>
+            <a:t>Ausschneiden dieses Bereiches</a:t>
+          </a:r>
+        </a:p>
+      </dgm:t>
+    </dgm:pt>
+    <dgm:pt modelId="{B2D9C8E5-0A5D-4CA2-8637-2FEBF191A8C5}" type="parTrans" cxnId="{E14C876E-41CA-4DA7-B9EB-AF0A32F8044C}">
+      <dgm:prSet/>
+      <dgm:spPr/>
+      <dgm:t>
+        <a:bodyPr/>
+        <a:lstStyle/>
+        <a:p>
+          <a:endParaRPr lang="de-AT"/>
+        </a:p>
+      </dgm:t>
+    </dgm:pt>
+    <dgm:pt modelId="{C39FE4D2-D0BD-47E9-BAE3-4743304ADBC7}" type="sibTrans" cxnId="{E14C876E-41CA-4DA7-B9EB-AF0A32F8044C}">
+      <dgm:prSet/>
+      <dgm:spPr/>
+      <dgm:t>
+        <a:bodyPr/>
+        <a:lstStyle/>
+        <a:p>
+          <a:endParaRPr lang="de-AT"/>
+        </a:p>
+      </dgm:t>
+    </dgm:pt>
+    <dgm:pt modelId="{D7C57CBE-46B5-489F-98DD-D39B525222F9}">
+      <dgm:prSet/>
+      <dgm:spPr/>
+      <dgm:t>
+        <a:bodyPr/>
+        <a:lstStyle/>
+        <a:p>
+          <a:r>
+            <a:rPr lang="de-AT" dirty="0"/>
+            <a:t>Verbesserung der generellen Bildqualität</a:t>
+          </a:r>
+        </a:p>
+      </dgm:t>
+    </dgm:pt>
+    <dgm:pt modelId="{6B67A02F-200F-4D2B-8C22-B64D32D1CF8A}" type="parTrans" cxnId="{7EC3FFCF-475E-4140-B32D-0D315A3F8F87}">
+      <dgm:prSet/>
+      <dgm:spPr/>
+      <dgm:t>
+        <a:bodyPr/>
+        <a:lstStyle/>
+        <a:p>
+          <a:endParaRPr lang="de-AT"/>
+        </a:p>
+      </dgm:t>
+    </dgm:pt>
+    <dgm:pt modelId="{0EECAA48-9104-4AC7-A5CA-45491AB9BFFC}" type="sibTrans" cxnId="{7EC3FFCF-475E-4140-B32D-0D315A3F8F87}">
+      <dgm:prSet/>
+      <dgm:spPr/>
+      <dgm:t>
+        <a:bodyPr/>
+        <a:lstStyle/>
+        <a:p>
+          <a:endParaRPr lang="de-AT"/>
+        </a:p>
+      </dgm:t>
+    </dgm:pt>
+    <dgm:pt modelId="{08A0D1C0-324C-46A4-B0D1-703DC71C5056}">
+      <dgm:prSet/>
+      <dgm:spPr/>
+      <dgm:t>
+        <a:bodyPr/>
+        <a:lstStyle/>
+        <a:p>
+          <a:r>
+            <a:rPr lang="de-AT" dirty="0"/>
+            <a:t>Segmentierung des interessanten Bildbereichs (LEGO Indiana Jones)</a:t>
+          </a:r>
+        </a:p>
+      </dgm:t>
+    </dgm:pt>
+    <dgm:pt modelId="{144DFD72-109C-47CC-A1B9-57762BA88802}" type="parTrans" cxnId="{48DB2988-67F0-47F5-B183-5C40C26127C9}">
+      <dgm:prSet/>
+      <dgm:spPr/>
+      <dgm:t>
+        <a:bodyPr/>
+        <a:lstStyle/>
+        <a:p>
+          <a:endParaRPr lang="de-AT"/>
+        </a:p>
+      </dgm:t>
+    </dgm:pt>
+    <dgm:pt modelId="{9D65DD2D-747C-49E9-A9B9-F194E616EB34}" type="sibTrans" cxnId="{48DB2988-67F0-47F5-B183-5C40C26127C9}">
+      <dgm:prSet/>
+      <dgm:spPr/>
+      <dgm:t>
+        <a:bodyPr/>
+        <a:lstStyle/>
+        <a:p>
+          <a:endParaRPr lang="de-AT"/>
+        </a:p>
+      </dgm:t>
+    </dgm:pt>
+    <dgm:pt modelId="{840E2858-83B2-4D59-BCB9-A830A585A651}">
+      <dgm:prSet/>
+      <dgm:spPr/>
+      <dgm:t>
+        <a:bodyPr/>
+        <a:lstStyle/>
+        <a:p>
+          <a:endParaRPr lang="de-AT" dirty="0"/>
+        </a:p>
+      </dgm:t>
+    </dgm:pt>
+    <dgm:pt modelId="{52FE7F11-D13D-4629-99D1-4707B686EAA3}" type="parTrans" cxnId="{7112A1D5-BC36-4C49-BA4E-D686F449096F}">
+      <dgm:prSet/>
+      <dgm:spPr/>
+      <dgm:t>
+        <a:bodyPr/>
+        <a:lstStyle/>
+        <a:p>
+          <a:endParaRPr lang="de-AT"/>
+        </a:p>
+      </dgm:t>
+    </dgm:pt>
+    <dgm:pt modelId="{762C151F-A98A-4017-B200-86193B8D02C3}" type="sibTrans" cxnId="{7112A1D5-BC36-4C49-BA4E-D686F449096F}">
+      <dgm:prSet/>
+      <dgm:spPr/>
+      <dgm:t>
+        <a:bodyPr/>
+        <a:lstStyle/>
+        <a:p>
+          <a:endParaRPr lang="de-AT"/>
+        </a:p>
+      </dgm:t>
+    </dgm:pt>
+    <dgm:pt modelId="{3B659A3F-F5C6-44B9-BAB4-AC27C3D02A21}" type="pres">
+      <dgm:prSet presAssocID="{99069FC0-9F60-45F4-9E47-46CBCAB3F8F3}" presName="outerComposite" presStyleCnt="0">
+        <dgm:presLayoutVars>
+          <dgm:chMax val="5"/>
+          <dgm:dir/>
+          <dgm:resizeHandles val="exact"/>
+        </dgm:presLayoutVars>
+      </dgm:prSet>
+      <dgm:spPr/>
+    </dgm:pt>
+    <dgm:pt modelId="{6BB8C8E9-B8FC-4DEE-8A0B-D17C125102CA}" type="pres">
+      <dgm:prSet presAssocID="{99069FC0-9F60-45F4-9E47-46CBCAB3F8F3}" presName="dummyMaxCanvas" presStyleCnt="0">
+        <dgm:presLayoutVars/>
+      </dgm:prSet>
+      <dgm:spPr/>
+    </dgm:pt>
+    <dgm:pt modelId="{7F74E3FD-2C05-4622-845F-9D8EC863D09D}" type="pres">
+      <dgm:prSet presAssocID="{99069FC0-9F60-45F4-9E47-46CBCAB3F8F3}" presName="FiveNodes_1" presStyleLbl="node1" presStyleIdx="0" presStyleCnt="5">
+        <dgm:presLayoutVars>
+          <dgm:bulletEnabled val="1"/>
+        </dgm:presLayoutVars>
+      </dgm:prSet>
+      <dgm:spPr/>
+    </dgm:pt>
+    <dgm:pt modelId="{671FC2C8-5909-4A2E-A827-040AB6C8DA8E}" type="pres">
+      <dgm:prSet presAssocID="{99069FC0-9F60-45F4-9E47-46CBCAB3F8F3}" presName="FiveNodes_2" presStyleLbl="node1" presStyleIdx="1" presStyleCnt="5">
+        <dgm:presLayoutVars>
+          <dgm:bulletEnabled val="1"/>
+        </dgm:presLayoutVars>
+      </dgm:prSet>
+      <dgm:spPr/>
+    </dgm:pt>
+    <dgm:pt modelId="{7B91258B-4D4A-4F88-8301-122CEA9F752F}" type="pres">
+      <dgm:prSet presAssocID="{99069FC0-9F60-45F4-9E47-46CBCAB3F8F3}" presName="FiveNodes_3" presStyleLbl="node1" presStyleIdx="2" presStyleCnt="5">
+        <dgm:presLayoutVars>
+          <dgm:bulletEnabled val="1"/>
+        </dgm:presLayoutVars>
+      </dgm:prSet>
+      <dgm:spPr/>
+    </dgm:pt>
+    <dgm:pt modelId="{55BCC889-CAAD-4374-8856-6952F5CFF401}" type="pres">
+      <dgm:prSet presAssocID="{99069FC0-9F60-45F4-9E47-46CBCAB3F8F3}" presName="FiveNodes_4" presStyleLbl="node1" presStyleIdx="3" presStyleCnt="5">
+        <dgm:presLayoutVars>
+          <dgm:bulletEnabled val="1"/>
+        </dgm:presLayoutVars>
+      </dgm:prSet>
+      <dgm:spPr/>
+    </dgm:pt>
+    <dgm:pt modelId="{572CEF6F-1A64-4A4B-8007-8CFAF59DE9D8}" type="pres">
+      <dgm:prSet presAssocID="{99069FC0-9F60-45F4-9E47-46CBCAB3F8F3}" presName="FiveNodes_5" presStyleLbl="node1" presStyleIdx="4" presStyleCnt="5">
+        <dgm:presLayoutVars>
+          <dgm:bulletEnabled val="1"/>
+        </dgm:presLayoutVars>
+      </dgm:prSet>
+      <dgm:spPr/>
+    </dgm:pt>
+    <dgm:pt modelId="{CE2ECF41-7740-49D6-9FBB-E7C1F8E6C8AD}" type="pres">
+      <dgm:prSet presAssocID="{99069FC0-9F60-45F4-9E47-46CBCAB3F8F3}" presName="FiveConn_1-2" presStyleLbl="fgAccFollowNode1" presStyleIdx="0" presStyleCnt="4">
+        <dgm:presLayoutVars>
+          <dgm:bulletEnabled val="1"/>
+        </dgm:presLayoutVars>
+      </dgm:prSet>
+      <dgm:spPr/>
+    </dgm:pt>
+    <dgm:pt modelId="{7B858E7B-AF12-4D38-BA92-0F2CCB08BE30}" type="pres">
+      <dgm:prSet presAssocID="{99069FC0-9F60-45F4-9E47-46CBCAB3F8F3}" presName="FiveConn_2-3" presStyleLbl="fgAccFollowNode1" presStyleIdx="1" presStyleCnt="4">
+        <dgm:presLayoutVars>
+          <dgm:bulletEnabled val="1"/>
+        </dgm:presLayoutVars>
+      </dgm:prSet>
+      <dgm:spPr/>
+    </dgm:pt>
+    <dgm:pt modelId="{CA3D3879-6CDE-4D93-952E-00B9147C7271}" type="pres">
+      <dgm:prSet presAssocID="{99069FC0-9F60-45F4-9E47-46CBCAB3F8F3}" presName="FiveConn_3-4" presStyleLbl="fgAccFollowNode1" presStyleIdx="2" presStyleCnt="4">
+        <dgm:presLayoutVars>
+          <dgm:bulletEnabled val="1"/>
+        </dgm:presLayoutVars>
+      </dgm:prSet>
+      <dgm:spPr/>
+    </dgm:pt>
+    <dgm:pt modelId="{9F6968B4-7F89-42C4-A01F-4E8C734F16F6}" type="pres">
+      <dgm:prSet presAssocID="{99069FC0-9F60-45F4-9E47-46CBCAB3F8F3}" presName="FiveConn_4-5" presStyleLbl="fgAccFollowNode1" presStyleIdx="3" presStyleCnt="4">
+        <dgm:presLayoutVars>
+          <dgm:bulletEnabled val="1"/>
+        </dgm:presLayoutVars>
+      </dgm:prSet>
+      <dgm:spPr/>
+    </dgm:pt>
+    <dgm:pt modelId="{1F403867-B9D4-4C87-B7B4-133238B90020}" type="pres">
+      <dgm:prSet presAssocID="{99069FC0-9F60-45F4-9E47-46CBCAB3F8F3}" presName="FiveNodes_1_text" presStyleLbl="node1" presStyleIdx="4" presStyleCnt="5">
+        <dgm:presLayoutVars>
+          <dgm:bulletEnabled val="1"/>
+        </dgm:presLayoutVars>
+      </dgm:prSet>
+      <dgm:spPr/>
+    </dgm:pt>
+    <dgm:pt modelId="{90635F39-67BC-4192-BB61-98B07186F46F}" type="pres">
+      <dgm:prSet presAssocID="{99069FC0-9F60-45F4-9E47-46CBCAB3F8F3}" presName="FiveNodes_2_text" presStyleLbl="node1" presStyleIdx="4" presStyleCnt="5">
+        <dgm:presLayoutVars>
+          <dgm:bulletEnabled val="1"/>
+        </dgm:presLayoutVars>
+      </dgm:prSet>
+      <dgm:spPr/>
+    </dgm:pt>
+    <dgm:pt modelId="{85D60703-0EFE-44BA-94EA-805EDB2FC301}" type="pres">
+      <dgm:prSet presAssocID="{99069FC0-9F60-45F4-9E47-46CBCAB3F8F3}" presName="FiveNodes_3_text" presStyleLbl="node1" presStyleIdx="4" presStyleCnt="5">
+        <dgm:presLayoutVars>
+          <dgm:bulletEnabled val="1"/>
+        </dgm:presLayoutVars>
+      </dgm:prSet>
+      <dgm:spPr/>
+    </dgm:pt>
+    <dgm:pt modelId="{C8A472AB-DAC2-4CF0-9144-C36244317137}" type="pres">
+      <dgm:prSet presAssocID="{99069FC0-9F60-45F4-9E47-46CBCAB3F8F3}" presName="FiveNodes_4_text" presStyleLbl="node1" presStyleIdx="4" presStyleCnt="5">
+        <dgm:presLayoutVars>
+          <dgm:bulletEnabled val="1"/>
+        </dgm:presLayoutVars>
+      </dgm:prSet>
+      <dgm:spPr/>
+    </dgm:pt>
+    <dgm:pt modelId="{F7D1465F-5B8A-46C0-AE87-FDABA5C7CB56}" type="pres">
+      <dgm:prSet presAssocID="{99069FC0-9F60-45F4-9E47-46CBCAB3F8F3}" presName="FiveNodes_5_text" presStyleLbl="node1" presStyleIdx="4" presStyleCnt="5">
+        <dgm:presLayoutVars>
+          <dgm:bulletEnabled val="1"/>
+        </dgm:presLayoutVars>
+      </dgm:prSet>
+      <dgm:spPr/>
+    </dgm:pt>
+  </dgm:ptLst>
+  <dgm:cxnLst>
+    <dgm:cxn modelId="{946F9203-4BD6-46F0-9CA9-F9DB198EFF18}" type="presOf" srcId="{885E2A3A-F382-46E7-BDBC-91CA62614996}" destId="{55BCC889-CAAD-4374-8856-6952F5CFF401}" srcOrd="0" destOrd="0" presId="urn:microsoft.com/office/officeart/2005/8/layout/vProcess5"/>
+    <dgm:cxn modelId="{73F9901A-BF87-438E-AE0B-6E554CDF2F63}" type="presOf" srcId="{885E2A3A-F382-46E7-BDBC-91CA62614996}" destId="{C8A472AB-DAC2-4CF0-9144-C36244317137}" srcOrd="1" destOrd="0" presId="urn:microsoft.com/office/officeart/2005/8/layout/vProcess5"/>
+    <dgm:cxn modelId="{FAA3911C-E36F-4E03-AF0C-921DA36ABEC6}" srcId="{99069FC0-9F60-45F4-9E47-46CBCAB3F8F3}" destId="{EFB72154-034D-4403-BA06-7D8CDE168212}" srcOrd="4" destOrd="0" parTransId="{DBA9CFDA-01EC-40C8-9B6E-FF91120323FA}" sibTransId="{00533C84-FF7D-4DC3-B93A-D19F95CEE633}"/>
+    <dgm:cxn modelId="{0525B51C-8BFA-4F36-8ECD-379B758C717C}" type="presOf" srcId="{C39FE4D2-D0BD-47E9-BAE3-4743304ADBC7}" destId="{CA3D3879-6CDE-4D93-952E-00B9147C7271}" srcOrd="0" destOrd="0" presId="urn:microsoft.com/office/officeart/2005/8/layout/vProcess5"/>
+    <dgm:cxn modelId="{CFFF5C23-D98D-4B8F-A443-A4F453D8B8B7}" srcId="{99069FC0-9F60-45F4-9E47-46CBCAB3F8F3}" destId="{E850A748-FCEC-41D0-BB7D-E8FC41DAEF2F}" srcOrd="8" destOrd="0" parTransId="{B1A62C03-FBD3-4DDA-A29F-FAC609D368F0}" sibTransId="{36781B70-91E8-49D6-AFD3-4EFE1C860C06}"/>
+    <dgm:cxn modelId="{2806BD61-9FC7-4F48-A58F-87F578DCC705}" type="presOf" srcId="{0EECAA48-9104-4AC7-A5CA-45491AB9BFFC}" destId="{CE2ECF41-7740-49D6-9FBB-E7C1F8E6C8AD}" srcOrd="0" destOrd="0" presId="urn:microsoft.com/office/officeart/2005/8/layout/vProcess5"/>
+    <dgm:cxn modelId="{6F15CA64-FDCB-467C-9C71-C1962BF53B5B}" type="presOf" srcId="{36B7B34F-8611-48C7-B00E-180C0B481CFA}" destId="{7B91258B-4D4A-4F88-8301-122CEA9F752F}" srcOrd="0" destOrd="0" presId="urn:microsoft.com/office/officeart/2005/8/layout/vProcess5"/>
+    <dgm:cxn modelId="{97E6C466-D406-4F93-A544-23D8A5513AB5}" type="presOf" srcId="{08A0D1C0-324C-46A4-B0D1-703DC71C5056}" destId="{671FC2C8-5909-4A2E-A827-040AB6C8DA8E}" srcOrd="0" destOrd="0" presId="urn:microsoft.com/office/officeart/2005/8/layout/vProcess5"/>
+    <dgm:cxn modelId="{2A749D6A-2969-43D5-BC32-B9EC870DAA10}" type="presOf" srcId="{EFB72154-034D-4403-BA06-7D8CDE168212}" destId="{F7D1465F-5B8A-46C0-AE87-FDABA5C7CB56}" srcOrd="1" destOrd="0" presId="urn:microsoft.com/office/officeart/2005/8/layout/vProcess5"/>
+    <dgm:cxn modelId="{7CDE1C6D-3F75-453C-A368-BEAD768A4167}" srcId="{99069FC0-9F60-45F4-9E47-46CBCAB3F8F3}" destId="{45F056C0-7A97-480F-9804-6BFDB389B56C}" srcOrd="7" destOrd="0" parTransId="{0FD1777A-D5A3-4316-85D5-7DCC182FBD53}" sibTransId="{26D8DDE9-EAA0-4673-AB27-B910552C5A4D}"/>
+    <dgm:cxn modelId="{E14C876E-41CA-4DA7-B9EB-AF0A32F8044C}" srcId="{99069FC0-9F60-45F4-9E47-46CBCAB3F8F3}" destId="{36B7B34F-8611-48C7-B00E-180C0B481CFA}" srcOrd="2" destOrd="0" parTransId="{B2D9C8E5-0A5D-4CA2-8637-2FEBF191A8C5}" sibTransId="{C39FE4D2-D0BD-47E9-BAE3-4743304ADBC7}"/>
+    <dgm:cxn modelId="{5E428972-9D51-49B2-A3EE-EEC123C2C12B}" type="presOf" srcId="{D7C57CBE-46B5-489F-98DD-D39B525222F9}" destId="{1F403867-B9D4-4C87-B7B4-133238B90020}" srcOrd="1" destOrd="0" presId="urn:microsoft.com/office/officeart/2005/8/layout/vProcess5"/>
+    <dgm:cxn modelId="{C800495A-AAC4-4A1A-95F0-4185C2C16BBC}" type="presOf" srcId="{08A0D1C0-324C-46A4-B0D1-703DC71C5056}" destId="{90635F39-67BC-4192-BB61-98B07186F46F}" srcOrd="1" destOrd="0" presId="urn:microsoft.com/office/officeart/2005/8/layout/vProcess5"/>
+    <dgm:cxn modelId="{03361E81-C909-4EDA-85EF-E6D89B3B86CD}" type="presOf" srcId="{D7C57CBE-46B5-489F-98DD-D39B525222F9}" destId="{7F74E3FD-2C05-4622-845F-9D8EC863D09D}" srcOrd="0" destOrd="0" presId="urn:microsoft.com/office/officeart/2005/8/layout/vProcess5"/>
+    <dgm:cxn modelId="{48DB2988-67F0-47F5-B183-5C40C26127C9}" srcId="{99069FC0-9F60-45F4-9E47-46CBCAB3F8F3}" destId="{08A0D1C0-324C-46A4-B0D1-703DC71C5056}" srcOrd="1" destOrd="0" parTransId="{144DFD72-109C-47CC-A1B9-57762BA88802}" sibTransId="{9D65DD2D-747C-49E9-A9B9-F194E616EB34}"/>
+    <dgm:cxn modelId="{8BB2B3B4-7114-4EBE-AD41-A5EB57C3EDCE}" type="presOf" srcId="{EFB72154-034D-4403-BA06-7D8CDE168212}" destId="{572CEF6F-1A64-4A4B-8007-8CFAF59DE9D8}" srcOrd="0" destOrd="0" presId="urn:microsoft.com/office/officeart/2005/8/layout/vProcess5"/>
+    <dgm:cxn modelId="{154FA8C7-6D0D-43B5-A7C3-F9A1C9ABE109}" type="presOf" srcId="{36B7B34F-8611-48C7-B00E-180C0B481CFA}" destId="{85D60703-0EFE-44BA-94EA-805EDB2FC301}" srcOrd="1" destOrd="0" presId="urn:microsoft.com/office/officeart/2005/8/layout/vProcess5"/>
+    <dgm:cxn modelId="{7EC3FFCF-475E-4140-B32D-0D315A3F8F87}" srcId="{99069FC0-9F60-45F4-9E47-46CBCAB3F8F3}" destId="{D7C57CBE-46B5-489F-98DD-D39B525222F9}" srcOrd="0" destOrd="0" parTransId="{6B67A02F-200F-4D2B-8C22-B64D32D1CF8A}" sibTransId="{0EECAA48-9104-4AC7-A5CA-45491AB9BFFC}"/>
+    <dgm:cxn modelId="{8C8357D3-86A0-4F1B-84F6-5A76B0832460}" srcId="{99069FC0-9F60-45F4-9E47-46CBCAB3F8F3}" destId="{885E2A3A-F382-46E7-BDBC-91CA62614996}" srcOrd="3" destOrd="0" parTransId="{B7AA294B-187D-45E3-8664-EE5758CBD3EC}" sibTransId="{D0BC6464-DF88-4A99-92A2-FD526D5F19C2}"/>
+    <dgm:cxn modelId="{7112A1D5-BC36-4C49-BA4E-D686F449096F}" srcId="{99069FC0-9F60-45F4-9E47-46CBCAB3F8F3}" destId="{840E2858-83B2-4D59-BCB9-A830A585A651}" srcOrd="5" destOrd="0" parTransId="{52FE7F11-D13D-4629-99D1-4707B686EAA3}" sibTransId="{762C151F-A98A-4017-B200-86193B8D02C3}"/>
+    <dgm:cxn modelId="{1EA324DC-F5EE-42DE-9E9E-F9E58889BF1F}" type="presOf" srcId="{99069FC0-9F60-45F4-9E47-46CBCAB3F8F3}" destId="{3B659A3F-F5C6-44B9-BAB4-AC27C3D02A21}" srcOrd="0" destOrd="0" presId="urn:microsoft.com/office/officeart/2005/8/layout/vProcess5"/>
+    <dgm:cxn modelId="{73D28EF5-1E46-41F5-967F-ADBDFEC9B335}" type="presOf" srcId="{9D65DD2D-747C-49E9-A9B9-F194E616EB34}" destId="{7B858E7B-AF12-4D38-BA92-0F2CCB08BE30}" srcOrd="0" destOrd="0" presId="urn:microsoft.com/office/officeart/2005/8/layout/vProcess5"/>
+    <dgm:cxn modelId="{1619D3FD-923B-42F6-B3C6-A419B8D3C2C2}" srcId="{99069FC0-9F60-45F4-9E47-46CBCAB3F8F3}" destId="{7D8F9F75-4235-4EC9-B960-D82D1853353A}" srcOrd="6" destOrd="0" parTransId="{382A0AD3-EE0F-48C9-A7E5-8DAC86CBA3D8}" sibTransId="{0398790C-0843-4BD3-ACB8-73D35ABABD14}"/>
+    <dgm:cxn modelId="{B63CDBFF-986D-4BD7-A600-F23B3E4D812E}" type="presOf" srcId="{D0BC6464-DF88-4A99-92A2-FD526D5F19C2}" destId="{9F6968B4-7F89-42C4-A01F-4E8C734F16F6}" srcOrd="0" destOrd="0" presId="urn:microsoft.com/office/officeart/2005/8/layout/vProcess5"/>
+    <dgm:cxn modelId="{E272CD45-A917-4A5B-A82D-B4E43206A3C3}" type="presParOf" srcId="{3B659A3F-F5C6-44B9-BAB4-AC27C3D02A21}" destId="{6BB8C8E9-B8FC-4DEE-8A0B-D17C125102CA}" srcOrd="0" destOrd="0" presId="urn:microsoft.com/office/officeart/2005/8/layout/vProcess5"/>
+    <dgm:cxn modelId="{BB1D5878-FAD8-422F-8CF7-73F8462D44AC}" type="presParOf" srcId="{3B659A3F-F5C6-44B9-BAB4-AC27C3D02A21}" destId="{7F74E3FD-2C05-4622-845F-9D8EC863D09D}" srcOrd="1" destOrd="0" presId="urn:microsoft.com/office/officeart/2005/8/layout/vProcess5"/>
+    <dgm:cxn modelId="{358FFDE9-49F4-49D5-85F7-D759D3E595A1}" type="presParOf" srcId="{3B659A3F-F5C6-44B9-BAB4-AC27C3D02A21}" destId="{671FC2C8-5909-4A2E-A827-040AB6C8DA8E}" srcOrd="2" destOrd="0" presId="urn:microsoft.com/office/officeart/2005/8/layout/vProcess5"/>
+    <dgm:cxn modelId="{205BCDED-3719-4742-B1EA-EEFF2FE5574D}" type="presParOf" srcId="{3B659A3F-F5C6-44B9-BAB4-AC27C3D02A21}" destId="{7B91258B-4D4A-4F88-8301-122CEA9F752F}" srcOrd="3" destOrd="0" presId="urn:microsoft.com/office/officeart/2005/8/layout/vProcess5"/>
+    <dgm:cxn modelId="{661476A2-37D6-4CFB-8179-4EA1D3885BF9}" type="presParOf" srcId="{3B659A3F-F5C6-44B9-BAB4-AC27C3D02A21}" destId="{55BCC889-CAAD-4374-8856-6952F5CFF401}" srcOrd="4" destOrd="0" presId="urn:microsoft.com/office/officeart/2005/8/layout/vProcess5"/>
+    <dgm:cxn modelId="{1178A426-5B1D-466D-B8ED-4510D406A1E1}" type="presParOf" srcId="{3B659A3F-F5C6-44B9-BAB4-AC27C3D02A21}" destId="{572CEF6F-1A64-4A4B-8007-8CFAF59DE9D8}" srcOrd="5" destOrd="0" presId="urn:microsoft.com/office/officeart/2005/8/layout/vProcess5"/>
+    <dgm:cxn modelId="{209C5874-42FB-4A06-8B47-2771148E6A2B}" type="presParOf" srcId="{3B659A3F-F5C6-44B9-BAB4-AC27C3D02A21}" destId="{CE2ECF41-7740-49D6-9FBB-E7C1F8E6C8AD}" srcOrd="6" destOrd="0" presId="urn:microsoft.com/office/officeart/2005/8/layout/vProcess5"/>
+    <dgm:cxn modelId="{4DBBFB2C-5C78-4ED1-8930-2C6E0619B226}" type="presParOf" srcId="{3B659A3F-F5C6-44B9-BAB4-AC27C3D02A21}" destId="{7B858E7B-AF12-4D38-BA92-0F2CCB08BE30}" srcOrd="7" destOrd="0" presId="urn:microsoft.com/office/officeart/2005/8/layout/vProcess5"/>
+    <dgm:cxn modelId="{D8AE7E4B-7D68-4676-9DE3-D061ACFB42AE}" type="presParOf" srcId="{3B659A3F-F5C6-44B9-BAB4-AC27C3D02A21}" destId="{CA3D3879-6CDE-4D93-952E-00B9147C7271}" srcOrd="8" destOrd="0" presId="urn:microsoft.com/office/officeart/2005/8/layout/vProcess5"/>
+    <dgm:cxn modelId="{80E0FF03-F592-4A7A-A03C-19543E813B67}" type="presParOf" srcId="{3B659A3F-F5C6-44B9-BAB4-AC27C3D02A21}" destId="{9F6968B4-7F89-42C4-A01F-4E8C734F16F6}" srcOrd="9" destOrd="0" presId="urn:microsoft.com/office/officeart/2005/8/layout/vProcess5"/>
+    <dgm:cxn modelId="{05E6C0E4-9619-487A-8FD5-EF8286D04F55}" type="presParOf" srcId="{3B659A3F-F5C6-44B9-BAB4-AC27C3D02A21}" destId="{1F403867-B9D4-4C87-B7B4-133238B90020}" srcOrd="10" destOrd="0" presId="urn:microsoft.com/office/officeart/2005/8/layout/vProcess5"/>
+    <dgm:cxn modelId="{BEA87286-E331-4A12-BF17-623312FF6BD9}" type="presParOf" srcId="{3B659A3F-F5C6-44B9-BAB4-AC27C3D02A21}" destId="{90635F39-67BC-4192-BB61-98B07186F46F}" srcOrd="11" destOrd="0" presId="urn:microsoft.com/office/officeart/2005/8/layout/vProcess5"/>
+    <dgm:cxn modelId="{8409BFF4-D91C-4971-A73B-DE6E3C86E70C}" type="presParOf" srcId="{3B659A3F-F5C6-44B9-BAB4-AC27C3D02A21}" destId="{85D60703-0EFE-44BA-94EA-805EDB2FC301}" srcOrd="12" destOrd="0" presId="urn:microsoft.com/office/officeart/2005/8/layout/vProcess5"/>
+    <dgm:cxn modelId="{9FC9DC9C-8D20-4F72-8699-9D42E6A85D1C}" type="presParOf" srcId="{3B659A3F-F5C6-44B9-BAB4-AC27C3D02A21}" destId="{C8A472AB-DAC2-4CF0-9144-C36244317137}" srcOrd="13" destOrd="0" presId="urn:microsoft.com/office/officeart/2005/8/layout/vProcess5"/>
+    <dgm:cxn modelId="{9A05C934-817E-42D3-A338-EC8AF9595EA8}" type="presParOf" srcId="{3B659A3F-F5C6-44B9-BAB4-AC27C3D02A21}" destId="{F7D1465F-5B8A-46C0-AE87-FDABA5C7CB56}" srcOrd="14" destOrd="0" presId="urn:microsoft.com/office/officeart/2005/8/layout/vProcess5"/>
+  </dgm:cxnLst>
+  <dgm:bg/>
+  <dgm:whole/>
+  <dgm:extLst>
+    <a:ext uri="http://schemas.microsoft.com/office/drawing/2008/diagram">
+      <dsp:dataModelExt xmlns:dsp="http://schemas.microsoft.com/office/drawing/2008/diagram" relId="rId7" minVer="http://schemas.openxmlformats.org/drawingml/2006/diagram"/>
+    </a:ext>
+  </dgm:extLst>
+</dgm:dataModel>
+</file>
+
+<file path=ppt/diagrams/drawing1.xml><?xml version="1.0" encoding="utf-8"?>
+<dsp:drawing xmlns:dgm="http://schemas.openxmlformats.org/drawingml/2006/diagram" xmlns:dsp="http://schemas.microsoft.com/office/drawing/2008/diagram" xmlns:a="http://schemas.openxmlformats.org/drawingml/2006/main">
+  <dsp:spTree>
+    <dsp:nvGrpSpPr>
+      <dsp:cNvPr id="0" name=""/>
+      <dsp:cNvGrpSpPr/>
+    </dsp:nvGrpSpPr>
+    <dsp:grpSpPr/>
+    <dsp:sp modelId="{7F74E3FD-2C05-4622-845F-9D8EC863D09D}">
+      <dsp:nvSpPr>
+        <dsp:cNvPr id="0" name=""/>
+        <dsp:cNvSpPr/>
+      </dsp:nvSpPr>
+      <dsp:spPr>
+        <a:xfrm>
+          <a:off x="0" y="0"/>
+          <a:ext cx="5619791" cy="800576"/>
+        </a:xfrm>
+        <a:prstGeom prst="roundRect">
+          <a:avLst>
+            <a:gd name="adj" fmla="val 10000"/>
+          </a:avLst>
+        </a:prstGeom>
+        <a:solidFill>
+          <a:schemeClr val="accent1">
+            <a:hueOff val="0"/>
+            <a:satOff val="0"/>
+            <a:lumOff val="0"/>
+            <a:alphaOff val="0"/>
+          </a:schemeClr>
+        </a:solidFill>
+        <a:ln w="12700" cap="flat" cmpd="sng" algn="ctr">
+          <a:solidFill>
+            <a:schemeClr val="lt1">
+              <a:hueOff val="0"/>
+              <a:satOff val="0"/>
+              <a:lumOff val="0"/>
+              <a:alphaOff val="0"/>
+            </a:schemeClr>
+          </a:solidFill>
+          <a:prstDash val="solid"/>
+          <a:miter lim="800000"/>
+        </a:ln>
+        <a:effectLst/>
+      </dsp:spPr>
+      <dsp:style>
+        <a:lnRef idx="2">
+          <a:scrgbClr r="0" g="0" b="0"/>
+        </a:lnRef>
+        <a:fillRef idx="1">
+          <a:scrgbClr r="0" g="0" b="0"/>
+        </a:fillRef>
+        <a:effectRef idx="0">
+          <a:scrgbClr r="0" g="0" b="0"/>
+        </a:effectRef>
+        <a:fontRef idx="minor">
+          <a:schemeClr val="lt1"/>
+        </a:fontRef>
+      </dsp:style>
+      <dsp:txBody>
+        <a:bodyPr spcFirstLastPara="0" vert="horz" wrap="square" lIns="80010" tIns="80010" rIns="80010" bIns="80010" numCol="1" spcCol="1270" anchor="ctr" anchorCtr="0">
+          <a:noAutofit/>
+        </a:bodyPr>
+        <a:lstStyle/>
+        <a:p>
+          <a:pPr marL="0" lvl="0" indent="0" algn="l" defTabSz="933450">
+            <a:lnSpc>
+              <a:spcPct val="90000"/>
+            </a:lnSpc>
+            <a:spcBef>
+              <a:spcPct val="0"/>
+            </a:spcBef>
+            <a:spcAft>
+              <a:spcPct val="35000"/>
+            </a:spcAft>
+            <a:buNone/>
+          </a:pPr>
+          <a:r>
+            <a:rPr lang="de-AT" sz="2100" kern="1200" dirty="0"/>
+            <a:t>Verbesserung der generellen Bildqualität</a:t>
+          </a:r>
+        </a:p>
+      </dsp:txBody>
+      <dsp:txXfrm>
+        <a:off x="23448" y="23448"/>
+        <a:ext cx="4662240" cy="753680"/>
+      </dsp:txXfrm>
+    </dsp:sp>
+    <dsp:sp modelId="{671FC2C8-5909-4A2E-A827-040AB6C8DA8E}">
+      <dsp:nvSpPr>
+        <dsp:cNvPr id="0" name=""/>
+        <dsp:cNvSpPr/>
+      </dsp:nvSpPr>
+      <dsp:spPr>
+        <a:xfrm>
+          <a:off x="419659" y="911767"/>
+          <a:ext cx="5619791" cy="800576"/>
+        </a:xfrm>
+        <a:prstGeom prst="roundRect">
+          <a:avLst>
+            <a:gd name="adj" fmla="val 10000"/>
+          </a:avLst>
+        </a:prstGeom>
+        <a:solidFill>
+          <a:schemeClr val="accent1">
+            <a:hueOff val="0"/>
+            <a:satOff val="0"/>
+            <a:lumOff val="0"/>
+            <a:alphaOff val="0"/>
+          </a:schemeClr>
+        </a:solidFill>
+        <a:ln w="12700" cap="flat" cmpd="sng" algn="ctr">
+          <a:solidFill>
+            <a:schemeClr val="lt1">
+              <a:hueOff val="0"/>
+              <a:satOff val="0"/>
+              <a:lumOff val="0"/>
+              <a:alphaOff val="0"/>
+            </a:schemeClr>
+          </a:solidFill>
+          <a:prstDash val="solid"/>
+          <a:miter lim="800000"/>
+        </a:ln>
+        <a:effectLst/>
+      </dsp:spPr>
+      <dsp:style>
+        <a:lnRef idx="2">
+          <a:scrgbClr r="0" g="0" b="0"/>
+        </a:lnRef>
+        <a:fillRef idx="1">
+          <a:scrgbClr r="0" g="0" b="0"/>
+        </a:fillRef>
+        <a:effectRef idx="0">
+          <a:scrgbClr r="0" g="0" b="0"/>
+        </a:effectRef>
+        <a:fontRef idx="minor">
+          <a:schemeClr val="lt1"/>
+        </a:fontRef>
+      </dsp:style>
+      <dsp:txBody>
+        <a:bodyPr spcFirstLastPara="0" vert="horz" wrap="square" lIns="80010" tIns="80010" rIns="80010" bIns="80010" numCol="1" spcCol="1270" anchor="ctr" anchorCtr="0">
+          <a:noAutofit/>
+        </a:bodyPr>
+        <a:lstStyle/>
+        <a:p>
+          <a:pPr marL="0" lvl="0" indent="0" algn="l" defTabSz="933450">
+            <a:lnSpc>
+              <a:spcPct val="90000"/>
+            </a:lnSpc>
+            <a:spcBef>
+              <a:spcPct val="0"/>
+            </a:spcBef>
+            <a:spcAft>
+              <a:spcPct val="35000"/>
+            </a:spcAft>
+            <a:buNone/>
+          </a:pPr>
+          <a:r>
+            <a:rPr lang="de-AT" sz="2100" kern="1200" dirty="0"/>
+            <a:t>Segmentierung des interessanten Bildbereichs (LEGO Indiana Jones)</a:t>
+          </a:r>
+        </a:p>
+      </dsp:txBody>
+      <dsp:txXfrm>
+        <a:off x="443107" y="935215"/>
+        <a:ext cx="4632861" cy="753680"/>
+      </dsp:txXfrm>
+    </dsp:sp>
+    <dsp:sp modelId="{7B91258B-4D4A-4F88-8301-122CEA9F752F}">
+      <dsp:nvSpPr>
+        <dsp:cNvPr id="0" name=""/>
+        <dsp:cNvSpPr/>
+      </dsp:nvSpPr>
+      <dsp:spPr>
+        <a:xfrm>
+          <a:off x="839319" y="1823534"/>
+          <a:ext cx="5619791" cy="800576"/>
+        </a:xfrm>
+        <a:prstGeom prst="roundRect">
+          <a:avLst>
+            <a:gd name="adj" fmla="val 10000"/>
+          </a:avLst>
+        </a:prstGeom>
+        <a:solidFill>
+          <a:schemeClr val="accent1">
+            <a:hueOff val="0"/>
+            <a:satOff val="0"/>
+            <a:lumOff val="0"/>
+            <a:alphaOff val="0"/>
+          </a:schemeClr>
+        </a:solidFill>
+        <a:ln w="12700" cap="flat" cmpd="sng" algn="ctr">
+          <a:solidFill>
+            <a:schemeClr val="lt1">
+              <a:hueOff val="0"/>
+              <a:satOff val="0"/>
+              <a:lumOff val="0"/>
+              <a:alphaOff val="0"/>
+            </a:schemeClr>
+          </a:solidFill>
+          <a:prstDash val="solid"/>
+          <a:miter lim="800000"/>
+        </a:ln>
+        <a:effectLst/>
+      </dsp:spPr>
+      <dsp:style>
+        <a:lnRef idx="2">
+          <a:scrgbClr r="0" g="0" b="0"/>
+        </a:lnRef>
+        <a:fillRef idx="1">
+          <a:scrgbClr r="0" g="0" b="0"/>
+        </a:fillRef>
+        <a:effectRef idx="0">
+          <a:scrgbClr r="0" g="0" b="0"/>
+        </a:effectRef>
+        <a:fontRef idx="minor">
+          <a:schemeClr val="lt1"/>
+        </a:fontRef>
+      </dsp:style>
+      <dsp:txBody>
+        <a:bodyPr spcFirstLastPara="0" vert="horz" wrap="square" lIns="80010" tIns="80010" rIns="80010" bIns="80010" numCol="1" spcCol="1270" anchor="ctr" anchorCtr="0">
+          <a:noAutofit/>
+        </a:bodyPr>
+        <a:lstStyle/>
+        <a:p>
+          <a:pPr marL="0" lvl="0" indent="0" algn="l" defTabSz="933450">
+            <a:lnSpc>
+              <a:spcPct val="90000"/>
+            </a:lnSpc>
+            <a:spcBef>
+              <a:spcPct val="0"/>
+            </a:spcBef>
+            <a:spcAft>
+              <a:spcPct val="35000"/>
+            </a:spcAft>
+            <a:buNone/>
+          </a:pPr>
+          <a:r>
+            <a:rPr lang="de-AT" sz="2100" kern="1200" dirty="0"/>
+            <a:t>Ausschneiden dieses Bereiches</a:t>
+          </a:r>
+        </a:p>
+      </dsp:txBody>
+      <dsp:txXfrm>
+        <a:off x="862767" y="1846982"/>
+        <a:ext cx="4632861" cy="753680"/>
+      </dsp:txXfrm>
+    </dsp:sp>
+    <dsp:sp modelId="{55BCC889-CAAD-4374-8856-6952F5CFF401}">
+      <dsp:nvSpPr>
+        <dsp:cNvPr id="0" name=""/>
+        <dsp:cNvSpPr/>
+      </dsp:nvSpPr>
+      <dsp:spPr>
+        <a:xfrm>
+          <a:off x="1258979" y="2735301"/>
+          <a:ext cx="5619791" cy="800576"/>
+        </a:xfrm>
+        <a:prstGeom prst="roundRect">
+          <a:avLst>
+            <a:gd name="adj" fmla="val 10000"/>
+          </a:avLst>
+        </a:prstGeom>
+        <a:solidFill>
+          <a:schemeClr val="accent1">
+            <a:hueOff val="0"/>
+            <a:satOff val="0"/>
+            <a:lumOff val="0"/>
+            <a:alphaOff val="0"/>
+          </a:schemeClr>
+        </a:solidFill>
+        <a:ln w="12700" cap="flat" cmpd="sng" algn="ctr">
+          <a:solidFill>
+            <a:schemeClr val="lt1">
+              <a:hueOff val="0"/>
+              <a:satOff val="0"/>
+              <a:lumOff val="0"/>
+              <a:alphaOff val="0"/>
+            </a:schemeClr>
+          </a:solidFill>
+          <a:prstDash val="solid"/>
+          <a:miter lim="800000"/>
+        </a:ln>
+        <a:effectLst/>
+      </dsp:spPr>
+      <dsp:style>
+        <a:lnRef idx="2">
+          <a:scrgbClr r="0" g="0" b="0"/>
+        </a:lnRef>
+        <a:fillRef idx="1">
+          <a:scrgbClr r="0" g="0" b="0"/>
+        </a:fillRef>
+        <a:effectRef idx="0">
+          <a:scrgbClr r="0" g="0" b="0"/>
+        </a:effectRef>
+        <a:fontRef idx="minor">
+          <a:schemeClr val="lt1"/>
+        </a:fontRef>
+      </dsp:style>
+      <dsp:txBody>
+        <a:bodyPr spcFirstLastPara="0" vert="horz" wrap="square" lIns="80010" tIns="80010" rIns="80010" bIns="80010" numCol="1" spcCol="1270" anchor="ctr" anchorCtr="0">
+          <a:noAutofit/>
+        </a:bodyPr>
+        <a:lstStyle/>
+        <a:p>
+          <a:pPr marL="0" lvl="0" indent="0" algn="l" defTabSz="933450">
+            <a:lnSpc>
+              <a:spcPct val="90000"/>
+            </a:lnSpc>
+            <a:spcBef>
+              <a:spcPct val="0"/>
+            </a:spcBef>
+            <a:spcAft>
+              <a:spcPct val="35000"/>
+            </a:spcAft>
+            <a:buNone/>
+          </a:pPr>
+          <a:r>
+            <a:rPr lang="de-AT" sz="2100" kern="1200" dirty="0"/>
+            <a:t>Feature-Detektion</a:t>
+          </a:r>
+        </a:p>
+      </dsp:txBody>
+      <dsp:txXfrm>
+        <a:off x="1282427" y="2758749"/>
+        <a:ext cx="4632861" cy="753680"/>
+      </dsp:txXfrm>
+    </dsp:sp>
+    <dsp:sp modelId="{572CEF6F-1A64-4A4B-8007-8CFAF59DE9D8}">
+      <dsp:nvSpPr>
+        <dsp:cNvPr id="0" name=""/>
+        <dsp:cNvSpPr/>
+      </dsp:nvSpPr>
+      <dsp:spPr>
+        <a:xfrm>
+          <a:off x="1678639" y="3647068"/>
+          <a:ext cx="5619791" cy="800576"/>
+        </a:xfrm>
+        <a:prstGeom prst="roundRect">
+          <a:avLst>
+            <a:gd name="adj" fmla="val 10000"/>
+          </a:avLst>
+        </a:prstGeom>
+        <a:solidFill>
+          <a:schemeClr val="accent1">
+            <a:hueOff val="0"/>
+            <a:satOff val="0"/>
+            <a:lumOff val="0"/>
+            <a:alphaOff val="0"/>
+          </a:schemeClr>
+        </a:solidFill>
+        <a:ln w="12700" cap="flat" cmpd="sng" algn="ctr">
+          <a:solidFill>
+            <a:schemeClr val="lt1">
+              <a:hueOff val="0"/>
+              <a:satOff val="0"/>
+              <a:lumOff val="0"/>
+              <a:alphaOff val="0"/>
+            </a:schemeClr>
+          </a:solidFill>
+          <a:prstDash val="solid"/>
+          <a:miter lim="800000"/>
+        </a:ln>
+        <a:effectLst/>
+      </dsp:spPr>
+      <dsp:style>
+        <a:lnRef idx="2">
+          <a:scrgbClr r="0" g="0" b="0"/>
+        </a:lnRef>
+        <a:fillRef idx="1">
+          <a:scrgbClr r="0" g="0" b="0"/>
+        </a:fillRef>
+        <a:effectRef idx="0">
+          <a:scrgbClr r="0" g="0" b="0"/>
+        </a:effectRef>
+        <a:fontRef idx="minor">
+          <a:schemeClr val="lt1"/>
+        </a:fontRef>
+      </dsp:style>
+      <dsp:txBody>
+        <a:bodyPr spcFirstLastPara="0" vert="horz" wrap="square" lIns="80010" tIns="80010" rIns="80010" bIns="80010" numCol="1" spcCol="1270" anchor="ctr" anchorCtr="0">
+          <a:noAutofit/>
+        </a:bodyPr>
+        <a:lstStyle/>
+        <a:p>
+          <a:pPr marL="0" lvl="0" indent="0" algn="l" defTabSz="933450">
+            <a:lnSpc>
+              <a:spcPct val="90000"/>
+            </a:lnSpc>
+            <a:spcBef>
+              <a:spcPct val="0"/>
+            </a:spcBef>
+            <a:spcAft>
+              <a:spcPct val="35000"/>
+            </a:spcAft>
+            <a:buNone/>
+          </a:pPr>
+          <a:r>
+            <a:rPr lang="de-AT" sz="2100" kern="1200" dirty="0"/>
+            <a:t>Auswertung</a:t>
+          </a:r>
+        </a:p>
+      </dsp:txBody>
+      <dsp:txXfrm>
+        <a:off x="1702087" y="3670516"/>
+        <a:ext cx="4632861" cy="753680"/>
+      </dsp:txXfrm>
+    </dsp:sp>
+    <dsp:sp modelId="{CE2ECF41-7740-49D6-9FBB-E7C1F8E6C8AD}">
+      <dsp:nvSpPr>
+        <dsp:cNvPr id="0" name=""/>
+        <dsp:cNvSpPr/>
+      </dsp:nvSpPr>
+      <dsp:spPr>
+        <a:xfrm>
+          <a:off x="5099417" y="584865"/>
+          <a:ext cx="520374" cy="520374"/>
+        </a:xfrm>
+        <a:prstGeom prst="downArrow">
+          <a:avLst>
+            <a:gd name="adj1" fmla="val 55000"/>
+            <a:gd name="adj2" fmla="val 45000"/>
+          </a:avLst>
+        </a:prstGeom>
+        <a:solidFill>
+          <a:schemeClr val="accent1">
+            <a:alpha val="90000"/>
+            <a:tint val="40000"/>
+            <a:hueOff val="0"/>
+            <a:satOff val="0"/>
+            <a:lumOff val="0"/>
+            <a:alphaOff val="0"/>
+          </a:schemeClr>
+        </a:solidFill>
+        <a:ln w="12700" cap="flat" cmpd="sng" algn="ctr">
+          <a:solidFill>
+            <a:schemeClr val="accent1">
+              <a:alpha val="90000"/>
+              <a:tint val="40000"/>
+              <a:hueOff val="0"/>
+              <a:satOff val="0"/>
+              <a:lumOff val="0"/>
+              <a:alphaOff val="0"/>
+            </a:schemeClr>
+          </a:solidFill>
+          <a:prstDash val="solid"/>
+          <a:miter lim="800000"/>
+        </a:ln>
+        <a:effectLst/>
+      </dsp:spPr>
+      <dsp:style>
+        <a:lnRef idx="2">
+          <a:scrgbClr r="0" g="0" b="0"/>
+        </a:lnRef>
+        <a:fillRef idx="1">
+          <a:scrgbClr r="0" g="0" b="0"/>
+        </a:fillRef>
+        <a:effectRef idx="0">
+          <a:scrgbClr r="0" g="0" b="0"/>
+        </a:effectRef>
+        <a:fontRef idx="minor"/>
+      </dsp:style>
+      <dsp:txBody>
+        <a:bodyPr spcFirstLastPara="0" vert="horz" wrap="square" lIns="29210" tIns="29210" rIns="29210" bIns="29210" numCol="1" spcCol="1270" anchor="ctr" anchorCtr="0">
+          <a:noAutofit/>
+        </a:bodyPr>
+        <a:lstStyle/>
+        <a:p>
+          <a:pPr marL="0" lvl="0" indent="0" algn="ctr" defTabSz="1022350">
+            <a:lnSpc>
+              <a:spcPct val="90000"/>
+            </a:lnSpc>
+            <a:spcBef>
+              <a:spcPct val="0"/>
+            </a:spcBef>
+            <a:spcAft>
+              <a:spcPct val="35000"/>
+            </a:spcAft>
+            <a:buNone/>
+          </a:pPr>
+          <a:endParaRPr lang="de-AT" sz="2300" kern="1200"/>
+        </a:p>
+      </dsp:txBody>
+      <dsp:txXfrm>
+        <a:off x="5216501" y="584865"/>
+        <a:ext cx="286206" cy="391581"/>
+      </dsp:txXfrm>
+    </dsp:sp>
+    <dsp:sp modelId="{7B858E7B-AF12-4D38-BA92-0F2CCB08BE30}">
+      <dsp:nvSpPr>
+        <dsp:cNvPr id="0" name=""/>
+        <dsp:cNvSpPr/>
+      </dsp:nvSpPr>
+      <dsp:spPr>
+        <a:xfrm>
+          <a:off x="5519077" y="1496632"/>
+          <a:ext cx="520374" cy="520374"/>
+        </a:xfrm>
+        <a:prstGeom prst="downArrow">
+          <a:avLst>
+            <a:gd name="adj1" fmla="val 55000"/>
+            <a:gd name="adj2" fmla="val 45000"/>
+          </a:avLst>
+        </a:prstGeom>
+        <a:solidFill>
+          <a:schemeClr val="accent1">
+            <a:alpha val="90000"/>
+            <a:tint val="40000"/>
+            <a:hueOff val="0"/>
+            <a:satOff val="0"/>
+            <a:lumOff val="0"/>
+            <a:alphaOff val="0"/>
+          </a:schemeClr>
+        </a:solidFill>
+        <a:ln w="12700" cap="flat" cmpd="sng" algn="ctr">
+          <a:solidFill>
+            <a:schemeClr val="accent1">
+              <a:alpha val="90000"/>
+              <a:tint val="40000"/>
+              <a:hueOff val="0"/>
+              <a:satOff val="0"/>
+              <a:lumOff val="0"/>
+              <a:alphaOff val="0"/>
+            </a:schemeClr>
+          </a:solidFill>
+          <a:prstDash val="solid"/>
+          <a:miter lim="800000"/>
+        </a:ln>
+        <a:effectLst/>
+      </dsp:spPr>
+      <dsp:style>
+        <a:lnRef idx="2">
+          <a:scrgbClr r="0" g="0" b="0"/>
+        </a:lnRef>
+        <a:fillRef idx="1">
+          <a:scrgbClr r="0" g="0" b="0"/>
+        </a:fillRef>
+        <a:effectRef idx="0">
+          <a:scrgbClr r="0" g="0" b="0"/>
+        </a:effectRef>
+        <a:fontRef idx="minor"/>
+      </dsp:style>
+      <dsp:txBody>
+        <a:bodyPr spcFirstLastPara="0" vert="horz" wrap="square" lIns="29210" tIns="29210" rIns="29210" bIns="29210" numCol="1" spcCol="1270" anchor="ctr" anchorCtr="0">
+          <a:noAutofit/>
+        </a:bodyPr>
+        <a:lstStyle/>
+        <a:p>
+          <a:pPr marL="0" lvl="0" indent="0" algn="ctr" defTabSz="1022350">
+            <a:lnSpc>
+              <a:spcPct val="90000"/>
+            </a:lnSpc>
+            <a:spcBef>
+              <a:spcPct val="0"/>
+            </a:spcBef>
+            <a:spcAft>
+              <a:spcPct val="35000"/>
+            </a:spcAft>
+            <a:buNone/>
+          </a:pPr>
+          <a:endParaRPr lang="de-AT" sz="2300" kern="1200"/>
+        </a:p>
+      </dsp:txBody>
+      <dsp:txXfrm>
+        <a:off x="5636161" y="1496632"/>
+        <a:ext cx="286206" cy="391581"/>
+      </dsp:txXfrm>
+    </dsp:sp>
+    <dsp:sp modelId="{CA3D3879-6CDE-4D93-952E-00B9147C7271}">
+      <dsp:nvSpPr>
+        <dsp:cNvPr id="0" name=""/>
+        <dsp:cNvSpPr/>
+      </dsp:nvSpPr>
+      <dsp:spPr>
+        <a:xfrm>
+          <a:off x="5938736" y="2395056"/>
+          <a:ext cx="520374" cy="520374"/>
+        </a:xfrm>
+        <a:prstGeom prst="downArrow">
+          <a:avLst>
+            <a:gd name="adj1" fmla="val 55000"/>
+            <a:gd name="adj2" fmla="val 45000"/>
+          </a:avLst>
+        </a:prstGeom>
+        <a:solidFill>
+          <a:schemeClr val="accent1">
+            <a:alpha val="90000"/>
+            <a:tint val="40000"/>
+            <a:hueOff val="0"/>
+            <a:satOff val="0"/>
+            <a:lumOff val="0"/>
+            <a:alphaOff val="0"/>
+          </a:schemeClr>
+        </a:solidFill>
+        <a:ln w="12700" cap="flat" cmpd="sng" algn="ctr">
+          <a:solidFill>
+            <a:schemeClr val="accent1">
+              <a:alpha val="90000"/>
+              <a:tint val="40000"/>
+              <a:hueOff val="0"/>
+              <a:satOff val="0"/>
+              <a:lumOff val="0"/>
+              <a:alphaOff val="0"/>
+            </a:schemeClr>
+          </a:solidFill>
+          <a:prstDash val="solid"/>
+          <a:miter lim="800000"/>
+        </a:ln>
+        <a:effectLst/>
+      </dsp:spPr>
+      <dsp:style>
+        <a:lnRef idx="2">
+          <a:scrgbClr r="0" g="0" b="0"/>
+        </a:lnRef>
+        <a:fillRef idx="1">
+          <a:scrgbClr r="0" g="0" b="0"/>
+        </a:fillRef>
+        <a:effectRef idx="0">
+          <a:scrgbClr r="0" g="0" b="0"/>
+        </a:effectRef>
+        <a:fontRef idx="minor"/>
+      </dsp:style>
+      <dsp:txBody>
+        <a:bodyPr spcFirstLastPara="0" vert="horz" wrap="square" lIns="29210" tIns="29210" rIns="29210" bIns="29210" numCol="1" spcCol="1270" anchor="ctr" anchorCtr="0">
+          <a:noAutofit/>
+        </a:bodyPr>
+        <a:lstStyle/>
+        <a:p>
+          <a:pPr marL="0" lvl="0" indent="0" algn="ctr" defTabSz="1022350">
+            <a:lnSpc>
+              <a:spcPct val="90000"/>
+            </a:lnSpc>
+            <a:spcBef>
+              <a:spcPct val="0"/>
+            </a:spcBef>
+            <a:spcAft>
+              <a:spcPct val="35000"/>
+            </a:spcAft>
+            <a:buNone/>
+          </a:pPr>
+          <a:endParaRPr lang="de-AT" sz="2300" kern="1200"/>
+        </a:p>
+      </dsp:txBody>
+      <dsp:txXfrm>
+        <a:off x="6055820" y="2395056"/>
+        <a:ext cx="286206" cy="391581"/>
+      </dsp:txXfrm>
+    </dsp:sp>
+    <dsp:sp modelId="{9F6968B4-7F89-42C4-A01F-4E8C734F16F6}">
+      <dsp:nvSpPr>
+        <dsp:cNvPr id="0" name=""/>
+        <dsp:cNvSpPr/>
+      </dsp:nvSpPr>
+      <dsp:spPr>
+        <a:xfrm>
+          <a:off x="6358396" y="3315719"/>
+          <a:ext cx="520374" cy="520374"/>
+        </a:xfrm>
+        <a:prstGeom prst="downArrow">
+          <a:avLst>
+            <a:gd name="adj1" fmla="val 55000"/>
+            <a:gd name="adj2" fmla="val 45000"/>
+          </a:avLst>
+        </a:prstGeom>
+        <a:solidFill>
+          <a:schemeClr val="accent1">
+            <a:alpha val="90000"/>
+            <a:tint val="40000"/>
+            <a:hueOff val="0"/>
+            <a:satOff val="0"/>
+            <a:lumOff val="0"/>
+            <a:alphaOff val="0"/>
+          </a:schemeClr>
+        </a:solidFill>
+        <a:ln w="12700" cap="flat" cmpd="sng" algn="ctr">
+          <a:solidFill>
+            <a:schemeClr val="accent1">
+              <a:alpha val="90000"/>
+              <a:tint val="40000"/>
+              <a:hueOff val="0"/>
+              <a:satOff val="0"/>
+              <a:lumOff val="0"/>
+              <a:alphaOff val="0"/>
+            </a:schemeClr>
+          </a:solidFill>
+          <a:prstDash val="solid"/>
+          <a:miter lim="800000"/>
+        </a:ln>
+        <a:effectLst/>
+      </dsp:spPr>
+      <dsp:style>
+        <a:lnRef idx="2">
+          <a:scrgbClr r="0" g="0" b="0"/>
+        </a:lnRef>
+        <a:fillRef idx="1">
+          <a:scrgbClr r="0" g="0" b="0"/>
+        </a:fillRef>
+        <a:effectRef idx="0">
+          <a:scrgbClr r="0" g="0" b="0"/>
+        </a:effectRef>
+        <a:fontRef idx="minor"/>
+      </dsp:style>
+      <dsp:txBody>
+        <a:bodyPr spcFirstLastPara="0" vert="horz" wrap="square" lIns="29210" tIns="29210" rIns="29210" bIns="29210" numCol="1" spcCol="1270" anchor="ctr" anchorCtr="0">
+          <a:noAutofit/>
+        </a:bodyPr>
+        <a:lstStyle/>
+        <a:p>
+          <a:pPr marL="0" lvl="0" indent="0" algn="ctr" defTabSz="1022350">
+            <a:lnSpc>
+              <a:spcPct val="90000"/>
+            </a:lnSpc>
+            <a:spcBef>
+              <a:spcPct val="0"/>
+            </a:spcBef>
+            <a:spcAft>
+              <a:spcPct val="35000"/>
+            </a:spcAft>
+            <a:buNone/>
+          </a:pPr>
+          <a:endParaRPr lang="de-AT" sz="2300" kern="1200"/>
+        </a:p>
+      </dsp:txBody>
+      <dsp:txXfrm>
+        <a:off x="6475480" y="3315719"/>
+        <a:ext cx="286206" cy="391581"/>
+      </dsp:txXfrm>
+    </dsp:sp>
+  </dsp:spTree>
+</dsp:drawing>
+</file>
+
+<file path=ppt/diagrams/layout1.xml><?xml version="1.0" encoding="utf-8"?>
+<dgm:layoutDef xmlns:dgm="http://schemas.openxmlformats.org/drawingml/2006/diagram" xmlns:a="http://schemas.openxmlformats.org/drawingml/2006/main" uniqueId="urn:microsoft.com/office/officeart/2005/8/layout/vProcess5">
+  <dgm:title val=""/>
+  <dgm:desc val=""/>
+  <dgm:catLst>
+    <dgm:cat type="process" pri="14000"/>
+  </dgm:catLst>
+  <dgm:sampData>
+    <dgm:dataModel>
+      <dgm:ptLst>
+        <dgm:pt modelId="0" type="doc"/>
+        <dgm:pt modelId="1">
+          <dgm:prSet phldr="1"/>
+        </dgm:pt>
+        <dgm:pt modelId="2">
+          <dgm:prSet phldr="1"/>
+        </dgm:pt>
+        <dgm:pt modelId="3">
+          <dgm:prSet phldr="1"/>
+        </dgm:pt>
+      </dgm:ptLst>
+      <dgm:cxnLst>
+        <dgm:cxn modelId="5" srcId="0" destId="1" srcOrd="0" destOrd="0"/>
+        <dgm:cxn modelId="6" srcId="0" destId="2" srcOrd="1" destOrd="0"/>
+        <dgm:cxn modelId="7" srcId="0" destId="3" srcOrd="2" destOrd="0"/>
+      </dgm:cxnLst>
+      <dgm:bg/>
+      <dgm:whole/>
+    </dgm:dataModel>
+  </dgm:sampData>
+  <dgm:styleData>
+    <dgm:dataModel>
+      <dgm:ptLst>
+        <dgm:pt modelId="0" type="doc"/>
+        <dgm:pt modelId="1"/>
+        <dgm:pt modelId="2"/>
+      </dgm:ptLst>
+      <dgm:cxnLst>
+        <dgm:cxn modelId="3" srcId="0" destId="1" srcOrd="0" destOrd="0"/>
+        <dgm:cxn modelId="4" srcId="0" destId="2" srcOrd="1" destOrd="0"/>
+      </dgm:cxnLst>
+      <dgm:bg/>
+      <dgm:whole/>
+    </dgm:dataModel>
+  </dgm:styleData>
+  <dgm:clrData>
+    <dgm:dataModel>
+      <dgm:ptLst>
+        <dgm:pt modelId="0" type="doc"/>
+        <dgm:pt modelId="1"/>
+        <dgm:pt modelId="2"/>
+        <dgm:pt modelId="3"/>
+        <dgm:pt modelId="4"/>
+      </dgm:ptLst>
+      <dgm:cxnLst>
+        <dgm:cxn modelId="6" srcId="0" destId="1" srcOrd="0" destOrd="0"/>
+        <dgm:cxn modelId="7" srcId="0" destId="2" srcOrd="1" destOrd="0"/>
+        <dgm:cxn modelId="8" srcId="0" destId="3" srcOrd="2" destOrd="0"/>
+        <dgm:cxn modelId="9" srcId="0" destId="4" srcOrd="3" destOrd="0"/>
+      </dgm:cxnLst>
+      <dgm:bg/>
+      <dgm:whole/>
+    </dgm:dataModel>
+  </dgm:clrData>
+  <dgm:layoutNode name="outerComposite">
+    <dgm:varLst>
+      <dgm:chMax val="5"/>
+      <dgm:dir/>
+      <dgm:resizeHandles val="exact"/>
+    </dgm:varLst>
+    <dgm:alg type="composite"/>
+    <dgm:shape xmlns:r="http://schemas.openxmlformats.org/officeDocument/2006/relationships" r:blip="">
+      <dgm:adjLst/>
+    </dgm:shape>
+    <dgm:presOf/>
+    <dgm:choose name="Name0">
+      <dgm:if name="Name1" func="var" arg="dir" op="equ" val="norm">
+        <dgm:constrLst>
+          <dgm:constr type="primFontSz" for="ch" ptType="node" op="equ" val="65"/>
+          <dgm:constr type="w" for="ch" forName="dummyMaxCanvas" refType="w"/>
+          <dgm:constr type="h" for="ch" forName="dummyMaxCanvas" refType="h"/>
+          <dgm:constr type="w" for="ch" forName="OneNode_1" refType="w"/>
+          <dgm:constr type="h" for="ch" forName="OneNode_1" refType="h" fact="0.5"/>
+          <dgm:constr type="ctrY" for="ch" forName="OneNode_1" refType="h" fact="0.5"/>
+          <dgm:constr type="w" for="ch" forName="TwoNodes_1" refType="w" fact="0.85"/>
+          <dgm:constr type="h" for="ch" forName="TwoNodes_1" refType="h" fact="0.45"/>
+          <dgm:constr type="t" for="ch" forName="TwoNodes_1"/>
+          <dgm:constr type="l" for="ch" forName="TwoNodes_1"/>
+          <dgm:constr type="w" for="ch" forName="TwoNodes_2" refType="w" fact="0.85"/>
+          <dgm:constr type="h" for="ch" forName="TwoNodes_2" refType="h" fact="0.45"/>
+          <dgm:constr type="b" for="ch" forName="TwoNodes_2" refType="h"/>
+          <dgm:constr type="r" for="ch" forName="TwoNodes_2" refType="w"/>
+          <dgm:constr type="w" for="ch" forName="TwoConn_1-2" refType="h" refFor="ch" refForName="TwoNodes_1" fact="0.65"/>
+          <dgm:constr type="h" for="ch" forName="TwoConn_1-2" refType="h" refFor="ch" refForName="TwoNodes_1" fact="0.65"/>
+          <dgm:constr type="ctrY" for="ch" forName="TwoConn_1-2" refType="h" fact="0.5"/>
+          <dgm:constr type="r" for="ch" forName="TwoConn_1-2" refType="r" refFor="ch" refForName="TwoNodes_1"/>
+          <dgm:constr type="r" for="ch" forName="TwoNodes_1_text" refType="l" refFor="ch" refForName="TwoConn_1-2"/>
+          <dgm:constr type="rOff" for="ch" forName="TwoNodes_1_text" refType="w" refFor="ch" refForName="TwoConn_1-2" fact="-0.5"/>
+          <dgm:constr type="t" for="ch" forName="TwoNodes_1_text" refType="t" refFor="ch" refForName="TwoNodes_1"/>
+          <dgm:constr type="b" for="ch" forName="TwoNodes_1_text" refType="b" refFor="ch" refForName="TwoNodes_1"/>
+          <dgm:constr type="l" for="ch" forName="TwoNodes_1_text" refType="l" refFor="ch" refForName="TwoNodes_1"/>
+          <dgm:constr type="r" for="ch" forName="TwoNodes_2_text" refType="l" refFor="ch" refForName="TwoConn_1-2"/>
+          <dgm:constr type="t" for="ch" forName="TwoNodes_2_text" refType="t" refFor="ch" refForName="TwoNodes_2"/>
+          <dgm:constr type="b" for="ch" forName="TwoNodes_2_text" refType="b" refFor="ch" refForName="TwoNodes_2"/>
+          <dgm:constr type="l" for="ch" forName="TwoNodes_2_text" refType="l" refFor="ch" refForName="TwoNodes_2"/>
+          <dgm:constr type="w" for="ch" forName="ThreeNodes_1" refType="w" fact="0.85"/>
+          <dgm:constr type="h" for="ch" forName="ThreeNodes_1" refType="h" fact="0.3"/>
+          <dgm:constr type="t" for="ch" forName="ThreeNodes_1"/>
+          <dgm:constr type="l" for="ch" forName="ThreeNodes_1"/>
+          <dgm:constr type="w" for="ch" forName="ThreeNodes_2" refType="w" fact="0.85"/>
+          <dgm:constr type="h" for="ch" forName="ThreeNodes_2" refType="h" fact="0.3"/>
+          <dgm:constr type="ctrY" for="ch" forName="ThreeNodes_2" refType="h" fact="0.5"/>
+          <dgm:constr type="ctrX" for="ch" forName="ThreeNodes_2" refType="w" fact="0.5"/>
+          <dgm:constr type="w" for="ch" forName="ThreeNodes_3" refType="w" fact="0.85"/>
+          <dgm:constr type="h" for="ch" forName="ThreeNodes_3" refType="h" fact="0.3"/>
+          <dgm:constr type="b" for="ch" forName="ThreeNodes_3" refType="h"/>
+          <dgm:constr type="r" for="ch" forName="ThreeNodes_3" refType="w"/>
+          <dgm:constr type="w" for="ch" forName="ThreeConn_1-2" refType="h" refFor="ch" refForName="ThreeNodes_1" fact="0.65"/>
+          <dgm:constr type="h" for="ch" forName="ThreeConn_1-2" refType="h" refFor="ch" refForName="ThreeNodes_1" fact="0.65"/>
+          <dgm:constr type="ctrY" for="ch" forName="ThreeConn_1-2" refType="h" fact="0.325"/>
+          <dgm:constr type="r" for="ch" forName="ThreeConn_1-2" refType="r" refFor="ch" refForName="ThreeNodes_1"/>
+          <dgm:constr type="w" for="ch" forName="ThreeConn_2-3" refType="h" refFor="ch" refForName="ThreeNodes_2" fact="0.65"/>
+          <dgm:constr type="h" for="ch" forName="ThreeConn_2-3" refType="h" refFor="ch" refForName="ThreeNodes_2" fact="0.65"/>
+          <dgm:constr type="ctrY" for="ch" forName="ThreeConn_2-3" refType="h" fact="0.673"/>
+          <dgm:constr type="r" for="ch" forName="ThreeConn_2-3" refType="r" refFor="ch" refForName="ThreeNodes_2"/>
+          <dgm:constr type="r" for="ch" forName="ThreeNodes_1_text" refType="l" refFor="ch" refForName="ThreeConn_1-2"/>
+          <dgm:constr type="rOff" for="ch" forName="ThreeNodes_1_text" refType="w" refFor="ch" refForName="ThreeConn_1-2" fact="-0.57"/>
+          <dgm:constr type="t" for="ch" forName="ThreeNodes_1_text" refType="t" refFor="ch" refForName="ThreeNodes_1"/>
+          <dgm:constr type="b" for="ch" forName="ThreeNodes_1_text" refType="b" refFor="ch" refForName="ThreeNodes_1"/>
+          <dgm:constr type="l" for="ch" forName="ThreeNodes_1_text" refType="l" refFor="ch" refForName="ThreeNodes_1"/>
+          <dgm:constr type="r" for="ch" forName="ThreeNodes_2_text" refType="l" refFor="ch" refForName="ThreeConn_1-2"/>
+          <dgm:constr type="t" for="ch" forName="ThreeNodes_2_text" refType="t" refFor="ch" refForName="ThreeNodes_2"/>
+          <dgm:constr type="b" for="ch" forName="ThreeNodes_2_text" refType="b" refFor="ch" refForName="ThreeNodes_2"/>
+          <dgm:constr type="l" for="ch" forName="ThreeNodes_2_text" refType="l" refFor="ch" refForName="ThreeNodes_2"/>
+          <dgm:constr type="r" for="ch" forName="ThreeNodes_3_text" refType="l" refFor="ch" refForName="ThreeConn_2-3"/>
+          <dgm:constr type="t" for="ch" forName="ThreeNodes_3_text" refType="t" refFor="ch" refForName="ThreeNodes_3"/>
+          <dgm:constr type="b" for="ch" forName="ThreeNodes_3_text" refType="b" refFor="ch" refForName="ThreeNodes_3"/>
+          <dgm:constr type="l" for="ch" forName="ThreeNodes_3_text" refType="l" refFor="ch" refForName="ThreeNodes_3"/>
+          <dgm:constr type="w" for="ch" forName="FourNodes_1" refType="w" fact="0.8"/>
+          <dgm:constr type="h" for="ch" forName="FourNodes_1" refType="h" fact="0.22"/>
+          <dgm:constr type="t" for="ch" forName="FourNodes_1"/>
+          <dgm:constr type="l" for="ch" forName="FourNodes_1"/>
+          <dgm:constr type="w" for="ch" forName="FourNodes_2" refType="w" fact="0.8"/>
+          <dgm:constr type="h" for="ch" forName="FourNodes_2" refType="h" fact="0.22"/>
+          <dgm:constr type="ctrY" for="ch" forName="FourNodes_2" refType="h" fact="0.37"/>
+          <dgm:constr type="ctrX" for="ch" forName="FourNodes_2" refType="w" fact="0.467"/>
+          <dgm:constr type="w" for="ch" forName="FourNodes_3" refType="w" fact="0.8"/>
+          <dgm:constr type="h" for="ch" forName="FourNodes_3" refType="h" fact="0.22"/>
+          <dgm:constr type="ctrY" for="ch" forName="FourNodes_3" refType="h" fact="0.63"/>
+          <dgm:constr type="ctrX" for="ch" forName="FourNodes_3" refType="w" fact="0.533"/>
+          <dgm:constr type="w" for="ch" forName="FourNodes_4" refType="w" fact="0.8"/>
+          <dgm:constr type="h" for="ch" forName="FourNodes_4" refType="h" fact="0.22"/>
+          <dgm:constr type="b" for="ch" forName="FourNodes_4" refType="h"/>
+          <dgm:constr type="r" for="ch" forName="FourNodes_4" refType="w"/>
+          <dgm:constr type="w" for="ch" forName="FourConn_1-2" refType="h" refFor="ch" refForName="FourNodes_1" fact="0.65"/>
+          <dgm:constr type="h" for="ch" forName="FourConn_1-2" refType="h" refFor="ch" refForName="FourNodes_1" fact="0.65"/>
+          <dgm:constr type="ctrY" for="ch" forName="FourConn_1-2" refType="h" fact="0.24"/>
+          <dgm:constr type="r" for="ch" forName="FourConn_1-2" refType="r" refFor="ch" refForName="FourNodes_1"/>
+          <dgm:constr type="w" for="ch" forName="FourConn_2-3" refType="h" refFor="ch" refForName="FourNodes_2" fact="0.65"/>
+          <dgm:constr type="h" for="ch" forName="FourConn_2-3" refType="h" refFor="ch" refForName="FourNodes_2" fact="0.65"/>
+          <dgm:constr type="ctrY" for="ch" forName="FourConn_2-3" refType="h" fact="0.5"/>
+          <dgm:constr type="r" for="ch" forName="FourConn_2-3" refType="r" refFor="ch" refForName="FourNodes_2"/>
+          <dgm:constr type="w" for="ch" forName="FourConn_3-4" refType="h" refFor="ch" refForName="FourNodes_3" fact="0.65"/>
+          <dgm:constr type="h" for="ch" forName="FourConn_3-4" refType="h" refFor="ch" refForName="FourNodes_3" fact="0.65"/>
+          <dgm:constr type="ctrY" for="ch" forName="FourConn_3-4" refType="h" fact="0.76"/>
+          <dgm:constr type="r" for="ch" forName="FourConn_3-4" refType="r" refFor="ch" refForName="FourNodes_3"/>
+          <dgm:constr type="r" for="ch" forName="FourNodes_1_text" refType="l" refFor="ch" refForName="FourConn_1-2"/>
+          <dgm:constr type="rOff" for="ch" forName="FourNodes_1_text" refType="w" refFor="ch" refForName="FourConn_1-2" fact="-0.7"/>
+          <dgm:constr type="t" for="ch" forName="FourNodes_1_text" refType="t" refFor="ch" refForName="FourNodes_1"/>
+          <dgm:constr type="b" for="ch" forName="FourNodes_1_text" refType="b" refFor="ch" refForName="FourNodes_1"/>
+          <dgm:constr type="l" for="ch" forName="FourNodes_1_text" refType="l" refFor="ch" refForName="FourNodes_1"/>
+          <dgm:constr type="r" for="ch" forName="FourNodes_2_text" refType="l" refFor="ch" refForName="FourConn_1-2"/>
+          <dgm:constr type="t" for="ch" forName="FourNodes_2_text" refType="t" refFor="ch" refForName="FourNodes_2"/>
+          <dgm:constr type="b" for="ch" forName="FourNodes_2_text" refType="b" refFor="ch" refForName="FourNodes_2"/>
+          <dgm:constr type="l" for="ch" forName="FourNodes_2_text" refType="l" refFor="ch" refForName="FourNodes_2"/>
+          <dgm:constr type="r" for="ch" forName="FourNodes_3_text" refType="l" refFor="ch" refForName="FourConn_2-3"/>
+          <dgm:constr type="t" for="ch" forName="FourNodes_3_text" refType="t" refFor="ch" refForName="FourNodes_3"/>
+          <dgm:constr type="b" for="ch" forName="FourNodes_3_text" refType="b" refFor="ch" refForName="FourNodes_3"/>
+          <dgm:constr type="l" for="ch" forName="FourNodes_3_text" refType="l" refFor="ch" refForName="FourNodes_3"/>
+          <dgm:constr type="r" for="ch" forName="FourNodes_4_text" refType="l" refFor="ch" refForName="FourConn_3-4"/>
+          <dgm:constr type="t" for="ch" forName="FourNodes_4_text" refType="t" refFor="ch" refForName="FourNodes_4"/>
+          <dgm:constr type="b" for="ch" forName="FourNodes_4_text" refType="b" refFor="ch" refForName="FourNodes_4"/>
+          <dgm:constr type="l" for="ch" forName="FourNodes_4_text" refType="l" refFor="ch" refForName="FourNodes_4"/>
+          <dgm:constr type="w" for="ch" forName="FiveNodes_1" refType="w" fact="0.77"/>
+          <dgm:constr type="h" for="ch" forName="FiveNodes_1" refType="h" fact="0.18"/>
+          <dgm:constr type="t" for="ch" forName="FiveNodes_1"/>
+          <dgm:constr type="l" for="ch" forName="FiveNodes_1"/>
+          <dgm:constr type="w" for="ch" forName="FiveNodes_2" refType="w" fact="0.77"/>
+          <dgm:constr type="h" for="ch" forName="FiveNodes_2" refType="h" fact="0.18"/>
+          <dgm:constr type="ctrY" for="ch" forName="FiveNodes_2" refType="h" fact="0.295"/>
+          <dgm:constr type="ctrX" for="ch" forName="FiveNodes_2" refType="w" fact="0.4425"/>
+          <dgm:constr type="w" for="ch" forName="FiveNodes_3" refType="w" fact="0.77"/>
+          <dgm:constr type="h" for="ch" forName="FiveNodes_3" refType="h" fact="0.18"/>
+          <dgm:constr type="ctrY" for="ch" forName="FiveNodes_3" refType="h" fact="0.5"/>
+          <dgm:constr type="ctrX" for="ch" forName="FiveNodes_3" refType="w" fact="0.5"/>
+          <dgm:constr type="w" for="ch" forName="FiveNodes_4" refType="w" fact="0.77"/>
+          <dgm:constr type="h" for="ch" forName="FiveNodes_4" refType="h" fact="0.18"/>
+          <dgm:constr type="ctrY" for="ch" forName="FiveNodes_4" refType="h" fact="0.705"/>
+          <dgm:constr type="ctrX" for="ch" forName="FiveNodes_4" refType="w" fact="0.5575"/>
+          <dgm:constr type="w" for="ch" forName="FiveNodes_5" refType="w" fact="0.77"/>
+          <dgm:constr type="h" for="ch" forName="FiveNodes_5" refType="h" fact="0.18"/>
+          <dgm:constr type="b" for="ch" forName="FiveNodes_5" refType="h"/>
+          <dgm:constr type="r" for="ch" forName="FiveNodes_5" refType="w"/>
+          <dgm:constr type="w" for="ch" forName="FiveConn_1-2" refType="h" refFor="ch" refForName="FiveNodes_1" fact="0.65"/>
+          <dgm:constr type="h" for="ch" forName="FiveConn_1-2" refType="h" refFor="ch" refForName="FiveNodes_1" fact="0.65"/>
+          <dgm:constr type="ctrY" for="ch" forName="FiveConn_1-2" refType="h" fact="0.19"/>
+          <dgm:constr type="r" for="ch" forName="FiveConn_1-2" refType="r" refFor="ch" refForName="FiveNodes_1"/>
+          <dgm:constr type="w" for="ch" forName="FiveConn_2-3" refType="h" refFor="ch" refForName="FiveNodes_2" fact="0.65"/>
+          <dgm:constr type="h" for="ch" forName="FiveConn_2-3" refType="h" refFor="ch" refForName="FiveNodes_2" fact="0.65"/>
+          <dgm:constr type="ctrY" for="ch" forName="FiveConn_2-3" refType="h" fact="0.395"/>
+          <dgm:constr type="r" for="ch" forName="FiveConn_2-3" refType="r" refFor="ch" refForName="FiveNodes_2"/>
+          <dgm:constr type="w" for="ch" forName="FiveConn_3-4" refType="h" refFor="ch" refForName="FiveNodes_3" fact="0.65"/>
+          <dgm:constr type="h" for="ch" forName="FiveConn_3-4" refType="h" refFor="ch" refForName="FiveNodes_3" fact="0.65"/>
+          <dgm:constr type="ctrY" for="ch" forName="FiveConn_3-4" refType="h" fact="0.597"/>
+          <dgm:constr type="r" for="ch" forName="FiveConn_3-4" refType="r" refFor="ch" refForName="FiveNodes_3"/>
+          <dgm:constr type="w" for="ch" forName="FiveConn_4-5" refType="h" refFor="ch" refForName="FiveNodes_4" fact="0.65"/>
+          <dgm:constr type="h" for="ch" forName="FiveConn_4-5" refType="h" refFor="ch" refForName="FiveNodes_4" fact="0.65"/>
+          <dgm:constr type="ctrY" for="ch" forName="FiveConn_4-5" refType="h" fact="0.804"/>
+          <dgm:constr type="r" for="ch" forName="FiveConn_4-5" refType="r" refFor="ch" refForName="FiveNodes_4"/>
+          <dgm:constr type="r" for="ch" forName="FiveNodes_1_text" refType="l" refFor="ch" refForName="FiveConn_1-2"/>
+          <dgm:constr type="rOff" for="ch" forName="FiveNodes_1_text" refType="w" refFor="ch" refForName="FiveConn_1-2" fact="-0.75"/>
+          <dgm:constr type="t" for="ch" forName="FiveNodes_1_text" refType="t" refFor="ch" refForName="FiveNodes_1"/>
+          <dgm:constr type="b" for="ch" forName="FiveNodes_1_text" refType="b" refFor="ch" refForName="FiveNodes_1"/>
+          <dgm:constr type="l" for="ch" forName="FiveNodes_1_text" refType="l" refFor="ch" refForName="FiveNodes_1"/>
+          <dgm:constr type="r" for="ch" forName="FiveNodes_2_text" refType="l" refFor="ch" refForName="FiveConn_1-2"/>
+          <dgm:constr type="t" for="ch" forName="FiveNodes_2_text" refType="t" refFor="ch" refForName="FiveNodes_2"/>
+          <dgm:constr type="b" for="ch" forName="FiveNodes_2_text" refType="b" refFor="ch" refForName="FiveNodes_2"/>
+          <dgm:constr type="l" for="ch" forName="FiveNodes_2_text" refType="l" refFor="ch" refForName="FiveNodes_2"/>
+          <dgm:constr type="r" for="ch" forName="FiveNodes_3_text" refType="l" refFor="ch" refForName="FiveConn_2-3"/>
+          <dgm:constr type="t" for="ch" forName="FiveNodes_3_text" refType="t" refFor="ch" refForName="FiveNodes_3"/>
+          <dgm:constr type="b" for="ch" forName="FiveNodes_3_text" refType="b" refFor="ch" refForName="FiveNodes_3"/>
+          <dgm:constr type="l" for="ch" forName="FiveNodes_3_text" refType="l" refFor="ch" refForName="FiveNodes_3"/>
+          <dgm:constr type="r" for="ch" forName="FiveNodes_4_text" refType="l" refFor="ch" refForName="FiveConn_3-4"/>
+          <dgm:constr type="t" for="ch" forName="FiveNodes_4_text" refType="t" refFor="ch" refForName="FiveNodes_4"/>
+          <dgm:constr type="b" for="ch" forName="FiveNodes_4_text" refType="b" refFor="ch" refForName="FiveNodes_4"/>
+          <dgm:constr type="l" for="ch" forName="FiveNodes_4_text" refType="l" refFor="ch" refForName="FiveNodes_4"/>
+          <dgm:constr type="r" for="ch" forName="FiveNodes_5_text" refType="l" refFor="ch" refForName="FiveConn_4-5"/>
+          <dgm:constr type="t" for="ch" forName="FiveNodes_5_text" refType="t" refFor="ch" refForName="FiveNodes_5"/>
+          <dgm:constr type="b" for="ch" forName="FiveNodes_5_text" refType="b" refFor="ch" refForName="FiveNodes_5"/>
+          <dgm:constr type="l" for="ch" forName="FiveNodes_5_text" refType="l" refFor="ch" refForName="FiveNodes_5"/>
+        </dgm:constrLst>
+      </dgm:if>
+      <dgm:else name="Name2">
+        <dgm:constrLst>
+          <dgm:constr type="primFontSz" for="ch" ptType="node" op="equ" val="65"/>
+          <dgm:constr type="w" for="ch" forName="dummyMaxCanvas" refType="w"/>
+          <dgm:constr type="h" for="ch" forName="dummyMaxCanvas" refType="h"/>
+          <dgm:constr type="w" for="ch" forName="OneNode_1" refType="w"/>
+          <dgm:constr type="h" for="ch" forName="OneNode_1" refType="h" fact="0.5"/>
+          <dgm:constr type="ctrY" for="ch" forName="OneNode_1" refType="h" fact="0.5"/>
+          <dgm:constr type="w" for="ch" forName="TwoNodes_1" refType="w" fact="0.85"/>
+          <dgm:constr type="h" for="ch" forName="TwoNodes_1" refType="h" fact="0.45"/>
+          <dgm:constr type="t" for="ch" forName="TwoNodes_1"/>
+          <dgm:constr type="r" for="ch" forName="TwoNodes_1" refType="w"/>
+          <dgm:constr type="w" for="ch" forName="TwoNodes_2" refType="w" fact="0.85"/>
+          <dgm:constr type="h" for="ch" forName="TwoNodes_2" refType="h" fact="0.45"/>
+          <dgm:constr type="b" for="ch" forName="TwoNodes_2" refType="h"/>
+          <dgm:constr type="l" for="ch" forName="TwoNodes_2"/>
+          <dgm:constr type="w" for="ch" forName="TwoConn_1-2" refType="h" refFor="ch" refForName="TwoNodes_1" fact="0.65"/>
+          <dgm:constr type="h" for="ch" forName="TwoConn_1-2" refType="h" refFor="ch" refForName="TwoNodes_1" fact="0.65"/>
+          <dgm:constr type="ctrY" for="ch" forName="TwoConn_1-2" refType="h" fact="0.5"/>
+          <dgm:constr type="l" for="ch" forName="TwoConn_1-2" refType="l" refFor="ch" refForName="TwoNodes_1"/>
+          <dgm:constr type="l" for="ch" forName="TwoNodes_1_text" refType="r" refFor="ch" refForName="TwoConn_1-2"/>
+          <dgm:constr type="lOff" for="ch" forName="TwoNodes_1_text" refType="w" refFor="ch" refForName="TwoConn_1-2" fact="0.5"/>
+          <dgm:constr type="t" for="ch" forName="TwoNodes_1_text" refType="t" refFor="ch" refForName="TwoNodes_1"/>
+          <dgm:constr type="b" for="ch" forName="TwoNodes_1_text" refType="b" refFor="ch" refForName="TwoNodes_1"/>
+          <dgm:constr type="r" for="ch" forName="TwoNodes_1_text" refType="r" refFor="ch" refForName="TwoNodes_1"/>
+          <dgm:constr type="l" for="ch" forName="TwoNodes_2_text" refType="r" refFor="ch" refForName="TwoConn_1-2"/>
+          <dgm:constr type="t" for="ch" forName="TwoNodes_2_text" refType="t" refFor="ch" refForName="TwoNodes_2"/>
+          <dgm:constr type="b" for="ch" forName="TwoNodes_2_text" refType="b" refFor="ch" refForName="TwoNodes_2"/>
+          <dgm:constr type="r" for="ch" forName="TwoNodes_2_text" refType="r" refFor="ch" refForName="TwoNodes_2"/>
+          <dgm:constr type="w" for="ch" forName="ThreeNodes_1" refType="w" fact="0.85"/>
+          <dgm:constr type="h" for="ch" forName="ThreeNodes_1" refType="h" fact="0.3"/>
+          <dgm:constr type="t" for="ch" forName="ThreeNodes_1"/>
+          <dgm:constr type="r" for="ch" forName="ThreeNodes_1" refType="w"/>
+          <dgm:constr type="w" for="ch" forName="ThreeNodes_2" refType="w" fact="0.85"/>
+          <dgm:constr type="h" for="ch" forName="ThreeNodes_2" refType="h" fact="0.3"/>
+          <dgm:constr type="ctrY" for="ch" forName="ThreeNodes_2" refType="h" fact="0.5"/>
+          <dgm:constr type="ctrX" for="ch" forName="ThreeNodes_2" refType="w" fact="0.5"/>
+          <dgm:constr type="w" for="ch" forName="ThreeNodes_3" refType="w" fact="0.85"/>
+          <dgm:constr type="h" for="ch" forName="ThreeNodes_3" refType="h" fact="0.3"/>
+          <dgm:constr type="b" for="ch" forName="ThreeNodes_3" refType="h"/>
+          <dgm:constr type="l" for="ch" forName="ThreeNodes_3"/>
+          <dgm:constr type="w" for="ch" forName="ThreeConn_1-2" refType="h" refFor="ch" refForName="ThreeNodes_1" fact="0.65"/>
+          <dgm:constr type="h" for="ch" forName="ThreeConn_1-2" refType="h" refFor="ch" refForName="ThreeNodes_1" fact="0.65"/>
+          <dgm:constr type="ctrY" for="ch" forName="ThreeConn_1-2" refType="h" fact="0.325"/>
+          <dgm:constr type="l" for="ch" forName="ThreeConn_1-2" refType="l" refFor="ch" refForName="ThreeNodes_1"/>
+          <dgm:constr type="w" for="ch" forName="ThreeConn_2-3" refType="h" refFor="ch" refForName="ThreeNodes_2" fact="0.65"/>
+          <dgm:constr type="h" for="ch" forName="ThreeConn_2-3" refType="h" refFor="ch" refForName="ThreeNodes_2" fact="0.65"/>
+          <dgm:constr type="ctrY" for="ch" forName="ThreeConn_2-3" refType="h" fact="0.673"/>
+          <dgm:constr type="l" for="ch" forName="ThreeConn_2-3" refType="l" refFor="ch" refForName="ThreeNodes_2"/>
+          <dgm:constr type="l" for="ch" forName="ThreeNodes_1_text" refType="r" refFor="ch" refForName="ThreeConn_1-2"/>
+          <dgm:constr type="lOff" for="ch" forName="ThreeNodes_1_text" refType="w" refFor="ch" refForName="ThreeConn_1-2" fact="0.55"/>
+          <dgm:constr type="t" for="ch" forName="ThreeNodes_1_text" refType="t" refFor="ch" refForName="ThreeNodes_1"/>
+          <dgm:constr type="b" for="ch" forName="ThreeNodes_1_text" refType="b" refFor="ch" refForName="ThreeNodes_1"/>
+          <dgm:constr type="r" for="ch" forName="ThreeNodes_1_text" refType="r" refFor="ch" refForName="ThreeNodes_1"/>
+          <dgm:constr type="l" for="ch" forName="ThreeNodes_2_text" refType="r" refFor="ch" refForName="ThreeConn_1-2"/>
+          <dgm:constr type="t" for="ch" forName="ThreeNodes_2_text" refType="t" refFor="ch" refForName="ThreeNodes_2"/>
+          <dgm:constr type="b" for="ch" forName="ThreeNodes_2_text" refType="b" refFor="ch" refForName="ThreeNodes_2"/>
+          <dgm:constr type="r" for="ch" forName="ThreeNodes_2_text" refType="r" refFor="ch" refForName="ThreeNodes_2"/>
+          <dgm:constr type="l" for="ch" forName="ThreeNodes_3_text" refType="r" refFor="ch" refForName="ThreeConn_2-3"/>
+          <dgm:constr type="t" for="ch" forName="ThreeNodes_3_text" refType="t" refFor="ch" refForName="ThreeNodes_3"/>
+          <dgm:constr type="b" for="ch" forName="ThreeNodes_3_text" refType="b" refFor="ch" refForName="ThreeNodes_3"/>
+          <dgm:constr type="r" for="ch" forName="ThreeNodes_3_text" refType="r" refFor="ch" refForName="ThreeNodes_3"/>
+          <dgm:constr type="w" for="ch" forName="FourNodes_1" refType="w" fact="0.8"/>
+          <dgm:constr type="h" for="ch" forName="FourNodes_1" refType="h" fact="0.22"/>
+          <dgm:constr type="t" for="ch" forName="FourNodes_1"/>
+          <dgm:constr type="r" for="ch" forName="FourNodes_1" refType="w"/>
+          <dgm:constr type="w" for="ch" forName="FourNodes_2" refType="w" fact="0.8"/>
+          <dgm:constr type="h" for="ch" forName="FourNodes_2" refType="h" fact="0.22"/>
+          <dgm:constr type="ctrY" for="ch" forName="FourNodes_2" refType="h" fact="0.37"/>
+          <dgm:constr type="ctrX" for="ch" forName="FourNodes_2" refType="w" fact="0.533"/>
+          <dgm:constr type="w" for="ch" forName="FourNodes_3" refType="w" fact="0.8"/>
+          <dgm:constr type="h" for="ch" forName="FourNodes_3" refType="h" fact="0.22"/>
+          <dgm:constr type="ctrY" for="ch" forName="FourNodes_3" refType="h" fact="0.63"/>
+          <dgm:constr type="ctrX" for="ch" forName="FourNodes_3" refType="w" fact="0.467"/>
+          <dgm:constr type="w" for="ch" forName="FourNodes_4" refType="w" fact="0.8"/>
+          <dgm:constr type="h" for="ch" forName="FourNodes_4" refType="h" fact="0.22"/>
+          <dgm:constr type="b" for="ch" forName="FourNodes_4" refType="h"/>
+          <dgm:constr type="l" for="ch" forName="FourNodes_4"/>
+          <dgm:constr type="w" for="ch" forName="FourConn_1-2" refType="h" refFor="ch" refForName="FourNodes_1" fact="0.65"/>
+          <dgm:constr type="h" for="ch" forName="FourConn_1-2" refType="h" refFor="ch" refForName="FourNodes_1" fact="0.65"/>
+          <dgm:constr type="ctrY" for="ch" forName="FourConn_1-2" refType="h" fact="0.24"/>
+          <dgm:constr type="l" for="ch" forName="FourConn_1-2" refType="l" refFor="ch" refForName="FourNodes_1"/>
+          <dgm:constr type="w" for="ch" forName="FourConn_2-3" refType="h" refFor="ch" refForName="FourNodes_2" fact="0.65"/>
+          <dgm:constr type="h" for="ch" forName="FourConn_2-3" refType="h" refFor="ch" refForName="FourNodes_2" fact="0.65"/>
+          <dgm:constr type="ctrY" for="ch" forName="FourConn_2-3" refType="h" fact="0.5"/>
+          <dgm:constr type="l" for="ch" forName="FourConn_2-3" refType="l" refFor="ch" refForName="FourNodes_2"/>
+          <dgm:constr type="w" for="ch" forName="FourConn_3-4" refType="h" refFor="ch" refForName="FourNodes_3" fact="0.65"/>
+          <dgm:constr type="h" for="ch" forName="FourConn_3-4" refType="h" refFor="ch" refForName="FourNodes_3" fact="0.65"/>
+          <dgm:constr type="ctrY" for="ch" forName="FourConn_3-4" refType="h" fact="0.76"/>
+          <dgm:constr type="l" for="ch" forName="FourConn_3-4" refType="l" refFor="ch" refForName="FourNodes_3"/>
+          <dgm:constr type="l" for="ch" forName="FourNodes_1_text" refType="r" refFor="ch" refForName="FourConn_1-2"/>
+          <dgm:constr type="lOff" for="ch" forName="FourNodes_1_text" refType="w" refFor="ch" refForName="FourConn_1-2" fact="0.69"/>
+          <dgm:constr type="t" for="ch" forName="FourNodes_1_text" refType="t" refFor="ch" refForName="FourNodes_1"/>
+          <dgm:constr type="b" for="ch" forName="FourNodes_1_text" refType="b" refFor="ch" refForName="FourNodes_1"/>
+          <dgm:constr type="r" for="ch" forName="FourNodes_1_text" refType="r" refFor="ch" refForName="FourNodes_1"/>
+          <dgm:constr type="l" for="ch" forName="FourNodes_2_text" refType="r" refFor="ch" refForName="FourConn_1-2"/>
+          <dgm:constr type="t" for="ch" forName="FourNodes_2_text" refType="t" refFor="ch" refForName="FourNodes_2"/>
+          <dgm:constr type="b" for="ch" forName="FourNodes_2_text" refType="b" refFor="ch" refForName="FourNodes_2"/>
+          <dgm:constr type="r" for="ch" forName="FourNodes_2_text" refType="r" refFor="ch" refForName="FourNodes_2"/>
+          <dgm:constr type="l" for="ch" forName="FourNodes_3_text" refType="r" refFor="ch" refForName="FourConn_2-3"/>
+          <dgm:constr type="t" for="ch" forName="FourNodes_3_text" refType="t" refFor="ch" refForName="FourNodes_3"/>
+          <dgm:constr type="b" for="ch" forName="FourNodes_3_text" refType="b" refFor="ch" refForName="FourNodes_3"/>
+          <dgm:constr type="r" for="ch" forName="FourNodes_3_text" refType="r" refFor="ch" refForName="FourNodes_3"/>
+          <dgm:constr type="l" for="ch" forName="FourNodes_4_text" refType="r" refFor="ch" refForName="FourConn_3-4"/>
+          <dgm:constr type="t" for="ch" forName="FourNodes_4_text" refType="t" refFor="ch" refForName="FourNodes_4"/>
+          <dgm:constr type="b" for="ch" forName="FourNodes_4_text" refType="b" refFor="ch" refForName="FourNodes_4"/>
+          <dgm:constr type="r" for="ch" forName="FourNodes_4_text" refType="r" refFor="ch" refForName="FourNodes_4"/>
+          <dgm:constr type="w" for="ch" forName="FiveNodes_1" refType="w" fact="0.77"/>
+          <dgm:constr type="h" for="ch" forName="FiveNodes_1" refType="h" fact="0.18"/>
+          <dgm:constr type="t" for="ch" forName="FiveNodes_1"/>
+          <dgm:constr type="r" for="ch" forName="FiveNodes_1" refType="w"/>
+          <dgm:constr type="w" for="ch" forName="FiveNodes_2" refType="w" fact="0.77"/>
+          <dgm:constr type="h" for="ch" forName="FiveNodes_2" refType="h" fact="0.18"/>
+          <dgm:constr type="ctrY" for="ch" forName="FiveNodes_2" refType="h" fact="0.295"/>
+          <dgm:constr type="ctrX" for="ch" forName="FiveNodes_2" refType="w" fact="0.5575"/>
+          <dgm:constr type="w" for="ch" forName="FiveNodes_3" refType="w" fact="0.77"/>
+          <dgm:constr type="h" for="ch" forName="FiveNodes_3" refType="h" fact="0.18"/>
+          <dgm:constr type="ctrY" for="ch" forName="FiveNodes_3" refType="h" fact="0.5"/>
+          <dgm:constr type="ctrX" for="ch" forName="FiveNodes_3" refType="w" fact="0.5"/>
+          <dgm:constr type="w" for="ch" forName="FiveNodes_4" refType="w" fact="0.77"/>
+          <dgm:constr type="h" for="ch" forName="FiveNodes_4" refType="h" fact="0.18"/>
+          <dgm:constr type="ctrY" for="ch" forName="FiveNodes_4" refType="h" fact="0.705"/>
+          <dgm:constr type="ctrX" for="ch" forName="FiveNodes_4" refType="w" fact="0.4425"/>
+          <dgm:constr type="w" for="ch" forName="FiveNodes_5" refType="w" fact="0.77"/>
+          <dgm:constr type="h" for="ch" forName="FiveNodes_5" refType="h" fact="0.18"/>
+          <dgm:constr type="b" for="ch" forName="FiveNodes_5" refType="h"/>
+          <dgm:constr type="l" for="ch" forName="FiveNodes_5"/>
+          <dgm:constr type="w" for="ch" forName="FiveConn_1-2" refType="h" refFor="ch" refForName="FiveNodes_1" fact="0.65"/>
+          <dgm:constr type="h" for="ch" forName="FiveConn_1-2" refType="h" refFor="ch" refForName="FiveNodes_1" fact="0.65"/>
+          <dgm:constr type="ctrY" for="ch" forName="FiveConn_1-2" refType="h" fact="0.19"/>
+          <dgm:constr type="l" for="ch" forName="FiveConn_1-2" refType="l" refFor="ch" refForName="FiveNodes_1"/>
+          <dgm:constr type="w" for="ch" forName="FiveConn_2-3" refType="h" refFor="ch" refForName="FiveNodes_2" fact="0.65"/>
+          <dgm:constr type="h" for="ch" forName="FiveConn_2-3" refType="h" refFor="ch" refForName="FiveNodes_2" fact="0.65"/>
+          <dgm:constr type="ctrY" for="ch" forName="FiveConn_2-3" refType="h" fact="0.395"/>
+          <dgm:constr type="l" for="ch" forName="FiveConn_2-3" refType="l" refFor="ch" refForName="FiveNodes_2"/>
+          <dgm:constr type="w" for="ch" forName="FiveConn_3-4" refType="h" refFor="ch" refForName="FiveNodes_3" fact="0.65"/>
+          <dgm:constr type="h" for="ch" forName="FiveConn_3-4" refType="h" refFor="ch" refForName="FiveNodes_3" fact="0.65"/>
+          <dgm:constr type="ctrY" for="ch" forName="FiveConn_3-4" refType="h" fact="0.597"/>
+          <dgm:constr type="l" for="ch" forName="FiveConn_3-4" refType="l" refFor="ch" refForName="FiveNodes_3"/>
+          <dgm:constr type="w" for="ch" forName="FiveConn_4-5" refType="h" refFor="ch" refForName="FiveNodes_4" fact="0.65"/>
+          <dgm:constr type="h" for="ch" forName="FiveConn_4-5" refType="h" refFor="ch" refForName="FiveNodes_4" fact="0.65"/>
+          <dgm:constr type="ctrY" for="ch" forName="FiveConn_4-5" refType="h" fact="0.804"/>
+          <dgm:constr type="l" for="ch" forName="FiveConn_4-5" refType="l" refFor="ch" refForName="FiveNodes_4"/>
+          <dgm:constr type="l" for="ch" forName="FiveNodes_1_text" refType="r" refFor="ch" refForName="FiveConn_1-2"/>
+          <dgm:constr type="lOff" for="ch" forName="FiveNodes_1_text" refType="w" refFor="ch" refForName="FiveConn_1-2" fact="0.73"/>
+          <dgm:constr type="t" for="ch" forName="FiveNodes_1_text" refType="t" refFor="ch" refForName="FiveNodes_1"/>
+          <dgm:constr type="b" for="ch" forName="FiveNodes_1_text" refType="b" refFor="ch" refForName="FiveNodes_1"/>
+          <dgm:constr type="r" for="ch" forName="FiveNodes_1_text" refType="r" refFor="ch" refForName="FiveNodes_1"/>
+          <dgm:constr type="l" for="ch" forName="FiveNodes_2_text" refType="r" refFor="ch" refForName="FiveConn_1-2"/>
+          <dgm:constr type="t" for="ch" forName="FiveNodes_2_text" refType="t" refFor="ch" refForName="FiveNodes_2"/>
+          <dgm:constr type="b" for="ch" forName="FiveNodes_2_text" refType="b" refFor="ch" refForName="FiveNodes_2"/>
+          <dgm:constr type="r" for="ch" forName="FiveNodes_2_text" refType="r" refFor="ch" refForName="FiveNodes_2"/>
+          <dgm:constr type="l" for="ch" forName="FiveNodes_3_text" refType="r" refFor="ch" refForName="FiveConn_2-3"/>
+          <dgm:constr type="t" for="ch" forName="FiveNodes_3_text" refType="t" refFor="ch" refForName="FiveNodes_3"/>
+          <dgm:constr type="b" for="ch" forName="FiveNodes_3_text" refType="b" refFor="ch" refForName="FiveNodes_3"/>
+          <dgm:constr type="r" for="ch" forName="FiveNodes_3_text" refType="r" refFor="ch" refForName="FiveNodes_3"/>
+          <dgm:constr type="l" for="ch" forName="FiveNodes_4_text" refType="r" refFor="ch" refForName="FiveConn_3-4"/>
+          <dgm:constr type="t" for="ch" forName="FiveNodes_4_text" refType="t" refFor="ch" refForName="FiveNodes_4"/>
+          <dgm:constr type="b" for="ch" forName="FiveNodes_4_text" refType="b" refFor="ch" refForName="FiveNodes_4"/>
+          <dgm:constr type="r" for="ch" forName="FiveNodes_4_text" refType="r" refFor="ch" refForName="FiveNodes_4"/>
+          <dgm:constr type="l" for="ch" forName="FiveNodes_5_text" refType="r" refFor="ch" refForName="FiveConn_4-5"/>
+          <dgm:constr type="t" for="ch" forName="FiveNodes_5_text" refType="t" refFor="ch" refForName="FiveNodes_5"/>
+          <dgm:constr type="b" for="ch" forName="FiveNodes_5_text" refType="b" refFor="ch" refForName="FiveNodes_5"/>
+          <dgm:constr type="r" for="ch" forName="FiveNodes_5_text" refType="r" refFor="ch" refForName="FiveNodes_5"/>
+        </dgm:constrLst>
+      </dgm:else>
+    </dgm:choose>
+    <dgm:ruleLst/>
+    <dgm:layoutNode name="dummyMaxCanvas">
+      <dgm:varLst/>
+      <dgm:alg type="sp"/>
+      <dgm:shape xmlns:r="http://schemas.openxmlformats.org/officeDocument/2006/relationships" r:blip="">
+        <dgm:adjLst/>
+      </dgm:shape>
+      <dgm:presOf/>
+      <dgm:constrLst/>
+      <dgm:ruleLst/>
+    </dgm:layoutNode>
+    <dgm:choose name="Name3">
+      <dgm:if name="Name4" axis="ch" ptType="node" func="cnt" op="equ" val="1">
+        <dgm:layoutNode name="OneNode_1">
+          <dgm:varLst>
+            <dgm:bulletEnabled val="1"/>
+          </dgm:varLst>
+          <dgm:alg type="tx"/>
+          <dgm:shape xmlns:r="http://schemas.openxmlformats.org/officeDocument/2006/relationships" type="roundRect" r:blip="">
+            <dgm:adjLst>
+              <dgm:adj idx="1" val="0.1"/>
+            </dgm:adjLst>
+          </dgm:shape>
+          <dgm:presOf axis="ch desOrSelf" ptType="node node" st="1 1" cnt="1 0"/>
+          <dgm:constrLst>
+            <dgm:constr type="lMarg" refType="primFontSz" fact="0.3"/>
+            <dgm:constr type="rMarg" refType="primFontSz" fact="0.3"/>
+            <dgm:constr type="tMarg" refType="primFontSz" fact="0.3"/>
+            <dgm:constr type="bMarg" refType="primFontSz" fact="0.3"/>
+          </dgm:constrLst>
+          <dgm:ruleLst>
+            <dgm:rule type="primFontSz" val="5" fact="NaN" max="NaN"/>
+          </dgm:ruleLst>
+        </dgm:layoutNode>
+      </dgm:if>
+      <dgm:else name="Name5">
+        <dgm:choose name="Name6">
+          <dgm:if name="Name7" axis="ch" ptType="node" func="cnt" op="equ" val="2">
+            <dgm:layoutNode name="TwoNodes_1">
+              <dgm:varLst>
+                <dgm:bulletEnabled val="1"/>
+              </dgm:varLst>
+              <dgm:alg type="sp"/>
+              <dgm:shape xmlns:r="http://schemas.openxmlformats.org/officeDocument/2006/relationships" type="roundRect" r:blip="">
+                <dgm:adjLst>
+                  <dgm:adj idx="1" val="0.1"/>
+                </dgm:adjLst>
+              </dgm:shape>
+              <dgm:presOf axis="ch desOrSelf" ptType="node node" st="1 1" cnt="1 0"/>
+              <dgm:constrLst/>
+              <dgm:ruleLst/>
+            </dgm:layoutNode>
+            <dgm:layoutNode name="TwoNodes_2">
+              <dgm:varLst>
+                <dgm:bulletEnabled val="1"/>
+              </dgm:varLst>
+              <dgm:alg type="sp"/>
+              <dgm:shape xmlns:r="http://schemas.openxmlformats.org/officeDocument/2006/relationships" type="roundRect" r:blip="">
+                <dgm:adjLst>
+                  <dgm:adj idx="1" val="0.1"/>
+                </dgm:adjLst>
+              </dgm:shape>
+              <dgm:presOf axis="ch desOrSelf" ptType="node node" st="2 1" cnt="1 0"/>
+              <dgm:constrLst/>
+              <dgm:ruleLst/>
+            </dgm:layoutNode>
+            <dgm:layoutNode name="TwoConn_1-2" styleLbl="fgAccFollowNode1">
+              <dgm:varLst>
+                <dgm:bulletEnabled val="1"/>
+              </dgm:varLst>
+              <dgm:alg type="tx"/>
+              <dgm:shape xmlns:r="http://schemas.openxmlformats.org/officeDocument/2006/relationships" type="downArrow" r:blip="">
+                <dgm:adjLst>
+                  <dgm:adj idx="1" val="0.55"/>
+                  <dgm:adj idx="2" val="0.45"/>
+                </dgm:adjLst>
+              </dgm:shape>
+              <dgm:presOf axis="ch" ptType="sibTrans" cnt="1"/>
+              <dgm:constrLst>
+                <dgm:constr type="lMarg" refType="primFontSz" fact="0.1"/>
+                <dgm:constr type="rMarg" refType="primFontSz" fact="0.1"/>
+                <dgm:constr type="tMarg" refType="primFontSz" fact="0.1"/>
+                <dgm:constr type="bMarg" refType="primFontSz" fact="0.1"/>
+              </dgm:constrLst>
+              <dgm:ruleLst>
+                <dgm:rule type="primFontSz" val="5" fact="NaN" max="NaN"/>
+              </dgm:ruleLst>
+            </dgm:layoutNode>
+            <dgm:layoutNode name="TwoNodes_1_text">
+              <dgm:varLst>
+                <dgm:bulletEnabled val="1"/>
+              </dgm:varLst>
+              <dgm:alg type="tx">
+                <dgm:param type="parTxLTRAlign" val="l"/>
+                <dgm:param type="txAnchorVertCh" val="mid"/>
+              </dgm:alg>
+              <dgm:shape xmlns:r="http://schemas.openxmlformats.org/officeDocument/2006/relationships" type="roundRect" r:blip="" hideGeom="1">
+                <dgm:adjLst>
+                  <dgm:adj idx="1" val="0.1"/>
+                </dgm:adjLst>
+              </dgm:shape>
+              <dgm:presOf axis="ch desOrSelf" ptType="node node" st="1 1" cnt="1 0"/>
+              <dgm:constrLst>
+                <dgm:constr type="lMarg" refType="primFontSz" fact="0.3"/>
+                <dgm:constr type="rMarg" refType="primFontSz" fact="0.3"/>
+                <dgm:constr type="tMarg" refType="primFontSz" fact="0.3"/>
+                <dgm:constr type="bMarg" refType="primFontSz" fact="0.3"/>
+              </dgm:constrLst>
+              <dgm:ruleLst>
+                <dgm:rule type="primFontSz" val="5" fact="NaN" max="NaN"/>
+              </dgm:ruleLst>
+            </dgm:layoutNode>
+            <dgm:layoutNode name="TwoNodes_2_text">
+              <dgm:varLst>
+                <dgm:bulletEnabled val="1"/>
+              </dgm:varLst>
+              <dgm:alg type="tx">
+                <dgm:param type="parTxLTRAlign" val="l"/>
+                <dgm:param type="txAnchorVertCh" val="mid"/>
+              </dgm:alg>
+              <dgm:shape xmlns:r="http://schemas.openxmlformats.org/officeDocument/2006/relationships" type="roundRect" r:blip="" hideGeom="1">
+                <dgm:adjLst>
+                  <dgm:adj idx="1" val="0.1"/>
+                </dgm:adjLst>
+              </dgm:shape>
+              <dgm:presOf axis="ch desOrSelf" ptType="node node" st="2 1" cnt="1 0"/>
+              <dgm:constrLst>
+                <dgm:constr type="lMarg" refType="primFontSz" fact="0.3"/>
+                <dgm:constr type="rMarg" refType="primFontSz" fact="0.3"/>
+                <dgm:constr type="tMarg" refType="primFontSz" fact="0.3"/>
+                <dgm:constr type="bMarg" refType="primFontSz" fact="0.3"/>
+              </dgm:constrLst>
+              <dgm:ruleLst>
+                <dgm:rule type="primFontSz" val="5" fact="NaN" max="NaN"/>
+              </dgm:ruleLst>
+            </dgm:layoutNode>
+          </dgm:if>
+          <dgm:else name="Name8">
+            <dgm:choose name="Name9">
+              <dgm:if name="Name10" axis="ch" ptType="node" func="cnt" op="equ" val="3">
+                <dgm:layoutNode name="ThreeNodes_1">
+                  <dgm:varLst>
+                    <dgm:bulletEnabled val="1"/>
+                  </dgm:varLst>
+                  <dgm:alg type="sp"/>
+                  <dgm:shape xmlns:r="http://schemas.openxmlformats.org/officeDocument/2006/relationships" type="roundRect" r:blip="">
+                    <dgm:adjLst>
+                      <dgm:adj idx="1" val="0.1"/>
+                    </dgm:adjLst>
+                  </dgm:shape>
+                  <dgm:presOf axis="ch desOrSelf" ptType="node node" st="1 1" cnt="1 0"/>
+                  <dgm:constrLst/>
+                  <dgm:ruleLst/>
+                </dgm:layoutNode>
+                <dgm:layoutNode name="ThreeNodes_2">
+                  <dgm:varLst>
+                    <dgm:bulletEnabled val="1"/>
+                  </dgm:varLst>
+                  <dgm:alg type="sp"/>
+                  <dgm:shape xmlns:r="http://schemas.openxmlformats.org/officeDocument/2006/relationships" type="roundRect" r:blip="">
+                    <dgm:adjLst>
+                      <dgm:adj idx="1" val="0.1"/>
+                    </dgm:adjLst>
+                  </dgm:shape>
+                  <dgm:presOf axis="ch desOrSelf" ptType="node node" st="2 1" cnt="1 0"/>
+                  <dgm:constrLst/>
+                  <dgm:ruleLst/>
+                </dgm:layoutNode>
+                <dgm:layoutNode name="ThreeNodes_3">
+                  <dgm:varLst>
+                    <dgm:bulletEnabled val="1"/>
+                  </dgm:varLst>
+                  <dgm:alg type="sp"/>
+                  <dgm:shape xmlns:r="http://schemas.openxmlformats.org/officeDocument/2006/relationships" type="roundRect" r:blip="">
+                    <dgm:adjLst>
+                      <dgm:adj idx="1" val="0.1"/>
+                    </dgm:adjLst>
+                  </dgm:shape>
+                  <dgm:presOf axis="ch desOrSelf" ptType="node node" st="3 1" cnt="1 0"/>
+                  <dgm:constrLst/>
+                  <dgm:ruleLst/>
+                </dgm:layoutNode>
+                <dgm:layoutNode name="ThreeConn_1-2" styleLbl="fgAccFollowNode1">
+                  <dgm:varLst>
+                    <dgm:bulletEnabled val="1"/>
+                  </dgm:varLst>
+                  <dgm:alg type="tx"/>
+                  <dgm:shape xmlns:r="http://schemas.openxmlformats.org/officeDocument/2006/relationships" type="downArrow" r:blip="">
+                    <dgm:adjLst>
+                      <dgm:adj idx="1" val="0.55"/>
+                      <dgm:adj idx="2" val="0.45"/>
+                    </dgm:adjLst>
+                  </dgm:shape>
+                  <dgm:presOf axis="ch" ptType="sibTrans" cnt="1"/>
+                  <dgm:constrLst>
+                    <dgm:constr type="lMarg" refType="primFontSz" fact="0.1"/>
+                    <dgm:constr type="rMarg" refType="primFontSz" fact="0.1"/>
+                    <dgm:constr type="tMarg" refType="primFontSz" fact="0.1"/>
+                    <dgm:constr type="bMarg" refType="primFontSz" fact="0.1"/>
+                  </dgm:constrLst>
+                  <dgm:ruleLst>
+                    <dgm:rule type="primFontSz" val="5" fact="NaN" max="NaN"/>
+                  </dgm:ruleLst>
+                </dgm:layoutNode>
+                <dgm:layoutNode name="ThreeConn_2-3" styleLbl="fgAccFollowNode1">
+                  <dgm:varLst>
+                    <dgm:bulletEnabled val="1"/>
+                  </dgm:varLst>
+                  <dgm:alg type="tx"/>
+                  <dgm:shape xmlns:r="http://schemas.openxmlformats.org/officeDocument/2006/relationships" type="downArrow" r:blip="">
+                    <dgm:adjLst>
+                      <dgm:adj idx="1" val="0.55"/>
+                      <dgm:adj idx="2" val="0.45"/>
+                    </dgm:adjLst>
+                  </dgm:shape>
+                  <dgm:presOf axis="ch" ptType="sibTrans" st="2" cnt="1"/>
+                  <dgm:constrLst>
+                    <dgm:constr type="lMarg" refType="primFontSz" fact="0.1"/>
+                    <dgm:constr type="rMarg" refType="primFontSz" fact="0.1"/>
+                    <dgm:constr type="tMarg" refType="primFontSz" fact="0.1"/>
+                    <dgm:constr type="bMarg" refType="primFontSz" fact="0.1"/>
+                  </dgm:constrLst>
+                  <dgm:ruleLst>
+                    <dgm:rule type="primFontSz" val="5" fact="NaN" max="NaN"/>
+                  </dgm:ruleLst>
+                </dgm:layoutNode>
+                <dgm:layoutNode name="ThreeNodes_1_text">
+                  <dgm:varLst>
+                    <dgm:bulletEnabled val="1"/>
+                  </dgm:varLst>
+                  <dgm:alg type="tx">
+                    <dgm:param type="parTxLTRAlign" val="l"/>
+                    <dgm:param type="txAnchorVertCh" val="mid"/>
+                  </dgm:alg>
+                  <dgm:shape xmlns:r="http://schemas.openxmlformats.org/officeDocument/2006/relationships" type="roundRect" r:blip="" hideGeom="1">
+                    <dgm:adjLst>
+                      <dgm:adj idx="1" val="0.1"/>
+                    </dgm:adjLst>
+                  </dgm:shape>
+                  <dgm:presOf axis="ch desOrSelf" ptType="node node" st="1 1" cnt="1 0"/>
+                  <dgm:constrLst>
+                    <dgm:constr type="lMarg" refType="primFontSz" fact="0.3"/>
+                    <dgm:constr type="rMarg" refType="primFontSz" fact="0.3"/>
+                    <dgm:constr type="tMarg" refType="primFontSz" fact="0.3"/>
+                    <dgm:constr type="bMarg" refType="primFontSz" fact="0.3"/>
+                  </dgm:constrLst>
+                  <dgm:ruleLst>
+                    <dgm:rule type="primFontSz" val="5" fact="NaN" max="NaN"/>
+                  </dgm:ruleLst>
+                </dgm:layoutNode>
+                <dgm:layoutNode name="ThreeNodes_2_text">
+                  <dgm:varLst>
+                    <dgm:bulletEnabled val="1"/>
+                  </dgm:varLst>
+                  <dgm:alg type="tx">
+                    <dgm:param type="parTxLTRAlign" val="l"/>
+                    <dgm:param type="txAnchorVertCh" val="mid"/>
+                  </dgm:alg>
+                  <dgm:shape xmlns:r="http://schemas.openxmlformats.org/officeDocument/2006/relationships" type="roundRect" r:blip="" hideGeom="1">
+                    <dgm:adjLst>
+                      <dgm:adj idx="1" val="0.1"/>
+                    </dgm:adjLst>
+                  </dgm:shape>
+                  <dgm:presOf axis="ch desOrSelf" ptType="node node" st="2 1" cnt="1 0"/>
+                  <dgm:constrLst>
+                    <dgm:constr type="lMarg" refType="primFontSz" fact="0.3"/>
+                    <dgm:constr type="rMarg" refType="primFontSz" fact="0.3"/>
+                    <dgm:constr type="tMarg" refType="primFontSz" fact="0.3"/>
+                    <dgm:constr type="bMarg" refType="primFontSz" fact="0.3"/>
+                  </dgm:constrLst>
+                  <dgm:ruleLst>
+                    <dgm:rule type="primFontSz" val="5" fact="NaN" max="NaN"/>
+                  </dgm:ruleLst>
+                </dgm:layoutNode>
+                <dgm:layoutNode name="ThreeNodes_3_text">
+                  <dgm:varLst>
+                    <dgm:bulletEnabled val="1"/>
+                  </dgm:varLst>
+                  <dgm:alg type="tx">
+                    <dgm:param type="parTxLTRAlign" val="l"/>
+                    <dgm:param type="txAnchorVertCh" val="mid"/>
+                  </dgm:alg>
+                  <dgm:shape xmlns:r="http://schemas.openxmlformats.org/officeDocument/2006/relationships" type="roundRect" r:blip="" hideGeom="1">
+                    <dgm:adjLst>
+                      <dgm:adj idx="1" val="0.1"/>
+                    </dgm:adjLst>
+                  </dgm:shape>
+                  <dgm:presOf axis="ch desOrSelf" ptType="node node" st="3 1" cnt="1 0"/>
+                  <dgm:constrLst>
+                    <dgm:constr type="lMarg" refType="primFontSz" fact="0.3"/>
+                    <dgm:constr type="rMarg" refType="primFontSz" fact="0.3"/>
+                    <dgm:constr type="tMarg" refType="primFontSz" fact="0.3"/>
+                    <dgm:constr type="bMarg" refType="primFontSz" fact="0.3"/>
+                  </dgm:constrLst>
+                  <dgm:ruleLst>
+                    <dgm:rule type="primFontSz" val="5" fact="NaN" max="NaN"/>
+                  </dgm:ruleLst>
+                </dgm:layoutNode>
+              </dgm:if>
+              <dgm:else name="Name11">
+                <dgm:choose name="Name12">
+                  <dgm:if name="Name13" axis="ch" ptType="node" func="cnt" op="equ" val="4">
+                    <dgm:layoutNode name="FourNodes_1">
+                      <dgm:varLst>
+                        <dgm:bulletEnabled val="1"/>
+                      </dgm:varLst>
+                      <dgm:alg type="sp"/>
+                      <dgm:shape xmlns:r="http://schemas.openxmlformats.org/officeDocument/2006/relationships" type="roundRect" r:blip="">
+                        <dgm:adjLst>
+                          <dgm:adj idx="1" val="0.1"/>
+                        </dgm:adjLst>
+                      </dgm:shape>
+                      <dgm:presOf axis="ch desOrSelf" ptType="node node" st="1 1" cnt="1 0"/>
+                      <dgm:constrLst/>
+                      <dgm:ruleLst/>
+                    </dgm:layoutNode>
+                    <dgm:layoutNode name="FourNodes_2">
+                      <dgm:varLst>
+                        <dgm:bulletEnabled val="1"/>
+                      </dgm:varLst>
+                      <dgm:alg type="sp"/>
+                      <dgm:shape xmlns:r="http://schemas.openxmlformats.org/officeDocument/2006/relationships" type="roundRect" r:blip="">
+                        <dgm:adjLst>
+                          <dgm:adj idx="1" val="0.1"/>
+                        </dgm:adjLst>
+                      </dgm:shape>
+                      <dgm:presOf axis="ch desOrSelf" ptType="node node" st="2 1" cnt="1 0"/>
+                      <dgm:constrLst/>
+                      <dgm:ruleLst/>
+                    </dgm:layoutNode>
+                    <dgm:layoutNode name="FourNodes_3">
+                      <dgm:varLst>
+                        <dgm:bulletEnabled val="1"/>
+                      </dgm:varLst>
+                      <dgm:alg type="sp"/>
+                      <dgm:shape xmlns:r="http://schemas.openxmlformats.org/officeDocument/2006/relationships" type="roundRect" r:blip="">
+                        <dgm:adjLst>
+                          <dgm:adj idx="1" val="0.1"/>
+                        </dgm:adjLst>
+                      </dgm:shape>
+                      <dgm:presOf axis="ch desOrSelf" ptType="node node" st="3 1" cnt="1 0"/>
+                      <dgm:constrLst/>
+                      <dgm:ruleLst/>
+                    </dgm:layoutNode>
+                    <dgm:layoutNode name="FourNodes_4">
+                      <dgm:varLst>
+                        <dgm:bulletEnabled val="1"/>
+                      </dgm:varLst>
+                      <dgm:alg type="sp"/>
+                      <dgm:shape xmlns:r="http://schemas.openxmlformats.org/officeDocument/2006/relationships" type="roundRect" r:blip="">
+                        <dgm:adjLst>
+                          <dgm:adj idx="1" val="0.1"/>
+                        </dgm:adjLst>
+                      </dgm:shape>
+                      <dgm:presOf axis="ch desOrSelf" ptType="node node" st="4 1" cnt="1 0"/>
+                      <dgm:constrLst/>
+                      <dgm:ruleLst/>
+                    </dgm:layoutNode>
+                    <dgm:layoutNode name="FourConn_1-2" styleLbl="fgAccFollowNode1">
+                      <dgm:varLst>
+                        <dgm:bulletEnabled val="1"/>
+                      </dgm:varLst>
+                      <dgm:alg type="tx"/>
+                      <dgm:shape xmlns:r="http://schemas.openxmlformats.org/officeDocument/2006/relationships" type="downArrow" r:blip="">
+                        <dgm:adjLst>
+                          <dgm:adj idx="1" val="0.55"/>
+                          <dgm:adj idx="2" val="0.45"/>
+                        </dgm:adjLst>
+                      </dgm:shape>
+                      <dgm:presOf axis="ch" ptType="sibTrans" cnt="1"/>
+                      <dgm:constrLst>
+                        <dgm:constr type="lMarg" refType="primFontSz" fact="0.1"/>
+                        <dgm:constr type="rMarg" refType="primFontSz" fact="0.1"/>
+                        <dgm:constr type="tMarg" refType="primFontSz" fact="0.1"/>
+                        <dgm:constr type="bMarg" refType="primFontSz" fact="0.1"/>
+                      </dgm:constrLst>
+                      <dgm:ruleLst>
+                        <dgm:rule type="primFontSz" val="5" fact="NaN" max="NaN"/>
+                      </dgm:ruleLst>
+                    </dgm:layoutNode>
+                    <dgm:layoutNode name="FourConn_2-3" styleLbl="fgAccFollowNode1">
+                      <dgm:varLst>
+                        <dgm:bulletEnabled val="1"/>
+                      </dgm:varLst>
+                      <dgm:alg type="tx"/>
+                      <dgm:shape xmlns:r="http://schemas.openxmlformats.org/officeDocument/2006/relationships" type="downArrow" r:blip="">
+                        <dgm:adjLst>
+                          <dgm:adj idx="1" val="0.55"/>
+                          <dgm:adj idx="2" val="0.45"/>
+                        </dgm:adjLst>
+                      </dgm:shape>
+                      <dgm:presOf axis="ch" ptType="sibTrans" st="2" cnt="1"/>
+                      <dgm:constrLst>
+                        <dgm:constr type="lMarg" refType="primFontSz" fact="0.1"/>
+                        <dgm:constr type="rMarg" refType="primFontSz" fact="0.1"/>
+                        <dgm:constr type="tMarg" refType="primFontSz" fact="0.1"/>
+                        <dgm:constr type="bMarg" refType="primFontSz" fact="0.1"/>
+                      </dgm:constrLst>
+                      <dgm:ruleLst>
+                        <dgm:rule type="primFontSz" val="5" fact="NaN" max="NaN"/>
+                      </dgm:ruleLst>
+                    </dgm:layoutNode>
+                    <dgm:layoutNode name="FourConn_3-4" styleLbl="fgAccFollowNode1">
+                      <dgm:varLst>
+                        <dgm:bulletEnabled val="1"/>
+                      </dgm:varLst>
+                      <dgm:alg type="tx"/>
+                      <dgm:shape xmlns:r="http://schemas.openxmlformats.org/officeDocument/2006/relationships" type="downArrow" r:blip="">
+                        <dgm:adjLst>
+                          <dgm:adj idx="1" val="0.55"/>
+                          <dgm:adj idx="2" val="0.45"/>
+                        </dgm:adjLst>
+                      </dgm:shape>
+                      <dgm:presOf axis="ch" ptType="sibTrans" st="3" cnt="1"/>
+                      <dgm:constrLst>
+                        <dgm:constr type="lMarg" refType="primFontSz" fact="0.1"/>
+                        <dgm:constr type="rMarg" refType="primFontSz" fact="0.1"/>
+                        <dgm:constr type="tMarg" refType="primFontSz" fact="0.1"/>
+                        <dgm:constr type="bMarg" refType="primFontSz" fact="0.1"/>
+                      </dgm:constrLst>
+                      <dgm:ruleLst>
+                        <dgm:rule type="primFontSz" val="5" fact="NaN" max="NaN"/>
+                      </dgm:ruleLst>
+                    </dgm:layoutNode>
+                    <dgm:layoutNode name="FourNodes_1_text">
+                      <dgm:varLst>
+                        <dgm:bulletEnabled val="1"/>
+                      </dgm:varLst>
+                      <dgm:alg type="tx">
+                        <dgm:param type="parTxLTRAlign" val="l"/>
+                        <dgm:param type="txAnchorVertCh" val="mid"/>
+                      </dgm:alg>
+                      <dgm:shape xmlns:r="http://schemas.openxmlformats.org/officeDocument/2006/relationships" type="roundRect" r:blip="" hideGeom="1">
+                        <dgm:adjLst>
+                          <dgm:adj idx="1" val="0.1"/>
+                        </dgm:adjLst>
+                      </dgm:shape>
+                      <dgm:presOf axis="ch desOrSelf" ptType="node node" st="1 1" cnt="1 0"/>
+                      <dgm:constrLst>
+                        <dgm:constr type="lMarg" refType="primFontSz" fact="0.3"/>
+                        <dgm:constr type="rMarg" refType="primFontSz" fact="0.3"/>
+                        <dgm:constr type="tMarg" refType="primFontSz" fact="0.3"/>
+                        <dgm:constr type="bMarg" refType="primFontSz" fact="0.3"/>
+                      </dgm:constrLst>
+                      <dgm:ruleLst>
+                        <dgm:rule type="primFontSz" val="5" fact="NaN" max="NaN"/>
+                      </dgm:ruleLst>
+                    </dgm:layoutNode>
+                    <dgm:layoutNode name="FourNodes_2_text">
+                      <dgm:varLst>
+                        <dgm:bulletEnabled val="1"/>
+                      </dgm:varLst>
+                      <dgm:alg type="tx">
+                        <dgm:param type="parTxLTRAlign" val="l"/>
+                        <dgm:param type="txAnchorVertCh" val="mid"/>
+                      </dgm:alg>
+                      <dgm:shape xmlns:r="http://schemas.openxmlformats.org/officeDocument/2006/relationships" type="roundRect" r:blip="" hideGeom="1">
+                        <dgm:adjLst>
+                          <dgm:adj idx="1" val="0.1"/>
+                        </dgm:adjLst>
+                      </dgm:shape>
+                      <dgm:presOf axis="ch desOrSelf" ptType="node node" st="2 1" cnt="1 0"/>
+                      <dgm:constrLst>
+                        <dgm:constr type="lMarg" refType="primFontSz" fact="0.3"/>
+                        <dgm:constr type="rMarg" refType="primFontSz" fact="0.3"/>
+                        <dgm:constr type="tMarg" refType="primFontSz" fact="0.3"/>
+                        <dgm:constr type="bMarg" refType="primFontSz" fact="0.3"/>
+                      </dgm:constrLst>
+                      <dgm:ruleLst>
+                        <dgm:rule type="primFontSz" val="5" fact="NaN" max="NaN"/>
+                      </dgm:ruleLst>
+                    </dgm:layoutNode>
+                    <dgm:layoutNode name="FourNodes_3_text">
+                      <dgm:varLst>
+                        <dgm:bulletEnabled val="1"/>
+                      </dgm:varLst>
+                      <dgm:alg type="tx">
+                        <dgm:param type="parTxLTRAlign" val="l"/>
+                        <dgm:param type="txAnchorVertCh" val="mid"/>
+                      </dgm:alg>
+                      <dgm:shape xmlns:r="http://schemas.openxmlformats.org/officeDocument/2006/relationships" type="roundRect" r:blip="" hideGeom="1">
+                        <dgm:adjLst>
+                          <dgm:adj idx="1" val="0.1"/>
+                        </dgm:adjLst>
+                      </dgm:shape>
+                      <dgm:presOf axis="ch desOrSelf" ptType="node node" st="3 1" cnt="1 0"/>
+                      <dgm:constrLst>
+                        <dgm:constr type="lMarg" refType="primFontSz" fact="0.3"/>
+                        <dgm:constr type="rMarg" refType="primFontSz" fact="0.3"/>
+                        <dgm:constr type="tMarg" refType="primFontSz" fact="0.3"/>
+                        <dgm:constr type="bMarg" refType="primFontSz" fact="0.3"/>
+                      </dgm:constrLst>
+                      <dgm:ruleLst>
+                        <dgm:rule type="primFontSz" val="5" fact="NaN" max="NaN"/>
+                      </dgm:ruleLst>
+                    </dgm:layoutNode>
+                    <dgm:layoutNode name="FourNodes_4_text">
+                      <dgm:varLst>
+                        <dgm:bulletEnabled val="1"/>
+                      </dgm:varLst>
+                      <dgm:alg type="tx">
+                        <dgm:param type="parTxLTRAlign" val="l"/>
+                        <dgm:param type="txAnchorVertCh" val="mid"/>
+                      </dgm:alg>
+                      <dgm:shape xmlns:r="http://schemas.openxmlformats.org/officeDocument/2006/relationships" type="roundRect" r:blip="" hideGeom="1">
+                        <dgm:adjLst>
+                          <dgm:adj idx="1" val="0.1"/>
+                        </dgm:adjLst>
+                      </dgm:shape>
+                      <dgm:presOf axis="ch desOrSelf" ptType="node node" st="4 1" cnt="1 0"/>
+                      <dgm:constrLst>
+                        <dgm:constr type="lMarg" refType="primFontSz" fact="0.3"/>
+                        <dgm:constr type="rMarg" refType="primFontSz" fact="0.3"/>
+                        <dgm:constr type="tMarg" refType="primFontSz" fact="0.3"/>
+                        <dgm:constr type="bMarg" refType="primFontSz" fact="0.3"/>
+                      </dgm:constrLst>
+                      <dgm:ruleLst>
+                        <dgm:rule type="primFontSz" val="5" fact="NaN" max="NaN"/>
+                      </dgm:ruleLst>
+                    </dgm:layoutNode>
+                  </dgm:if>
+                  <dgm:else name="Name14">
+                    <dgm:choose name="Name15">
+                      <dgm:if name="Name16" axis="ch" ptType="node" func="cnt" op="gte" val="5">
+                        <dgm:layoutNode name="FiveNodes_1">
+                          <dgm:varLst>
+                            <dgm:bulletEnabled val="1"/>
+                          </dgm:varLst>
+                          <dgm:alg type="sp"/>
+                          <dgm:shape xmlns:r="http://schemas.openxmlformats.org/officeDocument/2006/relationships" type="roundRect" r:blip="">
+                            <dgm:adjLst>
+                              <dgm:adj idx="1" val="0.1"/>
+                            </dgm:adjLst>
+                          </dgm:shape>
+                          <dgm:presOf axis="ch desOrSelf" ptType="node node" st="1 1" cnt="1 0"/>
+                          <dgm:constrLst/>
+                          <dgm:ruleLst/>
+                        </dgm:layoutNode>
+                        <dgm:layoutNode name="FiveNodes_2">
+                          <dgm:varLst>
+                            <dgm:bulletEnabled val="1"/>
+                          </dgm:varLst>
+                          <dgm:alg type="sp"/>
+                          <dgm:shape xmlns:r="http://schemas.openxmlformats.org/officeDocument/2006/relationships" type="roundRect" r:blip="">
+                            <dgm:adjLst>
+                              <dgm:adj idx="1" val="0.1"/>
+                            </dgm:adjLst>
+                          </dgm:shape>
+                          <dgm:presOf axis="ch desOrSelf" ptType="node node" st="2 1" cnt="1 0"/>
+                          <dgm:constrLst/>
+                          <dgm:ruleLst/>
+                        </dgm:layoutNode>
+                        <dgm:layoutNode name="FiveNodes_3">
+                          <dgm:varLst>
+                            <dgm:bulletEnabled val="1"/>
+                          </dgm:varLst>
+                          <dgm:alg type="sp"/>
+                          <dgm:shape xmlns:r="http://schemas.openxmlformats.org/officeDocument/2006/relationships" type="roundRect" r:blip="">
+                            <dgm:adjLst>
+                              <dgm:adj idx="1" val="0.1"/>
+                            </dgm:adjLst>
+                          </dgm:shape>
+                          <dgm:presOf axis="ch desOrSelf" ptType="node node" st="3 1" cnt="1 0"/>
+                          <dgm:constrLst/>
+                          <dgm:ruleLst/>
+                        </dgm:layoutNode>
+                        <dgm:layoutNode name="FiveNodes_4">
+                          <dgm:varLst>
+                            <dgm:bulletEnabled val="1"/>
+                          </dgm:varLst>
+                          <dgm:alg type="sp"/>
+                          <dgm:shape xmlns:r="http://schemas.openxmlformats.org/officeDocument/2006/relationships" type="roundRect" r:blip="">
+                            <dgm:adjLst>
+                              <dgm:adj idx="1" val="0.1"/>
+                            </dgm:adjLst>
+                          </dgm:shape>
+                          <dgm:presOf axis="ch desOrSelf" ptType="node node" st="4 1" cnt="1 0"/>
+                          <dgm:constrLst/>
+                          <dgm:ruleLst/>
+                        </dgm:layoutNode>
+                        <dgm:layoutNode name="FiveNodes_5">
+                          <dgm:varLst>
+                            <dgm:bulletEnabled val="1"/>
+                          </dgm:varLst>
+                          <dgm:alg type="sp"/>
+                          <dgm:shape xmlns:r="http://schemas.openxmlformats.org/officeDocument/2006/relationships" type="roundRect" r:blip="">
+                            <dgm:adjLst>
+                              <dgm:adj idx="1" val="0.1"/>
+                            </dgm:adjLst>
+                          </dgm:shape>
+                          <dgm:presOf axis="ch desOrSelf" ptType="node node" st="5 1" cnt="1 0"/>
+                          <dgm:constrLst/>
+                          <dgm:ruleLst/>
+                        </dgm:layoutNode>
+                        <dgm:layoutNode name="FiveConn_1-2" styleLbl="fgAccFollowNode1">
+                          <dgm:varLst>
+                            <dgm:bulletEnabled val="1"/>
+                          </dgm:varLst>
+                          <dgm:alg type="tx"/>
+                          <dgm:shape xmlns:r="http://schemas.openxmlformats.org/officeDocument/2006/relationships" type="downArrow" r:blip="">
+                            <dgm:adjLst>
+                              <dgm:adj idx="1" val="0.55"/>
+                              <dgm:adj idx="2" val="0.45"/>
+                            </dgm:adjLst>
+                          </dgm:shape>
+                          <dgm:presOf axis="ch" ptType="sibTrans" cnt="1"/>
+                          <dgm:constrLst>
+                            <dgm:constr type="lMarg" refType="primFontSz" fact="0.1"/>
+                            <dgm:constr type="rMarg" refType="primFontSz" fact="0.1"/>
+                            <dgm:constr type="tMarg" refType="primFontSz" fact="0.1"/>
+                            <dgm:constr type="bMarg" refType="primFontSz" fact="0.1"/>
+                          </dgm:constrLst>
+                          <dgm:ruleLst>
+                            <dgm:rule type="primFontSz" val="5" fact="NaN" max="NaN"/>
+                          </dgm:ruleLst>
+                        </dgm:layoutNode>
+                        <dgm:layoutNode name="FiveConn_2-3" styleLbl="fgAccFollowNode1">
+                          <dgm:varLst>
+                            <dgm:bulletEnabled val="1"/>
+                          </dgm:varLst>
+                          <dgm:alg type="tx"/>
+                          <dgm:shape xmlns:r="http://schemas.openxmlformats.org/officeDocument/2006/relationships" type="downArrow" r:blip="">
+                            <dgm:adjLst>
+                              <dgm:adj idx="1" val="0.55"/>
+                              <dgm:adj idx="2" val="0.45"/>
+                            </dgm:adjLst>
+                          </dgm:shape>
+                          <dgm:presOf axis="ch" ptType="sibTrans" st="2" cnt="1"/>
+                          <dgm:constrLst>
+                            <dgm:constr type="lMarg" refType="primFontSz" fact="0.1"/>
+                            <dgm:constr type="rMarg" refType="primFontSz" fact="0.1"/>
+                            <dgm:constr type="tMarg" refType="primFontSz" fact="0.1"/>
+                            <dgm:constr type="bMarg" refType="primFontSz" fact="0.1"/>
+                          </dgm:constrLst>
+                          <dgm:ruleLst>
+                            <dgm:rule type="primFontSz" val="5" fact="NaN" max="NaN"/>
+                          </dgm:ruleLst>
+                        </dgm:layoutNode>
+                        <dgm:layoutNode name="FiveConn_3-4" styleLbl="fgAccFollowNode1">
+                          <dgm:varLst>
+                            <dgm:bulletEnabled val="1"/>
+                          </dgm:varLst>
+                          <dgm:alg type="tx"/>
+                          <dgm:shape xmlns:r="http://schemas.openxmlformats.org/officeDocument/2006/relationships" type="downArrow" r:blip="">
+                            <dgm:adjLst>
+                              <dgm:adj idx="1" val="0.55"/>
+                              <dgm:adj idx="2" val="0.45"/>
+                            </dgm:adjLst>
+                          </dgm:shape>
+                          <dgm:presOf axis="ch" ptType="sibTrans" st="3" cnt="1"/>
+                          <dgm:constrLst>
+                            <dgm:constr type="lMarg" refType="primFontSz" fact="0.1"/>
+                            <dgm:constr type="rMarg" refType="primFontSz" fact="0.1"/>
+                            <dgm:constr type="tMarg" refType="primFontSz" fact="0.1"/>
+                            <dgm:constr type="bMarg" refType="primFontSz" fact="0.1"/>
+                          </dgm:constrLst>
+                          <dgm:ruleLst>
+                            <dgm:rule type="primFontSz" val="5" fact="NaN" max="NaN"/>
+                          </dgm:ruleLst>
+                        </dgm:layoutNode>
+                        <dgm:layoutNode name="FiveConn_4-5" styleLbl="fgAccFollowNode1">
+                          <dgm:varLst>
+                            <dgm:bulletEnabled val="1"/>
+                          </dgm:varLst>
+                          <dgm:alg type="tx"/>
+                          <dgm:shape xmlns:r="http://schemas.openxmlformats.org/officeDocument/2006/relationships" type="downArrow" r:blip="">
+                            <dgm:adjLst>
+                              <dgm:adj idx="1" val="0.55"/>
+                              <dgm:adj idx="2" val="0.45"/>
+                            </dgm:adjLst>
+                          </dgm:shape>
+                          <dgm:presOf axis="ch" ptType="sibTrans" st="4" cnt="1"/>
+                          <dgm:constrLst>
+                            <dgm:constr type="lMarg" refType="primFontSz" fact="0.1"/>
+                            <dgm:constr type="rMarg" refType="primFontSz" fact="0.1"/>
+                            <dgm:constr type="tMarg" refType="primFontSz" fact="0.1"/>
+                            <dgm:constr type="bMarg" refType="primFontSz" fact="0.1"/>
+                          </dgm:constrLst>
+                          <dgm:ruleLst>
+                            <dgm:rule type="primFontSz" val="5" fact="NaN" max="NaN"/>
+                          </dgm:ruleLst>
+                        </dgm:layoutNode>
+                        <dgm:layoutNode name="FiveNodes_1_text">
+                          <dgm:varLst>
+                            <dgm:bulletEnabled val="1"/>
+                          </dgm:varLst>
+                          <dgm:alg type="tx">
+                            <dgm:param type="parTxLTRAlign" val="l"/>
+                            <dgm:param type="txAnchorVertCh" val="mid"/>
+                          </dgm:alg>
+                          <dgm:shape xmlns:r="http://schemas.openxmlformats.org/officeDocument/2006/relationships" type="roundRect" r:blip="" hideGeom="1">
+                            <dgm:adjLst>
+                              <dgm:adj idx="1" val="0.1"/>
+                            </dgm:adjLst>
+                          </dgm:shape>
+                          <dgm:presOf axis="ch desOrSelf" ptType="node node" st="1 1" cnt="1 0"/>
+                          <dgm:constrLst>
+                            <dgm:constr type="lMarg" refType="primFontSz" fact="0.3"/>
+                            <dgm:constr type="rMarg" refType="primFontSz" fact="0.3"/>
+                            <dgm:constr type="tMarg" refType="primFontSz" fact="0.3"/>
+                            <dgm:constr type="bMarg" refType="primFontSz" fact="0.3"/>
+                          </dgm:constrLst>
+                          <dgm:ruleLst>
+                            <dgm:rule type="primFontSz" val="5" fact="NaN" max="NaN"/>
+                          </dgm:ruleLst>
+                        </dgm:layoutNode>
+                        <dgm:layoutNode name="FiveNodes_2_text">
+                          <dgm:varLst>
+                            <dgm:bulletEnabled val="1"/>
+                          </dgm:varLst>
+                          <dgm:alg type="tx">
+                            <dgm:param type="parTxLTRAlign" val="l"/>
+                            <dgm:param type="txAnchorVertCh" val="mid"/>
+                          </dgm:alg>
+                          <dgm:shape xmlns:r="http://schemas.openxmlformats.org/officeDocument/2006/relationships" type="roundRect" r:blip="" hideGeom="1">
+                            <dgm:adjLst>
+                              <dgm:adj idx="1" val="0.1"/>
+                            </dgm:adjLst>
+                          </dgm:shape>
+                          <dgm:presOf axis="ch desOrSelf" ptType="node node" st="2 1" cnt="1 0"/>
+                          <dgm:constrLst>
+                            <dgm:constr type="lMarg" refType="primFontSz" fact="0.3"/>
+                            <dgm:constr type="rMarg" refType="primFontSz" fact="0.3"/>
+                            <dgm:constr type="tMarg" refType="primFontSz" fact="0.3"/>
+                            <dgm:constr type="bMarg" refType="primFontSz" fact="0.3"/>
+                          </dgm:constrLst>
+                          <dgm:ruleLst>
+                            <dgm:rule type="primFontSz" val="5" fact="NaN" max="NaN"/>
+                          </dgm:ruleLst>
+                        </dgm:layoutNode>
+                        <dgm:layoutNode name="FiveNodes_3_text">
+                          <dgm:varLst>
+                            <dgm:bulletEnabled val="1"/>
+                          </dgm:varLst>
+                          <dgm:alg type="tx">
+                            <dgm:param type="parTxLTRAlign" val="l"/>
+                            <dgm:param type="txAnchorVertCh" val="mid"/>
+                          </dgm:alg>
+                          <dgm:shape xmlns:r="http://schemas.openxmlformats.org/officeDocument/2006/relationships" type="roundRect" r:blip="" hideGeom="1">
+                            <dgm:adjLst>
+                              <dgm:adj idx="1" val="0.1"/>
+                            </dgm:adjLst>
+                          </dgm:shape>
+                          <dgm:presOf axis="ch desOrSelf" ptType="node node" st="3 1" cnt="1 0"/>
+                          <dgm:constrLst>
+                            <dgm:constr type="lMarg" refType="primFontSz" fact="0.3"/>
+                            <dgm:constr type="rMarg" refType="primFontSz" fact="0.3"/>
+                            <dgm:constr type="tMarg" refType="primFontSz" fact="0.3"/>
+                            <dgm:constr type="bMarg" refType="primFontSz" fact="0.3"/>
+                          </dgm:constrLst>
+                          <dgm:ruleLst>
+                            <dgm:rule type="primFontSz" val="5" fact="NaN" max="NaN"/>
+                          </dgm:ruleLst>
+                        </dgm:layoutNode>
+                        <dgm:layoutNode name="FiveNodes_4_text">
+                          <dgm:varLst>
+                            <dgm:bulletEnabled val="1"/>
+                          </dgm:varLst>
+                          <dgm:alg type="tx">
+                            <dgm:param type="parTxLTRAlign" val="l"/>
+                            <dgm:param type="txAnchorVertCh" val="mid"/>
+                          </dgm:alg>
+                          <dgm:shape xmlns:r="http://schemas.openxmlformats.org/officeDocument/2006/relationships" type="roundRect" r:blip="" hideGeom="1">
+                            <dgm:adjLst>
+                              <dgm:adj idx="1" val="0.1"/>
+                            </dgm:adjLst>
+                          </dgm:shape>
+                          <dgm:presOf axis="ch desOrSelf" ptType="node node" st="4 1" cnt="1 0"/>
+                          <dgm:constrLst>
+                            <dgm:constr type="lMarg" refType="primFontSz" fact="0.3"/>
+                            <dgm:constr type="rMarg" refType="primFontSz" fact="0.3"/>
+                            <dgm:constr type="tMarg" refType="primFontSz" fact="0.3"/>
+                            <dgm:constr type="bMarg" refType="primFontSz" fact="0.3"/>
+                          </dgm:constrLst>
+                          <dgm:ruleLst>
+                            <dgm:rule type="primFontSz" val="5" fact="NaN" max="NaN"/>
+                          </dgm:ruleLst>
+                        </dgm:layoutNode>
+                        <dgm:layoutNode name="FiveNodes_5_text">
+                          <dgm:varLst>
+                            <dgm:bulletEnabled val="1"/>
+                          </dgm:varLst>
+                          <dgm:alg type="tx">
+                            <dgm:param type="parTxLTRAlign" val="l"/>
+                            <dgm:param type="txAnchorVertCh" val="mid"/>
+                          </dgm:alg>
+                          <dgm:shape xmlns:r="http://schemas.openxmlformats.org/officeDocument/2006/relationships" type="roundRect" r:blip="" hideGeom="1">
+                            <dgm:adjLst>
+                              <dgm:adj idx="1" val="0.1"/>
+                            </dgm:adjLst>
+                          </dgm:shape>
+                          <dgm:presOf axis="ch desOrSelf" ptType="node node" st="5 1" cnt="1 0"/>
+                          <dgm:constrLst>
+                            <dgm:constr type="lMarg" refType="primFontSz" fact="0.3"/>
+                            <dgm:constr type="rMarg" refType="primFontSz" fact="0.3"/>
+                            <dgm:constr type="tMarg" refType="primFontSz" fact="0.3"/>
+                            <dgm:constr type="bMarg" refType="primFontSz" fact="0.3"/>
+                          </dgm:constrLst>
+                          <dgm:ruleLst>
+                            <dgm:rule type="primFontSz" val="5" fact="NaN" max="NaN"/>
+                          </dgm:ruleLst>
+                        </dgm:layoutNode>
+                      </dgm:if>
+                      <dgm:else name="Name17"/>
+                    </dgm:choose>
+                  </dgm:else>
+                </dgm:choose>
+              </dgm:else>
+            </dgm:choose>
+          </dgm:else>
+        </dgm:choose>
+      </dgm:else>
+    </dgm:choose>
+  </dgm:layoutNode>
+</dgm:layoutDef>
+</file>
+
+<file path=ppt/diagrams/quickStyle1.xml><?xml version="1.0" encoding="utf-8"?>
+<dgm:styleDef xmlns:dgm="http://schemas.openxmlformats.org/drawingml/2006/diagram" xmlns:a="http://schemas.openxmlformats.org/drawingml/2006/main" uniqueId="urn:microsoft.com/office/officeart/2005/8/quickstyle/simple1">
+  <dgm:title val=""/>
+  <dgm:desc val=""/>
+  <dgm:catLst>
+    <dgm:cat type="simple" pri="10100"/>
+  </dgm:catLst>
+  <dgm:scene3d>
+    <a:camera prst="orthographicFront"/>
+    <a:lightRig rig="threePt" dir="t"/>
+  </dgm:scene3d>
+  <dgm:styleLbl name="node0">
+    <dgm:scene3d>
+      <a:camera prst="orthographicFront"/>
+      <a:lightRig rig="threePt" dir="t"/>
+    </dgm:scene3d>
+    <dgm:sp3d/>
+    <dgm:txPr/>
+    <dgm:style>
+      <a:lnRef idx="2">
+        <a:scrgbClr r="0" g="0" b="0"/>
+      </a:lnRef>
+      <a:fillRef idx="1">
+        <a:scrgbClr r="0" g="0" b="0"/>
+      </a:fillRef>
+      <a:effectRef idx="0">
+        <a:scrgbClr r="0" g="0" b="0"/>
+      </a:effectRef>
+      <a:fontRef idx="minor">
+        <a:schemeClr val="lt1"/>
+      </a:fontRef>
+    </dgm:style>
+  </dgm:styleLbl>
+  <dgm:styleLbl name="lnNode1">
+    <dgm:scene3d>
+      <a:camera prst="orthographicFront"/>
+      <a:lightRig rig="threePt" dir="t"/>
+    </dgm:scene3d>
+    <dgm:sp3d/>
+    <dgm:txPr/>
+    <dgm:style>
+      <a:lnRef idx="2">
+        <a:scrgbClr r="0" g="0" b="0"/>
+      </a:lnRef>
+      <a:fillRef idx="1">
+        <a:scrgbClr r="0" g="0" b="0"/>
+      </a:fillRef>
+      <a:effectRef idx="0">
+        <a:scrgbClr r="0" g="0" b="0"/>
+      </a:effectRef>
+      <a:fontRef idx="minor">
+        <a:schemeClr val="lt1"/>
+      </a:fontRef>
+    </dgm:style>
+  </dgm:styleLbl>
+  <dgm:styleLbl name="vennNode1">
+    <dgm:scene3d>
+      <a:camera prst="orthographicFront"/>
+      <a:lightRig rig="threePt" dir="t"/>
+    </dgm:scene3d>
+    <dgm:sp3d/>
+    <dgm:txPr/>
+    <dgm:style>
+      <a:lnRef idx="2">
+        <a:scrgbClr r="0" g="0" b="0"/>
+      </a:lnRef>
+      <a:fillRef idx="1">
+        <a:scrgbClr r="0" g="0" b="0"/>
+      </a:fillRef>
+      <a:effectRef idx="0">
+        <a:scrgbClr r="0" g="0" b="0"/>
+      </a:effectRef>
+      <a:fontRef idx="minor">
+        <a:schemeClr val="tx1"/>
+      </a:fontRef>
+    </dgm:style>
+  </dgm:styleLbl>
+  <dgm:styleLbl name="alignNode1">
+    <dgm:scene3d>
+      <a:camera prst="orthographicFront"/>
+      <a:lightRig rig="threePt" dir="t"/>
+    </dgm:scene3d>
+    <dgm:sp3d/>
+    <dgm:txPr/>
+    <dgm:style>
+      <a:lnRef idx="2">
+        <a:scrgbClr r="0" g="0" b="0"/>
+      </a:lnRef>
+      <a:fillRef idx="1">
+        <a:scrgbClr r="0" g="0" b="0"/>
+      </a:fillRef>
+      <a:effectRef idx="0">
+        <a:scrgbClr r="0" g="0" b="0"/>
+      </a:effectRef>
+      <a:fontRef idx="minor">
+        <a:schemeClr val="lt1"/>
+      </a:fontRef>
+    </dgm:style>
+  </dgm:styleLbl>
+  <dgm:styleLbl name="node1">
+    <dgm:scene3d>
+      <a:camera prst="orthographicFront"/>
+      <a:lightRig rig="threePt" dir="t"/>
+    </dgm:scene3d>
+    <dgm:sp3d/>
+    <dgm:txPr/>
+    <dgm:style>
+      <a:lnRef idx="2">
+        <a:scrgbClr r="0" g="0" b="0"/>
+      </a:lnRef>
+      <a:fillRef idx="1">
+        <a:scrgbClr r="0" g="0" b="0"/>
+      </a:fillRef>
+      <a:effectRef idx="0">
+        <a:scrgbClr r="0" g="0" b="0"/>
+      </a:effectRef>
+      <a:fontRef idx="minor">
+        <a:schemeClr val="lt1"/>
+      </a:fontRef>
+    </dgm:style>
+  </dgm:styleLbl>
+  <dgm:styleLbl name="node2">
+    <dgm:scene3d>
+      <a:camera prst="orthographicFront"/>
+      <a:lightRig rig="threePt" dir="t"/>
+    </dgm:scene3d>
+    <dgm:sp3d/>
+    <dgm:txPr/>
+    <dgm:style>
+      <a:lnRef idx="2">
+        <a:scrgbClr r="0" g="0" b="0"/>
+      </a:lnRef>
+      <a:fillRef idx="1">
+        <a:scrgbClr r="0" g="0" b="0"/>
+      </a:fillRef>
+      <a:effectRef idx="0">
+        <a:scrgbClr r="0" g="0" b="0"/>
+      </a:effectRef>
+      <a:fontRef idx="minor">
+        <a:schemeClr val="lt1"/>
+      </a:fontRef>
+    </dgm:style>
+  </dgm:styleLbl>
+  <dgm:styleLbl name="node3">
+    <dgm:scene3d>
+      <a:camera prst="orthographicFront"/>
+      <a:lightRig rig="threePt" dir="t"/>
+    </dgm:scene3d>
+    <dgm:sp3d/>
+    <dgm:txPr/>
+    <dgm:style>
+      <a:lnRef idx="2">
+        <a:scrgbClr r="0" g="0" b="0"/>
+      </a:lnRef>
+      <a:fillRef idx="1">
+        <a:scrgbClr r="0" g="0" b="0"/>
+      </a:fillRef>
+      <a:effectRef idx="0">
+        <a:scrgbClr r="0" g="0" b="0"/>
+      </a:effectRef>
+      <a:fontRef idx="minor">
+        <a:schemeClr val="lt1"/>
+      </a:fontRef>
+    </dgm:style>
+  </dgm:styleLbl>
+  <dgm:styleLbl name="node4">
+    <dgm:scene3d>
+      <a:camera prst="orthographicFront"/>
+      <a:lightRig rig="threePt" dir="t"/>
+    </dgm:scene3d>
+    <dgm:sp3d/>
+    <dgm:txPr/>
+    <dgm:style>
+      <a:lnRef idx="2">
+        <a:scrgbClr r="0" g="0" b="0"/>
+      </a:lnRef>
+      <a:fillRef idx="1">
+        <a:scrgbClr r="0" g="0" b="0"/>
+      </a:fillRef>
+      <a:effectRef idx="0">
+        <a:scrgbClr r="0" g="0" b="0"/>
+      </a:effectRef>
+      <a:fontRef idx="minor">
+        <a:schemeClr val="lt1"/>
+      </a:fontRef>
+    </dgm:style>
+  </dgm:styleLbl>
+  <dgm:styleLbl name="fgImgPlace1">
+    <dgm:scene3d>
+      <a:camera prst="orthographicFront"/>
+      <a:lightRig rig="threePt" dir="t"/>
+    </dgm:scene3d>
+    <dgm:sp3d/>
+    <dgm:txPr/>
+    <dgm:style>
+      <a:lnRef idx="2">
+        <a:scrgbClr r="0" g="0" b="0"/>
+      </a:lnRef>
+      <a:fillRef idx="1">
+        <a:scrgbClr r="0" g="0" b="0"/>
+      </a:fillRef>
+      <a:effectRef idx="0">
+        <a:scrgbClr r="0" g="0" b="0"/>
+      </a:effectRef>
+      <a:fontRef idx="minor"/>
+    </dgm:style>
+  </dgm:styleLbl>
+  <dgm:styleLbl name="alignImgPlace1">
+    <dgm:scene3d>
+      <a:camera prst="orthographicFront"/>
+      <a:lightRig rig="threePt" dir="t"/>
+    </dgm:scene3d>
+    <dgm:sp3d/>
+    <dgm:txPr/>
+    <dgm:style>
+      <a:lnRef idx="2">
+        <a:scrgbClr r="0" g="0" b="0"/>
+      </a:lnRef>
+      <a:fillRef idx="1">
+        <a:scrgbClr r="0" g="0" b="0"/>
+      </a:fillRef>
+      <a:effectRef idx="0">
+        <a:scrgbClr r="0" g="0" b="0"/>
+      </a:effectRef>
+      <a:fontRef idx="minor"/>
+    </dgm:style>
+  </dgm:styleLbl>
+  <dgm:styleLbl name="bgImgPlace1">
+    <dgm:scene3d>
+      <a:camera prst="orthographicFront"/>
+      <a:lightRig rig="threePt" dir="t"/>
+    </dgm:scene3d>
+    <dgm:sp3d/>
+    <dgm:txPr/>
+    <dgm:style>
+      <a:lnRef idx="2">
+        <a:scrgbClr r="0" g="0" b="0"/>
+      </a:lnRef>
+      <a:fillRef idx="1">
+        <a:scrgbClr r="0" g="0" b="0"/>
+      </a:fillRef>
+      <a:effectRef idx="0">
+        <a:scrgbClr r="0" g="0" b="0"/>
+      </a:effectRef>
+      <a:fontRef idx="minor"/>
+    </dgm:style>
+  </dgm:styleLbl>
+  <dgm:styleLbl name="sibTrans2D1">
+    <dgm:scene3d>
+      <a:camera prst="orthographicFront"/>
+      <a:lightRig rig="threePt" dir="t"/>
+    </dgm:scene3d>
+    <dgm:sp3d/>
+    <dgm:txPr/>
+    <dgm:style>
+      <a:lnRef idx="0">
+        <a:scrgbClr r="0" g="0" b="0"/>
+      </a:lnRef>
+      <a:fillRef idx="1">
+        <a:scrgbClr r="0" g="0" b="0"/>
+      </a:fillRef>
+      <a:effectRef idx="0">
+        <a:scrgbClr r="0" g="0" b="0"/>
+      </a:effectRef>
+      <a:fontRef idx="minor">
+        <a:schemeClr val="lt1"/>
+      </a:fontRef>
+    </dgm:style>
+  </dgm:styleLbl>
+  <dgm:styleLbl name="fgSibTrans2D1">
+    <dgm:scene3d>
+      <a:camera prst="orthographicFront"/>
+      <a:lightRig rig="threePt" dir="t"/>
+    </dgm:scene3d>
+    <dgm:sp3d/>
+    <dgm:txPr/>
+    <dgm:style>
+      <a:lnRef idx="0">
+        <a:scrgbClr r="0" g="0" b="0"/>
+      </a:lnRef>
+      <a:fillRef idx="1">
+        <a:scrgbClr r="0" g="0" b="0"/>
+      </a:fillRef>
+      <a:effectRef idx="0">
+        <a:scrgbClr r="0" g="0" b="0"/>
+      </a:effectRef>
+      <a:fontRef idx="minor">
+        <a:schemeClr val="lt1"/>
+      </a:fontRef>
+    </dgm:style>
+  </dgm:styleLbl>
+  <dgm:styleLbl name="bgSibTrans2D1">
+    <dgm:scene3d>
+      <a:camera prst="orthographicFront"/>
+      <a:lightRig rig="threePt" dir="t"/>
+    </dgm:scene3d>
+    <dgm:sp3d/>
+    <dgm:txPr/>
+    <dgm:style>
+      <a:lnRef idx="0">
+        <a:scrgbClr r="0" g="0" b="0"/>
+      </a:lnRef>
+      <a:fillRef idx="1">
+        <a:scrgbClr r="0" g="0" b="0"/>
+      </a:fillRef>
+      <a:effectRef idx="0">
+        <a:scrgbClr r="0" g="0" b="0"/>
+      </a:effectRef>
+      <a:fontRef idx="minor">
+        <a:schemeClr val="lt1"/>
+      </a:fontRef>
+    </dgm:style>
+  </dgm:styleLbl>
+  <dgm:styleLbl name="sibTrans1D1">
+    <dgm:scene3d>
+      <a:camera prst="orthographicFront"/>
+      <a:lightRig rig="threePt" dir="t"/>
+    </dgm:scene3d>
+    <dgm:sp3d/>
+    <dgm:txPr/>
+    <dgm:style>
+      <a:lnRef idx="1">
+        <a:scrgbClr r="0" g="0" b="0"/>
+      </a:lnRef>
+      <a:fillRef idx="0">
+        <a:scrgbClr r="0" g="0" b="0"/>
+      </a:fillRef>
+      <a:effectRef idx="0">
+        <a:scrgbClr r="0" g="0" b="0"/>
+      </a:effectRef>
+      <a:fontRef idx="minor"/>
+    </dgm:style>
+  </dgm:styleLbl>
+  <dgm:styleLbl name="callout">
+    <dgm:scene3d>
+      <a:camera prst="orthographicFront"/>
+      <a:lightRig rig="threePt" dir="t"/>
+    </dgm:scene3d>
+    <dgm:sp3d/>
+    <dgm:txPr/>
+    <dgm:style>
+      <a:lnRef idx="2">
+        <a:scrgbClr r="0" g="0" b="0"/>
+      </a:lnRef>
+      <a:fillRef idx="1">
+        <a:scrgbClr r="0" g="0" b="0"/>
+      </a:fillRef>
+      <a:effectRef idx="0">
+        <a:scrgbClr r="0" g="0" b="0"/>
+      </a:effectRef>
+      <a:fontRef idx="minor"/>
+    </dgm:style>
+  </dgm:styleLbl>
+  <dgm:styleLbl name="asst0">
+    <dgm:scene3d>
+      <a:camera prst="orthographicFront"/>
+      <a:lightRig rig="threePt" dir="t"/>
+    </dgm:scene3d>
+    <dgm:sp3d/>
+    <dgm:txPr/>
+    <dgm:style>
+      <a:lnRef idx="2">
+        <a:scrgbClr r="0" g="0" b="0"/>
+      </a:lnRef>
+      <a:fillRef idx="1">
+        <a:scrgbClr r="0" g="0" b="0"/>
+      </a:fillRef>
+      <a:effectRef idx="0">
+        <a:scrgbClr r="0" g="0" b="0"/>
+      </a:effectRef>
+      <a:fontRef idx="minor">
+        <a:schemeClr val="lt1"/>
+      </a:fontRef>
+    </dgm:style>
+  </dgm:styleLbl>
+  <dgm:styleLbl name="asst1">
+    <dgm:scene3d>
+      <a:camera prst="orthographicFront"/>
+      <a:lightRig rig="threePt" dir="t"/>
+    </dgm:scene3d>
+    <dgm:sp3d/>
+    <dgm:txPr/>
+    <dgm:style>
+      <a:lnRef idx="2">
+        <a:scrgbClr r="0" g="0" b="0"/>
+      </a:lnRef>
+      <a:fillRef idx="1">
+        <a:scrgbClr r="0" g="0" b="0"/>
+      </a:fillRef>
+      <a:effectRef idx="0">
+        <a:scrgbClr r="0" g="0" b="0"/>
+      </a:effectRef>
+      <a:fontRef idx="minor">
+        <a:schemeClr val="lt1"/>
+      </a:fontRef>
+    </dgm:style>
+  </dgm:styleLbl>
+  <dgm:styleLbl name="asst2">
+    <dgm:scene3d>
+      <a:camera prst="orthographicFront"/>
+      <a:lightRig rig="threePt" dir="t"/>
+    </dgm:scene3d>
+    <dgm:sp3d/>
+    <dgm:txPr/>
+    <dgm:style>
+      <a:lnRef idx="2">
+        <a:scrgbClr r="0" g="0" b="0"/>
+      </a:lnRef>
+      <a:fillRef idx="1">
+        <a:scrgbClr r="0" g="0" b="0"/>
+      </a:fillRef>
+      <a:effectRef idx="0">
+        <a:scrgbClr r="0" g="0" b="0"/>
+      </a:effectRef>
+      <a:fontRef idx="minor">
+        <a:schemeClr val="lt1"/>
+      </a:fontRef>
+    </dgm:style>
+  </dgm:styleLbl>
+  <dgm:styleLbl name="asst3">
+    <dgm:scene3d>
+      <a:camera prst="orthographicFront"/>
+      <a:lightRig rig="threePt" dir="t"/>
+    </dgm:scene3d>
+    <dgm:sp3d/>
+    <dgm:txPr/>
+    <dgm:style>
+      <a:lnRef idx="2">
+        <a:scrgbClr r="0" g="0" b="0"/>
+      </a:lnRef>
+      <a:fillRef idx="1">
+        <a:scrgbClr r="0" g="0" b="0"/>
+      </a:fillRef>
+      <a:effectRef idx="0">
+        <a:scrgbClr r="0" g="0" b="0"/>
+      </a:effectRef>
+      <a:fontRef idx="minor">
+        <a:schemeClr val="lt1"/>
+      </a:fontRef>
+    </dgm:style>
+  </dgm:styleLbl>
+  <dgm:styleLbl name="asst4">
+    <dgm:scene3d>
+      <a:camera prst="orthographicFront"/>
+      <a:lightRig rig="threePt" dir="t"/>
+    </dgm:scene3d>
+    <dgm:sp3d/>
+    <dgm:txPr/>
+    <dgm:style>
+      <a:lnRef idx="2">
+        <a:scrgbClr r="0" g="0" b="0"/>
+      </a:lnRef>
+      <a:fillRef idx="1">
+        <a:scrgbClr r="0" g="0" b="0"/>
+      </a:fillRef>
+      <a:effectRef idx="0">
+        <a:scrgbClr r="0" g="0" b="0"/>
+      </a:effectRef>
+      <a:fontRef idx="minor">
+        <a:schemeClr val="lt1"/>
+      </a:fontRef>
+    </dgm:style>
+  </dgm:styleLbl>
+  <dgm:styleLbl name="parChTrans2D1">
+    <dgm:scene3d>
+      <a:camera prst="orthographicFront"/>
+      <a:lightRig rig="threePt" dir="t"/>
+    </dgm:scene3d>
+    <dgm:sp3d/>
+    <dgm:txPr/>
+    <dgm:style>
+      <a:lnRef idx="2">
+        <a:scrgbClr r="0" g="0" b="0"/>
+      </a:lnRef>
+      <a:fillRef idx="1">
+        <a:scrgbClr r="0" g="0" b="0"/>
+      </a:fillRef>
+      <a:effectRef idx="0">
+        <a:scrgbClr r="0" g="0" b="0"/>
+      </a:effectRef>
+      <a:fontRef idx="minor">
+        <a:schemeClr val="lt1"/>
+      </a:fontRef>
+    </dgm:style>
+  </dgm:styleLbl>
+  <dgm:styleLbl name="parChTrans2D2">
+    <dgm:scene3d>
+      <a:camera prst="orthographicFront"/>
+      <a:lightRig rig="threePt" dir="t"/>
+    </dgm:scene3d>
+    <dgm:sp3d/>
+    <dgm:txPr/>
+    <dgm:style>
+      <a:lnRef idx="2">
+        <a:scrgbClr r="0" g="0" b="0"/>
+      </a:lnRef>
+      <a:fillRef idx="1">
+        <a:scrgbClr r="0" g="0" b="0"/>
+      </a:fillRef>
+      <a:effectRef idx="0">
+        <a:scrgbClr r="0" g="0" b="0"/>
+      </a:effectRef>
+      <a:fontRef idx="minor">
+        <a:schemeClr val="lt1"/>
+      </a:fontRef>
+    </dgm:style>
+  </dgm:styleLbl>
+  <dgm:styleLbl name="parChTrans2D3">
+    <dgm:scene3d>
+      <a:camera prst="orthographicFront"/>
+      <a:lightRig rig="threePt" dir="t"/>
+    </dgm:scene3d>
+    <dgm:sp3d/>
+    <dgm:txPr/>
+    <dgm:style>
+      <a:lnRef idx="2">
+        <a:scrgbClr r="0" g="0" b="0"/>
+      </a:lnRef>
+      <a:fillRef idx="1">
+        <a:scrgbClr r="0" g="0" b="0"/>
+      </a:fillRef>
+      <a:effectRef idx="0">
+        <a:scrgbClr r="0" g="0" b="0"/>
+      </a:effectRef>
+      <a:fontRef idx="minor">
+        <a:schemeClr val="lt1"/>
+      </a:fontRef>
+    </dgm:style>
+  </dgm:styleLbl>
+  <dgm:styleLbl name="parChTrans2D4">
+    <dgm:scene3d>
+      <a:camera prst="orthographicFront"/>
+      <a:lightRig rig="threePt" dir="t"/>
+    </dgm:scene3d>
+    <dgm:sp3d/>
+    <dgm:txPr/>
+    <dgm:style>
+      <a:lnRef idx="2">
+        <a:scrgbClr r="0" g="0" b="0"/>
+      </a:lnRef>
+      <a:fillRef idx="1">
+        <a:scrgbClr r="0" g="0" b="0"/>
+      </a:fillRef>
+      <a:effectRef idx="0">
+        <a:scrgbClr r="0" g="0" b="0"/>
+      </a:effectRef>
+      <a:fontRef idx="minor">
+        <a:schemeClr val="lt1"/>
+      </a:fontRef>
+    </dgm:style>
+  </dgm:styleLbl>
+  <dgm:styleLbl name="parChTrans1D1">
+    <dgm:scene3d>
+      <a:camera prst="orthographicFront"/>
+      <a:lightRig rig="threePt" dir="t"/>
+    </dgm:scene3d>
+    <dgm:sp3d/>
+    <dgm:txPr/>
+    <dgm:style>
+      <a:lnRef idx="2">
+        <a:scrgbClr r="0" g="0" b="0"/>
+      </a:lnRef>
+      <a:fillRef idx="0">
+        <a:scrgbClr r="0" g="0" b="0"/>
+      </a:fillRef>
+      <a:effectRef idx="0">
+        <a:scrgbClr r="0" g="0" b="0"/>
+      </a:effectRef>
+      <a:fontRef idx="minor"/>
+    </dgm:style>
+  </dgm:styleLbl>
+  <dgm:styleLbl name="parChTrans1D2">
+    <dgm:scene3d>
+      <a:camera prst="orthographicFront"/>
+      <a:lightRig rig="threePt" dir="t"/>
+    </dgm:scene3d>
+    <dgm:sp3d/>
+    <dgm:txPr/>
+    <dgm:style>
+      <a:lnRef idx="2">
+        <a:scrgbClr r="0" g="0" b="0"/>
+      </a:lnRef>
+      <a:fillRef idx="0">
+        <a:scrgbClr r="0" g="0" b="0"/>
+      </a:fillRef>
+      <a:effectRef idx="0">
+        <a:scrgbClr r="0" g="0" b="0"/>
+      </a:effectRef>
+      <a:fontRef idx="minor"/>
+    </dgm:style>
+  </dgm:styleLbl>
+  <dgm:styleLbl name="parChTrans1D3">
+    <dgm:scene3d>
+      <a:camera prst="orthographicFront"/>
+      <a:lightRig rig="threePt" dir="t"/>
+    </dgm:scene3d>
+    <dgm:sp3d/>
+    <dgm:txPr/>
+    <dgm:style>
+      <a:lnRef idx="2">
+        <a:scrgbClr r="0" g="0" b="0"/>
+      </a:lnRef>
+      <a:fillRef idx="0">
+        <a:scrgbClr r="0" g="0" b="0"/>
+      </a:fillRef>
+      <a:effectRef idx="0">
+        <a:scrgbClr r="0" g="0" b="0"/>
+      </a:effectRef>
+      <a:fontRef idx="minor"/>
+    </dgm:style>
+  </dgm:styleLbl>
+  <dgm:styleLbl name="parChTrans1D4">
+    <dgm:scene3d>
+      <a:camera prst="orthographicFront"/>
+      <a:lightRig rig="threePt" dir="t"/>
+    </dgm:scene3d>
+    <dgm:sp3d/>
+    <dgm:txPr/>
+    <dgm:style>
+      <a:lnRef idx="2">
+        <a:scrgbClr r="0" g="0" b="0"/>
+      </a:lnRef>
+      <a:fillRef idx="0">
+        <a:scrgbClr r="0" g="0" b="0"/>
+      </a:fillRef>
+      <a:effectRef idx="0">
+        <a:scrgbClr r="0" g="0" b="0"/>
+      </a:effectRef>
+      <a:fontRef idx="minor"/>
+    </dgm:style>
+  </dgm:styleLbl>
+  <dgm:styleLbl name="fgAcc1">
+    <dgm:scene3d>
+      <a:camera prst="orthographicFront"/>
+      <a:lightRig rig="threePt" dir="t"/>
+    </dgm:scene3d>
+    <dgm:sp3d/>
+    <dgm:txPr/>
+    <dgm:style>
+      <a:lnRef idx="2">
+        <a:scrgbClr r="0" g="0" b="0"/>
+      </a:lnRef>
+      <a:fillRef idx="1">
+        <a:scrgbClr r="0" g="0" b="0"/>
+      </a:fillRef>
+      <a:effectRef idx="0">
+        <a:scrgbClr r="0" g="0" b="0"/>
+      </a:effectRef>
+      <a:fontRef idx="minor"/>
+    </dgm:style>
+  </dgm:styleLbl>
+  <dgm:styleLbl name="conFgAcc1">
+    <dgm:scene3d>
+      <a:camera prst="orthographicFront"/>
+      <a:lightRig rig="threePt" dir="t"/>
+    </dgm:scene3d>
+    <dgm:sp3d/>
+    <dgm:txPr/>
+    <dgm:style>
+      <a:lnRef idx="2">
+        <a:scrgbClr r="0" g="0" b="0"/>
+      </a:lnRef>
+      <a:fillRef idx="1">
+        <a:scrgbClr r="0" g="0" b="0"/>
+      </a:fillRef>
+      <a:effectRef idx="0">
+        <a:scrgbClr r="0" g="0" b="0"/>
+      </a:effectRef>
+      <a:fontRef idx="minor"/>
+    </dgm:style>
+  </dgm:styleLbl>
+  <dgm:styleLbl name="alignAcc1">
+    <dgm:scene3d>
+      <a:camera prst="orthographicFront"/>
+      <a:lightRig rig="threePt" dir="t"/>
+    </dgm:scene3d>
+    <dgm:sp3d/>
+    <dgm:txPr/>
+    <dgm:style>
+      <a:lnRef idx="2">
+        <a:scrgbClr r="0" g="0" b="0"/>
+      </a:lnRef>
+      <a:fillRef idx="1">
+        <a:scrgbClr r="0" g="0" b="0"/>
+      </a:fillRef>
+      <a:effectRef idx="0">
+        <a:scrgbClr r="0" g="0" b="0"/>
+      </a:effectRef>
+      <a:fontRef idx="minor"/>
+    </dgm:style>
+  </dgm:styleLbl>
+  <dgm:styleLbl name="trAlignAcc1">
+    <dgm:scene3d>
+      <a:camera prst="orthographicFront"/>
+      <a:lightRig rig="threePt" dir="t"/>
+    </dgm:scene3d>
+    <dgm:sp3d/>
+    <dgm:txPr/>
+    <dgm:style>
+      <a:lnRef idx="1">
+        <a:scrgbClr r="0" g="0" b="0"/>
+      </a:lnRef>
+      <a:fillRef idx="1">
+        <a:scrgbClr r="0" g="0" b="0"/>
+      </a:fillRef>
+      <a:effectRef idx="0">
+        <a:scrgbClr r="0" g="0" b="0"/>
+      </a:effectRef>
+      <a:fontRef idx="minor"/>
+    </dgm:style>
+  </dgm:styleLbl>
+  <dgm:styleLbl name="bgAcc1">
+    <dgm:scene3d>
+      <a:camera prst="orthographicFront"/>
+      <a:lightRig rig="threePt" dir="t"/>
+    </dgm:scene3d>
+    <dgm:sp3d/>
+    <dgm:txPr/>
+    <dgm:style>
+      <a:lnRef idx="2">
+        <a:scrgbClr r="0" g="0" b="0"/>
+      </a:lnRef>
+      <a:fillRef idx="1">
+        <a:scrgbClr r="0" g="0" b="0"/>
+      </a:fillRef>
+      <a:effectRef idx="0">
+        <a:scrgbClr r="0" g="0" b="0"/>
+      </a:effectRef>
+      <a:fontRef idx="minor"/>
+    </dgm:style>
+  </dgm:styleLbl>
+  <dgm:styleLbl name="solidFgAcc1">
+    <dgm:scene3d>
+      <a:camera prst="orthographicFront"/>
+      <a:lightRig rig="threePt" dir="t"/>
+    </dgm:scene3d>
+    <dgm:sp3d/>
+    <dgm:txPr/>
+    <dgm:style>
+      <a:lnRef idx="2">
+        <a:scrgbClr r="0" g="0" b="0"/>
+      </a:lnRef>
+      <a:fillRef idx="1">
+        <a:scrgbClr r="0" g="0" b="0"/>
+      </a:fillRef>
+      <a:effectRef idx="0">
+        <a:scrgbClr r="0" g="0" b="0"/>
+      </a:effectRef>
+      <a:fontRef idx="minor"/>
+    </dgm:style>
+  </dgm:styleLbl>
+  <dgm:styleLbl name="solidAlignAcc1">
+    <dgm:scene3d>
+      <a:camera prst="orthographicFront"/>
+      <a:lightRig rig="threePt" dir="t"/>
+    </dgm:scene3d>
+    <dgm:sp3d/>
+    <dgm:txPr/>
+    <dgm:style>
+      <a:lnRef idx="2">
+        <a:scrgbClr r="0" g="0" b="0"/>
+      </a:lnRef>
+      <a:fillRef idx="1">
+        <a:scrgbClr r="0" g="0" b="0"/>
+      </a:fillRef>
+      <a:effectRef idx="0">
+        <a:scrgbClr r="0" g="0" b="0"/>
+      </a:effectRef>
+      <a:fontRef idx="minor"/>
+    </dgm:style>
+  </dgm:styleLbl>
+  <dgm:styleLbl name="solidBgAcc1">
+    <dgm:scene3d>
+      <a:camera prst="orthographicFront"/>
+      <a:lightRig rig="threePt" dir="t"/>
+    </dgm:scene3d>
+    <dgm:sp3d/>
+    <dgm:txPr/>
+    <dgm:style>
+      <a:lnRef idx="2">
+        <a:scrgbClr r="0" g="0" b="0"/>
+      </a:lnRef>
+      <a:fillRef idx="1">
+        <a:scrgbClr r="0" g="0" b="0"/>
+      </a:fillRef>
+      <a:effectRef idx="0">
+        <a:scrgbClr r="0" g="0" b="0"/>
+      </a:effectRef>
+      <a:fontRef idx="minor"/>
+    </dgm:style>
+  </dgm:styleLbl>
+  <dgm:styleLbl name="fgAccFollowNode1">
+    <dgm:scene3d>
+      <a:camera prst="orthographicFront"/>
+      <a:lightRig rig="threePt" dir="t"/>
+    </dgm:scene3d>
+    <dgm:sp3d/>
+    <dgm:txPr/>
+    <dgm:style>
+      <a:lnRef idx="2">
+        <a:scrgbClr r="0" g="0" b="0"/>
+      </a:lnRef>
+      <a:fillRef idx="1">
+        <a:scrgbClr r="0" g="0" b="0"/>
+      </a:fillRef>
+      <a:effectRef idx="0">
+        <a:scrgbClr r="0" g="0" b="0"/>
+      </a:effectRef>
+      <a:fontRef idx="minor"/>
+    </dgm:style>
+  </dgm:styleLbl>
+  <dgm:styleLbl name="alignAccFollowNode1">
+    <dgm:scene3d>
+      <a:camera prst="orthographicFront"/>
+      <a:lightRig rig="threePt" dir="t"/>
+    </dgm:scene3d>
+    <dgm:sp3d/>
+    <dgm:txPr/>
+    <dgm:style>
+      <a:lnRef idx="2">
+        <a:scrgbClr r="0" g="0" b="0"/>
+      </a:lnRef>
+      <a:fillRef idx="1">
+        <a:scrgbClr r="0" g="0" b="0"/>
+      </a:fillRef>
+      <a:effectRef idx="0">
+        <a:scrgbClr r="0" g="0" b="0"/>
+      </a:effectRef>
+      <a:fontRef idx="minor"/>
+    </dgm:style>
+  </dgm:styleLbl>
+  <dgm:styleLbl name="bgAccFollowNode1">
+    <dgm:scene3d>
+      <a:camera prst="orthographicFront"/>
+      <a:lightRig rig="threePt" dir="t"/>
+    </dgm:scene3d>
+    <dgm:sp3d/>
+    <dgm:txPr/>
+    <dgm:style>
+      <a:lnRef idx="2">
+        <a:scrgbClr r="0" g="0" b="0"/>
+      </a:lnRef>
+      <a:fillRef idx="1">
+        <a:scrgbClr r="0" g="0" b="0"/>
+      </a:fillRef>
+      <a:effectRef idx="0">
+        <a:scrgbClr r="0" g="0" b="0"/>
+      </a:effectRef>
+      <a:fontRef idx="minor"/>
+    </dgm:style>
+  </dgm:styleLbl>
+  <dgm:styleLbl name="fgAcc0">
+    <dgm:scene3d>
+      <a:camera prst="orthographicFront"/>
+      <a:lightRig rig="threePt" dir="t"/>
+    </dgm:scene3d>
+    <dgm:sp3d/>
+    <dgm:txPr/>
+    <dgm:style>
+      <a:lnRef idx="2">
+        <a:scrgbClr r="0" g="0" b="0"/>
+      </a:lnRef>
+      <a:fillRef idx="1">
+        <a:scrgbClr r="0" g="0" b="0"/>
+      </a:fillRef>
+      <a:effectRef idx="0">
+        <a:scrgbClr r="0" g="0" b="0"/>
+      </a:effectRef>
+      <a:fontRef idx="minor"/>
+    </dgm:style>
+  </dgm:styleLbl>
+  <dgm:styleLbl name="fgAcc2">
+    <dgm:scene3d>
+      <a:camera prst="orthographicFront"/>
+      <a:lightRig rig="threePt" dir="t"/>
+    </dgm:scene3d>
+    <dgm:sp3d/>
+    <dgm:txPr/>
+    <dgm:style>
+      <a:lnRef idx="2">
+        <a:scrgbClr r="0" g="0" b="0"/>
+      </a:lnRef>
+      <a:fillRef idx="1">
+        <a:scrgbClr r="0" g="0" b="0"/>
+      </a:fillRef>
+      <a:effectRef idx="0">
+        <a:scrgbClr r="0" g="0" b="0"/>
+      </a:effectRef>
+      <a:fontRef idx="minor"/>
+    </dgm:style>
+  </dgm:styleLbl>
+  <dgm:styleLbl name="fgAcc3">
+    <dgm:scene3d>
+      <a:camera prst="orthographicFront"/>
+      <a:lightRig rig="threePt" dir="t"/>
+    </dgm:scene3d>
+    <dgm:sp3d/>
+    <dgm:txPr/>
+    <dgm:style>
+      <a:lnRef idx="2">
+        <a:scrgbClr r="0" g="0" b="0"/>
+      </a:lnRef>
+      <a:fillRef idx="1">
+        <a:scrgbClr r="0" g="0" b="0"/>
+      </a:fillRef>
+      <a:effectRef idx="0">
+        <a:scrgbClr r="0" g="0" b="0"/>
+      </a:effectRef>
+      <a:fontRef idx="minor"/>
+    </dgm:style>
+  </dgm:styleLbl>
+  <dgm:styleLbl name="fgAcc4">
+    <dgm:scene3d>
+      <a:camera prst="orthographicFront"/>
+      <a:lightRig rig="threePt" dir="t"/>
+    </dgm:scene3d>
+    <dgm:sp3d/>
+    <dgm:txPr/>
+    <dgm:style>
+      <a:lnRef idx="2">
+        <a:scrgbClr r="0" g="0" b="0"/>
+      </a:lnRef>
+      <a:fillRef idx="1">
+        <a:scrgbClr r="0" g="0" b="0"/>
+      </a:fillRef>
+      <a:effectRef idx="0">
+        <a:scrgbClr r="0" g="0" b="0"/>
+      </a:effectRef>
+      <a:fontRef idx="minor"/>
+    </dgm:style>
+  </dgm:styleLbl>
+  <dgm:styleLbl name="bgShp">
+    <dgm:scene3d>
+      <a:camera prst="orthographicFront"/>
+      <a:lightRig rig="threePt" dir="t"/>
+    </dgm:scene3d>
+    <dgm:sp3d/>
+    <dgm:txPr/>
+    <dgm:style>
+      <a:lnRef idx="0">
+        <a:scrgbClr r="0" g="0" b="0"/>
+      </a:lnRef>
+      <a:fillRef idx="1">
+        <a:scrgbClr r="0" g="0" b="0"/>
+      </a:fillRef>
+      <a:effectRef idx="0">
+        <a:scrgbClr r="0" g="0" b="0"/>
+      </a:effectRef>
+      <a:fontRef idx="minor"/>
+    </dgm:style>
+  </dgm:styleLbl>
+  <dgm:styleLbl name="dkBgShp">
+    <dgm:scene3d>
+      <a:camera prst="orthographicFront"/>
+      <a:lightRig rig="threePt" dir="t"/>
+    </dgm:scene3d>
+    <dgm:sp3d/>
+    <dgm:txPr/>
+    <dgm:style>
+      <a:lnRef idx="0">
+        <a:scrgbClr r="0" g="0" b="0"/>
+      </a:lnRef>
+      <a:fillRef idx="1">
+        <a:scrgbClr r="0" g="0" b="0"/>
+      </a:fillRef>
+      <a:effectRef idx="0">
+        <a:scrgbClr r="0" g="0" b="0"/>
+      </a:effectRef>
+      <a:fontRef idx="minor"/>
+    </dgm:style>
+  </dgm:styleLbl>
+  <dgm:styleLbl name="trBgShp">
+    <dgm:scene3d>
+      <a:camera prst="orthographicFront"/>
+      <a:lightRig rig="threePt" dir="t"/>
+    </dgm:scene3d>
+    <dgm:sp3d/>
+    <dgm:txPr/>
+    <dgm:style>
+      <a:lnRef idx="0">
+        <a:scrgbClr r="0" g="0" b="0"/>
+      </a:lnRef>
+      <a:fillRef idx="1">
+        <a:scrgbClr r="0" g="0" b="0"/>
+      </a:fillRef>
+      <a:effectRef idx="0">
+        <a:scrgbClr r="0" g="0" b="0"/>
+      </a:effectRef>
+      <a:fontRef idx="minor"/>
+    </dgm:style>
+  </dgm:styleLbl>
+  <dgm:styleLbl name="fgShp">
+    <dgm:scene3d>
+      <a:camera prst="orthographicFront"/>
+      <a:lightRig rig="threePt" dir="t"/>
+    </dgm:scene3d>
+    <dgm:sp3d/>
+    <dgm:txPr/>
+    <dgm:style>
+      <a:lnRef idx="2">
+        <a:scrgbClr r="0" g="0" b="0"/>
+      </a:lnRef>
+      <a:fillRef idx="1">
+        <a:scrgbClr r="0" g="0" b="0"/>
+      </a:fillRef>
+      <a:effectRef idx="0">
+        <a:scrgbClr r="0" g="0" b="0"/>
+      </a:effectRef>
+      <a:fontRef idx="minor"/>
+    </dgm:style>
+  </dgm:styleLbl>
+  <dgm:styleLbl name="revTx">
+    <dgm:scene3d>
+      <a:camera prst="orthographicFront"/>
+      <a:lightRig rig="threePt" dir="t"/>
+    </dgm:scene3d>
+    <dgm:sp3d/>
+    <dgm:txPr/>
+    <dgm:style>
+      <a:lnRef idx="0">
+        <a:scrgbClr r="0" g="0" b="0"/>
+      </a:lnRef>
+      <a:fillRef idx="0">
+        <a:scrgbClr r="0" g="0" b="0"/>
+      </a:fillRef>
+      <a:effectRef idx="0">
+        <a:scrgbClr r="0" g="0" b="0"/>
+      </a:effectRef>
+      <a:fontRef idx="minor"/>
+    </dgm:style>
+  </dgm:styleLbl>
+</dgm:styleDef>
+</file>
+
+<file path=ppt/notesMasters/notesMaster1.xml><?xml version="1.0" encoding="utf-8"?>
+<p:notesMaster xmlns:a="http://schemas.openxmlformats.org/drawingml/2006/main" xmlns:r="http://schemas.openxmlformats.org/officeDocument/2006/relationships" xmlns:p="http://schemas.openxmlformats.org/presentationml/2006/main">
+  <p:cSld>
+    <p:bg>
+      <p:bgRef idx="1001">
+        <a:schemeClr val="bg1"/>
+      </p:bgRef>
+    </p:bg>
+    <p:spTree>
+      <p:nvGrpSpPr>
+        <p:cNvPr id="1" name=""/>
+        <p:cNvGrpSpPr/>
+        <p:nvPr/>
+      </p:nvGrpSpPr>
+      <p:grpSpPr>
+        <a:xfrm>
+          <a:off x="0" y="0"/>
+          <a:ext cx="0" cy="0"/>
+          <a:chOff x="0" y="0"/>
+          <a:chExt cx="0" cy="0"/>
+        </a:xfrm>
+      </p:grpSpPr>
+      <p:sp>
+        <p:nvSpPr>
+          <p:cNvPr id="2" name="Kopfzeilenplatzhalter 1"/>
+          <p:cNvSpPr>
+            <a:spLocks noGrp="1"/>
+          </p:cNvSpPr>
+          <p:nvPr>
+            <p:ph type="hdr" sz="quarter"/>
+          </p:nvPr>
+        </p:nvSpPr>
+        <p:spPr>
+          <a:xfrm>
+            <a:off x="0" y="0"/>
+            <a:ext cx="2971800" cy="458788"/>
+          </a:xfrm>
+          <a:prstGeom prst="rect">
+            <a:avLst/>
+          </a:prstGeom>
+        </p:spPr>
+        <p:txBody>
+          <a:bodyPr vert="horz" lIns="91440" tIns="45720" rIns="91440" bIns="45720" rtlCol="0"/>
+          <a:lstStyle>
+            <a:lvl1pPr algn="l">
+              <a:defRPr sz="1200"/>
+            </a:lvl1pPr>
+          </a:lstStyle>
+          <a:p>
+            <a:endParaRPr lang="de-AT"/>
+          </a:p>
+        </p:txBody>
+      </p:sp>
+      <p:sp>
+        <p:nvSpPr>
+          <p:cNvPr id="3" name="Datumsplatzhalter 2"/>
+          <p:cNvSpPr>
+            <a:spLocks noGrp="1"/>
+          </p:cNvSpPr>
+          <p:nvPr>
+            <p:ph type="dt" idx="1"/>
+          </p:nvPr>
+        </p:nvSpPr>
+        <p:spPr>
+          <a:xfrm>
+            <a:off x="3884613" y="0"/>
+            <a:ext cx="2971800" cy="458788"/>
+          </a:xfrm>
+          <a:prstGeom prst="rect">
+            <a:avLst/>
+          </a:prstGeom>
+        </p:spPr>
+        <p:txBody>
+          <a:bodyPr vert="horz" lIns="91440" tIns="45720" rIns="91440" bIns="45720" rtlCol="0"/>
+          <a:lstStyle>
+            <a:lvl1pPr algn="r">
+              <a:defRPr sz="1200"/>
+            </a:lvl1pPr>
+          </a:lstStyle>
+          <a:p>
+            <a:fld id="{EBF02142-0BE5-476D-82CA-8DCCAE6CBA88}" type="datetimeFigureOut">
+              <a:rPr lang="de-AT" smtClean="0"/>
+              <a:t>31.01.2021</a:t>
+            </a:fld>
+            <a:endParaRPr lang="de-AT"/>
+          </a:p>
+        </p:txBody>
+      </p:sp>
+      <p:sp>
+        <p:nvSpPr>
+          <p:cNvPr id="4" name="Folienbildplatzhalter 3"/>
+          <p:cNvSpPr>
+            <a:spLocks noGrp="1" noRot="1" noChangeAspect="1"/>
+          </p:cNvSpPr>
+          <p:nvPr>
+            <p:ph type="sldImg" idx="2"/>
+          </p:nvPr>
+        </p:nvSpPr>
+        <p:spPr>
+          <a:xfrm>
+            <a:off x="685800" y="1143000"/>
+            <a:ext cx="5486400" cy="3086100"/>
+          </a:xfrm>
+          <a:prstGeom prst="rect">
+            <a:avLst/>
+          </a:prstGeom>
+          <a:noFill/>
+          <a:ln w="12700">
+            <a:solidFill>
+              <a:prstClr val="black"/>
+            </a:solidFill>
+          </a:ln>
+        </p:spPr>
+        <p:txBody>
+          <a:bodyPr vert="horz" lIns="91440" tIns="45720" rIns="91440" bIns="45720" rtlCol="0" anchor="ctr"/>
+          <a:lstStyle/>
+          <a:p>
+            <a:endParaRPr lang="de-AT"/>
+          </a:p>
+        </p:txBody>
+      </p:sp>
+      <p:sp>
+        <p:nvSpPr>
+          <p:cNvPr id="5" name="Notizenplatzhalter 4"/>
+          <p:cNvSpPr>
+            <a:spLocks noGrp="1"/>
+          </p:cNvSpPr>
+          <p:nvPr>
+            <p:ph type="body" sz="quarter" idx="3"/>
+          </p:nvPr>
+        </p:nvSpPr>
+        <p:spPr>
+          <a:xfrm>
+            <a:off x="685800" y="4400550"/>
+            <a:ext cx="5486400" cy="3600450"/>
+          </a:xfrm>
+          <a:prstGeom prst="rect">
+            <a:avLst/>
+          </a:prstGeom>
+        </p:spPr>
+        <p:txBody>
+          <a:bodyPr vert="horz" lIns="91440" tIns="45720" rIns="91440" bIns="45720" rtlCol="0"/>
+          <a:lstStyle/>
+          <a:p>
+            <a:pPr lvl="0"/>
+            <a:r>
+              <a:rPr lang="de-DE"/>
+              <a:t>Mastertextformat bearbeiten</a:t>
+            </a:r>
+          </a:p>
+          <a:p>
+            <a:pPr lvl="1"/>
+            <a:r>
+              <a:rPr lang="de-DE"/>
+              <a:t>Zweite Ebene</a:t>
+            </a:r>
+          </a:p>
+          <a:p>
+            <a:pPr lvl="2"/>
+            <a:r>
+              <a:rPr lang="de-DE"/>
+              <a:t>Dritte Ebene</a:t>
+            </a:r>
+          </a:p>
+          <a:p>
+            <a:pPr lvl="3"/>
+            <a:r>
+              <a:rPr lang="de-DE"/>
+              <a:t>Vierte Ebene</a:t>
+            </a:r>
+          </a:p>
+          <a:p>
+            <a:pPr lvl="4"/>
+            <a:r>
+              <a:rPr lang="de-DE"/>
+              <a:t>Fünfte Ebene</a:t>
+            </a:r>
+            <a:endParaRPr lang="de-AT"/>
+          </a:p>
+        </p:txBody>
+      </p:sp>
+      <p:sp>
+        <p:nvSpPr>
+          <p:cNvPr id="6" name="Fußzeilenplatzhalter 5"/>
+          <p:cNvSpPr>
+            <a:spLocks noGrp="1"/>
+          </p:cNvSpPr>
+          <p:nvPr>
+            <p:ph type="ftr" sz="quarter" idx="4"/>
+          </p:nvPr>
+        </p:nvSpPr>
+        <p:spPr>
+          <a:xfrm>
+            <a:off x="0" y="8685213"/>
+            <a:ext cx="2971800" cy="458787"/>
+          </a:xfrm>
+          <a:prstGeom prst="rect">
+            <a:avLst/>
+          </a:prstGeom>
+        </p:spPr>
+        <p:txBody>
+          <a:bodyPr vert="horz" lIns="91440" tIns="45720" rIns="91440" bIns="45720" rtlCol="0" anchor="b"/>
+          <a:lstStyle>
+            <a:lvl1pPr algn="l">
+              <a:defRPr sz="1200"/>
+            </a:lvl1pPr>
+          </a:lstStyle>
+          <a:p>
+            <a:endParaRPr lang="de-AT"/>
+          </a:p>
+        </p:txBody>
+      </p:sp>
+      <p:sp>
+        <p:nvSpPr>
+          <p:cNvPr id="7" name="Foliennummernplatzhalter 6"/>
+          <p:cNvSpPr>
+            <a:spLocks noGrp="1"/>
+          </p:cNvSpPr>
+          <p:nvPr>
+            <p:ph type="sldNum" sz="quarter" idx="5"/>
+          </p:nvPr>
+        </p:nvSpPr>
+        <p:spPr>
+          <a:xfrm>
+            <a:off x="3884613" y="8685213"/>
+            <a:ext cx="2971800" cy="458787"/>
+          </a:xfrm>
+          <a:prstGeom prst="rect">
+            <a:avLst/>
+          </a:prstGeom>
+        </p:spPr>
+        <p:txBody>
+          <a:bodyPr vert="horz" lIns="91440" tIns="45720" rIns="91440" bIns="45720" rtlCol="0" anchor="b"/>
+          <a:lstStyle>
+            <a:lvl1pPr algn="r">
+              <a:defRPr sz="1200"/>
+            </a:lvl1pPr>
+          </a:lstStyle>
+          <a:p>
+            <a:fld id="{84D4742E-F1D8-4EDB-B351-F5836754519D}" type="slidenum">
+              <a:rPr lang="de-AT" smtClean="0"/>
+              <a:t>‹Nr.›</a:t>
+            </a:fld>
+            <a:endParaRPr lang="de-AT"/>
+          </a:p>
+        </p:txBody>
+      </p:sp>
+    </p:spTree>
+    <p:extLst>
+      <p:ext uri="{BB962C8B-B14F-4D97-AF65-F5344CB8AC3E}">
+        <p14:creationId xmlns:p14="http://schemas.microsoft.com/office/powerpoint/2010/main" val="3995971470"/>
+      </p:ext>
+    </p:extLst>
+  </p:cSld>
+  <p:clrMap bg1="lt1" tx1="dk1" bg2="lt2" tx2="dk2" accent1="accent1" accent2="accent2" accent3="accent3" accent4="accent4" accent5="accent5" accent6="accent6" hlink="hlink" folHlink="folHlink"/>
+  <p:notesStyle>
+    <a:lvl1pPr marL="0" algn="l" defTabSz="914400" rtl="0" eaLnBrk="1" latinLnBrk="0" hangingPunct="1">
+      <a:defRPr sz="1200" kern="1200">
+        <a:solidFill>
+          <a:schemeClr val="tx1"/>
+        </a:solidFill>
+        <a:latin typeface="+mn-lt"/>
+        <a:ea typeface="+mn-ea"/>
+        <a:cs typeface="+mn-cs"/>
+      </a:defRPr>
+    </a:lvl1pPr>
+    <a:lvl2pPr marL="457200" algn="l" defTabSz="914400" rtl="0" eaLnBrk="1" latinLnBrk="0" hangingPunct="1">
+      <a:defRPr sz="1200" kern="1200">
+        <a:solidFill>
+          <a:schemeClr val="tx1"/>
+        </a:solidFill>
+        <a:latin typeface="+mn-lt"/>
+        <a:ea typeface="+mn-ea"/>
+        <a:cs typeface="+mn-cs"/>
+      </a:defRPr>
+    </a:lvl2pPr>
+    <a:lvl3pPr marL="914400" algn="l" defTabSz="914400" rtl="0" eaLnBrk="1" latinLnBrk="0" hangingPunct="1">
+      <a:defRPr sz="1200" kern="1200">
+        <a:solidFill>
+          <a:schemeClr val="tx1"/>
+        </a:solidFill>
+        <a:latin typeface="+mn-lt"/>
+        <a:ea typeface="+mn-ea"/>
+        <a:cs typeface="+mn-cs"/>
+      </a:defRPr>
+    </a:lvl3pPr>
+    <a:lvl4pPr marL="1371600" algn="l" defTabSz="914400" rtl="0" eaLnBrk="1" latinLnBrk="0" hangingPunct="1">
+      <a:defRPr sz="1200" kern="1200">
+        <a:solidFill>
+          <a:schemeClr val="tx1"/>
+        </a:solidFill>
+        <a:latin typeface="+mn-lt"/>
+        <a:ea typeface="+mn-ea"/>
+        <a:cs typeface="+mn-cs"/>
+      </a:defRPr>
+    </a:lvl4pPr>
+    <a:lvl5pPr marL="1828800" algn="l" defTabSz="914400" rtl="0" eaLnBrk="1" latinLnBrk="0" hangingPunct="1">
+      <a:defRPr sz="1200" kern="1200">
+        <a:solidFill>
+          <a:schemeClr val="tx1"/>
+        </a:solidFill>
+        <a:latin typeface="+mn-lt"/>
+        <a:ea typeface="+mn-ea"/>
+        <a:cs typeface="+mn-cs"/>
+      </a:defRPr>
+    </a:lvl5pPr>
+    <a:lvl6pPr marL="2286000" algn="l" defTabSz="914400" rtl="0" eaLnBrk="1" latinLnBrk="0" hangingPunct="1">
+      <a:defRPr sz="1200" kern="1200">
+        <a:solidFill>
+          <a:schemeClr val="tx1"/>
+        </a:solidFill>
+        <a:latin typeface="+mn-lt"/>
+        <a:ea typeface="+mn-ea"/>
+        <a:cs typeface="+mn-cs"/>
+      </a:defRPr>
+    </a:lvl6pPr>
+    <a:lvl7pPr marL="2743200" algn="l" defTabSz="914400" rtl="0" eaLnBrk="1" latinLnBrk="0" hangingPunct="1">
+      <a:defRPr sz="1200" kern="1200">
+        <a:solidFill>
+          <a:schemeClr val="tx1"/>
+        </a:solidFill>
+        <a:latin typeface="+mn-lt"/>
+        <a:ea typeface="+mn-ea"/>
+        <a:cs typeface="+mn-cs"/>
+      </a:defRPr>
+    </a:lvl7pPr>
+    <a:lvl8pPr marL="3200400" algn="l" defTabSz="914400" rtl="0" eaLnBrk="1" latinLnBrk="0" hangingPunct="1">
+      <a:defRPr sz="1200" kern="1200">
+        <a:solidFill>
+          <a:schemeClr val="tx1"/>
+        </a:solidFill>
+        <a:latin typeface="+mn-lt"/>
+        <a:ea typeface="+mn-ea"/>
+        <a:cs typeface="+mn-cs"/>
+      </a:defRPr>
+    </a:lvl8pPr>
+    <a:lvl9pPr marL="3657600" algn="l" defTabSz="914400" rtl="0" eaLnBrk="1" latinLnBrk="0" hangingPunct="1">
+      <a:defRPr sz="1200" kern="1200">
+        <a:solidFill>
+          <a:schemeClr val="tx1"/>
+        </a:solidFill>
+        <a:latin typeface="+mn-lt"/>
+        <a:ea typeface="+mn-ea"/>
+        <a:cs typeface="+mn-cs"/>
+      </a:defRPr>
+    </a:lvl9pPr>
+  </p:notesStyle>
+</p:notesMaster>
+</file>
+
+<file path=ppt/notesSlides/notesSlide1.xml><?xml version="1.0" encoding="utf-8"?>
+<p:notes xmlns:a="http://schemas.openxmlformats.org/drawingml/2006/main" xmlns:r="http://schemas.openxmlformats.org/officeDocument/2006/relationships" xmlns:p="http://schemas.openxmlformats.org/presentationml/2006/main">
+  <p:cSld>
+    <p:spTree>
+      <p:nvGrpSpPr>
+        <p:cNvPr id="1" name=""/>
+        <p:cNvGrpSpPr/>
+        <p:nvPr/>
+      </p:nvGrpSpPr>
+      <p:grpSpPr>
+        <a:xfrm>
+          <a:off x="0" y="0"/>
+          <a:ext cx="0" cy="0"/>
+          <a:chOff x="0" y="0"/>
+          <a:chExt cx="0" cy="0"/>
+        </a:xfrm>
+      </p:grpSpPr>
+      <p:sp>
+        <p:nvSpPr>
+          <p:cNvPr id="2" name="Folienbildplatzhalter 1"/>
+          <p:cNvSpPr>
+            <a:spLocks noGrp="1" noRot="1" noChangeAspect="1"/>
+          </p:cNvSpPr>
+          <p:nvPr>
+            <p:ph type="sldImg"/>
+          </p:nvPr>
+        </p:nvSpPr>
+        <p:spPr/>
+      </p:sp>
+      <p:sp>
+        <p:nvSpPr>
+          <p:cNvPr id="3" name="Notizenplatzhalter 2"/>
+          <p:cNvSpPr>
+            <a:spLocks noGrp="1"/>
+          </p:cNvSpPr>
+          <p:nvPr>
+            <p:ph type="body" idx="1"/>
+          </p:nvPr>
+        </p:nvSpPr>
+        <p:spPr/>
+        <p:txBody>
+          <a:bodyPr/>
+          <a:lstStyle/>
+          <a:p>
+            <a:endParaRPr lang="de-AT" dirty="0"/>
+          </a:p>
+        </p:txBody>
+      </p:sp>
+      <p:sp>
+        <p:nvSpPr>
+          <p:cNvPr id="4" name="Foliennummernplatzhalter 3"/>
+          <p:cNvSpPr>
+            <a:spLocks noGrp="1"/>
+          </p:cNvSpPr>
+          <p:nvPr>
+            <p:ph type="sldNum" sz="quarter" idx="5"/>
+          </p:nvPr>
+        </p:nvSpPr>
+        <p:spPr/>
+        <p:txBody>
+          <a:bodyPr/>
+          <a:lstStyle/>
+          <a:p>
+            <a:fld id="{84D4742E-F1D8-4EDB-B351-F5836754519D}" type="slidenum">
+              <a:rPr lang="de-AT" smtClean="0"/>
+              <a:t>2</a:t>
+            </a:fld>
+            <a:endParaRPr lang="de-AT"/>
+          </a:p>
+        </p:txBody>
+      </p:sp>
+    </p:spTree>
+    <p:extLst>
+      <p:ext uri="{BB962C8B-B14F-4D97-AF65-F5344CB8AC3E}">
+        <p14:creationId xmlns:p14="http://schemas.microsoft.com/office/powerpoint/2010/main" val="3549289130"/>
+      </p:ext>
+    </p:extLst>
+  </p:cSld>
+  <p:clrMapOvr>
+    <a:masterClrMapping/>
+  </p:clrMapOvr>
+</p:notes>
+</file>
+
+<file path=ppt/notesSlides/notesSlide2.xml><?xml version="1.0" encoding="utf-8"?>
+<p:notes xmlns:a="http://schemas.openxmlformats.org/drawingml/2006/main" xmlns:r="http://schemas.openxmlformats.org/officeDocument/2006/relationships" xmlns:p="http://schemas.openxmlformats.org/presentationml/2006/main">
+  <p:cSld>
+    <p:spTree>
+      <p:nvGrpSpPr>
+        <p:cNvPr id="1" name=""/>
+        <p:cNvGrpSpPr/>
+        <p:nvPr/>
+      </p:nvGrpSpPr>
+      <p:grpSpPr>
+        <a:xfrm>
+          <a:off x="0" y="0"/>
+          <a:ext cx="0" cy="0"/>
+          <a:chOff x="0" y="0"/>
+          <a:chExt cx="0" cy="0"/>
+        </a:xfrm>
+      </p:grpSpPr>
+      <p:sp>
+        <p:nvSpPr>
+          <p:cNvPr id="2" name="Folienbildplatzhalter 1"/>
+          <p:cNvSpPr>
+            <a:spLocks noGrp="1" noRot="1" noChangeAspect="1"/>
+          </p:cNvSpPr>
+          <p:nvPr>
+            <p:ph type="sldImg"/>
+          </p:nvPr>
+        </p:nvSpPr>
+        <p:spPr/>
+      </p:sp>
+      <p:sp>
+        <p:nvSpPr>
+          <p:cNvPr id="3" name="Notizenplatzhalter 2"/>
+          <p:cNvSpPr>
+            <a:spLocks noGrp="1"/>
+          </p:cNvSpPr>
+          <p:nvPr>
+            <p:ph type="body" idx="1"/>
+          </p:nvPr>
+        </p:nvSpPr>
+        <p:spPr/>
+        <p:txBody>
+          <a:bodyPr/>
+          <a:lstStyle/>
+          <a:p>
+            <a:endParaRPr lang="de-AT" dirty="0"/>
+          </a:p>
+        </p:txBody>
+      </p:sp>
+      <p:sp>
+        <p:nvSpPr>
+          <p:cNvPr id="4" name="Foliennummernplatzhalter 3"/>
+          <p:cNvSpPr>
+            <a:spLocks noGrp="1"/>
+          </p:cNvSpPr>
+          <p:nvPr>
+            <p:ph type="sldNum" sz="quarter" idx="5"/>
+          </p:nvPr>
+        </p:nvSpPr>
+        <p:spPr/>
+        <p:txBody>
+          <a:bodyPr/>
+          <a:lstStyle/>
+          <a:p>
+            <a:fld id="{84D4742E-F1D8-4EDB-B351-F5836754519D}" type="slidenum">
+              <a:rPr lang="de-AT" smtClean="0"/>
+              <a:t>4</a:t>
+            </a:fld>
+            <a:endParaRPr lang="de-AT"/>
+          </a:p>
+        </p:txBody>
+      </p:sp>
+    </p:spTree>
+    <p:extLst>
+      <p:ext uri="{BB962C8B-B14F-4D97-AF65-F5344CB8AC3E}">
+        <p14:creationId xmlns:p14="http://schemas.microsoft.com/office/powerpoint/2010/main" val="208144593"/>
+      </p:ext>
+    </p:extLst>
+  </p:cSld>
+  <p:clrMapOvr>
+    <a:masterClrMapping/>
+  </p:clrMapOvr>
+</p:notes>
 </file>
 
 <file path=ppt/slideLayouts/slideLayout1.xml><?xml version="1.0" encoding="utf-8"?>
@@ -256,7 +5046,7 @@
           <a:p>
             <a:fld id="{31F5825D-C3D3-4C06-8D46-0854EAC6BD2A}" type="datetimeFigureOut">
               <a:rPr lang="de-AT" smtClean="0"/>
-              <a:t>28.01.2021</a:t>
+              <a:t>31.01.2021</a:t>
             </a:fld>
             <a:endParaRPr lang="de-AT"/>
           </a:p>
@@ -456,7 +5246,7 @@
           <a:p>
             <a:fld id="{31F5825D-C3D3-4C06-8D46-0854EAC6BD2A}" type="datetimeFigureOut">
               <a:rPr lang="de-AT" smtClean="0"/>
-              <a:t>28.01.2021</a:t>
+              <a:t>31.01.2021</a:t>
             </a:fld>
             <a:endParaRPr lang="de-AT"/>
           </a:p>
@@ -666,7 +5456,7 @@
           <a:p>
             <a:fld id="{31F5825D-C3D3-4C06-8D46-0854EAC6BD2A}" type="datetimeFigureOut">
               <a:rPr lang="de-AT" smtClean="0"/>
-              <a:t>28.01.2021</a:t>
+              <a:t>31.01.2021</a:t>
             </a:fld>
             <a:endParaRPr lang="de-AT"/>
           </a:p>
@@ -866,7 +5656,7 @@
           <a:p>
             <a:fld id="{31F5825D-C3D3-4C06-8D46-0854EAC6BD2A}" type="datetimeFigureOut">
               <a:rPr lang="de-AT" smtClean="0"/>
-              <a:t>28.01.2021</a:t>
+              <a:t>31.01.2021</a:t>
             </a:fld>
             <a:endParaRPr lang="de-AT"/>
           </a:p>
@@ -1142,7 +5932,7 @@
           <a:p>
             <a:fld id="{31F5825D-C3D3-4C06-8D46-0854EAC6BD2A}" type="datetimeFigureOut">
               <a:rPr lang="de-AT" smtClean="0"/>
-              <a:t>28.01.2021</a:t>
+              <a:t>31.01.2021</a:t>
             </a:fld>
             <a:endParaRPr lang="de-AT"/>
           </a:p>
@@ -1410,7 +6200,7 @@
           <a:p>
             <a:fld id="{31F5825D-C3D3-4C06-8D46-0854EAC6BD2A}" type="datetimeFigureOut">
               <a:rPr lang="de-AT" smtClean="0"/>
-              <a:t>28.01.2021</a:t>
+              <a:t>31.01.2021</a:t>
             </a:fld>
             <a:endParaRPr lang="de-AT"/>
           </a:p>
@@ -1825,7 +6615,7 @@
           <a:p>
             <a:fld id="{31F5825D-C3D3-4C06-8D46-0854EAC6BD2A}" type="datetimeFigureOut">
               <a:rPr lang="de-AT" smtClean="0"/>
-              <a:t>28.01.2021</a:t>
+              <a:t>31.01.2021</a:t>
             </a:fld>
             <a:endParaRPr lang="de-AT"/>
           </a:p>
@@ -1967,7 +6757,7 @@
           <a:p>
             <a:fld id="{31F5825D-C3D3-4C06-8D46-0854EAC6BD2A}" type="datetimeFigureOut">
               <a:rPr lang="de-AT" smtClean="0"/>
-              <a:t>28.01.2021</a:t>
+              <a:t>31.01.2021</a:t>
             </a:fld>
             <a:endParaRPr lang="de-AT"/>
           </a:p>
@@ -2080,7 +6870,7 @@
           <a:p>
             <a:fld id="{31F5825D-C3D3-4C06-8D46-0854EAC6BD2A}" type="datetimeFigureOut">
               <a:rPr lang="de-AT" smtClean="0"/>
-              <a:t>28.01.2021</a:t>
+              <a:t>31.01.2021</a:t>
             </a:fld>
             <a:endParaRPr lang="de-AT"/>
           </a:p>
@@ -2393,7 +7183,7 @@
           <a:p>
             <a:fld id="{31F5825D-C3D3-4C06-8D46-0854EAC6BD2A}" type="datetimeFigureOut">
               <a:rPr lang="de-AT" smtClean="0"/>
-              <a:t>28.01.2021</a:t>
+              <a:t>31.01.2021</a:t>
             </a:fld>
             <a:endParaRPr lang="de-AT"/>
           </a:p>
@@ -2682,7 +7472,7 @@
           <a:p>
             <a:fld id="{31F5825D-C3D3-4C06-8D46-0854EAC6BD2A}" type="datetimeFigureOut">
               <a:rPr lang="de-AT" smtClean="0"/>
-              <a:t>28.01.2021</a:t>
+              <a:t>31.01.2021</a:t>
             </a:fld>
             <a:endParaRPr lang="de-AT"/>
           </a:p>
@@ -2925,7 +7715,7 @@
           <a:p>
             <a:fld id="{31F5825D-C3D3-4C06-8D46-0854EAC6BD2A}" type="datetimeFigureOut">
               <a:rPr lang="de-AT" smtClean="0"/>
-              <a:t>28.01.2021</a:t>
+              <a:t>31.01.2021</a:t>
             </a:fld>
             <a:endParaRPr lang="de-AT"/>
           </a:p>
@@ -3328,6 +8118,1268 @@
 <file path=ppt/slides/slide1.xml><?xml version="1.0" encoding="utf-8"?>
 <p:sld xmlns:a="http://schemas.openxmlformats.org/drawingml/2006/main" xmlns:r="http://schemas.openxmlformats.org/officeDocument/2006/relationships" xmlns:p="http://schemas.openxmlformats.org/presentationml/2006/main">
   <p:cSld>
+    <p:bg>
+      <p:bgPr>
+        <a:solidFill>
+          <a:schemeClr val="bg1"/>
+        </a:solidFill>
+        <a:effectLst/>
+      </p:bgPr>
+    </p:bg>
+    <p:spTree>
+      <p:nvGrpSpPr>
+        <p:cNvPr id="1" name=""/>
+        <p:cNvGrpSpPr/>
+        <p:nvPr/>
+      </p:nvGrpSpPr>
+      <p:grpSpPr>
+        <a:xfrm>
+          <a:off x="0" y="0"/>
+          <a:ext cx="0" cy="0"/>
+          <a:chOff x="0" y="0"/>
+          <a:chExt cx="0" cy="0"/>
+        </a:xfrm>
+      </p:grpSpPr>
+      <p:sp>
+        <p:nvSpPr>
+          <p:cNvPr id="8" name="Rectangle 7">
+            <a:extLst>
+              <a:ext uri="{FF2B5EF4-FFF2-40B4-BE49-F238E27FC236}">
+                <a16:creationId xmlns:a16="http://schemas.microsoft.com/office/drawing/2014/main" id="{88294908-8B00-4F58-BBBA-20F71A40AA9E}"/>
+              </a:ext>
+              <a:ext uri="{C183D7F6-B498-43B3-948B-1728B52AA6E4}">
+                <adec:decorative xmlns:adec="http://schemas.microsoft.com/office/drawing/2017/decorative" val="1"/>
+              </a:ext>
+            </a:extLst>
+          </p:cNvPr>
+          <p:cNvSpPr>
+            <a:spLocks noGrp="1" noRot="1" noChangeAspect="1" noMove="1" noResize="1" noEditPoints="1" noAdjustHandles="1" noChangeArrowheads="1" noChangeShapeType="1" noTextEdit="1"/>
+          </p:cNvSpPr>
+          <p:nvPr>
+            <p:extLst>
+              <p:ext uri="{386F3935-93C4-4BCD-93E2-E3B085C9AB24}">
+                <p16:designElem xmlns:p16="http://schemas.microsoft.com/office/powerpoint/2015/main" val="1"/>
+              </p:ext>
+            </p:extLst>
+          </p:nvPr>
+        </p:nvSpPr>
+        <p:spPr>
+          <a:xfrm>
+            <a:off x="0" y="0"/>
+            <a:ext cx="12192000" cy="6858000"/>
+          </a:xfrm>
+          <a:prstGeom prst="rect">
+            <a:avLst/>
+          </a:prstGeom>
+          <a:solidFill>
+            <a:schemeClr val="bg2"/>
+          </a:solidFill>
+          <a:ln>
+            <a:noFill/>
+          </a:ln>
+        </p:spPr>
+        <p:style>
+          <a:lnRef idx="2">
+            <a:schemeClr val="accent1">
+              <a:shade val="50000"/>
+            </a:schemeClr>
+          </a:lnRef>
+          <a:fillRef idx="1">
+            <a:schemeClr val="accent1"/>
+          </a:fillRef>
+          <a:effectRef idx="0">
+            <a:schemeClr val="accent1"/>
+          </a:effectRef>
+          <a:fontRef idx="minor">
+            <a:schemeClr val="lt1"/>
+          </a:fontRef>
+        </p:style>
+        <p:txBody>
+          <a:bodyPr rtlCol="0" anchor="ctr"/>
+          <a:lstStyle/>
+          <a:p>
+            <a:pPr algn="ctr"/>
+            <a:endParaRPr lang="en-US" dirty="0"/>
+          </a:p>
+        </p:txBody>
+      </p:sp>
+      <p:sp>
+        <p:nvSpPr>
+          <p:cNvPr id="10" name="Freeform: Shape 9">
+            <a:extLst>
+              <a:ext uri="{FF2B5EF4-FFF2-40B4-BE49-F238E27FC236}">
+                <a16:creationId xmlns:a16="http://schemas.microsoft.com/office/drawing/2014/main" id="{4364C879-1404-4203-8E9D-CC5DE0A621A2}"/>
+              </a:ext>
+              <a:ext uri="{C183D7F6-B498-43B3-948B-1728B52AA6E4}">
+                <adec:decorative xmlns:adec="http://schemas.microsoft.com/office/drawing/2017/decorative" val="1"/>
+              </a:ext>
+            </a:extLst>
+          </p:cNvPr>
+          <p:cNvSpPr>
+            <a:spLocks noGrp="1" noRot="1" noChangeAspect="1" noMove="1" noResize="1" noEditPoints="1" noAdjustHandles="1" noChangeArrowheads="1" noChangeShapeType="1" noTextEdit="1"/>
+          </p:cNvSpPr>
+          <p:nvPr>
+            <p:extLst>
+              <p:ext uri="{386F3935-93C4-4BCD-93E2-E3B085C9AB24}">
+                <p16:designElem xmlns:p16="http://schemas.microsoft.com/office/powerpoint/2015/main" val="1"/>
+              </p:ext>
+            </p:extLst>
+          </p:nvPr>
+        </p:nvSpPr>
+        <p:spPr>
+          <a:xfrm rot="2700000">
+            <a:off x="82782" y="-1386168"/>
+            <a:ext cx="2424873" cy="3611191"/>
+          </a:xfrm>
+          <a:custGeom>
+            <a:avLst/>
+            <a:gdLst>
+              <a:gd name="connsiteX0" fmla="*/ 0 w 2424873"/>
+              <a:gd name="connsiteY0" fmla="*/ 2424874 h 3611191"/>
+              <a:gd name="connsiteX1" fmla="*/ 2424873 w 2424873"/>
+              <a:gd name="connsiteY1" fmla="*/ 0 h 3611191"/>
+              <a:gd name="connsiteX2" fmla="*/ 2424873 w 2424873"/>
+              <a:gd name="connsiteY2" fmla="*/ 3611191 h 3611191"/>
+              <a:gd name="connsiteX3" fmla="*/ 1186317 w 2424873"/>
+              <a:gd name="connsiteY3" fmla="*/ 3611191 h 3611191"/>
+            </a:gdLst>
+            <a:ahLst/>
+            <a:cxnLst>
+              <a:cxn ang="0">
+                <a:pos x="connsiteX0" y="connsiteY0"/>
+              </a:cxn>
+              <a:cxn ang="0">
+                <a:pos x="connsiteX1" y="connsiteY1"/>
+              </a:cxn>
+              <a:cxn ang="0">
+                <a:pos x="connsiteX2" y="connsiteY2"/>
+              </a:cxn>
+              <a:cxn ang="0">
+                <a:pos x="connsiteX3" y="connsiteY3"/>
+              </a:cxn>
+            </a:cxnLst>
+            <a:rect l="l" t="t" r="r" b="b"/>
+            <a:pathLst>
+              <a:path w="2424873" h="3611191">
+                <a:moveTo>
+                  <a:pt x="0" y="2424874"/>
+                </a:moveTo>
+                <a:lnTo>
+                  <a:pt x="2424873" y="0"/>
+                </a:lnTo>
+                <a:lnTo>
+                  <a:pt x="2424873" y="3611191"/>
+                </a:lnTo>
+                <a:lnTo>
+                  <a:pt x="1186317" y="3611191"/>
+                </a:lnTo>
+                <a:close/>
+              </a:path>
+            </a:pathLst>
+          </a:custGeom>
+          <a:solidFill>
+            <a:schemeClr val="accent4">
+              <a:alpha val="40000"/>
+            </a:schemeClr>
+          </a:solidFill>
+          <a:ln>
+            <a:noFill/>
+          </a:ln>
+        </p:spPr>
+        <p:style>
+          <a:lnRef idx="2">
+            <a:schemeClr val="accent1">
+              <a:shade val="50000"/>
+            </a:schemeClr>
+          </a:lnRef>
+          <a:fillRef idx="1">
+            <a:schemeClr val="accent1"/>
+          </a:fillRef>
+          <a:effectRef idx="0">
+            <a:schemeClr val="accent1"/>
+          </a:effectRef>
+          <a:fontRef idx="minor">
+            <a:schemeClr val="lt1"/>
+          </a:fontRef>
+        </p:style>
+        <p:txBody>
+          <a:bodyPr wrap="square" rtlCol="0" anchor="ctr">
+            <a:noAutofit/>
+          </a:bodyPr>
+          <a:lstStyle/>
+          <a:p>
+            <a:pPr algn="ctr"/>
+            <a:endParaRPr lang="en-US"/>
+          </a:p>
+        </p:txBody>
+      </p:sp>
+      <p:sp>
+        <p:nvSpPr>
+          <p:cNvPr id="12" name="Freeform: Shape 11">
+            <a:extLst>
+              <a:ext uri="{FF2B5EF4-FFF2-40B4-BE49-F238E27FC236}">
+                <a16:creationId xmlns:a16="http://schemas.microsoft.com/office/drawing/2014/main" id="{84617302-4B0D-4351-A6BB-6F0930D943AC}"/>
+              </a:ext>
+              <a:ext uri="{C183D7F6-B498-43B3-948B-1728B52AA6E4}">
+                <adec:decorative xmlns:adec="http://schemas.microsoft.com/office/drawing/2017/decorative" val="1"/>
+              </a:ext>
+            </a:extLst>
+          </p:cNvPr>
+          <p:cNvSpPr>
+            <a:spLocks noGrp="1" noRot="1" noChangeAspect="1" noMove="1" noResize="1" noEditPoints="1" noAdjustHandles="1" noChangeArrowheads="1" noChangeShapeType="1" noTextEdit="1"/>
+          </p:cNvSpPr>
+          <p:nvPr>
+            <p:extLst>
+              <p:ext uri="{386F3935-93C4-4BCD-93E2-E3B085C9AB24}">
+                <p16:designElem xmlns:p16="http://schemas.microsoft.com/office/powerpoint/2015/main" val="1"/>
+              </p:ext>
+            </p:extLst>
+          </p:nvPr>
+        </p:nvSpPr>
+        <p:spPr>
+          <a:xfrm rot="2700000">
+            <a:off x="1571000" y="-338582"/>
+            <a:ext cx="1635955" cy="1635955"/>
+          </a:xfrm>
+          <a:custGeom>
+            <a:avLst/>
+            <a:gdLst>
+              <a:gd name="connsiteX0" fmla="*/ 0 w 1635955"/>
+              <a:gd name="connsiteY0" fmla="*/ 957987 h 1635955"/>
+              <a:gd name="connsiteX1" fmla="*/ 957987 w 1635955"/>
+              <a:gd name="connsiteY1" fmla="*/ 0 h 1635955"/>
+              <a:gd name="connsiteX2" fmla="*/ 1635955 w 1635955"/>
+              <a:gd name="connsiteY2" fmla="*/ 0 h 1635955"/>
+              <a:gd name="connsiteX3" fmla="*/ 1635955 w 1635955"/>
+              <a:gd name="connsiteY3" fmla="*/ 1635955 h 1635955"/>
+              <a:gd name="connsiteX4" fmla="*/ 0 w 1635955"/>
+              <a:gd name="connsiteY4" fmla="*/ 1635955 h 1635955"/>
+            </a:gdLst>
+            <a:ahLst/>
+            <a:cxnLst>
+              <a:cxn ang="0">
+                <a:pos x="connsiteX0" y="connsiteY0"/>
+              </a:cxn>
+              <a:cxn ang="0">
+                <a:pos x="connsiteX1" y="connsiteY1"/>
+              </a:cxn>
+              <a:cxn ang="0">
+                <a:pos x="connsiteX2" y="connsiteY2"/>
+              </a:cxn>
+              <a:cxn ang="0">
+                <a:pos x="connsiteX3" y="connsiteY3"/>
+              </a:cxn>
+              <a:cxn ang="0">
+                <a:pos x="connsiteX4" y="connsiteY4"/>
+              </a:cxn>
+            </a:cxnLst>
+            <a:rect l="l" t="t" r="r" b="b"/>
+            <a:pathLst>
+              <a:path w="1635955" h="1635955">
+                <a:moveTo>
+                  <a:pt x="0" y="957987"/>
+                </a:moveTo>
+                <a:lnTo>
+                  <a:pt x="957987" y="0"/>
+                </a:lnTo>
+                <a:lnTo>
+                  <a:pt x="1635955" y="0"/>
+                </a:lnTo>
+                <a:lnTo>
+                  <a:pt x="1635955" y="1635955"/>
+                </a:lnTo>
+                <a:lnTo>
+                  <a:pt x="0" y="1635955"/>
+                </a:lnTo>
+                <a:close/>
+              </a:path>
+            </a:pathLst>
+          </a:custGeom>
+          <a:solidFill>
+            <a:schemeClr val="accent4">
+              <a:alpha val="40000"/>
+            </a:schemeClr>
+          </a:solidFill>
+          <a:ln>
+            <a:noFill/>
+          </a:ln>
+        </p:spPr>
+        <p:style>
+          <a:lnRef idx="2">
+            <a:schemeClr val="accent1">
+              <a:shade val="50000"/>
+            </a:schemeClr>
+          </a:lnRef>
+          <a:fillRef idx="1">
+            <a:schemeClr val="accent1"/>
+          </a:fillRef>
+          <a:effectRef idx="0">
+            <a:schemeClr val="accent1"/>
+          </a:effectRef>
+          <a:fontRef idx="minor">
+            <a:schemeClr val="lt1"/>
+          </a:fontRef>
+        </p:style>
+        <p:txBody>
+          <a:bodyPr wrap="square" rtlCol="0" anchor="ctr">
+            <a:noAutofit/>
+          </a:bodyPr>
+          <a:lstStyle/>
+          <a:p>
+            <a:pPr algn="ctr"/>
+            <a:endParaRPr lang="en-US"/>
+          </a:p>
+        </p:txBody>
+      </p:sp>
+      <p:sp>
+        <p:nvSpPr>
+          <p:cNvPr id="14" name="Freeform: Shape 13">
+            <a:extLst>
+              <a:ext uri="{FF2B5EF4-FFF2-40B4-BE49-F238E27FC236}">
+                <a16:creationId xmlns:a16="http://schemas.microsoft.com/office/drawing/2014/main" id="{DA2C7802-C2E0-4218-8F89-8DD7CCD2CD1C}"/>
+              </a:ext>
+              <a:ext uri="{C183D7F6-B498-43B3-948B-1728B52AA6E4}">
+                <adec:decorative xmlns:adec="http://schemas.microsoft.com/office/drawing/2017/decorative" val="1"/>
+              </a:ext>
+            </a:extLst>
+          </p:cNvPr>
+          <p:cNvSpPr>
+            <a:spLocks noGrp="1" noRot="1" noChangeAspect="1" noMove="1" noResize="1" noEditPoints="1" noAdjustHandles="1" noChangeArrowheads="1" noChangeShapeType="1" noTextEdit="1"/>
+          </p:cNvSpPr>
+          <p:nvPr>
+            <p:extLst>
+              <p:ext uri="{386F3935-93C4-4BCD-93E2-E3B085C9AB24}">
+                <p16:designElem xmlns:p16="http://schemas.microsoft.com/office/powerpoint/2015/main" val="1"/>
+              </p:ext>
+            </p:extLst>
+          </p:nvPr>
+        </p:nvSpPr>
+        <p:spPr>
+          <a:xfrm rot="2700000">
+            <a:off x="9627985" y="-6588"/>
+            <a:ext cx="4059393" cy="2548110"/>
+          </a:xfrm>
+          <a:custGeom>
+            <a:avLst/>
+            <a:gdLst>
+              <a:gd name="connsiteX0" fmla="*/ 0 w 4059393"/>
+              <a:gd name="connsiteY0" fmla="*/ 1511282 h 2548110"/>
+              <a:gd name="connsiteX1" fmla="*/ 1511282 w 4059393"/>
+              <a:gd name="connsiteY1" fmla="*/ 0 h 2548110"/>
+              <a:gd name="connsiteX2" fmla="*/ 4059393 w 4059393"/>
+              <a:gd name="connsiteY2" fmla="*/ 2548110 h 2548110"/>
+              <a:gd name="connsiteX3" fmla="*/ 0 w 4059393"/>
+              <a:gd name="connsiteY3" fmla="*/ 2548110 h 2548110"/>
+            </a:gdLst>
+            <a:ahLst/>
+            <a:cxnLst>
+              <a:cxn ang="0">
+                <a:pos x="connsiteX0" y="connsiteY0"/>
+              </a:cxn>
+              <a:cxn ang="0">
+                <a:pos x="connsiteX1" y="connsiteY1"/>
+              </a:cxn>
+              <a:cxn ang="0">
+                <a:pos x="connsiteX2" y="connsiteY2"/>
+              </a:cxn>
+              <a:cxn ang="0">
+                <a:pos x="connsiteX3" y="connsiteY3"/>
+              </a:cxn>
+            </a:cxnLst>
+            <a:rect l="l" t="t" r="r" b="b"/>
+            <a:pathLst>
+              <a:path w="4059393" h="2548110">
+                <a:moveTo>
+                  <a:pt x="0" y="1511282"/>
+                </a:moveTo>
+                <a:lnTo>
+                  <a:pt x="1511282" y="0"/>
+                </a:lnTo>
+                <a:lnTo>
+                  <a:pt x="4059393" y="2548110"/>
+                </a:lnTo>
+                <a:lnTo>
+                  <a:pt x="0" y="2548110"/>
+                </a:lnTo>
+                <a:close/>
+              </a:path>
+            </a:pathLst>
+          </a:custGeom>
+          <a:solidFill>
+            <a:schemeClr val="accent1">
+              <a:alpha val="30000"/>
+            </a:schemeClr>
+          </a:solidFill>
+          <a:ln>
+            <a:noFill/>
+          </a:ln>
+        </p:spPr>
+        <p:style>
+          <a:lnRef idx="2">
+            <a:schemeClr val="accent1">
+              <a:shade val="50000"/>
+            </a:schemeClr>
+          </a:lnRef>
+          <a:fillRef idx="1">
+            <a:schemeClr val="accent1"/>
+          </a:fillRef>
+          <a:effectRef idx="0">
+            <a:schemeClr val="accent1"/>
+          </a:effectRef>
+          <a:fontRef idx="minor">
+            <a:schemeClr val="lt1"/>
+          </a:fontRef>
+        </p:style>
+        <p:txBody>
+          <a:bodyPr wrap="square" rtlCol="0" anchor="ctr">
+            <a:noAutofit/>
+          </a:bodyPr>
+          <a:lstStyle/>
+          <a:p>
+            <a:pPr algn="ctr"/>
+            <a:endParaRPr lang="en-US"/>
+          </a:p>
+        </p:txBody>
+      </p:sp>
+      <p:sp>
+        <p:nvSpPr>
+          <p:cNvPr id="16" name="Rectangle 15">
+            <a:extLst>
+              <a:ext uri="{FF2B5EF4-FFF2-40B4-BE49-F238E27FC236}">
+                <a16:creationId xmlns:a16="http://schemas.microsoft.com/office/drawing/2014/main" id="{A6D7111A-21E5-4EE9-8A78-10E5530F0116}"/>
+              </a:ext>
+              <a:ext uri="{C183D7F6-B498-43B3-948B-1728B52AA6E4}">
+                <adec:decorative xmlns:adec="http://schemas.microsoft.com/office/drawing/2017/decorative" val="1"/>
+              </a:ext>
+            </a:extLst>
+          </p:cNvPr>
+          <p:cNvSpPr>
+            <a:spLocks noGrp="1" noRot="1" noChangeAspect="1" noMove="1" noResize="1" noEditPoints="1" noAdjustHandles="1" noChangeArrowheads="1" noChangeShapeType="1" noTextEdit="1"/>
+          </p:cNvSpPr>
+          <p:nvPr>
+            <p:extLst>
+              <p:ext uri="{386F3935-93C4-4BCD-93E2-E3B085C9AB24}">
+                <p16:designElem xmlns:p16="http://schemas.microsoft.com/office/powerpoint/2015/main" val="1"/>
+              </p:ext>
+            </p:extLst>
+          </p:nvPr>
+        </p:nvSpPr>
+        <p:spPr>
+          <a:xfrm rot="2700000">
+            <a:off x="10262924" y="1465780"/>
+            <a:ext cx="1185708" cy="1185708"/>
+          </a:xfrm>
+          <a:prstGeom prst="rect">
+            <a:avLst/>
+          </a:prstGeom>
+          <a:solidFill>
+            <a:schemeClr val="accent1">
+              <a:alpha val="30000"/>
+            </a:schemeClr>
+          </a:solidFill>
+          <a:ln>
+            <a:noFill/>
+          </a:ln>
+        </p:spPr>
+        <p:style>
+          <a:lnRef idx="2">
+            <a:schemeClr val="accent1">
+              <a:shade val="50000"/>
+            </a:schemeClr>
+          </a:lnRef>
+          <a:fillRef idx="1">
+            <a:schemeClr val="accent1"/>
+          </a:fillRef>
+          <a:effectRef idx="0">
+            <a:schemeClr val="accent1"/>
+          </a:effectRef>
+          <a:fontRef idx="minor">
+            <a:schemeClr val="lt1"/>
+          </a:fontRef>
+        </p:style>
+        <p:txBody>
+          <a:bodyPr wrap="square" rtlCol="0" anchor="ctr">
+            <a:noAutofit/>
+          </a:bodyPr>
+          <a:lstStyle/>
+          <a:p>
+            <a:pPr algn="ctr"/>
+            <a:endParaRPr lang="en-US"/>
+          </a:p>
+        </p:txBody>
+      </p:sp>
+      <p:sp>
+        <p:nvSpPr>
+          <p:cNvPr id="18" name="Freeform: Shape 17">
+            <a:extLst>
+              <a:ext uri="{FF2B5EF4-FFF2-40B4-BE49-F238E27FC236}">
+                <a16:creationId xmlns:a16="http://schemas.microsoft.com/office/drawing/2014/main" id="{A3969E80-A77B-49FC-9122-D89AFD5EE118}"/>
+              </a:ext>
+              <a:ext uri="{C183D7F6-B498-43B3-948B-1728B52AA6E4}">
+                <adec:decorative xmlns:adec="http://schemas.microsoft.com/office/drawing/2017/decorative" val="1"/>
+              </a:ext>
+            </a:extLst>
+          </p:cNvPr>
+          <p:cNvSpPr>
+            <a:spLocks noGrp="1" noRot="1" noChangeAspect="1" noMove="1" noResize="1" noEditPoints="1" noAdjustHandles="1" noChangeArrowheads="1" noChangeShapeType="1" noTextEdit="1"/>
+          </p:cNvSpPr>
+          <p:nvPr>
+            <p:extLst>
+              <p:ext uri="{386F3935-93C4-4BCD-93E2-E3B085C9AB24}">
+                <p16:designElem xmlns:p16="http://schemas.microsoft.com/office/powerpoint/2015/main" val="1"/>
+              </p:ext>
+            </p:extLst>
+          </p:nvPr>
+        </p:nvSpPr>
+        <p:spPr>
+          <a:xfrm rot="2700000">
+            <a:off x="-29557" y="5198743"/>
+            <a:ext cx="2444907" cy="2366116"/>
+          </a:xfrm>
+          <a:custGeom>
+            <a:avLst/>
+            <a:gdLst>
+              <a:gd name="connsiteX0" fmla="*/ 0 w 2203753"/>
+              <a:gd name="connsiteY0" fmla="*/ 0 h 2132734"/>
+              <a:gd name="connsiteX1" fmla="*/ 2203753 w 2203753"/>
+              <a:gd name="connsiteY1" fmla="*/ 0 h 2132734"/>
+              <a:gd name="connsiteX2" fmla="*/ 2203753 w 2203753"/>
+              <a:gd name="connsiteY2" fmla="*/ 576461 h 2132734"/>
+              <a:gd name="connsiteX3" fmla="*/ 647480 w 2203753"/>
+              <a:gd name="connsiteY3" fmla="*/ 2132734 h 2132734"/>
+              <a:gd name="connsiteX4" fmla="*/ 0 w 2203753"/>
+              <a:gd name="connsiteY4" fmla="*/ 1485255 h 2132734"/>
+            </a:gdLst>
+            <a:ahLst/>
+            <a:cxnLst>
+              <a:cxn ang="0">
+                <a:pos x="connsiteX0" y="connsiteY0"/>
+              </a:cxn>
+              <a:cxn ang="0">
+                <a:pos x="connsiteX1" y="connsiteY1"/>
+              </a:cxn>
+              <a:cxn ang="0">
+                <a:pos x="connsiteX2" y="connsiteY2"/>
+              </a:cxn>
+              <a:cxn ang="0">
+                <a:pos x="connsiteX3" y="connsiteY3"/>
+              </a:cxn>
+              <a:cxn ang="0">
+                <a:pos x="connsiteX4" y="connsiteY4"/>
+              </a:cxn>
+            </a:cxnLst>
+            <a:rect l="l" t="t" r="r" b="b"/>
+            <a:pathLst>
+              <a:path w="2203753" h="2132734">
+                <a:moveTo>
+                  <a:pt x="0" y="0"/>
+                </a:moveTo>
+                <a:lnTo>
+                  <a:pt x="2203753" y="0"/>
+                </a:lnTo>
+                <a:lnTo>
+                  <a:pt x="2203753" y="576461"/>
+                </a:lnTo>
+                <a:lnTo>
+                  <a:pt x="647480" y="2132734"/>
+                </a:lnTo>
+                <a:lnTo>
+                  <a:pt x="0" y="1485255"/>
+                </a:lnTo>
+                <a:close/>
+              </a:path>
+            </a:pathLst>
+          </a:custGeom>
+          <a:solidFill>
+            <a:schemeClr val="accent1">
+              <a:alpha val="30000"/>
+            </a:schemeClr>
+          </a:solidFill>
+          <a:ln>
+            <a:noFill/>
+          </a:ln>
+        </p:spPr>
+        <p:style>
+          <a:lnRef idx="2">
+            <a:schemeClr val="accent1">
+              <a:shade val="50000"/>
+            </a:schemeClr>
+          </a:lnRef>
+          <a:fillRef idx="1">
+            <a:schemeClr val="accent1"/>
+          </a:fillRef>
+          <a:effectRef idx="0">
+            <a:schemeClr val="accent1"/>
+          </a:effectRef>
+          <a:fontRef idx="minor">
+            <a:schemeClr val="lt1"/>
+          </a:fontRef>
+        </p:style>
+        <p:txBody>
+          <a:bodyPr wrap="square" rtlCol="0" anchor="ctr">
+            <a:noAutofit/>
+          </a:bodyPr>
+          <a:lstStyle/>
+          <a:p>
+            <a:pPr algn="ctr"/>
+            <a:endParaRPr lang="en-US"/>
+          </a:p>
+        </p:txBody>
+      </p:sp>
+      <p:sp>
+        <p:nvSpPr>
+          <p:cNvPr id="20" name="Rectangle 19">
+            <a:extLst>
+              <a:ext uri="{FF2B5EF4-FFF2-40B4-BE49-F238E27FC236}">
+                <a16:creationId xmlns:a16="http://schemas.microsoft.com/office/drawing/2014/main" id="{1849CA57-76BD-4CF2-80BA-D7A46A01B7B1}"/>
+              </a:ext>
+              <a:ext uri="{C183D7F6-B498-43B3-948B-1728B52AA6E4}">
+                <adec:decorative xmlns:adec="http://schemas.microsoft.com/office/drawing/2017/decorative" val="1"/>
+              </a:ext>
+            </a:extLst>
+          </p:cNvPr>
+          <p:cNvSpPr>
+            <a:spLocks noGrp="1" noRot="1" noChangeAspect="1" noMove="1" noResize="1" noEditPoints="1" noAdjustHandles="1" noChangeArrowheads="1" noChangeShapeType="1" noTextEdit="1"/>
+          </p:cNvSpPr>
+          <p:nvPr>
+            <p:extLst>
+              <p:ext uri="{386F3935-93C4-4BCD-93E2-E3B085C9AB24}">
+                <p16:designElem xmlns:p16="http://schemas.microsoft.com/office/powerpoint/2015/main" val="1"/>
+              </p:ext>
+            </p:extLst>
+          </p:nvPr>
+        </p:nvSpPr>
+        <p:spPr>
+          <a:xfrm rot="2700000">
+            <a:off x="1769787" y="5439893"/>
+            <a:ext cx="928467" cy="928467"/>
+          </a:xfrm>
+          <a:prstGeom prst="rect">
+            <a:avLst/>
+          </a:prstGeom>
+          <a:solidFill>
+            <a:schemeClr val="accent1">
+              <a:alpha val="30000"/>
+            </a:schemeClr>
+          </a:solidFill>
+          <a:ln>
+            <a:noFill/>
+          </a:ln>
+        </p:spPr>
+        <p:style>
+          <a:lnRef idx="2">
+            <a:schemeClr val="accent1">
+              <a:shade val="50000"/>
+            </a:schemeClr>
+          </a:lnRef>
+          <a:fillRef idx="1">
+            <a:schemeClr val="accent1"/>
+          </a:fillRef>
+          <a:effectRef idx="0">
+            <a:schemeClr val="accent1"/>
+          </a:effectRef>
+          <a:fontRef idx="minor">
+            <a:schemeClr val="lt1"/>
+          </a:fontRef>
+        </p:style>
+        <p:txBody>
+          <a:bodyPr wrap="square" rtlCol="0" anchor="ctr">
+            <a:noAutofit/>
+          </a:bodyPr>
+          <a:lstStyle/>
+          <a:p>
+            <a:pPr algn="ctr"/>
+            <a:endParaRPr lang="en-US">
+              <a:solidFill>
+                <a:srgbClr val="FFFFFF"/>
+              </a:solidFill>
+              <a:effectLst>
+                <a:outerShdw blurRad="38100" dist="38100" dir="2700000" algn="tl">
+                  <a:srgbClr val="000000">
+                    <a:alpha val="43137"/>
+                  </a:srgbClr>
+                </a:outerShdw>
+              </a:effectLst>
+            </a:endParaRPr>
+          </a:p>
+        </p:txBody>
+      </p:sp>
+      <p:sp>
+        <p:nvSpPr>
+          <p:cNvPr id="22" name="Freeform: Shape 21">
+            <a:extLst>
+              <a:ext uri="{FF2B5EF4-FFF2-40B4-BE49-F238E27FC236}">
+                <a16:creationId xmlns:a16="http://schemas.microsoft.com/office/drawing/2014/main" id="{35E9085E-E730-4768-83D4-6CB7E9897153}"/>
+              </a:ext>
+              <a:ext uri="{C183D7F6-B498-43B3-948B-1728B52AA6E4}">
+                <adec:decorative xmlns:adec="http://schemas.microsoft.com/office/drawing/2017/decorative" val="1"/>
+              </a:ext>
+            </a:extLst>
+          </p:cNvPr>
+          <p:cNvSpPr>
+            <a:spLocks noGrp="1" noRot="1" noChangeAspect="1" noMove="1" noResize="1" noEditPoints="1" noAdjustHandles="1" noChangeArrowheads="1" noChangeShapeType="1" noTextEdit="1"/>
+          </p:cNvSpPr>
+          <p:nvPr>
+            <p:extLst>
+              <p:ext uri="{386F3935-93C4-4BCD-93E2-E3B085C9AB24}">
+                <p16:designElem xmlns:p16="http://schemas.microsoft.com/office/powerpoint/2015/main" val="1"/>
+              </p:ext>
+            </p:extLst>
+          </p:nvPr>
+        </p:nvSpPr>
+        <p:spPr>
+          <a:xfrm rot="2700000">
+            <a:off x="3401311" y="734311"/>
+            <a:ext cx="5389379" cy="5389379"/>
+          </a:xfrm>
+          <a:custGeom>
+            <a:avLst/>
+            <a:gdLst>
+              <a:gd name="connsiteX0" fmla="*/ 0 w 5389379"/>
+              <a:gd name="connsiteY0" fmla="*/ 540040 h 5389379"/>
+              <a:gd name="connsiteX1" fmla="*/ 540040 w 5389379"/>
+              <a:gd name="connsiteY1" fmla="*/ 0 h 5389379"/>
+              <a:gd name="connsiteX2" fmla="*/ 5389379 w 5389379"/>
+              <a:gd name="connsiteY2" fmla="*/ 0 h 5389379"/>
+              <a:gd name="connsiteX3" fmla="*/ 5389379 w 5389379"/>
+              <a:gd name="connsiteY3" fmla="*/ 4838655 h 5389379"/>
+              <a:gd name="connsiteX4" fmla="*/ 4838655 w 5389379"/>
+              <a:gd name="connsiteY4" fmla="*/ 5389379 h 5389379"/>
+              <a:gd name="connsiteX5" fmla="*/ 0 w 5389379"/>
+              <a:gd name="connsiteY5" fmla="*/ 5389379 h 5389379"/>
+            </a:gdLst>
+            <a:ahLst/>
+            <a:cxnLst>
+              <a:cxn ang="0">
+                <a:pos x="connsiteX0" y="connsiteY0"/>
+              </a:cxn>
+              <a:cxn ang="0">
+                <a:pos x="connsiteX1" y="connsiteY1"/>
+              </a:cxn>
+              <a:cxn ang="0">
+                <a:pos x="connsiteX2" y="connsiteY2"/>
+              </a:cxn>
+              <a:cxn ang="0">
+                <a:pos x="connsiteX3" y="connsiteY3"/>
+              </a:cxn>
+              <a:cxn ang="0">
+                <a:pos x="connsiteX4" y="connsiteY4"/>
+              </a:cxn>
+              <a:cxn ang="0">
+                <a:pos x="connsiteX5" y="connsiteY5"/>
+              </a:cxn>
+            </a:cxnLst>
+            <a:rect l="l" t="t" r="r" b="b"/>
+            <a:pathLst>
+              <a:path w="5389379" h="5389379">
+                <a:moveTo>
+                  <a:pt x="0" y="540040"/>
+                </a:moveTo>
+                <a:lnTo>
+                  <a:pt x="540040" y="0"/>
+                </a:lnTo>
+                <a:lnTo>
+                  <a:pt x="5389379" y="0"/>
+                </a:lnTo>
+                <a:lnTo>
+                  <a:pt x="5389379" y="4838655"/>
+                </a:lnTo>
+                <a:lnTo>
+                  <a:pt x="4838655" y="5389379"/>
+                </a:lnTo>
+                <a:lnTo>
+                  <a:pt x="0" y="5389379"/>
+                </a:lnTo>
+                <a:close/>
+              </a:path>
+            </a:pathLst>
+          </a:custGeom>
+          <a:solidFill>
+            <a:srgbClr val="FFFFFF"/>
+          </a:solidFill>
+          <a:ln>
+            <a:noFill/>
+          </a:ln>
+        </p:spPr>
+        <p:style>
+          <a:lnRef idx="2">
+            <a:schemeClr val="accent1">
+              <a:shade val="50000"/>
+            </a:schemeClr>
+          </a:lnRef>
+          <a:fillRef idx="1">
+            <a:schemeClr val="accent1"/>
+          </a:fillRef>
+          <a:effectRef idx="0">
+            <a:schemeClr val="accent1"/>
+          </a:effectRef>
+          <a:fontRef idx="minor">
+            <a:schemeClr val="lt1"/>
+          </a:fontRef>
+        </p:style>
+        <p:txBody>
+          <a:bodyPr wrap="square" rtlCol="0" anchor="ctr">
+            <a:noAutofit/>
+          </a:bodyPr>
+          <a:lstStyle/>
+          <a:p>
+            <a:pPr algn="ctr"/>
+            <a:endParaRPr lang="en-US"/>
+          </a:p>
+        </p:txBody>
+      </p:sp>
+      <p:sp>
+        <p:nvSpPr>
+          <p:cNvPr id="24" name="Freeform: Shape 23">
+            <a:extLst>
+              <a:ext uri="{FF2B5EF4-FFF2-40B4-BE49-F238E27FC236}">
+                <a16:creationId xmlns:a16="http://schemas.microsoft.com/office/drawing/2014/main" id="{973272FE-A474-4CAE-8CA2-BCC8B476C3F4}"/>
+              </a:ext>
+              <a:ext uri="{C183D7F6-B498-43B3-948B-1728B52AA6E4}">
+                <adec:decorative xmlns:adec="http://schemas.microsoft.com/office/drawing/2017/decorative" val="1"/>
+              </a:ext>
+            </a:extLst>
+          </p:cNvPr>
+          <p:cNvSpPr>
+            <a:spLocks noGrp="1" noRot="1" noChangeAspect="1" noMove="1" noResize="1" noEditPoints="1" noAdjustHandles="1" noChangeArrowheads="1" noChangeShapeType="1" noTextEdit="1"/>
+          </p:cNvSpPr>
+          <p:nvPr>
+            <p:extLst>
+              <p:ext uri="{386F3935-93C4-4BCD-93E2-E3B085C9AB24}">
+                <p16:designElem xmlns:p16="http://schemas.microsoft.com/office/powerpoint/2015/main" val="1"/>
+              </p:ext>
+            </p:extLst>
+          </p:nvPr>
+        </p:nvSpPr>
+        <p:spPr>
+          <a:xfrm rot="2700000">
+            <a:off x="2700283" y="33283"/>
+            <a:ext cx="6791435" cy="6791435"/>
+          </a:xfrm>
+          <a:custGeom>
+            <a:avLst/>
+            <a:gdLst>
+              <a:gd name="connsiteX0" fmla="*/ 1860938 w 6791435"/>
+              <a:gd name="connsiteY0" fmla="*/ 81158 h 6791435"/>
+              <a:gd name="connsiteX1" fmla="*/ 1942096 w 6791435"/>
+              <a:gd name="connsiteY1" fmla="*/ 0 h 6791435"/>
+              <a:gd name="connsiteX2" fmla="*/ 6791435 w 6791435"/>
+              <a:gd name="connsiteY2" fmla="*/ 0 h 6791435"/>
+              <a:gd name="connsiteX3" fmla="*/ 6791435 w 6791435"/>
+              <a:gd name="connsiteY3" fmla="*/ 4838655 h 6791435"/>
+              <a:gd name="connsiteX4" fmla="*/ 6710277 w 6791435"/>
+              <a:gd name="connsiteY4" fmla="*/ 4919813 h 6791435"/>
+              <a:gd name="connsiteX5" fmla="*/ 6710277 w 6791435"/>
+              <a:gd name="connsiteY5" fmla="*/ 81158 h 6791435"/>
+              <a:gd name="connsiteX6" fmla="*/ 0 w 6791435"/>
+              <a:gd name="connsiteY6" fmla="*/ 1942096 h 6791435"/>
+              <a:gd name="connsiteX7" fmla="*/ 81158 w 6791435"/>
+              <a:gd name="connsiteY7" fmla="*/ 1860938 h 6791435"/>
+              <a:gd name="connsiteX8" fmla="*/ 81158 w 6791435"/>
+              <a:gd name="connsiteY8" fmla="*/ 6710277 h 6791435"/>
+              <a:gd name="connsiteX9" fmla="*/ 4919813 w 6791435"/>
+              <a:gd name="connsiteY9" fmla="*/ 6710277 h 6791435"/>
+              <a:gd name="connsiteX10" fmla="*/ 4838655 w 6791435"/>
+              <a:gd name="connsiteY10" fmla="*/ 6791435 h 6791435"/>
+              <a:gd name="connsiteX11" fmla="*/ 0 w 6791435"/>
+              <a:gd name="connsiteY11" fmla="*/ 6791435 h 6791435"/>
+            </a:gdLst>
+            <a:ahLst/>
+            <a:cxnLst>
+              <a:cxn ang="0">
+                <a:pos x="connsiteX0" y="connsiteY0"/>
+              </a:cxn>
+              <a:cxn ang="0">
+                <a:pos x="connsiteX1" y="connsiteY1"/>
+              </a:cxn>
+              <a:cxn ang="0">
+                <a:pos x="connsiteX2" y="connsiteY2"/>
+              </a:cxn>
+              <a:cxn ang="0">
+                <a:pos x="connsiteX3" y="connsiteY3"/>
+              </a:cxn>
+              <a:cxn ang="0">
+                <a:pos x="connsiteX4" y="connsiteY4"/>
+              </a:cxn>
+              <a:cxn ang="0">
+                <a:pos x="connsiteX5" y="connsiteY5"/>
+              </a:cxn>
+              <a:cxn ang="0">
+                <a:pos x="connsiteX6" y="connsiteY6"/>
+              </a:cxn>
+              <a:cxn ang="0">
+                <a:pos x="connsiteX7" y="connsiteY7"/>
+              </a:cxn>
+              <a:cxn ang="0">
+                <a:pos x="connsiteX8" y="connsiteY8"/>
+              </a:cxn>
+              <a:cxn ang="0">
+                <a:pos x="connsiteX9" y="connsiteY9"/>
+              </a:cxn>
+              <a:cxn ang="0">
+                <a:pos x="connsiteX10" y="connsiteY10"/>
+              </a:cxn>
+              <a:cxn ang="0">
+                <a:pos x="connsiteX11" y="connsiteY11"/>
+              </a:cxn>
+            </a:cxnLst>
+            <a:rect l="l" t="t" r="r" b="b"/>
+            <a:pathLst>
+              <a:path w="6791435" h="6791435">
+                <a:moveTo>
+                  <a:pt x="1860938" y="81158"/>
+                </a:moveTo>
+                <a:lnTo>
+                  <a:pt x="1942096" y="0"/>
+                </a:lnTo>
+                <a:lnTo>
+                  <a:pt x="6791435" y="0"/>
+                </a:lnTo>
+                <a:lnTo>
+                  <a:pt x="6791435" y="4838655"/>
+                </a:lnTo>
+                <a:lnTo>
+                  <a:pt x="6710277" y="4919813"/>
+                </a:lnTo>
+                <a:lnTo>
+                  <a:pt x="6710277" y="81158"/>
+                </a:lnTo>
+                <a:close/>
+                <a:moveTo>
+                  <a:pt x="0" y="1942096"/>
+                </a:moveTo>
+                <a:lnTo>
+                  <a:pt x="81158" y="1860938"/>
+                </a:lnTo>
+                <a:lnTo>
+                  <a:pt x="81158" y="6710277"/>
+                </a:lnTo>
+                <a:lnTo>
+                  <a:pt x="4919813" y="6710277"/>
+                </a:lnTo>
+                <a:lnTo>
+                  <a:pt x="4838655" y="6791435"/>
+                </a:lnTo>
+                <a:lnTo>
+                  <a:pt x="0" y="6791435"/>
+                </a:lnTo>
+                <a:close/>
+              </a:path>
+            </a:pathLst>
+          </a:custGeom>
+          <a:solidFill>
+            <a:srgbClr val="FFFFFF">
+              <a:alpha val="60000"/>
+            </a:srgbClr>
+          </a:solidFill>
+          <a:ln>
+            <a:noFill/>
+          </a:ln>
+        </p:spPr>
+        <p:style>
+          <a:lnRef idx="2">
+            <a:schemeClr val="accent1">
+              <a:shade val="50000"/>
+            </a:schemeClr>
+          </a:lnRef>
+          <a:fillRef idx="1">
+            <a:schemeClr val="accent1"/>
+          </a:fillRef>
+          <a:effectRef idx="0">
+            <a:schemeClr val="accent1"/>
+          </a:effectRef>
+          <a:fontRef idx="minor">
+            <a:schemeClr val="lt1"/>
+          </a:fontRef>
+        </p:style>
+        <p:txBody>
+          <a:bodyPr wrap="square" rtlCol="0" anchor="ctr">
+            <a:noAutofit/>
+          </a:bodyPr>
+          <a:lstStyle/>
+          <a:p>
+            <a:pPr algn="ctr"/>
+            <a:endParaRPr lang="en-US">
+              <a:solidFill>
+                <a:schemeClr val="tx1"/>
+              </a:solidFill>
+            </a:endParaRPr>
+          </a:p>
+        </p:txBody>
+      </p:sp>
+      <p:sp>
+        <p:nvSpPr>
+          <p:cNvPr id="3" name="Untertitel 2">
+            <a:extLst>
+              <a:ext uri="{FF2B5EF4-FFF2-40B4-BE49-F238E27FC236}">
+                <a16:creationId xmlns:a16="http://schemas.microsoft.com/office/drawing/2014/main" id="{A4A3B394-275F-4105-B871-7A4A91C2B3E1}"/>
+              </a:ext>
+            </a:extLst>
+          </p:cNvPr>
+          <p:cNvSpPr>
+            <a:spLocks noGrp="1"/>
+          </p:cNvSpPr>
+          <p:nvPr>
+            <p:ph type="subTitle" idx="1"/>
+          </p:nvPr>
+        </p:nvSpPr>
+        <p:spPr>
+          <a:xfrm>
+            <a:off x="4439633" y="4518923"/>
+            <a:ext cx="3312734" cy="1141851"/>
+          </a:xfrm>
+          <a:noFill/>
+        </p:spPr>
+        <p:txBody>
+          <a:bodyPr>
+            <a:normAutofit/>
+          </a:bodyPr>
+          <a:lstStyle/>
+          <a:p>
+            <a:r>
+              <a:rPr lang="de-AT" sz="2000">
+                <a:solidFill>
+                  <a:srgbClr val="080808"/>
+                </a:solidFill>
+              </a:rPr>
+              <a:t>Jakob Schuch &amp; Patrick Würflinger</a:t>
+            </a:r>
+          </a:p>
+        </p:txBody>
+      </p:sp>
+      <p:sp>
+        <p:nvSpPr>
+          <p:cNvPr id="2" name="Titel 1">
+            <a:extLst>
+              <a:ext uri="{FF2B5EF4-FFF2-40B4-BE49-F238E27FC236}">
+                <a16:creationId xmlns:a16="http://schemas.microsoft.com/office/drawing/2014/main" id="{D039FE2E-3435-4AAE-89B3-82FB2F8D0962}"/>
+              </a:ext>
+            </a:extLst>
+          </p:cNvPr>
+          <p:cNvSpPr>
+            <a:spLocks noGrp="1"/>
+          </p:cNvSpPr>
+          <p:nvPr>
+            <p:ph type="ctrTitle"/>
+          </p:nvPr>
+        </p:nvSpPr>
+        <p:spPr>
+          <a:xfrm>
+            <a:off x="3204642" y="2353641"/>
+            <a:ext cx="5782716" cy="2150719"/>
+          </a:xfrm>
+          <a:noFill/>
+        </p:spPr>
+        <p:txBody>
+          <a:bodyPr anchor="ctr">
+            <a:normAutofit/>
+          </a:bodyPr>
+          <a:lstStyle/>
+          <a:p>
+            <a:r>
+              <a:rPr lang="de-AT" sz="3600">
+                <a:solidFill>
+                  <a:srgbClr val="080808"/>
+                </a:solidFill>
+              </a:rPr>
+              <a:t>DIP-Abschlussprojekt</a:t>
+            </a:r>
+          </a:p>
+        </p:txBody>
+      </p:sp>
+      <p:sp>
+        <p:nvSpPr>
+          <p:cNvPr id="26" name="Freeform: Shape 25">
+            <a:extLst>
+              <a:ext uri="{FF2B5EF4-FFF2-40B4-BE49-F238E27FC236}">
+                <a16:creationId xmlns:a16="http://schemas.microsoft.com/office/drawing/2014/main" id="{E07981EA-05A6-437C-88D7-B377B92B031D}"/>
+              </a:ext>
+              <a:ext uri="{C183D7F6-B498-43B3-948B-1728B52AA6E4}">
+                <adec:decorative xmlns:adec="http://schemas.microsoft.com/office/drawing/2017/decorative" val="1"/>
+              </a:ext>
+            </a:extLst>
+          </p:cNvPr>
+          <p:cNvSpPr>
+            <a:spLocks noGrp="1" noRot="1" noChangeAspect="1" noMove="1" noResize="1" noEditPoints="1" noAdjustHandles="1" noChangeArrowheads="1" noChangeShapeType="1" noTextEdit="1"/>
+          </p:cNvSpPr>
+          <p:nvPr>
+            <p:extLst>
+              <p:ext uri="{386F3935-93C4-4BCD-93E2-E3B085C9AB24}">
+                <p16:designElem xmlns:p16="http://schemas.microsoft.com/office/powerpoint/2015/main" val="1"/>
+              </p:ext>
+            </p:extLst>
+          </p:nvPr>
+        </p:nvSpPr>
+        <p:spPr>
+          <a:xfrm rot="2700000">
+            <a:off x="9629823" y="5457591"/>
+            <a:ext cx="2231794" cy="2568811"/>
+          </a:xfrm>
+          <a:custGeom>
+            <a:avLst/>
+            <a:gdLst>
+              <a:gd name="connsiteX0" fmla="*/ 0 w 2940086"/>
+              <a:gd name="connsiteY0" fmla="*/ 0 h 3384061"/>
+              <a:gd name="connsiteX1" fmla="*/ 2496112 w 2940086"/>
+              <a:gd name="connsiteY1" fmla="*/ 0 h 3384061"/>
+              <a:gd name="connsiteX2" fmla="*/ 2940086 w 2940086"/>
+              <a:gd name="connsiteY2" fmla="*/ 443975 h 3384061"/>
+              <a:gd name="connsiteX3" fmla="*/ 0 w 2940086"/>
+              <a:gd name="connsiteY3" fmla="*/ 3384061 h 3384061"/>
+            </a:gdLst>
+            <a:ahLst/>
+            <a:cxnLst>
+              <a:cxn ang="0">
+                <a:pos x="connsiteX0" y="connsiteY0"/>
+              </a:cxn>
+              <a:cxn ang="0">
+                <a:pos x="connsiteX1" y="connsiteY1"/>
+              </a:cxn>
+              <a:cxn ang="0">
+                <a:pos x="connsiteX2" y="connsiteY2"/>
+              </a:cxn>
+              <a:cxn ang="0">
+                <a:pos x="connsiteX3" y="connsiteY3"/>
+              </a:cxn>
+            </a:cxnLst>
+            <a:rect l="l" t="t" r="r" b="b"/>
+            <a:pathLst>
+              <a:path w="2940086" h="3384061">
+                <a:moveTo>
+                  <a:pt x="0" y="0"/>
+                </a:moveTo>
+                <a:lnTo>
+                  <a:pt x="2496112" y="0"/>
+                </a:lnTo>
+                <a:lnTo>
+                  <a:pt x="2940086" y="443975"/>
+                </a:lnTo>
+                <a:lnTo>
+                  <a:pt x="0" y="3384061"/>
+                </a:lnTo>
+                <a:close/>
+              </a:path>
+            </a:pathLst>
+          </a:custGeom>
+          <a:solidFill>
+            <a:schemeClr val="accent4">
+              <a:alpha val="40000"/>
+            </a:schemeClr>
+          </a:solidFill>
+          <a:ln>
+            <a:noFill/>
+          </a:ln>
+        </p:spPr>
+        <p:style>
+          <a:lnRef idx="2">
+            <a:schemeClr val="accent1">
+              <a:shade val="50000"/>
+            </a:schemeClr>
+          </a:lnRef>
+          <a:fillRef idx="1">
+            <a:schemeClr val="accent1"/>
+          </a:fillRef>
+          <a:effectRef idx="0">
+            <a:schemeClr val="accent1"/>
+          </a:effectRef>
+          <a:fontRef idx="minor">
+            <a:schemeClr val="lt1"/>
+          </a:fontRef>
+        </p:style>
+        <p:txBody>
+          <a:bodyPr wrap="square" rtlCol="0" anchor="ctr">
+            <a:noAutofit/>
+          </a:bodyPr>
+          <a:lstStyle/>
+          <a:p>
+            <a:pPr algn="ctr"/>
+            <a:endParaRPr lang="en-US"/>
+          </a:p>
+        </p:txBody>
+      </p:sp>
+      <p:sp>
+        <p:nvSpPr>
+          <p:cNvPr id="28" name="Rectangle 27">
+            <a:extLst>
+              <a:ext uri="{FF2B5EF4-FFF2-40B4-BE49-F238E27FC236}">
+                <a16:creationId xmlns:a16="http://schemas.microsoft.com/office/drawing/2014/main" id="{15E3C750-986E-4769-B1AE-49289FBEE757}"/>
+              </a:ext>
+              <a:ext uri="{C183D7F6-B498-43B3-948B-1728B52AA6E4}">
+                <adec:decorative xmlns:adec="http://schemas.microsoft.com/office/drawing/2017/decorative" val="1"/>
+              </a:ext>
+            </a:extLst>
+          </p:cNvPr>
+          <p:cNvSpPr>
+            <a:spLocks noGrp="1" noRot="1" noChangeAspect="1" noMove="1" noResize="1" noEditPoints="1" noAdjustHandles="1" noChangeArrowheads="1" noChangeShapeType="1" noTextEdit="1"/>
+          </p:cNvSpPr>
+          <p:nvPr>
+            <p:extLst>
+              <p:ext uri="{386F3935-93C4-4BCD-93E2-E3B085C9AB24}">
+                <p16:designElem xmlns:p16="http://schemas.microsoft.com/office/powerpoint/2015/main" val="1"/>
+              </p:ext>
+            </p:extLst>
+          </p:nvPr>
+        </p:nvSpPr>
+        <p:spPr>
+          <a:xfrm rot="2700000">
+            <a:off x="9720059" y="5243545"/>
+            <a:ext cx="959985" cy="959985"/>
+          </a:xfrm>
+          <a:prstGeom prst="rect">
+            <a:avLst/>
+          </a:prstGeom>
+          <a:solidFill>
+            <a:schemeClr val="accent4">
+              <a:alpha val="40000"/>
+            </a:schemeClr>
+          </a:solidFill>
+          <a:ln>
+            <a:noFill/>
+          </a:ln>
+        </p:spPr>
+        <p:style>
+          <a:lnRef idx="2">
+            <a:schemeClr val="accent1">
+              <a:shade val="50000"/>
+            </a:schemeClr>
+          </a:lnRef>
+          <a:fillRef idx="1">
+            <a:schemeClr val="accent1"/>
+          </a:fillRef>
+          <a:effectRef idx="0">
+            <a:schemeClr val="accent1"/>
+          </a:effectRef>
+          <a:fontRef idx="minor">
+            <a:schemeClr val="lt1"/>
+          </a:fontRef>
+        </p:style>
+        <p:txBody>
+          <a:bodyPr wrap="square" rtlCol="0" anchor="ctr">
+            <a:noAutofit/>
+          </a:bodyPr>
+          <a:lstStyle/>
+          <a:p>
+            <a:pPr algn="ctr"/>
+            <a:endParaRPr lang="en-US"/>
+          </a:p>
+        </p:txBody>
+      </p:sp>
+    </p:spTree>
+    <p:extLst>
+      <p:ext uri="{BB962C8B-B14F-4D97-AF65-F5344CB8AC3E}">
+        <p14:creationId xmlns:p14="http://schemas.microsoft.com/office/powerpoint/2010/main" val="1125802177"/>
+      </p:ext>
+    </p:extLst>
+  </p:cSld>
+  <p:clrMapOvr>
+    <a:masterClrMapping/>
+  </p:clrMapOvr>
+</p:sld>
+</file>
+
+<file path=ppt/slides/slide10.xml><?xml version="1.0" encoding="utf-8"?>
+<p:sld xmlns:a="http://schemas.openxmlformats.org/drawingml/2006/main" xmlns:r="http://schemas.openxmlformats.org/officeDocument/2006/relationships" xmlns:p="http://schemas.openxmlformats.org/presentationml/2006/main">
+  <p:cSld>
     <p:spTree>
       <p:nvGrpSpPr>
         <p:cNvPr id="1" name=""/>
@@ -3347,7 +9399,7 @@
           <p:cNvPr id="2" name="Titel 1">
             <a:extLst>
               <a:ext uri="{FF2B5EF4-FFF2-40B4-BE49-F238E27FC236}">
-                <a16:creationId xmlns:a16="http://schemas.microsoft.com/office/drawing/2014/main" id="{D039FE2E-3435-4AAE-89B3-82FB2F8D0962}"/>
+                <a16:creationId xmlns:a16="http://schemas.microsoft.com/office/drawing/2014/main" id="{FDCB31F9-A7D9-4562-A802-D0223B08E39E}"/>
               </a:ext>
             </a:extLst>
           </p:cNvPr>
@@ -3355,7 +9407,7 @@
             <a:spLocks noGrp="1"/>
           </p:cNvSpPr>
           <p:nvPr>
-            <p:ph type="ctrTitle"/>
+            <p:ph type="title"/>
           </p:nvPr>
         </p:nvSpPr>
         <p:spPr/>
@@ -3365,17 +9417,17 @@
           <a:p>
             <a:r>
               <a:rPr lang="de-AT" dirty="0"/>
-              <a:t>DIP-Abschlussprojekt</a:t>
+              <a:t>Feature Detektion – 3. Lösungsansatz</a:t>
             </a:r>
           </a:p>
         </p:txBody>
       </p:sp>
       <p:sp>
         <p:nvSpPr>
-          <p:cNvPr id="3" name="Untertitel 2">
+          <p:cNvPr id="3" name="Inhaltsplatzhalter 2">
             <a:extLst>
               <a:ext uri="{FF2B5EF4-FFF2-40B4-BE49-F238E27FC236}">
-                <a16:creationId xmlns:a16="http://schemas.microsoft.com/office/drawing/2014/main" id="{A4A3B394-275F-4105-B871-7A4A91C2B3E1}"/>
+                <a16:creationId xmlns:a16="http://schemas.microsoft.com/office/drawing/2014/main" id="{9E086109-A865-491E-8199-31771C640B6F}"/>
               </a:ext>
             </a:extLst>
           </p:cNvPr>
@@ -3383,7 +9435,7 @@
             <a:spLocks noGrp="1"/>
           </p:cNvSpPr>
           <p:nvPr>
-            <p:ph type="subTitle" idx="1"/>
+            <p:ph idx="1"/>
           </p:nvPr>
         </p:nvSpPr>
         <p:spPr/>
@@ -3393,19 +9445,2909 @@
           <a:p>
             <a:r>
               <a:rPr lang="de-AT" dirty="0"/>
-              <a:t>Jakob Schuch &amp; </a:t>
+              <a:t>Verwendung einer zusätzlichen AI</a:t>
             </a:r>
+          </a:p>
+          <a:p>
+            <a:pPr marL="0" indent="0">
+              <a:buNone/>
+            </a:pPr>
             <a:r>
-              <a:rPr lang="de-AT"/>
-              <a:t>Patrick Würflinger</a:t>
+              <a:rPr lang="de-AT" dirty="0"/>
+              <a:t> </a:t>
             </a:r>
+          </a:p>
+        </p:txBody>
+      </p:sp>
+      <p:pic>
+        <p:nvPicPr>
+          <p:cNvPr id="5" name="Grafik 4">
+            <a:extLst>
+              <a:ext uri="{FF2B5EF4-FFF2-40B4-BE49-F238E27FC236}">
+                <a16:creationId xmlns:a16="http://schemas.microsoft.com/office/drawing/2014/main" id="{E74CCAC4-8BD8-4892-A383-E087AD7037D9}"/>
+              </a:ext>
+            </a:extLst>
+          </p:cNvPr>
+          <p:cNvPicPr>
+            <a:picLocks noChangeAspect="1"/>
+          </p:cNvPicPr>
+          <p:nvPr/>
+        </p:nvPicPr>
+        <p:blipFill>
+          <a:blip r:embed="rId2"/>
+          <a:stretch>
+            <a:fillRect/>
+          </a:stretch>
+        </p:blipFill>
+        <p:spPr>
+          <a:xfrm>
+            <a:off x="838200" y="2376487"/>
+            <a:ext cx="4714875" cy="4048125"/>
+          </a:xfrm>
+          <a:prstGeom prst="rect">
+            <a:avLst/>
+          </a:prstGeom>
+        </p:spPr>
+      </p:pic>
+    </p:spTree>
+    <p:extLst>
+      <p:ext uri="{BB962C8B-B14F-4D97-AF65-F5344CB8AC3E}">
+        <p14:creationId xmlns:p14="http://schemas.microsoft.com/office/powerpoint/2010/main" val="3562475818"/>
+      </p:ext>
+    </p:extLst>
+  </p:cSld>
+  <p:clrMapOvr>
+    <a:masterClrMapping/>
+  </p:clrMapOvr>
+</p:sld>
+</file>
+
+<file path=ppt/slides/slide11.xml><?xml version="1.0" encoding="utf-8"?>
+<p:sld xmlns:a="http://schemas.openxmlformats.org/drawingml/2006/main" xmlns:r="http://schemas.openxmlformats.org/officeDocument/2006/relationships" xmlns:p="http://schemas.openxmlformats.org/presentationml/2006/main">
+  <p:cSld>
+    <p:spTree>
+      <p:nvGrpSpPr>
+        <p:cNvPr id="1" name=""/>
+        <p:cNvGrpSpPr/>
+        <p:nvPr/>
+      </p:nvGrpSpPr>
+      <p:grpSpPr>
+        <a:xfrm>
+          <a:off x="0" y="0"/>
+          <a:ext cx="0" cy="0"/>
+          <a:chOff x="0" y="0"/>
+          <a:chExt cx="0" cy="0"/>
+        </a:xfrm>
+      </p:grpSpPr>
+      <p:sp>
+        <p:nvSpPr>
+          <p:cNvPr id="2" name="Titel 1">
+            <a:extLst>
+              <a:ext uri="{FF2B5EF4-FFF2-40B4-BE49-F238E27FC236}">
+                <a16:creationId xmlns:a16="http://schemas.microsoft.com/office/drawing/2014/main" id="{3147E073-B728-4DA5-8BAB-36A3E20ABE81}"/>
+              </a:ext>
+            </a:extLst>
+          </p:cNvPr>
+          <p:cNvSpPr>
+            <a:spLocks noGrp="1"/>
+          </p:cNvSpPr>
+          <p:nvPr>
+            <p:ph type="title"/>
+          </p:nvPr>
+        </p:nvSpPr>
+        <p:spPr/>
+        <p:txBody>
+          <a:bodyPr/>
+          <a:lstStyle/>
+          <a:p>
+            <a:r>
+              <a:rPr lang="de-AT" dirty="0"/>
+              <a:t>Auswertung &amp; Ergebnisse</a:t>
+            </a:r>
+          </a:p>
+        </p:txBody>
+      </p:sp>
+      <p:sp>
+        <p:nvSpPr>
+          <p:cNvPr id="3" name="Inhaltsplatzhalter 2">
+            <a:extLst>
+              <a:ext uri="{FF2B5EF4-FFF2-40B4-BE49-F238E27FC236}">
+                <a16:creationId xmlns:a16="http://schemas.microsoft.com/office/drawing/2014/main" id="{0647D7BC-2CCF-4012-AAEB-E722C0346842}"/>
+              </a:ext>
+            </a:extLst>
+          </p:cNvPr>
+          <p:cNvSpPr>
+            <a:spLocks noGrp="1"/>
+          </p:cNvSpPr>
+          <p:nvPr>
+            <p:ph idx="1"/>
+          </p:nvPr>
+        </p:nvSpPr>
+        <p:spPr/>
+        <p:txBody>
+          <a:bodyPr/>
+          <a:lstStyle/>
+          <a:p>
+            <a:endParaRPr lang="de-AT"/>
           </a:p>
         </p:txBody>
       </p:sp>
     </p:spTree>
     <p:extLst>
       <p:ext uri="{BB962C8B-B14F-4D97-AF65-F5344CB8AC3E}">
-        <p14:creationId xmlns:p14="http://schemas.microsoft.com/office/powerpoint/2010/main" val="1125802177"/>
+        <p14:creationId xmlns:p14="http://schemas.microsoft.com/office/powerpoint/2010/main" val="631063293"/>
+      </p:ext>
+    </p:extLst>
+  </p:cSld>
+  <p:clrMapOvr>
+    <a:masterClrMapping/>
+  </p:clrMapOvr>
+</p:sld>
+</file>
+
+<file path=ppt/slides/slide2.xml><?xml version="1.0" encoding="utf-8"?>
+<p:sld xmlns:a="http://schemas.openxmlformats.org/drawingml/2006/main" xmlns:r="http://schemas.openxmlformats.org/officeDocument/2006/relationships" xmlns:p="http://schemas.openxmlformats.org/presentationml/2006/main">
+  <p:cSld>
+    <p:bg>
+      <p:bgPr>
+        <a:solidFill>
+          <a:schemeClr val="bg1"/>
+        </a:solidFill>
+        <a:effectLst/>
+      </p:bgPr>
+    </p:bg>
+    <p:spTree>
+      <p:nvGrpSpPr>
+        <p:cNvPr id="1" name=""/>
+        <p:cNvGrpSpPr/>
+        <p:nvPr/>
+      </p:nvGrpSpPr>
+      <p:grpSpPr>
+        <a:xfrm>
+          <a:off x="0" y="0"/>
+          <a:ext cx="0" cy="0"/>
+          <a:chOff x="0" y="0"/>
+          <a:chExt cx="0" cy="0"/>
+        </a:xfrm>
+      </p:grpSpPr>
+      <p:sp useBgFill="1">
+        <p:nvSpPr>
+          <p:cNvPr id="19" name="Rectangle 10">
+            <a:extLst>
+              <a:ext uri="{FF2B5EF4-FFF2-40B4-BE49-F238E27FC236}">
+                <a16:creationId xmlns:a16="http://schemas.microsoft.com/office/drawing/2014/main" id="{63644BFD-D22E-4019-B666-387DA51AEAFD}"/>
+              </a:ext>
+              <a:ext uri="{C183D7F6-B498-43B3-948B-1728B52AA6E4}">
+                <adec:decorative xmlns:adec="http://schemas.microsoft.com/office/drawing/2017/decorative" val="1"/>
+              </a:ext>
+            </a:extLst>
+          </p:cNvPr>
+          <p:cNvSpPr>
+            <a:spLocks noGrp="1" noRot="1" noChangeAspect="1" noMove="1" noResize="1" noEditPoints="1" noAdjustHandles="1" noChangeArrowheads="1" noChangeShapeType="1" noTextEdit="1"/>
+          </p:cNvSpPr>
+          <p:nvPr>
+            <p:extLst>
+              <p:ext uri="{386F3935-93C4-4BCD-93E2-E3B085C9AB24}">
+                <p16:designElem xmlns:p16="http://schemas.microsoft.com/office/powerpoint/2015/main" val="1"/>
+              </p:ext>
+            </p:extLst>
+          </p:nvPr>
+        </p:nvSpPr>
+        <p:spPr>
+          <a:xfrm>
+            <a:off x="0" y="0"/>
+            <a:ext cx="12191999" cy="6857365"/>
+          </a:xfrm>
+          <a:prstGeom prst="rect">
+            <a:avLst/>
+          </a:prstGeom>
+          <a:ln>
+            <a:noFill/>
+          </a:ln>
+        </p:spPr>
+        <p:style>
+          <a:lnRef idx="2">
+            <a:schemeClr val="accent1">
+              <a:shade val="50000"/>
+            </a:schemeClr>
+          </a:lnRef>
+          <a:fillRef idx="1">
+            <a:schemeClr val="accent1"/>
+          </a:fillRef>
+          <a:effectRef idx="0">
+            <a:schemeClr val="accent1"/>
+          </a:effectRef>
+          <a:fontRef idx="minor">
+            <a:schemeClr val="lt1"/>
+          </a:fontRef>
+        </p:style>
+        <p:txBody>
+          <a:bodyPr rtlCol="0" anchor="ctr"/>
+          <a:lstStyle/>
+          <a:p>
+            <a:pPr algn="ctr"/>
+            <a:endParaRPr lang="en-US"/>
+          </a:p>
+        </p:txBody>
+      </p:sp>
+      <p:grpSp>
+        <p:nvGrpSpPr>
+          <p:cNvPr id="20" name="Group 12">
+            <a:extLst>
+              <a:ext uri="{FF2B5EF4-FFF2-40B4-BE49-F238E27FC236}">
+                <a16:creationId xmlns:a16="http://schemas.microsoft.com/office/drawing/2014/main" id="{5FE9FE4C-C9E0-4C54-8010-EA9D29CD4D59}"/>
+              </a:ext>
+              <a:ext uri="{C183D7F6-B498-43B3-948B-1728B52AA6E4}">
+                <adec:decorative xmlns:adec="http://schemas.microsoft.com/office/drawing/2017/decorative" val="1"/>
+              </a:ext>
+            </a:extLst>
+          </p:cNvPr>
+          <p:cNvGrpSpPr>
+            <a:grpSpLocks noGrp="1" noUngrp="1" noRot="1" noChangeAspect="1" noMove="1" noResize="1"/>
+          </p:cNvGrpSpPr>
+          <p:nvPr>
+            <p:extLst>
+              <p:ext uri="{386F3935-93C4-4BCD-93E2-E3B085C9AB24}">
+                <p16:designElem xmlns:p16="http://schemas.microsoft.com/office/powerpoint/2015/main" val="1"/>
+              </p:ext>
+            </p:extLst>
+          </p:nvPr>
+        </p:nvGrpSpPr>
+        <p:grpSpPr>
+          <a:xfrm rot="5400000">
+            <a:off x="7956356" y="1890469"/>
+            <a:ext cx="5860051" cy="2079143"/>
+            <a:chOff x="6081624" y="1998368"/>
+            <a:chExt cx="5613457" cy="782175"/>
+          </a:xfrm>
+          <a:solidFill>
+            <a:schemeClr val="accent4"/>
+          </a:solidFill>
+        </p:grpSpPr>
+        <p:sp>
+          <p:nvSpPr>
+            <p:cNvPr id="21" name="Rectangle 13">
+              <a:extLst>
+                <a:ext uri="{FF2B5EF4-FFF2-40B4-BE49-F238E27FC236}">
+                  <a16:creationId xmlns:a16="http://schemas.microsoft.com/office/drawing/2014/main" id="{56FAD6EF-0374-46BD-901E-E901DCA01F59}"/>
+                </a:ext>
+                <a:ext uri="{C183D7F6-B498-43B3-948B-1728B52AA6E4}">
+                  <adec:decorative xmlns:adec="http://schemas.microsoft.com/office/drawing/2017/decorative" val="1"/>
+                </a:ext>
+              </a:extLst>
+            </p:cNvPr>
+            <p:cNvSpPr/>
+            <p:nvPr>
+              <p:extLst>
+                <p:ext uri="{386F3935-93C4-4BCD-93E2-E3B085C9AB24}">
+                  <p16:designElem xmlns:p16="http://schemas.microsoft.com/office/powerpoint/2015/main" val="1"/>
+                </p:ext>
+              </p:extLst>
+            </p:nvPr>
+          </p:nvSpPr>
+          <p:spPr>
+            <a:xfrm rot="5400000">
+              <a:off x="11228040" y="2313027"/>
+              <a:ext cx="781700" cy="152382"/>
+            </a:xfrm>
+            <a:prstGeom prst="rect">
+              <a:avLst/>
+            </a:prstGeom>
+            <a:grpFill/>
+            <a:ln>
+              <a:noFill/>
+            </a:ln>
+          </p:spPr>
+          <p:style>
+            <a:lnRef idx="2">
+              <a:schemeClr val="accent1">
+                <a:shade val="50000"/>
+              </a:schemeClr>
+            </a:lnRef>
+            <a:fillRef idx="1">
+              <a:schemeClr val="accent1"/>
+            </a:fillRef>
+            <a:effectRef idx="0">
+              <a:schemeClr val="accent1"/>
+            </a:effectRef>
+            <a:fontRef idx="minor">
+              <a:schemeClr val="lt1"/>
+            </a:fontRef>
+          </p:style>
+          <p:txBody>
+            <a:bodyPr rtlCol="0" anchor="ctr"/>
+            <a:lstStyle/>
+            <a:p>
+              <a:pPr algn="ctr"/>
+              <a:endParaRPr lang="en-US"/>
+            </a:p>
+          </p:txBody>
+        </p:sp>
+        <p:sp>
+          <p:nvSpPr>
+            <p:cNvPr id="15" name="Rectangle 14">
+              <a:extLst>
+                <a:ext uri="{FF2B5EF4-FFF2-40B4-BE49-F238E27FC236}">
+                  <a16:creationId xmlns:a16="http://schemas.microsoft.com/office/drawing/2014/main" id="{04847ABE-275E-4DCA-B164-A672D517FBC6}"/>
+                </a:ext>
+                <a:ext uri="{C183D7F6-B498-43B3-948B-1728B52AA6E4}">
+                  <adec:decorative xmlns:adec="http://schemas.microsoft.com/office/drawing/2017/decorative" val="1"/>
+                </a:ext>
+              </a:extLst>
+            </p:cNvPr>
+            <p:cNvSpPr/>
+            <p:nvPr>
+              <p:extLst>
+                <p:ext uri="{386F3935-93C4-4BCD-93E2-E3B085C9AB24}">
+                  <p16:designElem xmlns:p16="http://schemas.microsoft.com/office/powerpoint/2015/main" val="1"/>
+                </p:ext>
+              </p:extLst>
+            </p:nvPr>
+          </p:nvSpPr>
+          <p:spPr>
+            <a:xfrm flipH="1" flipV="1">
+              <a:off x="6081624" y="1998844"/>
+              <a:ext cx="5372968" cy="781699"/>
+            </a:xfrm>
+            <a:prstGeom prst="rect">
+              <a:avLst/>
+            </a:prstGeom>
+            <a:grpFill/>
+            <a:ln>
+              <a:noFill/>
+            </a:ln>
+          </p:spPr>
+          <p:style>
+            <a:lnRef idx="2">
+              <a:schemeClr val="accent1">
+                <a:shade val="50000"/>
+              </a:schemeClr>
+            </a:lnRef>
+            <a:fillRef idx="1">
+              <a:schemeClr val="accent1"/>
+            </a:fillRef>
+            <a:effectRef idx="0">
+              <a:schemeClr val="accent1"/>
+            </a:effectRef>
+            <a:fontRef idx="minor">
+              <a:schemeClr val="lt1"/>
+            </a:fontRef>
+          </p:style>
+          <p:txBody>
+            <a:bodyPr rtlCol="0" anchor="ctr"/>
+            <a:lstStyle/>
+            <a:p>
+              <a:pPr algn="ctr"/>
+              <a:endParaRPr lang="en-US"/>
+            </a:p>
+          </p:txBody>
+        </p:sp>
+      </p:grpSp>
+      <p:sp>
+        <p:nvSpPr>
+          <p:cNvPr id="22" name="Rectangle 16">
+            <a:extLst>
+              <a:ext uri="{FF2B5EF4-FFF2-40B4-BE49-F238E27FC236}">
+                <a16:creationId xmlns:a16="http://schemas.microsoft.com/office/drawing/2014/main" id="{3776B14B-F2F4-4825-8DA8-8C7A0F2B3960}"/>
+              </a:ext>
+              <a:ext uri="{C183D7F6-B498-43B3-948B-1728B52AA6E4}">
+                <adec:decorative xmlns:adec="http://schemas.microsoft.com/office/drawing/2017/decorative" val="1"/>
+              </a:ext>
+            </a:extLst>
+          </p:cNvPr>
+          <p:cNvSpPr>
+            <a:spLocks noGrp="1" noRot="1" noChangeAspect="1" noMove="1" noResize="1" noEditPoints="1" noAdjustHandles="1" noChangeArrowheads="1" noChangeShapeType="1" noTextEdit="1"/>
+          </p:cNvSpPr>
+          <p:nvPr>
+            <p:extLst>
+              <p:ext uri="{386F3935-93C4-4BCD-93E2-E3B085C9AB24}">
+                <p16:designElem xmlns:p16="http://schemas.microsoft.com/office/powerpoint/2015/main" val="1"/>
+              </p:ext>
+            </p:extLst>
+          </p:nvPr>
+        </p:nvSpPr>
+        <p:spPr>
+          <a:xfrm>
+            <a:off x="579528" y="466344"/>
+            <a:ext cx="11111729" cy="5917827"/>
+          </a:xfrm>
+          <a:prstGeom prst="rect">
+            <a:avLst/>
+          </a:prstGeom>
+          <a:solidFill>
+            <a:schemeClr val="bg1"/>
+          </a:solidFill>
+          <a:ln>
+            <a:noFill/>
+          </a:ln>
+          <a:effectLst>
+            <a:outerShdw blurRad="139700" dist="127000" dir="5400000" algn="t" rotWithShape="0">
+              <a:prstClr val="black">
+                <a:alpha val="15000"/>
+              </a:prstClr>
+            </a:outerShdw>
+          </a:effectLst>
+        </p:spPr>
+        <p:style>
+          <a:lnRef idx="2">
+            <a:schemeClr val="accent1">
+              <a:shade val="50000"/>
+            </a:schemeClr>
+          </a:lnRef>
+          <a:fillRef idx="1">
+            <a:schemeClr val="accent1"/>
+          </a:fillRef>
+          <a:effectRef idx="0">
+            <a:schemeClr val="accent1"/>
+          </a:effectRef>
+          <a:fontRef idx="minor">
+            <a:schemeClr val="lt1"/>
+          </a:fontRef>
+        </p:style>
+        <p:txBody>
+          <a:bodyPr rtlCol="0" anchor="ctr"/>
+          <a:lstStyle/>
+          <a:p>
+            <a:pPr algn="ctr"/>
+            <a:endParaRPr lang="en-US"/>
+          </a:p>
+        </p:txBody>
+      </p:sp>
+      <p:sp>
+        <p:nvSpPr>
+          <p:cNvPr id="2" name="Titel 1">
+            <a:extLst>
+              <a:ext uri="{FF2B5EF4-FFF2-40B4-BE49-F238E27FC236}">
+                <a16:creationId xmlns:a16="http://schemas.microsoft.com/office/drawing/2014/main" id="{A46D667C-E32C-42B3-B314-D7812A55E52A}"/>
+              </a:ext>
+            </a:extLst>
+          </p:cNvPr>
+          <p:cNvSpPr>
+            <a:spLocks noGrp="1"/>
+          </p:cNvSpPr>
+          <p:nvPr>
+            <p:ph type="title"/>
+          </p:nvPr>
+        </p:nvSpPr>
+        <p:spPr/>
+        <p:txBody>
+          <a:bodyPr/>
+          <a:lstStyle/>
+          <a:p>
+            <a:r>
+              <a:rPr lang="de-AT" dirty="0"/>
+              <a:t>Aufteilung der Aufgabenbereiche</a:t>
+            </a:r>
+          </a:p>
+        </p:txBody>
+      </p:sp>
+      <p:graphicFrame>
+        <p:nvGraphicFramePr>
+          <p:cNvPr id="6" name="Diagramm 5">
+            <a:extLst>
+              <a:ext uri="{FF2B5EF4-FFF2-40B4-BE49-F238E27FC236}">
+                <a16:creationId xmlns:a16="http://schemas.microsoft.com/office/drawing/2014/main" id="{211D7395-DA2C-4530-9243-AF29B784369B}"/>
+              </a:ext>
+            </a:extLst>
+          </p:cNvPr>
+          <p:cNvGraphicFramePr/>
+          <p:nvPr>
+            <p:extLst>
+              <p:ext uri="{D42A27DB-BD31-4B8C-83A1-F6EECF244321}">
+                <p14:modId xmlns:p14="http://schemas.microsoft.com/office/powerpoint/2010/main" val="1807970556"/>
+              </p:ext>
+            </p:extLst>
+          </p:nvPr>
+        </p:nvGraphicFramePr>
+        <p:xfrm>
+          <a:off x="2032000" y="1690688"/>
+          <a:ext cx="7298431" cy="4447645"/>
+        </p:xfrm>
+        <a:graphic>
+          <a:graphicData uri="http://schemas.openxmlformats.org/drawingml/2006/diagram">
+            <dgm:relIds xmlns:dgm="http://schemas.openxmlformats.org/drawingml/2006/diagram" xmlns:r="http://schemas.openxmlformats.org/officeDocument/2006/relationships" r:dm="rId3" r:lo="rId4" r:qs="rId5" r:cs="rId6"/>
+          </a:graphicData>
+        </a:graphic>
+      </p:graphicFrame>
+    </p:spTree>
+    <p:extLst>
+      <p:ext uri="{BB962C8B-B14F-4D97-AF65-F5344CB8AC3E}">
+        <p14:creationId xmlns:p14="http://schemas.microsoft.com/office/powerpoint/2010/main" val="1865299619"/>
+      </p:ext>
+    </p:extLst>
+  </p:cSld>
+  <p:clrMapOvr>
+    <a:masterClrMapping/>
+  </p:clrMapOvr>
+</p:sld>
+</file>
+
+<file path=ppt/slides/slide3.xml><?xml version="1.0" encoding="utf-8"?>
+<p:sld xmlns:a="http://schemas.openxmlformats.org/drawingml/2006/main" xmlns:r="http://schemas.openxmlformats.org/officeDocument/2006/relationships" xmlns:p="http://schemas.openxmlformats.org/presentationml/2006/main">
+  <p:cSld>
+    <p:bg>
+      <p:bgPr>
+        <a:solidFill>
+          <a:schemeClr val="bg1"/>
+        </a:solidFill>
+        <a:effectLst/>
+      </p:bgPr>
+    </p:bg>
+    <p:spTree>
+      <p:nvGrpSpPr>
+        <p:cNvPr id="1" name=""/>
+        <p:cNvGrpSpPr/>
+        <p:nvPr/>
+      </p:nvGrpSpPr>
+      <p:grpSpPr>
+        <a:xfrm>
+          <a:off x="0" y="0"/>
+          <a:ext cx="0" cy="0"/>
+          <a:chOff x="0" y="0"/>
+          <a:chExt cx="0" cy="0"/>
+        </a:xfrm>
+      </p:grpSpPr>
+      <p:sp useBgFill="1">
+        <p:nvSpPr>
+          <p:cNvPr id="23" name="Rectangle 15">
+            <a:extLst>
+              <a:ext uri="{FF2B5EF4-FFF2-40B4-BE49-F238E27FC236}">
+                <a16:creationId xmlns:a16="http://schemas.microsoft.com/office/drawing/2014/main" id="{6ECA6DCB-B7E1-40A9-9524-540C6DA40B1B}"/>
+              </a:ext>
+              <a:ext uri="{C183D7F6-B498-43B3-948B-1728B52AA6E4}">
+                <adec:decorative xmlns:adec="http://schemas.microsoft.com/office/drawing/2017/decorative" val="1"/>
+              </a:ext>
+            </a:extLst>
+          </p:cNvPr>
+          <p:cNvSpPr>
+            <a:spLocks noGrp="1" noRot="1" noChangeAspect="1" noMove="1" noResize="1" noEditPoints="1" noAdjustHandles="1" noChangeArrowheads="1" noChangeShapeType="1" noTextEdit="1"/>
+          </p:cNvSpPr>
+          <p:nvPr>
+            <p:extLst>
+              <p:ext uri="{386F3935-93C4-4BCD-93E2-E3B085C9AB24}">
+                <p16:designElem xmlns:p16="http://schemas.microsoft.com/office/powerpoint/2015/main" val="1"/>
+              </p:ext>
+            </p:extLst>
+          </p:nvPr>
+        </p:nvSpPr>
+        <p:spPr>
+          <a:xfrm>
+            <a:off x="0" y="0"/>
+            <a:ext cx="12191999" cy="6857365"/>
+          </a:xfrm>
+          <a:prstGeom prst="rect">
+            <a:avLst/>
+          </a:prstGeom>
+          <a:ln>
+            <a:noFill/>
+          </a:ln>
+        </p:spPr>
+        <p:style>
+          <a:lnRef idx="2">
+            <a:schemeClr val="accent1">
+              <a:shade val="50000"/>
+            </a:schemeClr>
+          </a:lnRef>
+          <a:fillRef idx="1">
+            <a:schemeClr val="accent1"/>
+          </a:fillRef>
+          <a:effectRef idx="0">
+            <a:schemeClr val="accent1"/>
+          </a:effectRef>
+          <a:fontRef idx="minor">
+            <a:schemeClr val="lt1"/>
+          </a:fontRef>
+        </p:style>
+        <p:txBody>
+          <a:bodyPr rtlCol="0" anchor="ctr"/>
+          <a:lstStyle/>
+          <a:p>
+            <a:pPr algn="ctr"/>
+            <a:endParaRPr lang="en-US"/>
+          </a:p>
+        </p:txBody>
+      </p:sp>
+      <p:sp>
+        <p:nvSpPr>
+          <p:cNvPr id="2" name="Titel 1">
+            <a:extLst>
+              <a:ext uri="{FF2B5EF4-FFF2-40B4-BE49-F238E27FC236}">
+                <a16:creationId xmlns:a16="http://schemas.microsoft.com/office/drawing/2014/main" id="{0193DCD4-B617-4312-9A0F-6DA3E9A24152}"/>
+              </a:ext>
+            </a:extLst>
+          </p:cNvPr>
+          <p:cNvSpPr>
+            <a:spLocks noGrp="1"/>
+          </p:cNvSpPr>
+          <p:nvPr>
+            <p:ph type="title"/>
+          </p:nvPr>
+        </p:nvSpPr>
+        <p:spPr>
+          <a:xfrm>
+            <a:off x="589560" y="856180"/>
+            <a:ext cx="5279408" cy="1128068"/>
+          </a:xfrm>
+        </p:spPr>
+        <p:txBody>
+          <a:bodyPr vert="horz" lIns="91440" tIns="45720" rIns="91440" bIns="45720" rtlCol="0" anchor="ctr">
+            <a:normAutofit/>
+          </a:bodyPr>
+          <a:lstStyle/>
+          <a:p>
+            <a:r>
+              <a:rPr lang="en-US" sz="3700" kern="1200">
+                <a:solidFill>
+                  <a:schemeClr val="tx1"/>
+                </a:solidFill>
+                <a:latin typeface="+mj-lt"/>
+                <a:ea typeface="+mj-ea"/>
+                <a:cs typeface="+mj-cs"/>
+              </a:rPr>
+              <a:t>Verbesserung der Bildqualität</a:t>
+            </a:r>
+          </a:p>
+        </p:txBody>
+      </p:sp>
+      <p:grpSp>
+        <p:nvGrpSpPr>
+          <p:cNvPr id="25" name="Group 17">
+            <a:extLst>
+              <a:ext uri="{FF2B5EF4-FFF2-40B4-BE49-F238E27FC236}">
+                <a16:creationId xmlns:a16="http://schemas.microsoft.com/office/drawing/2014/main" id="{1DE889C7-FAD6-4397-98E2-05D503484459}"/>
+              </a:ext>
+              <a:ext uri="{C183D7F6-B498-43B3-948B-1728B52AA6E4}">
+                <adec:decorative xmlns:adec="http://schemas.microsoft.com/office/drawing/2017/decorative" val="1"/>
+              </a:ext>
+            </a:extLst>
+          </p:cNvPr>
+          <p:cNvGrpSpPr>
+            <a:grpSpLocks noGrp="1" noUngrp="1" noRot="1" noChangeAspect="1" noMove="1" noResize="1"/>
+          </p:cNvGrpSpPr>
+          <p:nvPr>
+            <p:extLst>
+              <p:ext uri="{386F3935-93C4-4BCD-93E2-E3B085C9AB24}">
+                <p16:designElem xmlns:p16="http://schemas.microsoft.com/office/powerpoint/2015/main" val="1"/>
+              </p:ext>
+            </p:extLst>
+          </p:nvPr>
+        </p:nvGrpSpPr>
+        <p:grpSpPr>
+          <a:xfrm>
+            <a:off x="0" y="1083484"/>
+            <a:ext cx="355196" cy="673460"/>
+            <a:chOff x="0" y="823811"/>
+            <a:chExt cx="355196" cy="673460"/>
+          </a:xfrm>
+        </p:grpSpPr>
+        <p:sp>
+          <p:nvSpPr>
+            <p:cNvPr id="19" name="Rectangle 18">
+              <a:extLst>
+                <a:ext uri="{FF2B5EF4-FFF2-40B4-BE49-F238E27FC236}">
+                  <a16:creationId xmlns:a16="http://schemas.microsoft.com/office/drawing/2014/main" id="{F399A70F-F8CD-4992-9EF5-6CF15472E73F}"/>
+                </a:ext>
+                <a:ext uri="{C183D7F6-B498-43B3-948B-1728B52AA6E4}">
+                  <adec:decorative xmlns:adec="http://schemas.microsoft.com/office/drawing/2017/decorative" val="1"/>
+                </a:ext>
+              </a:extLst>
+            </p:cNvPr>
+            <p:cNvSpPr/>
+            <p:nvPr>
+              <p:extLst>
+                <p:ext uri="{386F3935-93C4-4BCD-93E2-E3B085C9AB24}">
+                  <p16:designElem xmlns:p16="http://schemas.microsoft.com/office/powerpoint/2015/main" val="1"/>
+                </p:ext>
+              </p:extLst>
+            </p:nvPr>
+          </p:nvSpPr>
+          <p:spPr>
+            <a:xfrm>
+              <a:off x="0" y="823811"/>
+              <a:ext cx="87363" cy="673460"/>
+            </a:xfrm>
+            <a:prstGeom prst="rect">
+              <a:avLst/>
+            </a:prstGeom>
+            <a:solidFill>
+              <a:schemeClr val="accent4"/>
+            </a:solidFill>
+            <a:ln>
+              <a:noFill/>
+            </a:ln>
+          </p:spPr>
+          <p:style>
+            <a:lnRef idx="2">
+              <a:schemeClr val="accent1">
+                <a:shade val="50000"/>
+              </a:schemeClr>
+            </a:lnRef>
+            <a:fillRef idx="1">
+              <a:schemeClr val="accent1"/>
+            </a:fillRef>
+            <a:effectRef idx="0">
+              <a:schemeClr val="accent1"/>
+            </a:effectRef>
+            <a:fontRef idx="minor">
+              <a:schemeClr val="lt1"/>
+            </a:fontRef>
+          </p:style>
+          <p:txBody>
+            <a:bodyPr rtlCol="0" anchor="ctr"/>
+            <a:lstStyle/>
+            <a:p>
+              <a:pPr algn="ctr"/>
+              <a:endParaRPr lang="en-US"/>
+            </a:p>
+          </p:txBody>
+        </p:sp>
+        <p:sp>
+          <p:nvSpPr>
+            <p:cNvPr id="27" name="Rectangle 19">
+              <a:extLst>
+                <a:ext uri="{FF2B5EF4-FFF2-40B4-BE49-F238E27FC236}">
+                  <a16:creationId xmlns:a16="http://schemas.microsoft.com/office/drawing/2014/main" id="{48F4FEDC-6D80-458C-A665-075D9B9500FD}"/>
+                </a:ext>
+                <a:ext uri="{C183D7F6-B498-43B3-948B-1728B52AA6E4}">
+                  <adec:decorative xmlns:adec="http://schemas.microsoft.com/office/drawing/2017/decorative" val="1"/>
+                </a:ext>
+              </a:extLst>
+            </p:cNvPr>
+            <p:cNvSpPr/>
+            <p:nvPr>
+              <p:extLst>
+                <p:ext uri="{386F3935-93C4-4BCD-93E2-E3B085C9AB24}">
+                  <p16:designElem xmlns:p16="http://schemas.microsoft.com/office/powerpoint/2015/main" val="1"/>
+                </p:ext>
+              </p:extLst>
+            </p:nvPr>
+          </p:nvSpPr>
+          <p:spPr>
+            <a:xfrm>
+              <a:off x="159341" y="823811"/>
+              <a:ext cx="195855" cy="673460"/>
+            </a:xfrm>
+            <a:prstGeom prst="rect">
+              <a:avLst/>
+            </a:prstGeom>
+            <a:solidFill>
+              <a:schemeClr val="accent4"/>
+            </a:solidFill>
+            <a:ln>
+              <a:noFill/>
+            </a:ln>
+          </p:spPr>
+          <p:style>
+            <a:lnRef idx="2">
+              <a:schemeClr val="accent1">
+                <a:shade val="50000"/>
+              </a:schemeClr>
+            </a:lnRef>
+            <a:fillRef idx="1">
+              <a:schemeClr val="accent1"/>
+            </a:fillRef>
+            <a:effectRef idx="0">
+              <a:schemeClr val="accent1"/>
+            </a:effectRef>
+            <a:fontRef idx="minor">
+              <a:schemeClr val="lt1"/>
+            </a:fontRef>
+          </p:style>
+          <p:txBody>
+            <a:bodyPr rtlCol="0" anchor="ctr"/>
+            <a:lstStyle/>
+            <a:p>
+              <a:pPr algn="ctr"/>
+              <a:endParaRPr lang="en-US"/>
+            </a:p>
+          </p:txBody>
+        </p:sp>
+      </p:grpSp>
+      <p:sp>
+        <p:nvSpPr>
+          <p:cNvPr id="22" name="Rectangle 21">
+            <a:extLst>
+              <a:ext uri="{FF2B5EF4-FFF2-40B4-BE49-F238E27FC236}">
+                <a16:creationId xmlns:a16="http://schemas.microsoft.com/office/drawing/2014/main" id="{3873B707-463F-40B0-8227-E8CC6C67EB25}"/>
+              </a:ext>
+              <a:ext uri="{C183D7F6-B498-43B3-948B-1728B52AA6E4}">
+                <adec:decorative xmlns:adec="http://schemas.microsoft.com/office/drawing/2017/decorative" val="1"/>
+              </a:ext>
+            </a:extLst>
+          </p:cNvPr>
+          <p:cNvSpPr>
+            <a:spLocks noGrp="1" noRot="1" noChangeAspect="1" noMove="1" noResize="1" noEditPoints="1" noAdjustHandles="1" noChangeArrowheads="1" noChangeShapeType="1" noTextEdit="1"/>
+          </p:cNvSpPr>
+          <p:nvPr>
+            <p:extLst>
+              <p:ext uri="{386F3935-93C4-4BCD-93E2-E3B085C9AB24}">
+                <p16:designElem xmlns:p16="http://schemas.microsoft.com/office/powerpoint/2015/main" val="1"/>
+              </p:ext>
+            </p:extLst>
+          </p:nvPr>
+        </p:nvSpPr>
+        <p:spPr>
+          <a:xfrm flipH="1">
+            <a:off x="665085" y="2123821"/>
+            <a:ext cx="4975066" cy="27432"/>
+          </a:xfrm>
+          <a:prstGeom prst="rect">
+            <a:avLst/>
+          </a:prstGeom>
+          <a:solidFill>
+            <a:schemeClr val="accent4"/>
+          </a:solidFill>
+          <a:ln>
+            <a:noFill/>
+          </a:ln>
+        </p:spPr>
+        <p:style>
+          <a:lnRef idx="2">
+            <a:schemeClr val="accent1">
+              <a:shade val="50000"/>
+            </a:schemeClr>
+          </a:lnRef>
+          <a:fillRef idx="1">
+            <a:schemeClr val="accent1"/>
+          </a:fillRef>
+          <a:effectRef idx="0">
+            <a:schemeClr val="accent1"/>
+          </a:effectRef>
+          <a:fontRef idx="minor">
+            <a:schemeClr val="lt1"/>
+          </a:fontRef>
+        </p:style>
+        <p:txBody>
+          <a:bodyPr rtlCol="0" anchor="ctr"/>
+          <a:lstStyle/>
+          <a:p>
+            <a:pPr algn="ctr"/>
+            <a:endParaRPr lang="en-US"/>
+          </a:p>
+        </p:txBody>
+      </p:sp>
+      <p:sp>
+        <p:nvSpPr>
+          <p:cNvPr id="11" name="Inhaltsplatzhalter 2">
+            <a:extLst>
+              <a:ext uri="{FF2B5EF4-FFF2-40B4-BE49-F238E27FC236}">
+                <a16:creationId xmlns:a16="http://schemas.microsoft.com/office/drawing/2014/main" id="{EED25BA3-50C9-44DE-A446-D35B04814F20}"/>
+              </a:ext>
+            </a:extLst>
+          </p:cNvPr>
+          <p:cNvSpPr txBox="1">
+            <a:spLocks/>
+          </p:cNvSpPr>
+          <p:nvPr/>
+        </p:nvSpPr>
+        <p:spPr>
+          <a:xfrm>
+            <a:off x="590719" y="2330505"/>
+            <a:ext cx="5278066" cy="3979585"/>
+          </a:xfrm>
+          <a:prstGeom prst="rect">
+            <a:avLst/>
+          </a:prstGeom>
+        </p:spPr>
+        <p:txBody>
+          <a:bodyPr vert="horz" lIns="91440" tIns="45720" rIns="91440" bIns="45720" rtlCol="0" anchor="ctr">
+            <a:normAutofit/>
+          </a:bodyPr>
+          <a:lstStyle>
+            <a:lvl1pPr marL="228600" indent="-228600" algn="l" defTabSz="914400" rtl="0" eaLnBrk="1" latinLnBrk="0" hangingPunct="1">
+              <a:lnSpc>
+                <a:spcPct val="90000"/>
+              </a:lnSpc>
+              <a:spcBef>
+                <a:spcPts val="1000"/>
+              </a:spcBef>
+              <a:buFont typeface="Arial" panose="020B0604020202020204" pitchFamily="34" charset="0"/>
+              <a:buChar char="•"/>
+              <a:defRPr sz="2800" kern="1200">
+                <a:solidFill>
+                  <a:schemeClr val="tx1"/>
+                </a:solidFill>
+                <a:latin typeface="+mn-lt"/>
+                <a:ea typeface="+mn-ea"/>
+                <a:cs typeface="+mn-cs"/>
+              </a:defRPr>
+            </a:lvl1pPr>
+            <a:lvl2pPr marL="685800" indent="-228600" algn="l" defTabSz="914400" rtl="0" eaLnBrk="1" latinLnBrk="0" hangingPunct="1">
+              <a:lnSpc>
+                <a:spcPct val="90000"/>
+              </a:lnSpc>
+              <a:spcBef>
+                <a:spcPts val="500"/>
+              </a:spcBef>
+              <a:buFont typeface="Arial" panose="020B0604020202020204" pitchFamily="34" charset="0"/>
+              <a:buChar char="•"/>
+              <a:defRPr sz="2400" kern="1200">
+                <a:solidFill>
+                  <a:schemeClr val="tx1"/>
+                </a:solidFill>
+                <a:latin typeface="+mn-lt"/>
+                <a:ea typeface="+mn-ea"/>
+                <a:cs typeface="+mn-cs"/>
+              </a:defRPr>
+            </a:lvl2pPr>
+            <a:lvl3pPr marL="1143000" indent="-228600" algn="l" defTabSz="914400" rtl="0" eaLnBrk="1" latinLnBrk="0" hangingPunct="1">
+              <a:lnSpc>
+                <a:spcPct val="90000"/>
+              </a:lnSpc>
+              <a:spcBef>
+                <a:spcPts val="500"/>
+              </a:spcBef>
+              <a:buFont typeface="Arial" panose="020B0604020202020204" pitchFamily="34" charset="0"/>
+              <a:buChar char="•"/>
+              <a:defRPr sz="2000" kern="1200">
+                <a:solidFill>
+                  <a:schemeClr val="tx1"/>
+                </a:solidFill>
+                <a:latin typeface="+mn-lt"/>
+                <a:ea typeface="+mn-ea"/>
+                <a:cs typeface="+mn-cs"/>
+              </a:defRPr>
+            </a:lvl3pPr>
+            <a:lvl4pPr marL="1600200" indent="-228600" algn="l" defTabSz="914400" rtl="0" eaLnBrk="1" latinLnBrk="0" hangingPunct="1">
+              <a:lnSpc>
+                <a:spcPct val="90000"/>
+              </a:lnSpc>
+              <a:spcBef>
+                <a:spcPts val="500"/>
+              </a:spcBef>
+              <a:buFont typeface="Arial" panose="020B0604020202020204" pitchFamily="34" charset="0"/>
+              <a:buChar char="•"/>
+              <a:defRPr sz="1800" kern="1200">
+                <a:solidFill>
+                  <a:schemeClr val="tx1"/>
+                </a:solidFill>
+                <a:latin typeface="+mn-lt"/>
+                <a:ea typeface="+mn-ea"/>
+                <a:cs typeface="+mn-cs"/>
+              </a:defRPr>
+            </a:lvl4pPr>
+            <a:lvl5pPr marL="2057400" indent="-228600" algn="l" defTabSz="914400" rtl="0" eaLnBrk="1" latinLnBrk="0" hangingPunct="1">
+              <a:lnSpc>
+                <a:spcPct val="90000"/>
+              </a:lnSpc>
+              <a:spcBef>
+                <a:spcPts val="500"/>
+              </a:spcBef>
+              <a:buFont typeface="Arial" panose="020B0604020202020204" pitchFamily="34" charset="0"/>
+              <a:buChar char="•"/>
+              <a:defRPr sz="1800" kern="1200">
+                <a:solidFill>
+                  <a:schemeClr val="tx1"/>
+                </a:solidFill>
+                <a:latin typeface="+mn-lt"/>
+                <a:ea typeface="+mn-ea"/>
+                <a:cs typeface="+mn-cs"/>
+              </a:defRPr>
+            </a:lvl5pPr>
+            <a:lvl6pPr marL="2514600" indent="-228600" algn="l" defTabSz="914400" rtl="0" eaLnBrk="1" latinLnBrk="0" hangingPunct="1">
+              <a:lnSpc>
+                <a:spcPct val="90000"/>
+              </a:lnSpc>
+              <a:spcBef>
+                <a:spcPts val="500"/>
+              </a:spcBef>
+              <a:buFont typeface="Arial" panose="020B0604020202020204" pitchFamily="34" charset="0"/>
+              <a:buChar char="•"/>
+              <a:defRPr sz="1800" kern="1200">
+                <a:solidFill>
+                  <a:schemeClr val="tx1"/>
+                </a:solidFill>
+                <a:latin typeface="+mn-lt"/>
+                <a:ea typeface="+mn-ea"/>
+                <a:cs typeface="+mn-cs"/>
+              </a:defRPr>
+            </a:lvl6pPr>
+            <a:lvl7pPr marL="2971800" indent="-228600" algn="l" defTabSz="914400" rtl="0" eaLnBrk="1" latinLnBrk="0" hangingPunct="1">
+              <a:lnSpc>
+                <a:spcPct val="90000"/>
+              </a:lnSpc>
+              <a:spcBef>
+                <a:spcPts val="500"/>
+              </a:spcBef>
+              <a:buFont typeface="Arial" panose="020B0604020202020204" pitchFamily="34" charset="0"/>
+              <a:buChar char="•"/>
+              <a:defRPr sz="1800" kern="1200">
+                <a:solidFill>
+                  <a:schemeClr val="tx1"/>
+                </a:solidFill>
+                <a:latin typeface="+mn-lt"/>
+                <a:ea typeface="+mn-ea"/>
+                <a:cs typeface="+mn-cs"/>
+              </a:defRPr>
+            </a:lvl7pPr>
+            <a:lvl8pPr marL="3429000" indent="-228600" algn="l" defTabSz="914400" rtl="0" eaLnBrk="1" latinLnBrk="0" hangingPunct="1">
+              <a:lnSpc>
+                <a:spcPct val="90000"/>
+              </a:lnSpc>
+              <a:spcBef>
+                <a:spcPts val="500"/>
+              </a:spcBef>
+              <a:buFont typeface="Arial" panose="020B0604020202020204" pitchFamily="34" charset="0"/>
+              <a:buChar char="•"/>
+              <a:defRPr sz="1800" kern="1200">
+                <a:solidFill>
+                  <a:schemeClr val="tx1"/>
+                </a:solidFill>
+                <a:latin typeface="+mn-lt"/>
+                <a:ea typeface="+mn-ea"/>
+                <a:cs typeface="+mn-cs"/>
+              </a:defRPr>
+            </a:lvl8pPr>
+            <a:lvl9pPr marL="3886200" indent="-228600" algn="l" defTabSz="914400" rtl="0" eaLnBrk="1" latinLnBrk="0" hangingPunct="1">
+              <a:lnSpc>
+                <a:spcPct val="90000"/>
+              </a:lnSpc>
+              <a:spcBef>
+                <a:spcPts val="500"/>
+              </a:spcBef>
+              <a:buFont typeface="Arial" panose="020B0604020202020204" pitchFamily="34" charset="0"/>
+              <a:buChar char="•"/>
+              <a:defRPr sz="1800" kern="1200">
+                <a:solidFill>
+                  <a:schemeClr val="tx1"/>
+                </a:solidFill>
+                <a:latin typeface="+mn-lt"/>
+                <a:ea typeface="+mn-ea"/>
+                <a:cs typeface="+mn-cs"/>
+              </a:defRPr>
+            </a:lvl9pPr>
+          </a:lstStyle>
+          <a:p>
+            <a:r>
+              <a:rPr lang="en-US" sz="2000"/>
+              <a:t>Kompensieren des Hintergrund mittels Shadding </a:t>
+            </a:r>
+          </a:p>
+          <a:p>
+            <a:pPr lvl="1"/>
+            <a:r>
+              <a:rPr lang="en-US" sz="2000"/>
+              <a:t>Division des Hintergrunds vom Original-Bild</a:t>
+            </a:r>
+          </a:p>
+        </p:txBody>
+      </p:sp>
+      <p:sp>
+        <p:nvSpPr>
+          <p:cNvPr id="24" name="Rectangle 23">
+            <a:extLst>
+              <a:ext uri="{FF2B5EF4-FFF2-40B4-BE49-F238E27FC236}">
+                <a16:creationId xmlns:a16="http://schemas.microsoft.com/office/drawing/2014/main" id="{C13237C8-E62C-4F0D-A318-BD6FB6C2D138}"/>
+              </a:ext>
+              <a:ext uri="{C183D7F6-B498-43B3-948B-1728B52AA6E4}">
+                <adec:decorative xmlns:adec="http://schemas.microsoft.com/office/drawing/2017/decorative" val="1"/>
+              </a:ext>
+            </a:extLst>
+          </p:cNvPr>
+          <p:cNvSpPr>
+            <a:spLocks noGrp="1" noRot="1" noChangeAspect="1" noMove="1" noResize="1" noEditPoints="1" noAdjustHandles="1" noChangeArrowheads="1" noChangeShapeType="1" noTextEdit="1"/>
+          </p:cNvSpPr>
+          <p:nvPr>
+            <p:extLst>
+              <p:ext uri="{386F3935-93C4-4BCD-93E2-E3B085C9AB24}">
+                <p16:designElem xmlns:p16="http://schemas.microsoft.com/office/powerpoint/2015/main" val="1"/>
+              </p:ext>
+            </p:extLst>
+          </p:nvPr>
+        </p:nvSpPr>
+        <p:spPr>
+          <a:xfrm flipH="1">
+            <a:off x="10697670" y="0"/>
+            <a:ext cx="1494330" cy="6858000"/>
+          </a:xfrm>
+          <a:prstGeom prst="rect">
+            <a:avLst/>
+          </a:prstGeom>
+          <a:solidFill>
+            <a:schemeClr val="accent4"/>
+          </a:solidFill>
+          <a:ln>
+            <a:noFill/>
+          </a:ln>
+        </p:spPr>
+        <p:style>
+          <a:lnRef idx="2">
+            <a:schemeClr val="accent1">
+              <a:shade val="50000"/>
+            </a:schemeClr>
+          </a:lnRef>
+          <a:fillRef idx="1">
+            <a:schemeClr val="accent1"/>
+          </a:fillRef>
+          <a:effectRef idx="0">
+            <a:schemeClr val="accent1"/>
+          </a:effectRef>
+          <a:fontRef idx="minor">
+            <a:schemeClr val="lt1"/>
+          </a:fontRef>
+        </p:style>
+        <p:txBody>
+          <a:bodyPr rtlCol="0" anchor="ctr"/>
+          <a:lstStyle/>
+          <a:p>
+            <a:pPr algn="ctr"/>
+            <a:endParaRPr lang="en-US"/>
+          </a:p>
+        </p:txBody>
+      </p:sp>
+      <p:sp>
+        <p:nvSpPr>
+          <p:cNvPr id="26" name="Rectangle 25">
+            <a:extLst>
+              <a:ext uri="{FF2B5EF4-FFF2-40B4-BE49-F238E27FC236}">
+                <a16:creationId xmlns:a16="http://schemas.microsoft.com/office/drawing/2014/main" id="{19C9EAEA-39D0-4B0E-A0EB-51E7B26740B1}"/>
+              </a:ext>
+              <a:ext uri="{C183D7F6-B498-43B3-948B-1728B52AA6E4}">
+                <adec:decorative xmlns:adec="http://schemas.microsoft.com/office/drawing/2017/decorative" val="1"/>
+              </a:ext>
+            </a:extLst>
+          </p:cNvPr>
+          <p:cNvSpPr>
+            <a:spLocks noGrp="1" noRot="1" noChangeAspect="1" noMove="1" noResize="1" noEditPoints="1" noAdjustHandles="1" noChangeArrowheads="1" noChangeShapeType="1" noTextEdit="1"/>
+          </p:cNvSpPr>
+          <p:nvPr>
+            <p:extLst>
+              <p:ext uri="{386F3935-93C4-4BCD-93E2-E3B085C9AB24}">
+                <p16:designElem xmlns:p16="http://schemas.microsoft.com/office/powerpoint/2015/main" val="1"/>
+              </p:ext>
+            </p:extLst>
+          </p:nvPr>
+        </p:nvSpPr>
+        <p:spPr>
+          <a:xfrm>
+            <a:off x="6849687" y="357447"/>
+            <a:ext cx="4845488" cy="2923587"/>
+          </a:xfrm>
+          <a:prstGeom prst="rect">
+            <a:avLst/>
+          </a:prstGeom>
+          <a:solidFill>
+            <a:schemeClr val="bg1"/>
+          </a:solidFill>
+          <a:ln>
+            <a:noFill/>
+          </a:ln>
+          <a:effectLst>
+            <a:outerShdw blurRad="139700" dist="127000" dir="5400000" algn="t" rotWithShape="0">
+              <a:prstClr val="black">
+                <a:alpha val="15000"/>
+              </a:prstClr>
+            </a:outerShdw>
+          </a:effectLst>
+        </p:spPr>
+        <p:style>
+          <a:lnRef idx="2">
+            <a:schemeClr val="accent1">
+              <a:shade val="50000"/>
+            </a:schemeClr>
+          </a:lnRef>
+          <a:fillRef idx="1">
+            <a:schemeClr val="accent1"/>
+          </a:fillRef>
+          <a:effectRef idx="0">
+            <a:schemeClr val="accent1"/>
+          </a:effectRef>
+          <a:fontRef idx="minor">
+            <a:schemeClr val="lt1"/>
+          </a:fontRef>
+        </p:style>
+        <p:txBody>
+          <a:bodyPr rtlCol="0" anchor="ctr"/>
+          <a:lstStyle/>
+          <a:p>
+            <a:pPr algn="ctr"/>
+            <a:endParaRPr lang="en-US"/>
+          </a:p>
+        </p:txBody>
+      </p:sp>
+      <p:pic>
+        <p:nvPicPr>
+          <p:cNvPr id="7" name="Grafik 6" descr="Ein Bild, das Text enthält.&#10;&#10;Automatisch generierte Beschreibung">
+            <a:extLst>
+              <a:ext uri="{FF2B5EF4-FFF2-40B4-BE49-F238E27FC236}">
+                <a16:creationId xmlns:a16="http://schemas.microsoft.com/office/drawing/2014/main" id="{18FA99BB-DC71-4A54-81C1-8E3648DCCF05}"/>
+              </a:ext>
+            </a:extLst>
+          </p:cNvPr>
+          <p:cNvPicPr>
+            <a:picLocks noChangeAspect="1"/>
+          </p:cNvPicPr>
+          <p:nvPr/>
+        </p:nvPicPr>
+        <p:blipFill rotWithShape="1">
+          <a:blip r:embed="rId2">
+            <a:extLst>
+              <a:ext uri="{28A0092B-C50C-407E-A947-70E740481C1C}">
+                <a14:useLocalDpi xmlns:a14="http://schemas.microsoft.com/office/drawing/2010/main" val="0"/>
+              </a:ext>
+            </a:extLst>
+          </a:blip>
+          <a:srcRect t="14566" r="2" b="15429"/>
+          <a:stretch/>
+        </p:blipFill>
+        <p:spPr>
+          <a:xfrm>
+            <a:off x="7083423" y="581892"/>
+            <a:ext cx="4397433" cy="2518756"/>
+          </a:xfrm>
+          <a:prstGeom prst="rect">
+            <a:avLst/>
+          </a:prstGeom>
+        </p:spPr>
+      </p:pic>
+      <p:sp>
+        <p:nvSpPr>
+          <p:cNvPr id="28" name="Rectangle 27">
+            <a:extLst>
+              <a:ext uri="{FF2B5EF4-FFF2-40B4-BE49-F238E27FC236}">
+                <a16:creationId xmlns:a16="http://schemas.microsoft.com/office/drawing/2014/main" id="{8CB5D2D7-DF65-4E86-BFBA-FFB9B5ACEB64}"/>
+              </a:ext>
+              <a:ext uri="{C183D7F6-B498-43B3-948B-1728B52AA6E4}">
+                <adec:decorative xmlns:adec="http://schemas.microsoft.com/office/drawing/2017/decorative" val="1"/>
+              </a:ext>
+            </a:extLst>
+          </p:cNvPr>
+          <p:cNvSpPr>
+            <a:spLocks noGrp="1" noRot="1" noChangeAspect="1" noMove="1" noResize="1" noEditPoints="1" noAdjustHandles="1" noChangeArrowheads="1" noChangeShapeType="1" noTextEdit="1"/>
+          </p:cNvSpPr>
+          <p:nvPr>
+            <p:extLst>
+              <p:ext uri="{386F3935-93C4-4BCD-93E2-E3B085C9AB24}">
+                <p16:designElem xmlns:p16="http://schemas.microsoft.com/office/powerpoint/2015/main" val="1"/>
+              </p:ext>
+            </p:extLst>
+          </p:nvPr>
+        </p:nvSpPr>
+        <p:spPr>
+          <a:xfrm>
+            <a:off x="6849687" y="3505479"/>
+            <a:ext cx="4845488" cy="2923587"/>
+          </a:xfrm>
+          <a:prstGeom prst="rect">
+            <a:avLst/>
+          </a:prstGeom>
+          <a:solidFill>
+            <a:schemeClr val="bg1"/>
+          </a:solidFill>
+          <a:ln>
+            <a:noFill/>
+          </a:ln>
+          <a:effectLst>
+            <a:outerShdw blurRad="139700" dist="127000" dir="5400000" algn="t" rotWithShape="0">
+              <a:prstClr val="black">
+                <a:alpha val="15000"/>
+              </a:prstClr>
+            </a:outerShdw>
+          </a:effectLst>
+        </p:spPr>
+        <p:style>
+          <a:lnRef idx="2">
+            <a:schemeClr val="accent1">
+              <a:shade val="50000"/>
+            </a:schemeClr>
+          </a:lnRef>
+          <a:fillRef idx="1">
+            <a:schemeClr val="accent1"/>
+          </a:fillRef>
+          <a:effectRef idx="0">
+            <a:schemeClr val="accent1"/>
+          </a:effectRef>
+          <a:fontRef idx="minor">
+            <a:schemeClr val="lt1"/>
+          </a:fontRef>
+        </p:style>
+        <p:txBody>
+          <a:bodyPr rtlCol="0" anchor="ctr"/>
+          <a:lstStyle/>
+          <a:p>
+            <a:pPr algn="ctr"/>
+            <a:endParaRPr lang="en-US"/>
+          </a:p>
+        </p:txBody>
+      </p:sp>
+      <p:pic>
+        <p:nvPicPr>
+          <p:cNvPr id="5" name="Inhaltsplatzhalter 4">
+            <a:extLst>
+              <a:ext uri="{FF2B5EF4-FFF2-40B4-BE49-F238E27FC236}">
+                <a16:creationId xmlns:a16="http://schemas.microsoft.com/office/drawing/2014/main" id="{35F7CFF7-5CB5-4398-8200-02B1CF84304D}"/>
+              </a:ext>
+            </a:extLst>
+          </p:cNvPr>
+          <p:cNvPicPr>
+            <a:picLocks noGrp="1" noChangeAspect="1"/>
+          </p:cNvPicPr>
+          <p:nvPr>
+            <p:ph idx="1"/>
+          </p:nvPr>
+        </p:nvPicPr>
+        <p:blipFill rotWithShape="1">
+          <a:blip r:embed="rId3">
+            <a:extLst>
+              <a:ext uri="{28A0092B-C50C-407E-A947-70E740481C1C}">
+                <a14:useLocalDpi xmlns:a14="http://schemas.microsoft.com/office/drawing/2010/main" val="0"/>
+              </a:ext>
+            </a:extLst>
+          </a:blip>
+          <a:srcRect t="12366" r="-3" b="17596"/>
+          <a:stretch/>
+        </p:blipFill>
+        <p:spPr>
+          <a:xfrm>
+            <a:off x="7083423" y="3707894"/>
+            <a:ext cx="4395569" cy="2518756"/>
+          </a:xfrm>
+          <a:prstGeom prst="rect">
+            <a:avLst/>
+          </a:prstGeom>
+        </p:spPr>
+      </p:pic>
+      <p:sp>
+        <p:nvSpPr>
+          <p:cNvPr id="8" name="Pfeil: nach rechts 7">
+            <a:extLst>
+              <a:ext uri="{FF2B5EF4-FFF2-40B4-BE49-F238E27FC236}">
+                <a16:creationId xmlns:a16="http://schemas.microsoft.com/office/drawing/2014/main" id="{78B8B741-83F8-4D72-8EC3-BA7ADBF5ACA2}"/>
+              </a:ext>
+            </a:extLst>
+          </p:cNvPr>
+          <p:cNvSpPr/>
+          <p:nvPr/>
+        </p:nvSpPr>
+        <p:spPr>
+          <a:xfrm rot="5400000">
+            <a:off x="8666956" y="3024535"/>
+            <a:ext cx="881060" cy="751092"/>
+          </a:xfrm>
+          <a:prstGeom prst="rightArrow">
+            <a:avLst/>
+          </a:prstGeom>
+        </p:spPr>
+        <p:style>
+          <a:lnRef idx="2">
+            <a:schemeClr val="accent1">
+              <a:shade val="50000"/>
+            </a:schemeClr>
+          </a:lnRef>
+          <a:fillRef idx="1">
+            <a:schemeClr val="accent1"/>
+          </a:fillRef>
+          <a:effectRef idx="0">
+            <a:schemeClr val="accent1"/>
+          </a:effectRef>
+          <a:fontRef idx="minor">
+            <a:schemeClr val="lt1"/>
+          </a:fontRef>
+        </p:style>
+        <p:txBody>
+          <a:bodyPr rtlCol="0" anchor="ctr"/>
+          <a:lstStyle/>
+          <a:p>
+            <a:pPr algn="ctr"/>
+            <a:endParaRPr lang="de-AT"/>
+          </a:p>
+        </p:txBody>
+      </p:sp>
+    </p:spTree>
+    <p:extLst>
+      <p:ext uri="{BB962C8B-B14F-4D97-AF65-F5344CB8AC3E}">
+        <p14:creationId xmlns:p14="http://schemas.microsoft.com/office/powerpoint/2010/main" val="99940057"/>
+      </p:ext>
+    </p:extLst>
+  </p:cSld>
+  <p:clrMapOvr>
+    <a:masterClrMapping/>
+  </p:clrMapOvr>
+</p:sld>
+</file>
+
+<file path=ppt/slides/slide4.xml><?xml version="1.0" encoding="utf-8"?>
+<p:sld xmlns:a="http://schemas.openxmlformats.org/drawingml/2006/main" xmlns:r="http://schemas.openxmlformats.org/officeDocument/2006/relationships" xmlns:p="http://schemas.openxmlformats.org/presentationml/2006/main">
+  <p:cSld>
+    <p:bg>
+      <p:bgPr>
+        <a:solidFill>
+          <a:schemeClr val="bg1"/>
+        </a:solidFill>
+        <a:effectLst/>
+      </p:bgPr>
+    </p:bg>
+    <p:spTree>
+      <p:nvGrpSpPr>
+        <p:cNvPr id="1" name=""/>
+        <p:cNvGrpSpPr/>
+        <p:nvPr/>
+      </p:nvGrpSpPr>
+      <p:grpSpPr>
+        <a:xfrm>
+          <a:off x="0" y="0"/>
+          <a:ext cx="0" cy="0"/>
+          <a:chOff x="0" y="0"/>
+          <a:chExt cx="0" cy="0"/>
+        </a:xfrm>
+      </p:grpSpPr>
+      <p:sp useBgFill="1">
+        <p:nvSpPr>
+          <p:cNvPr id="23" name="Rectangle 9">
+            <a:extLst>
+              <a:ext uri="{FF2B5EF4-FFF2-40B4-BE49-F238E27FC236}">
+                <a16:creationId xmlns:a16="http://schemas.microsoft.com/office/drawing/2014/main" id="{117AB3D3-3C9C-4DED-809A-78734805B895}"/>
+              </a:ext>
+              <a:ext uri="{C183D7F6-B498-43B3-948B-1728B52AA6E4}">
+                <adec:decorative xmlns:adec="http://schemas.microsoft.com/office/drawing/2017/decorative" val="1"/>
+              </a:ext>
+            </a:extLst>
+          </p:cNvPr>
+          <p:cNvSpPr>
+            <a:spLocks noGrp="1" noRot="1" noChangeAspect="1" noMove="1" noResize="1" noEditPoints="1" noAdjustHandles="1" noChangeArrowheads="1" noChangeShapeType="1" noTextEdit="1"/>
+          </p:cNvSpPr>
+          <p:nvPr>
+            <p:extLst>
+              <p:ext uri="{386F3935-93C4-4BCD-93E2-E3B085C9AB24}">
+                <p16:designElem xmlns:p16="http://schemas.microsoft.com/office/powerpoint/2015/main" val="1"/>
+              </p:ext>
+            </p:extLst>
+          </p:nvPr>
+        </p:nvSpPr>
+        <p:spPr>
+          <a:xfrm>
+            <a:off x="0" y="0"/>
+            <a:ext cx="12191999" cy="6857365"/>
+          </a:xfrm>
+          <a:prstGeom prst="rect">
+            <a:avLst/>
+          </a:prstGeom>
+          <a:ln>
+            <a:noFill/>
+          </a:ln>
+        </p:spPr>
+        <p:style>
+          <a:lnRef idx="2">
+            <a:schemeClr val="accent1">
+              <a:shade val="50000"/>
+            </a:schemeClr>
+          </a:lnRef>
+          <a:fillRef idx="1">
+            <a:schemeClr val="accent1"/>
+          </a:fillRef>
+          <a:effectRef idx="0">
+            <a:schemeClr val="accent1"/>
+          </a:effectRef>
+          <a:fontRef idx="minor">
+            <a:schemeClr val="lt1"/>
+          </a:fontRef>
+        </p:style>
+        <p:txBody>
+          <a:bodyPr rtlCol="0" anchor="ctr"/>
+          <a:lstStyle/>
+          <a:p>
+            <a:pPr algn="ctr"/>
+            <a:endParaRPr lang="en-US"/>
+          </a:p>
+        </p:txBody>
+      </p:sp>
+      <p:sp>
+        <p:nvSpPr>
+          <p:cNvPr id="2" name="Titel 1">
+            <a:extLst>
+              <a:ext uri="{FF2B5EF4-FFF2-40B4-BE49-F238E27FC236}">
+                <a16:creationId xmlns:a16="http://schemas.microsoft.com/office/drawing/2014/main" id="{DC6C5F77-A97F-418D-8780-98F65ECD8441}"/>
+              </a:ext>
+            </a:extLst>
+          </p:cNvPr>
+          <p:cNvSpPr>
+            <a:spLocks noGrp="1"/>
+          </p:cNvSpPr>
+          <p:nvPr>
+            <p:ph type="title"/>
+          </p:nvPr>
+        </p:nvSpPr>
+        <p:spPr>
+          <a:xfrm>
+            <a:off x="793662" y="386930"/>
+            <a:ext cx="10066122" cy="1298448"/>
+          </a:xfrm>
+        </p:spPr>
+        <p:txBody>
+          <a:bodyPr anchor="b">
+            <a:normAutofit/>
+          </a:bodyPr>
+          <a:lstStyle/>
+          <a:p>
+            <a:r>
+              <a:rPr lang="de-AT" sz="4800"/>
+              <a:t>Segmentierung</a:t>
+            </a:r>
+          </a:p>
+        </p:txBody>
+      </p:sp>
+      <p:sp>
+        <p:nvSpPr>
+          <p:cNvPr id="24" name="Rectangle 11">
+            <a:extLst>
+              <a:ext uri="{FF2B5EF4-FFF2-40B4-BE49-F238E27FC236}">
+                <a16:creationId xmlns:a16="http://schemas.microsoft.com/office/drawing/2014/main" id="{3A9A4357-BD1D-4622-A4FE-766E6AB8DE84}"/>
+              </a:ext>
+              <a:ext uri="{C183D7F6-B498-43B3-948B-1728B52AA6E4}">
+                <adec:decorative xmlns:adec="http://schemas.microsoft.com/office/drawing/2017/decorative" val="1"/>
+              </a:ext>
+            </a:extLst>
+          </p:cNvPr>
+          <p:cNvSpPr>
+            <a:spLocks noGrp="1" noRot="1" noChangeAspect="1" noMove="1" noResize="1" noEditPoints="1" noAdjustHandles="1" noChangeArrowheads="1" noChangeShapeType="1" noTextEdit="1"/>
+          </p:cNvSpPr>
+          <p:nvPr>
+            <p:extLst>
+              <p:ext uri="{386F3935-93C4-4BCD-93E2-E3B085C9AB24}">
+                <p16:designElem xmlns:p16="http://schemas.microsoft.com/office/powerpoint/2015/main" val="1"/>
+              </p:ext>
+            </p:extLst>
+          </p:nvPr>
+        </p:nvSpPr>
+        <p:spPr>
+          <a:xfrm flipH="1" flipV="1">
+            <a:off x="-2" y="1998845"/>
+            <a:ext cx="11454595" cy="781699"/>
+          </a:xfrm>
+          <a:prstGeom prst="rect">
+            <a:avLst/>
+          </a:prstGeom>
+          <a:solidFill>
+            <a:schemeClr val="accent4"/>
+          </a:solidFill>
+          <a:ln>
+            <a:noFill/>
+          </a:ln>
+        </p:spPr>
+        <p:style>
+          <a:lnRef idx="2">
+            <a:schemeClr val="accent1">
+              <a:shade val="50000"/>
+            </a:schemeClr>
+          </a:lnRef>
+          <a:fillRef idx="1">
+            <a:schemeClr val="accent1"/>
+          </a:fillRef>
+          <a:effectRef idx="0">
+            <a:schemeClr val="accent1"/>
+          </a:effectRef>
+          <a:fontRef idx="minor">
+            <a:schemeClr val="lt1"/>
+          </a:fontRef>
+        </p:style>
+        <p:txBody>
+          <a:bodyPr rtlCol="0" anchor="ctr"/>
+          <a:lstStyle/>
+          <a:p>
+            <a:pPr algn="ctr"/>
+            <a:endParaRPr lang="en-US"/>
+          </a:p>
+        </p:txBody>
+      </p:sp>
+      <p:sp>
+        <p:nvSpPr>
+          <p:cNvPr id="25" name="Rectangle 13">
+            <a:extLst>
+              <a:ext uri="{FF2B5EF4-FFF2-40B4-BE49-F238E27FC236}">
+                <a16:creationId xmlns:a16="http://schemas.microsoft.com/office/drawing/2014/main" id="{E659831F-0D9A-4C63-9EBB-8435B85A440F}"/>
+              </a:ext>
+              <a:ext uri="{C183D7F6-B498-43B3-948B-1728B52AA6E4}">
+                <adec:decorative xmlns:adec="http://schemas.microsoft.com/office/drawing/2017/decorative" val="1"/>
+              </a:ext>
+            </a:extLst>
+          </p:cNvPr>
+          <p:cNvSpPr>
+            <a:spLocks noGrp="1" noRot="1" noChangeAspect="1" noMove="1" noResize="1" noEditPoints="1" noAdjustHandles="1" noChangeArrowheads="1" noChangeShapeType="1" noTextEdit="1"/>
+          </p:cNvSpPr>
+          <p:nvPr>
+            <p:extLst>
+              <p:ext uri="{386F3935-93C4-4BCD-93E2-E3B085C9AB24}">
+                <p16:designElem xmlns:p16="http://schemas.microsoft.com/office/powerpoint/2015/main" val="1"/>
+              </p:ext>
+            </p:extLst>
+          </p:nvPr>
+        </p:nvSpPr>
+        <p:spPr>
+          <a:xfrm>
+            <a:off x="0" y="2203079"/>
+            <a:ext cx="11383362" cy="4267991"/>
+          </a:xfrm>
+          <a:prstGeom prst="rect">
+            <a:avLst/>
+          </a:prstGeom>
+          <a:solidFill>
+            <a:schemeClr val="bg1"/>
+          </a:solidFill>
+          <a:ln>
+            <a:noFill/>
+          </a:ln>
+          <a:effectLst>
+            <a:outerShdw blurRad="139700" dist="127000" dir="5400000" algn="t" rotWithShape="0">
+              <a:prstClr val="black">
+                <a:alpha val="15000"/>
+              </a:prstClr>
+            </a:outerShdw>
+          </a:effectLst>
+        </p:spPr>
+        <p:style>
+          <a:lnRef idx="2">
+            <a:schemeClr val="accent1">
+              <a:shade val="50000"/>
+            </a:schemeClr>
+          </a:lnRef>
+          <a:fillRef idx="1">
+            <a:schemeClr val="accent1"/>
+          </a:fillRef>
+          <a:effectRef idx="0">
+            <a:schemeClr val="accent1"/>
+          </a:effectRef>
+          <a:fontRef idx="minor">
+            <a:schemeClr val="lt1"/>
+          </a:fontRef>
+        </p:style>
+        <p:txBody>
+          <a:bodyPr rtlCol="0" anchor="ctr"/>
+          <a:lstStyle/>
+          <a:p>
+            <a:pPr algn="ctr"/>
+            <a:endParaRPr lang="en-US"/>
+          </a:p>
+        </p:txBody>
+      </p:sp>
+      <p:sp>
+        <p:nvSpPr>
+          <p:cNvPr id="3" name="Inhaltsplatzhalter 2">
+            <a:extLst>
+              <a:ext uri="{FF2B5EF4-FFF2-40B4-BE49-F238E27FC236}">
+                <a16:creationId xmlns:a16="http://schemas.microsoft.com/office/drawing/2014/main" id="{C366246F-AC87-48F9-A068-4142BB6012F3}"/>
+              </a:ext>
+            </a:extLst>
+          </p:cNvPr>
+          <p:cNvSpPr>
+            <a:spLocks noGrp="1"/>
+          </p:cNvSpPr>
+          <p:nvPr>
+            <p:ph idx="1"/>
+          </p:nvPr>
+        </p:nvSpPr>
+        <p:spPr>
+          <a:xfrm>
+            <a:off x="793661" y="2599509"/>
+            <a:ext cx="4530898" cy="3639450"/>
+          </a:xfrm>
+        </p:spPr>
+        <p:txBody>
+          <a:bodyPr anchor="ctr">
+            <a:normAutofit/>
+          </a:bodyPr>
+          <a:lstStyle/>
+          <a:p>
+            <a:r>
+              <a:rPr lang="de-AT" sz="2000"/>
+              <a:t>Verwendung von AI</a:t>
+            </a:r>
+          </a:p>
+          <a:p>
+            <a:r>
+              <a:rPr lang="de-AT" sz="2000"/>
+              <a:t>Aufteilung der Daten</a:t>
+            </a:r>
+          </a:p>
+          <a:p>
+            <a:pPr lvl="1"/>
+            <a:r>
+              <a:rPr lang="de-AT" sz="2000"/>
+              <a:t>80% Training</a:t>
+            </a:r>
+          </a:p>
+          <a:p>
+            <a:pPr lvl="1"/>
+            <a:r>
+              <a:rPr lang="de-AT" sz="2000"/>
+              <a:t>20% Test</a:t>
+            </a:r>
+          </a:p>
+          <a:p>
+            <a:r>
+              <a:rPr lang="de-AT" sz="2000"/>
+              <a:t>Manuelles Labeling in 3 Klassen</a:t>
+            </a:r>
+          </a:p>
+          <a:p>
+            <a:pPr lvl="1"/>
+            <a:r>
+              <a:rPr lang="de-AT" sz="2000"/>
+              <a:t>Indiana Jones</a:t>
+            </a:r>
+          </a:p>
+          <a:p>
+            <a:pPr lvl="1"/>
+            <a:r>
+              <a:rPr lang="de-AT" sz="2000"/>
+              <a:t>Unknown Guy</a:t>
+            </a:r>
+          </a:p>
+          <a:p>
+            <a:pPr lvl="1"/>
+            <a:r>
+              <a:rPr lang="de-AT" sz="2000"/>
+              <a:t>Unknown Girl</a:t>
+            </a:r>
+          </a:p>
+        </p:txBody>
+      </p:sp>
+      <p:pic>
+        <p:nvPicPr>
+          <p:cNvPr id="5" name="Grafik 4">
+            <a:extLst>
+              <a:ext uri="{FF2B5EF4-FFF2-40B4-BE49-F238E27FC236}">
+                <a16:creationId xmlns:a16="http://schemas.microsoft.com/office/drawing/2014/main" id="{DFD0F060-FA79-4045-A477-196635FD0867}"/>
+              </a:ext>
+            </a:extLst>
+          </p:cNvPr>
+          <p:cNvPicPr>
+            <a:picLocks noChangeAspect="1"/>
+          </p:cNvPicPr>
+          <p:nvPr/>
+        </p:nvPicPr>
+        <p:blipFill rotWithShape="1">
+          <a:blip r:embed="rId3"/>
+          <a:srcRect l="3106" r="14044" b="1"/>
+          <a:stretch/>
+        </p:blipFill>
+        <p:spPr>
+          <a:xfrm>
+            <a:off x="5911532" y="2484255"/>
+            <a:ext cx="5150277" cy="3714244"/>
+          </a:xfrm>
+          <a:prstGeom prst="rect">
+            <a:avLst/>
+          </a:prstGeom>
+        </p:spPr>
+      </p:pic>
+      <p:sp>
+        <p:nvSpPr>
+          <p:cNvPr id="16" name="Rectangle 15">
+            <a:extLst>
+              <a:ext uri="{FF2B5EF4-FFF2-40B4-BE49-F238E27FC236}">
+                <a16:creationId xmlns:a16="http://schemas.microsoft.com/office/drawing/2014/main" id="{E6995CE5-F890-4ABA-82A2-26507CE8D2A3}"/>
+              </a:ext>
+              <a:ext uri="{C183D7F6-B498-43B3-948B-1728B52AA6E4}">
+                <adec:decorative xmlns:adec="http://schemas.microsoft.com/office/drawing/2017/decorative" val="1"/>
+              </a:ext>
+            </a:extLst>
+          </p:cNvPr>
+          <p:cNvSpPr>
+            <a:spLocks noGrp="1" noRot="1" noChangeAspect="1" noMove="1" noResize="1" noEditPoints="1" noAdjustHandles="1" noChangeArrowheads="1" noChangeShapeType="1" noTextEdit="1"/>
+          </p:cNvSpPr>
+          <p:nvPr>
+            <p:extLst>
+              <p:ext uri="{386F3935-93C4-4BCD-93E2-E3B085C9AB24}">
+                <p16:designElem xmlns:p16="http://schemas.microsoft.com/office/powerpoint/2015/main" val="1"/>
+              </p:ext>
+            </p:extLst>
+          </p:nvPr>
+        </p:nvSpPr>
+        <p:spPr>
+          <a:xfrm rot="5400000">
+            <a:off x="11228040" y="2313027"/>
+            <a:ext cx="781700" cy="152382"/>
+          </a:xfrm>
+          <a:prstGeom prst="rect">
+            <a:avLst/>
+          </a:prstGeom>
+          <a:solidFill>
+            <a:schemeClr val="accent4"/>
+          </a:solidFill>
+          <a:ln>
+            <a:noFill/>
+          </a:ln>
+        </p:spPr>
+        <p:style>
+          <a:lnRef idx="2">
+            <a:schemeClr val="accent1">
+              <a:shade val="50000"/>
+            </a:schemeClr>
+          </a:lnRef>
+          <a:fillRef idx="1">
+            <a:schemeClr val="accent1"/>
+          </a:fillRef>
+          <a:effectRef idx="0">
+            <a:schemeClr val="accent1"/>
+          </a:effectRef>
+          <a:fontRef idx="minor">
+            <a:schemeClr val="lt1"/>
+          </a:fontRef>
+        </p:style>
+        <p:txBody>
+          <a:bodyPr rtlCol="0" anchor="ctr"/>
+          <a:lstStyle/>
+          <a:p>
+            <a:pPr algn="ctr"/>
+            <a:endParaRPr lang="en-US"/>
+          </a:p>
+        </p:txBody>
+      </p:sp>
+    </p:spTree>
+    <p:extLst>
+      <p:ext uri="{BB962C8B-B14F-4D97-AF65-F5344CB8AC3E}">
+        <p14:creationId xmlns:p14="http://schemas.microsoft.com/office/powerpoint/2010/main" val="4009704502"/>
+      </p:ext>
+    </p:extLst>
+  </p:cSld>
+  <p:clrMapOvr>
+    <a:masterClrMapping/>
+  </p:clrMapOvr>
+</p:sld>
+</file>
+
+<file path=ppt/slides/slide5.xml><?xml version="1.0" encoding="utf-8"?>
+<p:sld xmlns:a="http://schemas.openxmlformats.org/drawingml/2006/main" xmlns:r="http://schemas.openxmlformats.org/officeDocument/2006/relationships" xmlns:p="http://schemas.openxmlformats.org/presentationml/2006/main">
+  <p:cSld>
+    <p:spTree>
+      <p:nvGrpSpPr>
+        <p:cNvPr id="1" name=""/>
+        <p:cNvGrpSpPr/>
+        <p:nvPr/>
+      </p:nvGrpSpPr>
+      <p:grpSpPr>
+        <a:xfrm>
+          <a:off x="0" y="0"/>
+          <a:ext cx="0" cy="0"/>
+          <a:chOff x="0" y="0"/>
+          <a:chExt cx="0" cy="0"/>
+        </a:xfrm>
+      </p:grpSpPr>
+      <p:sp>
+        <p:nvSpPr>
+          <p:cNvPr id="2" name="Titel 1">
+            <a:extLst>
+              <a:ext uri="{FF2B5EF4-FFF2-40B4-BE49-F238E27FC236}">
+                <a16:creationId xmlns:a16="http://schemas.microsoft.com/office/drawing/2014/main" id="{03CA394F-8D35-4A4C-8755-884B12F46510}"/>
+              </a:ext>
+            </a:extLst>
+          </p:cNvPr>
+          <p:cNvSpPr>
+            <a:spLocks noGrp="1"/>
+          </p:cNvSpPr>
+          <p:nvPr>
+            <p:ph type="title"/>
+          </p:nvPr>
+        </p:nvSpPr>
+        <p:spPr/>
+        <p:txBody>
+          <a:bodyPr/>
+          <a:lstStyle/>
+          <a:p>
+            <a:r>
+              <a:rPr lang="de-AT"/>
+              <a:t>AI Model</a:t>
+            </a:r>
+            <a:endParaRPr lang="de-AT" dirty="0"/>
+          </a:p>
+        </p:txBody>
+      </p:sp>
+      <p:sp>
+        <p:nvSpPr>
+          <p:cNvPr id="3" name="Inhaltsplatzhalter 2">
+            <a:extLst>
+              <a:ext uri="{FF2B5EF4-FFF2-40B4-BE49-F238E27FC236}">
+                <a16:creationId xmlns:a16="http://schemas.microsoft.com/office/drawing/2014/main" id="{43E7BBF3-425B-4B59-B514-0B906ADE375E}"/>
+              </a:ext>
+            </a:extLst>
+          </p:cNvPr>
+          <p:cNvSpPr>
+            <a:spLocks noGrp="1"/>
+          </p:cNvSpPr>
+          <p:nvPr>
+            <p:ph idx="1"/>
+          </p:nvPr>
+        </p:nvSpPr>
+        <p:spPr/>
+        <p:txBody>
+          <a:bodyPr/>
+          <a:lstStyle/>
+          <a:p>
+            <a:r>
+              <a:rPr lang="de-AT" dirty="0"/>
+              <a:t>Verwendung eines fertigen Modells</a:t>
+            </a:r>
+          </a:p>
+          <a:p>
+            <a:pPr lvl="1"/>
+            <a:r>
+              <a:rPr lang="de-AT" dirty="0"/>
+              <a:t>Trainiert auf COCO 2017 Dataset </a:t>
+            </a:r>
+          </a:p>
+          <a:p>
+            <a:pPr lvl="1"/>
+            <a:r>
+              <a:rPr lang="de-AT" dirty="0"/>
+              <a:t>Aufbau für </a:t>
+            </a:r>
+            <a:r>
+              <a:rPr lang="de-AT" dirty="0" err="1"/>
+              <a:t>Object</a:t>
+            </a:r>
+            <a:r>
+              <a:rPr lang="de-AT" dirty="0"/>
+              <a:t> </a:t>
+            </a:r>
+            <a:r>
+              <a:rPr lang="de-AT" dirty="0" err="1"/>
+              <a:t>Detection</a:t>
+            </a:r>
+            <a:r>
+              <a:rPr lang="de-AT" dirty="0"/>
+              <a:t> optimiert</a:t>
+            </a:r>
+          </a:p>
+          <a:p>
+            <a:r>
+              <a:rPr lang="de-AT" dirty="0"/>
+              <a:t>Umlernen des Netzwerks für unsere Daten</a:t>
+            </a:r>
+          </a:p>
+          <a:p>
+            <a:r>
+              <a:rPr lang="de-AT" dirty="0"/>
+              <a:t>Konfiguration</a:t>
+            </a:r>
+          </a:p>
+          <a:p>
+            <a:pPr lvl="1"/>
+            <a:r>
+              <a:rPr lang="de-AT" dirty="0"/>
+              <a:t> </a:t>
+            </a:r>
+            <a:r>
+              <a:rPr lang="de-AT" dirty="0" err="1"/>
+              <a:t>Tensorflow</a:t>
+            </a:r>
+            <a:r>
+              <a:rPr lang="de-AT" dirty="0"/>
+              <a:t> 2 </a:t>
+            </a:r>
+            <a:r>
+              <a:rPr lang="de-AT" dirty="0" err="1"/>
+              <a:t>Object</a:t>
+            </a:r>
+            <a:r>
+              <a:rPr lang="de-AT" dirty="0"/>
+              <a:t> </a:t>
+            </a:r>
+            <a:r>
+              <a:rPr lang="de-AT" dirty="0" err="1"/>
+              <a:t>Detection</a:t>
+            </a:r>
+            <a:r>
+              <a:rPr lang="de-AT" dirty="0"/>
+              <a:t> API</a:t>
+            </a:r>
+          </a:p>
+          <a:p>
+            <a:r>
+              <a:rPr lang="de-AT" dirty="0"/>
+              <a:t>0 Falsch-Detektionen auf allen </a:t>
+            </a:r>
+            <a:r>
+              <a:rPr lang="de-AT" dirty="0" err="1"/>
+              <a:t>Test-und</a:t>
+            </a:r>
+            <a:r>
+              <a:rPr lang="de-AT" dirty="0"/>
+              <a:t> Trainingsdaten</a:t>
+            </a:r>
+          </a:p>
+          <a:p>
+            <a:endParaRPr lang="de-AT" dirty="0"/>
+          </a:p>
+        </p:txBody>
+      </p:sp>
+      <p:pic>
+        <p:nvPicPr>
+          <p:cNvPr id="5" name="Grafik 4">
+            <a:extLst>
+              <a:ext uri="{FF2B5EF4-FFF2-40B4-BE49-F238E27FC236}">
+                <a16:creationId xmlns:a16="http://schemas.microsoft.com/office/drawing/2014/main" id="{1D0B403E-7F7E-4FB5-9F73-F1429A69CAC8}"/>
+              </a:ext>
+            </a:extLst>
+          </p:cNvPr>
+          <p:cNvPicPr>
+            <a:picLocks noChangeAspect="1"/>
+          </p:cNvPicPr>
+          <p:nvPr/>
+        </p:nvPicPr>
+        <p:blipFill>
+          <a:blip r:embed="rId2"/>
+          <a:stretch>
+            <a:fillRect/>
+          </a:stretch>
+        </p:blipFill>
+        <p:spPr>
+          <a:xfrm>
+            <a:off x="6991350" y="903621"/>
+            <a:ext cx="4362450" cy="2143125"/>
+          </a:xfrm>
+          <a:prstGeom prst="rect">
+            <a:avLst/>
+          </a:prstGeom>
+        </p:spPr>
+      </p:pic>
+    </p:spTree>
+    <p:extLst>
+      <p:ext uri="{BB962C8B-B14F-4D97-AF65-F5344CB8AC3E}">
+        <p14:creationId xmlns:p14="http://schemas.microsoft.com/office/powerpoint/2010/main" val="335075444"/>
+      </p:ext>
+    </p:extLst>
+  </p:cSld>
+  <p:clrMapOvr>
+    <a:masterClrMapping/>
+  </p:clrMapOvr>
+</p:sld>
+</file>
+
+<file path=ppt/slides/slide6.xml><?xml version="1.0" encoding="utf-8"?>
+<p:sld xmlns:a="http://schemas.openxmlformats.org/drawingml/2006/main" xmlns:r="http://schemas.openxmlformats.org/officeDocument/2006/relationships" xmlns:p="http://schemas.openxmlformats.org/presentationml/2006/main">
+  <p:cSld>
+    <p:spTree>
+      <p:nvGrpSpPr>
+        <p:cNvPr id="1" name=""/>
+        <p:cNvGrpSpPr/>
+        <p:nvPr/>
+      </p:nvGrpSpPr>
+      <p:grpSpPr>
+        <a:xfrm>
+          <a:off x="0" y="0"/>
+          <a:ext cx="0" cy="0"/>
+          <a:chOff x="0" y="0"/>
+          <a:chExt cx="0" cy="0"/>
+        </a:xfrm>
+      </p:grpSpPr>
+      <p:sp>
+        <p:nvSpPr>
+          <p:cNvPr id="2" name="Titel 1">
+            <a:extLst>
+              <a:ext uri="{FF2B5EF4-FFF2-40B4-BE49-F238E27FC236}">
+                <a16:creationId xmlns:a16="http://schemas.microsoft.com/office/drawing/2014/main" id="{03CA394F-8D35-4A4C-8755-884B12F46510}"/>
+              </a:ext>
+            </a:extLst>
+          </p:cNvPr>
+          <p:cNvSpPr>
+            <a:spLocks noGrp="1"/>
+          </p:cNvSpPr>
+          <p:nvPr>
+            <p:ph type="title"/>
+          </p:nvPr>
+        </p:nvSpPr>
+        <p:spPr/>
+        <p:txBody>
+          <a:bodyPr/>
+          <a:lstStyle/>
+          <a:p>
+            <a:r>
+              <a:rPr lang="de-AT" dirty="0"/>
+              <a:t>Training</a:t>
+            </a:r>
+          </a:p>
+        </p:txBody>
+      </p:sp>
+      <p:pic>
+        <p:nvPicPr>
+          <p:cNvPr id="1026" name="Picture 2">
+            <a:extLst>
+              <a:ext uri="{FF2B5EF4-FFF2-40B4-BE49-F238E27FC236}">
+                <a16:creationId xmlns:a16="http://schemas.microsoft.com/office/drawing/2014/main" id="{9554879E-B655-4F21-8B9D-87A80103F79E}"/>
+              </a:ext>
+            </a:extLst>
+          </p:cNvPr>
+          <p:cNvPicPr>
+            <a:picLocks noGrp="1" noChangeAspect="1" noChangeArrowheads="1"/>
+          </p:cNvPicPr>
+          <p:nvPr>
+            <p:ph idx="1"/>
+          </p:nvPr>
+        </p:nvPicPr>
+        <p:blipFill>
+          <a:blip r:embed="rId2">
+            <a:extLst>
+              <a:ext uri="{28A0092B-C50C-407E-A947-70E740481C1C}">
+                <a14:useLocalDpi xmlns:a14="http://schemas.microsoft.com/office/drawing/2010/main" val="0"/>
+              </a:ext>
+            </a:extLst>
+          </a:blip>
+          <a:srcRect/>
+          <a:stretch>
+            <a:fillRect/>
+          </a:stretch>
+        </p:blipFill>
+        <p:spPr bwMode="auto">
+          <a:xfrm>
+            <a:off x="838200" y="1377949"/>
+            <a:ext cx="5429250" cy="4974551"/>
+          </a:xfrm>
+          <a:prstGeom prst="rect">
+            <a:avLst/>
+          </a:prstGeom>
+          <a:noFill/>
+          <a:extLst>
+            <a:ext uri="{909E8E84-426E-40DD-AFC4-6F175D3DCCD1}">
+              <a14:hiddenFill xmlns:a14="http://schemas.microsoft.com/office/drawing/2010/main">
+                <a:solidFill>
+                  <a:srgbClr val="FFFFFF"/>
+                </a:solidFill>
+              </a14:hiddenFill>
+            </a:ext>
+          </a:extLst>
+        </p:spPr>
+      </p:pic>
+      <p:pic>
+        <p:nvPicPr>
+          <p:cNvPr id="1028" name="Picture 4" descr="Image">
+            <a:extLst>
+              <a:ext uri="{FF2B5EF4-FFF2-40B4-BE49-F238E27FC236}">
+                <a16:creationId xmlns:a16="http://schemas.microsoft.com/office/drawing/2014/main" id="{F9A4434A-C217-4416-B40F-5EB4A42CE71C}"/>
+              </a:ext>
+            </a:extLst>
+          </p:cNvPr>
+          <p:cNvPicPr>
+            <a:picLocks noChangeAspect="1" noChangeArrowheads="1"/>
+          </p:cNvPicPr>
+          <p:nvPr/>
+        </p:nvPicPr>
+        <p:blipFill>
+          <a:blip r:embed="rId3">
+            <a:extLst>
+              <a:ext uri="{28A0092B-C50C-407E-A947-70E740481C1C}">
+                <a14:useLocalDpi xmlns:a14="http://schemas.microsoft.com/office/drawing/2010/main" val="0"/>
+              </a:ext>
+            </a:extLst>
+          </a:blip>
+          <a:srcRect/>
+          <a:stretch>
+            <a:fillRect/>
+          </a:stretch>
+        </p:blipFill>
+        <p:spPr bwMode="auto">
+          <a:xfrm>
+            <a:off x="3638550" y="635457"/>
+            <a:ext cx="7620000" cy="3048000"/>
+          </a:xfrm>
+          <a:prstGeom prst="rect">
+            <a:avLst/>
+          </a:prstGeom>
+          <a:noFill/>
+          <a:extLst>
+            <a:ext uri="{909E8E84-426E-40DD-AFC4-6F175D3DCCD1}">
+              <a14:hiddenFill xmlns:a14="http://schemas.microsoft.com/office/drawing/2010/main">
+                <a:solidFill>
+                  <a:srgbClr val="FFFFFF"/>
+                </a:solidFill>
+              </a14:hiddenFill>
+            </a:ext>
+          </a:extLst>
+        </p:spPr>
+      </p:pic>
+      <p:pic>
+        <p:nvPicPr>
+          <p:cNvPr id="1030" name="Picture 6">
+            <a:extLst>
+              <a:ext uri="{FF2B5EF4-FFF2-40B4-BE49-F238E27FC236}">
+                <a16:creationId xmlns:a16="http://schemas.microsoft.com/office/drawing/2014/main" id="{B5786538-F6A3-4A49-91DD-2DA57F4BEB63}"/>
+              </a:ext>
+            </a:extLst>
+          </p:cNvPr>
+          <p:cNvPicPr>
+            <a:picLocks noChangeAspect="1" noChangeArrowheads="1"/>
+          </p:cNvPicPr>
+          <p:nvPr/>
+        </p:nvPicPr>
+        <p:blipFill>
+          <a:blip r:embed="rId4">
+            <a:extLst>
+              <a:ext uri="{28A0092B-C50C-407E-A947-70E740481C1C}">
+                <a14:useLocalDpi xmlns:a14="http://schemas.microsoft.com/office/drawing/2010/main" val="0"/>
+              </a:ext>
+            </a:extLst>
+          </a:blip>
+          <a:srcRect/>
+          <a:stretch>
+            <a:fillRect/>
+          </a:stretch>
+        </p:blipFill>
+        <p:spPr bwMode="auto">
+          <a:xfrm>
+            <a:off x="6781800" y="2907843"/>
+            <a:ext cx="3638550" cy="3314700"/>
+          </a:xfrm>
+          <a:prstGeom prst="rect">
+            <a:avLst/>
+          </a:prstGeom>
+          <a:noFill/>
+          <a:extLst>
+            <a:ext uri="{909E8E84-426E-40DD-AFC4-6F175D3DCCD1}">
+              <a14:hiddenFill xmlns:a14="http://schemas.microsoft.com/office/drawing/2010/main">
+                <a:solidFill>
+                  <a:srgbClr val="FFFFFF"/>
+                </a:solidFill>
+              </a14:hiddenFill>
+            </a:ext>
+          </a:extLst>
+        </p:spPr>
+      </p:pic>
+    </p:spTree>
+    <p:extLst>
+      <p:ext uri="{BB962C8B-B14F-4D97-AF65-F5344CB8AC3E}">
+        <p14:creationId xmlns:p14="http://schemas.microsoft.com/office/powerpoint/2010/main" val="221547914"/>
+      </p:ext>
+    </p:extLst>
+  </p:cSld>
+  <p:clrMapOvr>
+    <a:masterClrMapping/>
+  </p:clrMapOvr>
+</p:sld>
+</file>
+
+<file path=ppt/slides/slide7.xml><?xml version="1.0" encoding="utf-8"?>
+<p:sld xmlns:a="http://schemas.openxmlformats.org/drawingml/2006/main" xmlns:r="http://schemas.openxmlformats.org/officeDocument/2006/relationships" xmlns:p="http://schemas.openxmlformats.org/presentationml/2006/main">
+  <p:cSld>
+    <p:spTree>
+      <p:nvGrpSpPr>
+        <p:cNvPr id="1" name=""/>
+        <p:cNvGrpSpPr/>
+        <p:nvPr/>
+      </p:nvGrpSpPr>
+      <p:grpSpPr>
+        <a:xfrm>
+          <a:off x="0" y="0"/>
+          <a:ext cx="0" cy="0"/>
+          <a:chOff x="0" y="0"/>
+          <a:chExt cx="0" cy="0"/>
+        </a:xfrm>
+      </p:grpSpPr>
+      <p:sp>
+        <p:nvSpPr>
+          <p:cNvPr id="2" name="Titel 1">
+            <a:extLst>
+              <a:ext uri="{FF2B5EF4-FFF2-40B4-BE49-F238E27FC236}">
+                <a16:creationId xmlns:a16="http://schemas.microsoft.com/office/drawing/2014/main" id="{E8142FAE-3BEE-4352-AC6A-D6B2AB183870}"/>
+              </a:ext>
+            </a:extLst>
+          </p:cNvPr>
+          <p:cNvSpPr>
+            <a:spLocks noGrp="1"/>
+          </p:cNvSpPr>
+          <p:nvPr>
+            <p:ph type="title"/>
+          </p:nvPr>
+        </p:nvSpPr>
+        <p:spPr/>
+        <p:txBody>
+          <a:bodyPr/>
+          <a:lstStyle/>
+          <a:p>
+            <a:r>
+              <a:rPr lang="de-AT" dirty="0"/>
+              <a:t>Ausschneiden</a:t>
+            </a:r>
+          </a:p>
+        </p:txBody>
+      </p:sp>
+      <p:pic>
+        <p:nvPicPr>
+          <p:cNvPr id="5" name="Inhaltsplatzhalter 4">
+            <a:extLst>
+              <a:ext uri="{FF2B5EF4-FFF2-40B4-BE49-F238E27FC236}">
+                <a16:creationId xmlns:a16="http://schemas.microsoft.com/office/drawing/2014/main" id="{299EDD50-F481-40A9-BB15-38DFAD3AE75E}"/>
+              </a:ext>
+            </a:extLst>
+          </p:cNvPr>
+          <p:cNvPicPr>
+            <a:picLocks noGrp="1" noChangeAspect="1"/>
+          </p:cNvPicPr>
+          <p:nvPr>
+            <p:ph idx="1"/>
+          </p:nvPr>
+        </p:nvPicPr>
+        <p:blipFill>
+          <a:blip r:embed="rId2"/>
+          <a:stretch>
+            <a:fillRect/>
+          </a:stretch>
+        </p:blipFill>
+        <p:spPr>
+          <a:xfrm>
+            <a:off x="519112" y="3662759"/>
+            <a:ext cx="2285412" cy="1566069"/>
+          </a:xfrm>
+        </p:spPr>
+      </p:pic>
+      <p:pic>
+        <p:nvPicPr>
+          <p:cNvPr id="7" name="Grafik 6">
+            <a:extLst>
+              <a:ext uri="{FF2B5EF4-FFF2-40B4-BE49-F238E27FC236}">
+                <a16:creationId xmlns:a16="http://schemas.microsoft.com/office/drawing/2014/main" id="{1A9CB095-CEB8-4483-80DE-0B0A1A42E19A}"/>
+              </a:ext>
+            </a:extLst>
+          </p:cNvPr>
+          <p:cNvPicPr>
+            <a:picLocks noChangeAspect="1"/>
+          </p:cNvPicPr>
+          <p:nvPr/>
+        </p:nvPicPr>
+        <p:blipFill>
+          <a:blip r:embed="rId3"/>
+          <a:stretch>
+            <a:fillRect/>
+          </a:stretch>
+        </p:blipFill>
+        <p:spPr>
+          <a:xfrm>
+            <a:off x="4214812" y="3298030"/>
+            <a:ext cx="2276475" cy="2295525"/>
+          </a:xfrm>
+          <a:prstGeom prst="rect">
+            <a:avLst/>
+          </a:prstGeom>
+        </p:spPr>
+      </p:pic>
+      <p:sp>
+        <p:nvSpPr>
+          <p:cNvPr id="9" name="Inhaltsplatzhalter 2">
+            <a:extLst>
+              <a:ext uri="{FF2B5EF4-FFF2-40B4-BE49-F238E27FC236}">
+                <a16:creationId xmlns:a16="http://schemas.microsoft.com/office/drawing/2014/main" id="{2E7119DB-B3BD-4A3B-91B8-6F57460858A0}"/>
+              </a:ext>
+            </a:extLst>
+          </p:cNvPr>
+          <p:cNvSpPr txBox="1">
+            <a:spLocks/>
+          </p:cNvSpPr>
+          <p:nvPr/>
+        </p:nvSpPr>
+        <p:spPr>
+          <a:xfrm>
+            <a:off x="838200" y="1825625"/>
+            <a:ext cx="10515600" cy="4351338"/>
+          </a:xfrm>
+          <a:prstGeom prst="rect">
+            <a:avLst/>
+          </a:prstGeom>
+        </p:spPr>
+        <p:txBody>
+          <a:bodyPr vert="horz" lIns="91440" tIns="45720" rIns="91440" bIns="45720" rtlCol="0">
+            <a:normAutofit/>
+          </a:bodyPr>
+          <a:lstStyle>
+            <a:lvl1pPr marL="228600" indent="-228600" algn="l" defTabSz="914400" rtl="0" eaLnBrk="1" latinLnBrk="0" hangingPunct="1">
+              <a:lnSpc>
+                <a:spcPct val="90000"/>
+              </a:lnSpc>
+              <a:spcBef>
+                <a:spcPts val="1000"/>
+              </a:spcBef>
+              <a:buFont typeface="Arial" panose="020B0604020202020204" pitchFamily="34" charset="0"/>
+              <a:buChar char="•"/>
+              <a:defRPr sz="2800" kern="1200">
+                <a:solidFill>
+                  <a:schemeClr val="tx1"/>
+                </a:solidFill>
+                <a:latin typeface="+mn-lt"/>
+                <a:ea typeface="+mn-ea"/>
+                <a:cs typeface="+mn-cs"/>
+              </a:defRPr>
+            </a:lvl1pPr>
+            <a:lvl2pPr marL="685800" indent="-228600" algn="l" defTabSz="914400" rtl="0" eaLnBrk="1" latinLnBrk="0" hangingPunct="1">
+              <a:lnSpc>
+                <a:spcPct val="90000"/>
+              </a:lnSpc>
+              <a:spcBef>
+                <a:spcPts val="500"/>
+              </a:spcBef>
+              <a:buFont typeface="Arial" panose="020B0604020202020204" pitchFamily="34" charset="0"/>
+              <a:buChar char="•"/>
+              <a:defRPr sz="2400" kern="1200">
+                <a:solidFill>
+                  <a:schemeClr val="tx1"/>
+                </a:solidFill>
+                <a:latin typeface="+mn-lt"/>
+                <a:ea typeface="+mn-ea"/>
+                <a:cs typeface="+mn-cs"/>
+              </a:defRPr>
+            </a:lvl2pPr>
+            <a:lvl3pPr marL="1143000" indent="-228600" algn="l" defTabSz="914400" rtl="0" eaLnBrk="1" latinLnBrk="0" hangingPunct="1">
+              <a:lnSpc>
+                <a:spcPct val="90000"/>
+              </a:lnSpc>
+              <a:spcBef>
+                <a:spcPts val="500"/>
+              </a:spcBef>
+              <a:buFont typeface="Arial" panose="020B0604020202020204" pitchFamily="34" charset="0"/>
+              <a:buChar char="•"/>
+              <a:defRPr sz="2000" kern="1200">
+                <a:solidFill>
+                  <a:schemeClr val="tx1"/>
+                </a:solidFill>
+                <a:latin typeface="+mn-lt"/>
+                <a:ea typeface="+mn-ea"/>
+                <a:cs typeface="+mn-cs"/>
+              </a:defRPr>
+            </a:lvl3pPr>
+            <a:lvl4pPr marL="1600200" indent="-228600" algn="l" defTabSz="914400" rtl="0" eaLnBrk="1" latinLnBrk="0" hangingPunct="1">
+              <a:lnSpc>
+                <a:spcPct val="90000"/>
+              </a:lnSpc>
+              <a:spcBef>
+                <a:spcPts val="500"/>
+              </a:spcBef>
+              <a:buFont typeface="Arial" panose="020B0604020202020204" pitchFamily="34" charset="0"/>
+              <a:buChar char="•"/>
+              <a:defRPr sz="1800" kern="1200">
+                <a:solidFill>
+                  <a:schemeClr val="tx1"/>
+                </a:solidFill>
+                <a:latin typeface="+mn-lt"/>
+                <a:ea typeface="+mn-ea"/>
+                <a:cs typeface="+mn-cs"/>
+              </a:defRPr>
+            </a:lvl4pPr>
+            <a:lvl5pPr marL="2057400" indent="-228600" algn="l" defTabSz="914400" rtl="0" eaLnBrk="1" latinLnBrk="0" hangingPunct="1">
+              <a:lnSpc>
+                <a:spcPct val="90000"/>
+              </a:lnSpc>
+              <a:spcBef>
+                <a:spcPts val="500"/>
+              </a:spcBef>
+              <a:buFont typeface="Arial" panose="020B0604020202020204" pitchFamily="34" charset="0"/>
+              <a:buChar char="•"/>
+              <a:defRPr sz="1800" kern="1200">
+                <a:solidFill>
+                  <a:schemeClr val="tx1"/>
+                </a:solidFill>
+                <a:latin typeface="+mn-lt"/>
+                <a:ea typeface="+mn-ea"/>
+                <a:cs typeface="+mn-cs"/>
+              </a:defRPr>
+            </a:lvl5pPr>
+            <a:lvl6pPr marL="2514600" indent="-228600" algn="l" defTabSz="914400" rtl="0" eaLnBrk="1" latinLnBrk="0" hangingPunct="1">
+              <a:lnSpc>
+                <a:spcPct val="90000"/>
+              </a:lnSpc>
+              <a:spcBef>
+                <a:spcPts val="500"/>
+              </a:spcBef>
+              <a:buFont typeface="Arial" panose="020B0604020202020204" pitchFamily="34" charset="0"/>
+              <a:buChar char="•"/>
+              <a:defRPr sz="1800" kern="1200">
+                <a:solidFill>
+                  <a:schemeClr val="tx1"/>
+                </a:solidFill>
+                <a:latin typeface="+mn-lt"/>
+                <a:ea typeface="+mn-ea"/>
+                <a:cs typeface="+mn-cs"/>
+              </a:defRPr>
+            </a:lvl6pPr>
+            <a:lvl7pPr marL="2971800" indent="-228600" algn="l" defTabSz="914400" rtl="0" eaLnBrk="1" latinLnBrk="0" hangingPunct="1">
+              <a:lnSpc>
+                <a:spcPct val="90000"/>
+              </a:lnSpc>
+              <a:spcBef>
+                <a:spcPts val="500"/>
+              </a:spcBef>
+              <a:buFont typeface="Arial" panose="020B0604020202020204" pitchFamily="34" charset="0"/>
+              <a:buChar char="•"/>
+              <a:defRPr sz="1800" kern="1200">
+                <a:solidFill>
+                  <a:schemeClr val="tx1"/>
+                </a:solidFill>
+                <a:latin typeface="+mn-lt"/>
+                <a:ea typeface="+mn-ea"/>
+                <a:cs typeface="+mn-cs"/>
+              </a:defRPr>
+            </a:lvl7pPr>
+            <a:lvl8pPr marL="3429000" indent="-228600" algn="l" defTabSz="914400" rtl="0" eaLnBrk="1" latinLnBrk="0" hangingPunct="1">
+              <a:lnSpc>
+                <a:spcPct val="90000"/>
+              </a:lnSpc>
+              <a:spcBef>
+                <a:spcPts val="500"/>
+              </a:spcBef>
+              <a:buFont typeface="Arial" panose="020B0604020202020204" pitchFamily="34" charset="0"/>
+              <a:buChar char="•"/>
+              <a:defRPr sz="1800" kern="1200">
+                <a:solidFill>
+                  <a:schemeClr val="tx1"/>
+                </a:solidFill>
+                <a:latin typeface="+mn-lt"/>
+                <a:ea typeface="+mn-ea"/>
+                <a:cs typeface="+mn-cs"/>
+              </a:defRPr>
+            </a:lvl8pPr>
+            <a:lvl9pPr marL="3886200" indent="-228600" algn="l" defTabSz="914400" rtl="0" eaLnBrk="1" latinLnBrk="0" hangingPunct="1">
+              <a:lnSpc>
+                <a:spcPct val="90000"/>
+              </a:lnSpc>
+              <a:spcBef>
+                <a:spcPts val="500"/>
+              </a:spcBef>
+              <a:buFont typeface="Arial" panose="020B0604020202020204" pitchFamily="34" charset="0"/>
+              <a:buChar char="•"/>
+              <a:defRPr sz="1800" kern="1200">
+                <a:solidFill>
+                  <a:schemeClr val="tx1"/>
+                </a:solidFill>
+                <a:latin typeface="+mn-lt"/>
+                <a:ea typeface="+mn-ea"/>
+                <a:cs typeface="+mn-cs"/>
+              </a:defRPr>
+            </a:lvl9pPr>
+          </a:lstStyle>
+          <a:p>
+            <a:r>
+              <a:rPr lang="de-AT" dirty="0"/>
+              <a:t>Analyse der Prädiktions-Raten und Setzen eines </a:t>
+            </a:r>
+            <a:r>
+              <a:rPr lang="de-AT" dirty="0" err="1"/>
+              <a:t>Thresholds</a:t>
+            </a:r>
+            <a:endParaRPr lang="de-AT" dirty="0"/>
+          </a:p>
+          <a:p>
+            <a:r>
+              <a:rPr lang="de-AT" dirty="0"/>
+              <a:t>Ausschneiden mit Hilfe der </a:t>
+            </a:r>
+            <a:r>
+              <a:rPr lang="de-AT" dirty="0" err="1"/>
+              <a:t>Bounding</a:t>
+            </a:r>
+            <a:r>
+              <a:rPr lang="de-AT" dirty="0"/>
+              <a:t> Boxes</a:t>
+            </a:r>
+          </a:p>
+        </p:txBody>
+      </p:sp>
+      <p:pic>
+        <p:nvPicPr>
+          <p:cNvPr id="11" name="Grafik 10">
+            <a:extLst>
+              <a:ext uri="{FF2B5EF4-FFF2-40B4-BE49-F238E27FC236}">
+                <a16:creationId xmlns:a16="http://schemas.microsoft.com/office/drawing/2014/main" id="{A717F68E-1468-4460-B4EC-AD77E140B588}"/>
+              </a:ext>
+            </a:extLst>
+          </p:cNvPr>
+          <p:cNvPicPr>
+            <a:picLocks noChangeAspect="1"/>
+          </p:cNvPicPr>
+          <p:nvPr/>
+        </p:nvPicPr>
+        <p:blipFill>
+          <a:blip r:embed="rId4"/>
+          <a:stretch>
+            <a:fillRect/>
+          </a:stretch>
+        </p:blipFill>
+        <p:spPr>
+          <a:xfrm>
+            <a:off x="7705725" y="2762250"/>
+            <a:ext cx="4260533" cy="3167063"/>
+          </a:xfrm>
+          <a:prstGeom prst="rect">
+            <a:avLst/>
+          </a:prstGeom>
+        </p:spPr>
+      </p:pic>
+      <p:sp>
+        <p:nvSpPr>
+          <p:cNvPr id="12" name="Pfeil: nach rechts 11">
+            <a:extLst>
+              <a:ext uri="{FF2B5EF4-FFF2-40B4-BE49-F238E27FC236}">
+                <a16:creationId xmlns:a16="http://schemas.microsoft.com/office/drawing/2014/main" id="{54193088-2BBE-4DA5-A2E2-D3CF7E15373A}"/>
+              </a:ext>
+            </a:extLst>
+          </p:cNvPr>
+          <p:cNvSpPr/>
+          <p:nvPr/>
+        </p:nvSpPr>
+        <p:spPr>
+          <a:xfrm>
+            <a:off x="6316505" y="4083843"/>
+            <a:ext cx="1427320" cy="723900"/>
+          </a:xfrm>
+          <a:prstGeom prst="rightArrow">
+            <a:avLst/>
+          </a:prstGeom>
+        </p:spPr>
+        <p:style>
+          <a:lnRef idx="2">
+            <a:schemeClr val="accent1">
+              <a:shade val="50000"/>
+            </a:schemeClr>
+          </a:lnRef>
+          <a:fillRef idx="1">
+            <a:schemeClr val="accent1"/>
+          </a:fillRef>
+          <a:effectRef idx="0">
+            <a:schemeClr val="accent1"/>
+          </a:effectRef>
+          <a:fontRef idx="minor">
+            <a:schemeClr val="lt1"/>
+          </a:fontRef>
+        </p:style>
+        <p:txBody>
+          <a:bodyPr rtlCol="0" anchor="ctr"/>
+          <a:lstStyle/>
+          <a:p>
+            <a:pPr algn="ctr"/>
+            <a:endParaRPr lang="de-AT"/>
+          </a:p>
+        </p:txBody>
+      </p:sp>
+      <p:sp>
+        <p:nvSpPr>
+          <p:cNvPr id="13" name="Pfeil: nach rechts 12">
+            <a:extLst>
+              <a:ext uri="{FF2B5EF4-FFF2-40B4-BE49-F238E27FC236}">
+                <a16:creationId xmlns:a16="http://schemas.microsoft.com/office/drawing/2014/main" id="{C984C4E6-82D7-46D1-80C0-EF6404624E5A}"/>
+              </a:ext>
+            </a:extLst>
+          </p:cNvPr>
+          <p:cNvSpPr/>
+          <p:nvPr/>
+        </p:nvSpPr>
+        <p:spPr>
+          <a:xfrm>
+            <a:off x="3182191" y="4083843"/>
+            <a:ext cx="1427320" cy="723900"/>
+          </a:xfrm>
+          <a:prstGeom prst="rightArrow">
+            <a:avLst/>
+          </a:prstGeom>
+        </p:spPr>
+        <p:style>
+          <a:lnRef idx="2">
+            <a:schemeClr val="accent1">
+              <a:shade val="50000"/>
+            </a:schemeClr>
+          </a:lnRef>
+          <a:fillRef idx="1">
+            <a:schemeClr val="accent1"/>
+          </a:fillRef>
+          <a:effectRef idx="0">
+            <a:schemeClr val="accent1"/>
+          </a:effectRef>
+          <a:fontRef idx="minor">
+            <a:schemeClr val="lt1"/>
+          </a:fontRef>
+        </p:style>
+        <p:txBody>
+          <a:bodyPr rtlCol="0" anchor="ctr"/>
+          <a:lstStyle/>
+          <a:p>
+            <a:pPr algn="ctr"/>
+            <a:endParaRPr lang="de-AT"/>
+          </a:p>
+        </p:txBody>
+      </p:sp>
+    </p:spTree>
+    <p:extLst>
+      <p:ext uri="{BB962C8B-B14F-4D97-AF65-F5344CB8AC3E}">
+        <p14:creationId xmlns:p14="http://schemas.microsoft.com/office/powerpoint/2010/main" val="2337062570"/>
+      </p:ext>
+    </p:extLst>
+  </p:cSld>
+  <p:clrMapOvr>
+    <a:masterClrMapping/>
+  </p:clrMapOvr>
+</p:sld>
+</file>
+
+<file path=ppt/slides/slide8.xml><?xml version="1.0" encoding="utf-8"?>
+<p:sld xmlns:a="http://schemas.openxmlformats.org/drawingml/2006/main" xmlns:r="http://schemas.openxmlformats.org/officeDocument/2006/relationships" xmlns:p="http://schemas.openxmlformats.org/presentationml/2006/main">
+  <p:cSld>
+    <p:spTree>
+      <p:nvGrpSpPr>
+        <p:cNvPr id="1" name=""/>
+        <p:cNvGrpSpPr/>
+        <p:nvPr/>
+      </p:nvGrpSpPr>
+      <p:grpSpPr>
+        <a:xfrm>
+          <a:off x="0" y="0"/>
+          <a:ext cx="0" cy="0"/>
+          <a:chOff x="0" y="0"/>
+          <a:chExt cx="0" cy="0"/>
+        </a:xfrm>
+      </p:grpSpPr>
+      <p:sp>
+        <p:nvSpPr>
+          <p:cNvPr id="2" name="Titel 1">
+            <a:extLst>
+              <a:ext uri="{FF2B5EF4-FFF2-40B4-BE49-F238E27FC236}">
+                <a16:creationId xmlns:a16="http://schemas.microsoft.com/office/drawing/2014/main" id="{FDCB31F9-A7D9-4562-A802-D0223B08E39E}"/>
+              </a:ext>
+            </a:extLst>
+          </p:cNvPr>
+          <p:cNvSpPr>
+            <a:spLocks noGrp="1"/>
+          </p:cNvSpPr>
+          <p:nvPr>
+            <p:ph type="title"/>
+          </p:nvPr>
+        </p:nvSpPr>
+        <p:spPr/>
+        <p:txBody>
+          <a:bodyPr/>
+          <a:lstStyle/>
+          <a:p>
+            <a:r>
+              <a:rPr lang="de-AT" dirty="0"/>
+              <a:t>Feature Detektion – 1. Lösungsansatz</a:t>
+            </a:r>
+          </a:p>
+        </p:txBody>
+      </p:sp>
+      <p:sp>
+        <p:nvSpPr>
+          <p:cNvPr id="3" name="Inhaltsplatzhalter 2">
+            <a:extLst>
+              <a:ext uri="{FF2B5EF4-FFF2-40B4-BE49-F238E27FC236}">
+                <a16:creationId xmlns:a16="http://schemas.microsoft.com/office/drawing/2014/main" id="{9E086109-A865-491E-8199-31771C640B6F}"/>
+              </a:ext>
+            </a:extLst>
+          </p:cNvPr>
+          <p:cNvSpPr>
+            <a:spLocks noGrp="1"/>
+          </p:cNvSpPr>
+          <p:nvPr>
+            <p:ph idx="1"/>
+          </p:nvPr>
+        </p:nvSpPr>
+        <p:spPr/>
+        <p:txBody>
+          <a:bodyPr/>
+          <a:lstStyle/>
+          <a:p>
+            <a:r>
+              <a:rPr lang="de-AT" dirty="0"/>
+              <a:t>Rotieren und Template </a:t>
+            </a:r>
+            <a:r>
+              <a:rPr lang="de-AT" dirty="0" err="1"/>
+              <a:t>Matching</a:t>
+            </a:r>
+            <a:r>
+              <a:rPr lang="de-AT" dirty="0"/>
+              <a:t> für richtige Position von Indy</a:t>
+            </a:r>
+          </a:p>
+          <a:p>
+            <a:r>
+              <a:rPr lang="de-AT" dirty="0"/>
+              <a:t>Template </a:t>
+            </a:r>
+            <a:r>
+              <a:rPr lang="de-AT" dirty="0" err="1"/>
+              <a:t>Matching</a:t>
+            </a:r>
+            <a:r>
+              <a:rPr lang="de-AT" dirty="0"/>
+              <a:t> der einzelnen Features</a:t>
+            </a:r>
+          </a:p>
+        </p:txBody>
+      </p:sp>
+    </p:spTree>
+    <p:extLst>
+      <p:ext uri="{BB962C8B-B14F-4D97-AF65-F5344CB8AC3E}">
+        <p14:creationId xmlns:p14="http://schemas.microsoft.com/office/powerpoint/2010/main" val="1117665653"/>
+      </p:ext>
+    </p:extLst>
+  </p:cSld>
+  <p:clrMapOvr>
+    <a:masterClrMapping/>
+  </p:clrMapOvr>
+</p:sld>
+</file>
+
+<file path=ppt/slides/slide9.xml><?xml version="1.0" encoding="utf-8"?>
+<p:sld xmlns:a="http://schemas.openxmlformats.org/drawingml/2006/main" xmlns:r="http://schemas.openxmlformats.org/officeDocument/2006/relationships" xmlns:p="http://schemas.openxmlformats.org/presentationml/2006/main">
+  <p:cSld>
+    <p:spTree>
+      <p:nvGrpSpPr>
+        <p:cNvPr id="1" name=""/>
+        <p:cNvGrpSpPr/>
+        <p:nvPr/>
+      </p:nvGrpSpPr>
+      <p:grpSpPr>
+        <a:xfrm>
+          <a:off x="0" y="0"/>
+          <a:ext cx="0" cy="0"/>
+          <a:chOff x="0" y="0"/>
+          <a:chExt cx="0" cy="0"/>
+        </a:xfrm>
+      </p:grpSpPr>
+      <p:sp>
+        <p:nvSpPr>
+          <p:cNvPr id="2" name="Titel 1">
+            <a:extLst>
+              <a:ext uri="{FF2B5EF4-FFF2-40B4-BE49-F238E27FC236}">
+                <a16:creationId xmlns:a16="http://schemas.microsoft.com/office/drawing/2014/main" id="{FDCB31F9-A7D9-4562-A802-D0223B08E39E}"/>
+              </a:ext>
+            </a:extLst>
+          </p:cNvPr>
+          <p:cNvSpPr>
+            <a:spLocks noGrp="1"/>
+          </p:cNvSpPr>
+          <p:nvPr>
+            <p:ph type="title"/>
+          </p:nvPr>
+        </p:nvSpPr>
+        <p:spPr/>
+        <p:txBody>
+          <a:bodyPr/>
+          <a:lstStyle/>
+          <a:p>
+            <a:r>
+              <a:rPr lang="de-AT" dirty="0"/>
+              <a:t>Feature Detektion – 2. Lösungsansatz</a:t>
+            </a:r>
+          </a:p>
+        </p:txBody>
+      </p:sp>
+      <p:sp>
+        <p:nvSpPr>
+          <p:cNvPr id="3" name="Inhaltsplatzhalter 2">
+            <a:extLst>
+              <a:ext uri="{FF2B5EF4-FFF2-40B4-BE49-F238E27FC236}">
+                <a16:creationId xmlns:a16="http://schemas.microsoft.com/office/drawing/2014/main" id="{9E086109-A865-491E-8199-31771C640B6F}"/>
+              </a:ext>
+            </a:extLst>
+          </p:cNvPr>
+          <p:cNvSpPr>
+            <a:spLocks noGrp="1"/>
+          </p:cNvSpPr>
+          <p:nvPr>
+            <p:ph idx="1"/>
+          </p:nvPr>
+        </p:nvSpPr>
+        <p:spPr/>
+        <p:txBody>
+          <a:bodyPr/>
+          <a:lstStyle/>
+          <a:p>
+            <a:r>
+              <a:rPr lang="de-AT" dirty="0" err="1"/>
+              <a:t>OpenCV</a:t>
+            </a:r>
+            <a:r>
+              <a:rPr lang="de-AT" dirty="0"/>
+              <a:t> Feature </a:t>
+            </a:r>
+            <a:r>
+              <a:rPr lang="de-AT" dirty="0" err="1"/>
+              <a:t>Matching</a:t>
+            </a:r>
+            <a:r>
+              <a:rPr lang="de-AT" dirty="0"/>
+              <a:t> via SIFT </a:t>
+            </a:r>
+          </a:p>
+        </p:txBody>
+      </p:sp>
+    </p:spTree>
+    <p:extLst>
+      <p:ext uri="{BB962C8B-B14F-4D97-AF65-F5344CB8AC3E}">
+        <p14:creationId xmlns:p14="http://schemas.microsoft.com/office/powerpoint/2010/main" val="3722719722"/>
       </p:ext>
     </p:extLst>
   </p:cSld>
@@ -3708,4 +12650,299 @@
     </a:ext>
   </a:extLst>
 </a:theme>
+</file>
+
+<file path=ppt/theme/theme2.xml><?xml version="1.0" encoding="utf-8"?>
+<a:theme xmlns:a="http://schemas.openxmlformats.org/drawingml/2006/main" name="Office">
+  <a:themeElements>
+    <a:clrScheme name="Office">
+      <a:dk1>
+        <a:sysClr val="windowText" lastClr="000000"/>
+      </a:dk1>
+      <a:lt1>
+        <a:sysClr val="window" lastClr="FFFFFF"/>
+      </a:lt1>
+      <a:dk2>
+        <a:srgbClr val="44546A"/>
+      </a:dk2>
+      <a:lt2>
+        <a:srgbClr val="E7E6E6"/>
+      </a:lt2>
+      <a:accent1>
+        <a:srgbClr val="4472C4"/>
+      </a:accent1>
+      <a:accent2>
+        <a:srgbClr val="ED7D31"/>
+      </a:accent2>
+      <a:accent3>
+        <a:srgbClr val="A5A5A5"/>
+      </a:accent3>
+      <a:accent4>
+        <a:srgbClr val="FFC000"/>
+      </a:accent4>
+      <a:accent5>
+        <a:srgbClr val="5B9BD5"/>
+      </a:accent5>
+      <a:accent6>
+        <a:srgbClr val="70AD47"/>
+      </a:accent6>
+      <a:hlink>
+        <a:srgbClr val="0563C1"/>
+      </a:hlink>
+      <a:folHlink>
+        <a:srgbClr val="954F72"/>
+      </a:folHlink>
+    </a:clrScheme>
+    <a:fontScheme name="Office">
+      <a:majorFont>
+        <a:latin typeface="Calibri Light" panose="020F0302020204030204"/>
+        <a:ea typeface=""/>
+        <a:cs typeface=""/>
+        <a:font script="Jpan" typeface="游ゴシック Light"/>
+        <a:font script="Hang" typeface="맑은 고딕"/>
+        <a:font script="Hans" typeface="等线 Light"/>
+        <a:font script="Hant" typeface="新細明體"/>
+        <a:font script="Arab" typeface="Times New Roman"/>
+        <a:font script="Hebr" typeface="Times New Roman"/>
+        <a:font script="Thai" typeface="Angsana New"/>
+        <a:font script="Ethi" typeface="Nyala"/>
+        <a:font script="Beng" typeface="Vrinda"/>
+        <a:font script="Gujr" typeface="Shruti"/>
+        <a:font script="Khmr" typeface="MoolBoran"/>
+        <a:font script="Knda" typeface="Tunga"/>
+        <a:font script="Guru" typeface="Raavi"/>
+        <a:font script="Cans" typeface="Euphemia"/>
+        <a:font script="Cher" typeface="Plantagenet Cherokee"/>
+        <a:font script="Yiii" typeface="Microsoft Yi Baiti"/>
+        <a:font script="Tibt" typeface="Microsoft Himalaya"/>
+        <a:font script="Thaa" typeface="MV Boli"/>
+        <a:font script="Deva" typeface="Mangal"/>
+        <a:font script="Telu" typeface="Gautami"/>
+        <a:font script="Taml" typeface="Latha"/>
+        <a:font script="Syrc" typeface="Estrangelo Edessa"/>
+        <a:font script="Orya" typeface="Kalinga"/>
+        <a:font script="Mlym" typeface="Kartika"/>
+        <a:font script="Laoo" typeface="DokChampa"/>
+        <a:font script="Sinh" typeface="Iskoola Pota"/>
+        <a:font script="Mong" typeface="Mongolian Baiti"/>
+        <a:font script="Viet" typeface="Times New Roman"/>
+        <a:font script="Uigh" typeface="Microsoft Uighur"/>
+        <a:font script="Geor" typeface="Sylfaen"/>
+        <a:font script="Armn" typeface="Arial"/>
+        <a:font script="Bugi" typeface="Leelawadee UI"/>
+        <a:font script="Bopo" typeface="Microsoft JhengHei"/>
+        <a:font script="Java" typeface="Javanese Text"/>
+        <a:font script="Lisu" typeface="Segoe UI"/>
+        <a:font script="Mymr" typeface="Myanmar Text"/>
+        <a:font script="Nkoo" typeface="Ebrima"/>
+        <a:font script="Olck" typeface="Nirmala UI"/>
+        <a:font script="Osma" typeface="Ebrima"/>
+        <a:font script="Phag" typeface="Phagspa"/>
+        <a:font script="Syrn" typeface="Estrangelo Edessa"/>
+        <a:font script="Syrj" typeface="Estrangelo Edessa"/>
+        <a:font script="Syre" typeface="Estrangelo Edessa"/>
+        <a:font script="Sora" typeface="Nirmala UI"/>
+        <a:font script="Tale" typeface="Microsoft Tai Le"/>
+        <a:font script="Talu" typeface="Microsoft New Tai Lue"/>
+        <a:font script="Tfng" typeface="Ebrima"/>
+      </a:majorFont>
+      <a:minorFont>
+        <a:latin typeface="Calibri" panose="020F0502020204030204"/>
+        <a:ea typeface=""/>
+        <a:cs typeface=""/>
+        <a:font script="Jpan" typeface="游ゴシック"/>
+        <a:font script="Hang" typeface="맑은 고딕"/>
+        <a:font script="Hans" typeface="等线"/>
+        <a:font script="Hant" typeface="新細明體"/>
+        <a:font script="Arab" typeface="Arial"/>
+        <a:font script="Hebr" typeface="Arial"/>
+        <a:font script="Thai" typeface="Cordia New"/>
+        <a:font script="Ethi" typeface="Nyala"/>
+        <a:font script="Beng" typeface="Vrinda"/>
+        <a:font script="Gujr" typeface="Shruti"/>
+        <a:font script="Khmr" typeface="DaunPenh"/>
+        <a:font script="Knda" typeface="Tunga"/>
+        <a:font script="Guru" typeface="Raavi"/>
+        <a:font script="Cans" typeface="Euphemia"/>
+        <a:font script="Cher" typeface="Plantagenet Cherokee"/>
+        <a:font script="Yiii" typeface="Microsoft Yi Baiti"/>
+        <a:font script="Tibt" typeface="Microsoft Himalaya"/>
+        <a:font script="Thaa" typeface="MV Boli"/>
+        <a:font script="Deva" typeface="Mangal"/>
+        <a:font script="Telu" typeface="Gautami"/>
+        <a:font script="Taml" typeface="Latha"/>
+        <a:font script="Syrc" typeface="Estrangelo Edessa"/>
+        <a:font script="Orya" typeface="Kalinga"/>
+        <a:font script="Mlym" typeface="Kartika"/>
+        <a:font script="Laoo" typeface="DokChampa"/>
+        <a:font script="Sinh" typeface="Iskoola Pota"/>
+        <a:font script="Mong" typeface="Mongolian Baiti"/>
+        <a:font script="Viet" typeface="Arial"/>
+        <a:font script="Uigh" typeface="Microsoft Uighur"/>
+        <a:font script="Geor" typeface="Sylfaen"/>
+        <a:font script="Armn" typeface="Arial"/>
+        <a:font script="Bugi" typeface="Leelawadee UI"/>
+        <a:font script="Bopo" typeface="Microsoft JhengHei"/>
+        <a:font script="Java" typeface="Javanese Text"/>
+        <a:font script="Lisu" typeface="Segoe UI"/>
+        <a:font script="Mymr" typeface="Myanmar Text"/>
+        <a:font script="Nkoo" typeface="Ebrima"/>
+        <a:font script="Olck" typeface="Nirmala UI"/>
+        <a:font script="Osma" typeface="Ebrima"/>
+        <a:font script="Phag" typeface="Phagspa"/>
+        <a:font script="Syrn" typeface="Estrangelo Edessa"/>
+        <a:font script="Syrj" typeface="Estrangelo Edessa"/>
+        <a:font script="Syre" typeface="Estrangelo Edessa"/>
+        <a:font script="Sora" typeface="Nirmala UI"/>
+        <a:font script="Tale" typeface="Microsoft Tai Le"/>
+        <a:font script="Talu" typeface="Microsoft New Tai Lue"/>
+        <a:font script="Tfng" typeface="Ebrima"/>
+      </a:minorFont>
+    </a:fontScheme>
+    <a:fmtScheme name="Office">
+      <a:fillStyleLst>
+        <a:solidFill>
+          <a:schemeClr val="phClr"/>
+        </a:solidFill>
+        <a:gradFill rotWithShape="1">
+          <a:gsLst>
+            <a:gs pos="0">
+              <a:schemeClr val="phClr">
+                <a:lumMod val="110000"/>
+                <a:satMod val="105000"/>
+                <a:tint val="67000"/>
+              </a:schemeClr>
+            </a:gs>
+            <a:gs pos="50000">
+              <a:schemeClr val="phClr">
+                <a:lumMod val="105000"/>
+                <a:satMod val="103000"/>
+                <a:tint val="73000"/>
+              </a:schemeClr>
+            </a:gs>
+            <a:gs pos="100000">
+              <a:schemeClr val="phClr">
+                <a:lumMod val="105000"/>
+                <a:satMod val="109000"/>
+                <a:tint val="81000"/>
+              </a:schemeClr>
+            </a:gs>
+          </a:gsLst>
+          <a:lin ang="5400000" scaled="0"/>
+        </a:gradFill>
+        <a:gradFill rotWithShape="1">
+          <a:gsLst>
+            <a:gs pos="0">
+              <a:schemeClr val="phClr">
+                <a:satMod val="103000"/>
+                <a:lumMod val="102000"/>
+                <a:tint val="94000"/>
+              </a:schemeClr>
+            </a:gs>
+            <a:gs pos="50000">
+              <a:schemeClr val="phClr">
+                <a:satMod val="110000"/>
+                <a:lumMod val="100000"/>
+                <a:shade val="100000"/>
+              </a:schemeClr>
+            </a:gs>
+            <a:gs pos="100000">
+              <a:schemeClr val="phClr">
+                <a:lumMod val="99000"/>
+                <a:satMod val="120000"/>
+                <a:shade val="78000"/>
+              </a:schemeClr>
+            </a:gs>
+          </a:gsLst>
+          <a:lin ang="5400000" scaled="0"/>
+        </a:gradFill>
+      </a:fillStyleLst>
+      <a:lnStyleLst>
+        <a:ln w="6350" cap="flat" cmpd="sng" algn="ctr">
+          <a:solidFill>
+            <a:schemeClr val="phClr"/>
+          </a:solidFill>
+          <a:prstDash val="solid"/>
+          <a:miter lim="800000"/>
+        </a:ln>
+        <a:ln w="12700" cap="flat" cmpd="sng" algn="ctr">
+          <a:solidFill>
+            <a:schemeClr val="phClr"/>
+          </a:solidFill>
+          <a:prstDash val="solid"/>
+          <a:miter lim="800000"/>
+        </a:ln>
+        <a:ln w="19050" cap="flat" cmpd="sng" algn="ctr">
+          <a:solidFill>
+            <a:schemeClr val="phClr"/>
+          </a:solidFill>
+          <a:prstDash val="solid"/>
+          <a:miter lim="800000"/>
+        </a:ln>
+      </a:lnStyleLst>
+      <a:effectStyleLst>
+        <a:effectStyle>
+          <a:effectLst/>
+        </a:effectStyle>
+        <a:effectStyle>
+          <a:effectLst/>
+        </a:effectStyle>
+        <a:effectStyle>
+          <a:effectLst>
+            <a:outerShdw blurRad="57150" dist="19050" dir="5400000" algn="ctr" rotWithShape="0">
+              <a:srgbClr val="000000">
+                <a:alpha val="63000"/>
+              </a:srgbClr>
+            </a:outerShdw>
+          </a:effectLst>
+        </a:effectStyle>
+      </a:effectStyleLst>
+      <a:bgFillStyleLst>
+        <a:solidFill>
+          <a:schemeClr val="phClr"/>
+        </a:solidFill>
+        <a:solidFill>
+          <a:schemeClr val="phClr">
+            <a:tint val="95000"/>
+            <a:satMod val="170000"/>
+          </a:schemeClr>
+        </a:solidFill>
+        <a:gradFill rotWithShape="1">
+          <a:gsLst>
+            <a:gs pos="0">
+              <a:schemeClr val="phClr">
+                <a:tint val="93000"/>
+                <a:satMod val="150000"/>
+                <a:shade val="98000"/>
+                <a:lumMod val="102000"/>
+              </a:schemeClr>
+            </a:gs>
+            <a:gs pos="50000">
+              <a:schemeClr val="phClr">
+                <a:tint val="98000"/>
+                <a:satMod val="130000"/>
+                <a:shade val="90000"/>
+                <a:lumMod val="103000"/>
+              </a:schemeClr>
+            </a:gs>
+            <a:gs pos="100000">
+              <a:schemeClr val="phClr">
+                <a:shade val="63000"/>
+                <a:satMod val="120000"/>
+              </a:schemeClr>
+            </a:gs>
+          </a:gsLst>
+          <a:lin ang="5400000" scaled="0"/>
+        </a:gradFill>
+      </a:bgFillStyleLst>
+    </a:fmtScheme>
+  </a:themeElements>
+  <a:objectDefaults/>
+  <a:extraClrSchemeLst/>
+  <a:extLst>
+    <a:ext uri="{05A4C25C-085E-4340-85A3-A5531E510DB2}">
+      <thm15:themeFamily xmlns:thm15="http://schemas.microsoft.com/office/thememl/2012/main" name="Office Theme" id="{62F939B6-93AF-4DB8-9C6B-D6C7DFDC589F}" vid="{4A3C46E8-61CC-4603-A589-7422A47A8E4A}"/>
+    </a:ext>
+  </a:extLst>
+</a:theme>
 </file>
--- a/presentation/DIP-Project.pptx
+++ b/presentation/DIP-Project.pptx
@@ -6,6 +6,8 @@
   </p:sldMasterIdLst>
   <p:sldIdLst>
     <p:sldId id="256" r:id="rId2"/>
+    <p:sldId id="258" r:id="rId3"/>
+    <p:sldId id="257" r:id="rId4"/>
   </p:sldIdLst>
   <p:sldSz cx="12192000" cy="6858000"/>
   <p:notesSz cx="6858000" cy="9144000"/>
@@ -104,6 +106,11 @@
       </a:defRPr>
     </a:lvl9pPr>
   </p:defaultTextStyle>
+  <p:extLst>
+    <p:ext uri="{EFAFB233-063F-42B5-8137-9DF3F51BA10A}">
+      <p15:sldGuideLst xmlns:p15="http://schemas.microsoft.com/office/powerpoint/2012/main"/>
+    </p:ext>
+  </p:extLst>
 </p:presentation>
 </file>
 
@@ -129,7 +136,7 @@
           <p:cNvPr id="2" name="Titel 1">
             <a:extLst>
               <a:ext uri="{FF2B5EF4-FFF2-40B4-BE49-F238E27FC236}">
-                <a16:creationId xmlns:a16="http://schemas.microsoft.com/office/drawing/2014/main" id="{3E9016D5-7B6D-4BEC-B37D-C3048E2B5F53}"/>
+                <a16:creationId xmlns:a16="http://schemas.microsoft.com/office/drawing/2014/main" xmlns="" id="{3E9016D5-7B6D-4BEC-B37D-C3048E2B5F53}"/>
               </a:ext>
             </a:extLst>
           </p:cNvPr>
@@ -167,7 +174,7 @@
           <p:cNvPr id="3" name="Untertitel 2">
             <a:extLst>
               <a:ext uri="{FF2B5EF4-FFF2-40B4-BE49-F238E27FC236}">
-                <a16:creationId xmlns:a16="http://schemas.microsoft.com/office/drawing/2014/main" id="{CE4679D2-0725-40A0-96EB-D30F68780895}"/>
+                <a16:creationId xmlns:a16="http://schemas.microsoft.com/office/drawing/2014/main" xmlns="" id="{CE4679D2-0725-40A0-96EB-D30F68780895}"/>
               </a:ext>
             </a:extLst>
           </p:cNvPr>
@@ -238,7 +245,7 @@
           <p:cNvPr id="4" name="Datumsplatzhalter 3">
             <a:extLst>
               <a:ext uri="{FF2B5EF4-FFF2-40B4-BE49-F238E27FC236}">
-                <a16:creationId xmlns:a16="http://schemas.microsoft.com/office/drawing/2014/main" id="{090EC70A-C5ED-4821-A3B0-A863D877EE1B}"/>
+                <a16:creationId xmlns:a16="http://schemas.microsoft.com/office/drawing/2014/main" xmlns="" id="{090EC70A-C5ED-4821-A3B0-A863D877EE1B}"/>
               </a:ext>
             </a:extLst>
           </p:cNvPr>
@@ -256,7 +263,7 @@
           <a:p>
             <a:fld id="{31F5825D-C3D3-4C06-8D46-0854EAC6BD2A}" type="datetimeFigureOut">
               <a:rPr lang="de-AT" smtClean="0"/>
-              <a:t>28.01.2021</a:t>
+              <a:t>31.01.2021</a:t>
             </a:fld>
             <a:endParaRPr lang="de-AT"/>
           </a:p>
@@ -267,7 +274,7 @@
           <p:cNvPr id="5" name="Fußzeilenplatzhalter 4">
             <a:extLst>
               <a:ext uri="{FF2B5EF4-FFF2-40B4-BE49-F238E27FC236}">
-                <a16:creationId xmlns:a16="http://schemas.microsoft.com/office/drawing/2014/main" id="{6DAC84DB-2F0A-4B14-80C3-D7D333AEC01F}"/>
+                <a16:creationId xmlns:a16="http://schemas.microsoft.com/office/drawing/2014/main" xmlns="" id="{6DAC84DB-2F0A-4B14-80C3-D7D333AEC01F}"/>
               </a:ext>
             </a:extLst>
           </p:cNvPr>
@@ -292,7 +299,7 @@
           <p:cNvPr id="6" name="Foliennummernplatzhalter 5">
             <a:extLst>
               <a:ext uri="{FF2B5EF4-FFF2-40B4-BE49-F238E27FC236}">
-                <a16:creationId xmlns:a16="http://schemas.microsoft.com/office/drawing/2014/main" id="{A7E50AEE-3D3D-40C8-BA6E-2615D42A7683}"/>
+                <a16:creationId xmlns:a16="http://schemas.microsoft.com/office/drawing/2014/main" xmlns="" id="{A7E50AEE-3D3D-40C8-BA6E-2615D42A7683}"/>
               </a:ext>
             </a:extLst>
           </p:cNvPr>
@@ -351,7 +358,7 @@
           <p:cNvPr id="2" name="Titel 1">
             <a:extLst>
               <a:ext uri="{FF2B5EF4-FFF2-40B4-BE49-F238E27FC236}">
-                <a16:creationId xmlns:a16="http://schemas.microsoft.com/office/drawing/2014/main" id="{9C3E4486-6FCC-40DF-9104-EA94319AC94D}"/>
+                <a16:creationId xmlns:a16="http://schemas.microsoft.com/office/drawing/2014/main" xmlns="" id="{9C3E4486-6FCC-40DF-9104-EA94319AC94D}"/>
               </a:ext>
             </a:extLst>
           </p:cNvPr>
@@ -380,7 +387,7 @@
           <p:cNvPr id="3" name="Vertikaler Textplatzhalter 2">
             <a:extLst>
               <a:ext uri="{FF2B5EF4-FFF2-40B4-BE49-F238E27FC236}">
-                <a16:creationId xmlns:a16="http://schemas.microsoft.com/office/drawing/2014/main" id="{47B1E8F7-02D5-4EE9-95C1-D624CD2A7616}"/>
+                <a16:creationId xmlns:a16="http://schemas.microsoft.com/office/drawing/2014/main" xmlns="" id="{47B1E8F7-02D5-4EE9-95C1-D624CD2A7616}"/>
               </a:ext>
             </a:extLst>
           </p:cNvPr>
@@ -438,7 +445,7 @@
           <p:cNvPr id="4" name="Datumsplatzhalter 3">
             <a:extLst>
               <a:ext uri="{FF2B5EF4-FFF2-40B4-BE49-F238E27FC236}">
-                <a16:creationId xmlns:a16="http://schemas.microsoft.com/office/drawing/2014/main" id="{305B20CA-179C-4F21-B162-48D747F8BAFB}"/>
+                <a16:creationId xmlns:a16="http://schemas.microsoft.com/office/drawing/2014/main" xmlns="" id="{305B20CA-179C-4F21-B162-48D747F8BAFB}"/>
               </a:ext>
             </a:extLst>
           </p:cNvPr>
@@ -456,7 +463,7 @@
           <a:p>
             <a:fld id="{31F5825D-C3D3-4C06-8D46-0854EAC6BD2A}" type="datetimeFigureOut">
               <a:rPr lang="de-AT" smtClean="0"/>
-              <a:t>28.01.2021</a:t>
+              <a:t>31.01.2021</a:t>
             </a:fld>
             <a:endParaRPr lang="de-AT"/>
           </a:p>
@@ -467,7 +474,7 @@
           <p:cNvPr id="5" name="Fußzeilenplatzhalter 4">
             <a:extLst>
               <a:ext uri="{FF2B5EF4-FFF2-40B4-BE49-F238E27FC236}">
-                <a16:creationId xmlns:a16="http://schemas.microsoft.com/office/drawing/2014/main" id="{F4F404EC-23CB-4A31-81CD-FE8A328D7355}"/>
+                <a16:creationId xmlns:a16="http://schemas.microsoft.com/office/drawing/2014/main" xmlns="" id="{F4F404EC-23CB-4A31-81CD-FE8A328D7355}"/>
               </a:ext>
             </a:extLst>
           </p:cNvPr>
@@ -492,7 +499,7 @@
           <p:cNvPr id="6" name="Foliennummernplatzhalter 5">
             <a:extLst>
               <a:ext uri="{FF2B5EF4-FFF2-40B4-BE49-F238E27FC236}">
-                <a16:creationId xmlns:a16="http://schemas.microsoft.com/office/drawing/2014/main" id="{68E0B209-C71F-4AFF-972F-B025A95C81DF}"/>
+                <a16:creationId xmlns:a16="http://schemas.microsoft.com/office/drawing/2014/main" xmlns="" id="{68E0B209-C71F-4AFF-972F-B025A95C81DF}"/>
               </a:ext>
             </a:extLst>
           </p:cNvPr>
@@ -551,7 +558,7 @@
           <p:cNvPr id="2" name="Vertikaler Titel 1">
             <a:extLst>
               <a:ext uri="{FF2B5EF4-FFF2-40B4-BE49-F238E27FC236}">
-                <a16:creationId xmlns:a16="http://schemas.microsoft.com/office/drawing/2014/main" id="{76906A51-052F-4023-BB11-606D2E1B3897}"/>
+                <a16:creationId xmlns:a16="http://schemas.microsoft.com/office/drawing/2014/main" xmlns="" id="{76906A51-052F-4023-BB11-606D2E1B3897}"/>
               </a:ext>
             </a:extLst>
           </p:cNvPr>
@@ -585,7 +592,7 @@
           <p:cNvPr id="3" name="Vertikaler Textplatzhalter 2">
             <a:extLst>
               <a:ext uri="{FF2B5EF4-FFF2-40B4-BE49-F238E27FC236}">
-                <a16:creationId xmlns:a16="http://schemas.microsoft.com/office/drawing/2014/main" id="{7C6E1AFF-048D-45A3-875F-ACD6638DDD4F}"/>
+                <a16:creationId xmlns:a16="http://schemas.microsoft.com/office/drawing/2014/main" xmlns="" id="{7C6E1AFF-048D-45A3-875F-ACD6638DDD4F}"/>
               </a:ext>
             </a:extLst>
           </p:cNvPr>
@@ -648,7 +655,7 @@
           <p:cNvPr id="4" name="Datumsplatzhalter 3">
             <a:extLst>
               <a:ext uri="{FF2B5EF4-FFF2-40B4-BE49-F238E27FC236}">
-                <a16:creationId xmlns:a16="http://schemas.microsoft.com/office/drawing/2014/main" id="{EC5B347B-8B30-4538-8500-AED90C6627C6}"/>
+                <a16:creationId xmlns:a16="http://schemas.microsoft.com/office/drawing/2014/main" xmlns="" id="{EC5B347B-8B30-4538-8500-AED90C6627C6}"/>
               </a:ext>
             </a:extLst>
           </p:cNvPr>
@@ -666,7 +673,7 @@
           <a:p>
             <a:fld id="{31F5825D-C3D3-4C06-8D46-0854EAC6BD2A}" type="datetimeFigureOut">
               <a:rPr lang="de-AT" smtClean="0"/>
-              <a:t>28.01.2021</a:t>
+              <a:t>31.01.2021</a:t>
             </a:fld>
             <a:endParaRPr lang="de-AT"/>
           </a:p>
@@ -677,7 +684,7 @@
           <p:cNvPr id="5" name="Fußzeilenplatzhalter 4">
             <a:extLst>
               <a:ext uri="{FF2B5EF4-FFF2-40B4-BE49-F238E27FC236}">
-                <a16:creationId xmlns:a16="http://schemas.microsoft.com/office/drawing/2014/main" id="{69E71F27-DA1D-4736-A329-7B9FFC11CC9E}"/>
+                <a16:creationId xmlns:a16="http://schemas.microsoft.com/office/drawing/2014/main" xmlns="" id="{69E71F27-DA1D-4736-A329-7B9FFC11CC9E}"/>
               </a:ext>
             </a:extLst>
           </p:cNvPr>
@@ -702,7 +709,7 @@
           <p:cNvPr id="6" name="Foliennummernplatzhalter 5">
             <a:extLst>
               <a:ext uri="{FF2B5EF4-FFF2-40B4-BE49-F238E27FC236}">
-                <a16:creationId xmlns:a16="http://schemas.microsoft.com/office/drawing/2014/main" id="{99F8D8BF-B0D9-490D-959F-0373BCB4A072}"/>
+                <a16:creationId xmlns:a16="http://schemas.microsoft.com/office/drawing/2014/main" xmlns="" id="{99F8D8BF-B0D9-490D-959F-0373BCB4A072}"/>
               </a:ext>
             </a:extLst>
           </p:cNvPr>
@@ -761,7 +768,7 @@
           <p:cNvPr id="2" name="Titel 1">
             <a:extLst>
               <a:ext uri="{FF2B5EF4-FFF2-40B4-BE49-F238E27FC236}">
-                <a16:creationId xmlns:a16="http://schemas.microsoft.com/office/drawing/2014/main" id="{6B55AB1D-29E7-400B-9E56-5AA9AD35D30B}"/>
+                <a16:creationId xmlns:a16="http://schemas.microsoft.com/office/drawing/2014/main" xmlns="" id="{6B55AB1D-29E7-400B-9E56-5AA9AD35D30B}"/>
               </a:ext>
             </a:extLst>
           </p:cNvPr>
@@ -790,7 +797,7 @@
           <p:cNvPr id="3" name="Inhaltsplatzhalter 2">
             <a:extLst>
               <a:ext uri="{FF2B5EF4-FFF2-40B4-BE49-F238E27FC236}">
-                <a16:creationId xmlns:a16="http://schemas.microsoft.com/office/drawing/2014/main" id="{4196B9BC-B5A4-4689-A819-D325475B1DFC}"/>
+                <a16:creationId xmlns:a16="http://schemas.microsoft.com/office/drawing/2014/main" xmlns="" id="{4196B9BC-B5A4-4689-A819-D325475B1DFC}"/>
               </a:ext>
             </a:extLst>
           </p:cNvPr>
@@ -848,7 +855,7 @@
           <p:cNvPr id="4" name="Datumsplatzhalter 3">
             <a:extLst>
               <a:ext uri="{FF2B5EF4-FFF2-40B4-BE49-F238E27FC236}">
-                <a16:creationId xmlns:a16="http://schemas.microsoft.com/office/drawing/2014/main" id="{5DC4E5B2-39CD-4535-B57C-1E7F10ED6010}"/>
+                <a16:creationId xmlns:a16="http://schemas.microsoft.com/office/drawing/2014/main" xmlns="" id="{5DC4E5B2-39CD-4535-B57C-1E7F10ED6010}"/>
               </a:ext>
             </a:extLst>
           </p:cNvPr>
@@ -866,7 +873,7 @@
           <a:p>
             <a:fld id="{31F5825D-C3D3-4C06-8D46-0854EAC6BD2A}" type="datetimeFigureOut">
               <a:rPr lang="de-AT" smtClean="0"/>
-              <a:t>28.01.2021</a:t>
+              <a:t>31.01.2021</a:t>
             </a:fld>
             <a:endParaRPr lang="de-AT"/>
           </a:p>
@@ -877,7 +884,7 @@
           <p:cNvPr id="5" name="Fußzeilenplatzhalter 4">
             <a:extLst>
               <a:ext uri="{FF2B5EF4-FFF2-40B4-BE49-F238E27FC236}">
-                <a16:creationId xmlns:a16="http://schemas.microsoft.com/office/drawing/2014/main" id="{88D97158-4722-4B77-91EE-001BF8B5BE3A}"/>
+                <a16:creationId xmlns:a16="http://schemas.microsoft.com/office/drawing/2014/main" xmlns="" id="{88D97158-4722-4B77-91EE-001BF8B5BE3A}"/>
               </a:ext>
             </a:extLst>
           </p:cNvPr>
@@ -902,7 +909,7 @@
           <p:cNvPr id="6" name="Foliennummernplatzhalter 5">
             <a:extLst>
               <a:ext uri="{FF2B5EF4-FFF2-40B4-BE49-F238E27FC236}">
-                <a16:creationId xmlns:a16="http://schemas.microsoft.com/office/drawing/2014/main" id="{8E9C62A6-59E7-47C4-8B23-07A8E7553E4E}"/>
+                <a16:creationId xmlns:a16="http://schemas.microsoft.com/office/drawing/2014/main" xmlns="" id="{8E9C62A6-59E7-47C4-8B23-07A8E7553E4E}"/>
               </a:ext>
             </a:extLst>
           </p:cNvPr>
@@ -961,7 +968,7 @@
           <p:cNvPr id="2" name="Titel 1">
             <a:extLst>
               <a:ext uri="{FF2B5EF4-FFF2-40B4-BE49-F238E27FC236}">
-                <a16:creationId xmlns:a16="http://schemas.microsoft.com/office/drawing/2014/main" id="{CA4C6828-55CE-4E37-833D-F95F13E5F6C4}"/>
+                <a16:creationId xmlns:a16="http://schemas.microsoft.com/office/drawing/2014/main" xmlns="" id="{CA4C6828-55CE-4E37-833D-F95F13E5F6C4}"/>
               </a:ext>
             </a:extLst>
           </p:cNvPr>
@@ -999,7 +1006,7 @@
           <p:cNvPr id="3" name="Textplatzhalter 2">
             <a:extLst>
               <a:ext uri="{FF2B5EF4-FFF2-40B4-BE49-F238E27FC236}">
-                <a16:creationId xmlns:a16="http://schemas.microsoft.com/office/drawing/2014/main" id="{383E21F5-1516-4D64-B24D-C3E2C1596723}"/>
+                <a16:creationId xmlns:a16="http://schemas.microsoft.com/office/drawing/2014/main" xmlns="" id="{383E21F5-1516-4D64-B24D-C3E2C1596723}"/>
               </a:ext>
             </a:extLst>
           </p:cNvPr>
@@ -1124,7 +1131,7 @@
           <p:cNvPr id="4" name="Datumsplatzhalter 3">
             <a:extLst>
               <a:ext uri="{FF2B5EF4-FFF2-40B4-BE49-F238E27FC236}">
-                <a16:creationId xmlns:a16="http://schemas.microsoft.com/office/drawing/2014/main" id="{094B4DD4-4A18-4E04-BD38-F25ED282CF63}"/>
+                <a16:creationId xmlns:a16="http://schemas.microsoft.com/office/drawing/2014/main" xmlns="" id="{094B4DD4-4A18-4E04-BD38-F25ED282CF63}"/>
               </a:ext>
             </a:extLst>
           </p:cNvPr>
@@ -1142,7 +1149,7 @@
           <a:p>
             <a:fld id="{31F5825D-C3D3-4C06-8D46-0854EAC6BD2A}" type="datetimeFigureOut">
               <a:rPr lang="de-AT" smtClean="0"/>
-              <a:t>28.01.2021</a:t>
+              <a:t>31.01.2021</a:t>
             </a:fld>
             <a:endParaRPr lang="de-AT"/>
           </a:p>
@@ -1153,7 +1160,7 @@
           <p:cNvPr id="5" name="Fußzeilenplatzhalter 4">
             <a:extLst>
               <a:ext uri="{FF2B5EF4-FFF2-40B4-BE49-F238E27FC236}">
-                <a16:creationId xmlns:a16="http://schemas.microsoft.com/office/drawing/2014/main" id="{D82F0BCE-5365-415C-BD7B-885955E41368}"/>
+                <a16:creationId xmlns:a16="http://schemas.microsoft.com/office/drawing/2014/main" xmlns="" id="{D82F0BCE-5365-415C-BD7B-885955E41368}"/>
               </a:ext>
             </a:extLst>
           </p:cNvPr>
@@ -1178,7 +1185,7 @@
           <p:cNvPr id="6" name="Foliennummernplatzhalter 5">
             <a:extLst>
               <a:ext uri="{FF2B5EF4-FFF2-40B4-BE49-F238E27FC236}">
-                <a16:creationId xmlns:a16="http://schemas.microsoft.com/office/drawing/2014/main" id="{DB083DB3-4B83-438F-A215-1F44A507D23E}"/>
+                <a16:creationId xmlns:a16="http://schemas.microsoft.com/office/drawing/2014/main" xmlns="" id="{DB083DB3-4B83-438F-A215-1F44A507D23E}"/>
               </a:ext>
             </a:extLst>
           </p:cNvPr>
@@ -1237,7 +1244,7 @@
           <p:cNvPr id="2" name="Titel 1">
             <a:extLst>
               <a:ext uri="{FF2B5EF4-FFF2-40B4-BE49-F238E27FC236}">
-                <a16:creationId xmlns:a16="http://schemas.microsoft.com/office/drawing/2014/main" id="{FE2D59EF-9F1A-41EC-894A-3F2720E4A1A9}"/>
+                <a16:creationId xmlns:a16="http://schemas.microsoft.com/office/drawing/2014/main" xmlns="" id="{FE2D59EF-9F1A-41EC-894A-3F2720E4A1A9}"/>
               </a:ext>
             </a:extLst>
           </p:cNvPr>
@@ -1266,7 +1273,7 @@
           <p:cNvPr id="3" name="Inhaltsplatzhalter 2">
             <a:extLst>
               <a:ext uri="{FF2B5EF4-FFF2-40B4-BE49-F238E27FC236}">
-                <a16:creationId xmlns:a16="http://schemas.microsoft.com/office/drawing/2014/main" id="{080B59B2-F730-4BCA-96ED-8C35BF205FCB}"/>
+                <a16:creationId xmlns:a16="http://schemas.microsoft.com/office/drawing/2014/main" xmlns="" id="{080B59B2-F730-4BCA-96ED-8C35BF205FCB}"/>
               </a:ext>
             </a:extLst>
           </p:cNvPr>
@@ -1329,7 +1336,7 @@
           <p:cNvPr id="4" name="Inhaltsplatzhalter 3">
             <a:extLst>
               <a:ext uri="{FF2B5EF4-FFF2-40B4-BE49-F238E27FC236}">
-                <a16:creationId xmlns:a16="http://schemas.microsoft.com/office/drawing/2014/main" id="{B7146DCE-7F30-4AAF-8F7E-6F72251223BD}"/>
+                <a16:creationId xmlns:a16="http://schemas.microsoft.com/office/drawing/2014/main" xmlns="" id="{B7146DCE-7F30-4AAF-8F7E-6F72251223BD}"/>
               </a:ext>
             </a:extLst>
           </p:cNvPr>
@@ -1392,7 +1399,7 @@
           <p:cNvPr id="5" name="Datumsplatzhalter 4">
             <a:extLst>
               <a:ext uri="{FF2B5EF4-FFF2-40B4-BE49-F238E27FC236}">
-                <a16:creationId xmlns:a16="http://schemas.microsoft.com/office/drawing/2014/main" id="{2AD60FEB-D2BF-4933-ACB8-A0B949DC8B1B}"/>
+                <a16:creationId xmlns:a16="http://schemas.microsoft.com/office/drawing/2014/main" xmlns="" id="{2AD60FEB-D2BF-4933-ACB8-A0B949DC8B1B}"/>
               </a:ext>
             </a:extLst>
           </p:cNvPr>
@@ -1410,7 +1417,7 @@
           <a:p>
             <a:fld id="{31F5825D-C3D3-4C06-8D46-0854EAC6BD2A}" type="datetimeFigureOut">
               <a:rPr lang="de-AT" smtClean="0"/>
-              <a:t>28.01.2021</a:t>
+              <a:t>31.01.2021</a:t>
             </a:fld>
             <a:endParaRPr lang="de-AT"/>
           </a:p>
@@ -1421,7 +1428,7 @@
           <p:cNvPr id="6" name="Fußzeilenplatzhalter 5">
             <a:extLst>
               <a:ext uri="{FF2B5EF4-FFF2-40B4-BE49-F238E27FC236}">
-                <a16:creationId xmlns:a16="http://schemas.microsoft.com/office/drawing/2014/main" id="{6E6C1F87-E3E9-4228-9AC9-897BD2BD26D1}"/>
+                <a16:creationId xmlns:a16="http://schemas.microsoft.com/office/drawing/2014/main" xmlns="" id="{6E6C1F87-E3E9-4228-9AC9-897BD2BD26D1}"/>
               </a:ext>
             </a:extLst>
           </p:cNvPr>
@@ -1446,7 +1453,7 @@
           <p:cNvPr id="7" name="Foliennummernplatzhalter 6">
             <a:extLst>
               <a:ext uri="{FF2B5EF4-FFF2-40B4-BE49-F238E27FC236}">
-                <a16:creationId xmlns:a16="http://schemas.microsoft.com/office/drawing/2014/main" id="{0F2A0B60-7700-4335-939D-8FAD03074EA6}"/>
+                <a16:creationId xmlns:a16="http://schemas.microsoft.com/office/drawing/2014/main" xmlns="" id="{0F2A0B60-7700-4335-939D-8FAD03074EA6}"/>
               </a:ext>
             </a:extLst>
           </p:cNvPr>
@@ -1505,7 +1512,7 @@
           <p:cNvPr id="2" name="Titel 1">
             <a:extLst>
               <a:ext uri="{FF2B5EF4-FFF2-40B4-BE49-F238E27FC236}">
-                <a16:creationId xmlns:a16="http://schemas.microsoft.com/office/drawing/2014/main" id="{66F787B1-9CEA-44CF-83B7-1E4FA3C8278A}"/>
+                <a16:creationId xmlns:a16="http://schemas.microsoft.com/office/drawing/2014/main" xmlns="" id="{66F787B1-9CEA-44CF-83B7-1E4FA3C8278A}"/>
               </a:ext>
             </a:extLst>
           </p:cNvPr>
@@ -1539,7 +1546,7 @@
           <p:cNvPr id="3" name="Textplatzhalter 2">
             <a:extLst>
               <a:ext uri="{FF2B5EF4-FFF2-40B4-BE49-F238E27FC236}">
-                <a16:creationId xmlns:a16="http://schemas.microsoft.com/office/drawing/2014/main" id="{C63F08A8-4AC2-4797-B94A-0462BBDF4933}"/>
+                <a16:creationId xmlns:a16="http://schemas.microsoft.com/office/drawing/2014/main" xmlns="" id="{C63F08A8-4AC2-4797-B94A-0462BBDF4933}"/>
               </a:ext>
             </a:extLst>
           </p:cNvPr>
@@ -1610,7 +1617,7 @@
           <p:cNvPr id="4" name="Inhaltsplatzhalter 3">
             <a:extLst>
               <a:ext uri="{FF2B5EF4-FFF2-40B4-BE49-F238E27FC236}">
-                <a16:creationId xmlns:a16="http://schemas.microsoft.com/office/drawing/2014/main" id="{CAF7EB6F-EEE0-4F58-8B42-E48B0D86CAE9}"/>
+                <a16:creationId xmlns:a16="http://schemas.microsoft.com/office/drawing/2014/main" xmlns="" id="{CAF7EB6F-EEE0-4F58-8B42-E48B0D86CAE9}"/>
               </a:ext>
             </a:extLst>
           </p:cNvPr>
@@ -1673,7 +1680,7 @@
           <p:cNvPr id="5" name="Textplatzhalter 4">
             <a:extLst>
               <a:ext uri="{FF2B5EF4-FFF2-40B4-BE49-F238E27FC236}">
-                <a16:creationId xmlns:a16="http://schemas.microsoft.com/office/drawing/2014/main" id="{658A8169-8905-46A2-837A-F8FD98B77D83}"/>
+                <a16:creationId xmlns:a16="http://schemas.microsoft.com/office/drawing/2014/main" xmlns="" id="{658A8169-8905-46A2-837A-F8FD98B77D83}"/>
               </a:ext>
             </a:extLst>
           </p:cNvPr>
@@ -1744,7 +1751,7 @@
           <p:cNvPr id="6" name="Inhaltsplatzhalter 5">
             <a:extLst>
               <a:ext uri="{FF2B5EF4-FFF2-40B4-BE49-F238E27FC236}">
-                <a16:creationId xmlns:a16="http://schemas.microsoft.com/office/drawing/2014/main" id="{46F2FDFF-9631-4C74-97A0-03E2A6150762}"/>
+                <a16:creationId xmlns:a16="http://schemas.microsoft.com/office/drawing/2014/main" xmlns="" id="{46F2FDFF-9631-4C74-97A0-03E2A6150762}"/>
               </a:ext>
             </a:extLst>
           </p:cNvPr>
@@ -1807,7 +1814,7 @@
           <p:cNvPr id="7" name="Datumsplatzhalter 6">
             <a:extLst>
               <a:ext uri="{FF2B5EF4-FFF2-40B4-BE49-F238E27FC236}">
-                <a16:creationId xmlns:a16="http://schemas.microsoft.com/office/drawing/2014/main" id="{A66E1DD4-6D90-4227-9FA9-DEABFB3E27D7}"/>
+                <a16:creationId xmlns:a16="http://schemas.microsoft.com/office/drawing/2014/main" xmlns="" id="{A66E1DD4-6D90-4227-9FA9-DEABFB3E27D7}"/>
               </a:ext>
             </a:extLst>
           </p:cNvPr>
@@ -1825,7 +1832,7 @@
           <a:p>
             <a:fld id="{31F5825D-C3D3-4C06-8D46-0854EAC6BD2A}" type="datetimeFigureOut">
               <a:rPr lang="de-AT" smtClean="0"/>
-              <a:t>28.01.2021</a:t>
+              <a:t>31.01.2021</a:t>
             </a:fld>
             <a:endParaRPr lang="de-AT"/>
           </a:p>
@@ -1836,7 +1843,7 @@
           <p:cNvPr id="8" name="Fußzeilenplatzhalter 7">
             <a:extLst>
               <a:ext uri="{FF2B5EF4-FFF2-40B4-BE49-F238E27FC236}">
-                <a16:creationId xmlns:a16="http://schemas.microsoft.com/office/drawing/2014/main" id="{48803254-B3C0-401B-B40A-BF6BDCF0717D}"/>
+                <a16:creationId xmlns:a16="http://schemas.microsoft.com/office/drawing/2014/main" xmlns="" id="{48803254-B3C0-401B-B40A-BF6BDCF0717D}"/>
               </a:ext>
             </a:extLst>
           </p:cNvPr>
@@ -1861,7 +1868,7 @@
           <p:cNvPr id="9" name="Foliennummernplatzhalter 8">
             <a:extLst>
               <a:ext uri="{FF2B5EF4-FFF2-40B4-BE49-F238E27FC236}">
-                <a16:creationId xmlns:a16="http://schemas.microsoft.com/office/drawing/2014/main" id="{17C962CD-D57A-4A10-9C20-EC47DD77749B}"/>
+                <a16:creationId xmlns:a16="http://schemas.microsoft.com/office/drawing/2014/main" xmlns="" id="{17C962CD-D57A-4A10-9C20-EC47DD77749B}"/>
               </a:ext>
             </a:extLst>
           </p:cNvPr>
@@ -1920,7 +1927,7 @@
           <p:cNvPr id="2" name="Titel 1">
             <a:extLst>
               <a:ext uri="{FF2B5EF4-FFF2-40B4-BE49-F238E27FC236}">
-                <a16:creationId xmlns:a16="http://schemas.microsoft.com/office/drawing/2014/main" id="{01B086E7-F97A-40D1-90F7-FA40560B1A22}"/>
+                <a16:creationId xmlns:a16="http://schemas.microsoft.com/office/drawing/2014/main" xmlns="" id="{01B086E7-F97A-40D1-90F7-FA40560B1A22}"/>
               </a:ext>
             </a:extLst>
           </p:cNvPr>
@@ -1949,7 +1956,7 @@
           <p:cNvPr id="3" name="Datumsplatzhalter 2">
             <a:extLst>
               <a:ext uri="{FF2B5EF4-FFF2-40B4-BE49-F238E27FC236}">
-                <a16:creationId xmlns:a16="http://schemas.microsoft.com/office/drawing/2014/main" id="{65E2DACE-BE35-4ADD-AD84-13353AEA35D6}"/>
+                <a16:creationId xmlns:a16="http://schemas.microsoft.com/office/drawing/2014/main" xmlns="" id="{65E2DACE-BE35-4ADD-AD84-13353AEA35D6}"/>
               </a:ext>
             </a:extLst>
           </p:cNvPr>
@@ -1967,7 +1974,7 @@
           <a:p>
             <a:fld id="{31F5825D-C3D3-4C06-8D46-0854EAC6BD2A}" type="datetimeFigureOut">
               <a:rPr lang="de-AT" smtClean="0"/>
-              <a:t>28.01.2021</a:t>
+              <a:t>31.01.2021</a:t>
             </a:fld>
             <a:endParaRPr lang="de-AT"/>
           </a:p>
@@ -1978,7 +1985,7 @@
           <p:cNvPr id="4" name="Fußzeilenplatzhalter 3">
             <a:extLst>
               <a:ext uri="{FF2B5EF4-FFF2-40B4-BE49-F238E27FC236}">
-                <a16:creationId xmlns:a16="http://schemas.microsoft.com/office/drawing/2014/main" id="{00F6B161-2BD2-4CD9-B3C3-018CB02B98DF}"/>
+                <a16:creationId xmlns:a16="http://schemas.microsoft.com/office/drawing/2014/main" xmlns="" id="{00F6B161-2BD2-4CD9-B3C3-018CB02B98DF}"/>
               </a:ext>
             </a:extLst>
           </p:cNvPr>
@@ -2003,7 +2010,7 @@
           <p:cNvPr id="5" name="Foliennummernplatzhalter 4">
             <a:extLst>
               <a:ext uri="{FF2B5EF4-FFF2-40B4-BE49-F238E27FC236}">
-                <a16:creationId xmlns:a16="http://schemas.microsoft.com/office/drawing/2014/main" id="{CB059D67-8994-48ED-B689-AF0121E84A11}"/>
+                <a16:creationId xmlns:a16="http://schemas.microsoft.com/office/drawing/2014/main" xmlns="" id="{CB059D67-8994-48ED-B689-AF0121E84A11}"/>
               </a:ext>
             </a:extLst>
           </p:cNvPr>
@@ -2062,7 +2069,7 @@
           <p:cNvPr id="2" name="Datumsplatzhalter 1">
             <a:extLst>
               <a:ext uri="{FF2B5EF4-FFF2-40B4-BE49-F238E27FC236}">
-                <a16:creationId xmlns:a16="http://schemas.microsoft.com/office/drawing/2014/main" id="{40D88186-E6FA-4C52-8DD3-8944E13C08B0}"/>
+                <a16:creationId xmlns:a16="http://schemas.microsoft.com/office/drawing/2014/main" xmlns="" id="{40D88186-E6FA-4C52-8DD3-8944E13C08B0}"/>
               </a:ext>
             </a:extLst>
           </p:cNvPr>
@@ -2080,7 +2087,7 @@
           <a:p>
             <a:fld id="{31F5825D-C3D3-4C06-8D46-0854EAC6BD2A}" type="datetimeFigureOut">
               <a:rPr lang="de-AT" smtClean="0"/>
-              <a:t>28.01.2021</a:t>
+              <a:t>31.01.2021</a:t>
             </a:fld>
             <a:endParaRPr lang="de-AT"/>
           </a:p>
@@ -2091,7 +2098,7 @@
           <p:cNvPr id="3" name="Fußzeilenplatzhalter 2">
             <a:extLst>
               <a:ext uri="{FF2B5EF4-FFF2-40B4-BE49-F238E27FC236}">
-                <a16:creationId xmlns:a16="http://schemas.microsoft.com/office/drawing/2014/main" id="{EF590C5E-6BC8-496A-8CE8-CDE21CAC0B79}"/>
+                <a16:creationId xmlns:a16="http://schemas.microsoft.com/office/drawing/2014/main" xmlns="" id="{EF590C5E-6BC8-496A-8CE8-CDE21CAC0B79}"/>
               </a:ext>
             </a:extLst>
           </p:cNvPr>
@@ -2116,7 +2123,7 @@
           <p:cNvPr id="4" name="Foliennummernplatzhalter 3">
             <a:extLst>
               <a:ext uri="{FF2B5EF4-FFF2-40B4-BE49-F238E27FC236}">
-                <a16:creationId xmlns:a16="http://schemas.microsoft.com/office/drawing/2014/main" id="{0AFDBAC1-2097-47FC-91B6-A4227CF09DEB}"/>
+                <a16:creationId xmlns:a16="http://schemas.microsoft.com/office/drawing/2014/main" xmlns="" id="{0AFDBAC1-2097-47FC-91B6-A4227CF09DEB}"/>
               </a:ext>
             </a:extLst>
           </p:cNvPr>
@@ -2175,7 +2182,7 @@
           <p:cNvPr id="2" name="Titel 1">
             <a:extLst>
               <a:ext uri="{FF2B5EF4-FFF2-40B4-BE49-F238E27FC236}">
-                <a16:creationId xmlns:a16="http://schemas.microsoft.com/office/drawing/2014/main" id="{0B665667-3C14-42BD-9B7B-8AEBA6F049A5}"/>
+                <a16:creationId xmlns:a16="http://schemas.microsoft.com/office/drawing/2014/main" xmlns="" id="{0B665667-3C14-42BD-9B7B-8AEBA6F049A5}"/>
               </a:ext>
             </a:extLst>
           </p:cNvPr>
@@ -2213,7 +2220,7 @@
           <p:cNvPr id="3" name="Inhaltsplatzhalter 2">
             <a:extLst>
               <a:ext uri="{FF2B5EF4-FFF2-40B4-BE49-F238E27FC236}">
-                <a16:creationId xmlns:a16="http://schemas.microsoft.com/office/drawing/2014/main" id="{3E12AD63-0B94-4321-9368-C47DA3A0A85C}"/>
+                <a16:creationId xmlns:a16="http://schemas.microsoft.com/office/drawing/2014/main" xmlns="" id="{3E12AD63-0B94-4321-9368-C47DA3A0A85C}"/>
               </a:ext>
             </a:extLst>
           </p:cNvPr>
@@ -2304,7 +2311,7 @@
           <p:cNvPr id="4" name="Textplatzhalter 3">
             <a:extLst>
               <a:ext uri="{FF2B5EF4-FFF2-40B4-BE49-F238E27FC236}">
-                <a16:creationId xmlns:a16="http://schemas.microsoft.com/office/drawing/2014/main" id="{B955D00F-4C2C-4C0A-800D-CAA05FDD995C}"/>
+                <a16:creationId xmlns:a16="http://schemas.microsoft.com/office/drawing/2014/main" xmlns="" id="{B955D00F-4C2C-4C0A-800D-CAA05FDD995C}"/>
               </a:ext>
             </a:extLst>
           </p:cNvPr>
@@ -2375,7 +2382,7 @@
           <p:cNvPr id="5" name="Datumsplatzhalter 4">
             <a:extLst>
               <a:ext uri="{FF2B5EF4-FFF2-40B4-BE49-F238E27FC236}">
-                <a16:creationId xmlns:a16="http://schemas.microsoft.com/office/drawing/2014/main" id="{D3B7BE8A-5E8A-4BAC-B11C-0D9589B9048F}"/>
+                <a16:creationId xmlns:a16="http://schemas.microsoft.com/office/drawing/2014/main" xmlns="" id="{D3B7BE8A-5E8A-4BAC-B11C-0D9589B9048F}"/>
               </a:ext>
             </a:extLst>
           </p:cNvPr>
@@ -2393,7 +2400,7 @@
           <a:p>
             <a:fld id="{31F5825D-C3D3-4C06-8D46-0854EAC6BD2A}" type="datetimeFigureOut">
               <a:rPr lang="de-AT" smtClean="0"/>
-              <a:t>28.01.2021</a:t>
+              <a:t>31.01.2021</a:t>
             </a:fld>
             <a:endParaRPr lang="de-AT"/>
           </a:p>
@@ -2404,7 +2411,7 @@
           <p:cNvPr id="6" name="Fußzeilenplatzhalter 5">
             <a:extLst>
               <a:ext uri="{FF2B5EF4-FFF2-40B4-BE49-F238E27FC236}">
-                <a16:creationId xmlns:a16="http://schemas.microsoft.com/office/drawing/2014/main" id="{A9F805D9-9249-49A8-B621-1F60EE6EED99}"/>
+                <a16:creationId xmlns:a16="http://schemas.microsoft.com/office/drawing/2014/main" xmlns="" id="{A9F805D9-9249-49A8-B621-1F60EE6EED99}"/>
               </a:ext>
             </a:extLst>
           </p:cNvPr>
@@ -2429,7 +2436,7 @@
           <p:cNvPr id="7" name="Foliennummernplatzhalter 6">
             <a:extLst>
               <a:ext uri="{FF2B5EF4-FFF2-40B4-BE49-F238E27FC236}">
-                <a16:creationId xmlns:a16="http://schemas.microsoft.com/office/drawing/2014/main" id="{F713E99B-AD0F-4D92-9F03-FCF31FB1F553}"/>
+                <a16:creationId xmlns:a16="http://schemas.microsoft.com/office/drawing/2014/main" xmlns="" id="{F713E99B-AD0F-4D92-9F03-FCF31FB1F553}"/>
               </a:ext>
             </a:extLst>
           </p:cNvPr>
@@ -2488,7 +2495,7 @@
           <p:cNvPr id="2" name="Titel 1">
             <a:extLst>
               <a:ext uri="{FF2B5EF4-FFF2-40B4-BE49-F238E27FC236}">
-                <a16:creationId xmlns:a16="http://schemas.microsoft.com/office/drawing/2014/main" id="{C0A95671-8D6D-4D4B-A714-7DF1BC02F0EE}"/>
+                <a16:creationId xmlns:a16="http://schemas.microsoft.com/office/drawing/2014/main" xmlns="" id="{C0A95671-8D6D-4D4B-A714-7DF1BC02F0EE}"/>
               </a:ext>
             </a:extLst>
           </p:cNvPr>
@@ -2526,7 +2533,7 @@
           <p:cNvPr id="3" name="Bildplatzhalter 2">
             <a:extLst>
               <a:ext uri="{FF2B5EF4-FFF2-40B4-BE49-F238E27FC236}">
-                <a16:creationId xmlns:a16="http://schemas.microsoft.com/office/drawing/2014/main" id="{3A15F88D-8EF1-463F-8AD4-63DEBB40EBCC}"/>
+                <a16:creationId xmlns:a16="http://schemas.microsoft.com/office/drawing/2014/main" xmlns="" id="{3A15F88D-8EF1-463F-8AD4-63DEBB40EBCC}"/>
               </a:ext>
             </a:extLst>
           </p:cNvPr>
@@ -2593,7 +2600,7 @@
           <p:cNvPr id="4" name="Textplatzhalter 3">
             <a:extLst>
               <a:ext uri="{FF2B5EF4-FFF2-40B4-BE49-F238E27FC236}">
-                <a16:creationId xmlns:a16="http://schemas.microsoft.com/office/drawing/2014/main" id="{7499F9E7-2387-42D5-A81C-B535FA028222}"/>
+                <a16:creationId xmlns:a16="http://schemas.microsoft.com/office/drawing/2014/main" xmlns="" id="{7499F9E7-2387-42D5-A81C-B535FA028222}"/>
               </a:ext>
             </a:extLst>
           </p:cNvPr>
@@ -2664,7 +2671,7 @@
           <p:cNvPr id="5" name="Datumsplatzhalter 4">
             <a:extLst>
               <a:ext uri="{FF2B5EF4-FFF2-40B4-BE49-F238E27FC236}">
-                <a16:creationId xmlns:a16="http://schemas.microsoft.com/office/drawing/2014/main" id="{D31CB737-3E17-45A6-A651-6BEC19C974F0}"/>
+                <a16:creationId xmlns:a16="http://schemas.microsoft.com/office/drawing/2014/main" xmlns="" id="{D31CB737-3E17-45A6-A651-6BEC19C974F0}"/>
               </a:ext>
             </a:extLst>
           </p:cNvPr>
@@ -2682,7 +2689,7 @@
           <a:p>
             <a:fld id="{31F5825D-C3D3-4C06-8D46-0854EAC6BD2A}" type="datetimeFigureOut">
               <a:rPr lang="de-AT" smtClean="0"/>
-              <a:t>28.01.2021</a:t>
+              <a:t>31.01.2021</a:t>
             </a:fld>
             <a:endParaRPr lang="de-AT"/>
           </a:p>
@@ -2693,7 +2700,7 @@
           <p:cNvPr id="6" name="Fußzeilenplatzhalter 5">
             <a:extLst>
               <a:ext uri="{FF2B5EF4-FFF2-40B4-BE49-F238E27FC236}">
-                <a16:creationId xmlns:a16="http://schemas.microsoft.com/office/drawing/2014/main" id="{9DFD062A-6139-414C-B8B3-2E6C943EB3CF}"/>
+                <a16:creationId xmlns:a16="http://schemas.microsoft.com/office/drawing/2014/main" xmlns="" id="{9DFD062A-6139-414C-B8B3-2E6C943EB3CF}"/>
               </a:ext>
             </a:extLst>
           </p:cNvPr>
@@ -2718,7 +2725,7 @@
           <p:cNvPr id="7" name="Foliennummernplatzhalter 6">
             <a:extLst>
               <a:ext uri="{FF2B5EF4-FFF2-40B4-BE49-F238E27FC236}">
-                <a16:creationId xmlns:a16="http://schemas.microsoft.com/office/drawing/2014/main" id="{ED452DA9-14F0-427D-8CC0-B77F6CA9083A}"/>
+                <a16:creationId xmlns:a16="http://schemas.microsoft.com/office/drawing/2014/main" xmlns="" id="{ED452DA9-14F0-427D-8CC0-B77F6CA9083A}"/>
               </a:ext>
             </a:extLst>
           </p:cNvPr>
@@ -2782,7 +2789,7 @@
           <p:cNvPr id="2" name="Titelplatzhalter 1">
             <a:extLst>
               <a:ext uri="{FF2B5EF4-FFF2-40B4-BE49-F238E27FC236}">
-                <a16:creationId xmlns:a16="http://schemas.microsoft.com/office/drawing/2014/main" id="{3A969D30-CDA8-4646-A32F-52431418C054}"/>
+                <a16:creationId xmlns:a16="http://schemas.microsoft.com/office/drawing/2014/main" xmlns="" id="{3A969D30-CDA8-4646-A32F-52431418C054}"/>
               </a:ext>
             </a:extLst>
           </p:cNvPr>
@@ -2821,7 +2828,7 @@
           <p:cNvPr id="3" name="Textplatzhalter 2">
             <a:extLst>
               <a:ext uri="{FF2B5EF4-FFF2-40B4-BE49-F238E27FC236}">
-                <a16:creationId xmlns:a16="http://schemas.microsoft.com/office/drawing/2014/main" id="{13B6DB0A-1502-4748-B65C-89F583300036}"/>
+                <a16:creationId xmlns:a16="http://schemas.microsoft.com/office/drawing/2014/main" xmlns="" id="{13B6DB0A-1502-4748-B65C-89F583300036}"/>
               </a:ext>
             </a:extLst>
           </p:cNvPr>
@@ -2889,7 +2896,7 @@
           <p:cNvPr id="4" name="Datumsplatzhalter 3">
             <a:extLst>
               <a:ext uri="{FF2B5EF4-FFF2-40B4-BE49-F238E27FC236}">
-                <a16:creationId xmlns:a16="http://schemas.microsoft.com/office/drawing/2014/main" id="{843FF316-4A2A-4B53-8EEF-53CB0880ED7E}"/>
+                <a16:creationId xmlns:a16="http://schemas.microsoft.com/office/drawing/2014/main" xmlns="" id="{843FF316-4A2A-4B53-8EEF-53CB0880ED7E}"/>
               </a:ext>
             </a:extLst>
           </p:cNvPr>
@@ -2925,7 +2932,7 @@
           <a:p>
             <a:fld id="{31F5825D-C3D3-4C06-8D46-0854EAC6BD2A}" type="datetimeFigureOut">
               <a:rPr lang="de-AT" smtClean="0"/>
-              <a:t>28.01.2021</a:t>
+              <a:t>31.01.2021</a:t>
             </a:fld>
             <a:endParaRPr lang="de-AT"/>
           </a:p>
@@ -2936,7 +2943,7 @@
           <p:cNvPr id="5" name="Fußzeilenplatzhalter 4">
             <a:extLst>
               <a:ext uri="{FF2B5EF4-FFF2-40B4-BE49-F238E27FC236}">
-                <a16:creationId xmlns:a16="http://schemas.microsoft.com/office/drawing/2014/main" id="{7DF9C5C8-D1E8-4457-861A-7F30A7113064}"/>
+                <a16:creationId xmlns:a16="http://schemas.microsoft.com/office/drawing/2014/main" xmlns="" id="{7DF9C5C8-D1E8-4457-861A-7F30A7113064}"/>
               </a:ext>
             </a:extLst>
           </p:cNvPr>
@@ -2979,7 +2986,7 @@
           <p:cNvPr id="6" name="Foliennummernplatzhalter 5">
             <a:extLst>
               <a:ext uri="{FF2B5EF4-FFF2-40B4-BE49-F238E27FC236}">
-                <a16:creationId xmlns:a16="http://schemas.microsoft.com/office/drawing/2014/main" id="{451F2ADC-5E16-45EE-9C63-A011DAE0AAAE}"/>
+                <a16:creationId xmlns:a16="http://schemas.microsoft.com/office/drawing/2014/main" xmlns="" id="{451F2ADC-5E16-45EE-9C63-A011DAE0AAAE}"/>
               </a:ext>
             </a:extLst>
           </p:cNvPr>
@@ -3347,7 +3354,7 @@
           <p:cNvPr id="2" name="Titel 1">
             <a:extLst>
               <a:ext uri="{FF2B5EF4-FFF2-40B4-BE49-F238E27FC236}">
-                <a16:creationId xmlns:a16="http://schemas.microsoft.com/office/drawing/2014/main" id="{D039FE2E-3435-4AAE-89B3-82FB2F8D0962}"/>
+                <a16:creationId xmlns:a16="http://schemas.microsoft.com/office/drawing/2014/main" xmlns="" id="{D039FE2E-3435-4AAE-89B3-82FB2F8D0962}"/>
               </a:ext>
             </a:extLst>
           </p:cNvPr>
@@ -3375,7 +3382,7 @@
           <p:cNvPr id="3" name="Untertitel 2">
             <a:extLst>
               <a:ext uri="{FF2B5EF4-FFF2-40B4-BE49-F238E27FC236}">
-                <a16:creationId xmlns:a16="http://schemas.microsoft.com/office/drawing/2014/main" id="{A4A3B394-275F-4105-B871-7A4A91C2B3E1}"/>
+                <a16:creationId xmlns:a16="http://schemas.microsoft.com/office/drawing/2014/main" xmlns="" id="{A4A3B394-275F-4105-B871-7A4A91C2B3E1}"/>
               </a:ext>
             </a:extLst>
           </p:cNvPr>
@@ -3406,6 +3413,160 @@
     <p:extLst>
       <p:ext uri="{BB962C8B-B14F-4D97-AF65-F5344CB8AC3E}">
         <p14:creationId xmlns:p14="http://schemas.microsoft.com/office/powerpoint/2010/main" val="1125802177"/>
+      </p:ext>
+    </p:extLst>
+  </p:cSld>
+  <p:clrMapOvr>
+    <a:masterClrMapping/>
+  </p:clrMapOvr>
+</p:sld>
+</file>
+
+<file path=ppt/slides/slide2.xml><?xml version="1.0" encoding="utf-8"?>
+<p:sld xmlns:a="http://schemas.openxmlformats.org/drawingml/2006/main" xmlns:r="http://schemas.openxmlformats.org/officeDocument/2006/relationships" xmlns:p="http://schemas.openxmlformats.org/presentationml/2006/main">
+  <p:cSld>
+    <p:spTree>
+      <p:nvGrpSpPr>
+        <p:cNvPr id="1" name=""/>
+        <p:cNvGrpSpPr/>
+        <p:nvPr/>
+      </p:nvGrpSpPr>
+      <p:grpSpPr>
+        <a:xfrm>
+          <a:off x="0" y="0"/>
+          <a:ext cx="0" cy="0"/>
+          <a:chOff x="0" y="0"/>
+          <a:chExt cx="0" cy="0"/>
+        </a:xfrm>
+      </p:grpSpPr>
+      <p:sp>
+        <p:nvSpPr>
+          <p:cNvPr id="2" name="Titel 1"/>
+          <p:cNvSpPr>
+            <a:spLocks noGrp="1"/>
+          </p:cNvSpPr>
+          <p:nvPr>
+            <p:ph type="title"/>
+          </p:nvPr>
+        </p:nvSpPr>
+        <p:spPr/>
+        <p:txBody>
+          <a:bodyPr/>
+          <a:lstStyle/>
+          <a:p>
+            <a:r>
+              <a:rPr lang="de-AT" dirty="0" smtClean="0"/>
+              <a:t>Lösungsansatz</a:t>
+            </a:r>
+            <a:endParaRPr lang="de-AT" dirty="0"/>
+          </a:p>
+        </p:txBody>
+      </p:sp>
+      <p:sp>
+        <p:nvSpPr>
+          <p:cNvPr id="3" name="Inhaltsplatzhalter 2"/>
+          <p:cNvSpPr>
+            <a:spLocks noGrp="1"/>
+          </p:cNvSpPr>
+          <p:nvPr>
+            <p:ph idx="1"/>
+          </p:nvPr>
+        </p:nvSpPr>
+        <p:spPr/>
+        <p:txBody>
+          <a:bodyPr/>
+          <a:lstStyle/>
+          <a:p>
+            <a:r>
+              <a:rPr lang="de-AT" dirty="0" smtClean="0"/>
+              <a:t>Verbessern der generellen Bildqualität</a:t>
+            </a:r>
+          </a:p>
+          <a:p>
+            <a:r>
+              <a:rPr lang="de-AT" dirty="0" smtClean="0"/>
+              <a:t>Segmentierung vom gewünschten Bereich</a:t>
+            </a:r>
+            <a:endParaRPr lang="de-AT" dirty="0"/>
+          </a:p>
+        </p:txBody>
+      </p:sp>
+    </p:spTree>
+    <p:extLst>
+      <p:ext uri="{BB962C8B-B14F-4D97-AF65-F5344CB8AC3E}">
+        <p14:creationId xmlns:p14="http://schemas.microsoft.com/office/powerpoint/2010/main" val="752008096"/>
+      </p:ext>
+    </p:extLst>
+  </p:cSld>
+  <p:clrMapOvr>
+    <a:masterClrMapping/>
+  </p:clrMapOvr>
+</p:sld>
+</file>
+
+<file path=ppt/slides/slide3.xml><?xml version="1.0" encoding="utf-8"?>
+<p:sld xmlns:a="http://schemas.openxmlformats.org/drawingml/2006/main" xmlns:r="http://schemas.openxmlformats.org/officeDocument/2006/relationships" xmlns:p="http://schemas.openxmlformats.org/presentationml/2006/main">
+  <p:cSld>
+    <p:spTree>
+      <p:nvGrpSpPr>
+        <p:cNvPr id="1" name=""/>
+        <p:cNvGrpSpPr/>
+        <p:nvPr/>
+      </p:nvGrpSpPr>
+      <p:grpSpPr>
+        <a:xfrm>
+          <a:off x="0" y="0"/>
+          <a:ext cx="0" cy="0"/>
+          <a:chOff x="0" y="0"/>
+          <a:chExt cx="0" cy="0"/>
+        </a:xfrm>
+      </p:grpSpPr>
+      <p:sp>
+        <p:nvSpPr>
+          <p:cNvPr id="2" name="Titel 1"/>
+          <p:cNvSpPr>
+            <a:spLocks noGrp="1"/>
+          </p:cNvSpPr>
+          <p:nvPr>
+            <p:ph type="title"/>
+          </p:nvPr>
+        </p:nvSpPr>
+        <p:spPr/>
+        <p:txBody>
+          <a:bodyPr/>
+          <a:lstStyle/>
+          <a:p>
+            <a:r>
+              <a:rPr lang="de-AT" dirty="0" smtClean="0"/>
+              <a:t>Lösungsansatz – Finden von Indiana</a:t>
+            </a:r>
+            <a:endParaRPr lang="de-AT" dirty="0"/>
+          </a:p>
+        </p:txBody>
+      </p:sp>
+      <p:sp>
+        <p:nvSpPr>
+          <p:cNvPr id="3" name="Inhaltsplatzhalter 2"/>
+          <p:cNvSpPr>
+            <a:spLocks noGrp="1"/>
+          </p:cNvSpPr>
+          <p:nvPr>
+            <p:ph idx="1"/>
+          </p:nvPr>
+        </p:nvSpPr>
+        <p:spPr/>
+        <p:txBody>
+          <a:bodyPr/>
+          <a:lstStyle/>
+          <a:p>
+            <a:endParaRPr lang="de-AT"/>
+          </a:p>
+        </p:txBody>
+      </p:sp>
+    </p:spTree>
+    <p:extLst>
+      <p:ext uri="{BB962C8B-B14F-4D97-AF65-F5344CB8AC3E}">
+        <p14:creationId xmlns:p14="http://schemas.microsoft.com/office/powerpoint/2010/main" val="2921245184"/>
       </p:ext>
     </p:extLst>
   </p:cSld>

--- a/presentation/DIP-Project.pptx
+++ b/presentation/DIP-Project.pptx
@@ -4,10 +4,21 @@
   <p:sldMasterIdLst>
     <p:sldMasterId id="2147483648" r:id="rId1"/>
   </p:sldMasterIdLst>
+  <p:notesMasterIdLst>
+    <p:notesMasterId r:id="rId13"/>
+  </p:notesMasterIdLst>
   <p:sldIdLst>
     <p:sldId id="256" r:id="rId2"/>
-    <p:sldId id="258" r:id="rId3"/>
-    <p:sldId id="257" r:id="rId4"/>
+    <p:sldId id="257" r:id="rId3"/>
+    <p:sldId id="258" r:id="rId4"/>
+    <p:sldId id="259" r:id="rId5"/>
+    <p:sldId id="263" r:id="rId6"/>
+    <p:sldId id="266" r:id="rId7"/>
+    <p:sldId id="260" r:id="rId8"/>
+    <p:sldId id="261" r:id="rId9"/>
+    <p:sldId id="264" r:id="rId10"/>
+    <p:sldId id="265" r:id="rId11"/>
+    <p:sldId id="262" r:id="rId12"/>
   </p:sldIdLst>
   <p:sldSz cx="12192000" cy="6858000"/>
   <p:notesSz cx="6858000" cy="9144000"/>
@@ -114,6 +125,4778 @@
 </p:presentation>
 </file>
 
+<file path=ppt/diagrams/colors1.xml><?xml version="1.0" encoding="utf-8"?>
+<dgm:colorsDef xmlns:dgm="http://schemas.openxmlformats.org/drawingml/2006/diagram" xmlns:a="http://schemas.openxmlformats.org/drawingml/2006/main" uniqueId="urn:microsoft.com/office/officeart/2005/8/colors/accent1_2">
+  <dgm:title val=""/>
+  <dgm:desc val=""/>
+  <dgm:catLst>
+    <dgm:cat type="accent1" pri="11200"/>
+  </dgm:catLst>
+  <dgm:styleLbl name="node0">
+    <dgm:fillClrLst meth="repeat">
+      <a:schemeClr val="accent1"/>
+    </dgm:fillClrLst>
+    <dgm:linClrLst meth="repeat">
+      <a:schemeClr val="lt1"/>
+    </dgm:linClrLst>
+    <dgm:effectClrLst/>
+    <dgm:txLinClrLst/>
+    <dgm:txFillClrLst/>
+    <dgm:txEffectClrLst/>
+  </dgm:styleLbl>
+  <dgm:styleLbl name="alignNode1">
+    <dgm:fillClrLst meth="repeat">
+      <a:schemeClr val="accent1"/>
+    </dgm:fillClrLst>
+    <dgm:linClrLst meth="repeat">
+      <a:schemeClr val="accent1"/>
+    </dgm:linClrLst>
+    <dgm:effectClrLst/>
+    <dgm:txLinClrLst/>
+    <dgm:txFillClrLst/>
+    <dgm:txEffectClrLst/>
+  </dgm:styleLbl>
+  <dgm:styleLbl name="node1">
+    <dgm:fillClrLst meth="repeat">
+      <a:schemeClr val="accent1"/>
+    </dgm:fillClrLst>
+    <dgm:linClrLst meth="repeat">
+      <a:schemeClr val="lt1"/>
+    </dgm:linClrLst>
+    <dgm:effectClrLst/>
+    <dgm:txLinClrLst/>
+    <dgm:txFillClrLst/>
+    <dgm:txEffectClrLst/>
+  </dgm:styleLbl>
+  <dgm:styleLbl name="lnNode1">
+    <dgm:fillClrLst meth="repeat">
+      <a:schemeClr val="accent1"/>
+    </dgm:fillClrLst>
+    <dgm:linClrLst meth="repeat">
+      <a:schemeClr val="lt1"/>
+    </dgm:linClrLst>
+    <dgm:effectClrLst/>
+    <dgm:txLinClrLst/>
+    <dgm:txFillClrLst/>
+    <dgm:txEffectClrLst/>
+  </dgm:styleLbl>
+  <dgm:styleLbl name="vennNode1">
+    <dgm:fillClrLst meth="repeat">
+      <a:schemeClr val="accent1">
+        <a:alpha val="50000"/>
+      </a:schemeClr>
+    </dgm:fillClrLst>
+    <dgm:linClrLst meth="repeat">
+      <a:schemeClr val="lt1"/>
+    </dgm:linClrLst>
+    <dgm:effectClrLst/>
+    <dgm:txLinClrLst/>
+    <dgm:txFillClrLst/>
+    <dgm:txEffectClrLst/>
+  </dgm:styleLbl>
+  <dgm:styleLbl name="node2">
+    <dgm:fillClrLst meth="repeat">
+      <a:schemeClr val="accent1"/>
+    </dgm:fillClrLst>
+    <dgm:linClrLst meth="repeat">
+      <a:schemeClr val="lt1"/>
+    </dgm:linClrLst>
+    <dgm:effectClrLst/>
+    <dgm:txLinClrLst/>
+    <dgm:txFillClrLst/>
+    <dgm:txEffectClrLst/>
+  </dgm:styleLbl>
+  <dgm:styleLbl name="node3">
+    <dgm:fillClrLst meth="repeat">
+      <a:schemeClr val="accent1"/>
+    </dgm:fillClrLst>
+    <dgm:linClrLst meth="repeat">
+      <a:schemeClr val="lt1"/>
+    </dgm:linClrLst>
+    <dgm:effectClrLst/>
+    <dgm:txLinClrLst/>
+    <dgm:txFillClrLst/>
+    <dgm:txEffectClrLst/>
+  </dgm:styleLbl>
+  <dgm:styleLbl name="node4">
+    <dgm:fillClrLst meth="repeat">
+      <a:schemeClr val="accent1"/>
+    </dgm:fillClrLst>
+    <dgm:linClrLst meth="repeat">
+      <a:schemeClr val="lt1"/>
+    </dgm:linClrLst>
+    <dgm:effectClrLst/>
+    <dgm:txLinClrLst/>
+    <dgm:txFillClrLst/>
+    <dgm:txEffectClrLst/>
+  </dgm:styleLbl>
+  <dgm:styleLbl name="fgImgPlace1">
+    <dgm:fillClrLst meth="repeat">
+      <a:schemeClr val="accent1">
+        <a:tint val="50000"/>
+      </a:schemeClr>
+    </dgm:fillClrLst>
+    <dgm:linClrLst meth="repeat">
+      <a:schemeClr val="lt1"/>
+    </dgm:linClrLst>
+    <dgm:effectClrLst/>
+    <dgm:txLinClrLst/>
+    <dgm:txFillClrLst meth="repeat">
+      <a:schemeClr val="lt1"/>
+    </dgm:txFillClrLst>
+    <dgm:txEffectClrLst/>
+  </dgm:styleLbl>
+  <dgm:styleLbl name="alignImgPlace1">
+    <dgm:fillClrLst meth="repeat">
+      <a:schemeClr val="accent1">
+        <a:tint val="50000"/>
+      </a:schemeClr>
+    </dgm:fillClrLst>
+    <dgm:linClrLst meth="repeat">
+      <a:schemeClr val="lt1"/>
+    </dgm:linClrLst>
+    <dgm:effectClrLst/>
+    <dgm:txLinClrLst/>
+    <dgm:txFillClrLst meth="repeat">
+      <a:schemeClr val="lt1"/>
+    </dgm:txFillClrLst>
+    <dgm:txEffectClrLst/>
+  </dgm:styleLbl>
+  <dgm:styleLbl name="bgImgPlace1">
+    <dgm:fillClrLst meth="repeat">
+      <a:schemeClr val="accent1">
+        <a:tint val="50000"/>
+      </a:schemeClr>
+    </dgm:fillClrLst>
+    <dgm:linClrLst meth="repeat">
+      <a:schemeClr val="lt1"/>
+    </dgm:linClrLst>
+    <dgm:effectClrLst/>
+    <dgm:txLinClrLst/>
+    <dgm:txFillClrLst meth="repeat">
+      <a:schemeClr val="lt1"/>
+    </dgm:txFillClrLst>
+    <dgm:txEffectClrLst/>
+  </dgm:styleLbl>
+  <dgm:styleLbl name="sibTrans2D1">
+    <dgm:fillClrLst meth="repeat">
+      <a:schemeClr val="accent1">
+        <a:tint val="60000"/>
+      </a:schemeClr>
+    </dgm:fillClrLst>
+    <dgm:linClrLst meth="repeat">
+      <a:schemeClr val="accent1">
+        <a:tint val="60000"/>
+      </a:schemeClr>
+    </dgm:linClrLst>
+    <dgm:effectClrLst/>
+    <dgm:txLinClrLst/>
+    <dgm:txFillClrLst/>
+    <dgm:txEffectClrLst/>
+  </dgm:styleLbl>
+  <dgm:styleLbl name="fgSibTrans2D1">
+    <dgm:fillClrLst meth="repeat">
+      <a:schemeClr val="accent1">
+        <a:tint val="60000"/>
+      </a:schemeClr>
+    </dgm:fillClrLst>
+    <dgm:linClrLst meth="repeat">
+      <a:schemeClr val="accent1">
+        <a:tint val="60000"/>
+      </a:schemeClr>
+    </dgm:linClrLst>
+    <dgm:effectClrLst/>
+    <dgm:txLinClrLst/>
+    <dgm:txFillClrLst/>
+    <dgm:txEffectClrLst/>
+  </dgm:styleLbl>
+  <dgm:styleLbl name="bgSibTrans2D1">
+    <dgm:fillClrLst meth="repeat">
+      <a:schemeClr val="accent1">
+        <a:tint val="60000"/>
+      </a:schemeClr>
+    </dgm:fillClrLst>
+    <dgm:linClrLst meth="repeat">
+      <a:schemeClr val="accent1">
+        <a:tint val="60000"/>
+      </a:schemeClr>
+    </dgm:linClrLst>
+    <dgm:effectClrLst/>
+    <dgm:txLinClrLst/>
+    <dgm:txFillClrLst/>
+    <dgm:txEffectClrLst/>
+  </dgm:styleLbl>
+  <dgm:styleLbl name="sibTrans1D1">
+    <dgm:fillClrLst meth="repeat">
+      <a:schemeClr val="accent1"/>
+    </dgm:fillClrLst>
+    <dgm:linClrLst meth="repeat">
+      <a:schemeClr val="accent1"/>
+    </dgm:linClrLst>
+    <dgm:effectClrLst/>
+    <dgm:txLinClrLst/>
+    <dgm:txFillClrLst meth="repeat">
+      <a:schemeClr val="tx1"/>
+    </dgm:txFillClrLst>
+    <dgm:txEffectClrLst/>
+  </dgm:styleLbl>
+  <dgm:styleLbl name="callout">
+    <dgm:fillClrLst meth="repeat">
+      <a:schemeClr val="accent1"/>
+    </dgm:fillClrLst>
+    <dgm:linClrLst meth="repeat">
+      <a:schemeClr val="accent1">
+        <a:tint val="50000"/>
+      </a:schemeClr>
+    </dgm:linClrLst>
+    <dgm:effectClrLst/>
+    <dgm:txLinClrLst/>
+    <dgm:txFillClrLst meth="repeat">
+      <a:schemeClr val="tx1"/>
+    </dgm:txFillClrLst>
+    <dgm:txEffectClrLst/>
+  </dgm:styleLbl>
+  <dgm:styleLbl name="asst0">
+    <dgm:fillClrLst meth="repeat">
+      <a:schemeClr val="accent1"/>
+    </dgm:fillClrLst>
+    <dgm:linClrLst meth="repeat">
+      <a:schemeClr val="lt1"/>
+    </dgm:linClrLst>
+    <dgm:effectClrLst/>
+    <dgm:txLinClrLst/>
+    <dgm:txFillClrLst/>
+    <dgm:txEffectClrLst/>
+  </dgm:styleLbl>
+  <dgm:styleLbl name="asst1">
+    <dgm:fillClrLst meth="repeat">
+      <a:schemeClr val="accent1"/>
+    </dgm:fillClrLst>
+    <dgm:linClrLst meth="repeat">
+      <a:schemeClr val="lt1"/>
+    </dgm:linClrLst>
+    <dgm:effectClrLst/>
+    <dgm:txLinClrLst/>
+    <dgm:txFillClrLst/>
+    <dgm:txEffectClrLst/>
+  </dgm:styleLbl>
+  <dgm:styleLbl name="asst2">
+    <dgm:fillClrLst meth="repeat">
+      <a:schemeClr val="accent1"/>
+    </dgm:fillClrLst>
+    <dgm:linClrLst meth="repeat">
+      <a:schemeClr val="lt1"/>
+    </dgm:linClrLst>
+    <dgm:effectClrLst/>
+    <dgm:txLinClrLst/>
+    <dgm:txFillClrLst/>
+    <dgm:txEffectClrLst/>
+  </dgm:styleLbl>
+  <dgm:styleLbl name="asst3">
+    <dgm:fillClrLst meth="repeat">
+      <a:schemeClr val="accent1"/>
+    </dgm:fillClrLst>
+    <dgm:linClrLst meth="repeat">
+      <a:schemeClr val="lt1"/>
+    </dgm:linClrLst>
+    <dgm:effectClrLst/>
+    <dgm:txLinClrLst/>
+    <dgm:txFillClrLst/>
+    <dgm:txEffectClrLst/>
+  </dgm:styleLbl>
+  <dgm:styleLbl name="asst4">
+    <dgm:fillClrLst meth="repeat">
+      <a:schemeClr val="accent1"/>
+    </dgm:fillClrLst>
+    <dgm:linClrLst meth="repeat">
+      <a:schemeClr val="lt1"/>
+    </dgm:linClrLst>
+    <dgm:effectClrLst/>
+    <dgm:txLinClrLst/>
+    <dgm:txFillClrLst/>
+    <dgm:txEffectClrLst/>
+  </dgm:styleLbl>
+  <dgm:styleLbl name="parChTrans2D1">
+    <dgm:fillClrLst meth="repeat">
+      <a:schemeClr val="accent1">
+        <a:tint val="60000"/>
+      </a:schemeClr>
+    </dgm:fillClrLst>
+    <dgm:linClrLst meth="repeat">
+      <a:schemeClr val="accent1">
+        <a:tint val="60000"/>
+      </a:schemeClr>
+    </dgm:linClrLst>
+    <dgm:effectClrLst/>
+    <dgm:txLinClrLst/>
+    <dgm:txFillClrLst meth="repeat">
+      <a:schemeClr val="lt1"/>
+    </dgm:txFillClrLst>
+    <dgm:txEffectClrLst/>
+  </dgm:styleLbl>
+  <dgm:styleLbl name="parChTrans2D2">
+    <dgm:fillClrLst meth="repeat">
+      <a:schemeClr val="accent1"/>
+    </dgm:fillClrLst>
+    <dgm:linClrLst meth="repeat">
+      <a:schemeClr val="accent1"/>
+    </dgm:linClrLst>
+    <dgm:effectClrLst/>
+    <dgm:txLinClrLst/>
+    <dgm:txFillClrLst meth="repeat">
+      <a:schemeClr val="lt1"/>
+    </dgm:txFillClrLst>
+    <dgm:txEffectClrLst/>
+  </dgm:styleLbl>
+  <dgm:styleLbl name="parChTrans2D3">
+    <dgm:fillClrLst meth="repeat">
+      <a:schemeClr val="accent1"/>
+    </dgm:fillClrLst>
+    <dgm:linClrLst meth="repeat">
+      <a:schemeClr val="accent1"/>
+    </dgm:linClrLst>
+    <dgm:effectClrLst/>
+    <dgm:txLinClrLst/>
+    <dgm:txFillClrLst meth="repeat">
+      <a:schemeClr val="lt1"/>
+    </dgm:txFillClrLst>
+    <dgm:txEffectClrLst/>
+  </dgm:styleLbl>
+  <dgm:styleLbl name="parChTrans2D4">
+    <dgm:fillClrLst meth="repeat">
+      <a:schemeClr val="accent1"/>
+    </dgm:fillClrLst>
+    <dgm:linClrLst meth="repeat">
+      <a:schemeClr val="accent1"/>
+    </dgm:linClrLst>
+    <dgm:effectClrLst/>
+    <dgm:txLinClrLst/>
+    <dgm:txFillClrLst meth="repeat">
+      <a:schemeClr val="lt1"/>
+    </dgm:txFillClrLst>
+    <dgm:txEffectClrLst/>
+  </dgm:styleLbl>
+  <dgm:styleLbl name="parChTrans1D1">
+    <dgm:fillClrLst meth="repeat">
+      <a:schemeClr val="accent1"/>
+    </dgm:fillClrLst>
+    <dgm:linClrLst meth="repeat">
+      <a:schemeClr val="accent1">
+        <a:shade val="60000"/>
+      </a:schemeClr>
+    </dgm:linClrLst>
+    <dgm:effectClrLst/>
+    <dgm:txLinClrLst/>
+    <dgm:txFillClrLst meth="repeat">
+      <a:schemeClr val="tx1"/>
+    </dgm:txFillClrLst>
+    <dgm:txEffectClrLst/>
+  </dgm:styleLbl>
+  <dgm:styleLbl name="parChTrans1D2">
+    <dgm:fillClrLst meth="repeat">
+      <a:schemeClr val="accent1"/>
+    </dgm:fillClrLst>
+    <dgm:linClrLst meth="repeat">
+      <a:schemeClr val="accent1">
+        <a:shade val="60000"/>
+      </a:schemeClr>
+    </dgm:linClrLst>
+    <dgm:effectClrLst/>
+    <dgm:txLinClrLst/>
+    <dgm:txFillClrLst meth="repeat">
+      <a:schemeClr val="tx1"/>
+    </dgm:txFillClrLst>
+    <dgm:txEffectClrLst/>
+  </dgm:styleLbl>
+  <dgm:styleLbl name="parChTrans1D3">
+    <dgm:fillClrLst meth="repeat">
+      <a:schemeClr val="accent1"/>
+    </dgm:fillClrLst>
+    <dgm:linClrLst meth="repeat">
+      <a:schemeClr val="accent1">
+        <a:shade val="80000"/>
+      </a:schemeClr>
+    </dgm:linClrLst>
+    <dgm:effectClrLst/>
+    <dgm:txLinClrLst/>
+    <dgm:txFillClrLst meth="repeat">
+      <a:schemeClr val="tx1"/>
+    </dgm:txFillClrLst>
+    <dgm:txEffectClrLst/>
+  </dgm:styleLbl>
+  <dgm:styleLbl name="parChTrans1D4">
+    <dgm:fillClrLst meth="repeat">
+      <a:schemeClr val="accent1"/>
+    </dgm:fillClrLst>
+    <dgm:linClrLst meth="repeat">
+      <a:schemeClr val="accent1">
+        <a:shade val="80000"/>
+      </a:schemeClr>
+    </dgm:linClrLst>
+    <dgm:effectClrLst/>
+    <dgm:txLinClrLst/>
+    <dgm:txFillClrLst meth="repeat">
+      <a:schemeClr val="tx1"/>
+    </dgm:txFillClrLst>
+    <dgm:txEffectClrLst/>
+  </dgm:styleLbl>
+  <dgm:styleLbl name="fgAcc1">
+    <dgm:fillClrLst meth="repeat">
+      <a:schemeClr val="lt1">
+        <a:alpha val="90000"/>
+      </a:schemeClr>
+    </dgm:fillClrLst>
+    <dgm:linClrLst meth="repeat">
+      <a:schemeClr val="accent1"/>
+    </dgm:linClrLst>
+    <dgm:effectClrLst/>
+    <dgm:txLinClrLst/>
+    <dgm:txFillClrLst meth="repeat">
+      <a:schemeClr val="dk1"/>
+    </dgm:txFillClrLst>
+    <dgm:txEffectClrLst/>
+  </dgm:styleLbl>
+  <dgm:styleLbl name="conFgAcc1">
+    <dgm:fillClrLst meth="repeat">
+      <a:schemeClr val="lt1">
+        <a:alpha val="90000"/>
+      </a:schemeClr>
+    </dgm:fillClrLst>
+    <dgm:linClrLst meth="repeat">
+      <a:schemeClr val="accent1"/>
+    </dgm:linClrLst>
+    <dgm:effectClrLst/>
+    <dgm:txLinClrLst/>
+    <dgm:txFillClrLst meth="repeat">
+      <a:schemeClr val="dk1"/>
+    </dgm:txFillClrLst>
+    <dgm:txEffectClrLst/>
+  </dgm:styleLbl>
+  <dgm:styleLbl name="alignAcc1">
+    <dgm:fillClrLst meth="repeat">
+      <a:schemeClr val="lt1">
+        <a:alpha val="90000"/>
+      </a:schemeClr>
+    </dgm:fillClrLst>
+    <dgm:linClrLst meth="repeat">
+      <a:schemeClr val="accent1"/>
+    </dgm:linClrLst>
+    <dgm:effectClrLst/>
+    <dgm:txLinClrLst/>
+    <dgm:txFillClrLst meth="repeat">
+      <a:schemeClr val="dk1"/>
+    </dgm:txFillClrLst>
+    <dgm:txEffectClrLst/>
+  </dgm:styleLbl>
+  <dgm:styleLbl name="trAlignAcc1">
+    <dgm:fillClrLst meth="repeat">
+      <a:schemeClr val="lt1">
+        <a:alpha val="40000"/>
+      </a:schemeClr>
+    </dgm:fillClrLst>
+    <dgm:linClrLst meth="repeat">
+      <a:schemeClr val="accent1"/>
+    </dgm:linClrLst>
+    <dgm:effectClrLst/>
+    <dgm:txLinClrLst/>
+    <dgm:txFillClrLst meth="repeat">
+      <a:schemeClr val="dk1"/>
+    </dgm:txFillClrLst>
+    <dgm:txEffectClrLst/>
+  </dgm:styleLbl>
+  <dgm:styleLbl name="bgAcc1">
+    <dgm:fillClrLst meth="repeat">
+      <a:schemeClr val="lt1">
+        <a:alpha val="90000"/>
+      </a:schemeClr>
+    </dgm:fillClrLst>
+    <dgm:linClrLst meth="repeat">
+      <a:schemeClr val="accent1"/>
+    </dgm:linClrLst>
+    <dgm:effectClrLst/>
+    <dgm:txLinClrLst/>
+    <dgm:txFillClrLst meth="repeat">
+      <a:schemeClr val="dk1"/>
+    </dgm:txFillClrLst>
+    <dgm:txEffectClrLst/>
+  </dgm:styleLbl>
+  <dgm:styleLbl name="solidFgAcc1">
+    <dgm:fillClrLst meth="repeat">
+      <a:schemeClr val="lt1"/>
+    </dgm:fillClrLst>
+    <dgm:linClrLst meth="repeat">
+      <a:schemeClr val="accent1"/>
+    </dgm:linClrLst>
+    <dgm:effectClrLst/>
+    <dgm:txLinClrLst/>
+    <dgm:txFillClrLst meth="repeat">
+      <a:schemeClr val="dk1"/>
+    </dgm:txFillClrLst>
+    <dgm:txEffectClrLst/>
+  </dgm:styleLbl>
+  <dgm:styleLbl name="solidAlignAcc1">
+    <dgm:fillClrLst meth="repeat">
+      <a:schemeClr val="lt1"/>
+    </dgm:fillClrLst>
+    <dgm:linClrLst meth="repeat">
+      <a:schemeClr val="accent1"/>
+    </dgm:linClrLst>
+    <dgm:effectClrLst/>
+    <dgm:txLinClrLst/>
+    <dgm:txFillClrLst meth="repeat">
+      <a:schemeClr val="dk1"/>
+    </dgm:txFillClrLst>
+    <dgm:txEffectClrLst/>
+  </dgm:styleLbl>
+  <dgm:styleLbl name="solidBgAcc1">
+    <dgm:fillClrLst meth="repeat">
+      <a:schemeClr val="lt1"/>
+    </dgm:fillClrLst>
+    <dgm:linClrLst meth="repeat">
+      <a:schemeClr val="accent1"/>
+    </dgm:linClrLst>
+    <dgm:effectClrLst/>
+    <dgm:txLinClrLst/>
+    <dgm:txFillClrLst meth="repeat">
+      <a:schemeClr val="dk1"/>
+    </dgm:txFillClrLst>
+    <dgm:txEffectClrLst/>
+  </dgm:styleLbl>
+  <dgm:styleLbl name="fgAccFollowNode1">
+    <dgm:fillClrLst meth="repeat">
+      <a:schemeClr val="accent1">
+        <a:alpha val="90000"/>
+        <a:tint val="40000"/>
+      </a:schemeClr>
+    </dgm:fillClrLst>
+    <dgm:linClrLst meth="repeat">
+      <a:schemeClr val="accent1">
+        <a:alpha val="90000"/>
+        <a:tint val="40000"/>
+      </a:schemeClr>
+    </dgm:linClrLst>
+    <dgm:effectClrLst/>
+    <dgm:txLinClrLst/>
+    <dgm:txFillClrLst meth="repeat">
+      <a:schemeClr val="dk1"/>
+    </dgm:txFillClrLst>
+    <dgm:txEffectClrLst/>
+  </dgm:styleLbl>
+  <dgm:styleLbl name="alignAccFollowNode1">
+    <dgm:fillClrLst meth="repeat">
+      <a:schemeClr val="accent1">
+        <a:alpha val="90000"/>
+        <a:tint val="40000"/>
+      </a:schemeClr>
+    </dgm:fillClrLst>
+    <dgm:linClrLst meth="repeat">
+      <a:schemeClr val="accent1">
+        <a:alpha val="90000"/>
+        <a:tint val="40000"/>
+      </a:schemeClr>
+    </dgm:linClrLst>
+    <dgm:effectClrLst/>
+    <dgm:txLinClrLst/>
+    <dgm:txFillClrLst meth="repeat">
+      <a:schemeClr val="dk1"/>
+    </dgm:txFillClrLst>
+    <dgm:txEffectClrLst/>
+  </dgm:styleLbl>
+  <dgm:styleLbl name="bgAccFollowNode1">
+    <dgm:fillClrLst meth="repeat">
+      <a:schemeClr val="accent1">
+        <a:alpha val="90000"/>
+        <a:tint val="40000"/>
+      </a:schemeClr>
+    </dgm:fillClrLst>
+    <dgm:linClrLst meth="repeat">
+      <a:schemeClr val="accent1">
+        <a:alpha val="90000"/>
+        <a:tint val="40000"/>
+      </a:schemeClr>
+    </dgm:linClrLst>
+    <dgm:effectClrLst/>
+    <dgm:txLinClrLst/>
+    <dgm:txFillClrLst meth="repeat">
+      <a:schemeClr val="dk1"/>
+    </dgm:txFillClrLst>
+    <dgm:txEffectClrLst/>
+  </dgm:styleLbl>
+  <dgm:styleLbl name="fgAcc0">
+    <dgm:fillClrLst meth="repeat">
+      <a:schemeClr val="lt1">
+        <a:alpha val="90000"/>
+      </a:schemeClr>
+    </dgm:fillClrLst>
+    <dgm:linClrLst meth="repeat">
+      <a:schemeClr val="accent1"/>
+    </dgm:linClrLst>
+    <dgm:effectClrLst/>
+    <dgm:txLinClrLst/>
+    <dgm:txFillClrLst meth="repeat">
+      <a:schemeClr val="dk1"/>
+    </dgm:txFillClrLst>
+    <dgm:txEffectClrLst/>
+  </dgm:styleLbl>
+  <dgm:styleLbl name="fgAcc2">
+    <dgm:fillClrLst meth="repeat">
+      <a:schemeClr val="lt1">
+        <a:alpha val="90000"/>
+      </a:schemeClr>
+    </dgm:fillClrLst>
+    <dgm:linClrLst meth="repeat">
+      <a:schemeClr val="accent1"/>
+    </dgm:linClrLst>
+    <dgm:effectClrLst/>
+    <dgm:txLinClrLst/>
+    <dgm:txFillClrLst meth="repeat">
+      <a:schemeClr val="dk1"/>
+    </dgm:txFillClrLst>
+    <dgm:txEffectClrLst/>
+  </dgm:styleLbl>
+  <dgm:styleLbl name="fgAcc3">
+    <dgm:fillClrLst meth="repeat">
+      <a:schemeClr val="lt1">
+        <a:alpha val="90000"/>
+      </a:schemeClr>
+    </dgm:fillClrLst>
+    <dgm:linClrLst meth="repeat">
+      <a:schemeClr val="accent1"/>
+    </dgm:linClrLst>
+    <dgm:effectClrLst/>
+    <dgm:txLinClrLst/>
+    <dgm:txFillClrLst meth="repeat">
+      <a:schemeClr val="dk1"/>
+    </dgm:txFillClrLst>
+    <dgm:txEffectClrLst/>
+  </dgm:styleLbl>
+  <dgm:styleLbl name="fgAcc4">
+    <dgm:fillClrLst meth="repeat">
+      <a:schemeClr val="lt1">
+        <a:alpha val="90000"/>
+      </a:schemeClr>
+    </dgm:fillClrLst>
+    <dgm:linClrLst meth="repeat">
+      <a:schemeClr val="accent1"/>
+    </dgm:linClrLst>
+    <dgm:effectClrLst/>
+    <dgm:txLinClrLst/>
+    <dgm:txFillClrLst meth="repeat">
+      <a:schemeClr val="dk1"/>
+    </dgm:txFillClrLst>
+    <dgm:txEffectClrLst/>
+  </dgm:styleLbl>
+  <dgm:styleLbl name="bgShp">
+    <dgm:fillClrLst meth="repeat">
+      <a:schemeClr val="accent1">
+        <a:tint val="40000"/>
+      </a:schemeClr>
+    </dgm:fillClrLst>
+    <dgm:linClrLst meth="repeat">
+      <a:schemeClr val="accent1"/>
+    </dgm:linClrLst>
+    <dgm:effectClrLst/>
+    <dgm:txLinClrLst/>
+    <dgm:txFillClrLst meth="repeat">
+      <a:schemeClr val="dk1"/>
+    </dgm:txFillClrLst>
+    <dgm:txEffectClrLst/>
+  </dgm:styleLbl>
+  <dgm:styleLbl name="dkBgShp">
+    <dgm:fillClrLst meth="repeat">
+      <a:schemeClr val="accent1">
+        <a:shade val="80000"/>
+      </a:schemeClr>
+    </dgm:fillClrLst>
+    <dgm:linClrLst meth="repeat">
+      <a:schemeClr val="accent1"/>
+    </dgm:linClrLst>
+    <dgm:effectClrLst/>
+    <dgm:txLinClrLst/>
+    <dgm:txFillClrLst meth="repeat">
+      <a:schemeClr val="lt1"/>
+    </dgm:txFillClrLst>
+    <dgm:txEffectClrLst/>
+  </dgm:styleLbl>
+  <dgm:styleLbl name="trBgShp">
+    <dgm:fillClrLst meth="repeat">
+      <a:schemeClr val="accent1">
+        <a:tint val="50000"/>
+        <a:alpha val="40000"/>
+      </a:schemeClr>
+    </dgm:fillClrLst>
+    <dgm:linClrLst meth="repeat">
+      <a:schemeClr val="accent1"/>
+    </dgm:linClrLst>
+    <dgm:effectClrLst/>
+    <dgm:txLinClrLst/>
+    <dgm:txFillClrLst meth="repeat">
+      <a:schemeClr val="lt1"/>
+    </dgm:txFillClrLst>
+    <dgm:txEffectClrLst/>
+  </dgm:styleLbl>
+  <dgm:styleLbl name="fgShp">
+    <dgm:fillClrLst meth="repeat">
+      <a:schemeClr val="accent1">
+        <a:tint val="60000"/>
+      </a:schemeClr>
+    </dgm:fillClrLst>
+    <dgm:linClrLst meth="repeat">
+      <a:schemeClr val="lt1"/>
+    </dgm:linClrLst>
+    <dgm:effectClrLst/>
+    <dgm:txLinClrLst/>
+    <dgm:txFillClrLst meth="repeat">
+      <a:schemeClr val="dk1"/>
+    </dgm:txFillClrLst>
+    <dgm:txEffectClrLst/>
+  </dgm:styleLbl>
+  <dgm:styleLbl name="revTx">
+    <dgm:fillClrLst meth="repeat">
+      <a:schemeClr val="lt1">
+        <a:alpha val="0"/>
+      </a:schemeClr>
+    </dgm:fillClrLst>
+    <dgm:linClrLst meth="repeat">
+      <a:schemeClr val="dk1">
+        <a:alpha val="0"/>
+      </a:schemeClr>
+    </dgm:linClrLst>
+    <dgm:effectClrLst/>
+    <dgm:txLinClrLst/>
+    <dgm:txFillClrLst meth="repeat">
+      <a:schemeClr val="tx1"/>
+    </dgm:txFillClrLst>
+    <dgm:txEffectClrLst/>
+  </dgm:styleLbl>
+</dgm:colorsDef>
+</file>
+
+<file path=ppt/diagrams/data1.xml><?xml version="1.0" encoding="utf-8"?>
+<dgm:dataModel xmlns:dgm="http://schemas.openxmlformats.org/drawingml/2006/diagram" xmlns:a="http://schemas.openxmlformats.org/drawingml/2006/main">
+  <dgm:ptLst>
+    <dgm:pt modelId="{99069FC0-9F60-45F4-9E47-46CBCAB3F8F3}" type="doc">
+      <dgm:prSet loTypeId="urn:microsoft.com/office/officeart/2005/8/layout/vProcess5" loCatId="process" qsTypeId="urn:microsoft.com/office/officeart/2005/8/quickstyle/simple1" qsCatId="simple" csTypeId="urn:microsoft.com/office/officeart/2005/8/colors/accent1_2" csCatId="accent1" phldr="1"/>
+      <dgm:spPr/>
+      <dgm:t>
+        <a:bodyPr/>
+        <a:lstStyle/>
+        <a:p>
+          <a:endParaRPr lang="de-AT"/>
+        </a:p>
+      </dgm:t>
+    </dgm:pt>
+    <dgm:pt modelId="{45F056C0-7A97-480F-9804-6BFDB389B56C}">
+      <dgm:prSet phldrT="[Text]" phldr="1"/>
+      <dgm:spPr/>
+      <dgm:t>
+        <a:bodyPr/>
+        <a:lstStyle/>
+        <a:p>
+          <a:endParaRPr lang="de-AT"/>
+        </a:p>
+      </dgm:t>
+    </dgm:pt>
+    <dgm:pt modelId="{0FD1777A-D5A3-4316-85D5-7DCC182FBD53}" type="parTrans" cxnId="{7CDE1C6D-3F75-453C-A368-BEAD768A4167}">
+      <dgm:prSet/>
+      <dgm:spPr/>
+      <dgm:t>
+        <a:bodyPr/>
+        <a:lstStyle/>
+        <a:p>
+          <a:endParaRPr lang="de-AT"/>
+        </a:p>
+      </dgm:t>
+    </dgm:pt>
+    <dgm:pt modelId="{26D8DDE9-EAA0-4673-AB27-B910552C5A4D}" type="sibTrans" cxnId="{7CDE1C6D-3F75-453C-A368-BEAD768A4167}">
+      <dgm:prSet/>
+      <dgm:spPr/>
+      <dgm:t>
+        <a:bodyPr/>
+        <a:lstStyle/>
+        <a:p>
+          <a:endParaRPr lang="de-AT"/>
+        </a:p>
+      </dgm:t>
+    </dgm:pt>
+    <dgm:pt modelId="{E850A748-FCEC-41D0-BB7D-E8FC41DAEF2F}">
+      <dgm:prSet phldrT="[Text]" phldr="1"/>
+      <dgm:spPr/>
+      <dgm:t>
+        <a:bodyPr/>
+        <a:lstStyle/>
+        <a:p>
+          <a:endParaRPr lang="de-AT"/>
+        </a:p>
+      </dgm:t>
+    </dgm:pt>
+    <dgm:pt modelId="{B1A62C03-FBD3-4DDA-A29F-FAC609D368F0}" type="parTrans" cxnId="{CFFF5C23-D98D-4B8F-A443-A4F453D8B8B7}">
+      <dgm:prSet/>
+      <dgm:spPr/>
+      <dgm:t>
+        <a:bodyPr/>
+        <a:lstStyle/>
+        <a:p>
+          <a:endParaRPr lang="de-AT"/>
+        </a:p>
+      </dgm:t>
+    </dgm:pt>
+    <dgm:pt modelId="{36781B70-91E8-49D6-AFD3-4EFE1C860C06}" type="sibTrans" cxnId="{CFFF5C23-D98D-4B8F-A443-A4F453D8B8B7}">
+      <dgm:prSet/>
+      <dgm:spPr/>
+      <dgm:t>
+        <a:bodyPr/>
+        <a:lstStyle/>
+        <a:p>
+          <a:endParaRPr lang="de-AT"/>
+        </a:p>
+      </dgm:t>
+    </dgm:pt>
+    <dgm:pt modelId="{EFB72154-034D-4403-BA06-7D8CDE168212}">
+      <dgm:prSet phldrT="[Text]"/>
+      <dgm:spPr/>
+      <dgm:t>
+        <a:bodyPr/>
+        <a:lstStyle/>
+        <a:p>
+          <a:pPr>
+            <a:buNone/>
+          </a:pPr>
+          <a:r>
+            <a:rPr lang="de-AT" dirty="0"/>
+            <a:t>Auswertung</a:t>
+          </a:r>
+        </a:p>
+      </dgm:t>
+    </dgm:pt>
+    <dgm:pt modelId="{DBA9CFDA-01EC-40C8-9B6E-FF91120323FA}" type="parTrans" cxnId="{FAA3911C-E36F-4E03-AF0C-921DA36ABEC6}">
+      <dgm:prSet/>
+      <dgm:spPr/>
+      <dgm:t>
+        <a:bodyPr/>
+        <a:lstStyle/>
+        <a:p>
+          <a:endParaRPr lang="de-AT"/>
+        </a:p>
+      </dgm:t>
+    </dgm:pt>
+    <dgm:pt modelId="{00533C84-FF7D-4DC3-B93A-D19F95CEE633}" type="sibTrans" cxnId="{FAA3911C-E36F-4E03-AF0C-921DA36ABEC6}">
+      <dgm:prSet/>
+      <dgm:spPr/>
+      <dgm:t>
+        <a:bodyPr/>
+        <a:lstStyle/>
+        <a:p>
+          <a:endParaRPr lang="de-AT"/>
+        </a:p>
+      </dgm:t>
+    </dgm:pt>
+    <dgm:pt modelId="{885E2A3A-F382-46E7-BDBC-91CA62614996}">
+      <dgm:prSet/>
+      <dgm:spPr/>
+      <dgm:t>
+        <a:bodyPr/>
+        <a:lstStyle/>
+        <a:p>
+          <a:pPr>
+            <a:buNone/>
+          </a:pPr>
+          <a:r>
+            <a:rPr lang="de-AT" dirty="0"/>
+            <a:t>Feature-Detektion</a:t>
+          </a:r>
+        </a:p>
+      </dgm:t>
+    </dgm:pt>
+    <dgm:pt modelId="{B7AA294B-187D-45E3-8664-EE5758CBD3EC}" type="parTrans" cxnId="{8C8357D3-86A0-4F1B-84F6-5A76B0832460}">
+      <dgm:prSet/>
+      <dgm:spPr/>
+      <dgm:t>
+        <a:bodyPr/>
+        <a:lstStyle/>
+        <a:p>
+          <a:endParaRPr lang="de-AT"/>
+        </a:p>
+      </dgm:t>
+    </dgm:pt>
+    <dgm:pt modelId="{D0BC6464-DF88-4A99-92A2-FD526D5F19C2}" type="sibTrans" cxnId="{8C8357D3-86A0-4F1B-84F6-5A76B0832460}">
+      <dgm:prSet/>
+      <dgm:spPr/>
+      <dgm:t>
+        <a:bodyPr/>
+        <a:lstStyle/>
+        <a:p>
+          <a:endParaRPr lang="de-AT"/>
+        </a:p>
+      </dgm:t>
+    </dgm:pt>
+    <dgm:pt modelId="{7D8F9F75-4235-4EC9-B960-D82D1853353A}">
+      <dgm:prSet/>
+      <dgm:spPr/>
+      <dgm:t>
+        <a:bodyPr/>
+        <a:lstStyle/>
+        <a:p>
+          <a:endParaRPr lang="de-AT"/>
+        </a:p>
+      </dgm:t>
+    </dgm:pt>
+    <dgm:pt modelId="{382A0AD3-EE0F-48C9-A7E5-8DAC86CBA3D8}" type="parTrans" cxnId="{1619D3FD-923B-42F6-B3C6-A419B8D3C2C2}">
+      <dgm:prSet/>
+      <dgm:spPr/>
+      <dgm:t>
+        <a:bodyPr/>
+        <a:lstStyle/>
+        <a:p>
+          <a:endParaRPr lang="de-AT"/>
+        </a:p>
+      </dgm:t>
+    </dgm:pt>
+    <dgm:pt modelId="{0398790C-0843-4BD3-ACB8-73D35ABABD14}" type="sibTrans" cxnId="{1619D3FD-923B-42F6-B3C6-A419B8D3C2C2}">
+      <dgm:prSet/>
+      <dgm:spPr/>
+      <dgm:t>
+        <a:bodyPr/>
+        <a:lstStyle/>
+        <a:p>
+          <a:endParaRPr lang="de-AT"/>
+        </a:p>
+      </dgm:t>
+    </dgm:pt>
+    <dgm:pt modelId="{36B7B34F-8611-48C7-B00E-180C0B481CFA}">
+      <dgm:prSet/>
+      <dgm:spPr/>
+      <dgm:t>
+        <a:bodyPr/>
+        <a:lstStyle/>
+        <a:p>
+          <a:pPr>
+            <a:buNone/>
+          </a:pPr>
+          <a:r>
+            <a:rPr lang="de-AT" dirty="0"/>
+            <a:t>Ausschneiden dieses Bereiches</a:t>
+          </a:r>
+        </a:p>
+      </dgm:t>
+    </dgm:pt>
+    <dgm:pt modelId="{B2D9C8E5-0A5D-4CA2-8637-2FEBF191A8C5}" type="parTrans" cxnId="{E14C876E-41CA-4DA7-B9EB-AF0A32F8044C}">
+      <dgm:prSet/>
+      <dgm:spPr/>
+      <dgm:t>
+        <a:bodyPr/>
+        <a:lstStyle/>
+        <a:p>
+          <a:endParaRPr lang="de-AT"/>
+        </a:p>
+      </dgm:t>
+    </dgm:pt>
+    <dgm:pt modelId="{C39FE4D2-D0BD-47E9-BAE3-4743304ADBC7}" type="sibTrans" cxnId="{E14C876E-41CA-4DA7-B9EB-AF0A32F8044C}">
+      <dgm:prSet/>
+      <dgm:spPr/>
+      <dgm:t>
+        <a:bodyPr/>
+        <a:lstStyle/>
+        <a:p>
+          <a:endParaRPr lang="de-AT"/>
+        </a:p>
+      </dgm:t>
+    </dgm:pt>
+    <dgm:pt modelId="{D7C57CBE-46B5-489F-98DD-D39B525222F9}">
+      <dgm:prSet/>
+      <dgm:spPr/>
+      <dgm:t>
+        <a:bodyPr/>
+        <a:lstStyle/>
+        <a:p>
+          <a:r>
+            <a:rPr lang="de-AT" dirty="0"/>
+            <a:t>Verbesserung der generellen Bildqualität</a:t>
+          </a:r>
+        </a:p>
+      </dgm:t>
+    </dgm:pt>
+    <dgm:pt modelId="{6B67A02F-200F-4D2B-8C22-B64D32D1CF8A}" type="parTrans" cxnId="{7EC3FFCF-475E-4140-B32D-0D315A3F8F87}">
+      <dgm:prSet/>
+      <dgm:spPr/>
+      <dgm:t>
+        <a:bodyPr/>
+        <a:lstStyle/>
+        <a:p>
+          <a:endParaRPr lang="de-AT"/>
+        </a:p>
+      </dgm:t>
+    </dgm:pt>
+    <dgm:pt modelId="{0EECAA48-9104-4AC7-A5CA-45491AB9BFFC}" type="sibTrans" cxnId="{7EC3FFCF-475E-4140-B32D-0D315A3F8F87}">
+      <dgm:prSet/>
+      <dgm:spPr/>
+      <dgm:t>
+        <a:bodyPr/>
+        <a:lstStyle/>
+        <a:p>
+          <a:endParaRPr lang="de-AT"/>
+        </a:p>
+      </dgm:t>
+    </dgm:pt>
+    <dgm:pt modelId="{08A0D1C0-324C-46A4-B0D1-703DC71C5056}">
+      <dgm:prSet/>
+      <dgm:spPr/>
+      <dgm:t>
+        <a:bodyPr/>
+        <a:lstStyle/>
+        <a:p>
+          <a:r>
+            <a:rPr lang="de-AT" dirty="0"/>
+            <a:t>Segmentierung des interessanten Bildbereichs (LEGO Indiana Jones)</a:t>
+          </a:r>
+        </a:p>
+      </dgm:t>
+    </dgm:pt>
+    <dgm:pt modelId="{144DFD72-109C-47CC-A1B9-57762BA88802}" type="parTrans" cxnId="{48DB2988-67F0-47F5-B183-5C40C26127C9}">
+      <dgm:prSet/>
+      <dgm:spPr/>
+      <dgm:t>
+        <a:bodyPr/>
+        <a:lstStyle/>
+        <a:p>
+          <a:endParaRPr lang="de-AT"/>
+        </a:p>
+      </dgm:t>
+    </dgm:pt>
+    <dgm:pt modelId="{9D65DD2D-747C-49E9-A9B9-F194E616EB34}" type="sibTrans" cxnId="{48DB2988-67F0-47F5-B183-5C40C26127C9}">
+      <dgm:prSet/>
+      <dgm:spPr/>
+      <dgm:t>
+        <a:bodyPr/>
+        <a:lstStyle/>
+        <a:p>
+          <a:endParaRPr lang="de-AT"/>
+        </a:p>
+      </dgm:t>
+    </dgm:pt>
+    <dgm:pt modelId="{840E2858-83B2-4D59-BCB9-A830A585A651}">
+      <dgm:prSet/>
+      <dgm:spPr/>
+      <dgm:t>
+        <a:bodyPr/>
+        <a:lstStyle/>
+        <a:p>
+          <a:endParaRPr lang="de-AT" dirty="0"/>
+        </a:p>
+      </dgm:t>
+    </dgm:pt>
+    <dgm:pt modelId="{52FE7F11-D13D-4629-99D1-4707B686EAA3}" type="parTrans" cxnId="{7112A1D5-BC36-4C49-BA4E-D686F449096F}">
+      <dgm:prSet/>
+      <dgm:spPr/>
+      <dgm:t>
+        <a:bodyPr/>
+        <a:lstStyle/>
+        <a:p>
+          <a:endParaRPr lang="de-AT"/>
+        </a:p>
+      </dgm:t>
+    </dgm:pt>
+    <dgm:pt modelId="{762C151F-A98A-4017-B200-86193B8D02C3}" type="sibTrans" cxnId="{7112A1D5-BC36-4C49-BA4E-D686F449096F}">
+      <dgm:prSet/>
+      <dgm:spPr/>
+      <dgm:t>
+        <a:bodyPr/>
+        <a:lstStyle/>
+        <a:p>
+          <a:endParaRPr lang="de-AT"/>
+        </a:p>
+      </dgm:t>
+    </dgm:pt>
+    <dgm:pt modelId="{3B659A3F-F5C6-44B9-BAB4-AC27C3D02A21}" type="pres">
+      <dgm:prSet presAssocID="{99069FC0-9F60-45F4-9E47-46CBCAB3F8F3}" presName="outerComposite" presStyleCnt="0">
+        <dgm:presLayoutVars>
+          <dgm:chMax val="5"/>
+          <dgm:dir/>
+          <dgm:resizeHandles val="exact"/>
+        </dgm:presLayoutVars>
+      </dgm:prSet>
+      <dgm:spPr/>
+    </dgm:pt>
+    <dgm:pt modelId="{6BB8C8E9-B8FC-4DEE-8A0B-D17C125102CA}" type="pres">
+      <dgm:prSet presAssocID="{99069FC0-9F60-45F4-9E47-46CBCAB3F8F3}" presName="dummyMaxCanvas" presStyleCnt="0">
+        <dgm:presLayoutVars/>
+      </dgm:prSet>
+      <dgm:spPr/>
+    </dgm:pt>
+    <dgm:pt modelId="{7F74E3FD-2C05-4622-845F-9D8EC863D09D}" type="pres">
+      <dgm:prSet presAssocID="{99069FC0-9F60-45F4-9E47-46CBCAB3F8F3}" presName="FiveNodes_1" presStyleLbl="node1" presStyleIdx="0" presStyleCnt="5">
+        <dgm:presLayoutVars>
+          <dgm:bulletEnabled val="1"/>
+        </dgm:presLayoutVars>
+      </dgm:prSet>
+      <dgm:spPr/>
+    </dgm:pt>
+    <dgm:pt modelId="{671FC2C8-5909-4A2E-A827-040AB6C8DA8E}" type="pres">
+      <dgm:prSet presAssocID="{99069FC0-9F60-45F4-9E47-46CBCAB3F8F3}" presName="FiveNodes_2" presStyleLbl="node1" presStyleIdx="1" presStyleCnt="5">
+        <dgm:presLayoutVars>
+          <dgm:bulletEnabled val="1"/>
+        </dgm:presLayoutVars>
+      </dgm:prSet>
+      <dgm:spPr/>
+    </dgm:pt>
+    <dgm:pt modelId="{7B91258B-4D4A-4F88-8301-122CEA9F752F}" type="pres">
+      <dgm:prSet presAssocID="{99069FC0-9F60-45F4-9E47-46CBCAB3F8F3}" presName="FiveNodes_3" presStyleLbl="node1" presStyleIdx="2" presStyleCnt="5">
+        <dgm:presLayoutVars>
+          <dgm:bulletEnabled val="1"/>
+        </dgm:presLayoutVars>
+      </dgm:prSet>
+      <dgm:spPr/>
+    </dgm:pt>
+    <dgm:pt modelId="{55BCC889-CAAD-4374-8856-6952F5CFF401}" type="pres">
+      <dgm:prSet presAssocID="{99069FC0-9F60-45F4-9E47-46CBCAB3F8F3}" presName="FiveNodes_4" presStyleLbl="node1" presStyleIdx="3" presStyleCnt="5">
+        <dgm:presLayoutVars>
+          <dgm:bulletEnabled val="1"/>
+        </dgm:presLayoutVars>
+      </dgm:prSet>
+      <dgm:spPr/>
+    </dgm:pt>
+    <dgm:pt modelId="{572CEF6F-1A64-4A4B-8007-8CFAF59DE9D8}" type="pres">
+      <dgm:prSet presAssocID="{99069FC0-9F60-45F4-9E47-46CBCAB3F8F3}" presName="FiveNodes_5" presStyleLbl="node1" presStyleIdx="4" presStyleCnt="5">
+        <dgm:presLayoutVars>
+          <dgm:bulletEnabled val="1"/>
+        </dgm:presLayoutVars>
+      </dgm:prSet>
+      <dgm:spPr/>
+    </dgm:pt>
+    <dgm:pt modelId="{CE2ECF41-7740-49D6-9FBB-E7C1F8E6C8AD}" type="pres">
+      <dgm:prSet presAssocID="{99069FC0-9F60-45F4-9E47-46CBCAB3F8F3}" presName="FiveConn_1-2" presStyleLbl="fgAccFollowNode1" presStyleIdx="0" presStyleCnt="4">
+        <dgm:presLayoutVars>
+          <dgm:bulletEnabled val="1"/>
+        </dgm:presLayoutVars>
+      </dgm:prSet>
+      <dgm:spPr/>
+    </dgm:pt>
+    <dgm:pt modelId="{7B858E7B-AF12-4D38-BA92-0F2CCB08BE30}" type="pres">
+      <dgm:prSet presAssocID="{99069FC0-9F60-45F4-9E47-46CBCAB3F8F3}" presName="FiveConn_2-3" presStyleLbl="fgAccFollowNode1" presStyleIdx="1" presStyleCnt="4">
+        <dgm:presLayoutVars>
+          <dgm:bulletEnabled val="1"/>
+        </dgm:presLayoutVars>
+      </dgm:prSet>
+      <dgm:spPr/>
+    </dgm:pt>
+    <dgm:pt modelId="{CA3D3879-6CDE-4D93-952E-00B9147C7271}" type="pres">
+      <dgm:prSet presAssocID="{99069FC0-9F60-45F4-9E47-46CBCAB3F8F3}" presName="FiveConn_3-4" presStyleLbl="fgAccFollowNode1" presStyleIdx="2" presStyleCnt="4">
+        <dgm:presLayoutVars>
+          <dgm:bulletEnabled val="1"/>
+        </dgm:presLayoutVars>
+      </dgm:prSet>
+      <dgm:spPr/>
+    </dgm:pt>
+    <dgm:pt modelId="{9F6968B4-7F89-42C4-A01F-4E8C734F16F6}" type="pres">
+      <dgm:prSet presAssocID="{99069FC0-9F60-45F4-9E47-46CBCAB3F8F3}" presName="FiveConn_4-5" presStyleLbl="fgAccFollowNode1" presStyleIdx="3" presStyleCnt="4">
+        <dgm:presLayoutVars>
+          <dgm:bulletEnabled val="1"/>
+        </dgm:presLayoutVars>
+      </dgm:prSet>
+      <dgm:spPr/>
+    </dgm:pt>
+    <dgm:pt modelId="{1F403867-B9D4-4C87-B7B4-133238B90020}" type="pres">
+      <dgm:prSet presAssocID="{99069FC0-9F60-45F4-9E47-46CBCAB3F8F3}" presName="FiveNodes_1_text" presStyleLbl="node1" presStyleIdx="4" presStyleCnt="5">
+        <dgm:presLayoutVars>
+          <dgm:bulletEnabled val="1"/>
+        </dgm:presLayoutVars>
+      </dgm:prSet>
+      <dgm:spPr/>
+    </dgm:pt>
+    <dgm:pt modelId="{90635F39-67BC-4192-BB61-98B07186F46F}" type="pres">
+      <dgm:prSet presAssocID="{99069FC0-9F60-45F4-9E47-46CBCAB3F8F3}" presName="FiveNodes_2_text" presStyleLbl="node1" presStyleIdx="4" presStyleCnt="5">
+        <dgm:presLayoutVars>
+          <dgm:bulletEnabled val="1"/>
+        </dgm:presLayoutVars>
+      </dgm:prSet>
+      <dgm:spPr/>
+    </dgm:pt>
+    <dgm:pt modelId="{85D60703-0EFE-44BA-94EA-805EDB2FC301}" type="pres">
+      <dgm:prSet presAssocID="{99069FC0-9F60-45F4-9E47-46CBCAB3F8F3}" presName="FiveNodes_3_text" presStyleLbl="node1" presStyleIdx="4" presStyleCnt="5">
+        <dgm:presLayoutVars>
+          <dgm:bulletEnabled val="1"/>
+        </dgm:presLayoutVars>
+      </dgm:prSet>
+      <dgm:spPr/>
+    </dgm:pt>
+    <dgm:pt modelId="{C8A472AB-DAC2-4CF0-9144-C36244317137}" type="pres">
+      <dgm:prSet presAssocID="{99069FC0-9F60-45F4-9E47-46CBCAB3F8F3}" presName="FiveNodes_4_text" presStyleLbl="node1" presStyleIdx="4" presStyleCnt="5">
+        <dgm:presLayoutVars>
+          <dgm:bulletEnabled val="1"/>
+        </dgm:presLayoutVars>
+      </dgm:prSet>
+      <dgm:spPr/>
+    </dgm:pt>
+    <dgm:pt modelId="{F7D1465F-5B8A-46C0-AE87-FDABA5C7CB56}" type="pres">
+      <dgm:prSet presAssocID="{99069FC0-9F60-45F4-9E47-46CBCAB3F8F3}" presName="FiveNodes_5_text" presStyleLbl="node1" presStyleIdx="4" presStyleCnt="5">
+        <dgm:presLayoutVars>
+          <dgm:bulletEnabled val="1"/>
+        </dgm:presLayoutVars>
+      </dgm:prSet>
+      <dgm:spPr/>
+    </dgm:pt>
+  </dgm:ptLst>
+  <dgm:cxnLst>
+    <dgm:cxn modelId="{946F9203-4BD6-46F0-9CA9-F9DB198EFF18}" type="presOf" srcId="{885E2A3A-F382-46E7-BDBC-91CA62614996}" destId="{55BCC889-CAAD-4374-8856-6952F5CFF401}" srcOrd="0" destOrd="0" presId="urn:microsoft.com/office/officeart/2005/8/layout/vProcess5"/>
+    <dgm:cxn modelId="{73F9901A-BF87-438E-AE0B-6E554CDF2F63}" type="presOf" srcId="{885E2A3A-F382-46E7-BDBC-91CA62614996}" destId="{C8A472AB-DAC2-4CF0-9144-C36244317137}" srcOrd="1" destOrd="0" presId="urn:microsoft.com/office/officeart/2005/8/layout/vProcess5"/>
+    <dgm:cxn modelId="{FAA3911C-E36F-4E03-AF0C-921DA36ABEC6}" srcId="{99069FC0-9F60-45F4-9E47-46CBCAB3F8F3}" destId="{EFB72154-034D-4403-BA06-7D8CDE168212}" srcOrd="4" destOrd="0" parTransId="{DBA9CFDA-01EC-40C8-9B6E-FF91120323FA}" sibTransId="{00533C84-FF7D-4DC3-B93A-D19F95CEE633}"/>
+    <dgm:cxn modelId="{0525B51C-8BFA-4F36-8ECD-379B758C717C}" type="presOf" srcId="{C39FE4D2-D0BD-47E9-BAE3-4743304ADBC7}" destId="{CA3D3879-6CDE-4D93-952E-00B9147C7271}" srcOrd="0" destOrd="0" presId="urn:microsoft.com/office/officeart/2005/8/layout/vProcess5"/>
+    <dgm:cxn modelId="{CFFF5C23-D98D-4B8F-A443-A4F453D8B8B7}" srcId="{99069FC0-9F60-45F4-9E47-46CBCAB3F8F3}" destId="{E850A748-FCEC-41D0-BB7D-E8FC41DAEF2F}" srcOrd="8" destOrd="0" parTransId="{B1A62C03-FBD3-4DDA-A29F-FAC609D368F0}" sibTransId="{36781B70-91E8-49D6-AFD3-4EFE1C860C06}"/>
+    <dgm:cxn modelId="{2806BD61-9FC7-4F48-A58F-87F578DCC705}" type="presOf" srcId="{0EECAA48-9104-4AC7-A5CA-45491AB9BFFC}" destId="{CE2ECF41-7740-49D6-9FBB-E7C1F8E6C8AD}" srcOrd="0" destOrd="0" presId="urn:microsoft.com/office/officeart/2005/8/layout/vProcess5"/>
+    <dgm:cxn modelId="{6F15CA64-FDCB-467C-9C71-C1962BF53B5B}" type="presOf" srcId="{36B7B34F-8611-48C7-B00E-180C0B481CFA}" destId="{7B91258B-4D4A-4F88-8301-122CEA9F752F}" srcOrd="0" destOrd="0" presId="urn:microsoft.com/office/officeart/2005/8/layout/vProcess5"/>
+    <dgm:cxn modelId="{97E6C466-D406-4F93-A544-23D8A5513AB5}" type="presOf" srcId="{08A0D1C0-324C-46A4-B0D1-703DC71C5056}" destId="{671FC2C8-5909-4A2E-A827-040AB6C8DA8E}" srcOrd="0" destOrd="0" presId="urn:microsoft.com/office/officeart/2005/8/layout/vProcess5"/>
+    <dgm:cxn modelId="{2A749D6A-2969-43D5-BC32-B9EC870DAA10}" type="presOf" srcId="{EFB72154-034D-4403-BA06-7D8CDE168212}" destId="{F7D1465F-5B8A-46C0-AE87-FDABA5C7CB56}" srcOrd="1" destOrd="0" presId="urn:microsoft.com/office/officeart/2005/8/layout/vProcess5"/>
+    <dgm:cxn modelId="{7CDE1C6D-3F75-453C-A368-BEAD768A4167}" srcId="{99069FC0-9F60-45F4-9E47-46CBCAB3F8F3}" destId="{45F056C0-7A97-480F-9804-6BFDB389B56C}" srcOrd="7" destOrd="0" parTransId="{0FD1777A-D5A3-4316-85D5-7DCC182FBD53}" sibTransId="{26D8DDE9-EAA0-4673-AB27-B910552C5A4D}"/>
+    <dgm:cxn modelId="{E14C876E-41CA-4DA7-B9EB-AF0A32F8044C}" srcId="{99069FC0-9F60-45F4-9E47-46CBCAB3F8F3}" destId="{36B7B34F-8611-48C7-B00E-180C0B481CFA}" srcOrd="2" destOrd="0" parTransId="{B2D9C8E5-0A5D-4CA2-8637-2FEBF191A8C5}" sibTransId="{C39FE4D2-D0BD-47E9-BAE3-4743304ADBC7}"/>
+    <dgm:cxn modelId="{5E428972-9D51-49B2-A3EE-EEC123C2C12B}" type="presOf" srcId="{D7C57CBE-46B5-489F-98DD-D39B525222F9}" destId="{1F403867-B9D4-4C87-B7B4-133238B90020}" srcOrd="1" destOrd="0" presId="urn:microsoft.com/office/officeart/2005/8/layout/vProcess5"/>
+    <dgm:cxn modelId="{C800495A-AAC4-4A1A-95F0-4185C2C16BBC}" type="presOf" srcId="{08A0D1C0-324C-46A4-B0D1-703DC71C5056}" destId="{90635F39-67BC-4192-BB61-98B07186F46F}" srcOrd="1" destOrd="0" presId="urn:microsoft.com/office/officeart/2005/8/layout/vProcess5"/>
+    <dgm:cxn modelId="{03361E81-C909-4EDA-85EF-E6D89B3B86CD}" type="presOf" srcId="{D7C57CBE-46B5-489F-98DD-D39B525222F9}" destId="{7F74E3FD-2C05-4622-845F-9D8EC863D09D}" srcOrd="0" destOrd="0" presId="urn:microsoft.com/office/officeart/2005/8/layout/vProcess5"/>
+    <dgm:cxn modelId="{48DB2988-67F0-47F5-B183-5C40C26127C9}" srcId="{99069FC0-9F60-45F4-9E47-46CBCAB3F8F3}" destId="{08A0D1C0-324C-46A4-B0D1-703DC71C5056}" srcOrd="1" destOrd="0" parTransId="{144DFD72-109C-47CC-A1B9-57762BA88802}" sibTransId="{9D65DD2D-747C-49E9-A9B9-F194E616EB34}"/>
+    <dgm:cxn modelId="{8BB2B3B4-7114-4EBE-AD41-A5EB57C3EDCE}" type="presOf" srcId="{EFB72154-034D-4403-BA06-7D8CDE168212}" destId="{572CEF6F-1A64-4A4B-8007-8CFAF59DE9D8}" srcOrd="0" destOrd="0" presId="urn:microsoft.com/office/officeart/2005/8/layout/vProcess5"/>
+    <dgm:cxn modelId="{154FA8C7-6D0D-43B5-A7C3-F9A1C9ABE109}" type="presOf" srcId="{36B7B34F-8611-48C7-B00E-180C0B481CFA}" destId="{85D60703-0EFE-44BA-94EA-805EDB2FC301}" srcOrd="1" destOrd="0" presId="urn:microsoft.com/office/officeart/2005/8/layout/vProcess5"/>
+    <dgm:cxn modelId="{7EC3FFCF-475E-4140-B32D-0D315A3F8F87}" srcId="{99069FC0-9F60-45F4-9E47-46CBCAB3F8F3}" destId="{D7C57CBE-46B5-489F-98DD-D39B525222F9}" srcOrd="0" destOrd="0" parTransId="{6B67A02F-200F-4D2B-8C22-B64D32D1CF8A}" sibTransId="{0EECAA48-9104-4AC7-A5CA-45491AB9BFFC}"/>
+    <dgm:cxn modelId="{8C8357D3-86A0-4F1B-84F6-5A76B0832460}" srcId="{99069FC0-9F60-45F4-9E47-46CBCAB3F8F3}" destId="{885E2A3A-F382-46E7-BDBC-91CA62614996}" srcOrd="3" destOrd="0" parTransId="{B7AA294B-187D-45E3-8664-EE5758CBD3EC}" sibTransId="{D0BC6464-DF88-4A99-92A2-FD526D5F19C2}"/>
+    <dgm:cxn modelId="{7112A1D5-BC36-4C49-BA4E-D686F449096F}" srcId="{99069FC0-9F60-45F4-9E47-46CBCAB3F8F3}" destId="{840E2858-83B2-4D59-BCB9-A830A585A651}" srcOrd="5" destOrd="0" parTransId="{52FE7F11-D13D-4629-99D1-4707B686EAA3}" sibTransId="{762C151F-A98A-4017-B200-86193B8D02C3}"/>
+    <dgm:cxn modelId="{1EA324DC-F5EE-42DE-9E9E-F9E58889BF1F}" type="presOf" srcId="{99069FC0-9F60-45F4-9E47-46CBCAB3F8F3}" destId="{3B659A3F-F5C6-44B9-BAB4-AC27C3D02A21}" srcOrd="0" destOrd="0" presId="urn:microsoft.com/office/officeart/2005/8/layout/vProcess5"/>
+    <dgm:cxn modelId="{73D28EF5-1E46-41F5-967F-ADBDFEC9B335}" type="presOf" srcId="{9D65DD2D-747C-49E9-A9B9-F194E616EB34}" destId="{7B858E7B-AF12-4D38-BA92-0F2CCB08BE30}" srcOrd="0" destOrd="0" presId="urn:microsoft.com/office/officeart/2005/8/layout/vProcess5"/>
+    <dgm:cxn modelId="{1619D3FD-923B-42F6-B3C6-A419B8D3C2C2}" srcId="{99069FC0-9F60-45F4-9E47-46CBCAB3F8F3}" destId="{7D8F9F75-4235-4EC9-B960-D82D1853353A}" srcOrd="6" destOrd="0" parTransId="{382A0AD3-EE0F-48C9-A7E5-8DAC86CBA3D8}" sibTransId="{0398790C-0843-4BD3-ACB8-73D35ABABD14}"/>
+    <dgm:cxn modelId="{B63CDBFF-986D-4BD7-A600-F23B3E4D812E}" type="presOf" srcId="{D0BC6464-DF88-4A99-92A2-FD526D5F19C2}" destId="{9F6968B4-7F89-42C4-A01F-4E8C734F16F6}" srcOrd="0" destOrd="0" presId="urn:microsoft.com/office/officeart/2005/8/layout/vProcess5"/>
+    <dgm:cxn modelId="{E272CD45-A917-4A5B-A82D-B4E43206A3C3}" type="presParOf" srcId="{3B659A3F-F5C6-44B9-BAB4-AC27C3D02A21}" destId="{6BB8C8E9-B8FC-4DEE-8A0B-D17C125102CA}" srcOrd="0" destOrd="0" presId="urn:microsoft.com/office/officeart/2005/8/layout/vProcess5"/>
+    <dgm:cxn modelId="{BB1D5878-FAD8-422F-8CF7-73F8462D44AC}" type="presParOf" srcId="{3B659A3F-F5C6-44B9-BAB4-AC27C3D02A21}" destId="{7F74E3FD-2C05-4622-845F-9D8EC863D09D}" srcOrd="1" destOrd="0" presId="urn:microsoft.com/office/officeart/2005/8/layout/vProcess5"/>
+    <dgm:cxn modelId="{358FFDE9-49F4-49D5-85F7-D759D3E595A1}" type="presParOf" srcId="{3B659A3F-F5C6-44B9-BAB4-AC27C3D02A21}" destId="{671FC2C8-5909-4A2E-A827-040AB6C8DA8E}" srcOrd="2" destOrd="0" presId="urn:microsoft.com/office/officeart/2005/8/layout/vProcess5"/>
+    <dgm:cxn modelId="{205BCDED-3719-4742-B1EA-EEFF2FE5574D}" type="presParOf" srcId="{3B659A3F-F5C6-44B9-BAB4-AC27C3D02A21}" destId="{7B91258B-4D4A-4F88-8301-122CEA9F752F}" srcOrd="3" destOrd="0" presId="urn:microsoft.com/office/officeart/2005/8/layout/vProcess5"/>
+    <dgm:cxn modelId="{661476A2-37D6-4CFB-8179-4EA1D3885BF9}" type="presParOf" srcId="{3B659A3F-F5C6-44B9-BAB4-AC27C3D02A21}" destId="{55BCC889-CAAD-4374-8856-6952F5CFF401}" srcOrd="4" destOrd="0" presId="urn:microsoft.com/office/officeart/2005/8/layout/vProcess5"/>
+    <dgm:cxn modelId="{1178A426-5B1D-466D-B8ED-4510D406A1E1}" type="presParOf" srcId="{3B659A3F-F5C6-44B9-BAB4-AC27C3D02A21}" destId="{572CEF6F-1A64-4A4B-8007-8CFAF59DE9D8}" srcOrd="5" destOrd="0" presId="urn:microsoft.com/office/officeart/2005/8/layout/vProcess5"/>
+    <dgm:cxn modelId="{209C5874-42FB-4A06-8B47-2771148E6A2B}" type="presParOf" srcId="{3B659A3F-F5C6-44B9-BAB4-AC27C3D02A21}" destId="{CE2ECF41-7740-49D6-9FBB-E7C1F8E6C8AD}" srcOrd="6" destOrd="0" presId="urn:microsoft.com/office/officeart/2005/8/layout/vProcess5"/>
+    <dgm:cxn modelId="{4DBBFB2C-5C78-4ED1-8930-2C6E0619B226}" type="presParOf" srcId="{3B659A3F-F5C6-44B9-BAB4-AC27C3D02A21}" destId="{7B858E7B-AF12-4D38-BA92-0F2CCB08BE30}" srcOrd="7" destOrd="0" presId="urn:microsoft.com/office/officeart/2005/8/layout/vProcess5"/>
+    <dgm:cxn modelId="{D8AE7E4B-7D68-4676-9DE3-D061ACFB42AE}" type="presParOf" srcId="{3B659A3F-F5C6-44B9-BAB4-AC27C3D02A21}" destId="{CA3D3879-6CDE-4D93-952E-00B9147C7271}" srcOrd="8" destOrd="0" presId="urn:microsoft.com/office/officeart/2005/8/layout/vProcess5"/>
+    <dgm:cxn modelId="{80E0FF03-F592-4A7A-A03C-19543E813B67}" type="presParOf" srcId="{3B659A3F-F5C6-44B9-BAB4-AC27C3D02A21}" destId="{9F6968B4-7F89-42C4-A01F-4E8C734F16F6}" srcOrd="9" destOrd="0" presId="urn:microsoft.com/office/officeart/2005/8/layout/vProcess5"/>
+    <dgm:cxn modelId="{05E6C0E4-9619-487A-8FD5-EF8286D04F55}" type="presParOf" srcId="{3B659A3F-F5C6-44B9-BAB4-AC27C3D02A21}" destId="{1F403867-B9D4-4C87-B7B4-133238B90020}" srcOrd="10" destOrd="0" presId="urn:microsoft.com/office/officeart/2005/8/layout/vProcess5"/>
+    <dgm:cxn modelId="{BEA87286-E331-4A12-BF17-623312FF6BD9}" type="presParOf" srcId="{3B659A3F-F5C6-44B9-BAB4-AC27C3D02A21}" destId="{90635F39-67BC-4192-BB61-98B07186F46F}" srcOrd="11" destOrd="0" presId="urn:microsoft.com/office/officeart/2005/8/layout/vProcess5"/>
+    <dgm:cxn modelId="{8409BFF4-D91C-4971-A73B-DE6E3C86E70C}" type="presParOf" srcId="{3B659A3F-F5C6-44B9-BAB4-AC27C3D02A21}" destId="{85D60703-0EFE-44BA-94EA-805EDB2FC301}" srcOrd="12" destOrd="0" presId="urn:microsoft.com/office/officeart/2005/8/layout/vProcess5"/>
+    <dgm:cxn modelId="{9FC9DC9C-8D20-4F72-8699-9D42E6A85D1C}" type="presParOf" srcId="{3B659A3F-F5C6-44B9-BAB4-AC27C3D02A21}" destId="{C8A472AB-DAC2-4CF0-9144-C36244317137}" srcOrd="13" destOrd="0" presId="urn:microsoft.com/office/officeart/2005/8/layout/vProcess5"/>
+    <dgm:cxn modelId="{9A05C934-817E-42D3-A338-EC8AF9595EA8}" type="presParOf" srcId="{3B659A3F-F5C6-44B9-BAB4-AC27C3D02A21}" destId="{F7D1465F-5B8A-46C0-AE87-FDABA5C7CB56}" srcOrd="14" destOrd="0" presId="urn:microsoft.com/office/officeart/2005/8/layout/vProcess5"/>
+  </dgm:cxnLst>
+  <dgm:bg/>
+  <dgm:whole/>
+  <dgm:extLst>
+    <a:ext uri="http://schemas.microsoft.com/office/drawing/2008/diagram">
+      <dsp:dataModelExt xmlns:dsp="http://schemas.microsoft.com/office/drawing/2008/diagram" relId="rId7" minVer="http://schemas.openxmlformats.org/drawingml/2006/diagram"/>
+    </a:ext>
+  </dgm:extLst>
+</dgm:dataModel>
+</file>
+
+<file path=ppt/diagrams/drawing1.xml><?xml version="1.0" encoding="utf-8"?>
+<dsp:drawing xmlns:dgm="http://schemas.openxmlformats.org/drawingml/2006/diagram" xmlns:dsp="http://schemas.microsoft.com/office/drawing/2008/diagram" xmlns:a="http://schemas.openxmlformats.org/drawingml/2006/main">
+  <dsp:spTree>
+    <dsp:nvGrpSpPr>
+      <dsp:cNvPr id="0" name=""/>
+      <dsp:cNvGrpSpPr/>
+    </dsp:nvGrpSpPr>
+    <dsp:grpSpPr/>
+    <dsp:sp modelId="{7F74E3FD-2C05-4622-845F-9D8EC863D09D}">
+      <dsp:nvSpPr>
+        <dsp:cNvPr id="0" name=""/>
+        <dsp:cNvSpPr/>
+      </dsp:nvSpPr>
+      <dsp:spPr>
+        <a:xfrm>
+          <a:off x="0" y="0"/>
+          <a:ext cx="5619791" cy="800576"/>
+        </a:xfrm>
+        <a:prstGeom prst="roundRect">
+          <a:avLst>
+            <a:gd name="adj" fmla="val 10000"/>
+          </a:avLst>
+        </a:prstGeom>
+        <a:solidFill>
+          <a:schemeClr val="accent1">
+            <a:hueOff val="0"/>
+            <a:satOff val="0"/>
+            <a:lumOff val="0"/>
+            <a:alphaOff val="0"/>
+          </a:schemeClr>
+        </a:solidFill>
+        <a:ln w="12700" cap="flat" cmpd="sng" algn="ctr">
+          <a:solidFill>
+            <a:schemeClr val="lt1">
+              <a:hueOff val="0"/>
+              <a:satOff val="0"/>
+              <a:lumOff val="0"/>
+              <a:alphaOff val="0"/>
+            </a:schemeClr>
+          </a:solidFill>
+          <a:prstDash val="solid"/>
+          <a:miter lim="800000"/>
+        </a:ln>
+        <a:effectLst/>
+      </dsp:spPr>
+      <dsp:style>
+        <a:lnRef idx="2">
+          <a:scrgbClr r="0" g="0" b="0"/>
+        </a:lnRef>
+        <a:fillRef idx="1">
+          <a:scrgbClr r="0" g="0" b="0"/>
+        </a:fillRef>
+        <a:effectRef idx="0">
+          <a:scrgbClr r="0" g="0" b="0"/>
+        </a:effectRef>
+        <a:fontRef idx="minor">
+          <a:schemeClr val="lt1"/>
+        </a:fontRef>
+      </dsp:style>
+      <dsp:txBody>
+        <a:bodyPr spcFirstLastPara="0" vert="horz" wrap="square" lIns="80010" tIns="80010" rIns="80010" bIns="80010" numCol="1" spcCol="1270" anchor="ctr" anchorCtr="0">
+          <a:noAutofit/>
+        </a:bodyPr>
+        <a:lstStyle/>
+        <a:p>
+          <a:pPr marL="0" lvl="0" indent="0" algn="l" defTabSz="933450">
+            <a:lnSpc>
+              <a:spcPct val="90000"/>
+            </a:lnSpc>
+            <a:spcBef>
+              <a:spcPct val="0"/>
+            </a:spcBef>
+            <a:spcAft>
+              <a:spcPct val="35000"/>
+            </a:spcAft>
+            <a:buNone/>
+          </a:pPr>
+          <a:r>
+            <a:rPr lang="de-AT" sz="2100" kern="1200" dirty="0"/>
+            <a:t>Verbesserung der generellen Bildqualität</a:t>
+          </a:r>
+        </a:p>
+      </dsp:txBody>
+      <dsp:txXfrm>
+        <a:off x="23448" y="23448"/>
+        <a:ext cx="4662240" cy="753680"/>
+      </dsp:txXfrm>
+    </dsp:sp>
+    <dsp:sp modelId="{671FC2C8-5909-4A2E-A827-040AB6C8DA8E}">
+      <dsp:nvSpPr>
+        <dsp:cNvPr id="0" name=""/>
+        <dsp:cNvSpPr/>
+      </dsp:nvSpPr>
+      <dsp:spPr>
+        <a:xfrm>
+          <a:off x="419659" y="911767"/>
+          <a:ext cx="5619791" cy="800576"/>
+        </a:xfrm>
+        <a:prstGeom prst="roundRect">
+          <a:avLst>
+            <a:gd name="adj" fmla="val 10000"/>
+          </a:avLst>
+        </a:prstGeom>
+        <a:solidFill>
+          <a:schemeClr val="accent1">
+            <a:hueOff val="0"/>
+            <a:satOff val="0"/>
+            <a:lumOff val="0"/>
+            <a:alphaOff val="0"/>
+          </a:schemeClr>
+        </a:solidFill>
+        <a:ln w="12700" cap="flat" cmpd="sng" algn="ctr">
+          <a:solidFill>
+            <a:schemeClr val="lt1">
+              <a:hueOff val="0"/>
+              <a:satOff val="0"/>
+              <a:lumOff val="0"/>
+              <a:alphaOff val="0"/>
+            </a:schemeClr>
+          </a:solidFill>
+          <a:prstDash val="solid"/>
+          <a:miter lim="800000"/>
+        </a:ln>
+        <a:effectLst/>
+      </dsp:spPr>
+      <dsp:style>
+        <a:lnRef idx="2">
+          <a:scrgbClr r="0" g="0" b="0"/>
+        </a:lnRef>
+        <a:fillRef idx="1">
+          <a:scrgbClr r="0" g="0" b="0"/>
+        </a:fillRef>
+        <a:effectRef idx="0">
+          <a:scrgbClr r="0" g="0" b="0"/>
+        </a:effectRef>
+        <a:fontRef idx="minor">
+          <a:schemeClr val="lt1"/>
+        </a:fontRef>
+      </dsp:style>
+      <dsp:txBody>
+        <a:bodyPr spcFirstLastPara="0" vert="horz" wrap="square" lIns="80010" tIns="80010" rIns="80010" bIns="80010" numCol="1" spcCol="1270" anchor="ctr" anchorCtr="0">
+          <a:noAutofit/>
+        </a:bodyPr>
+        <a:lstStyle/>
+        <a:p>
+          <a:pPr marL="0" lvl="0" indent="0" algn="l" defTabSz="933450">
+            <a:lnSpc>
+              <a:spcPct val="90000"/>
+            </a:lnSpc>
+            <a:spcBef>
+              <a:spcPct val="0"/>
+            </a:spcBef>
+            <a:spcAft>
+              <a:spcPct val="35000"/>
+            </a:spcAft>
+            <a:buNone/>
+          </a:pPr>
+          <a:r>
+            <a:rPr lang="de-AT" sz="2100" kern="1200" dirty="0"/>
+            <a:t>Segmentierung des interessanten Bildbereichs (LEGO Indiana Jones)</a:t>
+          </a:r>
+        </a:p>
+      </dsp:txBody>
+      <dsp:txXfrm>
+        <a:off x="443107" y="935215"/>
+        <a:ext cx="4632861" cy="753680"/>
+      </dsp:txXfrm>
+    </dsp:sp>
+    <dsp:sp modelId="{7B91258B-4D4A-4F88-8301-122CEA9F752F}">
+      <dsp:nvSpPr>
+        <dsp:cNvPr id="0" name=""/>
+        <dsp:cNvSpPr/>
+      </dsp:nvSpPr>
+      <dsp:spPr>
+        <a:xfrm>
+          <a:off x="839319" y="1823534"/>
+          <a:ext cx="5619791" cy="800576"/>
+        </a:xfrm>
+        <a:prstGeom prst="roundRect">
+          <a:avLst>
+            <a:gd name="adj" fmla="val 10000"/>
+          </a:avLst>
+        </a:prstGeom>
+        <a:solidFill>
+          <a:schemeClr val="accent1">
+            <a:hueOff val="0"/>
+            <a:satOff val="0"/>
+            <a:lumOff val="0"/>
+            <a:alphaOff val="0"/>
+          </a:schemeClr>
+        </a:solidFill>
+        <a:ln w="12700" cap="flat" cmpd="sng" algn="ctr">
+          <a:solidFill>
+            <a:schemeClr val="lt1">
+              <a:hueOff val="0"/>
+              <a:satOff val="0"/>
+              <a:lumOff val="0"/>
+              <a:alphaOff val="0"/>
+            </a:schemeClr>
+          </a:solidFill>
+          <a:prstDash val="solid"/>
+          <a:miter lim="800000"/>
+        </a:ln>
+        <a:effectLst/>
+      </dsp:spPr>
+      <dsp:style>
+        <a:lnRef idx="2">
+          <a:scrgbClr r="0" g="0" b="0"/>
+        </a:lnRef>
+        <a:fillRef idx="1">
+          <a:scrgbClr r="0" g="0" b="0"/>
+        </a:fillRef>
+        <a:effectRef idx="0">
+          <a:scrgbClr r="0" g="0" b="0"/>
+        </a:effectRef>
+        <a:fontRef idx="minor">
+          <a:schemeClr val="lt1"/>
+        </a:fontRef>
+      </dsp:style>
+      <dsp:txBody>
+        <a:bodyPr spcFirstLastPara="0" vert="horz" wrap="square" lIns="80010" tIns="80010" rIns="80010" bIns="80010" numCol="1" spcCol="1270" anchor="ctr" anchorCtr="0">
+          <a:noAutofit/>
+        </a:bodyPr>
+        <a:lstStyle/>
+        <a:p>
+          <a:pPr marL="0" lvl="0" indent="0" algn="l" defTabSz="933450">
+            <a:lnSpc>
+              <a:spcPct val="90000"/>
+            </a:lnSpc>
+            <a:spcBef>
+              <a:spcPct val="0"/>
+            </a:spcBef>
+            <a:spcAft>
+              <a:spcPct val="35000"/>
+            </a:spcAft>
+            <a:buNone/>
+          </a:pPr>
+          <a:r>
+            <a:rPr lang="de-AT" sz="2100" kern="1200" dirty="0"/>
+            <a:t>Ausschneiden dieses Bereiches</a:t>
+          </a:r>
+        </a:p>
+      </dsp:txBody>
+      <dsp:txXfrm>
+        <a:off x="862767" y="1846982"/>
+        <a:ext cx="4632861" cy="753680"/>
+      </dsp:txXfrm>
+    </dsp:sp>
+    <dsp:sp modelId="{55BCC889-CAAD-4374-8856-6952F5CFF401}">
+      <dsp:nvSpPr>
+        <dsp:cNvPr id="0" name=""/>
+        <dsp:cNvSpPr/>
+      </dsp:nvSpPr>
+      <dsp:spPr>
+        <a:xfrm>
+          <a:off x="1258979" y="2735301"/>
+          <a:ext cx="5619791" cy="800576"/>
+        </a:xfrm>
+        <a:prstGeom prst="roundRect">
+          <a:avLst>
+            <a:gd name="adj" fmla="val 10000"/>
+          </a:avLst>
+        </a:prstGeom>
+        <a:solidFill>
+          <a:schemeClr val="accent1">
+            <a:hueOff val="0"/>
+            <a:satOff val="0"/>
+            <a:lumOff val="0"/>
+            <a:alphaOff val="0"/>
+          </a:schemeClr>
+        </a:solidFill>
+        <a:ln w="12700" cap="flat" cmpd="sng" algn="ctr">
+          <a:solidFill>
+            <a:schemeClr val="lt1">
+              <a:hueOff val="0"/>
+              <a:satOff val="0"/>
+              <a:lumOff val="0"/>
+              <a:alphaOff val="0"/>
+            </a:schemeClr>
+          </a:solidFill>
+          <a:prstDash val="solid"/>
+          <a:miter lim="800000"/>
+        </a:ln>
+        <a:effectLst/>
+      </dsp:spPr>
+      <dsp:style>
+        <a:lnRef idx="2">
+          <a:scrgbClr r="0" g="0" b="0"/>
+        </a:lnRef>
+        <a:fillRef idx="1">
+          <a:scrgbClr r="0" g="0" b="0"/>
+        </a:fillRef>
+        <a:effectRef idx="0">
+          <a:scrgbClr r="0" g="0" b="0"/>
+        </a:effectRef>
+        <a:fontRef idx="minor">
+          <a:schemeClr val="lt1"/>
+        </a:fontRef>
+      </dsp:style>
+      <dsp:txBody>
+        <a:bodyPr spcFirstLastPara="0" vert="horz" wrap="square" lIns="80010" tIns="80010" rIns="80010" bIns="80010" numCol="1" spcCol="1270" anchor="ctr" anchorCtr="0">
+          <a:noAutofit/>
+        </a:bodyPr>
+        <a:lstStyle/>
+        <a:p>
+          <a:pPr marL="0" lvl="0" indent="0" algn="l" defTabSz="933450">
+            <a:lnSpc>
+              <a:spcPct val="90000"/>
+            </a:lnSpc>
+            <a:spcBef>
+              <a:spcPct val="0"/>
+            </a:spcBef>
+            <a:spcAft>
+              <a:spcPct val="35000"/>
+            </a:spcAft>
+            <a:buNone/>
+          </a:pPr>
+          <a:r>
+            <a:rPr lang="de-AT" sz="2100" kern="1200" dirty="0"/>
+            <a:t>Feature-Detektion</a:t>
+          </a:r>
+        </a:p>
+      </dsp:txBody>
+      <dsp:txXfrm>
+        <a:off x="1282427" y="2758749"/>
+        <a:ext cx="4632861" cy="753680"/>
+      </dsp:txXfrm>
+    </dsp:sp>
+    <dsp:sp modelId="{572CEF6F-1A64-4A4B-8007-8CFAF59DE9D8}">
+      <dsp:nvSpPr>
+        <dsp:cNvPr id="0" name=""/>
+        <dsp:cNvSpPr/>
+      </dsp:nvSpPr>
+      <dsp:spPr>
+        <a:xfrm>
+          <a:off x="1678639" y="3647068"/>
+          <a:ext cx="5619791" cy="800576"/>
+        </a:xfrm>
+        <a:prstGeom prst="roundRect">
+          <a:avLst>
+            <a:gd name="adj" fmla="val 10000"/>
+          </a:avLst>
+        </a:prstGeom>
+        <a:solidFill>
+          <a:schemeClr val="accent1">
+            <a:hueOff val="0"/>
+            <a:satOff val="0"/>
+            <a:lumOff val="0"/>
+            <a:alphaOff val="0"/>
+          </a:schemeClr>
+        </a:solidFill>
+        <a:ln w="12700" cap="flat" cmpd="sng" algn="ctr">
+          <a:solidFill>
+            <a:schemeClr val="lt1">
+              <a:hueOff val="0"/>
+              <a:satOff val="0"/>
+              <a:lumOff val="0"/>
+              <a:alphaOff val="0"/>
+            </a:schemeClr>
+          </a:solidFill>
+          <a:prstDash val="solid"/>
+          <a:miter lim="800000"/>
+        </a:ln>
+        <a:effectLst/>
+      </dsp:spPr>
+      <dsp:style>
+        <a:lnRef idx="2">
+          <a:scrgbClr r="0" g="0" b="0"/>
+        </a:lnRef>
+        <a:fillRef idx="1">
+          <a:scrgbClr r="0" g="0" b="0"/>
+        </a:fillRef>
+        <a:effectRef idx="0">
+          <a:scrgbClr r="0" g="0" b="0"/>
+        </a:effectRef>
+        <a:fontRef idx="minor">
+          <a:schemeClr val="lt1"/>
+        </a:fontRef>
+      </dsp:style>
+      <dsp:txBody>
+        <a:bodyPr spcFirstLastPara="0" vert="horz" wrap="square" lIns="80010" tIns="80010" rIns="80010" bIns="80010" numCol="1" spcCol="1270" anchor="ctr" anchorCtr="0">
+          <a:noAutofit/>
+        </a:bodyPr>
+        <a:lstStyle/>
+        <a:p>
+          <a:pPr marL="0" lvl="0" indent="0" algn="l" defTabSz="933450">
+            <a:lnSpc>
+              <a:spcPct val="90000"/>
+            </a:lnSpc>
+            <a:spcBef>
+              <a:spcPct val="0"/>
+            </a:spcBef>
+            <a:spcAft>
+              <a:spcPct val="35000"/>
+            </a:spcAft>
+            <a:buNone/>
+          </a:pPr>
+          <a:r>
+            <a:rPr lang="de-AT" sz="2100" kern="1200" dirty="0"/>
+            <a:t>Auswertung</a:t>
+          </a:r>
+        </a:p>
+      </dsp:txBody>
+      <dsp:txXfrm>
+        <a:off x="1702087" y="3670516"/>
+        <a:ext cx="4632861" cy="753680"/>
+      </dsp:txXfrm>
+    </dsp:sp>
+    <dsp:sp modelId="{CE2ECF41-7740-49D6-9FBB-E7C1F8E6C8AD}">
+      <dsp:nvSpPr>
+        <dsp:cNvPr id="0" name=""/>
+        <dsp:cNvSpPr/>
+      </dsp:nvSpPr>
+      <dsp:spPr>
+        <a:xfrm>
+          <a:off x="5099417" y="584865"/>
+          <a:ext cx="520374" cy="520374"/>
+        </a:xfrm>
+        <a:prstGeom prst="downArrow">
+          <a:avLst>
+            <a:gd name="adj1" fmla="val 55000"/>
+            <a:gd name="adj2" fmla="val 45000"/>
+          </a:avLst>
+        </a:prstGeom>
+        <a:solidFill>
+          <a:schemeClr val="accent1">
+            <a:alpha val="90000"/>
+            <a:tint val="40000"/>
+            <a:hueOff val="0"/>
+            <a:satOff val="0"/>
+            <a:lumOff val="0"/>
+            <a:alphaOff val="0"/>
+          </a:schemeClr>
+        </a:solidFill>
+        <a:ln w="12700" cap="flat" cmpd="sng" algn="ctr">
+          <a:solidFill>
+            <a:schemeClr val="accent1">
+              <a:alpha val="90000"/>
+              <a:tint val="40000"/>
+              <a:hueOff val="0"/>
+              <a:satOff val="0"/>
+              <a:lumOff val="0"/>
+              <a:alphaOff val="0"/>
+            </a:schemeClr>
+          </a:solidFill>
+          <a:prstDash val="solid"/>
+          <a:miter lim="800000"/>
+        </a:ln>
+        <a:effectLst/>
+      </dsp:spPr>
+      <dsp:style>
+        <a:lnRef idx="2">
+          <a:scrgbClr r="0" g="0" b="0"/>
+        </a:lnRef>
+        <a:fillRef idx="1">
+          <a:scrgbClr r="0" g="0" b="0"/>
+        </a:fillRef>
+        <a:effectRef idx="0">
+          <a:scrgbClr r="0" g="0" b="0"/>
+        </a:effectRef>
+        <a:fontRef idx="minor"/>
+      </dsp:style>
+      <dsp:txBody>
+        <a:bodyPr spcFirstLastPara="0" vert="horz" wrap="square" lIns="29210" tIns="29210" rIns="29210" bIns="29210" numCol="1" spcCol="1270" anchor="ctr" anchorCtr="0">
+          <a:noAutofit/>
+        </a:bodyPr>
+        <a:lstStyle/>
+        <a:p>
+          <a:pPr marL="0" lvl="0" indent="0" algn="ctr" defTabSz="1022350">
+            <a:lnSpc>
+              <a:spcPct val="90000"/>
+            </a:lnSpc>
+            <a:spcBef>
+              <a:spcPct val="0"/>
+            </a:spcBef>
+            <a:spcAft>
+              <a:spcPct val="35000"/>
+            </a:spcAft>
+            <a:buNone/>
+          </a:pPr>
+          <a:endParaRPr lang="de-AT" sz="2300" kern="1200"/>
+        </a:p>
+      </dsp:txBody>
+      <dsp:txXfrm>
+        <a:off x="5216501" y="584865"/>
+        <a:ext cx="286206" cy="391581"/>
+      </dsp:txXfrm>
+    </dsp:sp>
+    <dsp:sp modelId="{7B858E7B-AF12-4D38-BA92-0F2CCB08BE30}">
+      <dsp:nvSpPr>
+        <dsp:cNvPr id="0" name=""/>
+        <dsp:cNvSpPr/>
+      </dsp:nvSpPr>
+      <dsp:spPr>
+        <a:xfrm>
+          <a:off x="5519077" y="1496632"/>
+          <a:ext cx="520374" cy="520374"/>
+        </a:xfrm>
+        <a:prstGeom prst="downArrow">
+          <a:avLst>
+            <a:gd name="adj1" fmla="val 55000"/>
+            <a:gd name="adj2" fmla="val 45000"/>
+          </a:avLst>
+        </a:prstGeom>
+        <a:solidFill>
+          <a:schemeClr val="accent1">
+            <a:alpha val="90000"/>
+            <a:tint val="40000"/>
+            <a:hueOff val="0"/>
+            <a:satOff val="0"/>
+            <a:lumOff val="0"/>
+            <a:alphaOff val="0"/>
+          </a:schemeClr>
+        </a:solidFill>
+        <a:ln w="12700" cap="flat" cmpd="sng" algn="ctr">
+          <a:solidFill>
+            <a:schemeClr val="accent1">
+              <a:alpha val="90000"/>
+              <a:tint val="40000"/>
+              <a:hueOff val="0"/>
+              <a:satOff val="0"/>
+              <a:lumOff val="0"/>
+              <a:alphaOff val="0"/>
+            </a:schemeClr>
+          </a:solidFill>
+          <a:prstDash val="solid"/>
+          <a:miter lim="800000"/>
+        </a:ln>
+        <a:effectLst/>
+      </dsp:spPr>
+      <dsp:style>
+        <a:lnRef idx="2">
+          <a:scrgbClr r="0" g="0" b="0"/>
+        </a:lnRef>
+        <a:fillRef idx="1">
+          <a:scrgbClr r="0" g="0" b="0"/>
+        </a:fillRef>
+        <a:effectRef idx="0">
+          <a:scrgbClr r="0" g="0" b="0"/>
+        </a:effectRef>
+        <a:fontRef idx="minor"/>
+      </dsp:style>
+      <dsp:txBody>
+        <a:bodyPr spcFirstLastPara="0" vert="horz" wrap="square" lIns="29210" tIns="29210" rIns="29210" bIns="29210" numCol="1" spcCol="1270" anchor="ctr" anchorCtr="0">
+          <a:noAutofit/>
+        </a:bodyPr>
+        <a:lstStyle/>
+        <a:p>
+          <a:pPr marL="0" lvl="0" indent="0" algn="ctr" defTabSz="1022350">
+            <a:lnSpc>
+              <a:spcPct val="90000"/>
+            </a:lnSpc>
+            <a:spcBef>
+              <a:spcPct val="0"/>
+            </a:spcBef>
+            <a:spcAft>
+              <a:spcPct val="35000"/>
+            </a:spcAft>
+            <a:buNone/>
+          </a:pPr>
+          <a:endParaRPr lang="de-AT" sz="2300" kern="1200"/>
+        </a:p>
+      </dsp:txBody>
+      <dsp:txXfrm>
+        <a:off x="5636161" y="1496632"/>
+        <a:ext cx="286206" cy="391581"/>
+      </dsp:txXfrm>
+    </dsp:sp>
+    <dsp:sp modelId="{CA3D3879-6CDE-4D93-952E-00B9147C7271}">
+      <dsp:nvSpPr>
+        <dsp:cNvPr id="0" name=""/>
+        <dsp:cNvSpPr/>
+      </dsp:nvSpPr>
+      <dsp:spPr>
+        <a:xfrm>
+          <a:off x="5938736" y="2395056"/>
+          <a:ext cx="520374" cy="520374"/>
+        </a:xfrm>
+        <a:prstGeom prst="downArrow">
+          <a:avLst>
+            <a:gd name="adj1" fmla="val 55000"/>
+            <a:gd name="adj2" fmla="val 45000"/>
+          </a:avLst>
+        </a:prstGeom>
+        <a:solidFill>
+          <a:schemeClr val="accent1">
+            <a:alpha val="90000"/>
+            <a:tint val="40000"/>
+            <a:hueOff val="0"/>
+            <a:satOff val="0"/>
+            <a:lumOff val="0"/>
+            <a:alphaOff val="0"/>
+          </a:schemeClr>
+        </a:solidFill>
+        <a:ln w="12700" cap="flat" cmpd="sng" algn="ctr">
+          <a:solidFill>
+            <a:schemeClr val="accent1">
+              <a:alpha val="90000"/>
+              <a:tint val="40000"/>
+              <a:hueOff val="0"/>
+              <a:satOff val="0"/>
+              <a:lumOff val="0"/>
+              <a:alphaOff val="0"/>
+            </a:schemeClr>
+          </a:solidFill>
+          <a:prstDash val="solid"/>
+          <a:miter lim="800000"/>
+        </a:ln>
+        <a:effectLst/>
+      </dsp:spPr>
+      <dsp:style>
+        <a:lnRef idx="2">
+          <a:scrgbClr r="0" g="0" b="0"/>
+        </a:lnRef>
+        <a:fillRef idx="1">
+          <a:scrgbClr r="0" g="0" b="0"/>
+        </a:fillRef>
+        <a:effectRef idx="0">
+          <a:scrgbClr r="0" g="0" b="0"/>
+        </a:effectRef>
+        <a:fontRef idx="minor"/>
+      </dsp:style>
+      <dsp:txBody>
+        <a:bodyPr spcFirstLastPara="0" vert="horz" wrap="square" lIns="29210" tIns="29210" rIns="29210" bIns="29210" numCol="1" spcCol="1270" anchor="ctr" anchorCtr="0">
+          <a:noAutofit/>
+        </a:bodyPr>
+        <a:lstStyle/>
+        <a:p>
+          <a:pPr marL="0" lvl="0" indent="0" algn="ctr" defTabSz="1022350">
+            <a:lnSpc>
+              <a:spcPct val="90000"/>
+            </a:lnSpc>
+            <a:spcBef>
+              <a:spcPct val="0"/>
+            </a:spcBef>
+            <a:spcAft>
+              <a:spcPct val="35000"/>
+            </a:spcAft>
+            <a:buNone/>
+          </a:pPr>
+          <a:endParaRPr lang="de-AT" sz="2300" kern="1200"/>
+        </a:p>
+      </dsp:txBody>
+      <dsp:txXfrm>
+        <a:off x="6055820" y="2395056"/>
+        <a:ext cx="286206" cy="391581"/>
+      </dsp:txXfrm>
+    </dsp:sp>
+    <dsp:sp modelId="{9F6968B4-7F89-42C4-A01F-4E8C734F16F6}">
+      <dsp:nvSpPr>
+        <dsp:cNvPr id="0" name=""/>
+        <dsp:cNvSpPr/>
+      </dsp:nvSpPr>
+      <dsp:spPr>
+        <a:xfrm>
+          <a:off x="6358396" y="3315719"/>
+          <a:ext cx="520374" cy="520374"/>
+        </a:xfrm>
+        <a:prstGeom prst="downArrow">
+          <a:avLst>
+            <a:gd name="adj1" fmla="val 55000"/>
+            <a:gd name="adj2" fmla="val 45000"/>
+          </a:avLst>
+        </a:prstGeom>
+        <a:solidFill>
+          <a:schemeClr val="accent1">
+            <a:alpha val="90000"/>
+            <a:tint val="40000"/>
+            <a:hueOff val="0"/>
+            <a:satOff val="0"/>
+            <a:lumOff val="0"/>
+            <a:alphaOff val="0"/>
+          </a:schemeClr>
+        </a:solidFill>
+        <a:ln w="12700" cap="flat" cmpd="sng" algn="ctr">
+          <a:solidFill>
+            <a:schemeClr val="accent1">
+              <a:alpha val="90000"/>
+              <a:tint val="40000"/>
+              <a:hueOff val="0"/>
+              <a:satOff val="0"/>
+              <a:lumOff val="0"/>
+              <a:alphaOff val="0"/>
+            </a:schemeClr>
+          </a:solidFill>
+          <a:prstDash val="solid"/>
+          <a:miter lim="800000"/>
+        </a:ln>
+        <a:effectLst/>
+      </dsp:spPr>
+      <dsp:style>
+        <a:lnRef idx="2">
+          <a:scrgbClr r="0" g="0" b="0"/>
+        </a:lnRef>
+        <a:fillRef idx="1">
+          <a:scrgbClr r="0" g="0" b="0"/>
+        </a:fillRef>
+        <a:effectRef idx="0">
+          <a:scrgbClr r="0" g="0" b="0"/>
+        </a:effectRef>
+        <a:fontRef idx="minor"/>
+      </dsp:style>
+      <dsp:txBody>
+        <a:bodyPr spcFirstLastPara="0" vert="horz" wrap="square" lIns="29210" tIns="29210" rIns="29210" bIns="29210" numCol="1" spcCol="1270" anchor="ctr" anchorCtr="0">
+          <a:noAutofit/>
+        </a:bodyPr>
+        <a:lstStyle/>
+        <a:p>
+          <a:pPr marL="0" lvl="0" indent="0" algn="ctr" defTabSz="1022350">
+            <a:lnSpc>
+              <a:spcPct val="90000"/>
+            </a:lnSpc>
+            <a:spcBef>
+              <a:spcPct val="0"/>
+            </a:spcBef>
+            <a:spcAft>
+              <a:spcPct val="35000"/>
+            </a:spcAft>
+            <a:buNone/>
+          </a:pPr>
+          <a:endParaRPr lang="de-AT" sz="2300" kern="1200"/>
+        </a:p>
+      </dsp:txBody>
+      <dsp:txXfrm>
+        <a:off x="6475480" y="3315719"/>
+        <a:ext cx="286206" cy="391581"/>
+      </dsp:txXfrm>
+    </dsp:sp>
+  </dsp:spTree>
+</dsp:drawing>
+</file>
+
+<file path=ppt/diagrams/layout1.xml><?xml version="1.0" encoding="utf-8"?>
+<dgm:layoutDef xmlns:dgm="http://schemas.openxmlformats.org/drawingml/2006/diagram" xmlns:a="http://schemas.openxmlformats.org/drawingml/2006/main" uniqueId="urn:microsoft.com/office/officeart/2005/8/layout/vProcess5">
+  <dgm:title val=""/>
+  <dgm:desc val=""/>
+  <dgm:catLst>
+    <dgm:cat type="process" pri="14000"/>
+  </dgm:catLst>
+  <dgm:sampData>
+    <dgm:dataModel>
+      <dgm:ptLst>
+        <dgm:pt modelId="0" type="doc"/>
+        <dgm:pt modelId="1">
+          <dgm:prSet phldr="1"/>
+        </dgm:pt>
+        <dgm:pt modelId="2">
+          <dgm:prSet phldr="1"/>
+        </dgm:pt>
+        <dgm:pt modelId="3">
+          <dgm:prSet phldr="1"/>
+        </dgm:pt>
+      </dgm:ptLst>
+      <dgm:cxnLst>
+        <dgm:cxn modelId="5" srcId="0" destId="1" srcOrd="0" destOrd="0"/>
+        <dgm:cxn modelId="6" srcId="0" destId="2" srcOrd="1" destOrd="0"/>
+        <dgm:cxn modelId="7" srcId="0" destId="3" srcOrd="2" destOrd="0"/>
+      </dgm:cxnLst>
+      <dgm:bg/>
+      <dgm:whole/>
+    </dgm:dataModel>
+  </dgm:sampData>
+  <dgm:styleData>
+    <dgm:dataModel>
+      <dgm:ptLst>
+        <dgm:pt modelId="0" type="doc"/>
+        <dgm:pt modelId="1"/>
+        <dgm:pt modelId="2"/>
+      </dgm:ptLst>
+      <dgm:cxnLst>
+        <dgm:cxn modelId="3" srcId="0" destId="1" srcOrd="0" destOrd="0"/>
+        <dgm:cxn modelId="4" srcId="0" destId="2" srcOrd="1" destOrd="0"/>
+      </dgm:cxnLst>
+      <dgm:bg/>
+      <dgm:whole/>
+    </dgm:dataModel>
+  </dgm:styleData>
+  <dgm:clrData>
+    <dgm:dataModel>
+      <dgm:ptLst>
+        <dgm:pt modelId="0" type="doc"/>
+        <dgm:pt modelId="1"/>
+        <dgm:pt modelId="2"/>
+        <dgm:pt modelId="3"/>
+        <dgm:pt modelId="4"/>
+      </dgm:ptLst>
+      <dgm:cxnLst>
+        <dgm:cxn modelId="6" srcId="0" destId="1" srcOrd="0" destOrd="0"/>
+        <dgm:cxn modelId="7" srcId="0" destId="2" srcOrd="1" destOrd="0"/>
+        <dgm:cxn modelId="8" srcId="0" destId="3" srcOrd="2" destOrd="0"/>
+        <dgm:cxn modelId="9" srcId="0" destId="4" srcOrd="3" destOrd="0"/>
+      </dgm:cxnLst>
+      <dgm:bg/>
+      <dgm:whole/>
+    </dgm:dataModel>
+  </dgm:clrData>
+  <dgm:layoutNode name="outerComposite">
+    <dgm:varLst>
+      <dgm:chMax val="5"/>
+      <dgm:dir/>
+      <dgm:resizeHandles val="exact"/>
+    </dgm:varLst>
+    <dgm:alg type="composite"/>
+    <dgm:shape xmlns:r="http://schemas.openxmlformats.org/officeDocument/2006/relationships" r:blip="">
+      <dgm:adjLst/>
+    </dgm:shape>
+    <dgm:presOf/>
+    <dgm:choose name="Name0">
+      <dgm:if name="Name1" func="var" arg="dir" op="equ" val="norm">
+        <dgm:constrLst>
+          <dgm:constr type="primFontSz" for="ch" ptType="node" op="equ" val="65"/>
+          <dgm:constr type="w" for="ch" forName="dummyMaxCanvas" refType="w"/>
+          <dgm:constr type="h" for="ch" forName="dummyMaxCanvas" refType="h"/>
+          <dgm:constr type="w" for="ch" forName="OneNode_1" refType="w"/>
+          <dgm:constr type="h" for="ch" forName="OneNode_1" refType="h" fact="0.5"/>
+          <dgm:constr type="ctrY" for="ch" forName="OneNode_1" refType="h" fact="0.5"/>
+          <dgm:constr type="w" for="ch" forName="TwoNodes_1" refType="w" fact="0.85"/>
+          <dgm:constr type="h" for="ch" forName="TwoNodes_1" refType="h" fact="0.45"/>
+          <dgm:constr type="t" for="ch" forName="TwoNodes_1"/>
+          <dgm:constr type="l" for="ch" forName="TwoNodes_1"/>
+          <dgm:constr type="w" for="ch" forName="TwoNodes_2" refType="w" fact="0.85"/>
+          <dgm:constr type="h" for="ch" forName="TwoNodes_2" refType="h" fact="0.45"/>
+          <dgm:constr type="b" for="ch" forName="TwoNodes_2" refType="h"/>
+          <dgm:constr type="r" for="ch" forName="TwoNodes_2" refType="w"/>
+          <dgm:constr type="w" for="ch" forName="TwoConn_1-2" refType="h" refFor="ch" refForName="TwoNodes_1" fact="0.65"/>
+          <dgm:constr type="h" for="ch" forName="TwoConn_1-2" refType="h" refFor="ch" refForName="TwoNodes_1" fact="0.65"/>
+          <dgm:constr type="ctrY" for="ch" forName="TwoConn_1-2" refType="h" fact="0.5"/>
+          <dgm:constr type="r" for="ch" forName="TwoConn_1-2" refType="r" refFor="ch" refForName="TwoNodes_1"/>
+          <dgm:constr type="r" for="ch" forName="TwoNodes_1_text" refType="l" refFor="ch" refForName="TwoConn_1-2"/>
+          <dgm:constr type="rOff" for="ch" forName="TwoNodes_1_text" refType="w" refFor="ch" refForName="TwoConn_1-2" fact="-0.5"/>
+          <dgm:constr type="t" for="ch" forName="TwoNodes_1_text" refType="t" refFor="ch" refForName="TwoNodes_1"/>
+          <dgm:constr type="b" for="ch" forName="TwoNodes_1_text" refType="b" refFor="ch" refForName="TwoNodes_1"/>
+          <dgm:constr type="l" for="ch" forName="TwoNodes_1_text" refType="l" refFor="ch" refForName="TwoNodes_1"/>
+          <dgm:constr type="r" for="ch" forName="TwoNodes_2_text" refType="l" refFor="ch" refForName="TwoConn_1-2"/>
+          <dgm:constr type="t" for="ch" forName="TwoNodes_2_text" refType="t" refFor="ch" refForName="TwoNodes_2"/>
+          <dgm:constr type="b" for="ch" forName="TwoNodes_2_text" refType="b" refFor="ch" refForName="TwoNodes_2"/>
+          <dgm:constr type="l" for="ch" forName="TwoNodes_2_text" refType="l" refFor="ch" refForName="TwoNodes_2"/>
+          <dgm:constr type="w" for="ch" forName="ThreeNodes_1" refType="w" fact="0.85"/>
+          <dgm:constr type="h" for="ch" forName="ThreeNodes_1" refType="h" fact="0.3"/>
+          <dgm:constr type="t" for="ch" forName="ThreeNodes_1"/>
+          <dgm:constr type="l" for="ch" forName="ThreeNodes_1"/>
+          <dgm:constr type="w" for="ch" forName="ThreeNodes_2" refType="w" fact="0.85"/>
+          <dgm:constr type="h" for="ch" forName="ThreeNodes_2" refType="h" fact="0.3"/>
+          <dgm:constr type="ctrY" for="ch" forName="ThreeNodes_2" refType="h" fact="0.5"/>
+          <dgm:constr type="ctrX" for="ch" forName="ThreeNodes_2" refType="w" fact="0.5"/>
+          <dgm:constr type="w" for="ch" forName="ThreeNodes_3" refType="w" fact="0.85"/>
+          <dgm:constr type="h" for="ch" forName="ThreeNodes_3" refType="h" fact="0.3"/>
+          <dgm:constr type="b" for="ch" forName="ThreeNodes_3" refType="h"/>
+          <dgm:constr type="r" for="ch" forName="ThreeNodes_3" refType="w"/>
+          <dgm:constr type="w" for="ch" forName="ThreeConn_1-2" refType="h" refFor="ch" refForName="ThreeNodes_1" fact="0.65"/>
+          <dgm:constr type="h" for="ch" forName="ThreeConn_1-2" refType="h" refFor="ch" refForName="ThreeNodes_1" fact="0.65"/>
+          <dgm:constr type="ctrY" for="ch" forName="ThreeConn_1-2" refType="h" fact="0.325"/>
+          <dgm:constr type="r" for="ch" forName="ThreeConn_1-2" refType="r" refFor="ch" refForName="ThreeNodes_1"/>
+          <dgm:constr type="w" for="ch" forName="ThreeConn_2-3" refType="h" refFor="ch" refForName="ThreeNodes_2" fact="0.65"/>
+          <dgm:constr type="h" for="ch" forName="ThreeConn_2-3" refType="h" refFor="ch" refForName="ThreeNodes_2" fact="0.65"/>
+          <dgm:constr type="ctrY" for="ch" forName="ThreeConn_2-3" refType="h" fact="0.673"/>
+          <dgm:constr type="r" for="ch" forName="ThreeConn_2-3" refType="r" refFor="ch" refForName="ThreeNodes_2"/>
+          <dgm:constr type="r" for="ch" forName="ThreeNodes_1_text" refType="l" refFor="ch" refForName="ThreeConn_1-2"/>
+          <dgm:constr type="rOff" for="ch" forName="ThreeNodes_1_text" refType="w" refFor="ch" refForName="ThreeConn_1-2" fact="-0.57"/>
+          <dgm:constr type="t" for="ch" forName="ThreeNodes_1_text" refType="t" refFor="ch" refForName="ThreeNodes_1"/>
+          <dgm:constr type="b" for="ch" forName="ThreeNodes_1_text" refType="b" refFor="ch" refForName="ThreeNodes_1"/>
+          <dgm:constr type="l" for="ch" forName="ThreeNodes_1_text" refType="l" refFor="ch" refForName="ThreeNodes_1"/>
+          <dgm:constr type="r" for="ch" forName="ThreeNodes_2_text" refType="l" refFor="ch" refForName="ThreeConn_1-2"/>
+          <dgm:constr type="t" for="ch" forName="ThreeNodes_2_text" refType="t" refFor="ch" refForName="ThreeNodes_2"/>
+          <dgm:constr type="b" for="ch" forName="ThreeNodes_2_text" refType="b" refFor="ch" refForName="ThreeNodes_2"/>
+          <dgm:constr type="l" for="ch" forName="ThreeNodes_2_text" refType="l" refFor="ch" refForName="ThreeNodes_2"/>
+          <dgm:constr type="r" for="ch" forName="ThreeNodes_3_text" refType="l" refFor="ch" refForName="ThreeConn_2-3"/>
+          <dgm:constr type="t" for="ch" forName="ThreeNodes_3_text" refType="t" refFor="ch" refForName="ThreeNodes_3"/>
+          <dgm:constr type="b" for="ch" forName="ThreeNodes_3_text" refType="b" refFor="ch" refForName="ThreeNodes_3"/>
+          <dgm:constr type="l" for="ch" forName="ThreeNodes_3_text" refType="l" refFor="ch" refForName="ThreeNodes_3"/>
+          <dgm:constr type="w" for="ch" forName="FourNodes_1" refType="w" fact="0.8"/>
+          <dgm:constr type="h" for="ch" forName="FourNodes_1" refType="h" fact="0.22"/>
+          <dgm:constr type="t" for="ch" forName="FourNodes_1"/>
+          <dgm:constr type="l" for="ch" forName="FourNodes_1"/>
+          <dgm:constr type="w" for="ch" forName="FourNodes_2" refType="w" fact="0.8"/>
+          <dgm:constr type="h" for="ch" forName="FourNodes_2" refType="h" fact="0.22"/>
+          <dgm:constr type="ctrY" for="ch" forName="FourNodes_2" refType="h" fact="0.37"/>
+          <dgm:constr type="ctrX" for="ch" forName="FourNodes_2" refType="w" fact="0.467"/>
+          <dgm:constr type="w" for="ch" forName="FourNodes_3" refType="w" fact="0.8"/>
+          <dgm:constr type="h" for="ch" forName="FourNodes_3" refType="h" fact="0.22"/>
+          <dgm:constr type="ctrY" for="ch" forName="FourNodes_3" refType="h" fact="0.63"/>
+          <dgm:constr type="ctrX" for="ch" forName="FourNodes_3" refType="w" fact="0.533"/>
+          <dgm:constr type="w" for="ch" forName="FourNodes_4" refType="w" fact="0.8"/>
+          <dgm:constr type="h" for="ch" forName="FourNodes_4" refType="h" fact="0.22"/>
+          <dgm:constr type="b" for="ch" forName="FourNodes_4" refType="h"/>
+          <dgm:constr type="r" for="ch" forName="FourNodes_4" refType="w"/>
+          <dgm:constr type="w" for="ch" forName="FourConn_1-2" refType="h" refFor="ch" refForName="FourNodes_1" fact="0.65"/>
+          <dgm:constr type="h" for="ch" forName="FourConn_1-2" refType="h" refFor="ch" refForName="FourNodes_1" fact="0.65"/>
+          <dgm:constr type="ctrY" for="ch" forName="FourConn_1-2" refType="h" fact="0.24"/>
+          <dgm:constr type="r" for="ch" forName="FourConn_1-2" refType="r" refFor="ch" refForName="FourNodes_1"/>
+          <dgm:constr type="w" for="ch" forName="FourConn_2-3" refType="h" refFor="ch" refForName="FourNodes_2" fact="0.65"/>
+          <dgm:constr type="h" for="ch" forName="FourConn_2-3" refType="h" refFor="ch" refForName="FourNodes_2" fact="0.65"/>
+          <dgm:constr type="ctrY" for="ch" forName="FourConn_2-3" refType="h" fact="0.5"/>
+          <dgm:constr type="r" for="ch" forName="FourConn_2-3" refType="r" refFor="ch" refForName="FourNodes_2"/>
+          <dgm:constr type="w" for="ch" forName="FourConn_3-4" refType="h" refFor="ch" refForName="FourNodes_3" fact="0.65"/>
+          <dgm:constr type="h" for="ch" forName="FourConn_3-4" refType="h" refFor="ch" refForName="FourNodes_3" fact="0.65"/>
+          <dgm:constr type="ctrY" for="ch" forName="FourConn_3-4" refType="h" fact="0.76"/>
+          <dgm:constr type="r" for="ch" forName="FourConn_3-4" refType="r" refFor="ch" refForName="FourNodes_3"/>
+          <dgm:constr type="r" for="ch" forName="FourNodes_1_text" refType="l" refFor="ch" refForName="FourConn_1-2"/>
+          <dgm:constr type="rOff" for="ch" forName="FourNodes_1_text" refType="w" refFor="ch" refForName="FourConn_1-2" fact="-0.7"/>
+          <dgm:constr type="t" for="ch" forName="FourNodes_1_text" refType="t" refFor="ch" refForName="FourNodes_1"/>
+          <dgm:constr type="b" for="ch" forName="FourNodes_1_text" refType="b" refFor="ch" refForName="FourNodes_1"/>
+          <dgm:constr type="l" for="ch" forName="FourNodes_1_text" refType="l" refFor="ch" refForName="FourNodes_1"/>
+          <dgm:constr type="r" for="ch" forName="FourNodes_2_text" refType="l" refFor="ch" refForName="FourConn_1-2"/>
+          <dgm:constr type="t" for="ch" forName="FourNodes_2_text" refType="t" refFor="ch" refForName="FourNodes_2"/>
+          <dgm:constr type="b" for="ch" forName="FourNodes_2_text" refType="b" refFor="ch" refForName="FourNodes_2"/>
+          <dgm:constr type="l" for="ch" forName="FourNodes_2_text" refType="l" refFor="ch" refForName="FourNodes_2"/>
+          <dgm:constr type="r" for="ch" forName="FourNodes_3_text" refType="l" refFor="ch" refForName="FourConn_2-3"/>
+          <dgm:constr type="t" for="ch" forName="FourNodes_3_text" refType="t" refFor="ch" refForName="FourNodes_3"/>
+          <dgm:constr type="b" for="ch" forName="FourNodes_3_text" refType="b" refFor="ch" refForName="FourNodes_3"/>
+          <dgm:constr type="l" for="ch" forName="FourNodes_3_text" refType="l" refFor="ch" refForName="FourNodes_3"/>
+          <dgm:constr type="r" for="ch" forName="FourNodes_4_text" refType="l" refFor="ch" refForName="FourConn_3-4"/>
+          <dgm:constr type="t" for="ch" forName="FourNodes_4_text" refType="t" refFor="ch" refForName="FourNodes_4"/>
+          <dgm:constr type="b" for="ch" forName="FourNodes_4_text" refType="b" refFor="ch" refForName="FourNodes_4"/>
+          <dgm:constr type="l" for="ch" forName="FourNodes_4_text" refType="l" refFor="ch" refForName="FourNodes_4"/>
+          <dgm:constr type="w" for="ch" forName="FiveNodes_1" refType="w" fact="0.77"/>
+          <dgm:constr type="h" for="ch" forName="FiveNodes_1" refType="h" fact="0.18"/>
+          <dgm:constr type="t" for="ch" forName="FiveNodes_1"/>
+          <dgm:constr type="l" for="ch" forName="FiveNodes_1"/>
+          <dgm:constr type="w" for="ch" forName="FiveNodes_2" refType="w" fact="0.77"/>
+          <dgm:constr type="h" for="ch" forName="FiveNodes_2" refType="h" fact="0.18"/>
+          <dgm:constr type="ctrY" for="ch" forName="FiveNodes_2" refType="h" fact="0.295"/>
+          <dgm:constr type="ctrX" for="ch" forName="FiveNodes_2" refType="w" fact="0.4425"/>
+          <dgm:constr type="w" for="ch" forName="FiveNodes_3" refType="w" fact="0.77"/>
+          <dgm:constr type="h" for="ch" forName="FiveNodes_3" refType="h" fact="0.18"/>
+          <dgm:constr type="ctrY" for="ch" forName="FiveNodes_3" refType="h" fact="0.5"/>
+          <dgm:constr type="ctrX" for="ch" forName="FiveNodes_3" refType="w" fact="0.5"/>
+          <dgm:constr type="w" for="ch" forName="FiveNodes_4" refType="w" fact="0.77"/>
+          <dgm:constr type="h" for="ch" forName="FiveNodes_4" refType="h" fact="0.18"/>
+          <dgm:constr type="ctrY" for="ch" forName="FiveNodes_4" refType="h" fact="0.705"/>
+          <dgm:constr type="ctrX" for="ch" forName="FiveNodes_4" refType="w" fact="0.5575"/>
+          <dgm:constr type="w" for="ch" forName="FiveNodes_5" refType="w" fact="0.77"/>
+          <dgm:constr type="h" for="ch" forName="FiveNodes_5" refType="h" fact="0.18"/>
+          <dgm:constr type="b" for="ch" forName="FiveNodes_5" refType="h"/>
+          <dgm:constr type="r" for="ch" forName="FiveNodes_5" refType="w"/>
+          <dgm:constr type="w" for="ch" forName="FiveConn_1-2" refType="h" refFor="ch" refForName="FiveNodes_1" fact="0.65"/>
+          <dgm:constr type="h" for="ch" forName="FiveConn_1-2" refType="h" refFor="ch" refForName="FiveNodes_1" fact="0.65"/>
+          <dgm:constr type="ctrY" for="ch" forName="FiveConn_1-2" refType="h" fact="0.19"/>
+          <dgm:constr type="r" for="ch" forName="FiveConn_1-2" refType="r" refFor="ch" refForName="FiveNodes_1"/>
+          <dgm:constr type="w" for="ch" forName="FiveConn_2-3" refType="h" refFor="ch" refForName="FiveNodes_2" fact="0.65"/>
+          <dgm:constr type="h" for="ch" forName="FiveConn_2-3" refType="h" refFor="ch" refForName="FiveNodes_2" fact="0.65"/>
+          <dgm:constr type="ctrY" for="ch" forName="FiveConn_2-3" refType="h" fact="0.395"/>
+          <dgm:constr type="r" for="ch" forName="FiveConn_2-3" refType="r" refFor="ch" refForName="FiveNodes_2"/>
+          <dgm:constr type="w" for="ch" forName="FiveConn_3-4" refType="h" refFor="ch" refForName="FiveNodes_3" fact="0.65"/>
+          <dgm:constr type="h" for="ch" forName="FiveConn_3-4" refType="h" refFor="ch" refForName="FiveNodes_3" fact="0.65"/>
+          <dgm:constr type="ctrY" for="ch" forName="FiveConn_3-4" refType="h" fact="0.597"/>
+          <dgm:constr type="r" for="ch" forName="FiveConn_3-4" refType="r" refFor="ch" refForName="FiveNodes_3"/>
+          <dgm:constr type="w" for="ch" forName="FiveConn_4-5" refType="h" refFor="ch" refForName="FiveNodes_4" fact="0.65"/>
+          <dgm:constr type="h" for="ch" forName="FiveConn_4-5" refType="h" refFor="ch" refForName="FiveNodes_4" fact="0.65"/>
+          <dgm:constr type="ctrY" for="ch" forName="FiveConn_4-5" refType="h" fact="0.804"/>
+          <dgm:constr type="r" for="ch" forName="FiveConn_4-5" refType="r" refFor="ch" refForName="FiveNodes_4"/>
+          <dgm:constr type="r" for="ch" forName="FiveNodes_1_text" refType="l" refFor="ch" refForName="FiveConn_1-2"/>
+          <dgm:constr type="rOff" for="ch" forName="FiveNodes_1_text" refType="w" refFor="ch" refForName="FiveConn_1-2" fact="-0.75"/>
+          <dgm:constr type="t" for="ch" forName="FiveNodes_1_text" refType="t" refFor="ch" refForName="FiveNodes_1"/>
+          <dgm:constr type="b" for="ch" forName="FiveNodes_1_text" refType="b" refFor="ch" refForName="FiveNodes_1"/>
+          <dgm:constr type="l" for="ch" forName="FiveNodes_1_text" refType="l" refFor="ch" refForName="FiveNodes_1"/>
+          <dgm:constr type="r" for="ch" forName="FiveNodes_2_text" refType="l" refFor="ch" refForName="FiveConn_1-2"/>
+          <dgm:constr type="t" for="ch" forName="FiveNodes_2_text" refType="t" refFor="ch" refForName="FiveNodes_2"/>
+          <dgm:constr type="b" for="ch" forName="FiveNodes_2_text" refType="b" refFor="ch" refForName="FiveNodes_2"/>
+          <dgm:constr type="l" for="ch" forName="FiveNodes_2_text" refType="l" refFor="ch" refForName="FiveNodes_2"/>
+          <dgm:constr type="r" for="ch" forName="FiveNodes_3_text" refType="l" refFor="ch" refForName="FiveConn_2-3"/>
+          <dgm:constr type="t" for="ch" forName="FiveNodes_3_text" refType="t" refFor="ch" refForName="FiveNodes_3"/>
+          <dgm:constr type="b" for="ch" forName="FiveNodes_3_text" refType="b" refFor="ch" refForName="FiveNodes_3"/>
+          <dgm:constr type="l" for="ch" forName="FiveNodes_3_text" refType="l" refFor="ch" refForName="FiveNodes_3"/>
+          <dgm:constr type="r" for="ch" forName="FiveNodes_4_text" refType="l" refFor="ch" refForName="FiveConn_3-4"/>
+          <dgm:constr type="t" for="ch" forName="FiveNodes_4_text" refType="t" refFor="ch" refForName="FiveNodes_4"/>
+          <dgm:constr type="b" for="ch" forName="FiveNodes_4_text" refType="b" refFor="ch" refForName="FiveNodes_4"/>
+          <dgm:constr type="l" for="ch" forName="FiveNodes_4_text" refType="l" refFor="ch" refForName="FiveNodes_4"/>
+          <dgm:constr type="r" for="ch" forName="FiveNodes_5_text" refType="l" refFor="ch" refForName="FiveConn_4-5"/>
+          <dgm:constr type="t" for="ch" forName="FiveNodes_5_text" refType="t" refFor="ch" refForName="FiveNodes_5"/>
+          <dgm:constr type="b" for="ch" forName="FiveNodes_5_text" refType="b" refFor="ch" refForName="FiveNodes_5"/>
+          <dgm:constr type="l" for="ch" forName="FiveNodes_5_text" refType="l" refFor="ch" refForName="FiveNodes_5"/>
+        </dgm:constrLst>
+      </dgm:if>
+      <dgm:else name="Name2">
+        <dgm:constrLst>
+          <dgm:constr type="primFontSz" for="ch" ptType="node" op="equ" val="65"/>
+          <dgm:constr type="w" for="ch" forName="dummyMaxCanvas" refType="w"/>
+          <dgm:constr type="h" for="ch" forName="dummyMaxCanvas" refType="h"/>
+          <dgm:constr type="w" for="ch" forName="OneNode_1" refType="w"/>
+          <dgm:constr type="h" for="ch" forName="OneNode_1" refType="h" fact="0.5"/>
+          <dgm:constr type="ctrY" for="ch" forName="OneNode_1" refType="h" fact="0.5"/>
+          <dgm:constr type="w" for="ch" forName="TwoNodes_1" refType="w" fact="0.85"/>
+          <dgm:constr type="h" for="ch" forName="TwoNodes_1" refType="h" fact="0.45"/>
+          <dgm:constr type="t" for="ch" forName="TwoNodes_1"/>
+          <dgm:constr type="r" for="ch" forName="TwoNodes_1" refType="w"/>
+          <dgm:constr type="w" for="ch" forName="TwoNodes_2" refType="w" fact="0.85"/>
+          <dgm:constr type="h" for="ch" forName="TwoNodes_2" refType="h" fact="0.45"/>
+          <dgm:constr type="b" for="ch" forName="TwoNodes_2" refType="h"/>
+          <dgm:constr type="l" for="ch" forName="TwoNodes_2"/>
+          <dgm:constr type="w" for="ch" forName="TwoConn_1-2" refType="h" refFor="ch" refForName="TwoNodes_1" fact="0.65"/>
+          <dgm:constr type="h" for="ch" forName="TwoConn_1-2" refType="h" refFor="ch" refForName="TwoNodes_1" fact="0.65"/>
+          <dgm:constr type="ctrY" for="ch" forName="TwoConn_1-2" refType="h" fact="0.5"/>
+          <dgm:constr type="l" for="ch" forName="TwoConn_1-2" refType="l" refFor="ch" refForName="TwoNodes_1"/>
+          <dgm:constr type="l" for="ch" forName="TwoNodes_1_text" refType="r" refFor="ch" refForName="TwoConn_1-2"/>
+          <dgm:constr type="lOff" for="ch" forName="TwoNodes_1_text" refType="w" refFor="ch" refForName="TwoConn_1-2" fact="0.5"/>
+          <dgm:constr type="t" for="ch" forName="TwoNodes_1_text" refType="t" refFor="ch" refForName="TwoNodes_1"/>
+          <dgm:constr type="b" for="ch" forName="TwoNodes_1_text" refType="b" refFor="ch" refForName="TwoNodes_1"/>
+          <dgm:constr type="r" for="ch" forName="TwoNodes_1_text" refType="r" refFor="ch" refForName="TwoNodes_1"/>
+          <dgm:constr type="l" for="ch" forName="TwoNodes_2_text" refType="r" refFor="ch" refForName="TwoConn_1-2"/>
+          <dgm:constr type="t" for="ch" forName="TwoNodes_2_text" refType="t" refFor="ch" refForName="TwoNodes_2"/>
+          <dgm:constr type="b" for="ch" forName="TwoNodes_2_text" refType="b" refFor="ch" refForName="TwoNodes_2"/>
+          <dgm:constr type="r" for="ch" forName="TwoNodes_2_text" refType="r" refFor="ch" refForName="TwoNodes_2"/>
+          <dgm:constr type="w" for="ch" forName="ThreeNodes_1" refType="w" fact="0.85"/>
+          <dgm:constr type="h" for="ch" forName="ThreeNodes_1" refType="h" fact="0.3"/>
+          <dgm:constr type="t" for="ch" forName="ThreeNodes_1"/>
+          <dgm:constr type="r" for="ch" forName="ThreeNodes_1" refType="w"/>
+          <dgm:constr type="w" for="ch" forName="ThreeNodes_2" refType="w" fact="0.85"/>
+          <dgm:constr type="h" for="ch" forName="ThreeNodes_2" refType="h" fact="0.3"/>
+          <dgm:constr type="ctrY" for="ch" forName="ThreeNodes_2" refType="h" fact="0.5"/>
+          <dgm:constr type="ctrX" for="ch" forName="ThreeNodes_2" refType="w" fact="0.5"/>
+          <dgm:constr type="w" for="ch" forName="ThreeNodes_3" refType="w" fact="0.85"/>
+          <dgm:constr type="h" for="ch" forName="ThreeNodes_3" refType="h" fact="0.3"/>
+          <dgm:constr type="b" for="ch" forName="ThreeNodes_3" refType="h"/>
+          <dgm:constr type="l" for="ch" forName="ThreeNodes_3"/>
+          <dgm:constr type="w" for="ch" forName="ThreeConn_1-2" refType="h" refFor="ch" refForName="ThreeNodes_1" fact="0.65"/>
+          <dgm:constr type="h" for="ch" forName="ThreeConn_1-2" refType="h" refFor="ch" refForName="ThreeNodes_1" fact="0.65"/>
+          <dgm:constr type="ctrY" for="ch" forName="ThreeConn_1-2" refType="h" fact="0.325"/>
+          <dgm:constr type="l" for="ch" forName="ThreeConn_1-2" refType="l" refFor="ch" refForName="ThreeNodes_1"/>
+          <dgm:constr type="w" for="ch" forName="ThreeConn_2-3" refType="h" refFor="ch" refForName="ThreeNodes_2" fact="0.65"/>
+          <dgm:constr type="h" for="ch" forName="ThreeConn_2-3" refType="h" refFor="ch" refForName="ThreeNodes_2" fact="0.65"/>
+          <dgm:constr type="ctrY" for="ch" forName="ThreeConn_2-3" refType="h" fact="0.673"/>
+          <dgm:constr type="l" for="ch" forName="ThreeConn_2-3" refType="l" refFor="ch" refForName="ThreeNodes_2"/>
+          <dgm:constr type="l" for="ch" forName="ThreeNodes_1_text" refType="r" refFor="ch" refForName="ThreeConn_1-2"/>
+          <dgm:constr type="lOff" for="ch" forName="ThreeNodes_1_text" refType="w" refFor="ch" refForName="ThreeConn_1-2" fact="0.55"/>
+          <dgm:constr type="t" for="ch" forName="ThreeNodes_1_text" refType="t" refFor="ch" refForName="ThreeNodes_1"/>
+          <dgm:constr type="b" for="ch" forName="ThreeNodes_1_text" refType="b" refFor="ch" refForName="ThreeNodes_1"/>
+          <dgm:constr type="r" for="ch" forName="ThreeNodes_1_text" refType="r" refFor="ch" refForName="ThreeNodes_1"/>
+          <dgm:constr type="l" for="ch" forName="ThreeNodes_2_text" refType="r" refFor="ch" refForName="ThreeConn_1-2"/>
+          <dgm:constr type="t" for="ch" forName="ThreeNodes_2_text" refType="t" refFor="ch" refForName="ThreeNodes_2"/>
+          <dgm:constr type="b" for="ch" forName="ThreeNodes_2_text" refType="b" refFor="ch" refForName="ThreeNodes_2"/>
+          <dgm:constr type="r" for="ch" forName="ThreeNodes_2_text" refType="r" refFor="ch" refForName="ThreeNodes_2"/>
+          <dgm:constr type="l" for="ch" forName="ThreeNodes_3_text" refType="r" refFor="ch" refForName="ThreeConn_2-3"/>
+          <dgm:constr type="t" for="ch" forName="ThreeNodes_3_text" refType="t" refFor="ch" refForName="ThreeNodes_3"/>
+          <dgm:constr type="b" for="ch" forName="ThreeNodes_3_text" refType="b" refFor="ch" refForName="ThreeNodes_3"/>
+          <dgm:constr type="r" for="ch" forName="ThreeNodes_3_text" refType="r" refFor="ch" refForName="ThreeNodes_3"/>
+          <dgm:constr type="w" for="ch" forName="FourNodes_1" refType="w" fact="0.8"/>
+          <dgm:constr type="h" for="ch" forName="FourNodes_1" refType="h" fact="0.22"/>
+          <dgm:constr type="t" for="ch" forName="FourNodes_1"/>
+          <dgm:constr type="r" for="ch" forName="FourNodes_1" refType="w"/>
+          <dgm:constr type="w" for="ch" forName="FourNodes_2" refType="w" fact="0.8"/>
+          <dgm:constr type="h" for="ch" forName="FourNodes_2" refType="h" fact="0.22"/>
+          <dgm:constr type="ctrY" for="ch" forName="FourNodes_2" refType="h" fact="0.37"/>
+          <dgm:constr type="ctrX" for="ch" forName="FourNodes_2" refType="w" fact="0.533"/>
+          <dgm:constr type="w" for="ch" forName="FourNodes_3" refType="w" fact="0.8"/>
+          <dgm:constr type="h" for="ch" forName="FourNodes_3" refType="h" fact="0.22"/>
+          <dgm:constr type="ctrY" for="ch" forName="FourNodes_3" refType="h" fact="0.63"/>
+          <dgm:constr type="ctrX" for="ch" forName="FourNodes_3" refType="w" fact="0.467"/>
+          <dgm:constr type="w" for="ch" forName="FourNodes_4" refType="w" fact="0.8"/>
+          <dgm:constr type="h" for="ch" forName="FourNodes_4" refType="h" fact="0.22"/>
+          <dgm:constr type="b" for="ch" forName="FourNodes_4" refType="h"/>
+          <dgm:constr type="l" for="ch" forName="FourNodes_4"/>
+          <dgm:constr type="w" for="ch" forName="FourConn_1-2" refType="h" refFor="ch" refForName="FourNodes_1" fact="0.65"/>
+          <dgm:constr type="h" for="ch" forName="FourConn_1-2" refType="h" refFor="ch" refForName="FourNodes_1" fact="0.65"/>
+          <dgm:constr type="ctrY" for="ch" forName="FourConn_1-2" refType="h" fact="0.24"/>
+          <dgm:constr type="l" for="ch" forName="FourConn_1-2" refType="l" refFor="ch" refForName="FourNodes_1"/>
+          <dgm:constr type="w" for="ch" forName="FourConn_2-3" refType="h" refFor="ch" refForName="FourNodes_2" fact="0.65"/>
+          <dgm:constr type="h" for="ch" forName="FourConn_2-3" refType="h" refFor="ch" refForName="FourNodes_2" fact="0.65"/>
+          <dgm:constr type="ctrY" for="ch" forName="FourConn_2-3" refType="h" fact="0.5"/>
+          <dgm:constr type="l" for="ch" forName="FourConn_2-3" refType="l" refFor="ch" refForName="FourNodes_2"/>
+          <dgm:constr type="w" for="ch" forName="FourConn_3-4" refType="h" refFor="ch" refForName="FourNodes_3" fact="0.65"/>
+          <dgm:constr type="h" for="ch" forName="FourConn_3-4" refType="h" refFor="ch" refForName="FourNodes_3" fact="0.65"/>
+          <dgm:constr type="ctrY" for="ch" forName="FourConn_3-4" refType="h" fact="0.76"/>
+          <dgm:constr type="l" for="ch" forName="FourConn_3-4" refType="l" refFor="ch" refForName="FourNodes_3"/>
+          <dgm:constr type="l" for="ch" forName="FourNodes_1_text" refType="r" refFor="ch" refForName="FourConn_1-2"/>
+          <dgm:constr type="lOff" for="ch" forName="FourNodes_1_text" refType="w" refFor="ch" refForName="FourConn_1-2" fact="0.69"/>
+          <dgm:constr type="t" for="ch" forName="FourNodes_1_text" refType="t" refFor="ch" refForName="FourNodes_1"/>
+          <dgm:constr type="b" for="ch" forName="FourNodes_1_text" refType="b" refFor="ch" refForName="FourNodes_1"/>
+          <dgm:constr type="r" for="ch" forName="FourNodes_1_text" refType="r" refFor="ch" refForName="FourNodes_1"/>
+          <dgm:constr type="l" for="ch" forName="FourNodes_2_text" refType="r" refFor="ch" refForName="FourConn_1-2"/>
+          <dgm:constr type="t" for="ch" forName="FourNodes_2_text" refType="t" refFor="ch" refForName="FourNodes_2"/>
+          <dgm:constr type="b" for="ch" forName="FourNodes_2_text" refType="b" refFor="ch" refForName="FourNodes_2"/>
+          <dgm:constr type="r" for="ch" forName="FourNodes_2_text" refType="r" refFor="ch" refForName="FourNodes_2"/>
+          <dgm:constr type="l" for="ch" forName="FourNodes_3_text" refType="r" refFor="ch" refForName="FourConn_2-3"/>
+          <dgm:constr type="t" for="ch" forName="FourNodes_3_text" refType="t" refFor="ch" refForName="FourNodes_3"/>
+          <dgm:constr type="b" for="ch" forName="FourNodes_3_text" refType="b" refFor="ch" refForName="FourNodes_3"/>
+          <dgm:constr type="r" for="ch" forName="FourNodes_3_text" refType="r" refFor="ch" refForName="FourNodes_3"/>
+          <dgm:constr type="l" for="ch" forName="FourNodes_4_text" refType="r" refFor="ch" refForName="FourConn_3-4"/>
+          <dgm:constr type="t" for="ch" forName="FourNodes_4_text" refType="t" refFor="ch" refForName="FourNodes_4"/>
+          <dgm:constr type="b" for="ch" forName="FourNodes_4_text" refType="b" refFor="ch" refForName="FourNodes_4"/>
+          <dgm:constr type="r" for="ch" forName="FourNodes_4_text" refType="r" refFor="ch" refForName="FourNodes_4"/>
+          <dgm:constr type="w" for="ch" forName="FiveNodes_1" refType="w" fact="0.77"/>
+          <dgm:constr type="h" for="ch" forName="FiveNodes_1" refType="h" fact="0.18"/>
+          <dgm:constr type="t" for="ch" forName="FiveNodes_1"/>
+          <dgm:constr type="r" for="ch" forName="FiveNodes_1" refType="w"/>
+          <dgm:constr type="w" for="ch" forName="FiveNodes_2" refType="w" fact="0.77"/>
+          <dgm:constr type="h" for="ch" forName="FiveNodes_2" refType="h" fact="0.18"/>
+          <dgm:constr type="ctrY" for="ch" forName="FiveNodes_2" refType="h" fact="0.295"/>
+          <dgm:constr type="ctrX" for="ch" forName="FiveNodes_2" refType="w" fact="0.5575"/>
+          <dgm:constr type="w" for="ch" forName="FiveNodes_3" refType="w" fact="0.77"/>
+          <dgm:constr type="h" for="ch" forName="FiveNodes_3" refType="h" fact="0.18"/>
+          <dgm:constr type="ctrY" for="ch" forName="FiveNodes_3" refType="h" fact="0.5"/>
+          <dgm:constr type="ctrX" for="ch" forName="FiveNodes_3" refType="w" fact="0.5"/>
+          <dgm:constr type="w" for="ch" forName="FiveNodes_4" refType="w" fact="0.77"/>
+          <dgm:constr type="h" for="ch" forName="FiveNodes_4" refType="h" fact="0.18"/>
+          <dgm:constr type="ctrY" for="ch" forName="FiveNodes_4" refType="h" fact="0.705"/>
+          <dgm:constr type="ctrX" for="ch" forName="FiveNodes_4" refType="w" fact="0.4425"/>
+          <dgm:constr type="w" for="ch" forName="FiveNodes_5" refType="w" fact="0.77"/>
+          <dgm:constr type="h" for="ch" forName="FiveNodes_5" refType="h" fact="0.18"/>
+          <dgm:constr type="b" for="ch" forName="FiveNodes_5" refType="h"/>
+          <dgm:constr type="l" for="ch" forName="FiveNodes_5"/>
+          <dgm:constr type="w" for="ch" forName="FiveConn_1-2" refType="h" refFor="ch" refForName="FiveNodes_1" fact="0.65"/>
+          <dgm:constr type="h" for="ch" forName="FiveConn_1-2" refType="h" refFor="ch" refForName="FiveNodes_1" fact="0.65"/>
+          <dgm:constr type="ctrY" for="ch" forName="FiveConn_1-2" refType="h" fact="0.19"/>
+          <dgm:constr type="l" for="ch" forName="FiveConn_1-2" refType="l" refFor="ch" refForName="FiveNodes_1"/>
+          <dgm:constr type="w" for="ch" forName="FiveConn_2-3" refType="h" refFor="ch" refForName="FiveNodes_2" fact="0.65"/>
+          <dgm:constr type="h" for="ch" forName="FiveConn_2-3" refType="h" refFor="ch" refForName="FiveNodes_2" fact="0.65"/>
+          <dgm:constr type="ctrY" for="ch" forName="FiveConn_2-3" refType="h" fact="0.395"/>
+          <dgm:constr type="l" for="ch" forName="FiveConn_2-3" refType="l" refFor="ch" refForName="FiveNodes_2"/>
+          <dgm:constr type="w" for="ch" forName="FiveConn_3-4" refType="h" refFor="ch" refForName="FiveNodes_3" fact="0.65"/>
+          <dgm:constr type="h" for="ch" forName="FiveConn_3-4" refType="h" refFor="ch" refForName="FiveNodes_3" fact="0.65"/>
+          <dgm:constr type="ctrY" for="ch" forName="FiveConn_3-4" refType="h" fact="0.597"/>
+          <dgm:constr type="l" for="ch" forName="FiveConn_3-4" refType="l" refFor="ch" refForName="FiveNodes_3"/>
+          <dgm:constr type="w" for="ch" forName="FiveConn_4-5" refType="h" refFor="ch" refForName="FiveNodes_4" fact="0.65"/>
+          <dgm:constr type="h" for="ch" forName="FiveConn_4-5" refType="h" refFor="ch" refForName="FiveNodes_4" fact="0.65"/>
+          <dgm:constr type="ctrY" for="ch" forName="FiveConn_4-5" refType="h" fact="0.804"/>
+          <dgm:constr type="l" for="ch" forName="FiveConn_4-5" refType="l" refFor="ch" refForName="FiveNodes_4"/>
+          <dgm:constr type="l" for="ch" forName="FiveNodes_1_text" refType="r" refFor="ch" refForName="FiveConn_1-2"/>
+          <dgm:constr type="lOff" for="ch" forName="FiveNodes_1_text" refType="w" refFor="ch" refForName="FiveConn_1-2" fact="0.73"/>
+          <dgm:constr type="t" for="ch" forName="FiveNodes_1_text" refType="t" refFor="ch" refForName="FiveNodes_1"/>
+          <dgm:constr type="b" for="ch" forName="FiveNodes_1_text" refType="b" refFor="ch" refForName="FiveNodes_1"/>
+          <dgm:constr type="r" for="ch" forName="FiveNodes_1_text" refType="r" refFor="ch" refForName="FiveNodes_1"/>
+          <dgm:constr type="l" for="ch" forName="FiveNodes_2_text" refType="r" refFor="ch" refForName="FiveConn_1-2"/>
+          <dgm:constr type="t" for="ch" forName="FiveNodes_2_text" refType="t" refFor="ch" refForName="FiveNodes_2"/>
+          <dgm:constr type="b" for="ch" forName="FiveNodes_2_text" refType="b" refFor="ch" refForName="FiveNodes_2"/>
+          <dgm:constr type="r" for="ch" forName="FiveNodes_2_text" refType="r" refFor="ch" refForName="FiveNodes_2"/>
+          <dgm:constr type="l" for="ch" forName="FiveNodes_3_text" refType="r" refFor="ch" refForName="FiveConn_2-3"/>
+          <dgm:constr type="t" for="ch" forName="FiveNodes_3_text" refType="t" refFor="ch" refForName="FiveNodes_3"/>
+          <dgm:constr type="b" for="ch" forName="FiveNodes_3_text" refType="b" refFor="ch" refForName="FiveNodes_3"/>
+          <dgm:constr type="r" for="ch" forName="FiveNodes_3_text" refType="r" refFor="ch" refForName="FiveNodes_3"/>
+          <dgm:constr type="l" for="ch" forName="FiveNodes_4_text" refType="r" refFor="ch" refForName="FiveConn_3-4"/>
+          <dgm:constr type="t" for="ch" forName="FiveNodes_4_text" refType="t" refFor="ch" refForName="FiveNodes_4"/>
+          <dgm:constr type="b" for="ch" forName="FiveNodes_4_text" refType="b" refFor="ch" refForName="FiveNodes_4"/>
+          <dgm:constr type="r" for="ch" forName="FiveNodes_4_text" refType="r" refFor="ch" refForName="FiveNodes_4"/>
+          <dgm:constr type="l" for="ch" forName="FiveNodes_5_text" refType="r" refFor="ch" refForName="FiveConn_4-5"/>
+          <dgm:constr type="t" for="ch" forName="FiveNodes_5_text" refType="t" refFor="ch" refForName="FiveNodes_5"/>
+          <dgm:constr type="b" for="ch" forName="FiveNodes_5_text" refType="b" refFor="ch" refForName="FiveNodes_5"/>
+          <dgm:constr type="r" for="ch" forName="FiveNodes_5_text" refType="r" refFor="ch" refForName="FiveNodes_5"/>
+        </dgm:constrLst>
+      </dgm:else>
+    </dgm:choose>
+    <dgm:ruleLst/>
+    <dgm:layoutNode name="dummyMaxCanvas">
+      <dgm:varLst/>
+      <dgm:alg type="sp"/>
+      <dgm:shape xmlns:r="http://schemas.openxmlformats.org/officeDocument/2006/relationships" r:blip="">
+        <dgm:adjLst/>
+      </dgm:shape>
+      <dgm:presOf/>
+      <dgm:constrLst/>
+      <dgm:ruleLst/>
+    </dgm:layoutNode>
+    <dgm:choose name="Name3">
+      <dgm:if name="Name4" axis="ch" ptType="node" func="cnt" op="equ" val="1">
+        <dgm:layoutNode name="OneNode_1">
+          <dgm:varLst>
+            <dgm:bulletEnabled val="1"/>
+          </dgm:varLst>
+          <dgm:alg type="tx"/>
+          <dgm:shape xmlns:r="http://schemas.openxmlformats.org/officeDocument/2006/relationships" type="roundRect" r:blip="">
+            <dgm:adjLst>
+              <dgm:adj idx="1" val="0.1"/>
+            </dgm:adjLst>
+          </dgm:shape>
+          <dgm:presOf axis="ch desOrSelf" ptType="node node" st="1 1" cnt="1 0"/>
+          <dgm:constrLst>
+            <dgm:constr type="lMarg" refType="primFontSz" fact="0.3"/>
+            <dgm:constr type="rMarg" refType="primFontSz" fact="0.3"/>
+            <dgm:constr type="tMarg" refType="primFontSz" fact="0.3"/>
+            <dgm:constr type="bMarg" refType="primFontSz" fact="0.3"/>
+          </dgm:constrLst>
+          <dgm:ruleLst>
+            <dgm:rule type="primFontSz" val="5" fact="NaN" max="NaN"/>
+          </dgm:ruleLst>
+        </dgm:layoutNode>
+      </dgm:if>
+      <dgm:else name="Name5">
+        <dgm:choose name="Name6">
+          <dgm:if name="Name7" axis="ch" ptType="node" func="cnt" op="equ" val="2">
+            <dgm:layoutNode name="TwoNodes_1">
+              <dgm:varLst>
+                <dgm:bulletEnabled val="1"/>
+              </dgm:varLst>
+              <dgm:alg type="sp"/>
+              <dgm:shape xmlns:r="http://schemas.openxmlformats.org/officeDocument/2006/relationships" type="roundRect" r:blip="">
+                <dgm:adjLst>
+                  <dgm:adj idx="1" val="0.1"/>
+                </dgm:adjLst>
+              </dgm:shape>
+              <dgm:presOf axis="ch desOrSelf" ptType="node node" st="1 1" cnt="1 0"/>
+              <dgm:constrLst/>
+              <dgm:ruleLst/>
+            </dgm:layoutNode>
+            <dgm:layoutNode name="TwoNodes_2">
+              <dgm:varLst>
+                <dgm:bulletEnabled val="1"/>
+              </dgm:varLst>
+              <dgm:alg type="sp"/>
+              <dgm:shape xmlns:r="http://schemas.openxmlformats.org/officeDocument/2006/relationships" type="roundRect" r:blip="">
+                <dgm:adjLst>
+                  <dgm:adj idx="1" val="0.1"/>
+                </dgm:adjLst>
+              </dgm:shape>
+              <dgm:presOf axis="ch desOrSelf" ptType="node node" st="2 1" cnt="1 0"/>
+              <dgm:constrLst/>
+              <dgm:ruleLst/>
+            </dgm:layoutNode>
+            <dgm:layoutNode name="TwoConn_1-2" styleLbl="fgAccFollowNode1">
+              <dgm:varLst>
+                <dgm:bulletEnabled val="1"/>
+              </dgm:varLst>
+              <dgm:alg type="tx"/>
+              <dgm:shape xmlns:r="http://schemas.openxmlformats.org/officeDocument/2006/relationships" type="downArrow" r:blip="">
+                <dgm:adjLst>
+                  <dgm:adj idx="1" val="0.55"/>
+                  <dgm:adj idx="2" val="0.45"/>
+                </dgm:adjLst>
+              </dgm:shape>
+              <dgm:presOf axis="ch" ptType="sibTrans" cnt="1"/>
+              <dgm:constrLst>
+                <dgm:constr type="lMarg" refType="primFontSz" fact="0.1"/>
+                <dgm:constr type="rMarg" refType="primFontSz" fact="0.1"/>
+                <dgm:constr type="tMarg" refType="primFontSz" fact="0.1"/>
+                <dgm:constr type="bMarg" refType="primFontSz" fact="0.1"/>
+              </dgm:constrLst>
+              <dgm:ruleLst>
+                <dgm:rule type="primFontSz" val="5" fact="NaN" max="NaN"/>
+              </dgm:ruleLst>
+            </dgm:layoutNode>
+            <dgm:layoutNode name="TwoNodes_1_text">
+              <dgm:varLst>
+                <dgm:bulletEnabled val="1"/>
+              </dgm:varLst>
+              <dgm:alg type="tx">
+                <dgm:param type="parTxLTRAlign" val="l"/>
+                <dgm:param type="txAnchorVertCh" val="mid"/>
+              </dgm:alg>
+              <dgm:shape xmlns:r="http://schemas.openxmlformats.org/officeDocument/2006/relationships" type="roundRect" r:blip="" hideGeom="1">
+                <dgm:adjLst>
+                  <dgm:adj idx="1" val="0.1"/>
+                </dgm:adjLst>
+              </dgm:shape>
+              <dgm:presOf axis="ch desOrSelf" ptType="node node" st="1 1" cnt="1 0"/>
+              <dgm:constrLst>
+                <dgm:constr type="lMarg" refType="primFontSz" fact="0.3"/>
+                <dgm:constr type="rMarg" refType="primFontSz" fact="0.3"/>
+                <dgm:constr type="tMarg" refType="primFontSz" fact="0.3"/>
+                <dgm:constr type="bMarg" refType="primFontSz" fact="0.3"/>
+              </dgm:constrLst>
+              <dgm:ruleLst>
+                <dgm:rule type="primFontSz" val="5" fact="NaN" max="NaN"/>
+              </dgm:ruleLst>
+            </dgm:layoutNode>
+            <dgm:layoutNode name="TwoNodes_2_text">
+              <dgm:varLst>
+                <dgm:bulletEnabled val="1"/>
+              </dgm:varLst>
+              <dgm:alg type="tx">
+                <dgm:param type="parTxLTRAlign" val="l"/>
+                <dgm:param type="txAnchorVertCh" val="mid"/>
+              </dgm:alg>
+              <dgm:shape xmlns:r="http://schemas.openxmlformats.org/officeDocument/2006/relationships" type="roundRect" r:blip="" hideGeom="1">
+                <dgm:adjLst>
+                  <dgm:adj idx="1" val="0.1"/>
+                </dgm:adjLst>
+              </dgm:shape>
+              <dgm:presOf axis="ch desOrSelf" ptType="node node" st="2 1" cnt="1 0"/>
+              <dgm:constrLst>
+                <dgm:constr type="lMarg" refType="primFontSz" fact="0.3"/>
+                <dgm:constr type="rMarg" refType="primFontSz" fact="0.3"/>
+                <dgm:constr type="tMarg" refType="primFontSz" fact="0.3"/>
+                <dgm:constr type="bMarg" refType="primFontSz" fact="0.3"/>
+              </dgm:constrLst>
+              <dgm:ruleLst>
+                <dgm:rule type="primFontSz" val="5" fact="NaN" max="NaN"/>
+              </dgm:ruleLst>
+            </dgm:layoutNode>
+          </dgm:if>
+          <dgm:else name="Name8">
+            <dgm:choose name="Name9">
+              <dgm:if name="Name10" axis="ch" ptType="node" func="cnt" op="equ" val="3">
+                <dgm:layoutNode name="ThreeNodes_1">
+                  <dgm:varLst>
+                    <dgm:bulletEnabled val="1"/>
+                  </dgm:varLst>
+                  <dgm:alg type="sp"/>
+                  <dgm:shape xmlns:r="http://schemas.openxmlformats.org/officeDocument/2006/relationships" type="roundRect" r:blip="">
+                    <dgm:adjLst>
+                      <dgm:adj idx="1" val="0.1"/>
+                    </dgm:adjLst>
+                  </dgm:shape>
+                  <dgm:presOf axis="ch desOrSelf" ptType="node node" st="1 1" cnt="1 0"/>
+                  <dgm:constrLst/>
+                  <dgm:ruleLst/>
+                </dgm:layoutNode>
+                <dgm:layoutNode name="ThreeNodes_2">
+                  <dgm:varLst>
+                    <dgm:bulletEnabled val="1"/>
+                  </dgm:varLst>
+                  <dgm:alg type="sp"/>
+                  <dgm:shape xmlns:r="http://schemas.openxmlformats.org/officeDocument/2006/relationships" type="roundRect" r:blip="">
+                    <dgm:adjLst>
+                      <dgm:adj idx="1" val="0.1"/>
+                    </dgm:adjLst>
+                  </dgm:shape>
+                  <dgm:presOf axis="ch desOrSelf" ptType="node node" st="2 1" cnt="1 0"/>
+                  <dgm:constrLst/>
+                  <dgm:ruleLst/>
+                </dgm:layoutNode>
+                <dgm:layoutNode name="ThreeNodes_3">
+                  <dgm:varLst>
+                    <dgm:bulletEnabled val="1"/>
+                  </dgm:varLst>
+                  <dgm:alg type="sp"/>
+                  <dgm:shape xmlns:r="http://schemas.openxmlformats.org/officeDocument/2006/relationships" type="roundRect" r:blip="">
+                    <dgm:adjLst>
+                      <dgm:adj idx="1" val="0.1"/>
+                    </dgm:adjLst>
+                  </dgm:shape>
+                  <dgm:presOf axis="ch desOrSelf" ptType="node node" st="3 1" cnt="1 0"/>
+                  <dgm:constrLst/>
+                  <dgm:ruleLst/>
+                </dgm:layoutNode>
+                <dgm:layoutNode name="ThreeConn_1-2" styleLbl="fgAccFollowNode1">
+                  <dgm:varLst>
+                    <dgm:bulletEnabled val="1"/>
+                  </dgm:varLst>
+                  <dgm:alg type="tx"/>
+                  <dgm:shape xmlns:r="http://schemas.openxmlformats.org/officeDocument/2006/relationships" type="downArrow" r:blip="">
+                    <dgm:adjLst>
+                      <dgm:adj idx="1" val="0.55"/>
+                      <dgm:adj idx="2" val="0.45"/>
+                    </dgm:adjLst>
+                  </dgm:shape>
+                  <dgm:presOf axis="ch" ptType="sibTrans" cnt="1"/>
+                  <dgm:constrLst>
+                    <dgm:constr type="lMarg" refType="primFontSz" fact="0.1"/>
+                    <dgm:constr type="rMarg" refType="primFontSz" fact="0.1"/>
+                    <dgm:constr type="tMarg" refType="primFontSz" fact="0.1"/>
+                    <dgm:constr type="bMarg" refType="primFontSz" fact="0.1"/>
+                  </dgm:constrLst>
+                  <dgm:ruleLst>
+                    <dgm:rule type="primFontSz" val="5" fact="NaN" max="NaN"/>
+                  </dgm:ruleLst>
+                </dgm:layoutNode>
+                <dgm:layoutNode name="ThreeConn_2-3" styleLbl="fgAccFollowNode1">
+                  <dgm:varLst>
+                    <dgm:bulletEnabled val="1"/>
+                  </dgm:varLst>
+                  <dgm:alg type="tx"/>
+                  <dgm:shape xmlns:r="http://schemas.openxmlformats.org/officeDocument/2006/relationships" type="downArrow" r:blip="">
+                    <dgm:adjLst>
+                      <dgm:adj idx="1" val="0.55"/>
+                      <dgm:adj idx="2" val="0.45"/>
+                    </dgm:adjLst>
+                  </dgm:shape>
+                  <dgm:presOf axis="ch" ptType="sibTrans" st="2" cnt="1"/>
+                  <dgm:constrLst>
+                    <dgm:constr type="lMarg" refType="primFontSz" fact="0.1"/>
+                    <dgm:constr type="rMarg" refType="primFontSz" fact="0.1"/>
+                    <dgm:constr type="tMarg" refType="primFontSz" fact="0.1"/>
+                    <dgm:constr type="bMarg" refType="primFontSz" fact="0.1"/>
+                  </dgm:constrLst>
+                  <dgm:ruleLst>
+                    <dgm:rule type="primFontSz" val="5" fact="NaN" max="NaN"/>
+                  </dgm:ruleLst>
+                </dgm:layoutNode>
+                <dgm:layoutNode name="ThreeNodes_1_text">
+                  <dgm:varLst>
+                    <dgm:bulletEnabled val="1"/>
+                  </dgm:varLst>
+                  <dgm:alg type="tx">
+                    <dgm:param type="parTxLTRAlign" val="l"/>
+                    <dgm:param type="txAnchorVertCh" val="mid"/>
+                  </dgm:alg>
+                  <dgm:shape xmlns:r="http://schemas.openxmlformats.org/officeDocument/2006/relationships" type="roundRect" r:blip="" hideGeom="1">
+                    <dgm:adjLst>
+                      <dgm:adj idx="1" val="0.1"/>
+                    </dgm:adjLst>
+                  </dgm:shape>
+                  <dgm:presOf axis="ch desOrSelf" ptType="node node" st="1 1" cnt="1 0"/>
+                  <dgm:constrLst>
+                    <dgm:constr type="lMarg" refType="primFontSz" fact="0.3"/>
+                    <dgm:constr type="rMarg" refType="primFontSz" fact="0.3"/>
+                    <dgm:constr type="tMarg" refType="primFontSz" fact="0.3"/>
+                    <dgm:constr type="bMarg" refType="primFontSz" fact="0.3"/>
+                  </dgm:constrLst>
+                  <dgm:ruleLst>
+                    <dgm:rule type="primFontSz" val="5" fact="NaN" max="NaN"/>
+                  </dgm:ruleLst>
+                </dgm:layoutNode>
+                <dgm:layoutNode name="ThreeNodes_2_text">
+                  <dgm:varLst>
+                    <dgm:bulletEnabled val="1"/>
+                  </dgm:varLst>
+                  <dgm:alg type="tx">
+                    <dgm:param type="parTxLTRAlign" val="l"/>
+                    <dgm:param type="txAnchorVertCh" val="mid"/>
+                  </dgm:alg>
+                  <dgm:shape xmlns:r="http://schemas.openxmlformats.org/officeDocument/2006/relationships" type="roundRect" r:blip="" hideGeom="1">
+                    <dgm:adjLst>
+                      <dgm:adj idx="1" val="0.1"/>
+                    </dgm:adjLst>
+                  </dgm:shape>
+                  <dgm:presOf axis="ch desOrSelf" ptType="node node" st="2 1" cnt="1 0"/>
+                  <dgm:constrLst>
+                    <dgm:constr type="lMarg" refType="primFontSz" fact="0.3"/>
+                    <dgm:constr type="rMarg" refType="primFontSz" fact="0.3"/>
+                    <dgm:constr type="tMarg" refType="primFontSz" fact="0.3"/>
+                    <dgm:constr type="bMarg" refType="primFontSz" fact="0.3"/>
+                  </dgm:constrLst>
+                  <dgm:ruleLst>
+                    <dgm:rule type="primFontSz" val="5" fact="NaN" max="NaN"/>
+                  </dgm:ruleLst>
+                </dgm:layoutNode>
+                <dgm:layoutNode name="ThreeNodes_3_text">
+                  <dgm:varLst>
+                    <dgm:bulletEnabled val="1"/>
+                  </dgm:varLst>
+                  <dgm:alg type="tx">
+                    <dgm:param type="parTxLTRAlign" val="l"/>
+                    <dgm:param type="txAnchorVertCh" val="mid"/>
+                  </dgm:alg>
+                  <dgm:shape xmlns:r="http://schemas.openxmlformats.org/officeDocument/2006/relationships" type="roundRect" r:blip="" hideGeom="1">
+                    <dgm:adjLst>
+                      <dgm:adj idx="1" val="0.1"/>
+                    </dgm:adjLst>
+                  </dgm:shape>
+                  <dgm:presOf axis="ch desOrSelf" ptType="node node" st="3 1" cnt="1 0"/>
+                  <dgm:constrLst>
+                    <dgm:constr type="lMarg" refType="primFontSz" fact="0.3"/>
+                    <dgm:constr type="rMarg" refType="primFontSz" fact="0.3"/>
+                    <dgm:constr type="tMarg" refType="primFontSz" fact="0.3"/>
+                    <dgm:constr type="bMarg" refType="primFontSz" fact="0.3"/>
+                  </dgm:constrLst>
+                  <dgm:ruleLst>
+                    <dgm:rule type="primFontSz" val="5" fact="NaN" max="NaN"/>
+                  </dgm:ruleLst>
+                </dgm:layoutNode>
+              </dgm:if>
+              <dgm:else name="Name11">
+                <dgm:choose name="Name12">
+                  <dgm:if name="Name13" axis="ch" ptType="node" func="cnt" op="equ" val="4">
+                    <dgm:layoutNode name="FourNodes_1">
+                      <dgm:varLst>
+                        <dgm:bulletEnabled val="1"/>
+                      </dgm:varLst>
+                      <dgm:alg type="sp"/>
+                      <dgm:shape xmlns:r="http://schemas.openxmlformats.org/officeDocument/2006/relationships" type="roundRect" r:blip="">
+                        <dgm:adjLst>
+                          <dgm:adj idx="1" val="0.1"/>
+                        </dgm:adjLst>
+                      </dgm:shape>
+                      <dgm:presOf axis="ch desOrSelf" ptType="node node" st="1 1" cnt="1 0"/>
+                      <dgm:constrLst/>
+                      <dgm:ruleLst/>
+                    </dgm:layoutNode>
+                    <dgm:layoutNode name="FourNodes_2">
+                      <dgm:varLst>
+                        <dgm:bulletEnabled val="1"/>
+                      </dgm:varLst>
+                      <dgm:alg type="sp"/>
+                      <dgm:shape xmlns:r="http://schemas.openxmlformats.org/officeDocument/2006/relationships" type="roundRect" r:blip="">
+                        <dgm:adjLst>
+                          <dgm:adj idx="1" val="0.1"/>
+                        </dgm:adjLst>
+                      </dgm:shape>
+                      <dgm:presOf axis="ch desOrSelf" ptType="node node" st="2 1" cnt="1 0"/>
+                      <dgm:constrLst/>
+                      <dgm:ruleLst/>
+                    </dgm:layoutNode>
+                    <dgm:layoutNode name="FourNodes_3">
+                      <dgm:varLst>
+                        <dgm:bulletEnabled val="1"/>
+                      </dgm:varLst>
+                      <dgm:alg type="sp"/>
+                      <dgm:shape xmlns:r="http://schemas.openxmlformats.org/officeDocument/2006/relationships" type="roundRect" r:blip="">
+                        <dgm:adjLst>
+                          <dgm:adj idx="1" val="0.1"/>
+                        </dgm:adjLst>
+                      </dgm:shape>
+                      <dgm:presOf axis="ch desOrSelf" ptType="node node" st="3 1" cnt="1 0"/>
+                      <dgm:constrLst/>
+                      <dgm:ruleLst/>
+                    </dgm:layoutNode>
+                    <dgm:layoutNode name="FourNodes_4">
+                      <dgm:varLst>
+                        <dgm:bulletEnabled val="1"/>
+                      </dgm:varLst>
+                      <dgm:alg type="sp"/>
+                      <dgm:shape xmlns:r="http://schemas.openxmlformats.org/officeDocument/2006/relationships" type="roundRect" r:blip="">
+                        <dgm:adjLst>
+                          <dgm:adj idx="1" val="0.1"/>
+                        </dgm:adjLst>
+                      </dgm:shape>
+                      <dgm:presOf axis="ch desOrSelf" ptType="node node" st="4 1" cnt="1 0"/>
+                      <dgm:constrLst/>
+                      <dgm:ruleLst/>
+                    </dgm:layoutNode>
+                    <dgm:layoutNode name="FourConn_1-2" styleLbl="fgAccFollowNode1">
+                      <dgm:varLst>
+                        <dgm:bulletEnabled val="1"/>
+                      </dgm:varLst>
+                      <dgm:alg type="tx"/>
+                      <dgm:shape xmlns:r="http://schemas.openxmlformats.org/officeDocument/2006/relationships" type="downArrow" r:blip="">
+                        <dgm:adjLst>
+                          <dgm:adj idx="1" val="0.55"/>
+                          <dgm:adj idx="2" val="0.45"/>
+                        </dgm:adjLst>
+                      </dgm:shape>
+                      <dgm:presOf axis="ch" ptType="sibTrans" cnt="1"/>
+                      <dgm:constrLst>
+                        <dgm:constr type="lMarg" refType="primFontSz" fact="0.1"/>
+                        <dgm:constr type="rMarg" refType="primFontSz" fact="0.1"/>
+                        <dgm:constr type="tMarg" refType="primFontSz" fact="0.1"/>
+                        <dgm:constr type="bMarg" refType="primFontSz" fact="0.1"/>
+                      </dgm:constrLst>
+                      <dgm:ruleLst>
+                        <dgm:rule type="primFontSz" val="5" fact="NaN" max="NaN"/>
+                      </dgm:ruleLst>
+                    </dgm:layoutNode>
+                    <dgm:layoutNode name="FourConn_2-3" styleLbl="fgAccFollowNode1">
+                      <dgm:varLst>
+                        <dgm:bulletEnabled val="1"/>
+                      </dgm:varLst>
+                      <dgm:alg type="tx"/>
+                      <dgm:shape xmlns:r="http://schemas.openxmlformats.org/officeDocument/2006/relationships" type="downArrow" r:blip="">
+                        <dgm:adjLst>
+                          <dgm:adj idx="1" val="0.55"/>
+                          <dgm:adj idx="2" val="0.45"/>
+                        </dgm:adjLst>
+                      </dgm:shape>
+                      <dgm:presOf axis="ch" ptType="sibTrans" st="2" cnt="1"/>
+                      <dgm:constrLst>
+                        <dgm:constr type="lMarg" refType="primFontSz" fact="0.1"/>
+                        <dgm:constr type="rMarg" refType="primFontSz" fact="0.1"/>
+                        <dgm:constr type="tMarg" refType="primFontSz" fact="0.1"/>
+                        <dgm:constr type="bMarg" refType="primFontSz" fact="0.1"/>
+                      </dgm:constrLst>
+                      <dgm:ruleLst>
+                        <dgm:rule type="primFontSz" val="5" fact="NaN" max="NaN"/>
+                      </dgm:ruleLst>
+                    </dgm:layoutNode>
+                    <dgm:layoutNode name="FourConn_3-4" styleLbl="fgAccFollowNode1">
+                      <dgm:varLst>
+                        <dgm:bulletEnabled val="1"/>
+                      </dgm:varLst>
+                      <dgm:alg type="tx"/>
+                      <dgm:shape xmlns:r="http://schemas.openxmlformats.org/officeDocument/2006/relationships" type="downArrow" r:blip="">
+                        <dgm:adjLst>
+                          <dgm:adj idx="1" val="0.55"/>
+                          <dgm:adj idx="2" val="0.45"/>
+                        </dgm:adjLst>
+                      </dgm:shape>
+                      <dgm:presOf axis="ch" ptType="sibTrans" st="3" cnt="1"/>
+                      <dgm:constrLst>
+                        <dgm:constr type="lMarg" refType="primFontSz" fact="0.1"/>
+                        <dgm:constr type="rMarg" refType="primFontSz" fact="0.1"/>
+                        <dgm:constr type="tMarg" refType="primFontSz" fact="0.1"/>
+                        <dgm:constr type="bMarg" refType="primFontSz" fact="0.1"/>
+                      </dgm:constrLst>
+                      <dgm:ruleLst>
+                        <dgm:rule type="primFontSz" val="5" fact="NaN" max="NaN"/>
+                      </dgm:ruleLst>
+                    </dgm:layoutNode>
+                    <dgm:layoutNode name="FourNodes_1_text">
+                      <dgm:varLst>
+                        <dgm:bulletEnabled val="1"/>
+                      </dgm:varLst>
+                      <dgm:alg type="tx">
+                        <dgm:param type="parTxLTRAlign" val="l"/>
+                        <dgm:param type="txAnchorVertCh" val="mid"/>
+                      </dgm:alg>
+                      <dgm:shape xmlns:r="http://schemas.openxmlformats.org/officeDocument/2006/relationships" type="roundRect" r:blip="" hideGeom="1">
+                        <dgm:adjLst>
+                          <dgm:adj idx="1" val="0.1"/>
+                        </dgm:adjLst>
+                      </dgm:shape>
+                      <dgm:presOf axis="ch desOrSelf" ptType="node node" st="1 1" cnt="1 0"/>
+                      <dgm:constrLst>
+                        <dgm:constr type="lMarg" refType="primFontSz" fact="0.3"/>
+                        <dgm:constr type="rMarg" refType="primFontSz" fact="0.3"/>
+                        <dgm:constr type="tMarg" refType="primFontSz" fact="0.3"/>
+                        <dgm:constr type="bMarg" refType="primFontSz" fact="0.3"/>
+                      </dgm:constrLst>
+                      <dgm:ruleLst>
+                        <dgm:rule type="primFontSz" val="5" fact="NaN" max="NaN"/>
+                      </dgm:ruleLst>
+                    </dgm:layoutNode>
+                    <dgm:layoutNode name="FourNodes_2_text">
+                      <dgm:varLst>
+                        <dgm:bulletEnabled val="1"/>
+                      </dgm:varLst>
+                      <dgm:alg type="tx">
+                        <dgm:param type="parTxLTRAlign" val="l"/>
+                        <dgm:param type="txAnchorVertCh" val="mid"/>
+                      </dgm:alg>
+                      <dgm:shape xmlns:r="http://schemas.openxmlformats.org/officeDocument/2006/relationships" type="roundRect" r:blip="" hideGeom="1">
+                        <dgm:adjLst>
+                          <dgm:adj idx="1" val="0.1"/>
+                        </dgm:adjLst>
+                      </dgm:shape>
+                      <dgm:presOf axis="ch desOrSelf" ptType="node node" st="2 1" cnt="1 0"/>
+                      <dgm:constrLst>
+                        <dgm:constr type="lMarg" refType="primFontSz" fact="0.3"/>
+                        <dgm:constr type="rMarg" refType="primFontSz" fact="0.3"/>
+                        <dgm:constr type="tMarg" refType="primFontSz" fact="0.3"/>
+                        <dgm:constr type="bMarg" refType="primFontSz" fact="0.3"/>
+                      </dgm:constrLst>
+                      <dgm:ruleLst>
+                        <dgm:rule type="primFontSz" val="5" fact="NaN" max="NaN"/>
+                      </dgm:ruleLst>
+                    </dgm:layoutNode>
+                    <dgm:layoutNode name="FourNodes_3_text">
+                      <dgm:varLst>
+                        <dgm:bulletEnabled val="1"/>
+                      </dgm:varLst>
+                      <dgm:alg type="tx">
+                        <dgm:param type="parTxLTRAlign" val="l"/>
+                        <dgm:param type="txAnchorVertCh" val="mid"/>
+                      </dgm:alg>
+                      <dgm:shape xmlns:r="http://schemas.openxmlformats.org/officeDocument/2006/relationships" type="roundRect" r:blip="" hideGeom="1">
+                        <dgm:adjLst>
+                          <dgm:adj idx="1" val="0.1"/>
+                        </dgm:adjLst>
+                      </dgm:shape>
+                      <dgm:presOf axis="ch desOrSelf" ptType="node node" st="3 1" cnt="1 0"/>
+                      <dgm:constrLst>
+                        <dgm:constr type="lMarg" refType="primFontSz" fact="0.3"/>
+                        <dgm:constr type="rMarg" refType="primFontSz" fact="0.3"/>
+                        <dgm:constr type="tMarg" refType="primFontSz" fact="0.3"/>
+                        <dgm:constr type="bMarg" refType="primFontSz" fact="0.3"/>
+                      </dgm:constrLst>
+                      <dgm:ruleLst>
+                        <dgm:rule type="primFontSz" val="5" fact="NaN" max="NaN"/>
+                      </dgm:ruleLst>
+                    </dgm:layoutNode>
+                    <dgm:layoutNode name="FourNodes_4_text">
+                      <dgm:varLst>
+                        <dgm:bulletEnabled val="1"/>
+                      </dgm:varLst>
+                      <dgm:alg type="tx">
+                        <dgm:param type="parTxLTRAlign" val="l"/>
+                        <dgm:param type="txAnchorVertCh" val="mid"/>
+                      </dgm:alg>
+                      <dgm:shape xmlns:r="http://schemas.openxmlformats.org/officeDocument/2006/relationships" type="roundRect" r:blip="" hideGeom="1">
+                        <dgm:adjLst>
+                          <dgm:adj idx="1" val="0.1"/>
+                        </dgm:adjLst>
+                      </dgm:shape>
+                      <dgm:presOf axis="ch desOrSelf" ptType="node node" st="4 1" cnt="1 0"/>
+                      <dgm:constrLst>
+                        <dgm:constr type="lMarg" refType="primFontSz" fact="0.3"/>
+                        <dgm:constr type="rMarg" refType="primFontSz" fact="0.3"/>
+                        <dgm:constr type="tMarg" refType="primFontSz" fact="0.3"/>
+                        <dgm:constr type="bMarg" refType="primFontSz" fact="0.3"/>
+                      </dgm:constrLst>
+                      <dgm:ruleLst>
+                        <dgm:rule type="primFontSz" val="5" fact="NaN" max="NaN"/>
+                      </dgm:ruleLst>
+                    </dgm:layoutNode>
+                  </dgm:if>
+                  <dgm:else name="Name14">
+                    <dgm:choose name="Name15">
+                      <dgm:if name="Name16" axis="ch" ptType="node" func="cnt" op="gte" val="5">
+                        <dgm:layoutNode name="FiveNodes_1">
+                          <dgm:varLst>
+                            <dgm:bulletEnabled val="1"/>
+                          </dgm:varLst>
+                          <dgm:alg type="sp"/>
+                          <dgm:shape xmlns:r="http://schemas.openxmlformats.org/officeDocument/2006/relationships" type="roundRect" r:blip="">
+                            <dgm:adjLst>
+                              <dgm:adj idx="1" val="0.1"/>
+                            </dgm:adjLst>
+                          </dgm:shape>
+                          <dgm:presOf axis="ch desOrSelf" ptType="node node" st="1 1" cnt="1 0"/>
+                          <dgm:constrLst/>
+                          <dgm:ruleLst/>
+                        </dgm:layoutNode>
+                        <dgm:layoutNode name="FiveNodes_2">
+                          <dgm:varLst>
+                            <dgm:bulletEnabled val="1"/>
+                          </dgm:varLst>
+                          <dgm:alg type="sp"/>
+                          <dgm:shape xmlns:r="http://schemas.openxmlformats.org/officeDocument/2006/relationships" type="roundRect" r:blip="">
+                            <dgm:adjLst>
+                              <dgm:adj idx="1" val="0.1"/>
+                            </dgm:adjLst>
+                          </dgm:shape>
+                          <dgm:presOf axis="ch desOrSelf" ptType="node node" st="2 1" cnt="1 0"/>
+                          <dgm:constrLst/>
+                          <dgm:ruleLst/>
+                        </dgm:layoutNode>
+                        <dgm:layoutNode name="FiveNodes_3">
+                          <dgm:varLst>
+                            <dgm:bulletEnabled val="1"/>
+                          </dgm:varLst>
+                          <dgm:alg type="sp"/>
+                          <dgm:shape xmlns:r="http://schemas.openxmlformats.org/officeDocument/2006/relationships" type="roundRect" r:blip="">
+                            <dgm:adjLst>
+                              <dgm:adj idx="1" val="0.1"/>
+                            </dgm:adjLst>
+                          </dgm:shape>
+                          <dgm:presOf axis="ch desOrSelf" ptType="node node" st="3 1" cnt="1 0"/>
+                          <dgm:constrLst/>
+                          <dgm:ruleLst/>
+                        </dgm:layoutNode>
+                        <dgm:layoutNode name="FiveNodes_4">
+                          <dgm:varLst>
+                            <dgm:bulletEnabled val="1"/>
+                          </dgm:varLst>
+                          <dgm:alg type="sp"/>
+                          <dgm:shape xmlns:r="http://schemas.openxmlformats.org/officeDocument/2006/relationships" type="roundRect" r:blip="">
+                            <dgm:adjLst>
+                              <dgm:adj idx="1" val="0.1"/>
+                            </dgm:adjLst>
+                          </dgm:shape>
+                          <dgm:presOf axis="ch desOrSelf" ptType="node node" st="4 1" cnt="1 0"/>
+                          <dgm:constrLst/>
+                          <dgm:ruleLst/>
+                        </dgm:layoutNode>
+                        <dgm:layoutNode name="FiveNodes_5">
+                          <dgm:varLst>
+                            <dgm:bulletEnabled val="1"/>
+                          </dgm:varLst>
+                          <dgm:alg type="sp"/>
+                          <dgm:shape xmlns:r="http://schemas.openxmlformats.org/officeDocument/2006/relationships" type="roundRect" r:blip="">
+                            <dgm:adjLst>
+                              <dgm:adj idx="1" val="0.1"/>
+                            </dgm:adjLst>
+                          </dgm:shape>
+                          <dgm:presOf axis="ch desOrSelf" ptType="node node" st="5 1" cnt="1 0"/>
+                          <dgm:constrLst/>
+                          <dgm:ruleLst/>
+                        </dgm:layoutNode>
+                        <dgm:layoutNode name="FiveConn_1-2" styleLbl="fgAccFollowNode1">
+                          <dgm:varLst>
+                            <dgm:bulletEnabled val="1"/>
+                          </dgm:varLst>
+                          <dgm:alg type="tx"/>
+                          <dgm:shape xmlns:r="http://schemas.openxmlformats.org/officeDocument/2006/relationships" type="downArrow" r:blip="">
+                            <dgm:adjLst>
+                              <dgm:adj idx="1" val="0.55"/>
+                              <dgm:adj idx="2" val="0.45"/>
+                            </dgm:adjLst>
+                          </dgm:shape>
+                          <dgm:presOf axis="ch" ptType="sibTrans" cnt="1"/>
+                          <dgm:constrLst>
+                            <dgm:constr type="lMarg" refType="primFontSz" fact="0.1"/>
+                            <dgm:constr type="rMarg" refType="primFontSz" fact="0.1"/>
+                            <dgm:constr type="tMarg" refType="primFontSz" fact="0.1"/>
+                            <dgm:constr type="bMarg" refType="primFontSz" fact="0.1"/>
+                          </dgm:constrLst>
+                          <dgm:ruleLst>
+                            <dgm:rule type="primFontSz" val="5" fact="NaN" max="NaN"/>
+                          </dgm:ruleLst>
+                        </dgm:layoutNode>
+                        <dgm:layoutNode name="FiveConn_2-3" styleLbl="fgAccFollowNode1">
+                          <dgm:varLst>
+                            <dgm:bulletEnabled val="1"/>
+                          </dgm:varLst>
+                          <dgm:alg type="tx"/>
+                          <dgm:shape xmlns:r="http://schemas.openxmlformats.org/officeDocument/2006/relationships" type="downArrow" r:blip="">
+                            <dgm:adjLst>
+                              <dgm:adj idx="1" val="0.55"/>
+                              <dgm:adj idx="2" val="0.45"/>
+                            </dgm:adjLst>
+                          </dgm:shape>
+                          <dgm:presOf axis="ch" ptType="sibTrans" st="2" cnt="1"/>
+                          <dgm:constrLst>
+                            <dgm:constr type="lMarg" refType="primFontSz" fact="0.1"/>
+                            <dgm:constr type="rMarg" refType="primFontSz" fact="0.1"/>
+                            <dgm:constr type="tMarg" refType="primFontSz" fact="0.1"/>
+                            <dgm:constr type="bMarg" refType="primFontSz" fact="0.1"/>
+                          </dgm:constrLst>
+                          <dgm:ruleLst>
+                            <dgm:rule type="primFontSz" val="5" fact="NaN" max="NaN"/>
+                          </dgm:ruleLst>
+                        </dgm:layoutNode>
+                        <dgm:layoutNode name="FiveConn_3-4" styleLbl="fgAccFollowNode1">
+                          <dgm:varLst>
+                            <dgm:bulletEnabled val="1"/>
+                          </dgm:varLst>
+                          <dgm:alg type="tx"/>
+                          <dgm:shape xmlns:r="http://schemas.openxmlformats.org/officeDocument/2006/relationships" type="downArrow" r:blip="">
+                            <dgm:adjLst>
+                              <dgm:adj idx="1" val="0.55"/>
+                              <dgm:adj idx="2" val="0.45"/>
+                            </dgm:adjLst>
+                          </dgm:shape>
+                          <dgm:presOf axis="ch" ptType="sibTrans" st="3" cnt="1"/>
+                          <dgm:constrLst>
+                            <dgm:constr type="lMarg" refType="primFontSz" fact="0.1"/>
+                            <dgm:constr type="rMarg" refType="primFontSz" fact="0.1"/>
+                            <dgm:constr type="tMarg" refType="primFontSz" fact="0.1"/>
+                            <dgm:constr type="bMarg" refType="primFontSz" fact="0.1"/>
+                          </dgm:constrLst>
+                          <dgm:ruleLst>
+                            <dgm:rule type="primFontSz" val="5" fact="NaN" max="NaN"/>
+                          </dgm:ruleLst>
+                        </dgm:layoutNode>
+                        <dgm:layoutNode name="FiveConn_4-5" styleLbl="fgAccFollowNode1">
+                          <dgm:varLst>
+                            <dgm:bulletEnabled val="1"/>
+                          </dgm:varLst>
+                          <dgm:alg type="tx"/>
+                          <dgm:shape xmlns:r="http://schemas.openxmlformats.org/officeDocument/2006/relationships" type="downArrow" r:blip="">
+                            <dgm:adjLst>
+                              <dgm:adj idx="1" val="0.55"/>
+                              <dgm:adj idx="2" val="0.45"/>
+                            </dgm:adjLst>
+                          </dgm:shape>
+                          <dgm:presOf axis="ch" ptType="sibTrans" st="4" cnt="1"/>
+                          <dgm:constrLst>
+                            <dgm:constr type="lMarg" refType="primFontSz" fact="0.1"/>
+                            <dgm:constr type="rMarg" refType="primFontSz" fact="0.1"/>
+                            <dgm:constr type="tMarg" refType="primFontSz" fact="0.1"/>
+                            <dgm:constr type="bMarg" refType="primFontSz" fact="0.1"/>
+                          </dgm:constrLst>
+                          <dgm:ruleLst>
+                            <dgm:rule type="primFontSz" val="5" fact="NaN" max="NaN"/>
+                          </dgm:ruleLst>
+                        </dgm:layoutNode>
+                        <dgm:layoutNode name="FiveNodes_1_text">
+                          <dgm:varLst>
+                            <dgm:bulletEnabled val="1"/>
+                          </dgm:varLst>
+                          <dgm:alg type="tx">
+                            <dgm:param type="parTxLTRAlign" val="l"/>
+                            <dgm:param type="txAnchorVertCh" val="mid"/>
+                          </dgm:alg>
+                          <dgm:shape xmlns:r="http://schemas.openxmlformats.org/officeDocument/2006/relationships" type="roundRect" r:blip="" hideGeom="1">
+                            <dgm:adjLst>
+                              <dgm:adj idx="1" val="0.1"/>
+                            </dgm:adjLst>
+                          </dgm:shape>
+                          <dgm:presOf axis="ch desOrSelf" ptType="node node" st="1 1" cnt="1 0"/>
+                          <dgm:constrLst>
+                            <dgm:constr type="lMarg" refType="primFontSz" fact="0.3"/>
+                            <dgm:constr type="rMarg" refType="primFontSz" fact="0.3"/>
+                            <dgm:constr type="tMarg" refType="primFontSz" fact="0.3"/>
+                            <dgm:constr type="bMarg" refType="primFontSz" fact="0.3"/>
+                          </dgm:constrLst>
+                          <dgm:ruleLst>
+                            <dgm:rule type="primFontSz" val="5" fact="NaN" max="NaN"/>
+                          </dgm:ruleLst>
+                        </dgm:layoutNode>
+                        <dgm:layoutNode name="FiveNodes_2_text">
+                          <dgm:varLst>
+                            <dgm:bulletEnabled val="1"/>
+                          </dgm:varLst>
+                          <dgm:alg type="tx">
+                            <dgm:param type="parTxLTRAlign" val="l"/>
+                            <dgm:param type="txAnchorVertCh" val="mid"/>
+                          </dgm:alg>
+                          <dgm:shape xmlns:r="http://schemas.openxmlformats.org/officeDocument/2006/relationships" type="roundRect" r:blip="" hideGeom="1">
+                            <dgm:adjLst>
+                              <dgm:adj idx="1" val="0.1"/>
+                            </dgm:adjLst>
+                          </dgm:shape>
+                          <dgm:presOf axis="ch desOrSelf" ptType="node node" st="2 1" cnt="1 0"/>
+                          <dgm:constrLst>
+                            <dgm:constr type="lMarg" refType="primFontSz" fact="0.3"/>
+                            <dgm:constr type="rMarg" refType="primFontSz" fact="0.3"/>
+                            <dgm:constr type="tMarg" refType="primFontSz" fact="0.3"/>
+                            <dgm:constr type="bMarg" refType="primFontSz" fact="0.3"/>
+                          </dgm:constrLst>
+                          <dgm:ruleLst>
+                            <dgm:rule type="primFontSz" val="5" fact="NaN" max="NaN"/>
+                          </dgm:ruleLst>
+                        </dgm:layoutNode>
+                        <dgm:layoutNode name="FiveNodes_3_text">
+                          <dgm:varLst>
+                            <dgm:bulletEnabled val="1"/>
+                          </dgm:varLst>
+                          <dgm:alg type="tx">
+                            <dgm:param type="parTxLTRAlign" val="l"/>
+                            <dgm:param type="txAnchorVertCh" val="mid"/>
+                          </dgm:alg>
+                          <dgm:shape xmlns:r="http://schemas.openxmlformats.org/officeDocument/2006/relationships" type="roundRect" r:blip="" hideGeom="1">
+                            <dgm:adjLst>
+                              <dgm:adj idx="1" val="0.1"/>
+                            </dgm:adjLst>
+                          </dgm:shape>
+                          <dgm:presOf axis="ch desOrSelf" ptType="node node" st="3 1" cnt="1 0"/>
+                          <dgm:constrLst>
+                            <dgm:constr type="lMarg" refType="primFontSz" fact="0.3"/>
+                            <dgm:constr type="rMarg" refType="primFontSz" fact="0.3"/>
+                            <dgm:constr type="tMarg" refType="primFontSz" fact="0.3"/>
+                            <dgm:constr type="bMarg" refType="primFontSz" fact="0.3"/>
+                          </dgm:constrLst>
+                          <dgm:ruleLst>
+                            <dgm:rule type="primFontSz" val="5" fact="NaN" max="NaN"/>
+                          </dgm:ruleLst>
+                        </dgm:layoutNode>
+                        <dgm:layoutNode name="FiveNodes_4_text">
+                          <dgm:varLst>
+                            <dgm:bulletEnabled val="1"/>
+                          </dgm:varLst>
+                          <dgm:alg type="tx">
+                            <dgm:param type="parTxLTRAlign" val="l"/>
+                            <dgm:param type="txAnchorVertCh" val="mid"/>
+                          </dgm:alg>
+                          <dgm:shape xmlns:r="http://schemas.openxmlformats.org/officeDocument/2006/relationships" type="roundRect" r:blip="" hideGeom="1">
+                            <dgm:adjLst>
+                              <dgm:adj idx="1" val="0.1"/>
+                            </dgm:adjLst>
+                          </dgm:shape>
+                          <dgm:presOf axis="ch desOrSelf" ptType="node node" st="4 1" cnt="1 0"/>
+                          <dgm:constrLst>
+                            <dgm:constr type="lMarg" refType="primFontSz" fact="0.3"/>
+                            <dgm:constr type="rMarg" refType="primFontSz" fact="0.3"/>
+                            <dgm:constr type="tMarg" refType="primFontSz" fact="0.3"/>
+                            <dgm:constr type="bMarg" refType="primFontSz" fact="0.3"/>
+                          </dgm:constrLst>
+                          <dgm:ruleLst>
+                            <dgm:rule type="primFontSz" val="5" fact="NaN" max="NaN"/>
+                          </dgm:ruleLst>
+                        </dgm:layoutNode>
+                        <dgm:layoutNode name="FiveNodes_5_text">
+                          <dgm:varLst>
+                            <dgm:bulletEnabled val="1"/>
+                          </dgm:varLst>
+                          <dgm:alg type="tx">
+                            <dgm:param type="parTxLTRAlign" val="l"/>
+                            <dgm:param type="txAnchorVertCh" val="mid"/>
+                          </dgm:alg>
+                          <dgm:shape xmlns:r="http://schemas.openxmlformats.org/officeDocument/2006/relationships" type="roundRect" r:blip="" hideGeom="1">
+                            <dgm:adjLst>
+                              <dgm:adj idx="1" val="0.1"/>
+                            </dgm:adjLst>
+                          </dgm:shape>
+                          <dgm:presOf axis="ch desOrSelf" ptType="node node" st="5 1" cnt="1 0"/>
+                          <dgm:constrLst>
+                            <dgm:constr type="lMarg" refType="primFontSz" fact="0.3"/>
+                            <dgm:constr type="rMarg" refType="primFontSz" fact="0.3"/>
+                            <dgm:constr type="tMarg" refType="primFontSz" fact="0.3"/>
+                            <dgm:constr type="bMarg" refType="primFontSz" fact="0.3"/>
+                          </dgm:constrLst>
+                          <dgm:ruleLst>
+                            <dgm:rule type="primFontSz" val="5" fact="NaN" max="NaN"/>
+                          </dgm:ruleLst>
+                        </dgm:layoutNode>
+                      </dgm:if>
+                      <dgm:else name="Name17"/>
+                    </dgm:choose>
+                  </dgm:else>
+                </dgm:choose>
+              </dgm:else>
+            </dgm:choose>
+          </dgm:else>
+        </dgm:choose>
+      </dgm:else>
+    </dgm:choose>
+  </dgm:layoutNode>
+</dgm:layoutDef>
+</file>
+
+<file path=ppt/diagrams/quickStyle1.xml><?xml version="1.0" encoding="utf-8"?>
+<dgm:styleDef xmlns:dgm="http://schemas.openxmlformats.org/drawingml/2006/diagram" xmlns:a="http://schemas.openxmlformats.org/drawingml/2006/main" uniqueId="urn:microsoft.com/office/officeart/2005/8/quickstyle/simple1">
+  <dgm:title val=""/>
+  <dgm:desc val=""/>
+  <dgm:catLst>
+    <dgm:cat type="simple" pri="10100"/>
+  </dgm:catLst>
+  <dgm:scene3d>
+    <a:camera prst="orthographicFront"/>
+    <a:lightRig rig="threePt" dir="t"/>
+  </dgm:scene3d>
+  <dgm:styleLbl name="node0">
+    <dgm:scene3d>
+      <a:camera prst="orthographicFront"/>
+      <a:lightRig rig="threePt" dir="t"/>
+    </dgm:scene3d>
+    <dgm:sp3d/>
+    <dgm:txPr/>
+    <dgm:style>
+      <a:lnRef idx="2">
+        <a:scrgbClr r="0" g="0" b="0"/>
+      </a:lnRef>
+      <a:fillRef idx="1">
+        <a:scrgbClr r="0" g="0" b="0"/>
+      </a:fillRef>
+      <a:effectRef idx="0">
+        <a:scrgbClr r="0" g="0" b="0"/>
+      </a:effectRef>
+      <a:fontRef idx="minor">
+        <a:schemeClr val="lt1"/>
+      </a:fontRef>
+    </dgm:style>
+  </dgm:styleLbl>
+  <dgm:styleLbl name="lnNode1">
+    <dgm:scene3d>
+      <a:camera prst="orthographicFront"/>
+      <a:lightRig rig="threePt" dir="t"/>
+    </dgm:scene3d>
+    <dgm:sp3d/>
+    <dgm:txPr/>
+    <dgm:style>
+      <a:lnRef idx="2">
+        <a:scrgbClr r="0" g="0" b="0"/>
+      </a:lnRef>
+      <a:fillRef idx="1">
+        <a:scrgbClr r="0" g="0" b="0"/>
+      </a:fillRef>
+      <a:effectRef idx="0">
+        <a:scrgbClr r="0" g="0" b="0"/>
+      </a:effectRef>
+      <a:fontRef idx="minor">
+        <a:schemeClr val="lt1"/>
+      </a:fontRef>
+    </dgm:style>
+  </dgm:styleLbl>
+  <dgm:styleLbl name="vennNode1">
+    <dgm:scene3d>
+      <a:camera prst="orthographicFront"/>
+      <a:lightRig rig="threePt" dir="t"/>
+    </dgm:scene3d>
+    <dgm:sp3d/>
+    <dgm:txPr/>
+    <dgm:style>
+      <a:lnRef idx="2">
+        <a:scrgbClr r="0" g="0" b="0"/>
+      </a:lnRef>
+      <a:fillRef idx="1">
+        <a:scrgbClr r="0" g="0" b="0"/>
+      </a:fillRef>
+      <a:effectRef idx="0">
+        <a:scrgbClr r="0" g="0" b="0"/>
+      </a:effectRef>
+      <a:fontRef idx="minor">
+        <a:schemeClr val="tx1"/>
+      </a:fontRef>
+    </dgm:style>
+  </dgm:styleLbl>
+  <dgm:styleLbl name="alignNode1">
+    <dgm:scene3d>
+      <a:camera prst="orthographicFront"/>
+      <a:lightRig rig="threePt" dir="t"/>
+    </dgm:scene3d>
+    <dgm:sp3d/>
+    <dgm:txPr/>
+    <dgm:style>
+      <a:lnRef idx="2">
+        <a:scrgbClr r="0" g="0" b="0"/>
+      </a:lnRef>
+      <a:fillRef idx="1">
+        <a:scrgbClr r="0" g="0" b="0"/>
+      </a:fillRef>
+      <a:effectRef idx="0">
+        <a:scrgbClr r="0" g="0" b="0"/>
+      </a:effectRef>
+      <a:fontRef idx="minor">
+        <a:schemeClr val="lt1"/>
+      </a:fontRef>
+    </dgm:style>
+  </dgm:styleLbl>
+  <dgm:styleLbl name="node1">
+    <dgm:scene3d>
+      <a:camera prst="orthographicFront"/>
+      <a:lightRig rig="threePt" dir="t"/>
+    </dgm:scene3d>
+    <dgm:sp3d/>
+    <dgm:txPr/>
+    <dgm:style>
+      <a:lnRef idx="2">
+        <a:scrgbClr r="0" g="0" b="0"/>
+      </a:lnRef>
+      <a:fillRef idx="1">
+        <a:scrgbClr r="0" g="0" b="0"/>
+      </a:fillRef>
+      <a:effectRef idx="0">
+        <a:scrgbClr r="0" g="0" b="0"/>
+      </a:effectRef>
+      <a:fontRef idx="minor">
+        <a:schemeClr val="lt1"/>
+      </a:fontRef>
+    </dgm:style>
+  </dgm:styleLbl>
+  <dgm:styleLbl name="node2">
+    <dgm:scene3d>
+      <a:camera prst="orthographicFront"/>
+      <a:lightRig rig="threePt" dir="t"/>
+    </dgm:scene3d>
+    <dgm:sp3d/>
+    <dgm:txPr/>
+    <dgm:style>
+      <a:lnRef idx="2">
+        <a:scrgbClr r="0" g="0" b="0"/>
+      </a:lnRef>
+      <a:fillRef idx="1">
+        <a:scrgbClr r="0" g="0" b="0"/>
+      </a:fillRef>
+      <a:effectRef idx="0">
+        <a:scrgbClr r="0" g="0" b="0"/>
+      </a:effectRef>
+      <a:fontRef idx="minor">
+        <a:schemeClr val="lt1"/>
+      </a:fontRef>
+    </dgm:style>
+  </dgm:styleLbl>
+  <dgm:styleLbl name="node3">
+    <dgm:scene3d>
+      <a:camera prst="orthographicFront"/>
+      <a:lightRig rig="threePt" dir="t"/>
+    </dgm:scene3d>
+    <dgm:sp3d/>
+    <dgm:txPr/>
+    <dgm:style>
+      <a:lnRef idx="2">
+        <a:scrgbClr r="0" g="0" b="0"/>
+      </a:lnRef>
+      <a:fillRef idx="1">
+        <a:scrgbClr r="0" g="0" b="0"/>
+      </a:fillRef>
+      <a:effectRef idx="0">
+        <a:scrgbClr r="0" g="0" b="0"/>
+      </a:effectRef>
+      <a:fontRef idx="minor">
+        <a:schemeClr val="lt1"/>
+      </a:fontRef>
+    </dgm:style>
+  </dgm:styleLbl>
+  <dgm:styleLbl name="node4">
+    <dgm:scene3d>
+      <a:camera prst="orthographicFront"/>
+      <a:lightRig rig="threePt" dir="t"/>
+    </dgm:scene3d>
+    <dgm:sp3d/>
+    <dgm:txPr/>
+    <dgm:style>
+      <a:lnRef idx="2">
+        <a:scrgbClr r="0" g="0" b="0"/>
+      </a:lnRef>
+      <a:fillRef idx="1">
+        <a:scrgbClr r="0" g="0" b="0"/>
+      </a:fillRef>
+      <a:effectRef idx="0">
+        <a:scrgbClr r="0" g="0" b="0"/>
+      </a:effectRef>
+      <a:fontRef idx="minor">
+        <a:schemeClr val="lt1"/>
+      </a:fontRef>
+    </dgm:style>
+  </dgm:styleLbl>
+  <dgm:styleLbl name="fgImgPlace1">
+    <dgm:scene3d>
+      <a:camera prst="orthographicFront"/>
+      <a:lightRig rig="threePt" dir="t"/>
+    </dgm:scene3d>
+    <dgm:sp3d/>
+    <dgm:txPr/>
+    <dgm:style>
+      <a:lnRef idx="2">
+        <a:scrgbClr r="0" g="0" b="0"/>
+      </a:lnRef>
+      <a:fillRef idx="1">
+        <a:scrgbClr r="0" g="0" b="0"/>
+      </a:fillRef>
+      <a:effectRef idx="0">
+        <a:scrgbClr r="0" g="0" b="0"/>
+      </a:effectRef>
+      <a:fontRef idx="minor"/>
+    </dgm:style>
+  </dgm:styleLbl>
+  <dgm:styleLbl name="alignImgPlace1">
+    <dgm:scene3d>
+      <a:camera prst="orthographicFront"/>
+      <a:lightRig rig="threePt" dir="t"/>
+    </dgm:scene3d>
+    <dgm:sp3d/>
+    <dgm:txPr/>
+    <dgm:style>
+      <a:lnRef idx="2">
+        <a:scrgbClr r="0" g="0" b="0"/>
+      </a:lnRef>
+      <a:fillRef idx="1">
+        <a:scrgbClr r="0" g="0" b="0"/>
+      </a:fillRef>
+      <a:effectRef idx="0">
+        <a:scrgbClr r="0" g="0" b="0"/>
+      </a:effectRef>
+      <a:fontRef idx="minor"/>
+    </dgm:style>
+  </dgm:styleLbl>
+  <dgm:styleLbl name="bgImgPlace1">
+    <dgm:scene3d>
+      <a:camera prst="orthographicFront"/>
+      <a:lightRig rig="threePt" dir="t"/>
+    </dgm:scene3d>
+    <dgm:sp3d/>
+    <dgm:txPr/>
+    <dgm:style>
+      <a:lnRef idx="2">
+        <a:scrgbClr r="0" g="0" b="0"/>
+      </a:lnRef>
+      <a:fillRef idx="1">
+        <a:scrgbClr r="0" g="0" b="0"/>
+      </a:fillRef>
+      <a:effectRef idx="0">
+        <a:scrgbClr r="0" g="0" b="0"/>
+      </a:effectRef>
+      <a:fontRef idx="minor"/>
+    </dgm:style>
+  </dgm:styleLbl>
+  <dgm:styleLbl name="sibTrans2D1">
+    <dgm:scene3d>
+      <a:camera prst="orthographicFront"/>
+      <a:lightRig rig="threePt" dir="t"/>
+    </dgm:scene3d>
+    <dgm:sp3d/>
+    <dgm:txPr/>
+    <dgm:style>
+      <a:lnRef idx="0">
+        <a:scrgbClr r="0" g="0" b="0"/>
+      </a:lnRef>
+      <a:fillRef idx="1">
+        <a:scrgbClr r="0" g="0" b="0"/>
+      </a:fillRef>
+      <a:effectRef idx="0">
+        <a:scrgbClr r="0" g="0" b="0"/>
+      </a:effectRef>
+      <a:fontRef idx="minor">
+        <a:schemeClr val="lt1"/>
+      </a:fontRef>
+    </dgm:style>
+  </dgm:styleLbl>
+  <dgm:styleLbl name="fgSibTrans2D1">
+    <dgm:scene3d>
+      <a:camera prst="orthographicFront"/>
+      <a:lightRig rig="threePt" dir="t"/>
+    </dgm:scene3d>
+    <dgm:sp3d/>
+    <dgm:txPr/>
+    <dgm:style>
+      <a:lnRef idx="0">
+        <a:scrgbClr r="0" g="0" b="0"/>
+      </a:lnRef>
+      <a:fillRef idx="1">
+        <a:scrgbClr r="0" g="0" b="0"/>
+      </a:fillRef>
+      <a:effectRef idx="0">
+        <a:scrgbClr r="0" g="0" b="0"/>
+      </a:effectRef>
+      <a:fontRef idx="minor">
+        <a:schemeClr val="lt1"/>
+      </a:fontRef>
+    </dgm:style>
+  </dgm:styleLbl>
+  <dgm:styleLbl name="bgSibTrans2D1">
+    <dgm:scene3d>
+      <a:camera prst="orthographicFront"/>
+      <a:lightRig rig="threePt" dir="t"/>
+    </dgm:scene3d>
+    <dgm:sp3d/>
+    <dgm:txPr/>
+    <dgm:style>
+      <a:lnRef idx="0">
+        <a:scrgbClr r="0" g="0" b="0"/>
+      </a:lnRef>
+      <a:fillRef idx="1">
+        <a:scrgbClr r="0" g="0" b="0"/>
+      </a:fillRef>
+      <a:effectRef idx="0">
+        <a:scrgbClr r="0" g="0" b="0"/>
+      </a:effectRef>
+      <a:fontRef idx="minor">
+        <a:schemeClr val="lt1"/>
+      </a:fontRef>
+    </dgm:style>
+  </dgm:styleLbl>
+  <dgm:styleLbl name="sibTrans1D1">
+    <dgm:scene3d>
+      <a:camera prst="orthographicFront"/>
+      <a:lightRig rig="threePt" dir="t"/>
+    </dgm:scene3d>
+    <dgm:sp3d/>
+    <dgm:txPr/>
+    <dgm:style>
+      <a:lnRef idx="1">
+        <a:scrgbClr r="0" g="0" b="0"/>
+      </a:lnRef>
+      <a:fillRef idx="0">
+        <a:scrgbClr r="0" g="0" b="0"/>
+      </a:fillRef>
+      <a:effectRef idx="0">
+        <a:scrgbClr r="0" g="0" b="0"/>
+      </a:effectRef>
+      <a:fontRef idx="minor"/>
+    </dgm:style>
+  </dgm:styleLbl>
+  <dgm:styleLbl name="callout">
+    <dgm:scene3d>
+      <a:camera prst="orthographicFront"/>
+      <a:lightRig rig="threePt" dir="t"/>
+    </dgm:scene3d>
+    <dgm:sp3d/>
+    <dgm:txPr/>
+    <dgm:style>
+      <a:lnRef idx="2">
+        <a:scrgbClr r="0" g="0" b="0"/>
+      </a:lnRef>
+      <a:fillRef idx="1">
+        <a:scrgbClr r="0" g="0" b="0"/>
+      </a:fillRef>
+      <a:effectRef idx="0">
+        <a:scrgbClr r="0" g="0" b="0"/>
+      </a:effectRef>
+      <a:fontRef idx="minor"/>
+    </dgm:style>
+  </dgm:styleLbl>
+  <dgm:styleLbl name="asst0">
+    <dgm:scene3d>
+      <a:camera prst="orthographicFront"/>
+      <a:lightRig rig="threePt" dir="t"/>
+    </dgm:scene3d>
+    <dgm:sp3d/>
+    <dgm:txPr/>
+    <dgm:style>
+      <a:lnRef idx="2">
+        <a:scrgbClr r="0" g="0" b="0"/>
+      </a:lnRef>
+      <a:fillRef idx="1">
+        <a:scrgbClr r="0" g="0" b="0"/>
+      </a:fillRef>
+      <a:effectRef idx="0">
+        <a:scrgbClr r="0" g="0" b="0"/>
+      </a:effectRef>
+      <a:fontRef idx="minor">
+        <a:schemeClr val="lt1"/>
+      </a:fontRef>
+    </dgm:style>
+  </dgm:styleLbl>
+  <dgm:styleLbl name="asst1">
+    <dgm:scene3d>
+      <a:camera prst="orthographicFront"/>
+      <a:lightRig rig="threePt" dir="t"/>
+    </dgm:scene3d>
+    <dgm:sp3d/>
+    <dgm:txPr/>
+    <dgm:style>
+      <a:lnRef idx="2">
+        <a:scrgbClr r="0" g="0" b="0"/>
+      </a:lnRef>
+      <a:fillRef idx="1">
+        <a:scrgbClr r="0" g="0" b="0"/>
+      </a:fillRef>
+      <a:effectRef idx="0">
+        <a:scrgbClr r="0" g="0" b="0"/>
+      </a:effectRef>
+      <a:fontRef idx="minor">
+        <a:schemeClr val="lt1"/>
+      </a:fontRef>
+    </dgm:style>
+  </dgm:styleLbl>
+  <dgm:styleLbl name="asst2">
+    <dgm:scene3d>
+      <a:camera prst="orthographicFront"/>
+      <a:lightRig rig="threePt" dir="t"/>
+    </dgm:scene3d>
+    <dgm:sp3d/>
+    <dgm:txPr/>
+    <dgm:style>
+      <a:lnRef idx="2">
+        <a:scrgbClr r="0" g="0" b="0"/>
+      </a:lnRef>
+      <a:fillRef idx="1">
+        <a:scrgbClr r="0" g="0" b="0"/>
+      </a:fillRef>
+      <a:effectRef idx="0">
+        <a:scrgbClr r="0" g="0" b="0"/>
+      </a:effectRef>
+      <a:fontRef idx="minor">
+        <a:schemeClr val="lt1"/>
+      </a:fontRef>
+    </dgm:style>
+  </dgm:styleLbl>
+  <dgm:styleLbl name="asst3">
+    <dgm:scene3d>
+      <a:camera prst="orthographicFront"/>
+      <a:lightRig rig="threePt" dir="t"/>
+    </dgm:scene3d>
+    <dgm:sp3d/>
+    <dgm:txPr/>
+    <dgm:style>
+      <a:lnRef idx="2">
+        <a:scrgbClr r="0" g="0" b="0"/>
+      </a:lnRef>
+      <a:fillRef idx="1">
+        <a:scrgbClr r="0" g="0" b="0"/>
+      </a:fillRef>
+      <a:effectRef idx="0">
+        <a:scrgbClr r="0" g="0" b="0"/>
+      </a:effectRef>
+      <a:fontRef idx="minor">
+        <a:schemeClr val="lt1"/>
+      </a:fontRef>
+    </dgm:style>
+  </dgm:styleLbl>
+  <dgm:styleLbl name="asst4">
+    <dgm:scene3d>
+      <a:camera prst="orthographicFront"/>
+      <a:lightRig rig="threePt" dir="t"/>
+    </dgm:scene3d>
+    <dgm:sp3d/>
+    <dgm:txPr/>
+    <dgm:style>
+      <a:lnRef idx="2">
+        <a:scrgbClr r="0" g="0" b="0"/>
+      </a:lnRef>
+      <a:fillRef idx="1">
+        <a:scrgbClr r="0" g="0" b="0"/>
+      </a:fillRef>
+      <a:effectRef idx="0">
+        <a:scrgbClr r="0" g="0" b="0"/>
+      </a:effectRef>
+      <a:fontRef idx="minor">
+        <a:schemeClr val="lt1"/>
+      </a:fontRef>
+    </dgm:style>
+  </dgm:styleLbl>
+  <dgm:styleLbl name="parChTrans2D1">
+    <dgm:scene3d>
+      <a:camera prst="orthographicFront"/>
+      <a:lightRig rig="threePt" dir="t"/>
+    </dgm:scene3d>
+    <dgm:sp3d/>
+    <dgm:txPr/>
+    <dgm:style>
+      <a:lnRef idx="2">
+        <a:scrgbClr r="0" g="0" b="0"/>
+      </a:lnRef>
+      <a:fillRef idx="1">
+        <a:scrgbClr r="0" g="0" b="0"/>
+      </a:fillRef>
+      <a:effectRef idx="0">
+        <a:scrgbClr r="0" g="0" b="0"/>
+      </a:effectRef>
+      <a:fontRef idx="minor">
+        <a:schemeClr val="lt1"/>
+      </a:fontRef>
+    </dgm:style>
+  </dgm:styleLbl>
+  <dgm:styleLbl name="parChTrans2D2">
+    <dgm:scene3d>
+      <a:camera prst="orthographicFront"/>
+      <a:lightRig rig="threePt" dir="t"/>
+    </dgm:scene3d>
+    <dgm:sp3d/>
+    <dgm:txPr/>
+    <dgm:style>
+      <a:lnRef idx="2">
+        <a:scrgbClr r="0" g="0" b="0"/>
+      </a:lnRef>
+      <a:fillRef idx="1">
+        <a:scrgbClr r="0" g="0" b="0"/>
+      </a:fillRef>
+      <a:effectRef idx="0">
+        <a:scrgbClr r="0" g="0" b="0"/>
+      </a:effectRef>
+      <a:fontRef idx="minor">
+        <a:schemeClr val="lt1"/>
+      </a:fontRef>
+    </dgm:style>
+  </dgm:styleLbl>
+  <dgm:styleLbl name="parChTrans2D3">
+    <dgm:scene3d>
+      <a:camera prst="orthographicFront"/>
+      <a:lightRig rig="threePt" dir="t"/>
+    </dgm:scene3d>
+    <dgm:sp3d/>
+    <dgm:txPr/>
+    <dgm:style>
+      <a:lnRef idx="2">
+        <a:scrgbClr r="0" g="0" b="0"/>
+      </a:lnRef>
+      <a:fillRef idx="1">
+        <a:scrgbClr r="0" g="0" b="0"/>
+      </a:fillRef>
+      <a:effectRef idx="0">
+        <a:scrgbClr r="0" g="0" b="0"/>
+      </a:effectRef>
+      <a:fontRef idx="minor">
+        <a:schemeClr val="lt1"/>
+      </a:fontRef>
+    </dgm:style>
+  </dgm:styleLbl>
+  <dgm:styleLbl name="parChTrans2D4">
+    <dgm:scene3d>
+      <a:camera prst="orthographicFront"/>
+      <a:lightRig rig="threePt" dir="t"/>
+    </dgm:scene3d>
+    <dgm:sp3d/>
+    <dgm:txPr/>
+    <dgm:style>
+      <a:lnRef idx="2">
+        <a:scrgbClr r="0" g="0" b="0"/>
+      </a:lnRef>
+      <a:fillRef idx="1">
+        <a:scrgbClr r="0" g="0" b="0"/>
+      </a:fillRef>
+      <a:effectRef idx="0">
+        <a:scrgbClr r="0" g="0" b="0"/>
+      </a:effectRef>
+      <a:fontRef idx="minor">
+        <a:schemeClr val="lt1"/>
+      </a:fontRef>
+    </dgm:style>
+  </dgm:styleLbl>
+  <dgm:styleLbl name="parChTrans1D1">
+    <dgm:scene3d>
+      <a:camera prst="orthographicFront"/>
+      <a:lightRig rig="threePt" dir="t"/>
+    </dgm:scene3d>
+    <dgm:sp3d/>
+    <dgm:txPr/>
+    <dgm:style>
+      <a:lnRef idx="2">
+        <a:scrgbClr r="0" g="0" b="0"/>
+      </a:lnRef>
+      <a:fillRef idx="0">
+        <a:scrgbClr r="0" g="0" b="0"/>
+      </a:fillRef>
+      <a:effectRef idx="0">
+        <a:scrgbClr r="0" g="0" b="0"/>
+      </a:effectRef>
+      <a:fontRef idx="minor"/>
+    </dgm:style>
+  </dgm:styleLbl>
+  <dgm:styleLbl name="parChTrans1D2">
+    <dgm:scene3d>
+      <a:camera prst="orthographicFront"/>
+      <a:lightRig rig="threePt" dir="t"/>
+    </dgm:scene3d>
+    <dgm:sp3d/>
+    <dgm:txPr/>
+    <dgm:style>
+      <a:lnRef idx="2">
+        <a:scrgbClr r="0" g="0" b="0"/>
+      </a:lnRef>
+      <a:fillRef idx="0">
+        <a:scrgbClr r="0" g="0" b="0"/>
+      </a:fillRef>
+      <a:effectRef idx="0">
+        <a:scrgbClr r="0" g="0" b="0"/>
+      </a:effectRef>
+      <a:fontRef idx="minor"/>
+    </dgm:style>
+  </dgm:styleLbl>
+  <dgm:styleLbl name="parChTrans1D3">
+    <dgm:scene3d>
+      <a:camera prst="orthographicFront"/>
+      <a:lightRig rig="threePt" dir="t"/>
+    </dgm:scene3d>
+    <dgm:sp3d/>
+    <dgm:txPr/>
+    <dgm:style>
+      <a:lnRef idx="2">
+        <a:scrgbClr r="0" g="0" b="0"/>
+      </a:lnRef>
+      <a:fillRef idx="0">
+        <a:scrgbClr r="0" g="0" b="0"/>
+      </a:fillRef>
+      <a:effectRef idx="0">
+        <a:scrgbClr r="0" g="0" b="0"/>
+      </a:effectRef>
+      <a:fontRef idx="minor"/>
+    </dgm:style>
+  </dgm:styleLbl>
+  <dgm:styleLbl name="parChTrans1D4">
+    <dgm:scene3d>
+      <a:camera prst="orthographicFront"/>
+      <a:lightRig rig="threePt" dir="t"/>
+    </dgm:scene3d>
+    <dgm:sp3d/>
+    <dgm:txPr/>
+    <dgm:style>
+      <a:lnRef idx="2">
+        <a:scrgbClr r="0" g="0" b="0"/>
+      </a:lnRef>
+      <a:fillRef idx="0">
+        <a:scrgbClr r="0" g="0" b="0"/>
+      </a:fillRef>
+      <a:effectRef idx="0">
+        <a:scrgbClr r="0" g="0" b="0"/>
+      </a:effectRef>
+      <a:fontRef idx="minor"/>
+    </dgm:style>
+  </dgm:styleLbl>
+  <dgm:styleLbl name="fgAcc1">
+    <dgm:scene3d>
+      <a:camera prst="orthographicFront"/>
+      <a:lightRig rig="threePt" dir="t"/>
+    </dgm:scene3d>
+    <dgm:sp3d/>
+    <dgm:txPr/>
+    <dgm:style>
+      <a:lnRef idx="2">
+        <a:scrgbClr r="0" g="0" b="0"/>
+      </a:lnRef>
+      <a:fillRef idx="1">
+        <a:scrgbClr r="0" g="0" b="0"/>
+      </a:fillRef>
+      <a:effectRef idx="0">
+        <a:scrgbClr r="0" g="0" b="0"/>
+      </a:effectRef>
+      <a:fontRef idx="minor"/>
+    </dgm:style>
+  </dgm:styleLbl>
+  <dgm:styleLbl name="conFgAcc1">
+    <dgm:scene3d>
+      <a:camera prst="orthographicFront"/>
+      <a:lightRig rig="threePt" dir="t"/>
+    </dgm:scene3d>
+    <dgm:sp3d/>
+    <dgm:txPr/>
+    <dgm:style>
+      <a:lnRef idx="2">
+        <a:scrgbClr r="0" g="0" b="0"/>
+      </a:lnRef>
+      <a:fillRef idx="1">
+        <a:scrgbClr r="0" g="0" b="0"/>
+      </a:fillRef>
+      <a:effectRef idx="0">
+        <a:scrgbClr r="0" g="0" b="0"/>
+      </a:effectRef>
+      <a:fontRef idx="minor"/>
+    </dgm:style>
+  </dgm:styleLbl>
+  <dgm:styleLbl name="alignAcc1">
+    <dgm:scene3d>
+      <a:camera prst="orthographicFront"/>
+      <a:lightRig rig="threePt" dir="t"/>
+    </dgm:scene3d>
+    <dgm:sp3d/>
+    <dgm:txPr/>
+    <dgm:style>
+      <a:lnRef idx="2">
+        <a:scrgbClr r="0" g="0" b="0"/>
+      </a:lnRef>
+      <a:fillRef idx="1">
+        <a:scrgbClr r="0" g="0" b="0"/>
+      </a:fillRef>
+      <a:effectRef idx="0">
+        <a:scrgbClr r="0" g="0" b="0"/>
+      </a:effectRef>
+      <a:fontRef idx="minor"/>
+    </dgm:style>
+  </dgm:styleLbl>
+  <dgm:styleLbl name="trAlignAcc1">
+    <dgm:scene3d>
+      <a:camera prst="orthographicFront"/>
+      <a:lightRig rig="threePt" dir="t"/>
+    </dgm:scene3d>
+    <dgm:sp3d/>
+    <dgm:txPr/>
+    <dgm:style>
+      <a:lnRef idx="1">
+        <a:scrgbClr r="0" g="0" b="0"/>
+      </a:lnRef>
+      <a:fillRef idx="1">
+        <a:scrgbClr r="0" g="0" b="0"/>
+      </a:fillRef>
+      <a:effectRef idx="0">
+        <a:scrgbClr r="0" g="0" b="0"/>
+      </a:effectRef>
+      <a:fontRef idx="minor"/>
+    </dgm:style>
+  </dgm:styleLbl>
+  <dgm:styleLbl name="bgAcc1">
+    <dgm:scene3d>
+      <a:camera prst="orthographicFront"/>
+      <a:lightRig rig="threePt" dir="t"/>
+    </dgm:scene3d>
+    <dgm:sp3d/>
+    <dgm:txPr/>
+    <dgm:style>
+      <a:lnRef idx="2">
+        <a:scrgbClr r="0" g="0" b="0"/>
+      </a:lnRef>
+      <a:fillRef idx="1">
+        <a:scrgbClr r="0" g="0" b="0"/>
+      </a:fillRef>
+      <a:effectRef idx="0">
+        <a:scrgbClr r="0" g="0" b="0"/>
+      </a:effectRef>
+      <a:fontRef idx="minor"/>
+    </dgm:style>
+  </dgm:styleLbl>
+  <dgm:styleLbl name="solidFgAcc1">
+    <dgm:scene3d>
+      <a:camera prst="orthographicFront"/>
+      <a:lightRig rig="threePt" dir="t"/>
+    </dgm:scene3d>
+    <dgm:sp3d/>
+    <dgm:txPr/>
+    <dgm:style>
+      <a:lnRef idx="2">
+        <a:scrgbClr r="0" g="0" b="0"/>
+      </a:lnRef>
+      <a:fillRef idx="1">
+        <a:scrgbClr r="0" g="0" b="0"/>
+      </a:fillRef>
+      <a:effectRef idx="0">
+        <a:scrgbClr r="0" g="0" b="0"/>
+      </a:effectRef>
+      <a:fontRef idx="minor"/>
+    </dgm:style>
+  </dgm:styleLbl>
+  <dgm:styleLbl name="solidAlignAcc1">
+    <dgm:scene3d>
+      <a:camera prst="orthographicFront"/>
+      <a:lightRig rig="threePt" dir="t"/>
+    </dgm:scene3d>
+    <dgm:sp3d/>
+    <dgm:txPr/>
+    <dgm:style>
+      <a:lnRef idx="2">
+        <a:scrgbClr r="0" g="0" b="0"/>
+      </a:lnRef>
+      <a:fillRef idx="1">
+        <a:scrgbClr r="0" g="0" b="0"/>
+      </a:fillRef>
+      <a:effectRef idx="0">
+        <a:scrgbClr r="0" g="0" b="0"/>
+      </a:effectRef>
+      <a:fontRef idx="minor"/>
+    </dgm:style>
+  </dgm:styleLbl>
+  <dgm:styleLbl name="solidBgAcc1">
+    <dgm:scene3d>
+      <a:camera prst="orthographicFront"/>
+      <a:lightRig rig="threePt" dir="t"/>
+    </dgm:scene3d>
+    <dgm:sp3d/>
+    <dgm:txPr/>
+    <dgm:style>
+      <a:lnRef idx="2">
+        <a:scrgbClr r="0" g="0" b="0"/>
+      </a:lnRef>
+      <a:fillRef idx="1">
+        <a:scrgbClr r="0" g="0" b="0"/>
+      </a:fillRef>
+      <a:effectRef idx="0">
+        <a:scrgbClr r="0" g="0" b="0"/>
+      </a:effectRef>
+      <a:fontRef idx="minor"/>
+    </dgm:style>
+  </dgm:styleLbl>
+  <dgm:styleLbl name="fgAccFollowNode1">
+    <dgm:scene3d>
+      <a:camera prst="orthographicFront"/>
+      <a:lightRig rig="threePt" dir="t"/>
+    </dgm:scene3d>
+    <dgm:sp3d/>
+    <dgm:txPr/>
+    <dgm:style>
+      <a:lnRef idx="2">
+        <a:scrgbClr r="0" g="0" b="0"/>
+      </a:lnRef>
+      <a:fillRef idx="1">
+        <a:scrgbClr r="0" g="0" b="0"/>
+      </a:fillRef>
+      <a:effectRef idx="0">
+        <a:scrgbClr r="0" g="0" b="0"/>
+      </a:effectRef>
+      <a:fontRef idx="minor"/>
+    </dgm:style>
+  </dgm:styleLbl>
+  <dgm:styleLbl name="alignAccFollowNode1">
+    <dgm:scene3d>
+      <a:camera prst="orthographicFront"/>
+      <a:lightRig rig="threePt" dir="t"/>
+    </dgm:scene3d>
+    <dgm:sp3d/>
+    <dgm:txPr/>
+    <dgm:style>
+      <a:lnRef idx="2">
+        <a:scrgbClr r="0" g="0" b="0"/>
+      </a:lnRef>
+      <a:fillRef idx="1">
+        <a:scrgbClr r="0" g="0" b="0"/>
+      </a:fillRef>
+      <a:effectRef idx="0">
+        <a:scrgbClr r="0" g="0" b="0"/>
+      </a:effectRef>
+      <a:fontRef idx="minor"/>
+    </dgm:style>
+  </dgm:styleLbl>
+  <dgm:styleLbl name="bgAccFollowNode1">
+    <dgm:scene3d>
+      <a:camera prst="orthographicFront"/>
+      <a:lightRig rig="threePt" dir="t"/>
+    </dgm:scene3d>
+    <dgm:sp3d/>
+    <dgm:txPr/>
+    <dgm:style>
+      <a:lnRef idx="2">
+        <a:scrgbClr r="0" g="0" b="0"/>
+      </a:lnRef>
+      <a:fillRef idx="1">
+        <a:scrgbClr r="0" g="0" b="0"/>
+      </a:fillRef>
+      <a:effectRef idx="0">
+        <a:scrgbClr r="0" g="0" b="0"/>
+      </a:effectRef>
+      <a:fontRef idx="minor"/>
+    </dgm:style>
+  </dgm:styleLbl>
+  <dgm:styleLbl name="fgAcc0">
+    <dgm:scene3d>
+      <a:camera prst="orthographicFront"/>
+      <a:lightRig rig="threePt" dir="t"/>
+    </dgm:scene3d>
+    <dgm:sp3d/>
+    <dgm:txPr/>
+    <dgm:style>
+      <a:lnRef idx="2">
+        <a:scrgbClr r="0" g="0" b="0"/>
+      </a:lnRef>
+      <a:fillRef idx="1">
+        <a:scrgbClr r="0" g="0" b="0"/>
+      </a:fillRef>
+      <a:effectRef idx="0">
+        <a:scrgbClr r="0" g="0" b="0"/>
+      </a:effectRef>
+      <a:fontRef idx="minor"/>
+    </dgm:style>
+  </dgm:styleLbl>
+  <dgm:styleLbl name="fgAcc2">
+    <dgm:scene3d>
+      <a:camera prst="orthographicFront"/>
+      <a:lightRig rig="threePt" dir="t"/>
+    </dgm:scene3d>
+    <dgm:sp3d/>
+    <dgm:txPr/>
+    <dgm:style>
+      <a:lnRef idx="2">
+        <a:scrgbClr r="0" g="0" b="0"/>
+      </a:lnRef>
+      <a:fillRef idx="1">
+        <a:scrgbClr r="0" g="0" b="0"/>
+      </a:fillRef>
+      <a:effectRef idx="0">
+        <a:scrgbClr r="0" g="0" b="0"/>
+      </a:effectRef>
+      <a:fontRef idx="minor"/>
+    </dgm:style>
+  </dgm:styleLbl>
+  <dgm:styleLbl name="fgAcc3">
+    <dgm:scene3d>
+      <a:camera prst="orthographicFront"/>
+      <a:lightRig rig="threePt" dir="t"/>
+    </dgm:scene3d>
+    <dgm:sp3d/>
+    <dgm:txPr/>
+    <dgm:style>
+      <a:lnRef idx="2">
+        <a:scrgbClr r="0" g="0" b="0"/>
+      </a:lnRef>
+      <a:fillRef idx="1">
+        <a:scrgbClr r="0" g="0" b="0"/>
+      </a:fillRef>
+      <a:effectRef idx="0">
+        <a:scrgbClr r="0" g="0" b="0"/>
+      </a:effectRef>
+      <a:fontRef idx="minor"/>
+    </dgm:style>
+  </dgm:styleLbl>
+  <dgm:styleLbl name="fgAcc4">
+    <dgm:scene3d>
+      <a:camera prst="orthographicFront"/>
+      <a:lightRig rig="threePt" dir="t"/>
+    </dgm:scene3d>
+    <dgm:sp3d/>
+    <dgm:txPr/>
+    <dgm:style>
+      <a:lnRef idx="2">
+        <a:scrgbClr r="0" g="0" b="0"/>
+      </a:lnRef>
+      <a:fillRef idx="1">
+        <a:scrgbClr r="0" g="0" b="0"/>
+      </a:fillRef>
+      <a:effectRef idx="0">
+        <a:scrgbClr r="0" g="0" b="0"/>
+      </a:effectRef>
+      <a:fontRef idx="minor"/>
+    </dgm:style>
+  </dgm:styleLbl>
+  <dgm:styleLbl name="bgShp">
+    <dgm:scene3d>
+      <a:camera prst="orthographicFront"/>
+      <a:lightRig rig="threePt" dir="t"/>
+    </dgm:scene3d>
+    <dgm:sp3d/>
+    <dgm:txPr/>
+    <dgm:style>
+      <a:lnRef idx="0">
+        <a:scrgbClr r="0" g="0" b="0"/>
+      </a:lnRef>
+      <a:fillRef idx="1">
+        <a:scrgbClr r="0" g="0" b="0"/>
+      </a:fillRef>
+      <a:effectRef idx="0">
+        <a:scrgbClr r="0" g="0" b="0"/>
+      </a:effectRef>
+      <a:fontRef idx="minor"/>
+    </dgm:style>
+  </dgm:styleLbl>
+  <dgm:styleLbl name="dkBgShp">
+    <dgm:scene3d>
+      <a:camera prst="orthographicFront"/>
+      <a:lightRig rig="threePt" dir="t"/>
+    </dgm:scene3d>
+    <dgm:sp3d/>
+    <dgm:txPr/>
+    <dgm:style>
+      <a:lnRef idx="0">
+        <a:scrgbClr r="0" g="0" b="0"/>
+      </a:lnRef>
+      <a:fillRef idx="1">
+        <a:scrgbClr r="0" g="0" b="0"/>
+      </a:fillRef>
+      <a:effectRef idx="0">
+        <a:scrgbClr r="0" g="0" b="0"/>
+      </a:effectRef>
+      <a:fontRef idx="minor"/>
+    </dgm:style>
+  </dgm:styleLbl>
+  <dgm:styleLbl name="trBgShp">
+    <dgm:scene3d>
+      <a:camera prst="orthographicFront"/>
+      <a:lightRig rig="threePt" dir="t"/>
+    </dgm:scene3d>
+    <dgm:sp3d/>
+    <dgm:txPr/>
+    <dgm:style>
+      <a:lnRef idx="0">
+        <a:scrgbClr r="0" g="0" b="0"/>
+      </a:lnRef>
+      <a:fillRef idx="1">
+        <a:scrgbClr r="0" g="0" b="0"/>
+      </a:fillRef>
+      <a:effectRef idx="0">
+        <a:scrgbClr r="0" g="0" b="0"/>
+      </a:effectRef>
+      <a:fontRef idx="minor"/>
+    </dgm:style>
+  </dgm:styleLbl>
+  <dgm:styleLbl name="fgShp">
+    <dgm:scene3d>
+      <a:camera prst="orthographicFront"/>
+      <a:lightRig rig="threePt" dir="t"/>
+    </dgm:scene3d>
+    <dgm:sp3d/>
+    <dgm:txPr/>
+    <dgm:style>
+      <a:lnRef idx="2">
+        <a:scrgbClr r="0" g="0" b="0"/>
+      </a:lnRef>
+      <a:fillRef idx="1">
+        <a:scrgbClr r="0" g="0" b="0"/>
+      </a:fillRef>
+      <a:effectRef idx="0">
+        <a:scrgbClr r="0" g="0" b="0"/>
+      </a:effectRef>
+      <a:fontRef idx="minor"/>
+    </dgm:style>
+  </dgm:styleLbl>
+  <dgm:styleLbl name="revTx">
+    <dgm:scene3d>
+      <a:camera prst="orthographicFront"/>
+      <a:lightRig rig="threePt" dir="t"/>
+    </dgm:scene3d>
+    <dgm:sp3d/>
+    <dgm:txPr/>
+    <dgm:style>
+      <a:lnRef idx="0">
+        <a:scrgbClr r="0" g="0" b="0"/>
+      </a:lnRef>
+      <a:fillRef idx="0">
+        <a:scrgbClr r="0" g="0" b="0"/>
+      </a:fillRef>
+      <a:effectRef idx="0">
+        <a:scrgbClr r="0" g="0" b="0"/>
+      </a:effectRef>
+      <a:fontRef idx="minor"/>
+    </dgm:style>
+  </dgm:styleLbl>
+</dgm:styleDef>
+</file>
+
+<file path=ppt/notesMasters/notesMaster1.xml><?xml version="1.0" encoding="utf-8"?>
+<p:notesMaster xmlns:a="http://schemas.openxmlformats.org/drawingml/2006/main" xmlns:r="http://schemas.openxmlformats.org/officeDocument/2006/relationships" xmlns:p="http://schemas.openxmlformats.org/presentationml/2006/main">
+  <p:cSld>
+    <p:bg>
+      <p:bgRef idx="1001">
+        <a:schemeClr val="bg1"/>
+      </p:bgRef>
+    </p:bg>
+    <p:spTree>
+      <p:nvGrpSpPr>
+        <p:cNvPr id="1" name=""/>
+        <p:cNvGrpSpPr/>
+        <p:nvPr/>
+      </p:nvGrpSpPr>
+      <p:grpSpPr>
+        <a:xfrm>
+          <a:off x="0" y="0"/>
+          <a:ext cx="0" cy="0"/>
+          <a:chOff x="0" y="0"/>
+          <a:chExt cx="0" cy="0"/>
+        </a:xfrm>
+      </p:grpSpPr>
+      <p:sp>
+        <p:nvSpPr>
+          <p:cNvPr id="2" name="Kopfzeilenplatzhalter 1"/>
+          <p:cNvSpPr>
+            <a:spLocks noGrp="1"/>
+          </p:cNvSpPr>
+          <p:nvPr>
+            <p:ph type="hdr" sz="quarter"/>
+          </p:nvPr>
+        </p:nvSpPr>
+        <p:spPr>
+          <a:xfrm>
+            <a:off x="0" y="0"/>
+            <a:ext cx="2971800" cy="458788"/>
+          </a:xfrm>
+          <a:prstGeom prst="rect">
+            <a:avLst/>
+          </a:prstGeom>
+        </p:spPr>
+        <p:txBody>
+          <a:bodyPr vert="horz" lIns="91440" tIns="45720" rIns="91440" bIns="45720" rtlCol="0"/>
+          <a:lstStyle>
+            <a:lvl1pPr algn="l">
+              <a:defRPr sz="1200"/>
+            </a:lvl1pPr>
+          </a:lstStyle>
+          <a:p>
+            <a:endParaRPr lang="de-AT"/>
+          </a:p>
+        </p:txBody>
+      </p:sp>
+      <p:sp>
+        <p:nvSpPr>
+          <p:cNvPr id="3" name="Datumsplatzhalter 2"/>
+          <p:cNvSpPr>
+            <a:spLocks noGrp="1"/>
+          </p:cNvSpPr>
+          <p:nvPr>
+            <p:ph type="dt" idx="1"/>
+          </p:nvPr>
+        </p:nvSpPr>
+        <p:spPr>
+          <a:xfrm>
+            <a:off x="3884613" y="0"/>
+            <a:ext cx="2971800" cy="458788"/>
+          </a:xfrm>
+          <a:prstGeom prst="rect">
+            <a:avLst/>
+          </a:prstGeom>
+        </p:spPr>
+        <p:txBody>
+          <a:bodyPr vert="horz" lIns="91440" tIns="45720" rIns="91440" bIns="45720" rtlCol="0"/>
+          <a:lstStyle>
+            <a:lvl1pPr algn="r">
+              <a:defRPr sz="1200"/>
+            </a:lvl1pPr>
+          </a:lstStyle>
+          <a:p>
+            <a:fld id="{EBF02142-0BE5-476D-82CA-8DCCAE6CBA88}" type="datetimeFigureOut">
+              <a:rPr lang="de-AT" smtClean="0"/>
+              <a:t>31.01.2021</a:t>
+            </a:fld>
+            <a:endParaRPr lang="de-AT"/>
+          </a:p>
+        </p:txBody>
+      </p:sp>
+      <p:sp>
+        <p:nvSpPr>
+          <p:cNvPr id="4" name="Folienbildplatzhalter 3"/>
+          <p:cNvSpPr>
+            <a:spLocks noGrp="1" noRot="1" noChangeAspect="1"/>
+          </p:cNvSpPr>
+          <p:nvPr>
+            <p:ph type="sldImg" idx="2"/>
+          </p:nvPr>
+        </p:nvSpPr>
+        <p:spPr>
+          <a:xfrm>
+            <a:off x="685800" y="1143000"/>
+            <a:ext cx="5486400" cy="3086100"/>
+          </a:xfrm>
+          <a:prstGeom prst="rect">
+            <a:avLst/>
+          </a:prstGeom>
+          <a:noFill/>
+          <a:ln w="12700">
+            <a:solidFill>
+              <a:prstClr val="black"/>
+            </a:solidFill>
+          </a:ln>
+        </p:spPr>
+        <p:txBody>
+          <a:bodyPr vert="horz" lIns="91440" tIns="45720" rIns="91440" bIns="45720" rtlCol="0" anchor="ctr"/>
+          <a:lstStyle/>
+          <a:p>
+            <a:endParaRPr lang="de-AT"/>
+          </a:p>
+        </p:txBody>
+      </p:sp>
+      <p:sp>
+        <p:nvSpPr>
+          <p:cNvPr id="5" name="Notizenplatzhalter 4"/>
+          <p:cNvSpPr>
+            <a:spLocks noGrp="1"/>
+          </p:cNvSpPr>
+          <p:nvPr>
+            <p:ph type="body" sz="quarter" idx="3"/>
+          </p:nvPr>
+        </p:nvSpPr>
+        <p:spPr>
+          <a:xfrm>
+            <a:off x="685800" y="4400550"/>
+            <a:ext cx="5486400" cy="3600450"/>
+          </a:xfrm>
+          <a:prstGeom prst="rect">
+            <a:avLst/>
+          </a:prstGeom>
+        </p:spPr>
+        <p:txBody>
+          <a:bodyPr vert="horz" lIns="91440" tIns="45720" rIns="91440" bIns="45720" rtlCol="0"/>
+          <a:lstStyle/>
+          <a:p>
+            <a:pPr lvl="0"/>
+            <a:r>
+              <a:rPr lang="de-DE"/>
+              <a:t>Mastertextformat bearbeiten</a:t>
+            </a:r>
+          </a:p>
+          <a:p>
+            <a:pPr lvl="1"/>
+            <a:r>
+              <a:rPr lang="de-DE"/>
+              <a:t>Zweite Ebene</a:t>
+            </a:r>
+          </a:p>
+          <a:p>
+            <a:pPr lvl="2"/>
+            <a:r>
+              <a:rPr lang="de-DE"/>
+              <a:t>Dritte Ebene</a:t>
+            </a:r>
+          </a:p>
+          <a:p>
+            <a:pPr lvl="3"/>
+            <a:r>
+              <a:rPr lang="de-DE"/>
+              <a:t>Vierte Ebene</a:t>
+            </a:r>
+          </a:p>
+          <a:p>
+            <a:pPr lvl="4"/>
+            <a:r>
+              <a:rPr lang="de-DE"/>
+              <a:t>Fünfte Ebene</a:t>
+            </a:r>
+            <a:endParaRPr lang="de-AT"/>
+          </a:p>
+        </p:txBody>
+      </p:sp>
+      <p:sp>
+        <p:nvSpPr>
+          <p:cNvPr id="6" name="Fußzeilenplatzhalter 5"/>
+          <p:cNvSpPr>
+            <a:spLocks noGrp="1"/>
+          </p:cNvSpPr>
+          <p:nvPr>
+            <p:ph type="ftr" sz="quarter" idx="4"/>
+          </p:nvPr>
+        </p:nvSpPr>
+        <p:spPr>
+          <a:xfrm>
+            <a:off x="0" y="8685213"/>
+            <a:ext cx="2971800" cy="458787"/>
+          </a:xfrm>
+          <a:prstGeom prst="rect">
+            <a:avLst/>
+          </a:prstGeom>
+        </p:spPr>
+        <p:txBody>
+          <a:bodyPr vert="horz" lIns="91440" tIns="45720" rIns="91440" bIns="45720" rtlCol="0" anchor="b"/>
+          <a:lstStyle>
+            <a:lvl1pPr algn="l">
+              <a:defRPr sz="1200"/>
+            </a:lvl1pPr>
+          </a:lstStyle>
+          <a:p>
+            <a:endParaRPr lang="de-AT"/>
+          </a:p>
+        </p:txBody>
+      </p:sp>
+      <p:sp>
+        <p:nvSpPr>
+          <p:cNvPr id="7" name="Foliennummernplatzhalter 6"/>
+          <p:cNvSpPr>
+            <a:spLocks noGrp="1"/>
+          </p:cNvSpPr>
+          <p:nvPr>
+            <p:ph type="sldNum" sz="quarter" idx="5"/>
+          </p:nvPr>
+        </p:nvSpPr>
+        <p:spPr>
+          <a:xfrm>
+            <a:off x="3884613" y="8685213"/>
+            <a:ext cx="2971800" cy="458787"/>
+          </a:xfrm>
+          <a:prstGeom prst="rect">
+            <a:avLst/>
+          </a:prstGeom>
+        </p:spPr>
+        <p:txBody>
+          <a:bodyPr vert="horz" lIns="91440" tIns="45720" rIns="91440" bIns="45720" rtlCol="0" anchor="b"/>
+          <a:lstStyle>
+            <a:lvl1pPr algn="r">
+              <a:defRPr sz="1200"/>
+            </a:lvl1pPr>
+          </a:lstStyle>
+          <a:p>
+            <a:fld id="{84D4742E-F1D8-4EDB-B351-F5836754519D}" type="slidenum">
+              <a:rPr lang="de-AT" smtClean="0"/>
+              <a:t>‹Nr.›</a:t>
+            </a:fld>
+            <a:endParaRPr lang="de-AT"/>
+          </a:p>
+        </p:txBody>
+      </p:sp>
+    </p:spTree>
+    <p:extLst>
+      <p:ext uri="{BB962C8B-B14F-4D97-AF65-F5344CB8AC3E}">
+        <p14:creationId xmlns:p14="http://schemas.microsoft.com/office/powerpoint/2010/main" val="3995971470"/>
+      </p:ext>
+    </p:extLst>
+  </p:cSld>
+  <p:clrMap bg1="lt1" tx1="dk1" bg2="lt2" tx2="dk2" accent1="accent1" accent2="accent2" accent3="accent3" accent4="accent4" accent5="accent5" accent6="accent6" hlink="hlink" folHlink="folHlink"/>
+  <p:notesStyle>
+    <a:lvl1pPr marL="0" algn="l" defTabSz="914400" rtl="0" eaLnBrk="1" latinLnBrk="0" hangingPunct="1">
+      <a:defRPr sz="1200" kern="1200">
+        <a:solidFill>
+          <a:schemeClr val="tx1"/>
+        </a:solidFill>
+        <a:latin typeface="+mn-lt"/>
+        <a:ea typeface="+mn-ea"/>
+        <a:cs typeface="+mn-cs"/>
+      </a:defRPr>
+    </a:lvl1pPr>
+    <a:lvl2pPr marL="457200" algn="l" defTabSz="914400" rtl="0" eaLnBrk="1" latinLnBrk="0" hangingPunct="1">
+      <a:defRPr sz="1200" kern="1200">
+        <a:solidFill>
+          <a:schemeClr val="tx1"/>
+        </a:solidFill>
+        <a:latin typeface="+mn-lt"/>
+        <a:ea typeface="+mn-ea"/>
+        <a:cs typeface="+mn-cs"/>
+      </a:defRPr>
+    </a:lvl2pPr>
+    <a:lvl3pPr marL="914400" algn="l" defTabSz="914400" rtl="0" eaLnBrk="1" latinLnBrk="0" hangingPunct="1">
+      <a:defRPr sz="1200" kern="1200">
+        <a:solidFill>
+          <a:schemeClr val="tx1"/>
+        </a:solidFill>
+        <a:latin typeface="+mn-lt"/>
+        <a:ea typeface="+mn-ea"/>
+        <a:cs typeface="+mn-cs"/>
+      </a:defRPr>
+    </a:lvl3pPr>
+    <a:lvl4pPr marL="1371600" algn="l" defTabSz="914400" rtl="0" eaLnBrk="1" latinLnBrk="0" hangingPunct="1">
+      <a:defRPr sz="1200" kern="1200">
+        <a:solidFill>
+          <a:schemeClr val="tx1"/>
+        </a:solidFill>
+        <a:latin typeface="+mn-lt"/>
+        <a:ea typeface="+mn-ea"/>
+        <a:cs typeface="+mn-cs"/>
+      </a:defRPr>
+    </a:lvl4pPr>
+    <a:lvl5pPr marL="1828800" algn="l" defTabSz="914400" rtl="0" eaLnBrk="1" latinLnBrk="0" hangingPunct="1">
+      <a:defRPr sz="1200" kern="1200">
+        <a:solidFill>
+          <a:schemeClr val="tx1"/>
+        </a:solidFill>
+        <a:latin typeface="+mn-lt"/>
+        <a:ea typeface="+mn-ea"/>
+        <a:cs typeface="+mn-cs"/>
+      </a:defRPr>
+    </a:lvl5pPr>
+    <a:lvl6pPr marL="2286000" algn="l" defTabSz="914400" rtl="0" eaLnBrk="1" latinLnBrk="0" hangingPunct="1">
+      <a:defRPr sz="1200" kern="1200">
+        <a:solidFill>
+          <a:schemeClr val="tx1"/>
+        </a:solidFill>
+        <a:latin typeface="+mn-lt"/>
+        <a:ea typeface="+mn-ea"/>
+        <a:cs typeface="+mn-cs"/>
+      </a:defRPr>
+    </a:lvl6pPr>
+    <a:lvl7pPr marL="2743200" algn="l" defTabSz="914400" rtl="0" eaLnBrk="1" latinLnBrk="0" hangingPunct="1">
+      <a:defRPr sz="1200" kern="1200">
+        <a:solidFill>
+          <a:schemeClr val="tx1"/>
+        </a:solidFill>
+        <a:latin typeface="+mn-lt"/>
+        <a:ea typeface="+mn-ea"/>
+        <a:cs typeface="+mn-cs"/>
+      </a:defRPr>
+    </a:lvl7pPr>
+    <a:lvl8pPr marL="3200400" algn="l" defTabSz="914400" rtl="0" eaLnBrk="1" latinLnBrk="0" hangingPunct="1">
+      <a:defRPr sz="1200" kern="1200">
+        <a:solidFill>
+          <a:schemeClr val="tx1"/>
+        </a:solidFill>
+        <a:latin typeface="+mn-lt"/>
+        <a:ea typeface="+mn-ea"/>
+        <a:cs typeface="+mn-cs"/>
+      </a:defRPr>
+    </a:lvl8pPr>
+    <a:lvl9pPr marL="3657600" algn="l" defTabSz="914400" rtl="0" eaLnBrk="1" latinLnBrk="0" hangingPunct="1">
+      <a:defRPr sz="1200" kern="1200">
+        <a:solidFill>
+          <a:schemeClr val="tx1"/>
+        </a:solidFill>
+        <a:latin typeface="+mn-lt"/>
+        <a:ea typeface="+mn-ea"/>
+        <a:cs typeface="+mn-cs"/>
+      </a:defRPr>
+    </a:lvl9pPr>
+  </p:notesStyle>
+</p:notesMaster>
+</file>
+
+<file path=ppt/notesSlides/notesSlide1.xml><?xml version="1.0" encoding="utf-8"?>
+<p:notes xmlns:a="http://schemas.openxmlformats.org/drawingml/2006/main" xmlns:r="http://schemas.openxmlformats.org/officeDocument/2006/relationships" xmlns:p="http://schemas.openxmlformats.org/presentationml/2006/main">
+  <p:cSld>
+    <p:spTree>
+      <p:nvGrpSpPr>
+        <p:cNvPr id="1" name=""/>
+        <p:cNvGrpSpPr/>
+        <p:nvPr/>
+      </p:nvGrpSpPr>
+      <p:grpSpPr>
+        <a:xfrm>
+          <a:off x="0" y="0"/>
+          <a:ext cx="0" cy="0"/>
+          <a:chOff x="0" y="0"/>
+          <a:chExt cx="0" cy="0"/>
+        </a:xfrm>
+      </p:grpSpPr>
+      <p:sp>
+        <p:nvSpPr>
+          <p:cNvPr id="2" name="Folienbildplatzhalter 1"/>
+          <p:cNvSpPr>
+            <a:spLocks noGrp="1" noRot="1" noChangeAspect="1"/>
+          </p:cNvSpPr>
+          <p:nvPr>
+            <p:ph type="sldImg"/>
+          </p:nvPr>
+        </p:nvSpPr>
+        <p:spPr/>
+      </p:sp>
+      <p:sp>
+        <p:nvSpPr>
+          <p:cNvPr id="3" name="Notizenplatzhalter 2"/>
+          <p:cNvSpPr>
+            <a:spLocks noGrp="1"/>
+          </p:cNvSpPr>
+          <p:nvPr>
+            <p:ph type="body" idx="1"/>
+          </p:nvPr>
+        </p:nvSpPr>
+        <p:spPr/>
+        <p:txBody>
+          <a:bodyPr/>
+          <a:lstStyle/>
+          <a:p>
+            <a:endParaRPr lang="de-AT" dirty="0"/>
+          </a:p>
+        </p:txBody>
+      </p:sp>
+      <p:sp>
+        <p:nvSpPr>
+          <p:cNvPr id="4" name="Foliennummernplatzhalter 3"/>
+          <p:cNvSpPr>
+            <a:spLocks noGrp="1"/>
+          </p:cNvSpPr>
+          <p:nvPr>
+            <p:ph type="sldNum" sz="quarter" idx="5"/>
+          </p:nvPr>
+        </p:nvSpPr>
+        <p:spPr/>
+        <p:txBody>
+          <a:bodyPr/>
+          <a:lstStyle/>
+          <a:p>
+            <a:fld id="{84D4742E-F1D8-4EDB-B351-F5836754519D}" type="slidenum">
+              <a:rPr lang="de-AT" smtClean="0"/>
+              <a:t>2</a:t>
+            </a:fld>
+            <a:endParaRPr lang="de-AT"/>
+          </a:p>
+        </p:txBody>
+      </p:sp>
+    </p:spTree>
+    <p:extLst>
+      <p:ext uri="{BB962C8B-B14F-4D97-AF65-F5344CB8AC3E}">
+        <p14:creationId xmlns:p14="http://schemas.microsoft.com/office/powerpoint/2010/main" val="3549289130"/>
+      </p:ext>
+    </p:extLst>
+  </p:cSld>
+  <p:clrMapOvr>
+    <a:masterClrMapping/>
+  </p:clrMapOvr>
+</p:notes>
+</file>
+
+<file path=ppt/notesSlides/notesSlide2.xml><?xml version="1.0" encoding="utf-8"?>
+<p:notes xmlns:a="http://schemas.openxmlformats.org/drawingml/2006/main" xmlns:r="http://schemas.openxmlformats.org/officeDocument/2006/relationships" xmlns:p="http://schemas.openxmlformats.org/presentationml/2006/main">
+  <p:cSld>
+    <p:spTree>
+      <p:nvGrpSpPr>
+        <p:cNvPr id="1" name=""/>
+        <p:cNvGrpSpPr/>
+        <p:nvPr/>
+      </p:nvGrpSpPr>
+      <p:grpSpPr>
+        <a:xfrm>
+          <a:off x="0" y="0"/>
+          <a:ext cx="0" cy="0"/>
+          <a:chOff x="0" y="0"/>
+          <a:chExt cx="0" cy="0"/>
+        </a:xfrm>
+      </p:grpSpPr>
+      <p:sp>
+        <p:nvSpPr>
+          <p:cNvPr id="2" name="Folienbildplatzhalter 1"/>
+          <p:cNvSpPr>
+            <a:spLocks noGrp="1" noRot="1" noChangeAspect="1"/>
+          </p:cNvSpPr>
+          <p:nvPr>
+            <p:ph type="sldImg"/>
+          </p:nvPr>
+        </p:nvSpPr>
+        <p:spPr/>
+      </p:sp>
+      <p:sp>
+        <p:nvSpPr>
+          <p:cNvPr id="3" name="Notizenplatzhalter 2"/>
+          <p:cNvSpPr>
+            <a:spLocks noGrp="1"/>
+          </p:cNvSpPr>
+          <p:nvPr>
+            <p:ph type="body" idx="1"/>
+          </p:nvPr>
+        </p:nvSpPr>
+        <p:spPr/>
+        <p:txBody>
+          <a:bodyPr/>
+          <a:lstStyle/>
+          <a:p>
+            <a:endParaRPr lang="de-AT" dirty="0"/>
+          </a:p>
+        </p:txBody>
+      </p:sp>
+      <p:sp>
+        <p:nvSpPr>
+          <p:cNvPr id="4" name="Foliennummernplatzhalter 3"/>
+          <p:cNvSpPr>
+            <a:spLocks noGrp="1"/>
+          </p:cNvSpPr>
+          <p:nvPr>
+            <p:ph type="sldNum" sz="quarter" idx="5"/>
+          </p:nvPr>
+        </p:nvSpPr>
+        <p:spPr/>
+        <p:txBody>
+          <a:bodyPr/>
+          <a:lstStyle/>
+          <a:p>
+            <a:fld id="{84D4742E-F1D8-4EDB-B351-F5836754519D}" type="slidenum">
+              <a:rPr lang="de-AT" smtClean="0"/>
+              <a:t>4</a:t>
+            </a:fld>
+            <a:endParaRPr lang="de-AT"/>
+          </a:p>
+        </p:txBody>
+      </p:sp>
+    </p:spTree>
+    <p:extLst>
+      <p:ext uri="{BB962C8B-B14F-4D97-AF65-F5344CB8AC3E}">
+        <p14:creationId xmlns:p14="http://schemas.microsoft.com/office/powerpoint/2010/main" val="208144593"/>
+      </p:ext>
+    </p:extLst>
+  </p:cSld>
+  <p:clrMapOvr>
+    <a:masterClrMapping/>
+  </p:clrMapOvr>
+</p:notes>
+</file>
+
 <file path=ppt/slideLayouts/slideLayout1.xml><?xml version="1.0" encoding="utf-8"?>
 <p:sldLayout xmlns:a="http://schemas.openxmlformats.org/drawingml/2006/main" xmlns:r="http://schemas.openxmlformats.org/officeDocument/2006/relationships" xmlns:p="http://schemas.openxmlformats.org/presentationml/2006/main" type="title" preserve="1">
   <p:cSld name="Titelfolie">
@@ -136,7 +4919,7 @@
           <p:cNvPr id="2" name="Titel 1">
             <a:extLst>
               <a:ext uri="{FF2B5EF4-FFF2-40B4-BE49-F238E27FC236}">
-                <a16:creationId xmlns:a16="http://schemas.microsoft.com/office/drawing/2014/main" xmlns="" id="{3E9016D5-7B6D-4BEC-B37D-C3048E2B5F53}"/>
+                <a16:creationId xmlns:a16="http://schemas.microsoft.com/office/drawing/2014/main" id="{3E9016D5-7B6D-4BEC-B37D-C3048E2B5F53}"/>
               </a:ext>
             </a:extLst>
           </p:cNvPr>
@@ -174,7 +4957,7 @@
           <p:cNvPr id="3" name="Untertitel 2">
             <a:extLst>
               <a:ext uri="{FF2B5EF4-FFF2-40B4-BE49-F238E27FC236}">
-                <a16:creationId xmlns:a16="http://schemas.microsoft.com/office/drawing/2014/main" xmlns="" id="{CE4679D2-0725-40A0-96EB-D30F68780895}"/>
+                <a16:creationId xmlns:a16="http://schemas.microsoft.com/office/drawing/2014/main" id="{CE4679D2-0725-40A0-96EB-D30F68780895}"/>
               </a:ext>
             </a:extLst>
           </p:cNvPr>
@@ -245,7 +5028,7 @@
           <p:cNvPr id="4" name="Datumsplatzhalter 3">
             <a:extLst>
               <a:ext uri="{FF2B5EF4-FFF2-40B4-BE49-F238E27FC236}">
-                <a16:creationId xmlns:a16="http://schemas.microsoft.com/office/drawing/2014/main" xmlns="" id="{090EC70A-C5ED-4821-A3B0-A863D877EE1B}"/>
+                <a16:creationId xmlns:a16="http://schemas.microsoft.com/office/drawing/2014/main" id="{090EC70A-C5ED-4821-A3B0-A863D877EE1B}"/>
               </a:ext>
             </a:extLst>
           </p:cNvPr>
@@ -274,7 +5057,7 @@
           <p:cNvPr id="5" name="Fußzeilenplatzhalter 4">
             <a:extLst>
               <a:ext uri="{FF2B5EF4-FFF2-40B4-BE49-F238E27FC236}">
-                <a16:creationId xmlns:a16="http://schemas.microsoft.com/office/drawing/2014/main" xmlns="" id="{6DAC84DB-2F0A-4B14-80C3-D7D333AEC01F}"/>
+                <a16:creationId xmlns:a16="http://schemas.microsoft.com/office/drawing/2014/main" id="{6DAC84DB-2F0A-4B14-80C3-D7D333AEC01F}"/>
               </a:ext>
             </a:extLst>
           </p:cNvPr>
@@ -299,7 +5082,7 @@
           <p:cNvPr id="6" name="Foliennummernplatzhalter 5">
             <a:extLst>
               <a:ext uri="{FF2B5EF4-FFF2-40B4-BE49-F238E27FC236}">
-                <a16:creationId xmlns:a16="http://schemas.microsoft.com/office/drawing/2014/main" xmlns="" id="{A7E50AEE-3D3D-40C8-BA6E-2615D42A7683}"/>
+                <a16:creationId xmlns:a16="http://schemas.microsoft.com/office/drawing/2014/main" id="{A7E50AEE-3D3D-40C8-BA6E-2615D42A7683}"/>
               </a:ext>
             </a:extLst>
           </p:cNvPr>
@@ -358,7 +5141,7 @@
           <p:cNvPr id="2" name="Titel 1">
             <a:extLst>
               <a:ext uri="{FF2B5EF4-FFF2-40B4-BE49-F238E27FC236}">
-                <a16:creationId xmlns:a16="http://schemas.microsoft.com/office/drawing/2014/main" xmlns="" id="{9C3E4486-6FCC-40DF-9104-EA94319AC94D}"/>
+                <a16:creationId xmlns:a16="http://schemas.microsoft.com/office/drawing/2014/main" id="{9C3E4486-6FCC-40DF-9104-EA94319AC94D}"/>
               </a:ext>
             </a:extLst>
           </p:cNvPr>
@@ -387,7 +5170,7 @@
           <p:cNvPr id="3" name="Vertikaler Textplatzhalter 2">
             <a:extLst>
               <a:ext uri="{FF2B5EF4-FFF2-40B4-BE49-F238E27FC236}">
-                <a16:creationId xmlns:a16="http://schemas.microsoft.com/office/drawing/2014/main" xmlns="" id="{47B1E8F7-02D5-4EE9-95C1-D624CD2A7616}"/>
+                <a16:creationId xmlns:a16="http://schemas.microsoft.com/office/drawing/2014/main" id="{47B1E8F7-02D5-4EE9-95C1-D624CD2A7616}"/>
               </a:ext>
             </a:extLst>
           </p:cNvPr>
@@ -445,7 +5228,7 @@
           <p:cNvPr id="4" name="Datumsplatzhalter 3">
             <a:extLst>
               <a:ext uri="{FF2B5EF4-FFF2-40B4-BE49-F238E27FC236}">
-                <a16:creationId xmlns:a16="http://schemas.microsoft.com/office/drawing/2014/main" xmlns="" id="{305B20CA-179C-4F21-B162-48D747F8BAFB}"/>
+                <a16:creationId xmlns:a16="http://schemas.microsoft.com/office/drawing/2014/main" id="{305B20CA-179C-4F21-B162-48D747F8BAFB}"/>
               </a:ext>
             </a:extLst>
           </p:cNvPr>
@@ -474,7 +5257,7 @@
           <p:cNvPr id="5" name="Fußzeilenplatzhalter 4">
             <a:extLst>
               <a:ext uri="{FF2B5EF4-FFF2-40B4-BE49-F238E27FC236}">
-                <a16:creationId xmlns:a16="http://schemas.microsoft.com/office/drawing/2014/main" xmlns="" id="{F4F404EC-23CB-4A31-81CD-FE8A328D7355}"/>
+                <a16:creationId xmlns:a16="http://schemas.microsoft.com/office/drawing/2014/main" id="{F4F404EC-23CB-4A31-81CD-FE8A328D7355}"/>
               </a:ext>
             </a:extLst>
           </p:cNvPr>
@@ -499,7 +5282,7 @@
           <p:cNvPr id="6" name="Foliennummernplatzhalter 5">
             <a:extLst>
               <a:ext uri="{FF2B5EF4-FFF2-40B4-BE49-F238E27FC236}">
-                <a16:creationId xmlns:a16="http://schemas.microsoft.com/office/drawing/2014/main" xmlns="" id="{68E0B209-C71F-4AFF-972F-B025A95C81DF}"/>
+                <a16:creationId xmlns:a16="http://schemas.microsoft.com/office/drawing/2014/main" id="{68E0B209-C71F-4AFF-972F-B025A95C81DF}"/>
               </a:ext>
             </a:extLst>
           </p:cNvPr>
@@ -558,7 +5341,7 @@
           <p:cNvPr id="2" name="Vertikaler Titel 1">
             <a:extLst>
               <a:ext uri="{FF2B5EF4-FFF2-40B4-BE49-F238E27FC236}">
-                <a16:creationId xmlns:a16="http://schemas.microsoft.com/office/drawing/2014/main" xmlns="" id="{76906A51-052F-4023-BB11-606D2E1B3897}"/>
+                <a16:creationId xmlns:a16="http://schemas.microsoft.com/office/drawing/2014/main" id="{76906A51-052F-4023-BB11-606D2E1B3897}"/>
               </a:ext>
             </a:extLst>
           </p:cNvPr>
@@ -592,7 +5375,7 @@
           <p:cNvPr id="3" name="Vertikaler Textplatzhalter 2">
             <a:extLst>
               <a:ext uri="{FF2B5EF4-FFF2-40B4-BE49-F238E27FC236}">
-                <a16:creationId xmlns:a16="http://schemas.microsoft.com/office/drawing/2014/main" xmlns="" id="{7C6E1AFF-048D-45A3-875F-ACD6638DDD4F}"/>
+                <a16:creationId xmlns:a16="http://schemas.microsoft.com/office/drawing/2014/main" id="{7C6E1AFF-048D-45A3-875F-ACD6638DDD4F}"/>
               </a:ext>
             </a:extLst>
           </p:cNvPr>
@@ -655,7 +5438,7 @@
           <p:cNvPr id="4" name="Datumsplatzhalter 3">
             <a:extLst>
               <a:ext uri="{FF2B5EF4-FFF2-40B4-BE49-F238E27FC236}">
-                <a16:creationId xmlns:a16="http://schemas.microsoft.com/office/drawing/2014/main" xmlns="" id="{EC5B347B-8B30-4538-8500-AED90C6627C6}"/>
+                <a16:creationId xmlns:a16="http://schemas.microsoft.com/office/drawing/2014/main" id="{EC5B347B-8B30-4538-8500-AED90C6627C6}"/>
               </a:ext>
             </a:extLst>
           </p:cNvPr>
@@ -684,7 +5467,7 @@
           <p:cNvPr id="5" name="Fußzeilenplatzhalter 4">
             <a:extLst>
               <a:ext uri="{FF2B5EF4-FFF2-40B4-BE49-F238E27FC236}">
-                <a16:creationId xmlns:a16="http://schemas.microsoft.com/office/drawing/2014/main" xmlns="" id="{69E71F27-DA1D-4736-A329-7B9FFC11CC9E}"/>
+                <a16:creationId xmlns:a16="http://schemas.microsoft.com/office/drawing/2014/main" id="{69E71F27-DA1D-4736-A329-7B9FFC11CC9E}"/>
               </a:ext>
             </a:extLst>
           </p:cNvPr>
@@ -709,7 +5492,7 @@
           <p:cNvPr id="6" name="Foliennummernplatzhalter 5">
             <a:extLst>
               <a:ext uri="{FF2B5EF4-FFF2-40B4-BE49-F238E27FC236}">
-                <a16:creationId xmlns:a16="http://schemas.microsoft.com/office/drawing/2014/main" xmlns="" id="{99F8D8BF-B0D9-490D-959F-0373BCB4A072}"/>
+                <a16:creationId xmlns:a16="http://schemas.microsoft.com/office/drawing/2014/main" id="{99F8D8BF-B0D9-490D-959F-0373BCB4A072}"/>
               </a:ext>
             </a:extLst>
           </p:cNvPr>
@@ -768,7 +5551,7 @@
           <p:cNvPr id="2" name="Titel 1">
             <a:extLst>
               <a:ext uri="{FF2B5EF4-FFF2-40B4-BE49-F238E27FC236}">
-                <a16:creationId xmlns:a16="http://schemas.microsoft.com/office/drawing/2014/main" xmlns="" id="{6B55AB1D-29E7-400B-9E56-5AA9AD35D30B}"/>
+                <a16:creationId xmlns:a16="http://schemas.microsoft.com/office/drawing/2014/main" id="{6B55AB1D-29E7-400B-9E56-5AA9AD35D30B}"/>
               </a:ext>
             </a:extLst>
           </p:cNvPr>
@@ -797,7 +5580,7 @@
           <p:cNvPr id="3" name="Inhaltsplatzhalter 2">
             <a:extLst>
               <a:ext uri="{FF2B5EF4-FFF2-40B4-BE49-F238E27FC236}">
-                <a16:creationId xmlns:a16="http://schemas.microsoft.com/office/drawing/2014/main" xmlns="" id="{4196B9BC-B5A4-4689-A819-D325475B1DFC}"/>
+                <a16:creationId xmlns:a16="http://schemas.microsoft.com/office/drawing/2014/main" id="{4196B9BC-B5A4-4689-A819-D325475B1DFC}"/>
               </a:ext>
             </a:extLst>
           </p:cNvPr>
@@ -855,7 +5638,7 @@
           <p:cNvPr id="4" name="Datumsplatzhalter 3">
             <a:extLst>
               <a:ext uri="{FF2B5EF4-FFF2-40B4-BE49-F238E27FC236}">
-                <a16:creationId xmlns:a16="http://schemas.microsoft.com/office/drawing/2014/main" xmlns="" id="{5DC4E5B2-39CD-4535-B57C-1E7F10ED6010}"/>
+                <a16:creationId xmlns:a16="http://schemas.microsoft.com/office/drawing/2014/main" id="{5DC4E5B2-39CD-4535-B57C-1E7F10ED6010}"/>
               </a:ext>
             </a:extLst>
           </p:cNvPr>
@@ -884,7 +5667,7 @@
           <p:cNvPr id="5" name="Fußzeilenplatzhalter 4">
             <a:extLst>
               <a:ext uri="{FF2B5EF4-FFF2-40B4-BE49-F238E27FC236}">
-                <a16:creationId xmlns:a16="http://schemas.microsoft.com/office/drawing/2014/main" xmlns="" id="{88D97158-4722-4B77-91EE-001BF8B5BE3A}"/>
+                <a16:creationId xmlns:a16="http://schemas.microsoft.com/office/drawing/2014/main" id="{88D97158-4722-4B77-91EE-001BF8B5BE3A}"/>
               </a:ext>
             </a:extLst>
           </p:cNvPr>
@@ -909,7 +5692,7 @@
           <p:cNvPr id="6" name="Foliennummernplatzhalter 5">
             <a:extLst>
               <a:ext uri="{FF2B5EF4-FFF2-40B4-BE49-F238E27FC236}">
-                <a16:creationId xmlns:a16="http://schemas.microsoft.com/office/drawing/2014/main" xmlns="" id="{8E9C62A6-59E7-47C4-8B23-07A8E7553E4E}"/>
+                <a16:creationId xmlns:a16="http://schemas.microsoft.com/office/drawing/2014/main" id="{8E9C62A6-59E7-47C4-8B23-07A8E7553E4E}"/>
               </a:ext>
             </a:extLst>
           </p:cNvPr>
@@ -968,7 +5751,7 @@
           <p:cNvPr id="2" name="Titel 1">
             <a:extLst>
               <a:ext uri="{FF2B5EF4-FFF2-40B4-BE49-F238E27FC236}">
-                <a16:creationId xmlns:a16="http://schemas.microsoft.com/office/drawing/2014/main" xmlns="" id="{CA4C6828-55CE-4E37-833D-F95F13E5F6C4}"/>
+                <a16:creationId xmlns:a16="http://schemas.microsoft.com/office/drawing/2014/main" id="{CA4C6828-55CE-4E37-833D-F95F13E5F6C4}"/>
               </a:ext>
             </a:extLst>
           </p:cNvPr>
@@ -1006,7 +5789,7 @@
           <p:cNvPr id="3" name="Textplatzhalter 2">
             <a:extLst>
               <a:ext uri="{FF2B5EF4-FFF2-40B4-BE49-F238E27FC236}">
-                <a16:creationId xmlns:a16="http://schemas.microsoft.com/office/drawing/2014/main" xmlns="" id="{383E21F5-1516-4D64-B24D-C3E2C1596723}"/>
+                <a16:creationId xmlns:a16="http://schemas.microsoft.com/office/drawing/2014/main" id="{383E21F5-1516-4D64-B24D-C3E2C1596723}"/>
               </a:ext>
             </a:extLst>
           </p:cNvPr>
@@ -1131,7 +5914,7 @@
           <p:cNvPr id="4" name="Datumsplatzhalter 3">
             <a:extLst>
               <a:ext uri="{FF2B5EF4-FFF2-40B4-BE49-F238E27FC236}">
-                <a16:creationId xmlns:a16="http://schemas.microsoft.com/office/drawing/2014/main" xmlns="" id="{094B4DD4-4A18-4E04-BD38-F25ED282CF63}"/>
+                <a16:creationId xmlns:a16="http://schemas.microsoft.com/office/drawing/2014/main" id="{094B4DD4-4A18-4E04-BD38-F25ED282CF63}"/>
               </a:ext>
             </a:extLst>
           </p:cNvPr>
@@ -1160,7 +5943,7 @@
           <p:cNvPr id="5" name="Fußzeilenplatzhalter 4">
             <a:extLst>
               <a:ext uri="{FF2B5EF4-FFF2-40B4-BE49-F238E27FC236}">
-                <a16:creationId xmlns:a16="http://schemas.microsoft.com/office/drawing/2014/main" xmlns="" id="{D82F0BCE-5365-415C-BD7B-885955E41368}"/>
+                <a16:creationId xmlns:a16="http://schemas.microsoft.com/office/drawing/2014/main" id="{D82F0BCE-5365-415C-BD7B-885955E41368}"/>
               </a:ext>
             </a:extLst>
           </p:cNvPr>
@@ -1185,7 +5968,7 @@
           <p:cNvPr id="6" name="Foliennummernplatzhalter 5">
             <a:extLst>
               <a:ext uri="{FF2B5EF4-FFF2-40B4-BE49-F238E27FC236}">
-                <a16:creationId xmlns:a16="http://schemas.microsoft.com/office/drawing/2014/main" xmlns="" id="{DB083DB3-4B83-438F-A215-1F44A507D23E}"/>
+                <a16:creationId xmlns:a16="http://schemas.microsoft.com/office/drawing/2014/main" id="{DB083DB3-4B83-438F-A215-1F44A507D23E}"/>
               </a:ext>
             </a:extLst>
           </p:cNvPr>
@@ -1244,7 +6027,7 @@
           <p:cNvPr id="2" name="Titel 1">
             <a:extLst>
               <a:ext uri="{FF2B5EF4-FFF2-40B4-BE49-F238E27FC236}">
-                <a16:creationId xmlns:a16="http://schemas.microsoft.com/office/drawing/2014/main" xmlns="" id="{FE2D59EF-9F1A-41EC-894A-3F2720E4A1A9}"/>
+                <a16:creationId xmlns:a16="http://schemas.microsoft.com/office/drawing/2014/main" id="{FE2D59EF-9F1A-41EC-894A-3F2720E4A1A9}"/>
               </a:ext>
             </a:extLst>
           </p:cNvPr>
@@ -1273,7 +6056,7 @@
           <p:cNvPr id="3" name="Inhaltsplatzhalter 2">
             <a:extLst>
               <a:ext uri="{FF2B5EF4-FFF2-40B4-BE49-F238E27FC236}">
-                <a16:creationId xmlns:a16="http://schemas.microsoft.com/office/drawing/2014/main" xmlns="" id="{080B59B2-F730-4BCA-96ED-8C35BF205FCB}"/>
+                <a16:creationId xmlns:a16="http://schemas.microsoft.com/office/drawing/2014/main" id="{080B59B2-F730-4BCA-96ED-8C35BF205FCB}"/>
               </a:ext>
             </a:extLst>
           </p:cNvPr>
@@ -1336,7 +6119,7 @@
           <p:cNvPr id="4" name="Inhaltsplatzhalter 3">
             <a:extLst>
               <a:ext uri="{FF2B5EF4-FFF2-40B4-BE49-F238E27FC236}">
-                <a16:creationId xmlns:a16="http://schemas.microsoft.com/office/drawing/2014/main" xmlns="" id="{B7146DCE-7F30-4AAF-8F7E-6F72251223BD}"/>
+                <a16:creationId xmlns:a16="http://schemas.microsoft.com/office/drawing/2014/main" id="{B7146DCE-7F30-4AAF-8F7E-6F72251223BD}"/>
               </a:ext>
             </a:extLst>
           </p:cNvPr>
@@ -1399,7 +6182,7 @@
           <p:cNvPr id="5" name="Datumsplatzhalter 4">
             <a:extLst>
               <a:ext uri="{FF2B5EF4-FFF2-40B4-BE49-F238E27FC236}">
-                <a16:creationId xmlns:a16="http://schemas.microsoft.com/office/drawing/2014/main" xmlns="" id="{2AD60FEB-D2BF-4933-ACB8-A0B949DC8B1B}"/>
+                <a16:creationId xmlns:a16="http://schemas.microsoft.com/office/drawing/2014/main" id="{2AD60FEB-D2BF-4933-ACB8-A0B949DC8B1B}"/>
               </a:ext>
             </a:extLst>
           </p:cNvPr>
@@ -1428,7 +6211,7 @@
           <p:cNvPr id="6" name="Fußzeilenplatzhalter 5">
             <a:extLst>
               <a:ext uri="{FF2B5EF4-FFF2-40B4-BE49-F238E27FC236}">
-                <a16:creationId xmlns:a16="http://schemas.microsoft.com/office/drawing/2014/main" xmlns="" id="{6E6C1F87-E3E9-4228-9AC9-897BD2BD26D1}"/>
+                <a16:creationId xmlns:a16="http://schemas.microsoft.com/office/drawing/2014/main" id="{6E6C1F87-E3E9-4228-9AC9-897BD2BD26D1}"/>
               </a:ext>
             </a:extLst>
           </p:cNvPr>
@@ -1453,7 +6236,7 @@
           <p:cNvPr id="7" name="Foliennummernplatzhalter 6">
             <a:extLst>
               <a:ext uri="{FF2B5EF4-FFF2-40B4-BE49-F238E27FC236}">
-                <a16:creationId xmlns:a16="http://schemas.microsoft.com/office/drawing/2014/main" xmlns="" id="{0F2A0B60-7700-4335-939D-8FAD03074EA6}"/>
+                <a16:creationId xmlns:a16="http://schemas.microsoft.com/office/drawing/2014/main" id="{0F2A0B60-7700-4335-939D-8FAD03074EA6}"/>
               </a:ext>
             </a:extLst>
           </p:cNvPr>
@@ -1512,7 +6295,7 @@
           <p:cNvPr id="2" name="Titel 1">
             <a:extLst>
               <a:ext uri="{FF2B5EF4-FFF2-40B4-BE49-F238E27FC236}">
-                <a16:creationId xmlns:a16="http://schemas.microsoft.com/office/drawing/2014/main" xmlns="" id="{66F787B1-9CEA-44CF-83B7-1E4FA3C8278A}"/>
+                <a16:creationId xmlns:a16="http://schemas.microsoft.com/office/drawing/2014/main" id="{66F787B1-9CEA-44CF-83B7-1E4FA3C8278A}"/>
               </a:ext>
             </a:extLst>
           </p:cNvPr>
@@ -1546,7 +6329,7 @@
           <p:cNvPr id="3" name="Textplatzhalter 2">
             <a:extLst>
               <a:ext uri="{FF2B5EF4-FFF2-40B4-BE49-F238E27FC236}">
-                <a16:creationId xmlns:a16="http://schemas.microsoft.com/office/drawing/2014/main" xmlns="" id="{C63F08A8-4AC2-4797-B94A-0462BBDF4933}"/>
+                <a16:creationId xmlns:a16="http://schemas.microsoft.com/office/drawing/2014/main" id="{C63F08A8-4AC2-4797-B94A-0462BBDF4933}"/>
               </a:ext>
             </a:extLst>
           </p:cNvPr>
@@ -1617,7 +6400,7 @@
           <p:cNvPr id="4" name="Inhaltsplatzhalter 3">
             <a:extLst>
               <a:ext uri="{FF2B5EF4-FFF2-40B4-BE49-F238E27FC236}">
-                <a16:creationId xmlns:a16="http://schemas.microsoft.com/office/drawing/2014/main" xmlns="" id="{CAF7EB6F-EEE0-4F58-8B42-E48B0D86CAE9}"/>
+                <a16:creationId xmlns:a16="http://schemas.microsoft.com/office/drawing/2014/main" id="{CAF7EB6F-EEE0-4F58-8B42-E48B0D86CAE9}"/>
               </a:ext>
             </a:extLst>
           </p:cNvPr>
@@ -1680,7 +6463,7 @@
           <p:cNvPr id="5" name="Textplatzhalter 4">
             <a:extLst>
               <a:ext uri="{FF2B5EF4-FFF2-40B4-BE49-F238E27FC236}">
-                <a16:creationId xmlns:a16="http://schemas.microsoft.com/office/drawing/2014/main" xmlns="" id="{658A8169-8905-46A2-837A-F8FD98B77D83}"/>
+                <a16:creationId xmlns:a16="http://schemas.microsoft.com/office/drawing/2014/main" id="{658A8169-8905-46A2-837A-F8FD98B77D83}"/>
               </a:ext>
             </a:extLst>
           </p:cNvPr>
@@ -1751,7 +6534,7 @@
           <p:cNvPr id="6" name="Inhaltsplatzhalter 5">
             <a:extLst>
               <a:ext uri="{FF2B5EF4-FFF2-40B4-BE49-F238E27FC236}">
-                <a16:creationId xmlns:a16="http://schemas.microsoft.com/office/drawing/2014/main" xmlns="" id="{46F2FDFF-9631-4C74-97A0-03E2A6150762}"/>
+                <a16:creationId xmlns:a16="http://schemas.microsoft.com/office/drawing/2014/main" id="{46F2FDFF-9631-4C74-97A0-03E2A6150762}"/>
               </a:ext>
             </a:extLst>
           </p:cNvPr>
@@ -1814,7 +6597,7 @@
           <p:cNvPr id="7" name="Datumsplatzhalter 6">
             <a:extLst>
               <a:ext uri="{FF2B5EF4-FFF2-40B4-BE49-F238E27FC236}">
-                <a16:creationId xmlns:a16="http://schemas.microsoft.com/office/drawing/2014/main" xmlns="" id="{A66E1DD4-6D90-4227-9FA9-DEABFB3E27D7}"/>
+                <a16:creationId xmlns:a16="http://schemas.microsoft.com/office/drawing/2014/main" id="{A66E1DD4-6D90-4227-9FA9-DEABFB3E27D7}"/>
               </a:ext>
             </a:extLst>
           </p:cNvPr>
@@ -1843,7 +6626,7 @@
           <p:cNvPr id="8" name="Fußzeilenplatzhalter 7">
             <a:extLst>
               <a:ext uri="{FF2B5EF4-FFF2-40B4-BE49-F238E27FC236}">
-                <a16:creationId xmlns:a16="http://schemas.microsoft.com/office/drawing/2014/main" xmlns="" id="{48803254-B3C0-401B-B40A-BF6BDCF0717D}"/>
+                <a16:creationId xmlns:a16="http://schemas.microsoft.com/office/drawing/2014/main" id="{48803254-B3C0-401B-B40A-BF6BDCF0717D}"/>
               </a:ext>
             </a:extLst>
           </p:cNvPr>
@@ -1868,7 +6651,7 @@
           <p:cNvPr id="9" name="Foliennummernplatzhalter 8">
             <a:extLst>
               <a:ext uri="{FF2B5EF4-FFF2-40B4-BE49-F238E27FC236}">
-                <a16:creationId xmlns:a16="http://schemas.microsoft.com/office/drawing/2014/main" xmlns="" id="{17C962CD-D57A-4A10-9C20-EC47DD77749B}"/>
+                <a16:creationId xmlns:a16="http://schemas.microsoft.com/office/drawing/2014/main" id="{17C962CD-D57A-4A10-9C20-EC47DD77749B}"/>
               </a:ext>
             </a:extLst>
           </p:cNvPr>
@@ -1927,7 +6710,7 @@
           <p:cNvPr id="2" name="Titel 1">
             <a:extLst>
               <a:ext uri="{FF2B5EF4-FFF2-40B4-BE49-F238E27FC236}">
-                <a16:creationId xmlns:a16="http://schemas.microsoft.com/office/drawing/2014/main" xmlns="" id="{01B086E7-F97A-40D1-90F7-FA40560B1A22}"/>
+                <a16:creationId xmlns:a16="http://schemas.microsoft.com/office/drawing/2014/main" id="{01B086E7-F97A-40D1-90F7-FA40560B1A22}"/>
               </a:ext>
             </a:extLst>
           </p:cNvPr>
@@ -1956,7 +6739,7 @@
           <p:cNvPr id="3" name="Datumsplatzhalter 2">
             <a:extLst>
               <a:ext uri="{FF2B5EF4-FFF2-40B4-BE49-F238E27FC236}">
-                <a16:creationId xmlns:a16="http://schemas.microsoft.com/office/drawing/2014/main" xmlns="" id="{65E2DACE-BE35-4ADD-AD84-13353AEA35D6}"/>
+                <a16:creationId xmlns:a16="http://schemas.microsoft.com/office/drawing/2014/main" id="{65E2DACE-BE35-4ADD-AD84-13353AEA35D6}"/>
               </a:ext>
             </a:extLst>
           </p:cNvPr>
@@ -1985,7 +6768,7 @@
           <p:cNvPr id="4" name="Fußzeilenplatzhalter 3">
             <a:extLst>
               <a:ext uri="{FF2B5EF4-FFF2-40B4-BE49-F238E27FC236}">
-                <a16:creationId xmlns:a16="http://schemas.microsoft.com/office/drawing/2014/main" xmlns="" id="{00F6B161-2BD2-4CD9-B3C3-018CB02B98DF}"/>
+                <a16:creationId xmlns:a16="http://schemas.microsoft.com/office/drawing/2014/main" id="{00F6B161-2BD2-4CD9-B3C3-018CB02B98DF}"/>
               </a:ext>
             </a:extLst>
           </p:cNvPr>
@@ -2010,7 +6793,7 @@
           <p:cNvPr id="5" name="Foliennummernplatzhalter 4">
             <a:extLst>
               <a:ext uri="{FF2B5EF4-FFF2-40B4-BE49-F238E27FC236}">
-                <a16:creationId xmlns:a16="http://schemas.microsoft.com/office/drawing/2014/main" xmlns="" id="{CB059D67-8994-48ED-B689-AF0121E84A11}"/>
+                <a16:creationId xmlns:a16="http://schemas.microsoft.com/office/drawing/2014/main" id="{CB059D67-8994-48ED-B689-AF0121E84A11}"/>
               </a:ext>
             </a:extLst>
           </p:cNvPr>
@@ -2069,7 +6852,7 @@
           <p:cNvPr id="2" name="Datumsplatzhalter 1">
             <a:extLst>
               <a:ext uri="{FF2B5EF4-FFF2-40B4-BE49-F238E27FC236}">
-                <a16:creationId xmlns:a16="http://schemas.microsoft.com/office/drawing/2014/main" xmlns="" id="{40D88186-E6FA-4C52-8DD3-8944E13C08B0}"/>
+                <a16:creationId xmlns:a16="http://schemas.microsoft.com/office/drawing/2014/main" id="{40D88186-E6FA-4C52-8DD3-8944E13C08B0}"/>
               </a:ext>
             </a:extLst>
           </p:cNvPr>
@@ -2098,7 +6881,7 @@
           <p:cNvPr id="3" name="Fußzeilenplatzhalter 2">
             <a:extLst>
               <a:ext uri="{FF2B5EF4-FFF2-40B4-BE49-F238E27FC236}">
-                <a16:creationId xmlns:a16="http://schemas.microsoft.com/office/drawing/2014/main" xmlns="" id="{EF590C5E-6BC8-496A-8CE8-CDE21CAC0B79}"/>
+                <a16:creationId xmlns:a16="http://schemas.microsoft.com/office/drawing/2014/main" id="{EF590C5E-6BC8-496A-8CE8-CDE21CAC0B79}"/>
               </a:ext>
             </a:extLst>
           </p:cNvPr>
@@ -2123,7 +6906,7 @@
           <p:cNvPr id="4" name="Foliennummernplatzhalter 3">
             <a:extLst>
               <a:ext uri="{FF2B5EF4-FFF2-40B4-BE49-F238E27FC236}">
-                <a16:creationId xmlns:a16="http://schemas.microsoft.com/office/drawing/2014/main" xmlns="" id="{0AFDBAC1-2097-47FC-91B6-A4227CF09DEB}"/>
+                <a16:creationId xmlns:a16="http://schemas.microsoft.com/office/drawing/2014/main" id="{0AFDBAC1-2097-47FC-91B6-A4227CF09DEB}"/>
               </a:ext>
             </a:extLst>
           </p:cNvPr>
@@ -2182,7 +6965,7 @@
           <p:cNvPr id="2" name="Titel 1">
             <a:extLst>
               <a:ext uri="{FF2B5EF4-FFF2-40B4-BE49-F238E27FC236}">
-                <a16:creationId xmlns:a16="http://schemas.microsoft.com/office/drawing/2014/main" xmlns="" id="{0B665667-3C14-42BD-9B7B-8AEBA6F049A5}"/>
+                <a16:creationId xmlns:a16="http://schemas.microsoft.com/office/drawing/2014/main" id="{0B665667-3C14-42BD-9B7B-8AEBA6F049A5}"/>
               </a:ext>
             </a:extLst>
           </p:cNvPr>
@@ -2220,7 +7003,7 @@
           <p:cNvPr id="3" name="Inhaltsplatzhalter 2">
             <a:extLst>
               <a:ext uri="{FF2B5EF4-FFF2-40B4-BE49-F238E27FC236}">
-                <a16:creationId xmlns:a16="http://schemas.microsoft.com/office/drawing/2014/main" xmlns="" id="{3E12AD63-0B94-4321-9368-C47DA3A0A85C}"/>
+                <a16:creationId xmlns:a16="http://schemas.microsoft.com/office/drawing/2014/main" id="{3E12AD63-0B94-4321-9368-C47DA3A0A85C}"/>
               </a:ext>
             </a:extLst>
           </p:cNvPr>
@@ -2311,7 +7094,7 @@
           <p:cNvPr id="4" name="Textplatzhalter 3">
             <a:extLst>
               <a:ext uri="{FF2B5EF4-FFF2-40B4-BE49-F238E27FC236}">
-                <a16:creationId xmlns:a16="http://schemas.microsoft.com/office/drawing/2014/main" xmlns="" id="{B955D00F-4C2C-4C0A-800D-CAA05FDD995C}"/>
+                <a16:creationId xmlns:a16="http://schemas.microsoft.com/office/drawing/2014/main" id="{B955D00F-4C2C-4C0A-800D-CAA05FDD995C}"/>
               </a:ext>
             </a:extLst>
           </p:cNvPr>
@@ -2382,7 +7165,7 @@
           <p:cNvPr id="5" name="Datumsplatzhalter 4">
             <a:extLst>
               <a:ext uri="{FF2B5EF4-FFF2-40B4-BE49-F238E27FC236}">
-                <a16:creationId xmlns:a16="http://schemas.microsoft.com/office/drawing/2014/main" xmlns="" id="{D3B7BE8A-5E8A-4BAC-B11C-0D9589B9048F}"/>
+                <a16:creationId xmlns:a16="http://schemas.microsoft.com/office/drawing/2014/main" id="{D3B7BE8A-5E8A-4BAC-B11C-0D9589B9048F}"/>
               </a:ext>
             </a:extLst>
           </p:cNvPr>
@@ -2411,7 +7194,7 @@
           <p:cNvPr id="6" name="Fußzeilenplatzhalter 5">
             <a:extLst>
               <a:ext uri="{FF2B5EF4-FFF2-40B4-BE49-F238E27FC236}">
-                <a16:creationId xmlns:a16="http://schemas.microsoft.com/office/drawing/2014/main" xmlns="" id="{A9F805D9-9249-49A8-B621-1F60EE6EED99}"/>
+                <a16:creationId xmlns:a16="http://schemas.microsoft.com/office/drawing/2014/main" id="{A9F805D9-9249-49A8-B621-1F60EE6EED99}"/>
               </a:ext>
             </a:extLst>
           </p:cNvPr>
@@ -2436,7 +7219,7 @@
           <p:cNvPr id="7" name="Foliennummernplatzhalter 6">
             <a:extLst>
               <a:ext uri="{FF2B5EF4-FFF2-40B4-BE49-F238E27FC236}">
-                <a16:creationId xmlns:a16="http://schemas.microsoft.com/office/drawing/2014/main" xmlns="" id="{F713E99B-AD0F-4D92-9F03-FCF31FB1F553}"/>
+                <a16:creationId xmlns:a16="http://schemas.microsoft.com/office/drawing/2014/main" id="{F713E99B-AD0F-4D92-9F03-FCF31FB1F553}"/>
               </a:ext>
             </a:extLst>
           </p:cNvPr>
@@ -2495,7 +7278,7 @@
           <p:cNvPr id="2" name="Titel 1">
             <a:extLst>
               <a:ext uri="{FF2B5EF4-FFF2-40B4-BE49-F238E27FC236}">
-                <a16:creationId xmlns:a16="http://schemas.microsoft.com/office/drawing/2014/main" xmlns="" id="{C0A95671-8D6D-4D4B-A714-7DF1BC02F0EE}"/>
+                <a16:creationId xmlns:a16="http://schemas.microsoft.com/office/drawing/2014/main" id="{C0A95671-8D6D-4D4B-A714-7DF1BC02F0EE}"/>
               </a:ext>
             </a:extLst>
           </p:cNvPr>
@@ -2533,7 +7316,7 @@
           <p:cNvPr id="3" name="Bildplatzhalter 2">
             <a:extLst>
               <a:ext uri="{FF2B5EF4-FFF2-40B4-BE49-F238E27FC236}">
-                <a16:creationId xmlns:a16="http://schemas.microsoft.com/office/drawing/2014/main" xmlns="" id="{3A15F88D-8EF1-463F-8AD4-63DEBB40EBCC}"/>
+                <a16:creationId xmlns:a16="http://schemas.microsoft.com/office/drawing/2014/main" id="{3A15F88D-8EF1-463F-8AD4-63DEBB40EBCC}"/>
               </a:ext>
             </a:extLst>
           </p:cNvPr>
@@ -2600,7 +7383,7 @@
           <p:cNvPr id="4" name="Textplatzhalter 3">
             <a:extLst>
               <a:ext uri="{FF2B5EF4-FFF2-40B4-BE49-F238E27FC236}">
-                <a16:creationId xmlns:a16="http://schemas.microsoft.com/office/drawing/2014/main" xmlns="" id="{7499F9E7-2387-42D5-A81C-B535FA028222}"/>
+                <a16:creationId xmlns:a16="http://schemas.microsoft.com/office/drawing/2014/main" id="{7499F9E7-2387-42D5-A81C-B535FA028222}"/>
               </a:ext>
             </a:extLst>
           </p:cNvPr>
@@ -2671,7 +7454,7 @@
           <p:cNvPr id="5" name="Datumsplatzhalter 4">
             <a:extLst>
               <a:ext uri="{FF2B5EF4-FFF2-40B4-BE49-F238E27FC236}">
-                <a16:creationId xmlns:a16="http://schemas.microsoft.com/office/drawing/2014/main" xmlns="" id="{D31CB737-3E17-45A6-A651-6BEC19C974F0}"/>
+                <a16:creationId xmlns:a16="http://schemas.microsoft.com/office/drawing/2014/main" id="{D31CB737-3E17-45A6-A651-6BEC19C974F0}"/>
               </a:ext>
             </a:extLst>
           </p:cNvPr>
@@ -2700,7 +7483,7 @@
           <p:cNvPr id="6" name="Fußzeilenplatzhalter 5">
             <a:extLst>
               <a:ext uri="{FF2B5EF4-FFF2-40B4-BE49-F238E27FC236}">
-                <a16:creationId xmlns:a16="http://schemas.microsoft.com/office/drawing/2014/main" xmlns="" id="{9DFD062A-6139-414C-B8B3-2E6C943EB3CF}"/>
+                <a16:creationId xmlns:a16="http://schemas.microsoft.com/office/drawing/2014/main" id="{9DFD062A-6139-414C-B8B3-2E6C943EB3CF}"/>
               </a:ext>
             </a:extLst>
           </p:cNvPr>
@@ -2725,7 +7508,7 @@
           <p:cNvPr id="7" name="Foliennummernplatzhalter 6">
             <a:extLst>
               <a:ext uri="{FF2B5EF4-FFF2-40B4-BE49-F238E27FC236}">
-                <a16:creationId xmlns:a16="http://schemas.microsoft.com/office/drawing/2014/main" xmlns="" id="{ED452DA9-14F0-427D-8CC0-B77F6CA9083A}"/>
+                <a16:creationId xmlns:a16="http://schemas.microsoft.com/office/drawing/2014/main" id="{ED452DA9-14F0-427D-8CC0-B77F6CA9083A}"/>
               </a:ext>
             </a:extLst>
           </p:cNvPr>
@@ -2789,7 +7572,7 @@
           <p:cNvPr id="2" name="Titelplatzhalter 1">
             <a:extLst>
               <a:ext uri="{FF2B5EF4-FFF2-40B4-BE49-F238E27FC236}">
-                <a16:creationId xmlns:a16="http://schemas.microsoft.com/office/drawing/2014/main" xmlns="" id="{3A969D30-CDA8-4646-A32F-52431418C054}"/>
+                <a16:creationId xmlns:a16="http://schemas.microsoft.com/office/drawing/2014/main" id="{3A969D30-CDA8-4646-A32F-52431418C054}"/>
               </a:ext>
             </a:extLst>
           </p:cNvPr>
@@ -2828,7 +7611,7 @@
           <p:cNvPr id="3" name="Textplatzhalter 2">
             <a:extLst>
               <a:ext uri="{FF2B5EF4-FFF2-40B4-BE49-F238E27FC236}">
-                <a16:creationId xmlns:a16="http://schemas.microsoft.com/office/drawing/2014/main" xmlns="" id="{13B6DB0A-1502-4748-B65C-89F583300036}"/>
+                <a16:creationId xmlns:a16="http://schemas.microsoft.com/office/drawing/2014/main" id="{13B6DB0A-1502-4748-B65C-89F583300036}"/>
               </a:ext>
             </a:extLst>
           </p:cNvPr>
@@ -2896,7 +7679,7 @@
           <p:cNvPr id="4" name="Datumsplatzhalter 3">
             <a:extLst>
               <a:ext uri="{FF2B5EF4-FFF2-40B4-BE49-F238E27FC236}">
-                <a16:creationId xmlns:a16="http://schemas.microsoft.com/office/drawing/2014/main" xmlns="" id="{843FF316-4A2A-4B53-8EEF-53CB0880ED7E}"/>
+                <a16:creationId xmlns:a16="http://schemas.microsoft.com/office/drawing/2014/main" id="{843FF316-4A2A-4B53-8EEF-53CB0880ED7E}"/>
               </a:ext>
             </a:extLst>
           </p:cNvPr>
@@ -2943,7 +7726,7 @@
           <p:cNvPr id="5" name="Fußzeilenplatzhalter 4">
             <a:extLst>
               <a:ext uri="{FF2B5EF4-FFF2-40B4-BE49-F238E27FC236}">
-                <a16:creationId xmlns:a16="http://schemas.microsoft.com/office/drawing/2014/main" xmlns="" id="{7DF9C5C8-D1E8-4457-861A-7F30A7113064}"/>
+                <a16:creationId xmlns:a16="http://schemas.microsoft.com/office/drawing/2014/main" id="{7DF9C5C8-D1E8-4457-861A-7F30A7113064}"/>
               </a:ext>
             </a:extLst>
           </p:cNvPr>
@@ -2986,7 +7769,7 @@
           <p:cNvPr id="6" name="Foliennummernplatzhalter 5">
             <a:extLst>
               <a:ext uri="{FF2B5EF4-FFF2-40B4-BE49-F238E27FC236}">
-                <a16:creationId xmlns:a16="http://schemas.microsoft.com/office/drawing/2014/main" xmlns="" id="{451F2ADC-5E16-45EE-9C63-A011DAE0AAAE}"/>
+                <a16:creationId xmlns:a16="http://schemas.microsoft.com/office/drawing/2014/main" id="{451F2ADC-5E16-45EE-9C63-A011DAE0AAAE}"/>
               </a:ext>
             </a:extLst>
           </p:cNvPr>
@@ -3335,6 +8118,1268 @@
 <file path=ppt/slides/slide1.xml><?xml version="1.0" encoding="utf-8"?>
 <p:sld xmlns:a="http://schemas.openxmlformats.org/drawingml/2006/main" xmlns:r="http://schemas.openxmlformats.org/officeDocument/2006/relationships" xmlns:p="http://schemas.openxmlformats.org/presentationml/2006/main">
   <p:cSld>
+    <p:bg>
+      <p:bgPr>
+        <a:solidFill>
+          <a:schemeClr val="bg1"/>
+        </a:solidFill>
+        <a:effectLst/>
+      </p:bgPr>
+    </p:bg>
+    <p:spTree>
+      <p:nvGrpSpPr>
+        <p:cNvPr id="1" name=""/>
+        <p:cNvGrpSpPr/>
+        <p:nvPr/>
+      </p:nvGrpSpPr>
+      <p:grpSpPr>
+        <a:xfrm>
+          <a:off x="0" y="0"/>
+          <a:ext cx="0" cy="0"/>
+          <a:chOff x="0" y="0"/>
+          <a:chExt cx="0" cy="0"/>
+        </a:xfrm>
+      </p:grpSpPr>
+      <p:sp>
+        <p:nvSpPr>
+          <p:cNvPr id="8" name="Rectangle 7">
+            <a:extLst>
+              <a:ext uri="{FF2B5EF4-FFF2-40B4-BE49-F238E27FC236}">
+                <a16:creationId xmlns:a16="http://schemas.microsoft.com/office/drawing/2014/main" id="{88294908-8B00-4F58-BBBA-20F71A40AA9E}"/>
+              </a:ext>
+              <a:ext uri="{C183D7F6-B498-43B3-948B-1728B52AA6E4}">
+                <adec:decorative xmlns:adec="http://schemas.microsoft.com/office/drawing/2017/decorative" val="1"/>
+              </a:ext>
+            </a:extLst>
+          </p:cNvPr>
+          <p:cNvSpPr>
+            <a:spLocks noGrp="1" noRot="1" noChangeAspect="1" noMove="1" noResize="1" noEditPoints="1" noAdjustHandles="1" noChangeArrowheads="1" noChangeShapeType="1" noTextEdit="1"/>
+          </p:cNvSpPr>
+          <p:nvPr>
+            <p:extLst>
+              <p:ext uri="{386F3935-93C4-4BCD-93E2-E3B085C9AB24}">
+                <p16:designElem xmlns:p16="http://schemas.microsoft.com/office/powerpoint/2015/main" val="1"/>
+              </p:ext>
+            </p:extLst>
+          </p:nvPr>
+        </p:nvSpPr>
+        <p:spPr>
+          <a:xfrm>
+            <a:off x="0" y="0"/>
+            <a:ext cx="12192000" cy="6858000"/>
+          </a:xfrm>
+          <a:prstGeom prst="rect">
+            <a:avLst/>
+          </a:prstGeom>
+          <a:solidFill>
+            <a:schemeClr val="bg2"/>
+          </a:solidFill>
+          <a:ln>
+            <a:noFill/>
+          </a:ln>
+        </p:spPr>
+        <p:style>
+          <a:lnRef idx="2">
+            <a:schemeClr val="accent1">
+              <a:shade val="50000"/>
+            </a:schemeClr>
+          </a:lnRef>
+          <a:fillRef idx="1">
+            <a:schemeClr val="accent1"/>
+          </a:fillRef>
+          <a:effectRef idx="0">
+            <a:schemeClr val="accent1"/>
+          </a:effectRef>
+          <a:fontRef idx="minor">
+            <a:schemeClr val="lt1"/>
+          </a:fontRef>
+        </p:style>
+        <p:txBody>
+          <a:bodyPr rtlCol="0" anchor="ctr"/>
+          <a:lstStyle/>
+          <a:p>
+            <a:pPr algn="ctr"/>
+            <a:endParaRPr lang="en-US" dirty="0"/>
+          </a:p>
+        </p:txBody>
+      </p:sp>
+      <p:sp>
+        <p:nvSpPr>
+          <p:cNvPr id="10" name="Freeform: Shape 9">
+            <a:extLst>
+              <a:ext uri="{FF2B5EF4-FFF2-40B4-BE49-F238E27FC236}">
+                <a16:creationId xmlns:a16="http://schemas.microsoft.com/office/drawing/2014/main" id="{4364C879-1404-4203-8E9D-CC5DE0A621A2}"/>
+              </a:ext>
+              <a:ext uri="{C183D7F6-B498-43B3-948B-1728B52AA6E4}">
+                <adec:decorative xmlns:adec="http://schemas.microsoft.com/office/drawing/2017/decorative" val="1"/>
+              </a:ext>
+            </a:extLst>
+          </p:cNvPr>
+          <p:cNvSpPr>
+            <a:spLocks noGrp="1" noRot="1" noChangeAspect="1" noMove="1" noResize="1" noEditPoints="1" noAdjustHandles="1" noChangeArrowheads="1" noChangeShapeType="1" noTextEdit="1"/>
+          </p:cNvSpPr>
+          <p:nvPr>
+            <p:extLst>
+              <p:ext uri="{386F3935-93C4-4BCD-93E2-E3B085C9AB24}">
+                <p16:designElem xmlns:p16="http://schemas.microsoft.com/office/powerpoint/2015/main" val="1"/>
+              </p:ext>
+            </p:extLst>
+          </p:nvPr>
+        </p:nvSpPr>
+        <p:spPr>
+          <a:xfrm rot="2700000">
+            <a:off x="82782" y="-1386168"/>
+            <a:ext cx="2424873" cy="3611191"/>
+          </a:xfrm>
+          <a:custGeom>
+            <a:avLst/>
+            <a:gdLst>
+              <a:gd name="connsiteX0" fmla="*/ 0 w 2424873"/>
+              <a:gd name="connsiteY0" fmla="*/ 2424874 h 3611191"/>
+              <a:gd name="connsiteX1" fmla="*/ 2424873 w 2424873"/>
+              <a:gd name="connsiteY1" fmla="*/ 0 h 3611191"/>
+              <a:gd name="connsiteX2" fmla="*/ 2424873 w 2424873"/>
+              <a:gd name="connsiteY2" fmla="*/ 3611191 h 3611191"/>
+              <a:gd name="connsiteX3" fmla="*/ 1186317 w 2424873"/>
+              <a:gd name="connsiteY3" fmla="*/ 3611191 h 3611191"/>
+            </a:gdLst>
+            <a:ahLst/>
+            <a:cxnLst>
+              <a:cxn ang="0">
+                <a:pos x="connsiteX0" y="connsiteY0"/>
+              </a:cxn>
+              <a:cxn ang="0">
+                <a:pos x="connsiteX1" y="connsiteY1"/>
+              </a:cxn>
+              <a:cxn ang="0">
+                <a:pos x="connsiteX2" y="connsiteY2"/>
+              </a:cxn>
+              <a:cxn ang="0">
+                <a:pos x="connsiteX3" y="connsiteY3"/>
+              </a:cxn>
+            </a:cxnLst>
+            <a:rect l="l" t="t" r="r" b="b"/>
+            <a:pathLst>
+              <a:path w="2424873" h="3611191">
+                <a:moveTo>
+                  <a:pt x="0" y="2424874"/>
+                </a:moveTo>
+                <a:lnTo>
+                  <a:pt x="2424873" y="0"/>
+                </a:lnTo>
+                <a:lnTo>
+                  <a:pt x="2424873" y="3611191"/>
+                </a:lnTo>
+                <a:lnTo>
+                  <a:pt x="1186317" y="3611191"/>
+                </a:lnTo>
+                <a:close/>
+              </a:path>
+            </a:pathLst>
+          </a:custGeom>
+          <a:solidFill>
+            <a:schemeClr val="accent4">
+              <a:alpha val="40000"/>
+            </a:schemeClr>
+          </a:solidFill>
+          <a:ln>
+            <a:noFill/>
+          </a:ln>
+        </p:spPr>
+        <p:style>
+          <a:lnRef idx="2">
+            <a:schemeClr val="accent1">
+              <a:shade val="50000"/>
+            </a:schemeClr>
+          </a:lnRef>
+          <a:fillRef idx="1">
+            <a:schemeClr val="accent1"/>
+          </a:fillRef>
+          <a:effectRef idx="0">
+            <a:schemeClr val="accent1"/>
+          </a:effectRef>
+          <a:fontRef idx="minor">
+            <a:schemeClr val="lt1"/>
+          </a:fontRef>
+        </p:style>
+        <p:txBody>
+          <a:bodyPr wrap="square" rtlCol="0" anchor="ctr">
+            <a:noAutofit/>
+          </a:bodyPr>
+          <a:lstStyle/>
+          <a:p>
+            <a:pPr algn="ctr"/>
+            <a:endParaRPr lang="en-US"/>
+          </a:p>
+        </p:txBody>
+      </p:sp>
+      <p:sp>
+        <p:nvSpPr>
+          <p:cNvPr id="12" name="Freeform: Shape 11">
+            <a:extLst>
+              <a:ext uri="{FF2B5EF4-FFF2-40B4-BE49-F238E27FC236}">
+                <a16:creationId xmlns:a16="http://schemas.microsoft.com/office/drawing/2014/main" id="{84617302-4B0D-4351-A6BB-6F0930D943AC}"/>
+              </a:ext>
+              <a:ext uri="{C183D7F6-B498-43B3-948B-1728B52AA6E4}">
+                <adec:decorative xmlns:adec="http://schemas.microsoft.com/office/drawing/2017/decorative" val="1"/>
+              </a:ext>
+            </a:extLst>
+          </p:cNvPr>
+          <p:cNvSpPr>
+            <a:spLocks noGrp="1" noRot="1" noChangeAspect="1" noMove="1" noResize="1" noEditPoints="1" noAdjustHandles="1" noChangeArrowheads="1" noChangeShapeType="1" noTextEdit="1"/>
+          </p:cNvSpPr>
+          <p:nvPr>
+            <p:extLst>
+              <p:ext uri="{386F3935-93C4-4BCD-93E2-E3B085C9AB24}">
+                <p16:designElem xmlns:p16="http://schemas.microsoft.com/office/powerpoint/2015/main" val="1"/>
+              </p:ext>
+            </p:extLst>
+          </p:nvPr>
+        </p:nvSpPr>
+        <p:spPr>
+          <a:xfrm rot="2700000">
+            <a:off x="1571000" y="-338582"/>
+            <a:ext cx="1635955" cy="1635955"/>
+          </a:xfrm>
+          <a:custGeom>
+            <a:avLst/>
+            <a:gdLst>
+              <a:gd name="connsiteX0" fmla="*/ 0 w 1635955"/>
+              <a:gd name="connsiteY0" fmla="*/ 957987 h 1635955"/>
+              <a:gd name="connsiteX1" fmla="*/ 957987 w 1635955"/>
+              <a:gd name="connsiteY1" fmla="*/ 0 h 1635955"/>
+              <a:gd name="connsiteX2" fmla="*/ 1635955 w 1635955"/>
+              <a:gd name="connsiteY2" fmla="*/ 0 h 1635955"/>
+              <a:gd name="connsiteX3" fmla="*/ 1635955 w 1635955"/>
+              <a:gd name="connsiteY3" fmla="*/ 1635955 h 1635955"/>
+              <a:gd name="connsiteX4" fmla="*/ 0 w 1635955"/>
+              <a:gd name="connsiteY4" fmla="*/ 1635955 h 1635955"/>
+            </a:gdLst>
+            <a:ahLst/>
+            <a:cxnLst>
+              <a:cxn ang="0">
+                <a:pos x="connsiteX0" y="connsiteY0"/>
+              </a:cxn>
+              <a:cxn ang="0">
+                <a:pos x="connsiteX1" y="connsiteY1"/>
+              </a:cxn>
+              <a:cxn ang="0">
+                <a:pos x="connsiteX2" y="connsiteY2"/>
+              </a:cxn>
+              <a:cxn ang="0">
+                <a:pos x="connsiteX3" y="connsiteY3"/>
+              </a:cxn>
+              <a:cxn ang="0">
+                <a:pos x="connsiteX4" y="connsiteY4"/>
+              </a:cxn>
+            </a:cxnLst>
+            <a:rect l="l" t="t" r="r" b="b"/>
+            <a:pathLst>
+              <a:path w="1635955" h="1635955">
+                <a:moveTo>
+                  <a:pt x="0" y="957987"/>
+                </a:moveTo>
+                <a:lnTo>
+                  <a:pt x="957987" y="0"/>
+                </a:lnTo>
+                <a:lnTo>
+                  <a:pt x="1635955" y="0"/>
+                </a:lnTo>
+                <a:lnTo>
+                  <a:pt x="1635955" y="1635955"/>
+                </a:lnTo>
+                <a:lnTo>
+                  <a:pt x="0" y="1635955"/>
+                </a:lnTo>
+                <a:close/>
+              </a:path>
+            </a:pathLst>
+          </a:custGeom>
+          <a:solidFill>
+            <a:schemeClr val="accent4">
+              <a:alpha val="40000"/>
+            </a:schemeClr>
+          </a:solidFill>
+          <a:ln>
+            <a:noFill/>
+          </a:ln>
+        </p:spPr>
+        <p:style>
+          <a:lnRef idx="2">
+            <a:schemeClr val="accent1">
+              <a:shade val="50000"/>
+            </a:schemeClr>
+          </a:lnRef>
+          <a:fillRef idx="1">
+            <a:schemeClr val="accent1"/>
+          </a:fillRef>
+          <a:effectRef idx="0">
+            <a:schemeClr val="accent1"/>
+          </a:effectRef>
+          <a:fontRef idx="minor">
+            <a:schemeClr val="lt1"/>
+          </a:fontRef>
+        </p:style>
+        <p:txBody>
+          <a:bodyPr wrap="square" rtlCol="0" anchor="ctr">
+            <a:noAutofit/>
+          </a:bodyPr>
+          <a:lstStyle/>
+          <a:p>
+            <a:pPr algn="ctr"/>
+            <a:endParaRPr lang="en-US"/>
+          </a:p>
+        </p:txBody>
+      </p:sp>
+      <p:sp>
+        <p:nvSpPr>
+          <p:cNvPr id="14" name="Freeform: Shape 13">
+            <a:extLst>
+              <a:ext uri="{FF2B5EF4-FFF2-40B4-BE49-F238E27FC236}">
+                <a16:creationId xmlns:a16="http://schemas.microsoft.com/office/drawing/2014/main" id="{DA2C7802-C2E0-4218-8F89-8DD7CCD2CD1C}"/>
+              </a:ext>
+              <a:ext uri="{C183D7F6-B498-43B3-948B-1728B52AA6E4}">
+                <adec:decorative xmlns:adec="http://schemas.microsoft.com/office/drawing/2017/decorative" val="1"/>
+              </a:ext>
+            </a:extLst>
+          </p:cNvPr>
+          <p:cNvSpPr>
+            <a:spLocks noGrp="1" noRot="1" noChangeAspect="1" noMove="1" noResize="1" noEditPoints="1" noAdjustHandles="1" noChangeArrowheads="1" noChangeShapeType="1" noTextEdit="1"/>
+          </p:cNvSpPr>
+          <p:nvPr>
+            <p:extLst>
+              <p:ext uri="{386F3935-93C4-4BCD-93E2-E3B085C9AB24}">
+                <p16:designElem xmlns:p16="http://schemas.microsoft.com/office/powerpoint/2015/main" val="1"/>
+              </p:ext>
+            </p:extLst>
+          </p:nvPr>
+        </p:nvSpPr>
+        <p:spPr>
+          <a:xfrm rot="2700000">
+            <a:off x="9627985" y="-6588"/>
+            <a:ext cx="4059393" cy="2548110"/>
+          </a:xfrm>
+          <a:custGeom>
+            <a:avLst/>
+            <a:gdLst>
+              <a:gd name="connsiteX0" fmla="*/ 0 w 4059393"/>
+              <a:gd name="connsiteY0" fmla="*/ 1511282 h 2548110"/>
+              <a:gd name="connsiteX1" fmla="*/ 1511282 w 4059393"/>
+              <a:gd name="connsiteY1" fmla="*/ 0 h 2548110"/>
+              <a:gd name="connsiteX2" fmla="*/ 4059393 w 4059393"/>
+              <a:gd name="connsiteY2" fmla="*/ 2548110 h 2548110"/>
+              <a:gd name="connsiteX3" fmla="*/ 0 w 4059393"/>
+              <a:gd name="connsiteY3" fmla="*/ 2548110 h 2548110"/>
+            </a:gdLst>
+            <a:ahLst/>
+            <a:cxnLst>
+              <a:cxn ang="0">
+                <a:pos x="connsiteX0" y="connsiteY0"/>
+              </a:cxn>
+              <a:cxn ang="0">
+                <a:pos x="connsiteX1" y="connsiteY1"/>
+              </a:cxn>
+              <a:cxn ang="0">
+                <a:pos x="connsiteX2" y="connsiteY2"/>
+              </a:cxn>
+              <a:cxn ang="0">
+                <a:pos x="connsiteX3" y="connsiteY3"/>
+              </a:cxn>
+            </a:cxnLst>
+            <a:rect l="l" t="t" r="r" b="b"/>
+            <a:pathLst>
+              <a:path w="4059393" h="2548110">
+                <a:moveTo>
+                  <a:pt x="0" y="1511282"/>
+                </a:moveTo>
+                <a:lnTo>
+                  <a:pt x="1511282" y="0"/>
+                </a:lnTo>
+                <a:lnTo>
+                  <a:pt x="4059393" y="2548110"/>
+                </a:lnTo>
+                <a:lnTo>
+                  <a:pt x="0" y="2548110"/>
+                </a:lnTo>
+                <a:close/>
+              </a:path>
+            </a:pathLst>
+          </a:custGeom>
+          <a:solidFill>
+            <a:schemeClr val="accent1">
+              <a:alpha val="30000"/>
+            </a:schemeClr>
+          </a:solidFill>
+          <a:ln>
+            <a:noFill/>
+          </a:ln>
+        </p:spPr>
+        <p:style>
+          <a:lnRef idx="2">
+            <a:schemeClr val="accent1">
+              <a:shade val="50000"/>
+            </a:schemeClr>
+          </a:lnRef>
+          <a:fillRef idx="1">
+            <a:schemeClr val="accent1"/>
+          </a:fillRef>
+          <a:effectRef idx="0">
+            <a:schemeClr val="accent1"/>
+          </a:effectRef>
+          <a:fontRef idx="minor">
+            <a:schemeClr val="lt1"/>
+          </a:fontRef>
+        </p:style>
+        <p:txBody>
+          <a:bodyPr wrap="square" rtlCol="0" anchor="ctr">
+            <a:noAutofit/>
+          </a:bodyPr>
+          <a:lstStyle/>
+          <a:p>
+            <a:pPr algn="ctr"/>
+            <a:endParaRPr lang="en-US"/>
+          </a:p>
+        </p:txBody>
+      </p:sp>
+      <p:sp>
+        <p:nvSpPr>
+          <p:cNvPr id="16" name="Rectangle 15">
+            <a:extLst>
+              <a:ext uri="{FF2B5EF4-FFF2-40B4-BE49-F238E27FC236}">
+                <a16:creationId xmlns:a16="http://schemas.microsoft.com/office/drawing/2014/main" id="{A6D7111A-21E5-4EE9-8A78-10E5530F0116}"/>
+              </a:ext>
+              <a:ext uri="{C183D7F6-B498-43B3-948B-1728B52AA6E4}">
+                <adec:decorative xmlns:adec="http://schemas.microsoft.com/office/drawing/2017/decorative" val="1"/>
+              </a:ext>
+            </a:extLst>
+          </p:cNvPr>
+          <p:cNvSpPr>
+            <a:spLocks noGrp="1" noRot="1" noChangeAspect="1" noMove="1" noResize="1" noEditPoints="1" noAdjustHandles="1" noChangeArrowheads="1" noChangeShapeType="1" noTextEdit="1"/>
+          </p:cNvSpPr>
+          <p:nvPr>
+            <p:extLst>
+              <p:ext uri="{386F3935-93C4-4BCD-93E2-E3B085C9AB24}">
+                <p16:designElem xmlns:p16="http://schemas.microsoft.com/office/powerpoint/2015/main" val="1"/>
+              </p:ext>
+            </p:extLst>
+          </p:nvPr>
+        </p:nvSpPr>
+        <p:spPr>
+          <a:xfrm rot="2700000">
+            <a:off x="10262924" y="1465780"/>
+            <a:ext cx="1185708" cy="1185708"/>
+          </a:xfrm>
+          <a:prstGeom prst="rect">
+            <a:avLst/>
+          </a:prstGeom>
+          <a:solidFill>
+            <a:schemeClr val="accent1">
+              <a:alpha val="30000"/>
+            </a:schemeClr>
+          </a:solidFill>
+          <a:ln>
+            <a:noFill/>
+          </a:ln>
+        </p:spPr>
+        <p:style>
+          <a:lnRef idx="2">
+            <a:schemeClr val="accent1">
+              <a:shade val="50000"/>
+            </a:schemeClr>
+          </a:lnRef>
+          <a:fillRef idx="1">
+            <a:schemeClr val="accent1"/>
+          </a:fillRef>
+          <a:effectRef idx="0">
+            <a:schemeClr val="accent1"/>
+          </a:effectRef>
+          <a:fontRef idx="minor">
+            <a:schemeClr val="lt1"/>
+          </a:fontRef>
+        </p:style>
+        <p:txBody>
+          <a:bodyPr wrap="square" rtlCol="0" anchor="ctr">
+            <a:noAutofit/>
+          </a:bodyPr>
+          <a:lstStyle/>
+          <a:p>
+            <a:pPr algn="ctr"/>
+            <a:endParaRPr lang="en-US"/>
+          </a:p>
+        </p:txBody>
+      </p:sp>
+      <p:sp>
+        <p:nvSpPr>
+          <p:cNvPr id="18" name="Freeform: Shape 17">
+            <a:extLst>
+              <a:ext uri="{FF2B5EF4-FFF2-40B4-BE49-F238E27FC236}">
+                <a16:creationId xmlns:a16="http://schemas.microsoft.com/office/drawing/2014/main" id="{A3969E80-A77B-49FC-9122-D89AFD5EE118}"/>
+              </a:ext>
+              <a:ext uri="{C183D7F6-B498-43B3-948B-1728B52AA6E4}">
+                <adec:decorative xmlns:adec="http://schemas.microsoft.com/office/drawing/2017/decorative" val="1"/>
+              </a:ext>
+            </a:extLst>
+          </p:cNvPr>
+          <p:cNvSpPr>
+            <a:spLocks noGrp="1" noRot="1" noChangeAspect="1" noMove="1" noResize="1" noEditPoints="1" noAdjustHandles="1" noChangeArrowheads="1" noChangeShapeType="1" noTextEdit="1"/>
+          </p:cNvSpPr>
+          <p:nvPr>
+            <p:extLst>
+              <p:ext uri="{386F3935-93C4-4BCD-93E2-E3B085C9AB24}">
+                <p16:designElem xmlns:p16="http://schemas.microsoft.com/office/powerpoint/2015/main" val="1"/>
+              </p:ext>
+            </p:extLst>
+          </p:nvPr>
+        </p:nvSpPr>
+        <p:spPr>
+          <a:xfrm rot="2700000">
+            <a:off x="-29557" y="5198743"/>
+            <a:ext cx="2444907" cy="2366116"/>
+          </a:xfrm>
+          <a:custGeom>
+            <a:avLst/>
+            <a:gdLst>
+              <a:gd name="connsiteX0" fmla="*/ 0 w 2203753"/>
+              <a:gd name="connsiteY0" fmla="*/ 0 h 2132734"/>
+              <a:gd name="connsiteX1" fmla="*/ 2203753 w 2203753"/>
+              <a:gd name="connsiteY1" fmla="*/ 0 h 2132734"/>
+              <a:gd name="connsiteX2" fmla="*/ 2203753 w 2203753"/>
+              <a:gd name="connsiteY2" fmla="*/ 576461 h 2132734"/>
+              <a:gd name="connsiteX3" fmla="*/ 647480 w 2203753"/>
+              <a:gd name="connsiteY3" fmla="*/ 2132734 h 2132734"/>
+              <a:gd name="connsiteX4" fmla="*/ 0 w 2203753"/>
+              <a:gd name="connsiteY4" fmla="*/ 1485255 h 2132734"/>
+            </a:gdLst>
+            <a:ahLst/>
+            <a:cxnLst>
+              <a:cxn ang="0">
+                <a:pos x="connsiteX0" y="connsiteY0"/>
+              </a:cxn>
+              <a:cxn ang="0">
+                <a:pos x="connsiteX1" y="connsiteY1"/>
+              </a:cxn>
+              <a:cxn ang="0">
+                <a:pos x="connsiteX2" y="connsiteY2"/>
+              </a:cxn>
+              <a:cxn ang="0">
+                <a:pos x="connsiteX3" y="connsiteY3"/>
+              </a:cxn>
+              <a:cxn ang="0">
+                <a:pos x="connsiteX4" y="connsiteY4"/>
+              </a:cxn>
+            </a:cxnLst>
+            <a:rect l="l" t="t" r="r" b="b"/>
+            <a:pathLst>
+              <a:path w="2203753" h="2132734">
+                <a:moveTo>
+                  <a:pt x="0" y="0"/>
+                </a:moveTo>
+                <a:lnTo>
+                  <a:pt x="2203753" y="0"/>
+                </a:lnTo>
+                <a:lnTo>
+                  <a:pt x="2203753" y="576461"/>
+                </a:lnTo>
+                <a:lnTo>
+                  <a:pt x="647480" y="2132734"/>
+                </a:lnTo>
+                <a:lnTo>
+                  <a:pt x="0" y="1485255"/>
+                </a:lnTo>
+                <a:close/>
+              </a:path>
+            </a:pathLst>
+          </a:custGeom>
+          <a:solidFill>
+            <a:schemeClr val="accent1">
+              <a:alpha val="30000"/>
+            </a:schemeClr>
+          </a:solidFill>
+          <a:ln>
+            <a:noFill/>
+          </a:ln>
+        </p:spPr>
+        <p:style>
+          <a:lnRef idx="2">
+            <a:schemeClr val="accent1">
+              <a:shade val="50000"/>
+            </a:schemeClr>
+          </a:lnRef>
+          <a:fillRef idx="1">
+            <a:schemeClr val="accent1"/>
+          </a:fillRef>
+          <a:effectRef idx="0">
+            <a:schemeClr val="accent1"/>
+          </a:effectRef>
+          <a:fontRef idx="minor">
+            <a:schemeClr val="lt1"/>
+          </a:fontRef>
+        </p:style>
+        <p:txBody>
+          <a:bodyPr wrap="square" rtlCol="0" anchor="ctr">
+            <a:noAutofit/>
+          </a:bodyPr>
+          <a:lstStyle/>
+          <a:p>
+            <a:pPr algn="ctr"/>
+            <a:endParaRPr lang="en-US"/>
+          </a:p>
+        </p:txBody>
+      </p:sp>
+      <p:sp>
+        <p:nvSpPr>
+          <p:cNvPr id="20" name="Rectangle 19">
+            <a:extLst>
+              <a:ext uri="{FF2B5EF4-FFF2-40B4-BE49-F238E27FC236}">
+                <a16:creationId xmlns:a16="http://schemas.microsoft.com/office/drawing/2014/main" id="{1849CA57-76BD-4CF2-80BA-D7A46A01B7B1}"/>
+              </a:ext>
+              <a:ext uri="{C183D7F6-B498-43B3-948B-1728B52AA6E4}">
+                <adec:decorative xmlns:adec="http://schemas.microsoft.com/office/drawing/2017/decorative" val="1"/>
+              </a:ext>
+            </a:extLst>
+          </p:cNvPr>
+          <p:cNvSpPr>
+            <a:spLocks noGrp="1" noRot="1" noChangeAspect="1" noMove="1" noResize="1" noEditPoints="1" noAdjustHandles="1" noChangeArrowheads="1" noChangeShapeType="1" noTextEdit="1"/>
+          </p:cNvSpPr>
+          <p:nvPr>
+            <p:extLst>
+              <p:ext uri="{386F3935-93C4-4BCD-93E2-E3B085C9AB24}">
+                <p16:designElem xmlns:p16="http://schemas.microsoft.com/office/powerpoint/2015/main" val="1"/>
+              </p:ext>
+            </p:extLst>
+          </p:nvPr>
+        </p:nvSpPr>
+        <p:spPr>
+          <a:xfrm rot="2700000">
+            <a:off x="1769787" y="5439893"/>
+            <a:ext cx="928467" cy="928467"/>
+          </a:xfrm>
+          <a:prstGeom prst="rect">
+            <a:avLst/>
+          </a:prstGeom>
+          <a:solidFill>
+            <a:schemeClr val="accent1">
+              <a:alpha val="30000"/>
+            </a:schemeClr>
+          </a:solidFill>
+          <a:ln>
+            <a:noFill/>
+          </a:ln>
+        </p:spPr>
+        <p:style>
+          <a:lnRef idx="2">
+            <a:schemeClr val="accent1">
+              <a:shade val="50000"/>
+            </a:schemeClr>
+          </a:lnRef>
+          <a:fillRef idx="1">
+            <a:schemeClr val="accent1"/>
+          </a:fillRef>
+          <a:effectRef idx="0">
+            <a:schemeClr val="accent1"/>
+          </a:effectRef>
+          <a:fontRef idx="minor">
+            <a:schemeClr val="lt1"/>
+          </a:fontRef>
+        </p:style>
+        <p:txBody>
+          <a:bodyPr wrap="square" rtlCol="0" anchor="ctr">
+            <a:noAutofit/>
+          </a:bodyPr>
+          <a:lstStyle/>
+          <a:p>
+            <a:pPr algn="ctr"/>
+            <a:endParaRPr lang="en-US">
+              <a:solidFill>
+                <a:srgbClr val="FFFFFF"/>
+              </a:solidFill>
+              <a:effectLst>
+                <a:outerShdw blurRad="38100" dist="38100" dir="2700000" algn="tl">
+                  <a:srgbClr val="000000">
+                    <a:alpha val="43137"/>
+                  </a:srgbClr>
+                </a:outerShdw>
+              </a:effectLst>
+            </a:endParaRPr>
+          </a:p>
+        </p:txBody>
+      </p:sp>
+      <p:sp>
+        <p:nvSpPr>
+          <p:cNvPr id="22" name="Freeform: Shape 21">
+            <a:extLst>
+              <a:ext uri="{FF2B5EF4-FFF2-40B4-BE49-F238E27FC236}">
+                <a16:creationId xmlns:a16="http://schemas.microsoft.com/office/drawing/2014/main" id="{35E9085E-E730-4768-83D4-6CB7E9897153}"/>
+              </a:ext>
+              <a:ext uri="{C183D7F6-B498-43B3-948B-1728B52AA6E4}">
+                <adec:decorative xmlns:adec="http://schemas.microsoft.com/office/drawing/2017/decorative" val="1"/>
+              </a:ext>
+            </a:extLst>
+          </p:cNvPr>
+          <p:cNvSpPr>
+            <a:spLocks noGrp="1" noRot="1" noChangeAspect="1" noMove="1" noResize="1" noEditPoints="1" noAdjustHandles="1" noChangeArrowheads="1" noChangeShapeType="1" noTextEdit="1"/>
+          </p:cNvSpPr>
+          <p:nvPr>
+            <p:extLst>
+              <p:ext uri="{386F3935-93C4-4BCD-93E2-E3B085C9AB24}">
+                <p16:designElem xmlns:p16="http://schemas.microsoft.com/office/powerpoint/2015/main" val="1"/>
+              </p:ext>
+            </p:extLst>
+          </p:nvPr>
+        </p:nvSpPr>
+        <p:spPr>
+          <a:xfrm rot="2700000">
+            <a:off x="3401311" y="734311"/>
+            <a:ext cx="5389379" cy="5389379"/>
+          </a:xfrm>
+          <a:custGeom>
+            <a:avLst/>
+            <a:gdLst>
+              <a:gd name="connsiteX0" fmla="*/ 0 w 5389379"/>
+              <a:gd name="connsiteY0" fmla="*/ 540040 h 5389379"/>
+              <a:gd name="connsiteX1" fmla="*/ 540040 w 5389379"/>
+              <a:gd name="connsiteY1" fmla="*/ 0 h 5389379"/>
+              <a:gd name="connsiteX2" fmla="*/ 5389379 w 5389379"/>
+              <a:gd name="connsiteY2" fmla="*/ 0 h 5389379"/>
+              <a:gd name="connsiteX3" fmla="*/ 5389379 w 5389379"/>
+              <a:gd name="connsiteY3" fmla="*/ 4838655 h 5389379"/>
+              <a:gd name="connsiteX4" fmla="*/ 4838655 w 5389379"/>
+              <a:gd name="connsiteY4" fmla="*/ 5389379 h 5389379"/>
+              <a:gd name="connsiteX5" fmla="*/ 0 w 5389379"/>
+              <a:gd name="connsiteY5" fmla="*/ 5389379 h 5389379"/>
+            </a:gdLst>
+            <a:ahLst/>
+            <a:cxnLst>
+              <a:cxn ang="0">
+                <a:pos x="connsiteX0" y="connsiteY0"/>
+              </a:cxn>
+              <a:cxn ang="0">
+                <a:pos x="connsiteX1" y="connsiteY1"/>
+              </a:cxn>
+              <a:cxn ang="0">
+                <a:pos x="connsiteX2" y="connsiteY2"/>
+              </a:cxn>
+              <a:cxn ang="0">
+                <a:pos x="connsiteX3" y="connsiteY3"/>
+              </a:cxn>
+              <a:cxn ang="0">
+                <a:pos x="connsiteX4" y="connsiteY4"/>
+              </a:cxn>
+              <a:cxn ang="0">
+                <a:pos x="connsiteX5" y="connsiteY5"/>
+              </a:cxn>
+            </a:cxnLst>
+            <a:rect l="l" t="t" r="r" b="b"/>
+            <a:pathLst>
+              <a:path w="5389379" h="5389379">
+                <a:moveTo>
+                  <a:pt x="0" y="540040"/>
+                </a:moveTo>
+                <a:lnTo>
+                  <a:pt x="540040" y="0"/>
+                </a:lnTo>
+                <a:lnTo>
+                  <a:pt x="5389379" y="0"/>
+                </a:lnTo>
+                <a:lnTo>
+                  <a:pt x="5389379" y="4838655"/>
+                </a:lnTo>
+                <a:lnTo>
+                  <a:pt x="4838655" y="5389379"/>
+                </a:lnTo>
+                <a:lnTo>
+                  <a:pt x="0" y="5389379"/>
+                </a:lnTo>
+                <a:close/>
+              </a:path>
+            </a:pathLst>
+          </a:custGeom>
+          <a:solidFill>
+            <a:srgbClr val="FFFFFF"/>
+          </a:solidFill>
+          <a:ln>
+            <a:noFill/>
+          </a:ln>
+        </p:spPr>
+        <p:style>
+          <a:lnRef idx="2">
+            <a:schemeClr val="accent1">
+              <a:shade val="50000"/>
+            </a:schemeClr>
+          </a:lnRef>
+          <a:fillRef idx="1">
+            <a:schemeClr val="accent1"/>
+          </a:fillRef>
+          <a:effectRef idx="0">
+            <a:schemeClr val="accent1"/>
+          </a:effectRef>
+          <a:fontRef idx="minor">
+            <a:schemeClr val="lt1"/>
+          </a:fontRef>
+        </p:style>
+        <p:txBody>
+          <a:bodyPr wrap="square" rtlCol="0" anchor="ctr">
+            <a:noAutofit/>
+          </a:bodyPr>
+          <a:lstStyle/>
+          <a:p>
+            <a:pPr algn="ctr"/>
+            <a:endParaRPr lang="en-US"/>
+          </a:p>
+        </p:txBody>
+      </p:sp>
+      <p:sp>
+        <p:nvSpPr>
+          <p:cNvPr id="24" name="Freeform: Shape 23">
+            <a:extLst>
+              <a:ext uri="{FF2B5EF4-FFF2-40B4-BE49-F238E27FC236}">
+                <a16:creationId xmlns:a16="http://schemas.microsoft.com/office/drawing/2014/main" id="{973272FE-A474-4CAE-8CA2-BCC8B476C3F4}"/>
+              </a:ext>
+              <a:ext uri="{C183D7F6-B498-43B3-948B-1728B52AA6E4}">
+                <adec:decorative xmlns:adec="http://schemas.microsoft.com/office/drawing/2017/decorative" val="1"/>
+              </a:ext>
+            </a:extLst>
+          </p:cNvPr>
+          <p:cNvSpPr>
+            <a:spLocks noGrp="1" noRot="1" noChangeAspect="1" noMove="1" noResize="1" noEditPoints="1" noAdjustHandles="1" noChangeArrowheads="1" noChangeShapeType="1" noTextEdit="1"/>
+          </p:cNvSpPr>
+          <p:nvPr>
+            <p:extLst>
+              <p:ext uri="{386F3935-93C4-4BCD-93E2-E3B085C9AB24}">
+                <p16:designElem xmlns:p16="http://schemas.microsoft.com/office/powerpoint/2015/main" val="1"/>
+              </p:ext>
+            </p:extLst>
+          </p:nvPr>
+        </p:nvSpPr>
+        <p:spPr>
+          <a:xfrm rot="2700000">
+            <a:off x="2700283" y="33283"/>
+            <a:ext cx="6791435" cy="6791435"/>
+          </a:xfrm>
+          <a:custGeom>
+            <a:avLst/>
+            <a:gdLst>
+              <a:gd name="connsiteX0" fmla="*/ 1860938 w 6791435"/>
+              <a:gd name="connsiteY0" fmla="*/ 81158 h 6791435"/>
+              <a:gd name="connsiteX1" fmla="*/ 1942096 w 6791435"/>
+              <a:gd name="connsiteY1" fmla="*/ 0 h 6791435"/>
+              <a:gd name="connsiteX2" fmla="*/ 6791435 w 6791435"/>
+              <a:gd name="connsiteY2" fmla="*/ 0 h 6791435"/>
+              <a:gd name="connsiteX3" fmla="*/ 6791435 w 6791435"/>
+              <a:gd name="connsiteY3" fmla="*/ 4838655 h 6791435"/>
+              <a:gd name="connsiteX4" fmla="*/ 6710277 w 6791435"/>
+              <a:gd name="connsiteY4" fmla="*/ 4919813 h 6791435"/>
+              <a:gd name="connsiteX5" fmla="*/ 6710277 w 6791435"/>
+              <a:gd name="connsiteY5" fmla="*/ 81158 h 6791435"/>
+              <a:gd name="connsiteX6" fmla="*/ 0 w 6791435"/>
+              <a:gd name="connsiteY6" fmla="*/ 1942096 h 6791435"/>
+              <a:gd name="connsiteX7" fmla="*/ 81158 w 6791435"/>
+              <a:gd name="connsiteY7" fmla="*/ 1860938 h 6791435"/>
+              <a:gd name="connsiteX8" fmla="*/ 81158 w 6791435"/>
+              <a:gd name="connsiteY8" fmla="*/ 6710277 h 6791435"/>
+              <a:gd name="connsiteX9" fmla="*/ 4919813 w 6791435"/>
+              <a:gd name="connsiteY9" fmla="*/ 6710277 h 6791435"/>
+              <a:gd name="connsiteX10" fmla="*/ 4838655 w 6791435"/>
+              <a:gd name="connsiteY10" fmla="*/ 6791435 h 6791435"/>
+              <a:gd name="connsiteX11" fmla="*/ 0 w 6791435"/>
+              <a:gd name="connsiteY11" fmla="*/ 6791435 h 6791435"/>
+            </a:gdLst>
+            <a:ahLst/>
+            <a:cxnLst>
+              <a:cxn ang="0">
+                <a:pos x="connsiteX0" y="connsiteY0"/>
+              </a:cxn>
+              <a:cxn ang="0">
+                <a:pos x="connsiteX1" y="connsiteY1"/>
+              </a:cxn>
+              <a:cxn ang="0">
+                <a:pos x="connsiteX2" y="connsiteY2"/>
+              </a:cxn>
+              <a:cxn ang="0">
+                <a:pos x="connsiteX3" y="connsiteY3"/>
+              </a:cxn>
+              <a:cxn ang="0">
+                <a:pos x="connsiteX4" y="connsiteY4"/>
+              </a:cxn>
+              <a:cxn ang="0">
+                <a:pos x="connsiteX5" y="connsiteY5"/>
+              </a:cxn>
+              <a:cxn ang="0">
+                <a:pos x="connsiteX6" y="connsiteY6"/>
+              </a:cxn>
+              <a:cxn ang="0">
+                <a:pos x="connsiteX7" y="connsiteY7"/>
+              </a:cxn>
+              <a:cxn ang="0">
+                <a:pos x="connsiteX8" y="connsiteY8"/>
+              </a:cxn>
+              <a:cxn ang="0">
+                <a:pos x="connsiteX9" y="connsiteY9"/>
+              </a:cxn>
+              <a:cxn ang="0">
+                <a:pos x="connsiteX10" y="connsiteY10"/>
+              </a:cxn>
+              <a:cxn ang="0">
+                <a:pos x="connsiteX11" y="connsiteY11"/>
+              </a:cxn>
+            </a:cxnLst>
+            <a:rect l="l" t="t" r="r" b="b"/>
+            <a:pathLst>
+              <a:path w="6791435" h="6791435">
+                <a:moveTo>
+                  <a:pt x="1860938" y="81158"/>
+                </a:moveTo>
+                <a:lnTo>
+                  <a:pt x="1942096" y="0"/>
+                </a:lnTo>
+                <a:lnTo>
+                  <a:pt x="6791435" y="0"/>
+                </a:lnTo>
+                <a:lnTo>
+                  <a:pt x="6791435" y="4838655"/>
+                </a:lnTo>
+                <a:lnTo>
+                  <a:pt x="6710277" y="4919813"/>
+                </a:lnTo>
+                <a:lnTo>
+                  <a:pt x="6710277" y="81158"/>
+                </a:lnTo>
+                <a:close/>
+                <a:moveTo>
+                  <a:pt x="0" y="1942096"/>
+                </a:moveTo>
+                <a:lnTo>
+                  <a:pt x="81158" y="1860938"/>
+                </a:lnTo>
+                <a:lnTo>
+                  <a:pt x="81158" y="6710277"/>
+                </a:lnTo>
+                <a:lnTo>
+                  <a:pt x="4919813" y="6710277"/>
+                </a:lnTo>
+                <a:lnTo>
+                  <a:pt x="4838655" y="6791435"/>
+                </a:lnTo>
+                <a:lnTo>
+                  <a:pt x="0" y="6791435"/>
+                </a:lnTo>
+                <a:close/>
+              </a:path>
+            </a:pathLst>
+          </a:custGeom>
+          <a:solidFill>
+            <a:srgbClr val="FFFFFF">
+              <a:alpha val="60000"/>
+            </a:srgbClr>
+          </a:solidFill>
+          <a:ln>
+            <a:noFill/>
+          </a:ln>
+        </p:spPr>
+        <p:style>
+          <a:lnRef idx="2">
+            <a:schemeClr val="accent1">
+              <a:shade val="50000"/>
+            </a:schemeClr>
+          </a:lnRef>
+          <a:fillRef idx="1">
+            <a:schemeClr val="accent1"/>
+          </a:fillRef>
+          <a:effectRef idx="0">
+            <a:schemeClr val="accent1"/>
+          </a:effectRef>
+          <a:fontRef idx="minor">
+            <a:schemeClr val="lt1"/>
+          </a:fontRef>
+        </p:style>
+        <p:txBody>
+          <a:bodyPr wrap="square" rtlCol="0" anchor="ctr">
+            <a:noAutofit/>
+          </a:bodyPr>
+          <a:lstStyle/>
+          <a:p>
+            <a:pPr algn="ctr"/>
+            <a:endParaRPr lang="en-US">
+              <a:solidFill>
+                <a:schemeClr val="tx1"/>
+              </a:solidFill>
+            </a:endParaRPr>
+          </a:p>
+        </p:txBody>
+      </p:sp>
+      <p:sp>
+        <p:nvSpPr>
+          <p:cNvPr id="3" name="Untertitel 2">
+            <a:extLst>
+              <a:ext uri="{FF2B5EF4-FFF2-40B4-BE49-F238E27FC236}">
+                <a16:creationId xmlns:a16="http://schemas.microsoft.com/office/drawing/2014/main" id="{A4A3B394-275F-4105-B871-7A4A91C2B3E1}"/>
+              </a:ext>
+            </a:extLst>
+          </p:cNvPr>
+          <p:cNvSpPr>
+            <a:spLocks noGrp="1"/>
+          </p:cNvSpPr>
+          <p:nvPr>
+            <p:ph type="subTitle" idx="1"/>
+          </p:nvPr>
+        </p:nvSpPr>
+        <p:spPr>
+          <a:xfrm>
+            <a:off x="4439633" y="4518923"/>
+            <a:ext cx="3312734" cy="1141851"/>
+          </a:xfrm>
+          <a:noFill/>
+        </p:spPr>
+        <p:txBody>
+          <a:bodyPr>
+            <a:normAutofit/>
+          </a:bodyPr>
+          <a:lstStyle/>
+          <a:p>
+            <a:r>
+              <a:rPr lang="de-AT" sz="2000">
+                <a:solidFill>
+                  <a:srgbClr val="080808"/>
+                </a:solidFill>
+              </a:rPr>
+              <a:t>Jakob Schuch &amp; Patrick Würflinger</a:t>
+            </a:r>
+          </a:p>
+        </p:txBody>
+      </p:sp>
+      <p:sp>
+        <p:nvSpPr>
+          <p:cNvPr id="2" name="Titel 1">
+            <a:extLst>
+              <a:ext uri="{FF2B5EF4-FFF2-40B4-BE49-F238E27FC236}">
+                <a16:creationId xmlns:a16="http://schemas.microsoft.com/office/drawing/2014/main" id="{D039FE2E-3435-4AAE-89B3-82FB2F8D0962}"/>
+              </a:ext>
+            </a:extLst>
+          </p:cNvPr>
+          <p:cNvSpPr>
+            <a:spLocks noGrp="1"/>
+          </p:cNvSpPr>
+          <p:nvPr>
+            <p:ph type="ctrTitle"/>
+          </p:nvPr>
+        </p:nvSpPr>
+        <p:spPr>
+          <a:xfrm>
+            <a:off x="3204642" y="2353641"/>
+            <a:ext cx="5782716" cy="2150719"/>
+          </a:xfrm>
+          <a:noFill/>
+        </p:spPr>
+        <p:txBody>
+          <a:bodyPr anchor="ctr">
+            <a:normAutofit/>
+          </a:bodyPr>
+          <a:lstStyle/>
+          <a:p>
+            <a:r>
+              <a:rPr lang="de-AT" sz="3600">
+                <a:solidFill>
+                  <a:srgbClr val="080808"/>
+                </a:solidFill>
+              </a:rPr>
+              <a:t>DIP-Abschlussprojekt</a:t>
+            </a:r>
+          </a:p>
+        </p:txBody>
+      </p:sp>
+      <p:sp>
+        <p:nvSpPr>
+          <p:cNvPr id="26" name="Freeform: Shape 25">
+            <a:extLst>
+              <a:ext uri="{FF2B5EF4-FFF2-40B4-BE49-F238E27FC236}">
+                <a16:creationId xmlns:a16="http://schemas.microsoft.com/office/drawing/2014/main" id="{E07981EA-05A6-437C-88D7-B377B92B031D}"/>
+              </a:ext>
+              <a:ext uri="{C183D7F6-B498-43B3-948B-1728B52AA6E4}">
+                <adec:decorative xmlns:adec="http://schemas.microsoft.com/office/drawing/2017/decorative" val="1"/>
+              </a:ext>
+            </a:extLst>
+          </p:cNvPr>
+          <p:cNvSpPr>
+            <a:spLocks noGrp="1" noRot="1" noChangeAspect="1" noMove="1" noResize="1" noEditPoints="1" noAdjustHandles="1" noChangeArrowheads="1" noChangeShapeType="1" noTextEdit="1"/>
+          </p:cNvSpPr>
+          <p:nvPr>
+            <p:extLst>
+              <p:ext uri="{386F3935-93C4-4BCD-93E2-E3B085C9AB24}">
+                <p16:designElem xmlns:p16="http://schemas.microsoft.com/office/powerpoint/2015/main" val="1"/>
+              </p:ext>
+            </p:extLst>
+          </p:nvPr>
+        </p:nvSpPr>
+        <p:spPr>
+          <a:xfrm rot="2700000">
+            <a:off x="9629823" y="5457591"/>
+            <a:ext cx="2231794" cy="2568811"/>
+          </a:xfrm>
+          <a:custGeom>
+            <a:avLst/>
+            <a:gdLst>
+              <a:gd name="connsiteX0" fmla="*/ 0 w 2940086"/>
+              <a:gd name="connsiteY0" fmla="*/ 0 h 3384061"/>
+              <a:gd name="connsiteX1" fmla="*/ 2496112 w 2940086"/>
+              <a:gd name="connsiteY1" fmla="*/ 0 h 3384061"/>
+              <a:gd name="connsiteX2" fmla="*/ 2940086 w 2940086"/>
+              <a:gd name="connsiteY2" fmla="*/ 443975 h 3384061"/>
+              <a:gd name="connsiteX3" fmla="*/ 0 w 2940086"/>
+              <a:gd name="connsiteY3" fmla="*/ 3384061 h 3384061"/>
+            </a:gdLst>
+            <a:ahLst/>
+            <a:cxnLst>
+              <a:cxn ang="0">
+                <a:pos x="connsiteX0" y="connsiteY0"/>
+              </a:cxn>
+              <a:cxn ang="0">
+                <a:pos x="connsiteX1" y="connsiteY1"/>
+              </a:cxn>
+              <a:cxn ang="0">
+                <a:pos x="connsiteX2" y="connsiteY2"/>
+              </a:cxn>
+              <a:cxn ang="0">
+                <a:pos x="connsiteX3" y="connsiteY3"/>
+              </a:cxn>
+            </a:cxnLst>
+            <a:rect l="l" t="t" r="r" b="b"/>
+            <a:pathLst>
+              <a:path w="2940086" h="3384061">
+                <a:moveTo>
+                  <a:pt x="0" y="0"/>
+                </a:moveTo>
+                <a:lnTo>
+                  <a:pt x="2496112" y="0"/>
+                </a:lnTo>
+                <a:lnTo>
+                  <a:pt x="2940086" y="443975"/>
+                </a:lnTo>
+                <a:lnTo>
+                  <a:pt x="0" y="3384061"/>
+                </a:lnTo>
+                <a:close/>
+              </a:path>
+            </a:pathLst>
+          </a:custGeom>
+          <a:solidFill>
+            <a:schemeClr val="accent4">
+              <a:alpha val="40000"/>
+            </a:schemeClr>
+          </a:solidFill>
+          <a:ln>
+            <a:noFill/>
+          </a:ln>
+        </p:spPr>
+        <p:style>
+          <a:lnRef idx="2">
+            <a:schemeClr val="accent1">
+              <a:shade val="50000"/>
+            </a:schemeClr>
+          </a:lnRef>
+          <a:fillRef idx="1">
+            <a:schemeClr val="accent1"/>
+          </a:fillRef>
+          <a:effectRef idx="0">
+            <a:schemeClr val="accent1"/>
+          </a:effectRef>
+          <a:fontRef idx="minor">
+            <a:schemeClr val="lt1"/>
+          </a:fontRef>
+        </p:style>
+        <p:txBody>
+          <a:bodyPr wrap="square" rtlCol="0" anchor="ctr">
+            <a:noAutofit/>
+          </a:bodyPr>
+          <a:lstStyle/>
+          <a:p>
+            <a:pPr algn="ctr"/>
+            <a:endParaRPr lang="en-US"/>
+          </a:p>
+        </p:txBody>
+      </p:sp>
+      <p:sp>
+        <p:nvSpPr>
+          <p:cNvPr id="28" name="Rectangle 27">
+            <a:extLst>
+              <a:ext uri="{FF2B5EF4-FFF2-40B4-BE49-F238E27FC236}">
+                <a16:creationId xmlns:a16="http://schemas.microsoft.com/office/drawing/2014/main" id="{15E3C750-986E-4769-B1AE-49289FBEE757}"/>
+              </a:ext>
+              <a:ext uri="{C183D7F6-B498-43B3-948B-1728B52AA6E4}">
+                <adec:decorative xmlns:adec="http://schemas.microsoft.com/office/drawing/2017/decorative" val="1"/>
+              </a:ext>
+            </a:extLst>
+          </p:cNvPr>
+          <p:cNvSpPr>
+            <a:spLocks noGrp="1" noRot="1" noChangeAspect="1" noMove="1" noResize="1" noEditPoints="1" noAdjustHandles="1" noChangeArrowheads="1" noChangeShapeType="1" noTextEdit="1"/>
+          </p:cNvSpPr>
+          <p:nvPr>
+            <p:extLst>
+              <p:ext uri="{386F3935-93C4-4BCD-93E2-E3B085C9AB24}">
+                <p16:designElem xmlns:p16="http://schemas.microsoft.com/office/powerpoint/2015/main" val="1"/>
+              </p:ext>
+            </p:extLst>
+          </p:nvPr>
+        </p:nvSpPr>
+        <p:spPr>
+          <a:xfrm rot="2700000">
+            <a:off x="9720059" y="5243545"/>
+            <a:ext cx="959985" cy="959985"/>
+          </a:xfrm>
+          <a:prstGeom prst="rect">
+            <a:avLst/>
+          </a:prstGeom>
+          <a:solidFill>
+            <a:schemeClr val="accent4">
+              <a:alpha val="40000"/>
+            </a:schemeClr>
+          </a:solidFill>
+          <a:ln>
+            <a:noFill/>
+          </a:ln>
+        </p:spPr>
+        <p:style>
+          <a:lnRef idx="2">
+            <a:schemeClr val="accent1">
+              <a:shade val="50000"/>
+            </a:schemeClr>
+          </a:lnRef>
+          <a:fillRef idx="1">
+            <a:schemeClr val="accent1"/>
+          </a:fillRef>
+          <a:effectRef idx="0">
+            <a:schemeClr val="accent1"/>
+          </a:effectRef>
+          <a:fontRef idx="minor">
+            <a:schemeClr val="lt1"/>
+          </a:fontRef>
+        </p:style>
+        <p:txBody>
+          <a:bodyPr wrap="square" rtlCol="0" anchor="ctr">
+            <a:noAutofit/>
+          </a:bodyPr>
+          <a:lstStyle/>
+          <a:p>
+            <a:pPr algn="ctr"/>
+            <a:endParaRPr lang="en-US"/>
+          </a:p>
+        </p:txBody>
+      </p:sp>
+    </p:spTree>
+    <p:extLst>
+      <p:ext uri="{BB962C8B-B14F-4D97-AF65-F5344CB8AC3E}">
+        <p14:creationId xmlns:p14="http://schemas.microsoft.com/office/powerpoint/2010/main" val="1125802177"/>
+      </p:ext>
+    </p:extLst>
+  </p:cSld>
+  <p:clrMapOvr>
+    <a:masterClrMapping/>
+  </p:clrMapOvr>
+</p:sld>
+</file>
+
+<file path=ppt/slides/slide10.xml><?xml version="1.0" encoding="utf-8"?>
+<p:sld xmlns:a="http://schemas.openxmlformats.org/drawingml/2006/main" xmlns:r="http://schemas.openxmlformats.org/officeDocument/2006/relationships" xmlns:p="http://schemas.openxmlformats.org/presentationml/2006/main">
+  <p:cSld>
     <p:spTree>
       <p:nvGrpSpPr>
         <p:cNvPr id="1" name=""/>
@@ -3354,7 +9399,7 @@
           <p:cNvPr id="2" name="Titel 1">
             <a:extLst>
               <a:ext uri="{FF2B5EF4-FFF2-40B4-BE49-F238E27FC236}">
-                <a16:creationId xmlns:a16="http://schemas.microsoft.com/office/drawing/2014/main" xmlns="" id="{D039FE2E-3435-4AAE-89B3-82FB2F8D0962}"/>
+                <a16:creationId xmlns:a16="http://schemas.microsoft.com/office/drawing/2014/main" id="{FDCB31F9-A7D9-4562-A802-D0223B08E39E}"/>
               </a:ext>
             </a:extLst>
           </p:cNvPr>
@@ -3362,7 +9407,7 @@
             <a:spLocks noGrp="1"/>
           </p:cNvSpPr>
           <p:nvPr>
-            <p:ph type="ctrTitle"/>
+            <p:ph type="title"/>
           </p:nvPr>
         </p:nvSpPr>
         <p:spPr/>
@@ -3372,17 +9417,17 @@
           <a:p>
             <a:r>
               <a:rPr lang="de-AT" dirty="0"/>
-              <a:t>DIP-Abschlussprojekt</a:t>
+              <a:t>Feature Detektion – 3. Lösungsansatz</a:t>
             </a:r>
           </a:p>
         </p:txBody>
       </p:sp>
       <p:sp>
         <p:nvSpPr>
-          <p:cNvPr id="3" name="Untertitel 2">
+          <p:cNvPr id="3" name="Inhaltsplatzhalter 2">
             <a:extLst>
               <a:ext uri="{FF2B5EF4-FFF2-40B4-BE49-F238E27FC236}">
-                <a16:creationId xmlns:a16="http://schemas.microsoft.com/office/drawing/2014/main" xmlns="" id="{A4A3B394-275F-4105-B871-7A4A91C2B3E1}"/>
+                <a16:creationId xmlns:a16="http://schemas.microsoft.com/office/drawing/2014/main" id="{9E086109-A865-491E-8199-31771C640B6F}"/>
               </a:ext>
             </a:extLst>
           </p:cNvPr>
@@ -3390,7 +9435,7 @@
             <a:spLocks noGrp="1"/>
           </p:cNvSpPr>
           <p:nvPr>
-            <p:ph type="subTitle" idx="1"/>
+            <p:ph idx="1"/>
           </p:nvPr>
         </p:nvSpPr>
         <p:spPr/>
@@ -3400,19 +9445,54 @@
           <a:p>
             <a:r>
               <a:rPr lang="de-AT" dirty="0"/>
-              <a:t>Jakob Schuch &amp; </a:t>
+              <a:t>Verwendung einer zusätzlichen AI</a:t>
             </a:r>
+          </a:p>
+          <a:p>
+            <a:pPr marL="0" indent="0">
+              <a:buNone/>
+            </a:pPr>
             <a:r>
-              <a:rPr lang="de-AT"/>
-              <a:t>Patrick Würflinger</a:t>
+              <a:rPr lang="de-AT" dirty="0"/>
+              <a:t> </a:t>
             </a:r>
           </a:p>
         </p:txBody>
       </p:sp>
+      <p:pic>
+        <p:nvPicPr>
+          <p:cNvPr id="5" name="Grafik 4">
+            <a:extLst>
+              <a:ext uri="{FF2B5EF4-FFF2-40B4-BE49-F238E27FC236}">
+                <a16:creationId xmlns:a16="http://schemas.microsoft.com/office/drawing/2014/main" id="{E74CCAC4-8BD8-4892-A383-E087AD7037D9}"/>
+              </a:ext>
+            </a:extLst>
+          </p:cNvPr>
+          <p:cNvPicPr>
+            <a:picLocks noChangeAspect="1"/>
+          </p:cNvPicPr>
+          <p:nvPr/>
+        </p:nvPicPr>
+        <p:blipFill>
+          <a:blip r:embed="rId2"/>
+          <a:stretch>
+            <a:fillRect/>
+          </a:stretch>
+        </p:blipFill>
+        <p:spPr>
+          <a:xfrm>
+            <a:off x="838200" y="2376487"/>
+            <a:ext cx="4714875" cy="4048125"/>
+          </a:xfrm>
+          <a:prstGeom prst="rect">
+            <a:avLst/>
+          </a:prstGeom>
+        </p:spPr>
+      </p:pic>
     </p:spTree>
     <p:extLst>
       <p:ext uri="{BB962C8B-B14F-4D97-AF65-F5344CB8AC3E}">
-        <p14:creationId xmlns:p14="http://schemas.microsoft.com/office/powerpoint/2010/main" val="1125802177"/>
+        <p14:creationId xmlns:p14="http://schemas.microsoft.com/office/powerpoint/2010/main" val="3562475818"/>
       </p:ext>
     </p:extLst>
   </p:cSld>
@@ -3422,7 +9502,7 @@
 </p:sld>
 </file>
 
-<file path=ppt/slides/slide2.xml><?xml version="1.0" encoding="utf-8"?>
+<file path=ppt/slides/slide11.xml><?xml version="1.0" encoding="utf-8"?>
 <p:sld xmlns:a="http://schemas.openxmlformats.org/drawingml/2006/main" xmlns:r="http://schemas.openxmlformats.org/officeDocument/2006/relationships" xmlns:p="http://schemas.openxmlformats.org/presentationml/2006/main">
   <p:cSld>
     <p:spTree>
@@ -3441,7 +9521,13 @@
       </p:grpSpPr>
       <p:sp>
         <p:nvSpPr>
-          <p:cNvPr id="2" name="Titel 1"/>
+          <p:cNvPr id="2" name="Titel 1">
+            <a:extLst>
+              <a:ext uri="{FF2B5EF4-FFF2-40B4-BE49-F238E27FC236}">
+                <a16:creationId xmlns:a16="http://schemas.microsoft.com/office/drawing/2014/main" id="{3147E073-B728-4DA5-8BAB-36A3E20ABE81}"/>
+              </a:ext>
+            </a:extLst>
+          </p:cNvPr>
           <p:cNvSpPr>
             <a:spLocks noGrp="1"/>
           </p:cNvSpPr>
@@ -3455,16 +9541,21 @@
           <a:lstStyle/>
           <a:p>
             <a:r>
-              <a:rPr lang="de-AT" dirty="0" smtClean="0"/>
-              <a:t>Lösungsansatz</a:t>
+              <a:rPr lang="de-AT" dirty="0"/>
+              <a:t>Auswertung &amp; Ergebnisse</a:t>
             </a:r>
-            <a:endParaRPr lang="de-AT" dirty="0"/>
           </a:p>
         </p:txBody>
       </p:sp>
       <p:sp>
         <p:nvSpPr>
-          <p:cNvPr id="3" name="Inhaltsplatzhalter 2"/>
+          <p:cNvPr id="3" name="Inhaltsplatzhalter 2">
+            <a:extLst>
+              <a:ext uri="{FF2B5EF4-FFF2-40B4-BE49-F238E27FC236}">
+                <a16:creationId xmlns:a16="http://schemas.microsoft.com/office/drawing/2014/main" id="{0647D7BC-2CCF-4012-AAEB-E722C0346842}"/>
+              </a:ext>
+            </a:extLst>
+          </p:cNvPr>
           <p:cNvSpPr>
             <a:spLocks noGrp="1"/>
           </p:cNvSpPr>
@@ -3477,24 +9568,391 @@
           <a:bodyPr/>
           <a:lstStyle/>
           <a:p>
-            <a:r>
-              <a:rPr lang="de-AT" dirty="0" smtClean="0"/>
-              <a:t>Verbessern der generellen Bildqualität</a:t>
-            </a:r>
-          </a:p>
-          <a:p>
-            <a:r>
-              <a:rPr lang="de-AT" dirty="0" smtClean="0"/>
-              <a:t>Segmentierung vom gewünschten Bereich</a:t>
-            </a:r>
-            <a:endParaRPr lang="de-AT" dirty="0"/>
+            <a:endParaRPr lang="de-AT"/>
           </a:p>
         </p:txBody>
       </p:sp>
     </p:spTree>
     <p:extLst>
       <p:ext uri="{BB962C8B-B14F-4D97-AF65-F5344CB8AC3E}">
-        <p14:creationId xmlns:p14="http://schemas.microsoft.com/office/powerpoint/2010/main" val="752008096"/>
+        <p14:creationId xmlns:p14="http://schemas.microsoft.com/office/powerpoint/2010/main" val="631063293"/>
+      </p:ext>
+    </p:extLst>
+  </p:cSld>
+  <p:clrMapOvr>
+    <a:masterClrMapping/>
+  </p:clrMapOvr>
+</p:sld>
+</file>
+
+<file path=ppt/slides/slide2.xml><?xml version="1.0" encoding="utf-8"?>
+<p:sld xmlns:a="http://schemas.openxmlformats.org/drawingml/2006/main" xmlns:r="http://schemas.openxmlformats.org/officeDocument/2006/relationships" xmlns:p="http://schemas.openxmlformats.org/presentationml/2006/main">
+  <p:cSld>
+    <p:bg>
+      <p:bgPr>
+        <a:solidFill>
+          <a:schemeClr val="bg1"/>
+        </a:solidFill>
+        <a:effectLst/>
+      </p:bgPr>
+    </p:bg>
+    <p:spTree>
+      <p:nvGrpSpPr>
+        <p:cNvPr id="1" name=""/>
+        <p:cNvGrpSpPr/>
+        <p:nvPr/>
+      </p:nvGrpSpPr>
+      <p:grpSpPr>
+        <a:xfrm>
+          <a:off x="0" y="0"/>
+          <a:ext cx="0" cy="0"/>
+          <a:chOff x="0" y="0"/>
+          <a:chExt cx="0" cy="0"/>
+        </a:xfrm>
+      </p:grpSpPr>
+      <p:sp useBgFill="1">
+        <p:nvSpPr>
+          <p:cNvPr id="19" name="Rectangle 10">
+            <a:extLst>
+              <a:ext uri="{FF2B5EF4-FFF2-40B4-BE49-F238E27FC236}">
+                <a16:creationId xmlns:a16="http://schemas.microsoft.com/office/drawing/2014/main" id="{63644BFD-D22E-4019-B666-387DA51AEAFD}"/>
+              </a:ext>
+              <a:ext uri="{C183D7F6-B498-43B3-948B-1728B52AA6E4}">
+                <adec:decorative xmlns:adec="http://schemas.microsoft.com/office/drawing/2017/decorative" val="1"/>
+              </a:ext>
+            </a:extLst>
+          </p:cNvPr>
+          <p:cNvSpPr>
+            <a:spLocks noGrp="1" noRot="1" noChangeAspect="1" noMove="1" noResize="1" noEditPoints="1" noAdjustHandles="1" noChangeArrowheads="1" noChangeShapeType="1" noTextEdit="1"/>
+          </p:cNvSpPr>
+          <p:nvPr>
+            <p:extLst>
+              <p:ext uri="{386F3935-93C4-4BCD-93E2-E3B085C9AB24}">
+                <p16:designElem xmlns:p16="http://schemas.microsoft.com/office/powerpoint/2015/main" val="1"/>
+              </p:ext>
+            </p:extLst>
+          </p:nvPr>
+        </p:nvSpPr>
+        <p:spPr>
+          <a:xfrm>
+            <a:off x="0" y="0"/>
+            <a:ext cx="12191999" cy="6857365"/>
+          </a:xfrm>
+          <a:prstGeom prst="rect">
+            <a:avLst/>
+          </a:prstGeom>
+          <a:ln>
+            <a:noFill/>
+          </a:ln>
+        </p:spPr>
+        <p:style>
+          <a:lnRef idx="2">
+            <a:schemeClr val="accent1">
+              <a:shade val="50000"/>
+            </a:schemeClr>
+          </a:lnRef>
+          <a:fillRef idx="1">
+            <a:schemeClr val="accent1"/>
+          </a:fillRef>
+          <a:effectRef idx="0">
+            <a:schemeClr val="accent1"/>
+          </a:effectRef>
+          <a:fontRef idx="minor">
+            <a:schemeClr val="lt1"/>
+          </a:fontRef>
+        </p:style>
+        <p:txBody>
+          <a:bodyPr rtlCol="0" anchor="ctr"/>
+          <a:lstStyle/>
+          <a:p>
+            <a:pPr algn="ctr"/>
+            <a:endParaRPr lang="en-US"/>
+          </a:p>
+        </p:txBody>
+      </p:sp>
+      <p:grpSp>
+        <p:nvGrpSpPr>
+          <p:cNvPr id="20" name="Group 12">
+            <a:extLst>
+              <a:ext uri="{FF2B5EF4-FFF2-40B4-BE49-F238E27FC236}">
+                <a16:creationId xmlns:a16="http://schemas.microsoft.com/office/drawing/2014/main" id="{5FE9FE4C-C9E0-4C54-8010-EA9D29CD4D59}"/>
+              </a:ext>
+              <a:ext uri="{C183D7F6-B498-43B3-948B-1728B52AA6E4}">
+                <adec:decorative xmlns:adec="http://schemas.microsoft.com/office/drawing/2017/decorative" val="1"/>
+              </a:ext>
+            </a:extLst>
+          </p:cNvPr>
+          <p:cNvGrpSpPr>
+            <a:grpSpLocks noGrp="1" noUngrp="1" noRot="1" noChangeAspect="1" noMove="1" noResize="1"/>
+          </p:cNvGrpSpPr>
+          <p:nvPr>
+            <p:extLst>
+              <p:ext uri="{386F3935-93C4-4BCD-93E2-E3B085C9AB24}">
+                <p16:designElem xmlns:p16="http://schemas.microsoft.com/office/powerpoint/2015/main" val="1"/>
+              </p:ext>
+            </p:extLst>
+          </p:nvPr>
+        </p:nvGrpSpPr>
+        <p:grpSpPr>
+          <a:xfrm rot="5400000">
+            <a:off x="7956356" y="1890469"/>
+            <a:ext cx="5860051" cy="2079143"/>
+            <a:chOff x="6081624" y="1998368"/>
+            <a:chExt cx="5613457" cy="782175"/>
+          </a:xfrm>
+          <a:solidFill>
+            <a:schemeClr val="accent4"/>
+          </a:solidFill>
+        </p:grpSpPr>
+        <p:sp>
+          <p:nvSpPr>
+            <p:cNvPr id="21" name="Rectangle 13">
+              <a:extLst>
+                <a:ext uri="{FF2B5EF4-FFF2-40B4-BE49-F238E27FC236}">
+                  <a16:creationId xmlns:a16="http://schemas.microsoft.com/office/drawing/2014/main" id="{56FAD6EF-0374-46BD-901E-E901DCA01F59}"/>
+                </a:ext>
+                <a:ext uri="{C183D7F6-B498-43B3-948B-1728B52AA6E4}">
+                  <adec:decorative xmlns:adec="http://schemas.microsoft.com/office/drawing/2017/decorative" val="1"/>
+                </a:ext>
+              </a:extLst>
+            </p:cNvPr>
+            <p:cNvSpPr/>
+            <p:nvPr>
+              <p:extLst>
+                <p:ext uri="{386F3935-93C4-4BCD-93E2-E3B085C9AB24}">
+                  <p16:designElem xmlns:p16="http://schemas.microsoft.com/office/powerpoint/2015/main" val="1"/>
+                </p:ext>
+              </p:extLst>
+            </p:nvPr>
+          </p:nvSpPr>
+          <p:spPr>
+            <a:xfrm rot="5400000">
+              <a:off x="11228040" y="2313027"/>
+              <a:ext cx="781700" cy="152382"/>
+            </a:xfrm>
+            <a:prstGeom prst="rect">
+              <a:avLst/>
+            </a:prstGeom>
+            <a:grpFill/>
+            <a:ln>
+              <a:noFill/>
+            </a:ln>
+          </p:spPr>
+          <p:style>
+            <a:lnRef idx="2">
+              <a:schemeClr val="accent1">
+                <a:shade val="50000"/>
+              </a:schemeClr>
+            </a:lnRef>
+            <a:fillRef idx="1">
+              <a:schemeClr val="accent1"/>
+            </a:fillRef>
+            <a:effectRef idx="0">
+              <a:schemeClr val="accent1"/>
+            </a:effectRef>
+            <a:fontRef idx="minor">
+              <a:schemeClr val="lt1"/>
+            </a:fontRef>
+          </p:style>
+          <p:txBody>
+            <a:bodyPr rtlCol="0" anchor="ctr"/>
+            <a:lstStyle/>
+            <a:p>
+              <a:pPr algn="ctr"/>
+              <a:endParaRPr lang="en-US"/>
+            </a:p>
+          </p:txBody>
+        </p:sp>
+        <p:sp>
+          <p:nvSpPr>
+            <p:cNvPr id="15" name="Rectangle 14">
+              <a:extLst>
+                <a:ext uri="{FF2B5EF4-FFF2-40B4-BE49-F238E27FC236}">
+                  <a16:creationId xmlns:a16="http://schemas.microsoft.com/office/drawing/2014/main" id="{04847ABE-275E-4DCA-B164-A672D517FBC6}"/>
+                </a:ext>
+                <a:ext uri="{C183D7F6-B498-43B3-948B-1728B52AA6E4}">
+                  <adec:decorative xmlns:adec="http://schemas.microsoft.com/office/drawing/2017/decorative" val="1"/>
+                </a:ext>
+              </a:extLst>
+            </p:cNvPr>
+            <p:cNvSpPr/>
+            <p:nvPr>
+              <p:extLst>
+                <p:ext uri="{386F3935-93C4-4BCD-93E2-E3B085C9AB24}">
+                  <p16:designElem xmlns:p16="http://schemas.microsoft.com/office/powerpoint/2015/main" val="1"/>
+                </p:ext>
+              </p:extLst>
+            </p:nvPr>
+          </p:nvSpPr>
+          <p:spPr>
+            <a:xfrm flipH="1" flipV="1">
+              <a:off x="6081624" y="1998844"/>
+              <a:ext cx="5372968" cy="781699"/>
+            </a:xfrm>
+            <a:prstGeom prst="rect">
+              <a:avLst/>
+            </a:prstGeom>
+            <a:grpFill/>
+            <a:ln>
+              <a:noFill/>
+            </a:ln>
+          </p:spPr>
+          <p:style>
+            <a:lnRef idx="2">
+              <a:schemeClr val="accent1">
+                <a:shade val="50000"/>
+              </a:schemeClr>
+            </a:lnRef>
+            <a:fillRef idx="1">
+              <a:schemeClr val="accent1"/>
+            </a:fillRef>
+            <a:effectRef idx="0">
+              <a:schemeClr val="accent1"/>
+            </a:effectRef>
+            <a:fontRef idx="minor">
+              <a:schemeClr val="lt1"/>
+            </a:fontRef>
+          </p:style>
+          <p:txBody>
+            <a:bodyPr rtlCol="0" anchor="ctr"/>
+            <a:lstStyle/>
+            <a:p>
+              <a:pPr algn="ctr"/>
+              <a:endParaRPr lang="en-US"/>
+            </a:p>
+          </p:txBody>
+        </p:sp>
+      </p:grpSp>
+      <p:sp>
+        <p:nvSpPr>
+          <p:cNvPr id="22" name="Rectangle 16">
+            <a:extLst>
+              <a:ext uri="{FF2B5EF4-FFF2-40B4-BE49-F238E27FC236}">
+                <a16:creationId xmlns:a16="http://schemas.microsoft.com/office/drawing/2014/main" id="{3776B14B-F2F4-4825-8DA8-8C7A0F2B3960}"/>
+              </a:ext>
+              <a:ext uri="{C183D7F6-B498-43B3-948B-1728B52AA6E4}">
+                <adec:decorative xmlns:adec="http://schemas.microsoft.com/office/drawing/2017/decorative" val="1"/>
+              </a:ext>
+            </a:extLst>
+          </p:cNvPr>
+          <p:cNvSpPr>
+            <a:spLocks noGrp="1" noRot="1" noChangeAspect="1" noMove="1" noResize="1" noEditPoints="1" noAdjustHandles="1" noChangeArrowheads="1" noChangeShapeType="1" noTextEdit="1"/>
+          </p:cNvSpPr>
+          <p:nvPr>
+            <p:extLst>
+              <p:ext uri="{386F3935-93C4-4BCD-93E2-E3B085C9AB24}">
+                <p16:designElem xmlns:p16="http://schemas.microsoft.com/office/powerpoint/2015/main" val="1"/>
+              </p:ext>
+            </p:extLst>
+          </p:nvPr>
+        </p:nvSpPr>
+        <p:spPr>
+          <a:xfrm>
+            <a:off x="579528" y="466344"/>
+            <a:ext cx="11111729" cy="5917827"/>
+          </a:xfrm>
+          <a:prstGeom prst="rect">
+            <a:avLst/>
+          </a:prstGeom>
+          <a:solidFill>
+            <a:schemeClr val="bg1"/>
+          </a:solidFill>
+          <a:ln>
+            <a:noFill/>
+          </a:ln>
+          <a:effectLst>
+            <a:outerShdw blurRad="139700" dist="127000" dir="5400000" algn="t" rotWithShape="0">
+              <a:prstClr val="black">
+                <a:alpha val="15000"/>
+              </a:prstClr>
+            </a:outerShdw>
+          </a:effectLst>
+        </p:spPr>
+        <p:style>
+          <a:lnRef idx="2">
+            <a:schemeClr val="accent1">
+              <a:shade val="50000"/>
+            </a:schemeClr>
+          </a:lnRef>
+          <a:fillRef idx="1">
+            <a:schemeClr val="accent1"/>
+          </a:fillRef>
+          <a:effectRef idx="0">
+            <a:schemeClr val="accent1"/>
+          </a:effectRef>
+          <a:fontRef idx="minor">
+            <a:schemeClr val="lt1"/>
+          </a:fontRef>
+        </p:style>
+        <p:txBody>
+          <a:bodyPr rtlCol="0" anchor="ctr"/>
+          <a:lstStyle/>
+          <a:p>
+            <a:pPr algn="ctr"/>
+            <a:endParaRPr lang="en-US"/>
+          </a:p>
+        </p:txBody>
+      </p:sp>
+      <p:sp>
+        <p:nvSpPr>
+          <p:cNvPr id="2" name="Titel 1">
+            <a:extLst>
+              <a:ext uri="{FF2B5EF4-FFF2-40B4-BE49-F238E27FC236}">
+                <a16:creationId xmlns:a16="http://schemas.microsoft.com/office/drawing/2014/main" id="{A46D667C-E32C-42B3-B314-D7812A55E52A}"/>
+              </a:ext>
+            </a:extLst>
+          </p:cNvPr>
+          <p:cNvSpPr>
+            <a:spLocks noGrp="1"/>
+          </p:cNvSpPr>
+          <p:nvPr>
+            <p:ph type="title"/>
+          </p:nvPr>
+        </p:nvSpPr>
+        <p:spPr/>
+        <p:txBody>
+          <a:bodyPr/>
+          <a:lstStyle/>
+          <a:p>
+            <a:r>
+              <a:rPr lang="de-AT" dirty="0"/>
+              <a:t>Aufteilung der Aufgabenbereiche</a:t>
+            </a:r>
+          </a:p>
+        </p:txBody>
+      </p:sp>
+      <p:graphicFrame>
+        <p:nvGraphicFramePr>
+          <p:cNvPr id="6" name="Diagramm 5">
+            <a:extLst>
+              <a:ext uri="{FF2B5EF4-FFF2-40B4-BE49-F238E27FC236}">
+                <a16:creationId xmlns:a16="http://schemas.microsoft.com/office/drawing/2014/main" id="{211D7395-DA2C-4530-9243-AF29B784369B}"/>
+              </a:ext>
+            </a:extLst>
+          </p:cNvPr>
+          <p:cNvGraphicFramePr/>
+          <p:nvPr>
+            <p:extLst>
+              <p:ext uri="{D42A27DB-BD31-4B8C-83A1-F6EECF244321}">
+                <p14:modId xmlns:p14="http://schemas.microsoft.com/office/powerpoint/2010/main" val="1807970556"/>
+              </p:ext>
+            </p:extLst>
+          </p:nvPr>
+        </p:nvGraphicFramePr>
+        <p:xfrm>
+          <a:off x="2032000" y="1690688"/>
+          <a:ext cx="7298431" cy="4447645"/>
+        </p:xfrm>
+        <a:graphic>
+          <a:graphicData uri="http://schemas.openxmlformats.org/drawingml/2006/diagram">
+            <dgm:relIds xmlns:dgm="http://schemas.openxmlformats.org/drawingml/2006/diagram" xmlns:r="http://schemas.openxmlformats.org/officeDocument/2006/relationships" r:dm="rId3" r:lo="rId4" r:qs="rId5" r:cs="rId6"/>
+          </a:graphicData>
+        </a:graphic>
+      </p:graphicFrame>
+    </p:spTree>
+    <p:extLst>
+      <p:ext uri="{BB962C8B-B14F-4D97-AF65-F5344CB8AC3E}">
+        <p14:creationId xmlns:p14="http://schemas.microsoft.com/office/powerpoint/2010/main" val="1865299619"/>
       </p:ext>
     </p:extLst>
   </p:cSld>
@@ -3505,6 +9963,1330 @@
 </file>
 
 <file path=ppt/slides/slide3.xml><?xml version="1.0" encoding="utf-8"?>
+<p:sld xmlns:a="http://schemas.openxmlformats.org/drawingml/2006/main" xmlns:r="http://schemas.openxmlformats.org/officeDocument/2006/relationships" xmlns:p="http://schemas.openxmlformats.org/presentationml/2006/main">
+  <p:cSld>
+    <p:bg>
+      <p:bgPr>
+        <a:solidFill>
+          <a:schemeClr val="bg1"/>
+        </a:solidFill>
+        <a:effectLst/>
+      </p:bgPr>
+    </p:bg>
+    <p:spTree>
+      <p:nvGrpSpPr>
+        <p:cNvPr id="1" name=""/>
+        <p:cNvGrpSpPr/>
+        <p:nvPr/>
+      </p:nvGrpSpPr>
+      <p:grpSpPr>
+        <a:xfrm>
+          <a:off x="0" y="0"/>
+          <a:ext cx="0" cy="0"/>
+          <a:chOff x="0" y="0"/>
+          <a:chExt cx="0" cy="0"/>
+        </a:xfrm>
+      </p:grpSpPr>
+      <p:sp useBgFill="1">
+        <p:nvSpPr>
+          <p:cNvPr id="23" name="Rectangle 15">
+            <a:extLst>
+              <a:ext uri="{FF2B5EF4-FFF2-40B4-BE49-F238E27FC236}">
+                <a16:creationId xmlns:a16="http://schemas.microsoft.com/office/drawing/2014/main" id="{6ECA6DCB-B7E1-40A9-9524-540C6DA40B1B}"/>
+              </a:ext>
+              <a:ext uri="{C183D7F6-B498-43B3-948B-1728B52AA6E4}">
+                <adec:decorative xmlns:adec="http://schemas.microsoft.com/office/drawing/2017/decorative" val="1"/>
+              </a:ext>
+            </a:extLst>
+          </p:cNvPr>
+          <p:cNvSpPr>
+            <a:spLocks noGrp="1" noRot="1" noChangeAspect="1" noMove="1" noResize="1" noEditPoints="1" noAdjustHandles="1" noChangeArrowheads="1" noChangeShapeType="1" noTextEdit="1"/>
+          </p:cNvSpPr>
+          <p:nvPr>
+            <p:extLst>
+              <p:ext uri="{386F3935-93C4-4BCD-93E2-E3B085C9AB24}">
+                <p16:designElem xmlns:p16="http://schemas.microsoft.com/office/powerpoint/2015/main" val="1"/>
+              </p:ext>
+            </p:extLst>
+          </p:nvPr>
+        </p:nvSpPr>
+        <p:spPr>
+          <a:xfrm>
+            <a:off x="0" y="0"/>
+            <a:ext cx="12191999" cy="6857365"/>
+          </a:xfrm>
+          <a:prstGeom prst="rect">
+            <a:avLst/>
+          </a:prstGeom>
+          <a:ln>
+            <a:noFill/>
+          </a:ln>
+        </p:spPr>
+        <p:style>
+          <a:lnRef idx="2">
+            <a:schemeClr val="accent1">
+              <a:shade val="50000"/>
+            </a:schemeClr>
+          </a:lnRef>
+          <a:fillRef idx="1">
+            <a:schemeClr val="accent1"/>
+          </a:fillRef>
+          <a:effectRef idx="0">
+            <a:schemeClr val="accent1"/>
+          </a:effectRef>
+          <a:fontRef idx="minor">
+            <a:schemeClr val="lt1"/>
+          </a:fontRef>
+        </p:style>
+        <p:txBody>
+          <a:bodyPr rtlCol="0" anchor="ctr"/>
+          <a:lstStyle/>
+          <a:p>
+            <a:pPr algn="ctr"/>
+            <a:endParaRPr lang="en-US"/>
+          </a:p>
+        </p:txBody>
+      </p:sp>
+      <p:sp>
+        <p:nvSpPr>
+          <p:cNvPr id="2" name="Titel 1">
+            <a:extLst>
+              <a:ext uri="{FF2B5EF4-FFF2-40B4-BE49-F238E27FC236}">
+                <a16:creationId xmlns:a16="http://schemas.microsoft.com/office/drawing/2014/main" id="{0193DCD4-B617-4312-9A0F-6DA3E9A24152}"/>
+              </a:ext>
+            </a:extLst>
+          </p:cNvPr>
+          <p:cNvSpPr>
+            <a:spLocks noGrp="1"/>
+          </p:cNvSpPr>
+          <p:nvPr>
+            <p:ph type="title"/>
+          </p:nvPr>
+        </p:nvSpPr>
+        <p:spPr>
+          <a:xfrm>
+            <a:off x="589560" y="856180"/>
+            <a:ext cx="5279408" cy="1128068"/>
+          </a:xfrm>
+        </p:spPr>
+        <p:txBody>
+          <a:bodyPr vert="horz" lIns="91440" tIns="45720" rIns="91440" bIns="45720" rtlCol="0" anchor="ctr">
+            <a:normAutofit/>
+          </a:bodyPr>
+          <a:lstStyle/>
+          <a:p>
+            <a:r>
+              <a:rPr lang="en-US" sz="3700" kern="1200">
+                <a:solidFill>
+                  <a:schemeClr val="tx1"/>
+                </a:solidFill>
+                <a:latin typeface="+mj-lt"/>
+                <a:ea typeface="+mj-ea"/>
+                <a:cs typeface="+mj-cs"/>
+              </a:rPr>
+              <a:t>Verbesserung der Bildqualität</a:t>
+            </a:r>
+          </a:p>
+        </p:txBody>
+      </p:sp>
+      <p:grpSp>
+        <p:nvGrpSpPr>
+          <p:cNvPr id="25" name="Group 17">
+            <a:extLst>
+              <a:ext uri="{FF2B5EF4-FFF2-40B4-BE49-F238E27FC236}">
+                <a16:creationId xmlns:a16="http://schemas.microsoft.com/office/drawing/2014/main" id="{1DE889C7-FAD6-4397-98E2-05D503484459}"/>
+              </a:ext>
+              <a:ext uri="{C183D7F6-B498-43B3-948B-1728B52AA6E4}">
+                <adec:decorative xmlns:adec="http://schemas.microsoft.com/office/drawing/2017/decorative" val="1"/>
+              </a:ext>
+            </a:extLst>
+          </p:cNvPr>
+          <p:cNvGrpSpPr>
+            <a:grpSpLocks noGrp="1" noUngrp="1" noRot="1" noChangeAspect="1" noMove="1" noResize="1"/>
+          </p:cNvGrpSpPr>
+          <p:nvPr>
+            <p:extLst>
+              <p:ext uri="{386F3935-93C4-4BCD-93E2-E3B085C9AB24}">
+                <p16:designElem xmlns:p16="http://schemas.microsoft.com/office/powerpoint/2015/main" val="1"/>
+              </p:ext>
+            </p:extLst>
+          </p:nvPr>
+        </p:nvGrpSpPr>
+        <p:grpSpPr>
+          <a:xfrm>
+            <a:off x="0" y="1083484"/>
+            <a:ext cx="355196" cy="673460"/>
+            <a:chOff x="0" y="823811"/>
+            <a:chExt cx="355196" cy="673460"/>
+          </a:xfrm>
+        </p:grpSpPr>
+        <p:sp>
+          <p:nvSpPr>
+            <p:cNvPr id="19" name="Rectangle 18">
+              <a:extLst>
+                <a:ext uri="{FF2B5EF4-FFF2-40B4-BE49-F238E27FC236}">
+                  <a16:creationId xmlns:a16="http://schemas.microsoft.com/office/drawing/2014/main" id="{F399A70F-F8CD-4992-9EF5-6CF15472E73F}"/>
+                </a:ext>
+                <a:ext uri="{C183D7F6-B498-43B3-948B-1728B52AA6E4}">
+                  <adec:decorative xmlns:adec="http://schemas.microsoft.com/office/drawing/2017/decorative" val="1"/>
+                </a:ext>
+              </a:extLst>
+            </p:cNvPr>
+            <p:cNvSpPr/>
+            <p:nvPr>
+              <p:extLst>
+                <p:ext uri="{386F3935-93C4-4BCD-93E2-E3B085C9AB24}">
+                  <p16:designElem xmlns:p16="http://schemas.microsoft.com/office/powerpoint/2015/main" val="1"/>
+                </p:ext>
+              </p:extLst>
+            </p:nvPr>
+          </p:nvSpPr>
+          <p:spPr>
+            <a:xfrm>
+              <a:off x="0" y="823811"/>
+              <a:ext cx="87363" cy="673460"/>
+            </a:xfrm>
+            <a:prstGeom prst="rect">
+              <a:avLst/>
+            </a:prstGeom>
+            <a:solidFill>
+              <a:schemeClr val="accent4"/>
+            </a:solidFill>
+            <a:ln>
+              <a:noFill/>
+            </a:ln>
+          </p:spPr>
+          <p:style>
+            <a:lnRef idx="2">
+              <a:schemeClr val="accent1">
+                <a:shade val="50000"/>
+              </a:schemeClr>
+            </a:lnRef>
+            <a:fillRef idx="1">
+              <a:schemeClr val="accent1"/>
+            </a:fillRef>
+            <a:effectRef idx="0">
+              <a:schemeClr val="accent1"/>
+            </a:effectRef>
+            <a:fontRef idx="minor">
+              <a:schemeClr val="lt1"/>
+            </a:fontRef>
+          </p:style>
+          <p:txBody>
+            <a:bodyPr rtlCol="0" anchor="ctr"/>
+            <a:lstStyle/>
+            <a:p>
+              <a:pPr algn="ctr"/>
+              <a:endParaRPr lang="en-US"/>
+            </a:p>
+          </p:txBody>
+        </p:sp>
+        <p:sp>
+          <p:nvSpPr>
+            <p:cNvPr id="27" name="Rectangle 19">
+              <a:extLst>
+                <a:ext uri="{FF2B5EF4-FFF2-40B4-BE49-F238E27FC236}">
+                  <a16:creationId xmlns:a16="http://schemas.microsoft.com/office/drawing/2014/main" id="{48F4FEDC-6D80-458C-A665-075D9B9500FD}"/>
+                </a:ext>
+                <a:ext uri="{C183D7F6-B498-43B3-948B-1728B52AA6E4}">
+                  <adec:decorative xmlns:adec="http://schemas.microsoft.com/office/drawing/2017/decorative" val="1"/>
+                </a:ext>
+              </a:extLst>
+            </p:cNvPr>
+            <p:cNvSpPr/>
+            <p:nvPr>
+              <p:extLst>
+                <p:ext uri="{386F3935-93C4-4BCD-93E2-E3B085C9AB24}">
+                  <p16:designElem xmlns:p16="http://schemas.microsoft.com/office/powerpoint/2015/main" val="1"/>
+                </p:ext>
+              </p:extLst>
+            </p:nvPr>
+          </p:nvSpPr>
+          <p:spPr>
+            <a:xfrm>
+              <a:off x="159341" y="823811"/>
+              <a:ext cx="195855" cy="673460"/>
+            </a:xfrm>
+            <a:prstGeom prst="rect">
+              <a:avLst/>
+            </a:prstGeom>
+            <a:solidFill>
+              <a:schemeClr val="accent4"/>
+            </a:solidFill>
+            <a:ln>
+              <a:noFill/>
+            </a:ln>
+          </p:spPr>
+          <p:style>
+            <a:lnRef idx="2">
+              <a:schemeClr val="accent1">
+                <a:shade val="50000"/>
+              </a:schemeClr>
+            </a:lnRef>
+            <a:fillRef idx="1">
+              <a:schemeClr val="accent1"/>
+            </a:fillRef>
+            <a:effectRef idx="0">
+              <a:schemeClr val="accent1"/>
+            </a:effectRef>
+            <a:fontRef idx="minor">
+              <a:schemeClr val="lt1"/>
+            </a:fontRef>
+          </p:style>
+          <p:txBody>
+            <a:bodyPr rtlCol="0" anchor="ctr"/>
+            <a:lstStyle/>
+            <a:p>
+              <a:pPr algn="ctr"/>
+              <a:endParaRPr lang="en-US"/>
+            </a:p>
+          </p:txBody>
+        </p:sp>
+      </p:grpSp>
+      <p:sp>
+        <p:nvSpPr>
+          <p:cNvPr id="22" name="Rectangle 21">
+            <a:extLst>
+              <a:ext uri="{FF2B5EF4-FFF2-40B4-BE49-F238E27FC236}">
+                <a16:creationId xmlns:a16="http://schemas.microsoft.com/office/drawing/2014/main" id="{3873B707-463F-40B0-8227-E8CC6C67EB25}"/>
+              </a:ext>
+              <a:ext uri="{C183D7F6-B498-43B3-948B-1728B52AA6E4}">
+                <adec:decorative xmlns:adec="http://schemas.microsoft.com/office/drawing/2017/decorative" val="1"/>
+              </a:ext>
+            </a:extLst>
+          </p:cNvPr>
+          <p:cNvSpPr>
+            <a:spLocks noGrp="1" noRot="1" noChangeAspect="1" noMove="1" noResize="1" noEditPoints="1" noAdjustHandles="1" noChangeArrowheads="1" noChangeShapeType="1" noTextEdit="1"/>
+          </p:cNvSpPr>
+          <p:nvPr>
+            <p:extLst>
+              <p:ext uri="{386F3935-93C4-4BCD-93E2-E3B085C9AB24}">
+                <p16:designElem xmlns:p16="http://schemas.microsoft.com/office/powerpoint/2015/main" val="1"/>
+              </p:ext>
+            </p:extLst>
+          </p:nvPr>
+        </p:nvSpPr>
+        <p:spPr>
+          <a:xfrm flipH="1">
+            <a:off x="665085" y="2123821"/>
+            <a:ext cx="4975066" cy="27432"/>
+          </a:xfrm>
+          <a:prstGeom prst="rect">
+            <a:avLst/>
+          </a:prstGeom>
+          <a:solidFill>
+            <a:schemeClr val="accent4"/>
+          </a:solidFill>
+          <a:ln>
+            <a:noFill/>
+          </a:ln>
+        </p:spPr>
+        <p:style>
+          <a:lnRef idx="2">
+            <a:schemeClr val="accent1">
+              <a:shade val="50000"/>
+            </a:schemeClr>
+          </a:lnRef>
+          <a:fillRef idx="1">
+            <a:schemeClr val="accent1"/>
+          </a:fillRef>
+          <a:effectRef idx="0">
+            <a:schemeClr val="accent1"/>
+          </a:effectRef>
+          <a:fontRef idx="minor">
+            <a:schemeClr val="lt1"/>
+          </a:fontRef>
+        </p:style>
+        <p:txBody>
+          <a:bodyPr rtlCol="0" anchor="ctr"/>
+          <a:lstStyle/>
+          <a:p>
+            <a:pPr algn="ctr"/>
+            <a:endParaRPr lang="en-US"/>
+          </a:p>
+        </p:txBody>
+      </p:sp>
+      <p:sp>
+        <p:nvSpPr>
+          <p:cNvPr id="11" name="Inhaltsplatzhalter 2">
+            <a:extLst>
+              <a:ext uri="{FF2B5EF4-FFF2-40B4-BE49-F238E27FC236}">
+                <a16:creationId xmlns:a16="http://schemas.microsoft.com/office/drawing/2014/main" id="{EED25BA3-50C9-44DE-A446-D35B04814F20}"/>
+              </a:ext>
+            </a:extLst>
+          </p:cNvPr>
+          <p:cNvSpPr txBox="1">
+            <a:spLocks/>
+          </p:cNvSpPr>
+          <p:nvPr/>
+        </p:nvSpPr>
+        <p:spPr>
+          <a:xfrm>
+            <a:off x="590719" y="2330505"/>
+            <a:ext cx="5278066" cy="3979585"/>
+          </a:xfrm>
+          <a:prstGeom prst="rect">
+            <a:avLst/>
+          </a:prstGeom>
+        </p:spPr>
+        <p:txBody>
+          <a:bodyPr vert="horz" lIns="91440" tIns="45720" rIns="91440" bIns="45720" rtlCol="0" anchor="ctr">
+            <a:normAutofit/>
+          </a:bodyPr>
+          <a:lstStyle>
+            <a:lvl1pPr marL="228600" indent="-228600" algn="l" defTabSz="914400" rtl="0" eaLnBrk="1" latinLnBrk="0" hangingPunct="1">
+              <a:lnSpc>
+                <a:spcPct val="90000"/>
+              </a:lnSpc>
+              <a:spcBef>
+                <a:spcPts val="1000"/>
+              </a:spcBef>
+              <a:buFont typeface="Arial" panose="020B0604020202020204" pitchFamily="34" charset="0"/>
+              <a:buChar char="•"/>
+              <a:defRPr sz="2800" kern="1200">
+                <a:solidFill>
+                  <a:schemeClr val="tx1"/>
+                </a:solidFill>
+                <a:latin typeface="+mn-lt"/>
+                <a:ea typeface="+mn-ea"/>
+                <a:cs typeface="+mn-cs"/>
+              </a:defRPr>
+            </a:lvl1pPr>
+            <a:lvl2pPr marL="685800" indent="-228600" algn="l" defTabSz="914400" rtl="0" eaLnBrk="1" latinLnBrk="0" hangingPunct="1">
+              <a:lnSpc>
+                <a:spcPct val="90000"/>
+              </a:lnSpc>
+              <a:spcBef>
+                <a:spcPts val="500"/>
+              </a:spcBef>
+              <a:buFont typeface="Arial" panose="020B0604020202020204" pitchFamily="34" charset="0"/>
+              <a:buChar char="•"/>
+              <a:defRPr sz="2400" kern="1200">
+                <a:solidFill>
+                  <a:schemeClr val="tx1"/>
+                </a:solidFill>
+                <a:latin typeface="+mn-lt"/>
+                <a:ea typeface="+mn-ea"/>
+                <a:cs typeface="+mn-cs"/>
+              </a:defRPr>
+            </a:lvl2pPr>
+            <a:lvl3pPr marL="1143000" indent="-228600" algn="l" defTabSz="914400" rtl="0" eaLnBrk="1" latinLnBrk="0" hangingPunct="1">
+              <a:lnSpc>
+                <a:spcPct val="90000"/>
+              </a:lnSpc>
+              <a:spcBef>
+                <a:spcPts val="500"/>
+              </a:spcBef>
+              <a:buFont typeface="Arial" panose="020B0604020202020204" pitchFamily="34" charset="0"/>
+              <a:buChar char="•"/>
+              <a:defRPr sz="2000" kern="1200">
+                <a:solidFill>
+                  <a:schemeClr val="tx1"/>
+                </a:solidFill>
+                <a:latin typeface="+mn-lt"/>
+                <a:ea typeface="+mn-ea"/>
+                <a:cs typeface="+mn-cs"/>
+              </a:defRPr>
+            </a:lvl3pPr>
+            <a:lvl4pPr marL="1600200" indent="-228600" algn="l" defTabSz="914400" rtl="0" eaLnBrk="1" latinLnBrk="0" hangingPunct="1">
+              <a:lnSpc>
+                <a:spcPct val="90000"/>
+              </a:lnSpc>
+              <a:spcBef>
+                <a:spcPts val="500"/>
+              </a:spcBef>
+              <a:buFont typeface="Arial" panose="020B0604020202020204" pitchFamily="34" charset="0"/>
+              <a:buChar char="•"/>
+              <a:defRPr sz="1800" kern="1200">
+                <a:solidFill>
+                  <a:schemeClr val="tx1"/>
+                </a:solidFill>
+                <a:latin typeface="+mn-lt"/>
+                <a:ea typeface="+mn-ea"/>
+                <a:cs typeface="+mn-cs"/>
+              </a:defRPr>
+            </a:lvl4pPr>
+            <a:lvl5pPr marL="2057400" indent="-228600" algn="l" defTabSz="914400" rtl="0" eaLnBrk="1" latinLnBrk="0" hangingPunct="1">
+              <a:lnSpc>
+                <a:spcPct val="90000"/>
+              </a:lnSpc>
+              <a:spcBef>
+                <a:spcPts val="500"/>
+              </a:spcBef>
+              <a:buFont typeface="Arial" panose="020B0604020202020204" pitchFamily="34" charset="0"/>
+              <a:buChar char="•"/>
+              <a:defRPr sz="1800" kern="1200">
+                <a:solidFill>
+                  <a:schemeClr val="tx1"/>
+                </a:solidFill>
+                <a:latin typeface="+mn-lt"/>
+                <a:ea typeface="+mn-ea"/>
+                <a:cs typeface="+mn-cs"/>
+              </a:defRPr>
+            </a:lvl5pPr>
+            <a:lvl6pPr marL="2514600" indent="-228600" algn="l" defTabSz="914400" rtl="0" eaLnBrk="1" latinLnBrk="0" hangingPunct="1">
+              <a:lnSpc>
+                <a:spcPct val="90000"/>
+              </a:lnSpc>
+              <a:spcBef>
+                <a:spcPts val="500"/>
+              </a:spcBef>
+              <a:buFont typeface="Arial" panose="020B0604020202020204" pitchFamily="34" charset="0"/>
+              <a:buChar char="•"/>
+              <a:defRPr sz="1800" kern="1200">
+                <a:solidFill>
+                  <a:schemeClr val="tx1"/>
+                </a:solidFill>
+                <a:latin typeface="+mn-lt"/>
+                <a:ea typeface="+mn-ea"/>
+                <a:cs typeface="+mn-cs"/>
+              </a:defRPr>
+            </a:lvl6pPr>
+            <a:lvl7pPr marL="2971800" indent="-228600" algn="l" defTabSz="914400" rtl="0" eaLnBrk="1" latinLnBrk="0" hangingPunct="1">
+              <a:lnSpc>
+                <a:spcPct val="90000"/>
+              </a:lnSpc>
+              <a:spcBef>
+                <a:spcPts val="500"/>
+              </a:spcBef>
+              <a:buFont typeface="Arial" panose="020B0604020202020204" pitchFamily="34" charset="0"/>
+              <a:buChar char="•"/>
+              <a:defRPr sz="1800" kern="1200">
+                <a:solidFill>
+                  <a:schemeClr val="tx1"/>
+                </a:solidFill>
+                <a:latin typeface="+mn-lt"/>
+                <a:ea typeface="+mn-ea"/>
+                <a:cs typeface="+mn-cs"/>
+              </a:defRPr>
+            </a:lvl7pPr>
+            <a:lvl8pPr marL="3429000" indent="-228600" algn="l" defTabSz="914400" rtl="0" eaLnBrk="1" latinLnBrk="0" hangingPunct="1">
+              <a:lnSpc>
+                <a:spcPct val="90000"/>
+              </a:lnSpc>
+              <a:spcBef>
+                <a:spcPts val="500"/>
+              </a:spcBef>
+              <a:buFont typeface="Arial" panose="020B0604020202020204" pitchFamily="34" charset="0"/>
+              <a:buChar char="•"/>
+              <a:defRPr sz="1800" kern="1200">
+                <a:solidFill>
+                  <a:schemeClr val="tx1"/>
+                </a:solidFill>
+                <a:latin typeface="+mn-lt"/>
+                <a:ea typeface="+mn-ea"/>
+                <a:cs typeface="+mn-cs"/>
+              </a:defRPr>
+            </a:lvl8pPr>
+            <a:lvl9pPr marL="3886200" indent="-228600" algn="l" defTabSz="914400" rtl="0" eaLnBrk="1" latinLnBrk="0" hangingPunct="1">
+              <a:lnSpc>
+                <a:spcPct val="90000"/>
+              </a:lnSpc>
+              <a:spcBef>
+                <a:spcPts val="500"/>
+              </a:spcBef>
+              <a:buFont typeface="Arial" panose="020B0604020202020204" pitchFamily="34" charset="0"/>
+              <a:buChar char="•"/>
+              <a:defRPr sz="1800" kern="1200">
+                <a:solidFill>
+                  <a:schemeClr val="tx1"/>
+                </a:solidFill>
+                <a:latin typeface="+mn-lt"/>
+                <a:ea typeface="+mn-ea"/>
+                <a:cs typeface="+mn-cs"/>
+              </a:defRPr>
+            </a:lvl9pPr>
+          </a:lstStyle>
+          <a:p>
+            <a:r>
+              <a:rPr lang="en-US" sz="2000"/>
+              <a:t>Kompensieren des Hintergrund mittels Shadding </a:t>
+            </a:r>
+          </a:p>
+          <a:p>
+            <a:pPr lvl="1"/>
+            <a:r>
+              <a:rPr lang="en-US" sz="2000"/>
+              <a:t>Division des Hintergrunds vom Original-Bild</a:t>
+            </a:r>
+          </a:p>
+        </p:txBody>
+      </p:sp>
+      <p:sp>
+        <p:nvSpPr>
+          <p:cNvPr id="24" name="Rectangle 23">
+            <a:extLst>
+              <a:ext uri="{FF2B5EF4-FFF2-40B4-BE49-F238E27FC236}">
+                <a16:creationId xmlns:a16="http://schemas.microsoft.com/office/drawing/2014/main" id="{C13237C8-E62C-4F0D-A318-BD6FB6C2D138}"/>
+              </a:ext>
+              <a:ext uri="{C183D7F6-B498-43B3-948B-1728B52AA6E4}">
+                <adec:decorative xmlns:adec="http://schemas.microsoft.com/office/drawing/2017/decorative" val="1"/>
+              </a:ext>
+            </a:extLst>
+          </p:cNvPr>
+          <p:cNvSpPr>
+            <a:spLocks noGrp="1" noRot="1" noChangeAspect="1" noMove="1" noResize="1" noEditPoints="1" noAdjustHandles="1" noChangeArrowheads="1" noChangeShapeType="1" noTextEdit="1"/>
+          </p:cNvSpPr>
+          <p:nvPr>
+            <p:extLst>
+              <p:ext uri="{386F3935-93C4-4BCD-93E2-E3B085C9AB24}">
+                <p16:designElem xmlns:p16="http://schemas.microsoft.com/office/powerpoint/2015/main" val="1"/>
+              </p:ext>
+            </p:extLst>
+          </p:nvPr>
+        </p:nvSpPr>
+        <p:spPr>
+          <a:xfrm flipH="1">
+            <a:off x="10697670" y="0"/>
+            <a:ext cx="1494330" cy="6858000"/>
+          </a:xfrm>
+          <a:prstGeom prst="rect">
+            <a:avLst/>
+          </a:prstGeom>
+          <a:solidFill>
+            <a:schemeClr val="accent4"/>
+          </a:solidFill>
+          <a:ln>
+            <a:noFill/>
+          </a:ln>
+        </p:spPr>
+        <p:style>
+          <a:lnRef idx="2">
+            <a:schemeClr val="accent1">
+              <a:shade val="50000"/>
+            </a:schemeClr>
+          </a:lnRef>
+          <a:fillRef idx="1">
+            <a:schemeClr val="accent1"/>
+          </a:fillRef>
+          <a:effectRef idx="0">
+            <a:schemeClr val="accent1"/>
+          </a:effectRef>
+          <a:fontRef idx="minor">
+            <a:schemeClr val="lt1"/>
+          </a:fontRef>
+        </p:style>
+        <p:txBody>
+          <a:bodyPr rtlCol="0" anchor="ctr"/>
+          <a:lstStyle/>
+          <a:p>
+            <a:pPr algn="ctr"/>
+            <a:endParaRPr lang="en-US"/>
+          </a:p>
+        </p:txBody>
+      </p:sp>
+      <p:sp>
+        <p:nvSpPr>
+          <p:cNvPr id="26" name="Rectangle 25">
+            <a:extLst>
+              <a:ext uri="{FF2B5EF4-FFF2-40B4-BE49-F238E27FC236}">
+                <a16:creationId xmlns:a16="http://schemas.microsoft.com/office/drawing/2014/main" id="{19C9EAEA-39D0-4B0E-A0EB-51E7B26740B1}"/>
+              </a:ext>
+              <a:ext uri="{C183D7F6-B498-43B3-948B-1728B52AA6E4}">
+                <adec:decorative xmlns:adec="http://schemas.microsoft.com/office/drawing/2017/decorative" val="1"/>
+              </a:ext>
+            </a:extLst>
+          </p:cNvPr>
+          <p:cNvSpPr>
+            <a:spLocks noGrp="1" noRot="1" noChangeAspect="1" noMove="1" noResize="1" noEditPoints="1" noAdjustHandles="1" noChangeArrowheads="1" noChangeShapeType="1" noTextEdit="1"/>
+          </p:cNvSpPr>
+          <p:nvPr>
+            <p:extLst>
+              <p:ext uri="{386F3935-93C4-4BCD-93E2-E3B085C9AB24}">
+                <p16:designElem xmlns:p16="http://schemas.microsoft.com/office/powerpoint/2015/main" val="1"/>
+              </p:ext>
+            </p:extLst>
+          </p:nvPr>
+        </p:nvSpPr>
+        <p:spPr>
+          <a:xfrm>
+            <a:off x="6849687" y="357447"/>
+            <a:ext cx="4845488" cy="2923587"/>
+          </a:xfrm>
+          <a:prstGeom prst="rect">
+            <a:avLst/>
+          </a:prstGeom>
+          <a:solidFill>
+            <a:schemeClr val="bg1"/>
+          </a:solidFill>
+          <a:ln>
+            <a:noFill/>
+          </a:ln>
+          <a:effectLst>
+            <a:outerShdw blurRad="139700" dist="127000" dir="5400000" algn="t" rotWithShape="0">
+              <a:prstClr val="black">
+                <a:alpha val="15000"/>
+              </a:prstClr>
+            </a:outerShdw>
+          </a:effectLst>
+        </p:spPr>
+        <p:style>
+          <a:lnRef idx="2">
+            <a:schemeClr val="accent1">
+              <a:shade val="50000"/>
+            </a:schemeClr>
+          </a:lnRef>
+          <a:fillRef idx="1">
+            <a:schemeClr val="accent1"/>
+          </a:fillRef>
+          <a:effectRef idx="0">
+            <a:schemeClr val="accent1"/>
+          </a:effectRef>
+          <a:fontRef idx="minor">
+            <a:schemeClr val="lt1"/>
+          </a:fontRef>
+        </p:style>
+        <p:txBody>
+          <a:bodyPr rtlCol="0" anchor="ctr"/>
+          <a:lstStyle/>
+          <a:p>
+            <a:pPr algn="ctr"/>
+            <a:endParaRPr lang="en-US"/>
+          </a:p>
+        </p:txBody>
+      </p:sp>
+      <p:pic>
+        <p:nvPicPr>
+          <p:cNvPr id="7" name="Grafik 6" descr="Ein Bild, das Text enthält.&#10;&#10;Automatisch generierte Beschreibung">
+            <a:extLst>
+              <a:ext uri="{FF2B5EF4-FFF2-40B4-BE49-F238E27FC236}">
+                <a16:creationId xmlns:a16="http://schemas.microsoft.com/office/drawing/2014/main" id="{18FA99BB-DC71-4A54-81C1-8E3648DCCF05}"/>
+              </a:ext>
+            </a:extLst>
+          </p:cNvPr>
+          <p:cNvPicPr>
+            <a:picLocks noChangeAspect="1"/>
+          </p:cNvPicPr>
+          <p:nvPr/>
+        </p:nvPicPr>
+        <p:blipFill rotWithShape="1">
+          <a:blip r:embed="rId2">
+            <a:extLst>
+              <a:ext uri="{28A0092B-C50C-407E-A947-70E740481C1C}">
+                <a14:useLocalDpi xmlns:a14="http://schemas.microsoft.com/office/drawing/2010/main" val="0"/>
+              </a:ext>
+            </a:extLst>
+          </a:blip>
+          <a:srcRect t="14566" r="2" b="15429"/>
+          <a:stretch/>
+        </p:blipFill>
+        <p:spPr>
+          <a:xfrm>
+            <a:off x="7083423" y="581892"/>
+            <a:ext cx="4397433" cy="2518756"/>
+          </a:xfrm>
+          <a:prstGeom prst="rect">
+            <a:avLst/>
+          </a:prstGeom>
+        </p:spPr>
+      </p:pic>
+      <p:sp>
+        <p:nvSpPr>
+          <p:cNvPr id="28" name="Rectangle 27">
+            <a:extLst>
+              <a:ext uri="{FF2B5EF4-FFF2-40B4-BE49-F238E27FC236}">
+                <a16:creationId xmlns:a16="http://schemas.microsoft.com/office/drawing/2014/main" id="{8CB5D2D7-DF65-4E86-BFBA-FFB9B5ACEB64}"/>
+              </a:ext>
+              <a:ext uri="{C183D7F6-B498-43B3-948B-1728B52AA6E4}">
+                <adec:decorative xmlns:adec="http://schemas.microsoft.com/office/drawing/2017/decorative" val="1"/>
+              </a:ext>
+            </a:extLst>
+          </p:cNvPr>
+          <p:cNvSpPr>
+            <a:spLocks noGrp="1" noRot="1" noChangeAspect="1" noMove="1" noResize="1" noEditPoints="1" noAdjustHandles="1" noChangeArrowheads="1" noChangeShapeType="1" noTextEdit="1"/>
+          </p:cNvSpPr>
+          <p:nvPr>
+            <p:extLst>
+              <p:ext uri="{386F3935-93C4-4BCD-93E2-E3B085C9AB24}">
+                <p16:designElem xmlns:p16="http://schemas.microsoft.com/office/powerpoint/2015/main" val="1"/>
+              </p:ext>
+            </p:extLst>
+          </p:nvPr>
+        </p:nvSpPr>
+        <p:spPr>
+          <a:xfrm>
+            <a:off x="6849687" y="3505479"/>
+            <a:ext cx="4845488" cy="2923587"/>
+          </a:xfrm>
+          <a:prstGeom prst="rect">
+            <a:avLst/>
+          </a:prstGeom>
+          <a:solidFill>
+            <a:schemeClr val="bg1"/>
+          </a:solidFill>
+          <a:ln>
+            <a:noFill/>
+          </a:ln>
+          <a:effectLst>
+            <a:outerShdw blurRad="139700" dist="127000" dir="5400000" algn="t" rotWithShape="0">
+              <a:prstClr val="black">
+                <a:alpha val="15000"/>
+              </a:prstClr>
+            </a:outerShdw>
+          </a:effectLst>
+        </p:spPr>
+        <p:style>
+          <a:lnRef idx="2">
+            <a:schemeClr val="accent1">
+              <a:shade val="50000"/>
+            </a:schemeClr>
+          </a:lnRef>
+          <a:fillRef idx="1">
+            <a:schemeClr val="accent1"/>
+          </a:fillRef>
+          <a:effectRef idx="0">
+            <a:schemeClr val="accent1"/>
+          </a:effectRef>
+          <a:fontRef idx="minor">
+            <a:schemeClr val="lt1"/>
+          </a:fontRef>
+        </p:style>
+        <p:txBody>
+          <a:bodyPr rtlCol="0" anchor="ctr"/>
+          <a:lstStyle/>
+          <a:p>
+            <a:pPr algn="ctr"/>
+            <a:endParaRPr lang="en-US"/>
+          </a:p>
+        </p:txBody>
+      </p:sp>
+      <p:pic>
+        <p:nvPicPr>
+          <p:cNvPr id="5" name="Inhaltsplatzhalter 4">
+            <a:extLst>
+              <a:ext uri="{FF2B5EF4-FFF2-40B4-BE49-F238E27FC236}">
+                <a16:creationId xmlns:a16="http://schemas.microsoft.com/office/drawing/2014/main" id="{35F7CFF7-5CB5-4398-8200-02B1CF84304D}"/>
+              </a:ext>
+            </a:extLst>
+          </p:cNvPr>
+          <p:cNvPicPr>
+            <a:picLocks noGrp="1" noChangeAspect="1"/>
+          </p:cNvPicPr>
+          <p:nvPr>
+            <p:ph idx="1"/>
+          </p:nvPr>
+        </p:nvPicPr>
+        <p:blipFill rotWithShape="1">
+          <a:blip r:embed="rId3">
+            <a:extLst>
+              <a:ext uri="{28A0092B-C50C-407E-A947-70E740481C1C}">
+                <a14:useLocalDpi xmlns:a14="http://schemas.microsoft.com/office/drawing/2010/main" val="0"/>
+              </a:ext>
+            </a:extLst>
+          </a:blip>
+          <a:srcRect t="12366" r="-3" b="17596"/>
+          <a:stretch/>
+        </p:blipFill>
+        <p:spPr>
+          <a:xfrm>
+            <a:off x="7083423" y="3707894"/>
+            <a:ext cx="4395569" cy="2518756"/>
+          </a:xfrm>
+          <a:prstGeom prst="rect">
+            <a:avLst/>
+          </a:prstGeom>
+        </p:spPr>
+      </p:pic>
+      <p:sp>
+        <p:nvSpPr>
+          <p:cNvPr id="8" name="Pfeil: nach rechts 7">
+            <a:extLst>
+              <a:ext uri="{FF2B5EF4-FFF2-40B4-BE49-F238E27FC236}">
+                <a16:creationId xmlns:a16="http://schemas.microsoft.com/office/drawing/2014/main" id="{78B8B741-83F8-4D72-8EC3-BA7ADBF5ACA2}"/>
+              </a:ext>
+            </a:extLst>
+          </p:cNvPr>
+          <p:cNvSpPr/>
+          <p:nvPr/>
+        </p:nvSpPr>
+        <p:spPr>
+          <a:xfrm rot="5400000">
+            <a:off x="8666956" y="3024535"/>
+            <a:ext cx="881060" cy="751092"/>
+          </a:xfrm>
+          <a:prstGeom prst="rightArrow">
+            <a:avLst/>
+          </a:prstGeom>
+        </p:spPr>
+        <p:style>
+          <a:lnRef idx="2">
+            <a:schemeClr val="accent1">
+              <a:shade val="50000"/>
+            </a:schemeClr>
+          </a:lnRef>
+          <a:fillRef idx="1">
+            <a:schemeClr val="accent1"/>
+          </a:fillRef>
+          <a:effectRef idx="0">
+            <a:schemeClr val="accent1"/>
+          </a:effectRef>
+          <a:fontRef idx="minor">
+            <a:schemeClr val="lt1"/>
+          </a:fontRef>
+        </p:style>
+        <p:txBody>
+          <a:bodyPr rtlCol="0" anchor="ctr"/>
+          <a:lstStyle/>
+          <a:p>
+            <a:pPr algn="ctr"/>
+            <a:endParaRPr lang="de-AT"/>
+          </a:p>
+        </p:txBody>
+      </p:sp>
+    </p:spTree>
+    <p:extLst>
+      <p:ext uri="{BB962C8B-B14F-4D97-AF65-F5344CB8AC3E}">
+        <p14:creationId xmlns:p14="http://schemas.microsoft.com/office/powerpoint/2010/main" val="99940057"/>
+      </p:ext>
+    </p:extLst>
+  </p:cSld>
+  <p:clrMapOvr>
+    <a:masterClrMapping/>
+  </p:clrMapOvr>
+</p:sld>
+</file>
+
+<file path=ppt/slides/slide4.xml><?xml version="1.0" encoding="utf-8"?>
+<p:sld xmlns:a="http://schemas.openxmlformats.org/drawingml/2006/main" xmlns:r="http://schemas.openxmlformats.org/officeDocument/2006/relationships" xmlns:p="http://schemas.openxmlformats.org/presentationml/2006/main">
+  <p:cSld>
+    <p:bg>
+      <p:bgPr>
+        <a:solidFill>
+          <a:schemeClr val="bg1"/>
+        </a:solidFill>
+        <a:effectLst/>
+      </p:bgPr>
+    </p:bg>
+    <p:spTree>
+      <p:nvGrpSpPr>
+        <p:cNvPr id="1" name=""/>
+        <p:cNvGrpSpPr/>
+        <p:nvPr/>
+      </p:nvGrpSpPr>
+      <p:grpSpPr>
+        <a:xfrm>
+          <a:off x="0" y="0"/>
+          <a:ext cx="0" cy="0"/>
+          <a:chOff x="0" y="0"/>
+          <a:chExt cx="0" cy="0"/>
+        </a:xfrm>
+      </p:grpSpPr>
+      <p:sp useBgFill="1">
+        <p:nvSpPr>
+          <p:cNvPr id="23" name="Rectangle 9">
+            <a:extLst>
+              <a:ext uri="{FF2B5EF4-FFF2-40B4-BE49-F238E27FC236}">
+                <a16:creationId xmlns:a16="http://schemas.microsoft.com/office/drawing/2014/main" id="{117AB3D3-3C9C-4DED-809A-78734805B895}"/>
+              </a:ext>
+              <a:ext uri="{C183D7F6-B498-43B3-948B-1728B52AA6E4}">
+                <adec:decorative xmlns:adec="http://schemas.microsoft.com/office/drawing/2017/decorative" val="1"/>
+              </a:ext>
+            </a:extLst>
+          </p:cNvPr>
+          <p:cNvSpPr>
+            <a:spLocks noGrp="1" noRot="1" noChangeAspect="1" noMove="1" noResize="1" noEditPoints="1" noAdjustHandles="1" noChangeArrowheads="1" noChangeShapeType="1" noTextEdit="1"/>
+          </p:cNvSpPr>
+          <p:nvPr>
+            <p:extLst>
+              <p:ext uri="{386F3935-93C4-4BCD-93E2-E3B085C9AB24}">
+                <p16:designElem xmlns:p16="http://schemas.microsoft.com/office/powerpoint/2015/main" val="1"/>
+              </p:ext>
+            </p:extLst>
+          </p:nvPr>
+        </p:nvSpPr>
+        <p:spPr>
+          <a:xfrm>
+            <a:off x="0" y="0"/>
+            <a:ext cx="12191999" cy="6857365"/>
+          </a:xfrm>
+          <a:prstGeom prst="rect">
+            <a:avLst/>
+          </a:prstGeom>
+          <a:ln>
+            <a:noFill/>
+          </a:ln>
+        </p:spPr>
+        <p:style>
+          <a:lnRef idx="2">
+            <a:schemeClr val="accent1">
+              <a:shade val="50000"/>
+            </a:schemeClr>
+          </a:lnRef>
+          <a:fillRef idx="1">
+            <a:schemeClr val="accent1"/>
+          </a:fillRef>
+          <a:effectRef idx="0">
+            <a:schemeClr val="accent1"/>
+          </a:effectRef>
+          <a:fontRef idx="minor">
+            <a:schemeClr val="lt1"/>
+          </a:fontRef>
+        </p:style>
+        <p:txBody>
+          <a:bodyPr rtlCol="0" anchor="ctr"/>
+          <a:lstStyle/>
+          <a:p>
+            <a:pPr algn="ctr"/>
+            <a:endParaRPr lang="en-US"/>
+          </a:p>
+        </p:txBody>
+      </p:sp>
+      <p:sp>
+        <p:nvSpPr>
+          <p:cNvPr id="2" name="Titel 1">
+            <a:extLst>
+              <a:ext uri="{FF2B5EF4-FFF2-40B4-BE49-F238E27FC236}">
+                <a16:creationId xmlns:a16="http://schemas.microsoft.com/office/drawing/2014/main" id="{DC6C5F77-A97F-418D-8780-98F65ECD8441}"/>
+              </a:ext>
+            </a:extLst>
+          </p:cNvPr>
+          <p:cNvSpPr>
+            <a:spLocks noGrp="1"/>
+          </p:cNvSpPr>
+          <p:nvPr>
+            <p:ph type="title"/>
+          </p:nvPr>
+        </p:nvSpPr>
+        <p:spPr>
+          <a:xfrm>
+            <a:off x="793662" y="386930"/>
+            <a:ext cx="10066122" cy="1298448"/>
+          </a:xfrm>
+        </p:spPr>
+        <p:txBody>
+          <a:bodyPr anchor="b">
+            <a:normAutofit/>
+          </a:bodyPr>
+          <a:lstStyle/>
+          <a:p>
+            <a:r>
+              <a:rPr lang="de-AT" sz="4800"/>
+              <a:t>Segmentierung</a:t>
+            </a:r>
+          </a:p>
+        </p:txBody>
+      </p:sp>
+      <p:sp>
+        <p:nvSpPr>
+          <p:cNvPr id="24" name="Rectangle 11">
+            <a:extLst>
+              <a:ext uri="{FF2B5EF4-FFF2-40B4-BE49-F238E27FC236}">
+                <a16:creationId xmlns:a16="http://schemas.microsoft.com/office/drawing/2014/main" id="{3A9A4357-BD1D-4622-A4FE-766E6AB8DE84}"/>
+              </a:ext>
+              <a:ext uri="{C183D7F6-B498-43B3-948B-1728B52AA6E4}">
+                <adec:decorative xmlns:adec="http://schemas.microsoft.com/office/drawing/2017/decorative" val="1"/>
+              </a:ext>
+            </a:extLst>
+          </p:cNvPr>
+          <p:cNvSpPr>
+            <a:spLocks noGrp="1" noRot="1" noChangeAspect="1" noMove="1" noResize="1" noEditPoints="1" noAdjustHandles="1" noChangeArrowheads="1" noChangeShapeType="1" noTextEdit="1"/>
+          </p:cNvSpPr>
+          <p:nvPr>
+            <p:extLst>
+              <p:ext uri="{386F3935-93C4-4BCD-93E2-E3B085C9AB24}">
+                <p16:designElem xmlns:p16="http://schemas.microsoft.com/office/powerpoint/2015/main" val="1"/>
+              </p:ext>
+            </p:extLst>
+          </p:nvPr>
+        </p:nvSpPr>
+        <p:spPr>
+          <a:xfrm flipH="1" flipV="1">
+            <a:off x="-2" y="1998845"/>
+            <a:ext cx="11454595" cy="781699"/>
+          </a:xfrm>
+          <a:prstGeom prst="rect">
+            <a:avLst/>
+          </a:prstGeom>
+          <a:solidFill>
+            <a:schemeClr val="accent4"/>
+          </a:solidFill>
+          <a:ln>
+            <a:noFill/>
+          </a:ln>
+        </p:spPr>
+        <p:style>
+          <a:lnRef idx="2">
+            <a:schemeClr val="accent1">
+              <a:shade val="50000"/>
+            </a:schemeClr>
+          </a:lnRef>
+          <a:fillRef idx="1">
+            <a:schemeClr val="accent1"/>
+          </a:fillRef>
+          <a:effectRef idx="0">
+            <a:schemeClr val="accent1"/>
+          </a:effectRef>
+          <a:fontRef idx="minor">
+            <a:schemeClr val="lt1"/>
+          </a:fontRef>
+        </p:style>
+        <p:txBody>
+          <a:bodyPr rtlCol="0" anchor="ctr"/>
+          <a:lstStyle/>
+          <a:p>
+            <a:pPr algn="ctr"/>
+            <a:endParaRPr lang="en-US"/>
+          </a:p>
+        </p:txBody>
+      </p:sp>
+      <p:sp>
+        <p:nvSpPr>
+          <p:cNvPr id="25" name="Rectangle 13">
+            <a:extLst>
+              <a:ext uri="{FF2B5EF4-FFF2-40B4-BE49-F238E27FC236}">
+                <a16:creationId xmlns:a16="http://schemas.microsoft.com/office/drawing/2014/main" id="{E659831F-0D9A-4C63-9EBB-8435B85A440F}"/>
+              </a:ext>
+              <a:ext uri="{C183D7F6-B498-43B3-948B-1728B52AA6E4}">
+                <adec:decorative xmlns:adec="http://schemas.microsoft.com/office/drawing/2017/decorative" val="1"/>
+              </a:ext>
+            </a:extLst>
+          </p:cNvPr>
+          <p:cNvSpPr>
+            <a:spLocks noGrp="1" noRot="1" noChangeAspect="1" noMove="1" noResize="1" noEditPoints="1" noAdjustHandles="1" noChangeArrowheads="1" noChangeShapeType="1" noTextEdit="1"/>
+          </p:cNvSpPr>
+          <p:nvPr>
+            <p:extLst>
+              <p:ext uri="{386F3935-93C4-4BCD-93E2-E3B085C9AB24}">
+                <p16:designElem xmlns:p16="http://schemas.microsoft.com/office/powerpoint/2015/main" val="1"/>
+              </p:ext>
+            </p:extLst>
+          </p:nvPr>
+        </p:nvSpPr>
+        <p:spPr>
+          <a:xfrm>
+            <a:off x="0" y="2203079"/>
+            <a:ext cx="11383362" cy="4267991"/>
+          </a:xfrm>
+          <a:prstGeom prst="rect">
+            <a:avLst/>
+          </a:prstGeom>
+          <a:solidFill>
+            <a:schemeClr val="bg1"/>
+          </a:solidFill>
+          <a:ln>
+            <a:noFill/>
+          </a:ln>
+          <a:effectLst>
+            <a:outerShdw blurRad="139700" dist="127000" dir="5400000" algn="t" rotWithShape="0">
+              <a:prstClr val="black">
+                <a:alpha val="15000"/>
+              </a:prstClr>
+            </a:outerShdw>
+          </a:effectLst>
+        </p:spPr>
+        <p:style>
+          <a:lnRef idx="2">
+            <a:schemeClr val="accent1">
+              <a:shade val="50000"/>
+            </a:schemeClr>
+          </a:lnRef>
+          <a:fillRef idx="1">
+            <a:schemeClr val="accent1"/>
+          </a:fillRef>
+          <a:effectRef idx="0">
+            <a:schemeClr val="accent1"/>
+          </a:effectRef>
+          <a:fontRef idx="minor">
+            <a:schemeClr val="lt1"/>
+          </a:fontRef>
+        </p:style>
+        <p:txBody>
+          <a:bodyPr rtlCol="0" anchor="ctr"/>
+          <a:lstStyle/>
+          <a:p>
+            <a:pPr algn="ctr"/>
+            <a:endParaRPr lang="en-US"/>
+          </a:p>
+        </p:txBody>
+      </p:sp>
+      <p:sp>
+        <p:nvSpPr>
+          <p:cNvPr id="3" name="Inhaltsplatzhalter 2">
+            <a:extLst>
+              <a:ext uri="{FF2B5EF4-FFF2-40B4-BE49-F238E27FC236}">
+                <a16:creationId xmlns:a16="http://schemas.microsoft.com/office/drawing/2014/main" id="{C366246F-AC87-48F9-A068-4142BB6012F3}"/>
+              </a:ext>
+            </a:extLst>
+          </p:cNvPr>
+          <p:cNvSpPr>
+            <a:spLocks noGrp="1"/>
+          </p:cNvSpPr>
+          <p:nvPr>
+            <p:ph idx="1"/>
+          </p:nvPr>
+        </p:nvSpPr>
+        <p:spPr>
+          <a:xfrm>
+            <a:off x="793661" y="2599509"/>
+            <a:ext cx="4530898" cy="3639450"/>
+          </a:xfrm>
+        </p:spPr>
+        <p:txBody>
+          <a:bodyPr anchor="ctr">
+            <a:normAutofit/>
+          </a:bodyPr>
+          <a:lstStyle/>
+          <a:p>
+            <a:r>
+              <a:rPr lang="de-AT" sz="2000"/>
+              <a:t>Verwendung von AI</a:t>
+            </a:r>
+          </a:p>
+          <a:p>
+            <a:r>
+              <a:rPr lang="de-AT" sz="2000"/>
+              <a:t>Aufteilung der Daten</a:t>
+            </a:r>
+          </a:p>
+          <a:p>
+            <a:pPr lvl="1"/>
+            <a:r>
+              <a:rPr lang="de-AT" sz="2000"/>
+              <a:t>80% Training</a:t>
+            </a:r>
+          </a:p>
+          <a:p>
+            <a:pPr lvl="1"/>
+            <a:r>
+              <a:rPr lang="de-AT" sz="2000"/>
+              <a:t>20% Test</a:t>
+            </a:r>
+          </a:p>
+          <a:p>
+            <a:r>
+              <a:rPr lang="de-AT" sz="2000"/>
+              <a:t>Manuelles Labeling in 3 Klassen</a:t>
+            </a:r>
+          </a:p>
+          <a:p>
+            <a:pPr lvl="1"/>
+            <a:r>
+              <a:rPr lang="de-AT" sz="2000"/>
+              <a:t>Indiana Jones</a:t>
+            </a:r>
+          </a:p>
+          <a:p>
+            <a:pPr lvl="1"/>
+            <a:r>
+              <a:rPr lang="de-AT" sz="2000"/>
+              <a:t>Unknown Guy</a:t>
+            </a:r>
+          </a:p>
+          <a:p>
+            <a:pPr lvl="1"/>
+            <a:r>
+              <a:rPr lang="de-AT" sz="2000"/>
+              <a:t>Unknown Girl</a:t>
+            </a:r>
+          </a:p>
+        </p:txBody>
+      </p:sp>
+      <p:pic>
+        <p:nvPicPr>
+          <p:cNvPr id="5" name="Grafik 4">
+            <a:extLst>
+              <a:ext uri="{FF2B5EF4-FFF2-40B4-BE49-F238E27FC236}">
+                <a16:creationId xmlns:a16="http://schemas.microsoft.com/office/drawing/2014/main" id="{DFD0F060-FA79-4045-A477-196635FD0867}"/>
+              </a:ext>
+            </a:extLst>
+          </p:cNvPr>
+          <p:cNvPicPr>
+            <a:picLocks noChangeAspect="1"/>
+          </p:cNvPicPr>
+          <p:nvPr/>
+        </p:nvPicPr>
+        <p:blipFill rotWithShape="1">
+          <a:blip r:embed="rId3"/>
+          <a:srcRect l="3106" r="14044" b="1"/>
+          <a:stretch/>
+        </p:blipFill>
+        <p:spPr>
+          <a:xfrm>
+            <a:off x="5911532" y="2484255"/>
+            <a:ext cx="5150277" cy="3714244"/>
+          </a:xfrm>
+          <a:prstGeom prst="rect">
+            <a:avLst/>
+          </a:prstGeom>
+        </p:spPr>
+      </p:pic>
+      <p:sp>
+        <p:nvSpPr>
+          <p:cNvPr id="16" name="Rectangle 15">
+            <a:extLst>
+              <a:ext uri="{FF2B5EF4-FFF2-40B4-BE49-F238E27FC236}">
+                <a16:creationId xmlns:a16="http://schemas.microsoft.com/office/drawing/2014/main" id="{E6995CE5-F890-4ABA-82A2-26507CE8D2A3}"/>
+              </a:ext>
+              <a:ext uri="{C183D7F6-B498-43B3-948B-1728B52AA6E4}">
+                <adec:decorative xmlns:adec="http://schemas.microsoft.com/office/drawing/2017/decorative" val="1"/>
+              </a:ext>
+            </a:extLst>
+          </p:cNvPr>
+          <p:cNvSpPr>
+            <a:spLocks noGrp="1" noRot="1" noChangeAspect="1" noMove="1" noResize="1" noEditPoints="1" noAdjustHandles="1" noChangeArrowheads="1" noChangeShapeType="1" noTextEdit="1"/>
+          </p:cNvSpPr>
+          <p:nvPr>
+            <p:extLst>
+              <p:ext uri="{386F3935-93C4-4BCD-93E2-E3B085C9AB24}">
+                <p16:designElem xmlns:p16="http://schemas.microsoft.com/office/powerpoint/2015/main" val="1"/>
+              </p:ext>
+            </p:extLst>
+          </p:nvPr>
+        </p:nvSpPr>
+        <p:spPr>
+          <a:xfrm rot="5400000">
+            <a:off x="11228040" y="2313027"/>
+            <a:ext cx="781700" cy="152382"/>
+          </a:xfrm>
+          <a:prstGeom prst="rect">
+            <a:avLst/>
+          </a:prstGeom>
+          <a:solidFill>
+            <a:schemeClr val="accent4"/>
+          </a:solidFill>
+          <a:ln>
+            <a:noFill/>
+          </a:ln>
+        </p:spPr>
+        <p:style>
+          <a:lnRef idx="2">
+            <a:schemeClr val="accent1">
+              <a:shade val="50000"/>
+            </a:schemeClr>
+          </a:lnRef>
+          <a:fillRef idx="1">
+            <a:schemeClr val="accent1"/>
+          </a:fillRef>
+          <a:effectRef idx="0">
+            <a:schemeClr val="accent1"/>
+          </a:effectRef>
+          <a:fontRef idx="minor">
+            <a:schemeClr val="lt1"/>
+          </a:fontRef>
+        </p:style>
+        <p:txBody>
+          <a:bodyPr rtlCol="0" anchor="ctr"/>
+          <a:lstStyle/>
+          <a:p>
+            <a:pPr algn="ctr"/>
+            <a:endParaRPr lang="en-US"/>
+          </a:p>
+        </p:txBody>
+      </p:sp>
+    </p:spTree>
+    <p:extLst>
+      <p:ext uri="{BB962C8B-B14F-4D97-AF65-F5344CB8AC3E}">
+        <p14:creationId xmlns:p14="http://schemas.microsoft.com/office/powerpoint/2010/main" val="4009704502"/>
+      </p:ext>
+    </p:extLst>
+  </p:cSld>
+  <p:clrMapOvr>
+    <a:masterClrMapping/>
+  </p:clrMapOvr>
+</p:sld>
+</file>
+
+<file path=ppt/slides/slide5.xml><?xml version="1.0" encoding="utf-8"?>
 <p:sld xmlns:a="http://schemas.openxmlformats.org/drawingml/2006/main" xmlns:r="http://schemas.openxmlformats.org/officeDocument/2006/relationships" xmlns:p="http://schemas.openxmlformats.org/presentationml/2006/main">
   <p:cSld>
     <p:spTree>
@@ -3523,7 +11305,13 @@
       </p:grpSpPr>
       <p:sp>
         <p:nvSpPr>
-          <p:cNvPr id="2" name="Titel 1"/>
+          <p:cNvPr id="2" name="Titel 1">
+            <a:extLst>
+              <a:ext uri="{FF2B5EF4-FFF2-40B4-BE49-F238E27FC236}">
+                <a16:creationId xmlns:a16="http://schemas.microsoft.com/office/drawing/2014/main" id="{03CA394F-8D35-4A4C-8755-884B12F46510}"/>
+              </a:ext>
+            </a:extLst>
+          </p:cNvPr>
           <p:cNvSpPr>
             <a:spLocks noGrp="1"/>
           </p:cNvSpPr>
@@ -3537,8 +11325,8 @@
           <a:lstStyle/>
           <a:p>
             <a:r>
-              <a:rPr lang="de-AT" dirty="0" smtClean="0"/>
-              <a:t>Lösungsansatz – Finden von Indiana</a:t>
+              <a:rPr lang="de-AT"/>
+              <a:t>AI Model</a:t>
             </a:r>
             <a:endParaRPr lang="de-AT" dirty="0"/>
           </a:p>
@@ -3546,7 +11334,13 @@
       </p:sp>
       <p:sp>
         <p:nvSpPr>
-          <p:cNvPr id="3" name="Inhaltsplatzhalter 2"/>
+          <p:cNvPr id="3" name="Inhaltsplatzhalter 2">
+            <a:extLst>
+              <a:ext uri="{FF2B5EF4-FFF2-40B4-BE49-F238E27FC236}">
+                <a16:creationId xmlns:a16="http://schemas.microsoft.com/office/drawing/2014/main" id="{43E7BBF3-425B-4B59-B514-0B906ADE375E}"/>
+              </a:ext>
+            </a:extLst>
+          </p:cNvPr>
           <p:cNvSpPr>
             <a:spLocks noGrp="1"/>
           </p:cNvSpPr>
@@ -3559,6 +11353,787 @@
           <a:bodyPr/>
           <a:lstStyle/>
           <a:p>
+            <a:r>
+              <a:rPr lang="de-AT" dirty="0"/>
+              <a:t>Verwendung eines fertigen Modells</a:t>
+            </a:r>
+          </a:p>
+          <a:p>
+            <a:pPr lvl="1"/>
+            <a:r>
+              <a:rPr lang="de-AT" dirty="0"/>
+              <a:t>Trainiert auf COCO 2017 Dataset </a:t>
+            </a:r>
+          </a:p>
+          <a:p>
+            <a:pPr lvl="1"/>
+            <a:r>
+              <a:rPr lang="de-AT" dirty="0"/>
+              <a:t>Aufbau für </a:t>
+            </a:r>
+            <a:r>
+              <a:rPr lang="de-AT" dirty="0" err="1"/>
+              <a:t>Object</a:t>
+            </a:r>
+            <a:r>
+              <a:rPr lang="de-AT" dirty="0"/>
+              <a:t> </a:t>
+            </a:r>
+            <a:r>
+              <a:rPr lang="de-AT" dirty="0" err="1"/>
+              <a:t>Detection</a:t>
+            </a:r>
+            <a:r>
+              <a:rPr lang="de-AT" dirty="0"/>
+              <a:t> optimiert</a:t>
+            </a:r>
+          </a:p>
+          <a:p>
+            <a:r>
+              <a:rPr lang="de-AT" dirty="0"/>
+              <a:t>Umlernen des Netzwerks für unsere Daten</a:t>
+            </a:r>
+          </a:p>
+          <a:p>
+            <a:r>
+              <a:rPr lang="de-AT" dirty="0"/>
+              <a:t>Konfiguration</a:t>
+            </a:r>
+          </a:p>
+          <a:p>
+            <a:pPr lvl="1"/>
+            <a:r>
+              <a:rPr lang="de-AT" dirty="0"/>
+              <a:t> </a:t>
+            </a:r>
+            <a:r>
+              <a:rPr lang="de-AT" dirty="0" err="1"/>
+              <a:t>Tensorflow</a:t>
+            </a:r>
+            <a:r>
+              <a:rPr lang="de-AT" dirty="0"/>
+              <a:t> 2 </a:t>
+            </a:r>
+            <a:r>
+              <a:rPr lang="de-AT" dirty="0" err="1"/>
+              <a:t>Object</a:t>
+            </a:r>
+            <a:r>
+              <a:rPr lang="de-AT" dirty="0"/>
+              <a:t> </a:t>
+            </a:r>
+            <a:r>
+              <a:rPr lang="de-AT" dirty="0" err="1"/>
+              <a:t>Detection</a:t>
+            </a:r>
+            <a:r>
+              <a:rPr lang="de-AT" dirty="0"/>
+              <a:t> API</a:t>
+            </a:r>
+          </a:p>
+          <a:p>
+            <a:r>
+              <a:rPr lang="de-AT" dirty="0"/>
+              <a:t>0 Falsch-Detektionen auf allen </a:t>
+            </a:r>
+            <a:r>
+              <a:rPr lang="de-AT" dirty="0" err="1"/>
+              <a:t>Test-und</a:t>
+            </a:r>
+            <a:r>
+              <a:rPr lang="de-AT" dirty="0"/>
+              <a:t> Trainingsdaten</a:t>
+            </a:r>
+          </a:p>
+          <a:p>
+            <a:endParaRPr lang="de-AT" dirty="0"/>
+          </a:p>
+        </p:txBody>
+      </p:sp>
+      <p:pic>
+        <p:nvPicPr>
+          <p:cNvPr id="5" name="Grafik 4">
+            <a:extLst>
+              <a:ext uri="{FF2B5EF4-FFF2-40B4-BE49-F238E27FC236}">
+                <a16:creationId xmlns:a16="http://schemas.microsoft.com/office/drawing/2014/main" id="{1D0B403E-7F7E-4FB5-9F73-F1429A69CAC8}"/>
+              </a:ext>
+            </a:extLst>
+          </p:cNvPr>
+          <p:cNvPicPr>
+            <a:picLocks noChangeAspect="1"/>
+          </p:cNvPicPr>
+          <p:nvPr/>
+        </p:nvPicPr>
+        <p:blipFill>
+          <a:blip r:embed="rId2"/>
+          <a:stretch>
+            <a:fillRect/>
+          </a:stretch>
+        </p:blipFill>
+        <p:spPr>
+          <a:xfrm>
+            <a:off x="6991350" y="903621"/>
+            <a:ext cx="4362450" cy="2143125"/>
+          </a:xfrm>
+          <a:prstGeom prst="rect">
+            <a:avLst/>
+          </a:prstGeom>
+        </p:spPr>
+      </p:pic>
+    </p:spTree>
+    <p:extLst>
+      <p:ext uri="{BB962C8B-B14F-4D97-AF65-F5344CB8AC3E}">
+        <p14:creationId xmlns:p14="http://schemas.microsoft.com/office/powerpoint/2010/main" val="335075444"/>
+      </p:ext>
+    </p:extLst>
+  </p:cSld>
+  <p:clrMapOvr>
+    <a:masterClrMapping/>
+  </p:clrMapOvr>
+</p:sld>
+</file>
+
+<file path=ppt/slides/slide6.xml><?xml version="1.0" encoding="utf-8"?>
+<p:sld xmlns:a="http://schemas.openxmlformats.org/drawingml/2006/main" xmlns:r="http://schemas.openxmlformats.org/officeDocument/2006/relationships" xmlns:p="http://schemas.openxmlformats.org/presentationml/2006/main">
+  <p:cSld>
+    <p:spTree>
+      <p:nvGrpSpPr>
+        <p:cNvPr id="1" name=""/>
+        <p:cNvGrpSpPr/>
+        <p:nvPr/>
+      </p:nvGrpSpPr>
+      <p:grpSpPr>
+        <a:xfrm>
+          <a:off x="0" y="0"/>
+          <a:ext cx="0" cy="0"/>
+          <a:chOff x="0" y="0"/>
+          <a:chExt cx="0" cy="0"/>
+        </a:xfrm>
+      </p:grpSpPr>
+      <p:sp>
+        <p:nvSpPr>
+          <p:cNvPr id="2" name="Titel 1">
+            <a:extLst>
+              <a:ext uri="{FF2B5EF4-FFF2-40B4-BE49-F238E27FC236}">
+                <a16:creationId xmlns:a16="http://schemas.microsoft.com/office/drawing/2014/main" id="{03CA394F-8D35-4A4C-8755-884B12F46510}"/>
+              </a:ext>
+            </a:extLst>
+          </p:cNvPr>
+          <p:cNvSpPr>
+            <a:spLocks noGrp="1"/>
+          </p:cNvSpPr>
+          <p:nvPr>
+            <p:ph type="title"/>
+          </p:nvPr>
+        </p:nvSpPr>
+        <p:spPr/>
+        <p:txBody>
+          <a:bodyPr/>
+          <a:lstStyle/>
+          <a:p>
+            <a:r>
+              <a:rPr lang="de-AT" dirty="0"/>
+              <a:t>Training</a:t>
+            </a:r>
+          </a:p>
+        </p:txBody>
+      </p:sp>
+      <p:pic>
+        <p:nvPicPr>
+          <p:cNvPr id="1026" name="Picture 2">
+            <a:extLst>
+              <a:ext uri="{FF2B5EF4-FFF2-40B4-BE49-F238E27FC236}">
+                <a16:creationId xmlns:a16="http://schemas.microsoft.com/office/drawing/2014/main" id="{9554879E-B655-4F21-8B9D-87A80103F79E}"/>
+              </a:ext>
+            </a:extLst>
+          </p:cNvPr>
+          <p:cNvPicPr>
+            <a:picLocks noGrp="1" noChangeAspect="1" noChangeArrowheads="1"/>
+          </p:cNvPicPr>
+          <p:nvPr>
+            <p:ph idx="1"/>
+          </p:nvPr>
+        </p:nvPicPr>
+        <p:blipFill>
+          <a:blip r:embed="rId2">
+            <a:extLst>
+              <a:ext uri="{28A0092B-C50C-407E-A947-70E740481C1C}">
+                <a14:useLocalDpi xmlns:a14="http://schemas.microsoft.com/office/drawing/2010/main" val="0"/>
+              </a:ext>
+            </a:extLst>
+          </a:blip>
+          <a:srcRect/>
+          <a:stretch>
+            <a:fillRect/>
+          </a:stretch>
+        </p:blipFill>
+        <p:spPr bwMode="auto">
+          <a:xfrm>
+            <a:off x="838200" y="1377949"/>
+            <a:ext cx="5429250" cy="4974551"/>
+          </a:xfrm>
+          <a:prstGeom prst="rect">
+            <a:avLst/>
+          </a:prstGeom>
+          <a:noFill/>
+          <a:extLst>
+            <a:ext uri="{909E8E84-426E-40DD-AFC4-6F175D3DCCD1}">
+              <a14:hiddenFill xmlns:a14="http://schemas.microsoft.com/office/drawing/2010/main">
+                <a:solidFill>
+                  <a:srgbClr val="FFFFFF"/>
+                </a:solidFill>
+              </a14:hiddenFill>
+            </a:ext>
+          </a:extLst>
+        </p:spPr>
+      </p:pic>
+      <p:pic>
+        <p:nvPicPr>
+          <p:cNvPr id="1028" name="Picture 4" descr="Image">
+            <a:extLst>
+              <a:ext uri="{FF2B5EF4-FFF2-40B4-BE49-F238E27FC236}">
+                <a16:creationId xmlns:a16="http://schemas.microsoft.com/office/drawing/2014/main" id="{F9A4434A-C217-4416-B40F-5EB4A42CE71C}"/>
+              </a:ext>
+            </a:extLst>
+          </p:cNvPr>
+          <p:cNvPicPr>
+            <a:picLocks noChangeAspect="1" noChangeArrowheads="1"/>
+          </p:cNvPicPr>
+          <p:nvPr/>
+        </p:nvPicPr>
+        <p:blipFill>
+          <a:blip r:embed="rId3">
+            <a:extLst>
+              <a:ext uri="{28A0092B-C50C-407E-A947-70E740481C1C}">
+                <a14:useLocalDpi xmlns:a14="http://schemas.microsoft.com/office/drawing/2010/main" val="0"/>
+              </a:ext>
+            </a:extLst>
+          </a:blip>
+          <a:srcRect/>
+          <a:stretch>
+            <a:fillRect/>
+          </a:stretch>
+        </p:blipFill>
+        <p:spPr bwMode="auto">
+          <a:xfrm>
+            <a:off x="3638550" y="635457"/>
+            <a:ext cx="7620000" cy="3048000"/>
+          </a:xfrm>
+          <a:prstGeom prst="rect">
+            <a:avLst/>
+          </a:prstGeom>
+          <a:noFill/>
+          <a:extLst>
+            <a:ext uri="{909E8E84-426E-40DD-AFC4-6F175D3DCCD1}">
+              <a14:hiddenFill xmlns:a14="http://schemas.microsoft.com/office/drawing/2010/main">
+                <a:solidFill>
+                  <a:srgbClr val="FFFFFF"/>
+                </a:solidFill>
+              </a14:hiddenFill>
+            </a:ext>
+          </a:extLst>
+        </p:spPr>
+      </p:pic>
+      <p:pic>
+        <p:nvPicPr>
+          <p:cNvPr id="1030" name="Picture 6">
+            <a:extLst>
+              <a:ext uri="{FF2B5EF4-FFF2-40B4-BE49-F238E27FC236}">
+                <a16:creationId xmlns:a16="http://schemas.microsoft.com/office/drawing/2014/main" id="{B5786538-F6A3-4A49-91DD-2DA57F4BEB63}"/>
+              </a:ext>
+            </a:extLst>
+          </p:cNvPr>
+          <p:cNvPicPr>
+            <a:picLocks noChangeAspect="1" noChangeArrowheads="1"/>
+          </p:cNvPicPr>
+          <p:nvPr/>
+        </p:nvPicPr>
+        <p:blipFill>
+          <a:blip r:embed="rId4">
+            <a:extLst>
+              <a:ext uri="{28A0092B-C50C-407E-A947-70E740481C1C}">
+                <a14:useLocalDpi xmlns:a14="http://schemas.microsoft.com/office/drawing/2010/main" val="0"/>
+              </a:ext>
+            </a:extLst>
+          </a:blip>
+          <a:srcRect/>
+          <a:stretch>
+            <a:fillRect/>
+          </a:stretch>
+        </p:blipFill>
+        <p:spPr bwMode="auto">
+          <a:xfrm>
+            <a:off x="6781800" y="2907843"/>
+            <a:ext cx="3638550" cy="3314700"/>
+          </a:xfrm>
+          <a:prstGeom prst="rect">
+            <a:avLst/>
+          </a:prstGeom>
+          <a:noFill/>
+          <a:extLst>
+            <a:ext uri="{909E8E84-426E-40DD-AFC4-6F175D3DCCD1}">
+              <a14:hiddenFill xmlns:a14="http://schemas.microsoft.com/office/drawing/2010/main">
+                <a:solidFill>
+                  <a:srgbClr val="FFFFFF"/>
+                </a:solidFill>
+              </a14:hiddenFill>
+            </a:ext>
+          </a:extLst>
+        </p:spPr>
+      </p:pic>
+    </p:spTree>
+    <p:extLst>
+      <p:ext uri="{BB962C8B-B14F-4D97-AF65-F5344CB8AC3E}">
+        <p14:creationId xmlns:p14="http://schemas.microsoft.com/office/powerpoint/2010/main" val="221547914"/>
+      </p:ext>
+    </p:extLst>
+  </p:cSld>
+  <p:clrMapOvr>
+    <a:masterClrMapping/>
+  </p:clrMapOvr>
+</p:sld>
+</file>
+
+<file path=ppt/slides/slide7.xml><?xml version="1.0" encoding="utf-8"?>
+<p:sld xmlns:a="http://schemas.openxmlformats.org/drawingml/2006/main" xmlns:r="http://schemas.openxmlformats.org/officeDocument/2006/relationships" xmlns:p="http://schemas.openxmlformats.org/presentationml/2006/main">
+  <p:cSld>
+    <p:spTree>
+      <p:nvGrpSpPr>
+        <p:cNvPr id="1" name=""/>
+        <p:cNvGrpSpPr/>
+        <p:nvPr/>
+      </p:nvGrpSpPr>
+      <p:grpSpPr>
+        <a:xfrm>
+          <a:off x="0" y="0"/>
+          <a:ext cx="0" cy="0"/>
+          <a:chOff x="0" y="0"/>
+          <a:chExt cx="0" cy="0"/>
+        </a:xfrm>
+      </p:grpSpPr>
+      <p:sp>
+        <p:nvSpPr>
+          <p:cNvPr id="2" name="Titel 1">
+            <a:extLst>
+              <a:ext uri="{FF2B5EF4-FFF2-40B4-BE49-F238E27FC236}">
+                <a16:creationId xmlns:a16="http://schemas.microsoft.com/office/drawing/2014/main" id="{E8142FAE-3BEE-4352-AC6A-D6B2AB183870}"/>
+              </a:ext>
+            </a:extLst>
+          </p:cNvPr>
+          <p:cNvSpPr>
+            <a:spLocks noGrp="1"/>
+          </p:cNvSpPr>
+          <p:nvPr>
+            <p:ph type="title"/>
+          </p:nvPr>
+        </p:nvSpPr>
+        <p:spPr/>
+        <p:txBody>
+          <a:bodyPr/>
+          <a:lstStyle/>
+          <a:p>
+            <a:r>
+              <a:rPr lang="de-AT" dirty="0"/>
+              <a:t>Ausschneiden</a:t>
+            </a:r>
+          </a:p>
+        </p:txBody>
+      </p:sp>
+      <p:pic>
+        <p:nvPicPr>
+          <p:cNvPr id="5" name="Inhaltsplatzhalter 4">
+            <a:extLst>
+              <a:ext uri="{FF2B5EF4-FFF2-40B4-BE49-F238E27FC236}">
+                <a16:creationId xmlns:a16="http://schemas.microsoft.com/office/drawing/2014/main" id="{299EDD50-F481-40A9-BB15-38DFAD3AE75E}"/>
+              </a:ext>
+            </a:extLst>
+          </p:cNvPr>
+          <p:cNvPicPr>
+            <a:picLocks noGrp="1" noChangeAspect="1"/>
+          </p:cNvPicPr>
+          <p:nvPr>
+            <p:ph idx="1"/>
+          </p:nvPr>
+        </p:nvPicPr>
+        <p:blipFill>
+          <a:blip r:embed="rId2"/>
+          <a:stretch>
+            <a:fillRect/>
+          </a:stretch>
+        </p:blipFill>
+        <p:spPr>
+          <a:xfrm>
+            <a:off x="519112" y="3662759"/>
+            <a:ext cx="2285412" cy="1566069"/>
+          </a:xfrm>
+        </p:spPr>
+      </p:pic>
+      <p:pic>
+        <p:nvPicPr>
+          <p:cNvPr id="7" name="Grafik 6">
+            <a:extLst>
+              <a:ext uri="{FF2B5EF4-FFF2-40B4-BE49-F238E27FC236}">
+                <a16:creationId xmlns:a16="http://schemas.microsoft.com/office/drawing/2014/main" id="{1A9CB095-CEB8-4483-80DE-0B0A1A42E19A}"/>
+              </a:ext>
+            </a:extLst>
+          </p:cNvPr>
+          <p:cNvPicPr>
+            <a:picLocks noChangeAspect="1"/>
+          </p:cNvPicPr>
+          <p:nvPr/>
+        </p:nvPicPr>
+        <p:blipFill>
+          <a:blip r:embed="rId3"/>
+          <a:stretch>
+            <a:fillRect/>
+          </a:stretch>
+        </p:blipFill>
+        <p:spPr>
+          <a:xfrm>
+            <a:off x="4214812" y="3298030"/>
+            <a:ext cx="2276475" cy="2295525"/>
+          </a:xfrm>
+          <a:prstGeom prst="rect">
+            <a:avLst/>
+          </a:prstGeom>
+        </p:spPr>
+      </p:pic>
+      <p:sp>
+        <p:nvSpPr>
+          <p:cNvPr id="9" name="Inhaltsplatzhalter 2">
+            <a:extLst>
+              <a:ext uri="{FF2B5EF4-FFF2-40B4-BE49-F238E27FC236}">
+                <a16:creationId xmlns:a16="http://schemas.microsoft.com/office/drawing/2014/main" id="{2E7119DB-B3BD-4A3B-91B8-6F57460858A0}"/>
+              </a:ext>
+            </a:extLst>
+          </p:cNvPr>
+          <p:cNvSpPr txBox="1">
+            <a:spLocks/>
+          </p:cNvSpPr>
+          <p:nvPr/>
+        </p:nvSpPr>
+        <p:spPr>
+          <a:xfrm>
+            <a:off x="838200" y="1825625"/>
+            <a:ext cx="10515600" cy="4351338"/>
+          </a:xfrm>
+          <a:prstGeom prst="rect">
+            <a:avLst/>
+          </a:prstGeom>
+        </p:spPr>
+        <p:txBody>
+          <a:bodyPr vert="horz" lIns="91440" tIns="45720" rIns="91440" bIns="45720" rtlCol="0">
+            <a:normAutofit/>
+          </a:bodyPr>
+          <a:lstStyle>
+            <a:lvl1pPr marL="228600" indent="-228600" algn="l" defTabSz="914400" rtl="0" eaLnBrk="1" latinLnBrk="0" hangingPunct="1">
+              <a:lnSpc>
+                <a:spcPct val="90000"/>
+              </a:lnSpc>
+              <a:spcBef>
+                <a:spcPts val="1000"/>
+              </a:spcBef>
+              <a:buFont typeface="Arial" panose="020B0604020202020204" pitchFamily="34" charset="0"/>
+              <a:buChar char="•"/>
+              <a:defRPr sz="2800" kern="1200">
+                <a:solidFill>
+                  <a:schemeClr val="tx1"/>
+                </a:solidFill>
+                <a:latin typeface="+mn-lt"/>
+                <a:ea typeface="+mn-ea"/>
+                <a:cs typeface="+mn-cs"/>
+              </a:defRPr>
+            </a:lvl1pPr>
+            <a:lvl2pPr marL="685800" indent="-228600" algn="l" defTabSz="914400" rtl="0" eaLnBrk="1" latinLnBrk="0" hangingPunct="1">
+              <a:lnSpc>
+                <a:spcPct val="90000"/>
+              </a:lnSpc>
+              <a:spcBef>
+                <a:spcPts val="500"/>
+              </a:spcBef>
+              <a:buFont typeface="Arial" panose="020B0604020202020204" pitchFamily="34" charset="0"/>
+              <a:buChar char="•"/>
+              <a:defRPr sz="2400" kern="1200">
+                <a:solidFill>
+                  <a:schemeClr val="tx1"/>
+                </a:solidFill>
+                <a:latin typeface="+mn-lt"/>
+                <a:ea typeface="+mn-ea"/>
+                <a:cs typeface="+mn-cs"/>
+              </a:defRPr>
+            </a:lvl2pPr>
+            <a:lvl3pPr marL="1143000" indent="-228600" algn="l" defTabSz="914400" rtl="0" eaLnBrk="1" latinLnBrk="0" hangingPunct="1">
+              <a:lnSpc>
+                <a:spcPct val="90000"/>
+              </a:lnSpc>
+              <a:spcBef>
+                <a:spcPts val="500"/>
+              </a:spcBef>
+              <a:buFont typeface="Arial" panose="020B0604020202020204" pitchFamily="34" charset="0"/>
+              <a:buChar char="•"/>
+              <a:defRPr sz="2000" kern="1200">
+                <a:solidFill>
+                  <a:schemeClr val="tx1"/>
+                </a:solidFill>
+                <a:latin typeface="+mn-lt"/>
+                <a:ea typeface="+mn-ea"/>
+                <a:cs typeface="+mn-cs"/>
+              </a:defRPr>
+            </a:lvl3pPr>
+            <a:lvl4pPr marL="1600200" indent="-228600" algn="l" defTabSz="914400" rtl="0" eaLnBrk="1" latinLnBrk="0" hangingPunct="1">
+              <a:lnSpc>
+                <a:spcPct val="90000"/>
+              </a:lnSpc>
+              <a:spcBef>
+                <a:spcPts val="500"/>
+              </a:spcBef>
+              <a:buFont typeface="Arial" panose="020B0604020202020204" pitchFamily="34" charset="0"/>
+              <a:buChar char="•"/>
+              <a:defRPr sz="1800" kern="1200">
+                <a:solidFill>
+                  <a:schemeClr val="tx1"/>
+                </a:solidFill>
+                <a:latin typeface="+mn-lt"/>
+                <a:ea typeface="+mn-ea"/>
+                <a:cs typeface="+mn-cs"/>
+              </a:defRPr>
+            </a:lvl4pPr>
+            <a:lvl5pPr marL="2057400" indent="-228600" algn="l" defTabSz="914400" rtl="0" eaLnBrk="1" latinLnBrk="0" hangingPunct="1">
+              <a:lnSpc>
+                <a:spcPct val="90000"/>
+              </a:lnSpc>
+              <a:spcBef>
+                <a:spcPts val="500"/>
+              </a:spcBef>
+              <a:buFont typeface="Arial" panose="020B0604020202020204" pitchFamily="34" charset="0"/>
+              <a:buChar char="•"/>
+              <a:defRPr sz="1800" kern="1200">
+                <a:solidFill>
+                  <a:schemeClr val="tx1"/>
+                </a:solidFill>
+                <a:latin typeface="+mn-lt"/>
+                <a:ea typeface="+mn-ea"/>
+                <a:cs typeface="+mn-cs"/>
+              </a:defRPr>
+            </a:lvl5pPr>
+            <a:lvl6pPr marL="2514600" indent="-228600" algn="l" defTabSz="914400" rtl="0" eaLnBrk="1" latinLnBrk="0" hangingPunct="1">
+              <a:lnSpc>
+                <a:spcPct val="90000"/>
+              </a:lnSpc>
+              <a:spcBef>
+                <a:spcPts val="500"/>
+              </a:spcBef>
+              <a:buFont typeface="Arial" panose="020B0604020202020204" pitchFamily="34" charset="0"/>
+              <a:buChar char="•"/>
+              <a:defRPr sz="1800" kern="1200">
+                <a:solidFill>
+                  <a:schemeClr val="tx1"/>
+                </a:solidFill>
+                <a:latin typeface="+mn-lt"/>
+                <a:ea typeface="+mn-ea"/>
+                <a:cs typeface="+mn-cs"/>
+              </a:defRPr>
+            </a:lvl6pPr>
+            <a:lvl7pPr marL="2971800" indent="-228600" algn="l" defTabSz="914400" rtl="0" eaLnBrk="1" latinLnBrk="0" hangingPunct="1">
+              <a:lnSpc>
+                <a:spcPct val="90000"/>
+              </a:lnSpc>
+              <a:spcBef>
+                <a:spcPts val="500"/>
+              </a:spcBef>
+              <a:buFont typeface="Arial" panose="020B0604020202020204" pitchFamily="34" charset="0"/>
+              <a:buChar char="•"/>
+              <a:defRPr sz="1800" kern="1200">
+                <a:solidFill>
+                  <a:schemeClr val="tx1"/>
+                </a:solidFill>
+                <a:latin typeface="+mn-lt"/>
+                <a:ea typeface="+mn-ea"/>
+                <a:cs typeface="+mn-cs"/>
+              </a:defRPr>
+            </a:lvl7pPr>
+            <a:lvl8pPr marL="3429000" indent="-228600" algn="l" defTabSz="914400" rtl="0" eaLnBrk="1" latinLnBrk="0" hangingPunct="1">
+              <a:lnSpc>
+                <a:spcPct val="90000"/>
+              </a:lnSpc>
+              <a:spcBef>
+                <a:spcPts val="500"/>
+              </a:spcBef>
+              <a:buFont typeface="Arial" panose="020B0604020202020204" pitchFamily="34" charset="0"/>
+              <a:buChar char="•"/>
+              <a:defRPr sz="1800" kern="1200">
+                <a:solidFill>
+                  <a:schemeClr val="tx1"/>
+                </a:solidFill>
+                <a:latin typeface="+mn-lt"/>
+                <a:ea typeface="+mn-ea"/>
+                <a:cs typeface="+mn-cs"/>
+              </a:defRPr>
+            </a:lvl8pPr>
+            <a:lvl9pPr marL="3886200" indent="-228600" algn="l" defTabSz="914400" rtl="0" eaLnBrk="1" latinLnBrk="0" hangingPunct="1">
+              <a:lnSpc>
+                <a:spcPct val="90000"/>
+              </a:lnSpc>
+              <a:spcBef>
+                <a:spcPts val="500"/>
+              </a:spcBef>
+              <a:buFont typeface="Arial" panose="020B0604020202020204" pitchFamily="34" charset="0"/>
+              <a:buChar char="•"/>
+              <a:defRPr sz="1800" kern="1200">
+                <a:solidFill>
+                  <a:schemeClr val="tx1"/>
+                </a:solidFill>
+                <a:latin typeface="+mn-lt"/>
+                <a:ea typeface="+mn-ea"/>
+                <a:cs typeface="+mn-cs"/>
+              </a:defRPr>
+            </a:lvl9pPr>
+          </a:lstStyle>
+          <a:p>
+            <a:r>
+              <a:rPr lang="de-AT" dirty="0"/>
+              <a:t>Analyse der Prädiktions-Raten und Setzen eines </a:t>
+            </a:r>
+            <a:r>
+              <a:rPr lang="de-AT" dirty="0" err="1"/>
+              <a:t>Thresholds</a:t>
+            </a:r>
+            <a:endParaRPr lang="de-AT" dirty="0"/>
+          </a:p>
+          <a:p>
+            <a:r>
+              <a:rPr lang="de-AT" dirty="0"/>
+              <a:t>Ausschneiden mit Hilfe der </a:t>
+            </a:r>
+            <a:r>
+              <a:rPr lang="de-AT" dirty="0" err="1"/>
+              <a:t>Bounding</a:t>
+            </a:r>
+            <a:r>
+              <a:rPr lang="de-AT" dirty="0"/>
+              <a:t> Boxes</a:t>
+            </a:r>
+          </a:p>
+        </p:txBody>
+      </p:sp>
+      <p:pic>
+        <p:nvPicPr>
+          <p:cNvPr id="11" name="Grafik 10">
+            <a:extLst>
+              <a:ext uri="{FF2B5EF4-FFF2-40B4-BE49-F238E27FC236}">
+                <a16:creationId xmlns:a16="http://schemas.microsoft.com/office/drawing/2014/main" id="{A717F68E-1468-4460-B4EC-AD77E140B588}"/>
+              </a:ext>
+            </a:extLst>
+          </p:cNvPr>
+          <p:cNvPicPr>
+            <a:picLocks noChangeAspect="1"/>
+          </p:cNvPicPr>
+          <p:nvPr/>
+        </p:nvPicPr>
+        <p:blipFill>
+          <a:blip r:embed="rId4"/>
+          <a:stretch>
+            <a:fillRect/>
+          </a:stretch>
+        </p:blipFill>
+        <p:spPr>
+          <a:xfrm>
+            <a:off x="7705725" y="2762250"/>
+            <a:ext cx="4260533" cy="3167063"/>
+          </a:xfrm>
+          <a:prstGeom prst="rect">
+            <a:avLst/>
+          </a:prstGeom>
+        </p:spPr>
+      </p:pic>
+      <p:sp>
+        <p:nvSpPr>
+          <p:cNvPr id="12" name="Pfeil: nach rechts 11">
+            <a:extLst>
+              <a:ext uri="{FF2B5EF4-FFF2-40B4-BE49-F238E27FC236}">
+                <a16:creationId xmlns:a16="http://schemas.microsoft.com/office/drawing/2014/main" id="{54193088-2BBE-4DA5-A2E2-D3CF7E15373A}"/>
+              </a:ext>
+            </a:extLst>
+          </p:cNvPr>
+          <p:cNvSpPr/>
+          <p:nvPr/>
+        </p:nvSpPr>
+        <p:spPr>
+          <a:xfrm>
+            <a:off x="6316505" y="4083843"/>
+            <a:ext cx="1427320" cy="723900"/>
+          </a:xfrm>
+          <a:prstGeom prst="rightArrow">
+            <a:avLst/>
+          </a:prstGeom>
+        </p:spPr>
+        <p:style>
+          <a:lnRef idx="2">
+            <a:schemeClr val="accent1">
+              <a:shade val="50000"/>
+            </a:schemeClr>
+          </a:lnRef>
+          <a:fillRef idx="1">
+            <a:schemeClr val="accent1"/>
+          </a:fillRef>
+          <a:effectRef idx="0">
+            <a:schemeClr val="accent1"/>
+          </a:effectRef>
+          <a:fontRef idx="minor">
+            <a:schemeClr val="lt1"/>
+          </a:fontRef>
+        </p:style>
+        <p:txBody>
+          <a:bodyPr rtlCol="0" anchor="ctr"/>
+          <a:lstStyle/>
+          <a:p>
+            <a:pPr algn="ctr"/>
+            <a:endParaRPr lang="de-AT"/>
+          </a:p>
+        </p:txBody>
+      </p:sp>
+      <p:sp>
+        <p:nvSpPr>
+          <p:cNvPr id="13" name="Pfeil: nach rechts 12">
+            <a:extLst>
+              <a:ext uri="{FF2B5EF4-FFF2-40B4-BE49-F238E27FC236}">
+                <a16:creationId xmlns:a16="http://schemas.microsoft.com/office/drawing/2014/main" id="{C984C4E6-82D7-46D1-80C0-EF6404624E5A}"/>
+              </a:ext>
+            </a:extLst>
+          </p:cNvPr>
+          <p:cNvSpPr/>
+          <p:nvPr/>
+        </p:nvSpPr>
+        <p:spPr>
+          <a:xfrm>
+            <a:off x="3182191" y="4083843"/>
+            <a:ext cx="1427320" cy="723900"/>
+          </a:xfrm>
+          <a:prstGeom prst="rightArrow">
+            <a:avLst/>
+          </a:prstGeom>
+        </p:spPr>
+        <p:style>
+          <a:lnRef idx="2">
+            <a:schemeClr val="accent1">
+              <a:shade val="50000"/>
+            </a:schemeClr>
+          </a:lnRef>
+          <a:fillRef idx="1">
+            <a:schemeClr val="accent1"/>
+          </a:fillRef>
+          <a:effectRef idx="0">
+            <a:schemeClr val="accent1"/>
+          </a:effectRef>
+          <a:fontRef idx="minor">
+            <a:schemeClr val="lt1"/>
+          </a:fontRef>
+        </p:style>
+        <p:txBody>
+          <a:bodyPr rtlCol="0" anchor="ctr"/>
+          <a:lstStyle/>
+          <a:p>
+            <a:pPr algn="ctr"/>
             <a:endParaRPr lang="de-AT"/>
           </a:p>
         </p:txBody>
@@ -3566,7 +12141,213 @@
     </p:spTree>
     <p:extLst>
       <p:ext uri="{BB962C8B-B14F-4D97-AF65-F5344CB8AC3E}">
-        <p14:creationId xmlns:p14="http://schemas.microsoft.com/office/powerpoint/2010/main" val="2921245184"/>
+        <p14:creationId xmlns:p14="http://schemas.microsoft.com/office/powerpoint/2010/main" val="2337062570"/>
+      </p:ext>
+    </p:extLst>
+  </p:cSld>
+  <p:clrMapOvr>
+    <a:masterClrMapping/>
+  </p:clrMapOvr>
+</p:sld>
+</file>
+
+<file path=ppt/slides/slide8.xml><?xml version="1.0" encoding="utf-8"?>
+<p:sld xmlns:a="http://schemas.openxmlformats.org/drawingml/2006/main" xmlns:r="http://schemas.openxmlformats.org/officeDocument/2006/relationships" xmlns:p="http://schemas.openxmlformats.org/presentationml/2006/main">
+  <p:cSld>
+    <p:spTree>
+      <p:nvGrpSpPr>
+        <p:cNvPr id="1" name=""/>
+        <p:cNvGrpSpPr/>
+        <p:nvPr/>
+      </p:nvGrpSpPr>
+      <p:grpSpPr>
+        <a:xfrm>
+          <a:off x="0" y="0"/>
+          <a:ext cx="0" cy="0"/>
+          <a:chOff x="0" y="0"/>
+          <a:chExt cx="0" cy="0"/>
+        </a:xfrm>
+      </p:grpSpPr>
+      <p:sp>
+        <p:nvSpPr>
+          <p:cNvPr id="2" name="Titel 1">
+            <a:extLst>
+              <a:ext uri="{FF2B5EF4-FFF2-40B4-BE49-F238E27FC236}">
+                <a16:creationId xmlns:a16="http://schemas.microsoft.com/office/drawing/2014/main" id="{FDCB31F9-A7D9-4562-A802-D0223B08E39E}"/>
+              </a:ext>
+            </a:extLst>
+          </p:cNvPr>
+          <p:cNvSpPr>
+            <a:spLocks noGrp="1"/>
+          </p:cNvSpPr>
+          <p:nvPr>
+            <p:ph type="title"/>
+          </p:nvPr>
+        </p:nvSpPr>
+        <p:spPr/>
+        <p:txBody>
+          <a:bodyPr/>
+          <a:lstStyle/>
+          <a:p>
+            <a:r>
+              <a:rPr lang="de-AT" dirty="0"/>
+              <a:t>Feature Detektion – 1. Lösungsansatz</a:t>
+            </a:r>
+          </a:p>
+        </p:txBody>
+      </p:sp>
+      <p:sp>
+        <p:nvSpPr>
+          <p:cNvPr id="3" name="Inhaltsplatzhalter 2">
+            <a:extLst>
+              <a:ext uri="{FF2B5EF4-FFF2-40B4-BE49-F238E27FC236}">
+                <a16:creationId xmlns:a16="http://schemas.microsoft.com/office/drawing/2014/main" id="{9E086109-A865-491E-8199-31771C640B6F}"/>
+              </a:ext>
+            </a:extLst>
+          </p:cNvPr>
+          <p:cNvSpPr>
+            <a:spLocks noGrp="1"/>
+          </p:cNvSpPr>
+          <p:nvPr>
+            <p:ph idx="1"/>
+          </p:nvPr>
+        </p:nvSpPr>
+        <p:spPr/>
+        <p:txBody>
+          <a:bodyPr/>
+          <a:lstStyle/>
+          <a:p>
+            <a:r>
+              <a:rPr lang="de-AT" dirty="0"/>
+              <a:t>Rotieren und Template </a:t>
+            </a:r>
+            <a:r>
+              <a:rPr lang="de-AT" dirty="0" err="1"/>
+              <a:t>Matching</a:t>
+            </a:r>
+            <a:r>
+              <a:rPr lang="de-AT" dirty="0"/>
+              <a:t> für richtige Position von Indy</a:t>
+            </a:r>
+          </a:p>
+          <a:p>
+            <a:r>
+              <a:rPr lang="de-AT" dirty="0"/>
+              <a:t>Template </a:t>
+            </a:r>
+            <a:r>
+              <a:rPr lang="de-AT" dirty="0" err="1"/>
+              <a:t>Matching</a:t>
+            </a:r>
+            <a:r>
+              <a:rPr lang="de-AT" dirty="0"/>
+              <a:t> der einzelnen Features</a:t>
+            </a:r>
+          </a:p>
+        </p:txBody>
+      </p:sp>
+    </p:spTree>
+    <p:extLst>
+      <p:ext uri="{BB962C8B-B14F-4D97-AF65-F5344CB8AC3E}">
+        <p14:creationId xmlns:p14="http://schemas.microsoft.com/office/powerpoint/2010/main" val="1117665653"/>
+      </p:ext>
+    </p:extLst>
+  </p:cSld>
+  <p:clrMapOvr>
+    <a:masterClrMapping/>
+  </p:clrMapOvr>
+</p:sld>
+</file>
+
+<file path=ppt/slides/slide9.xml><?xml version="1.0" encoding="utf-8"?>
+<p:sld xmlns:a="http://schemas.openxmlformats.org/drawingml/2006/main" xmlns:r="http://schemas.openxmlformats.org/officeDocument/2006/relationships" xmlns:p="http://schemas.openxmlformats.org/presentationml/2006/main">
+  <p:cSld>
+    <p:spTree>
+      <p:nvGrpSpPr>
+        <p:cNvPr id="1" name=""/>
+        <p:cNvGrpSpPr/>
+        <p:nvPr/>
+      </p:nvGrpSpPr>
+      <p:grpSpPr>
+        <a:xfrm>
+          <a:off x="0" y="0"/>
+          <a:ext cx="0" cy="0"/>
+          <a:chOff x="0" y="0"/>
+          <a:chExt cx="0" cy="0"/>
+        </a:xfrm>
+      </p:grpSpPr>
+      <p:sp>
+        <p:nvSpPr>
+          <p:cNvPr id="2" name="Titel 1">
+            <a:extLst>
+              <a:ext uri="{FF2B5EF4-FFF2-40B4-BE49-F238E27FC236}">
+                <a16:creationId xmlns:a16="http://schemas.microsoft.com/office/drawing/2014/main" id="{FDCB31F9-A7D9-4562-A802-D0223B08E39E}"/>
+              </a:ext>
+            </a:extLst>
+          </p:cNvPr>
+          <p:cNvSpPr>
+            <a:spLocks noGrp="1"/>
+          </p:cNvSpPr>
+          <p:nvPr>
+            <p:ph type="title"/>
+          </p:nvPr>
+        </p:nvSpPr>
+        <p:spPr/>
+        <p:txBody>
+          <a:bodyPr/>
+          <a:lstStyle/>
+          <a:p>
+            <a:r>
+              <a:rPr lang="de-AT" dirty="0"/>
+              <a:t>Feature Detektion – 2. Lösungsansatz</a:t>
+            </a:r>
+          </a:p>
+        </p:txBody>
+      </p:sp>
+      <p:sp>
+        <p:nvSpPr>
+          <p:cNvPr id="3" name="Inhaltsplatzhalter 2">
+            <a:extLst>
+              <a:ext uri="{FF2B5EF4-FFF2-40B4-BE49-F238E27FC236}">
+                <a16:creationId xmlns:a16="http://schemas.microsoft.com/office/drawing/2014/main" id="{9E086109-A865-491E-8199-31771C640B6F}"/>
+              </a:ext>
+            </a:extLst>
+          </p:cNvPr>
+          <p:cNvSpPr>
+            <a:spLocks noGrp="1"/>
+          </p:cNvSpPr>
+          <p:nvPr>
+            <p:ph idx="1"/>
+          </p:nvPr>
+        </p:nvSpPr>
+        <p:spPr/>
+        <p:txBody>
+          <a:bodyPr/>
+          <a:lstStyle/>
+          <a:p>
+            <a:r>
+              <a:rPr lang="de-AT" dirty="0" err="1"/>
+              <a:t>OpenCV</a:t>
+            </a:r>
+            <a:r>
+              <a:rPr lang="de-AT" dirty="0"/>
+              <a:t> Feature </a:t>
+            </a:r>
+            <a:r>
+              <a:rPr lang="de-AT" dirty="0" err="1"/>
+              <a:t>Matching</a:t>
+            </a:r>
+            <a:r>
+              <a:rPr lang="de-AT" dirty="0"/>
+              <a:t> via SIFT </a:t>
+            </a:r>
+          </a:p>
+        </p:txBody>
+      </p:sp>
+    </p:spTree>
+    <p:extLst>
+      <p:ext uri="{BB962C8B-B14F-4D97-AF65-F5344CB8AC3E}">
+        <p14:creationId xmlns:p14="http://schemas.microsoft.com/office/powerpoint/2010/main" val="3722719722"/>
       </p:ext>
     </p:extLst>
   </p:cSld>
@@ -3869,4 +12650,299 @@
     </a:ext>
   </a:extLst>
 </a:theme>
+</file>
+
+<file path=ppt/theme/theme2.xml><?xml version="1.0" encoding="utf-8"?>
+<a:theme xmlns:a="http://schemas.openxmlformats.org/drawingml/2006/main" name="Office">
+  <a:themeElements>
+    <a:clrScheme name="Office">
+      <a:dk1>
+        <a:sysClr val="windowText" lastClr="000000"/>
+      </a:dk1>
+      <a:lt1>
+        <a:sysClr val="window" lastClr="FFFFFF"/>
+      </a:lt1>
+      <a:dk2>
+        <a:srgbClr val="44546A"/>
+      </a:dk2>
+      <a:lt2>
+        <a:srgbClr val="E7E6E6"/>
+      </a:lt2>
+      <a:accent1>
+        <a:srgbClr val="4472C4"/>
+      </a:accent1>
+      <a:accent2>
+        <a:srgbClr val="ED7D31"/>
+      </a:accent2>
+      <a:accent3>
+        <a:srgbClr val="A5A5A5"/>
+      </a:accent3>
+      <a:accent4>
+        <a:srgbClr val="FFC000"/>
+      </a:accent4>
+      <a:accent5>
+        <a:srgbClr val="5B9BD5"/>
+      </a:accent5>
+      <a:accent6>
+        <a:srgbClr val="70AD47"/>
+      </a:accent6>
+      <a:hlink>
+        <a:srgbClr val="0563C1"/>
+      </a:hlink>
+      <a:folHlink>
+        <a:srgbClr val="954F72"/>
+      </a:folHlink>
+    </a:clrScheme>
+    <a:fontScheme name="Office">
+      <a:majorFont>
+        <a:latin typeface="Calibri Light" panose="020F0302020204030204"/>
+        <a:ea typeface=""/>
+        <a:cs typeface=""/>
+        <a:font script="Jpan" typeface="游ゴシック Light"/>
+        <a:font script="Hang" typeface="맑은 고딕"/>
+        <a:font script="Hans" typeface="等线 Light"/>
+        <a:font script="Hant" typeface="新細明體"/>
+        <a:font script="Arab" typeface="Times New Roman"/>
+        <a:font script="Hebr" typeface="Times New Roman"/>
+        <a:font script="Thai" typeface="Angsana New"/>
+        <a:font script="Ethi" typeface="Nyala"/>
+        <a:font script="Beng" typeface="Vrinda"/>
+        <a:font script="Gujr" typeface="Shruti"/>
+        <a:font script="Khmr" typeface="MoolBoran"/>
+        <a:font script="Knda" typeface="Tunga"/>
+        <a:font script="Guru" typeface="Raavi"/>
+        <a:font script="Cans" typeface="Euphemia"/>
+        <a:font script="Cher" typeface="Plantagenet Cherokee"/>
+        <a:font script="Yiii" typeface="Microsoft Yi Baiti"/>
+        <a:font script="Tibt" typeface="Microsoft Himalaya"/>
+        <a:font script="Thaa" typeface="MV Boli"/>
+        <a:font script="Deva" typeface="Mangal"/>
+        <a:font script="Telu" typeface="Gautami"/>
+        <a:font script="Taml" typeface="Latha"/>
+        <a:font script="Syrc" typeface="Estrangelo Edessa"/>
+        <a:font script="Orya" typeface="Kalinga"/>
+        <a:font script="Mlym" typeface="Kartika"/>
+        <a:font script="Laoo" typeface="DokChampa"/>
+        <a:font script="Sinh" typeface="Iskoola Pota"/>
+        <a:font script="Mong" typeface="Mongolian Baiti"/>
+        <a:font script="Viet" typeface="Times New Roman"/>
+        <a:font script="Uigh" typeface="Microsoft Uighur"/>
+        <a:font script="Geor" typeface="Sylfaen"/>
+        <a:font script="Armn" typeface="Arial"/>
+        <a:font script="Bugi" typeface="Leelawadee UI"/>
+        <a:font script="Bopo" typeface="Microsoft JhengHei"/>
+        <a:font script="Java" typeface="Javanese Text"/>
+        <a:font script="Lisu" typeface="Segoe UI"/>
+        <a:font script="Mymr" typeface="Myanmar Text"/>
+        <a:font script="Nkoo" typeface="Ebrima"/>
+        <a:font script="Olck" typeface="Nirmala UI"/>
+        <a:font script="Osma" typeface="Ebrima"/>
+        <a:font script="Phag" typeface="Phagspa"/>
+        <a:font script="Syrn" typeface="Estrangelo Edessa"/>
+        <a:font script="Syrj" typeface="Estrangelo Edessa"/>
+        <a:font script="Syre" typeface="Estrangelo Edessa"/>
+        <a:font script="Sora" typeface="Nirmala UI"/>
+        <a:font script="Tale" typeface="Microsoft Tai Le"/>
+        <a:font script="Talu" typeface="Microsoft New Tai Lue"/>
+        <a:font script="Tfng" typeface="Ebrima"/>
+      </a:majorFont>
+      <a:minorFont>
+        <a:latin typeface="Calibri" panose="020F0502020204030204"/>
+        <a:ea typeface=""/>
+        <a:cs typeface=""/>
+        <a:font script="Jpan" typeface="游ゴシック"/>
+        <a:font script="Hang" typeface="맑은 고딕"/>
+        <a:font script="Hans" typeface="等线"/>
+        <a:font script="Hant" typeface="新細明體"/>
+        <a:font script="Arab" typeface="Arial"/>
+        <a:font script="Hebr" typeface="Arial"/>
+        <a:font script="Thai" typeface="Cordia New"/>
+        <a:font script="Ethi" typeface="Nyala"/>
+        <a:font script="Beng" typeface="Vrinda"/>
+        <a:font script="Gujr" typeface="Shruti"/>
+        <a:font script="Khmr" typeface="DaunPenh"/>
+        <a:font script="Knda" typeface="Tunga"/>
+        <a:font script="Guru" typeface="Raavi"/>
+        <a:font script="Cans" typeface="Euphemia"/>
+        <a:font script="Cher" typeface="Plantagenet Cherokee"/>
+        <a:font script="Yiii" typeface="Microsoft Yi Baiti"/>
+        <a:font script="Tibt" typeface="Microsoft Himalaya"/>
+        <a:font script="Thaa" typeface="MV Boli"/>
+        <a:font script="Deva" typeface="Mangal"/>
+        <a:font script="Telu" typeface="Gautami"/>
+        <a:font script="Taml" typeface="Latha"/>
+        <a:font script="Syrc" typeface="Estrangelo Edessa"/>
+        <a:font script="Orya" typeface="Kalinga"/>
+        <a:font script="Mlym" typeface="Kartika"/>
+        <a:font script="Laoo" typeface="DokChampa"/>
+        <a:font script="Sinh" typeface="Iskoola Pota"/>
+        <a:font script="Mong" typeface="Mongolian Baiti"/>
+        <a:font script="Viet" typeface="Arial"/>
+        <a:font script="Uigh" typeface="Microsoft Uighur"/>
+        <a:font script="Geor" typeface="Sylfaen"/>
+        <a:font script="Armn" typeface="Arial"/>
+        <a:font script="Bugi" typeface="Leelawadee UI"/>
+        <a:font script="Bopo" typeface="Microsoft JhengHei"/>
+        <a:font script="Java" typeface="Javanese Text"/>
+        <a:font script="Lisu" typeface="Segoe UI"/>
+        <a:font script="Mymr" typeface="Myanmar Text"/>
+        <a:font script="Nkoo" typeface="Ebrima"/>
+        <a:font script="Olck" typeface="Nirmala UI"/>
+        <a:font script="Osma" typeface="Ebrima"/>
+        <a:font script="Phag" typeface="Phagspa"/>
+        <a:font script="Syrn" typeface="Estrangelo Edessa"/>
+        <a:font script="Syrj" typeface="Estrangelo Edessa"/>
+        <a:font script="Syre" typeface="Estrangelo Edessa"/>
+        <a:font script="Sora" typeface="Nirmala UI"/>
+        <a:font script="Tale" typeface="Microsoft Tai Le"/>
+        <a:font script="Talu" typeface="Microsoft New Tai Lue"/>
+        <a:font script="Tfng" typeface="Ebrima"/>
+      </a:minorFont>
+    </a:fontScheme>
+    <a:fmtScheme name="Office">
+      <a:fillStyleLst>
+        <a:solidFill>
+          <a:schemeClr val="phClr"/>
+        </a:solidFill>
+        <a:gradFill rotWithShape="1">
+          <a:gsLst>
+            <a:gs pos="0">
+              <a:schemeClr val="phClr">
+                <a:lumMod val="110000"/>
+                <a:satMod val="105000"/>
+                <a:tint val="67000"/>
+              </a:schemeClr>
+            </a:gs>
+            <a:gs pos="50000">
+              <a:schemeClr val="phClr">
+                <a:lumMod val="105000"/>
+                <a:satMod val="103000"/>
+                <a:tint val="73000"/>
+              </a:schemeClr>
+            </a:gs>
+            <a:gs pos="100000">
+              <a:schemeClr val="phClr">
+                <a:lumMod val="105000"/>
+                <a:satMod val="109000"/>
+                <a:tint val="81000"/>
+              </a:schemeClr>
+            </a:gs>
+          </a:gsLst>
+          <a:lin ang="5400000" scaled="0"/>
+        </a:gradFill>
+        <a:gradFill rotWithShape="1">
+          <a:gsLst>
+            <a:gs pos="0">
+              <a:schemeClr val="phClr">
+                <a:satMod val="103000"/>
+                <a:lumMod val="102000"/>
+                <a:tint val="94000"/>
+              </a:schemeClr>
+            </a:gs>
+            <a:gs pos="50000">
+              <a:schemeClr val="phClr">
+                <a:satMod val="110000"/>
+                <a:lumMod val="100000"/>
+                <a:shade val="100000"/>
+              </a:schemeClr>
+            </a:gs>
+            <a:gs pos="100000">
+              <a:schemeClr val="phClr">
+                <a:lumMod val="99000"/>
+                <a:satMod val="120000"/>
+                <a:shade val="78000"/>
+              </a:schemeClr>
+            </a:gs>
+          </a:gsLst>
+          <a:lin ang="5400000" scaled="0"/>
+        </a:gradFill>
+      </a:fillStyleLst>
+      <a:lnStyleLst>
+        <a:ln w="6350" cap="flat" cmpd="sng" algn="ctr">
+          <a:solidFill>
+            <a:schemeClr val="phClr"/>
+          </a:solidFill>
+          <a:prstDash val="solid"/>
+          <a:miter lim="800000"/>
+        </a:ln>
+        <a:ln w="12700" cap="flat" cmpd="sng" algn="ctr">
+          <a:solidFill>
+            <a:schemeClr val="phClr"/>
+          </a:solidFill>
+          <a:prstDash val="solid"/>
+          <a:miter lim="800000"/>
+        </a:ln>
+        <a:ln w="19050" cap="flat" cmpd="sng" algn="ctr">
+          <a:solidFill>
+            <a:schemeClr val="phClr"/>
+          </a:solidFill>
+          <a:prstDash val="solid"/>
+          <a:miter lim="800000"/>
+        </a:ln>
+      </a:lnStyleLst>
+      <a:effectStyleLst>
+        <a:effectStyle>
+          <a:effectLst/>
+        </a:effectStyle>
+        <a:effectStyle>
+          <a:effectLst/>
+        </a:effectStyle>
+        <a:effectStyle>
+          <a:effectLst>
+            <a:outerShdw blurRad="57150" dist="19050" dir="5400000" algn="ctr" rotWithShape="0">
+              <a:srgbClr val="000000">
+                <a:alpha val="63000"/>
+              </a:srgbClr>
+            </a:outerShdw>
+          </a:effectLst>
+        </a:effectStyle>
+      </a:effectStyleLst>
+      <a:bgFillStyleLst>
+        <a:solidFill>
+          <a:schemeClr val="phClr"/>
+        </a:solidFill>
+        <a:solidFill>
+          <a:schemeClr val="phClr">
+            <a:tint val="95000"/>
+            <a:satMod val="170000"/>
+          </a:schemeClr>
+        </a:solidFill>
+        <a:gradFill rotWithShape="1">
+          <a:gsLst>
+            <a:gs pos="0">
+              <a:schemeClr val="phClr">
+                <a:tint val="93000"/>
+                <a:satMod val="150000"/>
+                <a:shade val="98000"/>
+                <a:lumMod val="102000"/>
+              </a:schemeClr>
+            </a:gs>
+            <a:gs pos="50000">
+              <a:schemeClr val="phClr">
+                <a:tint val="98000"/>
+                <a:satMod val="130000"/>
+                <a:shade val="90000"/>
+                <a:lumMod val="103000"/>
+              </a:schemeClr>
+            </a:gs>
+            <a:gs pos="100000">
+              <a:schemeClr val="phClr">
+                <a:shade val="63000"/>
+                <a:satMod val="120000"/>
+              </a:schemeClr>
+            </a:gs>
+          </a:gsLst>
+          <a:lin ang="5400000" scaled="0"/>
+        </a:gradFill>
+      </a:bgFillStyleLst>
+    </a:fmtScheme>
+  </a:themeElements>
+  <a:objectDefaults/>
+  <a:extraClrSchemeLst/>
+  <a:extLst>
+    <a:ext uri="{05A4C25C-085E-4340-85A3-A5531E510DB2}">
+      <thm15:themeFamily xmlns:thm15="http://schemas.microsoft.com/office/thememl/2012/main" name="Office Theme" id="{62F939B6-93AF-4DB8-9C6B-D6C7DFDC589F}" vid="{4A3C46E8-61CC-4603-A589-7422A47A8E4A}"/>
+    </a:ext>
+  </a:extLst>
+</a:theme>
 </file>
--- a/presentation/DIP-Project.pptx
+++ b/presentation/DIP-Project.pptx
@@ -15,9 +15,9 @@
     <p:sldId id="263" r:id="rId6"/>
     <p:sldId id="266" r:id="rId7"/>
     <p:sldId id="260" r:id="rId8"/>
-    <p:sldId id="261" r:id="rId9"/>
-    <p:sldId id="264" r:id="rId10"/>
-    <p:sldId id="265" r:id="rId11"/>
+    <p:sldId id="265" r:id="rId9"/>
+    <p:sldId id="267" r:id="rId10"/>
+    <p:sldId id="268" r:id="rId11"/>
     <p:sldId id="262" r:id="rId12"/>
   </p:sldIdLst>
   <p:sldSz cx="12192000" cy="6858000"/>
@@ -126,15 +126,34 @@
 </file>
 
 <file path=ppt/diagrams/colors1.xml><?xml version="1.0" encoding="utf-8"?>
-<dgm:colorsDef xmlns:dgm="http://schemas.openxmlformats.org/drawingml/2006/diagram" xmlns:a="http://schemas.openxmlformats.org/drawingml/2006/main" uniqueId="urn:microsoft.com/office/officeart/2005/8/colors/accent1_2">
+<dgm:colorsDef xmlns:dgm="http://schemas.openxmlformats.org/drawingml/2006/diagram" xmlns:a="http://schemas.openxmlformats.org/drawingml/2006/main" uniqueId="urn:microsoft.com/office/officeart/2005/8/colors/accent6_3">
   <dgm:title val=""/>
   <dgm:desc val=""/>
   <dgm:catLst>
-    <dgm:cat type="accent1" pri="11200"/>
+    <dgm:cat type="accent6" pri="11300"/>
   </dgm:catLst>
   <dgm:styleLbl name="node0">
     <dgm:fillClrLst meth="repeat">
-      <a:schemeClr val="accent1"/>
+      <a:schemeClr val="accent6">
+        <a:shade val="80000"/>
+      </a:schemeClr>
+    </dgm:fillClrLst>
+    <dgm:linClrLst meth="repeat">
+      <a:schemeClr val="lt1"/>
+    </dgm:linClrLst>
+    <dgm:effectClrLst/>
+    <dgm:txLinClrLst/>
+    <dgm:txFillClrLst/>
+    <dgm:txEffectClrLst/>
+  </dgm:styleLbl>
+  <dgm:styleLbl name="node1">
+    <dgm:fillClrLst>
+      <a:schemeClr val="accent6">
+        <a:shade val="80000"/>
+      </a:schemeClr>
+      <a:schemeClr val="accent6">
+        <a:tint val="70000"/>
+      </a:schemeClr>
     </dgm:fillClrLst>
     <dgm:linClrLst meth="repeat">
       <a:schemeClr val="lt1"/>
@@ -145,23 +164,21 @@
     <dgm:txEffectClrLst/>
   </dgm:styleLbl>
   <dgm:styleLbl name="alignNode1">
-    <dgm:fillClrLst meth="repeat">
-      <a:schemeClr val="accent1"/>
+    <dgm:fillClrLst>
+      <a:schemeClr val="accent6">
+        <a:shade val="80000"/>
+      </a:schemeClr>
+      <a:schemeClr val="accent6">
+        <a:tint val="70000"/>
+      </a:schemeClr>
     </dgm:fillClrLst>
-    <dgm:linClrLst meth="repeat">
-      <a:schemeClr val="accent1"/>
-    </dgm:linClrLst>
-    <dgm:effectClrLst/>
-    <dgm:txLinClrLst/>
-    <dgm:txFillClrLst/>
-    <dgm:txEffectClrLst/>
-  </dgm:styleLbl>
-  <dgm:styleLbl name="node1">
-    <dgm:fillClrLst meth="repeat">
-      <a:schemeClr val="accent1"/>
-    </dgm:fillClrLst>
-    <dgm:linClrLst meth="repeat">
-      <a:schemeClr val="lt1"/>
+    <dgm:linClrLst>
+      <a:schemeClr val="accent6">
+        <a:shade val="80000"/>
+      </a:schemeClr>
+      <a:schemeClr val="accent6">
+        <a:tint val="70000"/>
+      </a:schemeClr>
     </dgm:linClrLst>
     <dgm:effectClrLst/>
     <dgm:txLinClrLst/>
@@ -169,8 +186,13 @@
     <dgm:txEffectClrLst/>
   </dgm:styleLbl>
   <dgm:styleLbl name="lnNode1">
-    <dgm:fillClrLst meth="repeat">
-      <a:schemeClr val="accent1"/>
+    <dgm:fillClrLst>
+      <a:schemeClr val="accent6">
+        <a:shade val="80000"/>
+      </a:schemeClr>
+      <a:schemeClr val="accent6">
+        <a:tint val="70000"/>
+      </a:schemeClr>
     </dgm:fillClrLst>
     <dgm:linClrLst meth="repeat">
       <a:schemeClr val="lt1"/>
@@ -181,8 +203,13 @@
     <dgm:txEffectClrLst/>
   </dgm:styleLbl>
   <dgm:styleLbl name="vennNode1">
-    <dgm:fillClrLst meth="repeat">
-      <a:schemeClr val="accent1">
+    <dgm:fillClrLst>
+      <a:schemeClr val="accent6">
+        <a:shade val="80000"/>
+        <a:alpha val="50000"/>
+      </a:schemeClr>
+      <a:schemeClr val="accent6">
+        <a:tint val="70000"/>
         <a:alpha val="50000"/>
       </a:schemeClr>
     </dgm:fillClrLst>
@@ -195,8 +222,10 @@
     <dgm:txEffectClrLst/>
   </dgm:styleLbl>
   <dgm:styleLbl name="node2">
-    <dgm:fillClrLst meth="repeat">
-      <a:schemeClr val="accent1"/>
+    <dgm:fillClrLst>
+      <a:schemeClr val="accent6">
+        <a:tint val="99000"/>
+      </a:schemeClr>
     </dgm:fillClrLst>
     <dgm:linClrLst meth="repeat">
       <a:schemeClr val="lt1"/>
@@ -207,8 +236,10 @@
     <dgm:txEffectClrLst/>
   </dgm:styleLbl>
   <dgm:styleLbl name="node3">
-    <dgm:fillClrLst meth="repeat">
-      <a:schemeClr val="accent1"/>
+    <dgm:fillClrLst>
+      <a:schemeClr val="accent6">
+        <a:tint val="80000"/>
+      </a:schemeClr>
     </dgm:fillClrLst>
     <dgm:linClrLst meth="repeat">
       <a:schemeClr val="lt1"/>
@@ -219,8 +250,10 @@
     <dgm:txEffectClrLst/>
   </dgm:styleLbl>
   <dgm:styleLbl name="node4">
-    <dgm:fillClrLst meth="repeat">
-      <a:schemeClr val="accent1"/>
+    <dgm:fillClrLst>
+      <a:schemeClr val="accent6">
+        <a:tint val="70000"/>
+      </a:schemeClr>
     </dgm:fillClrLst>
     <dgm:linClrLst meth="repeat">
       <a:schemeClr val="lt1"/>
@@ -231,9 +264,12 @@
     <dgm:txEffectClrLst/>
   </dgm:styleLbl>
   <dgm:styleLbl name="fgImgPlace1">
-    <dgm:fillClrLst meth="repeat">
-      <a:schemeClr val="accent1">
+    <dgm:fillClrLst>
+      <a:schemeClr val="accent6">
         <a:tint val="50000"/>
+      </a:schemeClr>
+      <a:schemeClr val="accent6">
+        <a:tint val="20000"/>
       </a:schemeClr>
     </dgm:fillClrLst>
     <dgm:linClrLst meth="repeat">
@@ -247,9 +283,12 @@
     <dgm:txEffectClrLst/>
   </dgm:styleLbl>
   <dgm:styleLbl name="alignImgPlace1">
-    <dgm:fillClrLst meth="repeat">
-      <a:schemeClr val="accent1">
+    <dgm:fillClrLst>
+      <a:schemeClr val="accent6">
         <a:tint val="50000"/>
+      </a:schemeClr>
+      <a:schemeClr val="accent6">
+        <a:tint val="20000"/>
       </a:schemeClr>
     </dgm:fillClrLst>
     <dgm:linClrLst meth="repeat">
@@ -263,9 +302,12 @@
     <dgm:txEffectClrLst/>
   </dgm:styleLbl>
   <dgm:styleLbl name="bgImgPlace1">
-    <dgm:fillClrLst meth="repeat">
-      <a:schemeClr val="accent1">
+    <dgm:fillClrLst>
+      <a:schemeClr val="accent6">
         <a:tint val="50000"/>
+      </a:schemeClr>
+      <a:schemeClr val="accent6">
+        <a:tint val="20000"/>
       </a:schemeClr>
     </dgm:fillClrLst>
     <dgm:linClrLst meth="repeat">
@@ -279,14 +321,20 @@
     <dgm:txEffectClrLst/>
   </dgm:styleLbl>
   <dgm:styleLbl name="sibTrans2D1">
-    <dgm:fillClrLst meth="repeat">
-      <a:schemeClr val="accent1">
-        <a:tint val="60000"/>
+    <dgm:fillClrLst>
+      <a:schemeClr val="accent6">
+        <a:shade val="90000"/>
+      </a:schemeClr>
+      <a:schemeClr val="accent6">
+        <a:tint val="70000"/>
       </a:schemeClr>
     </dgm:fillClrLst>
-    <dgm:linClrLst meth="repeat">
-      <a:schemeClr val="accent1">
-        <a:tint val="60000"/>
+    <dgm:linClrLst>
+      <a:schemeClr val="accent6">
+        <a:shade val="90000"/>
+      </a:schemeClr>
+      <a:schemeClr val="accent6">
+        <a:tint val="70000"/>
       </a:schemeClr>
     </dgm:linClrLst>
     <dgm:effectClrLst/>
@@ -295,43 +343,69 @@
     <dgm:txEffectClrLst/>
   </dgm:styleLbl>
   <dgm:styleLbl name="fgSibTrans2D1">
-    <dgm:fillClrLst meth="repeat">
-      <a:schemeClr val="accent1">
-        <a:tint val="60000"/>
+    <dgm:fillClrLst>
+      <a:schemeClr val="accent6">
+        <a:shade val="90000"/>
+      </a:schemeClr>
+      <a:schemeClr val="accent6">
+        <a:tint val="70000"/>
       </a:schemeClr>
     </dgm:fillClrLst>
-    <dgm:linClrLst meth="repeat">
-      <a:schemeClr val="accent1">
-        <a:tint val="60000"/>
+    <dgm:linClrLst>
+      <a:schemeClr val="accent6">
+        <a:shade val="90000"/>
+      </a:schemeClr>
+      <a:schemeClr val="accent6">
+        <a:tint val="70000"/>
       </a:schemeClr>
     </dgm:linClrLst>
     <dgm:effectClrLst/>
     <dgm:txLinClrLst/>
-    <dgm:txFillClrLst/>
+    <dgm:txFillClrLst meth="repeat">
+      <a:schemeClr val="lt1"/>
+    </dgm:txFillClrLst>
     <dgm:txEffectClrLst/>
   </dgm:styleLbl>
   <dgm:styleLbl name="bgSibTrans2D1">
-    <dgm:fillClrLst meth="repeat">
-      <a:schemeClr val="accent1">
-        <a:tint val="60000"/>
+    <dgm:fillClrLst>
+      <a:schemeClr val="accent6">
+        <a:shade val="90000"/>
+      </a:schemeClr>
+      <a:schemeClr val="accent6">
+        <a:tint val="70000"/>
       </a:schemeClr>
     </dgm:fillClrLst>
-    <dgm:linClrLst meth="repeat">
-      <a:schemeClr val="accent1">
-        <a:tint val="60000"/>
+    <dgm:linClrLst>
+      <a:schemeClr val="accent6">
+        <a:shade val="90000"/>
+      </a:schemeClr>
+      <a:schemeClr val="accent6">
+        <a:tint val="70000"/>
       </a:schemeClr>
     </dgm:linClrLst>
     <dgm:effectClrLst/>
     <dgm:txLinClrLst/>
-    <dgm:txFillClrLst/>
+    <dgm:txFillClrLst meth="repeat">
+      <a:schemeClr val="lt1"/>
+    </dgm:txFillClrLst>
     <dgm:txEffectClrLst/>
   </dgm:styleLbl>
   <dgm:styleLbl name="sibTrans1D1">
-    <dgm:fillClrLst meth="repeat">
-      <a:schemeClr val="accent1"/>
+    <dgm:fillClrLst>
+      <a:schemeClr val="accent6">
+        <a:shade val="90000"/>
+      </a:schemeClr>
+      <a:schemeClr val="accent6">
+        <a:tint val="70000"/>
+      </a:schemeClr>
     </dgm:fillClrLst>
-    <dgm:linClrLst meth="repeat">
-      <a:schemeClr val="accent1"/>
+    <dgm:linClrLst>
+      <a:schemeClr val="accent6">
+        <a:shade val="90000"/>
+      </a:schemeClr>
+      <a:schemeClr val="accent6">
+        <a:tint val="70000"/>
+      </a:schemeClr>
     </dgm:linClrLst>
     <dgm:effectClrLst/>
     <dgm:txLinClrLst/>
@@ -342,12 +416,10 @@
   </dgm:styleLbl>
   <dgm:styleLbl name="callout">
     <dgm:fillClrLst meth="repeat">
-      <a:schemeClr val="accent1"/>
+      <a:schemeClr val="accent6"/>
     </dgm:fillClrLst>
     <dgm:linClrLst meth="repeat">
-      <a:schemeClr val="accent1">
-        <a:tint val="50000"/>
-      </a:schemeClr>
+      <a:schemeClr val="accent6"/>
     </dgm:linClrLst>
     <dgm:effectClrLst/>
     <dgm:txLinClrLst/>
@@ -358,7 +430,9 @@
   </dgm:styleLbl>
   <dgm:styleLbl name="asst0">
     <dgm:fillClrLst meth="repeat">
-      <a:schemeClr val="accent1"/>
+      <a:schemeClr val="accent6">
+        <a:shade val="80000"/>
+      </a:schemeClr>
     </dgm:fillClrLst>
     <dgm:linClrLst meth="repeat">
       <a:schemeClr val="lt1"/>
@@ -370,7 +444,9 @@
   </dgm:styleLbl>
   <dgm:styleLbl name="asst1">
     <dgm:fillClrLst meth="repeat">
-      <a:schemeClr val="accent1"/>
+      <a:schemeClr val="accent6">
+        <a:shade val="80000"/>
+      </a:schemeClr>
     </dgm:fillClrLst>
     <dgm:linClrLst meth="repeat">
       <a:schemeClr val="lt1"/>
@@ -381,8 +457,10 @@
     <dgm:txEffectClrLst/>
   </dgm:styleLbl>
   <dgm:styleLbl name="asst2">
-    <dgm:fillClrLst meth="repeat">
-      <a:schemeClr val="accent1"/>
+    <dgm:fillClrLst>
+      <a:schemeClr val="accent6">
+        <a:tint val="99000"/>
+      </a:schemeClr>
     </dgm:fillClrLst>
     <dgm:linClrLst meth="repeat">
       <a:schemeClr val="lt1"/>
@@ -393,8 +471,10 @@
     <dgm:txEffectClrLst/>
   </dgm:styleLbl>
   <dgm:styleLbl name="asst3">
-    <dgm:fillClrLst meth="repeat">
-      <a:schemeClr val="accent1"/>
+    <dgm:fillClrLst>
+      <a:schemeClr val="accent6">
+        <a:tint val="80000"/>
+      </a:schemeClr>
     </dgm:fillClrLst>
     <dgm:linClrLst meth="repeat">
       <a:schemeClr val="lt1"/>
@@ -405,8 +485,10 @@
     <dgm:txEffectClrLst/>
   </dgm:styleLbl>
   <dgm:styleLbl name="asst4">
-    <dgm:fillClrLst meth="repeat">
-      <a:schemeClr val="accent1"/>
+    <dgm:fillClrLst>
+      <a:schemeClr val="accent6">
+        <a:tint val="70000"/>
+      </a:schemeClr>
     </dgm:fillClrLst>
     <dgm:linClrLst meth="repeat">
       <a:schemeClr val="lt1"/>
@@ -418,12 +500,12 @@
   </dgm:styleLbl>
   <dgm:styleLbl name="parChTrans2D1">
     <dgm:fillClrLst meth="repeat">
-      <a:schemeClr val="accent1">
+      <a:schemeClr val="accent6">
         <a:tint val="60000"/>
       </a:schemeClr>
     </dgm:fillClrLst>
     <dgm:linClrLst meth="repeat">
-      <a:schemeClr val="accent1">
+      <a:schemeClr val="accent6">
         <a:tint val="60000"/>
       </a:schemeClr>
     </dgm:linClrLst>
@@ -436,38 +518,46 @@
   </dgm:styleLbl>
   <dgm:styleLbl name="parChTrans2D2">
     <dgm:fillClrLst meth="repeat">
-      <a:schemeClr val="accent1"/>
+      <a:schemeClr val="accent6">
+        <a:tint val="90000"/>
+      </a:schemeClr>
     </dgm:fillClrLst>
     <dgm:linClrLst meth="repeat">
-      <a:schemeClr val="accent1"/>
+      <a:schemeClr val="accent6">
+        <a:tint val="90000"/>
+      </a:schemeClr>
     </dgm:linClrLst>
     <dgm:effectClrLst/>
     <dgm:txLinClrLst/>
-    <dgm:txFillClrLst meth="repeat">
-      <a:schemeClr val="lt1"/>
-    </dgm:txFillClrLst>
+    <dgm:txFillClrLst/>
     <dgm:txEffectClrLst/>
   </dgm:styleLbl>
   <dgm:styleLbl name="parChTrans2D3">
     <dgm:fillClrLst meth="repeat">
-      <a:schemeClr val="accent1"/>
+      <a:schemeClr val="accent6">
+        <a:tint val="70000"/>
+      </a:schemeClr>
     </dgm:fillClrLst>
     <dgm:linClrLst meth="repeat">
-      <a:schemeClr val="accent1"/>
+      <a:schemeClr val="accent6">
+        <a:tint val="70000"/>
+      </a:schemeClr>
     </dgm:linClrLst>
     <dgm:effectClrLst/>
     <dgm:txLinClrLst/>
-    <dgm:txFillClrLst meth="repeat">
-      <a:schemeClr val="lt1"/>
-    </dgm:txFillClrLst>
+    <dgm:txFillClrLst/>
     <dgm:txEffectClrLst/>
   </dgm:styleLbl>
   <dgm:styleLbl name="parChTrans2D4">
     <dgm:fillClrLst meth="repeat">
-      <a:schemeClr val="accent1"/>
+      <a:schemeClr val="accent6">
+        <a:tint val="50000"/>
+      </a:schemeClr>
     </dgm:fillClrLst>
     <dgm:linClrLst meth="repeat">
-      <a:schemeClr val="accent1"/>
+      <a:schemeClr val="accent6">
+        <a:tint val="50000"/>
+      </a:schemeClr>
     </dgm:linClrLst>
     <dgm:effectClrLst/>
     <dgm:txLinClrLst/>
@@ -478,11 +568,13 @@
   </dgm:styleLbl>
   <dgm:styleLbl name="parChTrans1D1">
     <dgm:fillClrLst meth="repeat">
-      <a:schemeClr val="accent1"/>
+      <a:schemeClr val="accent6">
+        <a:shade val="80000"/>
+      </a:schemeClr>
     </dgm:fillClrLst>
     <dgm:linClrLst meth="repeat">
-      <a:schemeClr val="accent1">
-        <a:shade val="60000"/>
+      <a:schemeClr val="accent6">
+        <a:shade val="80000"/>
       </a:schemeClr>
     </dgm:linClrLst>
     <dgm:effectClrLst/>
@@ -494,11 +586,13 @@
   </dgm:styleLbl>
   <dgm:styleLbl name="parChTrans1D2">
     <dgm:fillClrLst meth="repeat">
-      <a:schemeClr val="accent1"/>
+      <a:schemeClr val="accent6">
+        <a:tint val="99000"/>
+      </a:schemeClr>
     </dgm:fillClrLst>
     <dgm:linClrLst meth="repeat">
-      <a:schemeClr val="accent1">
-        <a:shade val="60000"/>
+      <a:schemeClr val="accent6">
+        <a:tint val="99000"/>
       </a:schemeClr>
     </dgm:linClrLst>
     <dgm:effectClrLst/>
@@ -510,11 +604,13 @@
   </dgm:styleLbl>
   <dgm:styleLbl name="parChTrans1D3">
     <dgm:fillClrLst meth="repeat">
-      <a:schemeClr val="accent1"/>
+      <a:schemeClr val="accent6">
+        <a:tint val="80000"/>
+      </a:schemeClr>
     </dgm:fillClrLst>
     <dgm:linClrLst meth="repeat">
-      <a:schemeClr val="accent1">
-        <a:shade val="80000"/>
+      <a:schemeClr val="accent6">
+        <a:tint val="80000"/>
       </a:schemeClr>
     </dgm:linClrLst>
     <dgm:effectClrLst/>
@@ -526,11 +622,13 @@
   </dgm:styleLbl>
   <dgm:styleLbl name="parChTrans1D4">
     <dgm:fillClrLst meth="repeat">
-      <a:schemeClr val="accent1"/>
+      <a:schemeClr val="accent6">
+        <a:tint val="70000"/>
+      </a:schemeClr>
     </dgm:fillClrLst>
     <dgm:linClrLst meth="repeat">
-      <a:schemeClr val="accent1">
-        <a:shade val="80000"/>
+      <a:schemeClr val="accent6">
+        <a:tint val="70000"/>
       </a:schemeClr>
     </dgm:linClrLst>
     <dgm:effectClrLst/>
@@ -546,8 +644,13 @@
         <a:alpha val="90000"/>
       </a:schemeClr>
     </dgm:fillClrLst>
-    <dgm:linClrLst meth="repeat">
-      <a:schemeClr val="accent1"/>
+    <dgm:linClrLst>
+      <a:schemeClr val="accent6">
+        <a:shade val="80000"/>
+      </a:schemeClr>
+      <a:schemeClr val="accent6">
+        <a:tint val="70000"/>
+      </a:schemeClr>
     </dgm:linClrLst>
     <dgm:effectClrLst/>
     <dgm:txLinClrLst/>
@@ -562,8 +665,13 @@
         <a:alpha val="90000"/>
       </a:schemeClr>
     </dgm:fillClrLst>
-    <dgm:linClrLst meth="repeat">
-      <a:schemeClr val="accent1"/>
+    <dgm:linClrLst>
+      <a:schemeClr val="accent6">
+        <a:shade val="80000"/>
+      </a:schemeClr>
+      <a:schemeClr val="accent6">
+        <a:tint val="70000"/>
+      </a:schemeClr>
     </dgm:linClrLst>
     <dgm:effectClrLst/>
     <dgm:txLinClrLst/>
@@ -578,8 +686,13 @@
         <a:alpha val="90000"/>
       </a:schemeClr>
     </dgm:fillClrLst>
-    <dgm:linClrLst meth="repeat">
-      <a:schemeClr val="accent1"/>
+    <dgm:linClrLst>
+      <a:schemeClr val="accent6">
+        <a:shade val="80000"/>
+      </a:schemeClr>
+      <a:schemeClr val="accent6">
+        <a:tint val="70000"/>
+      </a:schemeClr>
     </dgm:linClrLst>
     <dgm:effectClrLst/>
     <dgm:txLinClrLst/>
@@ -595,7 +708,7 @@
       </a:schemeClr>
     </dgm:fillClrLst>
     <dgm:linClrLst meth="repeat">
-      <a:schemeClr val="accent1"/>
+      <a:schemeClr val="accent6"/>
     </dgm:linClrLst>
     <dgm:effectClrLst/>
     <dgm:txLinClrLst/>
@@ -610,8 +723,13 @@
         <a:alpha val="90000"/>
       </a:schemeClr>
     </dgm:fillClrLst>
-    <dgm:linClrLst meth="repeat">
-      <a:schemeClr val="accent1"/>
+    <dgm:linClrLst>
+      <a:schemeClr val="accent6">
+        <a:shade val="80000"/>
+      </a:schemeClr>
+      <a:schemeClr val="accent6">
+        <a:tint val="70000"/>
+      </a:schemeClr>
     </dgm:linClrLst>
     <dgm:effectClrLst/>
     <dgm:txLinClrLst/>
@@ -624,8 +742,13 @@
     <dgm:fillClrLst meth="repeat">
       <a:schemeClr val="lt1"/>
     </dgm:fillClrLst>
-    <dgm:linClrLst meth="repeat">
-      <a:schemeClr val="accent1"/>
+    <dgm:linClrLst>
+      <a:schemeClr val="accent6">
+        <a:shade val="80000"/>
+      </a:schemeClr>
+      <a:schemeClr val="accent6">
+        <a:tint val="70000"/>
+      </a:schemeClr>
     </dgm:linClrLst>
     <dgm:effectClrLst/>
     <dgm:txLinClrLst/>
@@ -639,7 +762,7 @@
       <a:schemeClr val="lt1"/>
     </dgm:fillClrLst>
     <dgm:linClrLst meth="repeat">
-      <a:schemeClr val="accent1"/>
+      <a:schemeClr val="accent6"/>
     </dgm:linClrLst>
     <dgm:effectClrLst/>
     <dgm:txLinClrLst/>
@@ -653,7 +776,7 @@
       <a:schemeClr val="lt1"/>
     </dgm:fillClrLst>
     <dgm:linClrLst meth="repeat">
-      <a:schemeClr val="accent1"/>
+      <a:schemeClr val="accent6"/>
     </dgm:linClrLst>
     <dgm:effectClrLst/>
     <dgm:txLinClrLst/>
@@ -664,13 +787,13 @@
   </dgm:styleLbl>
   <dgm:styleLbl name="fgAccFollowNode1">
     <dgm:fillClrLst meth="repeat">
-      <a:schemeClr val="accent1">
+      <a:schemeClr val="accent6">
         <a:alpha val="90000"/>
         <a:tint val="40000"/>
       </a:schemeClr>
     </dgm:fillClrLst>
     <dgm:linClrLst meth="repeat">
-      <a:schemeClr val="accent1">
+      <a:schemeClr val="accent6">
         <a:alpha val="90000"/>
         <a:tint val="40000"/>
       </a:schemeClr>
@@ -684,13 +807,13 @@
   </dgm:styleLbl>
   <dgm:styleLbl name="alignAccFollowNode1">
     <dgm:fillClrLst meth="repeat">
-      <a:schemeClr val="accent1">
+      <a:schemeClr val="accent6">
         <a:alpha val="90000"/>
         <a:tint val="40000"/>
       </a:schemeClr>
     </dgm:fillClrLst>
     <dgm:linClrLst meth="repeat">
-      <a:schemeClr val="accent1">
+      <a:schemeClr val="accent6">
         <a:alpha val="90000"/>
         <a:tint val="40000"/>
       </a:schemeClr>
@@ -704,16 +827,13 @@
   </dgm:styleLbl>
   <dgm:styleLbl name="bgAccFollowNode1">
     <dgm:fillClrLst meth="repeat">
-      <a:schemeClr val="accent1">
+      <a:schemeClr val="accent6">
         <a:alpha val="90000"/>
         <a:tint val="40000"/>
       </a:schemeClr>
     </dgm:fillClrLst>
     <dgm:linClrLst meth="repeat">
-      <a:schemeClr val="accent1">
-        <a:alpha val="90000"/>
-        <a:tint val="40000"/>
-      </a:schemeClr>
+      <a:schemeClr val="lt1"/>
     </dgm:linClrLst>
     <dgm:effectClrLst/>
     <dgm:txLinClrLst/>
@@ -729,7 +849,9 @@
       </a:schemeClr>
     </dgm:fillClrLst>
     <dgm:linClrLst meth="repeat">
-      <a:schemeClr val="accent1"/>
+      <a:schemeClr val="accent6">
+        <a:shade val="80000"/>
+      </a:schemeClr>
     </dgm:linClrLst>
     <dgm:effectClrLst/>
     <dgm:txLinClrLst/>
@@ -745,7 +867,9 @@
       </a:schemeClr>
     </dgm:fillClrLst>
     <dgm:linClrLst meth="repeat">
-      <a:schemeClr val="accent1"/>
+      <a:schemeClr val="accent6">
+        <a:tint val="99000"/>
+      </a:schemeClr>
     </dgm:linClrLst>
     <dgm:effectClrLst/>
     <dgm:txLinClrLst/>
@@ -761,7 +885,9 @@
       </a:schemeClr>
     </dgm:fillClrLst>
     <dgm:linClrLst meth="repeat">
-      <a:schemeClr val="accent1"/>
+      <a:schemeClr val="accent6">
+        <a:tint val="80000"/>
+      </a:schemeClr>
     </dgm:linClrLst>
     <dgm:effectClrLst/>
     <dgm:txLinClrLst/>
@@ -777,7 +903,9 @@
       </a:schemeClr>
     </dgm:fillClrLst>
     <dgm:linClrLst meth="repeat">
-      <a:schemeClr val="accent1"/>
+      <a:schemeClr val="accent6">
+        <a:tint val="70000"/>
+      </a:schemeClr>
     </dgm:linClrLst>
     <dgm:effectClrLst/>
     <dgm:txLinClrLst/>
@@ -788,12 +916,12 @@
   </dgm:styleLbl>
   <dgm:styleLbl name="bgShp">
     <dgm:fillClrLst meth="repeat">
-      <a:schemeClr val="accent1">
+      <a:schemeClr val="accent6">
         <a:tint val="40000"/>
       </a:schemeClr>
     </dgm:fillClrLst>
     <dgm:linClrLst meth="repeat">
-      <a:schemeClr val="accent1"/>
+      <a:schemeClr val="dk1"/>
     </dgm:linClrLst>
     <dgm:effectClrLst/>
     <dgm:txLinClrLst/>
@@ -804,12 +932,12 @@
   </dgm:styleLbl>
   <dgm:styleLbl name="dkBgShp">
     <dgm:fillClrLst meth="repeat">
-      <a:schemeClr val="accent1">
-        <a:shade val="80000"/>
+      <a:schemeClr val="accent6">
+        <a:shade val="90000"/>
       </a:schemeClr>
     </dgm:fillClrLst>
     <dgm:linClrLst meth="repeat">
-      <a:schemeClr val="accent1"/>
+      <a:schemeClr val="dk1"/>
     </dgm:linClrLst>
     <dgm:effectClrLst/>
     <dgm:txLinClrLst/>
@@ -820,13 +948,13 @@
   </dgm:styleLbl>
   <dgm:styleLbl name="trBgShp">
     <dgm:fillClrLst meth="repeat">
-      <a:schemeClr val="accent1">
+      <a:schemeClr val="accent6">
         <a:tint val="50000"/>
         <a:alpha val="40000"/>
       </a:schemeClr>
     </dgm:fillClrLst>
     <dgm:linClrLst meth="repeat">
-      <a:schemeClr val="accent1"/>
+      <a:schemeClr val="accent6"/>
     </dgm:linClrLst>
     <dgm:effectClrLst/>
     <dgm:txLinClrLst/>
@@ -837,8 +965,8 @@
   </dgm:styleLbl>
   <dgm:styleLbl name="fgShp">
     <dgm:fillClrLst meth="repeat">
-      <a:schemeClr val="accent1">
-        <a:tint val="60000"/>
+      <a:schemeClr val="accent6">
+        <a:tint val="40000"/>
       </a:schemeClr>
     </dgm:fillClrLst>
     <dgm:linClrLst meth="repeat">
@@ -876,7 +1004,7 @@
 <dgm:dataModel xmlns:dgm="http://schemas.openxmlformats.org/drawingml/2006/diagram" xmlns:a="http://schemas.openxmlformats.org/drawingml/2006/main">
   <dgm:ptLst>
     <dgm:pt modelId="{99069FC0-9F60-45F4-9E47-46CBCAB3F8F3}" type="doc">
-      <dgm:prSet loTypeId="urn:microsoft.com/office/officeart/2005/8/layout/vProcess5" loCatId="process" qsTypeId="urn:microsoft.com/office/officeart/2005/8/quickstyle/simple1" qsCatId="simple" csTypeId="urn:microsoft.com/office/officeart/2005/8/colors/accent1_2" csCatId="accent1" phldr="1"/>
+      <dgm:prSet loTypeId="urn:microsoft.com/office/officeart/2005/8/layout/vProcess5" loCatId="process" qsTypeId="urn:microsoft.com/office/officeart/2005/8/quickstyle/simple1" qsCatId="simple" csTypeId="urn:microsoft.com/office/officeart/2005/8/colors/accent6_3" csCatId="accent6" phldr="1"/>
       <dgm:spPr/>
       <dgm:t>
         <a:bodyPr/>
@@ -964,7 +1092,7 @@
           </a:pPr>
           <a:r>
             <a:rPr lang="de-AT" dirty="0"/>
-            <a:t>Auswertung</a:t>
+            <a:t>Verifikation</a:t>
           </a:r>
         </a:p>
       </dgm:t>
@@ -1075,7 +1203,7 @@
           </a:pPr>
           <a:r>
             <a:rPr lang="de-AT" dirty="0"/>
-            <a:t>Ausschneiden dieses Bereiches</a:t>
+            <a:t>Isolierung des segmentierten Bereichs</a:t>
           </a:r>
         </a:p>
       </dgm:t>
@@ -1147,7 +1275,7 @@
         <a:p>
           <a:r>
             <a:rPr lang="de-AT" dirty="0"/>
-            <a:t>Segmentierung des interessanten Bildbereichs (LEGO Indiana Jones)</a:t>
+            <a:t>Klassische Segmentierung des interessanten Bildbereichs (LEGO Indiana Jones)</a:t>
           </a:r>
         </a:p>
       </dgm:t>
@@ -1411,7 +1539,8 @@
           </a:avLst>
         </a:prstGeom>
         <a:solidFill>
-          <a:schemeClr val="accent1">
+          <a:schemeClr val="accent6">
+            <a:shade val="80000"/>
             <a:hueOff val="0"/>
             <a:satOff val="0"/>
             <a:lumOff val="0"/>
@@ -1447,12 +1576,12 @@
         </a:fontRef>
       </dsp:style>
       <dsp:txBody>
-        <a:bodyPr spcFirstLastPara="0" vert="horz" wrap="square" lIns="80010" tIns="80010" rIns="80010" bIns="80010" numCol="1" spcCol="1270" anchor="ctr" anchorCtr="0">
+        <a:bodyPr spcFirstLastPara="0" vert="horz" wrap="square" lIns="72390" tIns="72390" rIns="72390" bIns="72390" numCol="1" spcCol="1270" anchor="ctr" anchorCtr="0">
           <a:noAutofit/>
         </a:bodyPr>
         <a:lstStyle/>
         <a:p>
-          <a:pPr marL="0" lvl="0" indent="0" algn="l" defTabSz="933450">
+          <a:pPr marL="0" lvl="0" indent="0" algn="l" defTabSz="844550">
             <a:lnSpc>
               <a:spcPct val="90000"/>
             </a:lnSpc>
@@ -1465,7 +1594,7 @@
             <a:buNone/>
           </a:pPr>
           <a:r>
-            <a:rPr lang="de-AT" sz="2100" kern="1200" dirty="0"/>
+            <a:rPr lang="de-AT" sz="1900" kern="1200" dirty="0"/>
             <a:t>Verbesserung der generellen Bildqualität</a:t>
           </a:r>
         </a:p>
@@ -1491,10 +1620,11 @@
           </a:avLst>
         </a:prstGeom>
         <a:solidFill>
-          <a:schemeClr val="accent1">
-            <a:hueOff val="0"/>
-            <a:satOff val="0"/>
-            <a:lumOff val="0"/>
+          <a:schemeClr val="accent6">
+            <a:shade val="80000"/>
+            <a:hueOff val="80320"/>
+            <a:satOff val="-3227"/>
+            <a:lumOff val="6907"/>
             <a:alphaOff val="0"/>
           </a:schemeClr>
         </a:solidFill>
@@ -1527,12 +1657,12 @@
         </a:fontRef>
       </dsp:style>
       <dsp:txBody>
-        <a:bodyPr spcFirstLastPara="0" vert="horz" wrap="square" lIns="80010" tIns="80010" rIns="80010" bIns="80010" numCol="1" spcCol="1270" anchor="ctr" anchorCtr="0">
+        <a:bodyPr spcFirstLastPara="0" vert="horz" wrap="square" lIns="72390" tIns="72390" rIns="72390" bIns="72390" numCol="1" spcCol="1270" anchor="ctr" anchorCtr="0">
           <a:noAutofit/>
         </a:bodyPr>
         <a:lstStyle/>
         <a:p>
-          <a:pPr marL="0" lvl="0" indent="0" algn="l" defTabSz="933450">
+          <a:pPr marL="0" lvl="0" indent="0" algn="l" defTabSz="844550">
             <a:lnSpc>
               <a:spcPct val="90000"/>
             </a:lnSpc>
@@ -1545,8 +1675,8 @@
             <a:buNone/>
           </a:pPr>
           <a:r>
-            <a:rPr lang="de-AT" sz="2100" kern="1200" dirty="0"/>
-            <a:t>Segmentierung des interessanten Bildbereichs (LEGO Indiana Jones)</a:t>
+            <a:rPr lang="de-AT" sz="1900" kern="1200" dirty="0"/>
+            <a:t>Klassische Segmentierung des interessanten Bildbereichs (LEGO Indiana Jones)</a:t>
           </a:r>
         </a:p>
       </dsp:txBody>
@@ -1571,10 +1701,11 @@
           </a:avLst>
         </a:prstGeom>
         <a:solidFill>
-          <a:schemeClr val="accent1">
-            <a:hueOff val="0"/>
-            <a:satOff val="0"/>
-            <a:lumOff val="0"/>
+          <a:schemeClr val="accent6">
+            <a:shade val="80000"/>
+            <a:hueOff val="160640"/>
+            <a:satOff val="-6455"/>
+            <a:lumOff val="13814"/>
             <a:alphaOff val="0"/>
           </a:schemeClr>
         </a:solidFill>
@@ -1607,12 +1738,12 @@
         </a:fontRef>
       </dsp:style>
       <dsp:txBody>
-        <a:bodyPr spcFirstLastPara="0" vert="horz" wrap="square" lIns="80010" tIns="80010" rIns="80010" bIns="80010" numCol="1" spcCol="1270" anchor="ctr" anchorCtr="0">
+        <a:bodyPr spcFirstLastPara="0" vert="horz" wrap="square" lIns="72390" tIns="72390" rIns="72390" bIns="72390" numCol="1" spcCol="1270" anchor="ctr" anchorCtr="0">
           <a:noAutofit/>
         </a:bodyPr>
         <a:lstStyle/>
         <a:p>
-          <a:pPr marL="0" lvl="0" indent="0" algn="l" defTabSz="933450">
+          <a:pPr marL="0" lvl="0" indent="0" algn="l" defTabSz="844550">
             <a:lnSpc>
               <a:spcPct val="90000"/>
             </a:lnSpc>
@@ -1625,8 +1756,8 @@
             <a:buNone/>
           </a:pPr>
           <a:r>
-            <a:rPr lang="de-AT" sz="2100" kern="1200" dirty="0"/>
-            <a:t>Ausschneiden dieses Bereiches</a:t>
+            <a:rPr lang="de-AT" sz="1900" kern="1200" dirty="0"/>
+            <a:t>Isolierung des segmentierten Bereichs</a:t>
           </a:r>
         </a:p>
       </dsp:txBody>
@@ -1651,10 +1782,11 @@
           </a:avLst>
         </a:prstGeom>
         <a:solidFill>
-          <a:schemeClr val="accent1">
-            <a:hueOff val="0"/>
-            <a:satOff val="0"/>
-            <a:lumOff val="0"/>
+          <a:schemeClr val="accent6">
+            <a:shade val="80000"/>
+            <a:hueOff val="240960"/>
+            <a:satOff val="-9682"/>
+            <a:lumOff val="20721"/>
             <a:alphaOff val="0"/>
           </a:schemeClr>
         </a:solidFill>
@@ -1687,12 +1819,12 @@
         </a:fontRef>
       </dsp:style>
       <dsp:txBody>
-        <a:bodyPr spcFirstLastPara="0" vert="horz" wrap="square" lIns="80010" tIns="80010" rIns="80010" bIns="80010" numCol="1" spcCol="1270" anchor="ctr" anchorCtr="0">
+        <a:bodyPr spcFirstLastPara="0" vert="horz" wrap="square" lIns="72390" tIns="72390" rIns="72390" bIns="72390" numCol="1" spcCol="1270" anchor="ctr" anchorCtr="0">
           <a:noAutofit/>
         </a:bodyPr>
         <a:lstStyle/>
         <a:p>
-          <a:pPr marL="0" lvl="0" indent="0" algn="l" defTabSz="933450">
+          <a:pPr marL="0" lvl="0" indent="0" algn="l" defTabSz="844550">
             <a:lnSpc>
               <a:spcPct val="90000"/>
             </a:lnSpc>
@@ -1705,7 +1837,7 @@
             <a:buNone/>
           </a:pPr>
           <a:r>
-            <a:rPr lang="de-AT" sz="2100" kern="1200" dirty="0"/>
+            <a:rPr lang="de-AT" sz="1900" kern="1200" dirty="0"/>
             <a:t>Feature-Detektion</a:t>
           </a:r>
         </a:p>
@@ -1731,10 +1863,11 @@
           </a:avLst>
         </a:prstGeom>
         <a:solidFill>
-          <a:schemeClr val="accent1">
-            <a:hueOff val="0"/>
-            <a:satOff val="0"/>
-            <a:lumOff val="0"/>
+          <a:schemeClr val="accent6">
+            <a:shade val="80000"/>
+            <a:hueOff val="321280"/>
+            <a:satOff val="-12909"/>
+            <a:lumOff val="27628"/>
             <a:alphaOff val="0"/>
           </a:schemeClr>
         </a:solidFill>
@@ -1767,12 +1900,12 @@
         </a:fontRef>
       </dsp:style>
       <dsp:txBody>
-        <a:bodyPr spcFirstLastPara="0" vert="horz" wrap="square" lIns="80010" tIns="80010" rIns="80010" bIns="80010" numCol="1" spcCol="1270" anchor="ctr" anchorCtr="0">
+        <a:bodyPr spcFirstLastPara="0" vert="horz" wrap="square" lIns="72390" tIns="72390" rIns="72390" bIns="72390" numCol="1" spcCol="1270" anchor="ctr" anchorCtr="0">
           <a:noAutofit/>
         </a:bodyPr>
         <a:lstStyle/>
         <a:p>
-          <a:pPr marL="0" lvl="0" indent="0" algn="l" defTabSz="933450">
+          <a:pPr marL="0" lvl="0" indent="0" algn="l" defTabSz="844550">
             <a:lnSpc>
               <a:spcPct val="90000"/>
             </a:lnSpc>
@@ -1785,8 +1918,8 @@
             <a:buNone/>
           </a:pPr>
           <a:r>
-            <a:rPr lang="de-AT" sz="2100" kern="1200" dirty="0"/>
-            <a:t>Auswertung</a:t>
+            <a:rPr lang="de-AT" sz="1900" kern="1200" dirty="0"/>
+            <a:t>Verifikation</a:t>
           </a:r>
         </a:p>
       </dsp:txBody>
@@ -1812,7 +1945,7 @@
           </a:avLst>
         </a:prstGeom>
         <a:solidFill>
-          <a:schemeClr val="accent1">
+          <a:schemeClr val="accent6">
             <a:alpha val="90000"/>
             <a:tint val="40000"/>
             <a:hueOff val="0"/>
@@ -1823,7 +1956,7 @@
         </a:solidFill>
         <a:ln w="12700" cap="flat" cmpd="sng" algn="ctr">
           <a:solidFill>
-            <a:schemeClr val="accent1">
+            <a:schemeClr val="accent6">
               <a:alpha val="90000"/>
               <a:tint val="40000"/>
               <a:hueOff val="0"/>
@@ -1892,7 +2025,7 @@
           </a:avLst>
         </a:prstGeom>
         <a:solidFill>
-          <a:schemeClr val="accent1">
+          <a:schemeClr val="accent6">
             <a:alpha val="90000"/>
             <a:tint val="40000"/>
             <a:hueOff val="0"/>
@@ -1903,7 +2036,7 @@
         </a:solidFill>
         <a:ln w="12700" cap="flat" cmpd="sng" algn="ctr">
           <a:solidFill>
-            <a:schemeClr val="accent1">
+            <a:schemeClr val="accent6">
               <a:alpha val="90000"/>
               <a:tint val="40000"/>
               <a:hueOff val="0"/>
@@ -1972,7 +2105,7 @@
           </a:avLst>
         </a:prstGeom>
         <a:solidFill>
-          <a:schemeClr val="accent1">
+          <a:schemeClr val="accent6">
             <a:alpha val="90000"/>
             <a:tint val="40000"/>
             <a:hueOff val="0"/>
@@ -1983,7 +2116,7 @@
         </a:solidFill>
         <a:ln w="12700" cap="flat" cmpd="sng" algn="ctr">
           <a:solidFill>
-            <a:schemeClr val="accent1">
+            <a:schemeClr val="accent6">
               <a:alpha val="90000"/>
               <a:tint val="40000"/>
               <a:hueOff val="0"/>
@@ -2052,7 +2185,7 @@
           </a:avLst>
         </a:prstGeom>
         <a:solidFill>
-          <a:schemeClr val="accent1">
+          <a:schemeClr val="accent6">
             <a:alpha val="90000"/>
             <a:tint val="40000"/>
             <a:hueOff val="0"/>
@@ -2063,7 +2196,7 @@
         </a:solidFill>
         <a:ln w="12700" cap="flat" cmpd="sng" algn="ctr">
           <a:solidFill>
-            <a:schemeClr val="accent1">
+            <a:schemeClr val="accent6">
               <a:alpha val="90000"/>
               <a:tint val="40000"/>
               <a:hueOff val="0"/>
@@ -4897,6 +5030,90 @@
 </p:notes>
 </file>
 
+<file path=ppt/notesSlides/notesSlide3.xml><?xml version="1.0" encoding="utf-8"?>
+<p:notes xmlns:a="http://schemas.openxmlformats.org/drawingml/2006/main" xmlns:r="http://schemas.openxmlformats.org/officeDocument/2006/relationships" xmlns:p="http://schemas.openxmlformats.org/presentationml/2006/main">
+  <p:cSld>
+    <p:spTree>
+      <p:nvGrpSpPr>
+        <p:cNvPr id="1" name=""/>
+        <p:cNvGrpSpPr/>
+        <p:nvPr/>
+      </p:nvGrpSpPr>
+      <p:grpSpPr>
+        <a:xfrm>
+          <a:off x="0" y="0"/>
+          <a:ext cx="0" cy="0"/>
+          <a:chOff x="0" y="0"/>
+          <a:chExt cx="0" cy="0"/>
+        </a:xfrm>
+      </p:grpSpPr>
+      <p:sp>
+        <p:nvSpPr>
+          <p:cNvPr id="2" name="Folienbildplatzhalter 1"/>
+          <p:cNvSpPr>
+            <a:spLocks noGrp="1" noRot="1" noChangeAspect="1"/>
+          </p:cNvSpPr>
+          <p:nvPr>
+            <p:ph type="sldImg"/>
+          </p:nvPr>
+        </p:nvSpPr>
+        <p:spPr/>
+      </p:sp>
+      <p:sp>
+        <p:nvSpPr>
+          <p:cNvPr id="3" name="Notizenplatzhalter 2"/>
+          <p:cNvSpPr>
+            <a:spLocks noGrp="1"/>
+          </p:cNvSpPr>
+          <p:nvPr>
+            <p:ph type="body" idx="1"/>
+          </p:nvPr>
+        </p:nvSpPr>
+        <p:spPr/>
+        <p:txBody>
+          <a:bodyPr/>
+          <a:lstStyle/>
+          <a:p>
+            <a:endParaRPr lang="de-AT" dirty="0"/>
+          </a:p>
+        </p:txBody>
+      </p:sp>
+      <p:sp>
+        <p:nvSpPr>
+          <p:cNvPr id="4" name="Foliennummernplatzhalter 3"/>
+          <p:cNvSpPr>
+            <a:spLocks noGrp="1"/>
+          </p:cNvSpPr>
+          <p:nvPr>
+            <p:ph type="sldNum" sz="quarter" idx="5"/>
+          </p:nvPr>
+        </p:nvSpPr>
+        <p:spPr/>
+        <p:txBody>
+          <a:bodyPr/>
+          <a:lstStyle/>
+          <a:p>
+            <a:fld id="{84D4742E-F1D8-4EDB-B351-F5836754519D}" type="slidenum">
+              <a:rPr lang="de-AT" smtClean="0"/>
+              <a:t>5</a:t>
+            </a:fld>
+            <a:endParaRPr lang="de-AT"/>
+          </a:p>
+        </p:txBody>
+      </p:sp>
+    </p:spTree>
+    <p:extLst>
+      <p:ext uri="{BB962C8B-B14F-4D97-AF65-F5344CB8AC3E}">
+        <p14:creationId xmlns:p14="http://schemas.microsoft.com/office/powerpoint/2010/main" val="965132486"/>
+      </p:ext>
+    </p:extLst>
+  </p:cSld>
+  <p:clrMapOvr>
+    <a:masterClrMapping/>
+  </p:clrMapOvr>
+</p:notes>
+</file>
+
 <file path=ppt/slideLayouts/slideLayout1.xml><?xml version="1.0" encoding="utf-8"?>
 <p:sldLayout xmlns:a="http://schemas.openxmlformats.org/drawingml/2006/main" xmlns:r="http://schemas.openxmlformats.org/officeDocument/2006/relationships" xmlns:p="http://schemas.openxmlformats.org/presentationml/2006/main" type="title" preserve="1">
   <p:cSld name="Titelfolie">
@@ -9125,8 +9342,8 @@
         </p:nvSpPr>
         <p:spPr>
           <a:xfrm>
-            <a:off x="4439633" y="4518923"/>
-            <a:ext cx="3312734" cy="1141851"/>
+            <a:off x="4241858" y="4545812"/>
+            <a:ext cx="3905377" cy="1141851"/>
           </a:xfrm>
           <a:noFill/>
         </p:spPr>
@@ -9137,12 +9354,27 @@
           <a:lstStyle/>
           <a:p>
             <a:r>
-              <a:rPr lang="de-AT" sz="2000">
+              <a:rPr lang="de-AT" sz="2000" dirty="0">
                 <a:solidFill>
                   <a:srgbClr val="080808"/>
                 </a:solidFill>
               </a:rPr>
-              <a:t>Jakob Schuch &amp; Patrick Würflinger</a:t>
+              <a:t>Jakob Schuch (S1910567022) &amp;</a:t>
+            </a:r>
+            <a:br>
+              <a:rPr lang="de-AT" sz="2000" dirty="0">
+                <a:solidFill>
+                  <a:srgbClr val="080808"/>
+                </a:solidFill>
+              </a:rPr>
+            </a:br>
+            <a:r>
+              <a:rPr lang="de-AT" sz="2000" dirty="0">
+                <a:solidFill>
+                  <a:srgbClr val="080808"/>
+                </a:solidFill>
+              </a:rPr>
+              <a:t>Patrick Würflinger (S1910567022)</a:t>
             </a:r>
           </a:p>
         </p:txBody>
@@ -9380,6 +9612,14 @@
 <file path=ppt/slides/slide10.xml><?xml version="1.0" encoding="utf-8"?>
 <p:sld xmlns:a="http://schemas.openxmlformats.org/drawingml/2006/main" xmlns:r="http://schemas.openxmlformats.org/officeDocument/2006/relationships" xmlns:p="http://schemas.openxmlformats.org/presentationml/2006/main">
   <p:cSld>
+    <p:bg>
+      <p:bgPr>
+        <a:solidFill>
+          <a:schemeClr val="bg1"/>
+        </a:solidFill>
+        <a:effectLst/>
+      </p:bgPr>
+    </p:bg>
     <p:spTree>
       <p:nvGrpSpPr>
         <p:cNvPr id="1" name=""/>
@@ -9394,6 +9634,66 @@
           <a:chExt cx="0" cy="0"/>
         </a:xfrm>
       </p:grpSpPr>
+      <p:sp useBgFill="1">
+        <p:nvSpPr>
+          <p:cNvPr id="11" name="Rectangle 10">
+            <a:extLst>
+              <a:ext uri="{FF2B5EF4-FFF2-40B4-BE49-F238E27FC236}">
+                <a16:creationId xmlns:a16="http://schemas.microsoft.com/office/drawing/2014/main" id="{26CAED0A-2A45-4C9C-BCDD-21A8A092C5F3}"/>
+              </a:ext>
+              <a:ext uri="{C183D7F6-B498-43B3-948B-1728B52AA6E4}">
+                <adec:decorative xmlns:adec="http://schemas.microsoft.com/office/drawing/2017/decorative" val="1"/>
+              </a:ext>
+            </a:extLst>
+          </p:cNvPr>
+          <p:cNvSpPr>
+            <a:spLocks noGrp="1" noRot="1" noChangeAspect="1" noMove="1" noResize="1" noEditPoints="1" noAdjustHandles="1" noChangeArrowheads="1" noChangeShapeType="1" noTextEdit="1"/>
+          </p:cNvSpPr>
+          <p:nvPr>
+            <p:extLst>
+              <p:ext uri="{386F3935-93C4-4BCD-93E2-E3B085C9AB24}">
+                <p16:designElem xmlns:p16="http://schemas.microsoft.com/office/powerpoint/2015/main" val="1"/>
+              </p:ext>
+            </p:extLst>
+          </p:nvPr>
+        </p:nvSpPr>
+        <p:spPr>
+          <a:xfrm>
+            <a:off x="0" y="0"/>
+            <a:ext cx="12191999" cy="6857365"/>
+          </a:xfrm>
+          <a:prstGeom prst="rect">
+            <a:avLst/>
+          </a:prstGeom>
+          <a:ln>
+            <a:noFill/>
+          </a:ln>
+        </p:spPr>
+        <p:style>
+          <a:lnRef idx="2">
+            <a:schemeClr val="accent1">
+              <a:shade val="50000"/>
+            </a:schemeClr>
+          </a:lnRef>
+          <a:fillRef idx="1">
+            <a:schemeClr val="accent1"/>
+          </a:fillRef>
+          <a:effectRef idx="0">
+            <a:schemeClr val="accent1"/>
+          </a:effectRef>
+          <a:fontRef idx="minor">
+            <a:schemeClr val="lt1"/>
+          </a:fontRef>
+        </p:style>
+        <p:txBody>
+          <a:bodyPr rtlCol="0" anchor="ctr"/>
+          <a:lstStyle/>
+          <a:p>
+            <a:pPr algn="ctr"/>
+            <a:endParaRPr lang="en-US"/>
+          </a:p>
+        </p:txBody>
+      </p:sp>
       <p:sp>
         <p:nvSpPr>
           <p:cNvPr id="2" name="Titel 1">
@@ -9410,15 +9710,155 @@
             <p:ph type="title"/>
           </p:nvPr>
         </p:nvSpPr>
-        <p:spPr/>
+        <p:spPr>
+          <a:xfrm>
+            <a:off x="793662" y="386930"/>
+            <a:ext cx="10066122" cy="1298448"/>
+          </a:xfrm>
+        </p:spPr>
         <p:txBody>
-          <a:bodyPr/>
+          <a:bodyPr anchor="b">
+            <a:normAutofit/>
+          </a:bodyPr>
           <a:lstStyle/>
           <a:p>
             <a:r>
-              <a:rPr lang="de-AT" dirty="0"/>
+              <a:rPr lang="de-AT" sz="4800"/>
               <a:t>Feature Detektion – 3. Lösungsansatz</a:t>
             </a:r>
+          </a:p>
+        </p:txBody>
+      </p:sp>
+      <p:sp>
+        <p:nvSpPr>
+          <p:cNvPr id="13" name="Rectangle 12">
+            <a:extLst>
+              <a:ext uri="{FF2B5EF4-FFF2-40B4-BE49-F238E27FC236}">
+                <a16:creationId xmlns:a16="http://schemas.microsoft.com/office/drawing/2014/main" id="{3A9A4357-BD1D-4622-A4FE-766E6AB8DE84}"/>
+              </a:ext>
+              <a:ext uri="{C183D7F6-B498-43B3-948B-1728B52AA6E4}">
+                <adec:decorative xmlns:adec="http://schemas.microsoft.com/office/drawing/2017/decorative" val="1"/>
+              </a:ext>
+            </a:extLst>
+          </p:cNvPr>
+          <p:cNvSpPr>
+            <a:spLocks noGrp="1" noRot="1" noChangeAspect="1" noMove="1" noResize="1" noEditPoints="1" noAdjustHandles="1" noChangeArrowheads="1" noChangeShapeType="1" noTextEdit="1"/>
+          </p:cNvSpPr>
+          <p:nvPr>
+            <p:extLst>
+              <p:ext uri="{386F3935-93C4-4BCD-93E2-E3B085C9AB24}">
+                <p16:designElem xmlns:p16="http://schemas.microsoft.com/office/powerpoint/2015/main" val="1"/>
+              </p:ext>
+            </p:extLst>
+          </p:nvPr>
+        </p:nvSpPr>
+        <p:spPr>
+          <a:xfrm flipH="1" flipV="1">
+            <a:off x="-2" y="1998845"/>
+            <a:ext cx="11454595" cy="781699"/>
+          </a:xfrm>
+          <a:prstGeom prst="rect">
+            <a:avLst/>
+          </a:prstGeom>
+          <a:solidFill>
+            <a:schemeClr val="accent4"/>
+          </a:solidFill>
+          <a:ln>
+            <a:noFill/>
+          </a:ln>
+        </p:spPr>
+        <p:style>
+          <a:lnRef idx="2">
+            <a:schemeClr val="accent1">
+              <a:shade val="50000"/>
+            </a:schemeClr>
+          </a:lnRef>
+          <a:fillRef idx="1">
+            <a:schemeClr val="accent1"/>
+          </a:fillRef>
+          <a:effectRef idx="0">
+            <a:schemeClr val="accent1"/>
+          </a:effectRef>
+          <a:fontRef idx="minor">
+            <a:schemeClr val="lt1"/>
+          </a:fontRef>
+        </p:style>
+        <p:txBody>
+          <a:bodyPr rtlCol="0" anchor="ctr"/>
+          <a:lstStyle/>
+          <a:p>
+            <a:pPr algn="ctr"/>
+            <a:endParaRPr lang="en-US"/>
+          </a:p>
+        </p:txBody>
+      </p:sp>
+      <p:sp>
+        <p:nvSpPr>
+          <p:cNvPr id="15" name="Rectangle 14">
+            <a:extLst>
+              <a:ext uri="{FF2B5EF4-FFF2-40B4-BE49-F238E27FC236}">
+                <a16:creationId xmlns:a16="http://schemas.microsoft.com/office/drawing/2014/main" id="{E659831F-0D9A-4C63-9EBB-8435B85A440F}"/>
+              </a:ext>
+              <a:ext uri="{C183D7F6-B498-43B3-948B-1728B52AA6E4}">
+                <adec:decorative xmlns:adec="http://schemas.microsoft.com/office/drawing/2017/decorative" val="1"/>
+              </a:ext>
+            </a:extLst>
+          </p:cNvPr>
+          <p:cNvSpPr>
+            <a:spLocks noGrp="1" noRot="1" noChangeAspect="1" noMove="1" noResize="1" noEditPoints="1" noAdjustHandles="1" noChangeArrowheads="1" noChangeShapeType="1" noTextEdit="1"/>
+          </p:cNvSpPr>
+          <p:nvPr>
+            <p:extLst>
+              <p:ext uri="{386F3935-93C4-4BCD-93E2-E3B085C9AB24}">
+                <p16:designElem xmlns:p16="http://schemas.microsoft.com/office/powerpoint/2015/main" val="1"/>
+              </p:ext>
+            </p:extLst>
+          </p:nvPr>
+        </p:nvSpPr>
+        <p:spPr>
+          <a:xfrm>
+            <a:off x="0" y="2203079"/>
+            <a:ext cx="11383362" cy="4267991"/>
+          </a:xfrm>
+          <a:prstGeom prst="rect">
+            <a:avLst/>
+          </a:prstGeom>
+          <a:solidFill>
+            <a:schemeClr val="bg1"/>
+          </a:solidFill>
+          <a:ln>
+            <a:noFill/>
+          </a:ln>
+          <a:effectLst>
+            <a:outerShdw blurRad="139700" dist="127000" dir="5400000" algn="t" rotWithShape="0">
+              <a:prstClr val="black">
+                <a:alpha val="15000"/>
+              </a:prstClr>
+            </a:outerShdw>
+          </a:effectLst>
+        </p:spPr>
+        <p:style>
+          <a:lnRef idx="2">
+            <a:schemeClr val="accent1">
+              <a:shade val="50000"/>
+            </a:schemeClr>
+          </a:lnRef>
+          <a:fillRef idx="1">
+            <a:schemeClr val="accent1"/>
+          </a:fillRef>
+          <a:effectRef idx="0">
+            <a:schemeClr val="accent1"/>
+          </a:effectRef>
+          <a:fontRef idx="minor">
+            <a:schemeClr val="lt1"/>
+          </a:fontRef>
+        </p:style>
+        <p:txBody>
+          <a:bodyPr rtlCol="0" anchor="ctr"/>
+          <a:lstStyle/>
+          <a:p>
+            <a:pPr algn="ctr"/>
+            <a:endParaRPr lang="en-US"/>
           </a:p>
         </p:txBody>
       </p:sp>
@@ -9438,22 +9878,89 @@
             <p:ph idx="1"/>
           </p:nvPr>
         </p:nvSpPr>
-        <p:spPr/>
+        <p:spPr>
+          <a:xfrm>
+            <a:off x="419878" y="2599509"/>
+            <a:ext cx="4534507" cy="3598989"/>
+          </a:xfrm>
+        </p:spPr>
         <p:txBody>
-          <a:bodyPr/>
+          <a:bodyPr anchor="ctr">
+            <a:normAutofit/>
+          </a:bodyPr>
           <a:lstStyle/>
           <a:p>
             <a:r>
+              <a:rPr lang="de-AT" sz="2000" dirty="0"/>
+              <a:t>Verwendung des selben Modells</a:t>
+            </a:r>
+          </a:p>
+          <a:p>
+            <a:pPr lvl="1"/>
+            <a:r>
+              <a:rPr lang="de-AT" sz="2000" dirty="0"/>
+              <a:t>Aufteilung der Daten</a:t>
+            </a:r>
+          </a:p>
+          <a:p>
+            <a:pPr lvl="2"/>
+            <a:r>
               <a:rPr lang="de-AT" dirty="0"/>
-              <a:t>Verwendung einer zusätzlichen AI</a:t>
-            </a:r>
+              <a:t>80% Training</a:t>
+            </a:r>
+          </a:p>
+          <a:p>
+            <a:pPr lvl="2"/>
+            <a:r>
+              <a:rPr lang="de-AT" dirty="0"/>
+              <a:t>20% Test</a:t>
+            </a:r>
+          </a:p>
+          <a:p>
+            <a:pPr lvl="1"/>
+            <a:r>
+              <a:rPr lang="de-AT" sz="2000" dirty="0"/>
+              <a:t>10 Klassen (Alle Körperteile + </a:t>
+            </a:r>
+            <a:br>
+              <a:rPr lang="de-AT" sz="2000" dirty="0"/>
+            </a:br>
+            <a:r>
+              <a:rPr lang="de-AT" sz="2000" dirty="0"/>
+              <a:t>„</a:t>
+            </a:r>
+            <a:r>
+              <a:rPr lang="de-AT" sz="2000" dirty="0" err="1"/>
+              <a:t>No</a:t>
+            </a:r>
+            <a:r>
+              <a:rPr lang="de-AT" sz="2000" dirty="0"/>
+              <a:t> Head“)</a:t>
+            </a:r>
+          </a:p>
+          <a:p>
+            <a:pPr lvl="1"/>
+            <a:r>
+              <a:rPr lang="de-AT" sz="2000" dirty="0" err="1"/>
+              <a:t>Labeling</a:t>
+            </a:r>
+            <a:r>
+              <a:rPr lang="de-AT" sz="2000" dirty="0"/>
+              <a:t>-Prozess ~4h</a:t>
+            </a:r>
+          </a:p>
+          <a:p>
+            <a:pPr marL="457200" lvl="1" indent="0">
+              <a:buNone/>
+            </a:pPr>
+            <a:endParaRPr lang="de-AT" sz="2000" dirty="0"/>
           </a:p>
           <a:p>
             <a:pPr marL="0" indent="0">
               <a:buNone/>
             </a:pPr>
             <a:r>
-              <a:rPr lang="de-AT" dirty="0"/>
+              <a:rPr lang="de-AT" sz="2000" dirty="0"/>
               <a:t> </a:t>
             </a:r>
           </a:p>
@@ -9461,10 +9968,911 @@
       </p:sp>
       <p:pic>
         <p:nvPicPr>
-          <p:cNvPr id="5" name="Grafik 4">
+          <p:cNvPr id="6" name="Grafik 5">
             <a:extLst>
               <a:ext uri="{FF2B5EF4-FFF2-40B4-BE49-F238E27FC236}">
-                <a16:creationId xmlns:a16="http://schemas.microsoft.com/office/drawing/2014/main" id="{E74CCAC4-8BD8-4892-A383-E087AD7037D9}"/>
+                <a16:creationId xmlns:a16="http://schemas.microsoft.com/office/drawing/2014/main" id="{42503F6C-F895-4B1F-A39F-7CBDC8B9FC6F}"/>
+              </a:ext>
+            </a:extLst>
+          </p:cNvPr>
+          <p:cNvPicPr>
+            <a:picLocks noChangeAspect="1"/>
+          </p:cNvPicPr>
+          <p:nvPr/>
+        </p:nvPicPr>
+        <p:blipFill rotWithShape="1">
+          <a:blip r:embed="rId2"/>
+          <a:srcRect l="14517" r="4317" b="-1"/>
+          <a:stretch/>
+        </p:blipFill>
+        <p:spPr>
+          <a:xfrm>
+            <a:off x="8412616" y="2559047"/>
+            <a:ext cx="2743620" cy="3639451"/>
+          </a:xfrm>
+          <a:prstGeom prst="rect">
+            <a:avLst/>
+          </a:prstGeom>
+        </p:spPr>
+      </p:pic>
+      <p:sp>
+        <p:nvSpPr>
+          <p:cNvPr id="17" name="Rectangle 16">
+            <a:extLst>
+              <a:ext uri="{FF2B5EF4-FFF2-40B4-BE49-F238E27FC236}">
+                <a16:creationId xmlns:a16="http://schemas.microsoft.com/office/drawing/2014/main" id="{E6995CE5-F890-4ABA-82A2-26507CE8D2A3}"/>
+              </a:ext>
+              <a:ext uri="{C183D7F6-B498-43B3-948B-1728B52AA6E4}">
+                <adec:decorative xmlns:adec="http://schemas.microsoft.com/office/drawing/2017/decorative" val="1"/>
+              </a:ext>
+            </a:extLst>
+          </p:cNvPr>
+          <p:cNvSpPr>
+            <a:spLocks noGrp="1" noRot="1" noChangeAspect="1" noMove="1" noResize="1" noEditPoints="1" noAdjustHandles="1" noChangeArrowheads="1" noChangeShapeType="1" noTextEdit="1"/>
+          </p:cNvSpPr>
+          <p:nvPr>
+            <p:extLst>
+              <p:ext uri="{386F3935-93C4-4BCD-93E2-E3B085C9AB24}">
+                <p16:designElem xmlns:p16="http://schemas.microsoft.com/office/powerpoint/2015/main" val="1"/>
+              </p:ext>
+            </p:extLst>
+          </p:nvPr>
+        </p:nvSpPr>
+        <p:spPr>
+          <a:xfrm rot="5400000">
+            <a:off x="11228040" y="2313027"/>
+            <a:ext cx="781700" cy="152382"/>
+          </a:xfrm>
+          <a:prstGeom prst="rect">
+            <a:avLst/>
+          </a:prstGeom>
+          <a:solidFill>
+            <a:schemeClr val="accent4"/>
+          </a:solidFill>
+          <a:ln>
+            <a:noFill/>
+          </a:ln>
+        </p:spPr>
+        <p:style>
+          <a:lnRef idx="2">
+            <a:schemeClr val="accent1">
+              <a:shade val="50000"/>
+            </a:schemeClr>
+          </a:lnRef>
+          <a:fillRef idx="1">
+            <a:schemeClr val="accent1"/>
+          </a:fillRef>
+          <a:effectRef idx="0">
+            <a:schemeClr val="accent1"/>
+          </a:effectRef>
+          <a:fontRef idx="minor">
+            <a:schemeClr val="lt1"/>
+          </a:fontRef>
+        </p:style>
+        <p:txBody>
+          <a:bodyPr rtlCol="0" anchor="ctr"/>
+          <a:lstStyle/>
+          <a:p>
+            <a:pPr algn="ctr"/>
+            <a:endParaRPr lang="en-US"/>
+          </a:p>
+        </p:txBody>
+      </p:sp>
+      <p:pic>
+        <p:nvPicPr>
+          <p:cNvPr id="12" name="Grafik 11">
+            <a:extLst>
+              <a:ext uri="{FF2B5EF4-FFF2-40B4-BE49-F238E27FC236}">
+                <a16:creationId xmlns:a16="http://schemas.microsoft.com/office/drawing/2014/main" id="{B89BDEE0-9A02-4A9F-B77E-85FA123FB432}"/>
+              </a:ext>
+            </a:extLst>
+          </p:cNvPr>
+          <p:cNvPicPr>
+            <a:picLocks noChangeAspect="1"/>
+          </p:cNvPicPr>
+          <p:nvPr/>
+        </p:nvPicPr>
+        <p:blipFill>
+          <a:blip r:embed="rId3"/>
+          <a:stretch>
+            <a:fillRect/>
+          </a:stretch>
+        </p:blipFill>
+        <p:spPr>
+          <a:xfrm>
+            <a:off x="4670675" y="2946474"/>
+            <a:ext cx="3336412" cy="2864596"/>
+          </a:xfrm>
+          <a:prstGeom prst="rect">
+            <a:avLst/>
+          </a:prstGeom>
+        </p:spPr>
+      </p:pic>
+      <p:sp>
+        <p:nvSpPr>
+          <p:cNvPr id="14" name="Pfeil: nach rechts 13">
+            <a:extLst>
+              <a:ext uri="{FF2B5EF4-FFF2-40B4-BE49-F238E27FC236}">
+                <a16:creationId xmlns:a16="http://schemas.microsoft.com/office/drawing/2014/main" id="{03E8CEC6-4778-479F-85B6-2AC919D2E9D6}"/>
+              </a:ext>
+            </a:extLst>
+          </p:cNvPr>
+          <p:cNvSpPr/>
+          <p:nvPr/>
+        </p:nvSpPr>
+        <p:spPr>
+          <a:xfrm>
+            <a:off x="7852114" y="3961528"/>
+            <a:ext cx="978542" cy="751092"/>
+          </a:xfrm>
+          <a:prstGeom prst="rightArrow">
+            <a:avLst/>
+          </a:prstGeom>
+          <a:gradFill flip="none" rotWithShape="1">
+            <a:gsLst>
+              <a:gs pos="0">
+                <a:schemeClr val="accent6">
+                  <a:lumMod val="67000"/>
+                </a:schemeClr>
+              </a:gs>
+              <a:gs pos="48000">
+                <a:schemeClr val="accent6">
+                  <a:lumMod val="97000"/>
+                  <a:lumOff val="3000"/>
+                </a:schemeClr>
+              </a:gs>
+              <a:gs pos="100000">
+                <a:schemeClr val="accent6">
+                  <a:lumMod val="60000"/>
+                  <a:lumOff val="40000"/>
+                </a:schemeClr>
+              </a:gs>
+            </a:gsLst>
+            <a:lin ang="16200000" scaled="1"/>
+            <a:tileRect/>
+          </a:gradFill>
+          <a:ln>
+            <a:noFill/>
+          </a:ln>
+        </p:spPr>
+        <p:style>
+          <a:lnRef idx="0">
+            <a:scrgbClr r="0" g="0" b="0"/>
+          </a:lnRef>
+          <a:fillRef idx="0">
+            <a:scrgbClr r="0" g="0" b="0"/>
+          </a:fillRef>
+          <a:effectRef idx="0">
+            <a:scrgbClr r="0" g="0" b="0"/>
+          </a:effectRef>
+          <a:fontRef idx="minor">
+            <a:schemeClr val="lt1"/>
+          </a:fontRef>
+        </p:style>
+        <p:txBody>
+          <a:bodyPr rtlCol="0" anchor="ctr"/>
+          <a:lstStyle/>
+          <a:p>
+            <a:pPr algn="ctr"/>
+            <a:endParaRPr lang="de-AT"/>
+          </a:p>
+        </p:txBody>
+      </p:sp>
+    </p:spTree>
+    <p:extLst>
+      <p:ext uri="{BB962C8B-B14F-4D97-AF65-F5344CB8AC3E}">
+        <p14:creationId xmlns:p14="http://schemas.microsoft.com/office/powerpoint/2010/main" val="1861367827"/>
+      </p:ext>
+    </p:extLst>
+  </p:cSld>
+  <p:clrMapOvr>
+    <a:masterClrMapping/>
+  </p:clrMapOvr>
+</p:sld>
+</file>
+
+<file path=ppt/slides/slide11.xml><?xml version="1.0" encoding="utf-8"?>
+<p:sld xmlns:a="http://schemas.openxmlformats.org/drawingml/2006/main" xmlns:r="http://schemas.openxmlformats.org/officeDocument/2006/relationships" xmlns:p="http://schemas.openxmlformats.org/presentationml/2006/main">
+  <p:cSld>
+    <p:bg>
+      <p:bgPr>
+        <a:solidFill>
+          <a:schemeClr val="bg1"/>
+        </a:solidFill>
+        <a:effectLst/>
+      </p:bgPr>
+    </p:bg>
+    <p:spTree>
+      <p:nvGrpSpPr>
+        <p:cNvPr id="1" name=""/>
+        <p:cNvGrpSpPr/>
+        <p:nvPr/>
+      </p:nvGrpSpPr>
+      <p:grpSpPr>
+        <a:xfrm>
+          <a:off x="0" y="0"/>
+          <a:ext cx="0" cy="0"/>
+          <a:chOff x="0" y="0"/>
+          <a:chExt cx="0" cy="0"/>
+        </a:xfrm>
+      </p:grpSpPr>
+      <p:sp useBgFill="1">
+        <p:nvSpPr>
+          <p:cNvPr id="16" name="Rectangle 15">
+            <a:extLst>
+              <a:ext uri="{FF2B5EF4-FFF2-40B4-BE49-F238E27FC236}">
+                <a16:creationId xmlns:a16="http://schemas.microsoft.com/office/drawing/2014/main" id="{B6CDA21F-E7AF-4C75-8395-33F58D5B0E45}"/>
+              </a:ext>
+              <a:ext uri="{C183D7F6-B498-43B3-948B-1728B52AA6E4}">
+                <adec:decorative xmlns:adec="http://schemas.microsoft.com/office/drawing/2017/decorative" val="1"/>
+              </a:ext>
+            </a:extLst>
+          </p:cNvPr>
+          <p:cNvSpPr>
+            <a:spLocks noGrp="1" noRot="1" noChangeAspect="1" noMove="1" noResize="1" noEditPoints="1" noAdjustHandles="1" noChangeArrowheads="1" noChangeShapeType="1" noTextEdit="1"/>
+          </p:cNvSpPr>
+          <p:nvPr>
+            <p:extLst>
+              <p:ext uri="{386F3935-93C4-4BCD-93E2-E3B085C9AB24}">
+                <p16:designElem xmlns:p16="http://schemas.microsoft.com/office/powerpoint/2015/main" val="1"/>
+              </p:ext>
+            </p:extLst>
+          </p:nvPr>
+        </p:nvSpPr>
+        <p:spPr>
+          <a:xfrm>
+            <a:off x="0" y="0"/>
+            <a:ext cx="12191999" cy="6857365"/>
+          </a:xfrm>
+          <a:prstGeom prst="rect">
+            <a:avLst/>
+          </a:prstGeom>
+          <a:ln>
+            <a:noFill/>
+          </a:ln>
+        </p:spPr>
+        <p:style>
+          <a:lnRef idx="2">
+            <a:schemeClr val="accent1">
+              <a:shade val="50000"/>
+            </a:schemeClr>
+          </a:lnRef>
+          <a:fillRef idx="1">
+            <a:schemeClr val="accent1"/>
+          </a:fillRef>
+          <a:effectRef idx="0">
+            <a:schemeClr val="accent1"/>
+          </a:effectRef>
+          <a:fontRef idx="minor">
+            <a:schemeClr val="lt1"/>
+          </a:fontRef>
+        </p:style>
+        <p:txBody>
+          <a:bodyPr rtlCol="0" anchor="ctr"/>
+          <a:lstStyle/>
+          <a:p>
+            <a:pPr algn="ctr"/>
+            <a:endParaRPr lang="en-US"/>
+          </a:p>
+        </p:txBody>
+      </p:sp>
+      <p:grpSp>
+        <p:nvGrpSpPr>
+          <p:cNvPr id="18" name="Group 17">
+            <a:extLst>
+              <a:ext uri="{FF2B5EF4-FFF2-40B4-BE49-F238E27FC236}">
+                <a16:creationId xmlns:a16="http://schemas.microsoft.com/office/drawing/2014/main" id="{AE1C45F0-260A-458C-96ED-C1F6D2151219}"/>
+              </a:ext>
+              <a:ext uri="{C183D7F6-B498-43B3-948B-1728B52AA6E4}">
+                <adec:decorative xmlns:adec="http://schemas.microsoft.com/office/drawing/2017/decorative" val="1"/>
+              </a:ext>
+            </a:extLst>
+          </p:cNvPr>
+          <p:cNvGrpSpPr>
+            <a:grpSpLocks noGrp="1" noUngrp="1" noRot="1" noChangeAspect="1" noMove="1" noResize="1"/>
+          </p:cNvGrpSpPr>
+          <p:nvPr>
+            <p:extLst>
+              <p:ext uri="{386F3935-93C4-4BCD-93E2-E3B085C9AB24}">
+                <p16:designElem xmlns:p16="http://schemas.microsoft.com/office/powerpoint/2015/main" val="1"/>
+              </p:ext>
+            </p:extLst>
+          </p:nvPr>
+        </p:nvGrpSpPr>
+        <p:grpSpPr>
+          <a:xfrm>
+            <a:off x="4" y="1216597"/>
+            <a:ext cx="731521" cy="673460"/>
+            <a:chOff x="3940602" y="308034"/>
+            <a:chExt cx="2116791" cy="3428999"/>
+          </a:xfrm>
+          <a:solidFill>
+            <a:schemeClr val="accent4"/>
+          </a:solidFill>
+        </p:grpSpPr>
+        <p:sp>
+          <p:nvSpPr>
+            <p:cNvPr id="19" name="Rectangle 18">
+              <a:extLst>
+                <a:ext uri="{FF2B5EF4-FFF2-40B4-BE49-F238E27FC236}">
+                  <a16:creationId xmlns:a16="http://schemas.microsoft.com/office/drawing/2014/main" id="{A6604B49-AD5C-4590-B051-06C8222ECD99}"/>
+                </a:ext>
+                <a:ext uri="{C183D7F6-B498-43B3-948B-1728B52AA6E4}">
+                  <adec:decorative xmlns:adec="http://schemas.microsoft.com/office/drawing/2017/decorative" val="1"/>
+                </a:ext>
+              </a:extLst>
+            </p:cNvPr>
+            <p:cNvSpPr/>
+            <p:nvPr>
+              <p:extLst>
+                <p:ext uri="{386F3935-93C4-4BCD-93E2-E3B085C9AB24}">
+                  <p16:designElem xmlns:p16="http://schemas.microsoft.com/office/powerpoint/2015/main" val="1"/>
+                </p:ext>
+              </p:extLst>
+            </p:nvPr>
+          </p:nvSpPr>
+          <p:spPr>
+            <a:xfrm>
+              <a:off x="3940602" y="308034"/>
+              <a:ext cx="566743" cy="3428999"/>
+            </a:xfrm>
+            <a:prstGeom prst="rect">
+              <a:avLst/>
+            </a:prstGeom>
+            <a:grpFill/>
+            <a:ln>
+              <a:noFill/>
+            </a:ln>
+          </p:spPr>
+          <p:style>
+            <a:lnRef idx="2">
+              <a:schemeClr val="accent1">
+                <a:shade val="50000"/>
+              </a:schemeClr>
+            </a:lnRef>
+            <a:fillRef idx="1">
+              <a:schemeClr val="accent1"/>
+            </a:fillRef>
+            <a:effectRef idx="0">
+              <a:schemeClr val="accent1"/>
+            </a:effectRef>
+            <a:fontRef idx="minor">
+              <a:schemeClr val="lt1"/>
+            </a:fontRef>
+          </p:style>
+          <p:txBody>
+            <a:bodyPr rtlCol="0" anchor="ctr"/>
+            <a:lstStyle/>
+            <a:p>
+              <a:pPr algn="ctr"/>
+              <a:endParaRPr lang="en-US"/>
+            </a:p>
+          </p:txBody>
+        </p:sp>
+        <p:sp>
+          <p:nvSpPr>
+            <p:cNvPr id="20" name="Rectangle 19">
+              <a:extLst>
+                <a:ext uri="{FF2B5EF4-FFF2-40B4-BE49-F238E27FC236}">
+                  <a16:creationId xmlns:a16="http://schemas.microsoft.com/office/drawing/2014/main" id="{743ECCAF-29C5-4537-947C-7EA1292463DB}"/>
+                </a:ext>
+                <a:ext uri="{C183D7F6-B498-43B3-948B-1728B52AA6E4}">
+                  <adec:decorative xmlns:adec="http://schemas.microsoft.com/office/drawing/2017/decorative" val="1"/>
+                </a:ext>
+              </a:extLst>
+            </p:cNvPr>
+            <p:cNvSpPr/>
+            <p:nvPr>
+              <p:extLst>
+                <p:ext uri="{386F3935-93C4-4BCD-93E2-E3B085C9AB24}">
+                  <p16:designElem xmlns:p16="http://schemas.microsoft.com/office/powerpoint/2015/main" val="1"/>
+                </p:ext>
+              </p:extLst>
+            </p:nvPr>
+          </p:nvSpPr>
+          <p:spPr>
+            <a:xfrm>
+              <a:off x="4715626" y="308034"/>
+              <a:ext cx="566743" cy="3428999"/>
+            </a:xfrm>
+            <a:prstGeom prst="rect">
+              <a:avLst/>
+            </a:prstGeom>
+            <a:grpFill/>
+            <a:ln>
+              <a:noFill/>
+            </a:ln>
+          </p:spPr>
+          <p:style>
+            <a:lnRef idx="2">
+              <a:schemeClr val="accent1">
+                <a:shade val="50000"/>
+              </a:schemeClr>
+            </a:lnRef>
+            <a:fillRef idx="1">
+              <a:schemeClr val="accent1"/>
+            </a:fillRef>
+            <a:effectRef idx="0">
+              <a:schemeClr val="accent1"/>
+            </a:effectRef>
+            <a:fontRef idx="minor">
+              <a:schemeClr val="lt1"/>
+            </a:fontRef>
+          </p:style>
+          <p:txBody>
+            <a:bodyPr rtlCol="0" anchor="ctr"/>
+            <a:lstStyle/>
+            <a:p>
+              <a:pPr algn="ctr"/>
+              <a:endParaRPr lang="en-US"/>
+            </a:p>
+          </p:txBody>
+        </p:sp>
+        <p:sp>
+          <p:nvSpPr>
+            <p:cNvPr id="21" name="Rectangle 20">
+              <a:extLst>
+                <a:ext uri="{FF2B5EF4-FFF2-40B4-BE49-F238E27FC236}">
+                  <a16:creationId xmlns:a16="http://schemas.microsoft.com/office/drawing/2014/main" id="{ED49787B-8DE6-4467-AD0A-8DECC6E0C2D6}"/>
+                </a:ext>
+                <a:ext uri="{C183D7F6-B498-43B3-948B-1728B52AA6E4}">
+                  <adec:decorative xmlns:adec="http://schemas.microsoft.com/office/drawing/2017/decorative" val="1"/>
+                </a:ext>
+              </a:extLst>
+            </p:cNvPr>
+            <p:cNvSpPr/>
+            <p:nvPr>
+              <p:extLst>
+                <p:ext uri="{386F3935-93C4-4BCD-93E2-E3B085C9AB24}">
+                  <p16:designElem xmlns:p16="http://schemas.microsoft.com/office/powerpoint/2015/main" val="1"/>
+                </p:ext>
+              </p:extLst>
+            </p:nvPr>
+          </p:nvSpPr>
+          <p:spPr>
+            <a:xfrm>
+              <a:off x="5490650" y="308034"/>
+              <a:ext cx="566743" cy="3428999"/>
+            </a:xfrm>
+            <a:prstGeom prst="rect">
+              <a:avLst/>
+            </a:prstGeom>
+            <a:grpFill/>
+            <a:ln>
+              <a:noFill/>
+            </a:ln>
+          </p:spPr>
+          <p:style>
+            <a:lnRef idx="2">
+              <a:schemeClr val="accent1">
+                <a:shade val="50000"/>
+              </a:schemeClr>
+            </a:lnRef>
+            <a:fillRef idx="1">
+              <a:schemeClr val="accent1"/>
+            </a:fillRef>
+            <a:effectRef idx="0">
+              <a:schemeClr val="accent1"/>
+            </a:effectRef>
+            <a:fontRef idx="minor">
+              <a:schemeClr val="lt1"/>
+            </a:fontRef>
+          </p:style>
+          <p:txBody>
+            <a:bodyPr rtlCol="0" anchor="ctr"/>
+            <a:lstStyle/>
+            <a:p>
+              <a:pPr algn="ctr"/>
+              <a:endParaRPr lang="en-US"/>
+            </a:p>
+          </p:txBody>
+        </p:sp>
+      </p:grpSp>
+      <p:sp>
+        <p:nvSpPr>
+          <p:cNvPr id="23" name="Rectangle 22">
+            <a:extLst>
+              <a:ext uri="{FF2B5EF4-FFF2-40B4-BE49-F238E27FC236}">
+                <a16:creationId xmlns:a16="http://schemas.microsoft.com/office/drawing/2014/main" id="{D5B0017B-2ECA-49AF-B397-DC140825DF8D}"/>
+              </a:ext>
+              <a:ext uri="{C183D7F6-B498-43B3-948B-1728B52AA6E4}">
+                <adec:decorative xmlns:adec="http://schemas.microsoft.com/office/drawing/2017/decorative" val="1"/>
+              </a:ext>
+            </a:extLst>
+          </p:cNvPr>
+          <p:cNvSpPr>
+            <a:spLocks noGrp="1" noRot="1" noChangeAspect="1" noMove="1" noResize="1" noEditPoints="1" noAdjustHandles="1" noChangeArrowheads="1" noChangeShapeType="1" noTextEdit="1"/>
+          </p:cNvSpPr>
+          <p:nvPr>
+            <p:extLst>
+              <p:ext uri="{386F3935-93C4-4BCD-93E2-E3B085C9AB24}">
+                <p16:designElem xmlns:p16="http://schemas.microsoft.com/office/powerpoint/2015/main" val="1"/>
+              </p:ext>
+            </p:extLst>
+          </p:nvPr>
+        </p:nvSpPr>
+        <p:spPr>
+          <a:xfrm>
+            <a:off x="640079" y="613954"/>
+            <a:ext cx="10907487" cy="1894116"/>
+          </a:xfrm>
+          <a:prstGeom prst="rect">
+            <a:avLst/>
+          </a:prstGeom>
+          <a:solidFill>
+            <a:schemeClr val="bg1"/>
+          </a:solidFill>
+          <a:ln>
+            <a:noFill/>
+          </a:ln>
+          <a:effectLst>
+            <a:outerShdw blurRad="139700" dist="127000" dir="5400000" algn="t" rotWithShape="0">
+              <a:prstClr val="black">
+                <a:alpha val="15000"/>
+              </a:prstClr>
+            </a:outerShdw>
+          </a:effectLst>
+        </p:spPr>
+        <p:style>
+          <a:lnRef idx="2">
+            <a:schemeClr val="accent1">
+              <a:shade val="50000"/>
+            </a:schemeClr>
+          </a:lnRef>
+          <a:fillRef idx="1">
+            <a:schemeClr val="accent1"/>
+          </a:fillRef>
+          <a:effectRef idx="0">
+            <a:schemeClr val="accent1"/>
+          </a:effectRef>
+          <a:fontRef idx="minor">
+            <a:schemeClr val="lt1"/>
+          </a:fontRef>
+        </p:style>
+        <p:txBody>
+          <a:bodyPr rtlCol="0" anchor="ctr"/>
+          <a:lstStyle/>
+          <a:p>
+            <a:pPr algn="ctr"/>
+            <a:endParaRPr lang="en-US"/>
+          </a:p>
+        </p:txBody>
+      </p:sp>
+      <p:sp>
+        <p:nvSpPr>
+          <p:cNvPr id="2" name="Titel 1">
+            <a:extLst>
+              <a:ext uri="{FF2B5EF4-FFF2-40B4-BE49-F238E27FC236}">
+                <a16:creationId xmlns:a16="http://schemas.microsoft.com/office/drawing/2014/main" id="{3147E073-B728-4DA5-8BAB-36A3E20ABE81}"/>
+              </a:ext>
+            </a:extLst>
+          </p:cNvPr>
+          <p:cNvSpPr>
+            <a:spLocks noGrp="1"/>
+          </p:cNvSpPr>
+          <p:nvPr>
+            <p:ph type="title"/>
+          </p:nvPr>
+        </p:nvSpPr>
+        <p:spPr>
+          <a:xfrm>
+            <a:off x="1043631" y="809898"/>
+            <a:ext cx="9942716" cy="1554480"/>
+          </a:xfrm>
+        </p:spPr>
+        <p:txBody>
+          <a:bodyPr vert="horz" lIns="91440" tIns="45720" rIns="91440" bIns="45720" rtlCol="0" anchor="ctr">
+            <a:normAutofit/>
+          </a:bodyPr>
+          <a:lstStyle/>
+          <a:p>
+            <a:r>
+              <a:rPr lang="en-US" sz="4800" kern="1200">
+                <a:solidFill>
+                  <a:schemeClr val="tx1"/>
+                </a:solidFill>
+                <a:latin typeface="+mj-lt"/>
+                <a:ea typeface="+mj-ea"/>
+                <a:cs typeface="+mj-cs"/>
+              </a:rPr>
+              <a:t>Verifikation &amp; Ergebnisse</a:t>
+            </a:r>
+          </a:p>
+        </p:txBody>
+      </p:sp>
+      <p:sp>
+        <p:nvSpPr>
+          <p:cNvPr id="11" name="Inhaltsplatzhalter 10">
+            <a:extLst>
+              <a:ext uri="{FF2B5EF4-FFF2-40B4-BE49-F238E27FC236}">
+                <a16:creationId xmlns:a16="http://schemas.microsoft.com/office/drawing/2014/main" id="{BDCA038B-2454-42A2-9817-DBF5912B0686}"/>
+              </a:ext>
+            </a:extLst>
+          </p:cNvPr>
+          <p:cNvSpPr>
+            <a:spLocks noGrp="1"/>
+          </p:cNvSpPr>
+          <p:nvPr>
+            <p:ph idx="1"/>
+          </p:nvPr>
+        </p:nvSpPr>
+        <p:spPr>
+          <a:xfrm>
+            <a:off x="1045028" y="3017522"/>
+            <a:ext cx="9941319" cy="3124658"/>
+          </a:xfrm>
+        </p:spPr>
+        <p:txBody>
+          <a:bodyPr vert="horz" lIns="91440" tIns="45720" rIns="91440" bIns="45720" rtlCol="0" anchor="ctr">
+            <a:normAutofit/>
+          </a:bodyPr>
+          <a:lstStyle/>
+          <a:p>
+            <a:r>
+              <a:rPr lang="en-US" sz="1700" dirty="0" err="1"/>
+              <a:t>Zusätzliche</a:t>
+            </a:r>
+            <a:r>
+              <a:rPr lang="en-US" sz="1700" dirty="0"/>
+              <a:t> </a:t>
+            </a:r>
+            <a:r>
+              <a:rPr lang="en-US" sz="1700" dirty="0" err="1"/>
+              <a:t>Testaufteilung</a:t>
+            </a:r>
+            <a:r>
+              <a:rPr lang="en-US" sz="1700" dirty="0"/>
+              <a:t> in </a:t>
+            </a:r>
+            <a:r>
+              <a:rPr lang="en-US" sz="1700" dirty="0" err="1"/>
+              <a:t>Detailklassen</a:t>
+            </a:r>
+            <a:endParaRPr lang="en-US" sz="1700" dirty="0"/>
+          </a:p>
+          <a:p>
+            <a:r>
+              <a:rPr lang="en-US" sz="1700" dirty="0" err="1"/>
+              <a:t>Mögliche</a:t>
+            </a:r>
+            <a:r>
+              <a:rPr lang="en-US" sz="1700" dirty="0"/>
+              <a:t> </a:t>
+            </a:r>
+            <a:r>
+              <a:rPr lang="en-US" sz="1700" dirty="0" err="1"/>
+              <a:t>Verbesserungen</a:t>
+            </a:r>
+            <a:r>
+              <a:rPr lang="en-US" sz="1700" dirty="0"/>
+              <a:t>:</a:t>
+            </a:r>
+          </a:p>
+          <a:p>
+            <a:pPr lvl="1"/>
+            <a:r>
+              <a:rPr lang="en-US" sz="1700" dirty="0" err="1"/>
+              <a:t>Mehr</a:t>
+            </a:r>
+            <a:r>
+              <a:rPr lang="en-US" sz="1700" dirty="0"/>
+              <a:t> </a:t>
+            </a:r>
+            <a:r>
+              <a:rPr lang="en-US" sz="1700" dirty="0" err="1"/>
+              <a:t>Trainingsdaten</a:t>
+            </a:r>
+            <a:r>
+              <a:rPr lang="en-US" sz="1700" dirty="0"/>
+              <a:t> </a:t>
+            </a:r>
+          </a:p>
+          <a:p>
+            <a:pPr lvl="1"/>
+            <a:r>
+              <a:rPr lang="en-US" sz="1700" dirty="0" err="1"/>
+              <a:t>Trainingsdatensatz</a:t>
+            </a:r>
+            <a:r>
+              <a:rPr lang="en-US" sz="1700" dirty="0"/>
+              <a:t> </a:t>
+            </a:r>
+            <a:r>
+              <a:rPr lang="en-US" sz="1700" dirty="0" err="1"/>
+              <a:t>künstlich</a:t>
+            </a:r>
+            <a:r>
+              <a:rPr lang="en-US" sz="1700" dirty="0"/>
+              <a:t> </a:t>
+            </a:r>
+            <a:r>
+              <a:rPr lang="en-US" sz="1700" dirty="0" err="1"/>
+              <a:t>erweitern</a:t>
+            </a:r>
+            <a:endParaRPr lang="en-US" sz="1700" dirty="0"/>
+          </a:p>
+          <a:p>
+            <a:pPr lvl="1"/>
+            <a:r>
+              <a:rPr lang="en-US" sz="1700" dirty="0"/>
+              <a:t>Rotation der </a:t>
+            </a:r>
+            <a:r>
+              <a:rPr lang="en-US" sz="1700" dirty="0" err="1"/>
+              <a:t>Figur</a:t>
+            </a:r>
+            <a:r>
+              <a:rPr lang="en-US" sz="1700" dirty="0"/>
+              <a:t> bevor Labeling</a:t>
+            </a:r>
+          </a:p>
+          <a:p>
+            <a:pPr lvl="1"/>
+            <a:endParaRPr lang="en-US" sz="1700" dirty="0"/>
+          </a:p>
+          <a:p>
+            <a:pPr lvl="1"/>
+            <a:endParaRPr lang="en-US" sz="1700" dirty="0"/>
+          </a:p>
+          <a:p>
+            <a:pPr marL="0" indent="0">
+              <a:buNone/>
+            </a:pPr>
+            <a:endParaRPr lang="en-US" sz="1700" dirty="0"/>
+          </a:p>
+          <a:p>
+            <a:pPr marL="0"/>
+            <a:r>
+              <a:rPr lang="en-US" sz="1700" dirty="0"/>
+              <a:t>       Live-Demonstration </a:t>
+            </a:r>
+            <a:r>
+              <a:rPr lang="en-US" sz="1700" dirty="0" err="1"/>
+              <a:t>mit</a:t>
+            </a:r>
+            <a:r>
+              <a:rPr lang="en-US" sz="1700" dirty="0"/>
+              <a:t> Jupiter Notebook</a:t>
+            </a:r>
+          </a:p>
+        </p:txBody>
+      </p:sp>
+      <p:cxnSp>
+        <p:nvCxnSpPr>
+          <p:cNvPr id="25" name="Straight Connector 24">
+            <a:extLst>
+              <a:ext uri="{FF2B5EF4-FFF2-40B4-BE49-F238E27FC236}">
+                <a16:creationId xmlns:a16="http://schemas.microsoft.com/office/drawing/2014/main" id="{6CF1BAF6-AD41-4082-B212-8A1F9A2E8779}"/>
+              </a:ext>
+              <a:ext uri="{C183D7F6-B498-43B3-948B-1728B52AA6E4}">
+                <adec:decorative xmlns:adec="http://schemas.microsoft.com/office/drawing/2017/decorative" val="1"/>
+              </a:ext>
+            </a:extLst>
+          </p:cNvPr>
+          <p:cNvCxnSpPr>
+            <a:cxnSpLocks noGrp="1" noRot="1" noChangeAspect="1" noMove="1" noResize="1" noEditPoints="1" noAdjustHandles="1" noChangeArrowheads="1" noChangeShapeType="1"/>
+          </p:cNvCxnSpPr>
+          <p:nvPr>
+            <p:extLst>
+              <p:ext uri="{386F3935-93C4-4BCD-93E2-E3B085C9AB24}">
+                <p16:designElem xmlns:p16="http://schemas.microsoft.com/office/powerpoint/2015/main" val="1"/>
+              </p:ext>
+            </p:extLst>
+          </p:nvPr>
+        </p:nvCxnSpPr>
+        <p:spPr>
+          <a:xfrm flipH="1">
+            <a:off x="838200" y="6485313"/>
+            <a:ext cx="10515600" cy="0"/>
+          </a:xfrm>
+          <a:prstGeom prst="line">
+            <a:avLst/>
+          </a:prstGeom>
+          <a:ln w="57150">
+            <a:solidFill>
+              <a:schemeClr val="accent4"/>
+            </a:solidFill>
+          </a:ln>
+        </p:spPr>
+        <p:style>
+          <a:lnRef idx="1">
+            <a:schemeClr val="accent1"/>
+          </a:lnRef>
+          <a:fillRef idx="0">
+            <a:schemeClr val="accent1"/>
+          </a:fillRef>
+          <a:effectRef idx="0">
+            <a:schemeClr val="accent1"/>
+          </a:effectRef>
+          <a:fontRef idx="minor">
+            <a:schemeClr val="tx1"/>
+          </a:fontRef>
+        </p:style>
+      </p:cxnSp>
+      <p:sp>
+        <p:nvSpPr>
+          <p:cNvPr id="9" name="Pfeil: nach rechts 8">
+            <a:extLst>
+              <a:ext uri="{FF2B5EF4-FFF2-40B4-BE49-F238E27FC236}">
+                <a16:creationId xmlns:a16="http://schemas.microsoft.com/office/drawing/2014/main" id="{EF160A5D-13C6-4497-867D-1669D161BFCF}"/>
+              </a:ext>
+            </a:extLst>
+          </p:cNvPr>
+          <p:cNvSpPr/>
+          <p:nvPr/>
+        </p:nvSpPr>
+        <p:spPr>
+          <a:xfrm>
+            <a:off x="829690" y="5574653"/>
+            <a:ext cx="751926" cy="555143"/>
+          </a:xfrm>
+          <a:prstGeom prst="rightArrow">
+            <a:avLst/>
+          </a:prstGeom>
+          <a:gradFill flip="none" rotWithShape="1">
+            <a:gsLst>
+              <a:gs pos="0">
+                <a:schemeClr val="accent6">
+                  <a:lumMod val="67000"/>
+                </a:schemeClr>
+              </a:gs>
+              <a:gs pos="48000">
+                <a:schemeClr val="accent6">
+                  <a:lumMod val="97000"/>
+                  <a:lumOff val="3000"/>
+                </a:schemeClr>
+              </a:gs>
+              <a:gs pos="100000">
+                <a:schemeClr val="accent6">
+                  <a:lumMod val="60000"/>
+                  <a:lumOff val="40000"/>
+                </a:schemeClr>
+              </a:gs>
+            </a:gsLst>
+            <a:lin ang="16200000" scaled="1"/>
+            <a:tileRect/>
+          </a:gradFill>
+          <a:ln>
+            <a:noFill/>
+          </a:ln>
+        </p:spPr>
+        <p:style>
+          <a:lnRef idx="0">
+            <a:scrgbClr r="0" g="0" b="0"/>
+          </a:lnRef>
+          <a:fillRef idx="0">
+            <a:scrgbClr r="0" g="0" b="0"/>
+          </a:fillRef>
+          <a:effectRef idx="0">
+            <a:scrgbClr r="0" g="0" b="0"/>
+          </a:effectRef>
+          <a:fontRef idx="minor">
+            <a:schemeClr val="lt1"/>
+          </a:fontRef>
+        </p:style>
+        <p:txBody>
+          <a:bodyPr rtlCol="0" anchor="ctr"/>
+          <a:lstStyle/>
+          <a:p>
+            <a:pPr algn="ctr">
+              <a:spcAft>
+                <a:spcPts val="600"/>
+              </a:spcAft>
+            </a:pPr>
+            <a:r>
+              <a:rPr lang="de-AT" dirty="0"/>
+              <a:t> </a:t>
+            </a:r>
+            <a:endParaRPr lang="de-AT"/>
+          </a:p>
+        </p:txBody>
+      </p:sp>
+      <p:pic>
+        <p:nvPicPr>
+          <p:cNvPr id="22" name="Inhaltsplatzhalter 6">
+            <a:extLst>
+              <a:ext uri="{FF2B5EF4-FFF2-40B4-BE49-F238E27FC236}">
+                <a16:creationId xmlns:a16="http://schemas.microsoft.com/office/drawing/2014/main" id="{48043F49-7FF6-4039-AAB0-E762A2BCA2BA}"/>
               </a:ext>
             </a:extLst>
           </p:cNvPr>
@@ -9481,97 +10889,60 @@
         </p:blipFill>
         <p:spPr>
           <a:xfrm>
-            <a:off x="838200" y="2376487"/>
-            <a:ext cx="4714875" cy="4048125"/>
+            <a:off x="1205653" y="4901731"/>
+            <a:ext cx="2352675" cy="381000"/>
+          </a:xfrm>
+          <a:prstGeom prst="round2DiagRect">
+            <a:avLst>
+              <a:gd name="adj1" fmla="val 16667"/>
+              <a:gd name="adj2" fmla="val 0"/>
+            </a:avLst>
+          </a:prstGeom>
+          <a:ln w="88900" cap="sq">
+            <a:solidFill>
+              <a:srgbClr val="FFFFFF"/>
+            </a:solidFill>
+            <a:miter lim="800000"/>
+          </a:ln>
+          <a:effectLst>
+            <a:outerShdw blurRad="254000" algn="tl" rotWithShape="0">
+              <a:srgbClr val="000000">
+                <a:alpha val="43000"/>
+              </a:srgbClr>
+            </a:outerShdw>
+          </a:effectLst>
+        </p:spPr>
+      </p:pic>
+      <p:pic>
+        <p:nvPicPr>
+          <p:cNvPr id="24" name="Grafik 23">
+            <a:extLst>
+              <a:ext uri="{FF2B5EF4-FFF2-40B4-BE49-F238E27FC236}">
+                <a16:creationId xmlns:a16="http://schemas.microsoft.com/office/drawing/2014/main" id="{C5611C75-9007-4CAC-AB0E-65E27CB93E6F}"/>
+              </a:ext>
+            </a:extLst>
+          </p:cNvPr>
+          <p:cNvPicPr>
+            <a:picLocks noChangeAspect="1"/>
+          </p:cNvPicPr>
+          <p:nvPr/>
+        </p:nvPicPr>
+        <p:blipFill>
+          <a:blip r:embed="rId3"/>
+          <a:stretch>
+            <a:fillRect/>
+          </a:stretch>
+        </p:blipFill>
+        <p:spPr>
+          <a:xfrm>
+            <a:off x="5602790" y="2740315"/>
+            <a:ext cx="3270622" cy="3496641"/>
           </a:xfrm>
           <a:prstGeom prst="rect">
             <a:avLst/>
           </a:prstGeom>
         </p:spPr>
       </p:pic>
-    </p:spTree>
-    <p:extLst>
-      <p:ext uri="{BB962C8B-B14F-4D97-AF65-F5344CB8AC3E}">
-        <p14:creationId xmlns:p14="http://schemas.microsoft.com/office/powerpoint/2010/main" val="3562475818"/>
-      </p:ext>
-    </p:extLst>
-  </p:cSld>
-  <p:clrMapOvr>
-    <a:masterClrMapping/>
-  </p:clrMapOvr>
-</p:sld>
-</file>
-
-<file path=ppt/slides/slide11.xml><?xml version="1.0" encoding="utf-8"?>
-<p:sld xmlns:a="http://schemas.openxmlformats.org/drawingml/2006/main" xmlns:r="http://schemas.openxmlformats.org/officeDocument/2006/relationships" xmlns:p="http://schemas.openxmlformats.org/presentationml/2006/main">
-  <p:cSld>
-    <p:spTree>
-      <p:nvGrpSpPr>
-        <p:cNvPr id="1" name=""/>
-        <p:cNvGrpSpPr/>
-        <p:nvPr/>
-      </p:nvGrpSpPr>
-      <p:grpSpPr>
-        <a:xfrm>
-          <a:off x="0" y="0"/>
-          <a:ext cx="0" cy="0"/>
-          <a:chOff x="0" y="0"/>
-          <a:chExt cx="0" cy="0"/>
-        </a:xfrm>
-      </p:grpSpPr>
-      <p:sp>
-        <p:nvSpPr>
-          <p:cNvPr id="2" name="Titel 1">
-            <a:extLst>
-              <a:ext uri="{FF2B5EF4-FFF2-40B4-BE49-F238E27FC236}">
-                <a16:creationId xmlns:a16="http://schemas.microsoft.com/office/drawing/2014/main" id="{3147E073-B728-4DA5-8BAB-36A3E20ABE81}"/>
-              </a:ext>
-            </a:extLst>
-          </p:cNvPr>
-          <p:cNvSpPr>
-            <a:spLocks noGrp="1"/>
-          </p:cNvSpPr>
-          <p:nvPr>
-            <p:ph type="title"/>
-          </p:nvPr>
-        </p:nvSpPr>
-        <p:spPr/>
-        <p:txBody>
-          <a:bodyPr/>
-          <a:lstStyle/>
-          <a:p>
-            <a:r>
-              <a:rPr lang="de-AT" dirty="0"/>
-              <a:t>Auswertung &amp; Ergebnisse</a:t>
-            </a:r>
-          </a:p>
-        </p:txBody>
-      </p:sp>
-      <p:sp>
-        <p:nvSpPr>
-          <p:cNvPr id="3" name="Inhaltsplatzhalter 2">
-            <a:extLst>
-              <a:ext uri="{FF2B5EF4-FFF2-40B4-BE49-F238E27FC236}">
-                <a16:creationId xmlns:a16="http://schemas.microsoft.com/office/drawing/2014/main" id="{0647D7BC-2CCF-4012-AAEB-E722C0346842}"/>
-              </a:ext>
-            </a:extLst>
-          </p:cNvPr>
-          <p:cNvSpPr>
-            <a:spLocks noGrp="1"/>
-          </p:cNvSpPr>
-          <p:nvPr>
-            <p:ph idx="1"/>
-          </p:nvPr>
-        </p:nvSpPr>
-        <p:spPr/>
-        <p:txBody>
-          <a:bodyPr/>
-          <a:lstStyle/>
-          <a:p>
-            <a:endParaRPr lang="de-AT"/>
-          </a:p>
-        </p:txBody>
-      </p:sp>
     </p:spTree>
     <p:extLst>
       <p:ext uri="{BB962C8B-B14F-4D97-AF65-F5344CB8AC3E}">
@@ -9934,7 +11305,7 @@
           <p:nvPr>
             <p:extLst>
               <p:ext uri="{D42A27DB-BD31-4B8C-83A1-F6EECF244321}">
-                <p14:modId xmlns:p14="http://schemas.microsoft.com/office/powerpoint/2010/main" val="1807970556"/>
+                <p14:modId xmlns:p14="http://schemas.microsoft.com/office/powerpoint/2010/main" val="173105132"/>
               </p:ext>
             </p:extLst>
           </p:nvPr>
@@ -10499,15 +11870,59 @@
           </a:lstStyle>
           <a:p>
             <a:r>
-              <a:rPr lang="en-US" sz="2000"/>
-              <a:t>Kompensieren des Hintergrund mittels Shadding </a:t>
+              <a:rPr lang="en-US" sz="2000" dirty="0" err="1"/>
+              <a:t>Kompensieren</a:t>
+            </a:r>
+            <a:r>
+              <a:rPr lang="en-US" sz="2000" dirty="0"/>
+              <a:t> des </a:t>
+            </a:r>
+            <a:r>
+              <a:rPr lang="en-US" sz="2000" dirty="0" err="1"/>
+              <a:t>Hintergrunds</a:t>
+            </a:r>
+            <a:r>
+              <a:rPr lang="en-US" sz="2000" dirty="0"/>
+              <a:t> </a:t>
+            </a:r>
+            <a:r>
+              <a:rPr lang="en-US" sz="2000" dirty="0" err="1"/>
+              <a:t>mittels</a:t>
+            </a:r>
+            <a:r>
+              <a:rPr lang="en-US" sz="2000" dirty="0"/>
+              <a:t> </a:t>
+            </a:r>
+            <a:r>
+              <a:rPr lang="en-US" sz="2000" dirty="0" err="1"/>
+              <a:t>Shadding</a:t>
+            </a:r>
+            <a:r>
+              <a:rPr lang="en-US" sz="2000" dirty="0"/>
+              <a:t> </a:t>
             </a:r>
           </a:p>
           <a:p>
             <a:pPr lvl="1"/>
             <a:r>
-              <a:rPr lang="en-US" sz="2000"/>
-              <a:t>Division des Hintergrunds vom Original-Bild</a:t>
+              <a:rPr lang="en-US" sz="2000" dirty="0"/>
+              <a:t>Division des </a:t>
+            </a:r>
+            <a:r>
+              <a:rPr lang="en-US" sz="2000" dirty="0" err="1"/>
+              <a:t>Hintergrunds</a:t>
+            </a:r>
+            <a:r>
+              <a:rPr lang="en-US" sz="2000" dirty="0"/>
+              <a:t> </a:t>
+            </a:r>
+            <a:r>
+              <a:rPr lang="en-US" sz="2000" dirty="0" err="1"/>
+              <a:t>vom</a:t>
+            </a:r>
+            <a:r>
+              <a:rPr lang="en-US" sz="2000" dirty="0"/>
+              <a:t> Original-Bild</a:t>
             </a:r>
           </a:p>
         </p:txBody>
@@ -10807,18 +12222,42 @@
           <a:prstGeom prst="rightArrow">
             <a:avLst/>
           </a:prstGeom>
+          <a:gradFill flip="none" rotWithShape="1">
+            <a:gsLst>
+              <a:gs pos="0">
+                <a:schemeClr val="accent6">
+                  <a:lumMod val="67000"/>
+                </a:schemeClr>
+              </a:gs>
+              <a:gs pos="48000">
+                <a:schemeClr val="accent6">
+                  <a:lumMod val="97000"/>
+                  <a:lumOff val="3000"/>
+                </a:schemeClr>
+              </a:gs>
+              <a:gs pos="100000">
+                <a:schemeClr val="accent6">
+                  <a:lumMod val="60000"/>
+                  <a:lumOff val="40000"/>
+                </a:schemeClr>
+              </a:gs>
+            </a:gsLst>
+            <a:lin ang="16200000" scaled="1"/>
+            <a:tileRect/>
+          </a:gradFill>
+          <a:ln>
+            <a:noFill/>
+          </a:ln>
         </p:spPr>
         <p:style>
-          <a:lnRef idx="2">
-            <a:schemeClr val="accent1">
-              <a:shade val="50000"/>
-            </a:schemeClr>
+          <a:lnRef idx="0">
+            <a:scrgbClr r="0" g="0" b="0"/>
           </a:lnRef>
-          <a:fillRef idx="1">
-            <a:schemeClr val="accent1"/>
+          <a:fillRef idx="0">
+            <a:scrgbClr r="0" g="0" b="0"/>
           </a:fillRef>
           <a:effectRef idx="0">
-            <a:schemeClr val="accent1"/>
+            <a:scrgbClr r="0" g="0" b="0"/>
           </a:effectRef>
           <a:fontRef idx="minor">
             <a:schemeClr val="lt1"/>
@@ -11128,55 +12567,89 @@
           <a:lstStyle/>
           <a:p>
             <a:r>
-              <a:rPr lang="de-AT" sz="2000"/>
+              <a:rPr lang="de-AT" sz="2000" dirty="0"/>
               <a:t>Verwendung von AI</a:t>
             </a:r>
           </a:p>
           <a:p>
             <a:r>
-              <a:rPr lang="de-AT" sz="2000"/>
+              <a:rPr lang="de-AT" sz="2000" dirty="0"/>
               <a:t>Aufteilung der Daten</a:t>
             </a:r>
           </a:p>
           <a:p>
             <a:pPr lvl="1"/>
             <a:r>
-              <a:rPr lang="de-AT" sz="2000"/>
+              <a:rPr lang="de-AT" sz="2000" dirty="0"/>
               <a:t>80% Training</a:t>
             </a:r>
           </a:p>
           <a:p>
             <a:pPr lvl="1"/>
             <a:r>
-              <a:rPr lang="de-AT" sz="2000"/>
+              <a:rPr lang="de-AT" sz="2000" dirty="0"/>
               <a:t>20% Test</a:t>
             </a:r>
           </a:p>
           <a:p>
             <a:r>
-              <a:rPr lang="de-AT" sz="2000"/>
-              <a:t>Manuelles Labeling in 3 Klassen</a:t>
+              <a:rPr lang="de-AT" sz="2000" dirty="0"/>
+              <a:t>Manuelles </a:t>
+            </a:r>
+            <a:r>
+              <a:rPr lang="de-AT" sz="2000" dirty="0" err="1"/>
+              <a:t>Labeling</a:t>
+            </a:r>
+            <a:r>
+              <a:rPr lang="de-AT" sz="2000" dirty="0"/>
+              <a:t> für 3 Klassen</a:t>
             </a:r>
           </a:p>
           <a:p>
             <a:pPr lvl="1"/>
             <a:r>
-              <a:rPr lang="de-AT" sz="2000"/>
-              <a:t>Indiana Jones</a:t>
+              <a:rPr lang="de-AT" sz="2000" dirty="0"/>
+              <a:t>„Indiana Jones“</a:t>
             </a:r>
           </a:p>
           <a:p>
             <a:pPr lvl="1"/>
             <a:r>
-              <a:rPr lang="de-AT" sz="2000"/>
-              <a:t>Unknown Guy</a:t>
+              <a:rPr lang="de-AT" sz="2000" dirty="0"/>
+              <a:t>„</a:t>
+            </a:r>
+            <a:r>
+              <a:rPr lang="de-AT" sz="2000" dirty="0" err="1"/>
+              <a:t>Unknown</a:t>
+            </a:r>
+            <a:r>
+              <a:rPr lang="de-AT" sz="2000" dirty="0"/>
+              <a:t> Guy“</a:t>
             </a:r>
           </a:p>
           <a:p>
             <a:pPr lvl="1"/>
             <a:r>
-              <a:rPr lang="de-AT" sz="2000"/>
-              <a:t>Unknown Girl</a:t>
+              <a:rPr lang="de-AT" sz="2000" dirty="0"/>
+              <a:t>„</a:t>
+            </a:r>
+            <a:r>
+              <a:rPr lang="de-AT" sz="2000" dirty="0" err="1"/>
+              <a:t>Unknown</a:t>
+            </a:r>
+            <a:r>
+              <a:rPr lang="de-AT" sz="2000" dirty="0"/>
+              <a:t> Girl“</a:t>
+            </a:r>
+          </a:p>
+          <a:p>
+            <a:r>
+              <a:rPr lang="de-AT" sz="2000" dirty="0" err="1"/>
+              <a:t>Labeling</a:t>
+            </a:r>
+            <a:r>
+              <a:rPr lang="de-AT" sz="2000" dirty="0"/>
+              <a:t>-Prozess ~1h</a:t>
             </a:r>
           </a:p>
         </p:txBody>
@@ -11289,6 +12762,14 @@
 <file path=ppt/slides/slide5.xml><?xml version="1.0" encoding="utf-8"?>
 <p:sld xmlns:a="http://schemas.openxmlformats.org/drawingml/2006/main" xmlns:r="http://schemas.openxmlformats.org/officeDocument/2006/relationships" xmlns:p="http://schemas.openxmlformats.org/presentationml/2006/main">
   <p:cSld>
+    <p:bg>
+      <p:bgPr>
+        <a:solidFill>
+          <a:schemeClr val="bg1"/>
+        </a:solidFill>
+        <a:effectLst/>
+      </p:bgPr>
+    </p:bg>
     <p:spTree>
       <p:nvGrpSpPr>
         <p:cNvPr id="1" name=""/>
@@ -11303,6 +12784,348 @@
           <a:chExt cx="0" cy="0"/>
         </a:xfrm>
       </p:grpSpPr>
+      <p:sp useBgFill="1">
+        <p:nvSpPr>
+          <p:cNvPr id="26" name="Rectangle 25">
+            <a:extLst>
+              <a:ext uri="{FF2B5EF4-FFF2-40B4-BE49-F238E27FC236}">
+                <a16:creationId xmlns:a16="http://schemas.microsoft.com/office/drawing/2014/main" id="{F5A5F1D7-F0D0-4687-9BD3-CA6A0714C634}"/>
+              </a:ext>
+              <a:ext uri="{C183D7F6-B498-43B3-948B-1728B52AA6E4}">
+                <adec:decorative xmlns:adec="http://schemas.microsoft.com/office/drawing/2017/decorative" val="1"/>
+              </a:ext>
+            </a:extLst>
+          </p:cNvPr>
+          <p:cNvSpPr>
+            <a:spLocks noGrp="1" noRot="1" noChangeAspect="1" noMove="1" noResize="1" noEditPoints="1" noAdjustHandles="1" noChangeArrowheads="1" noChangeShapeType="1" noTextEdit="1"/>
+          </p:cNvSpPr>
+          <p:nvPr>
+            <p:extLst>
+              <p:ext uri="{386F3935-93C4-4BCD-93E2-E3B085C9AB24}">
+                <p16:designElem xmlns:p16="http://schemas.microsoft.com/office/powerpoint/2015/main" val="1"/>
+              </p:ext>
+            </p:extLst>
+          </p:nvPr>
+        </p:nvSpPr>
+        <p:spPr>
+          <a:xfrm>
+            <a:off x="0" y="0"/>
+            <a:ext cx="12191999" cy="6857365"/>
+          </a:xfrm>
+          <a:prstGeom prst="rect">
+            <a:avLst/>
+          </a:prstGeom>
+          <a:ln>
+            <a:noFill/>
+          </a:ln>
+        </p:spPr>
+        <p:style>
+          <a:lnRef idx="2">
+            <a:schemeClr val="accent1">
+              <a:shade val="50000"/>
+            </a:schemeClr>
+          </a:lnRef>
+          <a:fillRef idx="1">
+            <a:schemeClr val="accent1"/>
+          </a:fillRef>
+          <a:effectRef idx="0">
+            <a:schemeClr val="accent1"/>
+          </a:effectRef>
+          <a:fontRef idx="minor">
+            <a:schemeClr val="lt1"/>
+          </a:fontRef>
+        </p:style>
+        <p:txBody>
+          <a:bodyPr rtlCol="0" anchor="ctr"/>
+          <a:lstStyle/>
+          <a:p>
+            <a:pPr algn="ctr"/>
+            <a:endParaRPr lang="en-US"/>
+          </a:p>
+        </p:txBody>
+      </p:sp>
+      <p:grpSp>
+        <p:nvGrpSpPr>
+          <p:cNvPr id="28" name="Group 27">
+            <a:extLst>
+              <a:ext uri="{FF2B5EF4-FFF2-40B4-BE49-F238E27FC236}">
+                <a16:creationId xmlns:a16="http://schemas.microsoft.com/office/drawing/2014/main" id="{AE1C45F0-260A-458C-96ED-C1F6D2151219}"/>
+              </a:ext>
+              <a:ext uri="{C183D7F6-B498-43B3-948B-1728B52AA6E4}">
+                <adec:decorative xmlns:adec="http://schemas.microsoft.com/office/drawing/2017/decorative" val="1"/>
+              </a:ext>
+            </a:extLst>
+          </p:cNvPr>
+          <p:cNvGrpSpPr>
+            <a:grpSpLocks noGrp="1" noUngrp="1" noRot="1" noChangeAspect="1" noMove="1" noResize="1"/>
+          </p:cNvGrpSpPr>
+          <p:nvPr>
+            <p:extLst>
+              <p:ext uri="{386F3935-93C4-4BCD-93E2-E3B085C9AB24}">
+                <p16:designElem xmlns:p16="http://schemas.microsoft.com/office/powerpoint/2015/main" val="1"/>
+              </p:ext>
+            </p:extLst>
+          </p:nvPr>
+        </p:nvGrpSpPr>
+        <p:grpSpPr>
+          <a:xfrm>
+            <a:off x="4" y="1062849"/>
+            <a:ext cx="731521" cy="673460"/>
+            <a:chOff x="3940602" y="308034"/>
+            <a:chExt cx="2116791" cy="3428999"/>
+          </a:xfrm>
+          <a:solidFill>
+            <a:schemeClr val="accent4"/>
+          </a:solidFill>
+        </p:grpSpPr>
+        <p:sp>
+          <p:nvSpPr>
+            <p:cNvPr id="29" name="Rectangle 28">
+              <a:extLst>
+                <a:ext uri="{FF2B5EF4-FFF2-40B4-BE49-F238E27FC236}">
+                  <a16:creationId xmlns:a16="http://schemas.microsoft.com/office/drawing/2014/main" id="{A6604B49-AD5C-4590-B051-06C8222ECD99}"/>
+                </a:ext>
+                <a:ext uri="{C183D7F6-B498-43B3-948B-1728B52AA6E4}">
+                  <adec:decorative xmlns:adec="http://schemas.microsoft.com/office/drawing/2017/decorative" val="1"/>
+                </a:ext>
+              </a:extLst>
+            </p:cNvPr>
+            <p:cNvSpPr/>
+            <p:nvPr>
+              <p:extLst>
+                <p:ext uri="{386F3935-93C4-4BCD-93E2-E3B085C9AB24}">
+                  <p16:designElem xmlns:p16="http://schemas.microsoft.com/office/powerpoint/2015/main" val="1"/>
+                </p:ext>
+              </p:extLst>
+            </p:nvPr>
+          </p:nvSpPr>
+          <p:spPr>
+            <a:xfrm>
+              <a:off x="3940602" y="308034"/>
+              <a:ext cx="566743" cy="3428999"/>
+            </a:xfrm>
+            <a:prstGeom prst="rect">
+              <a:avLst/>
+            </a:prstGeom>
+            <a:grpFill/>
+            <a:ln>
+              <a:noFill/>
+            </a:ln>
+          </p:spPr>
+          <p:style>
+            <a:lnRef idx="2">
+              <a:schemeClr val="accent1">
+                <a:shade val="50000"/>
+              </a:schemeClr>
+            </a:lnRef>
+            <a:fillRef idx="1">
+              <a:schemeClr val="accent1"/>
+            </a:fillRef>
+            <a:effectRef idx="0">
+              <a:schemeClr val="accent1"/>
+            </a:effectRef>
+            <a:fontRef idx="minor">
+              <a:schemeClr val="lt1"/>
+            </a:fontRef>
+          </p:style>
+          <p:txBody>
+            <a:bodyPr rtlCol="0" anchor="ctr"/>
+            <a:lstStyle/>
+            <a:p>
+              <a:pPr algn="ctr"/>
+              <a:endParaRPr lang="en-US"/>
+            </a:p>
+          </p:txBody>
+        </p:sp>
+        <p:sp>
+          <p:nvSpPr>
+            <p:cNvPr id="30" name="Rectangle 29">
+              <a:extLst>
+                <a:ext uri="{FF2B5EF4-FFF2-40B4-BE49-F238E27FC236}">
+                  <a16:creationId xmlns:a16="http://schemas.microsoft.com/office/drawing/2014/main" id="{743ECCAF-29C5-4537-947C-7EA1292463DB}"/>
+                </a:ext>
+                <a:ext uri="{C183D7F6-B498-43B3-948B-1728B52AA6E4}">
+                  <adec:decorative xmlns:adec="http://schemas.microsoft.com/office/drawing/2017/decorative" val="1"/>
+                </a:ext>
+              </a:extLst>
+            </p:cNvPr>
+            <p:cNvSpPr/>
+            <p:nvPr>
+              <p:extLst>
+                <p:ext uri="{386F3935-93C4-4BCD-93E2-E3B085C9AB24}">
+                  <p16:designElem xmlns:p16="http://schemas.microsoft.com/office/powerpoint/2015/main" val="1"/>
+                </p:ext>
+              </p:extLst>
+            </p:nvPr>
+          </p:nvSpPr>
+          <p:spPr>
+            <a:xfrm>
+              <a:off x="4715626" y="308034"/>
+              <a:ext cx="566743" cy="3428999"/>
+            </a:xfrm>
+            <a:prstGeom prst="rect">
+              <a:avLst/>
+            </a:prstGeom>
+            <a:grpFill/>
+            <a:ln>
+              <a:noFill/>
+            </a:ln>
+          </p:spPr>
+          <p:style>
+            <a:lnRef idx="2">
+              <a:schemeClr val="accent1">
+                <a:shade val="50000"/>
+              </a:schemeClr>
+            </a:lnRef>
+            <a:fillRef idx="1">
+              <a:schemeClr val="accent1"/>
+            </a:fillRef>
+            <a:effectRef idx="0">
+              <a:schemeClr val="accent1"/>
+            </a:effectRef>
+            <a:fontRef idx="minor">
+              <a:schemeClr val="lt1"/>
+            </a:fontRef>
+          </p:style>
+          <p:txBody>
+            <a:bodyPr rtlCol="0" anchor="ctr"/>
+            <a:lstStyle/>
+            <a:p>
+              <a:pPr algn="ctr"/>
+              <a:endParaRPr lang="en-US"/>
+            </a:p>
+          </p:txBody>
+        </p:sp>
+        <p:sp>
+          <p:nvSpPr>
+            <p:cNvPr id="31" name="Rectangle 30">
+              <a:extLst>
+                <a:ext uri="{FF2B5EF4-FFF2-40B4-BE49-F238E27FC236}">
+                  <a16:creationId xmlns:a16="http://schemas.microsoft.com/office/drawing/2014/main" id="{ED49787B-8DE6-4467-AD0A-8DECC6E0C2D6}"/>
+                </a:ext>
+                <a:ext uri="{C183D7F6-B498-43B3-948B-1728B52AA6E4}">
+                  <adec:decorative xmlns:adec="http://schemas.microsoft.com/office/drawing/2017/decorative" val="1"/>
+                </a:ext>
+              </a:extLst>
+            </p:cNvPr>
+            <p:cNvSpPr/>
+            <p:nvPr>
+              <p:extLst>
+                <p:ext uri="{386F3935-93C4-4BCD-93E2-E3B085C9AB24}">
+                  <p16:designElem xmlns:p16="http://schemas.microsoft.com/office/powerpoint/2015/main" val="1"/>
+                </p:ext>
+              </p:extLst>
+            </p:nvPr>
+          </p:nvSpPr>
+          <p:spPr>
+            <a:xfrm>
+              <a:off x="5490650" y="308034"/>
+              <a:ext cx="566743" cy="3428999"/>
+            </a:xfrm>
+            <a:prstGeom prst="rect">
+              <a:avLst/>
+            </a:prstGeom>
+            <a:grpFill/>
+            <a:ln>
+              <a:noFill/>
+            </a:ln>
+          </p:spPr>
+          <p:style>
+            <a:lnRef idx="2">
+              <a:schemeClr val="accent1">
+                <a:shade val="50000"/>
+              </a:schemeClr>
+            </a:lnRef>
+            <a:fillRef idx="1">
+              <a:schemeClr val="accent1"/>
+            </a:fillRef>
+            <a:effectRef idx="0">
+              <a:schemeClr val="accent1"/>
+            </a:effectRef>
+            <a:fontRef idx="minor">
+              <a:schemeClr val="lt1"/>
+            </a:fontRef>
+          </p:style>
+          <p:txBody>
+            <a:bodyPr rtlCol="0" anchor="ctr"/>
+            <a:lstStyle/>
+            <a:p>
+              <a:pPr algn="ctr"/>
+              <a:endParaRPr lang="en-US"/>
+            </a:p>
+          </p:txBody>
+        </p:sp>
+      </p:grpSp>
+      <p:sp>
+        <p:nvSpPr>
+          <p:cNvPr id="33" name="Rectangle 32">
+            <a:extLst>
+              <a:ext uri="{FF2B5EF4-FFF2-40B4-BE49-F238E27FC236}">
+                <a16:creationId xmlns:a16="http://schemas.microsoft.com/office/drawing/2014/main" id="{D5B0017B-2ECA-49AF-B397-DC140825DF8D}"/>
+              </a:ext>
+              <a:ext uri="{C183D7F6-B498-43B3-948B-1728B52AA6E4}">
+                <adec:decorative xmlns:adec="http://schemas.microsoft.com/office/drawing/2017/decorative" val="1"/>
+              </a:ext>
+            </a:extLst>
+          </p:cNvPr>
+          <p:cNvSpPr>
+            <a:spLocks noGrp="1" noRot="1" noChangeAspect="1" noMove="1" noResize="1" noEditPoints="1" noAdjustHandles="1" noChangeArrowheads="1" noChangeShapeType="1" noTextEdit="1"/>
+          </p:cNvSpPr>
+          <p:nvPr>
+            <p:extLst>
+              <p:ext uri="{386F3935-93C4-4BCD-93E2-E3B085C9AB24}">
+                <p16:designElem xmlns:p16="http://schemas.microsoft.com/office/powerpoint/2015/main" val="1"/>
+              </p:ext>
+            </p:extLst>
+          </p:nvPr>
+        </p:nvSpPr>
+        <p:spPr>
+          <a:xfrm>
+            <a:off x="640080" y="656150"/>
+            <a:ext cx="5590787" cy="1431591"/>
+          </a:xfrm>
+          <a:prstGeom prst="rect">
+            <a:avLst/>
+          </a:prstGeom>
+          <a:solidFill>
+            <a:schemeClr val="bg1"/>
+          </a:solidFill>
+          <a:ln>
+            <a:noFill/>
+          </a:ln>
+          <a:effectLst>
+            <a:outerShdw blurRad="139700" dist="127000" dir="5400000" algn="t" rotWithShape="0">
+              <a:prstClr val="black">
+                <a:alpha val="15000"/>
+              </a:prstClr>
+            </a:outerShdw>
+          </a:effectLst>
+        </p:spPr>
+        <p:style>
+          <a:lnRef idx="2">
+            <a:schemeClr val="accent1">
+              <a:shade val="50000"/>
+            </a:schemeClr>
+          </a:lnRef>
+          <a:fillRef idx="1">
+            <a:schemeClr val="accent1"/>
+          </a:fillRef>
+          <a:effectRef idx="0">
+            <a:schemeClr val="accent1"/>
+          </a:effectRef>
+          <a:fontRef idx="minor">
+            <a:schemeClr val="lt1"/>
+          </a:fontRef>
+        </p:style>
+        <p:txBody>
+          <a:bodyPr rtlCol="0" anchor="ctr"/>
+          <a:lstStyle/>
+          <a:p>
+            <a:pPr algn="ctr"/>
+            <a:endParaRPr lang="en-US"/>
+          </a:p>
+        </p:txBody>
+      </p:sp>
       <p:sp>
         <p:nvSpPr>
           <p:cNvPr id="2" name="Titel 1">
@@ -11319,16 +13142,22 @@
             <p:ph type="title"/>
           </p:nvPr>
         </p:nvSpPr>
-        <p:spPr/>
+        <p:spPr>
+          <a:xfrm>
+            <a:off x="1043631" y="873940"/>
+            <a:ext cx="4928291" cy="1035781"/>
+          </a:xfrm>
+        </p:spPr>
         <p:txBody>
-          <a:bodyPr/>
+          <a:bodyPr anchor="ctr">
+            <a:normAutofit/>
+          </a:bodyPr>
           <a:lstStyle/>
           <a:p>
             <a:r>
-              <a:rPr lang="de-AT"/>
+              <a:rPr lang="de-AT" sz="3600" dirty="0"/>
               <a:t>AI Model</a:t>
             </a:r>
-            <a:endParaRPr lang="de-AT" dirty="0"/>
           </a:p>
         </p:txBody>
       </p:sp>
@@ -11348,114 +13177,88 @@
             <p:ph idx="1"/>
           </p:nvPr>
         </p:nvSpPr>
-        <p:spPr/>
+        <p:spPr>
+          <a:xfrm>
+            <a:off x="1045029" y="2524721"/>
+            <a:ext cx="4991629" cy="3677123"/>
+          </a:xfrm>
+        </p:spPr>
         <p:txBody>
-          <a:bodyPr/>
+          <a:bodyPr anchor="ctr">
+            <a:normAutofit/>
+          </a:bodyPr>
           <a:lstStyle/>
           <a:p>
             <a:r>
-              <a:rPr lang="de-AT" dirty="0"/>
+              <a:rPr lang="de-AT" sz="1800"/>
               <a:t>Verwendung eines fertigen Modells</a:t>
             </a:r>
           </a:p>
           <a:p>
             <a:pPr lvl="1"/>
             <a:r>
-              <a:rPr lang="de-AT" dirty="0"/>
-              <a:t>Trainiert auf COCO 2017 Dataset </a:t>
+              <a:rPr lang="de-AT" sz="1800"/>
+              <a:t>Tensorflow 2 Object Detection API</a:t>
             </a:r>
           </a:p>
           <a:p>
             <a:pPr lvl="1"/>
             <a:r>
-              <a:rPr lang="de-AT" dirty="0"/>
-              <a:t>Aufbau für </a:t>
-            </a:r>
-            <a:r>
-              <a:rPr lang="de-AT" dirty="0" err="1"/>
-              <a:t>Object</a:t>
-            </a:r>
-            <a:r>
-              <a:rPr lang="de-AT" dirty="0"/>
-              <a:t> </a:t>
-            </a:r>
-            <a:r>
-              <a:rPr lang="de-AT" dirty="0" err="1"/>
-              <a:t>Detection</a:t>
-            </a:r>
-            <a:r>
-              <a:rPr lang="de-AT" dirty="0"/>
-              <a:t> optimiert</a:t>
-            </a:r>
-          </a:p>
-          <a:p>
-            <a:r>
-              <a:rPr lang="de-AT" dirty="0"/>
-              <a:t>Umlernen des Netzwerks für unsere Daten</a:t>
-            </a:r>
-          </a:p>
-          <a:p>
-            <a:r>
-              <a:rPr lang="de-AT" dirty="0"/>
-              <a:t>Konfiguration</a:t>
+              <a:rPr lang="de-AT" sz="1800"/>
+              <a:t>CNN: Efficientdet </a:t>
+            </a:r>
+          </a:p>
+          <a:p>
+            <a:pPr lvl="2"/>
+            <a:r>
+              <a:rPr lang="de-AT" sz="1800"/>
+              <a:t>Anwendungsbereich: Object Detection</a:t>
+            </a:r>
+          </a:p>
+          <a:p>
+            <a:pPr lvl="2"/>
+            <a:r>
+              <a:rPr lang="de-AT" sz="1800"/>
+              <a:t>Variable Input-Größe der Images</a:t>
+            </a:r>
+          </a:p>
+          <a:p>
+            <a:pPr lvl="2"/>
+            <a:r>
+              <a:rPr lang="de-AT" sz="1800"/>
+              <a:t>Gute Skalierbarkeit (Edge-Devices)</a:t>
             </a:r>
           </a:p>
           <a:p>
             <a:pPr lvl="1"/>
             <a:r>
-              <a:rPr lang="de-AT" dirty="0"/>
-              <a:t> </a:t>
-            </a:r>
-            <a:r>
-              <a:rPr lang="de-AT" dirty="0" err="1"/>
-              <a:t>Tensorflow</a:t>
-            </a:r>
-            <a:r>
-              <a:rPr lang="de-AT" dirty="0"/>
-              <a:t> 2 </a:t>
-            </a:r>
-            <a:r>
-              <a:rPr lang="de-AT" dirty="0" err="1"/>
-              <a:t>Object</a:t>
-            </a:r>
-            <a:r>
-              <a:rPr lang="de-AT" dirty="0"/>
-              <a:t> </a:t>
-            </a:r>
-            <a:r>
-              <a:rPr lang="de-AT" dirty="0" err="1"/>
-              <a:t>Detection</a:t>
-            </a:r>
-            <a:r>
-              <a:rPr lang="de-AT" dirty="0"/>
-              <a:t> API</a:t>
-            </a:r>
-          </a:p>
-          <a:p>
-            <a:r>
-              <a:rPr lang="de-AT" dirty="0"/>
-              <a:t>0 Falsch-Detektionen auf allen </a:t>
-            </a:r>
-            <a:r>
-              <a:rPr lang="de-AT" dirty="0" err="1"/>
-              <a:t>Test-und</a:t>
-            </a:r>
-            <a:r>
-              <a:rPr lang="de-AT" dirty="0"/>
-              <a:t> Trainingsdaten</a:t>
-            </a:r>
-          </a:p>
-          <a:p>
-            <a:endParaRPr lang="de-AT" dirty="0"/>
+              <a:rPr lang="de-AT" sz="1800"/>
+              <a:t>Vor-trainiert auf COCO 2017 Dataset </a:t>
+            </a:r>
+          </a:p>
+          <a:p>
+            <a:r>
+              <a:rPr lang="de-AT" sz="1800"/>
+              <a:t>Umlernen des Netzwerks auf unsere Daten</a:t>
+            </a:r>
+          </a:p>
+          <a:p>
+            <a:r>
+              <a:rPr lang="de-AT" sz="1800"/>
+              <a:t>Resultat: Keine Falsch-Detektionen auf allen Test- und Trainingsdaten</a:t>
+            </a:r>
+          </a:p>
+          <a:p>
+            <a:endParaRPr lang="de-AT" sz="1800"/>
           </a:p>
         </p:txBody>
       </p:sp>
       <p:pic>
         <p:nvPicPr>
-          <p:cNvPr id="5" name="Grafik 4">
+          <p:cNvPr id="9" name="Grafik 8">
             <a:extLst>
               <a:ext uri="{FF2B5EF4-FFF2-40B4-BE49-F238E27FC236}">
-                <a16:creationId xmlns:a16="http://schemas.microsoft.com/office/drawing/2014/main" id="{1D0B403E-7F7E-4FB5-9F73-F1429A69CAC8}"/>
+                <a16:creationId xmlns:a16="http://schemas.microsoft.com/office/drawing/2014/main" id="{B213DC21-8747-4810-9E19-0A19E1AD6119}"/>
               </a:ext>
             </a:extLst>
           </p:cNvPr>
@@ -11464,22 +13267,102 @@
           </p:cNvPicPr>
           <p:nvPr/>
         </p:nvPicPr>
-        <p:blipFill>
-          <a:blip r:embed="rId2"/>
-          <a:stretch>
-            <a:fillRect/>
-          </a:stretch>
+        <p:blipFill rotWithShape="1">
+          <a:blip r:embed="rId3"/>
+          <a:srcRect t="1629" r="-2" b="16684"/>
+          <a:stretch/>
         </p:blipFill>
         <p:spPr>
           <a:xfrm>
-            <a:off x="6991350" y="903621"/>
-            <a:ext cx="4362450" cy="2143125"/>
+            <a:off x="6581554" y="3329247"/>
+            <a:ext cx="4565417" cy="2679192"/>
           </a:xfrm>
           <a:prstGeom prst="rect">
             <a:avLst/>
           </a:prstGeom>
         </p:spPr>
       </p:pic>
+      <p:pic>
+        <p:nvPicPr>
+          <p:cNvPr id="21" name="Grafik 20">
+            <a:extLst>
+              <a:ext uri="{FF2B5EF4-FFF2-40B4-BE49-F238E27FC236}">
+                <a16:creationId xmlns:a16="http://schemas.microsoft.com/office/drawing/2014/main" id="{1B61543D-E7CD-47A8-B81C-4D9F9317DEE9}"/>
+              </a:ext>
+            </a:extLst>
+          </p:cNvPr>
+          <p:cNvPicPr>
+            <a:picLocks noChangeAspect="1"/>
+          </p:cNvPicPr>
+          <p:nvPr/>
+        </p:nvPicPr>
+        <p:blipFill rotWithShape="1">
+          <a:blip r:embed="rId4"/>
+          <a:srcRect l="2354" r="13723"/>
+          <a:stretch/>
+        </p:blipFill>
+        <p:spPr>
+          <a:xfrm>
+            <a:off x="6675088" y="504857"/>
+            <a:ext cx="4565417" cy="2679192"/>
+          </a:xfrm>
+          <a:prstGeom prst="rect">
+            <a:avLst/>
+          </a:prstGeom>
+        </p:spPr>
+      </p:pic>
+      <p:cxnSp>
+        <p:nvCxnSpPr>
+          <p:cNvPr id="35" name="Straight Connector 34">
+            <a:extLst>
+              <a:ext uri="{FF2B5EF4-FFF2-40B4-BE49-F238E27FC236}">
+                <a16:creationId xmlns:a16="http://schemas.microsoft.com/office/drawing/2014/main" id="{6CF1BAF6-AD41-4082-B212-8A1F9A2E8779}"/>
+              </a:ext>
+              <a:ext uri="{C183D7F6-B498-43B3-948B-1728B52AA6E4}">
+                <adec:decorative xmlns:adec="http://schemas.microsoft.com/office/drawing/2017/decorative" val="1"/>
+              </a:ext>
+            </a:extLst>
+          </p:cNvPr>
+          <p:cNvCxnSpPr>
+            <a:cxnSpLocks noGrp="1" noRot="1" noChangeAspect="1" noMove="1" noResize="1" noEditPoints="1" noAdjustHandles="1" noChangeArrowheads="1" noChangeShapeType="1"/>
+          </p:cNvCxnSpPr>
+          <p:nvPr>
+            <p:extLst>
+              <p:ext uri="{386F3935-93C4-4BCD-93E2-E3B085C9AB24}">
+                <p16:designElem xmlns:p16="http://schemas.microsoft.com/office/powerpoint/2015/main" val="1"/>
+              </p:ext>
+            </p:extLst>
+          </p:nvPr>
+        </p:nvCxnSpPr>
+        <p:spPr>
+          <a:xfrm flipH="1">
+            <a:off x="838200" y="6492240"/>
+            <a:ext cx="10515600" cy="0"/>
+          </a:xfrm>
+          <a:prstGeom prst="line">
+            <a:avLst/>
+          </a:prstGeom>
+          <a:ln w="57150">
+            <a:solidFill>
+              <a:schemeClr val="accent4"/>
+            </a:solidFill>
+          </a:ln>
+        </p:spPr>
+        <p:style>
+          <a:lnRef idx="1">
+            <a:schemeClr val="accent1"/>
+          </a:lnRef>
+          <a:fillRef idx="0">
+            <a:schemeClr val="accent1"/>
+          </a:fillRef>
+          <a:effectRef idx="0">
+            <a:schemeClr val="accent1"/>
+          </a:effectRef>
+          <a:fontRef idx="minor">
+            <a:schemeClr val="tx1"/>
+          </a:fontRef>
+        </p:style>
+      </p:cxnSp>
     </p:spTree>
     <p:extLst>
       <p:ext uri="{BB962C8B-B14F-4D97-AF65-F5344CB8AC3E}">
@@ -11532,9 +13415,10 @@
           <a:lstStyle/>
           <a:p>
             <a:r>
-              <a:rPr lang="de-AT" dirty="0"/>
+              <a:rPr lang="de-AT"/>
               <a:t>Training</a:t>
             </a:r>
+            <a:endParaRPr lang="de-AT" dirty="0"/>
           </a:p>
         </p:txBody>
       </p:sp>
@@ -11616,7 +13500,7 @@
         </p:blipFill>
         <p:spPr bwMode="auto">
           <a:xfrm>
-            <a:off x="3638550" y="635457"/>
+            <a:off x="4357641" y="1377949"/>
             <a:ext cx="7620000" cy="3048000"/>
           </a:xfrm>
           <a:prstGeom prst="rect">
@@ -11663,8 +13547,8 @@
         </p:blipFill>
         <p:spPr bwMode="auto">
           <a:xfrm>
-            <a:off x="6781800" y="2907843"/>
-            <a:ext cx="3638550" cy="3314700"/>
+            <a:off x="7587288" y="3429000"/>
+            <a:ext cx="2897241" cy="2639371"/>
           </a:xfrm>
           <a:prstGeom prst="rect">
             <a:avLst/>
@@ -11697,6 +13581,14 @@
 <file path=ppt/slides/slide7.xml><?xml version="1.0" encoding="utf-8"?>
 <p:sld xmlns:a="http://schemas.openxmlformats.org/drawingml/2006/main" xmlns:r="http://schemas.openxmlformats.org/officeDocument/2006/relationships" xmlns:p="http://schemas.openxmlformats.org/presentationml/2006/main">
   <p:cSld>
+    <p:bg>
+      <p:bgPr>
+        <a:solidFill>
+          <a:schemeClr val="bg1"/>
+        </a:solidFill>
+        <a:effectLst/>
+      </p:bgPr>
+    </p:bg>
     <p:spTree>
       <p:nvGrpSpPr>
         <p:cNvPr id="1" name=""/>
@@ -11711,361 +13603,40 @@
           <a:chExt cx="0" cy="0"/>
         </a:xfrm>
       </p:grpSpPr>
-      <p:sp>
+      <p:sp useBgFill="1">
         <p:nvSpPr>
-          <p:cNvPr id="2" name="Titel 1">
+          <p:cNvPr id="25" name="Rectangle 13">
             <a:extLst>
               <a:ext uri="{FF2B5EF4-FFF2-40B4-BE49-F238E27FC236}">
-                <a16:creationId xmlns:a16="http://schemas.microsoft.com/office/drawing/2014/main" id="{E8142FAE-3BEE-4352-AC6A-D6B2AB183870}"/>
+                <a16:creationId xmlns:a16="http://schemas.microsoft.com/office/drawing/2014/main" id="{DBF61EA3-B236-439E-9C0B-340980D56BEE}"/>
+              </a:ext>
+              <a:ext uri="{C183D7F6-B498-43B3-948B-1728B52AA6E4}">
+                <adec:decorative xmlns:adec="http://schemas.microsoft.com/office/drawing/2017/decorative" val="1"/>
               </a:ext>
             </a:extLst>
           </p:cNvPr>
           <p:cNvSpPr>
-            <a:spLocks noGrp="1"/>
+            <a:spLocks noGrp="1" noRot="1" noChangeAspect="1" noMove="1" noResize="1" noEditPoints="1" noAdjustHandles="1" noChangeArrowheads="1" noChangeShapeType="1" noTextEdit="1"/>
           </p:cNvSpPr>
           <p:nvPr>
-            <p:ph type="title"/>
+            <p:extLst>
+              <p:ext uri="{386F3935-93C4-4BCD-93E2-E3B085C9AB24}">
+                <p16:designElem xmlns:p16="http://schemas.microsoft.com/office/powerpoint/2015/main" val="1"/>
+              </p:ext>
+            </p:extLst>
           </p:nvPr>
         </p:nvSpPr>
-        <p:spPr/>
-        <p:txBody>
-          <a:bodyPr/>
-          <a:lstStyle/>
-          <a:p>
-            <a:r>
-              <a:rPr lang="de-AT" dirty="0"/>
-              <a:t>Ausschneiden</a:t>
-            </a:r>
-          </a:p>
-        </p:txBody>
-      </p:sp>
-      <p:pic>
-        <p:nvPicPr>
-          <p:cNvPr id="5" name="Inhaltsplatzhalter 4">
-            <a:extLst>
-              <a:ext uri="{FF2B5EF4-FFF2-40B4-BE49-F238E27FC236}">
-                <a16:creationId xmlns:a16="http://schemas.microsoft.com/office/drawing/2014/main" id="{299EDD50-F481-40A9-BB15-38DFAD3AE75E}"/>
-              </a:ext>
-            </a:extLst>
-          </p:cNvPr>
-          <p:cNvPicPr>
-            <a:picLocks noGrp="1" noChangeAspect="1"/>
-          </p:cNvPicPr>
-          <p:nvPr>
-            <p:ph idx="1"/>
-          </p:nvPr>
-        </p:nvPicPr>
-        <p:blipFill>
-          <a:blip r:embed="rId2"/>
-          <a:stretch>
-            <a:fillRect/>
-          </a:stretch>
-        </p:blipFill>
         <p:spPr>
           <a:xfrm>
-            <a:off x="519112" y="3662759"/>
-            <a:ext cx="2285412" cy="1566069"/>
-          </a:xfrm>
-        </p:spPr>
-      </p:pic>
-      <p:pic>
-        <p:nvPicPr>
-          <p:cNvPr id="7" name="Grafik 6">
-            <a:extLst>
-              <a:ext uri="{FF2B5EF4-FFF2-40B4-BE49-F238E27FC236}">
-                <a16:creationId xmlns:a16="http://schemas.microsoft.com/office/drawing/2014/main" id="{1A9CB095-CEB8-4483-80DE-0B0A1A42E19A}"/>
-              </a:ext>
-            </a:extLst>
-          </p:cNvPr>
-          <p:cNvPicPr>
-            <a:picLocks noChangeAspect="1"/>
-          </p:cNvPicPr>
-          <p:nvPr/>
-        </p:nvPicPr>
-        <p:blipFill>
-          <a:blip r:embed="rId3"/>
-          <a:stretch>
-            <a:fillRect/>
-          </a:stretch>
-        </p:blipFill>
-        <p:spPr>
-          <a:xfrm>
-            <a:off x="4214812" y="3298030"/>
-            <a:ext cx="2276475" cy="2295525"/>
+            <a:off x="0" y="0"/>
+            <a:ext cx="12191999" cy="6857365"/>
           </a:xfrm>
           <a:prstGeom prst="rect">
             <a:avLst/>
           </a:prstGeom>
-        </p:spPr>
-      </p:pic>
-      <p:sp>
-        <p:nvSpPr>
-          <p:cNvPr id="9" name="Inhaltsplatzhalter 2">
-            <a:extLst>
-              <a:ext uri="{FF2B5EF4-FFF2-40B4-BE49-F238E27FC236}">
-                <a16:creationId xmlns:a16="http://schemas.microsoft.com/office/drawing/2014/main" id="{2E7119DB-B3BD-4A3B-91B8-6F57460858A0}"/>
-              </a:ext>
-            </a:extLst>
-          </p:cNvPr>
-          <p:cNvSpPr txBox="1">
-            <a:spLocks/>
-          </p:cNvSpPr>
-          <p:nvPr/>
-        </p:nvSpPr>
-        <p:spPr>
-          <a:xfrm>
-            <a:off x="838200" y="1825625"/>
-            <a:ext cx="10515600" cy="4351338"/>
-          </a:xfrm>
-          <a:prstGeom prst="rect">
-            <a:avLst/>
-          </a:prstGeom>
-        </p:spPr>
-        <p:txBody>
-          <a:bodyPr vert="horz" lIns="91440" tIns="45720" rIns="91440" bIns="45720" rtlCol="0">
-            <a:normAutofit/>
-          </a:bodyPr>
-          <a:lstStyle>
-            <a:lvl1pPr marL="228600" indent="-228600" algn="l" defTabSz="914400" rtl="0" eaLnBrk="1" latinLnBrk="0" hangingPunct="1">
-              <a:lnSpc>
-                <a:spcPct val="90000"/>
-              </a:lnSpc>
-              <a:spcBef>
-                <a:spcPts val="1000"/>
-              </a:spcBef>
-              <a:buFont typeface="Arial" panose="020B0604020202020204" pitchFamily="34" charset="0"/>
-              <a:buChar char="•"/>
-              <a:defRPr sz="2800" kern="1200">
-                <a:solidFill>
-                  <a:schemeClr val="tx1"/>
-                </a:solidFill>
-                <a:latin typeface="+mn-lt"/>
-                <a:ea typeface="+mn-ea"/>
-                <a:cs typeface="+mn-cs"/>
-              </a:defRPr>
-            </a:lvl1pPr>
-            <a:lvl2pPr marL="685800" indent="-228600" algn="l" defTabSz="914400" rtl="0" eaLnBrk="1" latinLnBrk="0" hangingPunct="1">
-              <a:lnSpc>
-                <a:spcPct val="90000"/>
-              </a:lnSpc>
-              <a:spcBef>
-                <a:spcPts val="500"/>
-              </a:spcBef>
-              <a:buFont typeface="Arial" panose="020B0604020202020204" pitchFamily="34" charset="0"/>
-              <a:buChar char="•"/>
-              <a:defRPr sz="2400" kern="1200">
-                <a:solidFill>
-                  <a:schemeClr val="tx1"/>
-                </a:solidFill>
-                <a:latin typeface="+mn-lt"/>
-                <a:ea typeface="+mn-ea"/>
-                <a:cs typeface="+mn-cs"/>
-              </a:defRPr>
-            </a:lvl2pPr>
-            <a:lvl3pPr marL="1143000" indent="-228600" algn="l" defTabSz="914400" rtl="0" eaLnBrk="1" latinLnBrk="0" hangingPunct="1">
-              <a:lnSpc>
-                <a:spcPct val="90000"/>
-              </a:lnSpc>
-              <a:spcBef>
-                <a:spcPts val="500"/>
-              </a:spcBef>
-              <a:buFont typeface="Arial" panose="020B0604020202020204" pitchFamily="34" charset="0"/>
-              <a:buChar char="•"/>
-              <a:defRPr sz="2000" kern="1200">
-                <a:solidFill>
-                  <a:schemeClr val="tx1"/>
-                </a:solidFill>
-                <a:latin typeface="+mn-lt"/>
-                <a:ea typeface="+mn-ea"/>
-                <a:cs typeface="+mn-cs"/>
-              </a:defRPr>
-            </a:lvl3pPr>
-            <a:lvl4pPr marL="1600200" indent="-228600" algn="l" defTabSz="914400" rtl="0" eaLnBrk="1" latinLnBrk="0" hangingPunct="1">
-              <a:lnSpc>
-                <a:spcPct val="90000"/>
-              </a:lnSpc>
-              <a:spcBef>
-                <a:spcPts val="500"/>
-              </a:spcBef>
-              <a:buFont typeface="Arial" panose="020B0604020202020204" pitchFamily="34" charset="0"/>
-              <a:buChar char="•"/>
-              <a:defRPr sz="1800" kern="1200">
-                <a:solidFill>
-                  <a:schemeClr val="tx1"/>
-                </a:solidFill>
-                <a:latin typeface="+mn-lt"/>
-                <a:ea typeface="+mn-ea"/>
-                <a:cs typeface="+mn-cs"/>
-              </a:defRPr>
-            </a:lvl4pPr>
-            <a:lvl5pPr marL="2057400" indent="-228600" algn="l" defTabSz="914400" rtl="0" eaLnBrk="1" latinLnBrk="0" hangingPunct="1">
-              <a:lnSpc>
-                <a:spcPct val="90000"/>
-              </a:lnSpc>
-              <a:spcBef>
-                <a:spcPts val="500"/>
-              </a:spcBef>
-              <a:buFont typeface="Arial" panose="020B0604020202020204" pitchFamily="34" charset="0"/>
-              <a:buChar char="•"/>
-              <a:defRPr sz="1800" kern="1200">
-                <a:solidFill>
-                  <a:schemeClr val="tx1"/>
-                </a:solidFill>
-                <a:latin typeface="+mn-lt"/>
-                <a:ea typeface="+mn-ea"/>
-                <a:cs typeface="+mn-cs"/>
-              </a:defRPr>
-            </a:lvl5pPr>
-            <a:lvl6pPr marL="2514600" indent="-228600" algn="l" defTabSz="914400" rtl="0" eaLnBrk="1" latinLnBrk="0" hangingPunct="1">
-              <a:lnSpc>
-                <a:spcPct val="90000"/>
-              </a:lnSpc>
-              <a:spcBef>
-                <a:spcPts val="500"/>
-              </a:spcBef>
-              <a:buFont typeface="Arial" panose="020B0604020202020204" pitchFamily="34" charset="0"/>
-              <a:buChar char="•"/>
-              <a:defRPr sz="1800" kern="1200">
-                <a:solidFill>
-                  <a:schemeClr val="tx1"/>
-                </a:solidFill>
-                <a:latin typeface="+mn-lt"/>
-                <a:ea typeface="+mn-ea"/>
-                <a:cs typeface="+mn-cs"/>
-              </a:defRPr>
-            </a:lvl6pPr>
-            <a:lvl7pPr marL="2971800" indent="-228600" algn="l" defTabSz="914400" rtl="0" eaLnBrk="1" latinLnBrk="0" hangingPunct="1">
-              <a:lnSpc>
-                <a:spcPct val="90000"/>
-              </a:lnSpc>
-              <a:spcBef>
-                <a:spcPts val="500"/>
-              </a:spcBef>
-              <a:buFont typeface="Arial" panose="020B0604020202020204" pitchFamily="34" charset="0"/>
-              <a:buChar char="•"/>
-              <a:defRPr sz="1800" kern="1200">
-                <a:solidFill>
-                  <a:schemeClr val="tx1"/>
-                </a:solidFill>
-                <a:latin typeface="+mn-lt"/>
-                <a:ea typeface="+mn-ea"/>
-                <a:cs typeface="+mn-cs"/>
-              </a:defRPr>
-            </a:lvl7pPr>
-            <a:lvl8pPr marL="3429000" indent="-228600" algn="l" defTabSz="914400" rtl="0" eaLnBrk="1" latinLnBrk="0" hangingPunct="1">
-              <a:lnSpc>
-                <a:spcPct val="90000"/>
-              </a:lnSpc>
-              <a:spcBef>
-                <a:spcPts val="500"/>
-              </a:spcBef>
-              <a:buFont typeface="Arial" panose="020B0604020202020204" pitchFamily="34" charset="0"/>
-              <a:buChar char="•"/>
-              <a:defRPr sz="1800" kern="1200">
-                <a:solidFill>
-                  <a:schemeClr val="tx1"/>
-                </a:solidFill>
-                <a:latin typeface="+mn-lt"/>
-                <a:ea typeface="+mn-ea"/>
-                <a:cs typeface="+mn-cs"/>
-              </a:defRPr>
-            </a:lvl8pPr>
-            <a:lvl9pPr marL="3886200" indent="-228600" algn="l" defTabSz="914400" rtl="0" eaLnBrk="1" latinLnBrk="0" hangingPunct="1">
-              <a:lnSpc>
-                <a:spcPct val="90000"/>
-              </a:lnSpc>
-              <a:spcBef>
-                <a:spcPts val="500"/>
-              </a:spcBef>
-              <a:buFont typeface="Arial" panose="020B0604020202020204" pitchFamily="34" charset="0"/>
-              <a:buChar char="•"/>
-              <a:defRPr sz="1800" kern="1200">
-                <a:solidFill>
-                  <a:schemeClr val="tx1"/>
-                </a:solidFill>
-                <a:latin typeface="+mn-lt"/>
-                <a:ea typeface="+mn-ea"/>
-                <a:cs typeface="+mn-cs"/>
-              </a:defRPr>
-            </a:lvl9pPr>
-          </a:lstStyle>
-          <a:p>
-            <a:r>
-              <a:rPr lang="de-AT" dirty="0"/>
-              <a:t>Analyse der Prädiktions-Raten und Setzen eines </a:t>
-            </a:r>
-            <a:r>
-              <a:rPr lang="de-AT" dirty="0" err="1"/>
-              <a:t>Thresholds</a:t>
-            </a:r>
-            <a:endParaRPr lang="de-AT" dirty="0"/>
-          </a:p>
-          <a:p>
-            <a:r>
-              <a:rPr lang="de-AT" dirty="0"/>
-              <a:t>Ausschneiden mit Hilfe der </a:t>
-            </a:r>
-            <a:r>
-              <a:rPr lang="de-AT" dirty="0" err="1"/>
-              <a:t>Bounding</a:t>
-            </a:r>
-            <a:r>
-              <a:rPr lang="de-AT" dirty="0"/>
-              <a:t> Boxes</a:t>
-            </a:r>
-          </a:p>
-        </p:txBody>
-      </p:sp>
-      <p:pic>
-        <p:nvPicPr>
-          <p:cNvPr id="11" name="Grafik 10">
-            <a:extLst>
-              <a:ext uri="{FF2B5EF4-FFF2-40B4-BE49-F238E27FC236}">
-                <a16:creationId xmlns:a16="http://schemas.microsoft.com/office/drawing/2014/main" id="{A717F68E-1468-4460-B4EC-AD77E140B588}"/>
-              </a:ext>
-            </a:extLst>
-          </p:cNvPr>
-          <p:cNvPicPr>
-            <a:picLocks noChangeAspect="1"/>
-          </p:cNvPicPr>
-          <p:nvPr/>
-        </p:nvPicPr>
-        <p:blipFill>
-          <a:blip r:embed="rId4"/>
-          <a:stretch>
-            <a:fillRect/>
-          </a:stretch>
-        </p:blipFill>
-        <p:spPr>
-          <a:xfrm>
-            <a:off x="7705725" y="2762250"/>
-            <a:ext cx="4260533" cy="3167063"/>
-          </a:xfrm>
-          <a:prstGeom prst="rect">
-            <a:avLst/>
-          </a:prstGeom>
-        </p:spPr>
-      </p:pic>
-      <p:sp>
-        <p:nvSpPr>
-          <p:cNvPr id="12" name="Pfeil: nach rechts 11">
-            <a:extLst>
-              <a:ext uri="{FF2B5EF4-FFF2-40B4-BE49-F238E27FC236}">
-                <a16:creationId xmlns:a16="http://schemas.microsoft.com/office/drawing/2014/main" id="{54193088-2BBE-4DA5-A2E2-D3CF7E15373A}"/>
-              </a:ext>
-            </a:extLst>
-          </p:cNvPr>
-          <p:cNvSpPr/>
-          <p:nvPr/>
-        </p:nvSpPr>
-        <p:spPr>
-          <a:xfrm>
-            <a:off x="6316505" y="4083843"/>
-            <a:ext cx="1427320" cy="723900"/>
-          </a:xfrm>
-          <a:prstGeom prst="rightArrow">
-            <a:avLst/>
-          </a:prstGeom>
+          <a:ln>
+            <a:noFill/>
+          </a:ln>
         </p:spPr>
         <p:style>
           <a:lnRef idx="2">
@@ -12088,30 +13659,250 @@
           <a:lstStyle/>
           <a:p>
             <a:pPr algn="ctr"/>
-            <a:endParaRPr lang="de-AT"/>
+            <a:endParaRPr lang="en-US"/>
           </a:p>
         </p:txBody>
       </p:sp>
       <p:sp>
         <p:nvSpPr>
-          <p:cNvPr id="13" name="Pfeil: nach rechts 12">
+          <p:cNvPr id="2" name="Titel 1">
             <a:extLst>
               <a:ext uri="{FF2B5EF4-FFF2-40B4-BE49-F238E27FC236}">
-                <a16:creationId xmlns:a16="http://schemas.microsoft.com/office/drawing/2014/main" id="{C984C4E6-82D7-46D1-80C0-EF6404624E5A}"/>
+                <a16:creationId xmlns:a16="http://schemas.microsoft.com/office/drawing/2014/main" id="{E8142FAE-3BEE-4352-AC6A-D6B2AB183870}"/>
               </a:ext>
             </a:extLst>
           </p:cNvPr>
-          <p:cNvSpPr/>
-          <p:nvPr/>
+          <p:cNvSpPr>
+            <a:spLocks noGrp="1"/>
+          </p:cNvSpPr>
+          <p:nvPr>
+            <p:ph type="title"/>
+          </p:nvPr>
         </p:nvSpPr>
         <p:spPr>
           <a:xfrm>
-            <a:off x="3182191" y="4083843"/>
-            <a:ext cx="1427320" cy="723900"/>
+            <a:off x="808638" y="386930"/>
+            <a:ext cx="9236700" cy="1188950"/>
           </a:xfrm>
-          <a:prstGeom prst="rightArrow">
+        </p:spPr>
+        <p:txBody>
+          <a:bodyPr vert="horz" lIns="91440" tIns="45720" rIns="91440" bIns="45720" rtlCol="0" anchor="b">
+            <a:normAutofit/>
+          </a:bodyPr>
+          <a:lstStyle/>
+          <a:p>
+            <a:r>
+              <a:rPr lang="en-US" sz="5400" kern="1200">
+                <a:solidFill>
+                  <a:schemeClr val="tx1"/>
+                </a:solidFill>
+                <a:latin typeface="+mj-lt"/>
+                <a:ea typeface="+mj-ea"/>
+                <a:cs typeface="+mj-cs"/>
+              </a:rPr>
+              <a:t>Ausschneiden</a:t>
+            </a:r>
+          </a:p>
+        </p:txBody>
+      </p:sp>
+      <p:grpSp>
+        <p:nvGrpSpPr>
+          <p:cNvPr id="26" name="Group 15">
+            <a:extLst>
+              <a:ext uri="{FF2B5EF4-FFF2-40B4-BE49-F238E27FC236}">
+                <a16:creationId xmlns:a16="http://schemas.microsoft.com/office/drawing/2014/main" id="{28FAF094-D087-493F-8DF9-A486C2D6BBAA}"/>
+              </a:ext>
+              <a:ext uri="{C183D7F6-B498-43B3-948B-1728B52AA6E4}">
+                <adec:decorative xmlns:adec="http://schemas.microsoft.com/office/drawing/2017/decorative" val="1"/>
+              </a:ext>
+            </a:extLst>
+          </p:cNvPr>
+          <p:cNvGrpSpPr>
+            <a:grpSpLocks noGrp="1" noUngrp="1" noRot="1" noChangeAspect="1" noMove="1" noResize="1"/>
+          </p:cNvGrpSpPr>
+          <p:nvPr>
+            <p:extLst>
+              <p:ext uri="{386F3935-93C4-4BCD-93E2-E3B085C9AB24}">
+                <p16:designElem xmlns:p16="http://schemas.microsoft.com/office/powerpoint/2015/main" val="1"/>
+              </p:ext>
+            </p:extLst>
+          </p:nvPr>
+        </p:nvGrpSpPr>
+        <p:grpSpPr>
+          <a:xfrm>
+            <a:off x="-2" y="1998368"/>
+            <a:ext cx="11695083" cy="782176"/>
+            <a:chOff x="-2" y="1998368"/>
+            <a:chExt cx="11695083" cy="782176"/>
+          </a:xfrm>
+        </p:grpSpPr>
+        <p:sp>
+          <p:nvSpPr>
+            <p:cNvPr id="27" name="Rectangle 16">
+              <a:extLst>
+                <a:ext uri="{FF2B5EF4-FFF2-40B4-BE49-F238E27FC236}">
+                  <a16:creationId xmlns:a16="http://schemas.microsoft.com/office/drawing/2014/main" id="{8D7C88D8-5509-4514-925A-9CE148E5CBD6}"/>
+                </a:ext>
+                <a:ext uri="{C183D7F6-B498-43B3-948B-1728B52AA6E4}">
+                  <adec:decorative xmlns:adec="http://schemas.microsoft.com/office/drawing/2017/decorative" val="1"/>
+                </a:ext>
+              </a:extLst>
+            </p:cNvPr>
+            <p:cNvSpPr/>
+            <p:nvPr>
+              <p:extLst>
+                <p:ext uri="{386F3935-93C4-4BCD-93E2-E3B085C9AB24}">
+                  <p16:designElem xmlns:p16="http://schemas.microsoft.com/office/powerpoint/2015/main" val="1"/>
+                </p:ext>
+              </p:extLst>
+            </p:nvPr>
+          </p:nvSpPr>
+          <p:spPr>
+            <a:xfrm rot="5400000">
+              <a:off x="11228040" y="2313027"/>
+              <a:ext cx="781700" cy="152382"/>
+            </a:xfrm>
+            <a:prstGeom prst="rect">
+              <a:avLst/>
+            </a:prstGeom>
+            <a:solidFill>
+              <a:schemeClr val="accent4"/>
+            </a:solidFill>
+            <a:ln>
+              <a:noFill/>
+            </a:ln>
+          </p:spPr>
+          <p:style>
+            <a:lnRef idx="2">
+              <a:schemeClr val="accent1">
+                <a:shade val="50000"/>
+              </a:schemeClr>
+            </a:lnRef>
+            <a:fillRef idx="1">
+              <a:schemeClr val="accent1"/>
+            </a:fillRef>
+            <a:effectRef idx="0">
+              <a:schemeClr val="accent1"/>
+            </a:effectRef>
+            <a:fontRef idx="minor">
+              <a:schemeClr val="lt1"/>
+            </a:fontRef>
+          </p:style>
+          <p:txBody>
+            <a:bodyPr rtlCol="0" anchor="ctr"/>
+            <a:lstStyle/>
+            <a:p>
+              <a:pPr algn="ctr"/>
+              <a:endParaRPr lang="en-US"/>
+            </a:p>
+          </p:txBody>
+        </p:sp>
+        <p:sp>
+          <p:nvSpPr>
+            <p:cNvPr id="28" name="Rectangle 17">
+              <a:extLst>
+                <a:ext uri="{FF2B5EF4-FFF2-40B4-BE49-F238E27FC236}">
+                  <a16:creationId xmlns:a16="http://schemas.microsoft.com/office/drawing/2014/main" id="{7275593D-F75E-4426-AE3E-2CDEFD228D25}"/>
+                </a:ext>
+                <a:ext uri="{C183D7F6-B498-43B3-948B-1728B52AA6E4}">
+                  <adec:decorative xmlns:adec="http://schemas.microsoft.com/office/drawing/2017/decorative" val="1"/>
+                </a:ext>
+              </a:extLst>
+            </p:cNvPr>
+            <p:cNvSpPr/>
+            <p:nvPr>
+              <p:extLst>
+                <p:ext uri="{386F3935-93C4-4BCD-93E2-E3B085C9AB24}">
+                  <p16:designElem xmlns:p16="http://schemas.microsoft.com/office/powerpoint/2015/main" val="1"/>
+                </p:ext>
+              </p:extLst>
+            </p:nvPr>
+          </p:nvSpPr>
+          <p:spPr>
+            <a:xfrm flipH="1" flipV="1">
+              <a:off x="-2" y="1998845"/>
+              <a:ext cx="11454595" cy="781699"/>
+            </a:xfrm>
+            <a:prstGeom prst="rect">
+              <a:avLst/>
+            </a:prstGeom>
+            <a:solidFill>
+              <a:schemeClr val="accent4"/>
+            </a:solidFill>
+            <a:ln>
+              <a:noFill/>
+            </a:ln>
+          </p:spPr>
+          <p:style>
+            <a:lnRef idx="2">
+              <a:schemeClr val="accent1">
+                <a:shade val="50000"/>
+              </a:schemeClr>
+            </a:lnRef>
+            <a:fillRef idx="1">
+              <a:schemeClr val="accent1"/>
+            </a:fillRef>
+            <a:effectRef idx="0">
+              <a:schemeClr val="accent1"/>
+            </a:effectRef>
+            <a:fontRef idx="minor">
+              <a:schemeClr val="lt1"/>
+            </a:fontRef>
+          </p:style>
+          <p:txBody>
+            <a:bodyPr rtlCol="0" anchor="ctr"/>
+            <a:lstStyle/>
+            <a:p>
+              <a:pPr algn="ctr"/>
+              <a:endParaRPr lang="en-US"/>
+            </a:p>
+          </p:txBody>
+        </p:sp>
+      </p:grpSp>
+      <p:sp>
+        <p:nvSpPr>
+          <p:cNvPr id="20" name="Rectangle 19">
+            <a:extLst>
+              <a:ext uri="{FF2B5EF4-FFF2-40B4-BE49-F238E27FC236}">
+                <a16:creationId xmlns:a16="http://schemas.microsoft.com/office/drawing/2014/main" id="{E659831F-0D9A-4C63-9EBB-8435B85A440F}"/>
+              </a:ext>
+              <a:ext uri="{C183D7F6-B498-43B3-948B-1728B52AA6E4}">
+                <adec:decorative xmlns:adec="http://schemas.microsoft.com/office/drawing/2017/decorative" val="1"/>
+              </a:ext>
+            </a:extLst>
+          </p:cNvPr>
+          <p:cNvSpPr>
+            <a:spLocks noGrp="1" noRot="1" noChangeAspect="1" noMove="1" noResize="1" noEditPoints="1" noAdjustHandles="1" noChangeArrowheads="1" noChangeShapeType="1" noTextEdit="1"/>
+          </p:cNvSpPr>
+          <p:nvPr>
+            <p:extLst>
+              <p:ext uri="{386F3935-93C4-4BCD-93E2-E3B085C9AB24}">
+                <p16:designElem xmlns:p16="http://schemas.microsoft.com/office/powerpoint/2015/main" val="1"/>
+              </p:ext>
+            </p:extLst>
+          </p:nvPr>
+        </p:nvSpPr>
+        <p:spPr>
+          <a:xfrm>
+            <a:off x="0" y="2203079"/>
+            <a:ext cx="11383362" cy="4147845"/>
+          </a:xfrm>
+          <a:prstGeom prst="rect">
             <a:avLst/>
           </a:prstGeom>
+          <a:solidFill>
+            <a:schemeClr val="bg1"/>
+          </a:solidFill>
+          <a:ln>
+            <a:noFill/>
+          </a:ln>
+          <a:effectLst>
+            <a:outerShdw blurRad="139700" dist="127000" dir="5400000" algn="t" rotWithShape="0">
+              <a:prstClr val="black">
+                <a:alpha val="15000"/>
+              </a:prstClr>
+            </a:outerShdw>
+          </a:effectLst>
         </p:spPr>
         <p:style>
           <a:lnRef idx="2">
@@ -12134,6 +13925,415 @@
           <a:lstStyle/>
           <a:p>
             <a:pPr algn="ctr"/>
+            <a:endParaRPr lang="en-US"/>
+          </a:p>
+        </p:txBody>
+      </p:sp>
+      <p:sp>
+        <p:nvSpPr>
+          <p:cNvPr id="4" name="Inhaltsplatzhalter 3">
+            <a:extLst>
+              <a:ext uri="{FF2B5EF4-FFF2-40B4-BE49-F238E27FC236}">
+                <a16:creationId xmlns:a16="http://schemas.microsoft.com/office/drawing/2014/main" id="{19C6B157-FD19-443E-A0A6-AC363DCB1861}"/>
+              </a:ext>
+            </a:extLst>
+          </p:cNvPr>
+          <p:cNvSpPr>
+            <a:spLocks noGrp="1"/>
+          </p:cNvSpPr>
+          <p:nvPr>
+            <p:ph idx="1"/>
+          </p:nvPr>
+        </p:nvSpPr>
+        <p:spPr>
+          <a:xfrm>
+            <a:off x="793660" y="1"/>
+            <a:ext cx="10143668" cy="6035040"/>
+          </a:xfrm>
+        </p:spPr>
+        <p:txBody>
+          <a:bodyPr vert="horz" lIns="91440" tIns="45720" rIns="91440" bIns="45720" rtlCol="0" anchor="ctr">
+            <a:normAutofit/>
+          </a:bodyPr>
+          <a:lstStyle/>
+          <a:p>
+            <a:pPr marL="0" indent="0">
+              <a:buNone/>
+            </a:pPr>
+            <a:r>
+              <a:rPr lang="en-US" sz="2400" dirty="0" err="1"/>
+              <a:t>Analyse</a:t>
+            </a:r>
+            <a:r>
+              <a:rPr lang="en-US" sz="2400" dirty="0"/>
+              <a:t> der </a:t>
+            </a:r>
+            <a:r>
+              <a:rPr lang="en-US" sz="2400" dirty="0" err="1"/>
+              <a:t>Prädiktions-Raten</a:t>
+            </a:r>
+            <a:r>
+              <a:rPr lang="en-US" sz="2400" dirty="0"/>
+              <a:t> und </a:t>
+            </a:r>
+            <a:r>
+              <a:rPr lang="en-US" sz="2400" dirty="0" err="1"/>
+              <a:t>Zuweisung</a:t>
+            </a:r>
+            <a:r>
+              <a:rPr lang="en-US" sz="2400" dirty="0"/>
+              <a:t> </a:t>
+            </a:r>
+            <a:r>
+              <a:rPr lang="en-US" sz="2400" dirty="0" err="1"/>
+              <a:t>eines</a:t>
+            </a:r>
+            <a:r>
+              <a:rPr lang="en-US" sz="2400" dirty="0"/>
+              <a:t> Thresholds</a:t>
+            </a:r>
+          </a:p>
+          <a:p>
+            <a:r>
+              <a:rPr lang="en-US" sz="2400" dirty="0" err="1"/>
+              <a:t>Ausschneiden</a:t>
+            </a:r>
+            <a:r>
+              <a:rPr lang="en-US" sz="2400" dirty="0"/>
+              <a:t> </a:t>
+            </a:r>
+            <a:r>
+              <a:rPr lang="en-US" sz="2400" dirty="0" err="1"/>
+              <a:t>mit</a:t>
+            </a:r>
+            <a:r>
+              <a:rPr lang="en-US" sz="2400" dirty="0"/>
+              <a:t> </a:t>
+            </a:r>
+            <a:r>
+              <a:rPr lang="en-US" sz="2400" dirty="0" err="1"/>
+              <a:t>Hilfe</a:t>
+            </a:r>
+            <a:r>
+              <a:rPr lang="en-US" sz="2400" dirty="0"/>
+              <a:t> der Bounding Boxes</a:t>
+            </a:r>
+          </a:p>
+        </p:txBody>
+      </p:sp>
+      <p:pic>
+        <p:nvPicPr>
+          <p:cNvPr id="24" name="Inhaltsplatzhalter 4">
+            <a:extLst>
+              <a:ext uri="{FF2B5EF4-FFF2-40B4-BE49-F238E27FC236}">
+                <a16:creationId xmlns:a16="http://schemas.microsoft.com/office/drawing/2014/main" id="{A09946AC-3825-472F-AD94-84CA810FF66D}"/>
+              </a:ext>
+            </a:extLst>
+          </p:cNvPr>
+          <p:cNvPicPr>
+            <a:picLocks noChangeAspect="1"/>
+          </p:cNvPicPr>
+          <p:nvPr/>
+        </p:nvPicPr>
+        <p:blipFill>
+          <a:blip r:embed="rId2"/>
+          <a:stretch>
+            <a:fillRect/>
+          </a:stretch>
+        </p:blipFill>
+        <p:spPr>
+          <a:xfrm>
+            <a:off x="312459" y="4124794"/>
+            <a:ext cx="2285412" cy="1566069"/>
+          </a:xfrm>
+          <a:prstGeom prst="rect">
+            <a:avLst/>
+          </a:prstGeom>
+          <a:solidFill>
+            <a:srgbClr val="FFFFFF">
+              <a:shade val="85000"/>
+            </a:srgbClr>
+          </a:solidFill>
+          <a:ln w="190500" cap="rnd">
+            <a:solidFill>
+              <a:srgbClr val="FFFFFF"/>
+            </a:solidFill>
+          </a:ln>
+          <a:effectLst>
+            <a:outerShdw blurRad="50000" algn="tl" rotWithShape="0">
+              <a:srgbClr val="000000">
+                <a:alpha val="41000"/>
+              </a:srgbClr>
+            </a:outerShdw>
+          </a:effectLst>
+          <a:scene3d>
+            <a:camera prst="orthographicFront"/>
+            <a:lightRig rig="twoPt" dir="t">
+              <a:rot lat="0" lon="0" rev="7800000"/>
+            </a:lightRig>
+          </a:scene3d>
+          <a:sp3d contourW="6350">
+            <a:bevelT w="50800" h="16510"/>
+            <a:contourClr>
+              <a:srgbClr val="C0C0C0"/>
+            </a:contourClr>
+          </a:sp3d>
+        </p:spPr>
+      </p:pic>
+      <p:pic>
+        <p:nvPicPr>
+          <p:cNvPr id="29" name="Grafik 28">
+            <a:extLst>
+              <a:ext uri="{FF2B5EF4-FFF2-40B4-BE49-F238E27FC236}">
+                <a16:creationId xmlns:a16="http://schemas.microsoft.com/office/drawing/2014/main" id="{3A17418C-F3BE-4B41-A62A-60AC11EF737F}"/>
+              </a:ext>
+            </a:extLst>
+          </p:cNvPr>
+          <p:cNvPicPr>
+            <a:picLocks noChangeAspect="1"/>
+          </p:cNvPicPr>
+          <p:nvPr/>
+        </p:nvPicPr>
+        <p:blipFill>
+          <a:blip r:embed="rId3"/>
+          <a:stretch>
+            <a:fillRect/>
+          </a:stretch>
+        </p:blipFill>
+        <p:spPr>
+          <a:xfrm>
+            <a:off x="3977979" y="3760065"/>
+            <a:ext cx="2276475" cy="2295525"/>
+          </a:xfrm>
+          <a:prstGeom prst="rect">
+            <a:avLst/>
+          </a:prstGeom>
+          <a:solidFill>
+            <a:srgbClr val="FFFFFF">
+              <a:shade val="85000"/>
+            </a:srgbClr>
+          </a:solidFill>
+          <a:ln w="190500" cap="rnd">
+            <a:solidFill>
+              <a:srgbClr val="FFFFFF"/>
+            </a:solidFill>
+          </a:ln>
+          <a:effectLst>
+            <a:outerShdw blurRad="50000" algn="tl" rotWithShape="0">
+              <a:srgbClr val="000000">
+                <a:alpha val="41000"/>
+              </a:srgbClr>
+            </a:outerShdw>
+          </a:effectLst>
+          <a:scene3d>
+            <a:camera prst="orthographicFront"/>
+            <a:lightRig rig="twoPt" dir="t">
+              <a:rot lat="0" lon="0" rev="7800000"/>
+            </a:lightRig>
+          </a:scene3d>
+          <a:sp3d contourW="6350">
+            <a:bevelT w="50800" h="16510"/>
+            <a:contourClr>
+              <a:srgbClr val="C0C0C0"/>
+            </a:contourClr>
+          </a:sp3d>
+        </p:spPr>
+      </p:pic>
+      <p:pic>
+        <p:nvPicPr>
+          <p:cNvPr id="30" name="Grafik 29">
+            <a:extLst>
+              <a:ext uri="{FF2B5EF4-FFF2-40B4-BE49-F238E27FC236}">
+                <a16:creationId xmlns:a16="http://schemas.microsoft.com/office/drawing/2014/main" id="{14D01D2D-565D-4A52-A50F-B3480C3D959B}"/>
+              </a:ext>
+            </a:extLst>
+          </p:cNvPr>
+          <p:cNvPicPr>
+            <a:picLocks noChangeAspect="1"/>
+          </p:cNvPicPr>
+          <p:nvPr/>
+        </p:nvPicPr>
+        <p:blipFill>
+          <a:blip r:embed="rId4"/>
+          <a:stretch>
+            <a:fillRect/>
+          </a:stretch>
+        </p:blipFill>
+        <p:spPr>
+          <a:xfrm>
+            <a:off x="7529571" y="3407970"/>
+            <a:ext cx="3808850" cy="2831305"/>
+          </a:xfrm>
+          <a:prstGeom prst="rect">
+            <a:avLst/>
+          </a:prstGeom>
+          <a:solidFill>
+            <a:srgbClr val="FFFFFF">
+              <a:shade val="85000"/>
+            </a:srgbClr>
+          </a:solidFill>
+          <a:ln w="190500" cap="rnd">
+            <a:solidFill>
+              <a:srgbClr val="FFFFFF"/>
+            </a:solidFill>
+          </a:ln>
+          <a:effectLst>
+            <a:outerShdw blurRad="50000" algn="tl" rotWithShape="0">
+              <a:srgbClr val="000000">
+                <a:alpha val="41000"/>
+              </a:srgbClr>
+            </a:outerShdw>
+          </a:effectLst>
+          <a:scene3d>
+            <a:camera prst="orthographicFront"/>
+            <a:lightRig rig="twoPt" dir="t">
+              <a:rot lat="0" lon="0" rev="7800000"/>
+            </a:lightRig>
+          </a:scene3d>
+          <a:sp3d contourW="6350">
+            <a:bevelT w="50800" h="16510"/>
+            <a:contourClr>
+              <a:srgbClr val="C0C0C0"/>
+            </a:contourClr>
+          </a:sp3d>
+        </p:spPr>
+      </p:pic>
+      <p:sp>
+        <p:nvSpPr>
+          <p:cNvPr id="34" name="Pfeil: nach rechts 33">
+            <a:extLst>
+              <a:ext uri="{FF2B5EF4-FFF2-40B4-BE49-F238E27FC236}">
+                <a16:creationId xmlns:a16="http://schemas.microsoft.com/office/drawing/2014/main" id="{9C4AB75B-5C37-41F2-8477-B67471A4794C}"/>
+              </a:ext>
+            </a:extLst>
+          </p:cNvPr>
+          <p:cNvSpPr/>
+          <p:nvPr/>
+        </p:nvSpPr>
+        <p:spPr>
+          <a:xfrm>
+            <a:off x="2864266" y="4620803"/>
+            <a:ext cx="978542" cy="751092"/>
+          </a:xfrm>
+          <a:prstGeom prst="rightArrow">
+            <a:avLst/>
+          </a:prstGeom>
+          <a:gradFill flip="none" rotWithShape="1">
+            <a:gsLst>
+              <a:gs pos="0">
+                <a:schemeClr val="accent6">
+                  <a:lumMod val="67000"/>
+                </a:schemeClr>
+              </a:gs>
+              <a:gs pos="48000">
+                <a:schemeClr val="accent6">
+                  <a:lumMod val="97000"/>
+                  <a:lumOff val="3000"/>
+                </a:schemeClr>
+              </a:gs>
+              <a:gs pos="100000">
+                <a:schemeClr val="accent6">
+                  <a:lumMod val="60000"/>
+                  <a:lumOff val="40000"/>
+                </a:schemeClr>
+              </a:gs>
+            </a:gsLst>
+            <a:lin ang="16200000" scaled="1"/>
+            <a:tileRect/>
+          </a:gradFill>
+          <a:ln>
+            <a:noFill/>
+          </a:ln>
+        </p:spPr>
+        <p:style>
+          <a:lnRef idx="0">
+            <a:scrgbClr r="0" g="0" b="0"/>
+          </a:lnRef>
+          <a:fillRef idx="0">
+            <a:scrgbClr r="0" g="0" b="0"/>
+          </a:fillRef>
+          <a:effectRef idx="0">
+            <a:scrgbClr r="0" g="0" b="0"/>
+          </a:effectRef>
+          <a:fontRef idx="minor">
+            <a:schemeClr val="lt1"/>
+          </a:fontRef>
+        </p:style>
+        <p:txBody>
+          <a:bodyPr rtlCol="0" anchor="ctr"/>
+          <a:lstStyle/>
+          <a:p>
+            <a:pPr algn="ctr"/>
+            <a:endParaRPr lang="de-AT"/>
+          </a:p>
+        </p:txBody>
+      </p:sp>
+      <p:sp>
+        <p:nvSpPr>
+          <p:cNvPr id="35" name="Pfeil: nach rechts 34">
+            <a:extLst>
+              <a:ext uri="{FF2B5EF4-FFF2-40B4-BE49-F238E27FC236}">
+                <a16:creationId xmlns:a16="http://schemas.microsoft.com/office/drawing/2014/main" id="{44E63781-70BA-414F-9269-A35B22071AA1}"/>
+              </a:ext>
+            </a:extLst>
+          </p:cNvPr>
+          <p:cNvSpPr/>
+          <p:nvPr/>
+        </p:nvSpPr>
+        <p:spPr>
+          <a:xfrm>
+            <a:off x="6443077" y="4620803"/>
+            <a:ext cx="978542" cy="751092"/>
+          </a:xfrm>
+          <a:prstGeom prst="rightArrow">
+            <a:avLst/>
+          </a:prstGeom>
+          <a:gradFill flip="none" rotWithShape="1">
+            <a:gsLst>
+              <a:gs pos="0">
+                <a:schemeClr val="accent6">
+                  <a:lumMod val="67000"/>
+                </a:schemeClr>
+              </a:gs>
+              <a:gs pos="48000">
+                <a:schemeClr val="accent6">
+                  <a:lumMod val="97000"/>
+                  <a:lumOff val="3000"/>
+                </a:schemeClr>
+              </a:gs>
+              <a:gs pos="100000">
+                <a:schemeClr val="accent6">
+                  <a:lumMod val="60000"/>
+                  <a:lumOff val="40000"/>
+                </a:schemeClr>
+              </a:gs>
+            </a:gsLst>
+            <a:lin ang="16200000" scaled="1"/>
+            <a:tileRect/>
+          </a:gradFill>
+          <a:ln>
+            <a:noFill/>
+          </a:ln>
+        </p:spPr>
+        <p:style>
+          <a:lnRef idx="0">
+            <a:scrgbClr r="0" g="0" b="0"/>
+          </a:lnRef>
+          <a:fillRef idx="0">
+            <a:scrgbClr r="0" g="0" b="0"/>
+          </a:fillRef>
+          <a:effectRef idx="0">
+            <a:scrgbClr r="0" g="0" b="0"/>
+          </a:effectRef>
+          <a:fontRef idx="minor">
+            <a:schemeClr val="lt1"/>
+          </a:fontRef>
+        </p:style>
+        <p:txBody>
+          <a:bodyPr rtlCol="0" anchor="ctr"/>
+          <a:lstStyle/>
+          <a:p>
+            <a:pPr algn="ctr"/>
             <a:endParaRPr lang="de-AT"/>
           </a:p>
         </p:txBody>
@@ -12154,6 +14354,14 @@
 <file path=ppt/slides/slide8.xml><?xml version="1.0" encoding="utf-8"?>
 <p:sld xmlns:a="http://schemas.openxmlformats.org/drawingml/2006/main" xmlns:r="http://schemas.openxmlformats.org/officeDocument/2006/relationships" xmlns:p="http://schemas.openxmlformats.org/presentationml/2006/main">
   <p:cSld>
+    <p:bg>
+      <p:bgPr>
+        <a:solidFill>
+          <a:schemeClr val="bg1"/>
+        </a:solidFill>
+        <a:effectLst/>
+      </p:bgPr>
+    </p:bg>
     <p:spTree>
       <p:nvGrpSpPr>
         <p:cNvPr id="1" name=""/>
@@ -12168,6 +14376,66 @@
           <a:chExt cx="0" cy="0"/>
         </a:xfrm>
       </p:grpSpPr>
+      <p:sp useBgFill="1">
+        <p:nvSpPr>
+          <p:cNvPr id="11" name="Rectangle 10">
+            <a:extLst>
+              <a:ext uri="{FF2B5EF4-FFF2-40B4-BE49-F238E27FC236}">
+                <a16:creationId xmlns:a16="http://schemas.microsoft.com/office/drawing/2014/main" id="{26CAED0A-2A45-4C9C-BCDD-21A8A092C5F3}"/>
+              </a:ext>
+              <a:ext uri="{C183D7F6-B498-43B3-948B-1728B52AA6E4}">
+                <adec:decorative xmlns:adec="http://schemas.microsoft.com/office/drawing/2017/decorative" val="1"/>
+              </a:ext>
+            </a:extLst>
+          </p:cNvPr>
+          <p:cNvSpPr>
+            <a:spLocks noGrp="1" noRot="1" noChangeAspect="1" noMove="1" noResize="1" noEditPoints="1" noAdjustHandles="1" noChangeArrowheads="1" noChangeShapeType="1" noTextEdit="1"/>
+          </p:cNvSpPr>
+          <p:nvPr>
+            <p:extLst>
+              <p:ext uri="{386F3935-93C4-4BCD-93E2-E3B085C9AB24}">
+                <p16:designElem xmlns:p16="http://schemas.microsoft.com/office/powerpoint/2015/main" val="1"/>
+              </p:ext>
+            </p:extLst>
+          </p:nvPr>
+        </p:nvSpPr>
+        <p:spPr>
+          <a:xfrm>
+            <a:off x="0" y="0"/>
+            <a:ext cx="12191999" cy="6857365"/>
+          </a:xfrm>
+          <a:prstGeom prst="rect">
+            <a:avLst/>
+          </a:prstGeom>
+          <a:ln>
+            <a:noFill/>
+          </a:ln>
+        </p:spPr>
+        <p:style>
+          <a:lnRef idx="2">
+            <a:schemeClr val="accent1">
+              <a:shade val="50000"/>
+            </a:schemeClr>
+          </a:lnRef>
+          <a:fillRef idx="1">
+            <a:schemeClr val="accent1"/>
+          </a:fillRef>
+          <a:effectRef idx="0">
+            <a:schemeClr val="accent1"/>
+          </a:effectRef>
+          <a:fontRef idx="minor">
+            <a:schemeClr val="lt1"/>
+          </a:fontRef>
+        </p:style>
+        <p:txBody>
+          <a:bodyPr rtlCol="0" anchor="ctr"/>
+          <a:lstStyle/>
+          <a:p>
+            <a:pPr algn="ctr"/>
+            <a:endParaRPr lang="en-US"/>
+          </a:p>
+        </p:txBody>
+      </p:sp>
       <p:sp>
         <p:nvSpPr>
           <p:cNvPr id="2" name="Titel 1">
@@ -12184,15 +14452,155 @@
             <p:ph type="title"/>
           </p:nvPr>
         </p:nvSpPr>
-        <p:spPr/>
+        <p:spPr>
+          <a:xfrm>
+            <a:off x="793662" y="386930"/>
+            <a:ext cx="10066122" cy="1298448"/>
+          </a:xfrm>
+        </p:spPr>
         <p:txBody>
-          <a:bodyPr/>
+          <a:bodyPr anchor="b">
+            <a:normAutofit/>
+          </a:bodyPr>
           <a:lstStyle/>
           <a:p>
             <a:r>
-              <a:rPr lang="de-AT" dirty="0"/>
+              <a:rPr lang="de-AT" sz="4800" dirty="0"/>
               <a:t>Feature Detektion – 1. Lösungsansatz</a:t>
             </a:r>
+          </a:p>
+        </p:txBody>
+      </p:sp>
+      <p:sp>
+        <p:nvSpPr>
+          <p:cNvPr id="13" name="Rectangle 12">
+            <a:extLst>
+              <a:ext uri="{FF2B5EF4-FFF2-40B4-BE49-F238E27FC236}">
+                <a16:creationId xmlns:a16="http://schemas.microsoft.com/office/drawing/2014/main" id="{3A9A4357-BD1D-4622-A4FE-766E6AB8DE84}"/>
+              </a:ext>
+              <a:ext uri="{C183D7F6-B498-43B3-948B-1728B52AA6E4}">
+                <adec:decorative xmlns:adec="http://schemas.microsoft.com/office/drawing/2017/decorative" val="1"/>
+              </a:ext>
+            </a:extLst>
+          </p:cNvPr>
+          <p:cNvSpPr>
+            <a:spLocks noGrp="1" noRot="1" noChangeAspect="1" noMove="1" noResize="1" noEditPoints="1" noAdjustHandles="1" noChangeArrowheads="1" noChangeShapeType="1" noTextEdit="1"/>
+          </p:cNvSpPr>
+          <p:nvPr>
+            <p:extLst>
+              <p:ext uri="{386F3935-93C4-4BCD-93E2-E3B085C9AB24}">
+                <p16:designElem xmlns:p16="http://schemas.microsoft.com/office/powerpoint/2015/main" val="1"/>
+              </p:ext>
+            </p:extLst>
+          </p:nvPr>
+        </p:nvSpPr>
+        <p:spPr>
+          <a:xfrm flipH="1" flipV="1">
+            <a:off x="-2" y="1998845"/>
+            <a:ext cx="11454595" cy="781699"/>
+          </a:xfrm>
+          <a:prstGeom prst="rect">
+            <a:avLst/>
+          </a:prstGeom>
+          <a:solidFill>
+            <a:schemeClr val="accent4"/>
+          </a:solidFill>
+          <a:ln>
+            <a:noFill/>
+          </a:ln>
+        </p:spPr>
+        <p:style>
+          <a:lnRef idx="2">
+            <a:schemeClr val="accent1">
+              <a:shade val="50000"/>
+            </a:schemeClr>
+          </a:lnRef>
+          <a:fillRef idx="1">
+            <a:schemeClr val="accent1"/>
+          </a:fillRef>
+          <a:effectRef idx="0">
+            <a:schemeClr val="accent1"/>
+          </a:effectRef>
+          <a:fontRef idx="minor">
+            <a:schemeClr val="lt1"/>
+          </a:fontRef>
+        </p:style>
+        <p:txBody>
+          <a:bodyPr rtlCol="0" anchor="ctr"/>
+          <a:lstStyle/>
+          <a:p>
+            <a:pPr algn="ctr"/>
+            <a:endParaRPr lang="en-US"/>
+          </a:p>
+        </p:txBody>
+      </p:sp>
+      <p:sp>
+        <p:nvSpPr>
+          <p:cNvPr id="15" name="Rectangle 14">
+            <a:extLst>
+              <a:ext uri="{FF2B5EF4-FFF2-40B4-BE49-F238E27FC236}">
+                <a16:creationId xmlns:a16="http://schemas.microsoft.com/office/drawing/2014/main" id="{E659831F-0D9A-4C63-9EBB-8435B85A440F}"/>
+              </a:ext>
+              <a:ext uri="{C183D7F6-B498-43B3-948B-1728B52AA6E4}">
+                <adec:decorative xmlns:adec="http://schemas.microsoft.com/office/drawing/2017/decorative" val="1"/>
+              </a:ext>
+            </a:extLst>
+          </p:cNvPr>
+          <p:cNvSpPr>
+            <a:spLocks noGrp="1" noRot="1" noChangeAspect="1" noMove="1" noResize="1" noEditPoints="1" noAdjustHandles="1" noChangeArrowheads="1" noChangeShapeType="1" noTextEdit="1"/>
+          </p:cNvSpPr>
+          <p:nvPr>
+            <p:extLst>
+              <p:ext uri="{386F3935-93C4-4BCD-93E2-E3B085C9AB24}">
+                <p16:designElem xmlns:p16="http://schemas.microsoft.com/office/powerpoint/2015/main" val="1"/>
+              </p:ext>
+            </p:extLst>
+          </p:nvPr>
+        </p:nvSpPr>
+        <p:spPr>
+          <a:xfrm>
+            <a:off x="0" y="2203079"/>
+            <a:ext cx="11383362" cy="4267991"/>
+          </a:xfrm>
+          <a:prstGeom prst="rect">
+            <a:avLst/>
+          </a:prstGeom>
+          <a:solidFill>
+            <a:schemeClr val="bg1"/>
+          </a:solidFill>
+          <a:ln>
+            <a:noFill/>
+          </a:ln>
+          <a:effectLst>
+            <a:outerShdw blurRad="139700" dist="127000" dir="5400000" algn="t" rotWithShape="0">
+              <a:prstClr val="black">
+                <a:alpha val="15000"/>
+              </a:prstClr>
+            </a:outerShdw>
+          </a:effectLst>
+        </p:spPr>
+        <p:style>
+          <a:lnRef idx="2">
+            <a:schemeClr val="accent1">
+              <a:shade val="50000"/>
+            </a:schemeClr>
+          </a:lnRef>
+          <a:fillRef idx="1">
+            <a:schemeClr val="accent1"/>
+          </a:fillRef>
+          <a:effectRef idx="0">
+            <a:schemeClr val="accent1"/>
+          </a:effectRef>
+          <a:fontRef idx="minor">
+            <a:schemeClr val="lt1"/>
+          </a:fontRef>
+        </p:style>
+        <p:txBody>
+          <a:bodyPr rtlCol="0" anchor="ctr"/>
+          <a:lstStyle/>
+          <a:p>
+            <a:pPr algn="ctr"/>
+            <a:endParaRPr lang="en-US"/>
           </a:p>
         </p:txBody>
       </p:sp>
@@ -12212,44 +14620,129 @@
             <p:ph idx="1"/>
           </p:nvPr>
         </p:nvSpPr>
-        <p:spPr/>
+        <p:spPr>
+          <a:xfrm>
+            <a:off x="419878" y="2599509"/>
+            <a:ext cx="4534507" cy="3598989"/>
+          </a:xfrm>
+        </p:spPr>
         <p:txBody>
-          <a:bodyPr/>
+          <a:bodyPr anchor="ctr">
+            <a:normAutofit/>
+          </a:bodyPr>
           <a:lstStyle/>
           <a:p>
             <a:r>
-              <a:rPr lang="de-AT" dirty="0"/>
-              <a:t>Rotieren und Template </a:t>
-            </a:r>
-            <a:r>
-              <a:rPr lang="de-AT" dirty="0" err="1"/>
+              <a:rPr lang="de-AT" sz="2000" dirty="0"/>
+              <a:t>Rotieren und Template-</a:t>
+            </a:r>
+            <a:r>
+              <a:rPr lang="de-AT" sz="2000" dirty="0" err="1"/>
               <a:t>Matching</a:t>
             </a:r>
             <a:r>
-              <a:rPr lang="de-AT" dirty="0"/>
+              <a:rPr lang="de-AT" sz="2000" dirty="0"/>
               <a:t> für richtige Position von Indy</a:t>
             </a:r>
           </a:p>
           <a:p>
             <a:r>
-              <a:rPr lang="de-AT" dirty="0"/>
-              <a:t>Template </a:t>
-            </a:r>
-            <a:r>
-              <a:rPr lang="de-AT" dirty="0" err="1"/>
+              <a:rPr lang="de-AT" sz="2000" dirty="0"/>
+              <a:t>Template-</a:t>
+            </a:r>
+            <a:r>
+              <a:rPr lang="de-AT" sz="2000" dirty="0" err="1"/>
               <a:t>Matching</a:t>
             </a:r>
             <a:r>
-              <a:rPr lang="de-AT" dirty="0"/>
+              <a:rPr lang="de-AT" sz="2000" dirty="0"/>
               <a:t> der einzelnen Features</a:t>
             </a:r>
+          </a:p>
+          <a:p>
+            <a:pPr marL="457200" lvl="1" indent="0">
+              <a:buNone/>
+            </a:pPr>
+            <a:endParaRPr lang="de-AT" sz="2000" dirty="0"/>
+          </a:p>
+          <a:p>
+            <a:pPr marL="0" indent="0">
+              <a:buNone/>
+            </a:pPr>
+            <a:r>
+              <a:rPr lang="de-AT" sz="2000" dirty="0"/>
+              <a:t> </a:t>
+            </a:r>
+          </a:p>
+        </p:txBody>
+      </p:sp>
+      <p:sp>
+        <p:nvSpPr>
+          <p:cNvPr id="17" name="Rectangle 16">
+            <a:extLst>
+              <a:ext uri="{FF2B5EF4-FFF2-40B4-BE49-F238E27FC236}">
+                <a16:creationId xmlns:a16="http://schemas.microsoft.com/office/drawing/2014/main" id="{E6995CE5-F890-4ABA-82A2-26507CE8D2A3}"/>
+              </a:ext>
+              <a:ext uri="{C183D7F6-B498-43B3-948B-1728B52AA6E4}">
+                <adec:decorative xmlns:adec="http://schemas.microsoft.com/office/drawing/2017/decorative" val="1"/>
+              </a:ext>
+            </a:extLst>
+          </p:cNvPr>
+          <p:cNvSpPr>
+            <a:spLocks noGrp="1" noRot="1" noChangeAspect="1" noMove="1" noResize="1" noEditPoints="1" noAdjustHandles="1" noChangeArrowheads="1" noChangeShapeType="1" noTextEdit="1"/>
+          </p:cNvSpPr>
+          <p:nvPr>
+            <p:extLst>
+              <p:ext uri="{386F3935-93C4-4BCD-93E2-E3B085C9AB24}">
+                <p16:designElem xmlns:p16="http://schemas.microsoft.com/office/powerpoint/2015/main" val="1"/>
+              </p:ext>
+            </p:extLst>
+          </p:nvPr>
+        </p:nvSpPr>
+        <p:spPr>
+          <a:xfrm rot="5400000">
+            <a:off x="11228040" y="2313027"/>
+            <a:ext cx="781700" cy="152382"/>
+          </a:xfrm>
+          <a:prstGeom prst="rect">
+            <a:avLst/>
+          </a:prstGeom>
+          <a:solidFill>
+            <a:schemeClr val="accent4"/>
+          </a:solidFill>
+          <a:ln>
+            <a:noFill/>
+          </a:ln>
+        </p:spPr>
+        <p:style>
+          <a:lnRef idx="2">
+            <a:schemeClr val="accent1">
+              <a:shade val="50000"/>
+            </a:schemeClr>
+          </a:lnRef>
+          <a:fillRef idx="1">
+            <a:schemeClr val="accent1"/>
+          </a:fillRef>
+          <a:effectRef idx="0">
+            <a:schemeClr val="accent1"/>
+          </a:effectRef>
+          <a:fontRef idx="minor">
+            <a:schemeClr val="lt1"/>
+          </a:fontRef>
+        </p:style>
+        <p:txBody>
+          <a:bodyPr rtlCol="0" anchor="ctr"/>
+          <a:lstStyle/>
+          <a:p>
+            <a:pPr algn="ctr"/>
+            <a:endParaRPr lang="en-US"/>
           </a:p>
         </p:txBody>
       </p:sp>
     </p:spTree>
     <p:extLst>
       <p:ext uri="{BB962C8B-B14F-4D97-AF65-F5344CB8AC3E}">
-        <p14:creationId xmlns:p14="http://schemas.microsoft.com/office/powerpoint/2010/main" val="1117665653"/>
+        <p14:creationId xmlns:p14="http://schemas.microsoft.com/office/powerpoint/2010/main" val="3562475818"/>
       </p:ext>
     </p:extLst>
   </p:cSld>
@@ -12262,6 +14755,14 @@
 <file path=ppt/slides/slide9.xml><?xml version="1.0" encoding="utf-8"?>
 <p:sld xmlns:a="http://schemas.openxmlformats.org/drawingml/2006/main" xmlns:r="http://schemas.openxmlformats.org/officeDocument/2006/relationships" xmlns:p="http://schemas.openxmlformats.org/presentationml/2006/main">
   <p:cSld>
+    <p:bg>
+      <p:bgPr>
+        <a:solidFill>
+          <a:schemeClr val="bg1"/>
+        </a:solidFill>
+        <a:effectLst/>
+      </p:bgPr>
+    </p:bg>
     <p:spTree>
       <p:nvGrpSpPr>
         <p:cNvPr id="1" name=""/>
@@ -12276,6 +14777,66 @@
           <a:chExt cx="0" cy="0"/>
         </a:xfrm>
       </p:grpSpPr>
+      <p:sp useBgFill="1">
+        <p:nvSpPr>
+          <p:cNvPr id="11" name="Rectangle 10">
+            <a:extLst>
+              <a:ext uri="{FF2B5EF4-FFF2-40B4-BE49-F238E27FC236}">
+                <a16:creationId xmlns:a16="http://schemas.microsoft.com/office/drawing/2014/main" id="{26CAED0A-2A45-4C9C-BCDD-21A8A092C5F3}"/>
+              </a:ext>
+              <a:ext uri="{C183D7F6-B498-43B3-948B-1728B52AA6E4}">
+                <adec:decorative xmlns:adec="http://schemas.microsoft.com/office/drawing/2017/decorative" val="1"/>
+              </a:ext>
+            </a:extLst>
+          </p:cNvPr>
+          <p:cNvSpPr>
+            <a:spLocks noGrp="1" noRot="1" noChangeAspect="1" noMove="1" noResize="1" noEditPoints="1" noAdjustHandles="1" noChangeArrowheads="1" noChangeShapeType="1" noTextEdit="1"/>
+          </p:cNvSpPr>
+          <p:nvPr>
+            <p:extLst>
+              <p:ext uri="{386F3935-93C4-4BCD-93E2-E3B085C9AB24}">
+                <p16:designElem xmlns:p16="http://schemas.microsoft.com/office/powerpoint/2015/main" val="1"/>
+              </p:ext>
+            </p:extLst>
+          </p:nvPr>
+        </p:nvSpPr>
+        <p:spPr>
+          <a:xfrm>
+            <a:off x="0" y="0"/>
+            <a:ext cx="12191999" cy="6857365"/>
+          </a:xfrm>
+          <a:prstGeom prst="rect">
+            <a:avLst/>
+          </a:prstGeom>
+          <a:ln>
+            <a:noFill/>
+          </a:ln>
+        </p:spPr>
+        <p:style>
+          <a:lnRef idx="2">
+            <a:schemeClr val="accent1">
+              <a:shade val="50000"/>
+            </a:schemeClr>
+          </a:lnRef>
+          <a:fillRef idx="1">
+            <a:schemeClr val="accent1"/>
+          </a:fillRef>
+          <a:effectRef idx="0">
+            <a:schemeClr val="accent1"/>
+          </a:effectRef>
+          <a:fontRef idx="minor">
+            <a:schemeClr val="lt1"/>
+          </a:fontRef>
+        </p:style>
+        <p:txBody>
+          <a:bodyPr rtlCol="0" anchor="ctr"/>
+          <a:lstStyle/>
+          <a:p>
+            <a:pPr algn="ctr"/>
+            <a:endParaRPr lang="en-US"/>
+          </a:p>
+        </p:txBody>
+      </p:sp>
       <p:sp>
         <p:nvSpPr>
           <p:cNvPr id="2" name="Titel 1">
@@ -12292,15 +14853,155 @@
             <p:ph type="title"/>
           </p:nvPr>
         </p:nvSpPr>
-        <p:spPr/>
+        <p:spPr>
+          <a:xfrm>
+            <a:off x="793662" y="386930"/>
+            <a:ext cx="10066122" cy="1298448"/>
+          </a:xfrm>
+        </p:spPr>
         <p:txBody>
-          <a:bodyPr/>
+          <a:bodyPr anchor="b">
+            <a:normAutofit/>
+          </a:bodyPr>
           <a:lstStyle/>
           <a:p>
             <a:r>
-              <a:rPr lang="de-AT" dirty="0"/>
+              <a:rPr lang="de-AT" sz="4800" dirty="0"/>
               <a:t>Feature Detektion – 2. Lösungsansatz</a:t>
             </a:r>
+          </a:p>
+        </p:txBody>
+      </p:sp>
+      <p:sp>
+        <p:nvSpPr>
+          <p:cNvPr id="13" name="Rectangle 12">
+            <a:extLst>
+              <a:ext uri="{FF2B5EF4-FFF2-40B4-BE49-F238E27FC236}">
+                <a16:creationId xmlns:a16="http://schemas.microsoft.com/office/drawing/2014/main" id="{3A9A4357-BD1D-4622-A4FE-766E6AB8DE84}"/>
+              </a:ext>
+              <a:ext uri="{C183D7F6-B498-43B3-948B-1728B52AA6E4}">
+                <adec:decorative xmlns:adec="http://schemas.microsoft.com/office/drawing/2017/decorative" val="1"/>
+              </a:ext>
+            </a:extLst>
+          </p:cNvPr>
+          <p:cNvSpPr>
+            <a:spLocks noGrp="1" noRot="1" noChangeAspect="1" noMove="1" noResize="1" noEditPoints="1" noAdjustHandles="1" noChangeArrowheads="1" noChangeShapeType="1" noTextEdit="1"/>
+          </p:cNvSpPr>
+          <p:nvPr>
+            <p:extLst>
+              <p:ext uri="{386F3935-93C4-4BCD-93E2-E3B085C9AB24}">
+                <p16:designElem xmlns:p16="http://schemas.microsoft.com/office/powerpoint/2015/main" val="1"/>
+              </p:ext>
+            </p:extLst>
+          </p:nvPr>
+        </p:nvSpPr>
+        <p:spPr>
+          <a:xfrm flipH="1" flipV="1">
+            <a:off x="-2" y="1998845"/>
+            <a:ext cx="11454595" cy="781699"/>
+          </a:xfrm>
+          <a:prstGeom prst="rect">
+            <a:avLst/>
+          </a:prstGeom>
+          <a:solidFill>
+            <a:schemeClr val="accent4"/>
+          </a:solidFill>
+          <a:ln>
+            <a:noFill/>
+          </a:ln>
+        </p:spPr>
+        <p:style>
+          <a:lnRef idx="2">
+            <a:schemeClr val="accent1">
+              <a:shade val="50000"/>
+            </a:schemeClr>
+          </a:lnRef>
+          <a:fillRef idx="1">
+            <a:schemeClr val="accent1"/>
+          </a:fillRef>
+          <a:effectRef idx="0">
+            <a:schemeClr val="accent1"/>
+          </a:effectRef>
+          <a:fontRef idx="minor">
+            <a:schemeClr val="lt1"/>
+          </a:fontRef>
+        </p:style>
+        <p:txBody>
+          <a:bodyPr rtlCol="0" anchor="ctr"/>
+          <a:lstStyle/>
+          <a:p>
+            <a:pPr algn="ctr"/>
+            <a:endParaRPr lang="en-US"/>
+          </a:p>
+        </p:txBody>
+      </p:sp>
+      <p:sp>
+        <p:nvSpPr>
+          <p:cNvPr id="15" name="Rectangle 14">
+            <a:extLst>
+              <a:ext uri="{FF2B5EF4-FFF2-40B4-BE49-F238E27FC236}">
+                <a16:creationId xmlns:a16="http://schemas.microsoft.com/office/drawing/2014/main" id="{E659831F-0D9A-4C63-9EBB-8435B85A440F}"/>
+              </a:ext>
+              <a:ext uri="{C183D7F6-B498-43B3-948B-1728B52AA6E4}">
+                <adec:decorative xmlns:adec="http://schemas.microsoft.com/office/drawing/2017/decorative" val="1"/>
+              </a:ext>
+            </a:extLst>
+          </p:cNvPr>
+          <p:cNvSpPr>
+            <a:spLocks noGrp="1" noRot="1" noChangeAspect="1" noMove="1" noResize="1" noEditPoints="1" noAdjustHandles="1" noChangeArrowheads="1" noChangeShapeType="1" noTextEdit="1"/>
+          </p:cNvSpPr>
+          <p:nvPr>
+            <p:extLst>
+              <p:ext uri="{386F3935-93C4-4BCD-93E2-E3B085C9AB24}">
+                <p16:designElem xmlns:p16="http://schemas.microsoft.com/office/powerpoint/2015/main" val="1"/>
+              </p:ext>
+            </p:extLst>
+          </p:nvPr>
+        </p:nvSpPr>
+        <p:spPr>
+          <a:xfrm>
+            <a:off x="0" y="2203079"/>
+            <a:ext cx="11383362" cy="4267991"/>
+          </a:xfrm>
+          <a:prstGeom prst="rect">
+            <a:avLst/>
+          </a:prstGeom>
+          <a:solidFill>
+            <a:schemeClr val="bg1"/>
+          </a:solidFill>
+          <a:ln>
+            <a:noFill/>
+          </a:ln>
+          <a:effectLst>
+            <a:outerShdw blurRad="139700" dist="127000" dir="5400000" algn="t" rotWithShape="0">
+              <a:prstClr val="black">
+                <a:alpha val="15000"/>
+              </a:prstClr>
+            </a:outerShdw>
+          </a:effectLst>
+        </p:spPr>
+        <p:style>
+          <a:lnRef idx="2">
+            <a:schemeClr val="accent1">
+              <a:shade val="50000"/>
+            </a:schemeClr>
+          </a:lnRef>
+          <a:fillRef idx="1">
+            <a:schemeClr val="accent1"/>
+          </a:fillRef>
+          <a:effectRef idx="0">
+            <a:schemeClr val="accent1"/>
+          </a:effectRef>
+          <a:fontRef idx="minor">
+            <a:schemeClr val="lt1"/>
+          </a:fontRef>
+        </p:style>
+        <p:txBody>
+          <a:bodyPr rtlCol="0" anchor="ctr"/>
+          <a:lstStyle/>
+          <a:p>
+            <a:pPr algn="ctr"/>
+            <a:endParaRPr lang="en-US"/>
           </a:p>
         </p:txBody>
       </p:sp>
@@ -12320,34 +15021,119 @@
             <p:ph idx="1"/>
           </p:nvPr>
         </p:nvSpPr>
-        <p:spPr/>
+        <p:spPr>
+          <a:xfrm>
+            <a:off x="419878" y="2599509"/>
+            <a:ext cx="4534507" cy="3598989"/>
+          </a:xfrm>
+        </p:spPr>
         <p:txBody>
-          <a:bodyPr/>
+          <a:bodyPr anchor="ctr">
+            <a:normAutofit/>
+          </a:bodyPr>
           <a:lstStyle/>
           <a:p>
             <a:r>
-              <a:rPr lang="de-AT" dirty="0" err="1"/>
+              <a:rPr lang="de-AT" sz="2000" dirty="0" err="1"/>
               <a:t>OpenCV</a:t>
             </a:r>
             <a:r>
-              <a:rPr lang="de-AT" dirty="0"/>
+              <a:rPr lang="de-AT" sz="2000" dirty="0"/>
               <a:t> Feature </a:t>
             </a:r>
             <a:r>
-              <a:rPr lang="de-AT" dirty="0" err="1"/>
+              <a:rPr lang="de-AT" sz="2000" dirty="0" err="1"/>
               <a:t>Matching</a:t>
             </a:r>
             <a:r>
-              <a:rPr lang="de-AT" dirty="0"/>
+              <a:rPr lang="de-AT" sz="2000" dirty="0"/>
               <a:t> via SIFT </a:t>
             </a:r>
+          </a:p>
+          <a:p>
+            <a:pPr marL="457200" lvl="1" indent="0">
+              <a:buNone/>
+            </a:pPr>
+            <a:endParaRPr lang="de-AT" sz="2000" dirty="0"/>
+          </a:p>
+          <a:p>
+            <a:pPr marL="0" indent="0">
+              <a:buNone/>
+            </a:pPr>
+            <a:r>
+              <a:rPr lang="de-AT" sz="2000" dirty="0"/>
+              <a:t> </a:t>
+            </a:r>
+          </a:p>
+        </p:txBody>
+      </p:sp>
+      <p:sp>
+        <p:nvSpPr>
+          <p:cNvPr id="17" name="Rectangle 16">
+            <a:extLst>
+              <a:ext uri="{FF2B5EF4-FFF2-40B4-BE49-F238E27FC236}">
+                <a16:creationId xmlns:a16="http://schemas.microsoft.com/office/drawing/2014/main" id="{E6995CE5-F890-4ABA-82A2-26507CE8D2A3}"/>
+              </a:ext>
+              <a:ext uri="{C183D7F6-B498-43B3-948B-1728B52AA6E4}">
+                <adec:decorative xmlns:adec="http://schemas.microsoft.com/office/drawing/2017/decorative" val="1"/>
+              </a:ext>
+            </a:extLst>
+          </p:cNvPr>
+          <p:cNvSpPr>
+            <a:spLocks noGrp="1" noRot="1" noChangeAspect="1" noMove="1" noResize="1" noEditPoints="1" noAdjustHandles="1" noChangeArrowheads="1" noChangeShapeType="1" noTextEdit="1"/>
+          </p:cNvSpPr>
+          <p:nvPr>
+            <p:extLst>
+              <p:ext uri="{386F3935-93C4-4BCD-93E2-E3B085C9AB24}">
+                <p16:designElem xmlns:p16="http://schemas.microsoft.com/office/powerpoint/2015/main" val="1"/>
+              </p:ext>
+            </p:extLst>
+          </p:nvPr>
+        </p:nvSpPr>
+        <p:spPr>
+          <a:xfrm rot="5400000">
+            <a:off x="11228040" y="2313027"/>
+            <a:ext cx="781700" cy="152382"/>
+          </a:xfrm>
+          <a:prstGeom prst="rect">
+            <a:avLst/>
+          </a:prstGeom>
+          <a:solidFill>
+            <a:schemeClr val="accent4"/>
+          </a:solidFill>
+          <a:ln>
+            <a:noFill/>
+          </a:ln>
+        </p:spPr>
+        <p:style>
+          <a:lnRef idx="2">
+            <a:schemeClr val="accent1">
+              <a:shade val="50000"/>
+            </a:schemeClr>
+          </a:lnRef>
+          <a:fillRef idx="1">
+            <a:schemeClr val="accent1"/>
+          </a:fillRef>
+          <a:effectRef idx="0">
+            <a:schemeClr val="accent1"/>
+          </a:effectRef>
+          <a:fontRef idx="minor">
+            <a:schemeClr val="lt1"/>
+          </a:fontRef>
+        </p:style>
+        <p:txBody>
+          <a:bodyPr rtlCol="0" anchor="ctr"/>
+          <a:lstStyle/>
+          <a:p>
+            <a:pPr algn="ctr"/>
+            <a:endParaRPr lang="en-US"/>
           </a:p>
         </p:txBody>
       </p:sp>
     </p:spTree>
     <p:extLst>
       <p:ext uri="{BB962C8B-B14F-4D97-AF65-F5344CB8AC3E}">
-        <p14:creationId xmlns:p14="http://schemas.microsoft.com/office/powerpoint/2010/main" val="3722719722"/>
+        <p14:creationId xmlns:p14="http://schemas.microsoft.com/office/powerpoint/2010/main" val="2974257220"/>
       </p:ext>
     </p:extLst>
   </p:cSld>

--- a/presentation/DIP-Project.pptx
+++ b/presentation/DIP-Project.pptx
@@ -5,7 +5,7 @@
     <p:sldMasterId id="2147483648" r:id="rId1"/>
   </p:sldMasterIdLst>
   <p:notesMasterIdLst>
-    <p:notesMasterId r:id="rId13"/>
+    <p:notesMasterId r:id="rId15"/>
   </p:notesMasterIdLst>
   <p:sldIdLst>
     <p:sldId id="256" r:id="rId2"/>
@@ -18,7 +18,9 @@
     <p:sldId id="265" r:id="rId9"/>
     <p:sldId id="267" r:id="rId10"/>
     <p:sldId id="268" r:id="rId11"/>
-    <p:sldId id="262" r:id="rId12"/>
+    <p:sldId id="270" r:id="rId12"/>
+    <p:sldId id="262" r:id="rId13"/>
+    <p:sldId id="269" r:id="rId14"/>
   </p:sldIdLst>
   <p:sldSz cx="12192000" cy="6858000"/>
   <p:notesSz cx="6858000" cy="9144000"/>
@@ -1000,6 +1002,753 @@
 </dgm:colorsDef>
 </file>
 
+<file path=ppt/diagrams/colors2.xml><?xml version="1.0" encoding="utf-8"?>
+<dgm:colorsDef xmlns:dgm="http://schemas.openxmlformats.org/drawingml/2006/diagram" xmlns:a="http://schemas.openxmlformats.org/drawingml/2006/main" uniqueId="urn:microsoft.com/office/officeart/2005/8/colors/accent1_2">
+  <dgm:title val=""/>
+  <dgm:desc val=""/>
+  <dgm:catLst>
+    <dgm:cat type="accent1" pri="11200"/>
+  </dgm:catLst>
+  <dgm:styleLbl name="node0">
+    <dgm:fillClrLst meth="repeat">
+      <a:schemeClr val="accent1"/>
+    </dgm:fillClrLst>
+    <dgm:linClrLst meth="repeat">
+      <a:schemeClr val="lt1"/>
+    </dgm:linClrLst>
+    <dgm:effectClrLst/>
+    <dgm:txLinClrLst/>
+    <dgm:txFillClrLst/>
+    <dgm:txEffectClrLst/>
+  </dgm:styleLbl>
+  <dgm:styleLbl name="alignNode1">
+    <dgm:fillClrLst meth="repeat">
+      <a:schemeClr val="accent1"/>
+    </dgm:fillClrLst>
+    <dgm:linClrLst meth="repeat">
+      <a:schemeClr val="accent1"/>
+    </dgm:linClrLst>
+    <dgm:effectClrLst/>
+    <dgm:txLinClrLst/>
+    <dgm:txFillClrLst/>
+    <dgm:txEffectClrLst/>
+  </dgm:styleLbl>
+  <dgm:styleLbl name="node1">
+    <dgm:fillClrLst meth="repeat">
+      <a:schemeClr val="accent1"/>
+    </dgm:fillClrLst>
+    <dgm:linClrLst meth="repeat">
+      <a:schemeClr val="lt1"/>
+    </dgm:linClrLst>
+    <dgm:effectClrLst/>
+    <dgm:txLinClrLst/>
+    <dgm:txFillClrLst/>
+    <dgm:txEffectClrLst/>
+  </dgm:styleLbl>
+  <dgm:styleLbl name="lnNode1">
+    <dgm:fillClrLst meth="repeat">
+      <a:schemeClr val="accent1"/>
+    </dgm:fillClrLst>
+    <dgm:linClrLst meth="repeat">
+      <a:schemeClr val="lt1"/>
+    </dgm:linClrLst>
+    <dgm:effectClrLst/>
+    <dgm:txLinClrLst/>
+    <dgm:txFillClrLst/>
+    <dgm:txEffectClrLst/>
+  </dgm:styleLbl>
+  <dgm:styleLbl name="vennNode1">
+    <dgm:fillClrLst meth="repeat">
+      <a:schemeClr val="accent1">
+        <a:alpha val="50000"/>
+      </a:schemeClr>
+    </dgm:fillClrLst>
+    <dgm:linClrLst meth="repeat">
+      <a:schemeClr val="lt1"/>
+    </dgm:linClrLst>
+    <dgm:effectClrLst/>
+    <dgm:txLinClrLst/>
+    <dgm:txFillClrLst/>
+    <dgm:txEffectClrLst/>
+  </dgm:styleLbl>
+  <dgm:styleLbl name="node2">
+    <dgm:fillClrLst meth="repeat">
+      <a:schemeClr val="accent1"/>
+    </dgm:fillClrLst>
+    <dgm:linClrLst meth="repeat">
+      <a:schemeClr val="lt1"/>
+    </dgm:linClrLst>
+    <dgm:effectClrLst/>
+    <dgm:txLinClrLst/>
+    <dgm:txFillClrLst/>
+    <dgm:txEffectClrLst/>
+  </dgm:styleLbl>
+  <dgm:styleLbl name="node3">
+    <dgm:fillClrLst meth="repeat">
+      <a:schemeClr val="accent1"/>
+    </dgm:fillClrLst>
+    <dgm:linClrLst meth="repeat">
+      <a:schemeClr val="lt1"/>
+    </dgm:linClrLst>
+    <dgm:effectClrLst/>
+    <dgm:txLinClrLst/>
+    <dgm:txFillClrLst/>
+    <dgm:txEffectClrLst/>
+  </dgm:styleLbl>
+  <dgm:styleLbl name="node4">
+    <dgm:fillClrLst meth="repeat">
+      <a:schemeClr val="accent1"/>
+    </dgm:fillClrLst>
+    <dgm:linClrLst meth="repeat">
+      <a:schemeClr val="lt1"/>
+    </dgm:linClrLst>
+    <dgm:effectClrLst/>
+    <dgm:txLinClrLst/>
+    <dgm:txFillClrLst/>
+    <dgm:txEffectClrLst/>
+  </dgm:styleLbl>
+  <dgm:styleLbl name="fgImgPlace1">
+    <dgm:fillClrLst meth="repeat">
+      <a:schemeClr val="accent1">
+        <a:tint val="50000"/>
+      </a:schemeClr>
+    </dgm:fillClrLst>
+    <dgm:linClrLst meth="repeat">
+      <a:schemeClr val="lt1"/>
+    </dgm:linClrLst>
+    <dgm:effectClrLst/>
+    <dgm:txLinClrLst/>
+    <dgm:txFillClrLst meth="repeat">
+      <a:schemeClr val="lt1"/>
+    </dgm:txFillClrLst>
+    <dgm:txEffectClrLst/>
+  </dgm:styleLbl>
+  <dgm:styleLbl name="alignImgPlace1">
+    <dgm:fillClrLst meth="repeat">
+      <a:schemeClr val="accent1">
+        <a:tint val="50000"/>
+      </a:schemeClr>
+    </dgm:fillClrLst>
+    <dgm:linClrLst meth="repeat">
+      <a:schemeClr val="lt1"/>
+    </dgm:linClrLst>
+    <dgm:effectClrLst/>
+    <dgm:txLinClrLst/>
+    <dgm:txFillClrLst meth="repeat">
+      <a:schemeClr val="lt1"/>
+    </dgm:txFillClrLst>
+    <dgm:txEffectClrLst/>
+  </dgm:styleLbl>
+  <dgm:styleLbl name="bgImgPlace1">
+    <dgm:fillClrLst meth="repeat">
+      <a:schemeClr val="accent1">
+        <a:tint val="50000"/>
+      </a:schemeClr>
+    </dgm:fillClrLst>
+    <dgm:linClrLst meth="repeat">
+      <a:schemeClr val="lt1"/>
+    </dgm:linClrLst>
+    <dgm:effectClrLst/>
+    <dgm:txLinClrLst/>
+    <dgm:txFillClrLst meth="repeat">
+      <a:schemeClr val="lt1"/>
+    </dgm:txFillClrLst>
+    <dgm:txEffectClrLst/>
+  </dgm:styleLbl>
+  <dgm:styleLbl name="sibTrans2D1">
+    <dgm:fillClrLst meth="repeat">
+      <a:schemeClr val="accent1">
+        <a:tint val="60000"/>
+      </a:schemeClr>
+    </dgm:fillClrLst>
+    <dgm:linClrLst meth="repeat">
+      <a:schemeClr val="accent1">
+        <a:tint val="60000"/>
+      </a:schemeClr>
+    </dgm:linClrLst>
+    <dgm:effectClrLst/>
+    <dgm:txLinClrLst/>
+    <dgm:txFillClrLst/>
+    <dgm:txEffectClrLst/>
+  </dgm:styleLbl>
+  <dgm:styleLbl name="fgSibTrans2D1">
+    <dgm:fillClrLst meth="repeat">
+      <a:schemeClr val="accent1">
+        <a:tint val="60000"/>
+      </a:schemeClr>
+    </dgm:fillClrLst>
+    <dgm:linClrLst meth="repeat">
+      <a:schemeClr val="accent1">
+        <a:tint val="60000"/>
+      </a:schemeClr>
+    </dgm:linClrLst>
+    <dgm:effectClrLst/>
+    <dgm:txLinClrLst/>
+    <dgm:txFillClrLst/>
+    <dgm:txEffectClrLst/>
+  </dgm:styleLbl>
+  <dgm:styleLbl name="bgSibTrans2D1">
+    <dgm:fillClrLst meth="repeat">
+      <a:schemeClr val="accent1">
+        <a:tint val="60000"/>
+      </a:schemeClr>
+    </dgm:fillClrLst>
+    <dgm:linClrLst meth="repeat">
+      <a:schemeClr val="accent1">
+        <a:tint val="60000"/>
+      </a:schemeClr>
+    </dgm:linClrLst>
+    <dgm:effectClrLst/>
+    <dgm:txLinClrLst/>
+    <dgm:txFillClrLst/>
+    <dgm:txEffectClrLst/>
+  </dgm:styleLbl>
+  <dgm:styleLbl name="sibTrans1D1">
+    <dgm:fillClrLst meth="repeat">
+      <a:schemeClr val="accent1"/>
+    </dgm:fillClrLst>
+    <dgm:linClrLst meth="repeat">
+      <a:schemeClr val="accent1"/>
+    </dgm:linClrLst>
+    <dgm:effectClrLst/>
+    <dgm:txLinClrLst/>
+    <dgm:txFillClrLst meth="repeat">
+      <a:schemeClr val="tx1"/>
+    </dgm:txFillClrLst>
+    <dgm:txEffectClrLst/>
+  </dgm:styleLbl>
+  <dgm:styleLbl name="callout">
+    <dgm:fillClrLst meth="repeat">
+      <a:schemeClr val="accent1"/>
+    </dgm:fillClrLst>
+    <dgm:linClrLst meth="repeat">
+      <a:schemeClr val="accent1">
+        <a:tint val="50000"/>
+      </a:schemeClr>
+    </dgm:linClrLst>
+    <dgm:effectClrLst/>
+    <dgm:txLinClrLst/>
+    <dgm:txFillClrLst meth="repeat">
+      <a:schemeClr val="tx1"/>
+    </dgm:txFillClrLst>
+    <dgm:txEffectClrLst/>
+  </dgm:styleLbl>
+  <dgm:styleLbl name="asst0">
+    <dgm:fillClrLst meth="repeat">
+      <a:schemeClr val="accent1"/>
+    </dgm:fillClrLst>
+    <dgm:linClrLst meth="repeat">
+      <a:schemeClr val="lt1"/>
+    </dgm:linClrLst>
+    <dgm:effectClrLst/>
+    <dgm:txLinClrLst/>
+    <dgm:txFillClrLst/>
+    <dgm:txEffectClrLst/>
+  </dgm:styleLbl>
+  <dgm:styleLbl name="asst1">
+    <dgm:fillClrLst meth="repeat">
+      <a:schemeClr val="accent1"/>
+    </dgm:fillClrLst>
+    <dgm:linClrLst meth="repeat">
+      <a:schemeClr val="lt1"/>
+    </dgm:linClrLst>
+    <dgm:effectClrLst/>
+    <dgm:txLinClrLst/>
+    <dgm:txFillClrLst/>
+    <dgm:txEffectClrLst/>
+  </dgm:styleLbl>
+  <dgm:styleLbl name="asst2">
+    <dgm:fillClrLst meth="repeat">
+      <a:schemeClr val="accent1"/>
+    </dgm:fillClrLst>
+    <dgm:linClrLst meth="repeat">
+      <a:schemeClr val="lt1"/>
+    </dgm:linClrLst>
+    <dgm:effectClrLst/>
+    <dgm:txLinClrLst/>
+    <dgm:txFillClrLst/>
+    <dgm:txEffectClrLst/>
+  </dgm:styleLbl>
+  <dgm:styleLbl name="asst3">
+    <dgm:fillClrLst meth="repeat">
+      <a:schemeClr val="accent1"/>
+    </dgm:fillClrLst>
+    <dgm:linClrLst meth="repeat">
+      <a:schemeClr val="lt1"/>
+    </dgm:linClrLst>
+    <dgm:effectClrLst/>
+    <dgm:txLinClrLst/>
+    <dgm:txFillClrLst/>
+    <dgm:txEffectClrLst/>
+  </dgm:styleLbl>
+  <dgm:styleLbl name="asst4">
+    <dgm:fillClrLst meth="repeat">
+      <a:schemeClr val="accent1"/>
+    </dgm:fillClrLst>
+    <dgm:linClrLst meth="repeat">
+      <a:schemeClr val="lt1"/>
+    </dgm:linClrLst>
+    <dgm:effectClrLst/>
+    <dgm:txLinClrLst/>
+    <dgm:txFillClrLst/>
+    <dgm:txEffectClrLst/>
+  </dgm:styleLbl>
+  <dgm:styleLbl name="parChTrans2D1">
+    <dgm:fillClrLst meth="repeat">
+      <a:schemeClr val="accent1">
+        <a:tint val="60000"/>
+      </a:schemeClr>
+    </dgm:fillClrLst>
+    <dgm:linClrLst meth="repeat">
+      <a:schemeClr val="accent1">
+        <a:tint val="60000"/>
+      </a:schemeClr>
+    </dgm:linClrLst>
+    <dgm:effectClrLst/>
+    <dgm:txLinClrLst/>
+    <dgm:txFillClrLst meth="repeat">
+      <a:schemeClr val="lt1"/>
+    </dgm:txFillClrLst>
+    <dgm:txEffectClrLst/>
+  </dgm:styleLbl>
+  <dgm:styleLbl name="parChTrans2D2">
+    <dgm:fillClrLst meth="repeat">
+      <a:schemeClr val="accent1"/>
+    </dgm:fillClrLst>
+    <dgm:linClrLst meth="repeat">
+      <a:schemeClr val="accent1"/>
+    </dgm:linClrLst>
+    <dgm:effectClrLst/>
+    <dgm:txLinClrLst/>
+    <dgm:txFillClrLst meth="repeat">
+      <a:schemeClr val="lt1"/>
+    </dgm:txFillClrLst>
+    <dgm:txEffectClrLst/>
+  </dgm:styleLbl>
+  <dgm:styleLbl name="parChTrans2D3">
+    <dgm:fillClrLst meth="repeat">
+      <a:schemeClr val="accent1"/>
+    </dgm:fillClrLst>
+    <dgm:linClrLst meth="repeat">
+      <a:schemeClr val="accent1"/>
+    </dgm:linClrLst>
+    <dgm:effectClrLst/>
+    <dgm:txLinClrLst/>
+    <dgm:txFillClrLst meth="repeat">
+      <a:schemeClr val="lt1"/>
+    </dgm:txFillClrLst>
+    <dgm:txEffectClrLst/>
+  </dgm:styleLbl>
+  <dgm:styleLbl name="parChTrans2D4">
+    <dgm:fillClrLst meth="repeat">
+      <a:schemeClr val="accent1"/>
+    </dgm:fillClrLst>
+    <dgm:linClrLst meth="repeat">
+      <a:schemeClr val="accent1"/>
+    </dgm:linClrLst>
+    <dgm:effectClrLst/>
+    <dgm:txLinClrLst/>
+    <dgm:txFillClrLst meth="repeat">
+      <a:schemeClr val="lt1"/>
+    </dgm:txFillClrLst>
+    <dgm:txEffectClrLst/>
+  </dgm:styleLbl>
+  <dgm:styleLbl name="parChTrans1D1">
+    <dgm:fillClrLst meth="repeat">
+      <a:schemeClr val="accent1"/>
+    </dgm:fillClrLst>
+    <dgm:linClrLst meth="repeat">
+      <a:schemeClr val="accent1">
+        <a:shade val="60000"/>
+      </a:schemeClr>
+    </dgm:linClrLst>
+    <dgm:effectClrLst/>
+    <dgm:txLinClrLst/>
+    <dgm:txFillClrLst meth="repeat">
+      <a:schemeClr val="tx1"/>
+    </dgm:txFillClrLst>
+    <dgm:txEffectClrLst/>
+  </dgm:styleLbl>
+  <dgm:styleLbl name="parChTrans1D2">
+    <dgm:fillClrLst meth="repeat">
+      <a:schemeClr val="accent1"/>
+    </dgm:fillClrLst>
+    <dgm:linClrLst meth="repeat">
+      <a:schemeClr val="accent1">
+        <a:shade val="60000"/>
+      </a:schemeClr>
+    </dgm:linClrLst>
+    <dgm:effectClrLst/>
+    <dgm:txLinClrLst/>
+    <dgm:txFillClrLst meth="repeat">
+      <a:schemeClr val="tx1"/>
+    </dgm:txFillClrLst>
+    <dgm:txEffectClrLst/>
+  </dgm:styleLbl>
+  <dgm:styleLbl name="parChTrans1D3">
+    <dgm:fillClrLst meth="repeat">
+      <a:schemeClr val="accent1"/>
+    </dgm:fillClrLst>
+    <dgm:linClrLst meth="repeat">
+      <a:schemeClr val="accent1">
+        <a:shade val="80000"/>
+      </a:schemeClr>
+    </dgm:linClrLst>
+    <dgm:effectClrLst/>
+    <dgm:txLinClrLst/>
+    <dgm:txFillClrLst meth="repeat">
+      <a:schemeClr val="tx1"/>
+    </dgm:txFillClrLst>
+    <dgm:txEffectClrLst/>
+  </dgm:styleLbl>
+  <dgm:styleLbl name="parChTrans1D4">
+    <dgm:fillClrLst meth="repeat">
+      <a:schemeClr val="accent1"/>
+    </dgm:fillClrLst>
+    <dgm:linClrLst meth="repeat">
+      <a:schemeClr val="accent1">
+        <a:shade val="80000"/>
+      </a:schemeClr>
+    </dgm:linClrLst>
+    <dgm:effectClrLst/>
+    <dgm:txLinClrLst/>
+    <dgm:txFillClrLst meth="repeat">
+      <a:schemeClr val="tx1"/>
+    </dgm:txFillClrLst>
+    <dgm:txEffectClrLst/>
+  </dgm:styleLbl>
+  <dgm:styleLbl name="fgAcc1">
+    <dgm:fillClrLst meth="repeat">
+      <a:schemeClr val="lt1">
+        <a:alpha val="90000"/>
+      </a:schemeClr>
+    </dgm:fillClrLst>
+    <dgm:linClrLst meth="repeat">
+      <a:schemeClr val="accent1"/>
+    </dgm:linClrLst>
+    <dgm:effectClrLst/>
+    <dgm:txLinClrLst/>
+    <dgm:txFillClrLst meth="repeat">
+      <a:schemeClr val="dk1"/>
+    </dgm:txFillClrLst>
+    <dgm:txEffectClrLst/>
+  </dgm:styleLbl>
+  <dgm:styleLbl name="conFgAcc1">
+    <dgm:fillClrLst meth="repeat">
+      <a:schemeClr val="lt1">
+        <a:alpha val="90000"/>
+      </a:schemeClr>
+    </dgm:fillClrLst>
+    <dgm:linClrLst meth="repeat">
+      <a:schemeClr val="accent1"/>
+    </dgm:linClrLst>
+    <dgm:effectClrLst/>
+    <dgm:txLinClrLst/>
+    <dgm:txFillClrLst meth="repeat">
+      <a:schemeClr val="dk1"/>
+    </dgm:txFillClrLst>
+    <dgm:txEffectClrLst/>
+  </dgm:styleLbl>
+  <dgm:styleLbl name="alignAcc1">
+    <dgm:fillClrLst meth="repeat">
+      <a:schemeClr val="lt1">
+        <a:alpha val="90000"/>
+      </a:schemeClr>
+    </dgm:fillClrLst>
+    <dgm:linClrLst meth="repeat">
+      <a:schemeClr val="accent1"/>
+    </dgm:linClrLst>
+    <dgm:effectClrLst/>
+    <dgm:txLinClrLst/>
+    <dgm:txFillClrLst meth="repeat">
+      <a:schemeClr val="dk1"/>
+    </dgm:txFillClrLst>
+    <dgm:txEffectClrLst/>
+  </dgm:styleLbl>
+  <dgm:styleLbl name="trAlignAcc1">
+    <dgm:fillClrLst meth="repeat">
+      <a:schemeClr val="lt1">
+        <a:alpha val="40000"/>
+      </a:schemeClr>
+    </dgm:fillClrLst>
+    <dgm:linClrLst meth="repeat">
+      <a:schemeClr val="accent1"/>
+    </dgm:linClrLst>
+    <dgm:effectClrLst/>
+    <dgm:txLinClrLst/>
+    <dgm:txFillClrLst meth="repeat">
+      <a:schemeClr val="dk1"/>
+    </dgm:txFillClrLst>
+    <dgm:txEffectClrLst/>
+  </dgm:styleLbl>
+  <dgm:styleLbl name="bgAcc1">
+    <dgm:fillClrLst meth="repeat">
+      <a:schemeClr val="lt1">
+        <a:alpha val="90000"/>
+      </a:schemeClr>
+    </dgm:fillClrLst>
+    <dgm:linClrLst meth="repeat">
+      <a:schemeClr val="accent1"/>
+    </dgm:linClrLst>
+    <dgm:effectClrLst/>
+    <dgm:txLinClrLst/>
+    <dgm:txFillClrLst meth="repeat">
+      <a:schemeClr val="dk1"/>
+    </dgm:txFillClrLst>
+    <dgm:txEffectClrLst/>
+  </dgm:styleLbl>
+  <dgm:styleLbl name="solidFgAcc1">
+    <dgm:fillClrLst meth="repeat">
+      <a:schemeClr val="lt1"/>
+    </dgm:fillClrLst>
+    <dgm:linClrLst meth="repeat">
+      <a:schemeClr val="accent1"/>
+    </dgm:linClrLst>
+    <dgm:effectClrLst/>
+    <dgm:txLinClrLst/>
+    <dgm:txFillClrLst meth="repeat">
+      <a:schemeClr val="dk1"/>
+    </dgm:txFillClrLst>
+    <dgm:txEffectClrLst/>
+  </dgm:styleLbl>
+  <dgm:styleLbl name="solidAlignAcc1">
+    <dgm:fillClrLst meth="repeat">
+      <a:schemeClr val="lt1"/>
+    </dgm:fillClrLst>
+    <dgm:linClrLst meth="repeat">
+      <a:schemeClr val="accent1"/>
+    </dgm:linClrLst>
+    <dgm:effectClrLst/>
+    <dgm:txLinClrLst/>
+    <dgm:txFillClrLst meth="repeat">
+      <a:schemeClr val="dk1"/>
+    </dgm:txFillClrLst>
+    <dgm:txEffectClrLst/>
+  </dgm:styleLbl>
+  <dgm:styleLbl name="solidBgAcc1">
+    <dgm:fillClrLst meth="repeat">
+      <a:schemeClr val="lt1"/>
+    </dgm:fillClrLst>
+    <dgm:linClrLst meth="repeat">
+      <a:schemeClr val="accent1"/>
+    </dgm:linClrLst>
+    <dgm:effectClrLst/>
+    <dgm:txLinClrLst/>
+    <dgm:txFillClrLst meth="repeat">
+      <a:schemeClr val="dk1"/>
+    </dgm:txFillClrLst>
+    <dgm:txEffectClrLst/>
+  </dgm:styleLbl>
+  <dgm:styleLbl name="fgAccFollowNode1">
+    <dgm:fillClrLst meth="repeat">
+      <a:schemeClr val="accent1">
+        <a:alpha val="90000"/>
+        <a:tint val="40000"/>
+      </a:schemeClr>
+    </dgm:fillClrLst>
+    <dgm:linClrLst meth="repeat">
+      <a:schemeClr val="accent1">
+        <a:alpha val="90000"/>
+        <a:tint val="40000"/>
+      </a:schemeClr>
+    </dgm:linClrLst>
+    <dgm:effectClrLst/>
+    <dgm:txLinClrLst/>
+    <dgm:txFillClrLst meth="repeat">
+      <a:schemeClr val="dk1"/>
+    </dgm:txFillClrLst>
+    <dgm:txEffectClrLst/>
+  </dgm:styleLbl>
+  <dgm:styleLbl name="alignAccFollowNode1">
+    <dgm:fillClrLst meth="repeat">
+      <a:schemeClr val="accent1">
+        <a:alpha val="90000"/>
+        <a:tint val="40000"/>
+      </a:schemeClr>
+    </dgm:fillClrLst>
+    <dgm:linClrLst meth="repeat">
+      <a:schemeClr val="accent1">
+        <a:alpha val="90000"/>
+        <a:tint val="40000"/>
+      </a:schemeClr>
+    </dgm:linClrLst>
+    <dgm:effectClrLst/>
+    <dgm:txLinClrLst/>
+    <dgm:txFillClrLst meth="repeat">
+      <a:schemeClr val="dk1"/>
+    </dgm:txFillClrLst>
+    <dgm:txEffectClrLst/>
+  </dgm:styleLbl>
+  <dgm:styleLbl name="bgAccFollowNode1">
+    <dgm:fillClrLst meth="repeat">
+      <a:schemeClr val="accent1">
+        <a:alpha val="90000"/>
+        <a:tint val="40000"/>
+      </a:schemeClr>
+    </dgm:fillClrLst>
+    <dgm:linClrLst meth="repeat">
+      <a:schemeClr val="accent1">
+        <a:alpha val="90000"/>
+        <a:tint val="40000"/>
+      </a:schemeClr>
+    </dgm:linClrLst>
+    <dgm:effectClrLst/>
+    <dgm:txLinClrLst/>
+    <dgm:txFillClrLst meth="repeat">
+      <a:schemeClr val="dk1"/>
+    </dgm:txFillClrLst>
+    <dgm:txEffectClrLst/>
+  </dgm:styleLbl>
+  <dgm:styleLbl name="fgAcc0">
+    <dgm:fillClrLst meth="repeat">
+      <a:schemeClr val="lt1">
+        <a:alpha val="90000"/>
+      </a:schemeClr>
+    </dgm:fillClrLst>
+    <dgm:linClrLst meth="repeat">
+      <a:schemeClr val="accent1"/>
+    </dgm:linClrLst>
+    <dgm:effectClrLst/>
+    <dgm:txLinClrLst/>
+    <dgm:txFillClrLst meth="repeat">
+      <a:schemeClr val="dk1"/>
+    </dgm:txFillClrLst>
+    <dgm:txEffectClrLst/>
+  </dgm:styleLbl>
+  <dgm:styleLbl name="fgAcc2">
+    <dgm:fillClrLst meth="repeat">
+      <a:schemeClr val="lt1">
+        <a:alpha val="90000"/>
+      </a:schemeClr>
+    </dgm:fillClrLst>
+    <dgm:linClrLst meth="repeat">
+      <a:schemeClr val="accent1"/>
+    </dgm:linClrLst>
+    <dgm:effectClrLst/>
+    <dgm:txLinClrLst/>
+    <dgm:txFillClrLst meth="repeat">
+      <a:schemeClr val="dk1"/>
+    </dgm:txFillClrLst>
+    <dgm:txEffectClrLst/>
+  </dgm:styleLbl>
+  <dgm:styleLbl name="fgAcc3">
+    <dgm:fillClrLst meth="repeat">
+      <a:schemeClr val="lt1">
+        <a:alpha val="90000"/>
+      </a:schemeClr>
+    </dgm:fillClrLst>
+    <dgm:linClrLst meth="repeat">
+      <a:schemeClr val="accent1"/>
+    </dgm:linClrLst>
+    <dgm:effectClrLst/>
+    <dgm:txLinClrLst/>
+    <dgm:txFillClrLst meth="repeat">
+      <a:schemeClr val="dk1"/>
+    </dgm:txFillClrLst>
+    <dgm:txEffectClrLst/>
+  </dgm:styleLbl>
+  <dgm:styleLbl name="fgAcc4">
+    <dgm:fillClrLst meth="repeat">
+      <a:schemeClr val="lt1">
+        <a:alpha val="90000"/>
+      </a:schemeClr>
+    </dgm:fillClrLst>
+    <dgm:linClrLst meth="repeat">
+      <a:schemeClr val="accent1"/>
+    </dgm:linClrLst>
+    <dgm:effectClrLst/>
+    <dgm:txLinClrLst/>
+    <dgm:txFillClrLst meth="repeat">
+      <a:schemeClr val="dk1"/>
+    </dgm:txFillClrLst>
+    <dgm:txEffectClrLst/>
+  </dgm:styleLbl>
+  <dgm:styleLbl name="bgShp">
+    <dgm:fillClrLst meth="repeat">
+      <a:schemeClr val="accent1">
+        <a:tint val="40000"/>
+      </a:schemeClr>
+    </dgm:fillClrLst>
+    <dgm:linClrLst meth="repeat">
+      <a:schemeClr val="accent1"/>
+    </dgm:linClrLst>
+    <dgm:effectClrLst/>
+    <dgm:txLinClrLst/>
+    <dgm:txFillClrLst meth="repeat">
+      <a:schemeClr val="dk1"/>
+    </dgm:txFillClrLst>
+    <dgm:txEffectClrLst/>
+  </dgm:styleLbl>
+  <dgm:styleLbl name="dkBgShp">
+    <dgm:fillClrLst meth="repeat">
+      <a:schemeClr val="accent1">
+        <a:shade val="80000"/>
+      </a:schemeClr>
+    </dgm:fillClrLst>
+    <dgm:linClrLst meth="repeat">
+      <a:schemeClr val="accent1"/>
+    </dgm:linClrLst>
+    <dgm:effectClrLst/>
+    <dgm:txLinClrLst/>
+    <dgm:txFillClrLst meth="repeat">
+      <a:schemeClr val="lt1"/>
+    </dgm:txFillClrLst>
+    <dgm:txEffectClrLst/>
+  </dgm:styleLbl>
+  <dgm:styleLbl name="trBgShp">
+    <dgm:fillClrLst meth="repeat">
+      <a:schemeClr val="accent1">
+        <a:tint val="50000"/>
+        <a:alpha val="40000"/>
+      </a:schemeClr>
+    </dgm:fillClrLst>
+    <dgm:linClrLst meth="repeat">
+      <a:schemeClr val="accent1"/>
+    </dgm:linClrLst>
+    <dgm:effectClrLst/>
+    <dgm:txLinClrLst/>
+    <dgm:txFillClrLst meth="repeat">
+      <a:schemeClr val="lt1"/>
+    </dgm:txFillClrLst>
+    <dgm:txEffectClrLst/>
+  </dgm:styleLbl>
+  <dgm:styleLbl name="fgShp">
+    <dgm:fillClrLst meth="repeat">
+      <a:schemeClr val="accent1">
+        <a:tint val="60000"/>
+      </a:schemeClr>
+    </dgm:fillClrLst>
+    <dgm:linClrLst meth="repeat">
+      <a:schemeClr val="lt1"/>
+    </dgm:linClrLst>
+    <dgm:effectClrLst/>
+    <dgm:txLinClrLst/>
+    <dgm:txFillClrLst meth="repeat">
+      <a:schemeClr val="dk1"/>
+    </dgm:txFillClrLst>
+    <dgm:txEffectClrLst/>
+  </dgm:styleLbl>
+  <dgm:styleLbl name="revTx">
+    <dgm:fillClrLst meth="repeat">
+      <a:schemeClr val="lt1">
+        <a:alpha val="0"/>
+      </a:schemeClr>
+    </dgm:fillClrLst>
+    <dgm:linClrLst meth="repeat">
+      <a:schemeClr val="dk1">
+        <a:alpha val="0"/>
+      </a:schemeClr>
+    </dgm:linClrLst>
+    <dgm:effectClrLst/>
+    <dgm:txLinClrLst/>
+    <dgm:txFillClrLst meth="repeat">
+      <a:schemeClr val="tx1"/>
+    </dgm:txFillClrLst>
+    <dgm:txEffectClrLst/>
+  </dgm:styleLbl>
+</dgm:colorsDef>
+</file>
+
 <file path=ppt/diagrams/data1.xml><?xml version="1.0" encoding="utf-8"?>
 <dgm:dataModel xmlns:dgm="http://schemas.openxmlformats.org/drawingml/2006/diagram" xmlns:a="http://schemas.openxmlformats.org/drawingml/2006/main">
   <dgm:ptLst>
@@ -1344,6 +2093,13 @@
         </dgm:presLayoutVars>
       </dgm:prSet>
       <dgm:spPr/>
+      <dgm:t>
+        <a:bodyPr/>
+        <a:lstStyle/>
+        <a:p>
+          <a:endParaRPr lang="de-AT"/>
+        </a:p>
+      </dgm:t>
     </dgm:pt>
     <dgm:pt modelId="{6BB8C8E9-B8FC-4DEE-8A0B-D17C125102CA}" type="pres">
       <dgm:prSet presAssocID="{99069FC0-9F60-45F4-9E47-46CBCAB3F8F3}" presName="dummyMaxCanvas" presStyleCnt="0">
@@ -1358,6 +2114,13 @@
         </dgm:presLayoutVars>
       </dgm:prSet>
       <dgm:spPr/>
+      <dgm:t>
+        <a:bodyPr/>
+        <a:lstStyle/>
+        <a:p>
+          <a:endParaRPr lang="de-AT"/>
+        </a:p>
+      </dgm:t>
     </dgm:pt>
     <dgm:pt modelId="{671FC2C8-5909-4A2E-A827-040AB6C8DA8E}" type="pres">
       <dgm:prSet presAssocID="{99069FC0-9F60-45F4-9E47-46CBCAB3F8F3}" presName="FiveNodes_2" presStyleLbl="node1" presStyleIdx="1" presStyleCnt="5">
@@ -1366,6 +2129,13 @@
         </dgm:presLayoutVars>
       </dgm:prSet>
       <dgm:spPr/>
+      <dgm:t>
+        <a:bodyPr/>
+        <a:lstStyle/>
+        <a:p>
+          <a:endParaRPr lang="de-AT"/>
+        </a:p>
+      </dgm:t>
     </dgm:pt>
     <dgm:pt modelId="{7B91258B-4D4A-4F88-8301-122CEA9F752F}" type="pres">
       <dgm:prSet presAssocID="{99069FC0-9F60-45F4-9E47-46CBCAB3F8F3}" presName="FiveNodes_3" presStyleLbl="node1" presStyleIdx="2" presStyleCnt="5">
@@ -1374,6 +2144,13 @@
         </dgm:presLayoutVars>
       </dgm:prSet>
       <dgm:spPr/>
+      <dgm:t>
+        <a:bodyPr/>
+        <a:lstStyle/>
+        <a:p>
+          <a:endParaRPr lang="de-AT"/>
+        </a:p>
+      </dgm:t>
     </dgm:pt>
     <dgm:pt modelId="{55BCC889-CAAD-4374-8856-6952F5CFF401}" type="pres">
       <dgm:prSet presAssocID="{99069FC0-9F60-45F4-9E47-46CBCAB3F8F3}" presName="FiveNodes_4" presStyleLbl="node1" presStyleIdx="3" presStyleCnt="5">
@@ -1382,6 +2159,13 @@
         </dgm:presLayoutVars>
       </dgm:prSet>
       <dgm:spPr/>
+      <dgm:t>
+        <a:bodyPr/>
+        <a:lstStyle/>
+        <a:p>
+          <a:endParaRPr lang="de-AT"/>
+        </a:p>
+      </dgm:t>
     </dgm:pt>
     <dgm:pt modelId="{572CEF6F-1A64-4A4B-8007-8CFAF59DE9D8}" type="pres">
       <dgm:prSet presAssocID="{99069FC0-9F60-45F4-9E47-46CBCAB3F8F3}" presName="FiveNodes_5" presStyleLbl="node1" presStyleIdx="4" presStyleCnt="5">
@@ -1390,6 +2174,13 @@
         </dgm:presLayoutVars>
       </dgm:prSet>
       <dgm:spPr/>
+      <dgm:t>
+        <a:bodyPr/>
+        <a:lstStyle/>
+        <a:p>
+          <a:endParaRPr lang="de-AT"/>
+        </a:p>
+      </dgm:t>
     </dgm:pt>
     <dgm:pt modelId="{CE2ECF41-7740-49D6-9FBB-E7C1F8E6C8AD}" type="pres">
       <dgm:prSet presAssocID="{99069FC0-9F60-45F4-9E47-46CBCAB3F8F3}" presName="FiveConn_1-2" presStyleLbl="fgAccFollowNode1" presStyleIdx="0" presStyleCnt="4">
@@ -1398,6 +2189,13 @@
         </dgm:presLayoutVars>
       </dgm:prSet>
       <dgm:spPr/>
+      <dgm:t>
+        <a:bodyPr/>
+        <a:lstStyle/>
+        <a:p>
+          <a:endParaRPr lang="de-AT"/>
+        </a:p>
+      </dgm:t>
     </dgm:pt>
     <dgm:pt modelId="{7B858E7B-AF12-4D38-BA92-0F2CCB08BE30}" type="pres">
       <dgm:prSet presAssocID="{99069FC0-9F60-45F4-9E47-46CBCAB3F8F3}" presName="FiveConn_2-3" presStyleLbl="fgAccFollowNode1" presStyleIdx="1" presStyleCnt="4">
@@ -1406,6 +2204,13 @@
         </dgm:presLayoutVars>
       </dgm:prSet>
       <dgm:spPr/>
+      <dgm:t>
+        <a:bodyPr/>
+        <a:lstStyle/>
+        <a:p>
+          <a:endParaRPr lang="de-AT"/>
+        </a:p>
+      </dgm:t>
     </dgm:pt>
     <dgm:pt modelId="{CA3D3879-6CDE-4D93-952E-00B9147C7271}" type="pres">
       <dgm:prSet presAssocID="{99069FC0-9F60-45F4-9E47-46CBCAB3F8F3}" presName="FiveConn_3-4" presStyleLbl="fgAccFollowNode1" presStyleIdx="2" presStyleCnt="4">
@@ -1414,6 +2219,13 @@
         </dgm:presLayoutVars>
       </dgm:prSet>
       <dgm:spPr/>
+      <dgm:t>
+        <a:bodyPr/>
+        <a:lstStyle/>
+        <a:p>
+          <a:endParaRPr lang="de-AT"/>
+        </a:p>
+      </dgm:t>
     </dgm:pt>
     <dgm:pt modelId="{9F6968B4-7F89-42C4-A01F-4E8C734F16F6}" type="pres">
       <dgm:prSet presAssocID="{99069FC0-9F60-45F4-9E47-46CBCAB3F8F3}" presName="FiveConn_4-5" presStyleLbl="fgAccFollowNode1" presStyleIdx="3" presStyleCnt="4">
@@ -1422,6 +2234,13 @@
         </dgm:presLayoutVars>
       </dgm:prSet>
       <dgm:spPr/>
+      <dgm:t>
+        <a:bodyPr/>
+        <a:lstStyle/>
+        <a:p>
+          <a:endParaRPr lang="de-AT"/>
+        </a:p>
+      </dgm:t>
     </dgm:pt>
     <dgm:pt modelId="{1F403867-B9D4-4C87-B7B4-133238B90020}" type="pres">
       <dgm:prSet presAssocID="{99069FC0-9F60-45F4-9E47-46CBCAB3F8F3}" presName="FiveNodes_1_text" presStyleLbl="node1" presStyleIdx="4" presStyleCnt="5">
@@ -1430,6 +2249,13 @@
         </dgm:presLayoutVars>
       </dgm:prSet>
       <dgm:spPr/>
+      <dgm:t>
+        <a:bodyPr/>
+        <a:lstStyle/>
+        <a:p>
+          <a:endParaRPr lang="de-AT"/>
+        </a:p>
+      </dgm:t>
     </dgm:pt>
     <dgm:pt modelId="{90635F39-67BC-4192-BB61-98B07186F46F}" type="pres">
       <dgm:prSet presAssocID="{99069FC0-9F60-45F4-9E47-46CBCAB3F8F3}" presName="FiveNodes_2_text" presStyleLbl="node1" presStyleIdx="4" presStyleCnt="5">
@@ -1438,6 +2264,13 @@
         </dgm:presLayoutVars>
       </dgm:prSet>
       <dgm:spPr/>
+      <dgm:t>
+        <a:bodyPr/>
+        <a:lstStyle/>
+        <a:p>
+          <a:endParaRPr lang="de-AT"/>
+        </a:p>
+      </dgm:t>
     </dgm:pt>
     <dgm:pt modelId="{85D60703-0EFE-44BA-94EA-805EDB2FC301}" type="pres">
       <dgm:prSet presAssocID="{99069FC0-9F60-45F4-9E47-46CBCAB3F8F3}" presName="FiveNodes_3_text" presStyleLbl="node1" presStyleIdx="4" presStyleCnt="5">
@@ -1446,6 +2279,13 @@
         </dgm:presLayoutVars>
       </dgm:prSet>
       <dgm:spPr/>
+      <dgm:t>
+        <a:bodyPr/>
+        <a:lstStyle/>
+        <a:p>
+          <a:endParaRPr lang="de-AT"/>
+        </a:p>
+      </dgm:t>
     </dgm:pt>
     <dgm:pt modelId="{C8A472AB-DAC2-4CF0-9144-C36244317137}" type="pres">
       <dgm:prSet presAssocID="{99069FC0-9F60-45F4-9E47-46CBCAB3F8F3}" presName="FiveNodes_4_text" presStyleLbl="node1" presStyleIdx="4" presStyleCnt="5">
@@ -1454,6 +2294,13 @@
         </dgm:presLayoutVars>
       </dgm:prSet>
       <dgm:spPr/>
+      <dgm:t>
+        <a:bodyPr/>
+        <a:lstStyle/>
+        <a:p>
+          <a:endParaRPr lang="de-AT"/>
+        </a:p>
+      </dgm:t>
     </dgm:pt>
     <dgm:pt modelId="{F7D1465F-5B8A-46C0-AE87-FDABA5C7CB56}" type="pres">
       <dgm:prSet presAssocID="{99069FC0-9F60-45F4-9E47-46CBCAB3F8F3}" presName="FiveNodes_5_text" presStyleLbl="node1" presStyleIdx="4" presStyleCnt="5">
@@ -1462,33 +2309,40 @@
         </dgm:presLayoutVars>
       </dgm:prSet>
       <dgm:spPr/>
+      <dgm:t>
+        <a:bodyPr/>
+        <a:lstStyle/>
+        <a:p>
+          <a:endParaRPr lang="de-AT"/>
+        </a:p>
+      </dgm:t>
     </dgm:pt>
   </dgm:ptLst>
   <dgm:cxnLst>
+    <dgm:cxn modelId="{8C8357D3-86A0-4F1B-84F6-5A76B0832460}" srcId="{99069FC0-9F60-45F4-9E47-46CBCAB3F8F3}" destId="{885E2A3A-F382-46E7-BDBC-91CA62614996}" srcOrd="3" destOrd="0" parTransId="{B7AA294B-187D-45E3-8664-EE5758CBD3EC}" sibTransId="{D0BC6464-DF88-4A99-92A2-FD526D5F19C2}"/>
+    <dgm:cxn modelId="{1EA324DC-F5EE-42DE-9E9E-F9E58889BF1F}" type="presOf" srcId="{99069FC0-9F60-45F4-9E47-46CBCAB3F8F3}" destId="{3B659A3F-F5C6-44B9-BAB4-AC27C3D02A21}" srcOrd="0" destOrd="0" presId="urn:microsoft.com/office/officeart/2005/8/layout/vProcess5"/>
     <dgm:cxn modelId="{946F9203-4BD6-46F0-9CA9-F9DB198EFF18}" type="presOf" srcId="{885E2A3A-F382-46E7-BDBC-91CA62614996}" destId="{55BCC889-CAAD-4374-8856-6952F5CFF401}" srcOrd="0" destOrd="0" presId="urn:microsoft.com/office/officeart/2005/8/layout/vProcess5"/>
+    <dgm:cxn modelId="{03361E81-C909-4EDA-85EF-E6D89B3B86CD}" type="presOf" srcId="{D7C57CBE-46B5-489F-98DD-D39B525222F9}" destId="{7F74E3FD-2C05-4622-845F-9D8EC863D09D}" srcOrd="0" destOrd="0" presId="urn:microsoft.com/office/officeart/2005/8/layout/vProcess5"/>
+    <dgm:cxn modelId="{7112A1D5-BC36-4C49-BA4E-D686F449096F}" srcId="{99069FC0-9F60-45F4-9E47-46CBCAB3F8F3}" destId="{840E2858-83B2-4D59-BCB9-A830A585A651}" srcOrd="5" destOrd="0" parTransId="{52FE7F11-D13D-4629-99D1-4707B686EAA3}" sibTransId="{762C151F-A98A-4017-B200-86193B8D02C3}"/>
+    <dgm:cxn modelId="{2A749D6A-2969-43D5-BC32-B9EC870DAA10}" type="presOf" srcId="{EFB72154-034D-4403-BA06-7D8CDE168212}" destId="{F7D1465F-5B8A-46C0-AE87-FDABA5C7CB56}" srcOrd="1" destOrd="0" presId="urn:microsoft.com/office/officeart/2005/8/layout/vProcess5"/>
+    <dgm:cxn modelId="{48DB2988-67F0-47F5-B183-5C40C26127C9}" srcId="{99069FC0-9F60-45F4-9E47-46CBCAB3F8F3}" destId="{08A0D1C0-324C-46A4-B0D1-703DC71C5056}" srcOrd="1" destOrd="0" parTransId="{144DFD72-109C-47CC-A1B9-57762BA88802}" sibTransId="{9D65DD2D-747C-49E9-A9B9-F194E616EB34}"/>
+    <dgm:cxn modelId="{73D28EF5-1E46-41F5-967F-ADBDFEC9B335}" type="presOf" srcId="{9D65DD2D-747C-49E9-A9B9-F194E616EB34}" destId="{7B858E7B-AF12-4D38-BA92-0F2CCB08BE30}" srcOrd="0" destOrd="0" presId="urn:microsoft.com/office/officeart/2005/8/layout/vProcess5"/>
+    <dgm:cxn modelId="{6F15CA64-FDCB-467C-9C71-C1962BF53B5B}" type="presOf" srcId="{36B7B34F-8611-48C7-B00E-180C0B481CFA}" destId="{7B91258B-4D4A-4F88-8301-122CEA9F752F}" srcOrd="0" destOrd="0" presId="urn:microsoft.com/office/officeart/2005/8/layout/vProcess5"/>
+    <dgm:cxn modelId="{154FA8C7-6D0D-43B5-A7C3-F9A1C9ABE109}" type="presOf" srcId="{36B7B34F-8611-48C7-B00E-180C0B481CFA}" destId="{85D60703-0EFE-44BA-94EA-805EDB2FC301}" srcOrd="1" destOrd="0" presId="urn:microsoft.com/office/officeart/2005/8/layout/vProcess5"/>
+    <dgm:cxn modelId="{1619D3FD-923B-42F6-B3C6-A419B8D3C2C2}" srcId="{99069FC0-9F60-45F4-9E47-46CBCAB3F8F3}" destId="{7D8F9F75-4235-4EC9-B960-D82D1853353A}" srcOrd="6" destOrd="0" parTransId="{382A0AD3-EE0F-48C9-A7E5-8DAC86CBA3D8}" sibTransId="{0398790C-0843-4BD3-ACB8-73D35ABABD14}"/>
+    <dgm:cxn modelId="{B63CDBFF-986D-4BD7-A600-F23B3E4D812E}" type="presOf" srcId="{D0BC6464-DF88-4A99-92A2-FD526D5F19C2}" destId="{9F6968B4-7F89-42C4-A01F-4E8C734F16F6}" srcOrd="0" destOrd="0" presId="urn:microsoft.com/office/officeart/2005/8/layout/vProcess5"/>
+    <dgm:cxn modelId="{E14C876E-41CA-4DA7-B9EB-AF0A32F8044C}" srcId="{99069FC0-9F60-45F4-9E47-46CBCAB3F8F3}" destId="{36B7B34F-8611-48C7-B00E-180C0B481CFA}" srcOrd="2" destOrd="0" parTransId="{B2D9C8E5-0A5D-4CA2-8637-2FEBF191A8C5}" sibTransId="{C39FE4D2-D0BD-47E9-BAE3-4743304ADBC7}"/>
+    <dgm:cxn modelId="{C800495A-AAC4-4A1A-95F0-4185C2C16BBC}" type="presOf" srcId="{08A0D1C0-324C-46A4-B0D1-703DC71C5056}" destId="{90635F39-67BC-4192-BB61-98B07186F46F}" srcOrd="1" destOrd="0" presId="urn:microsoft.com/office/officeart/2005/8/layout/vProcess5"/>
+    <dgm:cxn modelId="{97E6C466-D406-4F93-A544-23D8A5513AB5}" type="presOf" srcId="{08A0D1C0-324C-46A4-B0D1-703DC71C5056}" destId="{671FC2C8-5909-4A2E-A827-040AB6C8DA8E}" srcOrd="0" destOrd="0" presId="urn:microsoft.com/office/officeart/2005/8/layout/vProcess5"/>
+    <dgm:cxn modelId="{FAA3911C-E36F-4E03-AF0C-921DA36ABEC6}" srcId="{99069FC0-9F60-45F4-9E47-46CBCAB3F8F3}" destId="{EFB72154-034D-4403-BA06-7D8CDE168212}" srcOrd="4" destOrd="0" parTransId="{DBA9CFDA-01EC-40C8-9B6E-FF91120323FA}" sibTransId="{00533C84-FF7D-4DC3-B93A-D19F95CEE633}"/>
+    <dgm:cxn modelId="{8BB2B3B4-7114-4EBE-AD41-A5EB57C3EDCE}" type="presOf" srcId="{EFB72154-034D-4403-BA06-7D8CDE168212}" destId="{572CEF6F-1A64-4A4B-8007-8CFAF59DE9D8}" srcOrd="0" destOrd="0" presId="urn:microsoft.com/office/officeart/2005/8/layout/vProcess5"/>
+    <dgm:cxn modelId="{2806BD61-9FC7-4F48-A58F-87F578DCC705}" type="presOf" srcId="{0EECAA48-9104-4AC7-A5CA-45491AB9BFFC}" destId="{CE2ECF41-7740-49D6-9FBB-E7C1F8E6C8AD}" srcOrd="0" destOrd="0" presId="urn:microsoft.com/office/officeart/2005/8/layout/vProcess5"/>
+    <dgm:cxn modelId="{7EC3FFCF-475E-4140-B32D-0D315A3F8F87}" srcId="{99069FC0-9F60-45F4-9E47-46CBCAB3F8F3}" destId="{D7C57CBE-46B5-489F-98DD-D39B525222F9}" srcOrd="0" destOrd="0" parTransId="{6B67A02F-200F-4D2B-8C22-B64D32D1CF8A}" sibTransId="{0EECAA48-9104-4AC7-A5CA-45491AB9BFFC}"/>
     <dgm:cxn modelId="{73F9901A-BF87-438E-AE0B-6E554CDF2F63}" type="presOf" srcId="{885E2A3A-F382-46E7-BDBC-91CA62614996}" destId="{C8A472AB-DAC2-4CF0-9144-C36244317137}" srcOrd="1" destOrd="0" presId="urn:microsoft.com/office/officeart/2005/8/layout/vProcess5"/>
-    <dgm:cxn modelId="{FAA3911C-E36F-4E03-AF0C-921DA36ABEC6}" srcId="{99069FC0-9F60-45F4-9E47-46CBCAB3F8F3}" destId="{EFB72154-034D-4403-BA06-7D8CDE168212}" srcOrd="4" destOrd="0" parTransId="{DBA9CFDA-01EC-40C8-9B6E-FF91120323FA}" sibTransId="{00533C84-FF7D-4DC3-B93A-D19F95CEE633}"/>
     <dgm:cxn modelId="{0525B51C-8BFA-4F36-8ECD-379B758C717C}" type="presOf" srcId="{C39FE4D2-D0BD-47E9-BAE3-4743304ADBC7}" destId="{CA3D3879-6CDE-4D93-952E-00B9147C7271}" srcOrd="0" destOrd="0" presId="urn:microsoft.com/office/officeart/2005/8/layout/vProcess5"/>
     <dgm:cxn modelId="{CFFF5C23-D98D-4B8F-A443-A4F453D8B8B7}" srcId="{99069FC0-9F60-45F4-9E47-46CBCAB3F8F3}" destId="{E850A748-FCEC-41D0-BB7D-E8FC41DAEF2F}" srcOrd="8" destOrd="0" parTransId="{B1A62C03-FBD3-4DDA-A29F-FAC609D368F0}" sibTransId="{36781B70-91E8-49D6-AFD3-4EFE1C860C06}"/>
-    <dgm:cxn modelId="{2806BD61-9FC7-4F48-A58F-87F578DCC705}" type="presOf" srcId="{0EECAA48-9104-4AC7-A5CA-45491AB9BFFC}" destId="{CE2ECF41-7740-49D6-9FBB-E7C1F8E6C8AD}" srcOrd="0" destOrd="0" presId="urn:microsoft.com/office/officeart/2005/8/layout/vProcess5"/>
-    <dgm:cxn modelId="{6F15CA64-FDCB-467C-9C71-C1962BF53B5B}" type="presOf" srcId="{36B7B34F-8611-48C7-B00E-180C0B481CFA}" destId="{7B91258B-4D4A-4F88-8301-122CEA9F752F}" srcOrd="0" destOrd="0" presId="urn:microsoft.com/office/officeart/2005/8/layout/vProcess5"/>
-    <dgm:cxn modelId="{97E6C466-D406-4F93-A544-23D8A5513AB5}" type="presOf" srcId="{08A0D1C0-324C-46A4-B0D1-703DC71C5056}" destId="{671FC2C8-5909-4A2E-A827-040AB6C8DA8E}" srcOrd="0" destOrd="0" presId="urn:microsoft.com/office/officeart/2005/8/layout/vProcess5"/>
-    <dgm:cxn modelId="{2A749D6A-2969-43D5-BC32-B9EC870DAA10}" type="presOf" srcId="{EFB72154-034D-4403-BA06-7D8CDE168212}" destId="{F7D1465F-5B8A-46C0-AE87-FDABA5C7CB56}" srcOrd="1" destOrd="0" presId="urn:microsoft.com/office/officeart/2005/8/layout/vProcess5"/>
     <dgm:cxn modelId="{7CDE1C6D-3F75-453C-A368-BEAD768A4167}" srcId="{99069FC0-9F60-45F4-9E47-46CBCAB3F8F3}" destId="{45F056C0-7A97-480F-9804-6BFDB389B56C}" srcOrd="7" destOrd="0" parTransId="{0FD1777A-D5A3-4316-85D5-7DCC182FBD53}" sibTransId="{26D8DDE9-EAA0-4673-AB27-B910552C5A4D}"/>
-    <dgm:cxn modelId="{E14C876E-41CA-4DA7-B9EB-AF0A32F8044C}" srcId="{99069FC0-9F60-45F4-9E47-46CBCAB3F8F3}" destId="{36B7B34F-8611-48C7-B00E-180C0B481CFA}" srcOrd="2" destOrd="0" parTransId="{B2D9C8E5-0A5D-4CA2-8637-2FEBF191A8C5}" sibTransId="{C39FE4D2-D0BD-47E9-BAE3-4743304ADBC7}"/>
     <dgm:cxn modelId="{5E428972-9D51-49B2-A3EE-EEC123C2C12B}" type="presOf" srcId="{D7C57CBE-46B5-489F-98DD-D39B525222F9}" destId="{1F403867-B9D4-4C87-B7B4-133238B90020}" srcOrd="1" destOrd="0" presId="urn:microsoft.com/office/officeart/2005/8/layout/vProcess5"/>
-    <dgm:cxn modelId="{C800495A-AAC4-4A1A-95F0-4185C2C16BBC}" type="presOf" srcId="{08A0D1C0-324C-46A4-B0D1-703DC71C5056}" destId="{90635F39-67BC-4192-BB61-98B07186F46F}" srcOrd="1" destOrd="0" presId="urn:microsoft.com/office/officeart/2005/8/layout/vProcess5"/>
-    <dgm:cxn modelId="{03361E81-C909-4EDA-85EF-E6D89B3B86CD}" type="presOf" srcId="{D7C57CBE-46B5-489F-98DD-D39B525222F9}" destId="{7F74E3FD-2C05-4622-845F-9D8EC863D09D}" srcOrd="0" destOrd="0" presId="urn:microsoft.com/office/officeart/2005/8/layout/vProcess5"/>
-    <dgm:cxn modelId="{48DB2988-67F0-47F5-B183-5C40C26127C9}" srcId="{99069FC0-9F60-45F4-9E47-46CBCAB3F8F3}" destId="{08A0D1C0-324C-46A4-B0D1-703DC71C5056}" srcOrd="1" destOrd="0" parTransId="{144DFD72-109C-47CC-A1B9-57762BA88802}" sibTransId="{9D65DD2D-747C-49E9-A9B9-F194E616EB34}"/>
-    <dgm:cxn modelId="{8BB2B3B4-7114-4EBE-AD41-A5EB57C3EDCE}" type="presOf" srcId="{EFB72154-034D-4403-BA06-7D8CDE168212}" destId="{572CEF6F-1A64-4A4B-8007-8CFAF59DE9D8}" srcOrd="0" destOrd="0" presId="urn:microsoft.com/office/officeart/2005/8/layout/vProcess5"/>
-    <dgm:cxn modelId="{154FA8C7-6D0D-43B5-A7C3-F9A1C9ABE109}" type="presOf" srcId="{36B7B34F-8611-48C7-B00E-180C0B481CFA}" destId="{85D60703-0EFE-44BA-94EA-805EDB2FC301}" srcOrd="1" destOrd="0" presId="urn:microsoft.com/office/officeart/2005/8/layout/vProcess5"/>
-    <dgm:cxn modelId="{7EC3FFCF-475E-4140-B32D-0D315A3F8F87}" srcId="{99069FC0-9F60-45F4-9E47-46CBCAB3F8F3}" destId="{D7C57CBE-46B5-489F-98DD-D39B525222F9}" srcOrd="0" destOrd="0" parTransId="{6B67A02F-200F-4D2B-8C22-B64D32D1CF8A}" sibTransId="{0EECAA48-9104-4AC7-A5CA-45491AB9BFFC}"/>
-    <dgm:cxn modelId="{8C8357D3-86A0-4F1B-84F6-5A76B0832460}" srcId="{99069FC0-9F60-45F4-9E47-46CBCAB3F8F3}" destId="{885E2A3A-F382-46E7-BDBC-91CA62614996}" srcOrd="3" destOrd="0" parTransId="{B7AA294B-187D-45E3-8664-EE5758CBD3EC}" sibTransId="{D0BC6464-DF88-4A99-92A2-FD526D5F19C2}"/>
-    <dgm:cxn modelId="{7112A1D5-BC36-4C49-BA4E-D686F449096F}" srcId="{99069FC0-9F60-45F4-9E47-46CBCAB3F8F3}" destId="{840E2858-83B2-4D59-BCB9-A830A585A651}" srcOrd="5" destOrd="0" parTransId="{52FE7F11-D13D-4629-99D1-4707B686EAA3}" sibTransId="{762C151F-A98A-4017-B200-86193B8D02C3}"/>
-    <dgm:cxn modelId="{1EA324DC-F5EE-42DE-9E9E-F9E58889BF1F}" type="presOf" srcId="{99069FC0-9F60-45F4-9E47-46CBCAB3F8F3}" destId="{3B659A3F-F5C6-44B9-BAB4-AC27C3D02A21}" srcOrd="0" destOrd="0" presId="urn:microsoft.com/office/officeart/2005/8/layout/vProcess5"/>
-    <dgm:cxn modelId="{73D28EF5-1E46-41F5-967F-ADBDFEC9B335}" type="presOf" srcId="{9D65DD2D-747C-49E9-A9B9-F194E616EB34}" destId="{7B858E7B-AF12-4D38-BA92-0F2CCB08BE30}" srcOrd="0" destOrd="0" presId="urn:microsoft.com/office/officeart/2005/8/layout/vProcess5"/>
-    <dgm:cxn modelId="{1619D3FD-923B-42F6-B3C6-A419B8D3C2C2}" srcId="{99069FC0-9F60-45F4-9E47-46CBCAB3F8F3}" destId="{7D8F9F75-4235-4EC9-B960-D82D1853353A}" srcOrd="6" destOrd="0" parTransId="{382A0AD3-EE0F-48C9-A7E5-8DAC86CBA3D8}" sibTransId="{0398790C-0843-4BD3-ACB8-73D35ABABD14}"/>
-    <dgm:cxn modelId="{B63CDBFF-986D-4BD7-A600-F23B3E4D812E}" type="presOf" srcId="{D0BC6464-DF88-4A99-92A2-FD526D5F19C2}" destId="{9F6968B4-7F89-42C4-A01F-4E8C734F16F6}" srcOrd="0" destOrd="0" presId="urn:microsoft.com/office/officeart/2005/8/layout/vProcess5"/>
     <dgm:cxn modelId="{E272CD45-A917-4A5B-A82D-B4E43206A3C3}" type="presParOf" srcId="{3B659A3F-F5C6-44B9-BAB4-AC27C3D02A21}" destId="{6BB8C8E9-B8FC-4DEE-8A0B-D17C125102CA}" srcOrd="0" destOrd="0" presId="urn:microsoft.com/office/officeart/2005/8/layout/vProcess5"/>
     <dgm:cxn modelId="{BB1D5878-FAD8-422F-8CF7-73F8462D44AC}" type="presParOf" srcId="{3B659A3F-F5C6-44B9-BAB4-AC27C3D02A21}" destId="{7F74E3FD-2C05-4622-845F-9D8EC863D09D}" srcOrd="1" destOrd="0" presId="urn:microsoft.com/office/officeart/2005/8/layout/vProcess5"/>
     <dgm:cxn modelId="{358FFDE9-49F4-49D5-85F7-D759D3E595A1}" type="presParOf" srcId="{3B659A3F-F5C6-44B9-BAB4-AC27C3D02A21}" destId="{671FC2C8-5909-4A2E-A827-040AB6C8DA8E}" srcOrd="2" destOrd="0" presId="urn:microsoft.com/office/officeart/2005/8/layout/vProcess5"/>
@@ -1510,6 +2364,281 @@
   <dgm:extLst>
     <a:ext uri="http://schemas.microsoft.com/office/drawing/2008/diagram">
       <dsp:dataModelExt xmlns:dsp="http://schemas.microsoft.com/office/drawing/2008/diagram" relId="rId7" minVer="http://schemas.openxmlformats.org/drawingml/2006/diagram"/>
+    </a:ext>
+  </dgm:extLst>
+</dgm:dataModel>
+</file>
+
+<file path=ppt/diagrams/data2.xml><?xml version="1.0" encoding="utf-8"?>
+<dgm:dataModel xmlns:dgm="http://schemas.openxmlformats.org/drawingml/2006/diagram" xmlns:a="http://schemas.openxmlformats.org/drawingml/2006/main">
+  <dgm:ptLst>
+    <dgm:pt modelId="{9556558F-3FB1-44F7-9332-F54CFFDFE7F8}" type="doc">
+      <dgm:prSet loTypeId="urn:microsoft.com/office/officeart/2005/8/layout/hProcess9" loCatId="process" qsTypeId="urn:microsoft.com/office/officeart/2005/8/quickstyle/simple1" qsCatId="simple" csTypeId="urn:microsoft.com/office/officeart/2005/8/colors/accent1_2" csCatId="accent1" phldr="1"/>
+      <dgm:spPr/>
+    </dgm:pt>
+    <dgm:pt modelId="{05675CEE-479A-4C54-A72B-5DD502905E4F}">
+      <dgm:prSet phldrT="[Text]"/>
+      <dgm:spPr/>
+      <dgm:t>
+        <a:bodyPr/>
+        <a:lstStyle/>
+        <a:p>
+          <a:r>
+            <a:rPr lang="de-AT" dirty="0" smtClean="0"/>
+            <a:t>Bildqualität verbessern</a:t>
+          </a:r>
+          <a:endParaRPr lang="de-AT" dirty="0"/>
+        </a:p>
+      </dgm:t>
+    </dgm:pt>
+    <dgm:pt modelId="{207825EB-5365-4F82-8030-DAD0F62AF3F7}" type="parTrans" cxnId="{52B71C28-374A-4923-B64E-241C93D9BE40}">
+      <dgm:prSet/>
+      <dgm:spPr/>
+      <dgm:t>
+        <a:bodyPr/>
+        <a:lstStyle/>
+        <a:p>
+          <a:endParaRPr lang="de-AT"/>
+        </a:p>
+      </dgm:t>
+    </dgm:pt>
+    <dgm:pt modelId="{0BF5E556-5CAF-444B-BCC3-218F17DC7FD5}" type="sibTrans" cxnId="{52B71C28-374A-4923-B64E-241C93D9BE40}">
+      <dgm:prSet/>
+      <dgm:spPr/>
+      <dgm:t>
+        <a:bodyPr/>
+        <a:lstStyle/>
+        <a:p>
+          <a:endParaRPr lang="de-AT"/>
+        </a:p>
+      </dgm:t>
+    </dgm:pt>
+    <dgm:pt modelId="{A98345FC-E306-4776-B0DA-2A87EFAA58AE}">
+      <dgm:prSet phldrT="[Text]"/>
+      <dgm:spPr/>
+      <dgm:t>
+        <a:bodyPr/>
+        <a:lstStyle/>
+        <a:p>
+          <a:r>
+            <a:rPr lang="de-AT" dirty="0" smtClean="0"/>
+            <a:t>AI zur Erkennung von Indy</a:t>
+          </a:r>
+          <a:endParaRPr lang="de-AT" dirty="0"/>
+        </a:p>
+      </dgm:t>
+    </dgm:pt>
+    <dgm:pt modelId="{F4647900-37B5-49B1-8648-EEEA2819B32C}" type="parTrans" cxnId="{03956EC0-70D1-4A40-8E5E-B3C079A00049}">
+      <dgm:prSet/>
+      <dgm:spPr/>
+      <dgm:t>
+        <a:bodyPr/>
+        <a:lstStyle/>
+        <a:p>
+          <a:endParaRPr lang="de-AT"/>
+        </a:p>
+      </dgm:t>
+    </dgm:pt>
+    <dgm:pt modelId="{B54A3C16-B4EB-4BF5-A698-24842568AEC0}" type="sibTrans" cxnId="{03956EC0-70D1-4A40-8E5E-B3C079A00049}">
+      <dgm:prSet/>
+      <dgm:spPr/>
+      <dgm:t>
+        <a:bodyPr/>
+        <a:lstStyle/>
+        <a:p>
+          <a:endParaRPr lang="de-AT"/>
+        </a:p>
+      </dgm:t>
+    </dgm:pt>
+    <dgm:pt modelId="{41BD9178-99B0-4850-AEB8-FAF1681A4B2E}">
+      <dgm:prSet phldrT="[Text]"/>
+      <dgm:spPr/>
+      <dgm:t>
+        <a:bodyPr/>
+        <a:lstStyle/>
+        <a:p>
+          <a:r>
+            <a:rPr lang="de-AT" dirty="0" smtClean="0"/>
+            <a:t>Ausschneiden von Indy</a:t>
+          </a:r>
+          <a:endParaRPr lang="de-AT" dirty="0"/>
+        </a:p>
+      </dgm:t>
+    </dgm:pt>
+    <dgm:pt modelId="{872F5345-B2C4-4ED7-BB92-188CABA653CD}" type="parTrans" cxnId="{0059994C-E979-4A08-B656-A8B422268D22}">
+      <dgm:prSet/>
+      <dgm:spPr/>
+      <dgm:t>
+        <a:bodyPr/>
+        <a:lstStyle/>
+        <a:p>
+          <a:endParaRPr lang="de-AT"/>
+        </a:p>
+      </dgm:t>
+    </dgm:pt>
+    <dgm:pt modelId="{4CA996AB-349F-4B02-A82B-B190496BD513}" type="sibTrans" cxnId="{0059994C-E979-4A08-B656-A8B422268D22}">
+      <dgm:prSet/>
+      <dgm:spPr/>
+      <dgm:t>
+        <a:bodyPr/>
+        <a:lstStyle/>
+        <a:p>
+          <a:endParaRPr lang="de-AT"/>
+        </a:p>
+      </dgm:t>
+    </dgm:pt>
+    <dgm:pt modelId="{E87A6B32-286F-4231-9D71-F3609F1C8531}">
+      <dgm:prSet phldrT="[Text]"/>
+      <dgm:spPr/>
+      <dgm:t>
+        <a:bodyPr/>
+        <a:lstStyle/>
+        <a:p>
+          <a:r>
+            <a:rPr lang="de-AT" dirty="0" smtClean="0"/>
+            <a:t>AI zur Erkennung der Features </a:t>
+          </a:r>
+          <a:endParaRPr lang="de-AT" dirty="0"/>
+        </a:p>
+      </dgm:t>
+    </dgm:pt>
+    <dgm:pt modelId="{D925E1B0-AC5E-4602-996C-F130BEB87BD0}" type="parTrans" cxnId="{ED52B280-2679-4675-AAA1-8B5DD6FA1EEF}">
+      <dgm:prSet/>
+      <dgm:spPr/>
+      <dgm:t>
+        <a:bodyPr/>
+        <a:lstStyle/>
+        <a:p>
+          <a:endParaRPr lang="de-AT"/>
+        </a:p>
+      </dgm:t>
+    </dgm:pt>
+    <dgm:pt modelId="{D50367D3-8595-4647-8D60-86382CC07C3A}" type="sibTrans" cxnId="{ED52B280-2679-4675-AAA1-8B5DD6FA1EEF}">
+      <dgm:prSet/>
+      <dgm:spPr/>
+      <dgm:t>
+        <a:bodyPr/>
+        <a:lstStyle/>
+        <a:p>
+          <a:endParaRPr lang="de-AT"/>
+        </a:p>
+      </dgm:t>
+    </dgm:pt>
+    <dgm:pt modelId="{6C92ADBE-AD16-47A0-9539-B9B74CE51419}" type="pres">
+      <dgm:prSet presAssocID="{9556558F-3FB1-44F7-9332-F54CFFDFE7F8}" presName="CompostProcess" presStyleCnt="0">
+        <dgm:presLayoutVars>
+          <dgm:dir/>
+          <dgm:resizeHandles val="exact"/>
+        </dgm:presLayoutVars>
+      </dgm:prSet>
+      <dgm:spPr/>
+    </dgm:pt>
+    <dgm:pt modelId="{E2FDC2BD-7940-447E-B607-D3321D054926}" type="pres">
+      <dgm:prSet presAssocID="{9556558F-3FB1-44F7-9332-F54CFFDFE7F8}" presName="arrow" presStyleLbl="bgShp" presStyleIdx="0" presStyleCnt="1"/>
+      <dgm:spPr/>
+    </dgm:pt>
+    <dgm:pt modelId="{D6470FA2-3C84-4D35-9B72-68917E4501DE}" type="pres">
+      <dgm:prSet presAssocID="{9556558F-3FB1-44F7-9332-F54CFFDFE7F8}" presName="linearProcess" presStyleCnt="0"/>
+      <dgm:spPr/>
+    </dgm:pt>
+    <dgm:pt modelId="{E567429E-6C5B-411E-BC60-400B9B1E48CB}" type="pres">
+      <dgm:prSet presAssocID="{05675CEE-479A-4C54-A72B-5DD502905E4F}" presName="textNode" presStyleLbl="node1" presStyleIdx="0" presStyleCnt="4">
+        <dgm:presLayoutVars>
+          <dgm:bulletEnabled val="1"/>
+        </dgm:presLayoutVars>
+      </dgm:prSet>
+      <dgm:spPr/>
+      <dgm:t>
+        <a:bodyPr/>
+        <a:lstStyle/>
+        <a:p>
+          <a:endParaRPr lang="de-AT"/>
+        </a:p>
+      </dgm:t>
+    </dgm:pt>
+    <dgm:pt modelId="{285A6752-6B3E-42E7-BD87-F937276B660B}" type="pres">
+      <dgm:prSet presAssocID="{0BF5E556-5CAF-444B-BCC3-218F17DC7FD5}" presName="sibTrans" presStyleCnt="0"/>
+      <dgm:spPr/>
+    </dgm:pt>
+    <dgm:pt modelId="{0B4E4981-F842-435D-B214-10696A96AE3A}" type="pres">
+      <dgm:prSet presAssocID="{A98345FC-E306-4776-B0DA-2A87EFAA58AE}" presName="textNode" presStyleLbl="node1" presStyleIdx="1" presStyleCnt="4">
+        <dgm:presLayoutVars>
+          <dgm:bulletEnabled val="1"/>
+        </dgm:presLayoutVars>
+      </dgm:prSet>
+      <dgm:spPr/>
+      <dgm:t>
+        <a:bodyPr/>
+        <a:lstStyle/>
+        <a:p>
+          <a:endParaRPr lang="de-AT"/>
+        </a:p>
+      </dgm:t>
+    </dgm:pt>
+    <dgm:pt modelId="{E200C877-1713-4887-95C3-AD8B518F564B}" type="pres">
+      <dgm:prSet presAssocID="{B54A3C16-B4EB-4BF5-A698-24842568AEC0}" presName="sibTrans" presStyleCnt="0"/>
+      <dgm:spPr/>
+    </dgm:pt>
+    <dgm:pt modelId="{2F733825-59AE-429A-952D-609966FE62B1}" type="pres">
+      <dgm:prSet presAssocID="{41BD9178-99B0-4850-AEB8-FAF1681A4B2E}" presName="textNode" presStyleLbl="node1" presStyleIdx="2" presStyleCnt="4">
+        <dgm:presLayoutVars>
+          <dgm:bulletEnabled val="1"/>
+        </dgm:presLayoutVars>
+      </dgm:prSet>
+      <dgm:spPr/>
+      <dgm:t>
+        <a:bodyPr/>
+        <a:lstStyle/>
+        <a:p>
+          <a:endParaRPr lang="de-AT"/>
+        </a:p>
+      </dgm:t>
+    </dgm:pt>
+    <dgm:pt modelId="{EC1376FF-8599-40B1-95F5-44AADA80BD5C}" type="pres">
+      <dgm:prSet presAssocID="{4CA996AB-349F-4B02-A82B-B190496BD513}" presName="sibTrans" presStyleCnt="0"/>
+      <dgm:spPr/>
+    </dgm:pt>
+    <dgm:pt modelId="{D1243569-4F90-4378-A608-C49C6D672AC8}" type="pres">
+      <dgm:prSet presAssocID="{E87A6B32-286F-4231-9D71-F3609F1C8531}" presName="textNode" presStyleLbl="node1" presStyleIdx="3" presStyleCnt="4">
+        <dgm:presLayoutVars>
+          <dgm:bulletEnabled val="1"/>
+        </dgm:presLayoutVars>
+      </dgm:prSet>
+      <dgm:spPr/>
+      <dgm:t>
+        <a:bodyPr/>
+        <a:lstStyle/>
+        <a:p>
+          <a:endParaRPr lang="de-AT"/>
+        </a:p>
+      </dgm:t>
+    </dgm:pt>
+  </dgm:ptLst>
+  <dgm:cxnLst>
+    <dgm:cxn modelId="{A0BFC053-207C-4FBE-A16A-DD217D1F67D0}" type="presOf" srcId="{9556558F-3FB1-44F7-9332-F54CFFDFE7F8}" destId="{6C92ADBE-AD16-47A0-9539-B9B74CE51419}" srcOrd="0" destOrd="0" presId="urn:microsoft.com/office/officeart/2005/8/layout/hProcess9"/>
+    <dgm:cxn modelId="{ED52B280-2679-4675-AAA1-8B5DD6FA1EEF}" srcId="{9556558F-3FB1-44F7-9332-F54CFFDFE7F8}" destId="{E87A6B32-286F-4231-9D71-F3609F1C8531}" srcOrd="3" destOrd="0" parTransId="{D925E1B0-AC5E-4602-996C-F130BEB87BD0}" sibTransId="{D50367D3-8595-4647-8D60-86382CC07C3A}"/>
+    <dgm:cxn modelId="{FE7F121B-F1E4-44D2-86D5-C16FF9530A47}" type="presOf" srcId="{A98345FC-E306-4776-B0DA-2A87EFAA58AE}" destId="{0B4E4981-F842-435D-B214-10696A96AE3A}" srcOrd="0" destOrd="0" presId="urn:microsoft.com/office/officeart/2005/8/layout/hProcess9"/>
+    <dgm:cxn modelId="{52B71C28-374A-4923-B64E-241C93D9BE40}" srcId="{9556558F-3FB1-44F7-9332-F54CFFDFE7F8}" destId="{05675CEE-479A-4C54-A72B-5DD502905E4F}" srcOrd="0" destOrd="0" parTransId="{207825EB-5365-4F82-8030-DAD0F62AF3F7}" sibTransId="{0BF5E556-5CAF-444B-BCC3-218F17DC7FD5}"/>
+    <dgm:cxn modelId="{C33BE908-C50B-4103-8268-C637613A24F1}" type="presOf" srcId="{41BD9178-99B0-4850-AEB8-FAF1681A4B2E}" destId="{2F733825-59AE-429A-952D-609966FE62B1}" srcOrd="0" destOrd="0" presId="urn:microsoft.com/office/officeart/2005/8/layout/hProcess9"/>
+    <dgm:cxn modelId="{65DEB5DE-5825-44D3-8064-84F5DF597651}" type="presOf" srcId="{05675CEE-479A-4C54-A72B-5DD502905E4F}" destId="{E567429E-6C5B-411E-BC60-400B9B1E48CB}" srcOrd="0" destOrd="0" presId="urn:microsoft.com/office/officeart/2005/8/layout/hProcess9"/>
+    <dgm:cxn modelId="{03956EC0-70D1-4A40-8E5E-B3C079A00049}" srcId="{9556558F-3FB1-44F7-9332-F54CFFDFE7F8}" destId="{A98345FC-E306-4776-B0DA-2A87EFAA58AE}" srcOrd="1" destOrd="0" parTransId="{F4647900-37B5-49B1-8648-EEEA2819B32C}" sibTransId="{B54A3C16-B4EB-4BF5-A698-24842568AEC0}"/>
+    <dgm:cxn modelId="{E8279003-FCB8-4584-8DBB-E626717B5478}" type="presOf" srcId="{E87A6B32-286F-4231-9D71-F3609F1C8531}" destId="{D1243569-4F90-4378-A608-C49C6D672AC8}" srcOrd="0" destOrd="0" presId="urn:microsoft.com/office/officeart/2005/8/layout/hProcess9"/>
+    <dgm:cxn modelId="{0059994C-E979-4A08-B656-A8B422268D22}" srcId="{9556558F-3FB1-44F7-9332-F54CFFDFE7F8}" destId="{41BD9178-99B0-4850-AEB8-FAF1681A4B2E}" srcOrd="2" destOrd="0" parTransId="{872F5345-B2C4-4ED7-BB92-188CABA653CD}" sibTransId="{4CA996AB-349F-4B02-A82B-B190496BD513}"/>
+    <dgm:cxn modelId="{B92DE45C-478B-4252-92F3-72A089A6EEBE}" type="presParOf" srcId="{6C92ADBE-AD16-47A0-9539-B9B74CE51419}" destId="{E2FDC2BD-7940-447E-B607-D3321D054926}" srcOrd="0" destOrd="0" presId="urn:microsoft.com/office/officeart/2005/8/layout/hProcess9"/>
+    <dgm:cxn modelId="{4E3569A5-2785-4ABD-AB86-6981080409B4}" type="presParOf" srcId="{6C92ADBE-AD16-47A0-9539-B9B74CE51419}" destId="{D6470FA2-3C84-4D35-9B72-68917E4501DE}" srcOrd="1" destOrd="0" presId="urn:microsoft.com/office/officeart/2005/8/layout/hProcess9"/>
+    <dgm:cxn modelId="{632605BA-6D60-4971-A2D9-0C6D233E1F43}" type="presParOf" srcId="{D6470FA2-3C84-4D35-9B72-68917E4501DE}" destId="{E567429E-6C5B-411E-BC60-400B9B1E48CB}" srcOrd="0" destOrd="0" presId="urn:microsoft.com/office/officeart/2005/8/layout/hProcess9"/>
+    <dgm:cxn modelId="{19C50FAE-8175-4477-B254-1A93F99C331A}" type="presParOf" srcId="{D6470FA2-3C84-4D35-9B72-68917E4501DE}" destId="{285A6752-6B3E-42E7-BD87-F937276B660B}" srcOrd="1" destOrd="0" presId="urn:microsoft.com/office/officeart/2005/8/layout/hProcess9"/>
+    <dgm:cxn modelId="{B37E4DAD-48B2-4C0E-B8D5-A1A43DE11134}" type="presParOf" srcId="{D6470FA2-3C84-4D35-9B72-68917E4501DE}" destId="{0B4E4981-F842-435D-B214-10696A96AE3A}" srcOrd="2" destOrd="0" presId="urn:microsoft.com/office/officeart/2005/8/layout/hProcess9"/>
+    <dgm:cxn modelId="{E5BFAAD6-165D-48E7-89DE-63583484BAA1}" type="presParOf" srcId="{D6470FA2-3C84-4D35-9B72-68917E4501DE}" destId="{E200C877-1713-4887-95C3-AD8B518F564B}" srcOrd="3" destOrd="0" presId="urn:microsoft.com/office/officeart/2005/8/layout/hProcess9"/>
+    <dgm:cxn modelId="{B7F8847E-3D23-4E10-82CD-C8C8E060C9DC}" type="presParOf" srcId="{D6470FA2-3C84-4D35-9B72-68917E4501DE}" destId="{2F733825-59AE-429A-952D-609966FE62B1}" srcOrd="4" destOrd="0" presId="urn:microsoft.com/office/officeart/2005/8/layout/hProcess9"/>
+    <dgm:cxn modelId="{5D50FBB9-CD1D-4D66-B9BD-E12453BD5CA2}" type="presParOf" srcId="{D6470FA2-3C84-4D35-9B72-68917E4501DE}" destId="{EC1376FF-8599-40B1-95F5-44AADA80BD5C}" srcOrd="5" destOrd="0" presId="urn:microsoft.com/office/officeart/2005/8/layout/hProcess9"/>
+    <dgm:cxn modelId="{0FE90CF5-03C7-4D4C-B484-E1784A570C47}" type="presParOf" srcId="{D6470FA2-3C84-4D35-9B72-68917E4501DE}" destId="{D1243569-4F90-4378-A608-C49C6D672AC8}" srcOrd="6" destOrd="0" presId="urn:microsoft.com/office/officeart/2005/8/layout/hProcess9"/>
+  </dgm:cxnLst>
+  <dgm:bg/>
+  <dgm:whole/>
+  <dgm:extLst>
+    <a:ext uri="http://schemas.microsoft.com/office/drawing/2008/diagram">
+      <dsp:dataModelExt xmlns:dsp="http://schemas.microsoft.com/office/drawing/2008/diagram" relId="rId6" minVer="http://schemas.openxmlformats.org/drawingml/2006/diagram"/>
     </a:ext>
   </dgm:extLst>
 </dgm:dataModel>
@@ -1581,7 +2710,7 @@
         </a:bodyPr>
         <a:lstStyle/>
         <a:p>
-          <a:pPr marL="0" lvl="0" indent="0" algn="l" defTabSz="844550">
+          <a:pPr lvl="0" algn="l" defTabSz="844550">
             <a:lnSpc>
               <a:spcPct val="90000"/>
             </a:lnSpc>
@@ -1591,7 +2720,6 @@
             <a:spcAft>
               <a:spcPct val="35000"/>
             </a:spcAft>
-            <a:buNone/>
           </a:pPr>
           <a:r>
             <a:rPr lang="de-AT" sz="1900" kern="1200" dirty="0"/>
@@ -1662,7 +2790,7 @@
         </a:bodyPr>
         <a:lstStyle/>
         <a:p>
-          <a:pPr marL="0" lvl="0" indent="0" algn="l" defTabSz="844550">
+          <a:pPr lvl="0" algn="l" defTabSz="844550">
             <a:lnSpc>
               <a:spcPct val="90000"/>
             </a:lnSpc>
@@ -1672,7 +2800,6 @@
             <a:spcAft>
               <a:spcPct val="35000"/>
             </a:spcAft>
-            <a:buNone/>
           </a:pPr>
           <a:r>
             <a:rPr lang="de-AT" sz="1900" kern="1200" dirty="0"/>
@@ -1743,7 +2870,7 @@
         </a:bodyPr>
         <a:lstStyle/>
         <a:p>
-          <a:pPr marL="0" lvl="0" indent="0" algn="l" defTabSz="844550">
+          <a:pPr lvl="0" algn="l" defTabSz="844550">
             <a:lnSpc>
               <a:spcPct val="90000"/>
             </a:lnSpc>
@@ -1824,7 +2951,7 @@
         </a:bodyPr>
         <a:lstStyle/>
         <a:p>
-          <a:pPr marL="0" lvl="0" indent="0" algn="l" defTabSz="844550">
+          <a:pPr lvl="0" algn="l" defTabSz="844550">
             <a:lnSpc>
               <a:spcPct val="90000"/>
             </a:lnSpc>
@@ -1905,7 +3032,7 @@
         </a:bodyPr>
         <a:lstStyle/>
         <a:p>
-          <a:pPr marL="0" lvl="0" indent="0" algn="l" defTabSz="844550">
+          <a:pPr lvl="0" algn="l" defTabSz="844550">
             <a:lnSpc>
               <a:spcPct val="90000"/>
             </a:lnSpc>
@@ -1988,7 +3115,7 @@
         </a:bodyPr>
         <a:lstStyle/>
         <a:p>
-          <a:pPr marL="0" lvl="0" indent="0" algn="ctr" defTabSz="1022350">
+          <a:pPr lvl="0" algn="ctr" defTabSz="1022350">
             <a:lnSpc>
               <a:spcPct val="90000"/>
             </a:lnSpc>
@@ -1998,7 +3125,6 @@
             <a:spcAft>
               <a:spcPct val="35000"/>
             </a:spcAft>
-            <a:buNone/>
           </a:pPr>
           <a:endParaRPr lang="de-AT" sz="2300" kern="1200"/>
         </a:p>
@@ -2068,7 +3194,7 @@
         </a:bodyPr>
         <a:lstStyle/>
         <a:p>
-          <a:pPr marL="0" lvl="0" indent="0" algn="ctr" defTabSz="1022350">
+          <a:pPr lvl="0" algn="ctr" defTabSz="1022350">
             <a:lnSpc>
               <a:spcPct val="90000"/>
             </a:lnSpc>
@@ -2078,7 +3204,6 @@
             <a:spcAft>
               <a:spcPct val="35000"/>
             </a:spcAft>
-            <a:buNone/>
           </a:pPr>
           <a:endParaRPr lang="de-AT" sz="2300" kern="1200"/>
         </a:p>
@@ -2148,7 +3273,7 @@
         </a:bodyPr>
         <a:lstStyle/>
         <a:p>
-          <a:pPr marL="0" lvl="0" indent="0" algn="ctr" defTabSz="1022350">
+          <a:pPr lvl="0" algn="ctr" defTabSz="1022350">
             <a:lnSpc>
               <a:spcPct val="90000"/>
             </a:lnSpc>
@@ -2158,7 +3283,6 @@
             <a:spcAft>
               <a:spcPct val="35000"/>
             </a:spcAft>
-            <a:buNone/>
           </a:pPr>
           <a:endParaRPr lang="de-AT" sz="2300" kern="1200"/>
         </a:p>
@@ -2228,7 +3352,7 @@
         </a:bodyPr>
         <a:lstStyle/>
         <a:p>
-          <a:pPr marL="0" lvl="0" indent="0" algn="ctr" defTabSz="1022350">
+          <a:pPr lvl="0" algn="ctr" defTabSz="1022350">
             <a:lnSpc>
               <a:spcPct val="90000"/>
             </a:lnSpc>
@@ -2238,7 +3362,6 @@
             <a:spcAft>
               <a:spcPct val="35000"/>
             </a:spcAft>
-            <a:buNone/>
           </a:pPr>
           <a:endParaRPr lang="de-AT" sz="2300" kern="1200"/>
         </a:p>
@@ -2246,6 +3369,370 @@
       <dsp:txXfrm>
         <a:off x="6475480" y="3315719"/>
         <a:ext cx="286206" cy="391581"/>
+      </dsp:txXfrm>
+    </dsp:sp>
+  </dsp:spTree>
+</dsp:drawing>
+</file>
+
+<file path=ppt/diagrams/drawing2.xml><?xml version="1.0" encoding="utf-8"?>
+<dsp:drawing xmlns:dgm="http://schemas.openxmlformats.org/drawingml/2006/diagram" xmlns:dsp="http://schemas.microsoft.com/office/drawing/2008/diagram" xmlns:a="http://schemas.openxmlformats.org/drawingml/2006/main">
+  <dsp:spTree>
+    <dsp:nvGrpSpPr>
+      <dsp:cNvPr id="0" name=""/>
+      <dsp:cNvGrpSpPr/>
+    </dsp:nvGrpSpPr>
+    <dsp:grpSpPr/>
+    <dsp:sp modelId="{E2FDC2BD-7940-447E-B607-D3321D054926}">
+      <dsp:nvSpPr>
+        <dsp:cNvPr id="0" name=""/>
+        <dsp:cNvSpPr/>
+      </dsp:nvSpPr>
+      <dsp:spPr>
+        <a:xfrm>
+          <a:off x="788669" y="0"/>
+          <a:ext cx="8938260" cy="4351338"/>
+        </a:xfrm>
+        <a:prstGeom prst="rightArrow">
+          <a:avLst/>
+        </a:prstGeom>
+        <a:solidFill>
+          <a:schemeClr val="accent1">
+            <a:tint val="40000"/>
+            <a:hueOff val="0"/>
+            <a:satOff val="0"/>
+            <a:lumOff val="0"/>
+            <a:alphaOff val="0"/>
+          </a:schemeClr>
+        </a:solidFill>
+        <a:ln>
+          <a:noFill/>
+        </a:ln>
+        <a:effectLst/>
+      </dsp:spPr>
+      <dsp:style>
+        <a:lnRef idx="0">
+          <a:scrgbClr r="0" g="0" b="0"/>
+        </a:lnRef>
+        <a:fillRef idx="1">
+          <a:scrgbClr r="0" g="0" b="0"/>
+        </a:fillRef>
+        <a:effectRef idx="0">
+          <a:scrgbClr r="0" g="0" b="0"/>
+        </a:effectRef>
+        <a:fontRef idx="minor"/>
+      </dsp:style>
+    </dsp:sp>
+    <dsp:sp modelId="{E567429E-6C5B-411E-BC60-400B9B1E48CB}">
+      <dsp:nvSpPr>
+        <dsp:cNvPr id="0" name=""/>
+        <dsp:cNvSpPr/>
+      </dsp:nvSpPr>
+      <dsp:spPr>
+        <a:xfrm>
+          <a:off x="5262" y="1305401"/>
+          <a:ext cx="2531343" cy="1740535"/>
+        </a:xfrm>
+        <a:prstGeom prst="roundRect">
+          <a:avLst/>
+        </a:prstGeom>
+        <a:solidFill>
+          <a:schemeClr val="accent1">
+            <a:hueOff val="0"/>
+            <a:satOff val="0"/>
+            <a:lumOff val="0"/>
+            <a:alphaOff val="0"/>
+          </a:schemeClr>
+        </a:solidFill>
+        <a:ln w="12700" cap="flat" cmpd="sng" algn="ctr">
+          <a:solidFill>
+            <a:schemeClr val="lt1">
+              <a:hueOff val="0"/>
+              <a:satOff val="0"/>
+              <a:lumOff val="0"/>
+              <a:alphaOff val="0"/>
+            </a:schemeClr>
+          </a:solidFill>
+          <a:prstDash val="solid"/>
+          <a:miter lim="800000"/>
+        </a:ln>
+        <a:effectLst/>
+      </dsp:spPr>
+      <dsp:style>
+        <a:lnRef idx="2">
+          <a:scrgbClr r="0" g="0" b="0"/>
+        </a:lnRef>
+        <a:fillRef idx="1">
+          <a:scrgbClr r="0" g="0" b="0"/>
+        </a:fillRef>
+        <a:effectRef idx="0">
+          <a:scrgbClr r="0" g="0" b="0"/>
+        </a:effectRef>
+        <a:fontRef idx="minor">
+          <a:schemeClr val="lt1"/>
+        </a:fontRef>
+      </dsp:style>
+      <dsp:txBody>
+        <a:bodyPr spcFirstLastPara="0" vert="horz" wrap="square" lIns="110490" tIns="110490" rIns="110490" bIns="110490" numCol="1" spcCol="1270" anchor="ctr" anchorCtr="0">
+          <a:noAutofit/>
+        </a:bodyPr>
+        <a:lstStyle/>
+        <a:p>
+          <a:pPr lvl="0" algn="ctr" defTabSz="1289050">
+            <a:lnSpc>
+              <a:spcPct val="90000"/>
+            </a:lnSpc>
+            <a:spcBef>
+              <a:spcPct val="0"/>
+            </a:spcBef>
+            <a:spcAft>
+              <a:spcPct val="35000"/>
+            </a:spcAft>
+          </a:pPr>
+          <a:r>
+            <a:rPr lang="de-AT" sz="2900" kern="1200" dirty="0" smtClean="0"/>
+            <a:t>Bildqualität verbessern</a:t>
+          </a:r>
+          <a:endParaRPr lang="de-AT" sz="2900" kern="1200" dirty="0"/>
+        </a:p>
+      </dsp:txBody>
+      <dsp:txXfrm>
+        <a:off x="90228" y="1390367"/>
+        <a:ext cx="2361411" cy="1570603"/>
+      </dsp:txXfrm>
+    </dsp:sp>
+    <dsp:sp modelId="{0B4E4981-F842-435D-B214-10696A96AE3A}">
+      <dsp:nvSpPr>
+        <dsp:cNvPr id="0" name=""/>
+        <dsp:cNvSpPr/>
+      </dsp:nvSpPr>
+      <dsp:spPr>
+        <a:xfrm>
+          <a:off x="2663173" y="1305401"/>
+          <a:ext cx="2531343" cy="1740535"/>
+        </a:xfrm>
+        <a:prstGeom prst="roundRect">
+          <a:avLst/>
+        </a:prstGeom>
+        <a:solidFill>
+          <a:schemeClr val="accent1">
+            <a:hueOff val="0"/>
+            <a:satOff val="0"/>
+            <a:lumOff val="0"/>
+            <a:alphaOff val="0"/>
+          </a:schemeClr>
+        </a:solidFill>
+        <a:ln w="12700" cap="flat" cmpd="sng" algn="ctr">
+          <a:solidFill>
+            <a:schemeClr val="lt1">
+              <a:hueOff val="0"/>
+              <a:satOff val="0"/>
+              <a:lumOff val="0"/>
+              <a:alphaOff val="0"/>
+            </a:schemeClr>
+          </a:solidFill>
+          <a:prstDash val="solid"/>
+          <a:miter lim="800000"/>
+        </a:ln>
+        <a:effectLst/>
+      </dsp:spPr>
+      <dsp:style>
+        <a:lnRef idx="2">
+          <a:scrgbClr r="0" g="0" b="0"/>
+        </a:lnRef>
+        <a:fillRef idx="1">
+          <a:scrgbClr r="0" g="0" b="0"/>
+        </a:fillRef>
+        <a:effectRef idx="0">
+          <a:scrgbClr r="0" g="0" b="0"/>
+        </a:effectRef>
+        <a:fontRef idx="minor">
+          <a:schemeClr val="lt1"/>
+        </a:fontRef>
+      </dsp:style>
+      <dsp:txBody>
+        <a:bodyPr spcFirstLastPara="0" vert="horz" wrap="square" lIns="110490" tIns="110490" rIns="110490" bIns="110490" numCol="1" spcCol="1270" anchor="ctr" anchorCtr="0">
+          <a:noAutofit/>
+        </a:bodyPr>
+        <a:lstStyle/>
+        <a:p>
+          <a:pPr lvl="0" algn="ctr" defTabSz="1289050">
+            <a:lnSpc>
+              <a:spcPct val="90000"/>
+            </a:lnSpc>
+            <a:spcBef>
+              <a:spcPct val="0"/>
+            </a:spcBef>
+            <a:spcAft>
+              <a:spcPct val="35000"/>
+            </a:spcAft>
+          </a:pPr>
+          <a:r>
+            <a:rPr lang="de-AT" sz="2900" kern="1200" dirty="0" smtClean="0"/>
+            <a:t>AI zur Erkennung von Indy</a:t>
+          </a:r>
+          <a:endParaRPr lang="de-AT" sz="2900" kern="1200" dirty="0"/>
+        </a:p>
+      </dsp:txBody>
+      <dsp:txXfrm>
+        <a:off x="2748139" y="1390367"/>
+        <a:ext cx="2361411" cy="1570603"/>
+      </dsp:txXfrm>
+    </dsp:sp>
+    <dsp:sp modelId="{2F733825-59AE-429A-952D-609966FE62B1}">
+      <dsp:nvSpPr>
+        <dsp:cNvPr id="0" name=""/>
+        <dsp:cNvSpPr/>
+      </dsp:nvSpPr>
+      <dsp:spPr>
+        <a:xfrm>
+          <a:off x="5321083" y="1305401"/>
+          <a:ext cx="2531343" cy="1740535"/>
+        </a:xfrm>
+        <a:prstGeom prst="roundRect">
+          <a:avLst/>
+        </a:prstGeom>
+        <a:solidFill>
+          <a:schemeClr val="accent1">
+            <a:hueOff val="0"/>
+            <a:satOff val="0"/>
+            <a:lumOff val="0"/>
+            <a:alphaOff val="0"/>
+          </a:schemeClr>
+        </a:solidFill>
+        <a:ln w="12700" cap="flat" cmpd="sng" algn="ctr">
+          <a:solidFill>
+            <a:schemeClr val="lt1">
+              <a:hueOff val="0"/>
+              <a:satOff val="0"/>
+              <a:lumOff val="0"/>
+              <a:alphaOff val="0"/>
+            </a:schemeClr>
+          </a:solidFill>
+          <a:prstDash val="solid"/>
+          <a:miter lim="800000"/>
+        </a:ln>
+        <a:effectLst/>
+      </dsp:spPr>
+      <dsp:style>
+        <a:lnRef idx="2">
+          <a:scrgbClr r="0" g="0" b="0"/>
+        </a:lnRef>
+        <a:fillRef idx="1">
+          <a:scrgbClr r="0" g="0" b="0"/>
+        </a:fillRef>
+        <a:effectRef idx="0">
+          <a:scrgbClr r="0" g="0" b="0"/>
+        </a:effectRef>
+        <a:fontRef idx="minor">
+          <a:schemeClr val="lt1"/>
+        </a:fontRef>
+      </dsp:style>
+      <dsp:txBody>
+        <a:bodyPr spcFirstLastPara="0" vert="horz" wrap="square" lIns="110490" tIns="110490" rIns="110490" bIns="110490" numCol="1" spcCol="1270" anchor="ctr" anchorCtr="0">
+          <a:noAutofit/>
+        </a:bodyPr>
+        <a:lstStyle/>
+        <a:p>
+          <a:pPr lvl="0" algn="ctr" defTabSz="1289050">
+            <a:lnSpc>
+              <a:spcPct val="90000"/>
+            </a:lnSpc>
+            <a:spcBef>
+              <a:spcPct val="0"/>
+            </a:spcBef>
+            <a:spcAft>
+              <a:spcPct val="35000"/>
+            </a:spcAft>
+          </a:pPr>
+          <a:r>
+            <a:rPr lang="de-AT" sz="2900" kern="1200" dirty="0" smtClean="0"/>
+            <a:t>Ausschneiden von Indy</a:t>
+          </a:r>
+          <a:endParaRPr lang="de-AT" sz="2900" kern="1200" dirty="0"/>
+        </a:p>
+      </dsp:txBody>
+      <dsp:txXfrm>
+        <a:off x="5406049" y="1390367"/>
+        <a:ext cx="2361411" cy="1570603"/>
+      </dsp:txXfrm>
+    </dsp:sp>
+    <dsp:sp modelId="{D1243569-4F90-4378-A608-C49C6D672AC8}">
+      <dsp:nvSpPr>
+        <dsp:cNvPr id="0" name=""/>
+        <dsp:cNvSpPr/>
+      </dsp:nvSpPr>
+      <dsp:spPr>
+        <a:xfrm>
+          <a:off x="7978993" y="1305401"/>
+          <a:ext cx="2531343" cy="1740535"/>
+        </a:xfrm>
+        <a:prstGeom prst="roundRect">
+          <a:avLst/>
+        </a:prstGeom>
+        <a:solidFill>
+          <a:schemeClr val="accent1">
+            <a:hueOff val="0"/>
+            <a:satOff val="0"/>
+            <a:lumOff val="0"/>
+            <a:alphaOff val="0"/>
+          </a:schemeClr>
+        </a:solidFill>
+        <a:ln w="12700" cap="flat" cmpd="sng" algn="ctr">
+          <a:solidFill>
+            <a:schemeClr val="lt1">
+              <a:hueOff val="0"/>
+              <a:satOff val="0"/>
+              <a:lumOff val="0"/>
+              <a:alphaOff val="0"/>
+            </a:schemeClr>
+          </a:solidFill>
+          <a:prstDash val="solid"/>
+          <a:miter lim="800000"/>
+        </a:ln>
+        <a:effectLst/>
+      </dsp:spPr>
+      <dsp:style>
+        <a:lnRef idx="2">
+          <a:scrgbClr r="0" g="0" b="0"/>
+        </a:lnRef>
+        <a:fillRef idx="1">
+          <a:scrgbClr r="0" g="0" b="0"/>
+        </a:fillRef>
+        <a:effectRef idx="0">
+          <a:scrgbClr r="0" g="0" b="0"/>
+        </a:effectRef>
+        <a:fontRef idx="minor">
+          <a:schemeClr val="lt1"/>
+        </a:fontRef>
+      </dsp:style>
+      <dsp:txBody>
+        <a:bodyPr spcFirstLastPara="0" vert="horz" wrap="square" lIns="110490" tIns="110490" rIns="110490" bIns="110490" numCol="1" spcCol="1270" anchor="ctr" anchorCtr="0">
+          <a:noAutofit/>
+        </a:bodyPr>
+        <a:lstStyle/>
+        <a:p>
+          <a:pPr lvl="0" algn="ctr" defTabSz="1289050">
+            <a:lnSpc>
+              <a:spcPct val="90000"/>
+            </a:lnSpc>
+            <a:spcBef>
+              <a:spcPct val="0"/>
+            </a:spcBef>
+            <a:spcAft>
+              <a:spcPct val="35000"/>
+            </a:spcAft>
+          </a:pPr>
+          <a:r>
+            <a:rPr lang="de-AT" sz="2900" kern="1200" dirty="0" smtClean="0"/>
+            <a:t>AI zur Erkennung der Features </a:t>
+          </a:r>
+          <a:endParaRPr lang="de-AT" sz="2900" kern="1200" dirty="0"/>
+        </a:p>
+      </dsp:txBody>
+      <dsp:txXfrm>
+        <a:off x="8063959" y="1390367"/>
+        <a:ext cx="2361411" cy="1570603"/>
       </dsp:txXfrm>
     </dsp:sp>
   </dsp:spTree>
@@ -3478,7 +4965,1195 @@
 </dgm:layoutDef>
 </file>
 
+<file path=ppt/diagrams/layout2.xml><?xml version="1.0" encoding="utf-8"?>
+<dgm:layoutDef xmlns:dgm="http://schemas.openxmlformats.org/drawingml/2006/diagram" xmlns:a="http://schemas.openxmlformats.org/drawingml/2006/main" uniqueId="urn:microsoft.com/office/officeart/2005/8/layout/hProcess9">
+  <dgm:title val=""/>
+  <dgm:desc val=""/>
+  <dgm:catLst>
+    <dgm:cat type="process" pri="5000"/>
+    <dgm:cat type="convert" pri="13000"/>
+  </dgm:catLst>
+  <dgm:sampData useDef="1">
+    <dgm:dataModel>
+      <dgm:ptLst/>
+      <dgm:bg/>
+      <dgm:whole/>
+    </dgm:dataModel>
+  </dgm:sampData>
+  <dgm:styleData>
+    <dgm:dataModel>
+      <dgm:ptLst>
+        <dgm:pt modelId="0" type="doc"/>
+        <dgm:pt modelId="1"/>
+        <dgm:pt modelId="2"/>
+      </dgm:ptLst>
+      <dgm:cxnLst>
+        <dgm:cxn modelId="3" srcId="0" destId="1" srcOrd="0" destOrd="0"/>
+        <dgm:cxn modelId="4" srcId="0" destId="2" srcOrd="1" destOrd="0"/>
+      </dgm:cxnLst>
+      <dgm:bg/>
+      <dgm:whole/>
+    </dgm:dataModel>
+  </dgm:styleData>
+  <dgm:clrData>
+    <dgm:dataModel>
+      <dgm:ptLst>
+        <dgm:pt modelId="0" type="doc"/>
+        <dgm:pt modelId="1"/>
+        <dgm:pt modelId="2"/>
+        <dgm:pt modelId="3"/>
+        <dgm:pt modelId="4"/>
+      </dgm:ptLst>
+      <dgm:cxnLst>
+        <dgm:cxn modelId="5" srcId="0" destId="1" srcOrd="0" destOrd="0"/>
+        <dgm:cxn modelId="6" srcId="0" destId="2" srcOrd="1" destOrd="0"/>
+        <dgm:cxn modelId="7" srcId="0" destId="3" srcOrd="2" destOrd="0"/>
+        <dgm:cxn modelId="8" srcId="0" destId="4" srcOrd="3" destOrd="0"/>
+      </dgm:cxnLst>
+      <dgm:bg/>
+      <dgm:whole/>
+    </dgm:dataModel>
+  </dgm:clrData>
+  <dgm:layoutNode name="CompostProcess">
+    <dgm:varLst>
+      <dgm:dir/>
+      <dgm:resizeHandles val="exact"/>
+    </dgm:varLst>
+    <dgm:alg type="composite">
+      <dgm:param type="horzAlign" val="ctr"/>
+      <dgm:param type="vertAlign" val="mid"/>
+    </dgm:alg>
+    <dgm:shape xmlns:r="http://schemas.openxmlformats.org/officeDocument/2006/relationships" r:blip="">
+      <dgm:adjLst/>
+    </dgm:shape>
+    <dgm:presOf/>
+    <dgm:constrLst>
+      <dgm:constr type="w" for="ch" forName="arrow" refType="w" fact="0.85"/>
+      <dgm:constr type="h" for="ch" forName="arrow" refType="h"/>
+      <dgm:constr type="ctrX" for="ch" forName="arrow" refType="w" fact="0.5"/>
+      <dgm:constr type="ctrY" for="ch" forName="arrow" refType="h" fact="0.5"/>
+      <dgm:constr type="w" for="ch" forName="linearProcess" refType="w"/>
+      <dgm:constr type="h" for="ch" forName="linearProcess" refType="h" fact="0.4"/>
+      <dgm:constr type="ctrX" for="ch" forName="linearProcess" refType="w" fact="0.5"/>
+      <dgm:constr type="ctrY" for="ch" forName="linearProcess" refType="h" fact="0.5"/>
+    </dgm:constrLst>
+    <dgm:ruleLst/>
+    <dgm:layoutNode name="arrow" styleLbl="bgShp">
+      <dgm:alg type="sp"/>
+      <dgm:choose name="Name0">
+        <dgm:if name="Name1" func="var" arg="dir" op="equ" val="norm">
+          <dgm:shape xmlns:r="http://schemas.openxmlformats.org/officeDocument/2006/relationships" type="rightArrow" r:blip="">
+            <dgm:adjLst/>
+          </dgm:shape>
+        </dgm:if>
+        <dgm:else name="Name2">
+          <dgm:shape xmlns:r="http://schemas.openxmlformats.org/officeDocument/2006/relationships" type="leftArrow" r:blip="">
+            <dgm:adjLst/>
+          </dgm:shape>
+        </dgm:else>
+      </dgm:choose>
+      <dgm:presOf/>
+      <dgm:constrLst/>
+      <dgm:ruleLst/>
+    </dgm:layoutNode>
+    <dgm:layoutNode name="linearProcess">
+      <dgm:choose name="Name3">
+        <dgm:if name="Name4" func="var" arg="dir" op="equ" val="norm">
+          <dgm:alg type="lin"/>
+        </dgm:if>
+        <dgm:else name="Name5">
+          <dgm:alg type="lin">
+            <dgm:param type="linDir" val="fromR"/>
+          </dgm:alg>
+        </dgm:else>
+      </dgm:choose>
+      <dgm:shape xmlns:r="http://schemas.openxmlformats.org/officeDocument/2006/relationships" r:blip="">
+        <dgm:adjLst/>
+      </dgm:shape>
+      <dgm:presOf/>
+      <dgm:constrLst>
+        <dgm:constr type="userA" for="ch" ptType="node" refType="w"/>
+        <dgm:constr type="h" for="ch" ptType="node" refType="h"/>
+        <dgm:constr type="w" for="ch" ptType="node" op="equ"/>
+        <dgm:constr type="w" for="ch" forName="sibTrans" refType="w" fact="0.05"/>
+        <dgm:constr type="primFontSz" for="ch" ptType="node" op="equ" val="65"/>
+      </dgm:constrLst>
+      <dgm:ruleLst/>
+      <dgm:forEach name="Name6" axis="ch" ptType="node">
+        <dgm:layoutNode name="textNode" styleLbl="node1">
+          <dgm:varLst>
+            <dgm:bulletEnabled val="1"/>
+          </dgm:varLst>
+          <dgm:alg type="tx"/>
+          <dgm:shape xmlns:r="http://schemas.openxmlformats.org/officeDocument/2006/relationships" type="roundRect" r:blip="">
+            <dgm:adjLst/>
+          </dgm:shape>
+          <dgm:presOf axis="desOrSelf" ptType="node"/>
+          <dgm:constrLst>
+            <dgm:constr type="userA"/>
+            <dgm:constr type="w" refType="userA" fact="0.3"/>
+            <dgm:constr type="tMarg" refType="primFontSz" fact="0.3"/>
+            <dgm:constr type="bMarg" refType="primFontSz" fact="0.3"/>
+            <dgm:constr type="lMarg" refType="primFontSz" fact="0.3"/>
+            <dgm:constr type="rMarg" refType="primFontSz" fact="0.3"/>
+          </dgm:constrLst>
+          <dgm:ruleLst>
+            <dgm:rule type="w" val="NaN" fact="1" max="NaN"/>
+            <dgm:rule type="primFontSz" val="5" fact="NaN" max="NaN"/>
+          </dgm:ruleLst>
+        </dgm:layoutNode>
+        <dgm:forEach name="Name7" axis="followSib" ptType="sibTrans" cnt="1">
+          <dgm:layoutNode name="sibTrans">
+            <dgm:alg type="sp"/>
+            <dgm:shape xmlns:r="http://schemas.openxmlformats.org/officeDocument/2006/relationships" r:blip="">
+              <dgm:adjLst/>
+            </dgm:shape>
+            <dgm:presOf/>
+            <dgm:constrLst/>
+            <dgm:ruleLst/>
+          </dgm:layoutNode>
+        </dgm:forEach>
+      </dgm:forEach>
+    </dgm:layoutNode>
+  </dgm:layoutNode>
+</dgm:layoutDef>
+</file>
+
 <file path=ppt/diagrams/quickStyle1.xml><?xml version="1.0" encoding="utf-8"?>
+<dgm:styleDef xmlns:dgm="http://schemas.openxmlformats.org/drawingml/2006/diagram" xmlns:a="http://schemas.openxmlformats.org/drawingml/2006/main" uniqueId="urn:microsoft.com/office/officeart/2005/8/quickstyle/simple1">
+  <dgm:title val=""/>
+  <dgm:desc val=""/>
+  <dgm:catLst>
+    <dgm:cat type="simple" pri="10100"/>
+  </dgm:catLst>
+  <dgm:scene3d>
+    <a:camera prst="orthographicFront"/>
+    <a:lightRig rig="threePt" dir="t"/>
+  </dgm:scene3d>
+  <dgm:styleLbl name="node0">
+    <dgm:scene3d>
+      <a:camera prst="orthographicFront"/>
+      <a:lightRig rig="threePt" dir="t"/>
+    </dgm:scene3d>
+    <dgm:sp3d/>
+    <dgm:txPr/>
+    <dgm:style>
+      <a:lnRef idx="2">
+        <a:scrgbClr r="0" g="0" b="0"/>
+      </a:lnRef>
+      <a:fillRef idx="1">
+        <a:scrgbClr r="0" g="0" b="0"/>
+      </a:fillRef>
+      <a:effectRef idx="0">
+        <a:scrgbClr r="0" g="0" b="0"/>
+      </a:effectRef>
+      <a:fontRef idx="minor">
+        <a:schemeClr val="lt1"/>
+      </a:fontRef>
+    </dgm:style>
+  </dgm:styleLbl>
+  <dgm:styleLbl name="lnNode1">
+    <dgm:scene3d>
+      <a:camera prst="orthographicFront"/>
+      <a:lightRig rig="threePt" dir="t"/>
+    </dgm:scene3d>
+    <dgm:sp3d/>
+    <dgm:txPr/>
+    <dgm:style>
+      <a:lnRef idx="2">
+        <a:scrgbClr r="0" g="0" b="0"/>
+      </a:lnRef>
+      <a:fillRef idx="1">
+        <a:scrgbClr r="0" g="0" b="0"/>
+      </a:fillRef>
+      <a:effectRef idx="0">
+        <a:scrgbClr r="0" g="0" b="0"/>
+      </a:effectRef>
+      <a:fontRef idx="minor">
+        <a:schemeClr val="lt1"/>
+      </a:fontRef>
+    </dgm:style>
+  </dgm:styleLbl>
+  <dgm:styleLbl name="vennNode1">
+    <dgm:scene3d>
+      <a:camera prst="orthographicFront"/>
+      <a:lightRig rig="threePt" dir="t"/>
+    </dgm:scene3d>
+    <dgm:sp3d/>
+    <dgm:txPr/>
+    <dgm:style>
+      <a:lnRef idx="2">
+        <a:scrgbClr r="0" g="0" b="0"/>
+      </a:lnRef>
+      <a:fillRef idx="1">
+        <a:scrgbClr r="0" g="0" b="0"/>
+      </a:fillRef>
+      <a:effectRef idx="0">
+        <a:scrgbClr r="0" g="0" b="0"/>
+      </a:effectRef>
+      <a:fontRef idx="minor">
+        <a:schemeClr val="tx1"/>
+      </a:fontRef>
+    </dgm:style>
+  </dgm:styleLbl>
+  <dgm:styleLbl name="alignNode1">
+    <dgm:scene3d>
+      <a:camera prst="orthographicFront"/>
+      <a:lightRig rig="threePt" dir="t"/>
+    </dgm:scene3d>
+    <dgm:sp3d/>
+    <dgm:txPr/>
+    <dgm:style>
+      <a:lnRef idx="2">
+        <a:scrgbClr r="0" g="0" b="0"/>
+      </a:lnRef>
+      <a:fillRef idx="1">
+        <a:scrgbClr r="0" g="0" b="0"/>
+      </a:fillRef>
+      <a:effectRef idx="0">
+        <a:scrgbClr r="0" g="0" b="0"/>
+      </a:effectRef>
+      <a:fontRef idx="minor">
+        <a:schemeClr val="lt1"/>
+      </a:fontRef>
+    </dgm:style>
+  </dgm:styleLbl>
+  <dgm:styleLbl name="node1">
+    <dgm:scene3d>
+      <a:camera prst="orthographicFront"/>
+      <a:lightRig rig="threePt" dir="t"/>
+    </dgm:scene3d>
+    <dgm:sp3d/>
+    <dgm:txPr/>
+    <dgm:style>
+      <a:lnRef idx="2">
+        <a:scrgbClr r="0" g="0" b="0"/>
+      </a:lnRef>
+      <a:fillRef idx="1">
+        <a:scrgbClr r="0" g="0" b="0"/>
+      </a:fillRef>
+      <a:effectRef idx="0">
+        <a:scrgbClr r="0" g="0" b="0"/>
+      </a:effectRef>
+      <a:fontRef idx="minor">
+        <a:schemeClr val="lt1"/>
+      </a:fontRef>
+    </dgm:style>
+  </dgm:styleLbl>
+  <dgm:styleLbl name="node2">
+    <dgm:scene3d>
+      <a:camera prst="orthographicFront"/>
+      <a:lightRig rig="threePt" dir="t"/>
+    </dgm:scene3d>
+    <dgm:sp3d/>
+    <dgm:txPr/>
+    <dgm:style>
+      <a:lnRef idx="2">
+        <a:scrgbClr r="0" g="0" b="0"/>
+      </a:lnRef>
+      <a:fillRef idx="1">
+        <a:scrgbClr r="0" g="0" b="0"/>
+      </a:fillRef>
+      <a:effectRef idx="0">
+        <a:scrgbClr r="0" g="0" b="0"/>
+      </a:effectRef>
+      <a:fontRef idx="minor">
+        <a:schemeClr val="lt1"/>
+      </a:fontRef>
+    </dgm:style>
+  </dgm:styleLbl>
+  <dgm:styleLbl name="node3">
+    <dgm:scene3d>
+      <a:camera prst="orthographicFront"/>
+      <a:lightRig rig="threePt" dir="t"/>
+    </dgm:scene3d>
+    <dgm:sp3d/>
+    <dgm:txPr/>
+    <dgm:style>
+      <a:lnRef idx="2">
+        <a:scrgbClr r="0" g="0" b="0"/>
+      </a:lnRef>
+      <a:fillRef idx="1">
+        <a:scrgbClr r="0" g="0" b="0"/>
+      </a:fillRef>
+      <a:effectRef idx="0">
+        <a:scrgbClr r="0" g="0" b="0"/>
+      </a:effectRef>
+      <a:fontRef idx="minor">
+        <a:schemeClr val="lt1"/>
+      </a:fontRef>
+    </dgm:style>
+  </dgm:styleLbl>
+  <dgm:styleLbl name="node4">
+    <dgm:scene3d>
+      <a:camera prst="orthographicFront"/>
+      <a:lightRig rig="threePt" dir="t"/>
+    </dgm:scene3d>
+    <dgm:sp3d/>
+    <dgm:txPr/>
+    <dgm:style>
+      <a:lnRef idx="2">
+        <a:scrgbClr r="0" g="0" b="0"/>
+      </a:lnRef>
+      <a:fillRef idx="1">
+        <a:scrgbClr r="0" g="0" b="0"/>
+      </a:fillRef>
+      <a:effectRef idx="0">
+        <a:scrgbClr r="0" g="0" b="0"/>
+      </a:effectRef>
+      <a:fontRef idx="minor">
+        <a:schemeClr val="lt1"/>
+      </a:fontRef>
+    </dgm:style>
+  </dgm:styleLbl>
+  <dgm:styleLbl name="fgImgPlace1">
+    <dgm:scene3d>
+      <a:camera prst="orthographicFront"/>
+      <a:lightRig rig="threePt" dir="t"/>
+    </dgm:scene3d>
+    <dgm:sp3d/>
+    <dgm:txPr/>
+    <dgm:style>
+      <a:lnRef idx="2">
+        <a:scrgbClr r="0" g="0" b="0"/>
+      </a:lnRef>
+      <a:fillRef idx="1">
+        <a:scrgbClr r="0" g="0" b="0"/>
+      </a:fillRef>
+      <a:effectRef idx="0">
+        <a:scrgbClr r="0" g="0" b="0"/>
+      </a:effectRef>
+      <a:fontRef idx="minor"/>
+    </dgm:style>
+  </dgm:styleLbl>
+  <dgm:styleLbl name="alignImgPlace1">
+    <dgm:scene3d>
+      <a:camera prst="orthographicFront"/>
+      <a:lightRig rig="threePt" dir="t"/>
+    </dgm:scene3d>
+    <dgm:sp3d/>
+    <dgm:txPr/>
+    <dgm:style>
+      <a:lnRef idx="2">
+        <a:scrgbClr r="0" g="0" b="0"/>
+      </a:lnRef>
+      <a:fillRef idx="1">
+        <a:scrgbClr r="0" g="0" b="0"/>
+      </a:fillRef>
+      <a:effectRef idx="0">
+        <a:scrgbClr r="0" g="0" b="0"/>
+      </a:effectRef>
+      <a:fontRef idx="minor"/>
+    </dgm:style>
+  </dgm:styleLbl>
+  <dgm:styleLbl name="bgImgPlace1">
+    <dgm:scene3d>
+      <a:camera prst="orthographicFront"/>
+      <a:lightRig rig="threePt" dir="t"/>
+    </dgm:scene3d>
+    <dgm:sp3d/>
+    <dgm:txPr/>
+    <dgm:style>
+      <a:lnRef idx="2">
+        <a:scrgbClr r="0" g="0" b="0"/>
+      </a:lnRef>
+      <a:fillRef idx="1">
+        <a:scrgbClr r="0" g="0" b="0"/>
+      </a:fillRef>
+      <a:effectRef idx="0">
+        <a:scrgbClr r="0" g="0" b="0"/>
+      </a:effectRef>
+      <a:fontRef idx="minor"/>
+    </dgm:style>
+  </dgm:styleLbl>
+  <dgm:styleLbl name="sibTrans2D1">
+    <dgm:scene3d>
+      <a:camera prst="orthographicFront"/>
+      <a:lightRig rig="threePt" dir="t"/>
+    </dgm:scene3d>
+    <dgm:sp3d/>
+    <dgm:txPr/>
+    <dgm:style>
+      <a:lnRef idx="0">
+        <a:scrgbClr r="0" g="0" b="0"/>
+      </a:lnRef>
+      <a:fillRef idx="1">
+        <a:scrgbClr r="0" g="0" b="0"/>
+      </a:fillRef>
+      <a:effectRef idx="0">
+        <a:scrgbClr r="0" g="0" b="0"/>
+      </a:effectRef>
+      <a:fontRef idx="minor">
+        <a:schemeClr val="lt1"/>
+      </a:fontRef>
+    </dgm:style>
+  </dgm:styleLbl>
+  <dgm:styleLbl name="fgSibTrans2D1">
+    <dgm:scene3d>
+      <a:camera prst="orthographicFront"/>
+      <a:lightRig rig="threePt" dir="t"/>
+    </dgm:scene3d>
+    <dgm:sp3d/>
+    <dgm:txPr/>
+    <dgm:style>
+      <a:lnRef idx="0">
+        <a:scrgbClr r="0" g="0" b="0"/>
+      </a:lnRef>
+      <a:fillRef idx="1">
+        <a:scrgbClr r="0" g="0" b="0"/>
+      </a:fillRef>
+      <a:effectRef idx="0">
+        <a:scrgbClr r="0" g="0" b="0"/>
+      </a:effectRef>
+      <a:fontRef idx="minor">
+        <a:schemeClr val="lt1"/>
+      </a:fontRef>
+    </dgm:style>
+  </dgm:styleLbl>
+  <dgm:styleLbl name="bgSibTrans2D1">
+    <dgm:scene3d>
+      <a:camera prst="orthographicFront"/>
+      <a:lightRig rig="threePt" dir="t"/>
+    </dgm:scene3d>
+    <dgm:sp3d/>
+    <dgm:txPr/>
+    <dgm:style>
+      <a:lnRef idx="0">
+        <a:scrgbClr r="0" g="0" b="0"/>
+      </a:lnRef>
+      <a:fillRef idx="1">
+        <a:scrgbClr r="0" g="0" b="0"/>
+      </a:fillRef>
+      <a:effectRef idx="0">
+        <a:scrgbClr r="0" g="0" b="0"/>
+      </a:effectRef>
+      <a:fontRef idx="minor">
+        <a:schemeClr val="lt1"/>
+      </a:fontRef>
+    </dgm:style>
+  </dgm:styleLbl>
+  <dgm:styleLbl name="sibTrans1D1">
+    <dgm:scene3d>
+      <a:camera prst="orthographicFront"/>
+      <a:lightRig rig="threePt" dir="t"/>
+    </dgm:scene3d>
+    <dgm:sp3d/>
+    <dgm:txPr/>
+    <dgm:style>
+      <a:lnRef idx="1">
+        <a:scrgbClr r="0" g="0" b="0"/>
+      </a:lnRef>
+      <a:fillRef idx="0">
+        <a:scrgbClr r="0" g="0" b="0"/>
+      </a:fillRef>
+      <a:effectRef idx="0">
+        <a:scrgbClr r="0" g="0" b="0"/>
+      </a:effectRef>
+      <a:fontRef idx="minor"/>
+    </dgm:style>
+  </dgm:styleLbl>
+  <dgm:styleLbl name="callout">
+    <dgm:scene3d>
+      <a:camera prst="orthographicFront"/>
+      <a:lightRig rig="threePt" dir="t"/>
+    </dgm:scene3d>
+    <dgm:sp3d/>
+    <dgm:txPr/>
+    <dgm:style>
+      <a:lnRef idx="2">
+        <a:scrgbClr r="0" g="0" b="0"/>
+      </a:lnRef>
+      <a:fillRef idx="1">
+        <a:scrgbClr r="0" g="0" b="0"/>
+      </a:fillRef>
+      <a:effectRef idx="0">
+        <a:scrgbClr r="0" g="0" b="0"/>
+      </a:effectRef>
+      <a:fontRef idx="minor"/>
+    </dgm:style>
+  </dgm:styleLbl>
+  <dgm:styleLbl name="asst0">
+    <dgm:scene3d>
+      <a:camera prst="orthographicFront"/>
+      <a:lightRig rig="threePt" dir="t"/>
+    </dgm:scene3d>
+    <dgm:sp3d/>
+    <dgm:txPr/>
+    <dgm:style>
+      <a:lnRef idx="2">
+        <a:scrgbClr r="0" g="0" b="0"/>
+      </a:lnRef>
+      <a:fillRef idx="1">
+        <a:scrgbClr r="0" g="0" b="0"/>
+      </a:fillRef>
+      <a:effectRef idx="0">
+        <a:scrgbClr r="0" g="0" b="0"/>
+      </a:effectRef>
+      <a:fontRef idx="minor">
+        <a:schemeClr val="lt1"/>
+      </a:fontRef>
+    </dgm:style>
+  </dgm:styleLbl>
+  <dgm:styleLbl name="asst1">
+    <dgm:scene3d>
+      <a:camera prst="orthographicFront"/>
+      <a:lightRig rig="threePt" dir="t"/>
+    </dgm:scene3d>
+    <dgm:sp3d/>
+    <dgm:txPr/>
+    <dgm:style>
+      <a:lnRef idx="2">
+        <a:scrgbClr r="0" g="0" b="0"/>
+      </a:lnRef>
+      <a:fillRef idx="1">
+        <a:scrgbClr r="0" g="0" b="0"/>
+      </a:fillRef>
+      <a:effectRef idx="0">
+        <a:scrgbClr r="0" g="0" b="0"/>
+      </a:effectRef>
+      <a:fontRef idx="minor">
+        <a:schemeClr val="lt1"/>
+      </a:fontRef>
+    </dgm:style>
+  </dgm:styleLbl>
+  <dgm:styleLbl name="asst2">
+    <dgm:scene3d>
+      <a:camera prst="orthographicFront"/>
+      <a:lightRig rig="threePt" dir="t"/>
+    </dgm:scene3d>
+    <dgm:sp3d/>
+    <dgm:txPr/>
+    <dgm:style>
+      <a:lnRef idx="2">
+        <a:scrgbClr r="0" g="0" b="0"/>
+      </a:lnRef>
+      <a:fillRef idx="1">
+        <a:scrgbClr r="0" g="0" b="0"/>
+      </a:fillRef>
+      <a:effectRef idx="0">
+        <a:scrgbClr r="0" g="0" b="0"/>
+      </a:effectRef>
+      <a:fontRef idx="minor">
+        <a:schemeClr val="lt1"/>
+      </a:fontRef>
+    </dgm:style>
+  </dgm:styleLbl>
+  <dgm:styleLbl name="asst3">
+    <dgm:scene3d>
+      <a:camera prst="orthographicFront"/>
+      <a:lightRig rig="threePt" dir="t"/>
+    </dgm:scene3d>
+    <dgm:sp3d/>
+    <dgm:txPr/>
+    <dgm:style>
+      <a:lnRef idx="2">
+        <a:scrgbClr r="0" g="0" b="0"/>
+      </a:lnRef>
+      <a:fillRef idx="1">
+        <a:scrgbClr r="0" g="0" b="0"/>
+      </a:fillRef>
+      <a:effectRef idx="0">
+        <a:scrgbClr r="0" g="0" b="0"/>
+      </a:effectRef>
+      <a:fontRef idx="minor">
+        <a:schemeClr val="lt1"/>
+      </a:fontRef>
+    </dgm:style>
+  </dgm:styleLbl>
+  <dgm:styleLbl name="asst4">
+    <dgm:scene3d>
+      <a:camera prst="orthographicFront"/>
+      <a:lightRig rig="threePt" dir="t"/>
+    </dgm:scene3d>
+    <dgm:sp3d/>
+    <dgm:txPr/>
+    <dgm:style>
+      <a:lnRef idx="2">
+        <a:scrgbClr r="0" g="0" b="0"/>
+      </a:lnRef>
+      <a:fillRef idx="1">
+        <a:scrgbClr r="0" g="0" b="0"/>
+      </a:fillRef>
+      <a:effectRef idx="0">
+        <a:scrgbClr r="0" g="0" b="0"/>
+      </a:effectRef>
+      <a:fontRef idx="minor">
+        <a:schemeClr val="lt1"/>
+      </a:fontRef>
+    </dgm:style>
+  </dgm:styleLbl>
+  <dgm:styleLbl name="parChTrans2D1">
+    <dgm:scene3d>
+      <a:camera prst="orthographicFront"/>
+      <a:lightRig rig="threePt" dir="t"/>
+    </dgm:scene3d>
+    <dgm:sp3d/>
+    <dgm:txPr/>
+    <dgm:style>
+      <a:lnRef idx="2">
+        <a:scrgbClr r="0" g="0" b="0"/>
+      </a:lnRef>
+      <a:fillRef idx="1">
+        <a:scrgbClr r="0" g="0" b="0"/>
+      </a:fillRef>
+      <a:effectRef idx="0">
+        <a:scrgbClr r="0" g="0" b="0"/>
+      </a:effectRef>
+      <a:fontRef idx="minor">
+        <a:schemeClr val="lt1"/>
+      </a:fontRef>
+    </dgm:style>
+  </dgm:styleLbl>
+  <dgm:styleLbl name="parChTrans2D2">
+    <dgm:scene3d>
+      <a:camera prst="orthographicFront"/>
+      <a:lightRig rig="threePt" dir="t"/>
+    </dgm:scene3d>
+    <dgm:sp3d/>
+    <dgm:txPr/>
+    <dgm:style>
+      <a:lnRef idx="2">
+        <a:scrgbClr r="0" g="0" b="0"/>
+      </a:lnRef>
+      <a:fillRef idx="1">
+        <a:scrgbClr r="0" g="0" b="0"/>
+      </a:fillRef>
+      <a:effectRef idx="0">
+        <a:scrgbClr r="0" g="0" b="0"/>
+      </a:effectRef>
+      <a:fontRef idx="minor">
+        <a:schemeClr val="lt1"/>
+      </a:fontRef>
+    </dgm:style>
+  </dgm:styleLbl>
+  <dgm:styleLbl name="parChTrans2D3">
+    <dgm:scene3d>
+      <a:camera prst="orthographicFront"/>
+      <a:lightRig rig="threePt" dir="t"/>
+    </dgm:scene3d>
+    <dgm:sp3d/>
+    <dgm:txPr/>
+    <dgm:style>
+      <a:lnRef idx="2">
+        <a:scrgbClr r="0" g="0" b="0"/>
+      </a:lnRef>
+      <a:fillRef idx="1">
+        <a:scrgbClr r="0" g="0" b="0"/>
+      </a:fillRef>
+      <a:effectRef idx="0">
+        <a:scrgbClr r="0" g="0" b="0"/>
+      </a:effectRef>
+      <a:fontRef idx="minor">
+        <a:schemeClr val="lt1"/>
+      </a:fontRef>
+    </dgm:style>
+  </dgm:styleLbl>
+  <dgm:styleLbl name="parChTrans2D4">
+    <dgm:scene3d>
+      <a:camera prst="orthographicFront"/>
+      <a:lightRig rig="threePt" dir="t"/>
+    </dgm:scene3d>
+    <dgm:sp3d/>
+    <dgm:txPr/>
+    <dgm:style>
+      <a:lnRef idx="2">
+        <a:scrgbClr r="0" g="0" b="0"/>
+      </a:lnRef>
+      <a:fillRef idx="1">
+        <a:scrgbClr r="0" g="0" b="0"/>
+      </a:fillRef>
+      <a:effectRef idx="0">
+        <a:scrgbClr r="0" g="0" b="0"/>
+      </a:effectRef>
+      <a:fontRef idx="minor">
+        <a:schemeClr val="lt1"/>
+      </a:fontRef>
+    </dgm:style>
+  </dgm:styleLbl>
+  <dgm:styleLbl name="parChTrans1D1">
+    <dgm:scene3d>
+      <a:camera prst="orthographicFront"/>
+      <a:lightRig rig="threePt" dir="t"/>
+    </dgm:scene3d>
+    <dgm:sp3d/>
+    <dgm:txPr/>
+    <dgm:style>
+      <a:lnRef idx="2">
+        <a:scrgbClr r="0" g="0" b="0"/>
+      </a:lnRef>
+      <a:fillRef idx="0">
+        <a:scrgbClr r="0" g="0" b="0"/>
+      </a:fillRef>
+      <a:effectRef idx="0">
+        <a:scrgbClr r="0" g="0" b="0"/>
+      </a:effectRef>
+      <a:fontRef idx="minor"/>
+    </dgm:style>
+  </dgm:styleLbl>
+  <dgm:styleLbl name="parChTrans1D2">
+    <dgm:scene3d>
+      <a:camera prst="orthographicFront"/>
+      <a:lightRig rig="threePt" dir="t"/>
+    </dgm:scene3d>
+    <dgm:sp3d/>
+    <dgm:txPr/>
+    <dgm:style>
+      <a:lnRef idx="2">
+        <a:scrgbClr r="0" g="0" b="0"/>
+      </a:lnRef>
+      <a:fillRef idx="0">
+        <a:scrgbClr r="0" g="0" b="0"/>
+      </a:fillRef>
+      <a:effectRef idx="0">
+        <a:scrgbClr r="0" g="0" b="0"/>
+      </a:effectRef>
+      <a:fontRef idx="minor"/>
+    </dgm:style>
+  </dgm:styleLbl>
+  <dgm:styleLbl name="parChTrans1D3">
+    <dgm:scene3d>
+      <a:camera prst="orthographicFront"/>
+      <a:lightRig rig="threePt" dir="t"/>
+    </dgm:scene3d>
+    <dgm:sp3d/>
+    <dgm:txPr/>
+    <dgm:style>
+      <a:lnRef idx="2">
+        <a:scrgbClr r="0" g="0" b="0"/>
+      </a:lnRef>
+      <a:fillRef idx="0">
+        <a:scrgbClr r="0" g="0" b="0"/>
+      </a:fillRef>
+      <a:effectRef idx="0">
+        <a:scrgbClr r="0" g="0" b="0"/>
+      </a:effectRef>
+      <a:fontRef idx="minor"/>
+    </dgm:style>
+  </dgm:styleLbl>
+  <dgm:styleLbl name="parChTrans1D4">
+    <dgm:scene3d>
+      <a:camera prst="orthographicFront"/>
+      <a:lightRig rig="threePt" dir="t"/>
+    </dgm:scene3d>
+    <dgm:sp3d/>
+    <dgm:txPr/>
+    <dgm:style>
+      <a:lnRef idx="2">
+        <a:scrgbClr r="0" g="0" b="0"/>
+      </a:lnRef>
+      <a:fillRef idx="0">
+        <a:scrgbClr r="0" g="0" b="0"/>
+      </a:fillRef>
+      <a:effectRef idx="0">
+        <a:scrgbClr r="0" g="0" b="0"/>
+      </a:effectRef>
+      <a:fontRef idx="minor"/>
+    </dgm:style>
+  </dgm:styleLbl>
+  <dgm:styleLbl name="fgAcc1">
+    <dgm:scene3d>
+      <a:camera prst="orthographicFront"/>
+      <a:lightRig rig="threePt" dir="t"/>
+    </dgm:scene3d>
+    <dgm:sp3d/>
+    <dgm:txPr/>
+    <dgm:style>
+      <a:lnRef idx="2">
+        <a:scrgbClr r="0" g="0" b="0"/>
+      </a:lnRef>
+      <a:fillRef idx="1">
+        <a:scrgbClr r="0" g="0" b="0"/>
+      </a:fillRef>
+      <a:effectRef idx="0">
+        <a:scrgbClr r="0" g="0" b="0"/>
+      </a:effectRef>
+      <a:fontRef idx="minor"/>
+    </dgm:style>
+  </dgm:styleLbl>
+  <dgm:styleLbl name="conFgAcc1">
+    <dgm:scene3d>
+      <a:camera prst="orthographicFront"/>
+      <a:lightRig rig="threePt" dir="t"/>
+    </dgm:scene3d>
+    <dgm:sp3d/>
+    <dgm:txPr/>
+    <dgm:style>
+      <a:lnRef idx="2">
+        <a:scrgbClr r="0" g="0" b="0"/>
+      </a:lnRef>
+      <a:fillRef idx="1">
+        <a:scrgbClr r="0" g="0" b="0"/>
+      </a:fillRef>
+      <a:effectRef idx="0">
+        <a:scrgbClr r="0" g="0" b="0"/>
+      </a:effectRef>
+      <a:fontRef idx="minor"/>
+    </dgm:style>
+  </dgm:styleLbl>
+  <dgm:styleLbl name="alignAcc1">
+    <dgm:scene3d>
+      <a:camera prst="orthographicFront"/>
+      <a:lightRig rig="threePt" dir="t"/>
+    </dgm:scene3d>
+    <dgm:sp3d/>
+    <dgm:txPr/>
+    <dgm:style>
+      <a:lnRef idx="2">
+        <a:scrgbClr r="0" g="0" b="0"/>
+      </a:lnRef>
+      <a:fillRef idx="1">
+        <a:scrgbClr r="0" g="0" b="0"/>
+      </a:fillRef>
+      <a:effectRef idx="0">
+        <a:scrgbClr r="0" g="0" b="0"/>
+      </a:effectRef>
+      <a:fontRef idx="minor"/>
+    </dgm:style>
+  </dgm:styleLbl>
+  <dgm:styleLbl name="trAlignAcc1">
+    <dgm:scene3d>
+      <a:camera prst="orthographicFront"/>
+      <a:lightRig rig="threePt" dir="t"/>
+    </dgm:scene3d>
+    <dgm:sp3d/>
+    <dgm:txPr/>
+    <dgm:style>
+      <a:lnRef idx="1">
+        <a:scrgbClr r="0" g="0" b="0"/>
+      </a:lnRef>
+      <a:fillRef idx="1">
+        <a:scrgbClr r="0" g="0" b="0"/>
+      </a:fillRef>
+      <a:effectRef idx="0">
+        <a:scrgbClr r="0" g="0" b="0"/>
+      </a:effectRef>
+      <a:fontRef idx="minor"/>
+    </dgm:style>
+  </dgm:styleLbl>
+  <dgm:styleLbl name="bgAcc1">
+    <dgm:scene3d>
+      <a:camera prst="orthographicFront"/>
+      <a:lightRig rig="threePt" dir="t"/>
+    </dgm:scene3d>
+    <dgm:sp3d/>
+    <dgm:txPr/>
+    <dgm:style>
+      <a:lnRef idx="2">
+        <a:scrgbClr r="0" g="0" b="0"/>
+      </a:lnRef>
+      <a:fillRef idx="1">
+        <a:scrgbClr r="0" g="0" b="0"/>
+      </a:fillRef>
+      <a:effectRef idx="0">
+        <a:scrgbClr r="0" g="0" b="0"/>
+      </a:effectRef>
+      <a:fontRef idx="minor"/>
+    </dgm:style>
+  </dgm:styleLbl>
+  <dgm:styleLbl name="solidFgAcc1">
+    <dgm:scene3d>
+      <a:camera prst="orthographicFront"/>
+      <a:lightRig rig="threePt" dir="t"/>
+    </dgm:scene3d>
+    <dgm:sp3d/>
+    <dgm:txPr/>
+    <dgm:style>
+      <a:lnRef idx="2">
+        <a:scrgbClr r="0" g="0" b="0"/>
+      </a:lnRef>
+      <a:fillRef idx="1">
+        <a:scrgbClr r="0" g="0" b="0"/>
+      </a:fillRef>
+      <a:effectRef idx="0">
+        <a:scrgbClr r="0" g="0" b="0"/>
+      </a:effectRef>
+      <a:fontRef idx="minor"/>
+    </dgm:style>
+  </dgm:styleLbl>
+  <dgm:styleLbl name="solidAlignAcc1">
+    <dgm:scene3d>
+      <a:camera prst="orthographicFront"/>
+      <a:lightRig rig="threePt" dir="t"/>
+    </dgm:scene3d>
+    <dgm:sp3d/>
+    <dgm:txPr/>
+    <dgm:style>
+      <a:lnRef idx="2">
+        <a:scrgbClr r="0" g="0" b="0"/>
+      </a:lnRef>
+      <a:fillRef idx="1">
+        <a:scrgbClr r="0" g="0" b="0"/>
+      </a:fillRef>
+      <a:effectRef idx="0">
+        <a:scrgbClr r="0" g="0" b="0"/>
+      </a:effectRef>
+      <a:fontRef idx="minor"/>
+    </dgm:style>
+  </dgm:styleLbl>
+  <dgm:styleLbl name="solidBgAcc1">
+    <dgm:scene3d>
+      <a:camera prst="orthographicFront"/>
+      <a:lightRig rig="threePt" dir="t"/>
+    </dgm:scene3d>
+    <dgm:sp3d/>
+    <dgm:txPr/>
+    <dgm:style>
+      <a:lnRef idx="2">
+        <a:scrgbClr r="0" g="0" b="0"/>
+      </a:lnRef>
+      <a:fillRef idx="1">
+        <a:scrgbClr r="0" g="0" b="0"/>
+      </a:fillRef>
+      <a:effectRef idx="0">
+        <a:scrgbClr r="0" g="0" b="0"/>
+      </a:effectRef>
+      <a:fontRef idx="minor"/>
+    </dgm:style>
+  </dgm:styleLbl>
+  <dgm:styleLbl name="fgAccFollowNode1">
+    <dgm:scene3d>
+      <a:camera prst="orthographicFront"/>
+      <a:lightRig rig="threePt" dir="t"/>
+    </dgm:scene3d>
+    <dgm:sp3d/>
+    <dgm:txPr/>
+    <dgm:style>
+      <a:lnRef idx="2">
+        <a:scrgbClr r="0" g="0" b="0"/>
+      </a:lnRef>
+      <a:fillRef idx="1">
+        <a:scrgbClr r="0" g="0" b="0"/>
+      </a:fillRef>
+      <a:effectRef idx="0">
+        <a:scrgbClr r="0" g="0" b="0"/>
+      </a:effectRef>
+      <a:fontRef idx="minor"/>
+    </dgm:style>
+  </dgm:styleLbl>
+  <dgm:styleLbl name="alignAccFollowNode1">
+    <dgm:scene3d>
+      <a:camera prst="orthographicFront"/>
+      <a:lightRig rig="threePt" dir="t"/>
+    </dgm:scene3d>
+    <dgm:sp3d/>
+    <dgm:txPr/>
+    <dgm:style>
+      <a:lnRef idx="2">
+        <a:scrgbClr r="0" g="0" b="0"/>
+      </a:lnRef>
+      <a:fillRef idx="1">
+        <a:scrgbClr r="0" g="0" b="0"/>
+      </a:fillRef>
+      <a:effectRef idx="0">
+        <a:scrgbClr r="0" g="0" b="0"/>
+      </a:effectRef>
+      <a:fontRef idx="minor"/>
+    </dgm:style>
+  </dgm:styleLbl>
+  <dgm:styleLbl name="bgAccFollowNode1">
+    <dgm:scene3d>
+      <a:camera prst="orthographicFront"/>
+      <a:lightRig rig="threePt" dir="t"/>
+    </dgm:scene3d>
+    <dgm:sp3d/>
+    <dgm:txPr/>
+    <dgm:style>
+      <a:lnRef idx="2">
+        <a:scrgbClr r="0" g="0" b="0"/>
+      </a:lnRef>
+      <a:fillRef idx="1">
+        <a:scrgbClr r="0" g="0" b="0"/>
+      </a:fillRef>
+      <a:effectRef idx="0">
+        <a:scrgbClr r="0" g="0" b="0"/>
+      </a:effectRef>
+      <a:fontRef idx="minor"/>
+    </dgm:style>
+  </dgm:styleLbl>
+  <dgm:styleLbl name="fgAcc0">
+    <dgm:scene3d>
+      <a:camera prst="orthographicFront"/>
+      <a:lightRig rig="threePt" dir="t"/>
+    </dgm:scene3d>
+    <dgm:sp3d/>
+    <dgm:txPr/>
+    <dgm:style>
+      <a:lnRef idx="2">
+        <a:scrgbClr r="0" g="0" b="0"/>
+      </a:lnRef>
+      <a:fillRef idx="1">
+        <a:scrgbClr r="0" g="0" b="0"/>
+      </a:fillRef>
+      <a:effectRef idx="0">
+        <a:scrgbClr r="0" g="0" b="0"/>
+      </a:effectRef>
+      <a:fontRef idx="minor"/>
+    </dgm:style>
+  </dgm:styleLbl>
+  <dgm:styleLbl name="fgAcc2">
+    <dgm:scene3d>
+      <a:camera prst="orthographicFront"/>
+      <a:lightRig rig="threePt" dir="t"/>
+    </dgm:scene3d>
+    <dgm:sp3d/>
+    <dgm:txPr/>
+    <dgm:style>
+      <a:lnRef idx="2">
+        <a:scrgbClr r="0" g="0" b="0"/>
+      </a:lnRef>
+      <a:fillRef idx="1">
+        <a:scrgbClr r="0" g="0" b="0"/>
+      </a:fillRef>
+      <a:effectRef idx="0">
+        <a:scrgbClr r="0" g="0" b="0"/>
+      </a:effectRef>
+      <a:fontRef idx="minor"/>
+    </dgm:style>
+  </dgm:styleLbl>
+  <dgm:styleLbl name="fgAcc3">
+    <dgm:scene3d>
+      <a:camera prst="orthographicFront"/>
+      <a:lightRig rig="threePt" dir="t"/>
+    </dgm:scene3d>
+    <dgm:sp3d/>
+    <dgm:txPr/>
+    <dgm:style>
+      <a:lnRef idx="2">
+        <a:scrgbClr r="0" g="0" b="0"/>
+      </a:lnRef>
+      <a:fillRef idx="1">
+        <a:scrgbClr r="0" g="0" b="0"/>
+      </a:fillRef>
+      <a:effectRef idx="0">
+        <a:scrgbClr r="0" g="0" b="0"/>
+      </a:effectRef>
+      <a:fontRef idx="minor"/>
+    </dgm:style>
+  </dgm:styleLbl>
+  <dgm:styleLbl name="fgAcc4">
+    <dgm:scene3d>
+      <a:camera prst="orthographicFront"/>
+      <a:lightRig rig="threePt" dir="t"/>
+    </dgm:scene3d>
+    <dgm:sp3d/>
+    <dgm:txPr/>
+    <dgm:style>
+      <a:lnRef idx="2">
+        <a:scrgbClr r="0" g="0" b="0"/>
+      </a:lnRef>
+      <a:fillRef idx="1">
+        <a:scrgbClr r="0" g="0" b="0"/>
+      </a:fillRef>
+      <a:effectRef idx="0">
+        <a:scrgbClr r="0" g="0" b="0"/>
+      </a:effectRef>
+      <a:fontRef idx="minor"/>
+    </dgm:style>
+  </dgm:styleLbl>
+  <dgm:styleLbl name="bgShp">
+    <dgm:scene3d>
+      <a:camera prst="orthographicFront"/>
+      <a:lightRig rig="threePt" dir="t"/>
+    </dgm:scene3d>
+    <dgm:sp3d/>
+    <dgm:txPr/>
+    <dgm:style>
+      <a:lnRef idx="0">
+        <a:scrgbClr r="0" g="0" b="0"/>
+      </a:lnRef>
+      <a:fillRef idx="1">
+        <a:scrgbClr r="0" g="0" b="0"/>
+      </a:fillRef>
+      <a:effectRef idx="0">
+        <a:scrgbClr r="0" g="0" b="0"/>
+      </a:effectRef>
+      <a:fontRef idx="minor"/>
+    </dgm:style>
+  </dgm:styleLbl>
+  <dgm:styleLbl name="dkBgShp">
+    <dgm:scene3d>
+      <a:camera prst="orthographicFront"/>
+      <a:lightRig rig="threePt" dir="t"/>
+    </dgm:scene3d>
+    <dgm:sp3d/>
+    <dgm:txPr/>
+    <dgm:style>
+      <a:lnRef idx="0">
+        <a:scrgbClr r="0" g="0" b="0"/>
+      </a:lnRef>
+      <a:fillRef idx="1">
+        <a:scrgbClr r="0" g="0" b="0"/>
+      </a:fillRef>
+      <a:effectRef idx="0">
+        <a:scrgbClr r="0" g="0" b="0"/>
+      </a:effectRef>
+      <a:fontRef idx="minor"/>
+    </dgm:style>
+  </dgm:styleLbl>
+  <dgm:styleLbl name="trBgShp">
+    <dgm:scene3d>
+      <a:camera prst="orthographicFront"/>
+      <a:lightRig rig="threePt" dir="t"/>
+    </dgm:scene3d>
+    <dgm:sp3d/>
+    <dgm:txPr/>
+    <dgm:style>
+      <a:lnRef idx="0">
+        <a:scrgbClr r="0" g="0" b="0"/>
+      </a:lnRef>
+      <a:fillRef idx="1">
+        <a:scrgbClr r="0" g="0" b="0"/>
+      </a:fillRef>
+      <a:effectRef idx="0">
+        <a:scrgbClr r="0" g="0" b="0"/>
+      </a:effectRef>
+      <a:fontRef idx="minor"/>
+    </dgm:style>
+  </dgm:styleLbl>
+  <dgm:styleLbl name="fgShp">
+    <dgm:scene3d>
+      <a:camera prst="orthographicFront"/>
+      <a:lightRig rig="threePt" dir="t"/>
+    </dgm:scene3d>
+    <dgm:sp3d/>
+    <dgm:txPr/>
+    <dgm:style>
+      <a:lnRef idx="2">
+        <a:scrgbClr r="0" g="0" b="0"/>
+      </a:lnRef>
+      <a:fillRef idx="1">
+        <a:scrgbClr r="0" g="0" b="0"/>
+      </a:fillRef>
+      <a:effectRef idx="0">
+        <a:scrgbClr r="0" g="0" b="0"/>
+      </a:effectRef>
+      <a:fontRef idx="minor"/>
+    </dgm:style>
+  </dgm:styleLbl>
+  <dgm:styleLbl name="revTx">
+    <dgm:scene3d>
+      <a:camera prst="orthographicFront"/>
+      <a:lightRig rig="threePt" dir="t"/>
+    </dgm:scene3d>
+    <dgm:sp3d/>
+    <dgm:txPr/>
+    <dgm:style>
+      <a:lnRef idx="0">
+        <a:scrgbClr r="0" g="0" b="0"/>
+      </a:lnRef>
+      <a:fillRef idx="0">
+        <a:scrgbClr r="0" g="0" b="0"/>
+      </a:fillRef>
+      <a:effectRef idx="0">
+        <a:scrgbClr r="0" g="0" b="0"/>
+      </a:effectRef>
+      <a:fontRef idx="minor"/>
+    </dgm:style>
+  </dgm:styleLbl>
+</dgm:styleDef>
+</file>
+
+<file path=ppt/diagrams/quickStyle2.xml><?xml version="1.0" encoding="utf-8"?>
 <dgm:styleDef xmlns:dgm="http://schemas.openxmlformats.org/drawingml/2006/diagram" xmlns:a="http://schemas.openxmlformats.org/drawingml/2006/main" uniqueId="urn:microsoft.com/office/officeart/2005/8/quickstyle/simple1">
   <dgm:title val=""/>
   <dgm:desc val=""/>
@@ -5136,7 +7811,7 @@
           <p:cNvPr id="2" name="Titel 1">
             <a:extLst>
               <a:ext uri="{FF2B5EF4-FFF2-40B4-BE49-F238E27FC236}">
-                <a16:creationId xmlns:a16="http://schemas.microsoft.com/office/drawing/2014/main" id="{3E9016D5-7B6D-4BEC-B37D-C3048E2B5F53}"/>
+                <a16:creationId xmlns:a16="http://schemas.microsoft.com/office/drawing/2014/main" xmlns="" id="{3E9016D5-7B6D-4BEC-B37D-C3048E2B5F53}"/>
               </a:ext>
             </a:extLst>
           </p:cNvPr>
@@ -5174,7 +7849,7 @@
           <p:cNvPr id="3" name="Untertitel 2">
             <a:extLst>
               <a:ext uri="{FF2B5EF4-FFF2-40B4-BE49-F238E27FC236}">
-                <a16:creationId xmlns:a16="http://schemas.microsoft.com/office/drawing/2014/main" id="{CE4679D2-0725-40A0-96EB-D30F68780895}"/>
+                <a16:creationId xmlns:a16="http://schemas.microsoft.com/office/drawing/2014/main" xmlns="" id="{CE4679D2-0725-40A0-96EB-D30F68780895}"/>
               </a:ext>
             </a:extLst>
           </p:cNvPr>
@@ -5245,7 +7920,7 @@
           <p:cNvPr id="4" name="Datumsplatzhalter 3">
             <a:extLst>
               <a:ext uri="{FF2B5EF4-FFF2-40B4-BE49-F238E27FC236}">
-                <a16:creationId xmlns:a16="http://schemas.microsoft.com/office/drawing/2014/main" id="{090EC70A-C5ED-4821-A3B0-A863D877EE1B}"/>
+                <a16:creationId xmlns:a16="http://schemas.microsoft.com/office/drawing/2014/main" xmlns="" id="{090EC70A-C5ED-4821-A3B0-A863D877EE1B}"/>
               </a:ext>
             </a:extLst>
           </p:cNvPr>
@@ -5274,7 +7949,7 @@
           <p:cNvPr id="5" name="Fußzeilenplatzhalter 4">
             <a:extLst>
               <a:ext uri="{FF2B5EF4-FFF2-40B4-BE49-F238E27FC236}">
-                <a16:creationId xmlns:a16="http://schemas.microsoft.com/office/drawing/2014/main" id="{6DAC84DB-2F0A-4B14-80C3-D7D333AEC01F}"/>
+                <a16:creationId xmlns:a16="http://schemas.microsoft.com/office/drawing/2014/main" xmlns="" id="{6DAC84DB-2F0A-4B14-80C3-D7D333AEC01F}"/>
               </a:ext>
             </a:extLst>
           </p:cNvPr>
@@ -5299,7 +7974,7 @@
           <p:cNvPr id="6" name="Foliennummernplatzhalter 5">
             <a:extLst>
               <a:ext uri="{FF2B5EF4-FFF2-40B4-BE49-F238E27FC236}">
-                <a16:creationId xmlns:a16="http://schemas.microsoft.com/office/drawing/2014/main" id="{A7E50AEE-3D3D-40C8-BA6E-2615D42A7683}"/>
+                <a16:creationId xmlns:a16="http://schemas.microsoft.com/office/drawing/2014/main" xmlns="" id="{A7E50AEE-3D3D-40C8-BA6E-2615D42A7683}"/>
               </a:ext>
             </a:extLst>
           </p:cNvPr>
@@ -5358,7 +8033,7 @@
           <p:cNvPr id="2" name="Titel 1">
             <a:extLst>
               <a:ext uri="{FF2B5EF4-FFF2-40B4-BE49-F238E27FC236}">
-                <a16:creationId xmlns:a16="http://schemas.microsoft.com/office/drawing/2014/main" id="{9C3E4486-6FCC-40DF-9104-EA94319AC94D}"/>
+                <a16:creationId xmlns:a16="http://schemas.microsoft.com/office/drawing/2014/main" xmlns="" id="{9C3E4486-6FCC-40DF-9104-EA94319AC94D}"/>
               </a:ext>
             </a:extLst>
           </p:cNvPr>
@@ -5387,7 +8062,7 @@
           <p:cNvPr id="3" name="Vertikaler Textplatzhalter 2">
             <a:extLst>
               <a:ext uri="{FF2B5EF4-FFF2-40B4-BE49-F238E27FC236}">
-                <a16:creationId xmlns:a16="http://schemas.microsoft.com/office/drawing/2014/main" id="{47B1E8F7-02D5-4EE9-95C1-D624CD2A7616}"/>
+                <a16:creationId xmlns:a16="http://schemas.microsoft.com/office/drawing/2014/main" xmlns="" id="{47B1E8F7-02D5-4EE9-95C1-D624CD2A7616}"/>
               </a:ext>
             </a:extLst>
           </p:cNvPr>
@@ -5445,7 +8120,7 @@
           <p:cNvPr id="4" name="Datumsplatzhalter 3">
             <a:extLst>
               <a:ext uri="{FF2B5EF4-FFF2-40B4-BE49-F238E27FC236}">
-                <a16:creationId xmlns:a16="http://schemas.microsoft.com/office/drawing/2014/main" id="{305B20CA-179C-4F21-B162-48D747F8BAFB}"/>
+                <a16:creationId xmlns:a16="http://schemas.microsoft.com/office/drawing/2014/main" xmlns="" id="{305B20CA-179C-4F21-B162-48D747F8BAFB}"/>
               </a:ext>
             </a:extLst>
           </p:cNvPr>
@@ -5474,7 +8149,7 @@
           <p:cNvPr id="5" name="Fußzeilenplatzhalter 4">
             <a:extLst>
               <a:ext uri="{FF2B5EF4-FFF2-40B4-BE49-F238E27FC236}">
-                <a16:creationId xmlns:a16="http://schemas.microsoft.com/office/drawing/2014/main" id="{F4F404EC-23CB-4A31-81CD-FE8A328D7355}"/>
+                <a16:creationId xmlns:a16="http://schemas.microsoft.com/office/drawing/2014/main" xmlns="" id="{F4F404EC-23CB-4A31-81CD-FE8A328D7355}"/>
               </a:ext>
             </a:extLst>
           </p:cNvPr>
@@ -5499,7 +8174,7 @@
           <p:cNvPr id="6" name="Foliennummernplatzhalter 5">
             <a:extLst>
               <a:ext uri="{FF2B5EF4-FFF2-40B4-BE49-F238E27FC236}">
-                <a16:creationId xmlns:a16="http://schemas.microsoft.com/office/drawing/2014/main" id="{68E0B209-C71F-4AFF-972F-B025A95C81DF}"/>
+                <a16:creationId xmlns:a16="http://schemas.microsoft.com/office/drawing/2014/main" xmlns="" id="{68E0B209-C71F-4AFF-972F-B025A95C81DF}"/>
               </a:ext>
             </a:extLst>
           </p:cNvPr>
@@ -5558,7 +8233,7 @@
           <p:cNvPr id="2" name="Vertikaler Titel 1">
             <a:extLst>
               <a:ext uri="{FF2B5EF4-FFF2-40B4-BE49-F238E27FC236}">
-                <a16:creationId xmlns:a16="http://schemas.microsoft.com/office/drawing/2014/main" id="{76906A51-052F-4023-BB11-606D2E1B3897}"/>
+                <a16:creationId xmlns:a16="http://schemas.microsoft.com/office/drawing/2014/main" xmlns="" id="{76906A51-052F-4023-BB11-606D2E1B3897}"/>
               </a:ext>
             </a:extLst>
           </p:cNvPr>
@@ -5592,7 +8267,7 @@
           <p:cNvPr id="3" name="Vertikaler Textplatzhalter 2">
             <a:extLst>
               <a:ext uri="{FF2B5EF4-FFF2-40B4-BE49-F238E27FC236}">
-                <a16:creationId xmlns:a16="http://schemas.microsoft.com/office/drawing/2014/main" id="{7C6E1AFF-048D-45A3-875F-ACD6638DDD4F}"/>
+                <a16:creationId xmlns:a16="http://schemas.microsoft.com/office/drawing/2014/main" xmlns="" id="{7C6E1AFF-048D-45A3-875F-ACD6638DDD4F}"/>
               </a:ext>
             </a:extLst>
           </p:cNvPr>
@@ -5655,7 +8330,7 @@
           <p:cNvPr id="4" name="Datumsplatzhalter 3">
             <a:extLst>
               <a:ext uri="{FF2B5EF4-FFF2-40B4-BE49-F238E27FC236}">
-                <a16:creationId xmlns:a16="http://schemas.microsoft.com/office/drawing/2014/main" id="{EC5B347B-8B30-4538-8500-AED90C6627C6}"/>
+                <a16:creationId xmlns:a16="http://schemas.microsoft.com/office/drawing/2014/main" xmlns="" id="{EC5B347B-8B30-4538-8500-AED90C6627C6}"/>
               </a:ext>
             </a:extLst>
           </p:cNvPr>
@@ -5684,7 +8359,7 @@
           <p:cNvPr id="5" name="Fußzeilenplatzhalter 4">
             <a:extLst>
               <a:ext uri="{FF2B5EF4-FFF2-40B4-BE49-F238E27FC236}">
-                <a16:creationId xmlns:a16="http://schemas.microsoft.com/office/drawing/2014/main" id="{69E71F27-DA1D-4736-A329-7B9FFC11CC9E}"/>
+                <a16:creationId xmlns:a16="http://schemas.microsoft.com/office/drawing/2014/main" xmlns="" id="{69E71F27-DA1D-4736-A329-7B9FFC11CC9E}"/>
               </a:ext>
             </a:extLst>
           </p:cNvPr>
@@ -5709,7 +8384,7 @@
           <p:cNvPr id="6" name="Foliennummernplatzhalter 5">
             <a:extLst>
               <a:ext uri="{FF2B5EF4-FFF2-40B4-BE49-F238E27FC236}">
-                <a16:creationId xmlns:a16="http://schemas.microsoft.com/office/drawing/2014/main" id="{99F8D8BF-B0D9-490D-959F-0373BCB4A072}"/>
+                <a16:creationId xmlns:a16="http://schemas.microsoft.com/office/drawing/2014/main" xmlns="" id="{99F8D8BF-B0D9-490D-959F-0373BCB4A072}"/>
               </a:ext>
             </a:extLst>
           </p:cNvPr>
@@ -5768,7 +8443,7 @@
           <p:cNvPr id="2" name="Titel 1">
             <a:extLst>
               <a:ext uri="{FF2B5EF4-FFF2-40B4-BE49-F238E27FC236}">
-                <a16:creationId xmlns:a16="http://schemas.microsoft.com/office/drawing/2014/main" id="{6B55AB1D-29E7-400B-9E56-5AA9AD35D30B}"/>
+                <a16:creationId xmlns:a16="http://schemas.microsoft.com/office/drawing/2014/main" xmlns="" id="{6B55AB1D-29E7-400B-9E56-5AA9AD35D30B}"/>
               </a:ext>
             </a:extLst>
           </p:cNvPr>
@@ -5797,7 +8472,7 @@
           <p:cNvPr id="3" name="Inhaltsplatzhalter 2">
             <a:extLst>
               <a:ext uri="{FF2B5EF4-FFF2-40B4-BE49-F238E27FC236}">
-                <a16:creationId xmlns:a16="http://schemas.microsoft.com/office/drawing/2014/main" id="{4196B9BC-B5A4-4689-A819-D325475B1DFC}"/>
+                <a16:creationId xmlns:a16="http://schemas.microsoft.com/office/drawing/2014/main" xmlns="" id="{4196B9BC-B5A4-4689-A819-D325475B1DFC}"/>
               </a:ext>
             </a:extLst>
           </p:cNvPr>
@@ -5855,7 +8530,7 @@
           <p:cNvPr id="4" name="Datumsplatzhalter 3">
             <a:extLst>
               <a:ext uri="{FF2B5EF4-FFF2-40B4-BE49-F238E27FC236}">
-                <a16:creationId xmlns:a16="http://schemas.microsoft.com/office/drawing/2014/main" id="{5DC4E5B2-39CD-4535-B57C-1E7F10ED6010}"/>
+                <a16:creationId xmlns:a16="http://schemas.microsoft.com/office/drawing/2014/main" xmlns="" id="{5DC4E5B2-39CD-4535-B57C-1E7F10ED6010}"/>
               </a:ext>
             </a:extLst>
           </p:cNvPr>
@@ -5884,7 +8559,7 @@
           <p:cNvPr id="5" name="Fußzeilenplatzhalter 4">
             <a:extLst>
               <a:ext uri="{FF2B5EF4-FFF2-40B4-BE49-F238E27FC236}">
-                <a16:creationId xmlns:a16="http://schemas.microsoft.com/office/drawing/2014/main" id="{88D97158-4722-4B77-91EE-001BF8B5BE3A}"/>
+                <a16:creationId xmlns:a16="http://schemas.microsoft.com/office/drawing/2014/main" xmlns="" id="{88D97158-4722-4B77-91EE-001BF8B5BE3A}"/>
               </a:ext>
             </a:extLst>
           </p:cNvPr>
@@ -5909,7 +8584,7 @@
           <p:cNvPr id="6" name="Foliennummernplatzhalter 5">
             <a:extLst>
               <a:ext uri="{FF2B5EF4-FFF2-40B4-BE49-F238E27FC236}">
-                <a16:creationId xmlns:a16="http://schemas.microsoft.com/office/drawing/2014/main" id="{8E9C62A6-59E7-47C4-8B23-07A8E7553E4E}"/>
+                <a16:creationId xmlns:a16="http://schemas.microsoft.com/office/drawing/2014/main" xmlns="" id="{8E9C62A6-59E7-47C4-8B23-07A8E7553E4E}"/>
               </a:ext>
             </a:extLst>
           </p:cNvPr>
@@ -5968,7 +8643,7 @@
           <p:cNvPr id="2" name="Titel 1">
             <a:extLst>
               <a:ext uri="{FF2B5EF4-FFF2-40B4-BE49-F238E27FC236}">
-                <a16:creationId xmlns:a16="http://schemas.microsoft.com/office/drawing/2014/main" id="{CA4C6828-55CE-4E37-833D-F95F13E5F6C4}"/>
+                <a16:creationId xmlns:a16="http://schemas.microsoft.com/office/drawing/2014/main" xmlns="" id="{CA4C6828-55CE-4E37-833D-F95F13E5F6C4}"/>
               </a:ext>
             </a:extLst>
           </p:cNvPr>
@@ -6006,7 +8681,7 @@
           <p:cNvPr id="3" name="Textplatzhalter 2">
             <a:extLst>
               <a:ext uri="{FF2B5EF4-FFF2-40B4-BE49-F238E27FC236}">
-                <a16:creationId xmlns:a16="http://schemas.microsoft.com/office/drawing/2014/main" id="{383E21F5-1516-4D64-B24D-C3E2C1596723}"/>
+                <a16:creationId xmlns:a16="http://schemas.microsoft.com/office/drawing/2014/main" xmlns="" id="{383E21F5-1516-4D64-B24D-C3E2C1596723}"/>
               </a:ext>
             </a:extLst>
           </p:cNvPr>
@@ -6131,7 +8806,7 @@
           <p:cNvPr id="4" name="Datumsplatzhalter 3">
             <a:extLst>
               <a:ext uri="{FF2B5EF4-FFF2-40B4-BE49-F238E27FC236}">
-                <a16:creationId xmlns:a16="http://schemas.microsoft.com/office/drawing/2014/main" id="{094B4DD4-4A18-4E04-BD38-F25ED282CF63}"/>
+                <a16:creationId xmlns:a16="http://schemas.microsoft.com/office/drawing/2014/main" xmlns="" id="{094B4DD4-4A18-4E04-BD38-F25ED282CF63}"/>
               </a:ext>
             </a:extLst>
           </p:cNvPr>
@@ -6160,7 +8835,7 @@
           <p:cNvPr id="5" name="Fußzeilenplatzhalter 4">
             <a:extLst>
               <a:ext uri="{FF2B5EF4-FFF2-40B4-BE49-F238E27FC236}">
-                <a16:creationId xmlns:a16="http://schemas.microsoft.com/office/drawing/2014/main" id="{D82F0BCE-5365-415C-BD7B-885955E41368}"/>
+                <a16:creationId xmlns:a16="http://schemas.microsoft.com/office/drawing/2014/main" xmlns="" id="{D82F0BCE-5365-415C-BD7B-885955E41368}"/>
               </a:ext>
             </a:extLst>
           </p:cNvPr>
@@ -6185,7 +8860,7 @@
           <p:cNvPr id="6" name="Foliennummernplatzhalter 5">
             <a:extLst>
               <a:ext uri="{FF2B5EF4-FFF2-40B4-BE49-F238E27FC236}">
-                <a16:creationId xmlns:a16="http://schemas.microsoft.com/office/drawing/2014/main" id="{DB083DB3-4B83-438F-A215-1F44A507D23E}"/>
+                <a16:creationId xmlns:a16="http://schemas.microsoft.com/office/drawing/2014/main" xmlns="" id="{DB083DB3-4B83-438F-A215-1F44A507D23E}"/>
               </a:ext>
             </a:extLst>
           </p:cNvPr>
@@ -6244,7 +8919,7 @@
           <p:cNvPr id="2" name="Titel 1">
             <a:extLst>
               <a:ext uri="{FF2B5EF4-FFF2-40B4-BE49-F238E27FC236}">
-                <a16:creationId xmlns:a16="http://schemas.microsoft.com/office/drawing/2014/main" id="{FE2D59EF-9F1A-41EC-894A-3F2720E4A1A9}"/>
+                <a16:creationId xmlns:a16="http://schemas.microsoft.com/office/drawing/2014/main" xmlns="" id="{FE2D59EF-9F1A-41EC-894A-3F2720E4A1A9}"/>
               </a:ext>
             </a:extLst>
           </p:cNvPr>
@@ -6273,7 +8948,7 @@
           <p:cNvPr id="3" name="Inhaltsplatzhalter 2">
             <a:extLst>
               <a:ext uri="{FF2B5EF4-FFF2-40B4-BE49-F238E27FC236}">
-                <a16:creationId xmlns:a16="http://schemas.microsoft.com/office/drawing/2014/main" id="{080B59B2-F730-4BCA-96ED-8C35BF205FCB}"/>
+                <a16:creationId xmlns:a16="http://schemas.microsoft.com/office/drawing/2014/main" xmlns="" id="{080B59B2-F730-4BCA-96ED-8C35BF205FCB}"/>
               </a:ext>
             </a:extLst>
           </p:cNvPr>
@@ -6336,7 +9011,7 @@
           <p:cNvPr id="4" name="Inhaltsplatzhalter 3">
             <a:extLst>
               <a:ext uri="{FF2B5EF4-FFF2-40B4-BE49-F238E27FC236}">
-                <a16:creationId xmlns:a16="http://schemas.microsoft.com/office/drawing/2014/main" id="{B7146DCE-7F30-4AAF-8F7E-6F72251223BD}"/>
+                <a16:creationId xmlns:a16="http://schemas.microsoft.com/office/drawing/2014/main" xmlns="" id="{B7146DCE-7F30-4AAF-8F7E-6F72251223BD}"/>
               </a:ext>
             </a:extLst>
           </p:cNvPr>
@@ -6399,7 +9074,7 @@
           <p:cNvPr id="5" name="Datumsplatzhalter 4">
             <a:extLst>
               <a:ext uri="{FF2B5EF4-FFF2-40B4-BE49-F238E27FC236}">
-                <a16:creationId xmlns:a16="http://schemas.microsoft.com/office/drawing/2014/main" id="{2AD60FEB-D2BF-4933-ACB8-A0B949DC8B1B}"/>
+                <a16:creationId xmlns:a16="http://schemas.microsoft.com/office/drawing/2014/main" xmlns="" id="{2AD60FEB-D2BF-4933-ACB8-A0B949DC8B1B}"/>
               </a:ext>
             </a:extLst>
           </p:cNvPr>
@@ -6428,7 +9103,7 @@
           <p:cNvPr id="6" name="Fußzeilenplatzhalter 5">
             <a:extLst>
               <a:ext uri="{FF2B5EF4-FFF2-40B4-BE49-F238E27FC236}">
-                <a16:creationId xmlns:a16="http://schemas.microsoft.com/office/drawing/2014/main" id="{6E6C1F87-E3E9-4228-9AC9-897BD2BD26D1}"/>
+                <a16:creationId xmlns:a16="http://schemas.microsoft.com/office/drawing/2014/main" xmlns="" id="{6E6C1F87-E3E9-4228-9AC9-897BD2BD26D1}"/>
               </a:ext>
             </a:extLst>
           </p:cNvPr>
@@ -6453,7 +9128,7 @@
           <p:cNvPr id="7" name="Foliennummernplatzhalter 6">
             <a:extLst>
               <a:ext uri="{FF2B5EF4-FFF2-40B4-BE49-F238E27FC236}">
-                <a16:creationId xmlns:a16="http://schemas.microsoft.com/office/drawing/2014/main" id="{0F2A0B60-7700-4335-939D-8FAD03074EA6}"/>
+                <a16:creationId xmlns:a16="http://schemas.microsoft.com/office/drawing/2014/main" xmlns="" id="{0F2A0B60-7700-4335-939D-8FAD03074EA6}"/>
               </a:ext>
             </a:extLst>
           </p:cNvPr>
@@ -6512,7 +9187,7 @@
           <p:cNvPr id="2" name="Titel 1">
             <a:extLst>
               <a:ext uri="{FF2B5EF4-FFF2-40B4-BE49-F238E27FC236}">
-                <a16:creationId xmlns:a16="http://schemas.microsoft.com/office/drawing/2014/main" id="{66F787B1-9CEA-44CF-83B7-1E4FA3C8278A}"/>
+                <a16:creationId xmlns:a16="http://schemas.microsoft.com/office/drawing/2014/main" xmlns="" id="{66F787B1-9CEA-44CF-83B7-1E4FA3C8278A}"/>
               </a:ext>
             </a:extLst>
           </p:cNvPr>
@@ -6546,7 +9221,7 @@
           <p:cNvPr id="3" name="Textplatzhalter 2">
             <a:extLst>
               <a:ext uri="{FF2B5EF4-FFF2-40B4-BE49-F238E27FC236}">
-                <a16:creationId xmlns:a16="http://schemas.microsoft.com/office/drawing/2014/main" id="{C63F08A8-4AC2-4797-B94A-0462BBDF4933}"/>
+                <a16:creationId xmlns:a16="http://schemas.microsoft.com/office/drawing/2014/main" xmlns="" id="{C63F08A8-4AC2-4797-B94A-0462BBDF4933}"/>
               </a:ext>
             </a:extLst>
           </p:cNvPr>
@@ -6617,7 +9292,7 @@
           <p:cNvPr id="4" name="Inhaltsplatzhalter 3">
             <a:extLst>
               <a:ext uri="{FF2B5EF4-FFF2-40B4-BE49-F238E27FC236}">
-                <a16:creationId xmlns:a16="http://schemas.microsoft.com/office/drawing/2014/main" id="{CAF7EB6F-EEE0-4F58-8B42-E48B0D86CAE9}"/>
+                <a16:creationId xmlns:a16="http://schemas.microsoft.com/office/drawing/2014/main" xmlns="" id="{CAF7EB6F-EEE0-4F58-8B42-E48B0D86CAE9}"/>
               </a:ext>
             </a:extLst>
           </p:cNvPr>
@@ -6680,7 +9355,7 @@
           <p:cNvPr id="5" name="Textplatzhalter 4">
             <a:extLst>
               <a:ext uri="{FF2B5EF4-FFF2-40B4-BE49-F238E27FC236}">
-                <a16:creationId xmlns:a16="http://schemas.microsoft.com/office/drawing/2014/main" id="{658A8169-8905-46A2-837A-F8FD98B77D83}"/>
+                <a16:creationId xmlns:a16="http://schemas.microsoft.com/office/drawing/2014/main" xmlns="" id="{658A8169-8905-46A2-837A-F8FD98B77D83}"/>
               </a:ext>
             </a:extLst>
           </p:cNvPr>
@@ -6751,7 +9426,7 @@
           <p:cNvPr id="6" name="Inhaltsplatzhalter 5">
             <a:extLst>
               <a:ext uri="{FF2B5EF4-FFF2-40B4-BE49-F238E27FC236}">
-                <a16:creationId xmlns:a16="http://schemas.microsoft.com/office/drawing/2014/main" id="{46F2FDFF-9631-4C74-97A0-03E2A6150762}"/>
+                <a16:creationId xmlns:a16="http://schemas.microsoft.com/office/drawing/2014/main" xmlns="" id="{46F2FDFF-9631-4C74-97A0-03E2A6150762}"/>
               </a:ext>
             </a:extLst>
           </p:cNvPr>
@@ -6814,7 +9489,7 @@
           <p:cNvPr id="7" name="Datumsplatzhalter 6">
             <a:extLst>
               <a:ext uri="{FF2B5EF4-FFF2-40B4-BE49-F238E27FC236}">
-                <a16:creationId xmlns:a16="http://schemas.microsoft.com/office/drawing/2014/main" id="{A66E1DD4-6D90-4227-9FA9-DEABFB3E27D7}"/>
+                <a16:creationId xmlns:a16="http://schemas.microsoft.com/office/drawing/2014/main" xmlns="" id="{A66E1DD4-6D90-4227-9FA9-DEABFB3E27D7}"/>
               </a:ext>
             </a:extLst>
           </p:cNvPr>
@@ -6843,7 +9518,7 @@
           <p:cNvPr id="8" name="Fußzeilenplatzhalter 7">
             <a:extLst>
               <a:ext uri="{FF2B5EF4-FFF2-40B4-BE49-F238E27FC236}">
-                <a16:creationId xmlns:a16="http://schemas.microsoft.com/office/drawing/2014/main" id="{48803254-B3C0-401B-B40A-BF6BDCF0717D}"/>
+                <a16:creationId xmlns:a16="http://schemas.microsoft.com/office/drawing/2014/main" xmlns="" id="{48803254-B3C0-401B-B40A-BF6BDCF0717D}"/>
               </a:ext>
             </a:extLst>
           </p:cNvPr>
@@ -6868,7 +9543,7 @@
           <p:cNvPr id="9" name="Foliennummernplatzhalter 8">
             <a:extLst>
               <a:ext uri="{FF2B5EF4-FFF2-40B4-BE49-F238E27FC236}">
-                <a16:creationId xmlns:a16="http://schemas.microsoft.com/office/drawing/2014/main" id="{17C962CD-D57A-4A10-9C20-EC47DD77749B}"/>
+                <a16:creationId xmlns:a16="http://schemas.microsoft.com/office/drawing/2014/main" xmlns="" id="{17C962CD-D57A-4A10-9C20-EC47DD77749B}"/>
               </a:ext>
             </a:extLst>
           </p:cNvPr>
@@ -6927,7 +9602,7 @@
           <p:cNvPr id="2" name="Titel 1">
             <a:extLst>
               <a:ext uri="{FF2B5EF4-FFF2-40B4-BE49-F238E27FC236}">
-                <a16:creationId xmlns:a16="http://schemas.microsoft.com/office/drawing/2014/main" id="{01B086E7-F97A-40D1-90F7-FA40560B1A22}"/>
+                <a16:creationId xmlns:a16="http://schemas.microsoft.com/office/drawing/2014/main" xmlns="" id="{01B086E7-F97A-40D1-90F7-FA40560B1A22}"/>
               </a:ext>
             </a:extLst>
           </p:cNvPr>
@@ -6956,7 +9631,7 @@
           <p:cNvPr id="3" name="Datumsplatzhalter 2">
             <a:extLst>
               <a:ext uri="{FF2B5EF4-FFF2-40B4-BE49-F238E27FC236}">
-                <a16:creationId xmlns:a16="http://schemas.microsoft.com/office/drawing/2014/main" id="{65E2DACE-BE35-4ADD-AD84-13353AEA35D6}"/>
+                <a16:creationId xmlns:a16="http://schemas.microsoft.com/office/drawing/2014/main" xmlns="" id="{65E2DACE-BE35-4ADD-AD84-13353AEA35D6}"/>
               </a:ext>
             </a:extLst>
           </p:cNvPr>
@@ -6985,7 +9660,7 @@
           <p:cNvPr id="4" name="Fußzeilenplatzhalter 3">
             <a:extLst>
               <a:ext uri="{FF2B5EF4-FFF2-40B4-BE49-F238E27FC236}">
-                <a16:creationId xmlns:a16="http://schemas.microsoft.com/office/drawing/2014/main" id="{00F6B161-2BD2-4CD9-B3C3-018CB02B98DF}"/>
+                <a16:creationId xmlns:a16="http://schemas.microsoft.com/office/drawing/2014/main" xmlns="" id="{00F6B161-2BD2-4CD9-B3C3-018CB02B98DF}"/>
               </a:ext>
             </a:extLst>
           </p:cNvPr>
@@ -7010,7 +9685,7 @@
           <p:cNvPr id="5" name="Foliennummernplatzhalter 4">
             <a:extLst>
               <a:ext uri="{FF2B5EF4-FFF2-40B4-BE49-F238E27FC236}">
-                <a16:creationId xmlns:a16="http://schemas.microsoft.com/office/drawing/2014/main" id="{CB059D67-8994-48ED-B689-AF0121E84A11}"/>
+                <a16:creationId xmlns:a16="http://schemas.microsoft.com/office/drawing/2014/main" xmlns="" id="{CB059D67-8994-48ED-B689-AF0121E84A11}"/>
               </a:ext>
             </a:extLst>
           </p:cNvPr>
@@ -7069,7 +9744,7 @@
           <p:cNvPr id="2" name="Datumsplatzhalter 1">
             <a:extLst>
               <a:ext uri="{FF2B5EF4-FFF2-40B4-BE49-F238E27FC236}">
-                <a16:creationId xmlns:a16="http://schemas.microsoft.com/office/drawing/2014/main" id="{40D88186-E6FA-4C52-8DD3-8944E13C08B0}"/>
+                <a16:creationId xmlns:a16="http://schemas.microsoft.com/office/drawing/2014/main" xmlns="" id="{40D88186-E6FA-4C52-8DD3-8944E13C08B0}"/>
               </a:ext>
             </a:extLst>
           </p:cNvPr>
@@ -7098,7 +9773,7 @@
           <p:cNvPr id="3" name="Fußzeilenplatzhalter 2">
             <a:extLst>
               <a:ext uri="{FF2B5EF4-FFF2-40B4-BE49-F238E27FC236}">
-                <a16:creationId xmlns:a16="http://schemas.microsoft.com/office/drawing/2014/main" id="{EF590C5E-6BC8-496A-8CE8-CDE21CAC0B79}"/>
+                <a16:creationId xmlns:a16="http://schemas.microsoft.com/office/drawing/2014/main" xmlns="" id="{EF590C5E-6BC8-496A-8CE8-CDE21CAC0B79}"/>
               </a:ext>
             </a:extLst>
           </p:cNvPr>
@@ -7123,7 +9798,7 @@
           <p:cNvPr id="4" name="Foliennummernplatzhalter 3">
             <a:extLst>
               <a:ext uri="{FF2B5EF4-FFF2-40B4-BE49-F238E27FC236}">
-                <a16:creationId xmlns:a16="http://schemas.microsoft.com/office/drawing/2014/main" id="{0AFDBAC1-2097-47FC-91B6-A4227CF09DEB}"/>
+                <a16:creationId xmlns:a16="http://schemas.microsoft.com/office/drawing/2014/main" xmlns="" id="{0AFDBAC1-2097-47FC-91B6-A4227CF09DEB}"/>
               </a:ext>
             </a:extLst>
           </p:cNvPr>
@@ -7182,7 +9857,7 @@
           <p:cNvPr id="2" name="Titel 1">
             <a:extLst>
               <a:ext uri="{FF2B5EF4-FFF2-40B4-BE49-F238E27FC236}">
-                <a16:creationId xmlns:a16="http://schemas.microsoft.com/office/drawing/2014/main" id="{0B665667-3C14-42BD-9B7B-8AEBA6F049A5}"/>
+                <a16:creationId xmlns:a16="http://schemas.microsoft.com/office/drawing/2014/main" xmlns="" id="{0B665667-3C14-42BD-9B7B-8AEBA6F049A5}"/>
               </a:ext>
             </a:extLst>
           </p:cNvPr>
@@ -7220,7 +9895,7 @@
           <p:cNvPr id="3" name="Inhaltsplatzhalter 2">
             <a:extLst>
               <a:ext uri="{FF2B5EF4-FFF2-40B4-BE49-F238E27FC236}">
-                <a16:creationId xmlns:a16="http://schemas.microsoft.com/office/drawing/2014/main" id="{3E12AD63-0B94-4321-9368-C47DA3A0A85C}"/>
+                <a16:creationId xmlns:a16="http://schemas.microsoft.com/office/drawing/2014/main" xmlns="" id="{3E12AD63-0B94-4321-9368-C47DA3A0A85C}"/>
               </a:ext>
             </a:extLst>
           </p:cNvPr>
@@ -7311,7 +9986,7 @@
           <p:cNvPr id="4" name="Textplatzhalter 3">
             <a:extLst>
               <a:ext uri="{FF2B5EF4-FFF2-40B4-BE49-F238E27FC236}">
-                <a16:creationId xmlns:a16="http://schemas.microsoft.com/office/drawing/2014/main" id="{B955D00F-4C2C-4C0A-800D-CAA05FDD995C}"/>
+                <a16:creationId xmlns:a16="http://schemas.microsoft.com/office/drawing/2014/main" xmlns="" id="{B955D00F-4C2C-4C0A-800D-CAA05FDD995C}"/>
               </a:ext>
             </a:extLst>
           </p:cNvPr>
@@ -7382,7 +10057,7 @@
           <p:cNvPr id="5" name="Datumsplatzhalter 4">
             <a:extLst>
               <a:ext uri="{FF2B5EF4-FFF2-40B4-BE49-F238E27FC236}">
-                <a16:creationId xmlns:a16="http://schemas.microsoft.com/office/drawing/2014/main" id="{D3B7BE8A-5E8A-4BAC-B11C-0D9589B9048F}"/>
+                <a16:creationId xmlns:a16="http://schemas.microsoft.com/office/drawing/2014/main" xmlns="" id="{D3B7BE8A-5E8A-4BAC-B11C-0D9589B9048F}"/>
               </a:ext>
             </a:extLst>
           </p:cNvPr>
@@ -7411,7 +10086,7 @@
           <p:cNvPr id="6" name="Fußzeilenplatzhalter 5">
             <a:extLst>
               <a:ext uri="{FF2B5EF4-FFF2-40B4-BE49-F238E27FC236}">
-                <a16:creationId xmlns:a16="http://schemas.microsoft.com/office/drawing/2014/main" id="{A9F805D9-9249-49A8-B621-1F60EE6EED99}"/>
+                <a16:creationId xmlns:a16="http://schemas.microsoft.com/office/drawing/2014/main" xmlns="" id="{A9F805D9-9249-49A8-B621-1F60EE6EED99}"/>
               </a:ext>
             </a:extLst>
           </p:cNvPr>
@@ -7436,7 +10111,7 @@
           <p:cNvPr id="7" name="Foliennummernplatzhalter 6">
             <a:extLst>
               <a:ext uri="{FF2B5EF4-FFF2-40B4-BE49-F238E27FC236}">
-                <a16:creationId xmlns:a16="http://schemas.microsoft.com/office/drawing/2014/main" id="{F713E99B-AD0F-4D92-9F03-FCF31FB1F553}"/>
+                <a16:creationId xmlns:a16="http://schemas.microsoft.com/office/drawing/2014/main" xmlns="" id="{F713E99B-AD0F-4D92-9F03-FCF31FB1F553}"/>
               </a:ext>
             </a:extLst>
           </p:cNvPr>
@@ -7495,7 +10170,7 @@
           <p:cNvPr id="2" name="Titel 1">
             <a:extLst>
               <a:ext uri="{FF2B5EF4-FFF2-40B4-BE49-F238E27FC236}">
-                <a16:creationId xmlns:a16="http://schemas.microsoft.com/office/drawing/2014/main" id="{C0A95671-8D6D-4D4B-A714-7DF1BC02F0EE}"/>
+                <a16:creationId xmlns:a16="http://schemas.microsoft.com/office/drawing/2014/main" xmlns="" id="{C0A95671-8D6D-4D4B-A714-7DF1BC02F0EE}"/>
               </a:ext>
             </a:extLst>
           </p:cNvPr>
@@ -7533,7 +10208,7 @@
           <p:cNvPr id="3" name="Bildplatzhalter 2">
             <a:extLst>
               <a:ext uri="{FF2B5EF4-FFF2-40B4-BE49-F238E27FC236}">
-                <a16:creationId xmlns:a16="http://schemas.microsoft.com/office/drawing/2014/main" id="{3A15F88D-8EF1-463F-8AD4-63DEBB40EBCC}"/>
+                <a16:creationId xmlns:a16="http://schemas.microsoft.com/office/drawing/2014/main" xmlns="" id="{3A15F88D-8EF1-463F-8AD4-63DEBB40EBCC}"/>
               </a:ext>
             </a:extLst>
           </p:cNvPr>
@@ -7600,7 +10275,7 @@
           <p:cNvPr id="4" name="Textplatzhalter 3">
             <a:extLst>
               <a:ext uri="{FF2B5EF4-FFF2-40B4-BE49-F238E27FC236}">
-                <a16:creationId xmlns:a16="http://schemas.microsoft.com/office/drawing/2014/main" id="{7499F9E7-2387-42D5-A81C-B535FA028222}"/>
+                <a16:creationId xmlns:a16="http://schemas.microsoft.com/office/drawing/2014/main" xmlns="" id="{7499F9E7-2387-42D5-A81C-B535FA028222}"/>
               </a:ext>
             </a:extLst>
           </p:cNvPr>
@@ -7671,7 +10346,7 @@
           <p:cNvPr id="5" name="Datumsplatzhalter 4">
             <a:extLst>
               <a:ext uri="{FF2B5EF4-FFF2-40B4-BE49-F238E27FC236}">
-                <a16:creationId xmlns:a16="http://schemas.microsoft.com/office/drawing/2014/main" id="{D31CB737-3E17-45A6-A651-6BEC19C974F0}"/>
+                <a16:creationId xmlns:a16="http://schemas.microsoft.com/office/drawing/2014/main" xmlns="" id="{D31CB737-3E17-45A6-A651-6BEC19C974F0}"/>
               </a:ext>
             </a:extLst>
           </p:cNvPr>
@@ -7700,7 +10375,7 @@
           <p:cNvPr id="6" name="Fußzeilenplatzhalter 5">
             <a:extLst>
               <a:ext uri="{FF2B5EF4-FFF2-40B4-BE49-F238E27FC236}">
-                <a16:creationId xmlns:a16="http://schemas.microsoft.com/office/drawing/2014/main" id="{9DFD062A-6139-414C-B8B3-2E6C943EB3CF}"/>
+                <a16:creationId xmlns:a16="http://schemas.microsoft.com/office/drawing/2014/main" xmlns="" id="{9DFD062A-6139-414C-B8B3-2E6C943EB3CF}"/>
               </a:ext>
             </a:extLst>
           </p:cNvPr>
@@ -7725,7 +10400,7 @@
           <p:cNvPr id="7" name="Foliennummernplatzhalter 6">
             <a:extLst>
               <a:ext uri="{FF2B5EF4-FFF2-40B4-BE49-F238E27FC236}">
-                <a16:creationId xmlns:a16="http://schemas.microsoft.com/office/drawing/2014/main" id="{ED452DA9-14F0-427D-8CC0-B77F6CA9083A}"/>
+                <a16:creationId xmlns:a16="http://schemas.microsoft.com/office/drawing/2014/main" xmlns="" id="{ED452DA9-14F0-427D-8CC0-B77F6CA9083A}"/>
               </a:ext>
             </a:extLst>
           </p:cNvPr>
@@ -7789,7 +10464,7 @@
           <p:cNvPr id="2" name="Titelplatzhalter 1">
             <a:extLst>
               <a:ext uri="{FF2B5EF4-FFF2-40B4-BE49-F238E27FC236}">
-                <a16:creationId xmlns:a16="http://schemas.microsoft.com/office/drawing/2014/main" id="{3A969D30-CDA8-4646-A32F-52431418C054}"/>
+                <a16:creationId xmlns:a16="http://schemas.microsoft.com/office/drawing/2014/main" xmlns="" id="{3A969D30-CDA8-4646-A32F-52431418C054}"/>
               </a:ext>
             </a:extLst>
           </p:cNvPr>
@@ -7828,7 +10503,7 @@
           <p:cNvPr id="3" name="Textplatzhalter 2">
             <a:extLst>
               <a:ext uri="{FF2B5EF4-FFF2-40B4-BE49-F238E27FC236}">
-                <a16:creationId xmlns:a16="http://schemas.microsoft.com/office/drawing/2014/main" id="{13B6DB0A-1502-4748-B65C-89F583300036}"/>
+                <a16:creationId xmlns:a16="http://schemas.microsoft.com/office/drawing/2014/main" xmlns="" id="{13B6DB0A-1502-4748-B65C-89F583300036}"/>
               </a:ext>
             </a:extLst>
           </p:cNvPr>
@@ -7896,7 +10571,7 @@
           <p:cNvPr id="4" name="Datumsplatzhalter 3">
             <a:extLst>
               <a:ext uri="{FF2B5EF4-FFF2-40B4-BE49-F238E27FC236}">
-                <a16:creationId xmlns:a16="http://schemas.microsoft.com/office/drawing/2014/main" id="{843FF316-4A2A-4B53-8EEF-53CB0880ED7E}"/>
+                <a16:creationId xmlns:a16="http://schemas.microsoft.com/office/drawing/2014/main" xmlns="" id="{843FF316-4A2A-4B53-8EEF-53CB0880ED7E}"/>
               </a:ext>
             </a:extLst>
           </p:cNvPr>
@@ -7943,7 +10618,7 @@
           <p:cNvPr id="5" name="Fußzeilenplatzhalter 4">
             <a:extLst>
               <a:ext uri="{FF2B5EF4-FFF2-40B4-BE49-F238E27FC236}">
-                <a16:creationId xmlns:a16="http://schemas.microsoft.com/office/drawing/2014/main" id="{7DF9C5C8-D1E8-4457-861A-7F30A7113064}"/>
+                <a16:creationId xmlns:a16="http://schemas.microsoft.com/office/drawing/2014/main" xmlns="" id="{7DF9C5C8-D1E8-4457-861A-7F30A7113064}"/>
               </a:ext>
             </a:extLst>
           </p:cNvPr>
@@ -7986,7 +10661,7 @@
           <p:cNvPr id="6" name="Foliennummernplatzhalter 5">
             <a:extLst>
               <a:ext uri="{FF2B5EF4-FFF2-40B4-BE49-F238E27FC236}">
-                <a16:creationId xmlns:a16="http://schemas.microsoft.com/office/drawing/2014/main" id="{451F2ADC-5E16-45EE-9C63-A011DAE0AAAE}"/>
+                <a16:creationId xmlns:a16="http://schemas.microsoft.com/office/drawing/2014/main" xmlns="" id="{451F2ADC-5E16-45EE-9C63-A011DAE0AAAE}"/>
               </a:ext>
             </a:extLst>
           </p:cNvPr>
@@ -8362,10 +11037,10 @@
           <p:cNvPr id="8" name="Rectangle 7">
             <a:extLst>
               <a:ext uri="{FF2B5EF4-FFF2-40B4-BE49-F238E27FC236}">
-                <a16:creationId xmlns:a16="http://schemas.microsoft.com/office/drawing/2014/main" id="{88294908-8B00-4F58-BBBA-20F71A40AA9E}"/>
+                <a16:creationId xmlns:a16="http://schemas.microsoft.com/office/drawing/2014/main" xmlns="" id="{88294908-8B00-4F58-BBBA-20F71A40AA9E}"/>
               </a:ext>
               <a:ext uri="{C183D7F6-B498-43B3-948B-1728B52AA6E4}">
-                <adec:decorative xmlns:adec="http://schemas.microsoft.com/office/drawing/2017/decorative" val="1"/>
+                <adec:decorative xmlns:adec="http://schemas.microsoft.com/office/drawing/2017/decorative" xmlns="" val="1"/>
               </a:ext>
             </a:extLst>
           </p:cNvPr>
@@ -8375,7 +11050,7 @@
           <p:nvPr>
             <p:extLst>
               <p:ext uri="{386F3935-93C4-4BCD-93E2-E3B085C9AB24}">
-                <p16:designElem xmlns:p16="http://schemas.microsoft.com/office/powerpoint/2015/main" val="1"/>
+                <p16:designElem xmlns:p16="http://schemas.microsoft.com/office/powerpoint/2015/main" xmlns="" val="1"/>
               </p:ext>
             </p:extLst>
           </p:nvPr>
@@ -8425,10 +11100,10 @@
           <p:cNvPr id="10" name="Freeform: Shape 9">
             <a:extLst>
               <a:ext uri="{FF2B5EF4-FFF2-40B4-BE49-F238E27FC236}">
-                <a16:creationId xmlns:a16="http://schemas.microsoft.com/office/drawing/2014/main" id="{4364C879-1404-4203-8E9D-CC5DE0A621A2}"/>
+                <a16:creationId xmlns:a16="http://schemas.microsoft.com/office/drawing/2014/main" xmlns="" id="{4364C879-1404-4203-8E9D-CC5DE0A621A2}"/>
               </a:ext>
               <a:ext uri="{C183D7F6-B498-43B3-948B-1728B52AA6E4}">
-                <adec:decorative xmlns:adec="http://schemas.microsoft.com/office/drawing/2017/decorative" val="1"/>
+                <adec:decorative xmlns:adec="http://schemas.microsoft.com/office/drawing/2017/decorative" xmlns="" val="1"/>
               </a:ext>
             </a:extLst>
           </p:cNvPr>
@@ -8438,7 +11113,7 @@
           <p:nvPr>
             <p:extLst>
               <p:ext uri="{386F3935-93C4-4BCD-93E2-E3B085C9AB24}">
-                <p16:designElem xmlns:p16="http://schemas.microsoft.com/office/powerpoint/2015/main" val="1"/>
+                <p16:designElem xmlns:p16="http://schemas.microsoft.com/office/powerpoint/2015/main" xmlns="" val="1"/>
               </p:ext>
             </p:extLst>
           </p:nvPr>
@@ -8535,10 +11210,10 @@
           <p:cNvPr id="12" name="Freeform: Shape 11">
             <a:extLst>
               <a:ext uri="{FF2B5EF4-FFF2-40B4-BE49-F238E27FC236}">
-                <a16:creationId xmlns:a16="http://schemas.microsoft.com/office/drawing/2014/main" id="{84617302-4B0D-4351-A6BB-6F0930D943AC}"/>
+                <a16:creationId xmlns:a16="http://schemas.microsoft.com/office/drawing/2014/main" xmlns="" id="{84617302-4B0D-4351-A6BB-6F0930D943AC}"/>
               </a:ext>
               <a:ext uri="{C183D7F6-B498-43B3-948B-1728B52AA6E4}">
-                <adec:decorative xmlns:adec="http://schemas.microsoft.com/office/drawing/2017/decorative" val="1"/>
+                <adec:decorative xmlns:adec="http://schemas.microsoft.com/office/drawing/2017/decorative" xmlns="" val="1"/>
               </a:ext>
             </a:extLst>
           </p:cNvPr>
@@ -8548,7 +11223,7 @@
           <p:nvPr>
             <p:extLst>
               <p:ext uri="{386F3935-93C4-4BCD-93E2-E3B085C9AB24}">
-                <p16:designElem xmlns:p16="http://schemas.microsoft.com/office/powerpoint/2015/main" val="1"/>
+                <p16:designElem xmlns:p16="http://schemas.microsoft.com/office/powerpoint/2015/main" xmlns="" val="1"/>
               </p:ext>
             </p:extLst>
           </p:nvPr>
@@ -8653,10 +11328,10 @@
           <p:cNvPr id="14" name="Freeform: Shape 13">
             <a:extLst>
               <a:ext uri="{FF2B5EF4-FFF2-40B4-BE49-F238E27FC236}">
-                <a16:creationId xmlns:a16="http://schemas.microsoft.com/office/drawing/2014/main" id="{DA2C7802-C2E0-4218-8F89-8DD7CCD2CD1C}"/>
+                <a16:creationId xmlns:a16="http://schemas.microsoft.com/office/drawing/2014/main" xmlns="" id="{DA2C7802-C2E0-4218-8F89-8DD7CCD2CD1C}"/>
               </a:ext>
               <a:ext uri="{C183D7F6-B498-43B3-948B-1728B52AA6E4}">
-                <adec:decorative xmlns:adec="http://schemas.microsoft.com/office/drawing/2017/decorative" val="1"/>
+                <adec:decorative xmlns:adec="http://schemas.microsoft.com/office/drawing/2017/decorative" xmlns="" val="1"/>
               </a:ext>
             </a:extLst>
           </p:cNvPr>
@@ -8666,7 +11341,7 @@
           <p:nvPr>
             <p:extLst>
               <p:ext uri="{386F3935-93C4-4BCD-93E2-E3B085C9AB24}">
-                <p16:designElem xmlns:p16="http://schemas.microsoft.com/office/powerpoint/2015/main" val="1"/>
+                <p16:designElem xmlns:p16="http://schemas.microsoft.com/office/powerpoint/2015/main" xmlns="" val="1"/>
               </p:ext>
             </p:extLst>
           </p:nvPr>
@@ -8763,10 +11438,10 @@
           <p:cNvPr id="16" name="Rectangle 15">
             <a:extLst>
               <a:ext uri="{FF2B5EF4-FFF2-40B4-BE49-F238E27FC236}">
-                <a16:creationId xmlns:a16="http://schemas.microsoft.com/office/drawing/2014/main" id="{A6D7111A-21E5-4EE9-8A78-10E5530F0116}"/>
+                <a16:creationId xmlns:a16="http://schemas.microsoft.com/office/drawing/2014/main" xmlns="" id="{A6D7111A-21E5-4EE9-8A78-10E5530F0116}"/>
               </a:ext>
               <a:ext uri="{C183D7F6-B498-43B3-948B-1728B52AA6E4}">
-                <adec:decorative xmlns:adec="http://schemas.microsoft.com/office/drawing/2017/decorative" val="1"/>
+                <adec:decorative xmlns:adec="http://schemas.microsoft.com/office/drawing/2017/decorative" xmlns="" val="1"/>
               </a:ext>
             </a:extLst>
           </p:cNvPr>
@@ -8776,7 +11451,7 @@
           <p:nvPr>
             <p:extLst>
               <p:ext uri="{386F3935-93C4-4BCD-93E2-E3B085C9AB24}">
-                <p16:designElem xmlns:p16="http://schemas.microsoft.com/office/powerpoint/2015/main" val="1"/>
+                <p16:designElem xmlns:p16="http://schemas.microsoft.com/office/powerpoint/2015/main" xmlns="" val="1"/>
               </p:ext>
             </p:extLst>
           </p:nvPr>
@@ -8830,10 +11505,10 @@
           <p:cNvPr id="18" name="Freeform: Shape 17">
             <a:extLst>
               <a:ext uri="{FF2B5EF4-FFF2-40B4-BE49-F238E27FC236}">
-                <a16:creationId xmlns:a16="http://schemas.microsoft.com/office/drawing/2014/main" id="{A3969E80-A77B-49FC-9122-D89AFD5EE118}"/>
+                <a16:creationId xmlns:a16="http://schemas.microsoft.com/office/drawing/2014/main" xmlns="" id="{A3969E80-A77B-49FC-9122-D89AFD5EE118}"/>
               </a:ext>
               <a:ext uri="{C183D7F6-B498-43B3-948B-1728B52AA6E4}">
-                <adec:decorative xmlns:adec="http://schemas.microsoft.com/office/drawing/2017/decorative" val="1"/>
+                <adec:decorative xmlns:adec="http://schemas.microsoft.com/office/drawing/2017/decorative" xmlns="" val="1"/>
               </a:ext>
             </a:extLst>
           </p:cNvPr>
@@ -8843,7 +11518,7 @@
           <p:nvPr>
             <p:extLst>
               <p:ext uri="{386F3935-93C4-4BCD-93E2-E3B085C9AB24}">
-                <p16:designElem xmlns:p16="http://schemas.microsoft.com/office/powerpoint/2015/main" val="1"/>
+                <p16:designElem xmlns:p16="http://schemas.microsoft.com/office/powerpoint/2015/main" xmlns="" val="1"/>
               </p:ext>
             </p:extLst>
           </p:nvPr>
@@ -8948,10 +11623,10 @@
           <p:cNvPr id="20" name="Rectangle 19">
             <a:extLst>
               <a:ext uri="{FF2B5EF4-FFF2-40B4-BE49-F238E27FC236}">
-                <a16:creationId xmlns:a16="http://schemas.microsoft.com/office/drawing/2014/main" id="{1849CA57-76BD-4CF2-80BA-D7A46A01B7B1}"/>
+                <a16:creationId xmlns:a16="http://schemas.microsoft.com/office/drawing/2014/main" xmlns="" id="{1849CA57-76BD-4CF2-80BA-D7A46A01B7B1}"/>
               </a:ext>
               <a:ext uri="{C183D7F6-B498-43B3-948B-1728B52AA6E4}">
-                <adec:decorative xmlns:adec="http://schemas.microsoft.com/office/drawing/2017/decorative" val="1"/>
+                <adec:decorative xmlns:adec="http://schemas.microsoft.com/office/drawing/2017/decorative" xmlns="" val="1"/>
               </a:ext>
             </a:extLst>
           </p:cNvPr>
@@ -8961,7 +11636,7 @@
           <p:nvPr>
             <p:extLst>
               <p:ext uri="{386F3935-93C4-4BCD-93E2-E3B085C9AB24}">
-                <p16:designElem xmlns:p16="http://schemas.microsoft.com/office/powerpoint/2015/main" val="1"/>
+                <p16:designElem xmlns:p16="http://schemas.microsoft.com/office/powerpoint/2015/main" xmlns="" val="1"/>
               </p:ext>
             </p:extLst>
           </p:nvPr>
@@ -9026,10 +11701,10 @@
           <p:cNvPr id="22" name="Freeform: Shape 21">
             <a:extLst>
               <a:ext uri="{FF2B5EF4-FFF2-40B4-BE49-F238E27FC236}">
-                <a16:creationId xmlns:a16="http://schemas.microsoft.com/office/drawing/2014/main" id="{35E9085E-E730-4768-83D4-6CB7E9897153}"/>
+                <a16:creationId xmlns:a16="http://schemas.microsoft.com/office/drawing/2014/main" xmlns="" id="{35E9085E-E730-4768-83D4-6CB7E9897153}"/>
               </a:ext>
               <a:ext uri="{C183D7F6-B498-43B3-948B-1728B52AA6E4}">
-                <adec:decorative xmlns:adec="http://schemas.microsoft.com/office/drawing/2017/decorative" val="1"/>
+                <adec:decorative xmlns:adec="http://schemas.microsoft.com/office/drawing/2017/decorative" xmlns="" val="1"/>
               </a:ext>
             </a:extLst>
           </p:cNvPr>
@@ -9039,7 +11714,7 @@
           <p:nvPr>
             <p:extLst>
               <p:ext uri="{386F3935-93C4-4BCD-93E2-E3B085C9AB24}">
-                <p16:designElem xmlns:p16="http://schemas.microsoft.com/office/powerpoint/2015/main" val="1"/>
+                <p16:designElem xmlns:p16="http://schemas.microsoft.com/office/powerpoint/2015/main" xmlns="" val="1"/>
               </p:ext>
             </p:extLst>
           </p:nvPr>
@@ -9150,10 +11825,10 @@
           <p:cNvPr id="24" name="Freeform: Shape 23">
             <a:extLst>
               <a:ext uri="{FF2B5EF4-FFF2-40B4-BE49-F238E27FC236}">
-                <a16:creationId xmlns:a16="http://schemas.microsoft.com/office/drawing/2014/main" id="{973272FE-A474-4CAE-8CA2-BCC8B476C3F4}"/>
+                <a16:creationId xmlns:a16="http://schemas.microsoft.com/office/drawing/2014/main" xmlns="" id="{973272FE-A474-4CAE-8CA2-BCC8B476C3F4}"/>
               </a:ext>
               <a:ext uri="{C183D7F6-B498-43B3-948B-1728B52AA6E4}">
-                <adec:decorative xmlns:adec="http://schemas.microsoft.com/office/drawing/2017/decorative" val="1"/>
+                <adec:decorative xmlns:adec="http://schemas.microsoft.com/office/drawing/2017/decorative" xmlns="" val="1"/>
               </a:ext>
             </a:extLst>
           </p:cNvPr>
@@ -9163,7 +11838,7 @@
           <p:nvPr>
             <p:extLst>
               <p:ext uri="{386F3935-93C4-4BCD-93E2-E3B085C9AB24}">
-                <p16:designElem xmlns:p16="http://schemas.microsoft.com/office/powerpoint/2015/main" val="1"/>
+                <p16:designElem xmlns:p16="http://schemas.microsoft.com/office/powerpoint/2015/main" xmlns="" val="1"/>
               </p:ext>
             </p:extLst>
           </p:nvPr>
@@ -9329,7 +12004,7 @@
           <p:cNvPr id="3" name="Untertitel 2">
             <a:extLst>
               <a:ext uri="{FF2B5EF4-FFF2-40B4-BE49-F238E27FC236}">
-                <a16:creationId xmlns:a16="http://schemas.microsoft.com/office/drawing/2014/main" id="{A4A3B394-275F-4105-B871-7A4A91C2B3E1}"/>
+                <a16:creationId xmlns:a16="http://schemas.microsoft.com/office/drawing/2014/main" xmlns="" id="{A4A3B394-275F-4105-B871-7A4A91C2B3E1}"/>
               </a:ext>
             </a:extLst>
           </p:cNvPr>
@@ -9384,7 +12059,7 @@
           <p:cNvPr id="2" name="Titel 1">
             <a:extLst>
               <a:ext uri="{FF2B5EF4-FFF2-40B4-BE49-F238E27FC236}">
-                <a16:creationId xmlns:a16="http://schemas.microsoft.com/office/drawing/2014/main" id="{D039FE2E-3435-4AAE-89B3-82FB2F8D0962}"/>
+                <a16:creationId xmlns:a16="http://schemas.microsoft.com/office/drawing/2014/main" xmlns="" id="{D039FE2E-3435-4AAE-89B3-82FB2F8D0962}"/>
               </a:ext>
             </a:extLst>
           </p:cNvPr>
@@ -9424,10 +12099,10 @@
           <p:cNvPr id="26" name="Freeform: Shape 25">
             <a:extLst>
               <a:ext uri="{FF2B5EF4-FFF2-40B4-BE49-F238E27FC236}">
-                <a16:creationId xmlns:a16="http://schemas.microsoft.com/office/drawing/2014/main" id="{E07981EA-05A6-437C-88D7-B377B92B031D}"/>
+                <a16:creationId xmlns:a16="http://schemas.microsoft.com/office/drawing/2014/main" xmlns="" id="{E07981EA-05A6-437C-88D7-B377B92B031D}"/>
               </a:ext>
               <a:ext uri="{C183D7F6-B498-43B3-948B-1728B52AA6E4}">
-                <adec:decorative xmlns:adec="http://schemas.microsoft.com/office/drawing/2017/decorative" val="1"/>
+                <adec:decorative xmlns:adec="http://schemas.microsoft.com/office/drawing/2017/decorative" xmlns="" val="1"/>
               </a:ext>
             </a:extLst>
           </p:cNvPr>
@@ -9437,7 +12112,7 @@
           <p:nvPr>
             <p:extLst>
               <p:ext uri="{386F3935-93C4-4BCD-93E2-E3B085C9AB24}">
-                <p16:designElem xmlns:p16="http://schemas.microsoft.com/office/powerpoint/2015/main" val="1"/>
+                <p16:designElem xmlns:p16="http://schemas.microsoft.com/office/powerpoint/2015/main" xmlns="" val="1"/>
               </p:ext>
             </p:extLst>
           </p:nvPr>
@@ -9534,10 +12209,10 @@
           <p:cNvPr id="28" name="Rectangle 27">
             <a:extLst>
               <a:ext uri="{FF2B5EF4-FFF2-40B4-BE49-F238E27FC236}">
-                <a16:creationId xmlns:a16="http://schemas.microsoft.com/office/drawing/2014/main" id="{15E3C750-986E-4769-B1AE-49289FBEE757}"/>
+                <a16:creationId xmlns:a16="http://schemas.microsoft.com/office/drawing/2014/main" xmlns="" id="{15E3C750-986E-4769-B1AE-49289FBEE757}"/>
               </a:ext>
               <a:ext uri="{C183D7F6-B498-43B3-948B-1728B52AA6E4}">
-                <adec:decorative xmlns:adec="http://schemas.microsoft.com/office/drawing/2017/decorative" val="1"/>
+                <adec:decorative xmlns:adec="http://schemas.microsoft.com/office/drawing/2017/decorative" xmlns="" val="1"/>
               </a:ext>
             </a:extLst>
           </p:cNvPr>
@@ -9547,7 +12222,7 @@
           <p:nvPr>
             <p:extLst>
               <p:ext uri="{386F3935-93C4-4BCD-93E2-E3B085C9AB24}">
-                <p16:designElem xmlns:p16="http://schemas.microsoft.com/office/powerpoint/2015/main" val="1"/>
+                <p16:designElem xmlns:p16="http://schemas.microsoft.com/office/powerpoint/2015/main" xmlns="" val="1"/>
               </p:ext>
             </p:extLst>
           </p:nvPr>
@@ -9639,10 +12314,10 @@
           <p:cNvPr id="11" name="Rectangle 10">
             <a:extLst>
               <a:ext uri="{FF2B5EF4-FFF2-40B4-BE49-F238E27FC236}">
-                <a16:creationId xmlns:a16="http://schemas.microsoft.com/office/drawing/2014/main" id="{26CAED0A-2A45-4C9C-BCDD-21A8A092C5F3}"/>
+                <a16:creationId xmlns:a16="http://schemas.microsoft.com/office/drawing/2014/main" xmlns="" id="{26CAED0A-2A45-4C9C-BCDD-21A8A092C5F3}"/>
               </a:ext>
               <a:ext uri="{C183D7F6-B498-43B3-948B-1728B52AA6E4}">
-                <adec:decorative xmlns:adec="http://schemas.microsoft.com/office/drawing/2017/decorative" val="1"/>
+                <adec:decorative xmlns:adec="http://schemas.microsoft.com/office/drawing/2017/decorative" xmlns="" val="1"/>
               </a:ext>
             </a:extLst>
           </p:cNvPr>
@@ -9652,7 +12327,7 @@
           <p:nvPr>
             <p:extLst>
               <p:ext uri="{386F3935-93C4-4BCD-93E2-E3B085C9AB24}">
-                <p16:designElem xmlns:p16="http://schemas.microsoft.com/office/powerpoint/2015/main" val="1"/>
+                <p16:designElem xmlns:p16="http://schemas.microsoft.com/office/powerpoint/2015/main" xmlns="" val="1"/>
               </p:ext>
             </p:extLst>
           </p:nvPr>
@@ -9699,7 +12374,7 @@
           <p:cNvPr id="2" name="Titel 1">
             <a:extLst>
               <a:ext uri="{FF2B5EF4-FFF2-40B4-BE49-F238E27FC236}">
-                <a16:creationId xmlns:a16="http://schemas.microsoft.com/office/drawing/2014/main" id="{FDCB31F9-A7D9-4562-A802-D0223B08E39E}"/>
+                <a16:creationId xmlns:a16="http://schemas.microsoft.com/office/drawing/2014/main" xmlns="" id="{FDCB31F9-A7D9-4562-A802-D0223B08E39E}"/>
               </a:ext>
             </a:extLst>
           </p:cNvPr>
@@ -9734,10 +12409,10 @@
           <p:cNvPr id="13" name="Rectangle 12">
             <a:extLst>
               <a:ext uri="{FF2B5EF4-FFF2-40B4-BE49-F238E27FC236}">
-                <a16:creationId xmlns:a16="http://schemas.microsoft.com/office/drawing/2014/main" id="{3A9A4357-BD1D-4622-A4FE-766E6AB8DE84}"/>
+                <a16:creationId xmlns:a16="http://schemas.microsoft.com/office/drawing/2014/main" xmlns="" id="{3A9A4357-BD1D-4622-A4FE-766E6AB8DE84}"/>
               </a:ext>
               <a:ext uri="{C183D7F6-B498-43B3-948B-1728B52AA6E4}">
-                <adec:decorative xmlns:adec="http://schemas.microsoft.com/office/drawing/2017/decorative" val="1"/>
+                <adec:decorative xmlns:adec="http://schemas.microsoft.com/office/drawing/2017/decorative" xmlns="" val="1"/>
               </a:ext>
             </a:extLst>
           </p:cNvPr>
@@ -9747,7 +12422,7 @@
           <p:nvPr>
             <p:extLst>
               <p:ext uri="{386F3935-93C4-4BCD-93E2-E3B085C9AB24}">
-                <p16:designElem xmlns:p16="http://schemas.microsoft.com/office/powerpoint/2015/main" val="1"/>
+                <p16:designElem xmlns:p16="http://schemas.microsoft.com/office/powerpoint/2015/main" xmlns="" val="1"/>
               </p:ext>
             </p:extLst>
           </p:nvPr>
@@ -9797,10 +12472,10 @@
           <p:cNvPr id="15" name="Rectangle 14">
             <a:extLst>
               <a:ext uri="{FF2B5EF4-FFF2-40B4-BE49-F238E27FC236}">
-                <a16:creationId xmlns:a16="http://schemas.microsoft.com/office/drawing/2014/main" id="{E659831F-0D9A-4C63-9EBB-8435B85A440F}"/>
+                <a16:creationId xmlns:a16="http://schemas.microsoft.com/office/drawing/2014/main" xmlns="" id="{E659831F-0D9A-4C63-9EBB-8435B85A440F}"/>
               </a:ext>
               <a:ext uri="{C183D7F6-B498-43B3-948B-1728B52AA6E4}">
-                <adec:decorative xmlns:adec="http://schemas.microsoft.com/office/drawing/2017/decorative" val="1"/>
+                <adec:decorative xmlns:adec="http://schemas.microsoft.com/office/drawing/2017/decorative" xmlns="" val="1"/>
               </a:ext>
             </a:extLst>
           </p:cNvPr>
@@ -9810,7 +12485,7 @@
           <p:nvPr>
             <p:extLst>
               <p:ext uri="{386F3935-93C4-4BCD-93E2-E3B085C9AB24}">
-                <p16:designElem xmlns:p16="http://schemas.microsoft.com/office/powerpoint/2015/main" val="1"/>
+                <p16:designElem xmlns:p16="http://schemas.microsoft.com/office/powerpoint/2015/main" xmlns="" val="1"/>
               </p:ext>
             </p:extLst>
           </p:nvPr>
@@ -9867,7 +12542,7 @@
           <p:cNvPr id="3" name="Inhaltsplatzhalter 2">
             <a:extLst>
               <a:ext uri="{FF2B5EF4-FFF2-40B4-BE49-F238E27FC236}">
-                <a16:creationId xmlns:a16="http://schemas.microsoft.com/office/drawing/2014/main" id="{9E086109-A865-491E-8199-31771C640B6F}"/>
+                <a16:creationId xmlns:a16="http://schemas.microsoft.com/office/drawing/2014/main" xmlns="" id="{9E086109-A865-491E-8199-31771C640B6F}"/>
               </a:ext>
             </a:extLst>
           </p:cNvPr>
@@ -9971,7 +12646,7 @@
           <p:cNvPr id="6" name="Grafik 5">
             <a:extLst>
               <a:ext uri="{FF2B5EF4-FFF2-40B4-BE49-F238E27FC236}">
-                <a16:creationId xmlns:a16="http://schemas.microsoft.com/office/drawing/2014/main" id="{42503F6C-F895-4B1F-A39F-7CBDC8B9FC6F}"/>
+                <a16:creationId xmlns:a16="http://schemas.microsoft.com/office/drawing/2014/main" xmlns="" id="{42503F6C-F895-4B1F-A39F-7CBDC8B9FC6F}"/>
               </a:ext>
             </a:extLst>
           </p:cNvPr>
@@ -10000,10 +12675,10 @@
           <p:cNvPr id="17" name="Rectangle 16">
             <a:extLst>
               <a:ext uri="{FF2B5EF4-FFF2-40B4-BE49-F238E27FC236}">
-                <a16:creationId xmlns:a16="http://schemas.microsoft.com/office/drawing/2014/main" id="{E6995CE5-F890-4ABA-82A2-26507CE8D2A3}"/>
+                <a16:creationId xmlns:a16="http://schemas.microsoft.com/office/drawing/2014/main" xmlns="" id="{E6995CE5-F890-4ABA-82A2-26507CE8D2A3}"/>
               </a:ext>
               <a:ext uri="{C183D7F6-B498-43B3-948B-1728B52AA6E4}">
-                <adec:decorative xmlns:adec="http://schemas.microsoft.com/office/drawing/2017/decorative" val="1"/>
+                <adec:decorative xmlns:adec="http://schemas.microsoft.com/office/drawing/2017/decorative" xmlns="" val="1"/>
               </a:ext>
             </a:extLst>
           </p:cNvPr>
@@ -10013,7 +12688,7 @@
           <p:nvPr>
             <p:extLst>
               <p:ext uri="{386F3935-93C4-4BCD-93E2-E3B085C9AB24}">
-                <p16:designElem xmlns:p16="http://schemas.microsoft.com/office/powerpoint/2015/main" val="1"/>
+                <p16:designElem xmlns:p16="http://schemas.microsoft.com/office/powerpoint/2015/main" xmlns="" val="1"/>
               </p:ext>
             </p:extLst>
           </p:nvPr>
@@ -10063,7 +12738,7 @@
           <p:cNvPr id="12" name="Grafik 11">
             <a:extLst>
               <a:ext uri="{FF2B5EF4-FFF2-40B4-BE49-F238E27FC236}">
-                <a16:creationId xmlns:a16="http://schemas.microsoft.com/office/drawing/2014/main" id="{B89BDEE0-9A02-4A9F-B77E-85FA123FB432}"/>
+                <a16:creationId xmlns:a16="http://schemas.microsoft.com/office/drawing/2014/main" xmlns="" id="{B89BDEE0-9A02-4A9F-B77E-85FA123FB432}"/>
               </a:ext>
             </a:extLst>
           </p:cNvPr>
@@ -10093,7 +12768,7 @@
           <p:cNvPr id="14" name="Pfeil: nach rechts 13">
             <a:extLst>
               <a:ext uri="{FF2B5EF4-FFF2-40B4-BE49-F238E27FC236}">
-                <a16:creationId xmlns:a16="http://schemas.microsoft.com/office/drawing/2014/main" id="{03E8CEC6-4778-479F-85B6-2AC919D2E9D6}"/>
+                <a16:creationId xmlns:a16="http://schemas.microsoft.com/office/drawing/2014/main" xmlns="" id="{03E8CEC6-4778-479F-85B6-2AC919D2E9D6}"/>
               </a:ext>
             </a:extLst>
           </p:cNvPr>
@@ -10168,10 +12843,102 @@
   <p:clrMapOvr>
     <a:masterClrMapping/>
   </p:clrMapOvr>
+  <p:timing>
+    <p:tnLst>
+      <p:par>
+        <p:cTn id="1" dur="indefinite" restart="never" nodeType="tmRoot"/>
+      </p:par>
+    </p:tnLst>
+  </p:timing>
 </p:sld>
 </file>
 
 <file path=ppt/slides/slide11.xml><?xml version="1.0" encoding="utf-8"?>
+<p:sld xmlns:a="http://schemas.openxmlformats.org/drawingml/2006/main" xmlns:r="http://schemas.openxmlformats.org/officeDocument/2006/relationships" xmlns:p="http://schemas.openxmlformats.org/presentationml/2006/main">
+  <p:cSld>
+    <p:spTree>
+      <p:nvGrpSpPr>
+        <p:cNvPr id="1" name=""/>
+        <p:cNvGrpSpPr/>
+        <p:nvPr/>
+      </p:nvGrpSpPr>
+      <p:grpSpPr>
+        <a:xfrm>
+          <a:off x="0" y="0"/>
+          <a:ext cx="0" cy="0"/>
+          <a:chOff x="0" y="0"/>
+          <a:chExt cx="0" cy="0"/>
+        </a:xfrm>
+      </p:grpSpPr>
+      <p:sp>
+        <p:nvSpPr>
+          <p:cNvPr id="2" name="Titel 1"/>
+          <p:cNvSpPr>
+            <a:spLocks noGrp="1"/>
+          </p:cNvSpPr>
+          <p:nvPr>
+            <p:ph type="title"/>
+          </p:nvPr>
+        </p:nvSpPr>
+        <p:spPr/>
+        <p:txBody>
+          <a:bodyPr/>
+          <a:lstStyle/>
+          <a:p>
+            <a:r>
+              <a:rPr lang="de-AT" dirty="0" smtClean="0"/>
+              <a:t>Bildverarbeitungspipeline</a:t>
+            </a:r>
+            <a:endParaRPr lang="de-AT" dirty="0"/>
+          </a:p>
+        </p:txBody>
+      </p:sp>
+      <p:graphicFrame>
+        <p:nvGraphicFramePr>
+          <p:cNvPr id="4" name="Inhaltsplatzhalter 3"/>
+          <p:cNvGraphicFramePr>
+            <a:graphicFrameLocks noGrp="1"/>
+          </p:cNvGraphicFramePr>
+          <p:nvPr>
+            <p:ph idx="1"/>
+            <p:extLst>
+              <p:ext uri="{D42A27DB-BD31-4B8C-83A1-F6EECF244321}">
+                <p14:modId xmlns:p14="http://schemas.microsoft.com/office/powerpoint/2010/main" val="428327931"/>
+              </p:ext>
+            </p:extLst>
+          </p:nvPr>
+        </p:nvGraphicFramePr>
+        <p:xfrm>
+          <a:off x="838200" y="1825625"/>
+          <a:ext cx="10515600" cy="4351338"/>
+        </p:xfrm>
+        <a:graphic>
+          <a:graphicData uri="http://schemas.openxmlformats.org/drawingml/2006/diagram">
+            <dgm:relIds xmlns:dgm="http://schemas.openxmlformats.org/drawingml/2006/diagram" xmlns:r="http://schemas.openxmlformats.org/officeDocument/2006/relationships" r:dm="rId2" r:lo="rId3" r:qs="rId4" r:cs="rId5"/>
+          </a:graphicData>
+        </a:graphic>
+      </p:graphicFrame>
+    </p:spTree>
+    <p:extLst>
+      <p:ext uri="{BB962C8B-B14F-4D97-AF65-F5344CB8AC3E}">
+        <p14:creationId xmlns:p14="http://schemas.microsoft.com/office/powerpoint/2010/main" val="298691601"/>
+      </p:ext>
+    </p:extLst>
+  </p:cSld>
+  <p:clrMapOvr>
+    <a:masterClrMapping/>
+  </p:clrMapOvr>
+  <p:timing>
+    <p:tnLst>
+      <p:par>
+        <p:cTn id="1" dur="indefinite" restart="never" nodeType="tmRoot"/>
+      </p:par>
+    </p:tnLst>
+  </p:timing>
+</p:sld>
+</file>
+
+<file path=ppt/slides/slide12.xml><?xml version="1.0" encoding="utf-8"?>
 <p:sld xmlns:a="http://schemas.openxmlformats.org/drawingml/2006/main" xmlns:r="http://schemas.openxmlformats.org/officeDocument/2006/relationships" xmlns:p="http://schemas.openxmlformats.org/presentationml/2006/main">
   <p:cSld>
     <p:bg>
@@ -10201,10 +12968,10 @@
           <p:cNvPr id="16" name="Rectangle 15">
             <a:extLst>
               <a:ext uri="{FF2B5EF4-FFF2-40B4-BE49-F238E27FC236}">
-                <a16:creationId xmlns:a16="http://schemas.microsoft.com/office/drawing/2014/main" id="{B6CDA21F-E7AF-4C75-8395-33F58D5B0E45}"/>
+                <a16:creationId xmlns:a16="http://schemas.microsoft.com/office/drawing/2014/main" xmlns="" id="{B6CDA21F-E7AF-4C75-8395-33F58D5B0E45}"/>
               </a:ext>
               <a:ext uri="{C183D7F6-B498-43B3-948B-1728B52AA6E4}">
-                <adec:decorative xmlns:adec="http://schemas.microsoft.com/office/drawing/2017/decorative" val="1"/>
+                <adec:decorative xmlns:adec="http://schemas.microsoft.com/office/drawing/2017/decorative" xmlns="" val="1"/>
               </a:ext>
             </a:extLst>
           </p:cNvPr>
@@ -10214,7 +12981,7 @@
           <p:nvPr>
             <p:extLst>
               <p:ext uri="{386F3935-93C4-4BCD-93E2-E3B085C9AB24}">
-                <p16:designElem xmlns:p16="http://schemas.microsoft.com/office/powerpoint/2015/main" val="1"/>
+                <p16:designElem xmlns:p16="http://schemas.microsoft.com/office/powerpoint/2015/main" xmlns="" val="1"/>
               </p:ext>
             </p:extLst>
           </p:nvPr>
@@ -10261,10 +13028,10 @@
           <p:cNvPr id="18" name="Group 17">
             <a:extLst>
               <a:ext uri="{FF2B5EF4-FFF2-40B4-BE49-F238E27FC236}">
-                <a16:creationId xmlns:a16="http://schemas.microsoft.com/office/drawing/2014/main" id="{AE1C45F0-260A-458C-96ED-C1F6D2151219}"/>
+                <a16:creationId xmlns:a16="http://schemas.microsoft.com/office/drawing/2014/main" xmlns="" id="{AE1C45F0-260A-458C-96ED-C1F6D2151219}"/>
               </a:ext>
               <a:ext uri="{C183D7F6-B498-43B3-948B-1728B52AA6E4}">
-                <adec:decorative xmlns:adec="http://schemas.microsoft.com/office/drawing/2017/decorative" val="1"/>
+                <adec:decorative xmlns:adec="http://schemas.microsoft.com/office/drawing/2017/decorative" xmlns="" val="1"/>
               </a:ext>
             </a:extLst>
           </p:cNvPr>
@@ -10274,7 +13041,7 @@
           <p:nvPr>
             <p:extLst>
               <p:ext uri="{386F3935-93C4-4BCD-93E2-E3B085C9AB24}">
-                <p16:designElem xmlns:p16="http://schemas.microsoft.com/office/powerpoint/2015/main" val="1"/>
+                <p16:designElem xmlns:p16="http://schemas.microsoft.com/office/powerpoint/2015/main" xmlns="" val="1"/>
               </p:ext>
             </p:extLst>
           </p:nvPr>
@@ -10295,10 +13062,10 @@
             <p:cNvPr id="19" name="Rectangle 18">
               <a:extLst>
                 <a:ext uri="{FF2B5EF4-FFF2-40B4-BE49-F238E27FC236}">
-                  <a16:creationId xmlns:a16="http://schemas.microsoft.com/office/drawing/2014/main" id="{A6604B49-AD5C-4590-B051-06C8222ECD99}"/>
+                  <a16:creationId xmlns:a16="http://schemas.microsoft.com/office/drawing/2014/main" xmlns="" id="{A6604B49-AD5C-4590-B051-06C8222ECD99}"/>
                 </a:ext>
                 <a:ext uri="{C183D7F6-B498-43B3-948B-1728B52AA6E4}">
-                  <adec:decorative xmlns:adec="http://schemas.microsoft.com/office/drawing/2017/decorative" val="1"/>
+                  <adec:decorative xmlns:adec="http://schemas.microsoft.com/office/drawing/2017/decorative" xmlns="" val="1"/>
                 </a:ext>
               </a:extLst>
             </p:cNvPr>
@@ -10306,7 +13073,7 @@
             <p:nvPr>
               <p:extLst>
                 <p:ext uri="{386F3935-93C4-4BCD-93E2-E3B085C9AB24}">
-                  <p16:designElem xmlns:p16="http://schemas.microsoft.com/office/powerpoint/2015/main" val="1"/>
+                  <p16:designElem xmlns:p16="http://schemas.microsoft.com/office/powerpoint/2015/main" xmlns="" val="1"/>
                 </p:ext>
               </p:extLst>
             </p:nvPr>
@@ -10354,10 +13121,10 @@
             <p:cNvPr id="20" name="Rectangle 19">
               <a:extLst>
                 <a:ext uri="{FF2B5EF4-FFF2-40B4-BE49-F238E27FC236}">
-                  <a16:creationId xmlns:a16="http://schemas.microsoft.com/office/drawing/2014/main" id="{743ECCAF-29C5-4537-947C-7EA1292463DB}"/>
+                  <a16:creationId xmlns:a16="http://schemas.microsoft.com/office/drawing/2014/main" xmlns="" id="{743ECCAF-29C5-4537-947C-7EA1292463DB}"/>
                 </a:ext>
                 <a:ext uri="{C183D7F6-B498-43B3-948B-1728B52AA6E4}">
-                  <adec:decorative xmlns:adec="http://schemas.microsoft.com/office/drawing/2017/decorative" val="1"/>
+                  <adec:decorative xmlns:adec="http://schemas.microsoft.com/office/drawing/2017/decorative" xmlns="" val="1"/>
                 </a:ext>
               </a:extLst>
             </p:cNvPr>
@@ -10365,7 +13132,7 @@
             <p:nvPr>
               <p:extLst>
                 <p:ext uri="{386F3935-93C4-4BCD-93E2-E3B085C9AB24}">
-                  <p16:designElem xmlns:p16="http://schemas.microsoft.com/office/powerpoint/2015/main" val="1"/>
+                  <p16:designElem xmlns:p16="http://schemas.microsoft.com/office/powerpoint/2015/main" xmlns="" val="1"/>
                 </p:ext>
               </p:extLst>
             </p:nvPr>
@@ -10413,10 +13180,10 @@
             <p:cNvPr id="21" name="Rectangle 20">
               <a:extLst>
                 <a:ext uri="{FF2B5EF4-FFF2-40B4-BE49-F238E27FC236}">
-                  <a16:creationId xmlns:a16="http://schemas.microsoft.com/office/drawing/2014/main" id="{ED49787B-8DE6-4467-AD0A-8DECC6E0C2D6}"/>
+                  <a16:creationId xmlns:a16="http://schemas.microsoft.com/office/drawing/2014/main" xmlns="" id="{ED49787B-8DE6-4467-AD0A-8DECC6E0C2D6}"/>
                 </a:ext>
                 <a:ext uri="{C183D7F6-B498-43B3-948B-1728B52AA6E4}">
-                  <adec:decorative xmlns:adec="http://schemas.microsoft.com/office/drawing/2017/decorative" val="1"/>
+                  <adec:decorative xmlns:adec="http://schemas.microsoft.com/office/drawing/2017/decorative" xmlns="" val="1"/>
                 </a:ext>
               </a:extLst>
             </p:cNvPr>
@@ -10424,7 +13191,7 @@
             <p:nvPr>
               <p:extLst>
                 <p:ext uri="{386F3935-93C4-4BCD-93E2-E3B085C9AB24}">
-                  <p16:designElem xmlns:p16="http://schemas.microsoft.com/office/powerpoint/2015/main" val="1"/>
+                  <p16:designElem xmlns:p16="http://schemas.microsoft.com/office/powerpoint/2015/main" xmlns="" val="1"/>
                 </p:ext>
               </p:extLst>
             </p:nvPr>
@@ -10473,10 +13240,10 @@
           <p:cNvPr id="23" name="Rectangle 22">
             <a:extLst>
               <a:ext uri="{FF2B5EF4-FFF2-40B4-BE49-F238E27FC236}">
-                <a16:creationId xmlns:a16="http://schemas.microsoft.com/office/drawing/2014/main" id="{D5B0017B-2ECA-49AF-B397-DC140825DF8D}"/>
+                <a16:creationId xmlns:a16="http://schemas.microsoft.com/office/drawing/2014/main" xmlns="" id="{D5B0017B-2ECA-49AF-B397-DC140825DF8D}"/>
               </a:ext>
               <a:ext uri="{C183D7F6-B498-43B3-948B-1728B52AA6E4}">
-                <adec:decorative xmlns:adec="http://schemas.microsoft.com/office/drawing/2017/decorative" val="1"/>
+                <adec:decorative xmlns:adec="http://schemas.microsoft.com/office/drawing/2017/decorative" xmlns="" val="1"/>
               </a:ext>
             </a:extLst>
           </p:cNvPr>
@@ -10486,7 +13253,7 @@
           <p:nvPr>
             <p:extLst>
               <p:ext uri="{386F3935-93C4-4BCD-93E2-E3B085C9AB24}">
-                <p16:designElem xmlns:p16="http://schemas.microsoft.com/office/powerpoint/2015/main" val="1"/>
+                <p16:designElem xmlns:p16="http://schemas.microsoft.com/office/powerpoint/2015/main" xmlns="" val="1"/>
               </p:ext>
             </p:extLst>
           </p:nvPr>
@@ -10543,7 +13310,7 @@
           <p:cNvPr id="2" name="Titel 1">
             <a:extLst>
               <a:ext uri="{FF2B5EF4-FFF2-40B4-BE49-F238E27FC236}">
-                <a16:creationId xmlns:a16="http://schemas.microsoft.com/office/drawing/2014/main" id="{3147E073-B728-4DA5-8BAB-36A3E20ABE81}"/>
+                <a16:creationId xmlns:a16="http://schemas.microsoft.com/office/drawing/2014/main" xmlns="" id="{3147E073-B728-4DA5-8BAB-36A3E20ABE81}"/>
               </a:ext>
             </a:extLst>
           </p:cNvPr>
@@ -10585,7 +13352,7 @@
           <p:cNvPr id="11" name="Inhaltsplatzhalter 10">
             <a:extLst>
               <a:ext uri="{FF2B5EF4-FFF2-40B4-BE49-F238E27FC236}">
-                <a16:creationId xmlns:a16="http://schemas.microsoft.com/office/drawing/2014/main" id="{BDCA038B-2454-42A2-9817-DBF5912B0686}"/>
+                <a16:creationId xmlns:a16="http://schemas.microsoft.com/office/drawing/2014/main" xmlns="" id="{BDCA038B-2454-42A2-9817-DBF5912B0686}"/>
               </a:ext>
             </a:extLst>
           </p:cNvPr>
@@ -10598,113 +13365,195 @@
         </p:nvSpPr>
         <p:spPr>
           <a:xfrm>
-            <a:off x="1045028" y="3017522"/>
-            <a:ext cx="9941319" cy="3124658"/>
+            <a:off x="633597" y="2704014"/>
+            <a:ext cx="10431074" cy="3385308"/>
           </a:xfrm>
         </p:spPr>
         <p:txBody>
           <a:bodyPr vert="horz" lIns="91440" tIns="45720" rIns="91440" bIns="45720" rtlCol="0" anchor="ctr">
-            <a:normAutofit/>
+            <a:normAutofit fontScale="92500" lnSpcReduction="20000"/>
           </a:bodyPr>
           <a:lstStyle/>
           <a:p>
             <a:r>
-              <a:rPr lang="en-US" sz="1700" dirty="0" err="1"/>
+              <a:rPr lang="en-US" sz="2200" dirty="0" err="1"/>
               <a:t>Zusätzliche</a:t>
             </a:r>
             <a:r>
-              <a:rPr lang="en-US" sz="1700" dirty="0"/>
+              <a:rPr lang="en-US" sz="2200" dirty="0"/>
               <a:t> </a:t>
             </a:r>
             <a:r>
-              <a:rPr lang="en-US" sz="1700" dirty="0" err="1"/>
+              <a:rPr lang="en-US" sz="2200" dirty="0" err="1"/>
               <a:t>Testaufteilung</a:t>
             </a:r>
             <a:r>
-              <a:rPr lang="en-US" sz="1700" dirty="0"/>
+              <a:rPr lang="en-US" sz="2200" dirty="0"/>
               <a:t> in </a:t>
             </a:r>
             <a:r>
-              <a:rPr lang="en-US" sz="1700" dirty="0" err="1"/>
+              <a:rPr lang="en-US" sz="2200" dirty="0" err="1"/>
               <a:t>Detailklassen</a:t>
             </a:r>
-            <a:endParaRPr lang="en-US" sz="1700" dirty="0"/>
-          </a:p>
-          <a:p>
-            <a:r>
-              <a:rPr lang="en-US" sz="1700" dirty="0" err="1"/>
+            <a:endParaRPr lang="en-US" sz="2200" dirty="0"/>
+          </a:p>
+          <a:p>
+            <a:endParaRPr lang="en-US" sz="2200" dirty="0" smtClean="0"/>
+          </a:p>
+          <a:p>
+            <a:r>
+              <a:rPr lang="en-US" sz="2200" dirty="0" err="1" smtClean="0"/>
               <a:t>Mögliche</a:t>
             </a:r>
             <a:r>
-              <a:rPr lang="en-US" sz="1700" dirty="0"/>
+              <a:rPr lang="en-US" sz="2200" dirty="0" smtClean="0"/>
               <a:t> </a:t>
             </a:r>
             <a:r>
-              <a:rPr lang="en-US" sz="1700" dirty="0" err="1"/>
+              <a:rPr lang="en-US" sz="2200" dirty="0" err="1"/>
               <a:t>Verbesserungen</a:t>
             </a:r>
             <a:r>
-              <a:rPr lang="en-US" sz="1700" dirty="0"/>
+              <a:rPr lang="en-US" sz="2200" dirty="0"/>
               <a:t>:</a:t>
             </a:r>
           </a:p>
           <a:p>
             <a:pPr lvl="1"/>
             <a:r>
-              <a:rPr lang="en-US" sz="1700" dirty="0" err="1"/>
+              <a:rPr lang="en-US" sz="1900" dirty="0" err="1"/>
               <a:t>Mehr</a:t>
             </a:r>
             <a:r>
-              <a:rPr lang="en-US" sz="1700" dirty="0"/>
+              <a:rPr lang="en-US" sz="1900" dirty="0"/>
               <a:t> </a:t>
             </a:r>
             <a:r>
-              <a:rPr lang="en-US" sz="1700" dirty="0" err="1"/>
+              <a:rPr lang="en-US" sz="1900" dirty="0" err="1"/>
               <a:t>Trainingsdaten</a:t>
             </a:r>
             <a:r>
-              <a:rPr lang="en-US" sz="1700" dirty="0"/>
+              <a:rPr lang="en-US" sz="1900" dirty="0"/>
               <a:t> </a:t>
             </a:r>
           </a:p>
           <a:p>
             <a:pPr lvl="1"/>
             <a:r>
-              <a:rPr lang="en-US" sz="1700" dirty="0" err="1"/>
+              <a:rPr lang="en-US" sz="1900" dirty="0" err="1"/>
               <a:t>Trainingsdatensatz</a:t>
             </a:r>
             <a:r>
-              <a:rPr lang="en-US" sz="1700" dirty="0"/>
+              <a:rPr lang="en-US" sz="1900" dirty="0"/>
               <a:t> </a:t>
             </a:r>
             <a:r>
-              <a:rPr lang="en-US" sz="1700" dirty="0" err="1"/>
+              <a:rPr lang="en-US" sz="1900" dirty="0" err="1"/>
               <a:t>künstlich</a:t>
             </a:r>
             <a:r>
-              <a:rPr lang="en-US" sz="1700" dirty="0"/>
+              <a:rPr lang="en-US" sz="1900" dirty="0"/>
               <a:t> </a:t>
             </a:r>
             <a:r>
-              <a:rPr lang="en-US" sz="1700" dirty="0" err="1"/>
+              <a:rPr lang="en-US" sz="1900" dirty="0" err="1"/>
               <a:t>erweitern</a:t>
             </a:r>
-            <a:endParaRPr lang="en-US" sz="1700" dirty="0"/>
+            <a:endParaRPr lang="en-US" sz="1900" dirty="0"/>
           </a:p>
           <a:p>
             <a:pPr lvl="1"/>
             <a:r>
-              <a:rPr lang="en-US" sz="1700" dirty="0"/>
+              <a:rPr lang="en-US" sz="1900" dirty="0"/>
               <a:t>Rotation der </a:t>
             </a:r>
             <a:r>
-              <a:rPr lang="en-US" sz="1700" dirty="0" err="1"/>
+              <a:rPr lang="en-US" sz="1900" dirty="0" err="1"/>
               <a:t>Figur</a:t>
             </a:r>
             <a:r>
-              <a:rPr lang="en-US" sz="1700" dirty="0"/>
-              <a:t> bevor Labeling</a:t>
-            </a:r>
+              <a:rPr lang="en-US" sz="1900" dirty="0"/>
+              <a:t> </a:t>
+            </a:r>
+            <a:r>
+              <a:rPr lang="en-US" sz="1900" dirty="0" err="1"/>
+              <a:t>bevor</a:t>
+            </a:r>
+            <a:r>
+              <a:rPr lang="en-US" sz="1900" dirty="0"/>
+              <a:t> </a:t>
+            </a:r>
+            <a:r>
+              <a:rPr lang="en-US" sz="1900" dirty="0" smtClean="0"/>
+              <a:t>Labeling</a:t>
+            </a:r>
+          </a:p>
+          <a:p>
+            <a:pPr lvl="1"/>
+            <a:r>
+              <a:rPr lang="en-US" sz="1900" dirty="0" err="1" smtClean="0"/>
+              <a:t>Zusätzliche</a:t>
+            </a:r>
+            <a:r>
+              <a:rPr lang="en-US" sz="1900" dirty="0" smtClean="0"/>
+              <a:t> </a:t>
+            </a:r>
+            <a:r>
+              <a:rPr lang="en-US" sz="1900" dirty="0" err="1" smtClean="0"/>
+              <a:t>Vorverarbeitung</a:t>
+            </a:r>
+            <a:r>
+              <a:rPr lang="en-US" sz="1900" dirty="0" smtClean="0"/>
+              <a:t> </a:t>
+            </a:r>
+            <a:r>
+              <a:rPr lang="en-US" sz="1900" dirty="0" err="1" smtClean="0"/>
+              <a:t>für</a:t>
+            </a:r>
+            <a:r>
+              <a:rPr lang="en-US" sz="1900" dirty="0" smtClean="0"/>
+              <a:t> </a:t>
+            </a:r>
+            <a:r>
+              <a:rPr lang="en-US" sz="1900" dirty="0" err="1" smtClean="0"/>
+              <a:t>bessere</a:t>
+            </a:r>
+            <a:r>
+              <a:rPr lang="en-US" sz="1900" dirty="0" smtClean="0"/>
+              <a:t> </a:t>
+            </a:r>
+            <a:br>
+              <a:rPr lang="en-US" sz="1900" dirty="0" smtClean="0"/>
+            </a:br>
+            <a:r>
+              <a:rPr lang="en-US" sz="1900" dirty="0" err="1" smtClean="0"/>
+              <a:t>Abgrenzung</a:t>
+            </a:r>
+            <a:r>
+              <a:rPr lang="en-US" sz="1900" dirty="0" smtClean="0"/>
+              <a:t> der </a:t>
+            </a:r>
+            <a:r>
+              <a:rPr lang="en-US" sz="1900" dirty="0" err="1" smtClean="0"/>
+              <a:t>Figur</a:t>
+            </a:r>
+            <a:r>
+              <a:rPr lang="en-US" sz="1900" dirty="0" smtClean="0"/>
+              <a:t> </a:t>
+            </a:r>
+            <a:r>
+              <a:rPr lang="en-US" sz="1900" dirty="0" err="1" smtClean="0"/>
+              <a:t>vom</a:t>
+            </a:r>
+            <a:r>
+              <a:rPr lang="en-US" sz="1900" dirty="0" smtClean="0"/>
+              <a:t> </a:t>
+            </a:r>
+            <a:r>
+              <a:rPr lang="en-US" sz="1900" dirty="0" err="1" smtClean="0"/>
+              <a:t>Hintergrund</a:t>
+            </a:r>
+            <a:endParaRPr lang="en-US" sz="1900" dirty="0"/>
           </a:p>
           <a:p>
             <a:pPr lvl="1"/>
@@ -10721,18 +13570,12 @@
             <a:endParaRPr lang="en-US" sz="1700" dirty="0"/>
           </a:p>
           <a:p>
-            <a:pPr marL="0"/>
+            <a:pPr marL="0" indent="0">
+              <a:buNone/>
+            </a:pPr>
             <a:r>
               <a:rPr lang="en-US" sz="1700" dirty="0"/>
-              <a:t>       Live-Demonstration </a:t>
-            </a:r>
-            <a:r>
-              <a:rPr lang="en-US" sz="1700" dirty="0" err="1"/>
-              <a:t>mit</a:t>
-            </a:r>
-            <a:r>
-              <a:rPr lang="en-US" sz="1700" dirty="0"/>
-              <a:t> Jupiter Notebook</a:t>
+              <a:t>       </a:t>
             </a:r>
           </a:p>
         </p:txBody>
@@ -10742,10 +13585,10 @@
           <p:cNvPr id="25" name="Straight Connector 24">
             <a:extLst>
               <a:ext uri="{FF2B5EF4-FFF2-40B4-BE49-F238E27FC236}">
-                <a16:creationId xmlns:a16="http://schemas.microsoft.com/office/drawing/2014/main" id="{6CF1BAF6-AD41-4082-B212-8A1F9A2E8779}"/>
+                <a16:creationId xmlns:a16="http://schemas.microsoft.com/office/drawing/2014/main" xmlns="" id="{6CF1BAF6-AD41-4082-B212-8A1F9A2E8779}"/>
               </a:ext>
               <a:ext uri="{C183D7F6-B498-43B3-948B-1728B52AA6E4}">
-                <adec:decorative xmlns:adec="http://schemas.microsoft.com/office/drawing/2017/decorative" val="1"/>
+                <adec:decorative xmlns:adec="http://schemas.microsoft.com/office/drawing/2017/decorative" xmlns="" val="1"/>
               </a:ext>
             </a:extLst>
           </p:cNvPr>
@@ -10755,7 +13598,7 @@
           <p:nvPr>
             <p:extLst>
               <p:ext uri="{386F3935-93C4-4BCD-93E2-E3B085C9AB24}">
-                <p16:designElem xmlns:p16="http://schemas.microsoft.com/office/powerpoint/2015/main" val="1"/>
+                <p16:designElem xmlns:p16="http://schemas.microsoft.com/office/powerpoint/2015/main" xmlns="" val="1"/>
               </p:ext>
             </p:extLst>
           </p:nvPr>
@@ -10789,12 +13632,924 @@
           </a:fontRef>
         </p:style>
       </p:cxnSp>
+      <p:pic>
+        <p:nvPicPr>
+          <p:cNvPr id="24" name="Grafik 23">
+            <a:extLst>
+              <a:ext uri="{FF2B5EF4-FFF2-40B4-BE49-F238E27FC236}">
+                <a16:creationId xmlns:a16="http://schemas.microsoft.com/office/drawing/2014/main" xmlns="" id="{C5611C75-9007-4CAC-AB0E-65E27CB93E6F}"/>
+              </a:ext>
+            </a:extLst>
+          </p:cNvPr>
+          <p:cNvPicPr>
+            <a:picLocks noChangeAspect="1"/>
+          </p:cNvPicPr>
+          <p:nvPr/>
+        </p:nvPicPr>
+        <p:blipFill>
+          <a:blip r:embed="rId2"/>
+          <a:stretch>
+            <a:fillRect/>
+          </a:stretch>
+        </p:blipFill>
+        <p:spPr>
+          <a:xfrm>
+            <a:off x="5849134" y="2760369"/>
+            <a:ext cx="3270622" cy="3496641"/>
+          </a:xfrm>
+          <a:prstGeom prst="rect">
+            <a:avLst/>
+          </a:prstGeom>
+        </p:spPr>
+      </p:pic>
+      <p:pic>
+        <p:nvPicPr>
+          <p:cNvPr id="3" name="Grafik 2"/>
+          <p:cNvPicPr>
+            <a:picLocks noChangeAspect="1"/>
+          </p:cNvPicPr>
+          <p:nvPr/>
+        </p:nvPicPr>
+        <p:blipFill>
+          <a:blip r:embed="rId3"/>
+          <a:stretch>
+            <a:fillRect/>
+          </a:stretch>
+        </p:blipFill>
+        <p:spPr>
+          <a:xfrm>
+            <a:off x="1173752" y="5559405"/>
+            <a:ext cx="2076450" cy="342900"/>
+          </a:xfrm>
+          <a:prstGeom prst="round2DiagRect">
+            <a:avLst>
+              <a:gd name="adj1" fmla="val 16667"/>
+              <a:gd name="adj2" fmla="val 0"/>
+            </a:avLst>
+          </a:prstGeom>
+          <a:ln w="88900" cap="sq">
+            <a:solidFill>
+              <a:srgbClr val="FFFFFF"/>
+            </a:solidFill>
+            <a:miter lim="800000"/>
+          </a:ln>
+          <a:effectLst>
+            <a:outerShdw blurRad="254000" algn="tl" rotWithShape="0">
+              <a:srgbClr val="000000">
+                <a:alpha val="43000"/>
+              </a:srgbClr>
+            </a:outerShdw>
+          </a:effectLst>
+        </p:spPr>
+      </p:pic>
+    </p:spTree>
+    <p:extLst>
+      <p:ext uri="{BB962C8B-B14F-4D97-AF65-F5344CB8AC3E}">
+        <p14:creationId xmlns:p14="http://schemas.microsoft.com/office/powerpoint/2010/main" val="631063293"/>
+      </p:ext>
+    </p:extLst>
+  </p:cSld>
+  <p:clrMapOvr>
+    <a:masterClrMapping/>
+  </p:clrMapOvr>
+  <p:timing>
+    <p:tnLst>
+      <p:par>
+        <p:cTn id="1" dur="indefinite" restart="never" nodeType="tmRoot"/>
+      </p:par>
+    </p:tnLst>
+  </p:timing>
+</p:sld>
+</file>
+
+<file path=ppt/slides/slide13.xml><?xml version="1.0" encoding="utf-8"?>
+<p:sld xmlns:a="http://schemas.openxmlformats.org/drawingml/2006/main" xmlns:r="http://schemas.openxmlformats.org/officeDocument/2006/relationships" xmlns:p="http://schemas.openxmlformats.org/presentationml/2006/main">
+  <p:cSld>
+    <p:spTree>
+      <p:nvGrpSpPr>
+        <p:cNvPr id="1" name=""/>
+        <p:cNvGrpSpPr/>
+        <p:nvPr/>
+      </p:nvGrpSpPr>
+      <p:grpSpPr>
+        <a:xfrm>
+          <a:off x="0" y="0"/>
+          <a:ext cx="0" cy="0"/>
+          <a:chOff x="0" y="0"/>
+          <a:chExt cx="0" cy="0"/>
+        </a:xfrm>
+      </p:grpSpPr>
       <p:sp>
         <p:nvSpPr>
-          <p:cNvPr id="9" name="Pfeil: nach rechts 8">
+          <p:cNvPr id="2" name="Titel 1"/>
+          <p:cNvSpPr>
+            <a:spLocks noGrp="1"/>
+          </p:cNvSpPr>
+          <p:nvPr>
+            <p:ph type="title"/>
+          </p:nvPr>
+        </p:nvSpPr>
+        <p:spPr/>
+        <p:txBody>
+          <a:bodyPr/>
+          <a:lstStyle/>
+          <a:p>
+            <a:r>
+              <a:rPr lang="de-AT" dirty="0" smtClean="0"/>
+              <a:t>Fehler in der Feature Detektion</a:t>
+            </a:r>
+            <a:endParaRPr lang="de-AT" dirty="0"/>
+          </a:p>
+        </p:txBody>
+      </p:sp>
+      <p:pic>
+        <p:nvPicPr>
+          <p:cNvPr id="4" name="Inhaltsplatzhalter 3"/>
+          <p:cNvPicPr>
+            <a:picLocks noGrp="1" noChangeAspect="1"/>
+          </p:cNvPicPr>
+          <p:nvPr>
+            <p:ph idx="1"/>
+          </p:nvPr>
+        </p:nvPicPr>
+        <p:blipFill>
+          <a:blip r:embed="rId2"/>
+          <a:stretch>
+            <a:fillRect/>
+          </a:stretch>
+        </p:blipFill>
+        <p:spPr>
+          <a:xfrm>
+            <a:off x="6243330" y="1640972"/>
+            <a:ext cx="1666875" cy="2133600"/>
+          </a:xfrm>
+          <a:prstGeom prst="rect">
+            <a:avLst/>
+          </a:prstGeom>
+        </p:spPr>
+      </p:pic>
+      <p:pic>
+        <p:nvPicPr>
+          <p:cNvPr id="5" name="Grafik 4"/>
+          <p:cNvPicPr>
+            <a:picLocks noChangeAspect="1"/>
+          </p:cNvPicPr>
+          <p:nvPr/>
+        </p:nvPicPr>
+        <p:blipFill>
+          <a:blip r:embed="rId3"/>
+          <a:stretch>
+            <a:fillRect/>
+          </a:stretch>
+        </p:blipFill>
+        <p:spPr>
+          <a:xfrm>
+            <a:off x="932434" y="1777909"/>
+            <a:ext cx="2038350" cy="1514475"/>
+          </a:xfrm>
+          <a:prstGeom prst="rect">
+            <a:avLst/>
+          </a:prstGeom>
+        </p:spPr>
+      </p:pic>
+      <p:pic>
+        <p:nvPicPr>
+          <p:cNvPr id="6" name="Grafik 5"/>
+          <p:cNvPicPr>
+            <a:picLocks noChangeAspect="1"/>
+          </p:cNvPicPr>
+          <p:nvPr/>
+        </p:nvPicPr>
+        <p:blipFill>
+          <a:blip r:embed="rId4"/>
+          <a:stretch>
+            <a:fillRect/>
+          </a:stretch>
+        </p:blipFill>
+        <p:spPr>
+          <a:xfrm>
+            <a:off x="748849" y="3489278"/>
+            <a:ext cx="1885950" cy="1819275"/>
+          </a:xfrm>
+          <a:prstGeom prst="rect">
+            <a:avLst/>
+          </a:prstGeom>
+        </p:spPr>
+      </p:pic>
+      <p:pic>
+        <p:nvPicPr>
+          <p:cNvPr id="8" name="Grafik 7"/>
+          <p:cNvPicPr>
+            <a:picLocks noChangeAspect="1"/>
+          </p:cNvPicPr>
+          <p:nvPr/>
+        </p:nvPicPr>
+        <p:blipFill>
+          <a:blip r:embed="rId5"/>
+          <a:stretch>
+            <a:fillRect/>
+          </a:stretch>
+        </p:blipFill>
+        <p:spPr>
+          <a:xfrm>
+            <a:off x="6779152" y="3864443"/>
+            <a:ext cx="1495425" cy="2152650"/>
+          </a:xfrm>
+          <a:prstGeom prst="rect">
+            <a:avLst/>
+          </a:prstGeom>
+        </p:spPr>
+      </p:pic>
+      <p:sp>
+        <p:nvSpPr>
+          <p:cNvPr id="9" name="Inhaltsplatzhalter 2">
             <a:extLst>
               <a:ext uri="{FF2B5EF4-FFF2-40B4-BE49-F238E27FC236}">
-                <a16:creationId xmlns:a16="http://schemas.microsoft.com/office/drawing/2014/main" id="{EF160A5D-13C6-4497-867D-1669D161BFCF}"/>
+                <a16:creationId xmlns:a16="http://schemas.microsoft.com/office/drawing/2014/main" xmlns="" id="{9E086109-A865-491E-8199-31771C640B6F}"/>
+              </a:ext>
+            </a:extLst>
+          </p:cNvPr>
+          <p:cNvSpPr txBox="1">
+            <a:spLocks/>
+          </p:cNvSpPr>
+          <p:nvPr/>
+        </p:nvSpPr>
+        <p:spPr>
+          <a:xfrm>
+            <a:off x="1799481" y="2535146"/>
+            <a:ext cx="4534507" cy="1239426"/>
+          </a:xfrm>
+          <a:prstGeom prst="rect">
+            <a:avLst/>
+          </a:prstGeom>
+        </p:spPr>
+        <p:txBody>
+          <a:bodyPr vert="horz" lIns="91440" tIns="45720" rIns="91440" bIns="45720" rtlCol="0" anchor="ctr">
+            <a:normAutofit/>
+          </a:bodyPr>
+          <a:lstStyle>
+            <a:lvl1pPr marL="228600" indent="-228600" algn="l" defTabSz="914400" rtl="0" eaLnBrk="1" latinLnBrk="0" hangingPunct="1">
+              <a:lnSpc>
+                <a:spcPct val="90000"/>
+              </a:lnSpc>
+              <a:spcBef>
+                <a:spcPts val="1000"/>
+              </a:spcBef>
+              <a:buFont typeface="Arial" panose="020B0604020202020204" pitchFamily="34" charset="0"/>
+              <a:buChar char="•"/>
+              <a:defRPr sz="2800" kern="1200">
+                <a:solidFill>
+                  <a:schemeClr val="tx1"/>
+                </a:solidFill>
+                <a:latin typeface="+mn-lt"/>
+                <a:ea typeface="+mn-ea"/>
+                <a:cs typeface="+mn-cs"/>
+              </a:defRPr>
+            </a:lvl1pPr>
+            <a:lvl2pPr marL="685800" indent="-228600" algn="l" defTabSz="914400" rtl="0" eaLnBrk="1" latinLnBrk="0" hangingPunct="1">
+              <a:lnSpc>
+                <a:spcPct val="90000"/>
+              </a:lnSpc>
+              <a:spcBef>
+                <a:spcPts val="500"/>
+              </a:spcBef>
+              <a:buFont typeface="Arial" panose="020B0604020202020204" pitchFamily="34" charset="0"/>
+              <a:buChar char="•"/>
+              <a:defRPr sz="2400" kern="1200">
+                <a:solidFill>
+                  <a:schemeClr val="tx1"/>
+                </a:solidFill>
+                <a:latin typeface="+mn-lt"/>
+                <a:ea typeface="+mn-ea"/>
+                <a:cs typeface="+mn-cs"/>
+              </a:defRPr>
+            </a:lvl2pPr>
+            <a:lvl3pPr marL="1143000" indent="-228600" algn="l" defTabSz="914400" rtl="0" eaLnBrk="1" latinLnBrk="0" hangingPunct="1">
+              <a:lnSpc>
+                <a:spcPct val="90000"/>
+              </a:lnSpc>
+              <a:spcBef>
+                <a:spcPts val="500"/>
+              </a:spcBef>
+              <a:buFont typeface="Arial" panose="020B0604020202020204" pitchFamily="34" charset="0"/>
+              <a:buChar char="•"/>
+              <a:defRPr sz="2000" kern="1200">
+                <a:solidFill>
+                  <a:schemeClr val="tx1"/>
+                </a:solidFill>
+                <a:latin typeface="+mn-lt"/>
+                <a:ea typeface="+mn-ea"/>
+                <a:cs typeface="+mn-cs"/>
+              </a:defRPr>
+            </a:lvl3pPr>
+            <a:lvl4pPr marL="1600200" indent="-228600" algn="l" defTabSz="914400" rtl="0" eaLnBrk="1" latinLnBrk="0" hangingPunct="1">
+              <a:lnSpc>
+                <a:spcPct val="90000"/>
+              </a:lnSpc>
+              <a:spcBef>
+                <a:spcPts val="500"/>
+              </a:spcBef>
+              <a:buFont typeface="Arial" panose="020B0604020202020204" pitchFamily="34" charset="0"/>
+              <a:buChar char="•"/>
+              <a:defRPr sz="1800" kern="1200">
+                <a:solidFill>
+                  <a:schemeClr val="tx1"/>
+                </a:solidFill>
+                <a:latin typeface="+mn-lt"/>
+                <a:ea typeface="+mn-ea"/>
+                <a:cs typeface="+mn-cs"/>
+              </a:defRPr>
+            </a:lvl4pPr>
+            <a:lvl5pPr marL="2057400" indent="-228600" algn="l" defTabSz="914400" rtl="0" eaLnBrk="1" latinLnBrk="0" hangingPunct="1">
+              <a:lnSpc>
+                <a:spcPct val="90000"/>
+              </a:lnSpc>
+              <a:spcBef>
+                <a:spcPts val="500"/>
+              </a:spcBef>
+              <a:buFont typeface="Arial" panose="020B0604020202020204" pitchFamily="34" charset="0"/>
+              <a:buChar char="•"/>
+              <a:defRPr sz="1800" kern="1200">
+                <a:solidFill>
+                  <a:schemeClr val="tx1"/>
+                </a:solidFill>
+                <a:latin typeface="+mn-lt"/>
+                <a:ea typeface="+mn-ea"/>
+                <a:cs typeface="+mn-cs"/>
+              </a:defRPr>
+            </a:lvl5pPr>
+            <a:lvl6pPr marL="2514600" indent="-228600" algn="l" defTabSz="914400" rtl="0" eaLnBrk="1" latinLnBrk="0" hangingPunct="1">
+              <a:lnSpc>
+                <a:spcPct val="90000"/>
+              </a:lnSpc>
+              <a:spcBef>
+                <a:spcPts val="500"/>
+              </a:spcBef>
+              <a:buFont typeface="Arial" panose="020B0604020202020204" pitchFamily="34" charset="0"/>
+              <a:buChar char="•"/>
+              <a:defRPr sz="1800" kern="1200">
+                <a:solidFill>
+                  <a:schemeClr val="tx1"/>
+                </a:solidFill>
+                <a:latin typeface="+mn-lt"/>
+                <a:ea typeface="+mn-ea"/>
+                <a:cs typeface="+mn-cs"/>
+              </a:defRPr>
+            </a:lvl6pPr>
+            <a:lvl7pPr marL="2971800" indent="-228600" algn="l" defTabSz="914400" rtl="0" eaLnBrk="1" latinLnBrk="0" hangingPunct="1">
+              <a:lnSpc>
+                <a:spcPct val="90000"/>
+              </a:lnSpc>
+              <a:spcBef>
+                <a:spcPts val="500"/>
+              </a:spcBef>
+              <a:buFont typeface="Arial" panose="020B0604020202020204" pitchFamily="34" charset="0"/>
+              <a:buChar char="•"/>
+              <a:defRPr sz="1800" kern="1200">
+                <a:solidFill>
+                  <a:schemeClr val="tx1"/>
+                </a:solidFill>
+                <a:latin typeface="+mn-lt"/>
+                <a:ea typeface="+mn-ea"/>
+                <a:cs typeface="+mn-cs"/>
+              </a:defRPr>
+            </a:lvl7pPr>
+            <a:lvl8pPr marL="3429000" indent="-228600" algn="l" defTabSz="914400" rtl="0" eaLnBrk="1" latinLnBrk="0" hangingPunct="1">
+              <a:lnSpc>
+                <a:spcPct val="90000"/>
+              </a:lnSpc>
+              <a:spcBef>
+                <a:spcPts val="500"/>
+              </a:spcBef>
+              <a:buFont typeface="Arial" panose="020B0604020202020204" pitchFamily="34" charset="0"/>
+              <a:buChar char="•"/>
+              <a:defRPr sz="1800" kern="1200">
+                <a:solidFill>
+                  <a:schemeClr val="tx1"/>
+                </a:solidFill>
+                <a:latin typeface="+mn-lt"/>
+                <a:ea typeface="+mn-ea"/>
+                <a:cs typeface="+mn-cs"/>
+              </a:defRPr>
+            </a:lvl8pPr>
+            <a:lvl9pPr marL="3886200" indent="-228600" algn="l" defTabSz="914400" rtl="0" eaLnBrk="1" latinLnBrk="0" hangingPunct="1">
+              <a:lnSpc>
+                <a:spcPct val="90000"/>
+              </a:lnSpc>
+              <a:spcBef>
+                <a:spcPts val="500"/>
+              </a:spcBef>
+              <a:buFont typeface="Arial" panose="020B0604020202020204" pitchFamily="34" charset="0"/>
+              <a:buChar char="•"/>
+              <a:defRPr sz="1800" kern="1200">
+                <a:solidFill>
+                  <a:schemeClr val="tx1"/>
+                </a:solidFill>
+                <a:latin typeface="+mn-lt"/>
+                <a:ea typeface="+mn-ea"/>
+                <a:cs typeface="+mn-cs"/>
+              </a:defRPr>
+            </a:lvl9pPr>
+          </a:lstStyle>
+          <a:p>
+            <a:pPr marL="457200" lvl="1" indent="0">
+              <a:buFont typeface="Arial" panose="020B0604020202020204" pitchFamily="34" charset="0"/>
+              <a:buNone/>
+            </a:pPr>
+            <a:endParaRPr lang="de-AT" sz="2000" dirty="0" smtClean="0"/>
+          </a:p>
+          <a:p>
+            <a:pPr marL="0" indent="0">
+              <a:buFont typeface="Arial" panose="020B0604020202020204" pitchFamily="34" charset="0"/>
+              <a:buNone/>
+            </a:pPr>
+            <a:r>
+              <a:rPr lang="de-AT" sz="2000" dirty="0" smtClean="0"/>
+              <a:t> rechte Hand wird nicht erkannt</a:t>
+            </a:r>
+            <a:endParaRPr lang="de-AT" sz="2000" dirty="0"/>
+          </a:p>
+        </p:txBody>
+      </p:sp>
+      <p:sp>
+        <p:nvSpPr>
+          <p:cNvPr id="10" name="Inhaltsplatzhalter 2">
+            <a:extLst>
+              <a:ext uri="{FF2B5EF4-FFF2-40B4-BE49-F238E27FC236}">
+                <a16:creationId xmlns:a16="http://schemas.microsoft.com/office/drawing/2014/main" xmlns="" id="{9E086109-A865-491E-8199-31771C640B6F}"/>
+              </a:ext>
+            </a:extLst>
+          </p:cNvPr>
+          <p:cNvSpPr txBox="1">
+            <a:spLocks/>
+          </p:cNvSpPr>
+          <p:nvPr/>
+        </p:nvSpPr>
+        <p:spPr>
+          <a:xfrm>
+            <a:off x="7819547" y="1640972"/>
+            <a:ext cx="4534507" cy="1239426"/>
+          </a:xfrm>
+          <a:prstGeom prst="rect">
+            <a:avLst/>
+          </a:prstGeom>
+        </p:spPr>
+        <p:txBody>
+          <a:bodyPr vert="horz" lIns="91440" tIns="45720" rIns="91440" bIns="45720" rtlCol="0" anchor="ctr">
+            <a:normAutofit/>
+          </a:bodyPr>
+          <a:lstStyle>
+            <a:lvl1pPr marL="228600" indent="-228600" algn="l" defTabSz="914400" rtl="0" eaLnBrk="1" latinLnBrk="0" hangingPunct="1">
+              <a:lnSpc>
+                <a:spcPct val="90000"/>
+              </a:lnSpc>
+              <a:spcBef>
+                <a:spcPts val="1000"/>
+              </a:spcBef>
+              <a:buFont typeface="Arial" panose="020B0604020202020204" pitchFamily="34" charset="0"/>
+              <a:buChar char="•"/>
+              <a:defRPr sz="2800" kern="1200">
+                <a:solidFill>
+                  <a:schemeClr val="tx1"/>
+                </a:solidFill>
+                <a:latin typeface="+mn-lt"/>
+                <a:ea typeface="+mn-ea"/>
+                <a:cs typeface="+mn-cs"/>
+              </a:defRPr>
+            </a:lvl1pPr>
+            <a:lvl2pPr marL="685800" indent="-228600" algn="l" defTabSz="914400" rtl="0" eaLnBrk="1" latinLnBrk="0" hangingPunct="1">
+              <a:lnSpc>
+                <a:spcPct val="90000"/>
+              </a:lnSpc>
+              <a:spcBef>
+                <a:spcPts val="500"/>
+              </a:spcBef>
+              <a:buFont typeface="Arial" panose="020B0604020202020204" pitchFamily="34" charset="0"/>
+              <a:buChar char="•"/>
+              <a:defRPr sz="2400" kern="1200">
+                <a:solidFill>
+                  <a:schemeClr val="tx1"/>
+                </a:solidFill>
+                <a:latin typeface="+mn-lt"/>
+                <a:ea typeface="+mn-ea"/>
+                <a:cs typeface="+mn-cs"/>
+              </a:defRPr>
+            </a:lvl2pPr>
+            <a:lvl3pPr marL="1143000" indent="-228600" algn="l" defTabSz="914400" rtl="0" eaLnBrk="1" latinLnBrk="0" hangingPunct="1">
+              <a:lnSpc>
+                <a:spcPct val="90000"/>
+              </a:lnSpc>
+              <a:spcBef>
+                <a:spcPts val="500"/>
+              </a:spcBef>
+              <a:buFont typeface="Arial" panose="020B0604020202020204" pitchFamily="34" charset="0"/>
+              <a:buChar char="•"/>
+              <a:defRPr sz="2000" kern="1200">
+                <a:solidFill>
+                  <a:schemeClr val="tx1"/>
+                </a:solidFill>
+                <a:latin typeface="+mn-lt"/>
+                <a:ea typeface="+mn-ea"/>
+                <a:cs typeface="+mn-cs"/>
+              </a:defRPr>
+            </a:lvl3pPr>
+            <a:lvl4pPr marL="1600200" indent="-228600" algn="l" defTabSz="914400" rtl="0" eaLnBrk="1" latinLnBrk="0" hangingPunct="1">
+              <a:lnSpc>
+                <a:spcPct val="90000"/>
+              </a:lnSpc>
+              <a:spcBef>
+                <a:spcPts val="500"/>
+              </a:spcBef>
+              <a:buFont typeface="Arial" panose="020B0604020202020204" pitchFamily="34" charset="0"/>
+              <a:buChar char="•"/>
+              <a:defRPr sz="1800" kern="1200">
+                <a:solidFill>
+                  <a:schemeClr val="tx1"/>
+                </a:solidFill>
+                <a:latin typeface="+mn-lt"/>
+                <a:ea typeface="+mn-ea"/>
+                <a:cs typeface="+mn-cs"/>
+              </a:defRPr>
+            </a:lvl4pPr>
+            <a:lvl5pPr marL="2057400" indent="-228600" algn="l" defTabSz="914400" rtl="0" eaLnBrk="1" latinLnBrk="0" hangingPunct="1">
+              <a:lnSpc>
+                <a:spcPct val="90000"/>
+              </a:lnSpc>
+              <a:spcBef>
+                <a:spcPts val="500"/>
+              </a:spcBef>
+              <a:buFont typeface="Arial" panose="020B0604020202020204" pitchFamily="34" charset="0"/>
+              <a:buChar char="•"/>
+              <a:defRPr sz="1800" kern="1200">
+                <a:solidFill>
+                  <a:schemeClr val="tx1"/>
+                </a:solidFill>
+                <a:latin typeface="+mn-lt"/>
+                <a:ea typeface="+mn-ea"/>
+                <a:cs typeface="+mn-cs"/>
+              </a:defRPr>
+            </a:lvl5pPr>
+            <a:lvl6pPr marL="2514600" indent="-228600" algn="l" defTabSz="914400" rtl="0" eaLnBrk="1" latinLnBrk="0" hangingPunct="1">
+              <a:lnSpc>
+                <a:spcPct val="90000"/>
+              </a:lnSpc>
+              <a:spcBef>
+                <a:spcPts val="500"/>
+              </a:spcBef>
+              <a:buFont typeface="Arial" panose="020B0604020202020204" pitchFamily="34" charset="0"/>
+              <a:buChar char="•"/>
+              <a:defRPr sz="1800" kern="1200">
+                <a:solidFill>
+                  <a:schemeClr val="tx1"/>
+                </a:solidFill>
+                <a:latin typeface="+mn-lt"/>
+                <a:ea typeface="+mn-ea"/>
+                <a:cs typeface="+mn-cs"/>
+              </a:defRPr>
+            </a:lvl6pPr>
+            <a:lvl7pPr marL="2971800" indent="-228600" algn="l" defTabSz="914400" rtl="0" eaLnBrk="1" latinLnBrk="0" hangingPunct="1">
+              <a:lnSpc>
+                <a:spcPct val="90000"/>
+              </a:lnSpc>
+              <a:spcBef>
+                <a:spcPts val="500"/>
+              </a:spcBef>
+              <a:buFont typeface="Arial" panose="020B0604020202020204" pitchFamily="34" charset="0"/>
+              <a:buChar char="•"/>
+              <a:defRPr sz="1800" kern="1200">
+                <a:solidFill>
+                  <a:schemeClr val="tx1"/>
+                </a:solidFill>
+                <a:latin typeface="+mn-lt"/>
+                <a:ea typeface="+mn-ea"/>
+                <a:cs typeface="+mn-cs"/>
+              </a:defRPr>
+            </a:lvl7pPr>
+            <a:lvl8pPr marL="3429000" indent="-228600" algn="l" defTabSz="914400" rtl="0" eaLnBrk="1" latinLnBrk="0" hangingPunct="1">
+              <a:lnSpc>
+                <a:spcPct val="90000"/>
+              </a:lnSpc>
+              <a:spcBef>
+                <a:spcPts val="500"/>
+              </a:spcBef>
+              <a:buFont typeface="Arial" panose="020B0604020202020204" pitchFamily="34" charset="0"/>
+              <a:buChar char="•"/>
+              <a:defRPr sz="1800" kern="1200">
+                <a:solidFill>
+                  <a:schemeClr val="tx1"/>
+                </a:solidFill>
+                <a:latin typeface="+mn-lt"/>
+                <a:ea typeface="+mn-ea"/>
+                <a:cs typeface="+mn-cs"/>
+              </a:defRPr>
+            </a:lvl8pPr>
+            <a:lvl9pPr marL="3886200" indent="-228600" algn="l" defTabSz="914400" rtl="0" eaLnBrk="1" latinLnBrk="0" hangingPunct="1">
+              <a:lnSpc>
+                <a:spcPct val="90000"/>
+              </a:lnSpc>
+              <a:spcBef>
+                <a:spcPts val="500"/>
+              </a:spcBef>
+              <a:buFont typeface="Arial" panose="020B0604020202020204" pitchFamily="34" charset="0"/>
+              <a:buChar char="•"/>
+              <a:defRPr sz="1800" kern="1200">
+                <a:solidFill>
+                  <a:schemeClr val="tx1"/>
+                </a:solidFill>
+                <a:latin typeface="+mn-lt"/>
+                <a:ea typeface="+mn-ea"/>
+                <a:cs typeface="+mn-cs"/>
+              </a:defRPr>
+            </a:lvl9pPr>
+          </a:lstStyle>
+          <a:p>
+            <a:pPr marL="457200" lvl="1" indent="0">
+              <a:buFont typeface="Arial" panose="020B0604020202020204" pitchFamily="34" charset="0"/>
+              <a:buNone/>
+            </a:pPr>
+            <a:endParaRPr lang="de-AT" sz="2000" dirty="0" smtClean="0"/>
+          </a:p>
+          <a:p>
+            <a:pPr marL="0" indent="0">
+              <a:buFont typeface="Arial" panose="020B0604020202020204" pitchFamily="34" charset="0"/>
+              <a:buNone/>
+            </a:pPr>
+            <a:r>
+              <a:rPr lang="de-AT" sz="2000" dirty="0" smtClean="0"/>
+              <a:t> rechter Arm wird falsch erkannt</a:t>
+            </a:r>
+          </a:p>
+          <a:p>
+            <a:pPr marL="0" indent="0">
+              <a:buFont typeface="Arial" panose="020B0604020202020204" pitchFamily="34" charset="0"/>
+              <a:buNone/>
+            </a:pPr>
+            <a:r>
+              <a:rPr lang="de-AT" sz="2000" dirty="0"/>
+              <a:t>	</a:t>
+            </a:r>
+            <a:r>
+              <a:rPr lang="de-AT" sz="2000" dirty="0" smtClean="0"/>
+              <a:t>(Hand als rechter Arm)</a:t>
+            </a:r>
+            <a:endParaRPr lang="de-AT" sz="2000" dirty="0"/>
+          </a:p>
+        </p:txBody>
+      </p:sp>
+      <p:sp>
+        <p:nvSpPr>
+          <p:cNvPr id="11" name="Inhaltsplatzhalter 2">
+            <a:extLst>
+              <a:ext uri="{FF2B5EF4-FFF2-40B4-BE49-F238E27FC236}">
+                <a16:creationId xmlns:a16="http://schemas.microsoft.com/office/drawing/2014/main" xmlns="" id="{9E086109-A865-491E-8199-31771C640B6F}"/>
+              </a:ext>
+            </a:extLst>
+          </p:cNvPr>
+          <p:cNvSpPr txBox="1">
+            <a:spLocks/>
+          </p:cNvSpPr>
+          <p:nvPr/>
+        </p:nvSpPr>
+        <p:spPr>
+          <a:xfrm>
+            <a:off x="8110339" y="4156245"/>
+            <a:ext cx="4534507" cy="1239426"/>
+          </a:xfrm>
+          <a:prstGeom prst="rect">
+            <a:avLst/>
+          </a:prstGeom>
+        </p:spPr>
+        <p:txBody>
+          <a:bodyPr vert="horz" lIns="91440" tIns="45720" rIns="91440" bIns="45720" rtlCol="0" anchor="ctr">
+            <a:normAutofit/>
+          </a:bodyPr>
+          <a:lstStyle>
+            <a:lvl1pPr marL="228600" indent="-228600" algn="l" defTabSz="914400" rtl="0" eaLnBrk="1" latinLnBrk="0" hangingPunct="1">
+              <a:lnSpc>
+                <a:spcPct val="90000"/>
+              </a:lnSpc>
+              <a:spcBef>
+                <a:spcPts val="1000"/>
+              </a:spcBef>
+              <a:buFont typeface="Arial" panose="020B0604020202020204" pitchFamily="34" charset="0"/>
+              <a:buChar char="•"/>
+              <a:defRPr sz="2800" kern="1200">
+                <a:solidFill>
+                  <a:schemeClr val="tx1"/>
+                </a:solidFill>
+                <a:latin typeface="+mn-lt"/>
+                <a:ea typeface="+mn-ea"/>
+                <a:cs typeface="+mn-cs"/>
+              </a:defRPr>
+            </a:lvl1pPr>
+            <a:lvl2pPr marL="685800" indent="-228600" algn="l" defTabSz="914400" rtl="0" eaLnBrk="1" latinLnBrk="0" hangingPunct="1">
+              <a:lnSpc>
+                <a:spcPct val="90000"/>
+              </a:lnSpc>
+              <a:spcBef>
+                <a:spcPts val="500"/>
+              </a:spcBef>
+              <a:buFont typeface="Arial" panose="020B0604020202020204" pitchFamily="34" charset="0"/>
+              <a:buChar char="•"/>
+              <a:defRPr sz="2400" kern="1200">
+                <a:solidFill>
+                  <a:schemeClr val="tx1"/>
+                </a:solidFill>
+                <a:latin typeface="+mn-lt"/>
+                <a:ea typeface="+mn-ea"/>
+                <a:cs typeface="+mn-cs"/>
+              </a:defRPr>
+            </a:lvl2pPr>
+            <a:lvl3pPr marL="1143000" indent="-228600" algn="l" defTabSz="914400" rtl="0" eaLnBrk="1" latinLnBrk="0" hangingPunct="1">
+              <a:lnSpc>
+                <a:spcPct val="90000"/>
+              </a:lnSpc>
+              <a:spcBef>
+                <a:spcPts val="500"/>
+              </a:spcBef>
+              <a:buFont typeface="Arial" panose="020B0604020202020204" pitchFamily="34" charset="0"/>
+              <a:buChar char="•"/>
+              <a:defRPr sz="2000" kern="1200">
+                <a:solidFill>
+                  <a:schemeClr val="tx1"/>
+                </a:solidFill>
+                <a:latin typeface="+mn-lt"/>
+                <a:ea typeface="+mn-ea"/>
+                <a:cs typeface="+mn-cs"/>
+              </a:defRPr>
+            </a:lvl3pPr>
+            <a:lvl4pPr marL="1600200" indent="-228600" algn="l" defTabSz="914400" rtl="0" eaLnBrk="1" latinLnBrk="0" hangingPunct="1">
+              <a:lnSpc>
+                <a:spcPct val="90000"/>
+              </a:lnSpc>
+              <a:spcBef>
+                <a:spcPts val="500"/>
+              </a:spcBef>
+              <a:buFont typeface="Arial" panose="020B0604020202020204" pitchFamily="34" charset="0"/>
+              <a:buChar char="•"/>
+              <a:defRPr sz="1800" kern="1200">
+                <a:solidFill>
+                  <a:schemeClr val="tx1"/>
+                </a:solidFill>
+                <a:latin typeface="+mn-lt"/>
+                <a:ea typeface="+mn-ea"/>
+                <a:cs typeface="+mn-cs"/>
+              </a:defRPr>
+            </a:lvl4pPr>
+            <a:lvl5pPr marL="2057400" indent="-228600" algn="l" defTabSz="914400" rtl="0" eaLnBrk="1" latinLnBrk="0" hangingPunct="1">
+              <a:lnSpc>
+                <a:spcPct val="90000"/>
+              </a:lnSpc>
+              <a:spcBef>
+                <a:spcPts val="500"/>
+              </a:spcBef>
+              <a:buFont typeface="Arial" panose="020B0604020202020204" pitchFamily="34" charset="0"/>
+              <a:buChar char="•"/>
+              <a:defRPr sz="1800" kern="1200">
+                <a:solidFill>
+                  <a:schemeClr val="tx1"/>
+                </a:solidFill>
+                <a:latin typeface="+mn-lt"/>
+                <a:ea typeface="+mn-ea"/>
+                <a:cs typeface="+mn-cs"/>
+              </a:defRPr>
+            </a:lvl5pPr>
+            <a:lvl6pPr marL="2514600" indent="-228600" algn="l" defTabSz="914400" rtl="0" eaLnBrk="1" latinLnBrk="0" hangingPunct="1">
+              <a:lnSpc>
+                <a:spcPct val="90000"/>
+              </a:lnSpc>
+              <a:spcBef>
+                <a:spcPts val="500"/>
+              </a:spcBef>
+              <a:buFont typeface="Arial" panose="020B0604020202020204" pitchFamily="34" charset="0"/>
+              <a:buChar char="•"/>
+              <a:defRPr sz="1800" kern="1200">
+                <a:solidFill>
+                  <a:schemeClr val="tx1"/>
+                </a:solidFill>
+                <a:latin typeface="+mn-lt"/>
+                <a:ea typeface="+mn-ea"/>
+                <a:cs typeface="+mn-cs"/>
+              </a:defRPr>
+            </a:lvl6pPr>
+            <a:lvl7pPr marL="2971800" indent="-228600" algn="l" defTabSz="914400" rtl="0" eaLnBrk="1" latinLnBrk="0" hangingPunct="1">
+              <a:lnSpc>
+                <a:spcPct val="90000"/>
+              </a:lnSpc>
+              <a:spcBef>
+                <a:spcPts val="500"/>
+              </a:spcBef>
+              <a:buFont typeface="Arial" panose="020B0604020202020204" pitchFamily="34" charset="0"/>
+              <a:buChar char="•"/>
+              <a:defRPr sz="1800" kern="1200">
+                <a:solidFill>
+                  <a:schemeClr val="tx1"/>
+                </a:solidFill>
+                <a:latin typeface="+mn-lt"/>
+                <a:ea typeface="+mn-ea"/>
+                <a:cs typeface="+mn-cs"/>
+              </a:defRPr>
+            </a:lvl7pPr>
+            <a:lvl8pPr marL="3429000" indent="-228600" algn="l" defTabSz="914400" rtl="0" eaLnBrk="1" latinLnBrk="0" hangingPunct="1">
+              <a:lnSpc>
+                <a:spcPct val="90000"/>
+              </a:lnSpc>
+              <a:spcBef>
+                <a:spcPts val="500"/>
+              </a:spcBef>
+              <a:buFont typeface="Arial" panose="020B0604020202020204" pitchFamily="34" charset="0"/>
+              <a:buChar char="•"/>
+              <a:defRPr sz="1800" kern="1200">
+                <a:solidFill>
+                  <a:schemeClr val="tx1"/>
+                </a:solidFill>
+                <a:latin typeface="+mn-lt"/>
+                <a:ea typeface="+mn-ea"/>
+                <a:cs typeface="+mn-cs"/>
+              </a:defRPr>
+            </a:lvl8pPr>
+            <a:lvl9pPr marL="3886200" indent="-228600" algn="l" defTabSz="914400" rtl="0" eaLnBrk="1" latinLnBrk="0" hangingPunct="1">
+              <a:lnSpc>
+                <a:spcPct val="90000"/>
+              </a:lnSpc>
+              <a:spcBef>
+                <a:spcPts val="500"/>
+              </a:spcBef>
+              <a:buFont typeface="Arial" panose="020B0604020202020204" pitchFamily="34" charset="0"/>
+              <a:buChar char="•"/>
+              <a:defRPr sz="1800" kern="1200">
+                <a:solidFill>
+                  <a:schemeClr val="tx1"/>
+                </a:solidFill>
+                <a:latin typeface="+mn-lt"/>
+                <a:ea typeface="+mn-ea"/>
+                <a:cs typeface="+mn-cs"/>
+              </a:defRPr>
+            </a:lvl9pPr>
+          </a:lstStyle>
+          <a:p>
+            <a:pPr marL="457200" lvl="1" indent="0">
+              <a:buFont typeface="Arial" panose="020B0604020202020204" pitchFamily="34" charset="0"/>
+              <a:buNone/>
+            </a:pPr>
+            <a:endParaRPr lang="de-AT" sz="2000" dirty="0" smtClean="0"/>
+          </a:p>
+          <a:p>
+            <a:pPr marL="0" indent="0">
+              <a:buFont typeface="Arial" panose="020B0604020202020204" pitchFamily="34" charset="0"/>
+              <a:buNone/>
+            </a:pPr>
+            <a:r>
+              <a:rPr lang="de-AT" sz="2000" dirty="0" smtClean="0"/>
+              <a:t> Gesicht wird nicht erkannt</a:t>
+            </a:r>
+            <a:endParaRPr lang="de-AT" sz="2000" dirty="0"/>
+          </a:p>
+        </p:txBody>
+      </p:sp>
+      <p:sp>
+        <p:nvSpPr>
+          <p:cNvPr id="12" name="Rechteck 11"/>
+          <p:cNvSpPr/>
+          <p:nvPr/>
+        </p:nvSpPr>
+        <p:spPr>
+          <a:xfrm>
+            <a:off x="1951609" y="6241996"/>
+            <a:ext cx="4505464" cy="400110"/>
+          </a:xfrm>
+          <a:prstGeom prst="rect">
+            <a:avLst/>
+          </a:prstGeom>
+        </p:spPr>
+        <p:txBody>
+          <a:bodyPr wrap="none">
+            <a:spAutoFit/>
+          </a:bodyPr>
+          <a:lstStyle/>
+          <a:p>
+            <a:r>
+              <a:rPr lang="en-US" sz="2000" dirty="0"/>
+              <a:t>Live-Demonstration </a:t>
+            </a:r>
+            <a:r>
+              <a:rPr lang="en-US" sz="2000" dirty="0" err="1"/>
+              <a:t>mit</a:t>
+            </a:r>
+            <a:r>
+              <a:rPr lang="en-US" sz="2000" dirty="0"/>
+              <a:t> Jupiter Notebook</a:t>
+            </a:r>
+            <a:endParaRPr lang="en-US" sz="2000" dirty="0"/>
+          </a:p>
+        </p:txBody>
+      </p:sp>
+      <p:sp>
+        <p:nvSpPr>
+          <p:cNvPr id="13" name="Pfeil: nach rechts 8">
+            <a:extLst>
+              <a:ext uri="{FF2B5EF4-FFF2-40B4-BE49-F238E27FC236}">
+                <a16:creationId xmlns:a16="http://schemas.microsoft.com/office/drawing/2014/main" xmlns="" id="{EF160A5D-13C6-4497-867D-1669D161BFCF}"/>
               </a:ext>
             </a:extLst>
           </p:cNvPr>
@@ -10803,7 +14558,7 @@
         </p:nvSpPr>
         <p:spPr>
           <a:xfrm>
-            <a:off x="829690" y="5574653"/>
+            <a:off x="1199683" y="6164479"/>
             <a:ext cx="751926" cy="555143"/>
           </a:xfrm>
           <a:prstGeom prst="rightArrow">
@@ -10867,92 +14622,23 @@
           </a:p>
         </p:txBody>
       </p:sp>
-      <p:pic>
-        <p:nvPicPr>
-          <p:cNvPr id="22" name="Inhaltsplatzhalter 6">
-            <a:extLst>
-              <a:ext uri="{FF2B5EF4-FFF2-40B4-BE49-F238E27FC236}">
-                <a16:creationId xmlns:a16="http://schemas.microsoft.com/office/drawing/2014/main" id="{48043F49-7FF6-4039-AAB0-E762A2BCA2BA}"/>
-              </a:ext>
-            </a:extLst>
-          </p:cNvPr>
-          <p:cNvPicPr>
-            <a:picLocks noChangeAspect="1"/>
-          </p:cNvPicPr>
-          <p:nvPr/>
-        </p:nvPicPr>
-        <p:blipFill>
-          <a:blip r:embed="rId2"/>
-          <a:stretch>
-            <a:fillRect/>
-          </a:stretch>
-        </p:blipFill>
-        <p:spPr>
-          <a:xfrm>
-            <a:off x="1205653" y="4901731"/>
-            <a:ext cx="2352675" cy="381000"/>
-          </a:xfrm>
-          <a:prstGeom prst="round2DiagRect">
-            <a:avLst>
-              <a:gd name="adj1" fmla="val 16667"/>
-              <a:gd name="adj2" fmla="val 0"/>
-            </a:avLst>
-          </a:prstGeom>
-          <a:ln w="88900" cap="sq">
-            <a:solidFill>
-              <a:srgbClr val="FFFFFF"/>
-            </a:solidFill>
-            <a:miter lim="800000"/>
-          </a:ln>
-          <a:effectLst>
-            <a:outerShdw blurRad="254000" algn="tl" rotWithShape="0">
-              <a:srgbClr val="000000">
-                <a:alpha val="43000"/>
-              </a:srgbClr>
-            </a:outerShdw>
-          </a:effectLst>
-        </p:spPr>
-      </p:pic>
-      <p:pic>
-        <p:nvPicPr>
-          <p:cNvPr id="24" name="Grafik 23">
-            <a:extLst>
-              <a:ext uri="{FF2B5EF4-FFF2-40B4-BE49-F238E27FC236}">
-                <a16:creationId xmlns:a16="http://schemas.microsoft.com/office/drawing/2014/main" id="{C5611C75-9007-4CAC-AB0E-65E27CB93E6F}"/>
-              </a:ext>
-            </a:extLst>
-          </p:cNvPr>
-          <p:cNvPicPr>
-            <a:picLocks noChangeAspect="1"/>
-          </p:cNvPicPr>
-          <p:nvPr/>
-        </p:nvPicPr>
-        <p:blipFill>
-          <a:blip r:embed="rId3"/>
-          <a:stretch>
-            <a:fillRect/>
-          </a:stretch>
-        </p:blipFill>
-        <p:spPr>
-          <a:xfrm>
-            <a:off x="5602790" y="2740315"/>
-            <a:ext cx="3270622" cy="3496641"/>
-          </a:xfrm>
-          <a:prstGeom prst="rect">
-            <a:avLst/>
-          </a:prstGeom>
-        </p:spPr>
-      </p:pic>
     </p:spTree>
     <p:extLst>
       <p:ext uri="{BB962C8B-B14F-4D97-AF65-F5344CB8AC3E}">
-        <p14:creationId xmlns:p14="http://schemas.microsoft.com/office/powerpoint/2010/main" val="631063293"/>
+        <p14:creationId xmlns:p14="http://schemas.microsoft.com/office/powerpoint/2010/main" val="2714178904"/>
       </p:ext>
     </p:extLst>
   </p:cSld>
   <p:clrMapOvr>
     <a:masterClrMapping/>
   </p:clrMapOvr>
+  <p:timing>
+    <p:tnLst>
+      <p:par>
+        <p:cTn id="1" dur="indefinite" restart="never" nodeType="tmRoot"/>
+      </p:par>
+    </p:tnLst>
+  </p:timing>
 </p:sld>
 </file>
 
@@ -10986,10 +14672,10 @@
           <p:cNvPr id="19" name="Rectangle 10">
             <a:extLst>
               <a:ext uri="{FF2B5EF4-FFF2-40B4-BE49-F238E27FC236}">
-                <a16:creationId xmlns:a16="http://schemas.microsoft.com/office/drawing/2014/main" id="{63644BFD-D22E-4019-B666-387DA51AEAFD}"/>
+                <a16:creationId xmlns:a16="http://schemas.microsoft.com/office/drawing/2014/main" xmlns="" id="{63644BFD-D22E-4019-B666-387DA51AEAFD}"/>
               </a:ext>
               <a:ext uri="{C183D7F6-B498-43B3-948B-1728B52AA6E4}">
-                <adec:decorative xmlns:adec="http://schemas.microsoft.com/office/drawing/2017/decorative" val="1"/>
+                <adec:decorative xmlns:adec="http://schemas.microsoft.com/office/drawing/2017/decorative" xmlns="" val="1"/>
               </a:ext>
             </a:extLst>
           </p:cNvPr>
@@ -10999,7 +14685,7 @@
           <p:nvPr>
             <p:extLst>
               <p:ext uri="{386F3935-93C4-4BCD-93E2-E3B085C9AB24}">
-                <p16:designElem xmlns:p16="http://schemas.microsoft.com/office/powerpoint/2015/main" val="1"/>
+                <p16:designElem xmlns:p16="http://schemas.microsoft.com/office/powerpoint/2015/main" xmlns="" val="1"/>
               </p:ext>
             </p:extLst>
           </p:nvPr>
@@ -11046,10 +14732,10 @@
           <p:cNvPr id="20" name="Group 12">
             <a:extLst>
               <a:ext uri="{FF2B5EF4-FFF2-40B4-BE49-F238E27FC236}">
-                <a16:creationId xmlns:a16="http://schemas.microsoft.com/office/drawing/2014/main" id="{5FE9FE4C-C9E0-4C54-8010-EA9D29CD4D59}"/>
+                <a16:creationId xmlns:a16="http://schemas.microsoft.com/office/drawing/2014/main" xmlns="" id="{5FE9FE4C-C9E0-4C54-8010-EA9D29CD4D59}"/>
               </a:ext>
               <a:ext uri="{C183D7F6-B498-43B3-948B-1728B52AA6E4}">
-                <adec:decorative xmlns:adec="http://schemas.microsoft.com/office/drawing/2017/decorative" val="1"/>
+                <adec:decorative xmlns:adec="http://schemas.microsoft.com/office/drawing/2017/decorative" xmlns="" val="1"/>
               </a:ext>
             </a:extLst>
           </p:cNvPr>
@@ -11059,7 +14745,7 @@
           <p:nvPr>
             <p:extLst>
               <p:ext uri="{386F3935-93C4-4BCD-93E2-E3B085C9AB24}">
-                <p16:designElem xmlns:p16="http://schemas.microsoft.com/office/powerpoint/2015/main" val="1"/>
+                <p16:designElem xmlns:p16="http://schemas.microsoft.com/office/powerpoint/2015/main" xmlns="" val="1"/>
               </p:ext>
             </p:extLst>
           </p:nvPr>
@@ -11080,10 +14766,10 @@
             <p:cNvPr id="21" name="Rectangle 13">
               <a:extLst>
                 <a:ext uri="{FF2B5EF4-FFF2-40B4-BE49-F238E27FC236}">
-                  <a16:creationId xmlns:a16="http://schemas.microsoft.com/office/drawing/2014/main" id="{56FAD6EF-0374-46BD-901E-E901DCA01F59}"/>
+                  <a16:creationId xmlns:a16="http://schemas.microsoft.com/office/drawing/2014/main" xmlns="" id="{56FAD6EF-0374-46BD-901E-E901DCA01F59}"/>
                 </a:ext>
                 <a:ext uri="{C183D7F6-B498-43B3-948B-1728B52AA6E4}">
-                  <adec:decorative xmlns:adec="http://schemas.microsoft.com/office/drawing/2017/decorative" val="1"/>
+                  <adec:decorative xmlns:adec="http://schemas.microsoft.com/office/drawing/2017/decorative" xmlns="" val="1"/>
                 </a:ext>
               </a:extLst>
             </p:cNvPr>
@@ -11091,7 +14777,7 @@
             <p:nvPr>
               <p:extLst>
                 <p:ext uri="{386F3935-93C4-4BCD-93E2-E3B085C9AB24}">
-                  <p16:designElem xmlns:p16="http://schemas.microsoft.com/office/powerpoint/2015/main" val="1"/>
+                  <p16:designElem xmlns:p16="http://schemas.microsoft.com/office/powerpoint/2015/main" xmlns="" val="1"/>
                 </p:ext>
               </p:extLst>
             </p:nvPr>
@@ -11139,10 +14825,10 @@
             <p:cNvPr id="15" name="Rectangle 14">
               <a:extLst>
                 <a:ext uri="{FF2B5EF4-FFF2-40B4-BE49-F238E27FC236}">
-                  <a16:creationId xmlns:a16="http://schemas.microsoft.com/office/drawing/2014/main" id="{04847ABE-275E-4DCA-B164-A672D517FBC6}"/>
+                  <a16:creationId xmlns:a16="http://schemas.microsoft.com/office/drawing/2014/main" xmlns="" id="{04847ABE-275E-4DCA-B164-A672D517FBC6}"/>
                 </a:ext>
                 <a:ext uri="{C183D7F6-B498-43B3-948B-1728B52AA6E4}">
-                  <adec:decorative xmlns:adec="http://schemas.microsoft.com/office/drawing/2017/decorative" val="1"/>
+                  <adec:decorative xmlns:adec="http://schemas.microsoft.com/office/drawing/2017/decorative" xmlns="" val="1"/>
                 </a:ext>
               </a:extLst>
             </p:cNvPr>
@@ -11150,7 +14836,7 @@
             <p:nvPr>
               <p:extLst>
                 <p:ext uri="{386F3935-93C4-4BCD-93E2-E3B085C9AB24}">
-                  <p16:designElem xmlns:p16="http://schemas.microsoft.com/office/powerpoint/2015/main" val="1"/>
+                  <p16:designElem xmlns:p16="http://schemas.microsoft.com/office/powerpoint/2015/main" xmlns="" val="1"/>
                 </p:ext>
               </p:extLst>
             </p:nvPr>
@@ -11199,10 +14885,10 @@
           <p:cNvPr id="22" name="Rectangle 16">
             <a:extLst>
               <a:ext uri="{FF2B5EF4-FFF2-40B4-BE49-F238E27FC236}">
-                <a16:creationId xmlns:a16="http://schemas.microsoft.com/office/drawing/2014/main" id="{3776B14B-F2F4-4825-8DA8-8C7A0F2B3960}"/>
+                <a16:creationId xmlns:a16="http://schemas.microsoft.com/office/drawing/2014/main" xmlns="" id="{3776B14B-F2F4-4825-8DA8-8C7A0F2B3960}"/>
               </a:ext>
               <a:ext uri="{C183D7F6-B498-43B3-948B-1728B52AA6E4}">
-                <adec:decorative xmlns:adec="http://schemas.microsoft.com/office/drawing/2017/decorative" val="1"/>
+                <adec:decorative xmlns:adec="http://schemas.microsoft.com/office/drawing/2017/decorative" xmlns="" val="1"/>
               </a:ext>
             </a:extLst>
           </p:cNvPr>
@@ -11212,7 +14898,7 @@
           <p:nvPr>
             <p:extLst>
               <p:ext uri="{386F3935-93C4-4BCD-93E2-E3B085C9AB24}">
-                <p16:designElem xmlns:p16="http://schemas.microsoft.com/office/powerpoint/2015/main" val="1"/>
+                <p16:designElem xmlns:p16="http://schemas.microsoft.com/office/powerpoint/2015/main" xmlns="" val="1"/>
               </p:ext>
             </p:extLst>
           </p:nvPr>
@@ -11269,7 +14955,7 @@
           <p:cNvPr id="2" name="Titel 1">
             <a:extLst>
               <a:ext uri="{FF2B5EF4-FFF2-40B4-BE49-F238E27FC236}">
-                <a16:creationId xmlns:a16="http://schemas.microsoft.com/office/drawing/2014/main" id="{A46D667C-E32C-42B3-B314-D7812A55E52A}"/>
+                <a16:creationId xmlns:a16="http://schemas.microsoft.com/office/drawing/2014/main" xmlns="" id="{A46D667C-E32C-42B3-B314-D7812A55E52A}"/>
               </a:ext>
             </a:extLst>
           </p:cNvPr>
@@ -11297,7 +14983,7 @@
           <p:cNvPr id="6" name="Diagramm 5">
             <a:extLst>
               <a:ext uri="{FF2B5EF4-FFF2-40B4-BE49-F238E27FC236}">
-                <a16:creationId xmlns:a16="http://schemas.microsoft.com/office/drawing/2014/main" id="{211D7395-DA2C-4530-9243-AF29B784369B}"/>
+                <a16:creationId xmlns:a16="http://schemas.microsoft.com/office/drawing/2014/main" xmlns="" id="{211D7395-DA2C-4530-9243-AF29B784369B}"/>
               </a:ext>
             </a:extLst>
           </p:cNvPr>
@@ -11363,10 +15049,10 @@
           <p:cNvPr id="23" name="Rectangle 15">
             <a:extLst>
               <a:ext uri="{FF2B5EF4-FFF2-40B4-BE49-F238E27FC236}">
-                <a16:creationId xmlns:a16="http://schemas.microsoft.com/office/drawing/2014/main" id="{6ECA6DCB-B7E1-40A9-9524-540C6DA40B1B}"/>
+                <a16:creationId xmlns:a16="http://schemas.microsoft.com/office/drawing/2014/main" xmlns="" id="{6ECA6DCB-B7E1-40A9-9524-540C6DA40B1B}"/>
               </a:ext>
               <a:ext uri="{C183D7F6-B498-43B3-948B-1728B52AA6E4}">
-                <adec:decorative xmlns:adec="http://schemas.microsoft.com/office/drawing/2017/decorative" val="1"/>
+                <adec:decorative xmlns:adec="http://schemas.microsoft.com/office/drawing/2017/decorative" xmlns="" val="1"/>
               </a:ext>
             </a:extLst>
           </p:cNvPr>
@@ -11376,7 +15062,7 @@
           <p:nvPr>
             <p:extLst>
               <p:ext uri="{386F3935-93C4-4BCD-93E2-E3B085C9AB24}">
-                <p16:designElem xmlns:p16="http://schemas.microsoft.com/office/powerpoint/2015/main" val="1"/>
+                <p16:designElem xmlns:p16="http://schemas.microsoft.com/office/powerpoint/2015/main" xmlns="" val="1"/>
               </p:ext>
             </p:extLst>
           </p:nvPr>
@@ -11423,7 +15109,7 @@
           <p:cNvPr id="2" name="Titel 1">
             <a:extLst>
               <a:ext uri="{FF2B5EF4-FFF2-40B4-BE49-F238E27FC236}">
-                <a16:creationId xmlns:a16="http://schemas.microsoft.com/office/drawing/2014/main" id="{0193DCD4-B617-4312-9A0F-6DA3E9A24152}"/>
+                <a16:creationId xmlns:a16="http://schemas.microsoft.com/office/drawing/2014/main" xmlns="" id="{0193DCD4-B617-4312-9A0F-6DA3E9A24152}"/>
               </a:ext>
             </a:extLst>
           </p:cNvPr>
@@ -11465,10 +15151,10 @@
           <p:cNvPr id="25" name="Group 17">
             <a:extLst>
               <a:ext uri="{FF2B5EF4-FFF2-40B4-BE49-F238E27FC236}">
-                <a16:creationId xmlns:a16="http://schemas.microsoft.com/office/drawing/2014/main" id="{1DE889C7-FAD6-4397-98E2-05D503484459}"/>
+                <a16:creationId xmlns:a16="http://schemas.microsoft.com/office/drawing/2014/main" xmlns="" id="{1DE889C7-FAD6-4397-98E2-05D503484459}"/>
               </a:ext>
               <a:ext uri="{C183D7F6-B498-43B3-948B-1728B52AA6E4}">
-                <adec:decorative xmlns:adec="http://schemas.microsoft.com/office/drawing/2017/decorative" val="1"/>
+                <adec:decorative xmlns:adec="http://schemas.microsoft.com/office/drawing/2017/decorative" xmlns="" val="1"/>
               </a:ext>
             </a:extLst>
           </p:cNvPr>
@@ -11478,7 +15164,7 @@
           <p:nvPr>
             <p:extLst>
               <p:ext uri="{386F3935-93C4-4BCD-93E2-E3B085C9AB24}">
-                <p16:designElem xmlns:p16="http://schemas.microsoft.com/office/powerpoint/2015/main" val="1"/>
+                <p16:designElem xmlns:p16="http://schemas.microsoft.com/office/powerpoint/2015/main" xmlns="" val="1"/>
               </p:ext>
             </p:extLst>
           </p:nvPr>
@@ -11496,10 +15182,10 @@
             <p:cNvPr id="19" name="Rectangle 18">
               <a:extLst>
                 <a:ext uri="{FF2B5EF4-FFF2-40B4-BE49-F238E27FC236}">
-                  <a16:creationId xmlns:a16="http://schemas.microsoft.com/office/drawing/2014/main" id="{F399A70F-F8CD-4992-9EF5-6CF15472E73F}"/>
+                  <a16:creationId xmlns:a16="http://schemas.microsoft.com/office/drawing/2014/main" xmlns="" id="{F399A70F-F8CD-4992-9EF5-6CF15472E73F}"/>
                 </a:ext>
                 <a:ext uri="{C183D7F6-B498-43B3-948B-1728B52AA6E4}">
-                  <adec:decorative xmlns:adec="http://schemas.microsoft.com/office/drawing/2017/decorative" val="1"/>
+                  <adec:decorative xmlns:adec="http://schemas.microsoft.com/office/drawing/2017/decorative" xmlns="" val="1"/>
                 </a:ext>
               </a:extLst>
             </p:cNvPr>
@@ -11507,7 +15193,7 @@
             <p:nvPr>
               <p:extLst>
                 <p:ext uri="{386F3935-93C4-4BCD-93E2-E3B085C9AB24}">
-                  <p16:designElem xmlns:p16="http://schemas.microsoft.com/office/powerpoint/2015/main" val="1"/>
+                  <p16:designElem xmlns:p16="http://schemas.microsoft.com/office/powerpoint/2015/main" xmlns="" val="1"/>
                 </p:ext>
               </p:extLst>
             </p:nvPr>
@@ -11557,10 +15243,10 @@
             <p:cNvPr id="27" name="Rectangle 19">
               <a:extLst>
                 <a:ext uri="{FF2B5EF4-FFF2-40B4-BE49-F238E27FC236}">
-                  <a16:creationId xmlns:a16="http://schemas.microsoft.com/office/drawing/2014/main" id="{48F4FEDC-6D80-458C-A665-075D9B9500FD}"/>
+                  <a16:creationId xmlns:a16="http://schemas.microsoft.com/office/drawing/2014/main" xmlns="" id="{48F4FEDC-6D80-458C-A665-075D9B9500FD}"/>
                 </a:ext>
                 <a:ext uri="{C183D7F6-B498-43B3-948B-1728B52AA6E4}">
-                  <adec:decorative xmlns:adec="http://schemas.microsoft.com/office/drawing/2017/decorative" val="1"/>
+                  <adec:decorative xmlns:adec="http://schemas.microsoft.com/office/drawing/2017/decorative" xmlns="" val="1"/>
                 </a:ext>
               </a:extLst>
             </p:cNvPr>
@@ -11568,7 +15254,7 @@
             <p:nvPr>
               <p:extLst>
                 <p:ext uri="{386F3935-93C4-4BCD-93E2-E3B085C9AB24}">
-                  <p16:designElem xmlns:p16="http://schemas.microsoft.com/office/powerpoint/2015/main" val="1"/>
+                  <p16:designElem xmlns:p16="http://schemas.microsoft.com/office/powerpoint/2015/main" xmlns="" val="1"/>
                 </p:ext>
               </p:extLst>
             </p:nvPr>
@@ -11619,10 +15305,10 @@
           <p:cNvPr id="22" name="Rectangle 21">
             <a:extLst>
               <a:ext uri="{FF2B5EF4-FFF2-40B4-BE49-F238E27FC236}">
-                <a16:creationId xmlns:a16="http://schemas.microsoft.com/office/drawing/2014/main" id="{3873B707-463F-40B0-8227-E8CC6C67EB25}"/>
+                <a16:creationId xmlns:a16="http://schemas.microsoft.com/office/drawing/2014/main" xmlns="" id="{3873B707-463F-40B0-8227-E8CC6C67EB25}"/>
               </a:ext>
               <a:ext uri="{C183D7F6-B498-43B3-948B-1728B52AA6E4}">
-                <adec:decorative xmlns:adec="http://schemas.microsoft.com/office/drawing/2017/decorative" val="1"/>
+                <adec:decorative xmlns:adec="http://schemas.microsoft.com/office/drawing/2017/decorative" xmlns="" val="1"/>
               </a:ext>
             </a:extLst>
           </p:cNvPr>
@@ -11632,7 +15318,7 @@
           <p:nvPr>
             <p:extLst>
               <p:ext uri="{386F3935-93C4-4BCD-93E2-E3B085C9AB24}">
-                <p16:designElem xmlns:p16="http://schemas.microsoft.com/office/powerpoint/2015/main" val="1"/>
+                <p16:designElem xmlns:p16="http://schemas.microsoft.com/office/powerpoint/2015/main" xmlns="" val="1"/>
               </p:ext>
             </p:extLst>
           </p:nvPr>
@@ -11682,7 +15368,7 @@
           <p:cNvPr id="11" name="Inhaltsplatzhalter 2">
             <a:extLst>
               <a:ext uri="{FF2B5EF4-FFF2-40B4-BE49-F238E27FC236}">
-                <a16:creationId xmlns:a16="http://schemas.microsoft.com/office/drawing/2014/main" id="{EED25BA3-50C9-44DE-A446-D35B04814F20}"/>
+                <a16:creationId xmlns:a16="http://schemas.microsoft.com/office/drawing/2014/main" xmlns="" id="{EED25BA3-50C9-44DE-A446-D35B04814F20}"/>
               </a:ext>
             </a:extLst>
           </p:cNvPr>
@@ -11922,8 +15608,60 @@
             </a:r>
             <a:r>
               <a:rPr lang="en-US" sz="2000" dirty="0"/>
-              <a:t> Original-Bild</a:t>
-            </a:r>
+              <a:t> </a:t>
+            </a:r>
+            <a:r>
+              <a:rPr lang="en-US" sz="2000" dirty="0" smtClean="0"/>
+              <a:t>Original-</a:t>
+            </a:r>
+            <a:r>
+              <a:rPr lang="en-US" sz="2000" dirty="0" err="1" smtClean="0"/>
+              <a:t>Bild</a:t>
+            </a:r>
+            <a:endParaRPr lang="en-US" sz="2000" dirty="0" smtClean="0"/>
+          </a:p>
+          <a:p>
+            <a:pPr lvl="1"/>
+            <a:endParaRPr lang="en-US" sz="2000" dirty="0" smtClean="0"/>
+          </a:p>
+          <a:p>
+            <a:r>
+              <a:rPr lang="en-US" sz="2000" dirty="0" smtClean="0">
+                <a:sym typeface="Wingdings" panose="05000000000000000000" pitchFamily="2" charset="2"/>
+              </a:rPr>
+              <a:t> </a:t>
+            </a:r>
+            <a:r>
+              <a:rPr lang="en-US" sz="2000" dirty="0" err="1" smtClean="0">
+                <a:sym typeface="Wingdings" panose="05000000000000000000" pitchFamily="2" charset="2"/>
+              </a:rPr>
+              <a:t>erleichtert</a:t>
+            </a:r>
+            <a:r>
+              <a:rPr lang="en-US" sz="2000" dirty="0" smtClean="0">
+                <a:sym typeface="Wingdings" panose="05000000000000000000" pitchFamily="2" charset="2"/>
+              </a:rPr>
+              <a:t> </a:t>
+            </a:r>
+            <a:r>
+              <a:rPr lang="en-US" sz="2000" dirty="0" err="1" smtClean="0">
+                <a:sym typeface="Wingdings" panose="05000000000000000000" pitchFamily="2" charset="2"/>
+              </a:rPr>
+              <a:t>nachfolgende</a:t>
+            </a:r>
+            <a:r>
+              <a:rPr lang="en-US" sz="2000" dirty="0" smtClean="0">
+                <a:sym typeface="Wingdings" panose="05000000000000000000" pitchFamily="2" charset="2"/>
+              </a:rPr>
+              <a:t> </a:t>
+            </a:r>
+            <a:r>
+              <a:rPr lang="en-US" sz="2000" dirty="0" err="1" smtClean="0">
+                <a:sym typeface="Wingdings" panose="05000000000000000000" pitchFamily="2" charset="2"/>
+              </a:rPr>
+              <a:t>Verarbeitung</a:t>
+            </a:r>
+            <a:endParaRPr lang="en-US" sz="2000" dirty="0"/>
           </a:p>
         </p:txBody>
       </p:sp>
@@ -11932,10 +15670,10 @@
           <p:cNvPr id="24" name="Rectangle 23">
             <a:extLst>
               <a:ext uri="{FF2B5EF4-FFF2-40B4-BE49-F238E27FC236}">
-                <a16:creationId xmlns:a16="http://schemas.microsoft.com/office/drawing/2014/main" id="{C13237C8-E62C-4F0D-A318-BD6FB6C2D138}"/>
+                <a16:creationId xmlns:a16="http://schemas.microsoft.com/office/drawing/2014/main" xmlns="" id="{C13237C8-E62C-4F0D-A318-BD6FB6C2D138}"/>
               </a:ext>
               <a:ext uri="{C183D7F6-B498-43B3-948B-1728B52AA6E4}">
-                <adec:decorative xmlns:adec="http://schemas.microsoft.com/office/drawing/2017/decorative" val="1"/>
+                <adec:decorative xmlns:adec="http://schemas.microsoft.com/office/drawing/2017/decorative" xmlns="" val="1"/>
               </a:ext>
             </a:extLst>
           </p:cNvPr>
@@ -11945,7 +15683,7 @@
           <p:nvPr>
             <p:extLst>
               <p:ext uri="{386F3935-93C4-4BCD-93E2-E3B085C9AB24}">
-                <p16:designElem xmlns:p16="http://schemas.microsoft.com/office/powerpoint/2015/main" val="1"/>
+                <p16:designElem xmlns:p16="http://schemas.microsoft.com/office/powerpoint/2015/main" xmlns="" val="1"/>
               </p:ext>
             </p:extLst>
           </p:nvPr>
@@ -11995,10 +15733,10 @@
           <p:cNvPr id="26" name="Rectangle 25">
             <a:extLst>
               <a:ext uri="{FF2B5EF4-FFF2-40B4-BE49-F238E27FC236}">
-                <a16:creationId xmlns:a16="http://schemas.microsoft.com/office/drawing/2014/main" id="{19C9EAEA-39D0-4B0E-A0EB-51E7B26740B1}"/>
+                <a16:creationId xmlns:a16="http://schemas.microsoft.com/office/drawing/2014/main" xmlns="" id="{19C9EAEA-39D0-4B0E-A0EB-51E7B26740B1}"/>
               </a:ext>
               <a:ext uri="{C183D7F6-B498-43B3-948B-1728B52AA6E4}">
-                <adec:decorative xmlns:adec="http://schemas.microsoft.com/office/drawing/2017/decorative" val="1"/>
+                <adec:decorative xmlns:adec="http://schemas.microsoft.com/office/drawing/2017/decorative" xmlns="" val="1"/>
               </a:ext>
             </a:extLst>
           </p:cNvPr>
@@ -12008,7 +15746,7 @@
           <p:nvPr>
             <p:extLst>
               <p:ext uri="{386F3935-93C4-4BCD-93E2-E3B085C9AB24}">
-                <p16:designElem xmlns:p16="http://schemas.microsoft.com/office/powerpoint/2015/main" val="1"/>
+                <p16:designElem xmlns:p16="http://schemas.microsoft.com/office/powerpoint/2015/main" xmlns="" val="1"/>
               </p:ext>
             </p:extLst>
           </p:nvPr>
@@ -12065,7 +15803,7 @@
           <p:cNvPr id="7" name="Grafik 6" descr="Ein Bild, das Text enthält.&#10;&#10;Automatisch generierte Beschreibung">
             <a:extLst>
               <a:ext uri="{FF2B5EF4-FFF2-40B4-BE49-F238E27FC236}">
-                <a16:creationId xmlns:a16="http://schemas.microsoft.com/office/drawing/2014/main" id="{18FA99BB-DC71-4A54-81C1-8E3648DCCF05}"/>
+                <a16:creationId xmlns:a16="http://schemas.microsoft.com/office/drawing/2014/main" xmlns="" id="{18FA99BB-DC71-4A54-81C1-8E3648DCCF05}"/>
               </a:ext>
             </a:extLst>
           </p:cNvPr>
@@ -12100,10 +15838,10 @@
           <p:cNvPr id="28" name="Rectangle 27">
             <a:extLst>
               <a:ext uri="{FF2B5EF4-FFF2-40B4-BE49-F238E27FC236}">
-                <a16:creationId xmlns:a16="http://schemas.microsoft.com/office/drawing/2014/main" id="{8CB5D2D7-DF65-4E86-BFBA-FFB9B5ACEB64}"/>
+                <a16:creationId xmlns:a16="http://schemas.microsoft.com/office/drawing/2014/main" xmlns="" id="{8CB5D2D7-DF65-4E86-BFBA-FFB9B5ACEB64}"/>
               </a:ext>
               <a:ext uri="{C183D7F6-B498-43B3-948B-1728B52AA6E4}">
-                <adec:decorative xmlns:adec="http://schemas.microsoft.com/office/drawing/2017/decorative" val="1"/>
+                <adec:decorative xmlns:adec="http://schemas.microsoft.com/office/drawing/2017/decorative" xmlns="" val="1"/>
               </a:ext>
             </a:extLst>
           </p:cNvPr>
@@ -12113,7 +15851,7 @@
           <p:nvPr>
             <p:extLst>
               <p:ext uri="{386F3935-93C4-4BCD-93E2-E3B085C9AB24}">
-                <p16:designElem xmlns:p16="http://schemas.microsoft.com/office/powerpoint/2015/main" val="1"/>
+                <p16:designElem xmlns:p16="http://schemas.microsoft.com/office/powerpoint/2015/main" xmlns="" val="1"/>
               </p:ext>
             </p:extLst>
           </p:nvPr>
@@ -12170,7 +15908,7 @@
           <p:cNvPr id="5" name="Inhaltsplatzhalter 4">
             <a:extLst>
               <a:ext uri="{FF2B5EF4-FFF2-40B4-BE49-F238E27FC236}">
-                <a16:creationId xmlns:a16="http://schemas.microsoft.com/office/drawing/2014/main" id="{35F7CFF7-5CB5-4398-8200-02B1CF84304D}"/>
+                <a16:creationId xmlns:a16="http://schemas.microsoft.com/office/drawing/2014/main" xmlns="" id="{35F7CFF7-5CB5-4398-8200-02B1CF84304D}"/>
               </a:ext>
             </a:extLst>
           </p:cNvPr>
@@ -12207,7 +15945,7 @@
           <p:cNvPr id="8" name="Pfeil: nach rechts 7">
             <a:extLst>
               <a:ext uri="{FF2B5EF4-FFF2-40B4-BE49-F238E27FC236}">
-                <a16:creationId xmlns:a16="http://schemas.microsoft.com/office/drawing/2014/main" id="{78B8B741-83F8-4D72-8EC3-BA7ADBF5ACA2}"/>
+                <a16:creationId xmlns:a16="http://schemas.microsoft.com/office/drawing/2014/main" xmlns="" id="{78B8B741-83F8-4D72-8EC3-BA7ADBF5ACA2}"/>
               </a:ext>
             </a:extLst>
           </p:cNvPr>
@@ -12315,10 +16053,10 @@
           <p:cNvPr id="23" name="Rectangle 9">
             <a:extLst>
               <a:ext uri="{FF2B5EF4-FFF2-40B4-BE49-F238E27FC236}">
-                <a16:creationId xmlns:a16="http://schemas.microsoft.com/office/drawing/2014/main" id="{117AB3D3-3C9C-4DED-809A-78734805B895}"/>
+                <a16:creationId xmlns:a16="http://schemas.microsoft.com/office/drawing/2014/main" xmlns="" id="{117AB3D3-3C9C-4DED-809A-78734805B895}"/>
               </a:ext>
               <a:ext uri="{C183D7F6-B498-43B3-948B-1728B52AA6E4}">
-                <adec:decorative xmlns:adec="http://schemas.microsoft.com/office/drawing/2017/decorative" val="1"/>
+                <adec:decorative xmlns:adec="http://schemas.microsoft.com/office/drawing/2017/decorative" xmlns="" val="1"/>
               </a:ext>
             </a:extLst>
           </p:cNvPr>
@@ -12328,7 +16066,7 @@
           <p:nvPr>
             <p:extLst>
               <p:ext uri="{386F3935-93C4-4BCD-93E2-E3B085C9AB24}">
-                <p16:designElem xmlns:p16="http://schemas.microsoft.com/office/powerpoint/2015/main" val="1"/>
+                <p16:designElem xmlns:p16="http://schemas.microsoft.com/office/powerpoint/2015/main" xmlns="" val="1"/>
               </p:ext>
             </p:extLst>
           </p:nvPr>
@@ -12375,7 +16113,7 @@
           <p:cNvPr id="2" name="Titel 1">
             <a:extLst>
               <a:ext uri="{FF2B5EF4-FFF2-40B4-BE49-F238E27FC236}">
-                <a16:creationId xmlns:a16="http://schemas.microsoft.com/office/drawing/2014/main" id="{DC6C5F77-A97F-418D-8780-98F65ECD8441}"/>
+                <a16:creationId xmlns:a16="http://schemas.microsoft.com/office/drawing/2014/main" xmlns="" id="{DC6C5F77-A97F-418D-8780-98F65ECD8441}"/>
               </a:ext>
             </a:extLst>
           </p:cNvPr>
@@ -12410,10 +16148,10 @@
           <p:cNvPr id="24" name="Rectangle 11">
             <a:extLst>
               <a:ext uri="{FF2B5EF4-FFF2-40B4-BE49-F238E27FC236}">
-                <a16:creationId xmlns:a16="http://schemas.microsoft.com/office/drawing/2014/main" id="{3A9A4357-BD1D-4622-A4FE-766E6AB8DE84}"/>
+                <a16:creationId xmlns:a16="http://schemas.microsoft.com/office/drawing/2014/main" xmlns="" id="{3A9A4357-BD1D-4622-A4FE-766E6AB8DE84}"/>
               </a:ext>
               <a:ext uri="{C183D7F6-B498-43B3-948B-1728B52AA6E4}">
-                <adec:decorative xmlns:adec="http://schemas.microsoft.com/office/drawing/2017/decorative" val="1"/>
+                <adec:decorative xmlns:adec="http://schemas.microsoft.com/office/drawing/2017/decorative" xmlns="" val="1"/>
               </a:ext>
             </a:extLst>
           </p:cNvPr>
@@ -12423,7 +16161,7 @@
           <p:nvPr>
             <p:extLst>
               <p:ext uri="{386F3935-93C4-4BCD-93E2-E3B085C9AB24}">
-                <p16:designElem xmlns:p16="http://schemas.microsoft.com/office/powerpoint/2015/main" val="1"/>
+                <p16:designElem xmlns:p16="http://schemas.microsoft.com/office/powerpoint/2015/main" xmlns="" val="1"/>
               </p:ext>
             </p:extLst>
           </p:nvPr>
@@ -12473,10 +16211,10 @@
           <p:cNvPr id="25" name="Rectangle 13">
             <a:extLst>
               <a:ext uri="{FF2B5EF4-FFF2-40B4-BE49-F238E27FC236}">
-                <a16:creationId xmlns:a16="http://schemas.microsoft.com/office/drawing/2014/main" id="{E659831F-0D9A-4C63-9EBB-8435B85A440F}"/>
+                <a16:creationId xmlns:a16="http://schemas.microsoft.com/office/drawing/2014/main" xmlns="" id="{E659831F-0D9A-4C63-9EBB-8435B85A440F}"/>
               </a:ext>
               <a:ext uri="{C183D7F6-B498-43B3-948B-1728B52AA6E4}">
-                <adec:decorative xmlns:adec="http://schemas.microsoft.com/office/drawing/2017/decorative" val="1"/>
+                <adec:decorative xmlns:adec="http://schemas.microsoft.com/office/drawing/2017/decorative" xmlns="" val="1"/>
               </a:ext>
             </a:extLst>
           </p:cNvPr>
@@ -12486,7 +16224,7 @@
           <p:nvPr>
             <p:extLst>
               <p:ext uri="{386F3935-93C4-4BCD-93E2-E3B085C9AB24}">
-                <p16:designElem xmlns:p16="http://schemas.microsoft.com/office/powerpoint/2015/main" val="1"/>
+                <p16:designElem xmlns:p16="http://schemas.microsoft.com/office/powerpoint/2015/main" xmlns="" val="1"/>
               </p:ext>
             </p:extLst>
           </p:nvPr>
@@ -12543,7 +16281,7 @@
           <p:cNvPr id="3" name="Inhaltsplatzhalter 2">
             <a:extLst>
               <a:ext uri="{FF2B5EF4-FFF2-40B4-BE49-F238E27FC236}">
-                <a16:creationId xmlns:a16="http://schemas.microsoft.com/office/drawing/2014/main" id="{C366246F-AC87-48F9-A068-4142BB6012F3}"/>
+                <a16:creationId xmlns:a16="http://schemas.microsoft.com/office/drawing/2014/main" xmlns="" id="{C366246F-AC87-48F9-A068-4142BB6012F3}"/>
               </a:ext>
             </a:extLst>
           </p:cNvPr>
@@ -12659,7 +16397,7 @@
           <p:cNvPr id="5" name="Grafik 4">
             <a:extLst>
               <a:ext uri="{FF2B5EF4-FFF2-40B4-BE49-F238E27FC236}">
-                <a16:creationId xmlns:a16="http://schemas.microsoft.com/office/drawing/2014/main" id="{DFD0F060-FA79-4045-A477-196635FD0867}"/>
+                <a16:creationId xmlns:a16="http://schemas.microsoft.com/office/drawing/2014/main" xmlns="" id="{DFD0F060-FA79-4045-A477-196635FD0867}"/>
               </a:ext>
             </a:extLst>
           </p:cNvPr>
@@ -12688,10 +16426,10 @@
           <p:cNvPr id="16" name="Rectangle 15">
             <a:extLst>
               <a:ext uri="{FF2B5EF4-FFF2-40B4-BE49-F238E27FC236}">
-                <a16:creationId xmlns:a16="http://schemas.microsoft.com/office/drawing/2014/main" id="{E6995CE5-F890-4ABA-82A2-26507CE8D2A3}"/>
+                <a16:creationId xmlns:a16="http://schemas.microsoft.com/office/drawing/2014/main" xmlns="" id="{E6995CE5-F890-4ABA-82A2-26507CE8D2A3}"/>
               </a:ext>
               <a:ext uri="{C183D7F6-B498-43B3-948B-1728B52AA6E4}">
-                <adec:decorative xmlns:adec="http://schemas.microsoft.com/office/drawing/2017/decorative" val="1"/>
+                <adec:decorative xmlns:adec="http://schemas.microsoft.com/office/drawing/2017/decorative" xmlns="" val="1"/>
               </a:ext>
             </a:extLst>
           </p:cNvPr>
@@ -12701,7 +16439,7 @@
           <p:nvPr>
             <p:extLst>
               <p:ext uri="{386F3935-93C4-4BCD-93E2-E3B085C9AB24}">
-                <p16:designElem xmlns:p16="http://schemas.microsoft.com/office/powerpoint/2015/main" val="1"/>
+                <p16:designElem xmlns:p16="http://schemas.microsoft.com/office/powerpoint/2015/main" xmlns="" val="1"/>
               </p:ext>
             </p:extLst>
           </p:nvPr>
@@ -12789,10 +16527,10 @@
           <p:cNvPr id="26" name="Rectangle 25">
             <a:extLst>
               <a:ext uri="{FF2B5EF4-FFF2-40B4-BE49-F238E27FC236}">
-                <a16:creationId xmlns:a16="http://schemas.microsoft.com/office/drawing/2014/main" id="{F5A5F1D7-F0D0-4687-9BD3-CA6A0714C634}"/>
+                <a16:creationId xmlns:a16="http://schemas.microsoft.com/office/drawing/2014/main" xmlns="" id="{F5A5F1D7-F0D0-4687-9BD3-CA6A0714C634}"/>
               </a:ext>
               <a:ext uri="{C183D7F6-B498-43B3-948B-1728B52AA6E4}">
-                <adec:decorative xmlns:adec="http://schemas.microsoft.com/office/drawing/2017/decorative" val="1"/>
+                <adec:decorative xmlns:adec="http://schemas.microsoft.com/office/drawing/2017/decorative" xmlns="" val="1"/>
               </a:ext>
             </a:extLst>
           </p:cNvPr>
@@ -12802,7 +16540,7 @@
           <p:nvPr>
             <p:extLst>
               <p:ext uri="{386F3935-93C4-4BCD-93E2-E3B085C9AB24}">
-                <p16:designElem xmlns:p16="http://schemas.microsoft.com/office/powerpoint/2015/main" val="1"/>
+                <p16:designElem xmlns:p16="http://schemas.microsoft.com/office/powerpoint/2015/main" xmlns="" val="1"/>
               </p:ext>
             </p:extLst>
           </p:nvPr>
@@ -12849,10 +16587,10 @@
           <p:cNvPr id="28" name="Group 27">
             <a:extLst>
               <a:ext uri="{FF2B5EF4-FFF2-40B4-BE49-F238E27FC236}">
-                <a16:creationId xmlns:a16="http://schemas.microsoft.com/office/drawing/2014/main" id="{AE1C45F0-260A-458C-96ED-C1F6D2151219}"/>
+                <a16:creationId xmlns:a16="http://schemas.microsoft.com/office/drawing/2014/main" xmlns="" id="{AE1C45F0-260A-458C-96ED-C1F6D2151219}"/>
               </a:ext>
               <a:ext uri="{C183D7F6-B498-43B3-948B-1728B52AA6E4}">
-                <adec:decorative xmlns:adec="http://schemas.microsoft.com/office/drawing/2017/decorative" val="1"/>
+                <adec:decorative xmlns:adec="http://schemas.microsoft.com/office/drawing/2017/decorative" xmlns="" val="1"/>
               </a:ext>
             </a:extLst>
           </p:cNvPr>
@@ -12862,7 +16600,7 @@
           <p:nvPr>
             <p:extLst>
               <p:ext uri="{386F3935-93C4-4BCD-93E2-E3B085C9AB24}">
-                <p16:designElem xmlns:p16="http://schemas.microsoft.com/office/powerpoint/2015/main" val="1"/>
+                <p16:designElem xmlns:p16="http://schemas.microsoft.com/office/powerpoint/2015/main" xmlns="" val="1"/>
               </p:ext>
             </p:extLst>
           </p:nvPr>
@@ -12883,10 +16621,10 @@
             <p:cNvPr id="29" name="Rectangle 28">
               <a:extLst>
                 <a:ext uri="{FF2B5EF4-FFF2-40B4-BE49-F238E27FC236}">
-                  <a16:creationId xmlns:a16="http://schemas.microsoft.com/office/drawing/2014/main" id="{A6604B49-AD5C-4590-B051-06C8222ECD99}"/>
+                  <a16:creationId xmlns:a16="http://schemas.microsoft.com/office/drawing/2014/main" xmlns="" id="{A6604B49-AD5C-4590-B051-06C8222ECD99}"/>
                 </a:ext>
                 <a:ext uri="{C183D7F6-B498-43B3-948B-1728B52AA6E4}">
-                  <adec:decorative xmlns:adec="http://schemas.microsoft.com/office/drawing/2017/decorative" val="1"/>
+                  <adec:decorative xmlns:adec="http://schemas.microsoft.com/office/drawing/2017/decorative" xmlns="" val="1"/>
                 </a:ext>
               </a:extLst>
             </p:cNvPr>
@@ -12894,7 +16632,7 @@
             <p:nvPr>
               <p:extLst>
                 <p:ext uri="{386F3935-93C4-4BCD-93E2-E3B085C9AB24}">
-                  <p16:designElem xmlns:p16="http://schemas.microsoft.com/office/powerpoint/2015/main" val="1"/>
+                  <p16:designElem xmlns:p16="http://schemas.microsoft.com/office/powerpoint/2015/main" xmlns="" val="1"/>
                 </p:ext>
               </p:extLst>
             </p:nvPr>
@@ -12942,10 +16680,10 @@
             <p:cNvPr id="30" name="Rectangle 29">
               <a:extLst>
                 <a:ext uri="{FF2B5EF4-FFF2-40B4-BE49-F238E27FC236}">
-                  <a16:creationId xmlns:a16="http://schemas.microsoft.com/office/drawing/2014/main" id="{743ECCAF-29C5-4537-947C-7EA1292463DB}"/>
+                  <a16:creationId xmlns:a16="http://schemas.microsoft.com/office/drawing/2014/main" xmlns="" id="{743ECCAF-29C5-4537-947C-7EA1292463DB}"/>
                 </a:ext>
                 <a:ext uri="{C183D7F6-B498-43B3-948B-1728B52AA6E4}">
-                  <adec:decorative xmlns:adec="http://schemas.microsoft.com/office/drawing/2017/decorative" val="1"/>
+                  <adec:decorative xmlns:adec="http://schemas.microsoft.com/office/drawing/2017/decorative" xmlns="" val="1"/>
                 </a:ext>
               </a:extLst>
             </p:cNvPr>
@@ -12953,7 +16691,7 @@
             <p:nvPr>
               <p:extLst>
                 <p:ext uri="{386F3935-93C4-4BCD-93E2-E3B085C9AB24}">
-                  <p16:designElem xmlns:p16="http://schemas.microsoft.com/office/powerpoint/2015/main" val="1"/>
+                  <p16:designElem xmlns:p16="http://schemas.microsoft.com/office/powerpoint/2015/main" xmlns="" val="1"/>
                 </p:ext>
               </p:extLst>
             </p:nvPr>
@@ -13001,10 +16739,10 @@
             <p:cNvPr id="31" name="Rectangle 30">
               <a:extLst>
                 <a:ext uri="{FF2B5EF4-FFF2-40B4-BE49-F238E27FC236}">
-                  <a16:creationId xmlns:a16="http://schemas.microsoft.com/office/drawing/2014/main" id="{ED49787B-8DE6-4467-AD0A-8DECC6E0C2D6}"/>
+                  <a16:creationId xmlns:a16="http://schemas.microsoft.com/office/drawing/2014/main" xmlns="" id="{ED49787B-8DE6-4467-AD0A-8DECC6E0C2D6}"/>
                 </a:ext>
                 <a:ext uri="{C183D7F6-B498-43B3-948B-1728B52AA6E4}">
-                  <adec:decorative xmlns:adec="http://schemas.microsoft.com/office/drawing/2017/decorative" val="1"/>
+                  <adec:decorative xmlns:adec="http://schemas.microsoft.com/office/drawing/2017/decorative" xmlns="" val="1"/>
                 </a:ext>
               </a:extLst>
             </p:cNvPr>
@@ -13012,7 +16750,7 @@
             <p:nvPr>
               <p:extLst>
                 <p:ext uri="{386F3935-93C4-4BCD-93E2-E3B085C9AB24}">
-                  <p16:designElem xmlns:p16="http://schemas.microsoft.com/office/powerpoint/2015/main" val="1"/>
+                  <p16:designElem xmlns:p16="http://schemas.microsoft.com/office/powerpoint/2015/main" xmlns="" val="1"/>
                 </p:ext>
               </p:extLst>
             </p:nvPr>
@@ -13061,10 +16799,10 @@
           <p:cNvPr id="33" name="Rectangle 32">
             <a:extLst>
               <a:ext uri="{FF2B5EF4-FFF2-40B4-BE49-F238E27FC236}">
-                <a16:creationId xmlns:a16="http://schemas.microsoft.com/office/drawing/2014/main" id="{D5B0017B-2ECA-49AF-B397-DC140825DF8D}"/>
+                <a16:creationId xmlns:a16="http://schemas.microsoft.com/office/drawing/2014/main" xmlns="" id="{D5B0017B-2ECA-49AF-B397-DC140825DF8D}"/>
               </a:ext>
               <a:ext uri="{C183D7F6-B498-43B3-948B-1728B52AA6E4}">
-                <adec:decorative xmlns:adec="http://schemas.microsoft.com/office/drawing/2017/decorative" val="1"/>
+                <adec:decorative xmlns:adec="http://schemas.microsoft.com/office/drawing/2017/decorative" xmlns="" val="1"/>
               </a:ext>
             </a:extLst>
           </p:cNvPr>
@@ -13074,7 +16812,7 @@
           <p:nvPr>
             <p:extLst>
               <p:ext uri="{386F3935-93C4-4BCD-93E2-E3B085C9AB24}">
-                <p16:designElem xmlns:p16="http://schemas.microsoft.com/office/powerpoint/2015/main" val="1"/>
+                <p16:designElem xmlns:p16="http://schemas.microsoft.com/office/powerpoint/2015/main" xmlns="" val="1"/>
               </p:ext>
             </p:extLst>
           </p:nvPr>
@@ -13131,7 +16869,7 @@
           <p:cNvPr id="2" name="Titel 1">
             <a:extLst>
               <a:ext uri="{FF2B5EF4-FFF2-40B4-BE49-F238E27FC236}">
-                <a16:creationId xmlns:a16="http://schemas.microsoft.com/office/drawing/2014/main" id="{03CA394F-8D35-4A4C-8755-884B12F46510}"/>
+                <a16:creationId xmlns:a16="http://schemas.microsoft.com/office/drawing/2014/main" xmlns="" id="{03CA394F-8D35-4A4C-8755-884B12F46510}"/>
               </a:ext>
             </a:extLst>
           </p:cNvPr>
@@ -13166,7 +16904,7 @@
           <p:cNvPr id="3" name="Inhaltsplatzhalter 2">
             <a:extLst>
               <a:ext uri="{FF2B5EF4-FFF2-40B4-BE49-F238E27FC236}">
-                <a16:creationId xmlns:a16="http://schemas.microsoft.com/office/drawing/2014/main" id="{43E7BBF3-425B-4B59-B514-0B906ADE375E}"/>
+                <a16:creationId xmlns:a16="http://schemas.microsoft.com/office/drawing/2014/main" xmlns="" id="{43E7BBF3-425B-4B59-B514-0B906ADE375E}"/>
               </a:ext>
             </a:extLst>
           </p:cNvPr>
@@ -13258,7 +16996,7 @@
           <p:cNvPr id="9" name="Grafik 8">
             <a:extLst>
               <a:ext uri="{FF2B5EF4-FFF2-40B4-BE49-F238E27FC236}">
-                <a16:creationId xmlns:a16="http://schemas.microsoft.com/office/drawing/2014/main" id="{B213DC21-8747-4810-9E19-0A19E1AD6119}"/>
+                <a16:creationId xmlns:a16="http://schemas.microsoft.com/office/drawing/2014/main" xmlns="" id="{B213DC21-8747-4810-9E19-0A19E1AD6119}"/>
               </a:ext>
             </a:extLst>
           </p:cNvPr>
@@ -13287,7 +17025,7 @@
           <p:cNvPr id="21" name="Grafik 20">
             <a:extLst>
               <a:ext uri="{FF2B5EF4-FFF2-40B4-BE49-F238E27FC236}">
-                <a16:creationId xmlns:a16="http://schemas.microsoft.com/office/drawing/2014/main" id="{1B61543D-E7CD-47A8-B81C-4D9F9317DEE9}"/>
+                <a16:creationId xmlns:a16="http://schemas.microsoft.com/office/drawing/2014/main" xmlns="" id="{1B61543D-E7CD-47A8-B81C-4D9F9317DEE9}"/>
               </a:ext>
             </a:extLst>
           </p:cNvPr>
@@ -13316,10 +17054,10 @@
           <p:cNvPr id="35" name="Straight Connector 34">
             <a:extLst>
               <a:ext uri="{FF2B5EF4-FFF2-40B4-BE49-F238E27FC236}">
-                <a16:creationId xmlns:a16="http://schemas.microsoft.com/office/drawing/2014/main" id="{6CF1BAF6-AD41-4082-B212-8A1F9A2E8779}"/>
+                <a16:creationId xmlns:a16="http://schemas.microsoft.com/office/drawing/2014/main" xmlns="" id="{6CF1BAF6-AD41-4082-B212-8A1F9A2E8779}"/>
               </a:ext>
               <a:ext uri="{C183D7F6-B498-43B3-948B-1728B52AA6E4}">
-                <adec:decorative xmlns:adec="http://schemas.microsoft.com/office/drawing/2017/decorative" val="1"/>
+                <adec:decorative xmlns:adec="http://schemas.microsoft.com/office/drawing/2017/decorative" xmlns="" val="1"/>
               </a:ext>
             </a:extLst>
           </p:cNvPr>
@@ -13329,7 +17067,7 @@
           <p:nvPr>
             <p:extLst>
               <p:ext uri="{386F3935-93C4-4BCD-93E2-E3B085C9AB24}">
-                <p16:designElem xmlns:p16="http://schemas.microsoft.com/office/powerpoint/2015/main" val="1"/>
+                <p16:designElem xmlns:p16="http://schemas.microsoft.com/office/powerpoint/2015/main" xmlns="" val="1"/>
               </p:ext>
             </p:extLst>
           </p:nvPr>
@@ -13398,7 +17136,7 @@
           <p:cNvPr id="2" name="Titel 1">
             <a:extLst>
               <a:ext uri="{FF2B5EF4-FFF2-40B4-BE49-F238E27FC236}">
-                <a16:creationId xmlns:a16="http://schemas.microsoft.com/office/drawing/2014/main" id="{03CA394F-8D35-4A4C-8755-884B12F46510}"/>
+                <a16:creationId xmlns:a16="http://schemas.microsoft.com/office/drawing/2014/main" xmlns="" id="{03CA394F-8D35-4A4C-8755-884B12F46510}"/>
               </a:ext>
             </a:extLst>
           </p:cNvPr>
@@ -13427,7 +17165,7 @@
           <p:cNvPr id="1026" name="Picture 2">
             <a:extLst>
               <a:ext uri="{FF2B5EF4-FFF2-40B4-BE49-F238E27FC236}">
-                <a16:creationId xmlns:a16="http://schemas.microsoft.com/office/drawing/2014/main" id="{9554879E-B655-4F21-8B9D-87A80103F79E}"/>
+                <a16:creationId xmlns:a16="http://schemas.microsoft.com/office/drawing/2014/main" xmlns="" id="{9554879E-B655-4F21-8B9D-87A80103F79E}"/>
               </a:ext>
             </a:extLst>
           </p:cNvPr>
@@ -13476,7 +17214,7 @@
           <p:cNvPr id="1028" name="Picture 4" descr="Image">
             <a:extLst>
               <a:ext uri="{FF2B5EF4-FFF2-40B4-BE49-F238E27FC236}">
-                <a16:creationId xmlns:a16="http://schemas.microsoft.com/office/drawing/2014/main" id="{F9A4434A-C217-4416-B40F-5EB4A42CE71C}"/>
+                <a16:creationId xmlns:a16="http://schemas.microsoft.com/office/drawing/2014/main" xmlns="" id="{F9A4434A-C217-4416-B40F-5EB4A42CE71C}"/>
               </a:ext>
             </a:extLst>
           </p:cNvPr>
@@ -13523,7 +17261,7 @@
           <p:cNvPr id="1030" name="Picture 6">
             <a:extLst>
               <a:ext uri="{FF2B5EF4-FFF2-40B4-BE49-F238E27FC236}">
-                <a16:creationId xmlns:a16="http://schemas.microsoft.com/office/drawing/2014/main" id="{B5786538-F6A3-4A49-91DD-2DA57F4BEB63}"/>
+                <a16:creationId xmlns:a16="http://schemas.microsoft.com/office/drawing/2014/main" xmlns="" id="{B5786538-F6A3-4A49-91DD-2DA57F4BEB63}"/>
               </a:ext>
             </a:extLst>
           </p:cNvPr>
@@ -13608,10 +17346,10 @@
           <p:cNvPr id="25" name="Rectangle 13">
             <a:extLst>
               <a:ext uri="{FF2B5EF4-FFF2-40B4-BE49-F238E27FC236}">
-                <a16:creationId xmlns:a16="http://schemas.microsoft.com/office/drawing/2014/main" id="{DBF61EA3-B236-439E-9C0B-340980D56BEE}"/>
+                <a16:creationId xmlns:a16="http://schemas.microsoft.com/office/drawing/2014/main" xmlns="" id="{DBF61EA3-B236-439E-9C0B-340980D56BEE}"/>
               </a:ext>
               <a:ext uri="{C183D7F6-B498-43B3-948B-1728B52AA6E4}">
-                <adec:decorative xmlns:adec="http://schemas.microsoft.com/office/drawing/2017/decorative" val="1"/>
+                <adec:decorative xmlns:adec="http://schemas.microsoft.com/office/drawing/2017/decorative" xmlns="" val="1"/>
               </a:ext>
             </a:extLst>
           </p:cNvPr>
@@ -13621,7 +17359,7 @@
           <p:nvPr>
             <p:extLst>
               <p:ext uri="{386F3935-93C4-4BCD-93E2-E3B085C9AB24}">
-                <p16:designElem xmlns:p16="http://schemas.microsoft.com/office/powerpoint/2015/main" val="1"/>
+                <p16:designElem xmlns:p16="http://schemas.microsoft.com/office/powerpoint/2015/main" xmlns="" val="1"/>
               </p:ext>
             </p:extLst>
           </p:nvPr>
@@ -13668,7 +17406,7 @@
           <p:cNvPr id="2" name="Titel 1">
             <a:extLst>
               <a:ext uri="{FF2B5EF4-FFF2-40B4-BE49-F238E27FC236}">
-                <a16:creationId xmlns:a16="http://schemas.microsoft.com/office/drawing/2014/main" id="{E8142FAE-3BEE-4352-AC6A-D6B2AB183870}"/>
+                <a16:creationId xmlns:a16="http://schemas.microsoft.com/office/drawing/2014/main" xmlns="" id="{E8142FAE-3BEE-4352-AC6A-D6B2AB183870}"/>
               </a:ext>
             </a:extLst>
           </p:cNvPr>
@@ -13710,10 +17448,10 @@
           <p:cNvPr id="26" name="Group 15">
             <a:extLst>
               <a:ext uri="{FF2B5EF4-FFF2-40B4-BE49-F238E27FC236}">
-                <a16:creationId xmlns:a16="http://schemas.microsoft.com/office/drawing/2014/main" id="{28FAF094-D087-493F-8DF9-A486C2D6BBAA}"/>
+                <a16:creationId xmlns:a16="http://schemas.microsoft.com/office/drawing/2014/main" xmlns="" id="{28FAF094-D087-493F-8DF9-A486C2D6BBAA}"/>
               </a:ext>
               <a:ext uri="{C183D7F6-B498-43B3-948B-1728B52AA6E4}">
-                <adec:decorative xmlns:adec="http://schemas.microsoft.com/office/drawing/2017/decorative" val="1"/>
+                <adec:decorative xmlns:adec="http://schemas.microsoft.com/office/drawing/2017/decorative" xmlns="" val="1"/>
               </a:ext>
             </a:extLst>
           </p:cNvPr>
@@ -13723,7 +17461,7 @@
           <p:nvPr>
             <p:extLst>
               <p:ext uri="{386F3935-93C4-4BCD-93E2-E3B085C9AB24}">
-                <p16:designElem xmlns:p16="http://schemas.microsoft.com/office/powerpoint/2015/main" val="1"/>
+                <p16:designElem xmlns:p16="http://schemas.microsoft.com/office/powerpoint/2015/main" xmlns="" val="1"/>
               </p:ext>
             </p:extLst>
           </p:nvPr>
@@ -13741,10 +17479,10 @@
             <p:cNvPr id="27" name="Rectangle 16">
               <a:extLst>
                 <a:ext uri="{FF2B5EF4-FFF2-40B4-BE49-F238E27FC236}">
-                  <a16:creationId xmlns:a16="http://schemas.microsoft.com/office/drawing/2014/main" id="{8D7C88D8-5509-4514-925A-9CE148E5CBD6}"/>
+                  <a16:creationId xmlns:a16="http://schemas.microsoft.com/office/drawing/2014/main" xmlns="" id="{8D7C88D8-5509-4514-925A-9CE148E5CBD6}"/>
                 </a:ext>
                 <a:ext uri="{C183D7F6-B498-43B3-948B-1728B52AA6E4}">
-                  <adec:decorative xmlns:adec="http://schemas.microsoft.com/office/drawing/2017/decorative" val="1"/>
+                  <adec:decorative xmlns:adec="http://schemas.microsoft.com/office/drawing/2017/decorative" xmlns="" val="1"/>
                 </a:ext>
               </a:extLst>
             </p:cNvPr>
@@ -13752,7 +17490,7 @@
             <p:nvPr>
               <p:extLst>
                 <p:ext uri="{386F3935-93C4-4BCD-93E2-E3B085C9AB24}">
-                  <p16:designElem xmlns:p16="http://schemas.microsoft.com/office/powerpoint/2015/main" val="1"/>
+                  <p16:designElem xmlns:p16="http://schemas.microsoft.com/office/powerpoint/2015/main" xmlns="" val="1"/>
                 </p:ext>
               </p:extLst>
             </p:nvPr>
@@ -13802,10 +17540,10 @@
             <p:cNvPr id="28" name="Rectangle 17">
               <a:extLst>
                 <a:ext uri="{FF2B5EF4-FFF2-40B4-BE49-F238E27FC236}">
-                  <a16:creationId xmlns:a16="http://schemas.microsoft.com/office/drawing/2014/main" id="{7275593D-F75E-4426-AE3E-2CDEFD228D25}"/>
+                  <a16:creationId xmlns:a16="http://schemas.microsoft.com/office/drawing/2014/main" xmlns="" id="{7275593D-F75E-4426-AE3E-2CDEFD228D25}"/>
                 </a:ext>
                 <a:ext uri="{C183D7F6-B498-43B3-948B-1728B52AA6E4}">
-                  <adec:decorative xmlns:adec="http://schemas.microsoft.com/office/drawing/2017/decorative" val="1"/>
+                  <adec:decorative xmlns:adec="http://schemas.microsoft.com/office/drawing/2017/decorative" xmlns="" val="1"/>
                 </a:ext>
               </a:extLst>
             </p:cNvPr>
@@ -13813,7 +17551,7 @@
             <p:nvPr>
               <p:extLst>
                 <p:ext uri="{386F3935-93C4-4BCD-93E2-E3B085C9AB24}">
-                  <p16:designElem xmlns:p16="http://schemas.microsoft.com/office/powerpoint/2015/main" val="1"/>
+                  <p16:designElem xmlns:p16="http://schemas.microsoft.com/office/powerpoint/2015/main" xmlns="" val="1"/>
                 </p:ext>
               </p:extLst>
             </p:nvPr>
@@ -13864,10 +17602,10 @@
           <p:cNvPr id="20" name="Rectangle 19">
             <a:extLst>
               <a:ext uri="{FF2B5EF4-FFF2-40B4-BE49-F238E27FC236}">
-                <a16:creationId xmlns:a16="http://schemas.microsoft.com/office/drawing/2014/main" id="{E659831F-0D9A-4C63-9EBB-8435B85A440F}"/>
+                <a16:creationId xmlns:a16="http://schemas.microsoft.com/office/drawing/2014/main" xmlns="" id="{E659831F-0D9A-4C63-9EBB-8435B85A440F}"/>
               </a:ext>
               <a:ext uri="{C183D7F6-B498-43B3-948B-1728B52AA6E4}">
-                <adec:decorative xmlns:adec="http://schemas.microsoft.com/office/drawing/2017/decorative" val="1"/>
+                <adec:decorative xmlns:adec="http://schemas.microsoft.com/office/drawing/2017/decorative" xmlns="" val="1"/>
               </a:ext>
             </a:extLst>
           </p:cNvPr>
@@ -13877,7 +17615,7 @@
           <p:nvPr>
             <p:extLst>
               <p:ext uri="{386F3935-93C4-4BCD-93E2-E3B085C9AB24}">
-                <p16:designElem xmlns:p16="http://schemas.microsoft.com/office/powerpoint/2015/main" val="1"/>
+                <p16:designElem xmlns:p16="http://schemas.microsoft.com/office/powerpoint/2015/main" xmlns="" val="1"/>
               </p:ext>
             </p:extLst>
           </p:nvPr>
@@ -13934,7 +17672,7 @@
           <p:cNvPr id="4" name="Inhaltsplatzhalter 3">
             <a:extLst>
               <a:ext uri="{FF2B5EF4-FFF2-40B4-BE49-F238E27FC236}">
-                <a16:creationId xmlns:a16="http://schemas.microsoft.com/office/drawing/2014/main" id="{19C6B157-FD19-443E-A0A6-AC363DCB1861}"/>
+                <a16:creationId xmlns:a16="http://schemas.microsoft.com/office/drawing/2014/main" xmlns="" id="{19C6B157-FD19-443E-A0A6-AC363DCB1861}"/>
               </a:ext>
             </a:extLst>
           </p:cNvPr>
@@ -14026,7 +17764,7 @@
           <p:cNvPr id="24" name="Inhaltsplatzhalter 4">
             <a:extLst>
               <a:ext uri="{FF2B5EF4-FFF2-40B4-BE49-F238E27FC236}">
-                <a16:creationId xmlns:a16="http://schemas.microsoft.com/office/drawing/2014/main" id="{A09946AC-3825-472F-AD94-84CA810FF66D}"/>
+                <a16:creationId xmlns:a16="http://schemas.microsoft.com/office/drawing/2014/main" xmlns="" id="{A09946AC-3825-472F-AD94-84CA810FF66D}"/>
               </a:ext>
             </a:extLst>
           </p:cNvPr>
@@ -14085,7 +17823,7 @@
           <p:cNvPr id="29" name="Grafik 28">
             <a:extLst>
               <a:ext uri="{FF2B5EF4-FFF2-40B4-BE49-F238E27FC236}">
-                <a16:creationId xmlns:a16="http://schemas.microsoft.com/office/drawing/2014/main" id="{3A17418C-F3BE-4B41-A62A-60AC11EF737F}"/>
+                <a16:creationId xmlns:a16="http://schemas.microsoft.com/office/drawing/2014/main" xmlns="" id="{3A17418C-F3BE-4B41-A62A-60AC11EF737F}"/>
               </a:ext>
             </a:extLst>
           </p:cNvPr>
@@ -14144,7 +17882,7 @@
           <p:cNvPr id="30" name="Grafik 29">
             <a:extLst>
               <a:ext uri="{FF2B5EF4-FFF2-40B4-BE49-F238E27FC236}">
-                <a16:creationId xmlns:a16="http://schemas.microsoft.com/office/drawing/2014/main" id="{14D01D2D-565D-4A52-A50F-B3480C3D959B}"/>
+                <a16:creationId xmlns:a16="http://schemas.microsoft.com/office/drawing/2014/main" xmlns="" id="{14D01D2D-565D-4A52-A50F-B3480C3D959B}"/>
               </a:ext>
             </a:extLst>
           </p:cNvPr>
@@ -14203,7 +17941,7 @@
           <p:cNvPr id="34" name="Pfeil: nach rechts 33">
             <a:extLst>
               <a:ext uri="{FF2B5EF4-FFF2-40B4-BE49-F238E27FC236}">
-                <a16:creationId xmlns:a16="http://schemas.microsoft.com/office/drawing/2014/main" id="{9C4AB75B-5C37-41F2-8477-B67471A4794C}"/>
+                <a16:creationId xmlns:a16="http://schemas.microsoft.com/office/drawing/2014/main" xmlns="" id="{9C4AB75B-5C37-41F2-8477-B67471A4794C}"/>
               </a:ext>
             </a:extLst>
           </p:cNvPr>
@@ -14273,7 +18011,7 @@
           <p:cNvPr id="35" name="Pfeil: nach rechts 34">
             <a:extLst>
               <a:ext uri="{FF2B5EF4-FFF2-40B4-BE49-F238E27FC236}">
-                <a16:creationId xmlns:a16="http://schemas.microsoft.com/office/drawing/2014/main" id="{44E63781-70BA-414F-9269-A35B22071AA1}"/>
+                <a16:creationId xmlns:a16="http://schemas.microsoft.com/office/drawing/2014/main" xmlns="" id="{44E63781-70BA-414F-9269-A35B22071AA1}"/>
               </a:ext>
             </a:extLst>
           </p:cNvPr>
@@ -14381,10 +18119,10 @@
           <p:cNvPr id="11" name="Rectangle 10">
             <a:extLst>
               <a:ext uri="{FF2B5EF4-FFF2-40B4-BE49-F238E27FC236}">
-                <a16:creationId xmlns:a16="http://schemas.microsoft.com/office/drawing/2014/main" id="{26CAED0A-2A45-4C9C-BCDD-21A8A092C5F3}"/>
+                <a16:creationId xmlns:a16="http://schemas.microsoft.com/office/drawing/2014/main" xmlns="" id="{26CAED0A-2A45-4C9C-BCDD-21A8A092C5F3}"/>
               </a:ext>
               <a:ext uri="{C183D7F6-B498-43B3-948B-1728B52AA6E4}">
-                <adec:decorative xmlns:adec="http://schemas.microsoft.com/office/drawing/2017/decorative" val="1"/>
+                <adec:decorative xmlns:adec="http://schemas.microsoft.com/office/drawing/2017/decorative" xmlns="" val="1"/>
               </a:ext>
             </a:extLst>
           </p:cNvPr>
@@ -14394,7 +18132,7 @@
           <p:nvPr>
             <p:extLst>
               <p:ext uri="{386F3935-93C4-4BCD-93E2-E3B085C9AB24}">
-                <p16:designElem xmlns:p16="http://schemas.microsoft.com/office/powerpoint/2015/main" val="1"/>
+                <p16:designElem xmlns:p16="http://schemas.microsoft.com/office/powerpoint/2015/main" xmlns="" val="1"/>
               </p:ext>
             </p:extLst>
           </p:nvPr>
@@ -14441,7 +18179,7 @@
           <p:cNvPr id="2" name="Titel 1">
             <a:extLst>
               <a:ext uri="{FF2B5EF4-FFF2-40B4-BE49-F238E27FC236}">
-                <a16:creationId xmlns:a16="http://schemas.microsoft.com/office/drawing/2014/main" id="{FDCB31F9-A7D9-4562-A802-D0223B08E39E}"/>
+                <a16:creationId xmlns:a16="http://schemas.microsoft.com/office/drawing/2014/main" xmlns="" id="{FDCB31F9-A7D9-4562-A802-D0223B08E39E}"/>
               </a:ext>
             </a:extLst>
           </p:cNvPr>
@@ -14476,10 +18214,10 @@
           <p:cNvPr id="13" name="Rectangle 12">
             <a:extLst>
               <a:ext uri="{FF2B5EF4-FFF2-40B4-BE49-F238E27FC236}">
-                <a16:creationId xmlns:a16="http://schemas.microsoft.com/office/drawing/2014/main" id="{3A9A4357-BD1D-4622-A4FE-766E6AB8DE84}"/>
+                <a16:creationId xmlns:a16="http://schemas.microsoft.com/office/drawing/2014/main" xmlns="" id="{3A9A4357-BD1D-4622-A4FE-766E6AB8DE84}"/>
               </a:ext>
               <a:ext uri="{C183D7F6-B498-43B3-948B-1728B52AA6E4}">
-                <adec:decorative xmlns:adec="http://schemas.microsoft.com/office/drawing/2017/decorative" val="1"/>
+                <adec:decorative xmlns:adec="http://schemas.microsoft.com/office/drawing/2017/decorative" xmlns="" val="1"/>
               </a:ext>
             </a:extLst>
           </p:cNvPr>
@@ -14489,7 +18227,7 @@
           <p:nvPr>
             <p:extLst>
               <p:ext uri="{386F3935-93C4-4BCD-93E2-E3B085C9AB24}">
-                <p16:designElem xmlns:p16="http://schemas.microsoft.com/office/powerpoint/2015/main" val="1"/>
+                <p16:designElem xmlns:p16="http://schemas.microsoft.com/office/powerpoint/2015/main" xmlns="" val="1"/>
               </p:ext>
             </p:extLst>
           </p:nvPr>
@@ -14539,10 +18277,10 @@
           <p:cNvPr id="15" name="Rectangle 14">
             <a:extLst>
               <a:ext uri="{FF2B5EF4-FFF2-40B4-BE49-F238E27FC236}">
-                <a16:creationId xmlns:a16="http://schemas.microsoft.com/office/drawing/2014/main" id="{E659831F-0D9A-4C63-9EBB-8435B85A440F}"/>
+                <a16:creationId xmlns:a16="http://schemas.microsoft.com/office/drawing/2014/main" xmlns="" id="{E659831F-0D9A-4C63-9EBB-8435B85A440F}"/>
               </a:ext>
               <a:ext uri="{C183D7F6-B498-43B3-948B-1728B52AA6E4}">
-                <adec:decorative xmlns:adec="http://schemas.microsoft.com/office/drawing/2017/decorative" val="1"/>
+                <adec:decorative xmlns:adec="http://schemas.microsoft.com/office/drawing/2017/decorative" xmlns="" val="1"/>
               </a:ext>
             </a:extLst>
           </p:cNvPr>
@@ -14552,7 +18290,7 @@
           <p:nvPr>
             <p:extLst>
               <p:ext uri="{386F3935-93C4-4BCD-93E2-E3B085C9AB24}">
-                <p16:designElem xmlns:p16="http://schemas.microsoft.com/office/powerpoint/2015/main" val="1"/>
+                <p16:designElem xmlns:p16="http://schemas.microsoft.com/office/powerpoint/2015/main" xmlns="" val="1"/>
               </p:ext>
             </p:extLst>
           </p:nvPr>
@@ -14609,7 +18347,7 @@
           <p:cNvPr id="3" name="Inhaltsplatzhalter 2">
             <a:extLst>
               <a:ext uri="{FF2B5EF4-FFF2-40B4-BE49-F238E27FC236}">
-                <a16:creationId xmlns:a16="http://schemas.microsoft.com/office/drawing/2014/main" id="{9E086109-A865-491E-8199-31771C640B6F}"/>
+                <a16:creationId xmlns:a16="http://schemas.microsoft.com/office/drawing/2014/main" xmlns="" id="{9E086109-A865-491E-8199-31771C640B6F}"/>
               </a:ext>
             </a:extLst>
           </p:cNvPr>
@@ -14623,7 +18361,7 @@
         <p:spPr>
           <a:xfrm>
             <a:off x="419878" y="2599509"/>
-            <a:ext cx="4534507" cy="3598989"/>
+            <a:ext cx="5049105" cy="3705497"/>
           </a:xfrm>
         </p:spPr>
         <p:txBody>
@@ -14633,44 +18371,82 @@
           <a:lstStyle/>
           <a:p>
             <a:r>
-              <a:rPr lang="de-AT" sz="2000" dirty="0"/>
+              <a:rPr lang="de-AT" sz="1900" dirty="0"/>
               <a:t>Rotieren und Template-</a:t>
             </a:r>
             <a:r>
-              <a:rPr lang="de-AT" sz="2000" dirty="0" err="1"/>
+              <a:rPr lang="de-AT" sz="1900" dirty="0" err="1"/>
               <a:t>Matching</a:t>
             </a:r>
             <a:r>
-              <a:rPr lang="de-AT" sz="2000" dirty="0"/>
+              <a:rPr lang="de-AT" sz="1900" dirty="0"/>
               <a:t> für richtige Position von Indy</a:t>
             </a:r>
           </a:p>
           <a:p>
             <a:r>
-              <a:rPr lang="de-AT" sz="2000" dirty="0"/>
+              <a:rPr lang="de-AT" sz="1900" dirty="0"/>
               <a:t>Template-</a:t>
             </a:r>
             <a:r>
-              <a:rPr lang="de-AT" sz="2000" dirty="0" err="1"/>
+              <a:rPr lang="de-AT" sz="1900" dirty="0" err="1"/>
               <a:t>Matching</a:t>
             </a:r>
             <a:r>
-              <a:rPr lang="de-AT" sz="2000" dirty="0"/>
-              <a:t> der einzelnen Features</a:t>
+              <a:rPr lang="de-AT" sz="1900" dirty="0"/>
+              <a:t> der einzelnen </a:t>
+            </a:r>
+            <a:r>
+              <a:rPr lang="de-AT" sz="1900" dirty="0" smtClean="0"/>
+              <a:t>Features</a:t>
             </a:r>
           </a:p>
           <a:p>
             <a:pPr marL="457200" lvl="1" indent="0">
               <a:buNone/>
             </a:pPr>
-            <a:endParaRPr lang="de-AT" sz="2000" dirty="0"/>
+            <a:endParaRPr lang="de-AT" sz="1900" dirty="0" smtClean="0"/>
           </a:p>
           <a:p>
             <a:pPr marL="0" indent="0">
               <a:buNone/>
             </a:pPr>
             <a:r>
-              <a:rPr lang="de-AT" sz="2000" dirty="0"/>
+              <a:rPr lang="de-AT" sz="1900" dirty="0" smtClean="0"/>
+              <a:t>Probleme:</a:t>
+            </a:r>
+          </a:p>
+          <a:p>
+            <a:r>
+              <a:rPr lang="de-AT" sz="1900" dirty="0" smtClean="0"/>
+              <a:t>Template stimmt nich</a:t>
+            </a:r>
+            <a:r>
+              <a:rPr lang="de-AT" sz="1900" dirty="0" smtClean="0"/>
+              <a:t>t exakt überein (verdrehte   Arme) </a:t>
+            </a:r>
+          </a:p>
+          <a:p>
+            <a:r>
+              <a:rPr lang="de-AT" sz="1900" dirty="0" smtClean="0"/>
+              <a:t>Zusammenhänge nicht </a:t>
+            </a:r>
+            <a:r>
+              <a:rPr lang="de-AT" sz="1900" dirty="0" err="1" smtClean="0"/>
+              <a:t>eruierbar</a:t>
+            </a:r>
+            <a:r>
+              <a:rPr lang="de-AT" sz="1900" dirty="0" smtClean="0"/>
+              <a:t> (linke Hand, rechte Hand)</a:t>
+            </a:r>
+            <a:endParaRPr lang="de-AT" sz="1900" dirty="0"/>
+          </a:p>
+          <a:p>
+            <a:pPr marL="0" indent="0">
+              <a:buNone/>
+            </a:pPr>
+            <a:r>
+              <a:rPr lang="de-AT" sz="1900" dirty="0"/>
               <a:t> </a:t>
             </a:r>
           </a:p>
@@ -14681,10 +18457,10 @@
           <p:cNvPr id="17" name="Rectangle 16">
             <a:extLst>
               <a:ext uri="{FF2B5EF4-FFF2-40B4-BE49-F238E27FC236}">
-                <a16:creationId xmlns:a16="http://schemas.microsoft.com/office/drawing/2014/main" id="{E6995CE5-F890-4ABA-82A2-26507CE8D2A3}"/>
+                <a16:creationId xmlns:a16="http://schemas.microsoft.com/office/drawing/2014/main" xmlns="" id="{E6995CE5-F890-4ABA-82A2-26507CE8D2A3}"/>
               </a:ext>
               <a:ext uri="{C183D7F6-B498-43B3-948B-1728B52AA6E4}">
-                <adec:decorative xmlns:adec="http://schemas.microsoft.com/office/drawing/2017/decorative" val="1"/>
+                <adec:decorative xmlns:adec="http://schemas.microsoft.com/office/drawing/2017/decorative" xmlns="" val="1"/>
               </a:ext>
             </a:extLst>
           </p:cNvPr>
@@ -14694,7 +18470,7 @@
           <p:nvPr>
             <p:extLst>
               <p:ext uri="{386F3935-93C4-4BCD-93E2-E3B085C9AB24}">
-                <p16:designElem xmlns:p16="http://schemas.microsoft.com/office/powerpoint/2015/main" val="1"/>
+                <p16:designElem xmlns:p16="http://schemas.microsoft.com/office/powerpoint/2015/main" xmlns="" val="1"/>
               </p:ext>
             </p:extLst>
           </p:nvPr>
@@ -14739,6 +18515,30 @@
           </a:p>
         </p:txBody>
       </p:sp>
+      <p:pic>
+        <p:nvPicPr>
+          <p:cNvPr id="4" name="Grafik 3"/>
+          <p:cNvPicPr>
+            <a:picLocks noChangeAspect="1"/>
+          </p:cNvPicPr>
+          <p:nvPr/>
+        </p:nvPicPr>
+        <p:blipFill>
+          <a:blip r:embed="rId2"/>
+          <a:stretch>
+            <a:fillRect/>
+          </a:stretch>
+        </p:blipFill>
+        <p:spPr>
+          <a:xfrm>
+            <a:off x="6496541" y="2984778"/>
+            <a:ext cx="3683777" cy="2695949"/>
+          </a:xfrm>
+          <a:prstGeom prst="rect">
+            <a:avLst/>
+          </a:prstGeom>
+        </p:spPr>
+      </p:pic>
     </p:spTree>
     <p:extLst>
       <p:ext uri="{BB962C8B-B14F-4D97-AF65-F5344CB8AC3E}">
@@ -14749,6 +18549,13 @@
   <p:clrMapOvr>
     <a:masterClrMapping/>
   </p:clrMapOvr>
+  <p:timing>
+    <p:tnLst>
+      <p:par>
+        <p:cTn id="1" dur="indefinite" restart="never" nodeType="tmRoot"/>
+      </p:par>
+    </p:tnLst>
+  </p:timing>
 </p:sld>
 </file>
 
@@ -14782,10 +18589,10 @@
           <p:cNvPr id="11" name="Rectangle 10">
             <a:extLst>
               <a:ext uri="{FF2B5EF4-FFF2-40B4-BE49-F238E27FC236}">
-                <a16:creationId xmlns:a16="http://schemas.microsoft.com/office/drawing/2014/main" id="{26CAED0A-2A45-4C9C-BCDD-21A8A092C5F3}"/>
+                <a16:creationId xmlns:a16="http://schemas.microsoft.com/office/drawing/2014/main" xmlns="" id="{26CAED0A-2A45-4C9C-BCDD-21A8A092C5F3}"/>
               </a:ext>
               <a:ext uri="{C183D7F6-B498-43B3-948B-1728B52AA6E4}">
-                <adec:decorative xmlns:adec="http://schemas.microsoft.com/office/drawing/2017/decorative" val="1"/>
+                <adec:decorative xmlns:adec="http://schemas.microsoft.com/office/drawing/2017/decorative" xmlns="" val="1"/>
               </a:ext>
             </a:extLst>
           </p:cNvPr>
@@ -14795,7 +18602,7 @@
           <p:nvPr>
             <p:extLst>
               <p:ext uri="{386F3935-93C4-4BCD-93E2-E3B085C9AB24}">
-                <p16:designElem xmlns:p16="http://schemas.microsoft.com/office/powerpoint/2015/main" val="1"/>
+                <p16:designElem xmlns:p16="http://schemas.microsoft.com/office/powerpoint/2015/main" xmlns="" val="1"/>
               </p:ext>
             </p:extLst>
           </p:nvPr>
@@ -14842,7 +18649,7 @@
           <p:cNvPr id="2" name="Titel 1">
             <a:extLst>
               <a:ext uri="{FF2B5EF4-FFF2-40B4-BE49-F238E27FC236}">
-                <a16:creationId xmlns:a16="http://schemas.microsoft.com/office/drawing/2014/main" id="{FDCB31F9-A7D9-4562-A802-D0223B08E39E}"/>
+                <a16:creationId xmlns:a16="http://schemas.microsoft.com/office/drawing/2014/main" xmlns="" id="{FDCB31F9-A7D9-4562-A802-D0223B08E39E}"/>
               </a:ext>
             </a:extLst>
           </p:cNvPr>
@@ -14877,10 +18684,10 @@
           <p:cNvPr id="13" name="Rectangle 12">
             <a:extLst>
               <a:ext uri="{FF2B5EF4-FFF2-40B4-BE49-F238E27FC236}">
-                <a16:creationId xmlns:a16="http://schemas.microsoft.com/office/drawing/2014/main" id="{3A9A4357-BD1D-4622-A4FE-766E6AB8DE84}"/>
+                <a16:creationId xmlns:a16="http://schemas.microsoft.com/office/drawing/2014/main" xmlns="" id="{3A9A4357-BD1D-4622-A4FE-766E6AB8DE84}"/>
               </a:ext>
               <a:ext uri="{C183D7F6-B498-43B3-948B-1728B52AA6E4}">
-                <adec:decorative xmlns:adec="http://schemas.microsoft.com/office/drawing/2017/decorative" val="1"/>
+                <adec:decorative xmlns:adec="http://schemas.microsoft.com/office/drawing/2017/decorative" xmlns="" val="1"/>
               </a:ext>
             </a:extLst>
           </p:cNvPr>
@@ -14890,7 +18697,7 @@
           <p:nvPr>
             <p:extLst>
               <p:ext uri="{386F3935-93C4-4BCD-93E2-E3B085C9AB24}">
-                <p16:designElem xmlns:p16="http://schemas.microsoft.com/office/powerpoint/2015/main" val="1"/>
+                <p16:designElem xmlns:p16="http://schemas.microsoft.com/office/powerpoint/2015/main" xmlns="" val="1"/>
               </p:ext>
             </p:extLst>
           </p:nvPr>
@@ -14940,10 +18747,10 @@
           <p:cNvPr id="15" name="Rectangle 14">
             <a:extLst>
               <a:ext uri="{FF2B5EF4-FFF2-40B4-BE49-F238E27FC236}">
-                <a16:creationId xmlns:a16="http://schemas.microsoft.com/office/drawing/2014/main" id="{E659831F-0D9A-4C63-9EBB-8435B85A440F}"/>
+                <a16:creationId xmlns:a16="http://schemas.microsoft.com/office/drawing/2014/main" xmlns="" id="{E659831F-0D9A-4C63-9EBB-8435B85A440F}"/>
               </a:ext>
               <a:ext uri="{C183D7F6-B498-43B3-948B-1728B52AA6E4}">
-                <adec:decorative xmlns:adec="http://schemas.microsoft.com/office/drawing/2017/decorative" val="1"/>
+                <adec:decorative xmlns:adec="http://schemas.microsoft.com/office/drawing/2017/decorative" xmlns="" val="1"/>
               </a:ext>
             </a:extLst>
           </p:cNvPr>
@@ -14953,7 +18760,7 @@
           <p:nvPr>
             <p:extLst>
               <p:ext uri="{386F3935-93C4-4BCD-93E2-E3B085C9AB24}">
-                <p16:designElem xmlns:p16="http://schemas.microsoft.com/office/powerpoint/2015/main" val="1"/>
+                <p16:designElem xmlns:p16="http://schemas.microsoft.com/office/powerpoint/2015/main" xmlns="" val="1"/>
               </p:ext>
             </p:extLst>
           </p:nvPr>
@@ -15010,7 +18817,7 @@
           <p:cNvPr id="3" name="Inhaltsplatzhalter 2">
             <a:extLst>
               <a:ext uri="{FF2B5EF4-FFF2-40B4-BE49-F238E27FC236}">
-                <a16:creationId xmlns:a16="http://schemas.microsoft.com/office/drawing/2014/main" id="{9E086109-A865-491E-8199-31771C640B6F}"/>
+                <a16:creationId xmlns:a16="http://schemas.microsoft.com/office/drawing/2014/main" xmlns="" id="{9E086109-A865-491E-8199-31771C640B6F}"/>
               </a:ext>
             </a:extLst>
           </p:cNvPr>
@@ -15023,13 +18830,13 @@
         </p:nvSpPr>
         <p:spPr>
           <a:xfrm>
-            <a:off x="419878" y="2599509"/>
-            <a:ext cx="4534507" cy="3598989"/>
+            <a:off x="348647" y="2473157"/>
+            <a:ext cx="7123307" cy="1211066"/>
           </a:xfrm>
         </p:spPr>
         <p:txBody>
           <a:bodyPr anchor="ctr">
-            <a:normAutofit/>
+            <a:normAutofit fontScale="92500"/>
           </a:bodyPr>
           <a:lstStyle/>
           <a:p>
@@ -15047,8 +18854,13 @@
             </a:r>
             <a:r>
               <a:rPr lang="de-AT" sz="2000" dirty="0"/>
-              <a:t> via SIFT </a:t>
-            </a:r>
+              <a:t> via </a:t>
+            </a:r>
+            <a:r>
+              <a:rPr lang="de-AT" sz="2000" dirty="0" smtClean="0"/>
+              <a:t>SIFT – Rotation und Skalierung egal </a:t>
+            </a:r>
+            <a:endParaRPr lang="de-AT" sz="2000" dirty="0"/>
           </a:p>
           <a:p>
             <a:pPr marL="457200" lvl="1" indent="0">
@@ -15072,10 +18884,10 @@
           <p:cNvPr id="17" name="Rectangle 16">
             <a:extLst>
               <a:ext uri="{FF2B5EF4-FFF2-40B4-BE49-F238E27FC236}">
-                <a16:creationId xmlns:a16="http://schemas.microsoft.com/office/drawing/2014/main" id="{E6995CE5-F890-4ABA-82A2-26507CE8D2A3}"/>
+                <a16:creationId xmlns:a16="http://schemas.microsoft.com/office/drawing/2014/main" xmlns="" id="{E6995CE5-F890-4ABA-82A2-26507CE8D2A3}"/>
               </a:ext>
               <a:ext uri="{C183D7F6-B498-43B3-948B-1728B52AA6E4}">
-                <adec:decorative xmlns:adec="http://schemas.microsoft.com/office/drawing/2017/decorative" val="1"/>
+                <adec:decorative xmlns:adec="http://schemas.microsoft.com/office/drawing/2017/decorative" xmlns="" val="1"/>
               </a:ext>
             </a:extLst>
           </p:cNvPr>
@@ -15085,7 +18897,7 @@
           <p:nvPr>
             <p:extLst>
               <p:ext uri="{386F3935-93C4-4BCD-93E2-E3B085C9AB24}">
-                <p16:designElem xmlns:p16="http://schemas.microsoft.com/office/powerpoint/2015/main" val="1"/>
+                <p16:designElem xmlns:p16="http://schemas.microsoft.com/office/powerpoint/2015/main" xmlns="" val="1"/>
               </p:ext>
             </p:extLst>
           </p:nvPr>
@@ -15130,6 +18942,271 @@
           </a:p>
         </p:txBody>
       </p:sp>
+      <p:pic>
+        <p:nvPicPr>
+          <p:cNvPr id="4" name="Grafik 3"/>
+          <p:cNvPicPr>
+            <a:picLocks noChangeAspect="1"/>
+          </p:cNvPicPr>
+          <p:nvPr/>
+        </p:nvPicPr>
+        <p:blipFill>
+          <a:blip r:embed="rId2"/>
+          <a:stretch>
+            <a:fillRect/>
+          </a:stretch>
+        </p:blipFill>
+        <p:spPr>
+          <a:xfrm>
+            <a:off x="853135" y="3041362"/>
+            <a:ext cx="4109687" cy="2375420"/>
+          </a:xfrm>
+          <a:prstGeom prst="rect">
+            <a:avLst/>
+          </a:prstGeom>
+        </p:spPr>
+      </p:pic>
+      <p:pic>
+        <p:nvPicPr>
+          <p:cNvPr id="5" name="Grafik 4"/>
+          <p:cNvPicPr>
+            <a:picLocks noChangeAspect="1"/>
+          </p:cNvPicPr>
+          <p:nvPr/>
+        </p:nvPicPr>
+        <p:blipFill>
+          <a:blip r:embed="rId3"/>
+          <a:stretch>
+            <a:fillRect/>
+          </a:stretch>
+        </p:blipFill>
+        <p:spPr>
+          <a:xfrm>
+            <a:off x="5231801" y="3043962"/>
+            <a:ext cx="4067053" cy="2407449"/>
+          </a:xfrm>
+          <a:prstGeom prst="rect">
+            <a:avLst/>
+          </a:prstGeom>
+        </p:spPr>
+      </p:pic>
+      <p:sp>
+        <p:nvSpPr>
+          <p:cNvPr id="10" name="Inhaltsplatzhalter 2">
+            <a:extLst>
+              <a:ext uri="{FF2B5EF4-FFF2-40B4-BE49-F238E27FC236}">
+                <a16:creationId xmlns:a16="http://schemas.microsoft.com/office/drawing/2014/main" xmlns="" id="{9E086109-A865-491E-8199-31771C640B6F}"/>
+              </a:ext>
+            </a:extLst>
+          </p:cNvPr>
+          <p:cNvSpPr txBox="1">
+            <a:spLocks/>
+          </p:cNvSpPr>
+          <p:nvPr/>
+        </p:nvSpPr>
+        <p:spPr>
+          <a:xfrm>
+            <a:off x="428315" y="5530082"/>
+            <a:ext cx="6425331" cy="1211066"/>
+          </a:xfrm>
+          <a:prstGeom prst="rect">
+            <a:avLst/>
+          </a:prstGeom>
+        </p:spPr>
+        <p:txBody>
+          <a:bodyPr vert="horz" lIns="91440" tIns="45720" rIns="91440" bIns="45720" rtlCol="0" anchor="ctr">
+            <a:normAutofit/>
+          </a:bodyPr>
+          <a:lstStyle>
+            <a:lvl1pPr marL="228600" indent="-228600" algn="l" defTabSz="914400" rtl="0" eaLnBrk="1" latinLnBrk="0" hangingPunct="1">
+              <a:lnSpc>
+                <a:spcPct val="90000"/>
+              </a:lnSpc>
+              <a:spcBef>
+                <a:spcPts val="1000"/>
+              </a:spcBef>
+              <a:buFont typeface="Arial" panose="020B0604020202020204" pitchFamily="34" charset="0"/>
+              <a:buChar char="•"/>
+              <a:defRPr sz="2800" kern="1200">
+                <a:solidFill>
+                  <a:schemeClr val="tx1"/>
+                </a:solidFill>
+                <a:latin typeface="+mn-lt"/>
+                <a:ea typeface="+mn-ea"/>
+                <a:cs typeface="+mn-cs"/>
+              </a:defRPr>
+            </a:lvl1pPr>
+            <a:lvl2pPr marL="685800" indent="-228600" algn="l" defTabSz="914400" rtl="0" eaLnBrk="1" latinLnBrk="0" hangingPunct="1">
+              <a:lnSpc>
+                <a:spcPct val="90000"/>
+              </a:lnSpc>
+              <a:spcBef>
+                <a:spcPts val="500"/>
+              </a:spcBef>
+              <a:buFont typeface="Arial" panose="020B0604020202020204" pitchFamily="34" charset="0"/>
+              <a:buChar char="•"/>
+              <a:defRPr sz="2400" kern="1200">
+                <a:solidFill>
+                  <a:schemeClr val="tx1"/>
+                </a:solidFill>
+                <a:latin typeface="+mn-lt"/>
+                <a:ea typeface="+mn-ea"/>
+                <a:cs typeface="+mn-cs"/>
+              </a:defRPr>
+            </a:lvl2pPr>
+            <a:lvl3pPr marL="1143000" indent="-228600" algn="l" defTabSz="914400" rtl="0" eaLnBrk="1" latinLnBrk="0" hangingPunct="1">
+              <a:lnSpc>
+                <a:spcPct val="90000"/>
+              </a:lnSpc>
+              <a:spcBef>
+                <a:spcPts val="500"/>
+              </a:spcBef>
+              <a:buFont typeface="Arial" panose="020B0604020202020204" pitchFamily="34" charset="0"/>
+              <a:buChar char="•"/>
+              <a:defRPr sz="2000" kern="1200">
+                <a:solidFill>
+                  <a:schemeClr val="tx1"/>
+                </a:solidFill>
+                <a:latin typeface="+mn-lt"/>
+                <a:ea typeface="+mn-ea"/>
+                <a:cs typeface="+mn-cs"/>
+              </a:defRPr>
+            </a:lvl3pPr>
+            <a:lvl4pPr marL="1600200" indent="-228600" algn="l" defTabSz="914400" rtl="0" eaLnBrk="1" latinLnBrk="0" hangingPunct="1">
+              <a:lnSpc>
+                <a:spcPct val="90000"/>
+              </a:lnSpc>
+              <a:spcBef>
+                <a:spcPts val="500"/>
+              </a:spcBef>
+              <a:buFont typeface="Arial" panose="020B0604020202020204" pitchFamily="34" charset="0"/>
+              <a:buChar char="•"/>
+              <a:defRPr sz="1800" kern="1200">
+                <a:solidFill>
+                  <a:schemeClr val="tx1"/>
+                </a:solidFill>
+                <a:latin typeface="+mn-lt"/>
+                <a:ea typeface="+mn-ea"/>
+                <a:cs typeface="+mn-cs"/>
+              </a:defRPr>
+            </a:lvl4pPr>
+            <a:lvl5pPr marL="2057400" indent="-228600" algn="l" defTabSz="914400" rtl="0" eaLnBrk="1" latinLnBrk="0" hangingPunct="1">
+              <a:lnSpc>
+                <a:spcPct val="90000"/>
+              </a:lnSpc>
+              <a:spcBef>
+                <a:spcPts val="500"/>
+              </a:spcBef>
+              <a:buFont typeface="Arial" panose="020B0604020202020204" pitchFamily="34" charset="0"/>
+              <a:buChar char="•"/>
+              <a:defRPr sz="1800" kern="1200">
+                <a:solidFill>
+                  <a:schemeClr val="tx1"/>
+                </a:solidFill>
+                <a:latin typeface="+mn-lt"/>
+                <a:ea typeface="+mn-ea"/>
+                <a:cs typeface="+mn-cs"/>
+              </a:defRPr>
+            </a:lvl5pPr>
+            <a:lvl6pPr marL="2514600" indent="-228600" algn="l" defTabSz="914400" rtl="0" eaLnBrk="1" latinLnBrk="0" hangingPunct="1">
+              <a:lnSpc>
+                <a:spcPct val="90000"/>
+              </a:lnSpc>
+              <a:spcBef>
+                <a:spcPts val="500"/>
+              </a:spcBef>
+              <a:buFont typeface="Arial" panose="020B0604020202020204" pitchFamily="34" charset="0"/>
+              <a:buChar char="•"/>
+              <a:defRPr sz="1800" kern="1200">
+                <a:solidFill>
+                  <a:schemeClr val="tx1"/>
+                </a:solidFill>
+                <a:latin typeface="+mn-lt"/>
+                <a:ea typeface="+mn-ea"/>
+                <a:cs typeface="+mn-cs"/>
+              </a:defRPr>
+            </a:lvl6pPr>
+            <a:lvl7pPr marL="2971800" indent="-228600" algn="l" defTabSz="914400" rtl="0" eaLnBrk="1" latinLnBrk="0" hangingPunct="1">
+              <a:lnSpc>
+                <a:spcPct val="90000"/>
+              </a:lnSpc>
+              <a:spcBef>
+                <a:spcPts val="500"/>
+              </a:spcBef>
+              <a:buFont typeface="Arial" panose="020B0604020202020204" pitchFamily="34" charset="0"/>
+              <a:buChar char="•"/>
+              <a:defRPr sz="1800" kern="1200">
+                <a:solidFill>
+                  <a:schemeClr val="tx1"/>
+                </a:solidFill>
+                <a:latin typeface="+mn-lt"/>
+                <a:ea typeface="+mn-ea"/>
+                <a:cs typeface="+mn-cs"/>
+              </a:defRPr>
+            </a:lvl7pPr>
+            <a:lvl8pPr marL="3429000" indent="-228600" algn="l" defTabSz="914400" rtl="0" eaLnBrk="1" latinLnBrk="0" hangingPunct="1">
+              <a:lnSpc>
+                <a:spcPct val="90000"/>
+              </a:lnSpc>
+              <a:spcBef>
+                <a:spcPts val="500"/>
+              </a:spcBef>
+              <a:buFont typeface="Arial" panose="020B0604020202020204" pitchFamily="34" charset="0"/>
+              <a:buChar char="•"/>
+              <a:defRPr sz="1800" kern="1200">
+                <a:solidFill>
+                  <a:schemeClr val="tx1"/>
+                </a:solidFill>
+                <a:latin typeface="+mn-lt"/>
+                <a:ea typeface="+mn-ea"/>
+                <a:cs typeface="+mn-cs"/>
+              </a:defRPr>
+            </a:lvl8pPr>
+            <a:lvl9pPr marL="3886200" indent="-228600" algn="l" defTabSz="914400" rtl="0" eaLnBrk="1" latinLnBrk="0" hangingPunct="1">
+              <a:lnSpc>
+                <a:spcPct val="90000"/>
+              </a:lnSpc>
+              <a:spcBef>
+                <a:spcPts val="500"/>
+              </a:spcBef>
+              <a:buFont typeface="Arial" panose="020B0604020202020204" pitchFamily="34" charset="0"/>
+              <a:buChar char="•"/>
+              <a:defRPr sz="1800" kern="1200">
+                <a:solidFill>
+                  <a:schemeClr val="tx1"/>
+                </a:solidFill>
+                <a:latin typeface="+mn-lt"/>
+                <a:ea typeface="+mn-ea"/>
+                <a:cs typeface="+mn-cs"/>
+              </a:defRPr>
+            </a:lvl9pPr>
+          </a:lstStyle>
+          <a:p>
+            <a:r>
+              <a:rPr lang="de-AT" sz="2000" dirty="0" smtClean="0"/>
+              <a:t>Features werden nicht präzise genug erkannt</a:t>
+            </a:r>
+          </a:p>
+          <a:p>
+            <a:pPr marL="457200" lvl="1" indent="0">
+              <a:buFont typeface="Arial" panose="020B0604020202020204" pitchFamily="34" charset="0"/>
+              <a:buNone/>
+            </a:pPr>
+            <a:endParaRPr lang="de-AT" sz="2000" dirty="0" smtClean="0"/>
+          </a:p>
+          <a:p>
+            <a:pPr marL="0" indent="0">
+              <a:buFont typeface="Arial" panose="020B0604020202020204" pitchFamily="34" charset="0"/>
+              <a:buNone/>
+            </a:pPr>
+            <a:r>
+              <a:rPr lang="de-AT" sz="2000" dirty="0" smtClean="0"/>
+              <a:t> </a:t>
+            </a:r>
+            <a:endParaRPr lang="de-AT" sz="2000" dirty="0"/>
+          </a:p>
+        </p:txBody>
+      </p:sp>
     </p:spTree>
     <p:extLst>
       <p:ext uri="{BB962C8B-B14F-4D97-AF65-F5344CB8AC3E}">
@@ -15140,6 +19217,13 @@
   <p:clrMapOvr>
     <a:masterClrMapping/>
   </p:clrMapOvr>
+  <p:timing>
+    <p:tnLst>
+      <p:par>
+        <p:cTn id="1" dur="indefinite" restart="never" nodeType="tmRoot"/>
+      </p:par>
+    </p:tnLst>
+  </p:timing>
 </p:sld>
 </file>
 

--- a/presentation/DIP-Project.pptx
+++ b/presentation/DIP-Project.pptx
@@ -20,7 +20,7 @@
     <p:sldId id="268" r:id="rId11"/>
     <p:sldId id="270" r:id="rId12"/>
     <p:sldId id="262" r:id="rId13"/>
-    <p:sldId id="269" r:id="rId14"/>
+    <p:sldId id="271" r:id="rId14"/>
   </p:sldIdLst>
   <p:sldSz cx="12192000" cy="6858000"/>
   <p:notesSz cx="6858000" cy="9144000"/>
@@ -1003,15 +1003,34 @@
 </file>
 
 <file path=ppt/diagrams/colors2.xml><?xml version="1.0" encoding="utf-8"?>
-<dgm:colorsDef xmlns:dgm="http://schemas.openxmlformats.org/drawingml/2006/diagram" xmlns:a="http://schemas.openxmlformats.org/drawingml/2006/main" uniqueId="urn:microsoft.com/office/officeart/2005/8/colors/accent1_2">
+<dgm:colorsDef xmlns:dgm="http://schemas.openxmlformats.org/drawingml/2006/diagram" xmlns:a="http://schemas.openxmlformats.org/drawingml/2006/main" uniqueId="urn:microsoft.com/office/officeart/2005/8/colors/accent6_3">
   <dgm:title val=""/>
   <dgm:desc val=""/>
   <dgm:catLst>
-    <dgm:cat type="accent1" pri="11200"/>
+    <dgm:cat type="accent6" pri="11300"/>
   </dgm:catLst>
   <dgm:styleLbl name="node0">
     <dgm:fillClrLst meth="repeat">
-      <a:schemeClr val="accent1"/>
+      <a:schemeClr val="accent6">
+        <a:shade val="80000"/>
+      </a:schemeClr>
+    </dgm:fillClrLst>
+    <dgm:linClrLst meth="repeat">
+      <a:schemeClr val="lt1"/>
+    </dgm:linClrLst>
+    <dgm:effectClrLst/>
+    <dgm:txLinClrLst/>
+    <dgm:txFillClrLst/>
+    <dgm:txEffectClrLst/>
+  </dgm:styleLbl>
+  <dgm:styleLbl name="node1">
+    <dgm:fillClrLst>
+      <a:schemeClr val="accent6">
+        <a:shade val="80000"/>
+      </a:schemeClr>
+      <a:schemeClr val="accent6">
+        <a:tint val="70000"/>
+      </a:schemeClr>
     </dgm:fillClrLst>
     <dgm:linClrLst meth="repeat">
       <a:schemeClr val="lt1"/>
@@ -1022,23 +1041,21 @@
     <dgm:txEffectClrLst/>
   </dgm:styleLbl>
   <dgm:styleLbl name="alignNode1">
-    <dgm:fillClrLst meth="repeat">
-      <a:schemeClr val="accent1"/>
+    <dgm:fillClrLst>
+      <a:schemeClr val="accent6">
+        <a:shade val="80000"/>
+      </a:schemeClr>
+      <a:schemeClr val="accent6">
+        <a:tint val="70000"/>
+      </a:schemeClr>
     </dgm:fillClrLst>
-    <dgm:linClrLst meth="repeat">
-      <a:schemeClr val="accent1"/>
-    </dgm:linClrLst>
-    <dgm:effectClrLst/>
-    <dgm:txLinClrLst/>
-    <dgm:txFillClrLst/>
-    <dgm:txEffectClrLst/>
-  </dgm:styleLbl>
-  <dgm:styleLbl name="node1">
-    <dgm:fillClrLst meth="repeat">
-      <a:schemeClr val="accent1"/>
-    </dgm:fillClrLst>
-    <dgm:linClrLst meth="repeat">
-      <a:schemeClr val="lt1"/>
+    <dgm:linClrLst>
+      <a:schemeClr val="accent6">
+        <a:shade val="80000"/>
+      </a:schemeClr>
+      <a:schemeClr val="accent6">
+        <a:tint val="70000"/>
+      </a:schemeClr>
     </dgm:linClrLst>
     <dgm:effectClrLst/>
     <dgm:txLinClrLst/>
@@ -1046,8 +1063,13 @@
     <dgm:txEffectClrLst/>
   </dgm:styleLbl>
   <dgm:styleLbl name="lnNode1">
-    <dgm:fillClrLst meth="repeat">
-      <a:schemeClr val="accent1"/>
+    <dgm:fillClrLst>
+      <a:schemeClr val="accent6">
+        <a:shade val="80000"/>
+      </a:schemeClr>
+      <a:schemeClr val="accent6">
+        <a:tint val="70000"/>
+      </a:schemeClr>
     </dgm:fillClrLst>
     <dgm:linClrLst meth="repeat">
       <a:schemeClr val="lt1"/>
@@ -1058,8 +1080,13 @@
     <dgm:txEffectClrLst/>
   </dgm:styleLbl>
   <dgm:styleLbl name="vennNode1">
-    <dgm:fillClrLst meth="repeat">
-      <a:schemeClr val="accent1">
+    <dgm:fillClrLst>
+      <a:schemeClr val="accent6">
+        <a:shade val="80000"/>
+        <a:alpha val="50000"/>
+      </a:schemeClr>
+      <a:schemeClr val="accent6">
+        <a:tint val="70000"/>
         <a:alpha val="50000"/>
       </a:schemeClr>
     </dgm:fillClrLst>
@@ -1072,8 +1099,10 @@
     <dgm:txEffectClrLst/>
   </dgm:styleLbl>
   <dgm:styleLbl name="node2">
-    <dgm:fillClrLst meth="repeat">
-      <a:schemeClr val="accent1"/>
+    <dgm:fillClrLst>
+      <a:schemeClr val="accent6">
+        <a:tint val="99000"/>
+      </a:schemeClr>
     </dgm:fillClrLst>
     <dgm:linClrLst meth="repeat">
       <a:schemeClr val="lt1"/>
@@ -1084,8 +1113,10 @@
     <dgm:txEffectClrLst/>
   </dgm:styleLbl>
   <dgm:styleLbl name="node3">
-    <dgm:fillClrLst meth="repeat">
-      <a:schemeClr val="accent1"/>
+    <dgm:fillClrLst>
+      <a:schemeClr val="accent6">
+        <a:tint val="80000"/>
+      </a:schemeClr>
     </dgm:fillClrLst>
     <dgm:linClrLst meth="repeat">
       <a:schemeClr val="lt1"/>
@@ -1096,8 +1127,10 @@
     <dgm:txEffectClrLst/>
   </dgm:styleLbl>
   <dgm:styleLbl name="node4">
-    <dgm:fillClrLst meth="repeat">
-      <a:schemeClr val="accent1"/>
+    <dgm:fillClrLst>
+      <a:schemeClr val="accent6">
+        <a:tint val="70000"/>
+      </a:schemeClr>
     </dgm:fillClrLst>
     <dgm:linClrLst meth="repeat">
       <a:schemeClr val="lt1"/>
@@ -1108,9 +1141,12 @@
     <dgm:txEffectClrLst/>
   </dgm:styleLbl>
   <dgm:styleLbl name="fgImgPlace1">
-    <dgm:fillClrLst meth="repeat">
-      <a:schemeClr val="accent1">
+    <dgm:fillClrLst>
+      <a:schemeClr val="accent6">
         <a:tint val="50000"/>
+      </a:schemeClr>
+      <a:schemeClr val="accent6">
+        <a:tint val="20000"/>
       </a:schemeClr>
     </dgm:fillClrLst>
     <dgm:linClrLst meth="repeat">
@@ -1124,9 +1160,12 @@
     <dgm:txEffectClrLst/>
   </dgm:styleLbl>
   <dgm:styleLbl name="alignImgPlace1">
-    <dgm:fillClrLst meth="repeat">
-      <a:schemeClr val="accent1">
+    <dgm:fillClrLst>
+      <a:schemeClr val="accent6">
         <a:tint val="50000"/>
+      </a:schemeClr>
+      <a:schemeClr val="accent6">
+        <a:tint val="20000"/>
       </a:schemeClr>
     </dgm:fillClrLst>
     <dgm:linClrLst meth="repeat">
@@ -1140,9 +1179,12 @@
     <dgm:txEffectClrLst/>
   </dgm:styleLbl>
   <dgm:styleLbl name="bgImgPlace1">
-    <dgm:fillClrLst meth="repeat">
-      <a:schemeClr val="accent1">
+    <dgm:fillClrLst>
+      <a:schemeClr val="accent6">
         <a:tint val="50000"/>
+      </a:schemeClr>
+      <a:schemeClr val="accent6">
+        <a:tint val="20000"/>
       </a:schemeClr>
     </dgm:fillClrLst>
     <dgm:linClrLst meth="repeat">
@@ -1156,14 +1198,20 @@
     <dgm:txEffectClrLst/>
   </dgm:styleLbl>
   <dgm:styleLbl name="sibTrans2D1">
-    <dgm:fillClrLst meth="repeat">
-      <a:schemeClr val="accent1">
-        <a:tint val="60000"/>
+    <dgm:fillClrLst>
+      <a:schemeClr val="accent6">
+        <a:shade val="90000"/>
+      </a:schemeClr>
+      <a:schemeClr val="accent6">
+        <a:tint val="70000"/>
       </a:schemeClr>
     </dgm:fillClrLst>
-    <dgm:linClrLst meth="repeat">
-      <a:schemeClr val="accent1">
-        <a:tint val="60000"/>
+    <dgm:linClrLst>
+      <a:schemeClr val="accent6">
+        <a:shade val="90000"/>
+      </a:schemeClr>
+      <a:schemeClr val="accent6">
+        <a:tint val="70000"/>
       </a:schemeClr>
     </dgm:linClrLst>
     <dgm:effectClrLst/>
@@ -1172,43 +1220,69 @@
     <dgm:txEffectClrLst/>
   </dgm:styleLbl>
   <dgm:styleLbl name="fgSibTrans2D1">
-    <dgm:fillClrLst meth="repeat">
-      <a:schemeClr val="accent1">
-        <a:tint val="60000"/>
+    <dgm:fillClrLst>
+      <a:schemeClr val="accent6">
+        <a:shade val="90000"/>
+      </a:schemeClr>
+      <a:schemeClr val="accent6">
+        <a:tint val="70000"/>
       </a:schemeClr>
     </dgm:fillClrLst>
-    <dgm:linClrLst meth="repeat">
-      <a:schemeClr val="accent1">
-        <a:tint val="60000"/>
+    <dgm:linClrLst>
+      <a:schemeClr val="accent6">
+        <a:shade val="90000"/>
+      </a:schemeClr>
+      <a:schemeClr val="accent6">
+        <a:tint val="70000"/>
       </a:schemeClr>
     </dgm:linClrLst>
     <dgm:effectClrLst/>
     <dgm:txLinClrLst/>
-    <dgm:txFillClrLst/>
+    <dgm:txFillClrLst meth="repeat">
+      <a:schemeClr val="lt1"/>
+    </dgm:txFillClrLst>
     <dgm:txEffectClrLst/>
   </dgm:styleLbl>
   <dgm:styleLbl name="bgSibTrans2D1">
-    <dgm:fillClrLst meth="repeat">
-      <a:schemeClr val="accent1">
-        <a:tint val="60000"/>
+    <dgm:fillClrLst>
+      <a:schemeClr val="accent6">
+        <a:shade val="90000"/>
+      </a:schemeClr>
+      <a:schemeClr val="accent6">
+        <a:tint val="70000"/>
       </a:schemeClr>
     </dgm:fillClrLst>
-    <dgm:linClrLst meth="repeat">
-      <a:schemeClr val="accent1">
-        <a:tint val="60000"/>
+    <dgm:linClrLst>
+      <a:schemeClr val="accent6">
+        <a:shade val="90000"/>
+      </a:schemeClr>
+      <a:schemeClr val="accent6">
+        <a:tint val="70000"/>
       </a:schemeClr>
     </dgm:linClrLst>
     <dgm:effectClrLst/>
     <dgm:txLinClrLst/>
-    <dgm:txFillClrLst/>
+    <dgm:txFillClrLst meth="repeat">
+      <a:schemeClr val="lt1"/>
+    </dgm:txFillClrLst>
     <dgm:txEffectClrLst/>
   </dgm:styleLbl>
   <dgm:styleLbl name="sibTrans1D1">
-    <dgm:fillClrLst meth="repeat">
-      <a:schemeClr val="accent1"/>
+    <dgm:fillClrLst>
+      <a:schemeClr val="accent6">
+        <a:shade val="90000"/>
+      </a:schemeClr>
+      <a:schemeClr val="accent6">
+        <a:tint val="70000"/>
+      </a:schemeClr>
     </dgm:fillClrLst>
-    <dgm:linClrLst meth="repeat">
-      <a:schemeClr val="accent1"/>
+    <dgm:linClrLst>
+      <a:schemeClr val="accent6">
+        <a:shade val="90000"/>
+      </a:schemeClr>
+      <a:schemeClr val="accent6">
+        <a:tint val="70000"/>
+      </a:schemeClr>
     </dgm:linClrLst>
     <dgm:effectClrLst/>
     <dgm:txLinClrLst/>
@@ -1219,12 +1293,10 @@
   </dgm:styleLbl>
   <dgm:styleLbl name="callout">
     <dgm:fillClrLst meth="repeat">
-      <a:schemeClr val="accent1"/>
+      <a:schemeClr val="accent6"/>
     </dgm:fillClrLst>
     <dgm:linClrLst meth="repeat">
-      <a:schemeClr val="accent1">
-        <a:tint val="50000"/>
-      </a:schemeClr>
+      <a:schemeClr val="accent6"/>
     </dgm:linClrLst>
     <dgm:effectClrLst/>
     <dgm:txLinClrLst/>
@@ -1235,7 +1307,9 @@
   </dgm:styleLbl>
   <dgm:styleLbl name="asst0">
     <dgm:fillClrLst meth="repeat">
-      <a:schemeClr val="accent1"/>
+      <a:schemeClr val="accent6">
+        <a:shade val="80000"/>
+      </a:schemeClr>
     </dgm:fillClrLst>
     <dgm:linClrLst meth="repeat">
       <a:schemeClr val="lt1"/>
@@ -1247,7 +1321,9 @@
   </dgm:styleLbl>
   <dgm:styleLbl name="asst1">
     <dgm:fillClrLst meth="repeat">
-      <a:schemeClr val="accent1"/>
+      <a:schemeClr val="accent6">
+        <a:shade val="80000"/>
+      </a:schemeClr>
     </dgm:fillClrLst>
     <dgm:linClrLst meth="repeat">
       <a:schemeClr val="lt1"/>
@@ -1258,8 +1334,10 @@
     <dgm:txEffectClrLst/>
   </dgm:styleLbl>
   <dgm:styleLbl name="asst2">
-    <dgm:fillClrLst meth="repeat">
-      <a:schemeClr val="accent1"/>
+    <dgm:fillClrLst>
+      <a:schemeClr val="accent6">
+        <a:tint val="99000"/>
+      </a:schemeClr>
     </dgm:fillClrLst>
     <dgm:linClrLst meth="repeat">
       <a:schemeClr val="lt1"/>
@@ -1270,8 +1348,10 @@
     <dgm:txEffectClrLst/>
   </dgm:styleLbl>
   <dgm:styleLbl name="asst3">
-    <dgm:fillClrLst meth="repeat">
-      <a:schemeClr val="accent1"/>
+    <dgm:fillClrLst>
+      <a:schemeClr val="accent6">
+        <a:tint val="80000"/>
+      </a:schemeClr>
     </dgm:fillClrLst>
     <dgm:linClrLst meth="repeat">
       <a:schemeClr val="lt1"/>
@@ -1282,8 +1362,10 @@
     <dgm:txEffectClrLst/>
   </dgm:styleLbl>
   <dgm:styleLbl name="asst4">
-    <dgm:fillClrLst meth="repeat">
-      <a:schemeClr val="accent1"/>
+    <dgm:fillClrLst>
+      <a:schemeClr val="accent6">
+        <a:tint val="70000"/>
+      </a:schemeClr>
     </dgm:fillClrLst>
     <dgm:linClrLst meth="repeat">
       <a:schemeClr val="lt1"/>
@@ -1295,12 +1377,12 @@
   </dgm:styleLbl>
   <dgm:styleLbl name="parChTrans2D1">
     <dgm:fillClrLst meth="repeat">
-      <a:schemeClr val="accent1">
+      <a:schemeClr val="accent6">
         <a:tint val="60000"/>
       </a:schemeClr>
     </dgm:fillClrLst>
     <dgm:linClrLst meth="repeat">
-      <a:schemeClr val="accent1">
+      <a:schemeClr val="accent6">
         <a:tint val="60000"/>
       </a:schemeClr>
     </dgm:linClrLst>
@@ -1313,38 +1395,46 @@
   </dgm:styleLbl>
   <dgm:styleLbl name="parChTrans2D2">
     <dgm:fillClrLst meth="repeat">
-      <a:schemeClr val="accent1"/>
+      <a:schemeClr val="accent6">
+        <a:tint val="90000"/>
+      </a:schemeClr>
     </dgm:fillClrLst>
     <dgm:linClrLst meth="repeat">
-      <a:schemeClr val="accent1"/>
+      <a:schemeClr val="accent6">
+        <a:tint val="90000"/>
+      </a:schemeClr>
     </dgm:linClrLst>
     <dgm:effectClrLst/>
     <dgm:txLinClrLst/>
-    <dgm:txFillClrLst meth="repeat">
-      <a:schemeClr val="lt1"/>
-    </dgm:txFillClrLst>
+    <dgm:txFillClrLst/>
     <dgm:txEffectClrLst/>
   </dgm:styleLbl>
   <dgm:styleLbl name="parChTrans2D3">
     <dgm:fillClrLst meth="repeat">
-      <a:schemeClr val="accent1"/>
+      <a:schemeClr val="accent6">
+        <a:tint val="70000"/>
+      </a:schemeClr>
     </dgm:fillClrLst>
     <dgm:linClrLst meth="repeat">
-      <a:schemeClr val="accent1"/>
+      <a:schemeClr val="accent6">
+        <a:tint val="70000"/>
+      </a:schemeClr>
     </dgm:linClrLst>
     <dgm:effectClrLst/>
     <dgm:txLinClrLst/>
-    <dgm:txFillClrLst meth="repeat">
-      <a:schemeClr val="lt1"/>
-    </dgm:txFillClrLst>
+    <dgm:txFillClrLst/>
     <dgm:txEffectClrLst/>
   </dgm:styleLbl>
   <dgm:styleLbl name="parChTrans2D4">
     <dgm:fillClrLst meth="repeat">
-      <a:schemeClr val="accent1"/>
+      <a:schemeClr val="accent6">
+        <a:tint val="50000"/>
+      </a:schemeClr>
     </dgm:fillClrLst>
     <dgm:linClrLst meth="repeat">
-      <a:schemeClr val="accent1"/>
+      <a:schemeClr val="accent6">
+        <a:tint val="50000"/>
+      </a:schemeClr>
     </dgm:linClrLst>
     <dgm:effectClrLst/>
     <dgm:txLinClrLst/>
@@ -1355,11 +1445,13 @@
   </dgm:styleLbl>
   <dgm:styleLbl name="parChTrans1D1">
     <dgm:fillClrLst meth="repeat">
-      <a:schemeClr val="accent1"/>
+      <a:schemeClr val="accent6">
+        <a:shade val="80000"/>
+      </a:schemeClr>
     </dgm:fillClrLst>
     <dgm:linClrLst meth="repeat">
-      <a:schemeClr val="accent1">
-        <a:shade val="60000"/>
+      <a:schemeClr val="accent6">
+        <a:shade val="80000"/>
       </a:schemeClr>
     </dgm:linClrLst>
     <dgm:effectClrLst/>
@@ -1371,11 +1463,13 @@
   </dgm:styleLbl>
   <dgm:styleLbl name="parChTrans1D2">
     <dgm:fillClrLst meth="repeat">
-      <a:schemeClr val="accent1"/>
+      <a:schemeClr val="accent6">
+        <a:tint val="99000"/>
+      </a:schemeClr>
     </dgm:fillClrLst>
     <dgm:linClrLst meth="repeat">
-      <a:schemeClr val="accent1">
-        <a:shade val="60000"/>
+      <a:schemeClr val="accent6">
+        <a:tint val="99000"/>
       </a:schemeClr>
     </dgm:linClrLst>
     <dgm:effectClrLst/>
@@ -1387,11 +1481,13 @@
   </dgm:styleLbl>
   <dgm:styleLbl name="parChTrans1D3">
     <dgm:fillClrLst meth="repeat">
-      <a:schemeClr val="accent1"/>
+      <a:schemeClr val="accent6">
+        <a:tint val="80000"/>
+      </a:schemeClr>
     </dgm:fillClrLst>
     <dgm:linClrLst meth="repeat">
-      <a:schemeClr val="accent1">
-        <a:shade val="80000"/>
+      <a:schemeClr val="accent6">
+        <a:tint val="80000"/>
       </a:schemeClr>
     </dgm:linClrLst>
     <dgm:effectClrLst/>
@@ -1403,11 +1499,13 @@
   </dgm:styleLbl>
   <dgm:styleLbl name="parChTrans1D4">
     <dgm:fillClrLst meth="repeat">
-      <a:schemeClr val="accent1"/>
+      <a:schemeClr val="accent6">
+        <a:tint val="70000"/>
+      </a:schemeClr>
     </dgm:fillClrLst>
     <dgm:linClrLst meth="repeat">
-      <a:schemeClr val="accent1">
-        <a:shade val="80000"/>
+      <a:schemeClr val="accent6">
+        <a:tint val="70000"/>
       </a:schemeClr>
     </dgm:linClrLst>
     <dgm:effectClrLst/>
@@ -1423,8 +1521,13 @@
         <a:alpha val="90000"/>
       </a:schemeClr>
     </dgm:fillClrLst>
-    <dgm:linClrLst meth="repeat">
-      <a:schemeClr val="accent1"/>
+    <dgm:linClrLst>
+      <a:schemeClr val="accent6">
+        <a:shade val="80000"/>
+      </a:schemeClr>
+      <a:schemeClr val="accent6">
+        <a:tint val="70000"/>
+      </a:schemeClr>
     </dgm:linClrLst>
     <dgm:effectClrLst/>
     <dgm:txLinClrLst/>
@@ -1439,8 +1542,13 @@
         <a:alpha val="90000"/>
       </a:schemeClr>
     </dgm:fillClrLst>
-    <dgm:linClrLst meth="repeat">
-      <a:schemeClr val="accent1"/>
+    <dgm:linClrLst>
+      <a:schemeClr val="accent6">
+        <a:shade val="80000"/>
+      </a:schemeClr>
+      <a:schemeClr val="accent6">
+        <a:tint val="70000"/>
+      </a:schemeClr>
     </dgm:linClrLst>
     <dgm:effectClrLst/>
     <dgm:txLinClrLst/>
@@ -1455,8 +1563,13 @@
         <a:alpha val="90000"/>
       </a:schemeClr>
     </dgm:fillClrLst>
-    <dgm:linClrLst meth="repeat">
-      <a:schemeClr val="accent1"/>
+    <dgm:linClrLst>
+      <a:schemeClr val="accent6">
+        <a:shade val="80000"/>
+      </a:schemeClr>
+      <a:schemeClr val="accent6">
+        <a:tint val="70000"/>
+      </a:schemeClr>
     </dgm:linClrLst>
     <dgm:effectClrLst/>
     <dgm:txLinClrLst/>
@@ -1472,7 +1585,7 @@
       </a:schemeClr>
     </dgm:fillClrLst>
     <dgm:linClrLst meth="repeat">
-      <a:schemeClr val="accent1"/>
+      <a:schemeClr val="accent6"/>
     </dgm:linClrLst>
     <dgm:effectClrLst/>
     <dgm:txLinClrLst/>
@@ -1487,8 +1600,13 @@
         <a:alpha val="90000"/>
       </a:schemeClr>
     </dgm:fillClrLst>
-    <dgm:linClrLst meth="repeat">
-      <a:schemeClr val="accent1"/>
+    <dgm:linClrLst>
+      <a:schemeClr val="accent6">
+        <a:shade val="80000"/>
+      </a:schemeClr>
+      <a:schemeClr val="accent6">
+        <a:tint val="70000"/>
+      </a:schemeClr>
     </dgm:linClrLst>
     <dgm:effectClrLst/>
     <dgm:txLinClrLst/>
@@ -1501,8 +1619,13 @@
     <dgm:fillClrLst meth="repeat">
       <a:schemeClr val="lt1"/>
     </dgm:fillClrLst>
-    <dgm:linClrLst meth="repeat">
-      <a:schemeClr val="accent1"/>
+    <dgm:linClrLst>
+      <a:schemeClr val="accent6">
+        <a:shade val="80000"/>
+      </a:schemeClr>
+      <a:schemeClr val="accent6">
+        <a:tint val="70000"/>
+      </a:schemeClr>
     </dgm:linClrLst>
     <dgm:effectClrLst/>
     <dgm:txLinClrLst/>
@@ -1516,7 +1639,7 @@
       <a:schemeClr val="lt1"/>
     </dgm:fillClrLst>
     <dgm:linClrLst meth="repeat">
-      <a:schemeClr val="accent1"/>
+      <a:schemeClr val="accent6"/>
     </dgm:linClrLst>
     <dgm:effectClrLst/>
     <dgm:txLinClrLst/>
@@ -1530,7 +1653,7 @@
       <a:schemeClr val="lt1"/>
     </dgm:fillClrLst>
     <dgm:linClrLst meth="repeat">
-      <a:schemeClr val="accent1"/>
+      <a:schemeClr val="accent6"/>
     </dgm:linClrLst>
     <dgm:effectClrLst/>
     <dgm:txLinClrLst/>
@@ -1541,13 +1664,13 @@
   </dgm:styleLbl>
   <dgm:styleLbl name="fgAccFollowNode1">
     <dgm:fillClrLst meth="repeat">
-      <a:schemeClr val="accent1">
+      <a:schemeClr val="accent6">
         <a:alpha val="90000"/>
         <a:tint val="40000"/>
       </a:schemeClr>
     </dgm:fillClrLst>
     <dgm:linClrLst meth="repeat">
-      <a:schemeClr val="accent1">
+      <a:schemeClr val="accent6">
         <a:alpha val="90000"/>
         <a:tint val="40000"/>
       </a:schemeClr>
@@ -1561,13 +1684,13 @@
   </dgm:styleLbl>
   <dgm:styleLbl name="alignAccFollowNode1">
     <dgm:fillClrLst meth="repeat">
-      <a:schemeClr val="accent1">
+      <a:schemeClr val="accent6">
         <a:alpha val="90000"/>
         <a:tint val="40000"/>
       </a:schemeClr>
     </dgm:fillClrLst>
     <dgm:linClrLst meth="repeat">
-      <a:schemeClr val="accent1">
+      <a:schemeClr val="accent6">
         <a:alpha val="90000"/>
         <a:tint val="40000"/>
       </a:schemeClr>
@@ -1581,16 +1704,13 @@
   </dgm:styleLbl>
   <dgm:styleLbl name="bgAccFollowNode1">
     <dgm:fillClrLst meth="repeat">
-      <a:schemeClr val="accent1">
+      <a:schemeClr val="accent6">
         <a:alpha val="90000"/>
         <a:tint val="40000"/>
       </a:schemeClr>
     </dgm:fillClrLst>
     <dgm:linClrLst meth="repeat">
-      <a:schemeClr val="accent1">
-        <a:alpha val="90000"/>
-        <a:tint val="40000"/>
-      </a:schemeClr>
+      <a:schemeClr val="lt1"/>
     </dgm:linClrLst>
     <dgm:effectClrLst/>
     <dgm:txLinClrLst/>
@@ -1606,7 +1726,9 @@
       </a:schemeClr>
     </dgm:fillClrLst>
     <dgm:linClrLst meth="repeat">
-      <a:schemeClr val="accent1"/>
+      <a:schemeClr val="accent6">
+        <a:shade val="80000"/>
+      </a:schemeClr>
     </dgm:linClrLst>
     <dgm:effectClrLst/>
     <dgm:txLinClrLst/>
@@ -1622,7 +1744,9 @@
       </a:schemeClr>
     </dgm:fillClrLst>
     <dgm:linClrLst meth="repeat">
-      <a:schemeClr val="accent1"/>
+      <a:schemeClr val="accent6">
+        <a:tint val="99000"/>
+      </a:schemeClr>
     </dgm:linClrLst>
     <dgm:effectClrLst/>
     <dgm:txLinClrLst/>
@@ -1638,7 +1762,9 @@
       </a:schemeClr>
     </dgm:fillClrLst>
     <dgm:linClrLst meth="repeat">
-      <a:schemeClr val="accent1"/>
+      <a:schemeClr val="accent6">
+        <a:tint val="80000"/>
+      </a:schemeClr>
     </dgm:linClrLst>
     <dgm:effectClrLst/>
     <dgm:txLinClrLst/>
@@ -1654,7 +1780,9 @@
       </a:schemeClr>
     </dgm:fillClrLst>
     <dgm:linClrLst meth="repeat">
-      <a:schemeClr val="accent1"/>
+      <a:schemeClr val="accent6">
+        <a:tint val="70000"/>
+      </a:schemeClr>
     </dgm:linClrLst>
     <dgm:effectClrLst/>
     <dgm:txLinClrLst/>
@@ -1665,12 +1793,12 @@
   </dgm:styleLbl>
   <dgm:styleLbl name="bgShp">
     <dgm:fillClrLst meth="repeat">
-      <a:schemeClr val="accent1">
+      <a:schemeClr val="accent6">
         <a:tint val="40000"/>
       </a:schemeClr>
     </dgm:fillClrLst>
     <dgm:linClrLst meth="repeat">
-      <a:schemeClr val="accent1"/>
+      <a:schemeClr val="dk1"/>
     </dgm:linClrLst>
     <dgm:effectClrLst/>
     <dgm:txLinClrLst/>
@@ -1681,12 +1809,12 @@
   </dgm:styleLbl>
   <dgm:styleLbl name="dkBgShp">
     <dgm:fillClrLst meth="repeat">
-      <a:schemeClr val="accent1">
-        <a:shade val="80000"/>
+      <a:schemeClr val="accent6">
+        <a:shade val="90000"/>
       </a:schemeClr>
     </dgm:fillClrLst>
     <dgm:linClrLst meth="repeat">
-      <a:schemeClr val="accent1"/>
+      <a:schemeClr val="dk1"/>
     </dgm:linClrLst>
     <dgm:effectClrLst/>
     <dgm:txLinClrLst/>
@@ -1697,13 +1825,13 @@
   </dgm:styleLbl>
   <dgm:styleLbl name="trBgShp">
     <dgm:fillClrLst meth="repeat">
-      <a:schemeClr val="accent1">
+      <a:schemeClr val="accent6">
         <a:tint val="50000"/>
         <a:alpha val="40000"/>
       </a:schemeClr>
     </dgm:fillClrLst>
     <dgm:linClrLst meth="repeat">
-      <a:schemeClr val="accent1"/>
+      <a:schemeClr val="accent6"/>
     </dgm:linClrLst>
     <dgm:effectClrLst/>
     <dgm:txLinClrLst/>
@@ -1714,8 +1842,8 @@
   </dgm:styleLbl>
   <dgm:styleLbl name="fgShp">
     <dgm:fillClrLst meth="repeat">
-      <a:schemeClr val="accent1">
-        <a:tint val="60000"/>
+      <a:schemeClr val="accent6">
+        <a:tint val="40000"/>
       </a:schemeClr>
     </dgm:fillClrLst>
     <dgm:linClrLst meth="repeat">
@@ -2093,13 +2221,6 @@
         </dgm:presLayoutVars>
       </dgm:prSet>
       <dgm:spPr/>
-      <dgm:t>
-        <a:bodyPr/>
-        <a:lstStyle/>
-        <a:p>
-          <a:endParaRPr lang="de-AT"/>
-        </a:p>
-      </dgm:t>
     </dgm:pt>
     <dgm:pt modelId="{6BB8C8E9-B8FC-4DEE-8A0B-D17C125102CA}" type="pres">
       <dgm:prSet presAssocID="{99069FC0-9F60-45F4-9E47-46CBCAB3F8F3}" presName="dummyMaxCanvas" presStyleCnt="0">
@@ -2114,13 +2235,6 @@
         </dgm:presLayoutVars>
       </dgm:prSet>
       <dgm:spPr/>
-      <dgm:t>
-        <a:bodyPr/>
-        <a:lstStyle/>
-        <a:p>
-          <a:endParaRPr lang="de-AT"/>
-        </a:p>
-      </dgm:t>
     </dgm:pt>
     <dgm:pt modelId="{671FC2C8-5909-4A2E-A827-040AB6C8DA8E}" type="pres">
       <dgm:prSet presAssocID="{99069FC0-9F60-45F4-9E47-46CBCAB3F8F3}" presName="FiveNodes_2" presStyleLbl="node1" presStyleIdx="1" presStyleCnt="5">
@@ -2129,13 +2243,6 @@
         </dgm:presLayoutVars>
       </dgm:prSet>
       <dgm:spPr/>
-      <dgm:t>
-        <a:bodyPr/>
-        <a:lstStyle/>
-        <a:p>
-          <a:endParaRPr lang="de-AT"/>
-        </a:p>
-      </dgm:t>
     </dgm:pt>
     <dgm:pt modelId="{7B91258B-4D4A-4F88-8301-122CEA9F752F}" type="pres">
       <dgm:prSet presAssocID="{99069FC0-9F60-45F4-9E47-46CBCAB3F8F3}" presName="FiveNodes_3" presStyleLbl="node1" presStyleIdx="2" presStyleCnt="5">
@@ -2144,13 +2251,6 @@
         </dgm:presLayoutVars>
       </dgm:prSet>
       <dgm:spPr/>
-      <dgm:t>
-        <a:bodyPr/>
-        <a:lstStyle/>
-        <a:p>
-          <a:endParaRPr lang="de-AT"/>
-        </a:p>
-      </dgm:t>
     </dgm:pt>
     <dgm:pt modelId="{55BCC889-CAAD-4374-8856-6952F5CFF401}" type="pres">
       <dgm:prSet presAssocID="{99069FC0-9F60-45F4-9E47-46CBCAB3F8F3}" presName="FiveNodes_4" presStyleLbl="node1" presStyleIdx="3" presStyleCnt="5">
@@ -2159,13 +2259,6 @@
         </dgm:presLayoutVars>
       </dgm:prSet>
       <dgm:spPr/>
-      <dgm:t>
-        <a:bodyPr/>
-        <a:lstStyle/>
-        <a:p>
-          <a:endParaRPr lang="de-AT"/>
-        </a:p>
-      </dgm:t>
     </dgm:pt>
     <dgm:pt modelId="{572CEF6F-1A64-4A4B-8007-8CFAF59DE9D8}" type="pres">
       <dgm:prSet presAssocID="{99069FC0-9F60-45F4-9E47-46CBCAB3F8F3}" presName="FiveNodes_5" presStyleLbl="node1" presStyleIdx="4" presStyleCnt="5">
@@ -2174,13 +2267,6 @@
         </dgm:presLayoutVars>
       </dgm:prSet>
       <dgm:spPr/>
-      <dgm:t>
-        <a:bodyPr/>
-        <a:lstStyle/>
-        <a:p>
-          <a:endParaRPr lang="de-AT"/>
-        </a:p>
-      </dgm:t>
     </dgm:pt>
     <dgm:pt modelId="{CE2ECF41-7740-49D6-9FBB-E7C1F8E6C8AD}" type="pres">
       <dgm:prSet presAssocID="{99069FC0-9F60-45F4-9E47-46CBCAB3F8F3}" presName="FiveConn_1-2" presStyleLbl="fgAccFollowNode1" presStyleIdx="0" presStyleCnt="4">
@@ -2189,13 +2275,6 @@
         </dgm:presLayoutVars>
       </dgm:prSet>
       <dgm:spPr/>
-      <dgm:t>
-        <a:bodyPr/>
-        <a:lstStyle/>
-        <a:p>
-          <a:endParaRPr lang="de-AT"/>
-        </a:p>
-      </dgm:t>
     </dgm:pt>
     <dgm:pt modelId="{7B858E7B-AF12-4D38-BA92-0F2CCB08BE30}" type="pres">
       <dgm:prSet presAssocID="{99069FC0-9F60-45F4-9E47-46CBCAB3F8F3}" presName="FiveConn_2-3" presStyleLbl="fgAccFollowNode1" presStyleIdx="1" presStyleCnt="4">
@@ -2204,13 +2283,6 @@
         </dgm:presLayoutVars>
       </dgm:prSet>
       <dgm:spPr/>
-      <dgm:t>
-        <a:bodyPr/>
-        <a:lstStyle/>
-        <a:p>
-          <a:endParaRPr lang="de-AT"/>
-        </a:p>
-      </dgm:t>
     </dgm:pt>
     <dgm:pt modelId="{CA3D3879-6CDE-4D93-952E-00B9147C7271}" type="pres">
       <dgm:prSet presAssocID="{99069FC0-9F60-45F4-9E47-46CBCAB3F8F3}" presName="FiveConn_3-4" presStyleLbl="fgAccFollowNode1" presStyleIdx="2" presStyleCnt="4">
@@ -2219,13 +2291,6 @@
         </dgm:presLayoutVars>
       </dgm:prSet>
       <dgm:spPr/>
-      <dgm:t>
-        <a:bodyPr/>
-        <a:lstStyle/>
-        <a:p>
-          <a:endParaRPr lang="de-AT"/>
-        </a:p>
-      </dgm:t>
     </dgm:pt>
     <dgm:pt modelId="{9F6968B4-7F89-42C4-A01F-4E8C734F16F6}" type="pres">
       <dgm:prSet presAssocID="{99069FC0-9F60-45F4-9E47-46CBCAB3F8F3}" presName="FiveConn_4-5" presStyleLbl="fgAccFollowNode1" presStyleIdx="3" presStyleCnt="4">
@@ -2234,13 +2299,6 @@
         </dgm:presLayoutVars>
       </dgm:prSet>
       <dgm:spPr/>
-      <dgm:t>
-        <a:bodyPr/>
-        <a:lstStyle/>
-        <a:p>
-          <a:endParaRPr lang="de-AT"/>
-        </a:p>
-      </dgm:t>
     </dgm:pt>
     <dgm:pt modelId="{1F403867-B9D4-4C87-B7B4-133238B90020}" type="pres">
       <dgm:prSet presAssocID="{99069FC0-9F60-45F4-9E47-46CBCAB3F8F3}" presName="FiveNodes_1_text" presStyleLbl="node1" presStyleIdx="4" presStyleCnt="5">
@@ -2249,13 +2307,6 @@
         </dgm:presLayoutVars>
       </dgm:prSet>
       <dgm:spPr/>
-      <dgm:t>
-        <a:bodyPr/>
-        <a:lstStyle/>
-        <a:p>
-          <a:endParaRPr lang="de-AT"/>
-        </a:p>
-      </dgm:t>
     </dgm:pt>
     <dgm:pt modelId="{90635F39-67BC-4192-BB61-98B07186F46F}" type="pres">
       <dgm:prSet presAssocID="{99069FC0-9F60-45F4-9E47-46CBCAB3F8F3}" presName="FiveNodes_2_text" presStyleLbl="node1" presStyleIdx="4" presStyleCnt="5">
@@ -2264,13 +2315,6 @@
         </dgm:presLayoutVars>
       </dgm:prSet>
       <dgm:spPr/>
-      <dgm:t>
-        <a:bodyPr/>
-        <a:lstStyle/>
-        <a:p>
-          <a:endParaRPr lang="de-AT"/>
-        </a:p>
-      </dgm:t>
     </dgm:pt>
     <dgm:pt modelId="{85D60703-0EFE-44BA-94EA-805EDB2FC301}" type="pres">
       <dgm:prSet presAssocID="{99069FC0-9F60-45F4-9E47-46CBCAB3F8F3}" presName="FiveNodes_3_text" presStyleLbl="node1" presStyleIdx="4" presStyleCnt="5">
@@ -2279,13 +2323,6 @@
         </dgm:presLayoutVars>
       </dgm:prSet>
       <dgm:spPr/>
-      <dgm:t>
-        <a:bodyPr/>
-        <a:lstStyle/>
-        <a:p>
-          <a:endParaRPr lang="de-AT"/>
-        </a:p>
-      </dgm:t>
     </dgm:pt>
     <dgm:pt modelId="{C8A472AB-DAC2-4CF0-9144-C36244317137}" type="pres">
       <dgm:prSet presAssocID="{99069FC0-9F60-45F4-9E47-46CBCAB3F8F3}" presName="FiveNodes_4_text" presStyleLbl="node1" presStyleIdx="4" presStyleCnt="5">
@@ -2294,13 +2331,6 @@
         </dgm:presLayoutVars>
       </dgm:prSet>
       <dgm:spPr/>
-      <dgm:t>
-        <a:bodyPr/>
-        <a:lstStyle/>
-        <a:p>
-          <a:endParaRPr lang="de-AT"/>
-        </a:p>
-      </dgm:t>
     </dgm:pt>
     <dgm:pt modelId="{F7D1465F-5B8A-46C0-AE87-FDABA5C7CB56}" type="pres">
       <dgm:prSet presAssocID="{99069FC0-9F60-45F4-9E47-46CBCAB3F8F3}" presName="FiveNodes_5_text" presStyleLbl="node1" presStyleIdx="4" presStyleCnt="5">
@@ -2309,40 +2339,33 @@
         </dgm:presLayoutVars>
       </dgm:prSet>
       <dgm:spPr/>
-      <dgm:t>
-        <a:bodyPr/>
-        <a:lstStyle/>
-        <a:p>
-          <a:endParaRPr lang="de-AT"/>
-        </a:p>
-      </dgm:t>
     </dgm:pt>
   </dgm:ptLst>
   <dgm:cxnLst>
+    <dgm:cxn modelId="{946F9203-4BD6-46F0-9CA9-F9DB198EFF18}" type="presOf" srcId="{885E2A3A-F382-46E7-BDBC-91CA62614996}" destId="{55BCC889-CAAD-4374-8856-6952F5CFF401}" srcOrd="0" destOrd="0" presId="urn:microsoft.com/office/officeart/2005/8/layout/vProcess5"/>
+    <dgm:cxn modelId="{73F9901A-BF87-438E-AE0B-6E554CDF2F63}" type="presOf" srcId="{885E2A3A-F382-46E7-BDBC-91CA62614996}" destId="{C8A472AB-DAC2-4CF0-9144-C36244317137}" srcOrd="1" destOrd="0" presId="urn:microsoft.com/office/officeart/2005/8/layout/vProcess5"/>
+    <dgm:cxn modelId="{FAA3911C-E36F-4E03-AF0C-921DA36ABEC6}" srcId="{99069FC0-9F60-45F4-9E47-46CBCAB3F8F3}" destId="{EFB72154-034D-4403-BA06-7D8CDE168212}" srcOrd="4" destOrd="0" parTransId="{DBA9CFDA-01EC-40C8-9B6E-FF91120323FA}" sibTransId="{00533C84-FF7D-4DC3-B93A-D19F95CEE633}"/>
+    <dgm:cxn modelId="{0525B51C-8BFA-4F36-8ECD-379B758C717C}" type="presOf" srcId="{C39FE4D2-D0BD-47E9-BAE3-4743304ADBC7}" destId="{CA3D3879-6CDE-4D93-952E-00B9147C7271}" srcOrd="0" destOrd="0" presId="urn:microsoft.com/office/officeart/2005/8/layout/vProcess5"/>
+    <dgm:cxn modelId="{CFFF5C23-D98D-4B8F-A443-A4F453D8B8B7}" srcId="{99069FC0-9F60-45F4-9E47-46CBCAB3F8F3}" destId="{E850A748-FCEC-41D0-BB7D-E8FC41DAEF2F}" srcOrd="8" destOrd="0" parTransId="{B1A62C03-FBD3-4DDA-A29F-FAC609D368F0}" sibTransId="{36781B70-91E8-49D6-AFD3-4EFE1C860C06}"/>
+    <dgm:cxn modelId="{2806BD61-9FC7-4F48-A58F-87F578DCC705}" type="presOf" srcId="{0EECAA48-9104-4AC7-A5CA-45491AB9BFFC}" destId="{CE2ECF41-7740-49D6-9FBB-E7C1F8E6C8AD}" srcOrd="0" destOrd="0" presId="urn:microsoft.com/office/officeart/2005/8/layout/vProcess5"/>
+    <dgm:cxn modelId="{6F15CA64-FDCB-467C-9C71-C1962BF53B5B}" type="presOf" srcId="{36B7B34F-8611-48C7-B00E-180C0B481CFA}" destId="{7B91258B-4D4A-4F88-8301-122CEA9F752F}" srcOrd="0" destOrd="0" presId="urn:microsoft.com/office/officeart/2005/8/layout/vProcess5"/>
+    <dgm:cxn modelId="{97E6C466-D406-4F93-A544-23D8A5513AB5}" type="presOf" srcId="{08A0D1C0-324C-46A4-B0D1-703DC71C5056}" destId="{671FC2C8-5909-4A2E-A827-040AB6C8DA8E}" srcOrd="0" destOrd="0" presId="urn:microsoft.com/office/officeart/2005/8/layout/vProcess5"/>
+    <dgm:cxn modelId="{2A749D6A-2969-43D5-BC32-B9EC870DAA10}" type="presOf" srcId="{EFB72154-034D-4403-BA06-7D8CDE168212}" destId="{F7D1465F-5B8A-46C0-AE87-FDABA5C7CB56}" srcOrd="1" destOrd="0" presId="urn:microsoft.com/office/officeart/2005/8/layout/vProcess5"/>
+    <dgm:cxn modelId="{7CDE1C6D-3F75-453C-A368-BEAD768A4167}" srcId="{99069FC0-9F60-45F4-9E47-46CBCAB3F8F3}" destId="{45F056C0-7A97-480F-9804-6BFDB389B56C}" srcOrd="7" destOrd="0" parTransId="{0FD1777A-D5A3-4316-85D5-7DCC182FBD53}" sibTransId="{26D8DDE9-EAA0-4673-AB27-B910552C5A4D}"/>
+    <dgm:cxn modelId="{E14C876E-41CA-4DA7-B9EB-AF0A32F8044C}" srcId="{99069FC0-9F60-45F4-9E47-46CBCAB3F8F3}" destId="{36B7B34F-8611-48C7-B00E-180C0B481CFA}" srcOrd="2" destOrd="0" parTransId="{B2D9C8E5-0A5D-4CA2-8637-2FEBF191A8C5}" sibTransId="{C39FE4D2-D0BD-47E9-BAE3-4743304ADBC7}"/>
+    <dgm:cxn modelId="{5E428972-9D51-49B2-A3EE-EEC123C2C12B}" type="presOf" srcId="{D7C57CBE-46B5-489F-98DD-D39B525222F9}" destId="{1F403867-B9D4-4C87-B7B4-133238B90020}" srcOrd="1" destOrd="0" presId="urn:microsoft.com/office/officeart/2005/8/layout/vProcess5"/>
+    <dgm:cxn modelId="{C800495A-AAC4-4A1A-95F0-4185C2C16BBC}" type="presOf" srcId="{08A0D1C0-324C-46A4-B0D1-703DC71C5056}" destId="{90635F39-67BC-4192-BB61-98B07186F46F}" srcOrd="1" destOrd="0" presId="urn:microsoft.com/office/officeart/2005/8/layout/vProcess5"/>
+    <dgm:cxn modelId="{03361E81-C909-4EDA-85EF-E6D89B3B86CD}" type="presOf" srcId="{D7C57CBE-46B5-489F-98DD-D39B525222F9}" destId="{7F74E3FD-2C05-4622-845F-9D8EC863D09D}" srcOrd="0" destOrd="0" presId="urn:microsoft.com/office/officeart/2005/8/layout/vProcess5"/>
+    <dgm:cxn modelId="{48DB2988-67F0-47F5-B183-5C40C26127C9}" srcId="{99069FC0-9F60-45F4-9E47-46CBCAB3F8F3}" destId="{08A0D1C0-324C-46A4-B0D1-703DC71C5056}" srcOrd="1" destOrd="0" parTransId="{144DFD72-109C-47CC-A1B9-57762BA88802}" sibTransId="{9D65DD2D-747C-49E9-A9B9-F194E616EB34}"/>
+    <dgm:cxn modelId="{8BB2B3B4-7114-4EBE-AD41-A5EB57C3EDCE}" type="presOf" srcId="{EFB72154-034D-4403-BA06-7D8CDE168212}" destId="{572CEF6F-1A64-4A4B-8007-8CFAF59DE9D8}" srcOrd="0" destOrd="0" presId="urn:microsoft.com/office/officeart/2005/8/layout/vProcess5"/>
+    <dgm:cxn modelId="{154FA8C7-6D0D-43B5-A7C3-F9A1C9ABE109}" type="presOf" srcId="{36B7B34F-8611-48C7-B00E-180C0B481CFA}" destId="{85D60703-0EFE-44BA-94EA-805EDB2FC301}" srcOrd="1" destOrd="0" presId="urn:microsoft.com/office/officeart/2005/8/layout/vProcess5"/>
+    <dgm:cxn modelId="{7EC3FFCF-475E-4140-B32D-0D315A3F8F87}" srcId="{99069FC0-9F60-45F4-9E47-46CBCAB3F8F3}" destId="{D7C57CBE-46B5-489F-98DD-D39B525222F9}" srcOrd="0" destOrd="0" parTransId="{6B67A02F-200F-4D2B-8C22-B64D32D1CF8A}" sibTransId="{0EECAA48-9104-4AC7-A5CA-45491AB9BFFC}"/>
     <dgm:cxn modelId="{8C8357D3-86A0-4F1B-84F6-5A76B0832460}" srcId="{99069FC0-9F60-45F4-9E47-46CBCAB3F8F3}" destId="{885E2A3A-F382-46E7-BDBC-91CA62614996}" srcOrd="3" destOrd="0" parTransId="{B7AA294B-187D-45E3-8664-EE5758CBD3EC}" sibTransId="{D0BC6464-DF88-4A99-92A2-FD526D5F19C2}"/>
+    <dgm:cxn modelId="{7112A1D5-BC36-4C49-BA4E-D686F449096F}" srcId="{99069FC0-9F60-45F4-9E47-46CBCAB3F8F3}" destId="{840E2858-83B2-4D59-BCB9-A830A585A651}" srcOrd="5" destOrd="0" parTransId="{52FE7F11-D13D-4629-99D1-4707B686EAA3}" sibTransId="{762C151F-A98A-4017-B200-86193B8D02C3}"/>
     <dgm:cxn modelId="{1EA324DC-F5EE-42DE-9E9E-F9E58889BF1F}" type="presOf" srcId="{99069FC0-9F60-45F4-9E47-46CBCAB3F8F3}" destId="{3B659A3F-F5C6-44B9-BAB4-AC27C3D02A21}" srcOrd="0" destOrd="0" presId="urn:microsoft.com/office/officeart/2005/8/layout/vProcess5"/>
-    <dgm:cxn modelId="{946F9203-4BD6-46F0-9CA9-F9DB198EFF18}" type="presOf" srcId="{885E2A3A-F382-46E7-BDBC-91CA62614996}" destId="{55BCC889-CAAD-4374-8856-6952F5CFF401}" srcOrd="0" destOrd="0" presId="urn:microsoft.com/office/officeart/2005/8/layout/vProcess5"/>
-    <dgm:cxn modelId="{03361E81-C909-4EDA-85EF-E6D89B3B86CD}" type="presOf" srcId="{D7C57CBE-46B5-489F-98DD-D39B525222F9}" destId="{7F74E3FD-2C05-4622-845F-9D8EC863D09D}" srcOrd="0" destOrd="0" presId="urn:microsoft.com/office/officeart/2005/8/layout/vProcess5"/>
-    <dgm:cxn modelId="{7112A1D5-BC36-4C49-BA4E-D686F449096F}" srcId="{99069FC0-9F60-45F4-9E47-46CBCAB3F8F3}" destId="{840E2858-83B2-4D59-BCB9-A830A585A651}" srcOrd="5" destOrd="0" parTransId="{52FE7F11-D13D-4629-99D1-4707B686EAA3}" sibTransId="{762C151F-A98A-4017-B200-86193B8D02C3}"/>
-    <dgm:cxn modelId="{2A749D6A-2969-43D5-BC32-B9EC870DAA10}" type="presOf" srcId="{EFB72154-034D-4403-BA06-7D8CDE168212}" destId="{F7D1465F-5B8A-46C0-AE87-FDABA5C7CB56}" srcOrd="1" destOrd="0" presId="urn:microsoft.com/office/officeart/2005/8/layout/vProcess5"/>
-    <dgm:cxn modelId="{48DB2988-67F0-47F5-B183-5C40C26127C9}" srcId="{99069FC0-9F60-45F4-9E47-46CBCAB3F8F3}" destId="{08A0D1C0-324C-46A4-B0D1-703DC71C5056}" srcOrd="1" destOrd="0" parTransId="{144DFD72-109C-47CC-A1B9-57762BA88802}" sibTransId="{9D65DD2D-747C-49E9-A9B9-F194E616EB34}"/>
     <dgm:cxn modelId="{73D28EF5-1E46-41F5-967F-ADBDFEC9B335}" type="presOf" srcId="{9D65DD2D-747C-49E9-A9B9-F194E616EB34}" destId="{7B858E7B-AF12-4D38-BA92-0F2CCB08BE30}" srcOrd="0" destOrd="0" presId="urn:microsoft.com/office/officeart/2005/8/layout/vProcess5"/>
-    <dgm:cxn modelId="{6F15CA64-FDCB-467C-9C71-C1962BF53B5B}" type="presOf" srcId="{36B7B34F-8611-48C7-B00E-180C0B481CFA}" destId="{7B91258B-4D4A-4F88-8301-122CEA9F752F}" srcOrd="0" destOrd="0" presId="urn:microsoft.com/office/officeart/2005/8/layout/vProcess5"/>
-    <dgm:cxn modelId="{154FA8C7-6D0D-43B5-A7C3-F9A1C9ABE109}" type="presOf" srcId="{36B7B34F-8611-48C7-B00E-180C0B481CFA}" destId="{85D60703-0EFE-44BA-94EA-805EDB2FC301}" srcOrd="1" destOrd="0" presId="urn:microsoft.com/office/officeart/2005/8/layout/vProcess5"/>
     <dgm:cxn modelId="{1619D3FD-923B-42F6-B3C6-A419B8D3C2C2}" srcId="{99069FC0-9F60-45F4-9E47-46CBCAB3F8F3}" destId="{7D8F9F75-4235-4EC9-B960-D82D1853353A}" srcOrd="6" destOrd="0" parTransId="{382A0AD3-EE0F-48C9-A7E5-8DAC86CBA3D8}" sibTransId="{0398790C-0843-4BD3-ACB8-73D35ABABD14}"/>
     <dgm:cxn modelId="{B63CDBFF-986D-4BD7-A600-F23B3E4D812E}" type="presOf" srcId="{D0BC6464-DF88-4A99-92A2-FD526D5F19C2}" destId="{9F6968B4-7F89-42C4-A01F-4E8C734F16F6}" srcOrd="0" destOrd="0" presId="urn:microsoft.com/office/officeart/2005/8/layout/vProcess5"/>
-    <dgm:cxn modelId="{E14C876E-41CA-4DA7-B9EB-AF0A32F8044C}" srcId="{99069FC0-9F60-45F4-9E47-46CBCAB3F8F3}" destId="{36B7B34F-8611-48C7-B00E-180C0B481CFA}" srcOrd="2" destOrd="0" parTransId="{B2D9C8E5-0A5D-4CA2-8637-2FEBF191A8C5}" sibTransId="{C39FE4D2-D0BD-47E9-BAE3-4743304ADBC7}"/>
-    <dgm:cxn modelId="{C800495A-AAC4-4A1A-95F0-4185C2C16BBC}" type="presOf" srcId="{08A0D1C0-324C-46A4-B0D1-703DC71C5056}" destId="{90635F39-67BC-4192-BB61-98B07186F46F}" srcOrd="1" destOrd="0" presId="urn:microsoft.com/office/officeart/2005/8/layout/vProcess5"/>
-    <dgm:cxn modelId="{97E6C466-D406-4F93-A544-23D8A5513AB5}" type="presOf" srcId="{08A0D1C0-324C-46A4-B0D1-703DC71C5056}" destId="{671FC2C8-5909-4A2E-A827-040AB6C8DA8E}" srcOrd="0" destOrd="0" presId="urn:microsoft.com/office/officeart/2005/8/layout/vProcess5"/>
-    <dgm:cxn modelId="{FAA3911C-E36F-4E03-AF0C-921DA36ABEC6}" srcId="{99069FC0-9F60-45F4-9E47-46CBCAB3F8F3}" destId="{EFB72154-034D-4403-BA06-7D8CDE168212}" srcOrd="4" destOrd="0" parTransId="{DBA9CFDA-01EC-40C8-9B6E-FF91120323FA}" sibTransId="{00533C84-FF7D-4DC3-B93A-D19F95CEE633}"/>
-    <dgm:cxn modelId="{8BB2B3B4-7114-4EBE-AD41-A5EB57C3EDCE}" type="presOf" srcId="{EFB72154-034D-4403-BA06-7D8CDE168212}" destId="{572CEF6F-1A64-4A4B-8007-8CFAF59DE9D8}" srcOrd="0" destOrd="0" presId="urn:microsoft.com/office/officeart/2005/8/layout/vProcess5"/>
-    <dgm:cxn modelId="{2806BD61-9FC7-4F48-A58F-87F578DCC705}" type="presOf" srcId="{0EECAA48-9104-4AC7-A5CA-45491AB9BFFC}" destId="{CE2ECF41-7740-49D6-9FBB-E7C1F8E6C8AD}" srcOrd="0" destOrd="0" presId="urn:microsoft.com/office/officeart/2005/8/layout/vProcess5"/>
-    <dgm:cxn modelId="{7EC3FFCF-475E-4140-B32D-0D315A3F8F87}" srcId="{99069FC0-9F60-45F4-9E47-46CBCAB3F8F3}" destId="{D7C57CBE-46B5-489F-98DD-D39B525222F9}" srcOrd="0" destOrd="0" parTransId="{6B67A02F-200F-4D2B-8C22-B64D32D1CF8A}" sibTransId="{0EECAA48-9104-4AC7-A5CA-45491AB9BFFC}"/>
-    <dgm:cxn modelId="{73F9901A-BF87-438E-AE0B-6E554CDF2F63}" type="presOf" srcId="{885E2A3A-F382-46E7-BDBC-91CA62614996}" destId="{C8A472AB-DAC2-4CF0-9144-C36244317137}" srcOrd="1" destOrd="0" presId="urn:microsoft.com/office/officeart/2005/8/layout/vProcess5"/>
-    <dgm:cxn modelId="{0525B51C-8BFA-4F36-8ECD-379B758C717C}" type="presOf" srcId="{C39FE4D2-D0BD-47E9-BAE3-4743304ADBC7}" destId="{CA3D3879-6CDE-4D93-952E-00B9147C7271}" srcOrd="0" destOrd="0" presId="urn:microsoft.com/office/officeart/2005/8/layout/vProcess5"/>
-    <dgm:cxn modelId="{CFFF5C23-D98D-4B8F-A443-A4F453D8B8B7}" srcId="{99069FC0-9F60-45F4-9E47-46CBCAB3F8F3}" destId="{E850A748-FCEC-41D0-BB7D-E8FC41DAEF2F}" srcOrd="8" destOrd="0" parTransId="{B1A62C03-FBD3-4DDA-A29F-FAC609D368F0}" sibTransId="{36781B70-91E8-49D6-AFD3-4EFE1C860C06}"/>
-    <dgm:cxn modelId="{7CDE1C6D-3F75-453C-A368-BEAD768A4167}" srcId="{99069FC0-9F60-45F4-9E47-46CBCAB3F8F3}" destId="{45F056C0-7A97-480F-9804-6BFDB389B56C}" srcOrd="7" destOrd="0" parTransId="{0FD1777A-D5A3-4316-85D5-7DCC182FBD53}" sibTransId="{26D8DDE9-EAA0-4673-AB27-B910552C5A4D}"/>
-    <dgm:cxn modelId="{5E428972-9D51-49B2-A3EE-EEC123C2C12B}" type="presOf" srcId="{D7C57CBE-46B5-489F-98DD-D39B525222F9}" destId="{1F403867-B9D4-4C87-B7B4-133238B90020}" srcOrd="1" destOrd="0" presId="urn:microsoft.com/office/officeart/2005/8/layout/vProcess5"/>
     <dgm:cxn modelId="{E272CD45-A917-4A5B-A82D-B4E43206A3C3}" type="presParOf" srcId="{3B659A3F-F5C6-44B9-BAB4-AC27C3D02A21}" destId="{6BB8C8E9-B8FC-4DEE-8A0B-D17C125102CA}" srcOrd="0" destOrd="0" presId="urn:microsoft.com/office/officeart/2005/8/layout/vProcess5"/>
     <dgm:cxn modelId="{BB1D5878-FAD8-422F-8CF7-73F8462D44AC}" type="presParOf" srcId="{3B659A3F-F5C6-44B9-BAB4-AC27C3D02A21}" destId="{7F74E3FD-2C05-4622-845F-9D8EC863D09D}" srcOrd="1" destOrd="0" presId="urn:microsoft.com/office/officeart/2005/8/layout/vProcess5"/>
     <dgm:cxn modelId="{358FFDE9-49F4-49D5-85F7-D759D3E595A1}" type="presParOf" srcId="{3B659A3F-F5C6-44B9-BAB4-AC27C3D02A21}" destId="{671FC2C8-5909-4A2E-A827-040AB6C8DA8E}" srcOrd="2" destOrd="0" presId="urn:microsoft.com/office/officeart/2005/8/layout/vProcess5"/>
@@ -2373,7 +2396,7 @@
 <dgm:dataModel xmlns:dgm="http://schemas.openxmlformats.org/drawingml/2006/diagram" xmlns:a="http://schemas.openxmlformats.org/drawingml/2006/main">
   <dgm:ptLst>
     <dgm:pt modelId="{9556558F-3FB1-44F7-9332-F54CFFDFE7F8}" type="doc">
-      <dgm:prSet loTypeId="urn:microsoft.com/office/officeart/2005/8/layout/hProcess9" loCatId="process" qsTypeId="urn:microsoft.com/office/officeart/2005/8/quickstyle/simple1" qsCatId="simple" csTypeId="urn:microsoft.com/office/officeart/2005/8/colors/accent1_2" csCatId="accent1" phldr="1"/>
+      <dgm:prSet loTypeId="urn:microsoft.com/office/officeart/2005/8/layout/hProcess9" loCatId="process" qsTypeId="urn:microsoft.com/office/officeart/2005/8/quickstyle/simple1" qsCatId="simple" csTypeId="urn:microsoft.com/office/officeart/2005/8/colors/accent6_3" csCatId="accent6" phldr="1"/>
       <dgm:spPr/>
     </dgm:pt>
     <dgm:pt modelId="{05675CEE-479A-4C54-A72B-5DD502905E4F}">
@@ -2384,10 +2407,9 @@
         <a:lstStyle/>
         <a:p>
           <a:r>
-            <a:rPr lang="de-AT" dirty="0" smtClean="0"/>
+            <a:rPr lang="de-AT" dirty="0"/>
             <a:t>Bildqualität verbessern</a:t>
           </a:r>
-          <a:endParaRPr lang="de-AT" dirty="0"/>
         </a:p>
       </dgm:t>
     </dgm:pt>
@@ -2421,10 +2443,9 @@
         <a:lstStyle/>
         <a:p>
           <a:r>
-            <a:rPr lang="de-AT" dirty="0" smtClean="0"/>
+            <a:rPr lang="de-AT" dirty="0"/>
             <a:t>AI zur Erkennung von Indy</a:t>
           </a:r>
-          <a:endParaRPr lang="de-AT" dirty="0"/>
         </a:p>
       </dgm:t>
     </dgm:pt>
@@ -2458,10 +2479,9 @@
         <a:lstStyle/>
         <a:p>
           <a:r>
-            <a:rPr lang="de-AT" dirty="0" smtClean="0"/>
+            <a:rPr lang="de-AT" dirty="0"/>
             <a:t>Ausschneiden von Indy</a:t>
           </a:r>
-          <a:endParaRPr lang="de-AT" dirty="0"/>
         </a:p>
       </dgm:t>
     </dgm:pt>
@@ -2495,10 +2515,9 @@
         <a:lstStyle/>
         <a:p>
           <a:r>
-            <a:rPr lang="de-AT" dirty="0" smtClean="0"/>
+            <a:rPr lang="de-AT" dirty="0"/>
             <a:t>AI zur Erkennung der Features </a:t>
           </a:r>
-          <a:endParaRPr lang="de-AT" dirty="0"/>
         </a:p>
       </dgm:t>
     </dgm:pt>
@@ -2524,7 +2543,7 @@
         </a:p>
       </dgm:t>
     </dgm:pt>
-    <dgm:pt modelId="{6C92ADBE-AD16-47A0-9539-B9B74CE51419}" type="pres">
+    <dgm:pt modelId="{79004104-5A25-4D86-BC7C-9D58A438DA39}" type="pres">
       <dgm:prSet presAssocID="{9556558F-3FB1-44F7-9332-F54CFFDFE7F8}" presName="CompostProcess" presStyleCnt="0">
         <dgm:presLayoutVars>
           <dgm:dir/>
@@ -2533,106 +2552,78 @@
       </dgm:prSet>
       <dgm:spPr/>
     </dgm:pt>
-    <dgm:pt modelId="{E2FDC2BD-7940-447E-B607-D3321D054926}" type="pres">
+    <dgm:pt modelId="{2F4F65C1-0761-4022-8830-9487ACEF8F19}" type="pres">
       <dgm:prSet presAssocID="{9556558F-3FB1-44F7-9332-F54CFFDFE7F8}" presName="arrow" presStyleLbl="bgShp" presStyleIdx="0" presStyleCnt="1"/>
       <dgm:spPr/>
     </dgm:pt>
-    <dgm:pt modelId="{D6470FA2-3C84-4D35-9B72-68917E4501DE}" type="pres">
+    <dgm:pt modelId="{6656579E-1140-41A4-8E25-7A0BCEB11BBC}" type="pres">
       <dgm:prSet presAssocID="{9556558F-3FB1-44F7-9332-F54CFFDFE7F8}" presName="linearProcess" presStyleCnt="0"/>
       <dgm:spPr/>
     </dgm:pt>
-    <dgm:pt modelId="{E567429E-6C5B-411E-BC60-400B9B1E48CB}" type="pres">
+    <dgm:pt modelId="{6397242D-0BC6-478F-A3EE-E82FC287B0EC}" type="pres">
       <dgm:prSet presAssocID="{05675CEE-479A-4C54-A72B-5DD502905E4F}" presName="textNode" presStyleLbl="node1" presStyleIdx="0" presStyleCnt="4">
         <dgm:presLayoutVars>
           <dgm:bulletEnabled val="1"/>
         </dgm:presLayoutVars>
       </dgm:prSet>
       <dgm:spPr/>
-      <dgm:t>
-        <a:bodyPr/>
-        <a:lstStyle/>
-        <a:p>
-          <a:endParaRPr lang="de-AT"/>
-        </a:p>
-      </dgm:t>
     </dgm:pt>
-    <dgm:pt modelId="{285A6752-6B3E-42E7-BD87-F937276B660B}" type="pres">
+    <dgm:pt modelId="{157F8676-EDB2-4810-8C21-E142581218F4}" type="pres">
       <dgm:prSet presAssocID="{0BF5E556-5CAF-444B-BCC3-218F17DC7FD5}" presName="sibTrans" presStyleCnt="0"/>
       <dgm:spPr/>
     </dgm:pt>
-    <dgm:pt modelId="{0B4E4981-F842-435D-B214-10696A96AE3A}" type="pres">
+    <dgm:pt modelId="{30033A6C-B49F-4D43-9B33-71B46E38057D}" type="pres">
       <dgm:prSet presAssocID="{A98345FC-E306-4776-B0DA-2A87EFAA58AE}" presName="textNode" presStyleLbl="node1" presStyleIdx="1" presStyleCnt="4">
         <dgm:presLayoutVars>
           <dgm:bulletEnabled val="1"/>
         </dgm:presLayoutVars>
       </dgm:prSet>
       <dgm:spPr/>
-      <dgm:t>
-        <a:bodyPr/>
-        <a:lstStyle/>
-        <a:p>
-          <a:endParaRPr lang="de-AT"/>
-        </a:p>
-      </dgm:t>
     </dgm:pt>
-    <dgm:pt modelId="{E200C877-1713-4887-95C3-AD8B518F564B}" type="pres">
+    <dgm:pt modelId="{64B232AC-6179-4EBC-9340-70031F110BAB}" type="pres">
       <dgm:prSet presAssocID="{B54A3C16-B4EB-4BF5-A698-24842568AEC0}" presName="sibTrans" presStyleCnt="0"/>
       <dgm:spPr/>
     </dgm:pt>
-    <dgm:pt modelId="{2F733825-59AE-429A-952D-609966FE62B1}" type="pres">
+    <dgm:pt modelId="{8358FB2F-5D1E-472A-917F-4A699524A7A5}" type="pres">
       <dgm:prSet presAssocID="{41BD9178-99B0-4850-AEB8-FAF1681A4B2E}" presName="textNode" presStyleLbl="node1" presStyleIdx="2" presStyleCnt="4">
         <dgm:presLayoutVars>
           <dgm:bulletEnabled val="1"/>
         </dgm:presLayoutVars>
       </dgm:prSet>
       <dgm:spPr/>
-      <dgm:t>
-        <a:bodyPr/>
-        <a:lstStyle/>
-        <a:p>
-          <a:endParaRPr lang="de-AT"/>
-        </a:p>
-      </dgm:t>
     </dgm:pt>
-    <dgm:pt modelId="{EC1376FF-8599-40B1-95F5-44AADA80BD5C}" type="pres">
+    <dgm:pt modelId="{FB3802FC-6A12-4BA6-9A44-4191DA6C2904}" type="pres">
       <dgm:prSet presAssocID="{4CA996AB-349F-4B02-A82B-B190496BD513}" presName="sibTrans" presStyleCnt="0"/>
       <dgm:spPr/>
     </dgm:pt>
-    <dgm:pt modelId="{D1243569-4F90-4378-A608-C49C6D672AC8}" type="pres">
+    <dgm:pt modelId="{AB011500-F514-422E-A53D-4A92AF3F54E3}" type="pres">
       <dgm:prSet presAssocID="{E87A6B32-286F-4231-9D71-F3609F1C8531}" presName="textNode" presStyleLbl="node1" presStyleIdx="3" presStyleCnt="4">
         <dgm:presLayoutVars>
           <dgm:bulletEnabled val="1"/>
         </dgm:presLayoutVars>
       </dgm:prSet>
       <dgm:spPr/>
-      <dgm:t>
-        <a:bodyPr/>
-        <a:lstStyle/>
-        <a:p>
-          <a:endParaRPr lang="de-AT"/>
-        </a:p>
-      </dgm:t>
     </dgm:pt>
   </dgm:ptLst>
   <dgm:cxnLst>
-    <dgm:cxn modelId="{A0BFC053-207C-4FBE-A16A-DD217D1F67D0}" type="presOf" srcId="{9556558F-3FB1-44F7-9332-F54CFFDFE7F8}" destId="{6C92ADBE-AD16-47A0-9539-B9B74CE51419}" srcOrd="0" destOrd="0" presId="urn:microsoft.com/office/officeart/2005/8/layout/hProcess9"/>
+    <dgm:cxn modelId="{AF6A2626-4C34-4ED7-ABDB-3FFFF92977A0}" type="presOf" srcId="{A98345FC-E306-4776-B0DA-2A87EFAA58AE}" destId="{30033A6C-B49F-4D43-9B33-71B46E38057D}" srcOrd="0" destOrd="0" presId="urn:microsoft.com/office/officeart/2005/8/layout/hProcess9"/>
+    <dgm:cxn modelId="{52B71C28-374A-4923-B64E-241C93D9BE40}" srcId="{9556558F-3FB1-44F7-9332-F54CFFDFE7F8}" destId="{05675CEE-479A-4C54-A72B-5DD502905E4F}" srcOrd="0" destOrd="0" parTransId="{207825EB-5365-4F82-8030-DAD0F62AF3F7}" sibTransId="{0BF5E556-5CAF-444B-BCC3-218F17DC7FD5}"/>
+    <dgm:cxn modelId="{F41EFD65-E6DF-4B8B-9EE3-B91B77DACDA1}" type="presOf" srcId="{E87A6B32-286F-4231-9D71-F3609F1C8531}" destId="{AB011500-F514-422E-A53D-4A92AF3F54E3}" srcOrd="0" destOrd="0" presId="urn:microsoft.com/office/officeart/2005/8/layout/hProcess9"/>
+    <dgm:cxn modelId="{0059994C-E979-4A08-B656-A8B422268D22}" srcId="{9556558F-3FB1-44F7-9332-F54CFFDFE7F8}" destId="{41BD9178-99B0-4850-AEB8-FAF1681A4B2E}" srcOrd="2" destOrd="0" parTransId="{872F5345-B2C4-4ED7-BB92-188CABA653CD}" sibTransId="{4CA996AB-349F-4B02-A82B-B190496BD513}"/>
     <dgm:cxn modelId="{ED52B280-2679-4675-AAA1-8B5DD6FA1EEF}" srcId="{9556558F-3FB1-44F7-9332-F54CFFDFE7F8}" destId="{E87A6B32-286F-4231-9D71-F3609F1C8531}" srcOrd="3" destOrd="0" parTransId="{D925E1B0-AC5E-4602-996C-F130BEB87BD0}" sibTransId="{D50367D3-8595-4647-8D60-86382CC07C3A}"/>
-    <dgm:cxn modelId="{FE7F121B-F1E4-44D2-86D5-C16FF9530A47}" type="presOf" srcId="{A98345FC-E306-4776-B0DA-2A87EFAA58AE}" destId="{0B4E4981-F842-435D-B214-10696A96AE3A}" srcOrd="0" destOrd="0" presId="urn:microsoft.com/office/officeart/2005/8/layout/hProcess9"/>
-    <dgm:cxn modelId="{52B71C28-374A-4923-B64E-241C93D9BE40}" srcId="{9556558F-3FB1-44F7-9332-F54CFFDFE7F8}" destId="{05675CEE-479A-4C54-A72B-5DD502905E4F}" srcOrd="0" destOrd="0" parTransId="{207825EB-5365-4F82-8030-DAD0F62AF3F7}" sibTransId="{0BF5E556-5CAF-444B-BCC3-218F17DC7FD5}"/>
-    <dgm:cxn modelId="{C33BE908-C50B-4103-8268-C637613A24F1}" type="presOf" srcId="{41BD9178-99B0-4850-AEB8-FAF1681A4B2E}" destId="{2F733825-59AE-429A-952D-609966FE62B1}" srcOrd="0" destOrd="0" presId="urn:microsoft.com/office/officeart/2005/8/layout/hProcess9"/>
-    <dgm:cxn modelId="{65DEB5DE-5825-44D3-8064-84F5DF597651}" type="presOf" srcId="{05675CEE-479A-4C54-A72B-5DD502905E4F}" destId="{E567429E-6C5B-411E-BC60-400B9B1E48CB}" srcOrd="0" destOrd="0" presId="urn:microsoft.com/office/officeart/2005/8/layout/hProcess9"/>
     <dgm:cxn modelId="{03956EC0-70D1-4A40-8E5E-B3C079A00049}" srcId="{9556558F-3FB1-44F7-9332-F54CFFDFE7F8}" destId="{A98345FC-E306-4776-B0DA-2A87EFAA58AE}" srcOrd="1" destOrd="0" parTransId="{F4647900-37B5-49B1-8648-EEEA2819B32C}" sibTransId="{B54A3C16-B4EB-4BF5-A698-24842568AEC0}"/>
-    <dgm:cxn modelId="{E8279003-FCB8-4584-8DBB-E626717B5478}" type="presOf" srcId="{E87A6B32-286F-4231-9D71-F3609F1C8531}" destId="{D1243569-4F90-4378-A608-C49C6D672AC8}" srcOrd="0" destOrd="0" presId="urn:microsoft.com/office/officeart/2005/8/layout/hProcess9"/>
-    <dgm:cxn modelId="{0059994C-E979-4A08-B656-A8B422268D22}" srcId="{9556558F-3FB1-44F7-9332-F54CFFDFE7F8}" destId="{41BD9178-99B0-4850-AEB8-FAF1681A4B2E}" srcOrd="2" destOrd="0" parTransId="{872F5345-B2C4-4ED7-BB92-188CABA653CD}" sibTransId="{4CA996AB-349F-4B02-A82B-B190496BD513}"/>
-    <dgm:cxn modelId="{B92DE45C-478B-4252-92F3-72A089A6EEBE}" type="presParOf" srcId="{6C92ADBE-AD16-47A0-9539-B9B74CE51419}" destId="{E2FDC2BD-7940-447E-B607-D3321D054926}" srcOrd="0" destOrd="0" presId="urn:microsoft.com/office/officeart/2005/8/layout/hProcess9"/>
-    <dgm:cxn modelId="{4E3569A5-2785-4ABD-AB86-6981080409B4}" type="presParOf" srcId="{6C92ADBE-AD16-47A0-9539-B9B74CE51419}" destId="{D6470FA2-3C84-4D35-9B72-68917E4501DE}" srcOrd="1" destOrd="0" presId="urn:microsoft.com/office/officeart/2005/8/layout/hProcess9"/>
-    <dgm:cxn modelId="{632605BA-6D60-4971-A2D9-0C6D233E1F43}" type="presParOf" srcId="{D6470FA2-3C84-4D35-9B72-68917E4501DE}" destId="{E567429E-6C5B-411E-BC60-400B9B1E48CB}" srcOrd="0" destOrd="0" presId="urn:microsoft.com/office/officeart/2005/8/layout/hProcess9"/>
-    <dgm:cxn modelId="{19C50FAE-8175-4477-B254-1A93F99C331A}" type="presParOf" srcId="{D6470FA2-3C84-4D35-9B72-68917E4501DE}" destId="{285A6752-6B3E-42E7-BD87-F937276B660B}" srcOrd="1" destOrd="0" presId="urn:microsoft.com/office/officeart/2005/8/layout/hProcess9"/>
-    <dgm:cxn modelId="{B37E4DAD-48B2-4C0E-B8D5-A1A43DE11134}" type="presParOf" srcId="{D6470FA2-3C84-4D35-9B72-68917E4501DE}" destId="{0B4E4981-F842-435D-B214-10696A96AE3A}" srcOrd="2" destOrd="0" presId="urn:microsoft.com/office/officeart/2005/8/layout/hProcess9"/>
-    <dgm:cxn modelId="{E5BFAAD6-165D-48E7-89DE-63583484BAA1}" type="presParOf" srcId="{D6470FA2-3C84-4D35-9B72-68917E4501DE}" destId="{E200C877-1713-4887-95C3-AD8B518F564B}" srcOrd="3" destOrd="0" presId="urn:microsoft.com/office/officeart/2005/8/layout/hProcess9"/>
-    <dgm:cxn modelId="{B7F8847E-3D23-4E10-82CD-C8C8E060C9DC}" type="presParOf" srcId="{D6470FA2-3C84-4D35-9B72-68917E4501DE}" destId="{2F733825-59AE-429A-952D-609966FE62B1}" srcOrd="4" destOrd="0" presId="urn:microsoft.com/office/officeart/2005/8/layout/hProcess9"/>
-    <dgm:cxn modelId="{5D50FBB9-CD1D-4D66-B9BD-E12453BD5CA2}" type="presParOf" srcId="{D6470FA2-3C84-4D35-9B72-68917E4501DE}" destId="{EC1376FF-8599-40B1-95F5-44AADA80BD5C}" srcOrd="5" destOrd="0" presId="urn:microsoft.com/office/officeart/2005/8/layout/hProcess9"/>
-    <dgm:cxn modelId="{0FE90CF5-03C7-4D4C-B484-E1784A570C47}" type="presParOf" srcId="{D6470FA2-3C84-4D35-9B72-68917E4501DE}" destId="{D1243569-4F90-4378-A608-C49C6D672AC8}" srcOrd="6" destOrd="0" presId="urn:microsoft.com/office/officeart/2005/8/layout/hProcess9"/>
+    <dgm:cxn modelId="{BD61E4E4-36E7-47FC-A976-A8D7D3ADB7D4}" type="presOf" srcId="{9556558F-3FB1-44F7-9332-F54CFFDFE7F8}" destId="{79004104-5A25-4D86-BC7C-9D58A438DA39}" srcOrd="0" destOrd="0" presId="urn:microsoft.com/office/officeart/2005/8/layout/hProcess9"/>
+    <dgm:cxn modelId="{E81026E5-F707-459B-8A31-B29535DD311B}" type="presOf" srcId="{41BD9178-99B0-4850-AEB8-FAF1681A4B2E}" destId="{8358FB2F-5D1E-472A-917F-4A699524A7A5}" srcOrd="0" destOrd="0" presId="urn:microsoft.com/office/officeart/2005/8/layout/hProcess9"/>
+    <dgm:cxn modelId="{7A5233FB-A48F-4991-81D8-59F0443A186A}" type="presOf" srcId="{05675CEE-479A-4C54-A72B-5DD502905E4F}" destId="{6397242D-0BC6-478F-A3EE-E82FC287B0EC}" srcOrd="0" destOrd="0" presId="urn:microsoft.com/office/officeart/2005/8/layout/hProcess9"/>
+    <dgm:cxn modelId="{C3AE5E2C-7F5E-4662-8EC8-8ACA9D738D22}" type="presParOf" srcId="{79004104-5A25-4D86-BC7C-9D58A438DA39}" destId="{2F4F65C1-0761-4022-8830-9487ACEF8F19}" srcOrd="0" destOrd="0" presId="urn:microsoft.com/office/officeart/2005/8/layout/hProcess9"/>
+    <dgm:cxn modelId="{BDCC0B2C-B195-4B90-A9F3-123E48E42869}" type="presParOf" srcId="{79004104-5A25-4D86-BC7C-9D58A438DA39}" destId="{6656579E-1140-41A4-8E25-7A0BCEB11BBC}" srcOrd="1" destOrd="0" presId="urn:microsoft.com/office/officeart/2005/8/layout/hProcess9"/>
+    <dgm:cxn modelId="{17CECBA0-CE51-4973-ACE8-74081EB499E2}" type="presParOf" srcId="{6656579E-1140-41A4-8E25-7A0BCEB11BBC}" destId="{6397242D-0BC6-478F-A3EE-E82FC287B0EC}" srcOrd="0" destOrd="0" presId="urn:microsoft.com/office/officeart/2005/8/layout/hProcess9"/>
+    <dgm:cxn modelId="{00581837-77A7-46E2-A672-2A38A5DE6707}" type="presParOf" srcId="{6656579E-1140-41A4-8E25-7A0BCEB11BBC}" destId="{157F8676-EDB2-4810-8C21-E142581218F4}" srcOrd="1" destOrd="0" presId="urn:microsoft.com/office/officeart/2005/8/layout/hProcess9"/>
+    <dgm:cxn modelId="{FFAA5EEF-B7BB-4243-8B93-071A92B8B602}" type="presParOf" srcId="{6656579E-1140-41A4-8E25-7A0BCEB11BBC}" destId="{30033A6C-B49F-4D43-9B33-71B46E38057D}" srcOrd="2" destOrd="0" presId="urn:microsoft.com/office/officeart/2005/8/layout/hProcess9"/>
+    <dgm:cxn modelId="{2D6051F0-0307-4F8F-83FA-CBD15273C28A}" type="presParOf" srcId="{6656579E-1140-41A4-8E25-7A0BCEB11BBC}" destId="{64B232AC-6179-4EBC-9340-70031F110BAB}" srcOrd="3" destOrd="0" presId="urn:microsoft.com/office/officeart/2005/8/layout/hProcess9"/>
+    <dgm:cxn modelId="{5BD42367-6173-43F2-9C71-B52BEFF26CF0}" type="presParOf" srcId="{6656579E-1140-41A4-8E25-7A0BCEB11BBC}" destId="{8358FB2F-5D1E-472A-917F-4A699524A7A5}" srcOrd="4" destOrd="0" presId="urn:microsoft.com/office/officeart/2005/8/layout/hProcess9"/>
+    <dgm:cxn modelId="{5433BE01-3C57-40B6-B3AB-ACB0C77CF242}" type="presParOf" srcId="{6656579E-1140-41A4-8E25-7A0BCEB11BBC}" destId="{FB3802FC-6A12-4BA6-9A44-4191DA6C2904}" srcOrd="5" destOrd="0" presId="urn:microsoft.com/office/officeart/2005/8/layout/hProcess9"/>
+    <dgm:cxn modelId="{02A398F7-8145-41E9-BCC5-44AD4B09DC53}" type="presParOf" srcId="{6656579E-1140-41A4-8E25-7A0BCEB11BBC}" destId="{AB011500-F514-422E-A53D-4A92AF3F54E3}" srcOrd="6" destOrd="0" presId="urn:microsoft.com/office/officeart/2005/8/layout/hProcess9"/>
   </dgm:cxnLst>
   <dgm:bg/>
   <dgm:whole/>
@@ -2710,7 +2701,7 @@
         </a:bodyPr>
         <a:lstStyle/>
         <a:p>
-          <a:pPr lvl="0" algn="l" defTabSz="844550">
+          <a:pPr marL="0" lvl="0" indent="0" algn="l" defTabSz="844550">
             <a:lnSpc>
               <a:spcPct val="90000"/>
             </a:lnSpc>
@@ -2720,6 +2711,7 @@
             <a:spcAft>
               <a:spcPct val="35000"/>
             </a:spcAft>
+            <a:buNone/>
           </a:pPr>
           <a:r>
             <a:rPr lang="de-AT" sz="1900" kern="1200" dirty="0"/>
@@ -2790,7 +2782,7 @@
         </a:bodyPr>
         <a:lstStyle/>
         <a:p>
-          <a:pPr lvl="0" algn="l" defTabSz="844550">
+          <a:pPr marL="0" lvl="0" indent="0" algn="l" defTabSz="844550">
             <a:lnSpc>
               <a:spcPct val="90000"/>
             </a:lnSpc>
@@ -2800,6 +2792,7 @@
             <a:spcAft>
               <a:spcPct val="35000"/>
             </a:spcAft>
+            <a:buNone/>
           </a:pPr>
           <a:r>
             <a:rPr lang="de-AT" sz="1900" kern="1200" dirty="0"/>
@@ -2870,7 +2863,7 @@
         </a:bodyPr>
         <a:lstStyle/>
         <a:p>
-          <a:pPr lvl="0" algn="l" defTabSz="844550">
+          <a:pPr marL="0" lvl="0" indent="0" algn="l" defTabSz="844550">
             <a:lnSpc>
               <a:spcPct val="90000"/>
             </a:lnSpc>
@@ -2951,7 +2944,7 @@
         </a:bodyPr>
         <a:lstStyle/>
         <a:p>
-          <a:pPr lvl="0" algn="l" defTabSz="844550">
+          <a:pPr marL="0" lvl="0" indent="0" algn="l" defTabSz="844550">
             <a:lnSpc>
               <a:spcPct val="90000"/>
             </a:lnSpc>
@@ -3032,7 +3025,7 @@
         </a:bodyPr>
         <a:lstStyle/>
         <a:p>
-          <a:pPr lvl="0" algn="l" defTabSz="844550">
+          <a:pPr marL="0" lvl="0" indent="0" algn="l" defTabSz="844550">
             <a:lnSpc>
               <a:spcPct val="90000"/>
             </a:lnSpc>
@@ -3115,7 +3108,7 @@
         </a:bodyPr>
         <a:lstStyle/>
         <a:p>
-          <a:pPr lvl="0" algn="ctr" defTabSz="1022350">
+          <a:pPr marL="0" lvl="0" indent="0" algn="ctr" defTabSz="1022350">
             <a:lnSpc>
               <a:spcPct val="90000"/>
             </a:lnSpc>
@@ -3125,6 +3118,7 @@
             <a:spcAft>
               <a:spcPct val="35000"/>
             </a:spcAft>
+            <a:buNone/>
           </a:pPr>
           <a:endParaRPr lang="de-AT" sz="2300" kern="1200"/>
         </a:p>
@@ -3194,7 +3188,7 @@
         </a:bodyPr>
         <a:lstStyle/>
         <a:p>
-          <a:pPr lvl="0" algn="ctr" defTabSz="1022350">
+          <a:pPr marL="0" lvl="0" indent="0" algn="ctr" defTabSz="1022350">
             <a:lnSpc>
               <a:spcPct val="90000"/>
             </a:lnSpc>
@@ -3204,6 +3198,7 @@
             <a:spcAft>
               <a:spcPct val="35000"/>
             </a:spcAft>
+            <a:buNone/>
           </a:pPr>
           <a:endParaRPr lang="de-AT" sz="2300" kern="1200"/>
         </a:p>
@@ -3273,7 +3268,7 @@
         </a:bodyPr>
         <a:lstStyle/>
         <a:p>
-          <a:pPr lvl="0" algn="ctr" defTabSz="1022350">
+          <a:pPr marL="0" lvl="0" indent="0" algn="ctr" defTabSz="1022350">
             <a:lnSpc>
               <a:spcPct val="90000"/>
             </a:lnSpc>
@@ -3283,6 +3278,7 @@
             <a:spcAft>
               <a:spcPct val="35000"/>
             </a:spcAft>
+            <a:buNone/>
           </a:pPr>
           <a:endParaRPr lang="de-AT" sz="2300" kern="1200"/>
         </a:p>
@@ -3352,7 +3348,7 @@
         </a:bodyPr>
         <a:lstStyle/>
         <a:p>
-          <a:pPr lvl="0" algn="ctr" defTabSz="1022350">
+          <a:pPr marL="0" lvl="0" indent="0" algn="ctr" defTabSz="1022350">
             <a:lnSpc>
               <a:spcPct val="90000"/>
             </a:lnSpc>
@@ -3362,6 +3358,7 @@
             <a:spcAft>
               <a:spcPct val="35000"/>
             </a:spcAft>
+            <a:buNone/>
           </a:pPr>
           <a:endParaRPr lang="de-AT" sz="2300" kern="1200"/>
         </a:p>
@@ -3383,21 +3380,21 @@
       <dsp:cNvGrpSpPr/>
     </dsp:nvGrpSpPr>
     <dsp:grpSpPr/>
-    <dsp:sp modelId="{E2FDC2BD-7940-447E-B607-D3321D054926}">
+    <dsp:sp modelId="{2F4F65C1-0761-4022-8830-9487ACEF8F19}">
       <dsp:nvSpPr>
         <dsp:cNvPr id="0" name=""/>
         <dsp:cNvSpPr/>
       </dsp:nvSpPr>
       <dsp:spPr>
         <a:xfrm>
-          <a:off x="788669" y="0"/>
-          <a:ext cx="8938260" cy="4351338"/>
+          <a:off x="778382" y="0"/>
+          <a:ext cx="8821674" cy="3209902"/>
         </a:xfrm>
         <a:prstGeom prst="rightArrow">
           <a:avLst/>
         </a:prstGeom>
         <a:solidFill>
-          <a:schemeClr val="accent1">
+          <a:schemeClr val="accent6">
             <a:tint val="40000"/>
             <a:hueOff val="0"/>
             <a:satOff val="0"/>
@@ -3423,21 +3420,22 @@
         <a:fontRef idx="minor"/>
       </dsp:style>
     </dsp:sp>
-    <dsp:sp modelId="{E567429E-6C5B-411E-BC60-400B9B1E48CB}">
+    <dsp:sp modelId="{6397242D-0BC6-478F-A3EE-E82FC287B0EC}">
       <dsp:nvSpPr>
         <dsp:cNvPr id="0" name=""/>
         <dsp:cNvSpPr/>
       </dsp:nvSpPr>
       <dsp:spPr>
         <a:xfrm>
-          <a:off x="5262" y="1305401"/>
-          <a:ext cx="2531343" cy="1740535"/>
+          <a:off x="3473" y="962970"/>
+          <a:ext cx="2482843" cy="1283960"/>
         </a:xfrm>
         <a:prstGeom prst="roundRect">
           <a:avLst/>
         </a:prstGeom>
         <a:solidFill>
-          <a:schemeClr val="accent1">
+          <a:schemeClr val="accent6">
+            <a:shade val="80000"/>
             <a:hueOff val="0"/>
             <a:satOff val="0"/>
             <a:lumOff val="0"/>
@@ -3473,12 +3471,12 @@
         </a:fontRef>
       </dsp:style>
       <dsp:txBody>
-        <a:bodyPr spcFirstLastPara="0" vert="horz" wrap="square" lIns="110490" tIns="110490" rIns="110490" bIns="110490" numCol="1" spcCol="1270" anchor="ctr" anchorCtr="0">
+        <a:bodyPr spcFirstLastPara="0" vert="horz" wrap="square" lIns="91440" tIns="91440" rIns="91440" bIns="91440" numCol="1" spcCol="1270" anchor="ctr" anchorCtr="0">
           <a:noAutofit/>
         </a:bodyPr>
         <a:lstStyle/>
         <a:p>
-          <a:pPr lvl="0" algn="ctr" defTabSz="1289050">
+          <a:pPr marL="0" lvl="0" indent="0" algn="ctr" defTabSz="1066800">
             <a:lnSpc>
               <a:spcPct val="90000"/>
             </a:lnSpc>
@@ -3488,37 +3486,38 @@
             <a:spcAft>
               <a:spcPct val="35000"/>
             </a:spcAft>
+            <a:buNone/>
           </a:pPr>
           <a:r>
-            <a:rPr lang="de-AT" sz="2900" kern="1200" dirty="0" smtClean="0"/>
+            <a:rPr lang="de-AT" sz="2400" kern="1200" dirty="0"/>
             <a:t>Bildqualität verbessern</a:t>
           </a:r>
-          <a:endParaRPr lang="de-AT" sz="2900" kern="1200" dirty="0"/>
         </a:p>
       </dsp:txBody>
       <dsp:txXfrm>
-        <a:off x="90228" y="1390367"/>
-        <a:ext cx="2361411" cy="1570603"/>
+        <a:off x="66151" y="1025648"/>
+        <a:ext cx="2357487" cy="1158604"/>
       </dsp:txXfrm>
     </dsp:sp>
-    <dsp:sp modelId="{0B4E4981-F842-435D-B214-10696A96AE3A}">
+    <dsp:sp modelId="{30033A6C-B49F-4D43-9B33-71B46E38057D}">
       <dsp:nvSpPr>
         <dsp:cNvPr id="0" name=""/>
         <dsp:cNvSpPr/>
       </dsp:nvSpPr>
       <dsp:spPr>
         <a:xfrm>
-          <a:off x="2663173" y="1305401"/>
-          <a:ext cx="2531343" cy="1740535"/>
+          <a:off x="2633023" y="962970"/>
+          <a:ext cx="2482843" cy="1283960"/>
         </a:xfrm>
         <a:prstGeom prst="roundRect">
           <a:avLst/>
         </a:prstGeom>
         <a:solidFill>
-          <a:schemeClr val="accent1">
-            <a:hueOff val="0"/>
-            <a:satOff val="0"/>
-            <a:lumOff val="0"/>
+          <a:schemeClr val="accent6">
+            <a:shade val="80000"/>
+            <a:hueOff val="107093"/>
+            <a:satOff val="-4303"/>
+            <a:lumOff val="9209"/>
             <a:alphaOff val="0"/>
           </a:schemeClr>
         </a:solidFill>
@@ -3551,12 +3550,12 @@
         </a:fontRef>
       </dsp:style>
       <dsp:txBody>
-        <a:bodyPr spcFirstLastPara="0" vert="horz" wrap="square" lIns="110490" tIns="110490" rIns="110490" bIns="110490" numCol="1" spcCol="1270" anchor="ctr" anchorCtr="0">
+        <a:bodyPr spcFirstLastPara="0" vert="horz" wrap="square" lIns="91440" tIns="91440" rIns="91440" bIns="91440" numCol="1" spcCol="1270" anchor="ctr" anchorCtr="0">
           <a:noAutofit/>
         </a:bodyPr>
         <a:lstStyle/>
         <a:p>
-          <a:pPr lvl="0" algn="ctr" defTabSz="1289050">
+          <a:pPr marL="0" lvl="0" indent="0" algn="ctr" defTabSz="1066800">
             <a:lnSpc>
               <a:spcPct val="90000"/>
             </a:lnSpc>
@@ -3566,37 +3565,38 @@
             <a:spcAft>
               <a:spcPct val="35000"/>
             </a:spcAft>
+            <a:buNone/>
           </a:pPr>
           <a:r>
-            <a:rPr lang="de-AT" sz="2900" kern="1200" dirty="0" smtClean="0"/>
+            <a:rPr lang="de-AT" sz="2400" kern="1200" dirty="0"/>
             <a:t>AI zur Erkennung von Indy</a:t>
           </a:r>
-          <a:endParaRPr lang="de-AT" sz="2900" kern="1200" dirty="0"/>
         </a:p>
       </dsp:txBody>
       <dsp:txXfrm>
-        <a:off x="2748139" y="1390367"/>
-        <a:ext cx="2361411" cy="1570603"/>
+        <a:off x="2695701" y="1025648"/>
+        <a:ext cx="2357487" cy="1158604"/>
       </dsp:txXfrm>
     </dsp:sp>
-    <dsp:sp modelId="{2F733825-59AE-429A-952D-609966FE62B1}">
+    <dsp:sp modelId="{8358FB2F-5D1E-472A-917F-4A699524A7A5}">
       <dsp:nvSpPr>
         <dsp:cNvPr id="0" name=""/>
         <dsp:cNvSpPr/>
       </dsp:nvSpPr>
       <dsp:spPr>
         <a:xfrm>
-          <a:off x="5321083" y="1305401"/>
-          <a:ext cx="2531343" cy="1740535"/>
+          <a:off x="5262573" y="962970"/>
+          <a:ext cx="2482843" cy="1283960"/>
         </a:xfrm>
         <a:prstGeom prst="roundRect">
           <a:avLst/>
         </a:prstGeom>
         <a:solidFill>
-          <a:schemeClr val="accent1">
-            <a:hueOff val="0"/>
-            <a:satOff val="0"/>
-            <a:lumOff val="0"/>
+          <a:schemeClr val="accent6">
+            <a:shade val="80000"/>
+            <a:hueOff val="214187"/>
+            <a:satOff val="-8606"/>
+            <a:lumOff val="18419"/>
             <a:alphaOff val="0"/>
           </a:schemeClr>
         </a:solidFill>
@@ -3629,12 +3629,12 @@
         </a:fontRef>
       </dsp:style>
       <dsp:txBody>
-        <a:bodyPr spcFirstLastPara="0" vert="horz" wrap="square" lIns="110490" tIns="110490" rIns="110490" bIns="110490" numCol="1" spcCol="1270" anchor="ctr" anchorCtr="0">
+        <a:bodyPr spcFirstLastPara="0" vert="horz" wrap="square" lIns="91440" tIns="91440" rIns="91440" bIns="91440" numCol="1" spcCol="1270" anchor="ctr" anchorCtr="0">
           <a:noAutofit/>
         </a:bodyPr>
         <a:lstStyle/>
         <a:p>
-          <a:pPr lvl="0" algn="ctr" defTabSz="1289050">
+          <a:pPr marL="0" lvl="0" indent="0" algn="ctr" defTabSz="1066800">
             <a:lnSpc>
               <a:spcPct val="90000"/>
             </a:lnSpc>
@@ -3644,37 +3644,38 @@
             <a:spcAft>
               <a:spcPct val="35000"/>
             </a:spcAft>
+            <a:buNone/>
           </a:pPr>
           <a:r>
-            <a:rPr lang="de-AT" sz="2900" kern="1200" dirty="0" smtClean="0"/>
+            <a:rPr lang="de-AT" sz="2400" kern="1200" dirty="0"/>
             <a:t>Ausschneiden von Indy</a:t>
           </a:r>
-          <a:endParaRPr lang="de-AT" sz="2900" kern="1200" dirty="0"/>
         </a:p>
       </dsp:txBody>
       <dsp:txXfrm>
-        <a:off x="5406049" y="1390367"/>
-        <a:ext cx="2361411" cy="1570603"/>
+        <a:off x="5325251" y="1025648"/>
+        <a:ext cx="2357487" cy="1158604"/>
       </dsp:txXfrm>
     </dsp:sp>
-    <dsp:sp modelId="{D1243569-4F90-4378-A608-C49C6D672AC8}">
+    <dsp:sp modelId="{AB011500-F514-422E-A53D-4A92AF3F54E3}">
       <dsp:nvSpPr>
         <dsp:cNvPr id="0" name=""/>
         <dsp:cNvSpPr/>
       </dsp:nvSpPr>
       <dsp:spPr>
         <a:xfrm>
-          <a:off x="7978993" y="1305401"/>
-          <a:ext cx="2531343" cy="1740535"/>
+          <a:off x="7892123" y="962970"/>
+          <a:ext cx="2482843" cy="1283960"/>
         </a:xfrm>
         <a:prstGeom prst="roundRect">
           <a:avLst/>
         </a:prstGeom>
         <a:solidFill>
-          <a:schemeClr val="accent1">
-            <a:hueOff val="0"/>
-            <a:satOff val="0"/>
-            <a:lumOff val="0"/>
+          <a:schemeClr val="accent6">
+            <a:shade val="80000"/>
+            <a:hueOff val="321280"/>
+            <a:satOff val="-12909"/>
+            <a:lumOff val="27628"/>
             <a:alphaOff val="0"/>
           </a:schemeClr>
         </a:solidFill>
@@ -3707,12 +3708,12 @@
         </a:fontRef>
       </dsp:style>
       <dsp:txBody>
-        <a:bodyPr spcFirstLastPara="0" vert="horz" wrap="square" lIns="110490" tIns="110490" rIns="110490" bIns="110490" numCol="1" spcCol="1270" anchor="ctr" anchorCtr="0">
+        <a:bodyPr spcFirstLastPara="0" vert="horz" wrap="square" lIns="91440" tIns="91440" rIns="91440" bIns="91440" numCol="1" spcCol="1270" anchor="ctr" anchorCtr="0">
           <a:noAutofit/>
         </a:bodyPr>
         <a:lstStyle/>
         <a:p>
-          <a:pPr lvl="0" algn="ctr" defTabSz="1289050">
+          <a:pPr marL="0" lvl="0" indent="0" algn="ctr" defTabSz="1066800">
             <a:lnSpc>
               <a:spcPct val="90000"/>
             </a:lnSpc>
@@ -3722,17 +3723,17 @@
             <a:spcAft>
               <a:spcPct val="35000"/>
             </a:spcAft>
+            <a:buNone/>
           </a:pPr>
           <a:r>
-            <a:rPr lang="de-AT" sz="2900" kern="1200" dirty="0" smtClean="0"/>
+            <a:rPr lang="de-AT" sz="2400" kern="1200" dirty="0"/>
             <a:t>AI zur Erkennung der Features </a:t>
           </a:r>
-          <a:endParaRPr lang="de-AT" sz="2900" kern="1200" dirty="0"/>
         </a:p>
       </dsp:txBody>
       <dsp:txXfrm>
-        <a:off x="8063959" y="1390367"/>
-        <a:ext cx="2361411" cy="1570603"/>
+        <a:off x="7954801" y="1025648"/>
+        <a:ext cx="2357487" cy="1158604"/>
       </dsp:txXfrm>
     </dsp:sp>
   </dsp:spTree>
@@ -7811,7 +7812,7 @@
           <p:cNvPr id="2" name="Titel 1">
             <a:extLst>
               <a:ext uri="{FF2B5EF4-FFF2-40B4-BE49-F238E27FC236}">
-                <a16:creationId xmlns:a16="http://schemas.microsoft.com/office/drawing/2014/main" xmlns="" id="{3E9016D5-7B6D-4BEC-B37D-C3048E2B5F53}"/>
+                <a16:creationId xmlns:a16="http://schemas.microsoft.com/office/drawing/2014/main" id="{3E9016D5-7B6D-4BEC-B37D-C3048E2B5F53}"/>
               </a:ext>
             </a:extLst>
           </p:cNvPr>
@@ -7849,7 +7850,7 @@
           <p:cNvPr id="3" name="Untertitel 2">
             <a:extLst>
               <a:ext uri="{FF2B5EF4-FFF2-40B4-BE49-F238E27FC236}">
-                <a16:creationId xmlns:a16="http://schemas.microsoft.com/office/drawing/2014/main" xmlns="" id="{CE4679D2-0725-40A0-96EB-D30F68780895}"/>
+                <a16:creationId xmlns:a16="http://schemas.microsoft.com/office/drawing/2014/main" id="{CE4679D2-0725-40A0-96EB-D30F68780895}"/>
               </a:ext>
             </a:extLst>
           </p:cNvPr>
@@ -7920,7 +7921,7 @@
           <p:cNvPr id="4" name="Datumsplatzhalter 3">
             <a:extLst>
               <a:ext uri="{FF2B5EF4-FFF2-40B4-BE49-F238E27FC236}">
-                <a16:creationId xmlns:a16="http://schemas.microsoft.com/office/drawing/2014/main" xmlns="" id="{090EC70A-C5ED-4821-A3B0-A863D877EE1B}"/>
+                <a16:creationId xmlns:a16="http://schemas.microsoft.com/office/drawing/2014/main" id="{090EC70A-C5ED-4821-A3B0-A863D877EE1B}"/>
               </a:ext>
             </a:extLst>
           </p:cNvPr>
@@ -7949,7 +7950,7 @@
           <p:cNvPr id="5" name="Fußzeilenplatzhalter 4">
             <a:extLst>
               <a:ext uri="{FF2B5EF4-FFF2-40B4-BE49-F238E27FC236}">
-                <a16:creationId xmlns:a16="http://schemas.microsoft.com/office/drawing/2014/main" xmlns="" id="{6DAC84DB-2F0A-4B14-80C3-D7D333AEC01F}"/>
+                <a16:creationId xmlns:a16="http://schemas.microsoft.com/office/drawing/2014/main" id="{6DAC84DB-2F0A-4B14-80C3-D7D333AEC01F}"/>
               </a:ext>
             </a:extLst>
           </p:cNvPr>
@@ -7974,7 +7975,7 @@
           <p:cNvPr id="6" name="Foliennummernplatzhalter 5">
             <a:extLst>
               <a:ext uri="{FF2B5EF4-FFF2-40B4-BE49-F238E27FC236}">
-                <a16:creationId xmlns:a16="http://schemas.microsoft.com/office/drawing/2014/main" xmlns="" id="{A7E50AEE-3D3D-40C8-BA6E-2615D42A7683}"/>
+                <a16:creationId xmlns:a16="http://schemas.microsoft.com/office/drawing/2014/main" id="{A7E50AEE-3D3D-40C8-BA6E-2615D42A7683}"/>
               </a:ext>
             </a:extLst>
           </p:cNvPr>
@@ -8033,7 +8034,7 @@
           <p:cNvPr id="2" name="Titel 1">
             <a:extLst>
               <a:ext uri="{FF2B5EF4-FFF2-40B4-BE49-F238E27FC236}">
-                <a16:creationId xmlns:a16="http://schemas.microsoft.com/office/drawing/2014/main" xmlns="" id="{9C3E4486-6FCC-40DF-9104-EA94319AC94D}"/>
+                <a16:creationId xmlns:a16="http://schemas.microsoft.com/office/drawing/2014/main" id="{9C3E4486-6FCC-40DF-9104-EA94319AC94D}"/>
               </a:ext>
             </a:extLst>
           </p:cNvPr>
@@ -8062,7 +8063,7 @@
           <p:cNvPr id="3" name="Vertikaler Textplatzhalter 2">
             <a:extLst>
               <a:ext uri="{FF2B5EF4-FFF2-40B4-BE49-F238E27FC236}">
-                <a16:creationId xmlns:a16="http://schemas.microsoft.com/office/drawing/2014/main" xmlns="" id="{47B1E8F7-02D5-4EE9-95C1-D624CD2A7616}"/>
+                <a16:creationId xmlns:a16="http://schemas.microsoft.com/office/drawing/2014/main" id="{47B1E8F7-02D5-4EE9-95C1-D624CD2A7616}"/>
               </a:ext>
             </a:extLst>
           </p:cNvPr>
@@ -8120,7 +8121,7 @@
           <p:cNvPr id="4" name="Datumsplatzhalter 3">
             <a:extLst>
               <a:ext uri="{FF2B5EF4-FFF2-40B4-BE49-F238E27FC236}">
-                <a16:creationId xmlns:a16="http://schemas.microsoft.com/office/drawing/2014/main" xmlns="" id="{305B20CA-179C-4F21-B162-48D747F8BAFB}"/>
+                <a16:creationId xmlns:a16="http://schemas.microsoft.com/office/drawing/2014/main" id="{305B20CA-179C-4F21-B162-48D747F8BAFB}"/>
               </a:ext>
             </a:extLst>
           </p:cNvPr>
@@ -8149,7 +8150,7 @@
           <p:cNvPr id="5" name="Fußzeilenplatzhalter 4">
             <a:extLst>
               <a:ext uri="{FF2B5EF4-FFF2-40B4-BE49-F238E27FC236}">
-                <a16:creationId xmlns:a16="http://schemas.microsoft.com/office/drawing/2014/main" xmlns="" id="{F4F404EC-23CB-4A31-81CD-FE8A328D7355}"/>
+                <a16:creationId xmlns:a16="http://schemas.microsoft.com/office/drawing/2014/main" id="{F4F404EC-23CB-4A31-81CD-FE8A328D7355}"/>
               </a:ext>
             </a:extLst>
           </p:cNvPr>
@@ -8174,7 +8175,7 @@
           <p:cNvPr id="6" name="Foliennummernplatzhalter 5">
             <a:extLst>
               <a:ext uri="{FF2B5EF4-FFF2-40B4-BE49-F238E27FC236}">
-                <a16:creationId xmlns:a16="http://schemas.microsoft.com/office/drawing/2014/main" xmlns="" id="{68E0B209-C71F-4AFF-972F-B025A95C81DF}"/>
+                <a16:creationId xmlns:a16="http://schemas.microsoft.com/office/drawing/2014/main" id="{68E0B209-C71F-4AFF-972F-B025A95C81DF}"/>
               </a:ext>
             </a:extLst>
           </p:cNvPr>
@@ -8233,7 +8234,7 @@
           <p:cNvPr id="2" name="Vertikaler Titel 1">
             <a:extLst>
               <a:ext uri="{FF2B5EF4-FFF2-40B4-BE49-F238E27FC236}">
-                <a16:creationId xmlns:a16="http://schemas.microsoft.com/office/drawing/2014/main" xmlns="" id="{76906A51-052F-4023-BB11-606D2E1B3897}"/>
+                <a16:creationId xmlns:a16="http://schemas.microsoft.com/office/drawing/2014/main" id="{76906A51-052F-4023-BB11-606D2E1B3897}"/>
               </a:ext>
             </a:extLst>
           </p:cNvPr>
@@ -8267,7 +8268,7 @@
           <p:cNvPr id="3" name="Vertikaler Textplatzhalter 2">
             <a:extLst>
               <a:ext uri="{FF2B5EF4-FFF2-40B4-BE49-F238E27FC236}">
-                <a16:creationId xmlns:a16="http://schemas.microsoft.com/office/drawing/2014/main" xmlns="" id="{7C6E1AFF-048D-45A3-875F-ACD6638DDD4F}"/>
+                <a16:creationId xmlns:a16="http://schemas.microsoft.com/office/drawing/2014/main" id="{7C6E1AFF-048D-45A3-875F-ACD6638DDD4F}"/>
               </a:ext>
             </a:extLst>
           </p:cNvPr>
@@ -8330,7 +8331,7 @@
           <p:cNvPr id="4" name="Datumsplatzhalter 3">
             <a:extLst>
               <a:ext uri="{FF2B5EF4-FFF2-40B4-BE49-F238E27FC236}">
-                <a16:creationId xmlns:a16="http://schemas.microsoft.com/office/drawing/2014/main" xmlns="" id="{EC5B347B-8B30-4538-8500-AED90C6627C6}"/>
+                <a16:creationId xmlns:a16="http://schemas.microsoft.com/office/drawing/2014/main" id="{EC5B347B-8B30-4538-8500-AED90C6627C6}"/>
               </a:ext>
             </a:extLst>
           </p:cNvPr>
@@ -8359,7 +8360,7 @@
           <p:cNvPr id="5" name="Fußzeilenplatzhalter 4">
             <a:extLst>
               <a:ext uri="{FF2B5EF4-FFF2-40B4-BE49-F238E27FC236}">
-                <a16:creationId xmlns:a16="http://schemas.microsoft.com/office/drawing/2014/main" xmlns="" id="{69E71F27-DA1D-4736-A329-7B9FFC11CC9E}"/>
+                <a16:creationId xmlns:a16="http://schemas.microsoft.com/office/drawing/2014/main" id="{69E71F27-DA1D-4736-A329-7B9FFC11CC9E}"/>
               </a:ext>
             </a:extLst>
           </p:cNvPr>
@@ -8384,7 +8385,7 @@
           <p:cNvPr id="6" name="Foliennummernplatzhalter 5">
             <a:extLst>
               <a:ext uri="{FF2B5EF4-FFF2-40B4-BE49-F238E27FC236}">
-                <a16:creationId xmlns:a16="http://schemas.microsoft.com/office/drawing/2014/main" xmlns="" id="{99F8D8BF-B0D9-490D-959F-0373BCB4A072}"/>
+                <a16:creationId xmlns:a16="http://schemas.microsoft.com/office/drawing/2014/main" id="{99F8D8BF-B0D9-490D-959F-0373BCB4A072}"/>
               </a:ext>
             </a:extLst>
           </p:cNvPr>
@@ -8443,7 +8444,7 @@
           <p:cNvPr id="2" name="Titel 1">
             <a:extLst>
               <a:ext uri="{FF2B5EF4-FFF2-40B4-BE49-F238E27FC236}">
-                <a16:creationId xmlns:a16="http://schemas.microsoft.com/office/drawing/2014/main" xmlns="" id="{6B55AB1D-29E7-400B-9E56-5AA9AD35D30B}"/>
+                <a16:creationId xmlns:a16="http://schemas.microsoft.com/office/drawing/2014/main" id="{6B55AB1D-29E7-400B-9E56-5AA9AD35D30B}"/>
               </a:ext>
             </a:extLst>
           </p:cNvPr>
@@ -8472,7 +8473,7 @@
           <p:cNvPr id="3" name="Inhaltsplatzhalter 2">
             <a:extLst>
               <a:ext uri="{FF2B5EF4-FFF2-40B4-BE49-F238E27FC236}">
-                <a16:creationId xmlns:a16="http://schemas.microsoft.com/office/drawing/2014/main" xmlns="" id="{4196B9BC-B5A4-4689-A819-D325475B1DFC}"/>
+                <a16:creationId xmlns:a16="http://schemas.microsoft.com/office/drawing/2014/main" id="{4196B9BC-B5A4-4689-A819-D325475B1DFC}"/>
               </a:ext>
             </a:extLst>
           </p:cNvPr>
@@ -8530,7 +8531,7 @@
           <p:cNvPr id="4" name="Datumsplatzhalter 3">
             <a:extLst>
               <a:ext uri="{FF2B5EF4-FFF2-40B4-BE49-F238E27FC236}">
-                <a16:creationId xmlns:a16="http://schemas.microsoft.com/office/drawing/2014/main" xmlns="" id="{5DC4E5B2-39CD-4535-B57C-1E7F10ED6010}"/>
+                <a16:creationId xmlns:a16="http://schemas.microsoft.com/office/drawing/2014/main" id="{5DC4E5B2-39CD-4535-B57C-1E7F10ED6010}"/>
               </a:ext>
             </a:extLst>
           </p:cNvPr>
@@ -8559,7 +8560,7 @@
           <p:cNvPr id="5" name="Fußzeilenplatzhalter 4">
             <a:extLst>
               <a:ext uri="{FF2B5EF4-FFF2-40B4-BE49-F238E27FC236}">
-                <a16:creationId xmlns:a16="http://schemas.microsoft.com/office/drawing/2014/main" xmlns="" id="{88D97158-4722-4B77-91EE-001BF8B5BE3A}"/>
+                <a16:creationId xmlns:a16="http://schemas.microsoft.com/office/drawing/2014/main" id="{88D97158-4722-4B77-91EE-001BF8B5BE3A}"/>
               </a:ext>
             </a:extLst>
           </p:cNvPr>
@@ -8584,7 +8585,7 @@
           <p:cNvPr id="6" name="Foliennummernplatzhalter 5">
             <a:extLst>
               <a:ext uri="{FF2B5EF4-FFF2-40B4-BE49-F238E27FC236}">
-                <a16:creationId xmlns:a16="http://schemas.microsoft.com/office/drawing/2014/main" xmlns="" id="{8E9C62A6-59E7-47C4-8B23-07A8E7553E4E}"/>
+                <a16:creationId xmlns:a16="http://schemas.microsoft.com/office/drawing/2014/main" id="{8E9C62A6-59E7-47C4-8B23-07A8E7553E4E}"/>
               </a:ext>
             </a:extLst>
           </p:cNvPr>
@@ -8643,7 +8644,7 @@
           <p:cNvPr id="2" name="Titel 1">
             <a:extLst>
               <a:ext uri="{FF2B5EF4-FFF2-40B4-BE49-F238E27FC236}">
-                <a16:creationId xmlns:a16="http://schemas.microsoft.com/office/drawing/2014/main" xmlns="" id="{CA4C6828-55CE-4E37-833D-F95F13E5F6C4}"/>
+                <a16:creationId xmlns:a16="http://schemas.microsoft.com/office/drawing/2014/main" id="{CA4C6828-55CE-4E37-833D-F95F13E5F6C4}"/>
               </a:ext>
             </a:extLst>
           </p:cNvPr>
@@ -8681,7 +8682,7 @@
           <p:cNvPr id="3" name="Textplatzhalter 2">
             <a:extLst>
               <a:ext uri="{FF2B5EF4-FFF2-40B4-BE49-F238E27FC236}">
-                <a16:creationId xmlns:a16="http://schemas.microsoft.com/office/drawing/2014/main" xmlns="" id="{383E21F5-1516-4D64-B24D-C3E2C1596723}"/>
+                <a16:creationId xmlns:a16="http://schemas.microsoft.com/office/drawing/2014/main" id="{383E21F5-1516-4D64-B24D-C3E2C1596723}"/>
               </a:ext>
             </a:extLst>
           </p:cNvPr>
@@ -8806,7 +8807,7 @@
           <p:cNvPr id="4" name="Datumsplatzhalter 3">
             <a:extLst>
               <a:ext uri="{FF2B5EF4-FFF2-40B4-BE49-F238E27FC236}">
-                <a16:creationId xmlns:a16="http://schemas.microsoft.com/office/drawing/2014/main" xmlns="" id="{094B4DD4-4A18-4E04-BD38-F25ED282CF63}"/>
+                <a16:creationId xmlns:a16="http://schemas.microsoft.com/office/drawing/2014/main" id="{094B4DD4-4A18-4E04-BD38-F25ED282CF63}"/>
               </a:ext>
             </a:extLst>
           </p:cNvPr>
@@ -8835,7 +8836,7 @@
           <p:cNvPr id="5" name="Fußzeilenplatzhalter 4">
             <a:extLst>
               <a:ext uri="{FF2B5EF4-FFF2-40B4-BE49-F238E27FC236}">
-                <a16:creationId xmlns:a16="http://schemas.microsoft.com/office/drawing/2014/main" xmlns="" id="{D82F0BCE-5365-415C-BD7B-885955E41368}"/>
+                <a16:creationId xmlns:a16="http://schemas.microsoft.com/office/drawing/2014/main" id="{D82F0BCE-5365-415C-BD7B-885955E41368}"/>
               </a:ext>
             </a:extLst>
           </p:cNvPr>
@@ -8860,7 +8861,7 @@
           <p:cNvPr id="6" name="Foliennummernplatzhalter 5">
             <a:extLst>
               <a:ext uri="{FF2B5EF4-FFF2-40B4-BE49-F238E27FC236}">
-                <a16:creationId xmlns:a16="http://schemas.microsoft.com/office/drawing/2014/main" xmlns="" id="{DB083DB3-4B83-438F-A215-1F44A507D23E}"/>
+                <a16:creationId xmlns:a16="http://schemas.microsoft.com/office/drawing/2014/main" id="{DB083DB3-4B83-438F-A215-1F44A507D23E}"/>
               </a:ext>
             </a:extLst>
           </p:cNvPr>
@@ -8919,7 +8920,7 @@
           <p:cNvPr id="2" name="Titel 1">
             <a:extLst>
               <a:ext uri="{FF2B5EF4-FFF2-40B4-BE49-F238E27FC236}">
-                <a16:creationId xmlns:a16="http://schemas.microsoft.com/office/drawing/2014/main" xmlns="" id="{FE2D59EF-9F1A-41EC-894A-3F2720E4A1A9}"/>
+                <a16:creationId xmlns:a16="http://schemas.microsoft.com/office/drawing/2014/main" id="{FE2D59EF-9F1A-41EC-894A-3F2720E4A1A9}"/>
               </a:ext>
             </a:extLst>
           </p:cNvPr>
@@ -8948,7 +8949,7 @@
           <p:cNvPr id="3" name="Inhaltsplatzhalter 2">
             <a:extLst>
               <a:ext uri="{FF2B5EF4-FFF2-40B4-BE49-F238E27FC236}">
-                <a16:creationId xmlns:a16="http://schemas.microsoft.com/office/drawing/2014/main" xmlns="" id="{080B59B2-F730-4BCA-96ED-8C35BF205FCB}"/>
+                <a16:creationId xmlns:a16="http://schemas.microsoft.com/office/drawing/2014/main" id="{080B59B2-F730-4BCA-96ED-8C35BF205FCB}"/>
               </a:ext>
             </a:extLst>
           </p:cNvPr>
@@ -9011,7 +9012,7 @@
           <p:cNvPr id="4" name="Inhaltsplatzhalter 3">
             <a:extLst>
               <a:ext uri="{FF2B5EF4-FFF2-40B4-BE49-F238E27FC236}">
-                <a16:creationId xmlns:a16="http://schemas.microsoft.com/office/drawing/2014/main" xmlns="" id="{B7146DCE-7F30-4AAF-8F7E-6F72251223BD}"/>
+                <a16:creationId xmlns:a16="http://schemas.microsoft.com/office/drawing/2014/main" id="{B7146DCE-7F30-4AAF-8F7E-6F72251223BD}"/>
               </a:ext>
             </a:extLst>
           </p:cNvPr>
@@ -9074,7 +9075,7 @@
           <p:cNvPr id="5" name="Datumsplatzhalter 4">
             <a:extLst>
               <a:ext uri="{FF2B5EF4-FFF2-40B4-BE49-F238E27FC236}">
-                <a16:creationId xmlns:a16="http://schemas.microsoft.com/office/drawing/2014/main" xmlns="" id="{2AD60FEB-D2BF-4933-ACB8-A0B949DC8B1B}"/>
+                <a16:creationId xmlns:a16="http://schemas.microsoft.com/office/drawing/2014/main" id="{2AD60FEB-D2BF-4933-ACB8-A0B949DC8B1B}"/>
               </a:ext>
             </a:extLst>
           </p:cNvPr>
@@ -9103,7 +9104,7 @@
           <p:cNvPr id="6" name="Fußzeilenplatzhalter 5">
             <a:extLst>
               <a:ext uri="{FF2B5EF4-FFF2-40B4-BE49-F238E27FC236}">
-                <a16:creationId xmlns:a16="http://schemas.microsoft.com/office/drawing/2014/main" xmlns="" id="{6E6C1F87-E3E9-4228-9AC9-897BD2BD26D1}"/>
+                <a16:creationId xmlns:a16="http://schemas.microsoft.com/office/drawing/2014/main" id="{6E6C1F87-E3E9-4228-9AC9-897BD2BD26D1}"/>
               </a:ext>
             </a:extLst>
           </p:cNvPr>
@@ -9128,7 +9129,7 @@
           <p:cNvPr id="7" name="Foliennummernplatzhalter 6">
             <a:extLst>
               <a:ext uri="{FF2B5EF4-FFF2-40B4-BE49-F238E27FC236}">
-                <a16:creationId xmlns:a16="http://schemas.microsoft.com/office/drawing/2014/main" xmlns="" id="{0F2A0B60-7700-4335-939D-8FAD03074EA6}"/>
+                <a16:creationId xmlns:a16="http://schemas.microsoft.com/office/drawing/2014/main" id="{0F2A0B60-7700-4335-939D-8FAD03074EA6}"/>
               </a:ext>
             </a:extLst>
           </p:cNvPr>
@@ -9187,7 +9188,7 @@
           <p:cNvPr id="2" name="Titel 1">
             <a:extLst>
               <a:ext uri="{FF2B5EF4-FFF2-40B4-BE49-F238E27FC236}">
-                <a16:creationId xmlns:a16="http://schemas.microsoft.com/office/drawing/2014/main" xmlns="" id="{66F787B1-9CEA-44CF-83B7-1E4FA3C8278A}"/>
+                <a16:creationId xmlns:a16="http://schemas.microsoft.com/office/drawing/2014/main" id="{66F787B1-9CEA-44CF-83B7-1E4FA3C8278A}"/>
               </a:ext>
             </a:extLst>
           </p:cNvPr>
@@ -9221,7 +9222,7 @@
           <p:cNvPr id="3" name="Textplatzhalter 2">
             <a:extLst>
               <a:ext uri="{FF2B5EF4-FFF2-40B4-BE49-F238E27FC236}">
-                <a16:creationId xmlns:a16="http://schemas.microsoft.com/office/drawing/2014/main" xmlns="" id="{C63F08A8-4AC2-4797-B94A-0462BBDF4933}"/>
+                <a16:creationId xmlns:a16="http://schemas.microsoft.com/office/drawing/2014/main" id="{C63F08A8-4AC2-4797-B94A-0462BBDF4933}"/>
               </a:ext>
             </a:extLst>
           </p:cNvPr>
@@ -9292,7 +9293,7 @@
           <p:cNvPr id="4" name="Inhaltsplatzhalter 3">
             <a:extLst>
               <a:ext uri="{FF2B5EF4-FFF2-40B4-BE49-F238E27FC236}">
-                <a16:creationId xmlns:a16="http://schemas.microsoft.com/office/drawing/2014/main" xmlns="" id="{CAF7EB6F-EEE0-4F58-8B42-E48B0D86CAE9}"/>
+                <a16:creationId xmlns:a16="http://schemas.microsoft.com/office/drawing/2014/main" id="{CAF7EB6F-EEE0-4F58-8B42-E48B0D86CAE9}"/>
               </a:ext>
             </a:extLst>
           </p:cNvPr>
@@ -9355,7 +9356,7 @@
           <p:cNvPr id="5" name="Textplatzhalter 4">
             <a:extLst>
               <a:ext uri="{FF2B5EF4-FFF2-40B4-BE49-F238E27FC236}">
-                <a16:creationId xmlns:a16="http://schemas.microsoft.com/office/drawing/2014/main" xmlns="" id="{658A8169-8905-46A2-837A-F8FD98B77D83}"/>
+                <a16:creationId xmlns:a16="http://schemas.microsoft.com/office/drawing/2014/main" id="{658A8169-8905-46A2-837A-F8FD98B77D83}"/>
               </a:ext>
             </a:extLst>
           </p:cNvPr>
@@ -9426,7 +9427,7 @@
           <p:cNvPr id="6" name="Inhaltsplatzhalter 5">
             <a:extLst>
               <a:ext uri="{FF2B5EF4-FFF2-40B4-BE49-F238E27FC236}">
-                <a16:creationId xmlns:a16="http://schemas.microsoft.com/office/drawing/2014/main" xmlns="" id="{46F2FDFF-9631-4C74-97A0-03E2A6150762}"/>
+                <a16:creationId xmlns:a16="http://schemas.microsoft.com/office/drawing/2014/main" id="{46F2FDFF-9631-4C74-97A0-03E2A6150762}"/>
               </a:ext>
             </a:extLst>
           </p:cNvPr>
@@ -9489,7 +9490,7 @@
           <p:cNvPr id="7" name="Datumsplatzhalter 6">
             <a:extLst>
               <a:ext uri="{FF2B5EF4-FFF2-40B4-BE49-F238E27FC236}">
-                <a16:creationId xmlns:a16="http://schemas.microsoft.com/office/drawing/2014/main" xmlns="" id="{A66E1DD4-6D90-4227-9FA9-DEABFB3E27D7}"/>
+                <a16:creationId xmlns:a16="http://schemas.microsoft.com/office/drawing/2014/main" id="{A66E1DD4-6D90-4227-9FA9-DEABFB3E27D7}"/>
               </a:ext>
             </a:extLst>
           </p:cNvPr>
@@ -9518,7 +9519,7 @@
           <p:cNvPr id="8" name="Fußzeilenplatzhalter 7">
             <a:extLst>
               <a:ext uri="{FF2B5EF4-FFF2-40B4-BE49-F238E27FC236}">
-                <a16:creationId xmlns:a16="http://schemas.microsoft.com/office/drawing/2014/main" xmlns="" id="{48803254-B3C0-401B-B40A-BF6BDCF0717D}"/>
+                <a16:creationId xmlns:a16="http://schemas.microsoft.com/office/drawing/2014/main" id="{48803254-B3C0-401B-B40A-BF6BDCF0717D}"/>
               </a:ext>
             </a:extLst>
           </p:cNvPr>
@@ -9543,7 +9544,7 @@
           <p:cNvPr id="9" name="Foliennummernplatzhalter 8">
             <a:extLst>
               <a:ext uri="{FF2B5EF4-FFF2-40B4-BE49-F238E27FC236}">
-                <a16:creationId xmlns:a16="http://schemas.microsoft.com/office/drawing/2014/main" xmlns="" id="{17C962CD-D57A-4A10-9C20-EC47DD77749B}"/>
+                <a16:creationId xmlns:a16="http://schemas.microsoft.com/office/drawing/2014/main" id="{17C962CD-D57A-4A10-9C20-EC47DD77749B}"/>
               </a:ext>
             </a:extLst>
           </p:cNvPr>
@@ -9602,7 +9603,7 @@
           <p:cNvPr id="2" name="Titel 1">
             <a:extLst>
               <a:ext uri="{FF2B5EF4-FFF2-40B4-BE49-F238E27FC236}">
-                <a16:creationId xmlns:a16="http://schemas.microsoft.com/office/drawing/2014/main" xmlns="" id="{01B086E7-F97A-40D1-90F7-FA40560B1A22}"/>
+                <a16:creationId xmlns:a16="http://schemas.microsoft.com/office/drawing/2014/main" id="{01B086E7-F97A-40D1-90F7-FA40560B1A22}"/>
               </a:ext>
             </a:extLst>
           </p:cNvPr>
@@ -9631,7 +9632,7 @@
           <p:cNvPr id="3" name="Datumsplatzhalter 2">
             <a:extLst>
               <a:ext uri="{FF2B5EF4-FFF2-40B4-BE49-F238E27FC236}">
-                <a16:creationId xmlns:a16="http://schemas.microsoft.com/office/drawing/2014/main" xmlns="" id="{65E2DACE-BE35-4ADD-AD84-13353AEA35D6}"/>
+                <a16:creationId xmlns:a16="http://schemas.microsoft.com/office/drawing/2014/main" id="{65E2DACE-BE35-4ADD-AD84-13353AEA35D6}"/>
               </a:ext>
             </a:extLst>
           </p:cNvPr>
@@ -9660,7 +9661,7 @@
           <p:cNvPr id="4" name="Fußzeilenplatzhalter 3">
             <a:extLst>
               <a:ext uri="{FF2B5EF4-FFF2-40B4-BE49-F238E27FC236}">
-                <a16:creationId xmlns:a16="http://schemas.microsoft.com/office/drawing/2014/main" xmlns="" id="{00F6B161-2BD2-4CD9-B3C3-018CB02B98DF}"/>
+                <a16:creationId xmlns:a16="http://schemas.microsoft.com/office/drawing/2014/main" id="{00F6B161-2BD2-4CD9-B3C3-018CB02B98DF}"/>
               </a:ext>
             </a:extLst>
           </p:cNvPr>
@@ -9685,7 +9686,7 @@
           <p:cNvPr id="5" name="Foliennummernplatzhalter 4">
             <a:extLst>
               <a:ext uri="{FF2B5EF4-FFF2-40B4-BE49-F238E27FC236}">
-                <a16:creationId xmlns:a16="http://schemas.microsoft.com/office/drawing/2014/main" xmlns="" id="{CB059D67-8994-48ED-B689-AF0121E84A11}"/>
+                <a16:creationId xmlns:a16="http://schemas.microsoft.com/office/drawing/2014/main" id="{CB059D67-8994-48ED-B689-AF0121E84A11}"/>
               </a:ext>
             </a:extLst>
           </p:cNvPr>
@@ -9744,7 +9745,7 @@
           <p:cNvPr id="2" name="Datumsplatzhalter 1">
             <a:extLst>
               <a:ext uri="{FF2B5EF4-FFF2-40B4-BE49-F238E27FC236}">
-                <a16:creationId xmlns:a16="http://schemas.microsoft.com/office/drawing/2014/main" xmlns="" id="{40D88186-E6FA-4C52-8DD3-8944E13C08B0}"/>
+                <a16:creationId xmlns:a16="http://schemas.microsoft.com/office/drawing/2014/main" id="{40D88186-E6FA-4C52-8DD3-8944E13C08B0}"/>
               </a:ext>
             </a:extLst>
           </p:cNvPr>
@@ -9773,7 +9774,7 @@
           <p:cNvPr id="3" name="Fußzeilenplatzhalter 2">
             <a:extLst>
               <a:ext uri="{FF2B5EF4-FFF2-40B4-BE49-F238E27FC236}">
-                <a16:creationId xmlns:a16="http://schemas.microsoft.com/office/drawing/2014/main" xmlns="" id="{EF590C5E-6BC8-496A-8CE8-CDE21CAC0B79}"/>
+                <a16:creationId xmlns:a16="http://schemas.microsoft.com/office/drawing/2014/main" id="{EF590C5E-6BC8-496A-8CE8-CDE21CAC0B79}"/>
               </a:ext>
             </a:extLst>
           </p:cNvPr>
@@ -9798,7 +9799,7 @@
           <p:cNvPr id="4" name="Foliennummernplatzhalter 3">
             <a:extLst>
               <a:ext uri="{FF2B5EF4-FFF2-40B4-BE49-F238E27FC236}">
-                <a16:creationId xmlns:a16="http://schemas.microsoft.com/office/drawing/2014/main" xmlns="" id="{0AFDBAC1-2097-47FC-91B6-A4227CF09DEB}"/>
+                <a16:creationId xmlns:a16="http://schemas.microsoft.com/office/drawing/2014/main" id="{0AFDBAC1-2097-47FC-91B6-A4227CF09DEB}"/>
               </a:ext>
             </a:extLst>
           </p:cNvPr>
@@ -9857,7 +9858,7 @@
           <p:cNvPr id="2" name="Titel 1">
             <a:extLst>
               <a:ext uri="{FF2B5EF4-FFF2-40B4-BE49-F238E27FC236}">
-                <a16:creationId xmlns:a16="http://schemas.microsoft.com/office/drawing/2014/main" xmlns="" id="{0B665667-3C14-42BD-9B7B-8AEBA6F049A5}"/>
+                <a16:creationId xmlns:a16="http://schemas.microsoft.com/office/drawing/2014/main" id="{0B665667-3C14-42BD-9B7B-8AEBA6F049A5}"/>
               </a:ext>
             </a:extLst>
           </p:cNvPr>
@@ -9895,7 +9896,7 @@
           <p:cNvPr id="3" name="Inhaltsplatzhalter 2">
             <a:extLst>
               <a:ext uri="{FF2B5EF4-FFF2-40B4-BE49-F238E27FC236}">
-                <a16:creationId xmlns:a16="http://schemas.microsoft.com/office/drawing/2014/main" xmlns="" id="{3E12AD63-0B94-4321-9368-C47DA3A0A85C}"/>
+                <a16:creationId xmlns:a16="http://schemas.microsoft.com/office/drawing/2014/main" id="{3E12AD63-0B94-4321-9368-C47DA3A0A85C}"/>
               </a:ext>
             </a:extLst>
           </p:cNvPr>
@@ -9986,7 +9987,7 @@
           <p:cNvPr id="4" name="Textplatzhalter 3">
             <a:extLst>
               <a:ext uri="{FF2B5EF4-FFF2-40B4-BE49-F238E27FC236}">
-                <a16:creationId xmlns:a16="http://schemas.microsoft.com/office/drawing/2014/main" xmlns="" id="{B955D00F-4C2C-4C0A-800D-CAA05FDD995C}"/>
+                <a16:creationId xmlns:a16="http://schemas.microsoft.com/office/drawing/2014/main" id="{B955D00F-4C2C-4C0A-800D-CAA05FDD995C}"/>
               </a:ext>
             </a:extLst>
           </p:cNvPr>
@@ -10057,7 +10058,7 @@
           <p:cNvPr id="5" name="Datumsplatzhalter 4">
             <a:extLst>
               <a:ext uri="{FF2B5EF4-FFF2-40B4-BE49-F238E27FC236}">
-                <a16:creationId xmlns:a16="http://schemas.microsoft.com/office/drawing/2014/main" xmlns="" id="{D3B7BE8A-5E8A-4BAC-B11C-0D9589B9048F}"/>
+                <a16:creationId xmlns:a16="http://schemas.microsoft.com/office/drawing/2014/main" id="{D3B7BE8A-5E8A-4BAC-B11C-0D9589B9048F}"/>
               </a:ext>
             </a:extLst>
           </p:cNvPr>
@@ -10086,7 +10087,7 @@
           <p:cNvPr id="6" name="Fußzeilenplatzhalter 5">
             <a:extLst>
               <a:ext uri="{FF2B5EF4-FFF2-40B4-BE49-F238E27FC236}">
-                <a16:creationId xmlns:a16="http://schemas.microsoft.com/office/drawing/2014/main" xmlns="" id="{A9F805D9-9249-49A8-B621-1F60EE6EED99}"/>
+                <a16:creationId xmlns:a16="http://schemas.microsoft.com/office/drawing/2014/main" id="{A9F805D9-9249-49A8-B621-1F60EE6EED99}"/>
               </a:ext>
             </a:extLst>
           </p:cNvPr>
@@ -10111,7 +10112,7 @@
           <p:cNvPr id="7" name="Foliennummernplatzhalter 6">
             <a:extLst>
               <a:ext uri="{FF2B5EF4-FFF2-40B4-BE49-F238E27FC236}">
-                <a16:creationId xmlns:a16="http://schemas.microsoft.com/office/drawing/2014/main" xmlns="" id="{F713E99B-AD0F-4D92-9F03-FCF31FB1F553}"/>
+                <a16:creationId xmlns:a16="http://schemas.microsoft.com/office/drawing/2014/main" id="{F713E99B-AD0F-4D92-9F03-FCF31FB1F553}"/>
               </a:ext>
             </a:extLst>
           </p:cNvPr>
@@ -10170,7 +10171,7 @@
           <p:cNvPr id="2" name="Titel 1">
             <a:extLst>
               <a:ext uri="{FF2B5EF4-FFF2-40B4-BE49-F238E27FC236}">
-                <a16:creationId xmlns:a16="http://schemas.microsoft.com/office/drawing/2014/main" xmlns="" id="{C0A95671-8D6D-4D4B-A714-7DF1BC02F0EE}"/>
+                <a16:creationId xmlns:a16="http://schemas.microsoft.com/office/drawing/2014/main" id="{C0A95671-8D6D-4D4B-A714-7DF1BC02F0EE}"/>
               </a:ext>
             </a:extLst>
           </p:cNvPr>
@@ -10208,7 +10209,7 @@
           <p:cNvPr id="3" name="Bildplatzhalter 2">
             <a:extLst>
               <a:ext uri="{FF2B5EF4-FFF2-40B4-BE49-F238E27FC236}">
-                <a16:creationId xmlns:a16="http://schemas.microsoft.com/office/drawing/2014/main" xmlns="" id="{3A15F88D-8EF1-463F-8AD4-63DEBB40EBCC}"/>
+                <a16:creationId xmlns:a16="http://schemas.microsoft.com/office/drawing/2014/main" id="{3A15F88D-8EF1-463F-8AD4-63DEBB40EBCC}"/>
               </a:ext>
             </a:extLst>
           </p:cNvPr>
@@ -10275,7 +10276,7 @@
           <p:cNvPr id="4" name="Textplatzhalter 3">
             <a:extLst>
               <a:ext uri="{FF2B5EF4-FFF2-40B4-BE49-F238E27FC236}">
-                <a16:creationId xmlns:a16="http://schemas.microsoft.com/office/drawing/2014/main" xmlns="" id="{7499F9E7-2387-42D5-A81C-B535FA028222}"/>
+                <a16:creationId xmlns:a16="http://schemas.microsoft.com/office/drawing/2014/main" id="{7499F9E7-2387-42D5-A81C-B535FA028222}"/>
               </a:ext>
             </a:extLst>
           </p:cNvPr>
@@ -10346,7 +10347,7 @@
           <p:cNvPr id="5" name="Datumsplatzhalter 4">
             <a:extLst>
               <a:ext uri="{FF2B5EF4-FFF2-40B4-BE49-F238E27FC236}">
-                <a16:creationId xmlns:a16="http://schemas.microsoft.com/office/drawing/2014/main" xmlns="" id="{D31CB737-3E17-45A6-A651-6BEC19C974F0}"/>
+                <a16:creationId xmlns:a16="http://schemas.microsoft.com/office/drawing/2014/main" id="{D31CB737-3E17-45A6-A651-6BEC19C974F0}"/>
               </a:ext>
             </a:extLst>
           </p:cNvPr>
@@ -10375,7 +10376,7 @@
           <p:cNvPr id="6" name="Fußzeilenplatzhalter 5">
             <a:extLst>
               <a:ext uri="{FF2B5EF4-FFF2-40B4-BE49-F238E27FC236}">
-                <a16:creationId xmlns:a16="http://schemas.microsoft.com/office/drawing/2014/main" xmlns="" id="{9DFD062A-6139-414C-B8B3-2E6C943EB3CF}"/>
+                <a16:creationId xmlns:a16="http://schemas.microsoft.com/office/drawing/2014/main" id="{9DFD062A-6139-414C-B8B3-2E6C943EB3CF}"/>
               </a:ext>
             </a:extLst>
           </p:cNvPr>
@@ -10400,7 +10401,7 @@
           <p:cNvPr id="7" name="Foliennummernplatzhalter 6">
             <a:extLst>
               <a:ext uri="{FF2B5EF4-FFF2-40B4-BE49-F238E27FC236}">
-                <a16:creationId xmlns:a16="http://schemas.microsoft.com/office/drawing/2014/main" xmlns="" id="{ED452DA9-14F0-427D-8CC0-B77F6CA9083A}"/>
+                <a16:creationId xmlns:a16="http://schemas.microsoft.com/office/drawing/2014/main" id="{ED452DA9-14F0-427D-8CC0-B77F6CA9083A}"/>
               </a:ext>
             </a:extLst>
           </p:cNvPr>
@@ -10464,7 +10465,7 @@
           <p:cNvPr id="2" name="Titelplatzhalter 1">
             <a:extLst>
               <a:ext uri="{FF2B5EF4-FFF2-40B4-BE49-F238E27FC236}">
-                <a16:creationId xmlns:a16="http://schemas.microsoft.com/office/drawing/2014/main" xmlns="" id="{3A969D30-CDA8-4646-A32F-52431418C054}"/>
+                <a16:creationId xmlns:a16="http://schemas.microsoft.com/office/drawing/2014/main" id="{3A969D30-CDA8-4646-A32F-52431418C054}"/>
               </a:ext>
             </a:extLst>
           </p:cNvPr>
@@ -10503,7 +10504,7 @@
           <p:cNvPr id="3" name="Textplatzhalter 2">
             <a:extLst>
               <a:ext uri="{FF2B5EF4-FFF2-40B4-BE49-F238E27FC236}">
-                <a16:creationId xmlns:a16="http://schemas.microsoft.com/office/drawing/2014/main" xmlns="" id="{13B6DB0A-1502-4748-B65C-89F583300036}"/>
+                <a16:creationId xmlns:a16="http://schemas.microsoft.com/office/drawing/2014/main" id="{13B6DB0A-1502-4748-B65C-89F583300036}"/>
               </a:ext>
             </a:extLst>
           </p:cNvPr>
@@ -10571,7 +10572,7 @@
           <p:cNvPr id="4" name="Datumsplatzhalter 3">
             <a:extLst>
               <a:ext uri="{FF2B5EF4-FFF2-40B4-BE49-F238E27FC236}">
-                <a16:creationId xmlns:a16="http://schemas.microsoft.com/office/drawing/2014/main" xmlns="" id="{843FF316-4A2A-4B53-8EEF-53CB0880ED7E}"/>
+                <a16:creationId xmlns:a16="http://schemas.microsoft.com/office/drawing/2014/main" id="{843FF316-4A2A-4B53-8EEF-53CB0880ED7E}"/>
               </a:ext>
             </a:extLst>
           </p:cNvPr>
@@ -10618,7 +10619,7 @@
           <p:cNvPr id="5" name="Fußzeilenplatzhalter 4">
             <a:extLst>
               <a:ext uri="{FF2B5EF4-FFF2-40B4-BE49-F238E27FC236}">
-                <a16:creationId xmlns:a16="http://schemas.microsoft.com/office/drawing/2014/main" xmlns="" id="{7DF9C5C8-D1E8-4457-861A-7F30A7113064}"/>
+                <a16:creationId xmlns:a16="http://schemas.microsoft.com/office/drawing/2014/main" id="{7DF9C5C8-D1E8-4457-861A-7F30A7113064}"/>
               </a:ext>
             </a:extLst>
           </p:cNvPr>
@@ -10661,7 +10662,7 @@
           <p:cNvPr id="6" name="Foliennummernplatzhalter 5">
             <a:extLst>
               <a:ext uri="{FF2B5EF4-FFF2-40B4-BE49-F238E27FC236}">
-                <a16:creationId xmlns:a16="http://schemas.microsoft.com/office/drawing/2014/main" xmlns="" id="{451F2ADC-5E16-45EE-9C63-A011DAE0AAAE}"/>
+                <a16:creationId xmlns:a16="http://schemas.microsoft.com/office/drawing/2014/main" id="{451F2ADC-5E16-45EE-9C63-A011DAE0AAAE}"/>
               </a:ext>
             </a:extLst>
           </p:cNvPr>
@@ -11037,10 +11038,10 @@
           <p:cNvPr id="8" name="Rectangle 7">
             <a:extLst>
               <a:ext uri="{FF2B5EF4-FFF2-40B4-BE49-F238E27FC236}">
-                <a16:creationId xmlns:a16="http://schemas.microsoft.com/office/drawing/2014/main" xmlns="" id="{88294908-8B00-4F58-BBBA-20F71A40AA9E}"/>
+                <a16:creationId xmlns:a16="http://schemas.microsoft.com/office/drawing/2014/main" id="{88294908-8B00-4F58-BBBA-20F71A40AA9E}"/>
               </a:ext>
               <a:ext uri="{C183D7F6-B498-43B3-948B-1728B52AA6E4}">
-                <adec:decorative xmlns:adec="http://schemas.microsoft.com/office/drawing/2017/decorative" xmlns="" val="1"/>
+                <adec:decorative xmlns:adec="http://schemas.microsoft.com/office/drawing/2017/decorative" val="1"/>
               </a:ext>
             </a:extLst>
           </p:cNvPr>
@@ -11050,7 +11051,7 @@
           <p:nvPr>
             <p:extLst>
               <p:ext uri="{386F3935-93C4-4BCD-93E2-E3B085C9AB24}">
-                <p16:designElem xmlns:p16="http://schemas.microsoft.com/office/powerpoint/2015/main" xmlns="" val="1"/>
+                <p16:designElem xmlns:p16="http://schemas.microsoft.com/office/powerpoint/2015/main" val="1"/>
               </p:ext>
             </p:extLst>
           </p:nvPr>
@@ -11100,10 +11101,10 @@
           <p:cNvPr id="10" name="Freeform: Shape 9">
             <a:extLst>
               <a:ext uri="{FF2B5EF4-FFF2-40B4-BE49-F238E27FC236}">
-                <a16:creationId xmlns:a16="http://schemas.microsoft.com/office/drawing/2014/main" xmlns="" id="{4364C879-1404-4203-8E9D-CC5DE0A621A2}"/>
+                <a16:creationId xmlns:a16="http://schemas.microsoft.com/office/drawing/2014/main" id="{4364C879-1404-4203-8E9D-CC5DE0A621A2}"/>
               </a:ext>
               <a:ext uri="{C183D7F6-B498-43B3-948B-1728B52AA6E4}">
-                <adec:decorative xmlns:adec="http://schemas.microsoft.com/office/drawing/2017/decorative" xmlns="" val="1"/>
+                <adec:decorative xmlns:adec="http://schemas.microsoft.com/office/drawing/2017/decorative" val="1"/>
               </a:ext>
             </a:extLst>
           </p:cNvPr>
@@ -11113,7 +11114,7 @@
           <p:nvPr>
             <p:extLst>
               <p:ext uri="{386F3935-93C4-4BCD-93E2-E3B085C9AB24}">
-                <p16:designElem xmlns:p16="http://schemas.microsoft.com/office/powerpoint/2015/main" xmlns="" val="1"/>
+                <p16:designElem xmlns:p16="http://schemas.microsoft.com/office/powerpoint/2015/main" val="1"/>
               </p:ext>
             </p:extLst>
           </p:nvPr>
@@ -11210,10 +11211,10 @@
           <p:cNvPr id="12" name="Freeform: Shape 11">
             <a:extLst>
               <a:ext uri="{FF2B5EF4-FFF2-40B4-BE49-F238E27FC236}">
-                <a16:creationId xmlns:a16="http://schemas.microsoft.com/office/drawing/2014/main" xmlns="" id="{84617302-4B0D-4351-A6BB-6F0930D943AC}"/>
+                <a16:creationId xmlns:a16="http://schemas.microsoft.com/office/drawing/2014/main" id="{84617302-4B0D-4351-A6BB-6F0930D943AC}"/>
               </a:ext>
               <a:ext uri="{C183D7F6-B498-43B3-948B-1728B52AA6E4}">
-                <adec:decorative xmlns:adec="http://schemas.microsoft.com/office/drawing/2017/decorative" xmlns="" val="1"/>
+                <adec:decorative xmlns:adec="http://schemas.microsoft.com/office/drawing/2017/decorative" val="1"/>
               </a:ext>
             </a:extLst>
           </p:cNvPr>
@@ -11223,7 +11224,7 @@
           <p:nvPr>
             <p:extLst>
               <p:ext uri="{386F3935-93C4-4BCD-93E2-E3B085C9AB24}">
-                <p16:designElem xmlns:p16="http://schemas.microsoft.com/office/powerpoint/2015/main" xmlns="" val="1"/>
+                <p16:designElem xmlns:p16="http://schemas.microsoft.com/office/powerpoint/2015/main" val="1"/>
               </p:ext>
             </p:extLst>
           </p:nvPr>
@@ -11328,10 +11329,10 @@
           <p:cNvPr id="14" name="Freeform: Shape 13">
             <a:extLst>
               <a:ext uri="{FF2B5EF4-FFF2-40B4-BE49-F238E27FC236}">
-                <a16:creationId xmlns:a16="http://schemas.microsoft.com/office/drawing/2014/main" xmlns="" id="{DA2C7802-C2E0-4218-8F89-8DD7CCD2CD1C}"/>
+                <a16:creationId xmlns:a16="http://schemas.microsoft.com/office/drawing/2014/main" id="{DA2C7802-C2E0-4218-8F89-8DD7CCD2CD1C}"/>
               </a:ext>
               <a:ext uri="{C183D7F6-B498-43B3-948B-1728B52AA6E4}">
-                <adec:decorative xmlns:adec="http://schemas.microsoft.com/office/drawing/2017/decorative" xmlns="" val="1"/>
+                <adec:decorative xmlns:adec="http://schemas.microsoft.com/office/drawing/2017/decorative" val="1"/>
               </a:ext>
             </a:extLst>
           </p:cNvPr>
@@ -11341,7 +11342,7 @@
           <p:nvPr>
             <p:extLst>
               <p:ext uri="{386F3935-93C4-4BCD-93E2-E3B085C9AB24}">
-                <p16:designElem xmlns:p16="http://schemas.microsoft.com/office/powerpoint/2015/main" xmlns="" val="1"/>
+                <p16:designElem xmlns:p16="http://schemas.microsoft.com/office/powerpoint/2015/main" val="1"/>
               </p:ext>
             </p:extLst>
           </p:nvPr>
@@ -11438,10 +11439,10 @@
           <p:cNvPr id="16" name="Rectangle 15">
             <a:extLst>
               <a:ext uri="{FF2B5EF4-FFF2-40B4-BE49-F238E27FC236}">
-                <a16:creationId xmlns:a16="http://schemas.microsoft.com/office/drawing/2014/main" xmlns="" id="{A6D7111A-21E5-4EE9-8A78-10E5530F0116}"/>
+                <a16:creationId xmlns:a16="http://schemas.microsoft.com/office/drawing/2014/main" id="{A6D7111A-21E5-4EE9-8A78-10E5530F0116}"/>
               </a:ext>
               <a:ext uri="{C183D7F6-B498-43B3-948B-1728B52AA6E4}">
-                <adec:decorative xmlns:adec="http://schemas.microsoft.com/office/drawing/2017/decorative" xmlns="" val="1"/>
+                <adec:decorative xmlns:adec="http://schemas.microsoft.com/office/drawing/2017/decorative" val="1"/>
               </a:ext>
             </a:extLst>
           </p:cNvPr>
@@ -11451,7 +11452,7 @@
           <p:nvPr>
             <p:extLst>
               <p:ext uri="{386F3935-93C4-4BCD-93E2-E3B085C9AB24}">
-                <p16:designElem xmlns:p16="http://schemas.microsoft.com/office/powerpoint/2015/main" xmlns="" val="1"/>
+                <p16:designElem xmlns:p16="http://schemas.microsoft.com/office/powerpoint/2015/main" val="1"/>
               </p:ext>
             </p:extLst>
           </p:nvPr>
@@ -11505,10 +11506,10 @@
           <p:cNvPr id="18" name="Freeform: Shape 17">
             <a:extLst>
               <a:ext uri="{FF2B5EF4-FFF2-40B4-BE49-F238E27FC236}">
-                <a16:creationId xmlns:a16="http://schemas.microsoft.com/office/drawing/2014/main" xmlns="" id="{A3969E80-A77B-49FC-9122-D89AFD5EE118}"/>
+                <a16:creationId xmlns:a16="http://schemas.microsoft.com/office/drawing/2014/main" id="{A3969E80-A77B-49FC-9122-D89AFD5EE118}"/>
               </a:ext>
               <a:ext uri="{C183D7F6-B498-43B3-948B-1728B52AA6E4}">
-                <adec:decorative xmlns:adec="http://schemas.microsoft.com/office/drawing/2017/decorative" xmlns="" val="1"/>
+                <adec:decorative xmlns:adec="http://schemas.microsoft.com/office/drawing/2017/decorative" val="1"/>
               </a:ext>
             </a:extLst>
           </p:cNvPr>
@@ -11518,7 +11519,7 @@
           <p:nvPr>
             <p:extLst>
               <p:ext uri="{386F3935-93C4-4BCD-93E2-E3B085C9AB24}">
-                <p16:designElem xmlns:p16="http://schemas.microsoft.com/office/powerpoint/2015/main" xmlns="" val="1"/>
+                <p16:designElem xmlns:p16="http://schemas.microsoft.com/office/powerpoint/2015/main" val="1"/>
               </p:ext>
             </p:extLst>
           </p:nvPr>
@@ -11623,10 +11624,10 @@
           <p:cNvPr id="20" name="Rectangle 19">
             <a:extLst>
               <a:ext uri="{FF2B5EF4-FFF2-40B4-BE49-F238E27FC236}">
-                <a16:creationId xmlns:a16="http://schemas.microsoft.com/office/drawing/2014/main" xmlns="" id="{1849CA57-76BD-4CF2-80BA-D7A46A01B7B1}"/>
+                <a16:creationId xmlns:a16="http://schemas.microsoft.com/office/drawing/2014/main" id="{1849CA57-76BD-4CF2-80BA-D7A46A01B7B1}"/>
               </a:ext>
               <a:ext uri="{C183D7F6-B498-43B3-948B-1728B52AA6E4}">
-                <adec:decorative xmlns:adec="http://schemas.microsoft.com/office/drawing/2017/decorative" xmlns="" val="1"/>
+                <adec:decorative xmlns:adec="http://schemas.microsoft.com/office/drawing/2017/decorative" val="1"/>
               </a:ext>
             </a:extLst>
           </p:cNvPr>
@@ -11636,7 +11637,7 @@
           <p:nvPr>
             <p:extLst>
               <p:ext uri="{386F3935-93C4-4BCD-93E2-E3B085C9AB24}">
-                <p16:designElem xmlns:p16="http://schemas.microsoft.com/office/powerpoint/2015/main" xmlns="" val="1"/>
+                <p16:designElem xmlns:p16="http://schemas.microsoft.com/office/powerpoint/2015/main" val="1"/>
               </p:ext>
             </p:extLst>
           </p:nvPr>
@@ -11701,10 +11702,10 @@
           <p:cNvPr id="22" name="Freeform: Shape 21">
             <a:extLst>
               <a:ext uri="{FF2B5EF4-FFF2-40B4-BE49-F238E27FC236}">
-                <a16:creationId xmlns:a16="http://schemas.microsoft.com/office/drawing/2014/main" xmlns="" id="{35E9085E-E730-4768-83D4-6CB7E9897153}"/>
+                <a16:creationId xmlns:a16="http://schemas.microsoft.com/office/drawing/2014/main" id="{35E9085E-E730-4768-83D4-6CB7E9897153}"/>
               </a:ext>
               <a:ext uri="{C183D7F6-B498-43B3-948B-1728B52AA6E4}">
-                <adec:decorative xmlns:adec="http://schemas.microsoft.com/office/drawing/2017/decorative" xmlns="" val="1"/>
+                <adec:decorative xmlns:adec="http://schemas.microsoft.com/office/drawing/2017/decorative" val="1"/>
               </a:ext>
             </a:extLst>
           </p:cNvPr>
@@ -11714,7 +11715,7 @@
           <p:nvPr>
             <p:extLst>
               <p:ext uri="{386F3935-93C4-4BCD-93E2-E3B085C9AB24}">
-                <p16:designElem xmlns:p16="http://schemas.microsoft.com/office/powerpoint/2015/main" xmlns="" val="1"/>
+                <p16:designElem xmlns:p16="http://schemas.microsoft.com/office/powerpoint/2015/main" val="1"/>
               </p:ext>
             </p:extLst>
           </p:nvPr>
@@ -11825,10 +11826,10 @@
           <p:cNvPr id="24" name="Freeform: Shape 23">
             <a:extLst>
               <a:ext uri="{FF2B5EF4-FFF2-40B4-BE49-F238E27FC236}">
-                <a16:creationId xmlns:a16="http://schemas.microsoft.com/office/drawing/2014/main" xmlns="" id="{973272FE-A474-4CAE-8CA2-BCC8B476C3F4}"/>
+                <a16:creationId xmlns:a16="http://schemas.microsoft.com/office/drawing/2014/main" id="{973272FE-A474-4CAE-8CA2-BCC8B476C3F4}"/>
               </a:ext>
               <a:ext uri="{C183D7F6-B498-43B3-948B-1728B52AA6E4}">
-                <adec:decorative xmlns:adec="http://schemas.microsoft.com/office/drawing/2017/decorative" xmlns="" val="1"/>
+                <adec:decorative xmlns:adec="http://schemas.microsoft.com/office/drawing/2017/decorative" val="1"/>
               </a:ext>
             </a:extLst>
           </p:cNvPr>
@@ -11838,7 +11839,7 @@
           <p:nvPr>
             <p:extLst>
               <p:ext uri="{386F3935-93C4-4BCD-93E2-E3B085C9AB24}">
-                <p16:designElem xmlns:p16="http://schemas.microsoft.com/office/powerpoint/2015/main" xmlns="" val="1"/>
+                <p16:designElem xmlns:p16="http://schemas.microsoft.com/office/powerpoint/2015/main" val="1"/>
               </p:ext>
             </p:extLst>
           </p:nvPr>
@@ -12004,7 +12005,7 @@
           <p:cNvPr id="3" name="Untertitel 2">
             <a:extLst>
               <a:ext uri="{FF2B5EF4-FFF2-40B4-BE49-F238E27FC236}">
-                <a16:creationId xmlns:a16="http://schemas.microsoft.com/office/drawing/2014/main" xmlns="" id="{A4A3B394-275F-4105-B871-7A4A91C2B3E1}"/>
+                <a16:creationId xmlns:a16="http://schemas.microsoft.com/office/drawing/2014/main" id="{A4A3B394-275F-4105-B871-7A4A91C2B3E1}"/>
               </a:ext>
             </a:extLst>
           </p:cNvPr>
@@ -12059,7 +12060,7 @@
           <p:cNvPr id="2" name="Titel 1">
             <a:extLst>
               <a:ext uri="{FF2B5EF4-FFF2-40B4-BE49-F238E27FC236}">
-                <a16:creationId xmlns:a16="http://schemas.microsoft.com/office/drawing/2014/main" xmlns="" id="{D039FE2E-3435-4AAE-89B3-82FB2F8D0962}"/>
+                <a16:creationId xmlns:a16="http://schemas.microsoft.com/office/drawing/2014/main" id="{D039FE2E-3435-4AAE-89B3-82FB2F8D0962}"/>
               </a:ext>
             </a:extLst>
           </p:cNvPr>
@@ -12099,10 +12100,10 @@
           <p:cNvPr id="26" name="Freeform: Shape 25">
             <a:extLst>
               <a:ext uri="{FF2B5EF4-FFF2-40B4-BE49-F238E27FC236}">
-                <a16:creationId xmlns:a16="http://schemas.microsoft.com/office/drawing/2014/main" xmlns="" id="{E07981EA-05A6-437C-88D7-B377B92B031D}"/>
+                <a16:creationId xmlns:a16="http://schemas.microsoft.com/office/drawing/2014/main" id="{E07981EA-05A6-437C-88D7-B377B92B031D}"/>
               </a:ext>
               <a:ext uri="{C183D7F6-B498-43B3-948B-1728B52AA6E4}">
-                <adec:decorative xmlns:adec="http://schemas.microsoft.com/office/drawing/2017/decorative" xmlns="" val="1"/>
+                <adec:decorative xmlns:adec="http://schemas.microsoft.com/office/drawing/2017/decorative" val="1"/>
               </a:ext>
             </a:extLst>
           </p:cNvPr>
@@ -12112,7 +12113,7 @@
           <p:nvPr>
             <p:extLst>
               <p:ext uri="{386F3935-93C4-4BCD-93E2-E3B085C9AB24}">
-                <p16:designElem xmlns:p16="http://schemas.microsoft.com/office/powerpoint/2015/main" xmlns="" val="1"/>
+                <p16:designElem xmlns:p16="http://schemas.microsoft.com/office/powerpoint/2015/main" val="1"/>
               </p:ext>
             </p:extLst>
           </p:nvPr>
@@ -12209,10 +12210,10 @@
           <p:cNvPr id="28" name="Rectangle 27">
             <a:extLst>
               <a:ext uri="{FF2B5EF4-FFF2-40B4-BE49-F238E27FC236}">
-                <a16:creationId xmlns:a16="http://schemas.microsoft.com/office/drawing/2014/main" xmlns="" id="{15E3C750-986E-4769-B1AE-49289FBEE757}"/>
+                <a16:creationId xmlns:a16="http://schemas.microsoft.com/office/drawing/2014/main" id="{15E3C750-986E-4769-B1AE-49289FBEE757}"/>
               </a:ext>
               <a:ext uri="{C183D7F6-B498-43B3-948B-1728B52AA6E4}">
-                <adec:decorative xmlns:adec="http://schemas.microsoft.com/office/drawing/2017/decorative" xmlns="" val="1"/>
+                <adec:decorative xmlns:adec="http://schemas.microsoft.com/office/drawing/2017/decorative" val="1"/>
               </a:ext>
             </a:extLst>
           </p:cNvPr>
@@ -12222,7 +12223,7 @@
           <p:nvPr>
             <p:extLst>
               <p:ext uri="{386F3935-93C4-4BCD-93E2-E3B085C9AB24}">
-                <p16:designElem xmlns:p16="http://schemas.microsoft.com/office/powerpoint/2015/main" xmlns="" val="1"/>
+                <p16:designElem xmlns:p16="http://schemas.microsoft.com/office/powerpoint/2015/main" val="1"/>
               </p:ext>
             </p:extLst>
           </p:nvPr>
@@ -12314,10 +12315,10 @@
           <p:cNvPr id="11" name="Rectangle 10">
             <a:extLst>
               <a:ext uri="{FF2B5EF4-FFF2-40B4-BE49-F238E27FC236}">
-                <a16:creationId xmlns:a16="http://schemas.microsoft.com/office/drawing/2014/main" xmlns="" id="{26CAED0A-2A45-4C9C-BCDD-21A8A092C5F3}"/>
+                <a16:creationId xmlns:a16="http://schemas.microsoft.com/office/drawing/2014/main" id="{26CAED0A-2A45-4C9C-BCDD-21A8A092C5F3}"/>
               </a:ext>
               <a:ext uri="{C183D7F6-B498-43B3-948B-1728B52AA6E4}">
-                <adec:decorative xmlns:adec="http://schemas.microsoft.com/office/drawing/2017/decorative" xmlns="" val="1"/>
+                <adec:decorative xmlns:adec="http://schemas.microsoft.com/office/drawing/2017/decorative" val="1"/>
               </a:ext>
             </a:extLst>
           </p:cNvPr>
@@ -12327,7 +12328,7 @@
           <p:nvPr>
             <p:extLst>
               <p:ext uri="{386F3935-93C4-4BCD-93E2-E3B085C9AB24}">
-                <p16:designElem xmlns:p16="http://schemas.microsoft.com/office/powerpoint/2015/main" xmlns="" val="1"/>
+                <p16:designElem xmlns:p16="http://schemas.microsoft.com/office/powerpoint/2015/main" val="1"/>
               </p:ext>
             </p:extLst>
           </p:nvPr>
@@ -12374,7 +12375,7 @@
           <p:cNvPr id="2" name="Titel 1">
             <a:extLst>
               <a:ext uri="{FF2B5EF4-FFF2-40B4-BE49-F238E27FC236}">
-                <a16:creationId xmlns:a16="http://schemas.microsoft.com/office/drawing/2014/main" xmlns="" id="{FDCB31F9-A7D9-4562-A802-D0223B08E39E}"/>
+                <a16:creationId xmlns:a16="http://schemas.microsoft.com/office/drawing/2014/main" id="{FDCB31F9-A7D9-4562-A802-D0223B08E39E}"/>
               </a:ext>
             </a:extLst>
           </p:cNvPr>
@@ -12409,10 +12410,10 @@
           <p:cNvPr id="13" name="Rectangle 12">
             <a:extLst>
               <a:ext uri="{FF2B5EF4-FFF2-40B4-BE49-F238E27FC236}">
-                <a16:creationId xmlns:a16="http://schemas.microsoft.com/office/drawing/2014/main" xmlns="" id="{3A9A4357-BD1D-4622-A4FE-766E6AB8DE84}"/>
+                <a16:creationId xmlns:a16="http://schemas.microsoft.com/office/drawing/2014/main" id="{3A9A4357-BD1D-4622-A4FE-766E6AB8DE84}"/>
               </a:ext>
               <a:ext uri="{C183D7F6-B498-43B3-948B-1728B52AA6E4}">
-                <adec:decorative xmlns:adec="http://schemas.microsoft.com/office/drawing/2017/decorative" xmlns="" val="1"/>
+                <adec:decorative xmlns:adec="http://schemas.microsoft.com/office/drawing/2017/decorative" val="1"/>
               </a:ext>
             </a:extLst>
           </p:cNvPr>
@@ -12422,7 +12423,7 @@
           <p:nvPr>
             <p:extLst>
               <p:ext uri="{386F3935-93C4-4BCD-93E2-E3B085C9AB24}">
-                <p16:designElem xmlns:p16="http://schemas.microsoft.com/office/powerpoint/2015/main" xmlns="" val="1"/>
+                <p16:designElem xmlns:p16="http://schemas.microsoft.com/office/powerpoint/2015/main" val="1"/>
               </p:ext>
             </p:extLst>
           </p:nvPr>
@@ -12472,10 +12473,10 @@
           <p:cNvPr id="15" name="Rectangle 14">
             <a:extLst>
               <a:ext uri="{FF2B5EF4-FFF2-40B4-BE49-F238E27FC236}">
-                <a16:creationId xmlns:a16="http://schemas.microsoft.com/office/drawing/2014/main" xmlns="" id="{E659831F-0D9A-4C63-9EBB-8435B85A440F}"/>
+                <a16:creationId xmlns:a16="http://schemas.microsoft.com/office/drawing/2014/main" id="{E659831F-0D9A-4C63-9EBB-8435B85A440F}"/>
               </a:ext>
               <a:ext uri="{C183D7F6-B498-43B3-948B-1728B52AA6E4}">
-                <adec:decorative xmlns:adec="http://schemas.microsoft.com/office/drawing/2017/decorative" xmlns="" val="1"/>
+                <adec:decorative xmlns:adec="http://schemas.microsoft.com/office/drawing/2017/decorative" val="1"/>
               </a:ext>
             </a:extLst>
           </p:cNvPr>
@@ -12485,7 +12486,7 @@
           <p:nvPr>
             <p:extLst>
               <p:ext uri="{386F3935-93C4-4BCD-93E2-E3B085C9AB24}">
-                <p16:designElem xmlns:p16="http://schemas.microsoft.com/office/powerpoint/2015/main" xmlns="" val="1"/>
+                <p16:designElem xmlns:p16="http://schemas.microsoft.com/office/powerpoint/2015/main" val="1"/>
               </p:ext>
             </p:extLst>
           </p:nvPr>
@@ -12542,7 +12543,7 @@
           <p:cNvPr id="3" name="Inhaltsplatzhalter 2">
             <a:extLst>
               <a:ext uri="{FF2B5EF4-FFF2-40B4-BE49-F238E27FC236}">
-                <a16:creationId xmlns:a16="http://schemas.microsoft.com/office/drawing/2014/main" xmlns="" id="{9E086109-A865-491E-8199-31771C640B6F}"/>
+                <a16:creationId xmlns:a16="http://schemas.microsoft.com/office/drawing/2014/main" id="{9E086109-A865-491E-8199-31771C640B6F}"/>
               </a:ext>
             </a:extLst>
           </p:cNvPr>
@@ -12646,7 +12647,7 @@
           <p:cNvPr id="6" name="Grafik 5">
             <a:extLst>
               <a:ext uri="{FF2B5EF4-FFF2-40B4-BE49-F238E27FC236}">
-                <a16:creationId xmlns:a16="http://schemas.microsoft.com/office/drawing/2014/main" xmlns="" id="{42503F6C-F895-4B1F-A39F-7CBDC8B9FC6F}"/>
+                <a16:creationId xmlns:a16="http://schemas.microsoft.com/office/drawing/2014/main" id="{42503F6C-F895-4B1F-A39F-7CBDC8B9FC6F}"/>
               </a:ext>
             </a:extLst>
           </p:cNvPr>
@@ -12675,10 +12676,10 @@
           <p:cNvPr id="17" name="Rectangle 16">
             <a:extLst>
               <a:ext uri="{FF2B5EF4-FFF2-40B4-BE49-F238E27FC236}">
-                <a16:creationId xmlns:a16="http://schemas.microsoft.com/office/drawing/2014/main" xmlns="" id="{E6995CE5-F890-4ABA-82A2-26507CE8D2A3}"/>
+                <a16:creationId xmlns:a16="http://schemas.microsoft.com/office/drawing/2014/main" id="{E6995CE5-F890-4ABA-82A2-26507CE8D2A3}"/>
               </a:ext>
               <a:ext uri="{C183D7F6-B498-43B3-948B-1728B52AA6E4}">
-                <adec:decorative xmlns:adec="http://schemas.microsoft.com/office/drawing/2017/decorative" xmlns="" val="1"/>
+                <adec:decorative xmlns:adec="http://schemas.microsoft.com/office/drawing/2017/decorative" val="1"/>
               </a:ext>
             </a:extLst>
           </p:cNvPr>
@@ -12688,7 +12689,7 @@
           <p:nvPr>
             <p:extLst>
               <p:ext uri="{386F3935-93C4-4BCD-93E2-E3B085C9AB24}">
-                <p16:designElem xmlns:p16="http://schemas.microsoft.com/office/powerpoint/2015/main" xmlns="" val="1"/>
+                <p16:designElem xmlns:p16="http://schemas.microsoft.com/office/powerpoint/2015/main" val="1"/>
               </p:ext>
             </p:extLst>
           </p:nvPr>
@@ -12738,7 +12739,7 @@
           <p:cNvPr id="12" name="Grafik 11">
             <a:extLst>
               <a:ext uri="{FF2B5EF4-FFF2-40B4-BE49-F238E27FC236}">
-                <a16:creationId xmlns:a16="http://schemas.microsoft.com/office/drawing/2014/main" xmlns="" id="{B89BDEE0-9A02-4A9F-B77E-85FA123FB432}"/>
+                <a16:creationId xmlns:a16="http://schemas.microsoft.com/office/drawing/2014/main" id="{B89BDEE0-9A02-4A9F-B77E-85FA123FB432}"/>
               </a:ext>
             </a:extLst>
           </p:cNvPr>
@@ -12768,7 +12769,7 @@
           <p:cNvPr id="14" name="Pfeil: nach rechts 13">
             <a:extLst>
               <a:ext uri="{FF2B5EF4-FFF2-40B4-BE49-F238E27FC236}">
-                <a16:creationId xmlns:a16="http://schemas.microsoft.com/office/drawing/2014/main" xmlns="" id="{03E8CEC6-4778-479F-85B6-2AC919D2E9D6}"/>
+                <a16:creationId xmlns:a16="http://schemas.microsoft.com/office/drawing/2014/main" id="{03E8CEC6-4778-479F-85B6-2AC919D2E9D6}"/>
               </a:ext>
             </a:extLst>
           </p:cNvPr>
@@ -12843,102 +12844,10 @@
   <p:clrMapOvr>
     <a:masterClrMapping/>
   </p:clrMapOvr>
-  <p:timing>
-    <p:tnLst>
-      <p:par>
-        <p:cTn id="1" dur="indefinite" restart="never" nodeType="tmRoot"/>
-      </p:par>
-    </p:tnLst>
-  </p:timing>
 </p:sld>
 </file>
 
 <file path=ppt/slides/slide11.xml><?xml version="1.0" encoding="utf-8"?>
-<p:sld xmlns:a="http://schemas.openxmlformats.org/drawingml/2006/main" xmlns:r="http://schemas.openxmlformats.org/officeDocument/2006/relationships" xmlns:p="http://schemas.openxmlformats.org/presentationml/2006/main">
-  <p:cSld>
-    <p:spTree>
-      <p:nvGrpSpPr>
-        <p:cNvPr id="1" name=""/>
-        <p:cNvGrpSpPr/>
-        <p:nvPr/>
-      </p:nvGrpSpPr>
-      <p:grpSpPr>
-        <a:xfrm>
-          <a:off x="0" y="0"/>
-          <a:ext cx="0" cy="0"/>
-          <a:chOff x="0" y="0"/>
-          <a:chExt cx="0" cy="0"/>
-        </a:xfrm>
-      </p:grpSpPr>
-      <p:sp>
-        <p:nvSpPr>
-          <p:cNvPr id="2" name="Titel 1"/>
-          <p:cNvSpPr>
-            <a:spLocks noGrp="1"/>
-          </p:cNvSpPr>
-          <p:nvPr>
-            <p:ph type="title"/>
-          </p:nvPr>
-        </p:nvSpPr>
-        <p:spPr/>
-        <p:txBody>
-          <a:bodyPr/>
-          <a:lstStyle/>
-          <a:p>
-            <a:r>
-              <a:rPr lang="de-AT" dirty="0" smtClean="0"/>
-              <a:t>Bildverarbeitungspipeline</a:t>
-            </a:r>
-            <a:endParaRPr lang="de-AT" dirty="0"/>
-          </a:p>
-        </p:txBody>
-      </p:sp>
-      <p:graphicFrame>
-        <p:nvGraphicFramePr>
-          <p:cNvPr id="4" name="Inhaltsplatzhalter 3"/>
-          <p:cNvGraphicFramePr>
-            <a:graphicFrameLocks noGrp="1"/>
-          </p:cNvGraphicFramePr>
-          <p:nvPr>
-            <p:ph idx="1"/>
-            <p:extLst>
-              <p:ext uri="{D42A27DB-BD31-4B8C-83A1-F6EECF244321}">
-                <p14:modId xmlns:p14="http://schemas.microsoft.com/office/powerpoint/2010/main" val="428327931"/>
-              </p:ext>
-            </p:extLst>
-          </p:nvPr>
-        </p:nvGraphicFramePr>
-        <p:xfrm>
-          <a:off x="838200" y="1825625"/>
-          <a:ext cx="10515600" cy="4351338"/>
-        </p:xfrm>
-        <a:graphic>
-          <a:graphicData uri="http://schemas.openxmlformats.org/drawingml/2006/diagram">
-            <dgm:relIds xmlns:dgm="http://schemas.openxmlformats.org/drawingml/2006/diagram" xmlns:r="http://schemas.openxmlformats.org/officeDocument/2006/relationships" r:dm="rId2" r:lo="rId3" r:qs="rId4" r:cs="rId5"/>
-          </a:graphicData>
-        </a:graphic>
-      </p:graphicFrame>
-    </p:spTree>
-    <p:extLst>
-      <p:ext uri="{BB962C8B-B14F-4D97-AF65-F5344CB8AC3E}">
-        <p14:creationId xmlns:p14="http://schemas.microsoft.com/office/powerpoint/2010/main" val="298691601"/>
-      </p:ext>
-    </p:extLst>
-  </p:cSld>
-  <p:clrMapOvr>
-    <a:masterClrMapping/>
-  </p:clrMapOvr>
-  <p:timing>
-    <p:tnLst>
-      <p:par>
-        <p:cTn id="1" dur="indefinite" restart="never" nodeType="tmRoot"/>
-      </p:par>
-    </p:tnLst>
-  </p:timing>
-</p:sld>
-</file>
-
-<file path=ppt/slides/slide12.xml><?xml version="1.0" encoding="utf-8"?>
 <p:sld xmlns:a="http://schemas.openxmlformats.org/drawingml/2006/main" xmlns:r="http://schemas.openxmlformats.org/officeDocument/2006/relationships" xmlns:p="http://schemas.openxmlformats.org/presentationml/2006/main">
   <p:cSld>
     <p:bg>
@@ -12965,13 +12874,13 @@
       </p:grpSpPr>
       <p:sp useBgFill="1">
         <p:nvSpPr>
-          <p:cNvPr id="16" name="Rectangle 15">
+          <p:cNvPr id="9" name="Rectangle 8">
             <a:extLst>
               <a:ext uri="{FF2B5EF4-FFF2-40B4-BE49-F238E27FC236}">
-                <a16:creationId xmlns:a16="http://schemas.microsoft.com/office/drawing/2014/main" xmlns="" id="{B6CDA21F-E7AF-4C75-8395-33F58D5B0E45}"/>
+                <a16:creationId xmlns:a16="http://schemas.microsoft.com/office/drawing/2014/main" id="{56E9B3E6-E277-4D68-BA48-9CB43FFBD6E2}"/>
               </a:ext>
               <a:ext uri="{C183D7F6-B498-43B3-948B-1728B52AA6E4}">
-                <adec:decorative xmlns:adec="http://schemas.microsoft.com/office/drawing/2017/decorative" xmlns="" val="1"/>
+                <adec:decorative xmlns:adec="http://schemas.microsoft.com/office/drawing/2017/decorative" val="1"/>
               </a:ext>
             </a:extLst>
           </p:cNvPr>
@@ -12981,7 +12890,7 @@
           <p:nvPr>
             <p:extLst>
               <p:ext uri="{386F3935-93C4-4BCD-93E2-E3B085C9AB24}">
-                <p16:designElem xmlns:p16="http://schemas.microsoft.com/office/powerpoint/2015/main" xmlns="" val="1"/>
+                <p16:designElem xmlns:p16="http://schemas.microsoft.com/office/powerpoint/2015/main" val="1"/>
               </p:ext>
             </p:extLst>
           </p:nvPr>
@@ -13025,13 +12934,13 @@
       </p:sp>
       <p:grpSp>
         <p:nvGrpSpPr>
-          <p:cNvPr id="18" name="Group 17">
+          <p:cNvPr id="11" name="Group 10">
             <a:extLst>
               <a:ext uri="{FF2B5EF4-FFF2-40B4-BE49-F238E27FC236}">
-                <a16:creationId xmlns:a16="http://schemas.microsoft.com/office/drawing/2014/main" xmlns="" id="{AE1C45F0-260A-458C-96ED-C1F6D2151219}"/>
+                <a16:creationId xmlns:a16="http://schemas.microsoft.com/office/drawing/2014/main" id="{AE1C45F0-260A-458C-96ED-C1F6D2151219}"/>
               </a:ext>
               <a:ext uri="{C183D7F6-B498-43B3-948B-1728B52AA6E4}">
-                <adec:decorative xmlns:adec="http://schemas.microsoft.com/office/drawing/2017/decorative" xmlns="" val="1"/>
+                <adec:decorative xmlns:adec="http://schemas.microsoft.com/office/drawing/2017/decorative" val="1"/>
               </a:ext>
             </a:extLst>
           </p:cNvPr>
@@ -13041,7 +12950,493 @@
           <p:nvPr>
             <p:extLst>
               <p:ext uri="{386F3935-93C4-4BCD-93E2-E3B085C9AB24}">
-                <p16:designElem xmlns:p16="http://schemas.microsoft.com/office/powerpoint/2015/main" xmlns="" val="1"/>
+                <p16:designElem xmlns:p16="http://schemas.microsoft.com/office/powerpoint/2015/main" val="1"/>
+              </p:ext>
+            </p:extLst>
+          </p:nvPr>
+        </p:nvGrpSpPr>
+        <p:grpSpPr>
+          <a:xfrm>
+            <a:off x="4" y="1216597"/>
+            <a:ext cx="731521" cy="673460"/>
+            <a:chOff x="3940602" y="308034"/>
+            <a:chExt cx="2116791" cy="3428999"/>
+          </a:xfrm>
+          <a:solidFill>
+            <a:schemeClr val="accent4"/>
+          </a:solidFill>
+        </p:grpSpPr>
+        <p:sp>
+          <p:nvSpPr>
+            <p:cNvPr id="12" name="Rectangle 11">
+              <a:extLst>
+                <a:ext uri="{FF2B5EF4-FFF2-40B4-BE49-F238E27FC236}">
+                  <a16:creationId xmlns:a16="http://schemas.microsoft.com/office/drawing/2014/main" id="{A6604B49-AD5C-4590-B051-06C8222ECD99}"/>
+                </a:ext>
+                <a:ext uri="{C183D7F6-B498-43B3-948B-1728B52AA6E4}">
+                  <adec:decorative xmlns:adec="http://schemas.microsoft.com/office/drawing/2017/decorative" val="1"/>
+                </a:ext>
+              </a:extLst>
+            </p:cNvPr>
+            <p:cNvSpPr/>
+            <p:nvPr>
+              <p:extLst>
+                <p:ext uri="{386F3935-93C4-4BCD-93E2-E3B085C9AB24}">
+                  <p16:designElem xmlns:p16="http://schemas.microsoft.com/office/powerpoint/2015/main" val="1"/>
+                </p:ext>
+              </p:extLst>
+            </p:nvPr>
+          </p:nvSpPr>
+          <p:spPr>
+            <a:xfrm>
+              <a:off x="3940602" y="308034"/>
+              <a:ext cx="566743" cy="3428999"/>
+            </a:xfrm>
+            <a:prstGeom prst="rect">
+              <a:avLst/>
+            </a:prstGeom>
+            <a:grpFill/>
+            <a:ln>
+              <a:noFill/>
+            </a:ln>
+          </p:spPr>
+          <p:style>
+            <a:lnRef idx="2">
+              <a:schemeClr val="accent1">
+                <a:shade val="50000"/>
+              </a:schemeClr>
+            </a:lnRef>
+            <a:fillRef idx="1">
+              <a:schemeClr val="accent1"/>
+            </a:fillRef>
+            <a:effectRef idx="0">
+              <a:schemeClr val="accent1"/>
+            </a:effectRef>
+            <a:fontRef idx="minor">
+              <a:schemeClr val="lt1"/>
+            </a:fontRef>
+          </p:style>
+          <p:txBody>
+            <a:bodyPr rtlCol="0" anchor="ctr"/>
+            <a:lstStyle/>
+            <a:p>
+              <a:pPr algn="ctr"/>
+              <a:endParaRPr lang="en-US"/>
+            </a:p>
+          </p:txBody>
+        </p:sp>
+        <p:sp>
+          <p:nvSpPr>
+            <p:cNvPr id="13" name="Rectangle 12">
+              <a:extLst>
+                <a:ext uri="{FF2B5EF4-FFF2-40B4-BE49-F238E27FC236}">
+                  <a16:creationId xmlns:a16="http://schemas.microsoft.com/office/drawing/2014/main" id="{743ECCAF-29C5-4537-947C-7EA1292463DB}"/>
+                </a:ext>
+                <a:ext uri="{C183D7F6-B498-43B3-948B-1728B52AA6E4}">
+                  <adec:decorative xmlns:adec="http://schemas.microsoft.com/office/drawing/2017/decorative" val="1"/>
+                </a:ext>
+              </a:extLst>
+            </p:cNvPr>
+            <p:cNvSpPr/>
+            <p:nvPr>
+              <p:extLst>
+                <p:ext uri="{386F3935-93C4-4BCD-93E2-E3B085C9AB24}">
+                  <p16:designElem xmlns:p16="http://schemas.microsoft.com/office/powerpoint/2015/main" val="1"/>
+                </p:ext>
+              </p:extLst>
+            </p:nvPr>
+          </p:nvSpPr>
+          <p:spPr>
+            <a:xfrm>
+              <a:off x="4715626" y="308034"/>
+              <a:ext cx="566743" cy="3428999"/>
+            </a:xfrm>
+            <a:prstGeom prst="rect">
+              <a:avLst/>
+            </a:prstGeom>
+            <a:grpFill/>
+            <a:ln>
+              <a:noFill/>
+            </a:ln>
+          </p:spPr>
+          <p:style>
+            <a:lnRef idx="2">
+              <a:schemeClr val="accent1">
+                <a:shade val="50000"/>
+              </a:schemeClr>
+            </a:lnRef>
+            <a:fillRef idx="1">
+              <a:schemeClr val="accent1"/>
+            </a:fillRef>
+            <a:effectRef idx="0">
+              <a:schemeClr val="accent1"/>
+            </a:effectRef>
+            <a:fontRef idx="minor">
+              <a:schemeClr val="lt1"/>
+            </a:fontRef>
+          </p:style>
+          <p:txBody>
+            <a:bodyPr rtlCol="0" anchor="ctr"/>
+            <a:lstStyle/>
+            <a:p>
+              <a:pPr algn="ctr"/>
+              <a:endParaRPr lang="en-US"/>
+            </a:p>
+          </p:txBody>
+        </p:sp>
+        <p:sp>
+          <p:nvSpPr>
+            <p:cNvPr id="14" name="Rectangle 13">
+              <a:extLst>
+                <a:ext uri="{FF2B5EF4-FFF2-40B4-BE49-F238E27FC236}">
+                  <a16:creationId xmlns:a16="http://schemas.microsoft.com/office/drawing/2014/main" id="{ED49787B-8DE6-4467-AD0A-8DECC6E0C2D6}"/>
+                </a:ext>
+                <a:ext uri="{C183D7F6-B498-43B3-948B-1728B52AA6E4}">
+                  <adec:decorative xmlns:adec="http://schemas.microsoft.com/office/drawing/2017/decorative" val="1"/>
+                </a:ext>
+              </a:extLst>
+            </p:cNvPr>
+            <p:cNvSpPr/>
+            <p:nvPr>
+              <p:extLst>
+                <p:ext uri="{386F3935-93C4-4BCD-93E2-E3B085C9AB24}">
+                  <p16:designElem xmlns:p16="http://schemas.microsoft.com/office/powerpoint/2015/main" val="1"/>
+                </p:ext>
+              </p:extLst>
+            </p:nvPr>
+          </p:nvSpPr>
+          <p:spPr>
+            <a:xfrm>
+              <a:off x="5490650" y="308034"/>
+              <a:ext cx="566743" cy="3428999"/>
+            </a:xfrm>
+            <a:prstGeom prst="rect">
+              <a:avLst/>
+            </a:prstGeom>
+            <a:grpFill/>
+            <a:ln>
+              <a:noFill/>
+            </a:ln>
+          </p:spPr>
+          <p:style>
+            <a:lnRef idx="2">
+              <a:schemeClr val="accent1">
+                <a:shade val="50000"/>
+              </a:schemeClr>
+            </a:lnRef>
+            <a:fillRef idx="1">
+              <a:schemeClr val="accent1"/>
+            </a:fillRef>
+            <a:effectRef idx="0">
+              <a:schemeClr val="accent1"/>
+            </a:effectRef>
+            <a:fontRef idx="minor">
+              <a:schemeClr val="lt1"/>
+            </a:fontRef>
+          </p:style>
+          <p:txBody>
+            <a:bodyPr rtlCol="0" anchor="ctr"/>
+            <a:lstStyle/>
+            <a:p>
+              <a:pPr algn="ctr"/>
+              <a:endParaRPr lang="en-US"/>
+            </a:p>
+          </p:txBody>
+        </p:sp>
+      </p:grpSp>
+      <p:sp>
+        <p:nvSpPr>
+          <p:cNvPr id="16" name="Rectangle 15">
+            <a:extLst>
+              <a:ext uri="{FF2B5EF4-FFF2-40B4-BE49-F238E27FC236}">
+                <a16:creationId xmlns:a16="http://schemas.microsoft.com/office/drawing/2014/main" id="{D5B0017B-2ECA-49AF-B397-DC140825DF8D}"/>
+              </a:ext>
+              <a:ext uri="{C183D7F6-B498-43B3-948B-1728B52AA6E4}">
+                <adec:decorative xmlns:adec="http://schemas.microsoft.com/office/drawing/2017/decorative" val="1"/>
+              </a:ext>
+            </a:extLst>
+          </p:cNvPr>
+          <p:cNvSpPr>
+            <a:spLocks noGrp="1" noRot="1" noChangeAspect="1" noMove="1" noResize="1" noEditPoints="1" noAdjustHandles="1" noChangeArrowheads="1" noChangeShapeType="1" noTextEdit="1"/>
+          </p:cNvSpPr>
+          <p:nvPr>
+            <p:extLst>
+              <p:ext uri="{386F3935-93C4-4BCD-93E2-E3B085C9AB24}">
+                <p16:designElem xmlns:p16="http://schemas.microsoft.com/office/powerpoint/2015/main" val="1"/>
+              </p:ext>
+            </p:extLst>
+          </p:nvPr>
+        </p:nvSpPr>
+        <p:spPr>
+          <a:xfrm>
+            <a:off x="640079" y="613954"/>
+            <a:ext cx="10907487" cy="1894116"/>
+          </a:xfrm>
+          <a:prstGeom prst="rect">
+            <a:avLst/>
+          </a:prstGeom>
+          <a:solidFill>
+            <a:schemeClr val="bg1"/>
+          </a:solidFill>
+          <a:ln>
+            <a:noFill/>
+          </a:ln>
+          <a:effectLst>
+            <a:outerShdw blurRad="139700" dist="127000" dir="5400000" algn="t" rotWithShape="0">
+              <a:prstClr val="black">
+                <a:alpha val="15000"/>
+              </a:prstClr>
+            </a:outerShdw>
+          </a:effectLst>
+        </p:spPr>
+        <p:style>
+          <a:lnRef idx="2">
+            <a:schemeClr val="accent1">
+              <a:shade val="50000"/>
+            </a:schemeClr>
+          </a:lnRef>
+          <a:fillRef idx="1">
+            <a:schemeClr val="accent1"/>
+          </a:fillRef>
+          <a:effectRef idx="0">
+            <a:schemeClr val="accent1"/>
+          </a:effectRef>
+          <a:fontRef idx="minor">
+            <a:schemeClr val="lt1"/>
+          </a:fontRef>
+        </p:style>
+        <p:txBody>
+          <a:bodyPr rtlCol="0" anchor="ctr"/>
+          <a:lstStyle/>
+          <a:p>
+            <a:pPr algn="ctr"/>
+            <a:endParaRPr lang="en-US"/>
+          </a:p>
+        </p:txBody>
+      </p:sp>
+      <p:sp>
+        <p:nvSpPr>
+          <p:cNvPr id="2" name="Titel 1"/>
+          <p:cNvSpPr>
+            <a:spLocks noGrp="1"/>
+          </p:cNvSpPr>
+          <p:nvPr>
+            <p:ph type="title"/>
+          </p:nvPr>
+        </p:nvSpPr>
+        <p:spPr>
+          <a:xfrm>
+            <a:off x="1043631" y="809898"/>
+            <a:ext cx="10173010" cy="1554480"/>
+          </a:xfrm>
+        </p:spPr>
+        <p:txBody>
+          <a:bodyPr anchor="ctr">
+            <a:normAutofit/>
+          </a:bodyPr>
+          <a:lstStyle/>
+          <a:p>
+            <a:r>
+              <a:rPr lang="de-AT" sz="4800"/>
+              <a:t>Bildverarbeitungspipeline</a:t>
+            </a:r>
+          </a:p>
+        </p:txBody>
+      </p:sp>
+      <p:cxnSp>
+        <p:nvCxnSpPr>
+          <p:cNvPr id="18" name="Straight Connector 17">
+            <a:extLst>
+              <a:ext uri="{FF2B5EF4-FFF2-40B4-BE49-F238E27FC236}">
+                <a16:creationId xmlns:a16="http://schemas.microsoft.com/office/drawing/2014/main" id="{6CF1BAF6-AD41-4082-B212-8A1F9A2E8779}"/>
+              </a:ext>
+              <a:ext uri="{C183D7F6-B498-43B3-948B-1728B52AA6E4}">
+                <adec:decorative xmlns:adec="http://schemas.microsoft.com/office/drawing/2017/decorative" val="1"/>
+              </a:ext>
+            </a:extLst>
+          </p:cNvPr>
+          <p:cNvCxnSpPr>
+            <a:cxnSpLocks noGrp="1" noRot="1" noChangeAspect="1" noMove="1" noResize="1" noEditPoints="1" noAdjustHandles="1" noChangeArrowheads="1" noChangeShapeType="1"/>
+          </p:cNvCxnSpPr>
+          <p:nvPr>
+            <p:extLst>
+              <p:ext uri="{386F3935-93C4-4BCD-93E2-E3B085C9AB24}">
+                <p16:designElem xmlns:p16="http://schemas.microsoft.com/office/powerpoint/2015/main" val="1"/>
+              </p:ext>
+            </p:extLst>
+          </p:nvPr>
+        </p:nvCxnSpPr>
+        <p:spPr>
+          <a:xfrm flipH="1">
+            <a:off x="838200" y="6485313"/>
+            <a:ext cx="10515600" cy="0"/>
+          </a:xfrm>
+          <a:prstGeom prst="line">
+            <a:avLst/>
+          </a:prstGeom>
+          <a:ln w="57150">
+            <a:solidFill>
+              <a:schemeClr val="accent4"/>
+            </a:solidFill>
+          </a:ln>
+        </p:spPr>
+        <p:style>
+          <a:lnRef idx="1">
+            <a:schemeClr val="accent1"/>
+          </a:lnRef>
+          <a:fillRef idx="0">
+            <a:schemeClr val="accent1"/>
+          </a:fillRef>
+          <a:effectRef idx="0">
+            <a:schemeClr val="accent1"/>
+          </a:effectRef>
+          <a:fontRef idx="minor">
+            <a:schemeClr val="tx1"/>
+          </a:fontRef>
+        </p:style>
+      </p:cxnSp>
+      <p:graphicFrame>
+        <p:nvGraphicFramePr>
+          <p:cNvPr id="4" name="Inhaltsplatzhalter 3"/>
+          <p:cNvGraphicFramePr>
+            <a:graphicFrameLocks noGrp="1"/>
+          </p:cNvGraphicFramePr>
+          <p:nvPr>
+            <p:ph idx="1"/>
+            <p:extLst>
+              <p:ext uri="{D42A27DB-BD31-4B8C-83A1-F6EECF244321}">
+                <p14:modId xmlns:p14="http://schemas.microsoft.com/office/powerpoint/2010/main" val="1818909334"/>
+              </p:ext>
+            </p:extLst>
+          </p:nvPr>
+        </p:nvGraphicFramePr>
+        <p:xfrm>
+          <a:off x="904602" y="3017519"/>
+          <a:ext cx="10378440" cy="3209902"/>
+        </p:xfrm>
+        <a:graphic>
+          <a:graphicData uri="http://schemas.openxmlformats.org/drawingml/2006/diagram">
+            <dgm:relIds xmlns:dgm="http://schemas.openxmlformats.org/drawingml/2006/diagram" xmlns:r="http://schemas.openxmlformats.org/officeDocument/2006/relationships" r:dm="rId2" r:lo="rId3" r:qs="rId4" r:cs="rId5"/>
+          </a:graphicData>
+        </a:graphic>
+      </p:graphicFrame>
+    </p:spTree>
+    <p:extLst>
+      <p:ext uri="{BB962C8B-B14F-4D97-AF65-F5344CB8AC3E}">
+        <p14:creationId xmlns:p14="http://schemas.microsoft.com/office/powerpoint/2010/main" val="298691601"/>
+      </p:ext>
+    </p:extLst>
+  </p:cSld>
+  <p:clrMapOvr>
+    <a:masterClrMapping/>
+  </p:clrMapOvr>
+</p:sld>
+</file>
+
+<file path=ppt/slides/slide12.xml><?xml version="1.0" encoding="utf-8"?>
+<p:sld xmlns:a="http://schemas.openxmlformats.org/drawingml/2006/main" xmlns:r="http://schemas.openxmlformats.org/officeDocument/2006/relationships" xmlns:p="http://schemas.openxmlformats.org/presentationml/2006/main">
+  <p:cSld>
+    <p:bg>
+      <p:bgPr>
+        <a:solidFill>
+          <a:schemeClr val="bg1"/>
+        </a:solidFill>
+        <a:effectLst/>
+      </p:bgPr>
+    </p:bg>
+    <p:spTree>
+      <p:nvGrpSpPr>
+        <p:cNvPr id="1" name=""/>
+        <p:cNvGrpSpPr/>
+        <p:nvPr/>
+      </p:nvGrpSpPr>
+      <p:grpSpPr>
+        <a:xfrm>
+          <a:off x="0" y="0"/>
+          <a:ext cx="0" cy="0"/>
+          <a:chOff x="0" y="0"/>
+          <a:chExt cx="0" cy="0"/>
+        </a:xfrm>
+      </p:grpSpPr>
+      <p:sp useBgFill="1">
+        <p:nvSpPr>
+          <p:cNvPr id="16" name="Rectangle 15">
+            <a:extLst>
+              <a:ext uri="{FF2B5EF4-FFF2-40B4-BE49-F238E27FC236}">
+                <a16:creationId xmlns:a16="http://schemas.microsoft.com/office/drawing/2014/main" id="{B6CDA21F-E7AF-4C75-8395-33F58D5B0E45}"/>
+              </a:ext>
+              <a:ext uri="{C183D7F6-B498-43B3-948B-1728B52AA6E4}">
+                <adec:decorative xmlns:adec="http://schemas.microsoft.com/office/drawing/2017/decorative" val="1"/>
+              </a:ext>
+            </a:extLst>
+          </p:cNvPr>
+          <p:cNvSpPr>
+            <a:spLocks noGrp="1" noRot="1" noChangeAspect="1" noMove="1" noResize="1" noEditPoints="1" noAdjustHandles="1" noChangeArrowheads="1" noChangeShapeType="1" noTextEdit="1"/>
+          </p:cNvSpPr>
+          <p:nvPr>
+            <p:extLst>
+              <p:ext uri="{386F3935-93C4-4BCD-93E2-E3B085C9AB24}">
+                <p16:designElem xmlns:p16="http://schemas.microsoft.com/office/powerpoint/2015/main" val="1"/>
+              </p:ext>
+            </p:extLst>
+          </p:nvPr>
+        </p:nvSpPr>
+        <p:spPr>
+          <a:xfrm>
+            <a:off x="0" y="0"/>
+            <a:ext cx="12191999" cy="6857365"/>
+          </a:xfrm>
+          <a:prstGeom prst="rect">
+            <a:avLst/>
+          </a:prstGeom>
+          <a:ln>
+            <a:noFill/>
+          </a:ln>
+        </p:spPr>
+        <p:style>
+          <a:lnRef idx="2">
+            <a:schemeClr val="accent1">
+              <a:shade val="50000"/>
+            </a:schemeClr>
+          </a:lnRef>
+          <a:fillRef idx="1">
+            <a:schemeClr val="accent1"/>
+          </a:fillRef>
+          <a:effectRef idx="0">
+            <a:schemeClr val="accent1"/>
+          </a:effectRef>
+          <a:fontRef idx="minor">
+            <a:schemeClr val="lt1"/>
+          </a:fontRef>
+        </p:style>
+        <p:txBody>
+          <a:bodyPr rtlCol="0" anchor="ctr"/>
+          <a:lstStyle/>
+          <a:p>
+            <a:pPr algn="ctr"/>
+            <a:endParaRPr lang="en-US"/>
+          </a:p>
+        </p:txBody>
+      </p:sp>
+      <p:grpSp>
+        <p:nvGrpSpPr>
+          <p:cNvPr id="18" name="Group 17">
+            <a:extLst>
+              <a:ext uri="{FF2B5EF4-FFF2-40B4-BE49-F238E27FC236}">
+                <a16:creationId xmlns:a16="http://schemas.microsoft.com/office/drawing/2014/main" id="{AE1C45F0-260A-458C-96ED-C1F6D2151219}"/>
+              </a:ext>
+              <a:ext uri="{C183D7F6-B498-43B3-948B-1728B52AA6E4}">
+                <adec:decorative xmlns:adec="http://schemas.microsoft.com/office/drawing/2017/decorative" val="1"/>
+              </a:ext>
+            </a:extLst>
+          </p:cNvPr>
+          <p:cNvGrpSpPr>
+            <a:grpSpLocks noGrp="1" noUngrp="1" noRot="1" noChangeAspect="1" noMove="1" noResize="1"/>
+          </p:cNvGrpSpPr>
+          <p:nvPr>
+            <p:extLst>
+              <p:ext uri="{386F3935-93C4-4BCD-93E2-E3B085C9AB24}">
+                <p16:designElem xmlns:p16="http://schemas.microsoft.com/office/powerpoint/2015/main" val="1"/>
               </p:ext>
             </p:extLst>
           </p:nvPr>
@@ -13062,10 +13457,10 @@
             <p:cNvPr id="19" name="Rectangle 18">
               <a:extLst>
                 <a:ext uri="{FF2B5EF4-FFF2-40B4-BE49-F238E27FC236}">
-                  <a16:creationId xmlns:a16="http://schemas.microsoft.com/office/drawing/2014/main" xmlns="" id="{A6604B49-AD5C-4590-B051-06C8222ECD99}"/>
+                  <a16:creationId xmlns:a16="http://schemas.microsoft.com/office/drawing/2014/main" id="{A6604B49-AD5C-4590-B051-06C8222ECD99}"/>
                 </a:ext>
                 <a:ext uri="{C183D7F6-B498-43B3-948B-1728B52AA6E4}">
-                  <adec:decorative xmlns:adec="http://schemas.microsoft.com/office/drawing/2017/decorative" xmlns="" val="1"/>
+                  <adec:decorative xmlns:adec="http://schemas.microsoft.com/office/drawing/2017/decorative" val="1"/>
                 </a:ext>
               </a:extLst>
             </p:cNvPr>
@@ -13073,7 +13468,7 @@
             <p:nvPr>
               <p:extLst>
                 <p:ext uri="{386F3935-93C4-4BCD-93E2-E3B085C9AB24}">
-                  <p16:designElem xmlns:p16="http://schemas.microsoft.com/office/powerpoint/2015/main" xmlns="" val="1"/>
+                  <p16:designElem xmlns:p16="http://schemas.microsoft.com/office/powerpoint/2015/main" val="1"/>
                 </p:ext>
               </p:extLst>
             </p:nvPr>
@@ -13121,10 +13516,10 @@
             <p:cNvPr id="20" name="Rectangle 19">
               <a:extLst>
                 <a:ext uri="{FF2B5EF4-FFF2-40B4-BE49-F238E27FC236}">
-                  <a16:creationId xmlns:a16="http://schemas.microsoft.com/office/drawing/2014/main" xmlns="" id="{743ECCAF-29C5-4537-947C-7EA1292463DB}"/>
+                  <a16:creationId xmlns:a16="http://schemas.microsoft.com/office/drawing/2014/main" id="{743ECCAF-29C5-4537-947C-7EA1292463DB}"/>
                 </a:ext>
                 <a:ext uri="{C183D7F6-B498-43B3-948B-1728B52AA6E4}">
-                  <adec:decorative xmlns:adec="http://schemas.microsoft.com/office/drawing/2017/decorative" xmlns="" val="1"/>
+                  <adec:decorative xmlns:adec="http://schemas.microsoft.com/office/drawing/2017/decorative" val="1"/>
                 </a:ext>
               </a:extLst>
             </p:cNvPr>
@@ -13132,7 +13527,7 @@
             <p:nvPr>
               <p:extLst>
                 <p:ext uri="{386F3935-93C4-4BCD-93E2-E3B085C9AB24}">
-                  <p16:designElem xmlns:p16="http://schemas.microsoft.com/office/powerpoint/2015/main" xmlns="" val="1"/>
+                  <p16:designElem xmlns:p16="http://schemas.microsoft.com/office/powerpoint/2015/main" val="1"/>
                 </p:ext>
               </p:extLst>
             </p:nvPr>
@@ -13180,10 +13575,10 @@
             <p:cNvPr id="21" name="Rectangle 20">
               <a:extLst>
                 <a:ext uri="{FF2B5EF4-FFF2-40B4-BE49-F238E27FC236}">
-                  <a16:creationId xmlns:a16="http://schemas.microsoft.com/office/drawing/2014/main" xmlns="" id="{ED49787B-8DE6-4467-AD0A-8DECC6E0C2D6}"/>
+                  <a16:creationId xmlns:a16="http://schemas.microsoft.com/office/drawing/2014/main" id="{ED49787B-8DE6-4467-AD0A-8DECC6E0C2D6}"/>
                 </a:ext>
                 <a:ext uri="{C183D7F6-B498-43B3-948B-1728B52AA6E4}">
-                  <adec:decorative xmlns:adec="http://schemas.microsoft.com/office/drawing/2017/decorative" xmlns="" val="1"/>
+                  <adec:decorative xmlns:adec="http://schemas.microsoft.com/office/drawing/2017/decorative" val="1"/>
                 </a:ext>
               </a:extLst>
             </p:cNvPr>
@@ -13191,7 +13586,7 @@
             <p:nvPr>
               <p:extLst>
                 <p:ext uri="{386F3935-93C4-4BCD-93E2-E3B085C9AB24}">
-                  <p16:designElem xmlns:p16="http://schemas.microsoft.com/office/powerpoint/2015/main" xmlns="" val="1"/>
+                  <p16:designElem xmlns:p16="http://schemas.microsoft.com/office/powerpoint/2015/main" val="1"/>
                 </p:ext>
               </p:extLst>
             </p:nvPr>
@@ -13240,10 +13635,10 @@
           <p:cNvPr id="23" name="Rectangle 22">
             <a:extLst>
               <a:ext uri="{FF2B5EF4-FFF2-40B4-BE49-F238E27FC236}">
-                <a16:creationId xmlns:a16="http://schemas.microsoft.com/office/drawing/2014/main" xmlns="" id="{D5B0017B-2ECA-49AF-B397-DC140825DF8D}"/>
+                <a16:creationId xmlns:a16="http://schemas.microsoft.com/office/drawing/2014/main" id="{D5B0017B-2ECA-49AF-B397-DC140825DF8D}"/>
               </a:ext>
               <a:ext uri="{C183D7F6-B498-43B3-948B-1728B52AA6E4}">
-                <adec:decorative xmlns:adec="http://schemas.microsoft.com/office/drawing/2017/decorative" xmlns="" val="1"/>
+                <adec:decorative xmlns:adec="http://schemas.microsoft.com/office/drawing/2017/decorative" val="1"/>
               </a:ext>
             </a:extLst>
           </p:cNvPr>
@@ -13253,7 +13648,7 @@
           <p:nvPr>
             <p:extLst>
               <p:ext uri="{386F3935-93C4-4BCD-93E2-E3B085C9AB24}">
-                <p16:designElem xmlns:p16="http://schemas.microsoft.com/office/powerpoint/2015/main" xmlns="" val="1"/>
+                <p16:designElem xmlns:p16="http://schemas.microsoft.com/office/powerpoint/2015/main" val="1"/>
               </p:ext>
             </p:extLst>
           </p:nvPr>
@@ -13310,7 +13705,7 @@
           <p:cNvPr id="2" name="Titel 1">
             <a:extLst>
               <a:ext uri="{FF2B5EF4-FFF2-40B4-BE49-F238E27FC236}">
-                <a16:creationId xmlns:a16="http://schemas.microsoft.com/office/drawing/2014/main" xmlns="" id="{3147E073-B728-4DA5-8BAB-36A3E20ABE81}"/>
+                <a16:creationId xmlns:a16="http://schemas.microsoft.com/office/drawing/2014/main" id="{3147E073-B728-4DA5-8BAB-36A3E20ABE81}"/>
               </a:ext>
             </a:extLst>
           </p:cNvPr>
@@ -13352,7 +13747,7 @@
           <p:cNvPr id="11" name="Inhaltsplatzhalter 10">
             <a:extLst>
               <a:ext uri="{FF2B5EF4-FFF2-40B4-BE49-F238E27FC236}">
-                <a16:creationId xmlns:a16="http://schemas.microsoft.com/office/drawing/2014/main" xmlns="" id="{BDCA038B-2454-42A2-9817-DBF5912B0686}"/>
+                <a16:creationId xmlns:a16="http://schemas.microsoft.com/office/drawing/2014/main" id="{BDCA038B-2454-42A2-9817-DBF5912B0686}"/>
               </a:ext>
             </a:extLst>
           </p:cNvPr>
@@ -13371,7 +13766,7 @@
         </p:spPr>
         <p:txBody>
           <a:bodyPr vert="horz" lIns="91440" tIns="45720" rIns="91440" bIns="45720" rtlCol="0" anchor="ctr">
-            <a:normAutofit fontScale="92500" lnSpcReduction="20000"/>
+            <a:normAutofit fontScale="77500" lnSpcReduction="20000"/>
           </a:bodyPr>
           <a:lstStyle/>
           <a:p>
@@ -13398,15 +13793,15 @@
             <a:endParaRPr lang="en-US" sz="2200" dirty="0"/>
           </a:p>
           <a:p>
-            <a:endParaRPr lang="en-US" sz="2200" dirty="0" smtClean="0"/>
-          </a:p>
-          <a:p>
-            <a:r>
-              <a:rPr lang="en-US" sz="2200" dirty="0" err="1" smtClean="0"/>
+            <a:endParaRPr lang="en-US" sz="2200" dirty="0"/>
+          </a:p>
+          <a:p>
+            <a:r>
+              <a:rPr lang="en-US" sz="2200" dirty="0" err="1"/>
               <a:t>Mögliche</a:t>
             </a:r>
             <a:r>
-              <a:rPr lang="en-US" sz="2200" dirty="0" smtClean="0"/>
+              <a:rPr lang="en-US" sz="2200" dirty="0"/>
               <a:t> </a:t>
             </a:r>
             <a:r>
@@ -13419,7 +13814,11 @@
             </a:r>
           </a:p>
           <a:p>
-            <a:pPr lvl="1"/>
+            <a:pPr lvl="1">
+              <a:lnSpc>
+                <a:spcPct val="120000"/>
+              </a:lnSpc>
+            </a:pPr>
             <a:r>
               <a:rPr lang="en-US" sz="1900" dirty="0" err="1"/>
               <a:t>Mehr</a:t>
@@ -13438,7 +13837,11 @@
             </a:r>
           </a:p>
           <a:p>
-            <a:pPr lvl="1"/>
+            <a:pPr lvl="1">
+              <a:lnSpc>
+                <a:spcPct val="120000"/>
+              </a:lnSpc>
+            </a:pPr>
             <a:r>
               <a:rPr lang="en-US" sz="1900" dirty="0" err="1"/>
               <a:t>Trainingsdatensatz</a:t>
@@ -13462,7 +13865,11 @@
             <a:endParaRPr lang="en-US" sz="1900" dirty="0"/>
           </a:p>
           <a:p>
-            <a:pPr lvl="1"/>
+            <a:pPr lvl="1">
+              <a:lnSpc>
+                <a:spcPct val="120000"/>
+              </a:lnSpc>
+            </a:pPr>
             <a:r>
               <a:rPr lang="en-US" sz="1900" dirty="0"/>
               <a:t>Rotation der </a:t>
@@ -13481,76 +13888,76 @@
             </a:r>
             <a:r>
               <a:rPr lang="en-US" sz="1900" dirty="0"/>
+              <a:t> Labeling</a:t>
+            </a:r>
+          </a:p>
+          <a:p>
+            <a:pPr lvl="1">
+              <a:lnSpc>
+                <a:spcPct val="120000"/>
+              </a:lnSpc>
+            </a:pPr>
+            <a:r>
+              <a:rPr lang="en-US" sz="1900" dirty="0" err="1"/>
+              <a:t>Zusätzliche</a:t>
+            </a:r>
+            <a:r>
+              <a:rPr lang="en-US" sz="1900" dirty="0"/>
               <a:t> </a:t>
             </a:r>
             <a:r>
-              <a:rPr lang="en-US" sz="1900" dirty="0" smtClean="0"/>
-              <a:t>Labeling</a:t>
-            </a:r>
-          </a:p>
-          <a:p>
-            <a:pPr lvl="1"/>
-            <a:r>
-              <a:rPr lang="en-US" sz="1900" dirty="0" err="1" smtClean="0"/>
-              <a:t>Zusätzliche</a:t>
-            </a:r>
-            <a:r>
-              <a:rPr lang="en-US" sz="1900" dirty="0" smtClean="0"/>
+              <a:rPr lang="en-US" sz="1900" dirty="0" err="1"/>
+              <a:t>Vorverarbeitung</a:t>
+            </a:r>
+            <a:r>
+              <a:rPr lang="en-US" sz="1900" dirty="0"/>
               <a:t> </a:t>
             </a:r>
             <a:r>
-              <a:rPr lang="en-US" sz="1900" dirty="0" err="1" smtClean="0"/>
-              <a:t>Vorverarbeitung</a:t>
-            </a:r>
-            <a:r>
-              <a:rPr lang="en-US" sz="1900" dirty="0" smtClean="0"/>
+              <a:rPr lang="en-US" sz="1900" dirty="0" err="1"/>
+              <a:t>für</a:t>
+            </a:r>
+            <a:r>
+              <a:rPr lang="en-US" sz="1900" dirty="0"/>
               <a:t> </a:t>
             </a:r>
             <a:r>
-              <a:rPr lang="en-US" sz="1900" dirty="0" err="1" smtClean="0"/>
-              <a:t>für</a:t>
-            </a:r>
-            <a:r>
-              <a:rPr lang="en-US" sz="1900" dirty="0" smtClean="0"/>
+              <a:rPr lang="en-US" sz="1900" dirty="0" err="1"/>
+              <a:t>bessere</a:t>
+            </a:r>
+            <a:r>
+              <a:rPr lang="en-US" sz="1900" dirty="0"/>
               <a:t> </a:t>
             </a:r>
-            <a:r>
-              <a:rPr lang="en-US" sz="1900" dirty="0" err="1" smtClean="0"/>
-              <a:t>bessere</a:t>
-            </a:r>
-            <a:r>
-              <a:rPr lang="en-US" sz="1900" dirty="0" smtClean="0"/>
+            <a:br>
+              <a:rPr lang="en-US" sz="1900" dirty="0"/>
+            </a:br>
+            <a:r>
+              <a:rPr lang="en-US" sz="1900" dirty="0" err="1"/>
+              <a:t>Abgrenzung</a:t>
+            </a:r>
+            <a:r>
+              <a:rPr lang="en-US" sz="1900" dirty="0"/>
+              <a:t> der </a:t>
+            </a:r>
+            <a:r>
+              <a:rPr lang="en-US" sz="1900" dirty="0" err="1"/>
+              <a:t>Figur</a:t>
+            </a:r>
+            <a:r>
+              <a:rPr lang="en-US" sz="1900" dirty="0"/>
               <a:t> </a:t>
             </a:r>
-            <a:br>
-              <a:rPr lang="en-US" sz="1900" dirty="0" smtClean="0"/>
-            </a:br>
-            <a:r>
-              <a:rPr lang="en-US" sz="1900" dirty="0" err="1" smtClean="0"/>
-              <a:t>Abgrenzung</a:t>
-            </a:r>
-            <a:r>
-              <a:rPr lang="en-US" sz="1900" dirty="0" smtClean="0"/>
-              <a:t> der </a:t>
-            </a:r>
-            <a:r>
-              <a:rPr lang="en-US" sz="1900" dirty="0" err="1" smtClean="0"/>
-              <a:t>Figur</a:t>
-            </a:r>
-            <a:r>
-              <a:rPr lang="en-US" sz="1900" dirty="0" smtClean="0"/>
+            <a:r>
+              <a:rPr lang="en-US" sz="1900" dirty="0" err="1"/>
+              <a:t>vom</a:t>
+            </a:r>
+            <a:r>
+              <a:rPr lang="en-US" sz="1900" dirty="0"/>
               <a:t> </a:t>
             </a:r>
             <a:r>
-              <a:rPr lang="en-US" sz="1900" dirty="0" err="1" smtClean="0"/>
-              <a:t>vom</a:t>
-            </a:r>
-            <a:r>
-              <a:rPr lang="en-US" sz="1900" dirty="0" smtClean="0"/>
-              <a:t> </a:t>
-            </a:r>
-            <a:r>
-              <a:rPr lang="en-US" sz="1900" dirty="0" err="1" smtClean="0"/>
+              <a:rPr lang="en-US" sz="1900" dirty="0" err="1"/>
               <a:t>Hintergrund</a:t>
             </a:r>
             <a:endParaRPr lang="en-US" sz="1900" dirty="0"/>
@@ -13585,10 +13992,10 @@
           <p:cNvPr id="25" name="Straight Connector 24">
             <a:extLst>
               <a:ext uri="{FF2B5EF4-FFF2-40B4-BE49-F238E27FC236}">
-                <a16:creationId xmlns:a16="http://schemas.microsoft.com/office/drawing/2014/main" xmlns="" id="{6CF1BAF6-AD41-4082-B212-8A1F9A2E8779}"/>
+                <a16:creationId xmlns:a16="http://schemas.microsoft.com/office/drawing/2014/main" id="{6CF1BAF6-AD41-4082-B212-8A1F9A2E8779}"/>
               </a:ext>
               <a:ext uri="{C183D7F6-B498-43B3-948B-1728B52AA6E4}">
-                <adec:decorative xmlns:adec="http://schemas.microsoft.com/office/drawing/2017/decorative" xmlns="" val="1"/>
+                <adec:decorative xmlns:adec="http://schemas.microsoft.com/office/drawing/2017/decorative" val="1"/>
               </a:ext>
             </a:extLst>
           </p:cNvPr>
@@ -13598,7 +14005,7 @@
           <p:nvPr>
             <p:extLst>
               <p:ext uri="{386F3935-93C4-4BCD-93E2-E3B085C9AB24}">
-                <p16:designElem xmlns:p16="http://schemas.microsoft.com/office/powerpoint/2015/main" xmlns="" val="1"/>
+                <p16:designElem xmlns:p16="http://schemas.microsoft.com/office/powerpoint/2015/main" val="1"/>
               </p:ext>
             </p:extLst>
           </p:nvPr>
@@ -13637,7 +14044,7 @@
           <p:cNvPr id="24" name="Grafik 23">
             <a:extLst>
               <a:ext uri="{FF2B5EF4-FFF2-40B4-BE49-F238E27FC236}">
-                <a16:creationId xmlns:a16="http://schemas.microsoft.com/office/drawing/2014/main" xmlns="" id="{C5611C75-9007-4CAC-AB0E-65E27CB93E6F}"/>
+                <a16:creationId xmlns:a16="http://schemas.microsoft.com/office/drawing/2014/main" id="{C5611C75-9007-4CAC-AB0E-65E27CB93E6F}"/>
               </a:ext>
             </a:extLst>
           </p:cNvPr>
@@ -13712,19 +14119,20 @@
   <p:clrMapOvr>
     <a:masterClrMapping/>
   </p:clrMapOvr>
-  <p:timing>
-    <p:tnLst>
-      <p:par>
-        <p:cTn id="1" dur="indefinite" restart="never" nodeType="tmRoot"/>
-      </p:par>
-    </p:tnLst>
-  </p:timing>
 </p:sld>
 </file>
 
 <file path=ppt/slides/slide13.xml><?xml version="1.0" encoding="utf-8"?>
 <p:sld xmlns:a="http://schemas.openxmlformats.org/drawingml/2006/main" xmlns:r="http://schemas.openxmlformats.org/officeDocument/2006/relationships" xmlns:p="http://schemas.openxmlformats.org/presentationml/2006/main">
   <p:cSld>
+    <p:bg>
+      <p:bgPr>
+        <a:solidFill>
+          <a:schemeClr val="bg1"/>
+        </a:solidFill>
+        <a:effectLst/>
+      </p:bgPr>
+    </p:bg>
     <p:spTree>
       <p:nvGrpSpPr>
         <p:cNvPr id="1" name=""/>
@@ -13739,6 +14147,348 @@
           <a:chExt cx="0" cy="0"/>
         </a:xfrm>
       </p:grpSpPr>
+      <p:sp useBgFill="1">
+        <p:nvSpPr>
+          <p:cNvPr id="9" name="Rectangle 8">
+            <a:extLst>
+              <a:ext uri="{FF2B5EF4-FFF2-40B4-BE49-F238E27FC236}">
+                <a16:creationId xmlns:a16="http://schemas.microsoft.com/office/drawing/2014/main" id="{56E9B3E6-E277-4D68-BA48-9CB43FFBD6E2}"/>
+              </a:ext>
+              <a:ext uri="{C183D7F6-B498-43B3-948B-1728B52AA6E4}">
+                <adec:decorative xmlns:adec="http://schemas.microsoft.com/office/drawing/2017/decorative" val="1"/>
+              </a:ext>
+            </a:extLst>
+          </p:cNvPr>
+          <p:cNvSpPr>
+            <a:spLocks noGrp="1" noRot="1" noChangeAspect="1" noMove="1" noResize="1" noEditPoints="1" noAdjustHandles="1" noChangeArrowheads="1" noChangeShapeType="1" noTextEdit="1"/>
+          </p:cNvSpPr>
+          <p:nvPr>
+            <p:extLst>
+              <p:ext uri="{386F3935-93C4-4BCD-93E2-E3B085C9AB24}">
+                <p16:designElem xmlns:p16="http://schemas.microsoft.com/office/powerpoint/2015/main" val="1"/>
+              </p:ext>
+            </p:extLst>
+          </p:nvPr>
+        </p:nvSpPr>
+        <p:spPr>
+          <a:xfrm>
+            <a:off x="0" y="0"/>
+            <a:ext cx="12191999" cy="6857365"/>
+          </a:xfrm>
+          <a:prstGeom prst="rect">
+            <a:avLst/>
+          </a:prstGeom>
+          <a:ln>
+            <a:noFill/>
+          </a:ln>
+        </p:spPr>
+        <p:style>
+          <a:lnRef idx="2">
+            <a:schemeClr val="accent1">
+              <a:shade val="50000"/>
+            </a:schemeClr>
+          </a:lnRef>
+          <a:fillRef idx="1">
+            <a:schemeClr val="accent1"/>
+          </a:fillRef>
+          <a:effectRef idx="0">
+            <a:schemeClr val="accent1"/>
+          </a:effectRef>
+          <a:fontRef idx="minor">
+            <a:schemeClr val="lt1"/>
+          </a:fontRef>
+        </p:style>
+        <p:txBody>
+          <a:bodyPr rtlCol="0" anchor="ctr"/>
+          <a:lstStyle/>
+          <a:p>
+            <a:pPr algn="ctr"/>
+            <a:endParaRPr lang="en-US"/>
+          </a:p>
+        </p:txBody>
+      </p:sp>
+      <p:grpSp>
+        <p:nvGrpSpPr>
+          <p:cNvPr id="11" name="Group 10">
+            <a:extLst>
+              <a:ext uri="{FF2B5EF4-FFF2-40B4-BE49-F238E27FC236}">
+                <a16:creationId xmlns:a16="http://schemas.microsoft.com/office/drawing/2014/main" id="{AE1C45F0-260A-458C-96ED-C1F6D2151219}"/>
+              </a:ext>
+              <a:ext uri="{C183D7F6-B498-43B3-948B-1728B52AA6E4}">
+                <adec:decorative xmlns:adec="http://schemas.microsoft.com/office/drawing/2017/decorative" val="1"/>
+              </a:ext>
+            </a:extLst>
+          </p:cNvPr>
+          <p:cNvGrpSpPr>
+            <a:grpSpLocks noGrp="1" noUngrp="1" noRot="1" noChangeAspect="1" noMove="1" noResize="1"/>
+          </p:cNvGrpSpPr>
+          <p:nvPr>
+            <p:extLst>
+              <p:ext uri="{386F3935-93C4-4BCD-93E2-E3B085C9AB24}">
+                <p16:designElem xmlns:p16="http://schemas.microsoft.com/office/powerpoint/2015/main" val="1"/>
+              </p:ext>
+            </p:extLst>
+          </p:nvPr>
+        </p:nvGrpSpPr>
+        <p:grpSpPr>
+          <a:xfrm>
+            <a:off x="4" y="1216597"/>
+            <a:ext cx="731521" cy="673460"/>
+            <a:chOff x="3940602" y="308034"/>
+            <a:chExt cx="2116791" cy="3428999"/>
+          </a:xfrm>
+          <a:solidFill>
+            <a:schemeClr val="accent4"/>
+          </a:solidFill>
+        </p:grpSpPr>
+        <p:sp>
+          <p:nvSpPr>
+            <p:cNvPr id="12" name="Rectangle 11">
+              <a:extLst>
+                <a:ext uri="{FF2B5EF4-FFF2-40B4-BE49-F238E27FC236}">
+                  <a16:creationId xmlns:a16="http://schemas.microsoft.com/office/drawing/2014/main" id="{A6604B49-AD5C-4590-B051-06C8222ECD99}"/>
+                </a:ext>
+                <a:ext uri="{C183D7F6-B498-43B3-948B-1728B52AA6E4}">
+                  <adec:decorative xmlns:adec="http://schemas.microsoft.com/office/drawing/2017/decorative" val="1"/>
+                </a:ext>
+              </a:extLst>
+            </p:cNvPr>
+            <p:cNvSpPr/>
+            <p:nvPr>
+              <p:extLst>
+                <p:ext uri="{386F3935-93C4-4BCD-93E2-E3B085C9AB24}">
+                  <p16:designElem xmlns:p16="http://schemas.microsoft.com/office/powerpoint/2015/main" val="1"/>
+                </p:ext>
+              </p:extLst>
+            </p:nvPr>
+          </p:nvSpPr>
+          <p:spPr>
+            <a:xfrm>
+              <a:off x="3940602" y="308034"/>
+              <a:ext cx="566743" cy="3428999"/>
+            </a:xfrm>
+            <a:prstGeom prst="rect">
+              <a:avLst/>
+            </a:prstGeom>
+            <a:grpFill/>
+            <a:ln>
+              <a:noFill/>
+            </a:ln>
+          </p:spPr>
+          <p:style>
+            <a:lnRef idx="2">
+              <a:schemeClr val="accent1">
+                <a:shade val="50000"/>
+              </a:schemeClr>
+            </a:lnRef>
+            <a:fillRef idx="1">
+              <a:schemeClr val="accent1"/>
+            </a:fillRef>
+            <a:effectRef idx="0">
+              <a:schemeClr val="accent1"/>
+            </a:effectRef>
+            <a:fontRef idx="minor">
+              <a:schemeClr val="lt1"/>
+            </a:fontRef>
+          </p:style>
+          <p:txBody>
+            <a:bodyPr rtlCol="0" anchor="ctr"/>
+            <a:lstStyle/>
+            <a:p>
+              <a:pPr algn="ctr"/>
+              <a:endParaRPr lang="en-US"/>
+            </a:p>
+          </p:txBody>
+        </p:sp>
+        <p:sp>
+          <p:nvSpPr>
+            <p:cNvPr id="13" name="Rectangle 12">
+              <a:extLst>
+                <a:ext uri="{FF2B5EF4-FFF2-40B4-BE49-F238E27FC236}">
+                  <a16:creationId xmlns:a16="http://schemas.microsoft.com/office/drawing/2014/main" id="{743ECCAF-29C5-4537-947C-7EA1292463DB}"/>
+                </a:ext>
+                <a:ext uri="{C183D7F6-B498-43B3-948B-1728B52AA6E4}">
+                  <adec:decorative xmlns:adec="http://schemas.microsoft.com/office/drawing/2017/decorative" val="1"/>
+                </a:ext>
+              </a:extLst>
+            </p:cNvPr>
+            <p:cNvSpPr/>
+            <p:nvPr>
+              <p:extLst>
+                <p:ext uri="{386F3935-93C4-4BCD-93E2-E3B085C9AB24}">
+                  <p16:designElem xmlns:p16="http://schemas.microsoft.com/office/powerpoint/2015/main" val="1"/>
+                </p:ext>
+              </p:extLst>
+            </p:nvPr>
+          </p:nvSpPr>
+          <p:spPr>
+            <a:xfrm>
+              <a:off x="4715626" y="308034"/>
+              <a:ext cx="566743" cy="3428999"/>
+            </a:xfrm>
+            <a:prstGeom prst="rect">
+              <a:avLst/>
+            </a:prstGeom>
+            <a:grpFill/>
+            <a:ln>
+              <a:noFill/>
+            </a:ln>
+          </p:spPr>
+          <p:style>
+            <a:lnRef idx="2">
+              <a:schemeClr val="accent1">
+                <a:shade val="50000"/>
+              </a:schemeClr>
+            </a:lnRef>
+            <a:fillRef idx="1">
+              <a:schemeClr val="accent1"/>
+            </a:fillRef>
+            <a:effectRef idx="0">
+              <a:schemeClr val="accent1"/>
+            </a:effectRef>
+            <a:fontRef idx="minor">
+              <a:schemeClr val="lt1"/>
+            </a:fontRef>
+          </p:style>
+          <p:txBody>
+            <a:bodyPr rtlCol="0" anchor="ctr"/>
+            <a:lstStyle/>
+            <a:p>
+              <a:pPr algn="ctr"/>
+              <a:endParaRPr lang="en-US"/>
+            </a:p>
+          </p:txBody>
+        </p:sp>
+        <p:sp>
+          <p:nvSpPr>
+            <p:cNvPr id="14" name="Rectangle 13">
+              <a:extLst>
+                <a:ext uri="{FF2B5EF4-FFF2-40B4-BE49-F238E27FC236}">
+                  <a16:creationId xmlns:a16="http://schemas.microsoft.com/office/drawing/2014/main" id="{ED49787B-8DE6-4467-AD0A-8DECC6E0C2D6}"/>
+                </a:ext>
+                <a:ext uri="{C183D7F6-B498-43B3-948B-1728B52AA6E4}">
+                  <adec:decorative xmlns:adec="http://schemas.microsoft.com/office/drawing/2017/decorative" val="1"/>
+                </a:ext>
+              </a:extLst>
+            </p:cNvPr>
+            <p:cNvSpPr/>
+            <p:nvPr>
+              <p:extLst>
+                <p:ext uri="{386F3935-93C4-4BCD-93E2-E3B085C9AB24}">
+                  <p16:designElem xmlns:p16="http://schemas.microsoft.com/office/powerpoint/2015/main" val="1"/>
+                </p:ext>
+              </p:extLst>
+            </p:nvPr>
+          </p:nvSpPr>
+          <p:spPr>
+            <a:xfrm>
+              <a:off x="5490650" y="308034"/>
+              <a:ext cx="566743" cy="3428999"/>
+            </a:xfrm>
+            <a:prstGeom prst="rect">
+              <a:avLst/>
+            </a:prstGeom>
+            <a:grpFill/>
+            <a:ln>
+              <a:noFill/>
+            </a:ln>
+          </p:spPr>
+          <p:style>
+            <a:lnRef idx="2">
+              <a:schemeClr val="accent1">
+                <a:shade val="50000"/>
+              </a:schemeClr>
+            </a:lnRef>
+            <a:fillRef idx="1">
+              <a:schemeClr val="accent1"/>
+            </a:fillRef>
+            <a:effectRef idx="0">
+              <a:schemeClr val="accent1"/>
+            </a:effectRef>
+            <a:fontRef idx="minor">
+              <a:schemeClr val="lt1"/>
+            </a:fontRef>
+          </p:style>
+          <p:txBody>
+            <a:bodyPr rtlCol="0" anchor="ctr"/>
+            <a:lstStyle/>
+            <a:p>
+              <a:pPr algn="ctr"/>
+              <a:endParaRPr lang="en-US"/>
+            </a:p>
+          </p:txBody>
+        </p:sp>
+      </p:grpSp>
+      <p:sp>
+        <p:nvSpPr>
+          <p:cNvPr id="16" name="Rectangle 15">
+            <a:extLst>
+              <a:ext uri="{FF2B5EF4-FFF2-40B4-BE49-F238E27FC236}">
+                <a16:creationId xmlns:a16="http://schemas.microsoft.com/office/drawing/2014/main" id="{D5B0017B-2ECA-49AF-B397-DC140825DF8D}"/>
+              </a:ext>
+              <a:ext uri="{C183D7F6-B498-43B3-948B-1728B52AA6E4}">
+                <adec:decorative xmlns:adec="http://schemas.microsoft.com/office/drawing/2017/decorative" val="1"/>
+              </a:ext>
+            </a:extLst>
+          </p:cNvPr>
+          <p:cNvSpPr>
+            <a:spLocks noGrp="1" noRot="1" noChangeAspect="1" noMove="1" noResize="1" noEditPoints="1" noAdjustHandles="1" noChangeArrowheads="1" noChangeShapeType="1" noTextEdit="1"/>
+          </p:cNvSpPr>
+          <p:nvPr>
+            <p:extLst>
+              <p:ext uri="{386F3935-93C4-4BCD-93E2-E3B085C9AB24}">
+                <p16:designElem xmlns:p16="http://schemas.microsoft.com/office/powerpoint/2015/main" val="1"/>
+              </p:ext>
+            </p:extLst>
+          </p:nvPr>
+        </p:nvSpPr>
+        <p:spPr>
+          <a:xfrm>
+            <a:off x="640079" y="613954"/>
+            <a:ext cx="10907487" cy="1894116"/>
+          </a:xfrm>
+          <a:prstGeom prst="rect">
+            <a:avLst/>
+          </a:prstGeom>
+          <a:solidFill>
+            <a:schemeClr val="bg1"/>
+          </a:solidFill>
+          <a:ln>
+            <a:noFill/>
+          </a:ln>
+          <a:effectLst>
+            <a:outerShdw blurRad="139700" dist="127000" dir="5400000" algn="t" rotWithShape="0">
+              <a:prstClr val="black">
+                <a:alpha val="15000"/>
+              </a:prstClr>
+            </a:outerShdw>
+          </a:effectLst>
+        </p:spPr>
+        <p:style>
+          <a:lnRef idx="2">
+            <a:schemeClr val="accent1">
+              <a:shade val="50000"/>
+            </a:schemeClr>
+          </a:lnRef>
+          <a:fillRef idx="1">
+            <a:schemeClr val="accent1"/>
+          </a:fillRef>
+          <a:effectRef idx="0">
+            <a:schemeClr val="accent1"/>
+          </a:effectRef>
+          <a:fontRef idx="minor">
+            <a:schemeClr val="lt1"/>
+          </a:fontRef>
+        </p:style>
+        <p:txBody>
+          <a:bodyPr rtlCol="0" anchor="ctr"/>
+          <a:lstStyle/>
+          <a:p>
+            <a:pPr algn="ctr"/>
+            <a:endParaRPr lang="en-US"/>
+          </a:p>
+        </p:txBody>
+      </p:sp>
       <p:sp>
         <p:nvSpPr>
           <p:cNvPr id="2" name="Titel 1"/>
@@ -13749,22 +14499,86 @@
             <p:ph type="title"/>
           </p:nvPr>
         </p:nvSpPr>
-        <p:spPr/>
+        <p:spPr>
+          <a:xfrm>
+            <a:off x="1043631" y="809898"/>
+            <a:ext cx="10173010" cy="1554480"/>
+          </a:xfrm>
+        </p:spPr>
         <p:txBody>
-          <a:bodyPr/>
+          <a:bodyPr anchor="ctr">
+            <a:normAutofit/>
+          </a:bodyPr>
           <a:lstStyle/>
           <a:p>
             <a:r>
-              <a:rPr lang="de-AT" dirty="0" smtClean="0"/>
+              <a:rPr lang="de-AT" sz="4800" dirty="0"/>
               <a:t>Fehler in der Feature Detektion</a:t>
             </a:r>
-            <a:endParaRPr lang="de-AT" dirty="0"/>
           </a:p>
         </p:txBody>
       </p:sp>
+      <p:cxnSp>
+        <p:nvCxnSpPr>
+          <p:cNvPr id="18" name="Straight Connector 17">
+            <a:extLst>
+              <a:ext uri="{FF2B5EF4-FFF2-40B4-BE49-F238E27FC236}">
+                <a16:creationId xmlns:a16="http://schemas.microsoft.com/office/drawing/2014/main" id="{6CF1BAF6-AD41-4082-B212-8A1F9A2E8779}"/>
+              </a:ext>
+              <a:ext uri="{C183D7F6-B498-43B3-948B-1728B52AA6E4}">
+                <adec:decorative xmlns:adec="http://schemas.microsoft.com/office/drawing/2017/decorative" val="1"/>
+              </a:ext>
+            </a:extLst>
+          </p:cNvPr>
+          <p:cNvCxnSpPr>
+            <a:cxnSpLocks noGrp="1" noRot="1" noChangeAspect="1" noMove="1" noResize="1" noEditPoints="1" noAdjustHandles="1" noChangeArrowheads="1" noChangeShapeType="1"/>
+          </p:cNvCxnSpPr>
+          <p:nvPr>
+            <p:extLst>
+              <p:ext uri="{386F3935-93C4-4BCD-93E2-E3B085C9AB24}">
+                <p16:designElem xmlns:p16="http://schemas.microsoft.com/office/powerpoint/2015/main" val="1"/>
+              </p:ext>
+            </p:extLst>
+          </p:nvPr>
+        </p:nvCxnSpPr>
+        <p:spPr>
+          <a:xfrm flipH="1">
+            <a:off x="838200" y="6485313"/>
+            <a:ext cx="10515600" cy="0"/>
+          </a:xfrm>
+          <a:prstGeom prst="line">
+            <a:avLst/>
+          </a:prstGeom>
+          <a:ln w="57150">
+            <a:solidFill>
+              <a:schemeClr val="accent4"/>
+            </a:solidFill>
+          </a:ln>
+        </p:spPr>
+        <p:style>
+          <a:lnRef idx="1">
+            <a:schemeClr val="accent1"/>
+          </a:lnRef>
+          <a:fillRef idx="0">
+            <a:schemeClr val="accent1"/>
+          </a:fillRef>
+          <a:effectRef idx="0">
+            <a:schemeClr val="accent1"/>
+          </a:effectRef>
+          <a:fontRef idx="minor">
+            <a:schemeClr val="tx1"/>
+          </a:fontRef>
+        </p:style>
+      </p:cxnSp>
       <p:pic>
         <p:nvPicPr>
-          <p:cNvPr id="4" name="Inhaltsplatzhalter 3"/>
+          <p:cNvPr id="15" name="Inhaltsplatzhalter 3">
+            <a:extLst>
+              <a:ext uri="{FF2B5EF4-FFF2-40B4-BE49-F238E27FC236}">
+                <a16:creationId xmlns:a16="http://schemas.microsoft.com/office/drawing/2014/main" id="{81BF0889-59D9-4583-AD9F-1EB7824AE783}"/>
+              </a:ext>
+            </a:extLst>
+          </p:cNvPr>
           <p:cNvPicPr>
             <a:picLocks noGrp="1" noChangeAspect="1"/>
           </p:cNvPicPr>
@@ -13780,7 +14594,7 @@
         </p:blipFill>
         <p:spPr>
           <a:xfrm>
-            <a:off x="6243330" y="1640972"/>
+            <a:off x="5859612" y="2667394"/>
             <a:ext cx="1666875" cy="2133600"/>
           </a:xfrm>
           <a:prstGeom prst="rect">
@@ -13790,7 +14604,13 @@
       </p:pic>
       <p:pic>
         <p:nvPicPr>
-          <p:cNvPr id="5" name="Grafik 4"/>
+          <p:cNvPr id="17" name="Grafik 16">
+            <a:extLst>
+              <a:ext uri="{FF2B5EF4-FFF2-40B4-BE49-F238E27FC236}">
+                <a16:creationId xmlns:a16="http://schemas.microsoft.com/office/drawing/2014/main" id="{448C4EDC-AF2C-4882-BDB6-364EF8256216}"/>
+              </a:ext>
+            </a:extLst>
+          </p:cNvPr>
           <p:cNvPicPr>
             <a:picLocks noChangeAspect="1"/>
           </p:cNvPicPr>
@@ -13804,7 +14624,7 @@
         </p:blipFill>
         <p:spPr>
           <a:xfrm>
-            <a:off x="932434" y="1777909"/>
+            <a:off x="580826" y="2738536"/>
             <a:ext cx="2038350" cy="1514475"/>
           </a:xfrm>
           <a:prstGeom prst="rect">
@@ -13814,7 +14634,13 @@
       </p:pic>
       <p:pic>
         <p:nvPicPr>
-          <p:cNvPr id="6" name="Grafik 5"/>
+          <p:cNvPr id="19" name="Grafik 18">
+            <a:extLst>
+              <a:ext uri="{FF2B5EF4-FFF2-40B4-BE49-F238E27FC236}">
+                <a16:creationId xmlns:a16="http://schemas.microsoft.com/office/drawing/2014/main" id="{8D9C3FFF-5EC0-4FB0-8B24-4CCC4A2C8C2D}"/>
+              </a:ext>
+            </a:extLst>
+          </p:cNvPr>
           <p:cNvPicPr>
             <a:picLocks noChangeAspect="1"/>
           </p:cNvPicPr>
@@ -13828,7 +14654,7 @@
         </p:blipFill>
         <p:spPr>
           <a:xfrm>
-            <a:off x="748849" y="3489278"/>
+            <a:off x="951615" y="4167211"/>
             <a:ext cx="1885950" cy="1819275"/>
           </a:xfrm>
           <a:prstGeom prst="rect">
@@ -13838,7 +14664,13 @@
       </p:pic>
       <p:pic>
         <p:nvPicPr>
-          <p:cNvPr id="8" name="Grafik 7"/>
+          <p:cNvPr id="20" name="Grafik 19">
+            <a:extLst>
+              <a:ext uri="{FF2B5EF4-FFF2-40B4-BE49-F238E27FC236}">
+                <a16:creationId xmlns:a16="http://schemas.microsoft.com/office/drawing/2014/main" id="{C0636228-3DDA-435F-B99B-0C86B357ABD1}"/>
+              </a:ext>
+            </a:extLst>
+          </p:cNvPr>
           <p:cNvPicPr>
             <a:picLocks noChangeAspect="1"/>
           </p:cNvPicPr>
@@ -13852,7 +14684,7 @@
         </p:blipFill>
         <p:spPr>
           <a:xfrm>
-            <a:off x="6779152" y="3864443"/>
+            <a:off x="7433133" y="4269491"/>
             <a:ext cx="1495425" cy="2152650"/>
           </a:xfrm>
           <a:prstGeom prst="rect">
@@ -13862,10 +14694,10 @@
       </p:pic>
       <p:sp>
         <p:nvSpPr>
-          <p:cNvPr id="9" name="Inhaltsplatzhalter 2">
+          <p:cNvPr id="21" name="Inhaltsplatzhalter 2">
             <a:extLst>
               <a:ext uri="{FF2B5EF4-FFF2-40B4-BE49-F238E27FC236}">
-                <a16:creationId xmlns:a16="http://schemas.microsoft.com/office/drawing/2014/main" xmlns="" id="{9E086109-A865-491E-8199-31771C640B6F}"/>
+                <a16:creationId xmlns:a16="http://schemas.microsoft.com/office/drawing/2014/main" id="{A38055F1-4FC4-4C2F-9C93-92F39ECCDD12}"/>
               </a:ext>
             </a:extLst>
           </p:cNvPr>
@@ -13876,7 +14708,7 @@
         </p:nvSpPr>
         <p:spPr>
           <a:xfrm>
-            <a:off x="1799481" y="2535146"/>
+            <a:off x="2248387" y="3361473"/>
             <a:ext cx="4534507" cy="1239426"/>
           </a:xfrm>
           <a:prstGeom prst="rect">
@@ -14056,7 +14888,7 @@
               <a:buFont typeface="Arial" panose="020B0604020202020204" pitchFamily="34" charset="0"/>
               <a:buNone/>
             </a:pPr>
-            <a:endParaRPr lang="de-AT" sz="2000" dirty="0" smtClean="0"/>
+            <a:endParaRPr lang="de-AT" sz="2000" dirty="0"/>
           </a:p>
           <a:p>
             <a:pPr marL="0" indent="0">
@@ -14064,19 +14896,18 @@
               <a:buNone/>
             </a:pPr>
             <a:r>
-              <a:rPr lang="de-AT" sz="2000" dirty="0" smtClean="0"/>
+              <a:rPr lang="de-AT" sz="2000" dirty="0"/>
               <a:t> rechte Hand wird nicht erkannt</a:t>
             </a:r>
-            <a:endParaRPr lang="de-AT" sz="2000" dirty="0"/>
           </a:p>
         </p:txBody>
       </p:sp>
       <p:sp>
         <p:nvSpPr>
-          <p:cNvPr id="10" name="Inhaltsplatzhalter 2">
+          <p:cNvPr id="22" name="Inhaltsplatzhalter 2">
             <a:extLst>
               <a:ext uri="{FF2B5EF4-FFF2-40B4-BE49-F238E27FC236}">
-                <a16:creationId xmlns:a16="http://schemas.microsoft.com/office/drawing/2014/main" xmlns="" id="{9E086109-A865-491E-8199-31771C640B6F}"/>
+                <a16:creationId xmlns:a16="http://schemas.microsoft.com/office/drawing/2014/main" id="{1F77C960-036E-4330-A4A9-8CDB6B9C8F0C}"/>
               </a:ext>
             </a:extLst>
           </p:cNvPr>
@@ -14087,7 +14918,7 @@
         </p:nvSpPr>
         <p:spPr>
           <a:xfrm>
-            <a:off x="7819547" y="1640972"/>
+            <a:off x="7291547" y="2773046"/>
             <a:ext cx="4534507" cy="1239426"/>
           </a:xfrm>
           <a:prstGeom prst="rect">
@@ -14267,7 +15098,7 @@
               <a:buFont typeface="Arial" panose="020B0604020202020204" pitchFamily="34" charset="0"/>
               <a:buNone/>
             </a:pPr>
-            <a:endParaRPr lang="de-AT" sz="2000" dirty="0" smtClean="0"/>
+            <a:endParaRPr lang="de-AT" sz="2000" dirty="0"/>
           </a:p>
           <a:p>
             <a:pPr marL="0" indent="0">
@@ -14275,7 +15106,7 @@
               <a:buNone/>
             </a:pPr>
             <a:r>
-              <a:rPr lang="de-AT" sz="2000" dirty="0" smtClean="0"/>
+              <a:rPr lang="de-AT" sz="2000" dirty="0"/>
               <a:t> rechter Arm wird falsch erkannt</a:t>
             </a:r>
           </a:p>
@@ -14286,22 +15117,17 @@
             </a:pPr>
             <a:r>
               <a:rPr lang="de-AT" sz="2000" dirty="0"/>
-              <a:t>	</a:t>
-            </a:r>
-            <a:r>
-              <a:rPr lang="de-AT" sz="2000" dirty="0" smtClean="0"/>
-              <a:t>(Hand als rechter Arm)</a:t>
-            </a:r>
-            <a:endParaRPr lang="de-AT" sz="2000" dirty="0"/>
+              <a:t>	(Hand als rechter Arm)</a:t>
+            </a:r>
           </a:p>
         </p:txBody>
       </p:sp>
       <p:sp>
         <p:nvSpPr>
-          <p:cNvPr id="11" name="Inhaltsplatzhalter 2">
+          <p:cNvPr id="23" name="Inhaltsplatzhalter 2">
             <a:extLst>
               <a:ext uri="{FF2B5EF4-FFF2-40B4-BE49-F238E27FC236}">
-                <a16:creationId xmlns:a16="http://schemas.microsoft.com/office/drawing/2014/main" xmlns="" id="{9E086109-A865-491E-8199-31771C640B6F}"/>
+                <a16:creationId xmlns:a16="http://schemas.microsoft.com/office/drawing/2014/main" id="{AD701E20-4B5D-4EA3-8417-0D53119721E7}"/>
               </a:ext>
             </a:extLst>
           </p:cNvPr>
@@ -14312,7 +15138,7 @@
         </p:nvSpPr>
         <p:spPr>
           <a:xfrm>
-            <a:off x="8110339" y="4156245"/>
+            <a:off x="8559566" y="4785197"/>
             <a:ext cx="4534507" cy="1239426"/>
           </a:xfrm>
           <a:prstGeom prst="rect">
@@ -14492,7 +15318,7 @@
               <a:buFont typeface="Arial" panose="020B0604020202020204" pitchFamily="34" charset="0"/>
               <a:buNone/>
             </a:pPr>
-            <a:endParaRPr lang="de-AT" sz="2000" dirty="0" smtClean="0"/>
+            <a:endParaRPr lang="de-AT" sz="2000" dirty="0"/>
           </a:p>
           <a:p>
             <a:pPr marL="0" indent="0">
@@ -14500,22 +15326,27 @@
               <a:buNone/>
             </a:pPr>
             <a:r>
-              <a:rPr lang="de-AT" sz="2000" dirty="0" smtClean="0"/>
+              <a:rPr lang="de-AT" sz="2000" dirty="0"/>
               <a:t> Gesicht wird nicht erkannt</a:t>
             </a:r>
-            <a:endParaRPr lang="de-AT" sz="2000" dirty="0"/>
           </a:p>
         </p:txBody>
       </p:sp>
       <p:sp>
         <p:nvSpPr>
-          <p:cNvPr id="12" name="Rechteck 11"/>
+          <p:cNvPr id="24" name="Rechteck 23">
+            <a:extLst>
+              <a:ext uri="{FF2B5EF4-FFF2-40B4-BE49-F238E27FC236}">
+                <a16:creationId xmlns:a16="http://schemas.microsoft.com/office/drawing/2014/main" id="{14C899CB-58FA-458F-BD98-1B36FDC62F75}"/>
+              </a:ext>
+            </a:extLst>
+          </p:cNvPr>
           <p:cNvSpPr/>
           <p:nvPr/>
         </p:nvSpPr>
         <p:spPr>
           <a:xfrm>
-            <a:off x="1951609" y="6241996"/>
+            <a:off x="1894590" y="5906552"/>
             <a:ext cx="4505464" cy="400110"/>
           </a:xfrm>
           <a:prstGeom prst="rect">
@@ -14540,16 +15371,15 @@
               <a:rPr lang="en-US" sz="2000" dirty="0"/>
               <a:t> Jupiter Notebook</a:t>
             </a:r>
-            <a:endParaRPr lang="en-US" sz="2000" dirty="0"/>
           </a:p>
         </p:txBody>
       </p:sp>
       <p:sp>
         <p:nvSpPr>
-          <p:cNvPr id="13" name="Pfeil: nach rechts 8">
+          <p:cNvPr id="25" name="Pfeil: nach rechts 8">
             <a:extLst>
               <a:ext uri="{FF2B5EF4-FFF2-40B4-BE49-F238E27FC236}">
-                <a16:creationId xmlns:a16="http://schemas.microsoft.com/office/drawing/2014/main" xmlns="" id="{EF160A5D-13C6-4497-867D-1669D161BFCF}"/>
+                <a16:creationId xmlns:a16="http://schemas.microsoft.com/office/drawing/2014/main" id="{A86A13F1-E1C1-4CA4-8F7E-AB160F31DAB4}"/>
               </a:ext>
             </a:extLst>
           </p:cNvPr>
@@ -14558,7 +15388,7 @@
         </p:nvSpPr>
         <p:spPr>
           <a:xfrm>
-            <a:off x="1199683" y="6164479"/>
+            <a:off x="1142664" y="5829035"/>
             <a:ext cx="751926" cy="555143"/>
           </a:xfrm>
           <a:prstGeom prst="rightArrow">
@@ -14625,20 +15455,13 @@
     </p:spTree>
     <p:extLst>
       <p:ext uri="{BB962C8B-B14F-4D97-AF65-F5344CB8AC3E}">
-        <p14:creationId xmlns:p14="http://schemas.microsoft.com/office/powerpoint/2010/main" val="2714178904"/>
+        <p14:creationId xmlns:p14="http://schemas.microsoft.com/office/powerpoint/2010/main" val="2036590798"/>
       </p:ext>
     </p:extLst>
   </p:cSld>
   <p:clrMapOvr>
     <a:masterClrMapping/>
   </p:clrMapOvr>
-  <p:timing>
-    <p:tnLst>
-      <p:par>
-        <p:cTn id="1" dur="indefinite" restart="never" nodeType="tmRoot"/>
-      </p:par>
-    </p:tnLst>
-  </p:timing>
 </p:sld>
 </file>
 
@@ -14672,10 +15495,10 @@
           <p:cNvPr id="19" name="Rectangle 10">
             <a:extLst>
               <a:ext uri="{FF2B5EF4-FFF2-40B4-BE49-F238E27FC236}">
-                <a16:creationId xmlns:a16="http://schemas.microsoft.com/office/drawing/2014/main" xmlns="" id="{63644BFD-D22E-4019-B666-387DA51AEAFD}"/>
+                <a16:creationId xmlns:a16="http://schemas.microsoft.com/office/drawing/2014/main" id="{63644BFD-D22E-4019-B666-387DA51AEAFD}"/>
               </a:ext>
               <a:ext uri="{C183D7F6-B498-43B3-948B-1728B52AA6E4}">
-                <adec:decorative xmlns:adec="http://schemas.microsoft.com/office/drawing/2017/decorative" xmlns="" val="1"/>
+                <adec:decorative xmlns:adec="http://schemas.microsoft.com/office/drawing/2017/decorative" val="1"/>
               </a:ext>
             </a:extLst>
           </p:cNvPr>
@@ -14685,7 +15508,7 @@
           <p:nvPr>
             <p:extLst>
               <p:ext uri="{386F3935-93C4-4BCD-93E2-E3B085C9AB24}">
-                <p16:designElem xmlns:p16="http://schemas.microsoft.com/office/powerpoint/2015/main" xmlns="" val="1"/>
+                <p16:designElem xmlns:p16="http://schemas.microsoft.com/office/powerpoint/2015/main" val="1"/>
               </p:ext>
             </p:extLst>
           </p:nvPr>
@@ -14732,10 +15555,10 @@
           <p:cNvPr id="20" name="Group 12">
             <a:extLst>
               <a:ext uri="{FF2B5EF4-FFF2-40B4-BE49-F238E27FC236}">
-                <a16:creationId xmlns:a16="http://schemas.microsoft.com/office/drawing/2014/main" xmlns="" id="{5FE9FE4C-C9E0-4C54-8010-EA9D29CD4D59}"/>
+                <a16:creationId xmlns:a16="http://schemas.microsoft.com/office/drawing/2014/main" id="{5FE9FE4C-C9E0-4C54-8010-EA9D29CD4D59}"/>
               </a:ext>
               <a:ext uri="{C183D7F6-B498-43B3-948B-1728B52AA6E4}">
-                <adec:decorative xmlns:adec="http://schemas.microsoft.com/office/drawing/2017/decorative" xmlns="" val="1"/>
+                <adec:decorative xmlns:adec="http://schemas.microsoft.com/office/drawing/2017/decorative" val="1"/>
               </a:ext>
             </a:extLst>
           </p:cNvPr>
@@ -14745,7 +15568,7 @@
           <p:nvPr>
             <p:extLst>
               <p:ext uri="{386F3935-93C4-4BCD-93E2-E3B085C9AB24}">
-                <p16:designElem xmlns:p16="http://schemas.microsoft.com/office/powerpoint/2015/main" xmlns="" val="1"/>
+                <p16:designElem xmlns:p16="http://schemas.microsoft.com/office/powerpoint/2015/main" val="1"/>
               </p:ext>
             </p:extLst>
           </p:nvPr>
@@ -14766,10 +15589,10 @@
             <p:cNvPr id="21" name="Rectangle 13">
               <a:extLst>
                 <a:ext uri="{FF2B5EF4-FFF2-40B4-BE49-F238E27FC236}">
-                  <a16:creationId xmlns:a16="http://schemas.microsoft.com/office/drawing/2014/main" xmlns="" id="{56FAD6EF-0374-46BD-901E-E901DCA01F59}"/>
+                  <a16:creationId xmlns:a16="http://schemas.microsoft.com/office/drawing/2014/main" id="{56FAD6EF-0374-46BD-901E-E901DCA01F59}"/>
                 </a:ext>
                 <a:ext uri="{C183D7F6-B498-43B3-948B-1728B52AA6E4}">
-                  <adec:decorative xmlns:adec="http://schemas.microsoft.com/office/drawing/2017/decorative" xmlns="" val="1"/>
+                  <adec:decorative xmlns:adec="http://schemas.microsoft.com/office/drawing/2017/decorative" val="1"/>
                 </a:ext>
               </a:extLst>
             </p:cNvPr>
@@ -14777,7 +15600,7 @@
             <p:nvPr>
               <p:extLst>
                 <p:ext uri="{386F3935-93C4-4BCD-93E2-E3B085C9AB24}">
-                  <p16:designElem xmlns:p16="http://schemas.microsoft.com/office/powerpoint/2015/main" xmlns="" val="1"/>
+                  <p16:designElem xmlns:p16="http://schemas.microsoft.com/office/powerpoint/2015/main" val="1"/>
                 </p:ext>
               </p:extLst>
             </p:nvPr>
@@ -14825,10 +15648,10 @@
             <p:cNvPr id="15" name="Rectangle 14">
               <a:extLst>
                 <a:ext uri="{FF2B5EF4-FFF2-40B4-BE49-F238E27FC236}">
-                  <a16:creationId xmlns:a16="http://schemas.microsoft.com/office/drawing/2014/main" xmlns="" id="{04847ABE-275E-4DCA-B164-A672D517FBC6}"/>
+                  <a16:creationId xmlns:a16="http://schemas.microsoft.com/office/drawing/2014/main" id="{04847ABE-275E-4DCA-B164-A672D517FBC6}"/>
                 </a:ext>
                 <a:ext uri="{C183D7F6-B498-43B3-948B-1728B52AA6E4}">
-                  <adec:decorative xmlns:adec="http://schemas.microsoft.com/office/drawing/2017/decorative" xmlns="" val="1"/>
+                  <adec:decorative xmlns:adec="http://schemas.microsoft.com/office/drawing/2017/decorative" val="1"/>
                 </a:ext>
               </a:extLst>
             </p:cNvPr>
@@ -14836,7 +15659,7 @@
             <p:nvPr>
               <p:extLst>
                 <p:ext uri="{386F3935-93C4-4BCD-93E2-E3B085C9AB24}">
-                  <p16:designElem xmlns:p16="http://schemas.microsoft.com/office/powerpoint/2015/main" xmlns="" val="1"/>
+                  <p16:designElem xmlns:p16="http://schemas.microsoft.com/office/powerpoint/2015/main" val="1"/>
                 </p:ext>
               </p:extLst>
             </p:nvPr>
@@ -14885,10 +15708,10 @@
           <p:cNvPr id="22" name="Rectangle 16">
             <a:extLst>
               <a:ext uri="{FF2B5EF4-FFF2-40B4-BE49-F238E27FC236}">
-                <a16:creationId xmlns:a16="http://schemas.microsoft.com/office/drawing/2014/main" xmlns="" id="{3776B14B-F2F4-4825-8DA8-8C7A0F2B3960}"/>
+                <a16:creationId xmlns:a16="http://schemas.microsoft.com/office/drawing/2014/main" id="{3776B14B-F2F4-4825-8DA8-8C7A0F2B3960}"/>
               </a:ext>
               <a:ext uri="{C183D7F6-B498-43B3-948B-1728B52AA6E4}">
-                <adec:decorative xmlns:adec="http://schemas.microsoft.com/office/drawing/2017/decorative" xmlns="" val="1"/>
+                <adec:decorative xmlns:adec="http://schemas.microsoft.com/office/drawing/2017/decorative" val="1"/>
               </a:ext>
             </a:extLst>
           </p:cNvPr>
@@ -14898,7 +15721,7 @@
           <p:nvPr>
             <p:extLst>
               <p:ext uri="{386F3935-93C4-4BCD-93E2-E3B085C9AB24}">
-                <p16:designElem xmlns:p16="http://schemas.microsoft.com/office/powerpoint/2015/main" xmlns="" val="1"/>
+                <p16:designElem xmlns:p16="http://schemas.microsoft.com/office/powerpoint/2015/main" val="1"/>
               </p:ext>
             </p:extLst>
           </p:nvPr>
@@ -14955,7 +15778,7 @@
           <p:cNvPr id="2" name="Titel 1">
             <a:extLst>
               <a:ext uri="{FF2B5EF4-FFF2-40B4-BE49-F238E27FC236}">
-                <a16:creationId xmlns:a16="http://schemas.microsoft.com/office/drawing/2014/main" xmlns="" id="{A46D667C-E32C-42B3-B314-D7812A55E52A}"/>
+                <a16:creationId xmlns:a16="http://schemas.microsoft.com/office/drawing/2014/main" id="{A46D667C-E32C-42B3-B314-D7812A55E52A}"/>
               </a:ext>
             </a:extLst>
           </p:cNvPr>
@@ -14983,7 +15806,7 @@
           <p:cNvPr id="6" name="Diagramm 5">
             <a:extLst>
               <a:ext uri="{FF2B5EF4-FFF2-40B4-BE49-F238E27FC236}">
-                <a16:creationId xmlns:a16="http://schemas.microsoft.com/office/drawing/2014/main" xmlns="" id="{211D7395-DA2C-4530-9243-AF29B784369B}"/>
+                <a16:creationId xmlns:a16="http://schemas.microsoft.com/office/drawing/2014/main" id="{211D7395-DA2C-4530-9243-AF29B784369B}"/>
               </a:ext>
             </a:extLst>
           </p:cNvPr>
@@ -15049,10 +15872,10 @@
           <p:cNvPr id="23" name="Rectangle 15">
             <a:extLst>
               <a:ext uri="{FF2B5EF4-FFF2-40B4-BE49-F238E27FC236}">
-                <a16:creationId xmlns:a16="http://schemas.microsoft.com/office/drawing/2014/main" xmlns="" id="{6ECA6DCB-B7E1-40A9-9524-540C6DA40B1B}"/>
+                <a16:creationId xmlns:a16="http://schemas.microsoft.com/office/drawing/2014/main" id="{6ECA6DCB-B7E1-40A9-9524-540C6DA40B1B}"/>
               </a:ext>
               <a:ext uri="{C183D7F6-B498-43B3-948B-1728B52AA6E4}">
-                <adec:decorative xmlns:adec="http://schemas.microsoft.com/office/drawing/2017/decorative" xmlns="" val="1"/>
+                <adec:decorative xmlns:adec="http://schemas.microsoft.com/office/drawing/2017/decorative" val="1"/>
               </a:ext>
             </a:extLst>
           </p:cNvPr>
@@ -15062,7 +15885,7 @@
           <p:nvPr>
             <p:extLst>
               <p:ext uri="{386F3935-93C4-4BCD-93E2-E3B085C9AB24}">
-                <p16:designElem xmlns:p16="http://schemas.microsoft.com/office/powerpoint/2015/main" xmlns="" val="1"/>
+                <p16:designElem xmlns:p16="http://schemas.microsoft.com/office/powerpoint/2015/main" val="1"/>
               </p:ext>
             </p:extLst>
           </p:nvPr>
@@ -15109,7 +15932,7 @@
           <p:cNvPr id="2" name="Titel 1">
             <a:extLst>
               <a:ext uri="{FF2B5EF4-FFF2-40B4-BE49-F238E27FC236}">
-                <a16:creationId xmlns:a16="http://schemas.microsoft.com/office/drawing/2014/main" xmlns="" id="{0193DCD4-B617-4312-9A0F-6DA3E9A24152}"/>
+                <a16:creationId xmlns:a16="http://schemas.microsoft.com/office/drawing/2014/main" id="{0193DCD4-B617-4312-9A0F-6DA3E9A24152}"/>
               </a:ext>
             </a:extLst>
           </p:cNvPr>
@@ -15151,10 +15974,10 @@
           <p:cNvPr id="25" name="Group 17">
             <a:extLst>
               <a:ext uri="{FF2B5EF4-FFF2-40B4-BE49-F238E27FC236}">
-                <a16:creationId xmlns:a16="http://schemas.microsoft.com/office/drawing/2014/main" xmlns="" id="{1DE889C7-FAD6-4397-98E2-05D503484459}"/>
+                <a16:creationId xmlns:a16="http://schemas.microsoft.com/office/drawing/2014/main" id="{1DE889C7-FAD6-4397-98E2-05D503484459}"/>
               </a:ext>
               <a:ext uri="{C183D7F6-B498-43B3-948B-1728B52AA6E4}">
-                <adec:decorative xmlns:adec="http://schemas.microsoft.com/office/drawing/2017/decorative" xmlns="" val="1"/>
+                <adec:decorative xmlns:adec="http://schemas.microsoft.com/office/drawing/2017/decorative" val="1"/>
               </a:ext>
             </a:extLst>
           </p:cNvPr>
@@ -15164,7 +15987,7 @@
           <p:nvPr>
             <p:extLst>
               <p:ext uri="{386F3935-93C4-4BCD-93E2-E3B085C9AB24}">
-                <p16:designElem xmlns:p16="http://schemas.microsoft.com/office/powerpoint/2015/main" xmlns="" val="1"/>
+                <p16:designElem xmlns:p16="http://schemas.microsoft.com/office/powerpoint/2015/main" val="1"/>
               </p:ext>
             </p:extLst>
           </p:nvPr>
@@ -15182,10 +16005,10 @@
             <p:cNvPr id="19" name="Rectangle 18">
               <a:extLst>
                 <a:ext uri="{FF2B5EF4-FFF2-40B4-BE49-F238E27FC236}">
-                  <a16:creationId xmlns:a16="http://schemas.microsoft.com/office/drawing/2014/main" xmlns="" id="{F399A70F-F8CD-4992-9EF5-6CF15472E73F}"/>
+                  <a16:creationId xmlns:a16="http://schemas.microsoft.com/office/drawing/2014/main" id="{F399A70F-F8CD-4992-9EF5-6CF15472E73F}"/>
                 </a:ext>
                 <a:ext uri="{C183D7F6-B498-43B3-948B-1728B52AA6E4}">
-                  <adec:decorative xmlns:adec="http://schemas.microsoft.com/office/drawing/2017/decorative" xmlns="" val="1"/>
+                  <adec:decorative xmlns:adec="http://schemas.microsoft.com/office/drawing/2017/decorative" val="1"/>
                 </a:ext>
               </a:extLst>
             </p:cNvPr>
@@ -15193,7 +16016,7 @@
             <p:nvPr>
               <p:extLst>
                 <p:ext uri="{386F3935-93C4-4BCD-93E2-E3B085C9AB24}">
-                  <p16:designElem xmlns:p16="http://schemas.microsoft.com/office/powerpoint/2015/main" xmlns="" val="1"/>
+                  <p16:designElem xmlns:p16="http://schemas.microsoft.com/office/powerpoint/2015/main" val="1"/>
                 </p:ext>
               </p:extLst>
             </p:nvPr>
@@ -15243,10 +16066,10 @@
             <p:cNvPr id="27" name="Rectangle 19">
               <a:extLst>
                 <a:ext uri="{FF2B5EF4-FFF2-40B4-BE49-F238E27FC236}">
-                  <a16:creationId xmlns:a16="http://schemas.microsoft.com/office/drawing/2014/main" xmlns="" id="{48F4FEDC-6D80-458C-A665-075D9B9500FD}"/>
+                  <a16:creationId xmlns:a16="http://schemas.microsoft.com/office/drawing/2014/main" id="{48F4FEDC-6D80-458C-A665-075D9B9500FD}"/>
                 </a:ext>
                 <a:ext uri="{C183D7F6-B498-43B3-948B-1728B52AA6E4}">
-                  <adec:decorative xmlns:adec="http://schemas.microsoft.com/office/drawing/2017/decorative" xmlns="" val="1"/>
+                  <adec:decorative xmlns:adec="http://schemas.microsoft.com/office/drawing/2017/decorative" val="1"/>
                 </a:ext>
               </a:extLst>
             </p:cNvPr>
@@ -15254,7 +16077,7 @@
             <p:nvPr>
               <p:extLst>
                 <p:ext uri="{386F3935-93C4-4BCD-93E2-E3B085C9AB24}">
-                  <p16:designElem xmlns:p16="http://schemas.microsoft.com/office/powerpoint/2015/main" xmlns="" val="1"/>
+                  <p16:designElem xmlns:p16="http://schemas.microsoft.com/office/powerpoint/2015/main" val="1"/>
                 </p:ext>
               </p:extLst>
             </p:nvPr>
@@ -15305,10 +16128,10 @@
           <p:cNvPr id="22" name="Rectangle 21">
             <a:extLst>
               <a:ext uri="{FF2B5EF4-FFF2-40B4-BE49-F238E27FC236}">
-                <a16:creationId xmlns:a16="http://schemas.microsoft.com/office/drawing/2014/main" xmlns="" id="{3873B707-463F-40B0-8227-E8CC6C67EB25}"/>
+                <a16:creationId xmlns:a16="http://schemas.microsoft.com/office/drawing/2014/main" id="{3873B707-463F-40B0-8227-E8CC6C67EB25}"/>
               </a:ext>
               <a:ext uri="{C183D7F6-B498-43B3-948B-1728B52AA6E4}">
-                <adec:decorative xmlns:adec="http://schemas.microsoft.com/office/drawing/2017/decorative" xmlns="" val="1"/>
+                <adec:decorative xmlns:adec="http://schemas.microsoft.com/office/drawing/2017/decorative" val="1"/>
               </a:ext>
             </a:extLst>
           </p:cNvPr>
@@ -15318,7 +16141,7 @@
           <p:nvPr>
             <p:extLst>
               <p:ext uri="{386F3935-93C4-4BCD-93E2-E3B085C9AB24}">
-                <p16:designElem xmlns:p16="http://schemas.microsoft.com/office/powerpoint/2015/main" xmlns="" val="1"/>
+                <p16:designElem xmlns:p16="http://schemas.microsoft.com/office/powerpoint/2015/main" val="1"/>
               </p:ext>
             </p:extLst>
           </p:nvPr>
@@ -15368,7 +16191,7 @@
           <p:cNvPr id="11" name="Inhaltsplatzhalter 2">
             <a:extLst>
               <a:ext uri="{FF2B5EF4-FFF2-40B4-BE49-F238E27FC236}">
-                <a16:creationId xmlns:a16="http://schemas.microsoft.com/office/drawing/2014/main" xmlns="" id="{EED25BA3-50C9-44DE-A446-D35B04814F20}"/>
+                <a16:creationId xmlns:a16="http://schemas.microsoft.com/office/drawing/2014/main" id="{EED25BA3-50C9-44DE-A446-D35B04814F20}"/>
               </a:ext>
             </a:extLst>
           </p:cNvPr>
@@ -15379,8 +16202,8 @@
         </p:nvSpPr>
         <p:spPr>
           <a:xfrm>
-            <a:off x="590719" y="2330505"/>
-            <a:ext cx="5278066" cy="3979585"/>
+            <a:off x="590718" y="2330505"/>
+            <a:ext cx="5600531" cy="3979585"/>
           </a:xfrm>
           <a:prstGeom prst="rect">
             <a:avLst/>
@@ -15608,55 +16431,45 @@
             </a:r>
             <a:r>
               <a:rPr lang="en-US" sz="2000" dirty="0"/>
-              <a:t> </a:t>
-            </a:r>
-            <a:r>
-              <a:rPr lang="en-US" sz="2000" dirty="0" smtClean="0"/>
-              <a:t>Original-</a:t>
-            </a:r>
-            <a:r>
-              <a:rPr lang="en-US" sz="2000" dirty="0" err="1" smtClean="0"/>
+              <a:t> Original-</a:t>
+            </a:r>
+            <a:r>
+              <a:rPr lang="en-US" sz="2000" dirty="0" err="1"/>
               <a:t>Bild</a:t>
             </a:r>
-            <a:endParaRPr lang="en-US" sz="2000" dirty="0" smtClean="0"/>
+            <a:endParaRPr lang="en-US" sz="2000" dirty="0"/>
           </a:p>
           <a:p>
             <a:pPr lvl="1"/>
-            <a:endParaRPr lang="en-US" sz="2000" dirty="0" smtClean="0"/>
-          </a:p>
-          <a:p>
-            <a:r>
-              <a:rPr lang="en-US" sz="2000" dirty="0" smtClean="0">
+            <a:endParaRPr lang="en-US" sz="2000" dirty="0"/>
+          </a:p>
+          <a:p>
+            <a:r>
+              <a:rPr lang="en-US" sz="2000" dirty="0" err="1">
                 <a:sym typeface="Wingdings" panose="05000000000000000000" pitchFamily="2" charset="2"/>
               </a:rPr>
-              <a:t> </a:t>
-            </a:r>
-            <a:r>
-              <a:rPr lang="en-US" sz="2000" dirty="0" err="1" smtClean="0">
-                <a:sym typeface="Wingdings" panose="05000000000000000000" pitchFamily="2" charset="2"/>
-              </a:rPr>
-              <a:t>erleichtert</a:t>
-            </a:r>
-            <a:r>
-              <a:rPr lang="en-US" sz="2000" dirty="0" smtClean="0">
+              <a:t>Erleichtert</a:t>
+            </a:r>
+            <a:r>
+              <a:rPr lang="en-US" sz="2000" dirty="0">
                 <a:sym typeface="Wingdings" panose="05000000000000000000" pitchFamily="2" charset="2"/>
               </a:rPr>
               <a:t> </a:t>
             </a:r>
             <a:r>
-              <a:rPr lang="en-US" sz="2000" dirty="0" err="1" smtClean="0">
+              <a:rPr lang="en-US" sz="2000" dirty="0" err="1">
                 <a:sym typeface="Wingdings" panose="05000000000000000000" pitchFamily="2" charset="2"/>
               </a:rPr>
               <a:t>nachfolgende</a:t>
             </a:r>
             <a:r>
-              <a:rPr lang="en-US" sz="2000" dirty="0" smtClean="0">
+              <a:rPr lang="en-US" sz="2000" dirty="0">
                 <a:sym typeface="Wingdings" panose="05000000000000000000" pitchFamily="2" charset="2"/>
               </a:rPr>
               <a:t> </a:t>
             </a:r>
             <a:r>
-              <a:rPr lang="en-US" sz="2000" dirty="0" err="1" smtClean="0">
+              <a:rPr lang="en-US" sz="2000" dirty="0" err="1">
                 <a:sym typeface="Wingdings" panose="05000000000000000000" pitchFamily="2" charset="2"/>
               </a:rPr>
               <a:t>Verarbeitung</a:t>
@@ -15670,10 +16483,10 @@
           <p:cNvPr id="24" name="Rectangle 23">
             <a:extLst>
               <a:ext uri="{FF2B5EF4-FFF2-40B4-BE49-F238E27FC236}">
-                <a16:creationId xmlns:a16="http://schemas.microsoft.com/office/drawing/2014/main" xmlns="" id="{C13237C8-E62C-4F0D-A318-BD6FB6C2D138}"/>
+                <a16:creationId xmlns:a16="http://schemas.microsoft.com/office/drawing/2014/main" id="{C13237C8-E62C-4F0D-A318-BD6FB6C2D138}"/>
               </a:ext>
               <a:ext uri="{C183D7F6-B498-43B3-948B-1728B52AA6E4}">
-                <adec:decorative xmlns:adec="http://schemas.microsoft.com/office/drawing/2017/decorative" xmlns="" val="1"/>
+                <adec:decorative xmlns:adec="http://schemas.microsoft.com/office/drawing/2017/decorative" val="1"/>
               </a:ext>
             </a:extLst>
           </p:cNvPr>
@@ -15683,7 +16496,7 @@
           <p:nvPr>
             <p:extLst>
               <p:ext uri="{386F3935-93C4-4BCD-93E2-E3B085C9AB24}">
-                <p16:designElem xmlns:p16="http://schemas.microsoft.com/office/powerpoint/2015/main" xmlns="" val="1"/>
+                <p16:designElem xmlns:p16="http://schemas.microsoft.com/office/powerpoint/2015/main" val="1"/>
               </p:ext>
             </p:extLst>
           </p:nvPr>
@@ -15733,10 +16546,10 @@
           <p:cNvPr id="26" name="Rectangle 25">
             <a:extLst>
               <a:ext uri="{FF2B5EF4-FFF2-40B4-BE49-F238E27FC236}">
-                <a16:creationId xmlns:a16="http://schemas.microsoft.com/office/drawing/2014/main" xmlns="" id="{19C9EAEA-39D0-4B0E-A0EB-51E7B26740B1}"/>
+                <a16:creationId xmlns:a16="http://schemas.microsoft.com/office/drawing/2014/main" id="{19C9EAEA-39D0-4B0E-A0EB-51E7B26740B1}"/>
               </a:ext>
               <a:ext uri="{C183D7F6-B498-43B3-948B-1728B52AA6E4}">
-                <adec:decorative xmlns:adec="http://schemas.microsoft.com/office/drawing/2017/decorative" xmlns="" val="1"/>
+                <adec:decorative xmlns:adec="http://schemas.microsoft.com/office/drawing/2017/decorative" val="1"/>
               </a:ext>
             </a:extLst>
           </p:cNvPr>
@@ -15746,7 +16559,7 @@
           <p:nvPr>
             <p:extLst>
               <p:ext uri="{386F3935-93C4-4BCD-93E2-E3B085C9AB24}">
-                <p16:designElem xmlns:p16="http://schemas.microsoft.com/office/powerpoint/2015/main" xmlns="" val="1"/>
+                <p16:designElem xmlns:p16="http://schemas.microsoft.com/office/powerpoint/2015/main" val="1"/>
               </p:ext>
             </p:extLst>
           </p:nvPr>
@@ -15803,7 +16616,7 @@
           <p:cNvPr id="7" name="Grafik 6" descr="Ein Bild, das Text enthält.&#10;&#10;Automatisch generierte Beschreibung">
             <a:extLst>
               <a:ext uri="{FF2B5EF4-FFF2-40B4-BE49-F238E27FC236}">
-                <a16:creationId xmlns:a16="http://schemas.microsoft.com/office/drawing/2014/main" xmlns="" id="{18FA99BB-DC71-4A54-81C1-8E3648DCCF05}"/>
+                <a16:creationId xmlns:a16="http://schemas.microsoft.com/office/drawing/2014/main" id="{18FA99BB-DC71-4A54-81C1-8E3648DCCF05}"/>
               </a:ext>
             </a:extLst>
           </p:cNvPr>
@@ -15838,10 +16651,10 @@
           <p:cNvPr id="28" name="Rectangle 27">
             <a:extLst>
               <a:ext uri="{FF2B5EF4-FFF2-40B4-BE49-F238E27FC236}">
-                <a16:creationId xmlns:a16="http://schemas.microsoft.com/office/drawing/2014/main" xmlns="" id="{8CB5D2D7-DF65-4E86-BFBA-FFB9B5ACEB64}"/>
+                <a16:creationId xmlns:a16="http://schemas.microsoft.com/office/drawing/2014/main" id="{8CB5D2D7-DF65-4E86-BFBA-FFB9B5ACEB64}"/>
               </a:ext>
               <a:ext uri="{C183D7F6-B498-43B3-948B-1728B52AA6E4}">
-                <adec:decorative xmlns:adec="http://schemas.microsoft.com/office/drawing/2017/decorative" xmlns="" val="1"/>
+                <adec:decorative xmlns:adec="http://schemas.microsoft.com/office/drawing/2017/decorative" val="1"/>
               </a:ext>
             </a:extLst>
           </p:cNvPr>
@@ -15851,7 +16664,7 @@
           <p:nvPr>
             <p:extLst>
               <p:ext uri="{386F3935-93C4-4BCD-93E2-E3B085C9AB24}">
-                <p16:designElem xmlns:p16="http://schemas.microsoft.com/office/powerpoint/2015/main" xmlns="" val="1"/>
+                <p16:designElem xmlns:p16="http://schemas.microsoft.com/office/powerpoint/2015/main" val="1"/>
               </p:ext>
             </p:extLst>
           </p:nvPr>
@@ -15908,7 +16721,7 @@
           <p:cNvPr id="5" name="Inhaltsplatzhalter 4">
             <a:extLst>
               <a:ext uri="{FF2B5EF4-FFF2-40B4-BE49-F238E27FC236}">
-                <a16:creationId xmlns:a16="http://schemas.microsoft.com/office/drawing/2014/main" xmlns="" id="{35F7CFF7-5CB5-4398-8200-02B1CF84304D}"/>
+                <a16:creationId xmlns:a16="http://schemas.microsoft.com/office/drawing/2014/main" id="{35F7CFF7-5CB5-4398-8200-02B1CF84304D}"/>
               </a:ext>
             </a:extLst>
           </p:cNvPr>
@@ -15945,7 +16758,7 @@
           <p:cNvPr id="8" name="Pfeil: nach rechts 7">
             <a:extLst>
               <a:ext uri="{FF2B5EF4-FFF2-40B4-BE49-F238E27FC236}">
-                <a16:creationId xmlns:a16="http://schemas.microsoft.com/office/drawing/2014/main" xmlns="" id="{78B8B741-83F8-4D72-8EC3-BA7ADBF5ACA2}"/>
+                <a16:creationId xmlns:a16="http://schemas.microsoft.com/office/drawing/2014/main" id="{78B8B741-83F8-4D72-8EC3-BA7ADBF5ACA2}"/>
               </a:ext>
             </a:extLst>
           </p:cNvPr>
@@ -16053,10 +16866,10 @@
           <p:cNvPr id="23" name="Rectangle 9">
             <a:extLst>
               <a:ext uri="{FF2B5EF4-FFF2-40B4-BE49-F238E27FC236}">
-                <a16:creationId xmlns:a16="http://schemas.microsoft.com/office/drawing/2014/main" xmlns="" id="{117AB3D3-3C9C-4DED-809A-78734805B895}"/>
+                <a16:creationId xmlns:a16="http://schemas.microsoft.com/office/drawing/2014/main" id="{117AB3D3-3C9C-4DED-809A-78734805B895}"/>
               </a:ext>
               <a:ext uri="{C183D7F6-B498-43B3-948B-1728B52AA6E4}">
-                <adec:decorative xmlns:adec="http://schemas.microsoft.com/office/drawing/2017/decorative" xmlns="" val="1"/>
+                <adec:decorative xmlns:adec="http://schemas.microsoft.com/office/drawing/2017/decorative" val="1"/>
               </a:ext>
             </a:extLst>
           </p:cNvPr>
@@ -16066,7 +16879,7 @@
           <p:nvPr>
             <p:extLst>
               <p:ext uri="{386F3935-93C4-4BCD-93E2-E3B085C9AB24}">
-                <p16:designElem xmlns:p16="http://schemas.microsoft.com/office/powerpoint/2015/main" xmlns="" val="1"/>
+                <p16:designElem xmlns:p16="http://schemas.microsoft.com/office/powerpoint/2015/main" val="1"/>
               </p:ext>
             </p:extLst>
           </p:nvPr>
@@ -16113,7 +16926,7 @@
           <p:cNvPr id="2" name="Titel 1">
             <a:extLst>
               <a:ext uri="{FF2B5EF4-FFF2-40B4-BE49-F238E27FC236}">
-                <a16:creationId xmlns:a16="http://schemas.microsoft.com/office/drawing/2014/main" xmlns="" id="{DC6C5F77-A97F-418D-8780-98F65ECD8441}"/>
+                <a16:creationId xmlns:a16="http://schemas.microsoft.com/office/drawing/2014/main" id="{DC6C5F77-A97F-418D-8780-98F65ECD8441}"/>
               </a:ext>
             </a:extLst>
           </p:cNvPr>
@@ -16148,10 +16961,10 @@
           <p:cNvPr id="24" name="Rectangle 11">
             <a:extLst>
               <a:ext uri="{FF2B5EF4-FFF2-40B4-BE49-F238E27FC236}">
-                <a16:creationId xmlns:a16="http://schemas.microsoft.com/office/drawing/2014/main" xmlns="" id="{3A9A4357-BD1D-4622-A4FE-766E6AB8DE84}"/>
+                <a16:creationId xmlns:a16="http://schemas.microsoft.com/office/drawing/2014/main" id="{3A9A4357-BD1D-4622-A4FE-766E6AB8DE84}"/>
               </a:ext>
               <a:ext uri="{C183D7F6-B498-43B3-948B-1728B52AA6E4}">
-                <adec:decorative xmlns:adec="http://schemas.microsoft.com/office/drawing/2017/decorative" xmlns="" val="1"/>
+                <adec:decorative xmlns:adec="http://schemas.microsoft.com/office/drawing/2017/decorative" val="1"/>
               </a:ext>
             </a:extLst>
           </p:cNvPr>
@@ -16161,7 +16974,7 @@
           <p:nvPr>
             <p:extLst>
               <p:ext uri="{386F3935-93C4-4BCD-93E2-E3B085C9AB24}">
-                <p16:designElem xmlns:p16="http://schemas.microsoft.com/office/powerpoint/2015/main" xmlns="" val="1"/>
+                <p16:designElem xmlns:p16="http://schemas.microsoft.com/office/powerpoint/2015/main" val="1"/>
               </p:ext>
             </p:extLst>
           </p:nvPr>
@@ -16211,10 +17024,10 @@
           <p:cNvPr id="25" name="Rectangle 13">
             <a:extLst>
               <a:ext uri="{FF2B5EF4-FFF2-40B4-BE49-F238E27FC236}">
-                <a16:creationId xmlns:a16="http://schemas.microsoft.com/office/drawing/2014/main" xmlns="" id="{E659831F-0D9A-4C63-9EBB-8435B85A440F}"/>
+                <a16:creationId xmlns:a16="http://schemas.microsoft.com/office/drawing/2014/main" id="{E659831F-0D9A-4C63-9EBB-8435B85A440F}"/>
               </a:ext>
               <a:ext uri="{C183D7F6-B498-43B3-948B-1728B52AA6E4}">
-                <adec:decorative xmlns:adec="http://schemas.microsoft.com/office/drawing/2017/decorative" xmlns="" val="1"/>
+                <adec:decorative xmlns:adec="http://schemas.microsoft.com/office/drawing/2017/decorative" val="1"/>
               </a:ext>
             </a:extLst>
           </p:cNvPr>
@@ -16224,7 +17037,7 @@
           <p:nvPr>
             <p:extLst>
               <p:ext uri="{386F3935-93C4-4BCD-93E2-E3B085C9AB24}">
-                <p16:designElem xmlns:p16="http://schemas.microsoft.com/office/powerpoint/2015/main" xmlns="" val="1"/>
+                <p16:designElem xmlns:p16="http://schemas.microsoft.com/office/powerpoint/2015/main" val="1"/>
               </p:ext>
             </p:extLst>
           </p:nvPr>
@@ -16281,7 +17094,7 @@
           <p:cNvPr id="3" name="Inhaltsplatzhalter 2">
             <a:extLst>
               <a:ext uri="{FF2B5EF4-FFF2-40B4-BE49-F238E27FC236}">
-                <a16:creationId xmlns:a16="http://schemas.microsoft.com/office/drawing/2014/main" xmlns="" id="{C366246F-AC87-48F9-A068-4142BB6012F3}"/>
+                <a16:creationId xmlns:a16="http://schemas.microsoft.com/office/drawing/2014/main" id="{C366246F-AC87-48F9-A068-4142BB6012F3}"/>
               </a:ext>
             </a:extLst>
           </p:cNvPr>
@@ -16397,7 +17210,7 @@
           <p:cNvPr id="5" name="Grafik 4">
             <a:extLst>
               <a:ext uri="{FF2B5EF4-FFF2-40B4-BE49-F238E27FC236}">
-                <a16:creationId xmlns:a16="http://schemas.microsoft.com/office/drawing/2014/main" xmlns="" id="{DFD0F060-FA79-4045-A477-196635FD0867}"/>
+                <a16:creationId xmlns:a16="http://schemas.microsoft.com/office/drawing/2014/main" id="{DFD0F060-FA79-4045-A477-196635FD0867}"/>
               </a:ext>
             </a:extLst>
           </p:cNvPr>
@@ -16426,10 +17239,10 @@
           <p:cNvPr id="16" name="Rectangle 15">
             <a:extLst>
               <a:ext uri="{FF2B5EF4-FFF2-40B4-BE49-F238E27FC236}">
-                <a16:creationId xmlns:a16="http://schemas.microsoft.com/office/drawing/2014/main" xmlns="" id="{E6995CE5-F890-4ABA-82A2-26507CE8D2A3}"/>
+                <a16:creationId xmlns:a16="http://schemas.microsoft.com/office/drawing/2014/main" id="{E6995CE5-F890-4ABA-82A2-26507CE8D2A3}"/>
               </a:ext>
               <a:ext uri="{C183D7F6-B498-43B3-948B-1728B52AA6E4}">
-                <adec:decorative xmlns:adec="http://schemas.microsoft.com/office/drawing/2017/decorative" xmlns="" val="1"/>
+                <adec:decorative xmlns:adec="http://schemas.microsoft.com/office/drawing/2017/decorative" val="1"/>
               </a:ext>
             </a:extLst>
           </p:cNvPr>
@@ -16439,7 +17252,7 @@
           <p:nvPr>
             <p:extLst>
               <p:ext uri="{386F3935-93C4-4BCD-93E2-E3B085C9AB24}">
-                <p16:designElem xmlns:p16="http://schemas.microsoft.com/office/powerpoint/2015/main" xmlns="" val="1"/>
+                <p16:designElem xmlns:p16="http://schemas.microsoft.com/office/powerpoint/2015/main" val="1"/>
               </p:ext>
             </p:extLst>
           </p:nvPr>
@@ -16527,10 +17340,10 @@
           <p:cNvPr id="26" name="Rectangle 25">
             <a:extLst>
               <a:ext uri="{FF2B5EF4-FFF2-40B4-BE49-F238E27FC236}">
-                <a16:creationId xmlns:a16="http://schemas.microsoft.com/office/drawing/2014/main" xmlns="" id="{F5A5F1D7-F0D0-4687-9BD3-CA6A0714C634}"/>
+                <a16:creationId xmlns:a16="http://schemas.microsoft.com/office/drawing/2014/main" id="{F5A5F1D7-F0D0-4687-9BD3-CA6A0714C634}"/>
               </a:ext>
               <a:ext uri="{C183D7F6-B498-43B3-948B-1728B52AA6E4}">
-                <adec:decorative xmlns:adec="http://schemas.microsoft.com/office/drawing/2017/decorative" xmlns="" val="1"/>
+                <adec:decorative xmlns:adec="http://schemas.microsoft.com/office/drawing/2017/decorative" val="1"/>
               </a:ext>
             </a:extLst>
           </p:cNvPr>
@@ -16540,7 +17353,7 @@
           <p:nvPr>
             <p:extLst>
               <p:ext uri="{386F3935-93C4-4BCD-93E2-E3B085C9AB24}">
-                <p16:designElem xmlns:p16="http://schemas.microsoft.com/office/powerpoint/2015/main" xmlns="" val="1"/>
+                <p16:designElem xmlns:p16="http://schemas.microsoft.com/office/powerpoint/2015/main" val="1"/>
               </p:ext>
             </p:extLst>
           </p:nvPr>
@@ -16587,10 +17400,10 @@
           <p:cNvPr id="28" name="Group 27">
             <a:extLst>
               <a:ext uri="{FF2B5EF4-FFF2-40B4-BE49-F238E27FC236}">
-                <a16:creationId xmlns:a16="http://schemas.microsoft.com/office/drawing/2014/main" xmlns="" id="{AE1C45F0-260A-458C-96ED-C1F6D2151219}"/>
+                <a16:creationId xmlns:a16="http://schemas.microsoft.com/office/drawing/2014/main" id="{AE1C45F0-260A-458C-96ED-C1F6D2151219}"/>
               </a:ext>
               <a:ext uri="{C183D7F6-B498-43B3-948B-1728B52AA6E4}">
-                <adec:decorative xmlns:adec="http://schemas.microsoft.com/office/drawing/2017/decorative" xmlns="" val="1"/>
+                <adec:decorative xmlns:adec="http://schemas.microsoft.com/office/drawing/2017/decorative" val="1"/>
               </a:ext>
             </a:extLst>
           </p:cNvPr>
@@ -16600,7 +17413,7 @@
           <p:nvPr>
             <p:extLst>
               <p:ext uri="{386F3935-93C4-4BCD-93E2-E3B085C9AB24}">
-                <p16:designElem xmlns:p16="http://schemas.microsoft.com/office/powerpoint/2015/main" xmlns="" val="1"/>
+                <p16:designElem xmlns:p16="http://schemas.microsoft.com/office/powerpoint/2015/main" val="1"/>
               </p:ext>
             </p:extLst>
           </p:nvPr>
@@ -16621,10 +17434,10 @@
             <p:cNvPr id="29" name="Rectangle 28">
               <a:extLst>
                 <a:ext uri="{FF2B5EF4-FFF2-40B4-BE49-F238E27FC236}">
-                  <a16:creationId xmlns:a16="http://schemas.microsoft.com/office/drawing/2014/main" xmlns="" id="{A6604B49-AD5C-4590-B051-06C8222ECD99}"/>
+                  <a16:creationId xmlns:a16="http://schemas.microsoft.com/office/drawing/2014/main" id="{A6604B49-AD5C-4590-B051-06C8222ECD99}"/>
                 </a:ext>
                 <a:ext uri="{C183D7F6-B498-43B3-948B-1728B52AA6E4}">
-                  <adec:decorative xmlns:adec="http://schemas.microsoft.com/office/drawing/2017/decorative" xmlns="" val="1"/>
+                  <adec:decorative xmlns:adec="http://schemas.microsoft.com/office/drawing/2017/decorative" val="1"/>
                 </a:ext>
               </a:extLst>
             </p:cNvPr>
@@ -16632,7 +17445,7 @@
             <p:nvPr>
               <p:extLst>
                 <p:ext uri="{386F3935-93C4-4BCD-93E2-E3B085C9AB24}">
-                  <p16:designElem xmlns:p16="http://schemas.microsoft.com/office/powerpoint/2015/main" xmlns="" val="1"/>
+                  <p16:designElem xmlns:p16="http://schemas.microsoft.com/office/powerpoint/2015/main" val="1"/>
                 </p:ext>
               </p:extLst>
             </p:nvPr>
@@ -16680,10 +17493,10 @@
             <p:cNvPr id="30" name="Rectangle 29">
               <a:extLst>
                 <a:ext uri="{FF2B5EF4-FFF2-40B4-BE49-F238E27FC236}">
-                  <a16:creationId xmlns:a16="http://schemas.microsoft.com/office/drawing/2014/main" xmlns="" id="{743ECCAF-29C5-4537-947C-7EA1292463DB}"/>
+                  <a16:creationId xmlns:a16="http://schemas.microsoft.com/office/drawing/2014/main" id="{743ECCAF-29C5-4537-947C-7EA1292463DB}"/>
                 </a:ext>
                 <a:ext uri="{C183D7F6-B498-43B3-948B-1728B52AA6E4}">
-                  <adec:decorative xmlns:adec="http://schemas.microsoft.com/office/drawing/2017/decorative" xmlns="" val="1"/>
+                  <adec:decorative xmlns:adec="http://schemas.microsoft.com/office/drawing/2017/decorative" val="1"/>
                 </a:ext>
               </a:extLst>
             </p:cNvPr>
@@ -16691,7 +17504,7 @@
             <p:nvPr>
               <p:extLst>
                 <p:ext uri="{386F3935-93C4-4BCD-93E2-E3B085C9AB24}">
-                  <p16:designElem xmlns:p16="http://schemas.microsoft.com/office/powerpoint/2015/main" xmlns="" val="1"/>
+                  <p16:designElem xmlns:p16="http://schemas.microsoft.com/office/powerpoint/2015/main" val="1"/>
                 </p:ext>
               </p:extLst>
             </p:nvPr>
@@ -16739,10 +17552,10 @@
             <p:cNvPr id="31" name="Rectangle 30">
               <a:extLst>
                 <a:ext uri="{FF2B5EF4-FFF2-40B4-BE49-F238E27FC236}">
-                  <a16:creationId xmlns:a16="http://schemas.microsoft.com/office/drawing/2014/main" xmlns="" id="{ED49787B-8DE6-4467-AD0A-8DECC6E0C2D6}"/>
+                  <a16:creationId xmlns:a16="http://schemas.microsoft.com/office/drawing/2014/main" id="{ED49787B-8DE6-4467-AD0A-8DECC6E0C2D6}"/>
                 </a:ext>
                 <a:ext uri="{C183D7F6-B498-43B3-948B-1728B52AA6E4}">
-                  <adec:decorative xmlns:adec="http://schemas.microsoft.com/office/drawing/2017/decorative" xmlns="" val="1"/>
+                  <adec:decorative xmlns:adec="http://schemas.microsoft.com/office/drawing/2017/decorative" val="1"/>
                 </a:ext>
               </a:extLst>
             </p:cNvPr>
@@ -16750,7 +17563,7 @@
             <p:nvPr>
               <p:extLst>
                 <p:ext uri="{386F3935-93C4-4BCD-93E2-E3B085C9AB24}">
-                  <p16:designElem xmlns:p16="http://schemas.microsoft.com/office/powerpoint/2015/main" xmlns="" val="1"/>
+                  <p16:designElem xmlns:p16="http://schemas.microsoft.com/office/powerpoint/2015/main" val="1"/>
                 </p:ext>
               </p:extLst>
             </p:nvPr>
@@ -16799,10 +17612,10 @@
           <p:cNvPr id="33" name="Rectangle 32">
             <a:extLst>
               <a:ext uri="{FF2B5EF4-FFF2-40B4-BE49-F238E27FC236}">
-                <a16:creationId xmlns:a16="http://schemas.microsoft.com/office/drawing/2014/main" xmlns="" id="{D5B0017B-2ECA-49AF-B397-DC140825DF8D}"/>
+                <a16:creationId xmlns:a16="http://schemas.microsoft.com/office/drawing/2014/main" id="{D5B0017B-2ECA-49AF-B397-DC140825DF8D}"/>
               </a:ext>
               <a:ext uri="{C183D7F6-B498-43B3-948B-1728B52AA6E4}">
-                <adec:decorative xmlns:adec="http://schemas.microsoft.com/office/drawing/2017/decorative" xmlns="" val="1"/>
+                <adec:decorative xmlns:adec="http://schemas.microsoft.com/office/drawing/2017/decorative" val="1"/>
               </a:ext>
             </a:extLst>
           </p:cNvPr>
@@ -16812,7 +17625,7 @@
           <p:nvPr>
             <p:extLst>
               <p:ext uri="{386F3935-93C4-4BCD-93E2-E3B085C9AB24}">
-                <p16:designElem xmlns:p16="http://schemas.microsoft.com/office/powerpoint/2015/main" xmlns="" val="1"/>
+                <p16:designElem xmlns:p16="http://schemas.microsoft.com/office/powerpoint/2015/main" val="1"/>
               </p:ext>
             </p:extLst>
           </p:nvPr>
@@ -16869,7 +17682,7 @@
           <p:cNvPr id="2" name="Titel 1">
             <a:extLst>
               <a:ext uri="{FF2B5EF4-FFF2-40B4-BE49-F238E27FC236}">
-                <a16:creationId xmlns:a16="http://schemas.microsoft.com/office/drawing/2014/main" xmlns="" id="{03CA394F-8D35-4A4C-8755-884B12F46510}"/>
+                <a16:creationId xmlns:a16="http://schemas.microsoft.com/office/drawing/2014/main" id="{03CA394F-8D35-4A4C-8755-884B12F46510}"/>
               </a:ext>
             </a:extLst>
           </p:cNvPr>
@@ -16904,7 +17717,7 @@
           <p:cNvPr id="3" name="Inhaltsplatzhalter 2">
             <a:extLst>
               <a:ext uri="{FF2B5EF4-FFF2-40B4-BE49-F238E27FC236}">
-                <a16:creationId xmlns:a16="http://schemas.microsoft.com/office/drawing/2014/main" xmlns="" id="{43E7BBF3-425B-4B59-B514-0B906ADE375E}"/>
+                <a16:creationId xmlns:a16="http://schemas.microsoft.com/office/drawing/2014/main" id="{43E7BBF3-425B-4B59-B514-0B906ADE375E}"/>
               </a:ext>
             </a:extLst>
           </p:cNvPr>
@@ -16996,7 +17809,7 @@
           <p:cNvPr id="9" name="Grafik 8">
             <a:extLst>
               <a:ext uri="{FF2B5EF4-FFF2-40B4-BE49-F238E27FC236}">
-                <a16:creationId xmlns:a16="http://schemas.microsoft.com/office/drawing/2014/main" xmlns="" id="{B213DC21-8747-4810-9E19-0A19E1AD6119}"/>
+                <a16:creationId xmlns:a16="http://schemas.microsoft.com/office/drawing/2014/main" id="{B213DC21-8747-4810-9E19-0A19E1AD6119}"/>
               </a:ext>
             </a:extLst>
           </p:cNvPr>
@@ -17025,7 +17838,7 @@
           <p:cNvPr id="21" name="Grafik 20">
             <a:extLst>
               <a:ext uri="{FF2B5EF4-FFF2-40B4-BE49-F238E27FC236}">
-                <a16:creationId xmlns:a16="http://schemas.microsoft.com/office/drawing/2014/main" xmlns="" id="{1B61543D-E7CD-47A8-B81C-4D9F9317DEE9}"/>
+                <a16:creationId xmlns:a16="http://schemas.microsoft.com/office/drawing/2014/main" id="{1B61543D-E7CD-47A8-B81C-4D9F9317DEE9}"/>
               </a:ext>
             </a:extLst>
           </p:cNvPr>
@@ -17054,10 +17867,10 @@
           <p:cNvPr id="35" name="Straight Connector 34">
             <a:extLst>
               <a:ext uri="{FF2B5EF4-FFF2-40B4-BE49-F238E27FC236}">
-                <a16:creationId xmlns:a16="http://schemas.microsoft.com/office/drawing/2014/main" xmlns="" id="{6CF1BAF6-AD41-4082-B212-8A1F9A2E8779}"/>
+                <a16:creationId xmlns:a16="http://schemas.microsoft.com/office/drawing/2014/main" id="{6CF1BAF6-AD41-4082-B212-8A1F9A2E8779}"/>
               </a:ext>
               <a:ext uri="{C183D7F6-B498-43B3-948B-1728B52AA6E4}">
-                <adec:decorative xmlns:adec="http://schemas.microsoft.com/office/drawing/2017/decorative" xmlns="" val="1"/>
+                <adec:decorative xmlns:adec="http://schemas.microsoft.com/office/drawing/2017/decorative" val="1"/>
               </a:ext>
             </a:extLst>
           </p:cNvPr>
@@ -17067,7 +17880,7 @@
           <p:nvPr>
             <p:extLst>
               <p:ext uri="{386F3935-93C4-4BCD-93E2-E3B085C9AB24}">
-                <p16:designElem xmlns:p16="http://schemas.microsoft.com/office/powerpoint/2015/main" xmlns="" val="1"/>
+                <p16:designElem xmlns:p16="http://schemas.microsoft.com/office/powerpoint/2015/main" val="1"/>
               </p:ext>
             </p:extLst>
           </p:nvPr>
@@ -17136,7 +17949,7 @@
           <p:cNvPr id="2" name="Titel 1">
             <a:extLst>
               <a:ext uri="{FF2B5EF4-FFF2-40B4-BE49-F238E27FC236}">
-                <a16:creationId xmlns:a16="http://schemas.microsoft.com/office/drawing/2014/main" xmlns="" id="{03CA394F-8D35-4A4C-8755-884B12F46510}"/>
+                <a16:creationId xmlns:a16="http://schemas.microsoft.com/office/drawing/2014/main" id="{03CA394F-8D35-4A4C-8755-884B12F46510}"/>
               </a:ext>
             </a:extLst>
           </p:cNvPr>
@@ -17165,7 +17978,7 @@
           <p:cNvPr id="1026" name="Picture 2">
             <a:extLst>
               <a:ext uri="{FF2B5EF4-FFF2-40B4-BE49-F238E27FC236}">
-                <a16:creationId xmlns:a16="http://schemas.microsoft.com/office/drawing/2014/main" xmlns="" id="{9554879E-B655-4F21-8B9D-87A80103F79E}"/>
+                <a16:creationId xmlns:a16="http://schemas.microsoft.com/office/drawing/2014/main" id="{9554879E-B655-4F21-8B9D-87A80103F79E}"/>
               </a:ext>
             </a:extLst>
           </p:cNvPr>
@@ -17214,7 +18027,7 @@
           <p:cNvPr id="1028" name="Picture 4" descr="Image">
             <a:extLst>
               <a:ext uri="{FF2B5EF4-FFF2-40B4-BE49-F238E27FC236}">
-                <a16:creationId xmlns:a16="http://schemas.microsoft.com/office/drawing/2014/main" xmlns="" id="{F9A4434A-C217-4416-B40F-5EB4A42CE71C}"/>
+                <a16:creationId xmlns:a16="http://schemas.microsoft.com/office/drawing/2014/main" id="{F9A4434A-C217-4416-B40F-5EB4A42CE71C}"/>
               </a:ext>
             </a:extLst>
           </p:cNvPr>
@@ -17261,7 +18074,7 @@
           <p:cNvPr id="1030" name="Picture 6">
             <a:extLst>
               <a:ext uri="{FF2B5EF4-FFF2-40B4-BE49-F238E27FC236}">
-                <a16:creationId xmlns:a16="http://schemas.microsoft.com/office/drawing/2014/main" xmlns="" id="{B5786538-F6A3-4A49-91DD-2DA57F4BEB63}"/>
+                <a16:creationId xmlns:a16="http://schemas.microsoft.com/office/drawing/2014/main" id="{B5786538-F6A3-4A49-91DD-2DA57F4BEB63}"/>
               </a:ext>
             </a:extLst>
           </p:cNvPr>
@@ -17346,10 +18159,10 @@
           <p:cNvPr id="25" name="Rectangle 13">
             <a:extLst>
               <a:ext uri="{FF2B5EF4-FFF2-40B4-BE49-F238E27FC236}">
-                <a16:creationId xmlns:a16="http://schemas.microsoft.com/office/drawing/2014/main" xmlns="" id="{DBF61EA3-B236-439E-9C0B-340980D56BEE}"/>
+                <a16:creationId xmlns:a16="http://schemas.microsoft.com/office/drawing/2014/main" id="{DBF61EA3-B236-439E-9C0B-340980D56BEE}"/>
               </a:ext>
               <a:ext uri="{C183D7F6-B498-43B3-948B-1728B52AA6E4}">
-                <adec:decorative xmlns:adec="http://schemas.microsoft.com/office/drawing/2017/decorative" xmlns="" val="1"/>
+                <adec:decorative xmlns:adec="http://schemas.microsoft.com/office/drawing/2017/decorative" val="1"/>
               </a:ext>
             </a:extLst>
           </p:cNvPr>
@@ -17359,7 +18172,7 @@
           <p:nvPr>
             <p:extLst>
               <p:ext uri="{386F3935-93C4-4BCD-93E2-E3B085C9AB24}">
-                <p16:designElem xmlns:p16="http://schemas.microsoft.com/office/powerpoint/2015/main" xmlns="" val="1"/>
+                <p16:designElem xmlns:p16="http://schemas.microsoft.com/office/powerpoint/2015/main" val="1"/>
               </p:ext>
             </p:extLst>
           </p:nvPr>
@@ -17406,7 +18219,7 @@
           <p:cNvPr id="2" name="Titel 1">
             <a:extLst>
               <a:ext uri="{FF2B5EF4-FFF2-40B4-BE49-F238E27FC236}">
-                <a16:creationId xmlns:a16="http://schemas.microsoft.com/office/drawing/2014/main" xmlns="" id="{E8142FAE-3BEE-4352-AC6A-D6B2AB183870}"/>
+                <a16:creationId xmlns:a16="http://schemas.microsoft.com/office/drawing/2014/main" id="{E8142FAE-3BEE-4352-AC6A-D6B2AB183870}"/>
               </a:ext>
             </a:extLst>
           </p:cNvPr>
@@ -17448,10 +18261,10 @@
           <p:cNvPr id="26" name="Group 15">
             <a:extLst>
               <a:ext uri="{FF2B5EF4-FFF2-40B4-BE49-F238E27FC236}">
-                <a16:creationId xmlns:a16="http://schemas.microsoft.com/office/drawing/2014/main" xmlns="" id="{28FAF094-D087-493F-8DF9-A486C2D6BBAA}"/>
+                <a16:creationId xmlns:a16="http://schemas.microsoft.com/office/drawing/2014/main" id="{28FAF094-D087-493F-8DF9-A486C2D6BBAA}"/>
               </a:ext>
               <a:ext uri="{C183D7F6-B498-43B3-948B-1728B52AA6E4}">
-                <adec:decorative xmlns:adec="http://schemas.microsoft.com/office/drawing/2017/decorative" xmlns="" val="1"/>
+                <adec:decorative xmlns:adec="http://schemas.microsoft.com/office/drawing/2017/decorative" val="1"/>
               </a:ext>
             </a:extLst>
           </p:cNvPr>
@@ -17461,7 +18274,7 @@
           <p:nvPr>
             <p:extLst>
               <p:ext uri="{386F3935-93C4-4BCD-93E2-E3B085C9AB24}">
-                <p16:designElem xmlns:p16="http://schemas.microsoft.com/office/powerpoint/2015/main" xmlns="" val="1"/>
+                <p16:designElem xmlns:p16="http://schemas.microsoft.com/office/powerpoint/2015/main" val="1"/>
               </p:ext>
             </p:extLst>
           </p:nvPr>
@@ -17479,10 +18292,10 @@
             <p:cNvPr id="27" name="Rectangle 16">
               <a:extLst>
                 <a:ext uri="{FF2B5EF4-FFF2-40B4-BE49-F238E27FC236}">
-                  <a16:creationId xmlns:a16="http://schemas.microsoft.com/office/drawing/2014/main" xmlns="" id="{8D7C88D8-5509-4514-925A-9CE148E5CBD6}"/>
+                  <a16:creationId xmlns:a16="http://schemas.microsoft.com/office/drawing/2014/main" id="{8D7C88D8-5509-4514-925A-9CE148E5CBD6}"/>
                 </a:ext>
                 <a:ext uri="{C183D7F6-B498-43B3-948B-1728B52AA6E4}">
-                  <adec:decorative xmlns:adec="http://schemas.microsoft.com/office/drawing/2017/decorative" xmlns="" val="1"/>
+                  <adec:decorative xmlns:adec="http://schemas.microsoft.com/office/drawing/2017/decorative" val="1"/>
                 </a:ext>
               </a:extLst>
             </p:cNvPr>
@@ -17490,7 +18303,7 @@
             <p:nvPr>
               <p:extLst>
                 <p:ext uri="{386F3935-93C4-4BCD-93E2-E3B085C9AB24}">
-                  <p16:designElem xmlns:p16="http://schemas.microsoft.com/office/powerpoint/2015/main" xmlns="" val="1"/>
+                  <p16:designElem xmlns:p16="http://schemas.microsoft.com/office/powerpoint/2015/main" val="1"/>
                 </p:ext>
               </p:extLst>
             </p:nvPr>
@@ -17540,10 +18353,10 @@
             <p:cNvPr id="28" name="Rectangle 17">
               <a:extLst>
                 <a:ext uri="{FF2B5EF4-FFF2-40B4-BE49-F238E27FC236}">
-                  <a16:creationId xmlns:a16="http://schemas.microsoft.com/office/drawing/2014/main" xmlns="" id="{7275593D-F75E-4426-AE3E-2CDEFD228D25}"/>
+                  <a16:creationId xmlns:a16="http://schemas.microsoft.com/office/drawing/2014/main" id="{7275593D-F75E-4426-AE3E-2CDEFD228D25}"/>
                 </a:ext>
                 <a:ext uri="{C183D7F6-B498-43B3-948B-1728B52AA6E4}">
-                  <adec:decorative xmlns:adec="http://schemas.microsoft.com/office/drawing/2017/decorative" xmlns="" val="1"/>
+                  <adec:decorative xmlns:adec="http://schemas.microsoft.com/office/drawing/2017/decorative" val="1"/>
                 </a:ext>
               </a:extLst>
             </p:cNvPr>
@@ -17551,7 +18364,7 @@
             <p:nvPr>
               <p:extLst>
                 <p:ext uri="{386F3935-93C4-4BCD-93E2-E3B085C9AB24}">
-                  <p16:designElem xmlns:p16="http://schemas.microsoft.com/office/powerpoint/2015/main" xmlns="" val="1"/>
+                  <p16:designElem xmlns:p16="http://schemas.microsoft.com/office/powerpoint/2015/main" val="1"/>
                 </p:ext>
               </p:extLst>
             </p:nvPr>
@@ -17602,10 +18415,10 @@
           <p:cNvPr id="20" name="Rectangle 19">
             <a:extLst>
               <a:ext uri="{FF2B5EF4-FFF2-40B4-BE49-F238E27FC236}">
-                <a16:creationId xmlns:a16="http://schemas.microsoft.com/office/drawing/2014/main" xmlns="" id="{E659831F-0D9A-4C63-9EBB-8435B85A440F}"/>
+                <a16:creationId xmlns:a16="http://schemas.microsoft.com/office/drawing/2014/main" id="{E659831F-0D9A-4C63-9EBB-8435B85A440F}"/>
               </a:ext>
               <a:ext uri="{C183D7F6-B498-43B3-948B-1728B52AA6E4}">
-                <adec:decorative xmlns:adec="http://schemas.microsoft.com/office/drawing/2017/decorative" xmlns="" val="1"/>
+                <adec:decorative xmlns:adec="http://schemas.microsoft.com/office/drawing/2017/decorative" val="1"/>
               </a:ext>
             </a:extLst>
           </p:cNvPr>
@@ -17615,7 +18428,7 @@
           <p:nvPr>
             <p:extLst>
               <p:ext uri="{386F3935-93C4-4BCD-93E2-E3B085C9AB24}">
-                <p16:designElem xmlns:p16="http://schemas.microsoft.com/office/powerpoint/2015/main" xmlns="" val="1"/>
+                <p16:designElem xmlns:p16="http://schemas.microsoft.com/office/powerpoint/2015/main" val="1"/>
               </p:ext>
             </p:extLst>
           </p:nvPr>
@@ -17672,7 +18485,7 @@
           <p:cNvPr id="4" name="Inhaltsplatzhalter 3">
             <a:extLst>
               <a:ext uri="{FF2B5EF4-FFF2-40B4-BE49-F238E27FC236}">
-                <a16:creationId xmlns:a16="http://schemas.microsoft.com/office/drawing/2014/main" xmlns="" id="{19C6B157-FD19-443E-A0A6-AC363DCB1861}"/>
+                <a16:creationId xmlns:a16="http://schemas.microsoft.com/office/drawing/2014/main" id="{19C6B157-FD19-443E-A0A6-AC363DCB1861}"/>
               </a:ext>
             </a:extLst>
           </p:cNvPr>
@@ -17764,7 +18577,7 @@
           <p:cNvPr id="24" name="Inhaltsplatzhalter 4">
             <a:extLst>
               <a:ext uri="{FF2B5EF4-FFF2-40B4-BE49-F238E27FC236}">
-                <a16:creationId xmlns:a16="http://schemas.microsoft.com/office/drawing/2014/main" xmlns="" id="{A09946AC-3825-472F-AD94-84CA810FF66D}"/>
+                <a16:creationId xmlns:a16="http://schemas.microsoft.com/office/drawing/2014/main" id="{A09946AC-3825-472F-AD94-84CA810FF66D}"/>
               </a:ext>
             </a:extLst>
           </p:cNvPr>
@@ -17823,7 +18636,7 @@
           <p:cNvPr id="29" name="Grafik 28">
             <a:extLst>
               <a:ext uri="{FF2B5EF4-FFF2-40B4-BE49-F238E27FC236}">
-                <a16:creationId xmlns:a16="http://schemas.microsoft.com/office/drawing/2014/main" xmlns="" id="{3A17418C-F3BE-4B41-A62A-60AC11EF737F}"/>
+                <a16:creationId xmlns:a16="http://schemas.microsoft.com/office/drawing/2014/main" id="{3A17418C-F3BE-4B41-A62A-60AC11EF737F}"/>
               </a:ext>
             </a:extLst>
           </p:cNvPr>
@@ -17882,7 +18695,7 @@
           <p:cNvPr id="30" name="Grafik 29">
             <a:extLst>
               <a:ext uri="{FF2B5EF4-FFF2-40B4-BE49-F238E27FC236}">
-                <a16:creationId xmlns:a16="http://schemas.microsoft.com/office/drawing/2014/main" xmlns="" id="{14D01D2D-565D-4A52-A50F-B3480C3D959B}"/>
+                <a16:creationId xmlns:a16="http://schemas.microsoft.com/office/drawing/2014/main" id="{14D01D2D-565D-4A52-A50F-B3480C3D959B}"/>
               </a:ext>
             </a:extLst>
           </p:cNvPr>
@@ -17941,7 +18754,7 @@
           <p:cNvPr id="34" name="Pfeil: nach rechts 33">
             <a:extLst>
               <a:ext uri="{FF2B5EF4-FFF2-40B4-BE49-F238E27FC236}">
-                <a16:creationId xmlns:a16="http://schemas.microsoft.com/office/drawing/2014/main" xmlns="" id="{9C4AB75B-5C37-41F2-8477-B67471A4794C}"/>
+                <a16:creationId xmlns:a16="http://schemas.microsoft.com/office/drawing/2014/main" id="{9C4AB75B-5C37-41F2-8477-B67471A4794C}"/>
               </a:ext>
             </a:extLst>
           </p:cNvPr>
@@ -18011,7 +18824,7 @@
           <p:cNvPr id="35" name="Pfeil: nach rechts 34">
             <a:extLst>
               <a:ext uri="{FF2B5EF4-FFF2-40B4-BE49-F238E27FC236}">
-                <a16:creationId xmlns:a16="http://schemas.microsoft.com/office/drawing/2014/main" xmlns="" id="{44E63781-70BA-414F-9269-A35B22071AA1}"/>
+                <a16:creationId xmlns:a16="http://schemas.microsoft.com/office/drawing/2014/main" id="{44E63781-70BA-414F-9269-A35B22071AA1}"/>
               </a:ext>
             </a:extLst>
           </p:cNvPr>
@@ -18119,10 +18932,10 @@
           <p:cNvPr id="11" name="Rectangle 10">
             <a:extLst>
               <a:ext uri="{FF2B5EF4-FFF2-40B4-BE49-F238E27FC236}">
-                <a16:creationId xmlns:a16="http://schemas.microsoft.com/office/drawing/2014/main" xmlns="" id="{26CAED0A-2A45-4C9C-BCDD-21A8A092C5F3}"/>
+                <a16:creationId xmlns:a16="http://schemas.microsoft.com/office/drawing/2014/main" id="{26CAED0A-2A45-4C9C-BCDD-21A8A092C5F3}"/>
               </a:ext>
               <a:ext uri="{C183D7F6-B498-43B3-948B-1728B52AA6E4}">
-                <adec:decorative xmlns:adec="http://schemas.microsoft.com/office/drawing/2017/decorative" xmlns="" val="1"/>
+                <adec:decorative xmlns:adec="http://schemas.microsoft.com/office/drawing/2017/decorative" val="1"/>
               </a:ext>
             </a:extLst>
           </p:cNvPr>
@@ -18132,7 +18945,7 @@
           <p:nvPr>
             <p:extLst>
               <p:ext uri="{386F3935-93C4-4BCD-93E2-E3B085C9AB24}">
-                <p16:designElem xmlns:p16="http://schemas.microsoft.com/office/powerpoint/2015/main" xmlns="" val="1"/>
+                <p16:designElem xmlns:p16="http://schemas.microsoft.com/office/powerpoint/2015/main" val="1"/>
               </p:ext>
             </p:extLst>
           </p:nvPr>
@@ -18179,7 +18992,7 @@
           <p:cNvPr id="2" name="Titel 1">
             <a:extLst>
               <a:ext uri="{FF2B5EF4-FFF2-40B4-BE49-F238E27FC236}">
-                <a16:creationId xmlns:a16="http://schemas.microsoft.com/office/drawing/2014/main" xmlns="" id="{FDCB31F9-A7D9-4562-A802-D0223B08E39E}"/>
+                <a16:creationId xmlns:a16="http://schemas.microsoft.com/office/drawing/2014/main" id="{FDCB31F9-A7D9-4562-A802-D0223B08E39E}"/>
               </a:ext>
             </a:extLst>
           </p:cNvPr>
@@ -18214,10 +19027,10 @@
           <p:cNvPr id="13" name="Rectangle 12">
             <a:extLst>
               <a:ext uri="{FF2B5EF4-FFF2-40B4-BE49-F238E27FC236}">
-                <a16:creationId xmlns:a16="http://schemas.microsoft.com/office/drawing/2014/main" xmlns="" id="{3A9A4357-BD1D-4622-A4FE-766E6AB8DE84}"/>
+                <a16:creationId xmlns:a16="http://schemas.microsoft.com/office/drawing/2014/main" id="{3A9A4357-BD1D-4622-A4FE-766E6AB8DE84}"/>
               </a:ext>
               <a:ext uri="{C183D7F6-B498-43B3-948B-1728B52AA6E4}">
-                <adec:decorative xmlns:adec="http://schemas.microsoft.com/office/drawing/2017/decorative" xmlns="" val="1"/>
+                <adec:decorative xmlns:adec="http://schemas.microsoft.com/office/drawing/2017/decorative" val="1"/>
               </a:ext>
             </a:extLst>
           </p:cNvPr>
@@ -18227,7 +19040,7 @@
           <p:nvPr>
             <p:extLst>
               <p:ext uri="{386F3935-93C4-4BCD-93E2-E3B085C9AB24}">
-                <p16:designElem xmlns:p16="http://schemas.microsoft.com/office/powerpoint/2015/main" xmlns="" val="1"/>
+                <p16:designElem xmlns:p16="http://schemas.microsoft.com/office/powerpoint/2015/main" val="1"/>
               </p:ext>
             </p:extLst>
           </p:nvPr>
@@ -18277,10 +19090,10 @@
           <p:cNvPr id="15" name="Rectangle 14">
             <a:extLst>
               <a:ext uri="{FF2B5EF4-FFF2-40B4-BE49-F238E27FC236}">
-                <a16:creationId xmlns:a16="http://schemas.microsoft.com/office/drawing/2014/main" xmlns="" id="{E659831F-0D9A-4C63-9EBB-8435B85A440F}"/>
+                <a16:creationId xmlns:a16="http://schemas.microsoft.com/office/drawing/2014/main" id="{E659831F-0D9A-4C63-9EBB-8435B85A440F}"/>
               </a:ext>
               <a:ext uri="{C183D7F6-B498-43B3-948B-1728B52AA6E4}">
-                <adec:decorative xmlns:adec="http://schemas.microsoft.com/office/drawing/2017/decorative" xmlns="" val="1"/>
+                <adec:decorative xmlns:adec="http://schemas.microsoft.com/office/drawing/2017/decorative" val="1"/>
               </a:ext>
             </a:extLst>
           </p:cNvPr>
@@ -18290,7 +19103,7 @@
           <p:nvPr>
             <p:extLst>
               <p:ext uri="{386F3935-93C4-4BCD-93E2-E3B085C9AB24}">
-                <p16:designElem xmlns:p16="http://schemas.microsoft.com/office/powerpoint/2015/main" xmlns="" val="1"/>
+                <p16:designElem xmlns:p16="http://schemas.microsoft.com/office/powerpoint/2015/main" val="1"/>
               </p:ext>
             </p:extLst>
           </p:nvPr>
@@ -18347,7 +19160,7 @@
           <p:cNvPr id="3" name="Inhaltsplatzhalter 2">
             <a:extLst>
               <a:ext uri="{FF2B5EF4-FFF2-40B4-BE49-F238E27FC236}">
-                <a16:creationId xmlns:a16="http://schemas.microsoft.com/office/drawing/2014/main" xmlns="" id="{9E086109-A865-491E-8199-31771C640B6F}"/>
+                <a16:creationId xmlns:a16="http://schemas.microsoft.com/office/drawing/2014/main" id="{9E086109-A865-491E-8199-31771C640B6F}"/>
               </a:ext>
             </a:extLst>
           </p:cNvPr>
@@ -18394,52 +19207,43 @@
             </a:r>
             <a:r>
               <a:rPr lang="de-AT" sz="1900" dirty="0"/>
-              <a:t> der einzelnen </a:t>
-            </a:r>
-            <a:r>
-              <a:rPr lang="de-AT" sz="1900" dirty="0" smtClean="0"/>
-              <a:t>Features</a:t>
+              <a:t> der einzelnen Features</a:t>
             </a:r>
           </a:p>
           <a:p>
             <a:pPr marL="457200" lvl="1" indent="0">
               <a:buNone/>
             </a:pPr>
-            <a:endParaRPr lang="de-AT" sz="1900" dirty="0" smtClean="0"/>
+            <a:endParaRPr lang="de-AT" sz="1900" dirty="0"/>
           </a:p>
           <a:p>
             <a:pPr marL="0" indent="0">
               <a:buNone/>
             </a:pPr>
             <a:r>
-              <a:rPr lang="de-AT" sz="1900" dirty="0" smtClean="0"/>
+              <a:rPr lang="de-AT" sz="1900" dirty="0"/>
               <a:t>Probleme:</a:t>
             </a:r>
           </a:p>
           <a:p>
             <a:r>
-              <a:rPr lang="de-AT" sz="1900" dirty="0" smtClean="0"/>
-              <a:t>Template stimmt nich</a:t>
-            </a:r>
-            <a:r>
-              <a:rPr lang="de-AT" sz="1900" dirty="0" smtClean="0"/>
-              <a:t>t exakt überein (verdrehte   Arme) </a:t>
-            </a:r>
-          </a:p>
-          <a:p>
-            <a:r>
-              <a:rPr lang="de-AT" sz="1900" dirty="0" smtClean="0"/>
+              <a:rPr lang="de-AT" sz="1900" dirty="0"/>
+              <a:t>Template stimmt nicht exakt überein (verdrehte  Arme) </a:t>
+            </a:r>
+          </a:p>
+          <a:p>
+            <a:r>
+              <a:rPr lang="de-AT" sz="1900" dirty="0"/>
               <a:t>Zusammenhänge nicht </a:t>
             </a:r>
             <a:r>
-              <a:rPr lang="de-AT" sz="1900" dirty="0" err="1" smtClean="0"/>
+              <a:rPr lang="de-AT" sz="1900" dirty="0" err="1"/>
               <a:t>eruierbar</a:t>
             </a:r>
             <a:r>
-              <a:rPr lang="de-AT" sz="1900" dirty="0" smtClean="0"/>
+              <a:rPr lang="de-AT" sz="1900" dirty="0"/>
               <a:t> (linke Hand, rechte Hand)</a:t>
             </a:r>
-            <a:endParaRPr lang="de-AT" sz="1900" dirty="0"/>
           </a:p>
           <a:p>
             <a:pPr marL="0" indent="0">
@@ -18457,10 +19261,10 @@
           <p:cNvPr id="17" name="Rectangle 16">
             <a:extLst>
               <a:ext uri="{FF2B5EF4-FFF2-40B4-BE49-F238E27FC236}">
-                <a16:creationId xmlns:a16="http://schemas.microsoft.com/office/drawing/2014/main" xmlns="" id="{E6995CE5-F890-4ABA-82A2-26507CE8D2A3}"/>
+                <a16:creationId xmlns:a16="http://schemas.microsoft.com/office/drawing/2014/main" id="{E6995CE5-F890-4ABA-82A2-26507CE8D2A3}"/>
               </a:ext>
               <a:ext uri="{C183D7F6-B498-43B3-948B-1728B52AA6E4}">
-                <adec:decorative xmlns:adec="http://schemas.microsoft.com/office/drawing/2017/decorative" xmlns="" val="1"/>
+                <adec:decorative xmlns:adec="http://schemas.microsoft.com/office/drawing/2017/decorative" val="1"/>
               </a:ext>
             </a:extLst>
           </p:cNvPr>
@@ -18470,7 +19274,7 @@
           <p:nvPr>
             <p:extLst>
               <p:ext uri="{386F3935-93C4-4BCD-93E2-E3B085C9AB24}">
-                <p16:designElem xmlns:p16="http://schemas.microsoft.com/office/powerpoint/2015/main" xmlns="" val="1"/>
+                <p16:designElem xmlns:p16="http://schemas.microsoft.com/office/powerpoint/2015/main" val="1"/>
               </p:ext>
             </p:extLst>
           </p:nvPr>
@@ -18549,13 +19353,6 @@
   <p:clrMapOvr>
     <a:masterClrMapping/>
   </p:clrMapOvr>
-  <p:timing>
-    <p:tnLst>
-      <p:par>
-        <p:cTn id="1" dur="indefinite" restart="never" nodeType="tmRoot"/>
-      </p:par>
-    </p:tnLst>
-  </p:timing>
 </p:sld>
 </file>
 
@@ -18589,10 +19386,10 @@
           <p:cNvPr id="11" name="Rectangle 10">
             <a:extLst>
               <a:ext uri="{FF2B5EF4-FFF2-40B4-BE49-F238E27FC236}">
-                <a16:creationId xmlns:a16="http://schemas.microsoft.com/office/drawing/2014/main" xmlns="" id="{26CAED0A-2A45-4C9C-BCDD-21A8A092C5F3}"/>
+                <a16:creationId xmlns:a16="http://schemas.microsoft.com/office/drawing/2014/main" id="{26CAED0A-2A45-4C9C-BCDD-21A8A092C5F3}"/>
               </a:ext>
               <a:ext uri="{C183D7F6-B498-43B3-948B-1728B52AA6E4}">
-                <adec:decorative xmlns:adec="http://schemas.microsoft.com/office/drawing/2017/decorative" xmlns="" val="1"/>
+                <adec:decorative xmlns:adec="http://schemas.microsoft.com/office/drawing/2017/decorative" val="1"/>
               </a:ext>
             </a:extLst>
           </p:cNvPr>
@@ -18602,7 +19399,7 @@
           <p:nvPr>
             <p:extLst>
               <p:ext uri="{386F3935-93C4-4BCD-93E2-E3B085C9AB24}">
-                <p16:designElem xmlns:p16="http://schemas.microsoft.com/office/powerpoint/2015/main" xmlns="" val="1"/>
+                <p16:designElem xmlns:p16="http://schemas.microsoft.com/office/powerpoint/2015/main" val="1"/>
               </p:ext>
             </p:extLst>
           </p:nvPr>
@@ -18649,7 +19446,7 @@
           <p:cNvPr id="2" name="Titel 1">
             <a:extLst>
               <a:ext uri="{FF2B5EF4-FFF2-40B4-BE49-F238E27FC236}">
-                <a16:creationId xmlns:a16="http://schemas.microsoft.com/office/drawing/2014/main" xmlns="" id="{FDCB31F9-A7D9-4562-A802-D0223B08E39E}"/>
+                <a16:creationId xmlns:a16="http://schemas.microsoft.com/office/drawing/2014/main" id="{FDCB31F9-A7D9-4562-A802-D0223B08E39E}"/>
               </a:ext>
             </a:extLst>
           </p:cNvPr>
@@ -18684,10 +19481,10 @@
           <p:cNvPr id="13" name="Rectangle 12">
             <a:extLst>
               <a:ext uri="{FF2B5EF4-FFF2-40B4-BE49-F238E27FC236}">
-                <a16:creationId xmlns:a16="http://schemas.microsoft.com/office/drawing/2014/main" xmlns="" id="{3A9A4357-BD1D-4622-A4FE-766E6AB8DE84}"/>
+                <a16:creationId xmlns:a16="http://schemas.microsoft.com/office/drawing/2014/main" id="{3A9A4357-BD1D-4622-A4FE-766E6AB8DE84}"/>
               </a:ext>
               <a:ext uri="{C183D7F6-B498-43B3-948B-1728B52AA6E4}">
-                <adec:decorative xmlns:adec="http://schemas.microsoft.com/office/drawing/2017/decorative" xmlns="" val="1"/>
+                <adec:decorative xmlns:adec="http://schemas.microsoft.com/office/drawing/2017/decorative" val="1"/>
               </a:ext>
             </a:extLst>
           </p:cNvPr>
@@ -18697,7 +19494,7 @@
           <p:nvPr>
             <p:extLst>
               <p:ext uri="{386F3935-93C4-4BCD-93E2-E3B085C9AB24}">
-                <p16:designElem xmlns:p16="http://schemas.microsoft.com/office/powerpoint/2015/main" xmlns="" val="1"/>
+                <p16:designElem xmlns:p16="http://schemas.microsoft.com/office/powerpoint/2015/main" val="1"/>
               </p:ext>
             </p:extLst>
           </p:nvPr>
@@ -18747,10 +19544,10 @@
           <p:cNvPr id="15" name="Rectangle 14">
             <a:extLst>
               <a:ext uri="{FF2B5EF4-FFF2-40B4-BE49-F238E27FC236}">
-                <a16:creationId xmlns:a16="http://schemas.microsoft.com/office/drawing/2014/main" xmlns="" id="{E659831F-0D9A-4C63-9EBB-8435B85A440F}"/>
+                <a16:creationId xmlns:a16="http://schemas.microsoft.com/office/drawing/2014/main" id="{E659831F-0D9A-4C63-9EBB-8435B85A440F}"/>
               </a:ext>
               <a:ext uri="{C183D7F6-B498-43B3-948B-1728B52AA6E4}">
-                <adec:decorative xmlns:adec="http://schemas.microsoft.com/office/drawing/2017/decorative" xmlns="" val="1"/>
+                <adec:decorative xmlns:adec="http://schemas.microsoft.com/office/drawing/2017/decorative" val="1"/>
               </a:ext>
             </a:extLst>
           </p:cNvPr>
@@ -18760,7 +19557,7 @@
           <p:nvPr>
             <p:extLst>
               <p:ext uri="{386F3935-93C4-4BCD-93E2-E3B085C9AB24}">
-                <p16:designElem xmlns:p16="http://schemas.microsoft.com/office/powerpoint/2015/main" xmlns="" val="1"/>
+                <p16:designElem xmlns:p16="http://schemas.microsoft.com/office/powerpoint/2015/main" val="1"/>
               </p:ext>
             </p:extLst>
           </p:nvPr>
@@ -18817,7 +19614,7 @@
           <p:cNvPr id="3" name="Inhaltsplatzhalter 2">
             <a:extLst>
               <a:ext uri="{FF2B5EF4-FFF2-40B4-BE49-F238E27FC236}">
-                <a16:creationId xmlns:a16="http://schemas.microsoft.com/office/drawing/2014/main" xmlns="" id="{9E086109-A865-491E-8199-31771C640B6F}"/>
+                <a16:creationId xmlns:a16="http://schemas.microsoft.com/office/drawing/2014/main" id="{9E086109-A865-491E-8199-31771C640B6F}"/>
               </a:ext>
             </a:extLst>
           </p:cNvPr>
@@ -18854,13 +19651,8 @@
             </a:r>
             <a:r>
               <a:rPr lang="de-AT" sz="2000" dirty="0"/>
-              <a:t> via </a:t>
-            </a:r>
-            <a:r>
-              <a:rPr lang="de-AT" sz="2000" dirty="0" smtClean="0"/>
-              <a:t>SIFT – Rotation und Skalierung egal </a:t>
-            </a:r>
-            <a:endParaRPr lang="de-AT" sz="2000" dirty="0"/>
+              <a:t> via SIFT – Rotation und Skalierung egal </a:t>
+            </a:r>
           </a:p>
           <a:p>
             <a:pPr marL="457200" lvl="1" indent="0">
@@ -18884,10 +19676,10 @@
           <p:cNvPr id="17" name="Rectangle 16">
             <a:extLst>
               <a:ext uri="{FF2B5EF4-FFF2-40B4-BE49-F238E27FC236}">
-                <a16:creationId xmlns:a16="http://schemas.microsoft.com/office/drawing/2014/main" xmlns="" id="{E6995CE5-F890-4ABA-82A2-26507CE8D2A3}"/>
+                <a16:creationId xmlns:a16="http://schemas.microsoft.com/office/drawing/2014/main" id="{E6995CE5-F890-4ABA-82A2-26507CE8D2A3}"/>
               </a:ext>
               <a:ext uri="{C183D7F6-B498-43B3-948B-1728B52AA6E4}">
-                <adec:decorative xmlns:adec="http://schemas.microsoft.com/office/drawing/2017/decorative" xmlns="" val="1"/>
+                <adec:decorative xmlns:adec="http://schemas.microsoft.com/office/drawing/2017/decorative" val="1"/>
               </a:ext>
             </a:extLst>
           </p:cNvPr>
@@ -18897,7 +19689,7 @@
           <p:nvPr>
             <p:extLst>
               <p:ext uri="{386F3935-93C4-4BCD-93E2-E3B085C9AB24}">
-                <p16:designElem xmlns:p16="http://schemas.microsoft.com/office/powerpoint/2015/main" xmlns="" val="1"/>
+                <p16:designElem xmlns:p16="http://schemas.microsoft.com/office/powerpoint/2015/main" val="1"/>
               </p:ext>
             </p:extLst>
           </p:nvPr>
@@ -18995,7 +19787,7 @@
           <p:cNvPr id="10" name="Inhaltsplatzhalter 2">
             <a:extLst>
               <a:ext uri="{FF2B5EF4-FFF2-40B4-BE49-F238E27FC236}">
-                <a16:creationId xmlns:a16="http://schemas.microsoft.com/office/drawing/2014/main" xmlns="" id="{9E086109-A865-491E-8199-31771C640B6F}"/>
+                <a16:creationId xmlns:a16="http://schemas.microsoft.com/office/drawing/2014/main" id="{9E086109-A865-491E-8199-31771C640B6F}"/>
               </a:ext>
             </a:extLst>
           </p:cNvPr>
@@ -19183,7 +19975,7 @@
           </a:lstStyle>
           <a:p>
             <a:r>
-              <a:rPr lang="de-AT" sz="2000" dirty="0" smtClean="0"/>
+              <a:rPr lang="de-AT" sz="2000" dirty="0"/>
               <a:t>Features werden nicht präzise genug erkannt</a:t>
             </a:r>
           </a:p>
@@ -19192,7 +19984,7 @@
               <a:buFont typeface="Arial" panose="020B0604020202020204" pitchFamily="34" charset="0"/>
               <a:buNone/>
             </a:pPr>
-            <a:endParaRPr lang="de-AT" sz="2000" dirty="0" smtClean="0"/>
+            <a:endParaRPr lang="de-AT" sz="2000" dirty="0"/>
           </a:p>
           <a:p>
             <a:pPr marL="0" indent="0">
@@ -19200,10 +19992,9 @@
               <a:buNone/>
             </a:pPr>
             <a:r>
-              <a:rPr lang="de-AT" sz="2000" dirty="0" smtClean="0"/>
+              <a:rPr lang="de-AT" sz="2000" dirty="0"/>
               <a:t> </a:t>
             </a:r>
-            <a:endParaRPr lang="de-AT" sz="2000" dirty="0"/>
           </a:p>
         </p:txBody>
       </p:sp>
@@ -19217,13 +20008,6 @@
   <p:clrMapOvr>
     <a:masterClrMapping/>
   </p:clrMapOvr>
-  <p:timing>
-    <p:tnLst>
-      <p:par>
-        <p:cTn id="1" dur="indefinite" restart="never" nodeType="tmRoot"/>
-      </p:par>
-    </p:tnLst>
-  </p:timing>
 </p:sld>
 </file>
 
